--- a/BasicsOfCoding/BasicsOfCoding.pptx
+++ b/BasicsOfCoding/BasicsOfCoding.pptx
@@ -4,8 +4,14 @@
   <p:sldMasterIdLst>
     <p:sldMasterId id="2147483648" r:id="rId1"/>
   </p:sldMasterIdLst>
+  <p:notesMasterIdLst>
+    <p:notesMasterId r:id="rId6"/>
+  </p:notesMasterIdLst>
   <p:sldIdLst>
     <p:sldId id="256" r:id="rId2"/>
+    <p:sldId id="257" r:id="rId3"/>
+    <p:sldId id="260" r:id="rId4"/>
+    <p:sldId id="259" r:id="rId5"/>
   </p:sldIdLst>
   <p:sldSz cx="9144000" cy="6858000" type="screen4x3"/>
   <p:notesSz cx="6858000" cy="9144000"/>
@@ -105,6 +111,440 @@
     </a:lvl9pPr>
   </p:defaultTextStyle>
 </p:presentation>
+</file>
+
+<file path=ppt/notesMasters/notesMaster1.xml><?xml version="1.0" encoding="utf-8"?>
+<p:notesMaster xmlns:a="http://schemas.openxmlformats.org/drawingml/2006/main" xmlns:r="http://schemas.openxmlformats.org/officeDocument/2006/relationships" xmlns:p="http://schemas.openxmlformats.org/presentationml/2006/main">
+  <p:cSld>
+    <p:bg>
+      <p:bgRef idx="1001">
+        <a:schemeClr val="bg1"/>
+      </p:bgRef>
+    </p:bg>
+    <p:spTree>
+      <p:nvGrpSpPr>
+        <p:cNvPr id="1" name=""/>
+        <p:cNvGrpSpPr/>
+        <p:nvPr/>
+      </p:nvGrpSpPr>
+      <p:grpSpPr>
+        <a:xfrm>
+          <a:off x="0" y="0"/>
+          <a:ext cx="0" cy="0"/>
+          <a:chOff x="0" y="0"/>
+          <a:chExt cx="0" cy="0"/>
+        </a:xfrm>
+      </p:grpSpPr>
+      <p:sp>
+        <p:nvSpPr>
+          <p:cNvPr id="2" name="Header Placeholder 1"/>
+          <p:cNvSpPr>
+            <a:spLocks noGrp="1"/>
+          </p:cNvSpPr>
+          <p:nvPr>
+            <p:ph type="hdr" sz="quarter"/>
+          </p:nvPr>
+        </p:nvSpPr>
+        <p:spPr>
+          <a:xfrm>
+            <a:off x="0" y="0"/>
+            <a:ext cx="2971800" cy="457200"/>
+          </a:xfrm>
+          <a:prstGeom prst="rect">
+            <a:avLst/>
+          </a:prstGeom>
+        </p:spPr>
+        <p:txBody>
+          <a:bodyPr vert="horz" lIns="91440" tIns="45720" rIns="91440" bIns="45720" rtlCol="0"/>
+          <a:lstStyle>
+            <a:lvl1pPr algn="l">
+              <a:defRPr sz="1200"/>
+            </a:lvl1pPr>
+          </a:lstStyle>
+          <a:p>
+            <a:endParaRPr lang="en-US"/>
+          </a:p>
+        </p:txBody>
+      </p:sp>
+      <p:sp>
+        <p:nvSpPr>
+          <p:cNvPr id="3" name="Date Placeholder 2"/>
+          <p:cNvSpPr>
+            <a:spLocks noGrp="1"/>
+          </p:cNvSpPr>
+          <p:nvPr>
+            <p:ph type="dt" idx="1"/>
+          </p:nvPr>
+        </p:nvSpPr>
+        <p:spPr>
+          <a:xfrm>
+            <a:off x="3884613" y="0"/>
+            <a:ext cx="2971800" cy="457200"/>
+          </a:xfrm>
+          <a:prstGeom prst="rect">
+            <a:avLst/>
+          </a:prstGeom>
+        </p:spPr>
+        <p:txBody>
+          <a:bodyPr vert="horz" lIns="91440" tIns="45720" rIns="91440" bIns="45720" rtlCol="0"/>
+          <a:lstStyle>
+            <a:lvl1pPr algn="r">
+              <a:defRPr sz="1200"/>
+            </a:lvl1pPr>
+          </a:lstStyle>
+          <a:p>
+            <a:fld id="{61D397DF-A733-5248-B82E-D2752A07DE73}" type="datetimeFigureOut">
+              <a:rPr lang="en-US" smtClean="0"/>
+              <a:t>7/10/14</a:t>
+            </a:fld>
+            <a:endParaRPr lang="en-US"/>
+          </a:p>
+        </p:txBody>
+      </p:sp>
+      <p:sp>
+        <p:nvSpPr>
+          <p:cNvPr id="4" name="Slide Image Placeholder 3"/>
+          <p:cNvSpPr>
+            <a:spLocks noGrp="1" noRot="1" noChangeAspect="1"/>
+          </p:cNvSpPr>
+          <p:nvPr>
+            <p:ph type="sldImg" idx="2"/>
+          </p:nvPr>
+        </p:nvSpPr>
+        <p:spPr>
+          <a:xfrm>
+            <a:off x="1143000" y="685800"/>
+            <a:ext cx="4572000" cy="3429000"/>
+          </a:xfrm>
+          <a:prstGeom prst="rect">
+            <a:avLst/>
+          </a:prstGeom>
+          <a:noFill/>
+          <a:ln w="12700">
+            <a:solidFill>
+              <a:prstClr val="black"/>
+            </a:solidFill>
+          </a:ln>
+        </p:spPr>
+        <p:txBody>
+          <a:bodyPr vert="horz" lIns="91440" tIns="45720" rIns="91440" bIns="45720" rtlCol="0" anchor="ctr"/>
+          <a:lstStyle/>
+          <a:p>
+            <a:endParaRPr lang="en-US"/>
+          </a:p>
+        </p:txBody>
+      </p:sp>
+      <p:sp>
+        <p:nvSpPr>
+          <p:cNvPr id="5" name="Notes Placeholder 4"/>
+          <p:cNvSpPr>
+            <a:spLocks noGrp="1"/>
+          </p:cNvSpPr>
+          <p:nvPr>
+            <p:ph type="body" sz="quarter" idx="3"/>
+          </p:nvPr>
+        </p:nvSpPr>
+        <p:spPr>
+          <a:xfrm>
+            <a:off x="685800" y="4343400"/>
+            <a:ext cx="5486400" cy="4114800"/>
+          </a:xfrm>
+          <a:prstGeom prst="rect">
+            <a:avLst/>
+          </a:prstGeom>
+        </p:spPr>
+        <p:txBody>
+          <a:bodyPr vert="horz" lIns="91440" tIns="45720" rIns="91440" bIns="45720" rtlCol="0"/>
+          <a:lstStyle/>
+          <a:p>
+            <a:pPr lvl="0"/>
+            <a:r>
+              <a:rPr lang="en-US" smtClean="0"/>
+              <a:t>Click to edit Master text styles</a:t>
+            </a:r>
+          </a:p>
+          <a:p>
+            <a:pPr lvl="1"/>
+            <a:r>
+              <a:rPr lang="en-US" smtClean="0"/>
+              <a:t>Second level</a:t>
+            </a:r>
+          </a:p>
+          <a:p>
+            <a:pPr lvl="2"/>
+            <a:r>
+              <a:rPr lang="en-US" smtClean="0"/>
+              <a:t>Third level</a:t>
+            </a:r>
+          </a:p>
+          <a:p>
+            <a:pPr lvl="3"/>
+            <a:r>
+              <a:rPr lang="en-US" smtClean="0"/>
+              <a:t>Fourth level</a:t>
+            </a:r>
+          </a:p>
+          <a:p>
+            <a:pPr lvl="4"/>
+            <a:r>
+              <a:rPr lang="en-US" smtClean="0"/>
+              <a:t>Fifth level</a:t>
+            </a:r>
+            <a:endParaRPr lang="en-US"/>
+          </a:p>
+        </p:txBody>
+      </p:sp>
+      <p:sp>
+        <p:nvSpPr>
+          <p:cNvPr id="6" name="Footer Placeholder 5"/>
+          <p:cNvSpPr>
+            <a:spLocks noGrp="1"/>
+          </p:cNvSpPr>
+          <p:nvPr>
+            <p:ph type="ftr" sz="quarter" idx="4"/>
+          </p:nvPr>
+        </p:nvSpPr>
+        <p:spPr>
+          <a:xfrm>
+            <a:off x="0" y="8685213"/>
+            <a:ext cx="2971800" cy="457200"/>
+          </a:xfrm>
+          <a:prstGeom prst="rect">
+            <a:avLst/>
+          </a:prstGeom>
+        </p:spPr>
+        <p:txBody>
+          <a:bodyPr vert="horz" lIns="91440" tIns="45720" rIns="91440" bIns="45720" rtlCol="0" anchor="b"/>
+          <a:lstStyle>
+            <a:lvl1pPr algn="l">
+              <a:defRPr sz="1200"/>
+            </a:lvl1pPr>
+          </a:lstStyle>
+          <a:p>
+            <a:endParaRPr lang="en-US"/>
+          </a:p>
+        </p:txBody>
+      </p:sp>
+      <p:sp>
+        <p:nvSpPr>
+          <p:cNvPr id="7" name="Slide Number Placeholder 6"/>
+          <p:cNvSpPr>
+            <a:spLocks noGrp="1"/>
+          </p:cNvSpPr>
+          <p:nvPr>
+            <p:ph type="sldNum" sz="quarter" idx="5"/>
+          </p:nvPr>
+        </p:nvSpPr>
+        <p:spPr>
+          <a:xfrm>
+            <a:off x="3884613" y="8685213"/>
+            <a:ext cx="2971800" cy="457200"/>
+          </a:xfrm>
+          <a:prstGeom prst="rect">
+            <a:avLst/>
+          </a:prstGeom>
+        </p:spPr>
+        <p:txBody>
+          <a:bodyPr vert="horz" lIns="91440" tIns="45720" rIns="91440" bIns="45720" rtlCol="0" anchor="b"/>
+          <a:lstStyle>
+            <a:lvl1pPr algn="r">
+              <a:defRPr sz="1200"/>
+            </a:lvl1pPr>
+          </a:lstStyle>
+          <a:p>
+            <a:fld id="{D2A84381-3185-C147-A825-3C7E66594F36}" type="slidenum">
+              <a:rPr lang="en-US" smtClean="0"/>
+              <a:t>‹#›</a:t>
+            </a:fld>
+            <a:endParaRPr lang="en-US"/>
+          </a:p>
+        </p:txBody>
+      </p:sp>
+    </p:spTree>
+    <p:extLst>
+      <p:ext uri="{BB962C8B-B14F-4D97-AF65-F5344CB8AC3E}">
+        <p14:creationId xmlns:p14="http://schemas.microsoft.com/office/powerpoint/2010/main" val="381634446"/>
+      </p:ext>
+    </p:extLst>
+  </p:cSld>
+  <p:clrMap bg1="lt1" tx1="dk1" bg2="lt2" tx2="dk2" accent1="accent1" accent2="accent2" accent3="accent3" accent4="accent4" accent5="accent5" accent6="accent6" hlink="hlink" folHlink="folHlink"/>
+  <p:notesStyle>
+    <a:lvl1pPr marL="0" algn="l" defTabSz="457200" rtl="0" eaLnBrk="1" latinLnBrk="0" hangingPunct="1">
+      <a:defRPr sz="1200" kern="1200">
+        <a:solidFill>
+          <a:schemeClr val="tx1"/>
+        </a:solidFill>
+        <a:latin typeface="+mn-lt"/>
+        <a:ea typeface="+mn-ea"/>
+        <a:cs typeface="+mn-cs"/>
+      </a:defRPr>
+    </a:lvl1pPr>
+    <a:lvl2pPr marL="457200" algn="l" defTabSz="457200" rtl="0" eaLnBrk="1" latinLnBrk="0" hangingPunct="1">
+      <a:defRPr sz="1200" kern="1200">
+        <a:solidFill>
+          <a:schemeClr val="tx1"/>
+        </a:solidFill>
+        <a:latin typeface="+mn-lt"/>
+        <a:ea typeface="+mn-ea"/>
+        <a:cs typeface="+mn-cs"/>
+      </a:defRPr>
+    </a:lvl2pPr>
+    <a:lvl3pPr marL="914400" algn="l" defTabSz="457200" rtl="0" eaLnBrk="1" latinLnBrk="0" hangingPunct="1">
+      <a:defRPr sz="1200" kern="1200">
+        <a:solidFill>
+          <a:schemeClr val="tx1"/>
+        </a:solidFill>
+        <a:latin typeface="+mn-lt"/>
+        <a:ea typeface="+mn-ea"/>
+        <a:cs typeface="+mn-cs"/>
+      </a:defRPr>
+    </a:lvl3pPr>
+    <a:lvl4pPr marL="1371600" algn="l" defTabSz="457200" rtl="0" eaLnBrk="1" latinLnBrk="0" hangingPunct="1">
+      <a:defRPr sz="1200" kern="1200">
+        <a:solidFill>
+          <a:schemeClr val="tx1"/>
+        </a:solidFill>
+        <a:latin typeface="+mn-lt"/>
+        <a:ea typeface="+mn-ea"/>
+        <a:cs typeface="+mn-cs"/>
+      </a:defRPr>
+    </a:lvl4pPr>
+    <a:lvl5pPr marL="1828800" algn="l" defTabSz="457200" rtl="0" eaLnBrk="1" latinLnBrk="0" hangingPunct="1">
+      <a:defRPr sz="1200" kern="1200">
+        <a:solidFill>
+          <a:schemeClr val="tx1"/>
+        </a:solidFill>
+        <a:latin typeface="+mn-lt"/>
+        <a:ea typeface="+mn-ea"/>
+        <a:cs typeface="+mn-cs"/>
+      </a:defRPr>
+    </a:lvl5pPr>
+    <a:lvl6pPr marL="2286000" algn="l" defTabSz="457200" rtl="0" eaLnBrk="1" latinLnBrk="0" hangingPunct="1">
+      <a:defRPr sz="1200" kern="1200">
+        <a:solidFill>
+          <a:schemeClr val="tx1"/>
+        </a:solidFill>
+        <a:latin typeface="+mn-lt"/>
+        <a:ea typeface="+mn-ea"/>
+        <a:cs typeface="+mn-cs"/>
+      </a:defRPr>
+    </a:lvl6pPr>
+    <a:lvl7pPr marL="2743200" algn="l" defTabSz="457200" rtl="0" eaLnBrk="1" latinLnBrk="0" hangingPunct="1">
+      <a:defRPr sz="1200" kern="1200">
+        <a:solidFill>
+          <a:schemeClr val="tx1"/>
+        </a:solidFill>
+        <a:latin typeface="+mn-lt"/>
+        <a:ea typeface="+mn-ea"/>
+        <a:cs typeface="+mn-cs"/>
+      </a:defRPr>
+    </a:lvl7pPr>
+    <a:lvl8pPr marL="3200400" algn="l" defTabSz="457200" rtl="0" eaLnBrk="1" latinLnBrk="0" hangingPunct="1">
+      <a:defRPr sz="1200" kern="1200">
+        <a:solidFill>
+          <a:schemeClr val="tx1"/>
+        </a:solidFill>
+        <a:latin typeface="+mn-lt"/>
+        <a:ea typeface="+mn-ea"/>
+        <a:cs typeface="+mn-cs"/>
+      </a:defRPr>
+    </a:lvl8pPr>
+    <a:lvl9pPr marL="3657600" algn="l" defTabSz="457200" rtl="0" eaLnBrk="1" latinLnBrk="0" hangingPunct="1">
+      <a:defRPr sz="1200" kern="1200">
+        <a:solidFill>
+          <a:schemeClr val="tx1"/>
+        </a:solidFill>
+        <a:latin typeface="+mn-lt"/>
+        <a:ea typeface="+mn-ea"/>
+        <a:cs typeface="+mn-cs"/>
+      </a:defRPr>
+    </a:lvl9pPr>
+  </p:notesStyle>
+</p:notesMaster>
+</file>
+
+<file path=ppt/notesSlides/notesSlide1.xml><?xml version="1.0" encoding="utf-8"?>
+<p:notes xmlns:a="http://schemas.openxmlformats.org/drawingml/2006/main" xmlns:r="http://schemas.openxmlformats.org/officeDocument/2006/relationships" xmlns:p="http://schemas.openxmlformats.org/presentationml/2006/main">
+  <p:cSld>
+    <p:spTree>
+      <p:nvGrpSpPr>
+        <p:cNvPr id="1" name=""/>
+        <p:cNvGrpSpPr/>
+        <p:nvPr/>
+      </p:nvGrpSpPr>
+      <p:grpSpPr>
+        <a:xfrm>
+          <a:off x="0" y="0"/>
+          <a:ext cx="0" cy="0"/>
+          <a:chOff x="0" y="0"/>
+          <a:chExt cx="0" cy="0"/>
+        </a:xfrm>
+      </p:grpSpPr>
+      <p:sp>
+        <p:nvSpPr>
+          <p:cNvPr id="2" name="Slide Image Placeholder 1"/>
+          <p:cNvSpPr>
+            <a:spLocks noGrp="1" noRot="1" noChangeAspect="1"/>
+          </p:cNvSpPr>
+          <p:nvPr>
+            <p:ph type="sldImg"/>
+          </p:nvPr>
+        </p:nvSpPr>
+        <p:spPr/>
+      </p:sp>
+      <p:sp>
+        <p:nvSpPr>
+          <p:cNvPr id="3" name="Notes Placeholder 2"/>
+          <p:cNvSpPr>
+            <a:spLocks noGrp="1"/>
+          </p:cNvSpPr>
+          <p:nvPr>
+            <p:ph type="body" idx="1"/>
+          </p:nvPr>
+        </p:nvSpPr>
+        <p:spPr/>
+        <p:txBody>
+          <a:bodyPr/>
+          <a:lstStyle/>
+          <a:p>
+            <a:endParaRPr lang="en-US" dirty="0"/>
+          </a:p>
+        </p:txBody>
+      </p:sp>
+      <p:sp>
+        <p:nvSpPr>
+          <p:cNvPr id="4" name="Slide Number Placeholder 3"/>
+          <p:cNvSpPr>
+            <a:spLocks noGrp="1"/>
+          </p:cNvSpPr>
+          <p:nvPr>
+            <p:ph type="sldNum" sz="quarter" idx="10"/>
+          </p:nvPr>
+        </p:nvSpPr>
+        <p:spPr/>
+        <p:txBody>
+          <a:bodyPr/>
+          <a:lstStyle/>
+          <a:p>
+            <a:fld id="{D2A84381-3185-C147-A825-3C7E66594F36}" type="slidenum">
+              <a:rPr lang="en-US" smtClean="0"/>
+              <a:t>1</a:t>
+            </a:fld>
+            <a:endParaRPr lang="en-US"/>
+          </a:p>
+        </p:txBody>
+      </p:sp>
+    </p:spTree>
+    <p:extLst>
+      <p:ext uri="{BB962C8B-B14F-4D97-AF65-F5344CB8AC3E}">
+        <p14:creationId xmlns:p14="http://schemas.microsoft.com/office/powerpoint/2010/main" val="653783919"/>
+      </p:ext>
+    </p:extLst>
+  </p:cSld>
+  <p:clrMapOvr>
+    <a:masterClrMapping/>
+  </p:clrMapOvr>
+</p:notes>
 </file>
 
 <file path=ppt/slideLayouts/slideLayout1.xml><?xml version="1.0" encoding="utf-8"?>
@@ -3159,6 +3599,315 @@
     <p:extLst>
       <p:ext uri="{BB962C8B-B14F-4D97-AF65-F5344CB8AC3E}">
         <p14:creationId xmlns:p14="http://schemas.microsoft.com/office/powerpoint/2010/main" val="4101251583"/>
+      </p:ext>
+    </p:extLst>
+  </p:cSld>
+  <p:clrMapOvr>
+    <a:masterClrMapping/>
+  </p:clrMapOvr>
+</p:sld>
+</file>
+
+<file path=ppt/slides/slide2.xml><?xml version="1.0" encoding="utf-8"?>
+<p:sld xmlns:a="http://schemas.openxmlformats.org/drawingml/2006/main" xmlns:r="http://schemas.openxmlformats.org/officeDocument/2006/relationships" xmlns:p="http://schemas.openxmlformats.org/presentationml/2006/main">
+  <p:cSld>
+    <p:spTree>
+      <p:nvGrpSpPr>
+        <p:cNvPr id="1" name=""/>
+        <p:cNvGrpSpPr/>
+        <p:nvPr/>
+      </p:nvGrpSpPr>
+      <p:grpSpPr>
+        <a:xfrm>
+          <a:off x="0" y="0"/>
+          <a:ext cx="0" cy="0"/>
+          <a:chOff x="0" y="0"/>
+          <a:chExt cx="0" cy="0"/>
+        </a:xfrm>
+      </p:grpSpPr>
+      <p:sp>
+        <p:nvSpPr>
+          <p:cNvPr id="2" name="Title 1"/>
+          <p:cNvSpPr>
+            <a:spLocks noGrp="1"/>
+          </p:cNvSpPr>
+          <p:nvPr>
+            <p:ph type="title"/>
+          </p:nvPr>
+        </p:nvSpPr>
+        <p:spPr/>
+        <p:txBody>
+          <a:bodyPr/>
+          <a:lstStyle/>
+          <a:p>
+            <a:r>
+              <a:rPr lang="en-US" dirty="0" smtClean="0"/>
+              <a:t>My background</a:t>
+            </a:r>
+            <a:endParaRPr lang="en-US" dirty="0"/>
+          </a:p>
+        </p:txBody>
+      </p:sp>
+      <p:sp>
+        <p:nvSpPr>
+          <p:cNvPr id="3" name="Content Placeholder 2"/>
+          <p:cNvSpPr>
+            <a:spLocks noGrp="1"/>
+          </p:cNvSpPr>
+          <p:nvPr>
+            <p:ph idx="1"/>
+          </p:nvPr>
+        </p:nvSpPr>
+        <p:spPr/>
+        <p:txBody>
+          <a:bodyPr>
+            <a:normAutofit lnSpcReduction="10000"/>
+          </a:bodyPr>
+          <a:lstStyle/>
+          <a:p>
+            <a:r>
+              <a:rPr lang="en-US" dirty="0" smtClean="0"/>
+              <a:t>B.S. Math, Minor in Computer Science</a:t>
+            </a:r>
+          </a:p>
+          <a:p>
+            <a:r>
+              <a:rPr lang="en-US" dirty="0" smtClean="0"/>
+              <a:t>Research </a:t>
+            </a:r>
+          </a:p>
+          <a:p>
+            <a:pPr lvl="1"/>
+            <a:r>
+              <a:rPr lang="en-US" dirty="0" smtClean="0"/>
+              <a:t>Undergrad research in computational geophysics</a:t>
+            </a:r>
+          </a:p>
+          <a:p>
+            <a:pPr lvl="1"/>
+            <a:r>
+              <a:rPr lang="en-US" dirty="0" smtClean="0"/>
+              <a:t>Internship at Northwestern EPS department</a:t>
+            </a:r>
+          </a:p>
+          <a:p>
+            <a:r>
+              <a:rPr lang="en-US" dirty="0" smtClean="0"/>
+              <a:t>~9 months as a software engineer at a Silicon Valley startup</a:t>
+            </a:r>
+          </a:p>
+          <a:p>
+            <a:r>
+              <a:rPr lang="en-US" dirty="0" smtClean="0"/>
+              <a:t>Currently graduate student at Electrical and Computer engineering department at Carnegie Mellon</a:t>
+            </a:r>
+          </a:p>
+          <a:p>
+            <a:endParaRPr lang="en-US" dirty="0" smtClean="0"/>
+          </a:p>
+          <a:p>
+            <a:endParaRPr lang="en-US" dirty="0"/>
+          </a:p>
+        </p:txBody>
+      </p:sp>
+    </p:spTree>
+    <p:extLst>
+      <p:ext uri="{BB962C8B-B14F-4D97-AF65-F5344CB8AC3E}">
+        <p14:creationId xmlns:p14="http://schemas.microsoft.com/office/powerpoint/2010/main" val="1092556029"/>
+      </p:ext>
+    </p:extLst>
+  </p:cSld>
+  <p:clrMapOvr>
+    <a:masterClrMapping/>
+  </p:clrMapOvr>
+</p:sld>
+</file>
+
+<file path=ppt/slides/slide3.xml><?xml version="1.0" encoding="utf-8"?>
+<p:sld xmlns:a="http://schemas.openxmlformats.org/drawingml/2006/main" xmlns:r="http://schemas.openxmlformats.org/officeDocument/2006/relationships" xmlns:p="http://schemas.openxmlformats.org/presentationml/2006/main">
+  <p:cSld>
+    <p:spTree>
+      <p:nvGrpSpPr>
+        <p:cNvPr id="1" name=""/>
+        <p:cNvGrpSpPr/>
+        <p:nvPr/>
+      </p:nvGrpSpPr>
+      <p:grpSpPr>
+        <a:xfrm>
+          <a:off x="0" y="0"/>
+          <a:ext cx="0" cy="0"/>
+          <a:chOff x="0" y="0"/>
+          <a:chExt cx="0" cy="0"/>
+        </a:xfrm>
+      </p:grpSpPr>
+      <p:sp>
+        <p:nvSpPr>
+          <p:cNvPr id="2" name="Title 1"/>
+          <p:cNvSpPr>
+            <a:spLocks noGrp="1"/>
+          </p:cNvSpPr>
+          <p:nvPr>
+            <p:ph type="title"/>
+          </p:nvPr>
+        </p:nvSpPr>
+        <p:spPr/>
+        <p:txBody>
+          <a:bodyPr/>
+          <a:lstStyle/>
+          <a:p>
+            <a:r>
+              <a:rPr lang="en-US" dirty="0" smtClean="0"/>
+              <a:t>Contents</a:t>
+            </a:r>
+            <a:endParaRPr lang="en-US" dirty="0"/>
+          </a:p>
+        </p:txBody>
+      </p:sp>
+      <p:sp>
+        <p:nvSpPr>
+          <p:cNvPr id="3" name="Content Placeholder 2"/>
+          <p:cNvSpPr>
+            <a:spLocks noGrp="1"/>
+          </p:cNvSpPr>
+          <p:nvPr>
+            <p:ph idx="1"/>
+          </p:nvPr>
+        </p:nvSpPr>
+        <p:spPr/>
+        <p:txBody>
+          <a:bodyPr/>
+          <a:lstStyle/>
+          <a:p>
+            <a:r>
+              <a:rPr lang="en-US" dirty="0" smtClean="0"/>
+              <a:t>Writing you own code</a:t>
+            </a:r>
+          </a:p>
+          <a:p>
+            <a:pPr lvl="1"/>
+            <a:r>
+              <a:rPr lang="en-US" dirty="0" smtClean="0"/>
+              <a:t>Commenting code</a:t>
+            </a:r>
+          </a:p>
+          <a:p>
+            <a:pPr lvl="1"/>
+            <a:r>
+              <a:rPr lang="en-US" dirty="0" smtClean="0"/>
+              <a:t>No magic numbers</a:t>
+            </a:r>
+          </a:p>
+          <a:p>
+            <a:pPr lvl="1"/>
+            <a:r>
+              <a:rPr lang="en-US" smtClean="0"/>
+              <a:t>Naming conventions</a:t>
+            </a:r>
+            <a:endParaRPr lang="en-US" dirty="0" smtClean="0"/>
+          </a:p>
+          <a:p>
+            <a:endParaRPr lang="en-US" dirty="0"/>
+          </a:p>
+        </p:txBody>
+      </p:sp>
+      <p:sp>
+        <p:nvSpPr>
+          <p:cNvPr id="4" name="TextBox 3"/>
+          <p:cNvSpPr txBox="1"/>
+          <p:nvPr/>
+        </p:nvSpPr>
+        <p:spPr>
+          <a:xfrm>
+            <a:off x="10341895" y="5361034"/>
+            <a:ext cx="184666" cy="369332"/>
+          </a:xfrm>
+          <a:prstGeom prst="rect">
+            <a:avLst/>
+          </a:prstGeom>
+          <a:noFill/>
+        </p:spPr>
+        <p:txBody>
+          <a:bodyPr wrap="none" rtlCol="0">
+            <a:spAutoFit/>
+          </a:bodyPr>
+          <a:lstStyle/>
+          <a:p>
+            <a:endParaRPr lang="en-US" dirty="0"/>
+          </a:p>
+        </p:txBody>
+      </p:sp>
+    </p:spTree>
+    <p:extLst>
+      <p:ext uri="{BB962C8B-B14F-4D97-AF65-F5344CB8AC3E}">
+        <p14:creationId xmlns:p14="http://schemas.microsoft.com/office/powerpoint/2010/main" val="1419421821"/>
+      </p:ext>
+    </p:extLst>
+  </p:cSld>
+  <p:clrMapOvr>
+    <a:masterClrMapping/>
+  </p:clrMapOvr>
+</p:sld>
+</file>
+
+<file path=ppt/slides/slide4.xml><?xml version="1.0" encoding="utf-8"?>
+<p:sld xmlns:a="http://schemas.openxmlformats.org/drawingml/2006/main" xmlns:r="http://schemas.openxmlformats.org/officeDocument/2006/relationships" xmlns:p="http://schemas.openxmlformats.org/presentationml/2006/main">
+  <p:cSld>
+    <p:spTree>
+      <p:nvGrpSpPr>
+        <p:cNvPr id="1" name=""/>
+        <p:cNvGrpSpPr/>
+        <p:nvPr/>
+      </p:nvGrpSpPr>
+      <p:grpSpPr>
+        <a:xfrm>
+          <a:off x="0" y="0"/>
+          <a:ext cx="0" cy="0"/>
+          <a:chOff x="0" y="0"/>
+          <a:chExt cx="0" cy="0"/>
+        </a:xfrm>
+      </p:grpSpPr>
+      <p:sp>
+        <p:nvSpPr>
+          <p:cNvPr id="2" name="Title 1"/>
+          <p:cNvSpPr>
+            <a:spLocks noGrp="1"/>
+          </p:cNvSpPr>
+          <p:nvPr>
+            <p:ph type="title"/>
+          </p:nvPr>
+        </p:nvSpPr>
+        <p:spPr/>
+        <p:txBody>
+          <a:bodyPr/>
+          <a:lstStyle/>
+          <a:p>
+            <a:endParaRPr lang="en-US"/>
+          </a:p>
+        </p:txBody>
+      </p:sp>
+      <p:sp>
+        <p:nvSpPr>
+          <p:cNvPr id="3" name="Content Placeholder 2"/>
+          <p:cNvSpPr>
+            <a:spLocks noGrp="1"/>
+          </p:cNvSpPr>
+          <p:nvPr>
+            <p:ph idx="1"/>
+          </p:nvPr>
+        </p:nvSpPr>
+        <p:spPr/>
+        <p:txBody>
+          <a:bodyPr/>
+          <a:lstStyle/>
+          <a:p>
+            <a:endParaRPr lang="en-US"/>
+          </a:p>
+        </p:txBody>
+      </p:sp>
+    </p:spTree>
+    <p:extLst>
+      <p:ext uri="{BB962C8B-B14F-4D97-AF65-F5344CB8AC3E}">
+        <p14:creationId xmlns:p14="http://schemas.microsoft.com/office/powerpoint/2010/main" val="3366251998"/>
       </p:ext>
     </p:extLst>
   </p:cSld>
@@ -3486,4 +4235,324 @@
   </a:objectDefaults>
   <a:extraClrSchemeLst/>
 </a:theme>
+</file>
+
+<file path=ppt/theme/theme2.xml><?xml version="1.0" encoding="utf-8"?>
+<a:theme xmlns:a="http://schemas.openxmlformats.org/drawingml/2006/main" name="Office Theme">
+  <a:themeElements>
+    <a:clrScheme name="Office">
+      <a:dk1>
+        <a:sysClr val="windowText" lastClr="000000"/>
+      </a:dk1>
+      <a:lt1>
+        <a:sysClr val="window" lastClr="FFFFFF"/>
+      </a:lt1>
+      <a:dk2>
+        <a:srgbClr val="1F497D"/>
+      </a:dk2>
+      <a:lt2>
+        <a:srgbClr val="EEECE1"/>
+      </a:lt2>
+      <a:accent1>
+        <a:srgbClr val="4F81BD"/>
+      </a:accent1>
+      <a:accent2>
+        <a:srgbClr val="C0504D"/>
+      </a:accent2>
+      <a:accent3>
+        <a:srgbClr val="9BBB59"/>
+      </a:accent3>
+      <a:accent4>
+        <a:srgbClr val="8064A2"/>
+      </a:accent4>
+      <a:accent5>
+        <a:srgbClr val="4BACC6"/>
+      </a:accent5>
+      <a:accent6>
+        <a:srgbClr val="F79646"/>
+      </a:accent6>
+      <a:hlink>
+        <a:srgbClr val="0000FF"/>
+      </a:hlink>
+      <a:folHlink>
+        <a:srgbClr val="800080"/>
+      </a:folHlink>
+    </a:clrScheme>
+    <a:fontScheme name="Office">
+      <a:majorFont>
+        <a:latin typeface="Calibri"/>
+        <a:ea typeface=""/>
+        <a:cs typeface=""/>
+        <a:font script="Jpan" typeface="ＭＳ Ｐゴシック"/>
+        <a:font script="Hang" typeface="맑은 고딕"/>
+        <a:font script="Hans" typeface="宋体"/>
+        <a:font script="Hant" typeface="新細明體"/>
+        <a:font script="Arab" typeface="Times New Roman"/>
+        <a:font script="Hebr" typeface="Times New Roman"/>
+        <a:font script="Thai" typeface="Angsana New"/>
+        <a:font script="Ethi" typeface="Nyala"/>
+        <a:font script="Beng" typeface="Vrinda"/>
+        <a:font script="Gujr" typeface="Shruti"/>
+        <a:font script="Khmr" typeface="MoolBoran"/>
+        <a:font script="Knda" typeface="Tunga"/>
+        <a:font script="Guru" typeface="Raavi"/>
+        <a:font script="Cans" typeface="Euphemia"/>
+        <a:font script="Cher" typeface="Plantagenet Cherokee"/>
+        <a:font script="Yiii" typeface="Microsoft Yi Baiti"/>
+        <a:font script="Tibt" typeface="Microsoft Himalaya"/>
+        <a:font script="Thaa" typeface="MV Boli"/>
+        <a:font script="Deva" typeface="Mangal"/>
+        <a:font script="Telu" typeface="Gautami"/>
+        <a:font script="Taml" typeface="Latha"/>
+        <a:font script="Syrc" typeface="Estrangelo Edessa"/>
+        <a:font script="Orya" typeface="Kalinga"/>
+        <a:font script="Mlym" typeface="Kartika"/>
+        <a:font script="Laoo" typeface="DokChampa"/>
+        <a:font script="Sinh" typeface="Iskoola Pota"/>
+        <a:font script="Mong" typeface="Mongolian Baiti"/>
+        <a:font script="Viet" typeface="Times New Roman"/>
+        <a:font script="Uigh" typeface="Microsoft Uighur"/>
+        <a:font script="Geor" typeface="Sylfaen"/>
+      </a:majorFont>
+      <a:minorFont>
+        <a:latin typeface="Calibri"/>
+        <a:ea typeface=""/>
+        <a:cs typeface=""/>
+        <a:font script="Jpan" typeface="ＭＳ Ｐゴシック"/>
+        <a:font script="Hang" typeface="맑은 고딕"/>
+        <a:font script="Hans" typeface="宋体"/>
+        <a:font script="Hant" typeface="新細明體"/>
+        <a:font script="Arab" typeface="Arial"/>
+        <a:font script="Hebr" typeface="Arial"/>
+        <a:font script="Thai" typeface="Cordia New"/>
+        <a:font script="Ethi" typeface="Nyala"/>
+        <a:font script="Beng" typeface="Vrinda"/>
+        <a:font script="Gujr" typeface="Shruti"/>
+        <a:font script="Khmr" typeface="DaunPenh"/>
+        <a:font script="Knda" typeface="Tunga"/>
+        <a:font script="Guru" typeface="Raavi"/>
+        <a:font script="Cans" typeface="Euphemia"/>
+        <a:font script="Cher" typeface="Plantagenet Cherokee"/>
+        <a:font script="Yiii" typeface="Microsoft Yi Baiti"/>
+        <a:font script="Tibt" typeface="Microsoft Himalaya"/>
+        <a:font script="Thaa" typeface="MV Boli"/>
+        <a:font script="Deva" typeface="Mangal"/>
+        <a:font script="Telu" typeface="Gautami"/>
+        <a:font script="Taml" typeface="Latha"/>
+        <a:font script="Syrc" typeface="Estrangelo Edessa"/>
+        <a:font script="Orya" typeface="Kalinga"/>
+        <a:font script="Mlym" typeface="Kartika"/>
+        <a:font script="Laoo" typeface="DokChampa"/>
+        <a:font script="Sinh" typeface="Iskoola Pota"/>
+        <a:font script="Mong" typeface="Mongolian Baiti"/>
+        <a:font script="Viet" typeface="Arial"/>
+        <a:font script="Uigh" typeface="Microsoft Uighur"/>
+        <a:font script="Geor" typeface="Sylfaen"/>
+      </a:minorFont>
+    </a:fontScheme>
+    <a:fmtScheme name="Office">
+      <a:fillStyleLst>
+        <a:solidFill>
+          <a:schemeClr val="phClr"/>
+        </a:solidFill>
+        <a:gradFill rotWithShape="1">
+          <a:gsLst>
+            <a:gs pos="0">
+              <a:schemeClr val="phClr">
+                <a:tint val="50000"/>
+                <a:satMod val="300000"/>
+              </a:schemeClr>
+            </a:gs>
+            <a:gs pos="35000">
+              <a:schemeClr val="phClr">
+                <a:tint val="37000"/>
+                <a:satMod val="300000"/>
+              </a:schemeClr>
+            </a:gs>
+            <a:gs pos="100000">
+              <a:schemeClr val="phClr">
+                <a:tint val="15000"/>
+                <a:satMod val="350000"/>
+              </a:schemeClr>
+            </a:gs>
+          </a:gsLst>
+          <a:lin ang="16200000" scaled="1"/>
+        </a:gradFill>
+        <a:gradFill rotWithShape="1">
+          <a:gsLst>
+            <a:gs pos="0">
+              <a:schemeClr val="phClr">
+                <a:tint val="100000"/>
+                <a:shade val="100000"/>
+                <a:satMod val="130000"/>
+              </a:schemeClr>
+            </a:gs>
+            <a:gs pos="100000">
+              <a:schemeClr val="phClr">
+                <a:tint val="50000"/>
+                <a:shade val="100000"/>
+                <a:satMod val="350000"/>
+              </a:schemeClr>
+            </a:gs>
+          </a:gsLst>
+          <a:lin ang="16200000" scaled="0"/>
+        </a:gradFill>
+      </a:fillStyleLst>
+      <a:lnStyleLst>
+        <a:ln w="9525" cap="flat" cmpd="sng" algn="ctr">
+          <a:solidFill>
+            <a:schemeClr val="phClr">
+              <a:shade val="95000"/>
+              <a:satMod val="105000"/>
+            </a:schemeClr>
+          </a:solidFill>
+          <a:prstDash val="solid"/>
+        </a:ln>
+        <a:ln w="25400" cap="flat" cmpd="sng" algn="ctr">
+          <a:solidFill>
+            <a:schemeClr val="phClr"/>
+          </a:solidFill>
+          <a:prstDash val="solid"/>
+        </a:ln>
+        <a:ln w="38100" cap="flat" cmpd="sng" algn="ctr">
+          <a:solidFill>
+            <a:schemeClr val="phClr"/>
+          </a:solidFill>
+          <a:prstDash val="solid"/>
+        </a:ln>
+      </a:lnStyleLst>
+      <a:effectStyleLst>
+        <a:effectStyle>
+          <a:effectLst>
+            <a:outerShdw blurRad="40000" dist="20000" dir="5400000" rotWithShape="0">
+              <a:srgbClr val="000000">
+                <a:alpha val="38000"/>
+              </a:srgbClr>
+            </a:outerShdw>
+          </a:effectLst>
+        </a:effectStyle>
+        <a:effectStyle>
+          <a:effectLst>
+            <a:outerShdw blurRad="40000" dist="23000" dir="5400000" rotWithShape="0">
+              <a:srgbClr val="000000">
+                <a:alpha val="35000"/>
+              </a:srgbClr>
+            </a:outerShdw>
+          </a:effectLst>
+        </a:effectStyle>
+        <a:effectStyle>
+          <a:effectLst>
+            <a:outerShdw blurRad="40000" dist="23000" dir="5400000" rotWithShape="0">
+              <a:srgbClr val="000000">
+                <a:alpha val="35000"/>
+              </a:srgbClr>
+            </a:outerShdw>
+          </a:effectLst>
+          <a:scene3d>
+            <a:camera prst="orthographicFront">
+              <a:rot lat="0" lon="0" rev="0"/>
+            </a:camera>
+            <a:lightRig rig="threePt" dir="t">
+              <a:rot lat="0" lon="0" rev="1200000"/>
+            </a:lightRig>
+          </a:scene3d>
+          <a:sp3d>
+            <a:bevelT w="63500" h="25400"/>
+          </a:sp3d>
+        </a:effectStyle>
+      </a:effectStyleLst>
+      <a:bgFillStyleLst>
+        <a:solidFill>
+          <a:schemeClr val="phClr"/>
+        </a:solidFill>
+        <a:gradFill rotWithShape="1">
+          <a:gsLst>
+            <a:gs pos="0">
+              <a:schemeClr val="phClr">
+                <a:tint val="40000"/>
+                <a:satMod val="350000"/>
+              </a:schemeClr>
+            </a:gs>
+            <a:gs pos="40000">
+              <a:schemeClr val="phClr">
+                <a:tint val="45000"/>
+                <a:shade val="99000"/>
+                <a:satMod val="350000"/>
+              </a:schemeClr>
+            </a:gs>
+            <a:gs pos="100000">
+              <a:schemeClr val="phClr">
+                <a:shade val="20000"/>
+                <a:satMod val="255000"/>
+              </a:schemeClr>
+            </a:gs>
+          </a:gsLst>
+          <a:path path="circle">
+            <a:fillToRect l="50000" t="-80000" r="50000" b="180000"/>
+          </a:path>
+        </a:gradFill>
+        <a:gradFill rotWithShape="1">
+          <a:gsLst>
+            <a:gs pos="0">
+              <a:schemeClr val="phClr">
+                <a:tint val="80000"/>
+                <a:satMod val="300000"/>
+              </a:schemeClr>
+            </a:gs>
+            <a:gs pos="100000">
+              <a:schemeClr val="phClr">
+                <a:shade val="30000"/>
+                <a:satMod val="200000"/>
+              </a:schemeClr>
+            </a:gs>
+          </a:gsLst>
+          <a:path path="circle">
+            <a:fillToRect l="50000" t="50000" r="50000" b="50000"/>
+          </a:path>
+        </a:gradFill>
+      </a:bgFillStyleLst>
+    </a:fmtScheme>
+  </a:themeElements>
+  <a:objectDefaults>
+    <a:spDef>
+      <a:spPr/>
+      <a:bodyPr/>
+      <a:lstStyle/>
+      <a:style>
+        <a:lnRef idx="1">
+          <a:schemeClr val="accent1"/>
+        </a:lnRef>
+        <a:fillRef idx="3">
+          <a:schemeClr val="accent1"/>
+        </a:fillRef>
+        <a:effectRef idx="2">
+          <a:schemeClr val="accent1"/>
+        </a:effectRef>
+        <a:fontRef idx="minor">
+          <a:schemeClr val="lt1"/>
+        </a:fontRef>
+      </a:style>
+    </a:spDef>
+    <a:lnDef>
+      <a:spPr/>
+      <a:bodyPr/>
+      <a:lstStyle/>
+      <a:style>
+        <a:lnRef idx="2">
+          <a:schemeClr val="accent1"/>
+        </a:lnRef>
+        <a:fillRef idx="0">
+          <a:schemeClr val="accent1"/>
+        </a:fillRef>
+        <a:effectRef idx="1">
+          <a:schemeClr val="accent1"/>
+        </a:effectRef>
+        <a:fontRef idx="minor">
+          <a:schemeClr val="tx1"/>
+        </a:fontRef>
+      </a:style>
+    </a:lnDef>
+  </a:objectDefaults>
+  <a:extraClrSchemeLst/>
+</a:theme>
 </file>
--- a/BasicsOfCoding/BasicsOfCoding.pptx
+++ b/BasicsOfCoding/BasicsOfCoding.pptx
@@ -5,13 +5,18 @@
     <p:sldMasterId id="2147483648" r:id="rId1"/>
   </p:sldMasterIdLst>
   <p:notesMasterIdLst>
-    <p:notesMasterId r:id="rId6"/>
+    <p:notesMasterId r:id="rId11"/>
   </p:notesMasterIdLst>
   <p:sldIdLst>
     <p:sldId id="256" r:id="rId2"/>
-    <p:sldId id="257" r:id="rId3"/>
-    <p:sldId id="260" r:id="rId4"/>
+    <p:sldId id="260" r:id="rId3"/>
+    <p:sldId id="257" r:id="rId4"/>
     <p:sldId id="259" r:id="rId5"/>
+    <p:sldId id="261" r:id="rId6"/>
+    <p:sldId id="266" r:id="rId7"/>
+    <p:sldId id="263" r:id="rId8"/>
+    <p:sldId id="264" r:id="rId9"/>
+    <p:sldId id="265" r:id="rId10"/>
   </p:sldIdLst>
   <p:sldSz cx="9144000" cy="6858000" type="screen4x3"/>
   <p:notesSz cx="6858000" cy="9144000"/>
@@ -3635,72 +3640,280 @@
             <p:ph type="title"/>
           </p:nvPr>
         </p:nvSpPr>
-        <p:spPr/>
+        <p:spPr>
+          <a:solidFill>
+            <a:schemeClr val="tx1"/>
+          </a:solidFill>
+        </p:spPr>
         <p:txBody>
           <a:bodyPr/>
           <a:lstStyle/>
           <a:p>
+            <a:r>
+              <a:rPr lang="en-US" dirty="0" smtClean="0">
+                <a:solidFill>
+                  <a:srgbClr val="FFFFFF"/>
+                </a:solidFill>
+              </a:rPr>
+              <a:t>Contents</a:t>
+            </a:r>
+            <a:endParaRPr lang="en-US" dirty="0">
+              <a:solidFill>
+                <a:srgbClr val="FFFFFF"/>
+              </a:solidFill>
+            </a:endParaRPr>
+          </a:p>
+        </p:txBody>
+      </p:sp>
+      <p:sp>
+        <p:nvSpPr>
+          <p:cNvPr id="3" name="Content Placeholder 2"/>
+          <p:cNvSpPr>
+            <a:spLocks noGrp="1"/>
+          </p:cNvSpPr>
+          <p:nvPr>
+            <p:ph idx="1"/>
+          </p:nvPr>
+        </p:nvSpPr>
+        <p:spPr>
+          <a:xfrm>
+            <a:off x="457200" y="1600200"/>
+            <a:ext cx="8229600" cy="5257800"/>
+          </a:xfrm>
+        </p:spPr>
+        <p:txBody>
+          <a:bodyPr>
+            <a:normAutofit fontScale="62500" lnSpcReduction="20000"/>
+          </a:bodyPr>
+          <a:lstStyle/>
+          <a:p>
+            <a:r>
+              <a:rPr lang="en-US" dirty="0" smtClean="0"/>
+              <a:t>Admin</a:t>
+            </a:r>
+          </a:p>
+          <a:p>
+            <a:pPr lvl="1"/>
             <a:r>
               <a:rPr lang="en-US" dirty="0" smtClean="0"/>
               <a:t>My background</a:t>
             </a:r>
+          </a:p>
+          <a:p>
+            <a:pPr lvl="1"/>
+            <a:r>
+              <a:rPr lang="en-US" dirty="0" smtClean="0"/>
+              <a:t>Goals of this session</a:t>
+            </a:r>
+          </a:p>
+          <a:p>
+            <a:r>
+              <a:rPr lang="en-US" dirty="0" smtClean="0">
+                <a:solidFill>
+                  <a:schemeClr val="bg1">
+                    <a:lumMod val="65000"/>
+                  </a:schemeClr>
+                </a:solidFill>
+              </a:rPr>
+              <a:t>Writing code </a:t>
+            </a:r>
+          </a:p>
+          <a:p>
+            <a:pPr lvl="1"/>
+            <a:r>
+              <a:rPr lang="en-US" dirty="0" smtClean="0">
+                <a:solidFill>
+                  <a:schemeClr val="bg1">
+                    <a:lumMod val="65000"/>
+                  </a:schemeClr>
+                </a:solidFill>
+              </a:rPr>
+              <a:t>Writing your own code</a:t>
+            </a:r>
+          </a:p>
+          <a:p>
+            <a:pPr lvl="1"/>
+            <a:r>
+              <a:rPr lang="en-US" dirty="0" smtClean="0">
+                <a:solidFill>
+                  <a:schemeClr val="bg1">
+                    <a:lumMod val="65000"/>
+                  </a:schemeClr>
+                </a:solidFill>
+              </a:rPr>
+              <a:t>Working on code with collaborators </a:t>
+            </a:r>
+          </a:p>
+          <a:p>
+            <a:pPr lvl="1"/>
+            <a:r>
+              <a:rPr lang="en-US" dirty="0" smtClean="0">
+                <a:solidFill>
+                  <a:schemeClr val="bg1">
+                    <a:lumMod val="65000"/>
+                  </a:schemeClr>
+                </a:solidFill>
+              </a:rPr>
+              <a:t>Joining a project where someone left off </a:t>
+            </a:r>
+          </a:p>
+          <a:p>
+            <a:r>
+              <a:rPr lang="en-US" dirty="0" smtClean="0">
+                <a:solidFill>
+                  <a:schemeClr val="bg1">
+                    <a:lumMod val="65000"/>
+                  </a:schemeClr>
+                </a:solidFill>
+              </a:rPr>
+              <a:t>Find out how to do something</a:t>
+            </a:r>
+          </a:p>
+          <a:p>
+            <a:pPr lvl="1"/>
+            <a:r>
+              <a:rPr lang="en-US" dirty="0" smtClean="0">
+                <a:solidFill>
+                  <a:schemeClr val="bg1">
+                    <a:lumMod val="65000"/>
+                  </a:schemeClr>
+                </a:solidFill>
+              </a:rPr>
+              <a:t>Looking for information you need</a:t>
+            </a:r>
+          </a:p>
+          <a:p>
+            <a:pPr lvl="1"/>
+            <a:r>
+              <a:rPr lang="en-US" dirty="0" smtClean="0">
+                <a:solidFill>
+                  <a:schemeClr val="bg1">
+                    <a:lumMod val="65000"/>
+                  </a:schemeClr>
+                </a:solidFill>
+              </a:rPr>
+              <a:t>Using the fruits of other peoples’ labor</a:t>
+            </a:r>
+          </a:p>
+          <a:p>
+            <a:r>
+              <a:rPr lang="en-US" dirty="0" smtClean="0">
+                <a:solidFill>
+                  <a:schemeClr val="bg1">
+                    <a:lumMod val="65000"/>
+                  </a:schemeClr>
+                </a:solidFill>
+              </a:rPr>
+              <a:t>Developing your own tool</a:t>
+            </a:r>
+          </a:p>
+          <a:p>
+            <a:pPr lvl="1"/>
+            <a:r>
+              <a:rPr lang="en-US" dirty="0" smtClean="0">
+                <a:solidFill>
+                  <a:schemeClr val="bg1">
+                    <a:lumMod val="65000"/>
+                  </a:schemeClr>
+                </a:solidFill>
+              </a:rPr>
+              <a:t>When to do it</a:t>
+            </a:r>
+          </a:p>
+          <a:p>
+            <a:pPr lvl="1"/>
+            <a:r>
+              <a:rPr lang="en-US" dirty="0" smtClean="0">
+                <a:solidFill>
+                  <a:schemeClr val="bg1">
+                    <a:lumMod val="65000"/>
+                  </a:schemeClr>
+                </a:solidFill>
+              </a:rPr>
+              <a:t>What to keep in mind </a:t>
+            </a:r>
+          </a:p>
+          <a:p>
+            <a:r>
+              <a:rPr lang="en-US" dirty="0" smtClean="0">
+                <a:solidFill>
+                  <a:schemeClr val="bg1">
+                    <a:lumMod val="65000"/>
+                  </a:schemeClr>
+                </a:solidFill>
+              </a:rPr>
+              <a:t>Version control </a:t>
+            </a:r>
+          </a:p>
+          <a:p>
+            <a:pPr lvl="1"/>
+            <a:r>
+              <a:rPr lang="en-US" dirty="0" err="1" smtClean="0">
+                <a:solidFill>
+                  <a:schemeClr val="bg1">
+                    <a:lumMod val="65000"/>
+                  </a:schemeClr>
+                </a:solidFill>
+              </a:rPr>
+              <a:t>Github</a:t>
+            </a:r>
+            <a:r>
+              <a:rPr lang="en-US" dirty="0" smtClean="0">
+                <a:solidFill>
+                  <a:schemeClr val="bg1">
+                    <a:lumMod val="65000"/>
+                  </a:schemeClr>
+                </a:solidFill>
+              </a:rPr>
+              <a:t> </a:t>
+            </a:r>
+          </a:p>
+          <a:p>
+            <a:pPr lvl="1"/>
+            <a:r>
+              <a:rPr lang="en-US" dirty="0" err="1" smtClean="0">
+                <a:solidFill>
+                  <a:schemeClr val="bg1">
+                    <a:lumMod val="65000"/>
+                  </a:schemeClr>
+                </a:solidFill>
+              </a:rPr>
+              <a:t>Dropbox</a:t>
+            </a:r>
+            <a:r>
+              <a:rPr lang="en-US" dirty="0" smtClean="0">
+                <a:solidFill>
+                  <a:schemeClr val="bg1">
+                    <a:lumMod val="65000"/>
+                  </a:schemeClr>
+                </a:solidFill>
+              </a:rPr>
+              <a:t> </a:t>
+            </a:r>
+          </a:p>
+          <a:p>
+            <a:pPr lvl="1"/>
+            <a:r>
+              <a:rPr lang="en-US" dirty="0" smtClean="0">
+                <a:solidFill>
+                  <a:schemeClr val="bg1">
+                    <a:lumMod val="65000"/>
+                  </a:schemeClr>
+                </a:solidFill>
+              </a:rPr>
+              <a:t>Hard drives</a:t>
+            </a:r>
+            <a:r>
+              <a:rPr lang="en-US" dirty="0" smtClean="0"/>
+              <a:t> </a:t>
+            </a:r>
+          </a:p>
+          <a:p>
             <a:endParaRPr lang="en-US" dirty="0"/>
           </a:p>
-        </p:txBody>
-      </p:sp>
-      <p:sp>
-        <p:nvSpPr>
-          <p:cNvPr id="3" name="Content Placeholder 2"/>
-          <p:cNvSpPr>
-            <a:spLocks noGrp="1"/>
-          </p:cNvSpPr>
-          <p:nvPr>
-            <p:ph idx="1"/>
-          </p:nvPr>
-        </p:nvSpPr>
-        <p:spPr/>
-        <p:txBody>
-          <a:bodyPr>
-            <a:normAutofit lnSpcReduction="10000"/>
-          </a:bodyPr>
-          <a:lstStyle/>
-          <a:p>
-            <a:r>
-              <a:rPr lang="en-US" dirty="0" smtClean="0"/>
-              <a:t>B.S. Math, Minor in Computer Science</a:t>
-            </a:r>
-          </a:p>
-          <a:p>
-            <a:r>
-              <a:rPr lang="en-US" dirty="0" smtClean="0"/>
-              <a:t>Research </a:t>
-            </a:r>
-          </a:p>
-          <a:p>
-            <a:pPr lvl="1"/>
-            <a:r>
-              <a:rPr lang="en-US" dirty="0" smtClean="0"/>
-              <a:t>Undergrad research in computational geophysics</a:t>
-            </a:r>
-          </a:p>
-          <a:p>
-            <a:pPr lvl="1"/>
-            <a:r>
-              <a:rPr lang="en-US" dirty="0" smtClean="0"/>
-              <a:t>Internship at Northwestern EPS department</a:t>
-            </a:r>
-          </a:p>
-          <a:p>
-            <a:r>
-              <a:rPr lang="en-US" dirty="0" smtClean="0"/>
-              <a:t>~9 months as a software engineer at a Silicon Valley startup</a:t>
-            </a:r>
-          </a:p>
-          <a:p>
-            <a:r>
-              <a:rPr lang="en-US" dirty="0" smtClean="0"/>
-              <a:t>Currently graduate student at Electrical and Computer engineering department at Carnegie Mellon</a:t>
-            </a:r>
+          <a:p>
+            <a:pPr lvl="1"/>
+            <a:endParaRPr lang="en-US" dirty="0" smtClean="0"/>
           </a:p>
           <a:p>
             <a:endParaRPr lang="en-US" dirty="0" smtClean="0"/>
@@ -3713,7 +3926,7 @@
     </p:spTree>
     <p:extLst>
       <p:ext uri="{BB962C8B-B14F-4D97-AF65-F5344CB8AC3E}">
-        <p14:creationId xmlns:p14="http://schemas.microsoft.com/office/powerpoint/2010/main" val="1092556029"/>
+        <p14:creationId xmlns:p14="http://schemas.microsoft.com/office/powerpoint/2010/main" val="1419421821"/>
       </p:ext>
     </p:extLst>
   </p:cSld>
@@ -3757,7 +3970,7 @@
           <a:p>
             <a:r>
               <a:rPr lang="en-US" dirty="0" smtClean="0"/>
-              <a:t>Contents</a:t>
+              <a:t>Where I’m coming from</a:t>
             </a:r>
             <a:endParaRPr lang="en-US" dirty="0"/>
           </a:p>
@@ -3775,62 +3988,97 @@
         </p:nvSpPr>
         <p:spPr/>
         <p:txBody>
-          <a:bodyPr/>
+          <a:bodyPr>
+            <a:normAutofit fontScale="77500" lnSpcReduction="20000"/>
+          </a:bodyPr>
           <a:lstStyle/>
           <a:p>
             <a:r>
               <a:rPr lang="en-US" dirty="0" smtClean="0"/>
-              <a:t>Writing you own code</a:t>
+              <a:t>Undergraduate </a:t>
             </a:r>
           </a:p>
           <a:p>
             <a:pPr lvl="1"/>
             <a:r>
               <a:rPr lang="en-US" dirty="0" smtClean="0"/>
-              <a:t>Commenting code</a:t>
+              <a:t>Major in Math</a:t>
             </a:r>
           </a:p>
           <a:p>
             <a:pPr lvl="1"/>
             <a:r>
               <a:rPr lang="en-US" dirty="0" smtClean="0"/>
-              <a:t>No magic numbers</a:t>
-            </a:r>
-          </a:p>
-          <a:p>
-            <a:pPr lvl="1"/>
-            <a:r>
-              <a:rPr lang="en-US" smtClean="0"/>
-              <a:t>Naming conventions</a:t>
-            </a:r>
+              <a:t>Minor in Computer Science</a:t>
+            </a:r>
+          </a:p>
+          <a:p>
+            <a:pPr lvl="1"/>
+            <a:r>
+              <a:rPr lang="en-US" dirty="0" smtClean="0"/>
+              <a:t>No exposure to coding before undergrad </a:t>
+            </a:r>
+          </a:p>
+          <a:p>
+            <a:r>
+              <a:rPr lang="en-US" dirty="0" smtClean="0"/>
+              <a:t>Research </a:t>
+            </a:r>
+          </a:p>
+          <a:p>
+            <a:pPr lvl="1"/>
+            <a:r>
+              <a:rPr lang="en-US" dirty="0" smtClean="0"/>
+              <a:t>Undergraduate research in computational geophysics</a:t>
+            </a:r>
+          </a:p>
+          <a:p>
+            <a:pPr lvl="1"/>
+            <a:r>
+              <a:rPr lang="en-US" dirty="0" smtClean="0"/>
+              <a:t>Internship at Northwestern EPS department</a:t>
+            </a:r>
+          </a:p>
+          <a:p>
+            <a:r>
+              <a:rPr lang="en-US" dirty="0" smtClean="0"/>
+              <a:t>Industry</a:t>
+            </a:r>
+          </a:p>
+          <a:p>
+            <a:pPr lvl="1"/>
+            <a:r>
+              <a:rPr lang="en-US" dirty="0" smtClean="0"/>
+              <a:t>9 months as a software engineer at a Silicon Valley startup </a:t>
+            </a:r>
+          </a:p>
+          <a:p>
+            <a:r>
+              <a:rPr lang="en-US" dirty="0" smtClean="0"/>
+              <a:t>Current</a:t>
+            </a:r>
+          </a:p>
+          <a:p>
+            <a:pPr lvl="1"/>
+            <a:r>
+              <a:rPr lang="en-US" dirty="0"/>
+              <a:t>G</a:t>
+            </a:r>
+            <a:r>
+              <a:rPr lang="en-US" dirty="0" smtClean="0"/>
+              <a:t>raduate student (started Jun 30, 2014) </a:t>
+            </a:r>
+          </a:p>
+          <a:p>
+            <a:pPr lvl="1"/>
+            <a:r>
+              <a:rPr lang="en-US" dirty="0" smtClean="0"/>
+              <a:t>Electrical and Computer Engineering</a:t>
+            </a:r>
+          </a:p>
+          <a:p>
             <a:endParaRPr lang="en-US" dirty="0" smtClean="0"/>
           </a:p>
-          <a:p>
-            <a:endParaRPr lang="en-US" dirty="0"/>
-          </a:p>
-        </p:txBody>
-      </p:sp>
-      <p:sp>
-        <p:nvSpPr>
-          <p:cNvPr id="4" name="TextBox 3"/>
-          <p:cNvSpPr txBox="1"/>
-          <p:nvPr/>
-        </p:nvSpPr>
-        <p:spPr>
-          <a:xfrm>
-            <a:off x="10341895" y="5361034"/>
-            <a:ext cx="184666" cy="369332"/>
-          </a:xfrm>
-          <a:prstGeom prst="rect">
-            <a:avLst/>
-          </a:prstGeom>
-          <a:noFill/>
-        </p:spPr>
-        <p:txBody>
-          <a:bodyPr wrap="none" rtlCol="0">
-            <a:spAutoFit/>
-          </a:bodyPr>
-          <a:lstStyle/>
           <a:p>
             <a:endParaRPr lang="en-US" dirty="0"/>
           </a:p>
@@ -3839,7 +4087,7 @@
     </p:spTree>
     <p:extLst>
       <p:ext uri="{BB962C8B-B14F-4D97-AF65-F5344CB8AC3E}">
-        <p14:creationId xmlns:p14="http://schemas.microsoft.com/office/powerpoint/2010/main" val="1419421821"/>
+        <p14:creationId xmlns:p14="http://schemas.microsoft.com/office/powerpoint/2010/main" val="1092556029"/>
       </p:ext>
     </p:extLst>
   </p:cSld>
@@ -3881,7 +4129,11 @@
           <a:bodyPr/>
           <a:lstStyle/>
           <a:p>
-            <a:endParaRPr lang="en-US"/>
+            <a:r>
+              <a:rPr lang="en-US" dirty="0" smtClean="0"/>
+              <a:t>Goals</a:t>
+            </a:r>
+            <a:endParaRPr lang="en-US" dirty="0"/>
           </a:p>
         </p:txBody>
       </p:sp>
@@ -3900,7 +4152,35 @@
           <a:bodyPr/>
           <a:lstStyle/>
           <a:p>
-            <a:endParaRPr lang="en-US"/>
+            <a:r>
+              <a:rPr lang="en-US" dirty="0" smtClean="0"/>
+              <a:t>How to write good code </a:t>
+            </a:r>
+          </a:p>
+          <a:p>
+            <a:pPr lvl="1"/>
+            <a:r>
+              <a:rPr lang="en-US" dirty="0" smtClean="0"/>
+              <a:t>Easily understood by your future self, and others</a:t>
+            </a:r>
+          </a:p>
+          <a:p>
+            <a:pPr lvl="1"/>
+            <a:r>
+              <a:rPr lang="en-US" dirty="0" smtClean="0"/>
+              <a:t>Do not need too much maintenance</a:t>
+            </a:r>
+            <a:endParaRPr lang="en-US" dirty="0"/>
+          </a:p>
+          <a:p>
+            <a:r>
+              <a:rPr lang="en-US" dirty="0" smtClean="0"/>
+              <a:t>How to get unstuck when coding</a:t>
+            </a:r>
+          </a:p>
+          <a:p>
+            <a:pPr lvl="1"/>
+            <a:endParaRPr lang="en-US" dirty="0"/>
           </a:p>
         </p:txBody>
       </p:sp>
@@ -3908,6 +4188,1377 @@
     <p:extLst>
       <p:ext uri="{BB962C8B-B14F-4D97-AF65-F5344CB8AC3E}">
         <p14:creationId xmlns:p14="http://schemas.microsoft.com/office/powerpoint/2010/main" val="3366251998"/>
+      </p:ext>
+    </p:extLst>
+  </p:cSld>
+  <p:clrMapOvr>
+    <a:masterClrMapping/>
+  </p:clrMapOvr>
+</p:sld>
+</file>
+
+<file path=ppt/slides/slide5.xml><?xml version="1.0" encoding="utf-8"?>
+<p:sld xmlns:a="http://schemas.openxmlformats.org/drawingml/2006/main" xmlns:r="http://schemas.openxmlformats.org/officeDocument/2006/relationships" xmlns:p="http://schemas.openxmlformats.org/presentationml/2006/main">
+  <p:cSld>
+    <p:spTree>
+      <p:nvGrpSpPr>
+        <p:cNvPr id="1" name=""/>
+        <p:cNvGrpSpPr/>
+        <p:nvPr/>
+      </p:nvGrpSpPr>
+      <p:grpSpPr>
+        <a:xfrm>
+          <a:off x="0" y="0"/>
+          <a:ext cx="0" cy="0"/>
+          <a:chOff x="0" y="0"/>
+          <a:chExt cx="0" cy="0"/>
+        </a:xfrm>
+      </p:grpSpPr>
+      <p:sp>
+        <p:nvSpPr>
+          <p:cNvPr id="3" name="Content Placeholder 2"/>
+          <p:cNvSpPr>
+            <a:spLocks noGrp="1"/>
+          </p:cNvSpPr>
+          <p:nvPr>
+            <p:ph idx="1"/>
+          </p:nvPr>
+        </p:nvSpPr>
+        <p:spPr>
+          <a:xfrm>
+            <a:off x="457200" y="1600200"/>
+            <a:ext cx="8229600" cy="5257800"/>
+          </a:xfrm>
+        </p:spPr>
+        <p:txBody>
+          <a:bodyPr>
+            <a:normAutofit fontScale="62500" lnSpcReduction="20000"/>
+          </a:bodyPr>
+          <a:lstStyle/>
+          <a:p>
+            <a:r>
+              <a:rPr lang="en-US" dirty="0" smtClean="0">
+                <a:solidFill>
+                  <a:schemeClr val="bg1">
+                    <a:lumMod val="65000"/>
+                  </a:schemeClr>
+                </a:solidFill>
+              </a:rPr>
+              <a:t>Admin</a:t>
+            </a:r>
+          </a:p>
+          <a:p>
+            <a:pPr lvl="1"/>
+            <a:r>
+              <a:rPr lang="en-US" dirty="0" smtClean="0">
+                <a:solidFill>
+                  <a:schemeClr val="bg1">
+                    <a:lumMod val="65000"/>
+                  </a:schemeClr>
+                </a:solidFill>
+              </a:rPr>
+              <a:t>My background</a:t>
+            </a:r>
+          </a:p>
+          <a:p>
+            <a:pPr lvl="1"/>
+            <a:r>
+              <a:rPr lang="en-US" dirty="0" smtClean="0">
+                <a:solidFill>
+                  <a:schemeClr val="bg1">
+                    <a:lumMod val="65000"/>
+                  </a:schemeClr>
+                </a:solidFill>
+              </a:rPr>
+              <a:t>Goals of this session</a:t>
+            </a:r>
+          </a:p>
+          <a:p>
+            <a:r>
+              <a:rPr lang="en-US" dirty="0" smtClean="0"/>
+              <a:t>Writing code </a:t>
+            </a:r>
+          </a:p>
+          <a:p>
+            <a:pPr lvl="1"/>
+            <a:r>
+              <a:rPr lang="en-US" dirty="0" smtClean="0"/>
+              <a:t>Writing your own code</a:t>
+            </a:r>
+          </a:p>
+          <a:p>
+            <a:pPr lvl="1"/>
+            <a:r>
+              <a:rPr lang="en-US" dirty="0" smtClean="0"/>
+              <a:t>Working on code with collaborators </a:t>
+            </a:r>
+          </a:p>
+          <a:p>
+            <a:pPr lvl="1"/>
+            <a:r>
+              <a:rPr lang="en-US" dirty="0" smtClean="0"/>
+              <a:t>Joining a project where someone left off </a:t>
+            </a:r>
+          </a:p>
+          <a:p>
+            <a:r>
+              <a:rPr lang="en-US" dirty="0" smtClean="0">
+                <a:solidFill>
+                  <a:schemeClr val="bg1">
+                    <a:lumMod val="65000"/>
+                  </a:schemeClr>
+                </a:solidFill>
+              </a:rPr>
+              <a:t>Find out how to do something</a:t>
+            </a:r>
+          </a:p>
+          <a:p>
+            <a:pPr lvl="1"/>
+            <a:r>
+              <a:rPr lang="en-US" dirty="0" smtClean="0">
+                <a:solidFill>
+                  <a:schemeClr val="bg1">
+                    <a:lumMod val="65000"/>
+                  </a:schemeClr>
+                </a:solidFill>
+              </a:rPr>
+              <a:t>Looking for information you need</a:t>
+            </a:r>
+          </a:p>
+          <a:p>
+            <a:pPr lvl="1"/>
+            <a:r>
+              <a:rPr lang="en-US" dirty="0" smtClean="0">
+                <a:solidFill>
+                  <a:schemeClr val="bg1">
+                    <a:lumMod val="65000"/>
+                  </a:schemeClr>
+                </a:solidFill>
+              </a:rPr>
+              <a:t>Using the fruits of other peoples’ labor</a:t>
+            </a:r>
+          </a:p>
+          <a:p>
+            <a:r>
+              <a:rPr lang="en-US" dirty="0" smtClean="0">
+                <a:solidFill>
+                  <a:schemeClr val="bg1">
+                    <a:lumMod val="65000"/>
+                  </a:schemeClr>
+                </a:solidFill>
+              </a:rPr>
+              <a:t>Developing your own tool</a:t>
+            </a:r>
+          </a:p>
+          <a:p>
+            <a:pPr lvl="1"/>
+            <a:r>
+              <a:rPr lang="en-US" dirty="0" smtClean="0">
+                <a:solidFill>
+                  <a:schemeClr val="bg1">
+                    <a:lumMod val="65000"/>
+                  </a:schemeClr>
+                </a:solidFill>
+              </a:rPr>
+              <a:t>When to do it</a:t>
+            </a:r>
+          </a:p>
+          <a:p>
+            <a:pPr lvl="1"/>
+            <a:r>
+              <a:rPr lang="en-US" dirty="0" smtClean="0">
+                <a:solidFill>
+                  <a:schemeClr val="bg1">
+                    <a:lumMod val="65000"/>
+                  </a:schemeClr>
+                </a:solidFill>
+              </a:rPr>
+              <a:t>What to keep in mind </a:t>
+            </a:r>
+          </a:p>
+          <a:p>
+            <a:r>
+              <a:rPr lang="en-US" dirty="0" smtClean="0">
+                <a:solidFill>
+                  <a:schemeClr val="bg1">
+                    <a:lumMod val="65000"/>
+                  </a:schemeClr>
+                </a:solidFill>
+              </a:rPr>
+              <a:t>Version control </a:t>
+            </a:r>
+          </a:p>
+          <a:p>
+            <a:pPr lvl="1"/>
+            <a:r>
+              <a:rPr lang="en-US" dirty="0" err="1" smtClean="0">
+                <a:solidFill>
+                  <a:schemeClr val="bg1">
+                    <a:lumMod val="65000"/>
+                  </a:schemeClr>
+                </a:solidFill>
+              </a:rPr>
+              <a:t>Github</a:t>
+            </a:r>
+            <a:r>
+              <a:rPr lang="en-US" dirty="0" smtClean="0">
+                <a:solidFill>
+                  <a:schemeClr val="bg1">
+                    <a:lumMod val="65000"/>
+                  </a:schemeClr>
+                </a:solidFill>
+              </a:rPr>
+              <a:t> </a:t>
+            </a:r>
+          </a:p>
+          <a:p>
+            <a:pPr lvl="1"/>
+            <a:r>
+              <a:rPr lang="en-US" dirty="0" err="1" smtClean="0">
+                <a:solidFill>
+                  <a:schemeClr val="bg1">
+                    <a:lumMod val="65000"/>
+                  </a:schemeClr>
+                </a:solidFill>
+              </a:rPr>
+              <a:t>Dropbox</a:t>
+            </a:r>
+            <a:r>
+              <a:rPr lang="en-US" dirty="0" smtClean="0">
+                <a:solidFill>
+                  <a:schemeClr val="bg1">
+                    <a:lumMod val="65000"/>
+                  </a:schemeClr>
+                </a:solidFill>
+              </a:rPr>
+              <a:t> </a:t>
+            </a:r>
+          </a:p>
+          <a:p>
+            <a:pPr lvl="1"/>
+            <a:r>
+              <a:rPr lang="en-US" dirty="0" smtClean="0">
+                <a:solidFill>
+                  <a:schemeClr val="bg1">
+                    <a:lumMod val="65000"/>
+                  </a:schemeClr>
+                </a:solidFill>
+              </a:rPr>
+              <a:t>Hard drives</a:t>
+            </a:r>
+            <a:r>
+              <a:rPr lang="en-US" dirty="0" smtClean="0"/>
+              <a:t> </a:t>
+            </a:r>
+          </a:p>
+          <a:p>
+            <a:endParaRPr lang="en-US" dirty="0"/>
+          </a:p>
+          <a:p>
+            <a:pPr lvl="1"/>
+            <a:endParaRPr lang="en-US" dirty="0" smtClean="0"/>
+          </a:p>
+          <a:p>
+            <a:endParaRPr lang="en-US" dirty="0" smtClean="0"/>
+          </a:p>
+          <a:p>
+            <a:endParaRPr lang="en-US" dirty="0"/>
+          </a:p>
+        </p:txBody>
+      </p:sp>
+      <p:sp>
+        <p:nvSpPr>
+          <p:cNvPr id="5" name="Title 1"/>
+          <p:cNvSpPr txBox="1">
+            <a:spLocks/>
+          </p:cNvSpPr>
+          <p:nvPr/>
+        </p:nvSpPr>
+        <p:spPr>
+          <a:xfrm>
+            <a:off x="457200" y="229092"/>
+            <a:ext cx="8229600" cy="1143000"/>
+          </a:xfrm>
+          <a:prstGeom prst="rect">
+            <a:avLst/>
+          </a:prstGeom>
+          <a:solidFill>
+            <a:schemeClr val="tx1"/>
+          </a:solidFill>
+        </p:spPr>
+        <p:txBody>
+          <a:bodyPr vert="horz" lIns="91440" tIns="45720" rIns="91440" bIns="45720" rtlCol="0" anchor="ctr">
+            <a:normAutofit/>
+          </a:bodyPr>
+          <a:lstStyle>
+            <a:lvl1pPr algn="ctr" defTabSz="457200" rtl="0" eaLnBrk="1" latinLnBrk="0" hangingPunct="1">
+              <a:spcBef>
+                <a:spcPct val="0"/>
+              </a:spcBef>
+              <a:buNone/>
+              <a:defRPr sz="4400" kern="1200">
+                <a:solidFill>
+                  <a:schemeClr val="tx1"/>
+                </a:solidFill>
+                <a:latin typeface="+mj-lt"/>
+                <a:ea typeface="+mj-ea"/>
+                <a:cs typeface="+mj-cs"/>
+              </a:defRPr>
+            </a:lvl1pPr>
+          </a:lstStyle>
+          <a:p>
+            <a:r>
+              <a:rPr lang="en-US" smtClean="0">
+                <a:solidFill>
+                  <a:srgbClr val="FFFFFF"/>
+                </a:solidFill>
+              </a:rPr>
+              <a:t>Contents</a:t>
+            </a:r>
+            <a:endParaRPr lang="en-US" dirty="0">
+              <a:solidFill>
+                <a:srgbClr val="FFFFFF"/>
+              </a:solidFill>
+            </a:endParaRPr>
+          </a:p>
+        </p:txBody>
+      </p:sp>
+    </p:spTree>
+    <p:extLst>
+      <p:ext uri="{BB962C8B-B14F-4D97-AF65-F5344CB8AC3E}">
+        <p14:creationId xmlns:p14="http://schemas.microsoft.com/office/powerpoint/2010/main" val="849704915"/>
+      </p:ext>
+    </p:extLst>
+  </p:cSld>
+  <p:clrMapOvr>
+    <a:masterClrMapping/>
+  </p:clrMapOvr>
+</p:sld>
+</file>
+
+<file path=ppt/slides/slide6.xml><?xml version="1.0" encoding="utf-8"?>
+<p:sld xmlns:a="http://schemas.openxmlformats.org/drawingml/2006/main" xmlns:r="http://schemas.openxmlformats.org/officeDocument/2006/relationships" xmlns:p="http://schemas.openxmlformats.org/presentationml/2006/main">
+  <p:cSld>
+    <p:spTree>
+      <p:nvGrpSpPr>
+        <p:cNvPr id="1" name=""/>
+        <p:cNvGrpSpPr/>
+        <p:nvPr/>
+      </p:nvGrpSpPr>
+      <p:grpSpPr>
+        <a:xfrm>
+          <a:off x="0" y="0"/>
+          <a:ext cx="0" cy="0"/>
+          <a:chOff x="0" y="0"/>
+          <a:chExt cx="0" cy="0"/>
+        </a:xfrm>
+      </p:grpSpPr>
+      <p:sp>
+        <p:nvSpPr>
+          <p:cNvPr id="2" name="Title 1"/>
+          <p:cNvSpPr>
+            <a:spLocks noGrp="1"/>
+          </p:cNvSpPr>
+          <p:nvPr>
+            <p:ph type="title"/>
+          </p:nvPr>
+        </p:nvSpPr>
+        <p:spPr/>
+        <p:txBody>
+          <a:bodyPr>
+            <a:normAutofit fontScale="90000"/>
+          </a:bodyPr>
+          <a:lstStyle/>
+          <a:p>
+            <a:r>
+              <a:rPr lang="en-US" dirty="0" smtClean="0"/>
+              <a:t>Writing your own code … </a:t>
+            </a:r>
+            <a:r>
+              <a:rPr lang="en-US" smtClean="0"/>
+              <a:t/>
+            </a:r>
+            <a:br>
+              <a:rPr lang="en-US" smtClean="0"/>
+            </a:br>
+            <a:r>
+              <a:rPr lang="en-US" smtClean="0"/>
+              <a:t>Comments</a:t>
+            </a:r>
+            <a:endParaRPr lang="en-US"/>
+          </a:p>
+        </p:txBody>
+      </p:sp>
+      <p:sp>
+        <p:nvSpPr>
+          <p:cNvPr id="3" name="Content Placeholder 2"/>
+          <p:cNvSpPr>
+            <a:spLocks noGrp="1"/>
+          </p:cNvSpPr>
+          <p:nvPr>
+            <p:ph idx="1"/>
+          </p:nvPr>
+        </p:nvSpPr>
+        <p:spPr/>
+        <p:txBody>
+          <a:bodyPr/>
+          <a:lstStyle/>
+          <a:p>
+            <a:endParaRPr lang="en-US"/>
+          </a:p>
+        </p:txBody>
+      </p:sp>
+    </p:spTree>
+    <p:extLst>
+      <p:ext uri="{BB962C8B-B14F-4D97-AF65-F5344CB8AC3E}">
+        <p14:creationId xmlns:p14="http://schemas.microsoft.com/office/powerpoint/2010/main" val="1963443038"/>
+      </p:ext>
+    </p:extLst>
+  </p:cSld>
+  <p:clrMapOvr>
+    <a:masterClrMapping/>
+  </p:clrMapOvr>
+</p:sld>
+</file>
+
+<file path=ppt/slides/slide7.xml><?xml version="1.0" encoding="utf-8"?>
+<p:sld xmlns:a="http://schemas.openxmlformats.org/drawingml/2006/main" xmlns:r="http://schemas.openxmlformats.org/officeDocument/2006/relationships" xmlns:p="http://schemas.openxmlformats.org/presentationml/2006/main">
+  <p:cSld>
+    <p:spTree>
+      <p:nvGrpSpPr>
+        <p:cNvPr id="1" name=""/>
+        <p:cNvGrpSpPr/>
+        <p:nvPr/>
+      </p:nvGrpSpPr>
+      <p:grpSpPr>
+        <a:xfrm>
+          <a:off x="0" y="0"/>
+          <a:ext cx="0" cy="0"/>
+          <a:chOff x="0" y="0"/>
+          <a:chExt cx="0" cy="0"/>
+        </a:xfrm>
+      </p:grpSpPr>
+      <p:sp>
+        <p:nvSpPr>
+          <p:cNvPr id="2" name="Title 1"/>
+          <p:cNvSpPr>
+            <a:spLocks noGrp="1"/>
+          </p:cNvSpPr>
+          <p:nvPr>
+            <p:ph type="title"/>
+          </p:nvPr>
+        </p:nvSpPr>
+        <p:spPr>
+          <a:solidFill>
+            <a:schemeClr val="tx1"/>
+          </a:solidFill>
+        </p:spPr>
+        <p:txBody>
+          <a:bodyPr/>
+          <a:lstStyle/>
+          <a:p>
+            <a:r>
+              <a:rPr lang="en-US" dirty="0" smtClean="0">
+                <a:solidFill>
+                  <a:srgbClr val="FFFFFF"/>
+                </a:solidFill>
+              </a:rPr>
+              <a:t>Contents</a:t>
+            </a:r>
+            <a:endParaRPr lang="en-US" dirty="0">
+              <a:solidFill>
+                <a:srgbClr val="FFFFFF"/>
+              </a:solidFill>
+            </a:endParaRPr>
+          </a:p>
+        </p:txBody>
+      </p:sp>
+      <p:sp>
+        <p:nvSpPr>
+          <p:cNvPr id="3" name="Content Placeholder 2"/>
+          <p:cNvSpPr>
+            <a:spLocks noGrp="1"/>
+          </p:cNvSpPr>
+          <p:nvPr>
+            <p:ph idx="1"/>
+          </p:nvPr>
+        </p:nvSpPr>
+        <p:spPr>
+          <a:xfrm>
+            <a:off x="457200" y="1600200"/>
+            <a:ext cx="8229600" cy="5257800"/>
+          </a:xfrm>
+        </p:spPr>
+        <p:txBody>
+          <a:bodyPr>
+            <a:normAutofit fontScale="62500" lnSpcReduction="20000"/>
+          </a:bodyPr>
+          <a:lstStyle/>
+          <a:p>
+            <a:r>
+              <a:rPr lang="en-US" dirty="0" smtClean="0">
+                <a:solidFill>
+                  <a:schemeClr val="bg1">
+                    <a:lumMod val="65000"/>
+                  </a:schemeClr>
+                </a:solidFill>
+              </a:rPr>
+              <a:t>Admin</a:t>
+            </a:r>
+          </a:p>
+          <a:p>
+            <a:pPr lvl="1"/>
+            <a:r>
+              <a:rPr lang="en-US" dirty="0" smtClean="0">
+                <a:solidFill>
+                  <a:schemeClr val="bg1">
+                    <a:lumMod val="65000"/>
+                  </a:schemeClr>
+                </a:solidFill>
+              </a:rPr>
+              <a:t>My background</a:t>
+            </a:r>
+          </a:p>
+          <a:p>
+            <a:pPr lvl="1"/>
+            <a:r>
+              <a:rPr lang="en-US" dirty="0" smtClean="0">
+                <a:solidFill>
+                  <a:schemeClr val="bg1">
+                    <a:lumMod val="65000"/>
+                  </a:schemeClr>
+                </a:solidFill>
+              </a:rPr>
+              <a:t>Goals of this session</a:t>
+            </a:r>
+          </a:p>
+          <a:p>
+            <a:r>
+              <a:rPr lang="en-US" dirty="0" smtClean="0">
+                <a:solidFill>
+                  <a:schemeClr val="bg1">
+                    <a:lumMod val="65000"/>
+                  </a:schemeClr>
+                </a:solidFill>
+              </a:rPr>
+              <a:t>Writing code </a:t>
+            </a:r>
+          </a:p>
+          <a:p>
+            <a:pPr lvl="1"/>
+            <a:r>
+              <a:rPr lang="en-US" dirty="0" smtClean="0">
+                <a:solidFill>
+                  <a:schemeClr val="bg1">
+                    <a:lumMod val="65000"/>
+                  </a:schemeClr>
+                </a:solidFill>
+              </a:rPr>
+              <a:t>Writing your own code</a:t>
+            </a:r>
+          </a:p>
+          <a:p>
+            <a:pPr lvl="1"/>
+            <a:r>
+              <a:rPr lang="en-US" dirty="0" smtClean="0">
+                <a:solidFill>
+                  <a:schemeClr val="bg1">
+                    <a:lumMod val="65000"/>
+                  </a:schemeClr>
+                </a:solidFill>
+              </a:rPr>
+              <a:t>Working on code with collaborators </a:t>
+            </a:r>
+          </a:p>
+          <a:p>
+            <a:pPr lvl="1"/>
+            <a:r>
+              <a:rPr lang="en-US" dirty="0" smtClean="0">
+                <a:solidFill>
+                  <a:schemeClr val="bg1">
+                    <a:lumMod val="65000"/>
+                  </a:schemeClr>
+                </a:solidFill>
+              </a:rPr>
+              <a:t>Joining a project where someone left off </a:t>
+            </a:r>
+          </a:p>
+          <a:p>
+            <a:r>
+              <a:rPr lang="en-US" dirty="0" smtClean="0"/>
+              <a:t>Find out how to do something</a:t>
+            </a:r>
+          </a:p>
+          <a:p>
+            <a:pPr lvl="1"/>
+            <a:r>
+              <a:rPr lang="en-US" dirty="0" smtClean="0"/>
+              <a:t>Looking for information you need</a:t>
+            </a:r>
+          </a:p>
+          <a:p>
+            <a:pPr lvl="1"/>
+            <a:r>
+              <a:rPr lang="en-US" dirty="0" smtClean="0"/>
+              <a:t>Using the fruits of other peoples’ labor</a:t>
+            </a:r>
+          </a:p>
+          <a:p>
+            <a:r>
+              <a:rPr lang="en-US" dirty="0" smtClean="0">
+                <a:solidFill>
+                  <a:schemeClr val="bg1">
+                    <a:lumMod val="65000"/>
+                  </a:schemeClr>
+                </a:solidFill>
+              </a:rPr>
+              <a:t>Developing your own tool</a:t>
+            </a:r>
+          </a:p>
+          <a:p>
+            <a:pPr lvl="1"/>
+            <a:r>
+              <a:rPr lang="en-US" dirty="0" smtClean="0">
+                <a:solidFill>
+                  <a:schemeClr val="bg1">
+                    <a:lumMod val="65000"/>
+                  </a:schemeClr>
+                </a:solidFill>
+              </a:rPr>
+              <a:t>When to do it</a:t>
+            </a:r>
+          </a:p>
+          <a:p>
+            <a:pPr lvl="1"/>
+            <a:r>
+              <a:rPr lang="en-US" dirty="0" smtClean="0">
+                <a:solidFill>
+                  <a:schemeClr val="bg1">
+                    <a:lumMod val="65000"/>
+                  </a:schemeClr>
+                </a:solidFill>
+              </a:rPr>
+              <a:t>What to keep in mind </a:t>
+            </a:r>
+          </a:p>
+          <a:p>
+            <a:r>
+              <a:rPr lang="en-US" dirty="0" smtClean="0">
+                <a:solidFill>
+                  <a:schemeClr val="bg1">
+                    <a:lumMod val="65000"/>
+                  </a:schemeClr>
+                </a:solidFill>
+              </a:rPr>
+              <a:t>Version control </a:t>
+            </a:r>
+          </a:p>
+          <a:p>
+            <a:pPr lvl="1"/>
+            <a:r>
+              <a:rPr lang="en-US" dirty="0" err="1" smtClean="0">
+                <a:solidFill>
+                  <a:schemeClr val="bg1">
+                    <a:lumMod val="65000"/>
+                  </a:schemeClr>
+                </a:solidFill>
+              </a:rPr>
+              <a:t>Github</a:t>
+            </a:r>
+            <a:r>
+              <a:rPr lang="en-US" dirty="0" smtClean="0">
+                <a:solidFill>
+                  <a:schemeClr val="bg1">
+                    <a:lumMod val="65000"/>
+                  </a:schemeClr>
+                </a:solidFill>
+              </a:rPr>
+              <a:t> </a:t>
+            </a:r>
+          </a:p>
+          <a:p>
+            <a:pPr lvl="1"/>
+            <a:r>
+              <a:rPr lang="en-US" dirty="0" err="1" smtClean="0">
+                <a:solidFill>
+                  <a:schemeClr val="bg1">
+                    <a:lumMod val="65000"/>
+                  </a:schemeClr>
+                </a:solidFill>
+              </a:rPr>
+              <a:t>Dropbox</a:t>
+            </a:r>
+            <a:r>
+              <a:rPr lang="en-US" dirty="0" smtClean="0">
+                <a:solidFill>
+                  <a:schemeClr val="bg1">
+                    <a:lumMod val="65000"/>
+                  </a:schemeClr>
+                </a:solidFill>
+              </a:rPr>
+              <a:t> </a:t>
+            </a:r>
+          </a:p>
+          <a:p>
+            <a:pPr lvl="1"/>
+            <a:r>
+              <a:rPr lang="en-US" dirty="0" smtClean="0">
+                <a:solidFill>
+                  <a:schemeClr val="bg1">
+                    <a:lumMod val="65000"/>
+                  </a:schemeClr>
+                </a:solidFill>
+              </a:rPr>
+              <a:t>Hard drives</a:t>
+            </a:r>
+            <a:r>
+              <a:rPr lang="en-US" dirty="0" smtClean="0"/>
+              <a:t> </a:t>
+            </a:r>
+          </a:p>
+          <a:p>
+            <a:endParaRPr lang="en-US" dirty="0"/>
+          </a:p>
+          <a:p>
+            <a:pPr lvl="1"/>
+            <a:endParaRPr lang="en-US" dirty="0" smtClean="0"/>
+          </a:p>
+          <a:p>
+            <a:endParaRPr lang="en-US" dirty="0" smtClean="0"/>
+          </a:p>
+          <a:p>
+            <a:endParaRPr lang="en-US" dirty="0"/>
+          </a:p>
+        </p:txBody>
+      </p:sp>
+    </p:spTree>
+    <p:extLst>
+      <p:ext uri="{BB962C8B-B14F-4D97-AF65-F5344CB8AC3E}">
+        <p14:creationId xmlns:p14="http://schemas.microsoft.com/office/powerpoint/2010/main" val="849704915"/>
+      </p:ext>
+    </p:extLst>
+  </p:cSld>
+  <p:clrMapOvr>
+    <a:masterClrMapping/>
+  </p:clrMapOvr>
+</p:sld>
+</file>
+
+<file path=ppt/slides/slide8.xml><?xml version="1.0" encoding="utf-8"?>
+<p:sld xmlns:a="http://schemas.openxmlformats.org/drawingml/2006/main" xmlns:r="http://schemas.openxmlformats.org/officeDocument/2006/relationships" xmlns:p="http://schemas.openxmlformats.org/presentationml/2006/main">
+  <p:cSld>
+    <p:spTree>
+      <p:nvGrpSpPr>
+        <p:cNvPr id="1" name=""/>
+        <p:cNvGrpSpPr/>
+        <p:nvPr/>
+      </p:nvGrpSpPr>
+      <p:grpSpPr>
+        <a:xfrm>
+          <a:off x="0" y="0"/>
+          <a:ext cx="0" cy="0"/>
+          <a:chOff x="0" y="0"/>
+          <a:chExt cx="0" cy="0"/>
+        </a:xfrm>
+      </p:grpSpPr>
+      <p:sp>
+        <p:nvSpPr>
+          <p:cNvPr id="2" name="Title 1"/>
+          <p:cNvSpPr>
+            <a:spLocks noGrp="1"/>
+          </p:cNvSpPr>
+          <p:nvPr>
+            <p:ph type="title"/>
+          </p:nvPr>
+        </p:nvSpPr>
+        <p:spPr>
+          <a:solidFill>
+            <a:schemeClr val="tx1"/>
+          </a:solidFill>
+        </p:spPr>
+        <p:txBody>
+          <a:bodyPr/>
+          <a:lstStyle/>
+          <a:p>
+            <a:r>
+              <a:rPr lang="en-US" dirty="0" smtClean="0">
+                <a:solidFill>
+                  <a:srgbClr val="FFFFFF"/>
+                </a:solidFill>
+              </a:rPr>
+              <a:t>Contents</a:t>
+            </a:r>
+            <a:endParaRPr lang="en-US" dirty="0">
+              <a:solidFill>
+                <a:srgbClr val="FFFFFF"/>
+              </a:solidFill>
+            </a:endParaRPr>
+          </a:p>
+        </p:txBody>
+      </p:sp>
+      <p:sp>
+        <p:nvSpPr>
+          <p:cNvPr id="3" name="Content Placeholder 2"/>
+          <p:cNvSpPr>
+            <a:spLocks noGrp="1"/>
+          </p:cNvSpPr>
+          <p:nvPr>
+            <p:ph idx="1"/>
+          </p:nvPr>
+        </p:nvSpPr>
+        <p:spPr>
+          <a:xfrm>
+            <a:off x="457200" y="1600200"/>
+            <a:ext cx="8229600" cy="5257800"/>
+          </a:xfrm>
+        </p:spPr>
+        <p:txBody>
+          <a:bodyPr>
+            <a:normAutofit fontScale="62500" lnSpcReduction="20000"/>
+          </a:bodyPr>
+          <a:lstStyle/>
+          <a:p>
+            <a:r>
+              <a:rPr lang="en-US" dirty="0" smtClean="0">
+                <a:solidFill>
+                  <a:schemeClr val="bg1">
+                    <a:lumMod val="65000"/>
+                  </a:schemeClr>
+                </a:solidFill>
+              </a:rPr>
+              <a:t>Admin</a:t>
+            </a:r>
+          </a:p>
+          <a:p>
+            <a:pPr lvl="1"/>
+            <a:r>
+              <a:rPr lang="en-US" dirty="0" smtClean="0">
+                <a:solidFill>
+                  <a:schemeClr val="bg1">
+                    <a:lumMod val="65000"/>
+                  </a:schemeClr>
+                </a:solidFill>
+              </a:rPr>
+              <a:t>My background</a:t>
+            </a:r>
+          </a:p>
+          <a:p>
+            <a:pPr lvl="1"/>
+            <a:r>
+              <a:rPr lang="en-US" dirty="0" smtClean="0">
+                <a:solidFill>
+                  <a:schemeClr val="bg1">
+                    <a:lumMod val="65000"/>
+                  </a:schemeClr>
+                </a:solidFill>
+              </a:rPr>
+              <a:t>Goals of this session</a:t>
+            </a:r>
+          </a:p>
+          <a:p>
+            <a:r>
+              <a:rPr lang="en-US" dirty="0" smtClean="0">
+                <a:solidFill>
+                  <a:schemeClr val="bg1">
+                    <a:lumMod val="65000"/>
+                  </a:schemeClr>
+                </a:solidFill>
+              </a:rPr>
+              <a:t>Writing code </a:t>
+            </a:r>
+          </a:p>
+          <a:p>
+            <a:pPr lvl="1"/>
+            <a:r>
+              <a:rPr lang="en-US" dirty="0" smtClean="0">
+                <a:solidFill>
+                  <a:schemeClr val="bg1">
+                    <a:lumMod val="65000"/>
+                  </a:schemeClr>
+                </a:solidFill>
+              </a:rPr>
+              <a:t>Writing your own code</a:t>
+            </a:r>
+          </a:p>
+          <a:p>
+            <a:pPr lvl="1"/>
+            <a:r>
+              <a:rPr lang="en-US" dirty="0" smtClean="0">
+                <a:solidFill>
+                  <a:schemeClr val="bg1">
+                    <a:lumMod val="65000"/>
+                  </a:schemeClr>
+                </a:solidFill>
+              </a:rPr>
+              <a:t>Working on code with collaborators </a:t>
+            </a:r>
+          </a:p>
+          <a:p>
+            <a:pPr lvl="1"/>
+            <a:r>
+              <a:rPr lang="en-US" dirty="0" smtClean="0">
+                <a:solidFill>
+                  <a:schemeClr val="bg1">
+                    <a:lumMod val="65000"/>
+                  </a:schemeClr>
+                </a:solidFill>
+              </a:rPr>
+              <a:t>Joining a project where someone left off </a:t>
+            </a:r>
+          </a:p>
+          <a:p>
+            <a:r>
+              <a:rPr lang="en-US" dirty="0" smtClean="0">
+                <a:solidFill>
+                  <a:schemeClr val="bg1">
+                    <a:lumMod val="65000"/>
+                  </a:schemeClr>
+                </a:solidFill>
+              </a:rPr>
+              <a:t>Find out how to do something</a:t>
+            </a:r>
+          </a:p>
+          <a:p>
+            <a:pPr lvl="1"/>
+            <a:r>
+              <a:rPr lang="en-US" dirty="0" smtClean="0">
+                <a:solidFill>
+                  <a:schemeClr val="bg1">
+                    <a:lumMod val="65000"/>
+                  </a:schemeClr>
+                </a:solidFill>
+              </a:rPr>
+              <a:t>Looking for information you need</a:t>
+            </a:r>
+          </a:p>
+          <a:p>
+            <a:pPr lvl="1"/>
+            <a:r>
+              <a:rPr lang="en-US" dirty="0" smtClean="0">
+                <a:solidFill>
+                  <a:schemeClr val="bg1">
+                    <a:lumMod val="65000"/>
+                  </a:schemeClr>
+                </a:solidFill>
+              </a:rPr>
+              <a:t>Using the fruits of other peoples’ labor</a:t>
+            </a:r>
+          </a:p>
+          <a:p>
+            <a:r>
+              <a:rPr lang="en-US" dirty="0" smtClean="0"/>
+              <a:t>Developing your own tool</a:t>
+            </a:r>
+          </a:p>
+          <a:p>
+            <a:pPr lvl="1"/>
+            <a:r>
+              <a:rPr lang="en-US" dirty="0" smtClean="0"/>
+              <a:t>When to do it</a:t>
+            </a:r>
+          </a:p>
+          <a:p>
+            <a:pPr lvl="1"/>
+            <a:r>
+              <a:rPr lang="en-US" dirty="0" smtClean="0"/>
+              <a:t>What to keep in mind </a:t>
+            </a:r>
+          </a:p>
+          <a:p>
+            <a:r>
+              <a:rPr lang="en-US" dirty="0" smtClean="0">
+                <a:solidFill>
+                  <a:schemeClr val="bg1">
+                    <a:lumMod val="65000"/>
+                  </a:schemeClr>
+                </a:solidFill>
+              </a:rPr>
+              <a:t>Version control </a:t>
+            </a:r>
+          </a:p>
+          <a:p>
+            <a:pPr lvl="1"/>
+            <a:r>
+              <a:rPr lang="en-US" dirty="0" err="1" smtClean="0">
+                <a:solidFill>
+                  <a:schemeClr val="bg1">
+                    <a:lumMod val="65000"/>
+                  </a:schemeClr>
+                </a:solidFill>
+              </a:rPr>
+              <a:t>Github</a:t>
+            </a:r>
+            <a:r>
+              <a:rPr lang="en-US" dirty="0" smtClean="0">
+                <a:solidFill>
+                  <a:schemeClr val="bg1">
+                    <a:lumMod val="65000"/>
+                  </a:schemeClr>
+                </a:solidFill>
+              </a:rPr>
+              <a:t> </a:t>
+            </a:r>
+          </a:p>
+          <a:p>
+            <a:pPr lvl="1"/>
+            <a:r>
+              <a:rPr lang="en-US" dirty="0" err="1" smtClean="0">
+                <a:solidFill>
+                  <a:schemeClr val="bg1">
+                    <a:lumMod val="65000"/>
+                  </a:schemeClr>
+                </a:solidFill>
+              </a:rPr>
+              <a:t>Dropbox</a:t>
+            </a:r>
+            <a:r>
+              <a:rPr lang="en-US" dirty="0" smtClean="0">
+                <a:solidFill>
+                  <a:schemeClr val="bg1">
+                    <a:lumMod val="65000"/>
+                  </a:schemeClr>
+                </a:solidFill>
+              </a:rPr>
+              <a:t> </a:t>
+            </a:r>
+          </a:p>
+          <a:p>
+            <a:pPr lvl="1"/>
+            <a:r>
+              <a:rPr lang="en-US" dirty="0" smtClean="0">
+                <a:solidFill>
+                  <a:schemeClr val="bg1">
+                    <a:lumMod val="65000"/>
+                  </a:schemeClr>
+                </a:solidFill>
+              </a:rPr>
+              <a:t>Hard drives</a:t>
+            </a:r>
+            <a:r>
+              <a:rPr lang="en-US" dirty="0" smtClean="0"/>
+              <a:t> </a:t>
+            </a:r>
+          </a:p>
+          <a:p>
+            <a:endParaRPr lang="en-US" dirty="0"/>
+          </a:p>
+          <a:p>
+            <a:pPr lvl="1"/>
+            <a:endParaRPr lang="en-US" dirty="0" smtClean="0"/>
+          </a:p>
+          <a:p>
+            <a:endParaRPr lang="en-US" dirty="0" smtClean="0"/>
+          </a:p>
+          <a:p>
+            <a:endParaRPr lang="en-US" dirty="0"/>
+          </a:p>
+        </p:txBody>
+      </p:sp>
+    </p:spTree>
+    <p:extLst>
+      <p:ext uri="{BB962C8B-B14F-4D97-AF65-F5344CB8AC3E}">
+        <p14:creationId xmlns:p14="http://schemas.microsoft.com/office/powerpoint/2010/main" val="849704915"/>
+      </p:ext>
+    </p:extLst>
+  </p:cSld>
+  <p:clrMapOvr>
+    <a:masterClrMapping/>
+  </p:clrMapOvr>
+</p:sld>
+</file>
+
+<file path=ppt/slides/slide9.xml><?xml version="1.0" encoding="utf-8"?>
+<p:sld xmlns:a="http://schemas.openxmlformats.org/drawingml/2006/main" xmlns:r="http://schemas.openxmlformats.org/officeDocument/2006/relationships" xmlns:p="http://schemas.openxmlformats.org/presentationml/2006/main">
+  <p:cSld>
+    <p:spTree>
+      <p:nvGrpSpPr>
+        <p:cNvPr id="1" name=""/>
+        <p:cNvGrpSpPr/>
+        <p:nvPr/>
+      </p:nvGrpSpPr>
+      <p:grpSpPr>
+        <a:xfrm>
+          <a:off x="0" y="0"/>
+          <a:ext cx="0" cy="0"/>
+          <a:chOff x="0" y="0"/>
+          <a:chExt cx="0" cy="0"/>
+        </a:xfrm>
+      </p:grpSpPr>
+      <p:sp>
+        <p:nvSpPr>
+          <p:cNvPr id="2" name="Title 1"/>
+          <p:cNvSpPr>
+            <a:spLocks noGrp="1"/>
+          </p:cNvSpPr>
+          <p:nvPr>
+            <p:ph type="title"/>
+          </p:nvPr>
+        </p:nvSpPr>
+        <p:spPr>
+          <a:solidFill>
+            <a:schemeClr val="tx1"/>
+          </a:solidFill>
+        </p:spPr>
+        <p:txBody>
+          <a:bodyPr/>
+          <a:lstStyle/>
+          <a:p>
+            <a:r>
+              <a:rPr lang="en-US" dirty="0" smtClean="0">
+                <a:solidFill>
+                  <a:schemeClr val="bg1"/>
+                </a:solidFill>
+              </a:rPr>
+              <a:t>Contents</a:t>
+            </a:r>
+            <a:endParaRPr lang="en-US" dirty="0">
+              <a:solidFill>
+                <a:schemeClr val="bg1"/>
+              </a:solidFill>
+            </a:endParaRPr>
+          </a:p>
+        </p:txBody>
+      </p:sp>
+      <p:sp>
+        <p:nvSpPr>
+          <p:cNvPr id="3" name="Content Placeholder 2"/>
+          <p:cNvSpPr>
+            <a:spLocks noGrp="1"/>
+          </p:cNvSpPr>
+          <p:nvPr>
+            <p:ph idx="1"/>
+          </p:nvPr>
+        </p:nvSpPr>
+        <p:spPr>
+          <a:xfrm>
+            <a:off x="457200" y="1600200"/>
+            <a:ext cx="8229600" cy="5257800"/>
+          </a:xfrm>
+        </p:spPr>
+        <p:txBody>
+          <a:bodyPr>
+            <a:normAutofit fontScale="62500" lnSpcReduction="20000"/>
+          </a:bodyPr>
+          <a:lstStyle/>
+          <a:p>
+            <a:r>
+              <a:rPr lang="en-US" dirty="0" smtClean="0">
+                <a:solidFill>
+                  <a:schemeClr val="bg1">
+                    <a:lumMod val="65000"/>
+                  </a:schemeClr>
+                </a:solidFill>
+              </a:rPr>
+              <a:t>Admin</a:t>
+            </a:r>
+          </a:p>
+          <a:p>
+            <a:pPr lvl="1"/>
+            <a:r>
+              <a:rPr lang="en-US" dirty="0" smtClean="0">
+                <a:solidFill>
+                  <a:schemeClr val="bg1">
+                    <a:lumMod val="65000"/>
+                  </a:schemeClr>
+                </a:solidFill>
+              </a:rPr>
+              <a:t>My background</a:t>
+            </a:r>
+          </a:p>
+          <a:p>
+            <a:pPr lvl="1"/>
+            <a:r>
+              <a:rPr lang="en-US" dirty="0" smtClean="0">
+                <a:solidFill>
+                  <a:schemeClr val="bg1">
+                    <a:lumMod val="65000"/>
+                  </a:schemeClr>
+                </a:solidFill>
+              </a:rPr>
+              <a:t>Goals of this session</a:t>
+            </a:r>
+          </a:p>
+          <a:p>
+            <a:r>
+              <a:rPr lang="en-US" dirty="0" smtClean="0">
+                <a:solidFill>
+                  <a:schemeClr val="bg1">
+                    <a:lumMod val="65000"/>
+                  </a:schemeClr>
+                </a:solidFill>
+              </a:rPr>
+              <a:t>Writing code </a:t>
+            </a:r>
+          </a:p>
+          <a:p>
+            <a:pPr lvl="1"/>
+            <a:r>
+              <a:rPr lang="en-US" dirty="0" smtClean="0">
+                <a:solidFill>
+                  <a:schemeClr val="bg1">
+                    <a:lumMod val="65000"/>
+                  </a:schemeClr>
+                </a:solidFill>
+              </a:rPr>
+              <a:t>Writing your own code</a:t>
+            </a:r>
+          </a:p>
+          <a:p>
+            <a:pPr lvl="1"/>
+            <a:r>
+              <a:rPr lang="en-US" dirty="0" smtClean="0">
+                <a:solidFill>
+                  <a:schemeClr val="bg1">
+                    <a:lumMod val="65000"/>
+                  </a:schemeClr>
+                </a:solidFill>
+              </a:rPr>
+              <a:t>Working on code with collaborators </a:t>
+            </a:r>
+          </a:p>
+          <a:p>
+            <a:pPr lvl="1"/>
+            <a:r>
+              <a:rPr lang="en-US" dirty="0" smtClean="0">
+                <a:solidFill>
+                  <a:schemeClr val="bg1">
+                    <a:lumMod val="65000"/>
+                  </a:schemeClr>
+                </a:solidFill>
+              </a:rPr>
+              <a:t>Joining a project where someone left off </a:t>
+            </a:r>
+          </a:p>
+          <a:p>
+            <a:r>
+              <a:rPr lang="en-US" dirty="0" smtClean="0">
+                <a:solidFill>
+                  <a:schemeClr val="bg1">
+                    <a:lumMod val="65000"/>
+                  </a:schemeClr>
+                </a:solidFill>
+              </a:rPr>
+              <a:t>Find out how to do something</a:t>
+            </a:r>
+          </a:p>
+          <a:p>
+            <a:pPr lvl="1"/>
+            <a:r>
+              <a:rPr lang="en-US" dirty="0" smtClean="0">
+                <a:solidFill>
+                  <a:schemeClr val="bg1">
+                    <a:lumMod val="65000"/>
+                  </a:schemeClr>
+                </a:solidFill>
+              </a:rPr>
+              <a:t>Looking for information you need</a:t>
+            </a:r>
+          </a:p>
+          <a:p>
+            <a:pPr lvl="1"/>
+            <a:r>
+              <a:rPr lang="en-US" dirty="0" smtClean="0">
+                <a:solidFill>
+                  <a:schemeClr val="bg1">
+                    <a:lumMod val="65000"/>
+                  </a:schemeClr>
+                </a:solidFill>
+              </a:rPr>
+              <a:t>Using the fruits of other peoples’ labor</a:t>
+            </a:r>
+          </a:p>
+          <a:p>
+            <a:r>
+              <a:rPr lang="en-US" dirty="0" smtClean="0">
+                <a:solidFill>
+                  <a:schemeClr val="bg1">
+                    <a:lumMod val="65000"/>
+                  </a:schemeClr>
+                </a:solidFill>
+              </a:rPr>
+              <a:t>Developing your own tool</a:t>
+            </a:r>
+          </a:p>
+          <a:p>
+            <a:pPr lvl="1"/>
+            <a:r>
+              <a:rPr lang="en-US" dirty="0" smtClean="0">
+                <a:solidFill>
+                  <a:schemeClr val="bg1">
+                    <a:lumMod val="65000"/>
+                  </a:schemeClr>
+                </a:solidFill>
+              </a:rPr>
+              <a:t>When to do it</a:t>
+            </a:r>
+          </a:p>
+          <a:p>
+            <a:pPr lvl="1"/>
+            <a:r>
+              <a:rPr lang="en-US" dirty="0" smtClean="0">
+                <a:solidFill>
+                  <a:schemeClr val="bg1">
+                    <a:lumMod val="65000"/>
+                  </a:schemeClr>
+                </a:solidFill>
+              </a:rPr>
+              <a:t>What to keep in mind </a:t>
+            </a:r>
+          </a:p>
+          <a:p>
+            <a:r>
+              <a:rPr lang="en-US" dirty="0" smtClean="0"/>
+              <a:t>Version control </a:t>
+            </a:r>
+          </a:p>
+          <a:p>
+            <a:pPr lvl="1"/>
+            <a:r>
+              <a:rPr lang="en-US" dirty="0" err="1" smtClean="0"/>
+              <a:t>Github</a:t>
+            </a:r>
+            <a:r>
+              <a:rPr lang="en-US" dirty="0" smtClean="0"/>
+              <a:t> </a:t>
+            </a:r>
+          </a:p>
+          <a:p>
+            <a:pPr lvl="1"/>
+            <a:r>
+              <a:rPr lang="en-US" dirty="0" err="1" smtClean="0"/>
+              <a:t>Dropbox</a:t>
+            </a:r>
+            <a:r>
+              <a:rPr lang="en-US" dirty="0" smtClean="0"/>
+              <a:t> </a:t>
+            </a:r>
+          </a:p>
+          <a:p>
+            <a:pPr lvl="1"/>
+            <a:r>
+              <a:rPr lang="en-US" dirty="0" smtClean="0"/>
+              <a:t>Hard drives </a:t>
+            </a:r>
+          </a:p>
+          <a:p>
+            <a:endParaRPr lang="en-US" dirty="0"/>
+          </a:p>
+          <a:p>
+            <a:pPr lvl="1"/>
+            <a:endParaRPr lang="en-US" dirty="0" smtClean="0"/>
+          </a:p>
+          <a:p>
+            <a:endParaRPr lang="en-US" dirty="0" smtClean="0"/>
+          </a:p>
+          <a:p>
+            <a:endParaRPr lang="en-US" dirty="0"/>
+          </a:p>
+        </p:txBody>
+      </p:sp>
+    </p:spTree>
+    <p:extLst>
+      <p:ext uri="{BB962C8B-B14F-4D97-AF65-F5344CB8AC3E}">
+        <p14:creationId xmlns:p14="http://schemas.microsoft.com/office/powerpoint/2010/main" val="1674219173"/>
       </p:ext>
     </p:extLst>
   </p:cSld>

--- a/BasicsOfCoding/BasicsOfCoding.pptx
+++ b/BasicsOfCoding/BasicsOfCoding.pptx
@@ -5,7 +5,7 @@
     <p:sldMasterId id="2147483648" r:id="rId1"/>
   </p:sldMasterIdLst>
   <p:notesMasterIdLst>
-    <p:notesMasterId r:id="rId11"/>
+    <p:notesMasterId r:id="rId31"/>
   </p:notesMasterIdLst>
   <p:sldIdLst>
     <p:sldId id="256" r:id="rId2"/>
@@ -14,9 +14,29 @@
     <p:sldId id="259" r:id="rId5"/>
     <p:sldId id="261" r:id="rId6"/>
     <p:sldId id="266" r:id="rId7"/>
-    <p:sldId id="263" r:id="rId8"/>
-    <p:sldId id="264" r:id="rId9"/>
-    <p:sldId id="265" r:id="rId10"/>
+    <p:sldId id="286" r:id="rId8"/>
+    <p:sldId id="287" r:id="rId9"/>
+    <p:sldId id="279" r:id="rId10"/>
+    <p:sldId id="280" r:id="rId11"/>
+    <p:sldId id="281" r:id="rId12"/>
+    <p:sldId id="282" r:id="rId13"/>
+    <p:sldId id="283" r:id="rId14"/>
+    <p:sldId id="284" r:id="rId15"/>
+    <p:sldId id="285" r:id="rId16"/>
+    <p:sldId id="263" r:id="rId17"/>
+    <p:sldId id="277" r:id="rId18"/>
+    <p:sldId id="278" r:id="rId19"/>
+    <p:sldId id="264" r:id="rId20"/>
+    <p:sldId id="275" r:id="rId21"/>
+    <p:sldId id="276" r:id="rId22"/>
+    <p:sldId id="265" r:id="rId23"/>
+    <p:sldId id="267" r:id="rId24"/>
+    <p:sldId id="269" r:id="rId25"/>
+    <p:sldId id="274" r:id="rId26"/>
+    <p:sldId id="270" r:id="rId27"/>
+    <p:sldId id="272" r:id="rId28"/>
+    <p:sldId id="273" r:id="rId29"/>
+    <p:sldId id="268" r:id="rId30"/>
   </p:sldIdLst>
   <p:sldSz cx="9144000" cy="6858000" type="screen4x3"/>
   <p:notesSz cx="6858000" cy="9144000"/>
@@ -3613,6 +3633,2225 @@
 </p:sld>
 </file>
 
+<file path=ppt/slides/slide10.xml><?xml version="1.0" encoding="utf-8"?>
+<p:sld xmlns:a="http://schemas.openxmlformats.org/drawingml/2006/main" xmlns:r="http://schemas.openxmlformats.org/officeDocument/2006/relationships" xmlns:p="http://schemas.openxmlformats.org/presentationml/2006/main">
+  <p:cSld>
+    <p:spTree>
+      <p:nvGrpSpPr>
+        <p:cNvPr id="1" name=""/>
+        <p:cNvGrpSpPr/>
+        <p:nvPr/>
+      </p:nvGrpSpPr>
+      <p:grpSpPr>
+        <a:xfrm>
+          <a:off x="0" y="0"/>
+          <a:ext cx="0" cy="0"/>
+          <a:chOff x="0" y="0"/>
+          <a:chExt cx="0" cy="0"/>
+        </a:xfrm>
+      </p:grpSpPr>
+      <p:sp>
+        <p:nvSpPr>
+          <p:cNvPr id="52226" name="Rectangle 2"/>
+          <p:cNvSpPr>
+            <a:spLocks noGrp="1" noChangeArrowheads="1"/>
+          </p:cNvSpPr>
+          <p:nvPr>
+            <p:ph type="ctrTitle"/>
+          </p:nvPr>
+        </p:nvSpPr>
+        <p:spPr>
+          <a:xfrm>
+            <a:off x="533400" y="685800"/>
+            <a:ext cx="8153400" cy="1524000"/>
+          </a:xfrm>
+        </p:spPr>
+        <p:txBody>
+          <a:bodyPr>
+            <a:normAutofit fontScale="90000"/>
+          </a:bodyPr>
+          <a:lstStyle/>
+          <a:p>
+            <a:r>
+              <a:rPr lang="en-US" sz="4800">
+                <a:latin typeface="Trebuchet MS" charset="0"/>
+              </a:rPr>
+              <a:t>Use Descriptive Variable Names</a:t>
+            </a:r>
+          </a:p>
+        </p:txBody>
+      </p:sp>
+      <p:sp>
+        <p:nvSpPr>
+          <p:cNvPr id="52227" name="Rectangle 3"/>
+          <p:cNvSpPr>
+            <a:spLocks noGrp="1" noChangeArrowheads="1"/>
+          </p:cNvSpPr>
+          <p:nvPr>
+            <p:ph type="subTitle" idx="1"/>
+          </p:nvPr>
+        </p:nvSpPr>
+        <p:spPr>
+          <a:xfrm>
+            <a:off x="304800" y="2286000"/>
+            <a:ext cx="8610600" cy="4343400"/>
+          </a:xfrm>
+        </p:spPr>
+        <p:txBody>
+          <a:bodyPr/>
+          <a:lstStyle/>
+          <a:p>
+            <a:pPr algn="l">
+              <a:lnSpc>
+                <a:spcPct val="90000"/>
+              </a:lnSpc>
+            </a:pPr>
+            <a:r>
+              <a:rPr lang="en-US">
+                <a:latin typeface="Trebuchet MS" charset="0"/>
+              </a:rPr>
+              <a:t>// increment along the surface (x axis) </a:t>
+            </a:r>
+          </a:p>
+          <a:p>
+            <a:pPr algn="l">
+              <a:lnSpc>
+                <a:spcPct val="90000"/>
+              </a:lnSpc>
+            </a:pPr>
+            <a:r>
+              <a:rPr lang="en-US">
+                <a:latin typeface="Trebuchet MS" charset="0"/>
+              </a:rPr>
+              <a:t>// summing each point</a:t>
+            </a:r>
+            <a:r>
+              <a:rPr lang="ja-JP" altLang="en-US">
+                <a:latin typeface="Arial"/>
+              </a:rPr>
+              <a:t>’</a:t>
+            </a:r>
+            <a:r>
+              <a:rPr lang="en-US">
+                <a:latin typeface="Trebuchet MS" charset="0"/>
+              </a:rPr>
+              <a:t>s contribution</a:t>
+            </a:r>
+          </a:p>
+          <a:p>
+            <a:pPr algn="l">
+              <a:lnSpc>
+                <a:spcPct val="90000"/>
+              </a:lnSpc>
+            </a:pPr>
+            <a:r>
+              <a:rPr lang="en-US">
+                <a:latin typeface="Trebuchet MS" charset="0"/>
+              </a:rPr>
+              <a:t>for (</a:t>
+            </a:r>
+            <a:r>
+              <a:rPr lang="en-US">
+                <a:solidFill>
+                  <a:srgbClr val="FFFF00"/>
+                </a:solidFill>
+                <a:latin typeface="Trebuchet MS" charset="0"/>
+              </a:rPr>
+              <a:t>iLength</a:t>
+            </a:r>
+            <a:r>
+              <a:rPr lang="en-US">
+                <a:latin typeface="Trebuchet MS" charset="0"/>
+              </a:rPr>
+              <a:t> = 1; </a:t>
+            </a:r>
+            <a:r>
+              <a:rPr lang="en-US">
+                <a:solidFill>
+                  <a:srgbClr val="FFFF00"/>
+                </a:solidFill>
+                <a:latin typeface="Trebuchet MS" charset="0"/>
+              </a:rPr>
+              <a:t>iLength</a:t>
+            </a:r>
+            <a:r>
+              <a:rPr lang="en-US">
+                <a:latin typeface="Trebuchet MS" charset="0"/>
+              </a:rPr>
+              <a:t> &lt;= 100; </a:t>
+            </a:r>
+            <a:r>
+              <a:rPr lang="en-US">
+                <a:solidFill>
+                  <a:srgbClr val="FFFF00"/>
+                </a:solidFill>
+                <a:latin typeface="Trebuchet MS" charset="0"/>
+              </a:rPr>
+              <a:t>iLength</a:t>
+            </a:r>
+            <a:r>
+              <a:rPr lang="en-US">
+                <a:latin typeface="Trebuchet MS" charset="0"/>
+              </a:rPr>
+              <a:t>++)</a:t>
+            </a:r>
+          </a:p>
+          <a:p>
+            <a:pPr algn="l">
+              <a:lnSpc>
+                <a:spcPct val="90000"/>
+              </a:lnSpc>
+            </a:pPr>
+            <a:r>
+              <a:rPr lang="en-US">
+                <a:latin typeface="Trebuchet MS" charset="0"/>
+              </a:rPr>
+              <a:t>	{</a:t>
+            </a:r>
+          </a:p>
+          <a:p>
+            <a:pPr algn="l">
+              <a:lnSpc>
+                <a:spcPct val="90000"/>
+              </a:lnSpc>
+            </a:pPr>
+            <a:r>
+              <a:rPr lang="en-US">
+                <a:latin typeface="Trebuchet MS" charset="0"/>
+              </a:rPr>
+              <a:t>	…</a:t>
+            </a:r>
+          </a:p>
+          <a:p>
+            <a:pPr algn="l">
+              <a:lnSpc>
+                <a:spcPct val="90000"/>
+              </a:lnSpc>
+            </a:pPr>
+            <a:r>
+              <a:rPr lang="en-US">
+                <a:latin typeface="Trebuchet MS" charset="0"/>
+              </a:rPr>
+              <a:t>	…</a:t>
+            </a:r>
+          </a:p>
+          <a:p>
+            <a:pPr algn="l">
+              <a:lnSpc>
+                <a:spcPct val="90000"/>
+              </a:lnSpc>
+            </a:pPr>
+            <a:r>
+              <a:rPr lang="en-US">
+                <a:latin typeface="Trebuchet MS" charset="0"/>
+              </a:rPr>
+              <a:t>	…</a:t>
+            </a:r>
+          </a:p>
+          <a:p>
+            <a:pPr algn="l">
+              <a:lnSpc>
+                <a:spcPct val="90000"/>
+              </a:lnSpc>
+            </a:pPr>
+            <a:r>
+              <a:rPr lang="en-US">
+                <a:latin typeface="Trebuchet MS" charset="0"/>
+              </a:rPr>
+              <a:t>	}</a:t>
+            </a:r>
+          </a:p>
+        </p:txBody>
+      </p:sp>
+      <p:sp>
+        <p:nvSpPr>
+          <p:cNvPr id="52228" name="Line 4"/>
+          <p:cNvSpPr>
+            <a:spLocks noChangeShapeType="1"/>
+          </p:cNvSpPr>
+          <p:nvPr/>
+        </p:nvSpPr>
+        <p:spPr bwMode="auto">
+          <a:xfrm>
+            <a:off x="457200" y="533400"/>
+            <a:ext cx="8305800" cy="0"/>
+          </a:xfrm>
+          <a:prstGeom prst="line">
+            <a:avLst/>
+          </a:prstGeom>
+          <a:noFill/>
+          <a:ln w="28575">
+            <a:solidFill>
+              <a:srgbClr val="FFFF00"/>
+            </a:solidFill>
+            <a:round/>
+            <a:headEnd type="diamond" w="med" len="sm"/>
+            <a:tailEnd type="diamond" w="med" len="sm"/>
+          </a:ln>
+          <a:effectLst/>
+          <a:extLst>
+            <a:ext uri="{909E8E84-426E-40dd-AFC4-6F175D3DCCD1}">
+              <a14:hiddenFill xmlns:a14="http://schemas.microsoft.com/office/drawing/2010/main">
+                <a:noFill/>
+              </a14:hiddenFill>
+            </a:ext>
+            <a:ext uri="{AF507438-7753-43e0-B8FC-AC1667EBCBE1}">
+              <a14:hiddenEffects xmlns:a14="http://schemas.microsoft.com/office/drawing/2010/main">
+                <a:effectLst>
+                  <a:outerShdw blurRad="63500" dist="38099" dir="2700000" algn="ctr" rotWithShape="0">
+                    <a:schemeClr val="bg2">
+                      <a:alpha val="74998"/>
+                    </a:schemeClr>
+                  </a:outerShdw>
+                </a:effectLst>
+              </a14:hiddenEffects>
+            </a:ext>
+          </a:extLst>
+        </p:spPr>
+        <p:txBody>
+          <a:bodyPr/>
+          <a:lstStyle/>
+          <a:p>
+            <a:endParaRPr lang="en-US"/>
+          </a:p>
+        </p:txBody>
+      </p:sp>
+    </p:spTree>
+    <p:extLst>
+      <p:ext uri="{BB962C8B-B14F-4D97-AF65-F5344CB8AC3E}">
+        <p14:creationId xmlns:p14="http://schemas.microsoft.com/office/powerpoint/2010/main" val="987521526"/>
+      </p:ext>
+    </p:extLst>
+  </p:cSld>
+  <p:clrMapOvr>
+    <a:masterClrMapping/>
+  </p:clrMapOvr>
+  <p:timing>
+    <p:tnLst>
+      <p:par>
+        <p:cTn xmlns:p14="http://schemas.microsoft.com/office/powerpoint/2010/main" id="1" dur="indefinite" restart="never" nodeType="tmRoot"/>
+      </p:par>
+    </p:tnLst>
+  </p:timing>
+</p:sld>
+</file>
+
+<file path=ppt/slides/slide11.xml><?xml version="1.0" encoding="utf-8"?>
+<p:sld xmlns:a="http://schemas.openxmlformats.org/drawingml/2006/main" xmlns:r="http://schemas.openxmlformats.org/officeDocument/2006/relationships" xmlns:p="http://schemas.openxmlformats.org/presentationml/2006/main">
+  <p:cSld>
+    <p:spTree>
+      <p:nvGrpSpPr>
+        <p:cNvPr id="1" name=""/>
+        <p:cNvGrpSpPr/>
+        <p:nvPr/>
+      </p:nvGrpSpPr>
+      <p:grpSpPr>
+        <a:xfrm>
+          <a:off x="0" y="0"/>
+          <a:ext cx="0" cy="0"/>
+          <a:chOff x="0" y="0"/>
+          <a:chExt cx="0" cy="0"/>
+        </a:xfrm>
+      </p:grpSpPr>
+      <p:sp>
+        <p:nvSpPr>
+          <p:cNvPr id="54274" name="Rectangle 2"/>
+          <p:cNvSpPr>
+            <a:spLocks noGrp="1" noChangeArrowheads="1"/>
+          </p:cNvSpPr>
+          <p:nvPr>
+            <p:ph type="ctrTitle"/>
+          </p:nvPr>
+        </p:nvSpPr>
+        <p:spPr>
+          <a:xfrm>
+            <a:off x="457200" y="762000"/>
+            <a:ext cx="8305800" cy="1295400"/>
+          </a:xfrm>
+        </p:spPr>
+        <p:txBody>
+          <a:bodyPr>
+            <a:normAutofit fontScale="90000"/>
+          </a:bodyPr>
+          <a:lstStyle/>
+          <a:p>
+            <a:r>
+              <a:rPr lang="en-US" sz="4800">
+                <a:latin typeface="Trebuchet MS" charset="0"/>
+              </a:rPr>
+              <a:t>Don</a:t>
+            </a:r>
+            <a:r>
+              <a:rPr lang="ja-JP" altLang="en-US" sz="4800">
+                <a:latin typeface="Arial"/>
+              </a:rPr>
+              <a:t>’</a:t>
+            </a:r>
+            <a:r>
+              <a:rPr lang="en-US" sz="4800">
+                <a:latin typeface="Trebuchet MS" charset="0"/>
+              </a:rPr>
+              <a:t>t Hardcode Values in your Code</a:t>
+            </a:r>
+          </a:p>
+        </p:txBody>
+      </p:sp>
+      <p:sp>
+        <p:nvSpPr>
+          <p:cNvPr id="54275" name="Rectangle 3"/>
+          <p:cNvSpPr>
+            <a:spLocks noGrp="1" noChangeArrowheads="1"/>
+          </p:cNvSpPr>
+          <p:nvPr>
+            <p:ph type="subTitle" idx="1"/>
+          </p:nvPr>
+        </p:nvSpPr>
+        <p:spPr>
+          <a:xfrm>
+            <a:off x="304800" y="2286000"/>
+            <a:ext cx="8610600" cy="4419600"/>
+          </a:xfrm>
+        </p:spPr>
+        <p:txBody>
+          <a:bodyPr/>
+          <a:lstStyle/>
+          <a:p>
+            <a:pPr algn="l">
+              <a:lnSpc>
+                <a:spcPct val="90000"/>
+              </a:lnSpc>
+            </a:pPr>
+            <a:r>
+              <a:rPr lang="en-US">
+                <a:latin typeface="Trebuchet MS" charset="0"/>
+              </a:rPr>
+              <a:t>// increment along the surface (x axis) </a:t>
+            </a:r>
+          </a:p>
+          <a:p>
+            <a:pPr algn="l">
+              <a:lnSpc>
+                <a:spcPct val="90000"/>
+              </a:lnSpc>
+            </a:pPr>
+            <a:r>
+              <a:rPr lang="en-US">
+                <a:latin typeface="Trebuchet MS" charset="0"/>
+              </a:rPr>
+              <a:t>// summing each point</a:t>
+            </a:r>
+            <a:r>
+              <a:rPr lang="ja-JP" altLang="en-US">
+                <a:latin typeface="Arial"/>
+              </a:rPr>
+              <a:t>’</a:t>
+            </a:r>
+            <a:r>
+              <a:rPr lang="en-US">
+                <a:latin typeface="Trebuchet MS" charset="0"/>
+              </a:rPr>
+              <a:t>s contribution</a:t>
+            </a:r>
+          </a:p>
+          <a:p>
+            <a:pPr algn="l">
+              <a:lnSpc>
+                <a:spcPct val="90000"/>
+              </a:lnSpc>
+            </a:pPr>
+            <a:r>
+              <a:rPr lang="en-US">
+                <a:latin typeface="Trebuchet MS" charset="0"/>
+              </a:rPr>
+              <a:t>for (iLength = 1; iLength &lt;= </a:t>
+            </a:r>
+            <a:r>
+              <a:rPr lang="en-US">
+                <a:solidFill>
+                  <a:srgbClr val="FFFF00"/>
+                </a:solidFill>
+                <a:latin typeface="Trebuchet MS" charset="0"/>
+              </a:rPr>
+              <a:t>iMax</a:t>
+            </a:r>
+            <a:r>
+              <a:rPr lang="en-US">
+                <a:latin typeface="Trebuchet MS" charset="0"/>
+              </a:rPr>
+              <a:t>; iLength++)</a:t>
+            </a:r>
+          </a:p>
+          <a:p>
+            <a:pPr algn="l">
+              <a:lnSpc>
+                <a:spcPct val="90000"/>
+              </a:lnSpc>
+            </a:pPr>
+            <a:r>
+              <a:rPr lang="en-US">
+                <a:latin typeface="Trebuchet MS" charset="0"/>
+              </a:rPr>
+              <a:t>	{</a:t>
+            </a:r>
+          </a:p>
+          <a:p>
+            <a:pPr algn="l">
+              <a:lnSpc>
+                <a:spcPct val="90000"/>
+              </a:lnSpc>
+            </a:pPr>
+            <a:r>
+              <a:rPr lang="en-US">
+                <a:latin typeface="Trebuchet MS" charset="0"/>
+              </a:rPr>
+              <a:t>	…</a:t>
+            </a:r>
+          </a:p>
+          <a:p>
+            <a:pPr algn="l">
+              <a:lnSpc>
+                <a:spcPct val="90000"/>
+              </a:lnSpc>
+            </a:pPr>
+            <a:r>
+              <a:rPr lang="en-US">
+                <a:latin typeface="Trebuchet MS" charset="0"/>
+              </a:rPr>
+              <a:t>	…</a:t>
+            </a:r>
+          </a:p>
+          <a:p>
+            <a:pPr algn="l">
+              <a:lnSpc>
+                <a:spcPct val="90000"/>
+              </a:lnSpc>
+            </a:pPr>
+            <a:r>
+              <a:rPr lang="en-US">
+                <a:latin typeface="Trebuchet MS" charset="0"/>
+              </a:rPr>
+              <a:t>	…</a:t>
+            </a:r>
+          </a:p>
+          <a:p>
+            <a:pPr algn="l">
+              <a:lnSpc>
+                <a:spcPct val="90000"/>
+              </a:lnSpc>
+            </a:pPr>
+            <a:r>
+              <a:rPr lang="en-US">
+                <a:latin typeface="Trebuchet MS" charset="0"/>
+              </a:rPr>
+              <a:t>	}</a:t>
+            </a:r>
+          </a:p>
+        </p:txBody>
+      </p:sp>
+      <p:sp>
+        <p:nvSpPr>
+          <p:cNvPr id="54276" name="Line 4"/>
+          <p:cNvSpPr>
+            <a:spLocks noChangeShapeType="1"/>
+          </p:cNvSpPr>
+          <p:nvPr/>
+        </p:nvSpPr>
+        <p:spPr bwMode="auto">
+          <a:xfrm>
+            <a:off x="457200" y="533400"/>
+            <a:ext cx="8305800" cy="0"/>
+          </a:xfrm>
+          <a:prstGeom prst="line">
+            <a:avLst/>
+          </a:prstGeom>
+          <a:noFill/>
+          <a:ln w="28575">
+            <a:solidFill>
+              <a:srgbClr val="FFFF00"/>
+            </a:solidFill>
+            <a:round/>
+            <a:headEnd type="diamond" w="med" len="sm"/>
+            <a:tailEnd type="diamond" w="med" len="sm"/>
+          </a:ln>
+          <a:effectLst/>
+          <a:extLst>
+            <a:ext uri="{909E8E84-426E-40dd-AFC4-6F175D3DCCD1}">
+              <a14:hiddenFill xmlns:a14="http://schemas.microsoft.com/office/drawing/2010/main">
+                <a:noFill/>
+              </a14:hiddenFill>
+            </a:ext>
+            <a:ext uri="{AF507438-7753-43e0-B8FC-AC1667EBCBE1}">
+              <a14:hiddenEffects xmlns:a14="http://schemas.microsoft.com/office/drawing/2010/main">
+                <a:effectLst>
+                  <a:outerShdw blurRad="63500" dist="38099" dir="2700000" algn="ctr" rotWithShape="0">
+                    <a:schemeClr val="bg2">
+                      <a:alpha val="74998"/>
+                    </a:schemeClr>
+                  </a:outerShdw>
+                </a:effectLst>
+              </a14:hiddenEffects>
+            </a:ext>
+          </a:extLst>
+        </p:spPr>
+        <p:txBody>
+          <a:bodyPr/>
+          <a:lstStyle/>
+          <a:p>
+            <a:endParaRPr lang="en-US"/>
+          </a:p>
+        </p:txBody>
+      </p:sp>
+    </p:spTree>
+    <p:extLst>
+      <p:ext uri="{BB962C8B-B14F-4D97-AF65-F5344CB8AC3E}">
+        <p14:creationId xmlns:p14="http://schemas.microsoft.com/office/powerpoint/2010/main" val="2827953884"/>
+      </p:ext>
+    </p:extLst>
+  </p:cSld>
+  <p:clrMapOvr>
+    <a:masterClrMapping/>
+  </p:clrMapOvr>
+  <p:timing>
+    <p:tnLst>
+      <p:par>
+        <p:cTn xmlns:p14="http://schemas.microsoft.com/office/powerpoint/2010/main" id="1" dur="indefinite" restart="never" nodeType="tmRoot"/>
+      </p:par>
+    </p:tnLst>
+  </p:timing>
+</p:sld>
+</file>
+
+<file path=ppt/slides/slide12.xml><?xml version="1.0" encoding="utf-8"?>
+<p:sld xmlns:a="http://schemas.openxmlformats.org/drawingml/2006/main" xmlns:r="http://schemas.openxmlformats.org/officeDocument/2006/relationships" xmlns:p="http://schemas.openxmlformats.org/presentationml/2006/main">
+  <p:cSld>
+    <p:spTree>
+      <p:nvGrpSpPr>
+        <p:cNvPr id="1" name=""/>
+        <p:cNvGrpSpPr/>
+        <p:nvPr/>
+      </p:nvGrpSpPr>
+      <p:grpSpPr>
+        <a:xfrm>
+          <a:off x="0" y="0"/>
+          <a:ext cx="0" cy="0"/>
+          <a:chOff x="0" y="0"/>
+          <a:chExt cx="0" cy="0"/>
+        </a:xfrm>
+      </p:grpSpPr>
+      <p:sp>
+        <p:nvSpPr>
+          <p:cNvPr id="93186" name="Rectangle 2"/>
+          <p:cNvSpPr>
+            <a:spLocks noGrp="1" noChangeArrowheads="1"/>
+          </p:cNvSpPr>
+          <p:nvPr>
+            <p:ph type="ctrTitle"/>
+          </p:nvPr>
+        </p:nvSpPr>
+        <p:spPr>
+          <a:xfrm>
+            <a:off x="609600" y="685800"/>
+            <a:ext cx="7848600" cy="914400"/>
+          </a:xfrm>
+        </p:spPr>
+        <p:txBody>
+          <a:bodyPr/>
+          <a:lstStyle/>
+          <a:p>
+            <a:r>
+              <a:rPr lang="en-US" sz="4800">
+                <a:latin typeface="Trebuchet MS" charset="0"/>
+              </a:rPr>
+              <a:t>Or, use an external file</a:t>
+            </a:r>
+          </a:p>
+        </p:txBody>
+      </p:sp>
+      <p:sp>
+        <p:nvSpPr>
+          <p:cNvPr id="93187" name="Rectangle 3"/>
+          <p:cNvSpPr>
+            <a:spLocks noGrp="1" noChangeArrowheads="1"/>
+          </p:cNvSpPr>
+          <p:nvPr>
+            <p:ph type="subTitle" idx="1"/>
+          </p:nvPr>
+        </p:nvSpPr>
+        <p:spPr>
+          <a:xfrm>
+            <a:off x="609600" y="2057400"/>
+            <a:ext cx="8153400" cy="4495800"/>
+          </a:xfrm>
+        </p:spPr>
+        <p:txBody>
+          <a:bodyPr/>
+          <a:lstStyle/>
+          <a:p>
+            <a:pPr algn="l"/>
+            <a:r>
+              <a:rPr lang="en-US" sz="2800">
+                <a:latin typeface="Trebuchet MS" charset="0"/>
+              </a:rPr>
+              <a:t>// Declarations</a:t>
+            </a:r>
+          </a:p>
+          <a:p>
+            <a:pPr algn="l"/>
+            <a:r>
+              <a:rPr lang="en-US" sz="2800">
+                <a:latin typeface="Trebuchet MS" charset="0"/>
+              </a:rPr>
+              <a:t>int		iLength;		// x-axis increment</a:t>
+            </a:r>
+          </a:p>
+          <a:p>
+            <a:pPr algn="l"/>
+            <a:r>
+              <a:rPr lang="en-US" sz="2800">
+                <a:latin typeface="Trebuchet MS" charset="0"/>
+              </a:rPr>
+              <a:t>int		iMax;			// total increments</a:t>
+            </a:r>
+          </a:p>
+          <a:p>
+            <a:pPr algn="l"/>
+            <a:r>
+              <a:rPr lang="en-US" sz="2800">
+                <a:latin typeface="Trebuchet MS" charset="0"/>
+              </a:rPr>
+              <a:t>double	dVelocity[5001]; // array of velocities</a:t>
+            </a:r>
+          </a:p>
+          <a:p>
+            <a:pPr algn="l"/>
+            <a:r>
+              <a:rPr lang="en-US" sz="2800">
+                <a:latin typeface="Trebuchet MS" charset="0"/>
+              </a:rPr>
+              <a:t>…</a:t>
+            </a:r>
+          </a:p>
+          <a:p>
+            <a:pPr algn="l"/>
+            <a:r>
+              <a:rPr lang="en-US" sz="2800">
+                <a:solidFill>
+                  <a:srgbClr val="FFFF00"/>
+                </a:solidFill>
+                <a:latin typeface="Trebuchet MS" charset="0"/>
+              </a:rPr>
+              <a:t>// Read and set Initial Values from a file</a:t>
+            </a:r>
+          </a:p>
+          <a:p>
+            <a:pPr algn="l"/>
+            <a:r>
+              <a:rPr lang="en-US" sz="2800">
+                <a:latin typeface="Trebuchet MS" charset="0"/>
+              </a:rPr>
+              <a:t>…</a:t>
+            </a:r>
+          </a:p>
+          <a:p>
+            <a:pPr algn="l"/>
+            <a:r>
+              <a:rPr lang="en-US" sz="2800">
+                <a:latin typeface="Trebuchet MS" charset="0"/>
+              </a:rPr>
+              <a:t>…</a:t>
+            </a:r>
+          </a:p>
+        </p:txBody>
+      </p:sp>
+      <p:sp>
+        <p:nvSpPr>
+          <p:cNvPr id="93188" name="Line 4"/>
+          <p:cNvSpPr>
+            <a:spLocks noChangeShapeType="1"/>
+          </p:cNvSpPr>
+          <p:nvPr/>
+        </p:nvSpPr>
+        <p:spPr bwMode="auto">
+          <a:xfrm>
+            <a:off x="457200" y="533400"/>
+            <a:ext cx="8305800" cy="0"/>
+          </a:xfrm>
+          <a:prstGeom prst="line">
+            <a:avLst/>
+          </a:prstGeom>
+          <a:noFill/>
+          <a:ln w="28575">
+            <a:solidFill>
+              <a:srgbClr val="FFFF00"/>
+            </a:solidFill>
+            <a:round/>
+            <a:headEnd type="diamond" w="med" len="sm"/>
+            <a:tailEnd type="diamond" w="med" len="sm"/>
+          </a:ln>
+          <a:effectLst/>
+          <a:extLst>
+            <a:ext uri="{909E8E84-426E-40dd-AFC4-6F175D3DCCD1}">
+              <a14:hiddenFill xmlns:a14="http://schemas.microsoft.com/office/drawing/2010/main">
+                <a:noFill/>
+              </a14:hiddenFill>
+            </a:ext>
+            <a:ext uri="{AF507438-7753-43e0-B8FC-AC1667EBCBE1}">
+              <a14:hiddenEffects xmlns:a14="http://schemas.microsoft.com/office/drawing/2010/main">
+                <a:effectLst>
+                  <a:outerShdw blurRad="63500" dist="38099" dir="2700000" algn="ctr" rotWithShape="0">
+                    <a:schemeClr val="bg2">
+                      <a:alpha val="74998"/>
+                    </a:schemeClr>
+                  </a:outerShdw>
+                </a:effectLst>
+              </a14:hiddenEffects>
+            </a:ext>
+          </a:extLst>
+        </p:spPr>
+        <p:txBody>
+          <a:bodyPr/>
+          <a:lstStyle/>
+          <a:p>
+            <a:endParaRPr lang="en-US"/>
+          </a:p>
+        </p:txBody>
+      </p:sp>
+    </p:spTree>
+    <p:extLst>
+      <p:ext uri="{BB962C8B-B14F-4D97-AF65-F5344CB8AC3E}">
+        <p14:creationId xmlns:p14="http://schemas.microsoft.com/office/powerpoint/2010/main" val="2026744277"/>
+      </p:ext>
+    </p:extLst>
+  </p:cSld>
+  <p:clrMapOvr>
+    <a:masterClrMapping/>
+  </p:clrMapOvr>
+  <p:timing>
+    <p:tnLst>
+      <p:par>
+        <p:cTn xmlns:p14="http://schemas.microsoft.com/office/powerpoint/2010/main" id="1" dur="indefinite" restart="never" nodeType="tmRoot"/>
+      </p:par>
+    </p:tnLst>
+  </p:timing>
+</p:sld>
+</file>
+
+<file path=ppt/slides/slide13.xml><?xml version="1.0" encoding="utf-8"?>
+<p:sld xmlns:a="http://schemas.openxmlformats.org/drawingml/2006/main" xmlns:r="http://schemas.openxmlformats.org/officeDocument/2006/relationships" xmlns:p="http://schemas.openxmlformats.org/presentationml/2006/main">
+  <p:cSld>
+    <p:spTree>
+      <p:nvGrpSpPr>
+        <p:cNvPr id="1" name=""/>
+        <p:cNvGrpSpPr/>
+        <p:nvPr/>
+      </p:nvGrpSpPr>
+      <p:grpSpPr>
+        <a:xfrm>
+          <a:off x="0" y="0"/>
+          <a:ext cx="0" cy="0"/>
+          <a:chOff x="0" y="0"/>
+          <a:chExt cx="0" cy="0"/>
+        </a:xfrm>
+      </p:grpSpPr>
+      <p:sp>
+        <p:nvSpPr>
+          <p:cNvPr id="112642" name="Rectangle 2"/>
+          <p:cNvSpPr>
+            <a:spLocks noGrp="1" noChangeArrowheads="1"/>
+          </p:cNvSpPr>
+          <p:nvPr>
+            <p:ph type="ctrTitle"/>
+          </p:nvPr>
+        </p:nvSpPr>
+        <p:spPr>
+          <a:xfrm>
+            <a:off x="457200" y="685800"/>
+            <a:ext cx="8305800" cy="1143000"/>
+          </a:xfrm>
+        </p:spPr>
+        <p:txBody>
+          <a:bodyPr/>
+          <a:lstStyle/>
+          <a:p>
+            <a:r>
+              <a:rPr lang="en-US" sz="4800">
+                <a:latin typeface="Trebuchet MS" charset="0"/>
+              </a:rPr>
+              <a:t>Use descriptive file names</a:t>
+            </a:r>
+          </a:p>
+        </p:txBody>
+      </p:sp>
+      <p:sp>
+        <p:nvSpPr>
+          <p:cNvPr id="112643" name="Rectangle 3"/>
+          <p:cNvSpPr>
+            <a:spLocks noGrp="1" noChangeArrowheads="1"/>
+          </p:cNvSpPr>
+          <p:nvPr>
+            <p:ph type="subTitle" idx="1"/>
+          </p:nvPr>
+        </p:nvSpPr>
+        <p:spPr>
+          <a:xfrm>
+            <a:off x="609600" y="2057400"/>
+            <a:ext cx="7848600" cy="4495800"/>
+          </a:xfrm>
+        </p:spPr>
+        <p:txBody>
+          <a:bodyPr/>
+          <a:lstStyle/>
+          <a:p>
+            <a:pPr algn="l"/>
+            <a:endParaRPr lang="en-US">
+              <a:latin typeface="Trebuchet MS" charset="0"/>
+            </a:endParaRPr>
+          </a:p>
+          <a:p>
+            <a:pPr algn="l"/>
+            <a:endParaRPr lang="en-US">
+              <a:latin typeface="Trebuchet MS" charset="0"/>
+            </a:endParaRPr>
+          </a:p>
+          <a:p>
+            <a:pPr algn="l"/>
+            <a:r>
+              <a:rPr lang="en-US">
+                <a:latin typeface="Trebuchet MS" charset="0"/>
+              </a:rPr>
+              <a:t>Naming your script </a:t>
+            </a:r>
+            <a:r>
+              <a:rPr lang="ja-JP" altLang="en-US">
+                <a:latin typeface="Arial"/>
+              </a:rPr>
+              <a:t>“</a:t>
+            </a:r>
+            <a:r>
+              <a:rPr lang="en-US">
+                <a:latin typeface="Trebuchet MS" charset="0"/>
+              </a:rPr>
+              <a:t>test.csh</a:t>
+            </a:r>
+            <a:r>
+              <a:rPr lang="ja-JP" altLang="en-US">
+                <a:latin typeface="Arial"/>
+              </a:rPr>
+              <a:t>”</a:t>
+            </a:r>
+            <a:r>
+              <a:rPr lang="en-US">
+                <a:latin typeface="Trebuchet MS" charset="0"/>
+              </a:rPr>
+              <a:t> means</a:t>
+            </a:r>
+          </a:p>
+          <a:p>
+            <a:pPr algn="l"/>
+            <a:r>
+              <a:rPr lang="ja-JP" altLang="en-US">
+                <a:solidFill>
+                  <a:srgbClr val="FFFF00"/>
+                </a:solidFill>
+                <a:latin typeface="Arial"/>
+              </a:rPr>
+              <a:t>“</a:t>
+            </a:r>
+            <a:r>
+              <a:rPr lang="en-US">
+                <a:solidFill>
+                  <a:srgbClr val="FFFF00"/>
+                </a:solidFill>
+                <a:latin typeface="Trebuchet MS" charset="0"/>
+              </a:rPr>
+              <a:t>I will never be able to reuse this code.</a:t>
+            </a:r>
+            <a:r>
+              <a:rPr lang="ja-JP" altLang="en-US">
+                <a:solidFill>
+                  <a:srgbClr val="FFFF00"/>
+                </a:solidFill>
+                <a:latin typeface="Arial"/>
+              </a:rPr>
+              <a:t>”</a:t>
+            </a:r>
+            <a:endParaRPr lang="en-US">
+              <a:solidFill>
+                <a:srgbClr val="FFFF00"/>
+              </a:solidFill>
+              <a:latin typeface="Trebuchet MS" charset="0"/>
+            </a:endParaRPr>
+          </a:p>
+        </p:txBody>
+      </p:sp>
+      <p:sp>
+        <p:nvSpPr>
+          <p:cNvPr id="112644" name="Line 4"/>
+          <p:cNvSpPr>
+            <a:spLocks noChangeShapeType="1"/>
+          </p:cNvSpPr>
+          <p:nvPr/>
+        </p:nvSpPr>
+        <p:spPr bwMode="auto">
+          <a:xfrm>
+            <a:off x="457200" y="533400"/>
+            <a:ext cx="8305800" cy="0"/>
+          </a:xfrm>
+          <a:prstGeom prst="line">
+            <a:avLst/>
+          </a:prstGeom>
+          <a:noFill/>
+          <a:ln w="28575">
+            <a:solidFill>
+              <a:srgbClr val="FFFF00"/>
+            </a:solidFill>
+            <a:round/>
+            <a:headEnd type="diamond" w="med" len="sm"/>
+            <a:tailEnd type="diamond" w="med" len="sm"/>
+          </a:ln>
+          <a:effectLst/>
+          <a:extLst>
+            <a:ext uri="{909E8E84-426E-40dd-AFC4-6F175D3DCCD1}">
+              <a14:hiddenFill xmlns:a14="http://schemas.microsoft.com/office/drawing/2010/main">
+                <a:noFill/>
+              </a14:hiddenFill>
+            </a:ext>
+            <a:ext uri="{AF507438-7753-43e0-B8FC-AC1667EBCBE1}">
+              <a14:hiddenEffects xmlns:a14="http://schemas.microsoft.com/office/drawing/2010/main">
+                <a:effectLst>
+                  <a:outerShdw blurRad="63500" dist="38099" dir="2700000" algn="ctr" rotWithShape="0">
+                    <a:schemeClr val="bg2">
+                      <a:alpha val="74998"/>
+                    </a:schemeClr>
+                  </a:outerShdw>
+                </a:effectLst>
+              </a14:hiddenEffects>
+            </a:ext>
+          </a:extLst>
+        </p:spPr>
+        <p:txBody>
+          <a:bodyPr/>
+          <a:lstStyle/>
+          <a:p>
+            <a:endParaRPr lang="en-US"/>
+          </a:p>
+        </p:txBody>
+      </p:sp>
+    </p:spTree>
+    <p:extLst>
+      <p:ext uri="{BB962C8B-B14F-4D97-AF65-F5344CB8AC3E}">
+        <p14:creationId xmlns:p14="http://schemas.microsoft.com/office/powerpoint/2010/main" val="1865039314"/>
+      </p:ext>
+    </p:extLst>
+  </p:cSld>
+  <p:clrMapOvr>
+    <a:masterClrMapping/>
+  </p:clrMapOvr>
+  <p:timing>
+    <p:tnLst>
+      <p:par>
+        <p:cTn xmlns:p14="http://schemas.microsoft.com/office/powerpoint/2010/main" id="1" dur="indefinite" restart="never" nodeType="tmRoot"/>
+      </p:par>
+    </p:tnLst>
+  </p:timing>
+</p:sld>
+</file>
+
+<file path=ppt/slides/slide14.xml><?xml version="1.0" encoding="utf-8"?>
+<p:sld xmlns:a="http://schemas.openxmlformats.org/drawingml/2006/main" xmlns:r="http://schemas.openxmlformats.org/officeDocument/2006/relationships" xmlns:p="http://schemas.openxmlformats.org/presentationml/2006/main">
+  <p:cSld>
+    <p:spTree>
+      <p:nvGrpSpPr>
+        <p:cNvPr id="1" name=""/>
+        <p:cNvGrpSpPr/>
+        <p:nvPr/>
+      </p:nvGrpSpPr>
+      <p:grpSpPr>
+        <a:xfrm>
+          <a:off x="0" y="0"/>
+          <a:ext cx="0" cy="0"/>
+          <a:chOff x="0" y="0"/>
+          <a:chExt cx="0" cy="0"/>
+        </a:xfrm>
+      </p:grpSpPr>
+      <p:sp>
+        <p:nvSpPr>
+          <p:cNvPr id="108546" name="Rectangle 2"/>
+          <p:cNvSpPr>
+            <a:spLocks noGrp="1" noChangeArrowheads="1"/>
+          </p:cNvSpPr>
+          <p:nvPr>
+            <p:ph type="ctrTitle"/>
+          </p:nvPr>
+        </p:nvSpPr>
+        <p:spPr>
+          <a:xfrm>
+            <a:off x="457200" y="762000"/>
+            <a:ext cx="8229600" cy="1752600"/>
+          </a:xfrm>
+        </p:spPr>
+        <p:txBody>
+          <a:bodyPr/>
+          <a:lstStyle/>
+          <a:p>
+            <a:r>
+              <a:rPr lang="en-US" sz="4800">
+                <a:latin typeface="Trebuchet MS" charset="0"/>
+              </a:rPr>
+              <a:t>Pretend you are</a:t>
+            </a:r>
+            <a:br>
+              <a:rPr lang="en-US" sz="4800">
+                <a:latin typeface="Trebuchet MS" charset="0"/>
+              </a:rPr>
+            </a:br>
+            <a:r>
+              <a:rPr lang="en-US" sz="4800">
+                <a:latin typeface="Trebuchet MS" charset="0"/>
+              </a:rPr>
+              <a:t>in a programming team</a:t>
+            </a:r>
+          </a:p>
+        </p:txBody>
+      </p:sp>
+      <p:sp>
+        <p:nvSpPr>
+          <p:cNvPr id="108547" name="Rectangle 3"/>
+          <p:cNvSpPr>
+            <a:spLocks noGrp="1" noChangeArrowheads="1"/>
+          </p:cNvSpPr>
+          <p:nvPr>
+            <p:ph type="subTitle" idx="1"/>
+          </p:nvPr>
+        </p:nvSpPr>
+        <p:spPr>
+          <a:xfrm>
+            <a:off x="609600" y="3124200"/>
+            <a:ext cx="8153400" cy="3429000"/>
+          </a:xfrm>
+        </p:spPr>
+        <p:txBody>
+          <a:bodyPr/>
+          <a:lstStyle/>
+          <a:p>
+            <a:pPr algn="l"/>
+            <a:endParaRPr lang="en-US">
+              <a:latin typeface="Trebuchet MS" charset="0"/>
+            </a:endParaRPr>
+          </a:p>
+          <a:p>
+            <a:pPr algn="l"/>
+            <a:r>
+              <a:rPr lang="en-US">
+                <a:latin typeface="Trebuchet MS" charset="0"/>
+              </a:rPr>
+              <a:t>Write your code as if someone else will have to understand and modify it</a:t>
+            </a:r>
+          </a:p>
+        </p:txBody>
+      </p:sp>
+      <p:sp>
+        <p:nvSpPr>
+          <p:cNvPr id="108548" name="Line 4"/>
+          <p:cNvSpPr>
+            <a:spLocks noChangeShapeType="1"/>
+          </p:cNvSpPr>
+          <p:nvPr/>
+        </p:nvSpPr>
+        <p:spPr bwMode="auto">
+          <a:xfrm>
+            <a:off x="457200" y="533400"/>
+            <a:ext cx="8305800" cy="0"/>
+          </a:xfrm>
+          <a:prstGeom prst="line">
+            <a:avLst/>
+          </a:prstGeom>
+          <a:noFill/>
+          <a:ln w="28575">
+            <a:solidFill>
+              <a:srgbClr val="FFFF00"/>
+            </a:solidFill>
+            <a:round/>
+            <a:headEnd type="diamond" w="med" len="sm"/>
+            <a:tailEnd type="diamond" w="med" len="sm"/>
+          </a:ln>
+          <a:effectLst/>
+          <a:extLst>
+            <a:ext uri="{909E8E84-426E-40dd-AFC4-6F175D3DCCD1}">
+              <a14:hiddenFill xmlns:a14="http://schemas.microsoft.com/office/drawing/2010/main">
+                <a:noFill/>
+              </a14:hiddenFill>
+            </a:ext>
+            <a:ext uri="{AF507438-7753-43e0-B8FC-AC1667EBCBE1}">
+              <a14:hiddenEffects xmlns:a14="http://schemas.microsoft.com/office/drawing/2010/main">
+                <a:effectLst>
+                  <a:outerShdw blurRad="63500" dist="38099" dir="2700000" algn="ctr" rotWithShape="0">
+                    <a:schemeClr val="bg2">
+                      <a:alpha val="74998"/>
+                    </a:schemeClr>
+                  </a:outerShdw>
+                </a:effectLst>
+              </a14:hiddenEffects>
+            </a:ext>
+          </a:extLst>
+        </p:spPr>
+        <p:txBody>
+          <a:bodyPr/>
+          <a:lstStyle/>
+          <a:p>
+            <a:endParaRPr lang="en-US"/>
+          </a:p>
+        </p:txBody>
+      </p:sp>
+    </p:spTree>
+    <p:extLst>
+      <p:ext uri="{BB962C8B-B14F-4D97-AF65-F5344CB8AC3E}">
+        <p14:creationId xmlns:p14="http://schemas.microsoft.com/office/powerpoint/2010/main" val="4219313624"/>
+      </p:ext>
+    </p:extLst>
+  </p:cSld>
+  <p:clrMapOvr>
+    <a:masterClrMapping/>
+  </p:clrMapOvr>
+  <p:timing>
+    <p:tnLst>
+      <p:par>
+        <p:cTn xmlns:p14="http://schemas.microsoft.com/office/powerpoint/2010/main" id="1" dur="indefinite" restart="never" nodeType="tmRoot"/>
+      </p:par>
+    </p:tnLst>
+  </p:timing>
+</p:sld>
+</file>
+
+<file path=ppt/slides/slide15.xml><?xml version="1.0" encoding="utf-8"?>
+<p:sld xmlns:a="http://schemas.openxmlformats.org/drawingml/2006/main" xmlns:r="http://schemas.openxmlformats.org/officeDocument/2006/relationships" xmlns:p="http://schemas.openxmlformats.org/presentationml/2006/main">
+  <p:cSld>
+    <p:spTree>
+      <p:nvGrpSpPr>
+        <p:cNvPr id="1" name=""/>
+        <p:cNvGrpSpPr/>
+        <p:nvPr/>
+      </p:nvGrpSpPr>
+      <p:grpSpPr>
+        <a:xfrm>
+          <a:off x="0" y="0"/>
+          <a:ext cx="0" cy="0"/>
+          <a:chOff x="0" y="0"/>
+          <a:chExt cx="0" cy="0"/>
+        </a:xfrm>
+      </p:grpSpPr>
+      <p:sp>
+        <p:nvSpPr>
+          <p:cNvPr id="74754" name="Rectangle 2"/>
+          <p:cNvSpPr>
+            <a:spLocks noGrp="1" noChangeArrowheads="1"/>
+          </p:cNvSpPr>
+          <p:nvPr>
+            <p:ph type="ctrTitle"/>
+          </p:nvPr>
+        </p:nvSpPr>
+        <p:spPr>
+          <a:xfrm>
+            <a:off x="609600" y="762000"/>
+            <a:ext cx="7848600" cy="1219200"/>
+          </a:xfrm>
+        </p:spPr>
+        <p:txBody>
+          <a:bodyPr/>
+          <a:lstStyle/>
+          <a:p>
+            <a:r>
+              <a:rPr lang="en-US" sz="4800">
+                <a:solidFill>
+                  <a:schemeClr val="bg1"/>
+                </a:solidFill>
+                <a:latin typeface="Trebuchet MS" charset="0"/>
+              </a:rPr>
+              <a:t>Final Thought</a:t>
+            </a:r>
+            <a:endParaRPr lang="en-US" sz="3600">
+              <a:solidFill>
+                <a:schemeClr val="bg1"/>
+              </a:solidFill>
+              <a:latin typeface="Trebuchet MS" charset="0"/>
+            </a:endParaRPr>
+          </a:p>
+        </p:txBody>
+      </p:sp>
+      <p:sp>
+        <p:nvSpPr>
+          <p:cNvPr id="74755" name="Rectangle 3"/>
+          <p:cNvSpPr>
+            <a:spLocks noGrp="1" noChangeArrowheads="1"/>
+          </p:cNvSpPr>
+          <p:nvPr>
+            <p:ph type="subTitle" idx="1"/>
+          </p:nvPr>
+        </p:nvSpPr>
+        <p:spPr>
+          <a:xfrm>
+            <a:off x="609600" y="2743200"/>
+            <a:ext cx="8153400" cy="2895600"/>
+          </a:xfrm>
+        </p:spPr>
+        <p:txBody>
+          <a:bodyPr/>
+          <a:lstStyle/>
+          <a:p>
+            <a:pPr marL="609600" indent="-609600" algn="l"/>
+            <a:r>
+              <a:rPr lang="en-US">
+                <a:solidFill>
+                  <a:srgbClr val="FFFF00"/>
+                </a:solidFill>
+                <a:latin typeface="Trebuchet MS" charset="0"/>
+              </a:rPr>
+              <a:t>Apply these rules consistently!  There is nothing so permanent as a temporary fix</a:t>
+            </a:r>
+            <a:endParaRPr lang="en-US">
+              <a:latin typeface="Trebuchet MS" charset="0"/>
+            </a:endParaRPr>
+          </a:p>
+        </p:txBody>
+      </p:sp>
+      <p:sp>
+        <p:nvSpPr>
+          <p:cNvPr id="74756" name="Line 4"/>
+          <p:cNvSpPr>
+            <a:spLocks noChangeShapeType="1"/>
+          </p:cNvSpPr>
+          <p:nvPr/>
+        </p:nvSpPr>
+        <p:spPr bwMode="auto">
+          <a:xfrm>
+            <a:off x="457200" y="533400"/>
+            <a:ext cx="8305800" cy="0"/>
+          </a:xfrm>
+          <a:prstGeom prst="line">
+            <a:avLst/>
+          </a:prstGeom>
+          <a:noFill/>
+          <a:ln w="28575">
+            <a:solidFill>
+              <a:srgbClr val="FFFF00"/>
+            </a:solidFill>
+            <a:round/>
+            <a:headEnd type="diamond" w="med" len="sm"/>
+            <a:tailEnd type="diamond" w="med" len="sm"/>
+          </a:ln>
+          <a:effectLst/>
+          <a:extLst>
+            <a:ext uri="{909E8E84-426E-40dd-AFC4-6F175D3DCCD1}">
+              <a14:hiddenFill xmlns:a14="http://schemas.microsoft.com/office/drawing/2010/main">
+                <a:noFill/>
+              </a14:hiddenFill>
+            </a:ext>
+            <a:ext uri="{AF507438-7753-43e0-B8FC-AC1667EBCBE1}">
+              <a14:hiddenEffects xmlns:a14="http://schemas.microsoft.com/office/drawing/2010/main">
+                <a:effectLst>
+                  <a:outerShdw blurRad="63500" dist="38099" dir="2700000" algn="ctr" rotWithShape="0">
+                    <a:schemeClr val="bg2">
+                      <a:alpha val="74998"/>
+                    </a:schemeClr>
+                  </a:outerShdw>
+                </a:effectLst>
+              </a14:hiddenEffects>
+            </a:ext>
+          </a:extLst>
+        </p:spPr>
+        <p:txBody>
+          <a:bodyPr/>
+          <a:lstStyle/>
+          <a:p>
+            <a:endParaRPr lang="en-US"/>
+          </a:p>
+        </p:txBody>
+      </p:sp>
+    </p:spTree>
+    <p:extLst>
+      <p:ext uri="{BB962C8B-B14F-4D97-AF65-F5344CB8AC3E}">
+        <p14:creationId xmlns:p14="http://schemas.microsoft.com/office/powerpoint/2010/main" val="762229172"/>
+      </p:ext>
+    </p:extLst>
+  </p:cSld>
+  <p:clrMapOvr>
+    <a:masterClrMapping/>
+  </p:clrMapOvr>
+  <p:timing>
+    <p:tnLst>
+      <p:par>
+        <p:cTn xmlns:p14="http://schemas.microsoft.com/office/powerpoint/2010/main" id="1" dur="indefinite" restart="never" nodeType="tmRoot"/>
+      </p:par>
+    </p:tnLst>
+  </p:timing>
+</p:sld>
+</file>
+
+<file path=ppt/slides/slide16.xml><?xml version="1.0" encoding="utf-8"?>
+<p:sld xmlns:a="http://schemas.openxmlformats.org/drawingml/2006/main" xmlns:r="http://schemas.openxmlformats.org/officeDocument/2006/relationships" xmlns:p="http://schemas.openxmlformats.org/presentationml/2006/main">
+  <p:cSld>
+    <p:spTree>
+      <p:nvGrpSpPr>
+        <p:cNvPr id="1" name=""/>
+        <p:cNvGrpSpPr/>
+        <p:nvPr/>
+      </p:nvGrpSpPr>
+      <p:grpSpPr>
+        <a:xfrm>
+          <a:off x="0" y="0"/>
+          <a:ext cx="0" cy="0"/>
+          <a:chOff x="0" y="0"/>
+          <a:chExt cx="0" cy="0"/>
+        </a:xfrm>
+      </p:grpSpPr>
+      <p:sp>
+        <p:nvSpPr>
+          <p:cNvPr id="2" name="Title 1"/>
+          <p:cNvSpPr>
+            <a:spLocks noGrp="1"/>
+          </p:cNvSpPr>
+          <p:nvPr>
+            <p:ph type="title"/>
+          </p:nvPr>
+        </p:nvSpPr>
+        <p:spPr>
+          <a:solidFill>
+            <a:schemeClr val="tx1"/>
+          </a:solidFill>
+        </p:spPr>
+        <p:txBody>
+          <a:bodyPr/>
+          <a:lstStyle/>
+          <a:p>
+            <a:r>
+              <a:rPr lang="en-US" dirty="0" smtClean="0">
+                <a:solidFill>
+                  <a:srgbClr val="FFFFFF"/>
+                </a:solidFill>
+              </a:rPr>
+              <a:t>Contents</a:t>
+            </a:r>
+            <a:endParaRPr lang="en-US" dirty="0">
+              <a:solidFill>
+                <a:srgbClr val="FFFFFF"/>
+              </a:solidFill>
+            </a:endParaRPr>
+          </a:p>
+        </p:txBody>
+      </p:sp>
+      <p:sp>
+        <p:nvSpPr>
+          <p:cNvPr id="3" name="Content Placeholder 2"/>
+          <p:cNvSpPr>
+            <a:spLocks noGrp="1"/>
+          </p:cNvSpPr>
+          <p:nvPr>
+            <p:ph idx="1"/>
+          </p:nvPr>
+        </p:nvSpPr>
+        <p:spPr>
+          <a:xfrm>
+            <a:off x="457200" y="1600200"/>
+            <a:ext cx="8229600" cy="5257800"/>
+          </a:xfrm>
+        </p:spPr>
+        <p:txBody>
+          <a:bodyPr>
+            <a:normAutofit fontScale="62500" lnSpcReduction="20000"/>
+          </a:bodyPr>
+          <a:lstStyle/>
+          <a:p>
+            <a:r>
+              <a:rPr lang="en-US" dirty="0" smtClean="0">
+                <a:solidFill>
+                  <a:schemeClr val="bg1">
+                    <a:lumMod val="65000"/>
+                  </a:schemeClr>
+                </a:solidFill>
+              </a:rPr>
+              <a:t>Admin</a:t>
+            </a:r>
+          </a:p>
+          <a:p>
+            <a:pPr lvl="1"/>
+            <a:r>
+              <a:rPr lang="en-US" dirty="0" smtClean="0">
+                <a:solidFill>
+                  <a:schemeClr val="bg1">
+                    <a:lumMod val="65000"/>
+                  </a:schemeClr>
+                </a:solidFill>
+              </a:rPr>
+              <a:t>My background</a:t>
+            </a:r>
+          </a:p>
+          <a:p>
+            <a:pPr lvl="1"/>
+            <a:r>
+              <a:rPr lang="en-US" dirty="0" smtClean="0">
+                <a:solidFill>
+                  <a:schemeClr val="bg1">
+                    <a:lumMod val="65000"/>
+                  </a:schemeClr>
+                </a:solidFill>
+              </a:rPr>
+              <a:t>Goals of this session</a:t>
+            </a:r>
+          </a:p>
+          <a:p>
+            <a:r>
+              <a:rPr lang="en-US" dirty="0" smtClean="0">
+                <a:solidFill>
+                  <a:schemeClr val="bg1">
+                    <a:lumMod val="65000"/>
+                  </a:schemeClr>
+                </a:solidFill>
+              </a:rPr>
+              <a:t>Writing code </a:t>
+            </a:r>
+          </a:p>
+          <a:p>
+            <a:pPr lvl="1"/>
+            <a:r>
+              <a:rPr lang="en-US" dirty="0" smtClean="0">
+                <a:solidFill>
+                  <a:schemeClr val="bg1">
+                    <a:lumMod val="65000"/>
+                  </a:schemeClr>
+                </a:solidFill>
+              </a:rPr>
+              <a:t>Writing your own code</a:t>
+            </a:r>
+          </a:p>
+          <a:p>
+            <a:pPr lvl="1"/>
+            <a:r>
+              <a:rPr lang="en-US" dirty="0" smtClean="0">
+                <a:solidFill>
+                  <a:schemeClr val="bg1">
+                    <a:lumMod val="65000"/>
+                  </a:schemeClr>
+                </a:solidFill>
+              </a:rPr>
+              <a:t>Working on code with collaborators </a:t>
+            </a:r>
+          </a:p>
+          <a:p>
+            <a:pPr lvl="1"/>
+            <a:r>
+              <a:rPr lang="en-US" dirty="0" smtClean="0">
+                <a:solidFill>
+                  <a:schemeClr val="bg1">
+                    <a:lumMod val="65000"/>
+                  </a:schemeClr>
+                </a:solidFill>
+              </a:rPr>
+              <a:t>Joining a project where someone left off </a:t>
+            </a:r>
+          </a:p>
+          <a:p>
+            <a:r>
+              <a:rPr lang="en-US" dirty="0" smtClean="0"/>
+              <a:t>Find out how to do something</a:t>
+            </a:r>
+          </a:p>
+          <a:p>
+            <a:pPr lvl="1"/>
+            <a:r>
+              <a:rPr lang="en-US" dirty="0" smtClean="0"/>
+              <a:t>Looking for information you need</a:t>
+            </a:r>
+          </a:p>
+          <a:p>
+            <a:pPr lvl="1"/>
+            <a:r>
+              <a:rPr lang="en-US" dirty="0" smtClean="0"/>
+              <a:t>Using the fruits of other peoples’ labor</a:t>
+            </a:r>
+          </a:p>
+          <a:p>
+            <a:r>
+              <a:rPr lang="en-US" dirty="0" smtClean="0">
+                <a:solidFill>
+                  <a:schemeClr val="bg1">
+                    <a:lumMod val="65000"/>
+                  </a:schemeClr>
+                </a:solidFill>
+              </a:rPr>
+              <a:t>Developing your own tool</a:t>
+            </a:r>
+          </a:p>
+          <a:p>
+            <a:pPr lvl="1"/>
+            <a:r>
+              <a:rPr lang="en-US" dirty="0" smtClean="0">
+                <a:solidFill>
+                  <a:schemeClr val="bg1">
+                    <a:lumMod val="65000"/>
+                  </a:schemeClr>
+                </a:solidFill>
+              </a:rPr>
+              <a:t>When to do it</a:t>
+            </a:r>
+          </a:p>
+          <a:p>
+            <a:pPr lvl="1"/>
+            <a:r>
+              <a:rPr lang="en-US" dirty="0" smtClean="0">
+                <a:solidFill>
+                  <a:schemeClr val="bg1">
+                    <a:lumMod val="65000"/>
+                  </a:schemeClr>
+                </a:solidFill>
+              </a:rPr>
+              <a:t>What to keep in mind </a:t>
+            </a:r>
+          </a:p>
+          <a:p>
+            <a:r>
+              <a:rPr lang="en-US" dirty="0" smtClean="0">
+                <a:solidFill>
+                  <a:schemeClr val="bg1">
+                    <a:lumMod val="65000"/>
+                  </a:schemeClr>
+                </a:solidFill>
+              </a:rPr>
+              <a:t>Version control </a:t>
+            </a:r>
+          </a:p>
+          <a:p>
+            <a:pPr lvl="1"/>
+            <a:r>
+              <a:rPr lang="en-US" dirty="0" err="1" smtClean="0">
+                <a:solidFill>
+                  <a:schemeClr val="bg1">
+                    <a:lumMod val="65000"/>
+                  </a:schemeClr>
+                </a:solidFill>
+              </a:rPr>
+              <a:t>Github</a:t>
+            </a:r>
+            <a:r>
+              <a:rPr lang="en-US" dirty="0" smtClean="0">
+                <a:solidFill>
+                  <a:schemeClr val="bg1">
+                    <a:lumMod val="65000"/>
+                  </a:schemeClr>
+                </a:solidFill>
+              </a:rPr>
+              <a:t> </a:t>
+            </a:r>
+          </a:p>
+          <a:p>
+            <a:pPr lvl="1"/>
+            <a:r>
+              <a:rPr lang="en-US" dirty="0" err="1" smtClean="0">
+                <a:solidFill>
+                  <a:schemeClr val="bg1">
+                    <a:lumMod val="65000"/>
+                  </a:schemeClr>
+                </a:solidFill>
+              </a:rPr>
+              <a:t>Dropbox</a:t>
+            </a:r>
+            <a:r>
+              <a:rPr lang="en-US" dirty="0" smtClean="0">
+                <a:solidFill>
+                  <a:schemeClr val="bg1">
+                    <a:lumMod val="65000"/>
+                  </a:schemeClr>
+                </a:solidFill>
+              </a:rPr>
+              <a:t> </a:t>
+            </a:r>
+          </a:p>
+          <a:p>
+            <a:pPr lvl="1"/>
+            <a:r>
+              <a:rPr lang="en-US" dirty="0" smtClean="0">
+                <a:solidFill>
+                  <a:schemeClr val="bg1">
+                    <a:lumMod val="65000"/>
+                  </a:schemeClr>
+                </a:solidFill>
+              </a:rPr>
+              <a:t>Hard drives</a:t>
+            </a:r>
+            <a:r>
+              <a:rPr lang="en-US" dirty="0" smtClean="0"/>
+              <a:t> </a:t>
+            </a:r>
+          </a:p>
+          <a:p>
+            <a:endParaRPr lang="en-US" dirty="0"/>
+          </a:p>
+          <a:p>
+            <a:pPr lvl="1"/>
+            <a:endParaRPr lang="en-US" dirty="0" smtClean="0"/>
+          </a:p>
+          <a:p>
+            <a:endParaRPr lang="en-US" dirty="0" smtClean="0"/>
+          </a:p>
+          <a:p>
+            <a:endParaRPr lang="en-US" dirty="0"/>
+          </a:p>
+        </p:txBody>
+      </p:sp>
+    </p:spTree>
+    <p:extLst>
+      <p:ext uri="{BB962C8B-B14F-4D97-AF65-F5344CB8AC3E}">
+        <p14:creationId xmlns:p14="http://schemas.microsoft.com/office/powerpoint/2010/main" val="849704915"/>
+      </p:ext>
+    </p:extLst>
+  </p:cSld>
+  <p:clrMapOvr>
+    <a:masterClrMapping/>
+  </p:clrMapOvr>
+</p:sld>
+</file>
+
+<file path=ppt/slides/slide17.xml><?xml version="1.0" encoding="utf-8"?>
+<p:sld xmlns:a="http://schemas.openxmlformats.org/drawingml/2006/main" xmlns:r="http://schemas.openxmlformats.org/officeDocument/2006/relationships" xmlns:p="http://schemas.openxmlformats.org/presentationml/2006/main">
+  <p:cSld>
+    <p:spTree>
+      <p:nvGrpSpPr>
+        <p:cNvPr id="1" name=""/>
+        <p:cNvGrpSpPr/>
+        <p:nvPr/>
+      </p:nvGrpSpPr>
+      <p:grpSpPr>
+        <a:xfrm>
+          <a:off x="0" y="0"/>
+          <a:ext cx="0" cy="0"/>
+          <a:chOff x="0" y="0"/>
+          <a:chExt cx="0" cy="0"/>
+        </a:xfrm>
+      </p:grpSpPr>
+      <p:sp>
+        <p:nvSpPr>
+          <p:cNvPr id="2" name="Title 1"/>
+          <p:cNvSpPr>
+            <a:spLocks noGrp="1"/>
+          </p:cNvSpPr>
+          <p:nvPr>
+            <p:ph type="title"/>
+          </p:nvPr>
+        </p:nvSpPr>
+        <p:spPr/>
+        <p:txBody>
+          <a:bodyPr/>
+          <a:lstStyle/>
+          <a:p>
+            <a:r>
+              <a:rPr lang="en-US" dirty="0" smtClean="0"/>
+              <a:t>What if you hit a problem?</a:t>
+            </a:r>
+            <a:endParaRPr lang="en-US" dirty="0"/>
+          </a:p>
+        </p:txBody>
+      </p:sp>
+      <p:sp>
+        <p:nvSpPr>
+          <p:cNvPr id="3" name="Content Placeholder 2"/>
+          <p:cNvSpPr>
+            <a:spLocks noGrp="1"/>
+          </p:cNvSpPr>
+          <p:nvPr>
+            <p:ph idx="1"/>
+          </p:nvPr>
+        </p:nvSpPr>
+        <p:spPr/>
+        <p:txBody>
+          <a:bodyPr>
+            <a:normAutofit fontScale="92500" lnSpcReduction="10000"/>
+          </a:bodyPr>
+          <a:lstStyle/>
+          <a:p>
+            <a:r>
+              <a:rPr lang="en-US" dirty="0" smtClean="0"/>
+              <a:t>Coding problem</a:t>
+            </a:r>
+          </a:p>
+          <a:p>
+            <a:pPr lvl="1"/>
+            <a:r>
+              <a:rPr lang="en-US" dirty="0"/>
+              <a:t>c</a:t>
+            </a:r>
+            <a:r>
+              <a:rPr lang="en-US" dirty="0" smtClean="0"/>
+              <a:t>hances are someone else has a similar problem, and a solution exists</a:t>
+            </a:r>
+          </a:p>
+          <a:p>
+            <a:pPr lvl="1"/>
+            <a:r>
+              <a:rPr lang="en-US" dirty="0" smtClean="0"/>
+              <a:t>Google it. How would you phrase that question to a human?</a:t>
+            </a:r>
+          </a:p>
+          <a:p>
+            <a:r>
+              <a:rPr lang="en-US" dirty="0" smtClean="0"/>
+              <a:t>Who does research in that general area?  </a:t>
+            </a:r>
+          </a:p>
+          <a:p>
+            <a:pPr lvl="1"/>
+            <a:r>
+              <a:rPr lang="en-US" dirty="0" smtClean="0"/>
+              <a:t>Look at their papers for something similar you can adapt </a:t>
+            </a:r>
+          </a:p>
+          <a:p>
+            <a:r>
+              <a:rPr lang="en-US" dirty="0" smtClean="0"/>
+              <a:t>How would you do it manually?</a:t>
+            </a:r>
+          </a:p>
+          <a:p>
+            <a:pPr lvl="1"/>
+            <a:r>
+              <a:rPr lang="en-US" dirty="0" smtClean="0"/>
+              <a:t>Describe the steps, then code it up </a:t>
+            </a:r>
+          </a:p>
+          <a:p>
+            <a:pPr lvl="1"/>
+            <a:endParaRPr lang="en-US" dirty="0"/>
+          </a:p>
+          <a:p>
+            <a:pPr lvl="1"/>
+            <a:endParaRPr lang="en-US" dirty="0"/>
+          </a:p>
+        </p:txBody>
+      </p:sp>
+    </p:spTree>
+    <p:extLst>
+      <p:ext uri="{BB962C8B-B14F-4D97-AF65-F5344CB8AC3E}">
+        <p14:creationId xmlns:p14="http://schemas.microsoft.com/office/powerpoint/2010/main" val="3071680531"/>
+      </p:ext>
+    </p:extLst>
+  </p:cSld>
+  <p:clrMapOvr>
+    <a:masterClrMapping/>
+  </p:clrMapOvr>
+</p:sld>
+</file>
+
+<file path=ppt/slides/slide18.xml><?xml version="1.0" encoding="utf-8"?>
+<p:sld xmlns:a="http://schemas.openxmlformats.org/drawingml/2006/main" xmlns:r="http://schemas.openxmlformats.org/officeDocument/2006/relationships" xmlns:p="http://schemas.openxmlformats.org/presentationml/2006/main">
+  <p:cSld>
+    <p:spTree>
+      <p:nvGrpSpPr>
+        <p:cNvPr id="1" name=""/>
+        <p:cNvGrpSpPr/>
+        <p:nvPr/>
+      </p:nvGrpSpPr>
+      <p:grpSpPr>
+        <a:xfrm>
+          <a:off x="0" y="0"/>
+          <a:ext cx="0" cy="0"/>
+          <a:chOff x="0" y="0"/>
+          <a:chExt cx="0" cy="0"/>
+        </a:xfrm>
+      </p:grpSpPr>
+      <p:sp>
+        <p:nvSpPr>
+          <p:cNvPr id="2" name="Title 1"/>
+          <p:cNvSpPr>
+            <a:spLocks noGrp="1"/>
+          </p:cNvSpPr>
+          <p:nvPr>
+            <p:ph type="title"/>
+          </p:nvPr>
+        </p:nvSpPr>
+        <p:spPr/>
+        <p:txBody>
+          <a:bodyPr/>
+          <a:lstStyle/>
+          <a:p>
+            <a:r>
+              <a:rPr lang="en-US" dirty="0" smtClean="0"/>
+              <a:t>Do not reinvent the wheel </a:t>
+            </a:r>
+            <a:endParaRPr lang="en-US" dirty="0"/>
+          </a:p>
+        </p:txBody>
+      </p:sp>
+      <p:sp>
+        <p:nvSpPr>
+          <p:cNvPr id="3" name="Content Placeholder 2"/>
+          <p:cNvSpPr>
+            <a:spLocks noGrp="1"/>
+          </p:cNvSpPr>
+          <p:nvPr>
+            <p:ph idx="1"/>
+          </p:nvPr>
+        </p:nvSpPr>
+        <p:spPr/>
+        <p:txBody>
+          <a:bodyPr/>
+          <a:lstStyle/>
+          <a:p>
+            <a:r>
+              <a:rPr lang="en-US" dirty="0" smtClean="0"/>
+              <a:t>Do not write your own code for a function, unless there is absolutely no choice</a:t>
+            </a:r>
+          </a:p>
+          <a:p>
+            <a:r>
+              <a:rPr lang="en-US" dirty="0" smtClean="0"/>
+              <a:t>If a solution is available on the internet, use it. If it popped up in </a:t>
+            </a:r>
+            <a:r>
+              <a:rPr lang="en-US" dirty="0"/>
+              <a:t>G</a:t>
+            </a:r>
+            <a:r>
+              <a:rPr lang="en-US" dirty="0" smtClean="0"/>
+              <a:t>oogle, its probably been rigorously tested by many more people than code you would write yourself </a:t>
+            </a:r>
+            <a:endParaRPr lang="en-US" dirty="0"/>
+          </a:p>
+        </p:txBody>
+      </p:sp>
+    </p:spTree>
+    <p:extLst>
+      <p:ext uri="{BB962C8B-B14F-4D97-AF65-F5344CB8AC3E}">
+        <p14:creationId xmlns:p14="http://schemas.microsoft.com/office/powerpoint/2010/main" val="2296045984"/>
+      </p:ext>
+    </p:extLst>
+  </p:cSld>
+  <p:clrMapOvr>
+    <a:masterClrMapping/>
+  </p:clrMapOvr>
+</p:sld>
+</file>
+
+<file path=ppt/slides/slide19.xml><?xml version="1.0" encoding="utf-8"?>
+<p:sld xmlns:a="http://schemas.openxmlformats.org/drawingml/2006/main" xmlns:r="http://schemas.openxmlformats.org/officeDocument/2006/relationships" xmlns:p="http://schemas.openxmlformats.org/presentationml/2006/main">
+  <p:cSld>
+    <p:spTree>
+      <p:nvGrpSpPr>
+        <p:cNvPr id="1" name=""/>
+        <p:cNvGrpSpPr/>
+        <p:nvPr/>
+      </p:nvGrpSpPr>
+      <p:grpSpPr>
+        <a:xfrm>
+          <a:off x="0" y="0"/>
+          <a:ext cx="0" cy="0"/>
+          <a:chOff x="0" y="0"/>
+          <a:chExt cx="0" cy="0"/>
+        </a:xfrm>
+      </p:grpSpPr>
+      <p:sp>
+        <p:nvSpPr>
+          <p:cNvPr id="2" name="Title 1"/>
+          <p:cNvSpPr>
+            <a:spLocks noGrp="1"/>
+          </p:cNvSpPr>
+          <p:nvPr>
+            <p:ph type="title"/>
+          </p:nvPr>
+        </p:nvSpPr>
+        <p:spPr>
+          <a:solidFill>
+            <a:schemeClr val="tx1"/>
+          </a:solidFill>
+        </p:spPr>
+        <p:txBody>
+          <a:bodyPr/>
+          <a:lstStyle/>
+          <a:p>
+            <a:r>
+              <a:rPr lang="en-US" dirty="0" smtClean="0">
+                <a:solidFill>
+                  <a:srgbClr val="FFFFFF"/>
+                </a:solidFill>
+              </a:rPr>
+              <a:t>Contents</a:t>
+            </a:r>
+            <a:endParaRPr lang="en-US" dirty="0">
+              <a:solidFill>
+                <a:srgbClr val="FFFFFF"/>
+              </a:solidFill>
+            </a:endParaRPr>
+          </a:p>
+        </p:txBody>
+      </p:sp>
+      <p:sp>
+        <p:nvSpPr>
+          <p:cNvPr id="3" name="Content Placeholder 2"/>
+          <p:cNvSpPr>
+            <a:spLocks noGrp="1"/>
+          </p:cNvSpPr>
+          <p:nvPr>
+            <p:ph idx="1"/>
+          </p:nvPr>
+        </p:nvSpPr>
+        <p:spPr>
+          <a:xfrm>
+            <a:off x="457200" y="1600200"/>
+            <a:ext cx="8229600" cy="5257800"/>
+          </a:xfrm>
+        </p:spPr>
+        <p:txBody>
+          <a:bodyPr>
+            <a:normAutofit fontScale="62500" lnSpcReduction="20000"/>
+          </a:bodyPr>
+          <a:lstStyle/>
+          <a:p>
+            <a:r>
+              <a:rPr lang="en-US" dirty="0" smtClean="0">
+                <a:solidFill>
+                  <a:schemeClr val="bg1">
+                    <a:lumMod val="65000"/>
+                  </a:schemeClr>
+                </a:solidFill>
+              </a:rPr>
+              <a:t>Admin</a:t>
+            </a:r>
+          </a:p>
+          <a:p>
+            <a:pPr lvl="1"/>
+            <a:r>
+              <a:rPr lang="en-US" dirty="0" smtClean="0">
+                <a:solidFill>
+                  <a:schemeClr val="bg1">
+                    <a:lumMod val="65000"/>
+                  </a:schemeClr>
+                </a:solidFill>
+              </a:rPr>
+              <a:t>My background</a:t>
+            </a:r>
+          </a:p>
+          <a:p>
+            <a:pPr lvl="1"/>
+            <a:r>
+              <a:rPr lang="en-US" dirty="0" smtClean="0">
+                <a:solidFill>
+                  <a:schemeClr val="bg1">
+                    <a:lumMod val="65000"/>
+                  </a:schemeClr>
+                </a:solidFill>
+              </a:rPr>
+              <a:t>Goals of this session</a:t>
+            </a:r>
+          </a:p>
+          <a:p>
+            <a:r>
+              <a:rPr lang="en-US" dirty="0" smtClean="0">
+                <a:solidFill>
+                  <a:schemeClr val="bg1">
+                    <a:lumMod val="65000"/>
+                  </a:schemeClr>
+                </a:solidFill>
+              </a:rPr>
+              <a:t>Writing code </a:t>
+            </a:r>
+          </a:p>
+          <a:p>
+            <a:pPr lvl="1"/>
+            <a:r>
+              <a:rPr lang="en-US" dirty="0" smtClean="0">
+                <a:solidFill>
+                  <a:schemeClr val="bg1">
+                    <a:lumMod val="65000"/>
+                  </a:schemeClr>
+                </a:solidFill>
+              </a:rPr>
+              <a:t>Writing your own code</a:t>
+            </a:r>
+          </a:p>
+          <a:p>
+            <a:pPr lvl="1"/>
+            <a:r>
+              <a:rPr lang="en-US" dirty="0" smtClean="0">
+                <a:solidFill>
+                  <a:schemeClr val="bg1">
+                    <a:lumMod val="65000"/>
+                  </a:schemeClr>
+                </a:solidFill>
+              </a:rPr>
+              <a:t>Working on code with collaborators </a:t>
+            </a:r>
+          </a:p>
+          <a:p>
+            <a:pPr lvl="1"/>
+            <a:r>
+              <a:rPr lang="en-US" dirty="0" smtClean="0">
+                <a:solidFill>
+                  <a:schemeClr val="bg1">
+                    <a:lumMod val="65000"/>
+                  </a:schemeClr>
+                </a:solidFill>
+              </a:rPr>
+              <a:t>Joining a project where someone left off </a:t>
+            </a:r>
+          </a:p>
+          <a:p>
+            <a:r>
+              <a:rPr lang="en-US" dirty="0" smtClean="0">
+                <a:solidFill>
+                  <a:schemeClr val="bg1">
+                    <a:lumMod val="65000"/>
+                  </a:schemeClr>
+                </a:solidFill>
+              </a:rPr>
+              <a:t>Find out how to do something</a:t>
+            </a:r>
+          </a:p>
+          <a:p>
+            <a:pPr lvl="1"/>
+            <a:r>
+              <a:rPr lang="en-US" dirty="0" smtClean="0">
+                <a:solidFill>
+                  <a:schemeClr val="bg1">
+                    <a:lumMod val="65000"/>
+                  </a:schemeClr>
+                </a:solidFill>
+              </a:rPr>
+              <a:t>Looking for information you need</a:t>
+            </a:r>
+          </a:p>
+          <a:p>
+            <a:pPr lvl="1"/>
+            <a:r>
+              <a:rPr lang="en-US" dirty="0" smtClean="0">
+                <a:solidFill>
+                  <a:schemeClr val="bg1">
+                    <a:lumMod val="65000"/>
+                  </a:schemeClr>
+                </a:solidFill>
+              </a:rPr>
+              <a:t>Using the fruits of other peoples’ labor</a:t>
+            </a:r>
+          </a:p>
+          <a:p>
+            <a:r>
+              <a:rPr lang="en-US" dirty="0" smtClean="0"/>
+              <a:t>Developing your own tool</a:t>
+            </a:r>
+          </a:p>
+          <a:p>
+            <a:pPr lvl="1"/>
+            <a:r>
+              <a:rPr lang="en-US" dirty="0" smtClean="0"/>
+              <a:t>When to do it</a:t>
+            </a:r>
+          </a:p>
+          <a:p>
+            <a:pPr lvl="1"/>
+            <a:r>
+              <a:rPr lang="en-US" dirty="0" smtClean="0"/>
+              <a:t>What to keep in mind </a:t>
+            </a:r>
+          </a:p>
+          <a:p>
+            <a:r>
+              <a:rPr lang="en-US" dirty="0" smtClean="0">
+                <a:solidFill>
+                  <a:schemeClr val="bg1">
+                    <a:lumMod val="65000"/>
+                  </a:schemeClr>
+                </a:solidFill>
+              </a:rPr>
+              <a:t>Version control </a:t>
+            </a:r>
+          </a:p>
+          <a:p>
+            <a:pPr lvl="1"/>
+            <a:r>
+              <a:rPr lang="en-US" dirty="0" err="1" smtClean="0">
+                <a:solidFill>
+                  <a:schemeClr val="bg1">
+                    <a:lumMod val="65000"/>
+                  </a:schemeClr>
+                </a:solidFill>
+              </a:rPr>
+              <a:t>Github</a:t>
+            </a:r>
+            <a:r>
+              <a:rPr lang="en-US" dirty="0" smtClean="0">
+                <a:solidFill>
+                  <a:schemeClr val="bg1">
+                    <a:lumMod val="65000"/>
+                  </a:schemeClr>
+                </a:solidFill>
+              </a:rPr>
+              <a:t> </a:t>
+            </a:r>
+          </a:p>
+          <a:p>
+            <a:pPr lvl="1"/>
+            <a:r>
+              <a:rPr lang="en-US" dirty="0" err="1" smtClean="0">
+                <a:solidFill>
+                  <a:schemeClr val="bg1">
+                    <a:lumMod val="65000"/>
+                  </a:schemeClr>
+                </a:solidFill>
+              </a:rPr>
+              <a:t>Dropbox</a:t>
+            </a:r>
+            <a:r>
+              <a:rPr lang="en-US" dirty="0" smtClean="0">
+                <a:solidFill>
+                  <a:schemeClr val="bg1">
+                    <a:lumMod val="65000"/>
+                  </a:schemeClr>
+                </a:solidFill>
+              </a:rPr>
+              <a:t> </a:t>
+            </a:r>
+          </a:p>
+          <a:p>
+            <a:pPr lvl="1"/>
+            <a:r>
+              <a:rPr lang="en-US" dirty="0" smtClean="0">
+                <a:solidFill>
+                  <a:schemeClr val="bg1">
+                    <a:lumMod val="65000"/>
+                  </a:schemeClr>
+                </a:solidFill>
+              </a:rPr>
+              <a:t>Hard drives</a:t>
+            </a:r>
+            <a:r>
+              <a:rPr lang="en-US" dirty="0" smtClean="0"/>
+              <a:t> </a:t>
+            </a:r>
+          </a:p>
+          <a:p>
+            <a:endParaRPr lang="en-US" dirty="0"/>
+          </a:p>
+          <a:p>
+            <a:pPr lvl="1"/>
+            <a:endParaRPr lang="en-US" dirty="0" smtClean="0"/>
+          </a:p>
+          <a:p>
+            <a:endParaRPr lang="en-US" dirty="0" smtClean="0"/>
+          </a:p>
+          <a:p>
+            <a:endParaRPr lang="en-US" dirty="0"/>
+          </a:p>
+        </p:txBody>
+      </p:sp>
+    </p:spTree>
+    <p:extLst>
+      <p:ext uri="{BB962C8B-B14F-4D97-AF65-F5344CB8AC3E}">
+        <p14:creationId xmlns:p14="http://schemas.microsoft.com/office/powerpoint/2010/main" val="849704915"/>
+      </p:ext>
+    </p:extLst>
+  </p:cSld>
+  <p:clrMapOvr>
+    <a:masterClrMapping/>
+  </p:clrMapOvr>
+</p:sld>
+</file>
+
 <file path=ppt/slides/slide2.xml><?xml version="1.0" encoding="utf-8"?>
 <p:sld xmlns:a="http://schemas.openxmlformats.org/drawingml/2006/main" xmlns:r="http://schemas.openxmlformats.org/officeDocument/2006/relationships" xmlns:p="http://schemas.openxmlformats.org/presentationml/2006/main">
   <p:cSld>
@@ -3927,6 +6166,1414 @@
     <p:extLst>
       <p:ext uri="{BB962C8B-B14F-4D97-AF65-F5344CB8AC3E}">
         <p14:creationId xmlns:p14="http://schemas.microsoft.com/office/powerpoint/2010/main" val="1419421821"/>
+      </p:ext>
+    </p:extLst>
+  </p:cSld>
+  <p:clrMapOvr>
+    <a:masterClrMapping/>
+  </p:clrMapOvr>
+</p:sld>
+</file>
+
+<file path=ppt/slides/slide20.xml><?xml version="1.0" encoding="utf-8"?>
+<p:sld xmlns:a="http://schemas.openxmlformats.org/drawingml/2006/main" xmlns:r="http://schemas.openxmlformats.org/officeDocument/2006/relationships" xmlns:p="http://schemas.openxmlformats.org/presentationml/2006/main">
+  <p:cSld>
+    <p:spTree>
+      <p:nvGrpSpPr>
+        <p:cNvPr id="1" name=""/>
+        <p:cNvGrpSpPr/>
+        <p:nvPr/>
+      </p:nvGrpSpPr>
+      <p:grpSpPr>
+        <a:xfrm>
+          <a:off x="0" y="0"/>
+          <a:ext cx="0" cy="0"/>
+          <a:chOff x="0" y="0"/>
+          <a:chExt cx="0" cy="0"/>
+        </a:xfrm>
+      </p:grpSpPr>
+      <p:sp>
+        <p:nvSpPr>
+          <p:cNvPr id="2" name="Title 1"/>
+          <p:cNvSpPr>
+            <a:spLocks noGrp="1"/>
+          </p:cNvSpPr>
+          <p:nvPr>
+            <p:ph type="title"/>
+          </p:nvPr>
+        </p:nvSpPr>
+        <p:spPr/>
+        <p:txBody>
+          <a:bodyPr/>
+          <a:lstStyle/>
+          <a:p>
+            <a:r>
+              <a:rPr lang="en-US" dirty="0" smtClean="0"/>
+              <a:t>When to develop your own tool</a:t>
+            </a:r>
+            <a:endParaRPr lang="en-US" dirty="0"/>
+          </a:p>
+        </p:txBody>
+      </p:sp>
+      <p:sp>
+        <p:nvSpPr>
+          <p:cNvPr id="3" name="Content Placeholder 2"/>
+          <p:cNvSpPr>
+            <a:spLocks noGrp="1"/>
+          </p:cNvSpPr>
+          <p:nvPr>
+            <p:ph idx="1"/>
+          </p:nvPr>
+        </p:nvSpPr>
+        <p:spPr/>
+        <p:txBody>
+          <a:bodyPr/>
+          <a:lstStyle/>
+          <a:p>
+            <a:r>
+              <a:rPr lang="en-US" dirty="0" smtClean="0"/>
+              <a:t>When you really need it, and no one else has done anything remotely similar you can adapt </a:t>
+            </a:r>
+            <a:endParaRPr lang="en-US" dirty="0"/>
+          </a:p>
+        </p:txBody>
+      </p:sp>
+    </p:spTree>
+    <p:extLst>
+      <p:ext uri="{BB962C8B-B14F-4D97-AF65-F5344CB8AC3E}">
+        <p14:creationId xmlns:p14="http://schemas.microsoft.com/office/powerpoint/2010/main" val="892411971"/>
+      </p:ext>
+    </p:extLst>
+  </p:cSld>
+  <p:clrMapOvr>
+    <a:masterClrMapping/>
+  </p:clrMapOvr>
+</p:sld>
+</file>
+
+<file path=ppt/slides/slide21.xml><?xml version="1.0" encoding="utf-8"?>
+<p:sld xmlns:a="http://schemas.openxmlformats.org/drawingml/2006/main" xmlns:r="http://schemas.openxmlformats.org/officeDocument/2006/relationships" xmlns:p="http://schemas.openxmlformats.org/presentationml/2006/main">
+  <p:cSld>
+    <p:spTree>
+      <p:nvGrpSpPr>
+        <p:cNvPr id="1" name=""/>
+        <p:cNvGrpSpPr/>
+        <p:nvPr/>
+      </p:nvGrpSpPr>
+      <p:grpSpPr>
+        <a:xfrm>
+          <a:off x="0" y="0"/>
+          <a:ext cx="0" cy="0"/>
+          <a:chOff x="0" y="0"/>
+          <a:chExt cx="0" cy="0"/>
+        </a:xfrm>
+      </p:grpSpPr>
+      <p:sp>
+        <p:nvSpPr>
+          <p:cNvPr id="2" name="Title 1"/>
+          <p:cNvSpPr>
+            <a:spLocks noGrp="1"/>
+          </p:cNvSpPr>
+          <p:nvPr>
+            <p:ph type="title"/>
+          </p:nvPr>
+        </p:nvSpPr>
+        <p:spPr/>
+        <p:txBody>
+          <a:bodyPr/>
+          <a:lstStyle/>
+          <a:p>
+            <a:r>
+              <a:rPr lang="en-US" dirty="0" smtClean="0"/>
+              <a:t>Things to keep in mind</a:t>
+            </a:r>
+            <a:endParaRPr lang="en-US" dirty="0"/>
+          </a:p>
+        </p:txBody>
+      </p:sp>
+      <p:sp>
+        <p:nvSpPr>
+          <p:cNvPr id="3" name="Content Placeholder 2"/>
+          <p:cNvSpPr>
+            <a:spLocks noGrp="1"/>
+          </p:cNvSpPr>
+          <p:nvPr>
+            <p:ph idx="1"/>
+          </p:nvPr>
+        </p:nvSpPr>
+        <p:spPr/>
+        <p:txBody>
+          <a:bodyPr>
+            <a:normAutofit fontScale="85000" lnSpcReduction="10000"/>
+          </a:bodyPr>
+          <a:lstStyle/>
+          <a:p>
+            <a:r>
+              <a:rPr lang="en-US" dirty="0" smtClean="0"/>
+              <a:t>Operating System compatibility</a:t>
+            </a:r>
+          </a:p>
+          <a:p>
+            <a:pPr lvl="1"/>
+            <a:r>
+              <a:rPr lang="en-US" dirty="0" smtClean="0"/>
+              <a:t>Who are your users?</a:t>
+            </a:r>
+          </a:p>
+          <a:p>
+            <a:pPr lvl="1"/>
+            <a:r>
+              <a:rPr lang="en-US" dirty="0" smtClean="0"/>
+              <a:t>What OS do they mainly use?</a:t>
+            </a:r>
+          </a:p>
+          <a:p>
+            <a:r>
+              <a:rPr lang="en-US" dirty="0" smtClean="0"/>
+              <a:t>Beta Testing</a:t>
+            </a:r>
+          </a:p>
+          <a:p>
+            <a:pPr lvl="1"/>
+            <a:r>
+              <a:rPr lang="en-US" dirty="0" smtClean="0"/>
+              <a:t>People in your department, who haven’t used it yet</a:t>
+            </a:r>
+          </a:p>
+          <a:p>
+            <a:pPr lvl="1"/>
+            <a:r>
+              <a:rPr lang="en-US" dirty="0" smtClean="0"/>
+              <a:t>People with only a basic knowledge of computer science  </a:t>
+            </a:r>
+          </a:p>
+          <a:p>
+            <a:r>
+              <a:rPr lang="en-US" dirty="0" smtClean="0"/>
+              <a:t>Documentation</a:t>
+            </a:r>
+          </a:p>
+          <a:p>
+            <a:pPr lvl="1"/>
+            <a:r>
+              <a:rPr lang="en-US" dirty="0" smtClean="0"/>
+              <a:t>Write good documentation if you want other people to use your program</a:t>
+            </a:r>
+          </a:p>
+          <a:p>
+            <a:pPr lvl="1"/>
+            <a:r>
+              <a:rPr lang="en-US" dirty="0" smtClean="0"/>
+              <a:t>If its hard for them to understand what your code does, it would be easier for them to write it themselves </a:t>
+            </a:r>
+          </a:p>
+        </p:txBody>
+      </p:sp>
+      <p:sp>
+        <p:nvSpPr>
+          <p:cNvPr id="4" name="TextBox 3"/>
+          <p:cNvSpPr txBox="1"/>
+          <p:nvPr/>
+        </p:nvSpPr>
+        <p:spPr>
+          <a:xfrm>
+            <a:off x="457200" y="6317773"/>
+            <a:ext cx="6503374" cy="369332"/>
+          </a:xfrm>
+          <a:prstGeom prst="rect">
+            <a:avLst/>
+          </a:prstGeom>
+          <a:noFill/>
+        </p:spPr>
+        <p:txBody>
+          <a:bodyPr wrap="square" rtlCol="0">
+            <a:spAutoFit/>
+          </a:bodyPr>
+          <a:lstStyle/>
+          <a:p>
+            <a:r>
+              <a:rPr lang="hu-HU" dirty="0"/>
+              <a:t>http://lukeplant.me.uk/blog/posts/docs-or-it-doesnt-exist/</a:t>
+            </a:r>
+            <a:endParaRPr lang="en-US" dirty="0"/>
+          </a:p>
+        </p:txBody>
+      </p:sp>
+    </p:spTree>
+    <p:extLst>
+      <p:ext uri="{BB962C8B-B14F-4D97-AF65-F5344CB8AC3E}">
+        <p14:creationId xmlns:p14="http://schemas.microsoft.com/office/powerpoint/2010/main" val="1657130435"/>
+      </p:ext>
+    </p:extLst>
+  </p:cSld>
+  <p:clrMapOvr>
+    <a:masterClrMapping/>
+  </p:clrMapOvr>
+</p:sld>
+</file>
+
+<file path=ppt/slides/slide22.xml><?xml version="1.0" encoding="utf-8"?>
+<p:sld xmlns:a="http://schemas.openxmlformats.org/drawingml/2006/main" xmlns:r="http://schemas.openxmlformats.org/officeDocument/2006/relationships" xmlns:p="http://schemas.openxmlformats.org/presentationml/2006/main">
+  <p:cSld>
+    <p:spTree>
+      <p:nvGrpSpPr>
+        <p:cNvPr id="1" name=""/>
+        <p:cNvGrpSpPr/>
+        <p:nvPr/>
+      </p:nvGrpSpPr>
+      <p:grpSpPr>
+        <a:xfrm>
+          <a:off x="0" y="0"/>
+          <a:ext cx="0" cy="0"/>
+          <a:chOff x="0" y="0"/>
+          <a:chExt cx="0" cy="0"/>
+        </a:xfrm>
+      </p:grpSpPr>
+      <p:sp>
+        <p:nvSpPr>
+          <p:cNvPr id="2" name="Title 1"/>
+          <p:cNvSpPr>
+            <a:spLocks noGrp="1"/>
+          </p:cNvSpPr>
+          <p:nvPr>
+            <p:ph type="title"/>
+          </p:nvPr>
+        </p:nvSpPr>
+        <p:spPr>
+          <a:solidFill>
+            <a:schemeClr val="tx1"/>
+          </a:solidFill>
+        </p:spPr>
+        <p:txBody>
+          <a:bodyPr/>
+          <a:lstStyle/>
+          <a:p>
+            <a:r>
+              <a:rPr lang="en-US" dirty="0" smtClean="0">
+                <a:solidFill>
+                  <a:schemeClr val="bg1"/>
+                </a:solidFill>
+              </a:rPr>
+              <a:t>Contents</a:t>
+            </a:r>
+            <a:endParaRPr lang="en-US" dirty="0">
+              <a:solidFill>
+                <a:schemeClr val="bg1"/>
+              </a:solidFill>
+            </a:endParaRPr>
+          </a:p>
+        </p:txBody>
+      </p:sp>
+      <p:sp>
+        <p:nvSpPr>
+          <p:cNvPr id="3" name="Content Placeholder 2"/>
+          <p:cNvSpPr>
+            <a:spLocks noGrp="1"/>
+          </p:cNvSpPr>
+          <p:nvPr>
+            <p:ph idx="1"/>
+          </p:nvPr>
+        </p:nvSpPr>
+        <p:spPr>
+          <a:xfrm>
+            <a:off x="457200" y="1600200"/>
+            <a:ext cx="8229600" cy="5257800"/>
+          </a:xfrm>
+        </p:spPr>
+        <p:txBody>
+          <a:bodyPr>
+            <a:normAutofit fontScale="62500" lnSpcReduction="20000"/>
+          </a:bodyPr>
+          <a:lstStyle/>
+          <a:p>
+            <a:r>
+              <a:rPr lang="en-US" dirty="0" smtClean="0">
+                <a:solidFill>
+                  <a:schemeClr val="bg1">
+                    <a:lumMod val="65000"/>
+                  </a:schemeClr>
+                </a:solidFill>
+              </a:rPr>
+              <a:t>Admin</a:t>
+            </a:r>
+          </a:p>
+          <a:p>
+            <a:pPr lvl="1"/>
+            <a:r>
+              <a:rPr lang="en-US" dirty="0" smtClean="0">
+                <a:solidFill>
+                  <a:schemeClr val="bg1">
+                    <a:lumMod val="65000"/>
+                  </a:schemeClr>
+                </a:solidFill>
+              </a:rPr>
+              <a:t>My background</a:t>
+            </a:r>
+          </a:p>
+          <a:p>
+            <a:pPr lvl="1"/>
+            <a:r>
+              <a:rPr lang="en-US" dirty="0" smtClean="0">
+                <a:solidFill>
+                  <a:schemeClr val="bg1">
+                    <a:lumMod val="65000"/>
+                  </a:schemeClr>
+                </a:solidFill>
+              </a:rPr>
+              <a:t>Goals of this session</a:t>
+            </a:r>
+          </a:p>
+          <a:p>
+            <a:r>
+              <a:rPr lang="en-US" dirty="0" smtClean="0">
+                <a:solidFill>
+                  <a:schemeClr val="bg1">
+                    <a:lumMod val="65000"/>
+                  </a:schemeClr>
+                </a:solidFill>
+              </a:rPr>
+              <a:t>Writing code </a:t>
+            </a:r>
+          </a:p>
+          <a:p>
+            <a:pPr lvl="1"/>
+            <a:r>
+              <a:rPr lang="en-US" dirty="0" smtClean="0">
+                <a:solidFill>
+                  <a:schemeClr val="bg1">
+                    <a:lumMod val="65000"/>
+                  </a:schemeClr>
+                </a:solidFill>
+              </a:rPr>
+              <a:t>Writing your own code</a:t>
+            </a:r>
+          </a:p>
+          <a:p>
+            <a:pPr lvl="1"/>
+            <a:r>
+              <a:rPr lang="en-US" dirty="0" smtClean="0">
+                <a:solidFill>
+                  <a:schemeClr val="bg1">
+                    <a:lumMod val="65000"/>
+                  </a:schemeClr>
+                </a:solidFill>
+              </a:rPr>
+              <a:t>Working on code with collaborators </a:t>
+            </a:r>
+          </a:p>
+          <a:p>
+            <a:pPr lvl="1"/>
+            <a:r>
+              <a:rPr lang="en-US" dirty="0" smtClean="0">
+                <a:solidFill>
+                  <a:schemeClr val="bg1">
+                    <a:lumMod val="65000"/>
+                  </a:schemeClr>
+                </a:solidFill>
+              </a:rPr>
+              <a:t>Joining a project where someone left off </a:t>
+            </a:r>
+          </a:p>
+          <a:p>
+            <a:r>
+              <a:rPr lang="en-US" dirty="0" smtClean="0">
+                <a:solidFill>
+                  <a:schemeClr val="bg1">
+                    <a:lumMod val="65000"/>
+                  </a:schemeClr>
+                </a:solidFill>
+              </a:rPr>
+              <a:t>Find out how to do something</a:t>
+            </a:r>
+          </a:p>
+          <a:p>
+            <a:pPr lvl="1"/>
+            <a:r>
+              <a:rPr lang="en-US" dirty="0" smtClean="0">
+                <a:solidFill>
+                  <a:schemeClr val="bg1">
+                    <a:lumMod val="65000"/>
+                  </a:schemeClr>
+                </a:solidFill>
+              </a:rPr>
+              <a:t>Looking for information you need</a:t>
+            </a:r>
+          </a:p>
+          <a:p>
+            <a:pPr lvl="1"/>
+            <a:r>
+              <a:rPr lang="en-US" dirty="0" smtClean="0">
+                <a:solidFill>
+                  <a:schemeClr val="bg1">
+                    <a:lumMod val="65000"/>
+                  </a:schemeClr>
+                </a:solidFill>
+              </a:rPr>
+              <a:t>Using the fruits of other peoples’ labor</a:t>
+            </a:r>
+          </a:p>
+          <a:p>
+            <a:r>
+              <a:rPr lang="en-US" dirty="0" smtClean="0">
+                <a:solidFill>
+                  <a:schemeClr val="bg1">
+                    <a:lumMod val="65000"/>
+                  </a:schemeClr>
+                </a:solidFill>
+              </a:rPr>
+              <a:t>Developing your own tool</a:t>
+            </a:r>
+          </a:p>
+          <a:p>
+            <a:pPr lvl="1"/>
+            <a:r>
+              <a:rPr lang="en-US" dirty="0" smtClean="0">
+                <a:solidFill>
+                  <a:schemeClr val="bg1">
+                    <a:lumMod val="65000"/>
+                  </a:schemeClr>
+                </a:solidFill>
+              </a:rPr>
+              <a:t>When to do it</a:t>
+            </a:r>
+          </a:p>
+          <a:p>
+            <a:pPr lvl="1"/>
+            <a:r>
+              <a:rPr lang="en-US" dirty="0" smtClean="0">
+                <a:solidFill>
+                  <a:schemeClr val="bg1">
+                    <a:lumMod val="65000"/>
+                  </a:schemeClr>
+                </a:solidFill>
+              </a:rPr>
+              <a:t>What to keep in mind </a:t>
+            </a:r>
+          </a:p>
+          <a:p>
+            <a:r>
+              <a:rPr lang="en-US" dirty="0" smtClean="0"/>
+              <a:t>Version control </a:t>
+            </a:r>
+          </a:p>
+          <a:p>
+            <a:pPr lvl="1"/>
+            <a:r>
+              <a:rPr lang="en-US" dirty="0" err="1" smtClean="0"/>
+              <a:t>Github</a:t>
+            </a:r>
+            <a:r>
+              <a:rPr lang="en-US" dirty="0" smtClean="0"/>
+              <a:t> </a:t>
+            </a:r>
+          </a:p>
+          <a:p>
+            <a:pPr lvl="1"/>
+            <a:r>
+              <a:rPr lang="en-US" dirty="0" err="1" smtClean="0"/>
+              <a:t>Dropbox</a:t>
+            </a:r>
+            <a:r>
+              <a:rPr lang="en-US" dirty="0" smtClean="0"/>
+              <a:t> </a:t>
+            </a:r>
+          </a:p>
+          <a:p>
+            <a:pPr lvl="1"/>
+            <a:r>
+              <a:rPr lang="en-US" dirty="0" smtClean="0"/>
+              <a:t>Hard drives </a:t>
+            </a:r>
+          </a:p>
+          <a:p>
+            <a:endParaRPr lang="en-US" dirty="0"/>
+          </a:p>
+          <a:p>
+            <a:pPr lvl="1"/>
+            <a:endParaRPr lang="en-US" dirty="0" smtClean="0"/>
+          </a:p>
+          <a:p>
+            <a:endParaRPr lang="en-US" dirty="0" smtClean="0"/>
+          </a:p>
+          <a:p>
+            <a:endParaRPr lang="en-US" dirty="0"/>
+          </a:p>
+        </p:txBody>
+      </p:sp>
+    </p:spTree>
+    <p:extLst>
+      <p:ext uri="{BB962C8B-B14F-4D97-AF65-F5344CB8AC3E}">
+        <p14:creationId xmlns:p14="http://schemas.microsoft.com/office/powerpoint/2010/main" val="1674219173"/>
+      </p:ext>
+    </p:extLst>
+  </p:cSld>
+  <p:clrMapOvr>
+    <a:masterClrMapping/>
+  </p:clrMapOvr>
+</p:sld>
+</file>
+
+<file path=ppt/slides/slide23.xml><?xml version="1.0" encoding="utf-8"?>
+<p:sld xmlns:a="http://schemas.openxmlformats.org/drawingml/2006/main" xmlns:r="http://schemas.openxmlformats.org/officeDocument/2006/relationships" xmlns:p="http://schemas.openxmlformats.org/presentationml/2006/main">
+  <p:cSld>
+    <p:spTree>
+      <p:nvGrpSpPr>
+        <p:cNvPr id="1" name=""/>
+        <p:cNvGrpSpPr/>
+        <p:nvPr/>
+      </p:nvGrpSpPr>
+      <p:grpSpPr>
+        <a:xfrm>
+          <a:off x="0" y="0"/>
+          <a:ext cx="0" cy="0"/>
+          <a:chOff x="0" y="0"/>
+          <a:chExt cx="0" cy="0"/>
+        </a:xfrm>
+      </p:grpSpPr>
+      <p:pic>
+        <p:nvPicPr>
+          <p:cNvPr id="5" name="Picture 4" descr="Octocat.png"/>
+          <p:cNvPicPr>
+            <a:picLocks noChangeAspect="1"/>
+          </p:cNvPicPr>
+          <p:nvPr/>
+        </p:nvPicPr>
+        <p:blipFill>
+          <a:blip r:embed="rId2">
+            <a:extLst>
+              <a:ext uri="{28A0092B-C50C-407E-A947-70E740481C1C}">
+                <a14:useLocalDpi xmlns:a14="http://schemas.microsoft.com/office/drawing/2010/main" val="0"/>
+              </a:ext>
+            </a:extLst>
+          </a:blip>
+          <a:stretch>
+            <a:fillRect/>
+          </a:stretch>
+        </p:blipFill>
+        <p:spPr>
+          <a:xfrm>
+            <a:off x="444500" y="0"/>
+            <a:ext cx="8250226" cy="6858000"/>
+          </a:xfrm>
+          <a:prstGeom prst="rect">
+            <a:avLst/>
+          </a:prstGeom>
+        </p:spPr>
+      </p:pic>
+    </p:spTree>
+    <p:extLst>
+      <p:ext uri="{BB962C8B-B14F-4D97-AF65-F5344CB8AC3E}">
+        <p14:creationId xmlns:p14="http://schemas.microsoft.com/office/powerpoint/2010/main" val="3160605387"/>
+      </p:ext>
+    </p:extLst>
+  </p:cSld>
+  <p:clrMapOvr>
+    <a:masterClrMapping/>
+  </p:clrMapOvr>
+</p:sld>
+</file>
+
+<file path=ppt/slides/slide24.xml><?xml version="1.0" encoding="utf-8"?>
+<p:sld xmlns:a="http://schemas.openxmlformats.org/drawingml/2006/main" xmlns:r="http://schemas.openxmlformats.org/officeDocument/2006/relationships" xmlns:p="http://schemas.openxmlformats.org/presentationml/2006/main">
+  <p:cSld>
+    <p:spTree>
+      <p:nvGrpSpPr>
+        <p:cNvPr id="1" name=""/>
+        <p:cNvGrpSpPr/>
+        <p:nvPr/>
+      </p:nvGrpSpPr>
+      <p:grpSpPr>
+        <a:xfrm>
+          <a:off x="0" y="0"/>
+          <a:ext cx="0" cy="0"/>
+          <a:chOff x="0" y="0"/>
+          <a:chExt cx="0" cy="0"/>
+        </a:xfrm>
+      </p:grpSpPr>
+      <p:sp>
+        <p:nvSpPr>
+          <p:cNvPr id="2" name="Title 1"/>
+          <p:cNvSpPr>
+            <a:spLocks noGrp="1"/>
+          </p:cNvSpPr>
+          <p:nvPr>
+            <p:ph type="title"/>
+          </p:nvPr>
+        </p:nvSpPr>
+        <p:spPr/>
+        <p:txBody>
+          <a:bodyPr/>
+          <a:lstStyle/>
+          <a:p>
+            <a:r>
+              <a:rPr lang="en-US" dirty="0" err="1" smtClean="0"/>
+              <a:t>Github</a:t>
+            </a:r>
+            <a:endParaRPr lang="en-US" dirty="0"/>
+          </a:p>
+        </p:txBody>
+      </p:sp>
+      <p:sp>
+        <p:nvSpPr>
+          <p:cNvPr id="3" name="Content Placeholder 2"/>
+          <p:cNvSpPr>
+            <a:spLocks noGrp="1"/>
+          </p:cNvSpPr>
+          <p:nvPr>
+            <p:ph sz="half" idx="1"/>
+          </p:nvPr>
+        </p:nvSpPr>
+        <p:spPr/>
+        <p:txBody>
+          <a:bodyPr/>
+          <a:lstStyle/>
+          <a:p>
+            <a:pPr marL="0" indent="0">
+              <a:buNone/>
+            </a:pPr>
+            <a:r>
+              <a:rPr lang="en-US" dirty="0" smtClean="0"/>
+              <a:t>Good</a:t>
+            </a:r>
+          </a:p>
+          <a:p>
+            <a:r>
+              <a:rPr lang="en-US" dirty="0" smtClean="0"/>
+              <a:t>Useful for collaborators</a:t>
+            </a:r>
+          </a:p>
+          <a:p>
+            <a:r>
+              <a:rPr lang="en-US" dirty="0" smtClean="0"/>
+              <a:t>Showcase non-confidential work online</a:t>
+            </a:r>
+          </a:p>
+          <a:p>
+            <a:r>
+              <a:rPr lang="en-US" dirty="0" smtClean="0"/>
+              <a:t>Get it online, anywhere  </a:t>
+            </a:r>
+          </a:p>
+          <a:p>
+            <a:endParaRPr lang="en-US" dirty="0"/>
+          </a:p>
+        </p:txBody>
+      </p:sp>
+      <p:sp>
+        <p:nvSpPr>
+          <p:cNvPr id="4" name="Content Placeholder 3"/>
+          <p:cNvSpPr>
+            <a:spLocks noGrp="1"/>
+          </p:cNvSpPr>
+          <p:nvPr>
+            <p:ph sz="half" idx="2"/>
+          </p:nvPr>
+        </p:nvSpPr>
+        <p:spPr/>
+        <p:txBody>
+          <a:bodyPr/>
+          <a:lstStyle/>
+          <a:p>
+            <a:pPr marL="0" indent="0">
+              <a:buNone/>
+            </a:pPr>
+            <a:r>
+              <a:rPr lang="en-US" dirty="0" smtClean="0"/>
+              <a:t>Bad</a:t>
+            </a:r>
+          </a:p>
+          <a:p>
+            <a:r>
+              <a:rPr lang="en-US" dirty="0" smtClean="0"/>
+              <a:t>Limited allowance for privacy – free private account with .</a:t>
+            </a:r>
+            <a:r>
+              <a:rPr lang="en-US" dirty="0" err="1" smtClean="0"/>
+              <a:t>edu</a:t>
+            </a:r>
+            <a:r>
+              <a:rPr lang="en-US" dirty="0" smtClean="0"/>
+              <a:t> email for two years </a:t>
+            </a:r>
+          </a:p>
+          <a:p>
+            <a:r>
+              <a:rPr lang="en-US" dirty="0" smtClean="0"/>
+              <a:t>Steep learning curve</a:t>
+            </a:r>
+            <a:endParaRPr lang="en-US" dirty="0"/>
+          </a:p>
+        </p:txBody>
+      </p:sp>
+      <p:sp>
+        <p:nvSpPr>
+          <p:cNvPr id="5" name="TextBox 4"/>
+          <p:cNvSpPr txBox="1"/>
+          <p:nvPr/>
+        </p:nvSpPr>
+        <p:spPr>
+          <a:xfrm>
+            <a:off x="259269" y="6340699"/>
+            <a:ext cx="7377569" cy="369332"/>
+          </a:xfrm>
+          <a:prstGeom prst="rect">
+            <a:avLst/>
+          </a:prstGeom>
+          <a:noFill/>
+        </p:spPr>
+        <p:txBody>
+          <a:bodyPr wrap="square" rtlCol="0">
+            <a:spAutoFit/>
+          </a:bodyPr>
+          <a:lstStyle/>
+          <a:p>
+            <a:r>
+              <a:rPr lang="en-US" dirty="0"/>
+              <a:t>https://</a:t>
+            </a:r>
+            <a:r>
+              <a:rPr lang="en-US" dirty="0" err="1"/>
+              <a:t>github.com</a:t>
+            </a:r>
+            <a:r>
+              <a:rPr lang="en-US" dirty="0"/>
+              <a:t>/</a:t>
+            </a:r>
+            <a:r>
+              <a:rPr lang="en-US" dirty="0" err="1"/>
+              <a:t>pysmo</a:t>
+            </a:r>
+            <a:r>
+              <a:rPr lang="en-US" dirty="0"/>
+              <a:t>/</a:t>
+            </a:r>
+            <a:r>
+              <a:rPr lang="en-US" dirty="0" err="1"/>
+              <a:t>aimbat</a:t>
+            </a:r>
+            <a:r>
+              <a:rPr lang="en-US" dirty="0"/>
+              <a:t>-docs/wiki/Introduction-to-</a:t>
+            </a:r>
+            <a:r>
+              <a:rPr lang="en-US" dirty="0" err="1"/>
+              <a:t>Github</a:t>
+            </a:r>
+            <a:endParaRPr lang="en-US" dirty="0"/>
+          </a:p>
+        </p:txBody>
+      </p:sp>
+    </p:spTree>
+    <p:extLst>
+      <p:ext uri="{BB962C8B-B14F-4D97-AF65-F5344CB8AC3E}">
+        <p14:creationId xmlns:p14="http://schemas.microsoft.com/office/powerpoint/2010/main" val="1969338732"/>
+      </p:ext>
+    </p:extLst>
+  </p:cSld>
+  <p:clrMapOvr>
+    <a:masterClrMapping/>
+  </p:clrMapOvr>
+</p:sld>
+</file>
+
+<file path=ppt/slides/slide25.xml><?xml version="1.0" encoding="utf-8"?>
+<p:sld xmlns:a="http://schemas.openxmlformats.org/drawingml/2006/main" xmlns:r="http://schemas.openxmlformats.org/officeDocument/2006/relationships" xmlns:p="http://schemas.openxmlformats.org/presentationml/2006/main">
+  <p:cSld>
+    <p:spTree>
+      <p:nvGrpSpPr>
+        <p:cNvPr id="1" name=""/>
+        <p:cNvGrpSpPr/>
+        <p:nvPr/>
+      </p:nvGrpSpPr>
+      <p:grpSpPr>
+        <a:xfrm>
+          <a:off x="0" y="0"/>
+          <a:ext cx="0" cy="0"/>
+          <a:chOff x="0" y="0"/>
+          <a:chExt cx="0" cy="0"/>
+        </a:xfrm>
+      </p:grpSpPr>
+      <p:sp>
+        <p:nvSpPr>
+          <p:cNvPr id="2" name="Title 1"/>
+          <p:cNvSpPr>
+            <a:spLocks noGrp="1"/>
+          </p:cNvSpPr>
+          <p:nvPr>
+            <p:ph type="title"/>
+          </p:nvPr>
+        </p:nvSpPr>
+        <p:spPr/>
+        <p:txBody>
+          <a:bodyPr/>
+          <a:lstStyle/>
+          <a:p>
+            <a:r>
+              <a:rPr lang="en-US" dirty="0" smtClean="0"/>
+              <a:t>Demo </a:t>
+            </a:r>
+            <a:endParaRPr lang="en-US" dirty="0"/>
+          </a:p>
+        </p:txBody>
+      </p:sp>
+      <p:sp>
+        <p:nvSpPr>
+          <p:cNvPr id="3" name="Content Placeholder 2"/>
+          <p:cNvSpPr>
+            <a:spLocks noGrp="1"/>
+          </p:cNvSpPr>
+          <p:nvPr>
+            <p:ph idx="1"/>
+          </p:nvPr>
+        </p:nvSpPr>
+        <p:spPr/>
+        <p:txBody>
+          <a:bodyPr>
+            <a:normAutofit lnSpcReduction="10000"/>
+          </a:bodyPr>
+          <a:lstStyle/>
+          <a:p>
+            <a:r>
+              <a:rPr lang="en-US" dirty="0" smtClean="0"/>
+              <a:t>Downloading and installing </a:t>
+            </a:r>
+            <a:r>
+              <a:rPr lang="en-US" dirty="0" err="1" smtClean="0"/>
+              <a:t>Git</a:t>
+            </a:r>
+            <a:r>
+              <a:rPr lang="en-US" dirty="0" smtClean="0"/>
+              <a:t> </a:t>
+            </a:r>
+          </a:p>
+          <a:p>
+            <a:r>
+              <a:rPr lang="en-US" dirty="0" smtClean="0"/>
+              <a:t>Creating a repository </a:t>
+            </a:r>
+          </a:p>
+          <a:p>
+            <a:r>
+              <a:rPr lang="en-US" dirty="0" smtClean="0"/>
+              <a:t>Cloning a repository</a:t>
+            </a:r>
+          </a:p>
+          <a:p>
+            <a:r>
+              <a:rPr lang="en-US" dirty="0" smtClean="0"/>
+              <a:t>Making commits </a:t>
+            </a:r>
+          </a:p>
+          <a:p>
+            <a:r>
+              <a:rPr lang="en-US" dirty="0" smtClean="0"/>
+              <a:t>Reverting a commit </a:t>
+            </a:r>
+          </a:p>
+          <a:p>
+            <a:r>
+              <a:rPr lang="en-US" dirty="0" smtClean="0"/>
+              <a:t>Making and pushing a branch</a:t>
+            </a:r>
+          </a:p>
+          <a:p>
+            <a:r>
+              <a:rPr lang="en-US" dirty="0" smtClean="0"/>
+              <a:t>Merging a branch with master </a:t>
+            </a:r>
+          </a:p>
+          <a:p>
+            <a:r>
+              <a:rPr lang="en-US" dirty="0" smtClean="0"/>
+              <a:t>Dealing with merge conflicts </a:t>
+            </a:r>
+          </a:p>
+          <a:p>
+            <a:endParaRPr lang="en-US" dirty="0"/>
+          </a:p>
+        </p:txBody>
+      </p:sp>
+    </p:spTree>
+    <p:extLst>
+      <p:ext uri="{BB962C8B-B14F-4D97-AF65-F5344CB8AC3E}">
+        <p14:creationId xmlns:p14="http://schemas.microsoft.com/office/powerpoint/2010/main" val="1715454273"/>
+      </p:ext>
+    </p:extLst>
+  </p:cSld>
+  <p:clrMapOvr>
+    <a:masterClrMapping/>
+  </p:clrMapOvr>
+</p:sld>
+</file>
+
+<file path=ppt/slides/slide26.xml><?xml version="1.0" encoding="utf-8"?>
+<p:sld xmlns:a="http://schemas.openxmlformats.org/drawingml/2006/main" xmlns:r="http://schemas.openxmlformats.org/officeDocument/2006/relationships" xmlns:p="http://schemas.openxmlformats.org/presentationml/2006/main">
+  <p:cSld>
+    <p:spTree>
+      <p:nvGrpSpPr>
+        <p:cNvPr id="1" name=""/>
+        <p:cNvGrpSpPr/>
+        <p:nvPr/>
+      </p:nvGrpSpPr>
+      <p:grpSpPr>
+        <a:xfrm>
+          <a:off x="0" y="0"/>
+          <a:ext cx="0" cy="0"/>
+          <a:chOff x="0" y="0"/>
+          <a:chExt cx="0" cy="0"/>
+        </a:xfrm>
+      </p:grpSpPr>
+      <p:pic>
+        <p:nvPicPr>
+          <p:cNvPr id="4" name="Picture 3" descr="Screen Shot 2014-07-10 at 9.47.44 PM.png"/>
+          <p:cNvPicPr>
+            <a:picLocks noChangeAspect="1"/>
+          </p:cNvPicPr>
+          <p:nvPr/>
+        </p:nvPicPr>
+        <p:blipFill>
+          <a:blip r:embed="rId2">
+            <a:extLst>
+              <a:ext uri="{28A0092B-C50C-407E-A947-70E740481C1C}">
+                <a14:useLocalDpi xmlns:a14="http://schemas.microsoft.com/office/drawing/2010/main" val="0"/>
+              </a:ext>
+            </a:extLst>
+          </a:blip>
+          <a:stretch>
+            <a:fillRect/>
+          </a:stretch>
+        </p:blipFill>
+        <p:spPr>
+          <a:xfrm>
+            <a:off x="925725" y="362893"/>
+            <a:ext cx="7436859" cy="6113020"/>
+          </a:xfrm>
+          <a:prstGeom prst="rect">
+            <a:avLst/>
+          </a:prstGeom>
+        </p:spPr>
+      </p:pic>
+    </p:spTree>
+    <p:extLst>
+      <p:ext uri="{BB962C8B-B14F-4D97-AF65-F5344CB8AC3E}">
+        <p14:creationId xmlns:p14="http://schemas.microsoft.com/office/powerpoint/2010/main" val="3302957659"/>
+      </p:ext>
+    </p:extLst>
+  </p:cSld>
+  <p:clrMapOvr>
+    <a:masterClrMapping/>
+  </p:clrMapOvr>
+</p:sld>
+</file>
+
+<file path=ppt/slides/slide27.xml><?xml version="1.0" encoding="utf-8"?>
+<p:sld xmlns:a="http://schemas.openxmlformats.org/drawingml/2006/main" xmlns:r="http://schemas.openxmlformats.org/officeDocument/2006/relationships" xmlns:p="http://schemas.openxmlformats.org/presentationml/2006/main">
+  <p:cSld>
+    <p:spTree>
+      <p:nvGrpSpPr>
+        <p:cNvPr id="1" name=""/>
+        <p:cNvGrpSpPr/>
+        <p:nvPr/>
+      </p:nvGrpSpPr>
+      <p:grpSpPr>
+        <a:xfrm>
+          <a:off x="0" y="0"/>
+          <a:ext cx="0" cy="0"/>
+          <a:chOff x="0" y="0"/>
+          <a:chExt cx="0" cy="0"/>
+        </a:xfrm>
+      </p:grpSpPr>
+      <p:sp>
+        <p:nvSpPr>
+          <p:cNvPr id="7" name="Title 6"/>
+          <p:cNvSpPr>
+            <a:spLocks noGrp="1"/>
+          </p:cNvSpPr>
+          <p:nvPr>
+            <p:ph type="title"/>
+          </p:nvPr>
+        </p:nvSpPr>
+        <p:spPr/>
+        <p:txBody>
+          <a:bodyPr/>
+          <a:lstStyle/>
+          <a:p>
+            <a:r>
+              <a:rPr lang="en-US" dirty="0" err="1" smtClean="0"/>
+              <a:t>Dropbox</a:t>
+            </a:r>
+            <a:endParaRPr lang="en-US" dirty="0"/>
+          </a:p>
+        </p:txBody>
+      </p:sp>
+      <p:sp>
+        <p:nvSpPr>
+          <p:cNvPr id="8" name="Content Placeholder 7"/>
+          <p:cNvSpPr>
+            <a:spLocks noGrp="1"/>
+          </p:cNvSpPr>
+          <p:nvPr>
+            <p:ph sz="half" idx="1"/>
+          </p:nvPr>
+        </p:nvSpPr>
+        <p:spPr/>
+        <p:txBody>
+          <a:bodyPr>
+            <a:normAutofit lnSpcReduction="10000"/>
+          </a:bodyPr>
+          <a:lstStyle/>
+          <a:p>
+            <a:pPr marL="0" indent="0">
+              <a:buNone/>
+            </a:pPr>
+            <a:r>
+              <a:rPr lang="en-US" dirty="0" smtClean="0"/>
+              <a:t>Good</a:t>
+            </a:r>
+          </a:p>
+          <a:p>
+            <a:r>
+              <a:rPr lang="en-US" dirty="0" smtClean="0"/>
+              <a:t>Link any number of computers you want.</a:t>
+            </a:r>
+          </a:p>
+          <a:p>
+            <a:r>
+              <a:rPr lang="en-US" dirty="0" smtClean="0"/>
+              <a:t>(Almost) unlimited space, lots of ways to get more free space</a:t>
+            </a:r>
+          </a:p>
+          <a:p>
+            <a:r>
+              <a:rPr lang="en-US" dirty="0" smtClean="0"/>
+              <a:t>Private to you </a:t>
+            </a:r>
+          </a:p>
+          <a:p>
+            <a:r>
+              <a:rPr lang="en-US" dirty="0" smtClean="0"/>
+              <a:t>Can share files with others </a:t>
+            </a:r>
+          </a:p>
+          <a:p>
+            <a:r>
+              <a:rPr lang="en-US" dirty="0" smtClean="0"/>
+              <a:t>Get it online, anywhere </a:t>
+            </a:r>
+          </a:p>
+          <a:p>
+            <a:endParaRPr lang="en-US" dirty="0"/>
+          </a:p>
+        </p:txBody>
+      </p:sp>
+      <p:sp>
+        <p:nvSpPr>
+          <p:cNvPr id="9" name="Content Placeholder 8"/>
+          <p:cNvSpPr>
+            <a:spLocks noGrp="1"/>
+          </p:cNvSpPr>
+          <p:nvPr>
+            <p:ph sz="half" idx="2"/>
+          </p:nvPr>
+        </p:nvSpPr>
+        <p:spPr/>
+        <p:txBody>
+          <a:bodyPr>
+            <a:normAutofit lnSpcReduction="10000"/>
+          </a:bodyPr>
+          <a:lstStyle/>
+          <a:p>
+            <a:pPr marL="0" indent="0">
+              <a:buNone/>
+            </a:pPr>
+            <a:r>
+              <a:rPr lang="en-US" dirty="0" smtClean="0"/>
+              <a:t>Bad</a:t>
+            </a:r>
+          </a:p>
+          <a:p>
+            <a:r>
+              <a:rPr lang="en-US" dirty="0" smtClean="0"/>
+              <a:t>No version control. Delete something by accident and you may be in trouble.</a:t>
+            </a:r>
+          </a:p>
+        </p:txBody>
+      </p:sp>
+    </p:spTree>
+    <p:extLst>
+      <p:ext uri="{BB962C8B-B14F-4D97-AF65-F5344CB8AC3E}">
+        <p14:creationId xmlns:p14="http://schemas.microsoft.com/office/powerpoint/2010/main" val="3042570120"/>
+      </p:ext>
+    </p:extLst>
+  </p:cSld>
+  <p:clrMapOvr>
+    <a:masterClrMapping/>
+  </p:clrMapOvr>
+</p:sld>
+</file>
+
+<file path=ppt/slides/slide28.xml><?xml version="1.0" encoding="utf-8"?>
+<p:sld xmlns:a="http://schemas.openxmlformats.org/drawingml/2006/main" xmlns:r="http://schemas.openxmlformats.org/officeDocument/2006/relationships" xmlns:p="http://schemas.openxmlformats.org/presentationml/2006/main">
+  <p:cSld>
+    <p:spTree>
+      <p:nvGrpSpPr>
+        <p:cNvPr id="1" name=""/>
+        <p:cNvGrpSpPr/>
+        <p:nvPr/>
+      </p:nvGrpSpPr>
+      <p:grpSpPr>
+        <a:xfrm>
+          <a:off x="0" y="0"/>
+          <a:ext cx="0" cy="0"/>
+          <a:chOff x="0" y="0"/>
+          <a:chExt cx="0" cy="0"/>
+        </a:xfrm>
+      </p:grpSpPr>
+      <p:sp>
+        <p:nvSpPr>
+          <p:cNvPr id="2" name="Title 1"/>
+          <p:cNvSpPr>
+            <a:spLocks noGrp="1"/>
+          </p:cNvSpPr>
+          <p:nvPr>
+            <p:ph type="title"/>
+          </p:nvPr>
+        </p:nvSpPr>
+        <p:spPr/>
+        <p:txBody>
+          <a:bodyPr/>
+          <a:lstStyle/>
+          <a:p>
+            <a:r>
+              <a:rPr lang="en-US" dirty="0" smtClean="0"/>
+              <a:t>Hard drives</a:t>
+            </a:r>
+            <a:endParaRPr lang="en-US" dirty="0"/>
+          </a:p>
+        </p:txBody>
+      </p:sp>
+      <p:sp>
+        <p:nvSpPr>
+          <p:cNvPr id="3" name="Content Placeholder 2"/>
+          <p:cNvSpPr>
+            <a:spLocks noGrp="1"/>
+          </p:cNvSpPr>
+          <p:nvPr>
+            <p:ph sz="half" idx="1"/>
+          </p:nvPr>
+        </p:nvSpPr>
+        <p:spPr/>
+        <p:txBody>
+          <a:bodyPr/>
+          <a:lstStyle/>
+          <a:p>
+            <a:pPr marL="0" indent="0">
+              <a:buNone/>
+            </a:pPr>
+            <a:r>
+              <a:rPr lang="en-US" dirty="0" smtClean="0"/>
+              <a:t>Good</a:t>
+            </a:r>
+          </a:p>
+          <a:p>
+            <a:r>
+              <a:rPr lang="en-US" dirty="0" smtClean="0"/>
+              <a:t>Very cheap storage</a:t>
+            </a:r>
+          </a:p>
+          <a:p>
+            <a:endParaRPr lang="en-US" dirty="0"/>
+          </a:p>
+        </p:txBody>
+      </p:sp>
+      <p:sp>
+        <p:nvSpPr>
+          <p:cNvPr id="4" name="Content Placeholder 3"/>
+          <p:cNvSpPr>
+            <a:spLocks noGrp="1"/>
+          </p:cNvSpPr>
+          <p:nvPr>
+            <p:ph sz="half" idx="2"/>
+          </p:nvPr>
+        </p:nvSpPr>
+        <p:spPr/>
+        <p:txBody>
+          <a:bodyPr/>
+          <a:lstStyle/>
+          <a:p>
+            <a:pPr marL="0" indent="0">
+              <a:buNone/>
+            </a:pPr>
+            <a:r>
+              <a:rPr lang="en-US" dirty="0" smtClean="0"/>
+              <a:t>Bad</a:t>
+            </a:r>
+          </a:p>
+          <a:p>
+            <a:r>
+              <a:rPr lang="en-US" dirty="0" smtClean="0"/>
+              <a:t>Inconvenient to backup</a:t>
+            </a:r>
+          </a:p>
+          <a:p>
+            <a:r>
+              <a:rPr lang="en-US" dirty="0" smtClean="0"/>
+              <a:t>Better for archived projects, not projects actively being developed </a:t>
+            </a:r>
+          </a:p>
+          <a:p>
+            <a:r>
+              <a:rPr lang="en-US" dirty="0" smtClean="0"/>
+              <a:t>Not on a cloud, but a physical device </a:t>
+            </a:r>
+            <a:endParaRPr lang="en-US" dirty="0"/>
+          </a:p>
+        </p:txBody>
+      </p:sp>
+      <p:pic>
+        <p:nvPicPr>
+          <p:cNvPr id="5" name="Picture 4" descr="Screen Shot 2014-07-10 at 10.11.23 PM.png"/>
+          <p:cNvPicPr>
+            <a:picLocks noChangeAspect="1"/>
+          </p:cNvPicPr>
+          <p:nvPr/>
+        </p:nvPicPr>
+        <p:blipFill>
+          <a:blip r:embed="rId2">
+            <a:extLst>
+              <a:ext uri="{28A0092B-C50C-407E-A947-70E740481C1C}">
+                <a14:useLocalDpi xmlns:a14="http://schemas.microsoft.com/office/drawing/2010/main" val="0"/>
+              </a:ext>
+            </a:extLst>
+          </a:blip>
+          <a:stretch>
+            <a:fillRect/>
+          </a:stretch>
+        </p:blipFill>
+        <p:spPr>
+          <a:xfrm>
+            <a:off x="175207" y="3603157"/>
+            <a:ext cx="4209985" cy="2523005"/>
+          </a:xfrm>
+          <a:prstGeom prst="rect">
+            <a:avLst/>
+          </a:prstGeom>
+        </p:spPr>
+      </p:pic>
+    </p:spTree>
+    <p:extLst>
+      <p:ext uri="{BB962C8B-B14F-4D97-AF65-F5344CB8AC3E}">
+        <p14:creationId xmlns:p14="http://schemas.microsoft.com/office/powerpoint/2010/main" val="542090644"/>
+      </p:ext>
+    </p:extLst>
+  </p:cSld>
+  <p:clrMapOvr>
+    <a:masterClrMapping/>
+  </p:clrMapOvr>
+</p:sld>
+</file>
+
+<file path=ppt/slides/slide29.xml><?xml version="1.0" encoding="utf-8"?>
+<p:sld xmlns:a="http://schemas.openxmlformats.org/drawingml/2006/main" xmlns:r="http://schemas.openxmlformats.org/officeDocument/2006/relationships" xmlns:p="http://schemas.openxmlformats.org/presentationml/2006/main">
+  <p:cSld>
+    <p:spTree>
+      <p:nvGrpSpPr>
+        <p:cNvPr id="1" name=""/>
+        <p:cNvGrpSpPr/>
+        <p:nvPr/>
+      </p:nvGrpSpPr>
+      <p:grpSpPr>
+        <a:xfrm>
+          <a:off x="0" y="0"/>
+          <a:ext cx="0" cy="0"/>
+          <a:chOff x="0" y="0"/>
+          <a:chExt cx="0" cy="0"/>
+        </a:xfrm>
+      </p:grpSpPr>
+      <p:sp>
+        <p:nvSpPr>
+          <p:cNvPr id="4" name="Title 3"/>
+          <p:cNvSpPr>
+            <a:spLocks noGrp="1"/>
+          </p:cNvSpPr>
+          <p:nvPr>
+            <p:ph type="title"/>
+          </p:nvPr>
+        </p:nvSpPr>
+        <p:spPr/>
+        <p:txBody>
+          <a:bodyPr/>
+          <a:lstStyle/>
+          <a:p>
+            <a:r>
+              <a:rPr lang="en-US" dirty="0" smtClean="0"/>
+              <a:t>References</a:t>
+            </a:r>
+            <a:endParaRPr lang="en-US" dirty="0"/>
+          </a:p>
+        </p:txBody>
+      </p:sp>
+      <p:sp>
+        <p:nvSpPr>
+          <p:cNvPr id="5" name="Content Placeholder 4"/>
+          <p:cNvSpPr>
+            <a:spLocks noGrp="1"/>
+          </p:cNvSpPr>
+          <p:nvPr>
+            <p:ph idx="1"/>
+          </p:nvPr>
+        </p:nvSpPr>
+        <p:spPr/>
+        <p:txBody>
+          <a:bodyPr/>
+          <a:lstStyle/>
+          <a:p>
+            <a:r>
+              <a:rPr lang="en-US" dirty="0" smtClean="0"/>
+              <a:t>John West. The Lazy Programmer. </a:t>
+            </a:r>
+            <a:r>
+              <a:rPr lang="en-US" dirty="0" err="1" smtClean="0"/>
+              <a:t>EarthScope</a:t>
+            </a:r>
+            <a:r>
+              <a:rPr lang="en-US" dirty="0" smtClean="0"/>
+              <a:t> US Array. August 16, 2011 </a:t>
+            </a:r>
+          </a:p>
+          <a:p>
+            <a:pPr lvl="1"/>
+            <a:r>
+              <a:rPr lang="fr-FR" dirty="0">
+                <a:hlinkClick r:id="rId2"/>
+              </a:rPr>
+              <a:t>http://www.iris.edu/hq/es_course/content/2011.</a:t>
+            </a:r>
+            <a:r>
+              <a:rPr lang="fr-FR" dirty="0" smtClean="0">
+                <a:hlinkClick r:id="rId2"/>
+              </a:rPr>
+              <a:t>html</a:t>
+            </a:r>
+            <a:endParaRPr lang="fr-FR" dirty="0" smtClean="0"/>
+          </a:p>
+          <a:p>
+            <a:pPr lvl="1"/>
+            <a:endParaRPr lang="fr-FR" dirty="0"/>
+          </a:p>
+          <a:p>
+            <a:pPr lvl="1"/>
+            <a:endParaRPr lang="en-US" dirty="0" smtClean="0"/>
+          </a:p>
+          <a:p>
+            <a:endParaRPr lang="en-US" dirty="0"/>
+          </a:p>
+        </p:txBody>
+      </p:sp>
+    </p:spTree>
+    <p:extLst>
+      <p:ext uri="{BB962C8B-B14F-4D97-AF65-F5344CB8AC3E}">
+        <p14:creationId xmlns:p14="http://schemas.microsoft.com/office/powerpoint/2010/main" val="2066637437"/>
       </p:ext>
     </p:extLst>
   </p:cSld>
@@ -4073,7 +7720,7 @@
             <a:pPr lvl="1"/>
             <a:r>
               <a:rPr lang="en-US" dirty="0" smtClean="0"/>
-              <a:t>Electrical and Computer Engineering</a:t>
+              <a:t>Electrical and Computer Engineering, Carnegie Mellon</a:t>
             </a:r>
           </a:p>
           <a:p>
@@ -4154,28 +7801,14 @@
           <a:p>
             <a:r>
               <a:rPr lang="en-US" dirty="0" smtClean="0"/>
-              <a:t>How to write good code </a:t>
-            </a:r>
-          </a:p>
-          <a:p>
-            <a:pPr lvl="1"/>
-            <a:r>
-              <a:rPr lang="en-US" dirty="0" smtClean="0"/>
-              <a:t>Easily understood by your future self, and others</a:t>
-            </a:r>
-          </a:p>
-          <a:p>
-            <a:pPr lvl="1"/>
-            <a:r>
-              <a:rPr lang="en-US" dirty="0" smtClean="0"/>
-              <a:t>Do not need too much maintenance</a:t>
+              <a:t>How to write easily maintained code</a:t>
             </a:r>
             <a:endParaRPr lang="en-US" dirty="0"/>
           </a:p>
           <a:p>
             <a:r>
               <a:rPr lang="en-US" dirty="0" smtClean="0"/>
-              <a:t>How to get unstuck when coding</a:t>
+              <a:t>How to get unstuck in a problem </a:t>
             </a:r>
           </a:p>
           <a:p>
@@ -4574,18 +8207,14 @@
               <a:rPr lang="en-US" dirty="0" smtClean="0"/>
               <a:t>Writing your own code … </a:t>
             </a:r>
-            <a:r>
-              <a:rPr lang="en-US" smtClean="0"/>
-              <a:t/>
-            </a:r>
             <a:br>
-              <a:rPr lang="en-US" smtClean="0"/>
+              <a:rPr lang="en-US" dirty="0" smtClean="0"/>
             </a:br>
             <a:r>
-              <a:rPr lang="en-US" smtClean="0"/>
+              <a:rPr lang="en-US" dirty="0" smtClean="0"/>
               <a:t>Comments</a:t>
             </a:r>
-            <a:endParaRPr lang="en-US"/>
+            <a:endParaRPr lang="en-US" dirty="0"/>
           </a:p>
         </p:txBody>
       </p:sp>
@@ -4604,7 +8233,11 @@
           <a:bodyPr/>
           <a:lstStyle/>
           <a:p>
-            <a:endParaRPr lang="en-US"/>
+            <a:r>
+              <a:rPr lang="en-US" dirty="0" smtClean="0"/>
+              <a:t>Describe the process, not the code</a:t>
+            </a:r>
+            <a:endParaRPr lang="en-US" dirty="0"/>
           </a:p>
         </p:txBody>
       </p:sp>
@@ -4640,292 +8273,231 @@
       </p:grpSpPr>
       <p:sp>
         <p:nvSpPr>
-          <p:cNvPr id="2" name="Title 1"/>
-          <p:cNvSpPr>
-            <a:spLocks noGrp="1"/>
-          </p:cNvSpPr>
-          <p:nvPr>
-            <p:ph type="title"/>
+          <p:cNvPr id="33795" name="Rectangle 3"/>
+          <p:cNvSpPr>
+            <a:spLocks noGrp="1" noChangeArrowheads="1"/>
+          </p:cNvSpPr>
+          <p:nvPr>
+            <p:ph type="subTitle" idx="1"/>
           </p:nvPr>
         </p:nvSpPr>
         <p:spPr>
-          <a:solidFill>
-            <a:schemeClr val="tx1"/>
-          </a:solidFill>
+          <a:xfrm>
+            <a:off x="609600" y="990600"/>
+            <a:ext cx="8153400" cy="4953000"/>
+          </a:xfrm>
         </p:spPr>
         <p:txBody>
           <a:bodyPr/>
           <a:lstStyle/>
           <a:p>
+            <a:pPr algn="l"/>
+            <a:r>
+              <a:rPr lang="en-US" dirty="0">
+                <a:solidFill>
+                  <a:schemeClr val="tx1"/>
+                </a:solidFill>
+                <a:latin typeface="American Typewriter"/>
+                <a:cs typeface="American Typewriter"/>
+              </a:rPr>
+              <a:t>// step through the loop 100 times</a:t>
+            </a:r>
+          </a:p>
+          <a:p>
+            <a:pPr algn="l"/>
+            <a:r>
+              <a:rPr lang="en-US" dirty="0">
+                <a:solidFill>
+                  <a:schemeClr val="tx1"/>
+                </a:solidFill>
+                <a:latin typeface="American Typewriter"/>
+                <a:cs typeface="American Typewriter"/>
+              </a:rPr>
+              <a:t>// duh!</a:t>
+            </a:r>
+          </a:p>
+          <a:p>
+            <a:pPr algn="l"/>
+            <a:r>
+              <a:rPr lang="en-US" dirty="0">
+                <a:solidFill>
+                  <a:schemeClr val="tx1"/>
+                </a:solidFill>
+                <a:latin typeface="American Typewriter"/>
+                <a:cs typeface="American Typewriter"/>
+              </a:rPr>
+              <a:t>for (</a:t>
+            </a:r>
+            <a:r>
+              <a:rPr lang="en-US" dirty="0" err="1">
+                <a:solidFill>
+                  <a:schemeClr val="tx1"/>
+                </a:solidFill>
+                <a:latin typeface="American Typewriter"/>
+                <a:cs typeface="American Typewriter"/>
+              </a:rPr>
+              <a:t>i</a:t>
+            </a:r>
+            <a:r>
+              <a:rPr lang="en-US" dirty="0">
+                <a:solidFill>
+                  <a:schemeClr val="tx1"/>
+                </a:solidFill>
+                <a:latin typeface="American Typewriter"/>
+                <a:cs typeface="American Typewriter"/>
+              </a:rPr>
+              <a:t> = 1; </a:t>
+            </a:r>
+            <a:r>
+              <a:rPr lang="en-US" dirty="0" err="1">
+                <a:solidFill>
+                  <a:schemeClr val="tx1"/>
+                </a:solidFill>
+                <a:latin typeface="American Typewriter"/>
+                <a:cs typeface="American Typewriter"/>
+              </a:rPr>
+              <a:t>i</a:t>
+            </a:r>
+            <a:r>
+              <a:rPr lang="en-US" dirty="0">
+                <a:solidFill>
+                  <a:schemeClr val="tx1"/>
+                </a:solidFill>
+                <a:latin typeface="American Typewriter"/>
+                <a:cs typeface="American Typewriter"/>
+              </a:rPr>
+              <a:t> &lt;= 100; </a:t>
+            </a:r>
+            <a:r>
+              <a:rPr lang="en-US" dirty="0" err="1">
+                <a:solidFill>
+                  <a:schemeClr val="tx1"/>
+                </a:solidFill>
+                <a:latin typeface="American Typewriter"/>
+                <a:cs typeface="American Typewriter"/>
+              </a:rPr>
+              <a:t>i</a:t>
+            </a:r>
+            <a:r>
+              <a:rPr lang="en-US" dirty="0">
+                <a:solidFill>
+                  <a:schemeClr val="tx1"/>
+                </a:solidFill>
+                <a:latin typeface="American Typewriter"/>
+                <a:cs typeface="American Typewriter"/>
+              </a:rPr>
+              <a:t>++</a:t>
+            </a:r>
             <a:r>
               <a:rPr lang="en-US" dirty="0" smtClean="0">
                 <a:solidFill>
-                  <a:srgbClr val="FFFFFF"/>
-                </a:solidFill>
-              </a:rPr>
-              <a:t>Contents</a:t>
+                  <a:schemeClr val="tx1"/>
+                </a:solidFill>
+                <a:latin typeface="American Typewriter"/>
+                <a:cs typeface="American Typewriter"/>
+              </a:rPr>
+              <a:t>) {</a:t>
             </a:r>
             <a:endParaRPr lang="en-US" dirty="0">
               <a:solidFill>
-                <a:srgbClr val="FFFFFF"/>
+                <a:schemeClr val="tx1"/>
               </a:solidFill>
+              <a:latin typeface="American Typewriter"/>
+              <a:cs typeface="American Typewriter"/>
             </a:endParaRPr>
           </a:p>
-        </p:txBody>
-      </p:sp>
-      <p:sp>
-        <p:nvSpPr>
-          <p:cNvPr id="3" name="Content Placeholder 2"/>
-          <p:cNvSpPr>
-            <a:spLocks noGrp="1"/>
-          </p:cNvSpPr>
-          <p:nvPr>
-            <p:ph idx="1"/>
-          </p:nvPr>
+          <a:p>
+            <a:pPr algn="l"/>
+            <a:r>
+              <a:rPr lang="en-US" dirty="0">
+                <a:solidFill>
+                  <a:schemeClr val="tx1"/>
+                </a:solidFill>
+                <a:latin typeface="American Typewriter"/>
+                <a:cs typeface="American Typewriter"/>
+              </a:rPr>
+              <a:t>	…</a:t>
+            </a:r>
+          </a:p>
+          <a:p>
+            <a:pPr algn="l"/>
+            <a:r>
+              <a:rPr lang="en-US" dirty="0">
+                <a:solidFill>
+                  <a:schemeClr val="tx1"/>
+                </a:solidFill>
+                <a:latin typeface="American Typewriter"/>
+                <a:cs typeface="American Typewriter"/>
+              </a:rPr>
+              <a:t>	…</a:t>
+            </a:r>
+          </a:p>
+          <a:p>
+            <a:pPr algn="l"/>
+            <a:r>
+              <a:rPr lang="en-US" dirty="0">
+                <a:solidFill>
+                  <a:schemeClr val="tx1"/>
+                </a:solidFill>
+                <a:latin typeface="American Typewriter"/>
+                <a:cs typeface="American Typewriter"/>
+              </a:rPr>
+              <a:t>	</a:t>
+            </a:r>
+            <a:r>
+              <a:rPr lang="en-US" dirty="0" smtClean="0">
+                <a:solidFill>
+                  <a:schemeClr val="tx1"/>
+                </a:solidFill>
+                <a:latin typeface="American Typewriter"/>
+                <a:cs typeface="American Typewriter"/>
+              </a:rPr>
+              <a:t>…</a:t>
+            </a:r>
+          </a:p>
+          <a:p>
+            <a:pPr algn="l"/>
+            <a:r>
+              <a:rPr lang="en-US" dirty="0" smtClean="0">
+                <a:solidFill>
+                  <a:schemeClr val="tx1"/>
+                </a:solidFill>
+                <a:latin typeface="American Typewriter"/>
+                <a:cs typeface="American Typewriter"/>
+              </a:rPr>
+              <a:t>}</a:t>
+            </a:r>
+            <a:endParaRPr lang="en-US" dirty="0">
+              <a:solidFill>
+                <a:schemeClr val="tx1"/>
+              </a:solidFill>
+              <a:latin typeface="American Typewriter"/>
+              <a:cs typeface="American Typewriter"/>
+            </a:endParaRPr>
+          </a:p>
+        </p:txBody>
+      </p:sp>
+      <p:sp>
+        <p:nvSpPr>
+          <p:cNvPr id="2" name="TextBox 1"/>
+          <p:cNvSpPr txBox="1"/>
+          <p:nvPr/>
         </p:nvSpPr>
         <p:spPr>
           <a:xfrm>
-            <a:off x="457200" y="1600200"/>
-            <a:ext cx="8229600" cy="5257800"/>
+            <a:off x="1517471" y="6928106"/>
+            <a:ext cx="184666" cy="369332"/>
           </a:xfrm>
+          <a:prstGeom prst="rect">
+            <a:avLst/>
+          </a:prstGeom>
+          <a:noFill/>
         </p:spPr>
         <p:txBody>
-          <a:bodyPr>
-            <a:normAutofit fontScale="62500" lnSpcReduction="20000"/>
+          <a:bodyPr wrap="none" rtlCol="0">
+            <a:spAutoFit/>
           </a:bodyPr>
           <a:lstStyle/>
-          <a:p>
-            <a:r>
-              <a:rPr lang="en-US" dirty="0" smtClean="0">
-                <a:solidFill>
-                  <a:schemeClr val="bg1">
-                    <a:lumMod val="65000"/>
-                  </a:schemeClr>
-                </a:solidFill>
-              </a:rPr>
-              <a:t>Admin</a:t>
-            </a:r>
-          </a:p>
-          <a:p>
-            <a:pPr lvl="1"/>
-            <a:r>
-              <a:rPr lang="en-US" dirty="0" smtClean="0">
-                <a:solidFill>
-                  <a:schemeClr val="bg1">
-                    <a:lumMod val="65000"/>
-                  </a:schemeClr>
-                </a:solidFill>
-              </a:rPr>
-              <a:t>My background</a:t>
-            </a:r>
-          </a:p>
-          <a:p>
-            <a:pPr lvl="1"/>
-            <a:r>
-              <a:rPr lang="en-US" dirty="0" smtClean="0">
-                <a:solidFill>
-                  <a:schemeClr val="bg1">
-                    <a:lumMod val="65000"/>
-                  </a:schemeClr>
-                </a:solidFill>
-              </a:rPr>
-              <a:t>Goals of this session</a:t>
-            </a:r>
-          </a:p>
-          <a:p>
-            <a:r>
-              <a:rPr lang="en-US" dirty="0" smtClean="0">
-                <a:solidFill>
-                  <a:schemeClr val="bg1">
-                    <a:lumMod val="65000"/>
-                  </a:schemeClr>
-                </a:solidFill>
-              </a:rPr>
-              <a:t>Writing code </a:t>
-            </a:r>
-          </a:p>
-          <a:p>
-            <a:pPr lvl="1"/>
-            <a:r>
-              <a:rPr lang="en-US" dirty="0" smtClean="0">
-                <a:solidFill>
-                  <a:schemeClr val="bg1">
-                    <a:lumMod val="65000"/>
-                  </a:schemeClr>
-                </a:solidFill>
-              </a:rPr>
-              <a:t>Writing your own code</a:t>
-            </a:r>
-          </a:p>
-          <a:p>
-            <a:pPr lvl="1"/>
-            <a:r>
-              <a:rPr lang="en-US" dirty="0" smtClean="0">
-                <a:solidFill>
-                  <a:schemeClr val="bg1">
-                    <a:lumMod val="65000"/>
-                  </a:schemeClr>
-                </a:solidFill>
-              </a:rPr>
-              <a:t>Working on code with collaborators </a:t>
-            </a:r>
-          </a:p>
-          <a:p>
-            <a:pPr lvl="1"/>
-            <a:r>
-              <a:rPr lang="en-US" dirty="0" smtClean="0">
-                <a:solidFill>
-                  <a:schemeClr val="bg1">
-                    <a:lumMod val="65000"/>
-                  </a:schemeClr>
-                </a:solidFill>
-              </a:rPr>
-              <a:t>Joining a project where someone left off </a:t>
-            </a:r>
-          </a:p>
-          <a:p>
-            <a:r>
-              <a:rPr lang="en-US" dirty="0" smtClean="0"/>
-              <a:t>Find out how to do something</a:t>
-            </a:r>
-          </a:p>
-          <a:p>
-            <a:pPr lvl="1"/>
-            <a:r>
-              <a:rPr lang="en-US" dirty="0" smtClean="0"/>
-              <a:t>Looking for information you need</a:t>
-            </a:r>
-          </a:p>
-          <a:p>
-            <a:pPr lvl="1"/>
-            <a:r>
-              <a:rPr lang="en-US" dirty="0" smtClean="0"/>
-              <a:t>Using the fruits of other peoples’ labor</a:t>
-            </a:r>
-          </a:p>
-          <a:p>
-            <a:r>
-              <a:rPr lang="en-US" dirty="0" smtClean="0">
-                <a:solidFill>
-                  <a:schemeClr val="bg1">
-                    <a:lumMod val="65000"/>
-                  </a:schemeClr>
-                </a:solidFill>
-              </a:rPr>
-              <a:t>Developing your own tool</a:t>
-            </a:r>
-          </a:p>
-          <a:p>
-            <a:pPr lvl="1"/>
-            <a:r>
-              <a:rPr lang="en-US" dirty="0" smtClean="0">
-                <a:solidFill>
-                  <a:schemeClr val="bg1">
-                    <a:lumMod val="65000"/>
-                  </a:schemeClr>
-                </a:solidFill>
-              </a:rPr>
-              <a:t>When to do it</a:t>
-            </a:r>
-          </a:p>
-          <a:p>
-            <a:pPr lvl="1"/>
-            <a:r>
-              <a:rPr lang="en-US" dirty="0" smtClean="0">
-                <a:solidFill>
-                  <a:schemeClr val="bg1">
-                    <a:lumMod val="65000"/>
-                  </a:schemeClr>
-                </a:solidFill>
-              </a:rPr>
-              <a:t>What to keep in mind </a:t>
-            </a:r>
-          </a:p>
-          <a:p>
-            <a:r>
-              <a:rPr lang="en-US" dirty="0" smtClean="0">
-                <a:solidFill>
-                  <a:schemeClr val="bg1">
-                    <a:lumMod val="65000"/>
-                  </a:schemeClr>
-                </a:solidFill>
-              </a:rPr>
-              <a:t>Version control </a:t>
-            </a:r>
-          </a:p>
-          <a:p>
-            <a:pPr lvl="1"/>
-            <a:r>
-              <a:rPr lang="en-US" dirty="0" err="1" smtClean="0">
-                <a:solidFill>
-                  <a:schemeClr val="bg1">
-                    <a:lumMod val="65000"/>
-                  </a:schemeClr>
-                </a:solidFill>
-              </a:rPr>
-              <a:t>Github</a:t>
-            </a:r>
-            <a:r>
-              <a:rPr lang="en-US" dirty="0" smtClean="0">
-                <a:solidFill>
-                  <a:schemeClr val="bg1">
-                    <a:lumMod val="65000"/>
-                  </a:schemeClr>
-                </a:solidFill>
-              </a:rPr>
-              <a:t> </a:t>
-            </a:r>
-          </a:p>
-          <a:p>
-            <a:pPr lvl="1"/>
-            <a:r>
-              <a:rPr lang="en-US" dirty="0" err="1" smtClean="0">
-                <a:solidFill>
-                  <a:schemeClr val="bg1">
-                    <a:lumMod val="65000"/>
-                  </a:schemeClr>
-                </a:solidFill>
-              </a:rPr>
-              <a:t>Dropbox</a:t>
-            </a:r>
-            <a:r>
-              <a:rPr lang="en-US" dirty="0" smtClean="0">
-                <a:solidFill>
-                  <a:schemeClr val="bg1">
-                    <a:lumMod val="65000"/>
-                  </a:schemeClr>
-                </a:solidFill>
-              </a:rPr>
-              <a:t> </a:t>
-            </a:r>
-          </a:p>
-          <a:p>
-            <a:pPr lvl="1"/>
-            <a:r>
-              <a:rPr lang="en-US" dirty="0" smtClean="0">
-                <a:solidFill>
-                  <a:schemeClr val="bg1">
-                    <a:lumMod val="65000"/>
-                  </a:schemeClr>
-                </a:solidFill>
-              </a:rPr>
-              <a:t>Hard drives</a:t>
-            </a:r>
-            <a:r>
-              <a:rPr lang="en-US" dirty="0" smtClean="0"/>
-              <a:t> </a:t>
-            </a:r>
-          </a:p>
-          <a:p>
-            <a:endParaRPr lang="en-US" dirty="0"/>
-          </a:p>
-          <a:p>
-            <a:pPr lvl="1"/>
-            <a:endParaRPr lang="en-US" dirty="0" smtClean="0"/>
-          </a:p>
-          <a:p>
-            <a:endParaRPr lang="en-US" dirty="0" smtClean="0"/>
-          </a:p>
           <a:p>
             <a:endParaRPr lang="en-US" dirty="0"/>
           </a:p>
@@ -4934,13 +8506,20 @@
     </p:spTree>
     <p:extLst>
       <p:ext uri="{BB962C8B-B14F-4D97-AF65-F5344CB8AC3E}">
-        <p14:creationId xmlns:p14="http://schemas.microsoft.com/office/powerpoint/2010/main" val="849704915"/>
+        <p14:creationId xmlns:p14="http://schemas.microsoft.com/office/powerpoint/2010/main" val="984595479"/>
       </p:ext>
     </p:extLst>
   </p:cSld>
   <p:clrMapOvr>
     <a:masterClrMapping/>
   </p:clrMapOvr>
+  <p:timing>
+    <p:tnLst>
+      <p:par>
+        <p:cTn xmlns:p14="http://schemas.microsoft.com/office/powerpoint/2010/main" id="1" dur="indefinite" restart="never" nodeType="tmRoot"/>
+      </p:par>
+    </p:tnLst>
+  </p:timing>
 </p:sld>
 </file>
 
@@ -4963,307 +8542,191 @@
       </p:grpSpPr>
       <p:sp>
         <p:nvSpPr>
-          <p:cNvPr id="2" name="Title 1"/>
-          <p:cNvSpPr>
-            <a:spLocks noGrp="1"/>
-          </p:cNvSpPr>
-          <p:nvPr>
-            <p:ph type="title"/>
-          </p:nvPr>
-        </p:nvSpPr>
-        <p:spPr>
-          <a:solidFill>
-            <a:schemeClr val="tx1"/>
-          </a:solidFill>
-        </p:spPr>
-        <p:txBody>
-          <a:bodyPr/>
-          <a:lstStyle/>
-          <a:p>
-            <a:r>
-              <a:rPr lang="en-US" dirty="0" smtClean="0">
-                <a:solidFill>
-                  <a:srgbClr val="FFFFFF"/>
-                </a:solidFill>
-              </a:rPr>
-              <a:t>Contents</a:t>
-            </a:r>
-            <a:endParaRPr lang="en-US" dirty="0">
-              <a:solidFill>
-                <a:srgbClr val="FFFFFF"/>
-              </a:solidFill>
-            </a:endParaRPr>
-          </a:p>
-        </p:txBody>
-      </p:sp>
-      <p:sp>
-        <p:nvSpPr>
-          <p:cNvPr id="3" name="Content Placeholder 2"/>
-          <p:cNvSpPr>
-            <a:spLocks noGrp="1"/>
-          </p:cNvSpPr>
-          <p:nvPr>
-            <p:ph idx="1"/>
+          <p:cNvPr id="35843" name="Rectangle 3"/>
+          <p:cNvSpPr>
+            <a:spLocks noGrp="1" noChangeArrowheads="1"/>
+          </p:cNvSpPr>
+          <p:nvPr>
+            <p:ph type="subTitle" idx="1"/>
           </p:nvPr>
         </p:nvSpPr>
         <p:spPr>
           <a:xfrm>
-            <a:off x="457200" y="1600200"/>
-            <a:ext cx="8229600" cy="5257800"/>
+            <a:off x="609600" y="990600"/>
+            <a:ext cx="8153400" cy="4953000"/>
           </a:xfrm>
         </p:spPr>
         <p:txBody>
-          <a:bodyPr>
-            <a:normAutofit fontScale="62500" lnSpcReduction="20000"/>
-          </a:bodyPr>
-          <a:lstStyle/>
-          <a:p>
-            <a:r>
-              <a:rPr lang="en-US" dirty="0" smtClean="0">
-                <a:solidFill>
-                  <a:schemeClr val="bg1">
-                    <a:lumMod val="65000"/>
-                  </a:schemeClr>
-                </a:solidFill>
-              </a:rPr>
-              <a:t>Admin</a:t>
-            </a:r>
-          </a:p>
-          <a:p>
-            <a:pPr lvl="1"/>
-            <a:r>
-              <a:rPr lang="en-US" dirty="0" smtClean="0">
-                <a:solidFill>
-                  <a:schemeClr val="bg1">
-                    <a:lumMod val="65000"/>
-                  </a:schemeClr>
-                </a:solidFill>
-              </a:rPr>
-              <a:t>My background</a:t>
-            </a:r>
-          </a:p>
-          <a:p>
-            <a:pPr lvl="1"/>
-            <a:r>
-              <a:rPr lang="en-US" dirty="0" smtClean="0">
-                <a:solidFill>
-                  <a:schemeClr val="bg1">
-                    <a:lumMod val="65000"/>
-                  </a:schemeClr>
-                </a:solidFill>
-              </a:rPr>
-              <a:t>Goals of this session</a:t>
-            </a:r>
-          </a:p>
-          <a:p>
-            <a:r>
-              <a:rPr lang="en-US" dirty="0" smtClean="0">
-                <a:solidFill>
-                  <a:schemeClr val="bg1">
-                    <a:lumMod val="65000"/>
-                  </a:schemeClr>
-                </a:solidFill>
-              </a:rPr>
-              <a:t>Writing code </a:t>
-            </a:r>
-          </a:p>
-          <a:p>
-            <a:pPr lvl="1"/>
-            <a:r>
-              <a:rPr lang="en-US" dirty="0" smtClean="0">
-                <a:solidFill>
-                  <a:schemeClr val="bg1">
-                    <a:lumMod val="65000"/>
-                  </a:schemeClr>
-                </a:solidFill>
-              </a:rPr>
-              <a:t>Writing your own code</a:t>
-            </a:r>
-          </a:p>
-          <a:p>
-            <a:pPr lvl="1"/>
-            <a:r>
-              <a:rPr lang="en-US" dirty="0" smtClean="0">
-                <a:solidFill>
-                  <a:schemeClr val="bg1">
-                    <a:lumMod val="65000"/>
-                  </a:schemeClr>
-                </a:solidFill>
-              </a:rPr>
-              <a:t>Working on code with collaborators </a:t>
-            </a:r>
-          </a:p>
-          <a:p>
-            <a:pPr lvl="1"/>
-            <a:r>
-              <a:rPr lang="en-US" dirty="0" smtClean="0">
-                <a:solidFill>
-                  <a:schemeClr val="bg1">
-                    <a:lumMod val="65000"/>
-                  </a:schemeClr>
-                </a:solidFill>
-              </a:rPr>
-              <a:t>Joining a project where someone left off </a:t>
-            </a:r>
-          </a:p>
-          <a:p>
-            <a:r>
-              <a:rPr lang="en-US" dirty="0" smtClean="0">
-                <a:solidFill>
-                  <a:schemeClr val="bg1">
-                    <a:lumMod val="65000"/>
-                  </a:schemeClr>
-                </a:solidFill>
-              </a:rPr>
-              <a:t>Find out how to do something</a:t>
-            </a:r>
-          </a:p>
-          <a:p>
-            <a:pPr lvl="1"/>
-            <a:r>
-              <a:rPr lang="en-US" dirty="0" smtClean="0">
-                <a:solidFill>
-                  <a:schemeClr val="bg1">
-                    <a:lumMod val="65000"/>
-                  </a:schemeClr>
-                </a:solidFill>
-              </a:rPr>
-              <a:t>Looking for information you need</a:t>
-            </a:r>
-          </a:p>
-          <a:p>
-            <a:pPr lvl="1"/>
-            <a:r>
-              <a:rPr lang="en-US" dirty="0" smtClean="0">
-                <a:solidFill>
-                  <a:schemeClr val="bg1">
-                    <a:lumMod val="65000"/>
-                  </a:schemeClr>
-                </a:solidFill>
-              </a:rPr>
-              <a:t>Using the fruits of other peoples’ labor</a:t>
-            </a:r>
-          </a:p>
-          <a:p>
-            <a:r>
-              <a:rPr lang="en-US" dirty="0" smtClean="0"/>
-              <a:t>Developing your own tool</a:t>
-            </a:r>
-          </a:p>
-          <a:p>
-            <a:pPr lvl="1"/>
-            <a:r>
-              <a:rPr lang="en-US" dirty="0" smtClean="0"/>
-              <a:t>When to do it</a:t>
-            </a:r>
-          </a:p>
-          <a:p>
-            <a:pPr lvl="1"/>
-            <a:r>
-              <a:rPr lang="en-US" dirty="0" smtClean="0"/>
-              <a:t>What to keep in mind </a:t>
-            </a:r>
-          </a:p>
-          <a:p>
-            <a:r>
-              <a:rPr lang="en-US" dirty="0" smtClean="0">
-                <a:solidFill>
-                  <a:schemeClr val="bg1">
-                    <a:lumMod val="65000"/>
-                  </a:schemeClr>
-                </a:solidFill>
-              </a:rPr>
-              <a:t>Version control </a:t>
-            </a:r>
-          </a:p>
-          <a:p>
-            <a:pPr lvl="1"/>
-            <a:r>
-              <a:rPr lang="en-US" dirty="0" err="1" smtClean="0">
-                <a:solidFill>
-                  <a:schemeClr val="bg1">
-                    <a:lumMod val="65000"/>
-                  </a:schemeClr>
-                </a:solidFill>
-              </a:rPr>
-              <a:t>Github</a:t>
-            </a:r>
-            <a:r>
-              <a:rPr lang="en-US" dirty="0" smtClean="0">
-                <a:solidFill>
-                  <a:schemeClr val="bg1">
-                    <a:lumMod val="65000"/>
-                  </a:schemeClr>
-                </a:solidFill>
-              </a:rPr>
-              <a:t> </a:t>
-            </a:r>
-          </a:p>
-          <a:p>
-            <a:pPr lvl="1"/>
-            <a:r>
-              <a:rPr lang="en-US" dirty="0" err="1" smtClean="0">
-                <a:solidFill>
-                  <a:schemeClr val="bg1">
-                    <a:lumMod val="65000"/>
-                  </a:schemeClr>
-                </a:solidFill>
-              </a:rPr>
-              <a:t>Dropbox</a:t>
-            </a:r>
-            <a:r>
-              <a:rPr lang="en-US" dirty="0" smtClean="0">
-                <a:solidFill>
-                  <a:schemeClr val="bg1">
-                    <a:lumMod val="65000"/>
-                  </a:schemeClr>
-                </a:solidFill>
-              </a:rPr>
-              <a:t> </a:t>
-            </a:r>
-          </a:p>
-          <a:p>
-            <a:pPr lvl="1"/>
-            <a:r>
-              <a:rPr lang="en-US" dirty="0" smtClean="0">
-                <a:solidFill>
-                  <a:schemeClr val="bg1">
-                    <a:lumMod val="65000"/>
-                  </a:schemeClr>
-                </a:solidFill>
-              </a:rPr>
-              <a:t>Hard drives</a:t>
-            </a:r>
-            <a:r>
-              <a:rPr lang="en-US" dirty="0" smtClean="0"/>
-              <a:t> </a:t>
-            </a:r>
-          </a:p>
-          <a:p>
-            <a:endParaRPr lang="en-US" dirty="0"/>
-          </a:p>
-          <a:p>
-            <a:pPr lvl="1"/>
-            <a:endParaRPr lang="en-US" dirty="0" smtClean="0"/>
-          </a:p>
-          <a:p>
-            <a:endParaRPr lang="en-US" dirty="0" smtClean="0"/>
-          </a:p>
-          <a:p>
-            <a:endParaRPr lang="en-US" dirty="0"/>
+          <a:bodyPr/>
+          <a:lstStyle/>
+          <a:p>
+            <a:pPr algn="l"/>
+            <a:r>
+              <a:rPr lang="en-US">
+                <a:solidFill>
+                  <a:srgbClr val="FFFF00"/>
+                </a:solidFill>
+                <a:latin typeface="Trebuchet MS" charset="0"/>
+              </a:rPr>
+              <a:t>// increment along the surface (x axis) </a:t>
+            </a:r>
+          </a:p>
+          <a:p>
+            <a:pPr algn="l"/>
+            <a:r>
+              <a:rPr lang="en-US">
+                <a:solidFill>
+                  <a:srgbClr val="FFFF00"/>
+                </a:solidFill>
+                <a:latin typeface="Trebuchet MS" charset="0"/>
+              </a:rPr>
+              <a:t>// summing each point</a:t>
+            </a:r>
+            <a:r>
+              <a:rPr lang="ja-JP" altLang="en-US">
+                <a:solidFill>
+                  <a:srgbClr val="FFFF00"/>
+                </a:solidFill>
+                <a:latin typeface="Arial"/>
+              </a:rPr>
+              <a:t>’</a:t>
+            </a:r>
+            <a:r>
+              <a:rPr lang="en-US">
+                <a:solidFill>
+                  <a:srgbClr val="FFFF00"/>
+                </a:solidFill>
+                <a:latin typeface="Trebuchet MS" charset="0"/>
+              </a:rPr>
+              <a:t>s contribution</a:t>
+            </a:r>
+          </a:p>
+          <a:p>
+            <a:pPr algn="l"/>
+            <a:r>
+              <a:rPr lang="en-US">
+                <a:latin typeface="Trebuchet MS" charset="0"/>
+              </a:rPr>
+              <a:t>for (i = 1; i &lt;= 100; i++)</a:t>
+            </a:r>
+          </a:p>
+          <a:p>
+            <a:pPr algn="l"/>
+            <a:r>
+              <a:rPr lang="en-US">
+                <a:latin typeface="Trebuchet MS" charset="0"/>
+              </a:rPr>
+              <a:t>	{</a:t>
+            </a:r>
+          </a:p>
+          <a:p>
+            <a:pPr algn="l"/>
+            <a:r>
+              <a:rPr lang="en-US">
+                <a:latin typeface="Trebuchet MS" charset="0"/>
+              </a:rPr>
+              <a:t>	…</a:t>
+            </a:r>
+          </a:p>
+          <a:p>
+            <a:pPr algn="l"/>
+            <a:r>
+              <a:rPr lang="en-US">
+                <a:latin typeface="Trebuchet MS" charset="0"/>
+              </a:rPr>
+              <a:t>	…</a:t>
+            </a:r>
+          </a:p>
+          <a:p>
+            <a:pPr algn="l"/>
+            <a:r>
+              <a:rPr lang="en-US">
+                <a:latin typeface="Trebuchet MS" charset="0"/>
+              </a:rPr>
+              <a:t>	…</a:t>
+            </a:r>
+          </a:p>
+          <a:p>
+            <a:pPr algn="l"/>
+            <a:r>
+              <a:rPr lang="en-US">
+                <a:latin typeface="Trebuchet MS" charset="0"/>
+              </a:rPr>
+              <a:t>	}</a:t>
+            </a:r>
+          </a:p>
+        </p:txBody>
+      </p:sp>
+      <p:sp>
+        <p:nvSpPr>
+          <p:cNvPr id="35844" name="Line 4"/>
+          <p:cNvSpPr>
+            <a:spLocks noChangeShapeType="1"/>
+          </p:cNvSpPr>
+          <p:nvPr/>
+        </p:nvSpPr>
+        <p:spPr bwMode="auto">
+          <a:xfrm>
+            <a:off x="457200" y="533400"/>
+            <a:ext cx="8305800" cy="0"/>
+          </a:xfrm>
+          <a:prstGeom prst="line">
+            <a:avLst/>
+          </a:prstGeom>
+          <a:noFill/>
+          <a:ln w="28575">
+            <a:solidFill>
+              <a:srgbClr val="FFFF00"/>
+            </a:solidFill>
+            <a:round/>
+            <a:headEnd type="diamond" w="med" len="sm"/>
+            <a:tailEnd type="diamond" w="med" len="sm"/>
+          </a:ln>
+          <a:effectLst/>
+          <a:extLst>
+            <a:ext uri="{909E8E84-426E-40dd-AFC4-6F175D3DCCD1}">
+              <a14:hiddenFill xmlns:a14="http://schemas.microsoft.com/office/drawing/2010/main">
+                <a:noFill/>
+              </a14:hiddenFill>
+            </a:ext>
+            <a:ext uri="{AF507438-7753-43e0-B8FC-AC1667EBCBE1}">
+              <a14:hiddenEffects xmlns:a14="http://schemas.microsoft.com/office/drawing/2010/main">
+                <a:effectLst>
+                  <a:outerShdw blurRad="63500" dist="38099" dir="2700000" algn="ctr" rotWithShape="0">
+                    <a:schemeClr val="bg2">
+                      <a:alpha val="74998"/>
+                    </a:schemeClr>
+                  </a:outerShdw>
+                </a:effectLst>
+              </a14:hiddenEffects>
+            </a:ext>
+          </a:extLst>
+        </p:spPr>
+        <p:txBody>
+          <a:bodyPr/>
+          <a:lstStyle/>
+          <a:p>
+            <a:endParaRPr lang="en-US"/>
           </a:p>
         </p:txBody>
       </p:sp>
     </p:spTree>
     <p:extLst>
       <p:ext uri="{BB962C8B-B14F-4D97-AF65-F5344CB8AC3E}">
-        <p14:creationId xmlns:p14="http://schemas.microsoft.com/office/powerpoint/2010/main" val="849704915"/>
+        <p14:creationId xmlns:p14="http://schemas.microsoft.com/office/powerpoint/2010/main" val="3736762492"/>
       </p:ext>
     </p:extLst>
   </p:cSld>
   <p:clrMapOvr>
     <a:masterClrMapping/>
   </p:clrMapOvr>
+  <p:timing>
+    <p:tnLst>
+      <p:par>
+        <p:cTn xmlns:p14="http://schemas.microsoft.com/office/powerpoint/2010/main" id="1" dur="indefinite" restart="never" nodeType="tmRoot"/>
+      </p:par>
+    </p:tnLst>
+  </p:timing>
 </p:sld>
 </file>
 
@@ -5286,285 +8749,193 @@
       </p:grpSpPr>
       <p:sp>
         <p:nvSpPr>
-          <p:cNvPr id="2" name="Title 1"/>
-          <p:cNvSpPr>
-            <a:spLocks noGrp="1"/>
-          </p:cNvSpPr>
-          <p:nvPr>
-            <p:ph type="title"/>
-          </p:nvPr>
-        </p:nvSpPr>
-        <p:spPr>
-          <a:solidFill>
-            <a:schemeClr val="tx1"/>
-          </a:solidFill>
-        </p:spPr>
-        <p:txBody>
-          <a:bodyPr/>
-          <a:lstStyle/>
-          <a:p>
-            <a:r>
-              <a:rPr lang="en-US" dirty="0" smtClean="0">
-                <a:solidFill>
-                  <a:schemeClr val="bg1"/>
-                </a:solidFill>
-              </a:rPr>
-              <a:t>Contents</a:t>
-            </a:r>
-            <a:endParaRPr lang="en-US" dirty="0">
-              <a:solidFill>
-                <a:schemeClr val="bg1"/>
-              </a:solidFill>
-            </a:endParaRPr>
-          </a:p>
-        </p:txBody>
-      </p:sp>
-      <p:sp>
-        <p:nvSpPr>
-          <p:cNvPr id="3" name="Content Placeholder 2"/>
-          <p:cNvSpPr>
-            <a:spLocks noGrp="1"/>
-          </p:cNvSpPr>
-          <p:nvPr>
-            <p:ph idx="1"/>
+          <p:cNvPr id="46082" name="Rectangle 2"/>
+          <p:cNvSpPr>
+            <a:spLocks noGrp="1" noChangeArrowheads="1"/>
+          </p:cNvSpPr>
+          <p:nvPr>
+            <p:ph type="ctrTitle"/>
           </p:nvPr>
         </p:nvSpPr>
         <p:spPr>
           <a:xfrm>
-            <a:off x="457200" y="1600200"/>
-            <a:ext cx="8229600" cy="5257800"/>
+            <a:off x="609600" y="685800"/>
+            <a:ext cx="7848600" cy="1143000"/>
           </a:xfrm>
         </p:spPr>
         <p:txBody>
-          <a:bodyPr>
-            <a:normAutofit fontScale="62500" lnSpcReduction="20000"/>
-          </a:bodyPr>
-          <a:lstStyle/>
-          <a:p>
-            <a:r>
-              <a:rPr lang="en-US" dirty="0" smtClean="0">
-                <a:solidFill>
-                  <a:schemeClr val="bg1">
-                    <a:lumMod val="65000"/>
-                  </a:schemeClr>
-                </a:solidFill>
-              </a:rPr>
-              <a:t>Admin</a:t>
-            </a:r>
-          </a:p>
-          <a:p>
-            <a:pPr lvl="1"/>
-            <a:r>
-              <a:rPr lang="en-US" dirty="0" smtClean="0">
-                <a:solidFill>
-                  <a:schemeClr val="bg1">
-                    <a:lumMod val="65000"/>
-                  </a:schemeClr>
-                </a:solidFill>
-              </a:rPr>
-              <a:t>My background</a:t>
-            </a:r>
-          </a:p>
-          <a:p>
-            <a:pPr lvl="1"/>
-            <a:r>
-              <a:rPr lang="en-US" dirty="0" smtClean="0">
-                <a:solidFill>
-                  <a:schemeClr val="bg1">
-                    <a:lumMod val="65000"/>
-                  </a:schemeClr>
-                </a:solidFill>
-              </a:rPr>
-              <a:t>Goals of this session</a:t>
-            </a:r>
-          </a:p>
-          <a:p>
-            <a:r>
-              <a:rPr lang="en-US" dirty="0" smtClean="0">
-                <a:solidFill>
-                  <a:schemeClr val="bg1">
-                    <a:lumMod val="65000"/>
-                  </a:schemeClr>
-                </a:solidFill>
-              </a:rPr>
-              <a:t>Writing code </a:t>
-            </a:r>
-          </a:p>
-          <a:p>
-            <a:pPr lvl="1"/>
-            <a:r>
-              <a:rPr lang="en-US" dirty="0" smtClean="0">
-                <a:solidFill>
-                  <a:schemeClr val="bg1">
-                    <a:lumMod val="65000"/>
-                  </a:schemeClr>
-                </a:solidFill>
-              </a:rPr>
-              <a:t>Writing your own code</a:t>
-            </a:r>
-          </a:p>
-          <a:p>
-            <a:pPr lvl="1"/>
-            <a:r>
-              <a:rPr lang="en-US" dirty="0" smtClean="0">
-                <a:solidFill>
-                  <a:schemeClr val="bg1">
-                    <a:lumMod val="65000"/>
-                  </a:schemeClr>
-                </a:solidFill>
-              </a:rPr>
-              <a:t>Working on code with collaborators </a:t>
-            </a:r>
-          </a:p>
-          <a:p>
-            <a:pPr lvl="1"/>
-            <a:r>
-              <a:rPr lang="en-US" dirty="0" smtClean="0">
-                <a:solidFill>
-                  <a:schemeClr val="bg1">
-                    <a:lumMod val="65000"/>
-                  </a:schemeClr>
-                </a:solidFill>
-              </a:rPr>
-              <a:t>Joining a project where someone left off </a:t>
-            </a:r>
-          </a:p>
-          <a:p>
-            <a:r>
-              <a:rPr lang="en-US" dirty="0" smtClean="0">
-                <a:solidFill>
-                  <a:schemeClr val="bg1">
-                    <a:lumMod val="65000"/>
-                  </a:schemeClr>
-                </a:solidFill>
-              </a:rPr>
-              <a:t>Find out how to do something</a:t>
-            </a:r>
-          </a:p>
-          <a:p>
-            <a:pPr lvl="1"/>
-            <a:r>
-              <a:rPr lang="en-US" dirty="0" smtClean="0">
-                <a:solidFill>
-                  <a:schemeClr val="bg1">
-                    <a:lumMod val="65000"/>
-                  </a:schemeClr>
-                </a:solidFill>
-              </a:rPr>
-              <a:t>Looking for information you need</a:t>
-            </a:r>
-          </a:p>
-          <a:p>
-            <a:pPr lvl="1"/>
-            <a:r>
-              <a:rPr lang="en-US" dirty="0" smtClean="0">
-                <a:solidFill>
-                  <a:schemeClr val="bg1">
-                    <a:lumMod val="65000"/>
-                  </a:schemeClr>
-                </a:solidFill>
-              </a:rPr>
-              <a:t>Using the fruits of other peoples’ labor</a:t>
-            </a:r>
-          </a:p>
-          <a:p>
-            <a:r>
-              <a:rPr lang="en-US" dirty="0" smtClean="0">
-                <a:solidFill>
-                  <a:schemeClr val="bg1">
-                    <a:lumMod val="65000"/>
-                  </a:schemeClr>
-                </a:solidFill>
-              </a:rPr>
-              <a:t>Developing your own tool</a:t>
-            </a:r>
-          </a:p>
-          <a:p>
-            <a:pPr lvl="1"/>
-            <a:r>
-              <a:rPr lang="en-US" dirty="0" smtClean="0">
-                <a:solidFill>
-                  <a:schemeClr val="bg1">
-                    <a:lumMod val="65000"/>
-                  </a:schemeClr>
-                </a:solidFill>
-              </a:rPr>
-              <a:t>When to do it</a:t>
-            </a:r>
-          </a:p>
-          <a:p>
-            <a:pPr lvl="1"/>
-            <a:r>
-              <a:rPr lang="en-US" dirty="0" smtClean="0">
-                <a:solidFill>
-                  <a:schemeClr val="bg1">
-                    <a:lumMod val="65000"/>
-                  </a:schemeClr>
-                </a:solidFill>
-              </a:rPr>
-              <a:t>What to keep in mind </a:t>
-            </a:r>
-          </a:p>
-          <a:p>
-            <a:r>
-              <a:rPr lang="en-US" dirty="0" smtClean="0"/>
-              <a:t>Version control </a:t>
-            </a:r>
-          </a:p>
-          <a:p>
-            <a:pPr lvl="1"/>
-            <a:r>
-              <a:rPr lang="en-US" dirty="0" err="1" smtClean="0"/>
-              <a:t>Github</a:t>
-            </a:r>
-            <a:r>
-              <a:rPr lang="en-US" dirty="0" smtClean="0"/>
-              <a:t> </a:t>
-            </a:r>
-          </a:p>
-          <a:p>
-            <a:pPr lvl="1"/>
-            <a:r>
-              <a:rPr lang="en-US" dirty="0" err="1" smtClean="0"/>
-              <a:t>Dropbox</a:t>
-            </a:r>
-            <a:r>
-              <a:rPr lang="en-US" dirty="0" smtClean="0"/>
-              <a:t> </a:t>
-            </a:r>
-          </a:p>
-          <a:p>
-            <a:pPr lvl="1"/>
-            <a:r>
-              <a:rPr lang="en-US" dirty="0" smtClean="0"/>
-              <a:t>Hard drives </a:t>
-            </a:r>
-          </a:p>
-          <a:p>
-            <a:endParaRPr lang="en-US" dirty="0"/>
-          </a:p>
-          <a:p>
-            <a:pPr lvl="1"/>
-            <a:endParaRPr lang="en-US" dirty="0" smtClean="0"/>
-          </a:p>
-          <a:p>
-            <a:endParaRPr lang="en-US" dirty="0" smtClean="0"/>
-          </a:p>
-          <a:p>
-            <a:endParaRPr lang="en-US" dirty="0"/>
+          <a:bodyPr/>
+          <a:lstStyle/>
+          <a:p>
+            <a:r>
+              <a:rPr lang="en-US" sz="4800">
+                <a:latin typeface="Trebuchet MS" charset="0"/>
+              </a:rPr>
+              <a:t>Write a header block</a:t>
+            </a:r>
+          </a:p>
+        </p:txBody>
+      </p:sp>
+      <p:sp>
+        <p:nvSpPr>
+          <p:cNvPr id="46083" name="Line 3"/>
+          <p:cNvSpPr>
+            <a:spLocks noChangeShapeType="1"/>
+          </p:cNvSpPr>
+          <p:nvPr/>
+        </p:nvSpPr>
+        <p:spPr bwMode="auto">
+          <a:xfrm>
+            <a:off x="457200" y="533400"/>
+            <a:ext cx="8305800" cy="0"/>
+          </a:xfrm>
+          <a:prstGeom prst="line">
+            <a:avLst/>
+          </a:prstGeom>
+          <a:noFill/>
+          <a:ln w="28575">
+            <a:solidFill>
+              <a:srgbClr val="FFFF00"/>
+            </a:solidFill>
+            <a:round/>
+            <a:headEnd type="diamond" w="med" len="sm"/>
+            <a:tailEnd type="diamond" w="med" len="sm"/>
+          </a:ln>
+          <a:effectLst/>
+          <a:extLst>
+            <a:ext uri="{909E8E84-426E-40dd-AFC4-6F175D3DCCD1}">
+              <a14:hiddenFill xmlns:a14="http://schemas.microsoft.com/office/drawing/2010/main">
+                <a:noFill/>
+              </a14:hiddenFill>
+            </a:ext>
+            <a:ext uri="{AF507438-7753-43e0-B8FC-AC1667EBCBE1}">
+              <a14:hiddenEffects xmlns:a14="http://schemas.microsoft.com/office/drawing/2010/main">
+                <a:effectLst>
+                  <a:outerShdw blurRad="63500" dist="38099" dir="2700000" algn="ctr" rotWithShape="0">
+                    <a:schemeClr val="bg2">
+                      <a:alpha val="74998"/>
+                    </a:schemeClr>
+                  </a:outerShdw>
+                </a:effectLst>
+              </a14:hiddenEffects>
+            </a:ext>
+          </a:extLst>
+        </p:spPr>
+        <p:txBody>
+          <a:bodyPr/>
+          <a:lstStyle/>
+          <a:p>
+            <a:endParaRPr lang="en-US"/>
+          </a:p>
+        </p:txBody>
+      </p:sp>
+      <p:sp>
+        <p:nvSpPr>
+          <p:cNvPr id="46084" name="Rectangle 4"/>
+          <p:cNvSpPr>
+            <a:spLocks noGrp="1" noChangeArrowheads="1"/>
+          </p:cNvSpPr>
+          <p:nvPr>
+            <p:ph type="subTitle" idx="1"/>
+          </p:nvPr>
+        </p:nvSpPr>
+        <p:spPr>
+          <a:xfrm>
+            <a:off x="457200" y="1981200"/>
+            <a:ext cx="8153400" cy="3962400"/>
+          </a:xfrm>
+        </p:spPr>
+        <p:txBody>
+          <a:bodyPr/>
+          <a:lstStyle/>
+          <a:p>
+            <a:pPr algn="l"/>
+            <a:endParaRPr lang="en-US" sz="2400">
+              <a:latin typeface="Trebuchet MS" charset="0"/>
+            </a:endParaRPr>
+          </a:p>
+          <a:p>
+            <a:pPr algn="l"/>
+            <a:r>
+              <a:rPr lang="en-US" sz="2400">
+                <a:latin typeface="Trebuchet MS" charset="0"/>
+              </a:rPr>
+              <a:t>/******************************************************************/</a:t>
+            </a:r>
+          </a:p>
+          <a:p>
+            <a:pPr algn="l"/>
+            <a:r>
+              <a:rPr lang="en-US" sz="2400">
+                <a:latin typeface="Trebuchet MS" charset="0"/>
+              </a:rPr>
+              <a:t>/* 2-dimensional channel flow program                       */</a:t>
+            </a:r>
+          </a:p>
+          <a:p>
+            <a:pPr algn="l"/>
+            <a:r>
+              <a:rPr lang="en-US" sz="2400">
+                <a:latin typeface="Trebuchet MS" charset="0"/>
+              </a:rPr>
+              <a:t>/*   for channels with free upper surface                     */</a:t>
+            </a:r>
+          </a:p>
+          <a:p>
+            <a:pPr algn="l"/>
+            <a:r>
+              <a:rPr lang="en-US" sz="2400">
+                <a:latin typeface="Trebuchet MS" charset="0"/>
+              </a:rPr>
+              <a:t>/*                                                                              */</a:t>
+            </a:r>
+          </a:p>
+          <a:p>
+            <a:pPr algn="l"/>
+            <a:r>
+              <a:rPr lang="en-US" sz="2400">
+                <a:latin typeface="Trebuchet MS" charset="0"/>
+              </a:rPr>
+              <a:t>/* Original by JD West, 01/08/2006                            */</a:t>
+            </a:r>
+          </a:p>
+          <a:p>
+            <a:pPr algn="l"/>
+            <a:r>
+              <a:rPr lang="en-US" sz="2400">
+                <a:latin typeface="Trebuchet MS" charset="0"/>
+              </a:rPr>
+              <a:t>/* Modified 02/11/2007 to increase resolution            */</a:t>
+            </a:r>
+          </a:p>
+          <a:p>
+            <a:pPr algn="l"/>
+            <a:r>
+              <a:rPr lang="en-US" sz="2400">
+                <a:latin typeface="Trebuchet MS" charset="0"/>
+              </a:rPr>
+              <a:t>/******************************************************************/</a:t>
+            </a:r>
           </a:p>
         </p:txBody>
       </p:sp>
     </p:spTree>
     <p:extLst>
       <p:ext uri="{BB962C8B-B14F-4D97-AF65-F5344CB8AC3E}">
-        <p14:creationId xmlns:p14="http://schemas.microsoft.com/office/powerpoint/2010/main" val="1674219173"/>
+        <p14:creationId xmlns:p14="http://schemas.microsoft.com/office/powerpoint/2010/main" val="2842108130"/>
       </p:ext>
     </p:extLst>
   </p:cSld>
   <p:clrMapOvr>
     <a:masterClrMapping/>
   </p:clrMapOvr>
+  <p:timing>
+    <p:tnLst>
+      <p:par>
+        <p:cTn xmlns:p14="http://schemas.microsoft.com/office/powerpoint/2010/main" id="1" dur="indefinite" restart="never" nodeType="tmRoot"/>
+      </p:par>
+    </p:tnLst>
+  </p:timing>
 </p:sld>
 </file>
 

--- a/BasicsOfCoding/BasicsOfCoding.pptx
+++ b/BasicsOfCoding/BasicsOfCoding.pptx
@@ -5,7 +5,7 @@
     <p:sldMasterId id="2147483648" r:id="rId1"/>
   </p:sldMasterIdLst>
   <p:notesMasterIdLst>
-    <p:notesMasterId r:id="rId31"/>
+    <p:notesMasterId r:id="rId34"/>
   </p:notesMasterIdLst>
   <p:sldIdLst>
     <p:sldId id="256" r:id="rId2"/>
@@ -22,21 +22,24 @@
     <p:sldId id="282" r:id="rId13"/>
     <p:sldId id="283" r:id="rId14"/>
     <p:sldId id="284" r:id="rId15"/>
-    <p:sldId id="285" r:id="rId16"/>
-    <p:sldId id="263" r:id="rId17"/>
-    <p:sldId id="277" r:id="rId18"/>
-    <p:sldId id="278" r:id="rId19"/>
-    <p:sldId id="264" r:id="rId20"/>
-    <p:sldId id="275" r:id="rId21"/>
-    <p:sldId id="276" r:id="rId22"/>
-    <p:sldId id="265" r:id="rId23"/>
-    <p:sldId id="267" r:id="rId24"/>
-    <p:sldId id="269" r:id="rId25"/>
-    <p:sldId id="274" r:id="rId26"/>
-    <p:sldId id="270" r:id="rId27"/>
-    <p:sldId id="272" r:id="rId28"/>
-    <p:sldId id="273" r:id="rId29"/>
-    <p:sldId id="268" r:id="rId30"/>
+    <p:sldId id="288" r:id="rId16"/>
+    <p:sldId id="289" r:id="rId17"/>
+    <p:sldId id="263" r:id="rId18"/>
+    <p:sldId id="277" r:id="rId19"/>
+    <p:sldId id="278" r:id="rId20"/>
+    <p:sldId id="264" r:id="rId21"/>
+    <p:sldId id="275" r:id="rId22"/>
+    <p:sldId id="276" r:id="rId23"/>
+    <p:sldId id="290" r:id="rId24"/>
+    <p:sldId id="291" r:id="rId25"/>
+    <p:sldId id="265" r:id="rId26"/>
+    <p:sldId id="267" r:id="rId27"/>
+    <p:sldId id="269" r:id="rId28"/>
+    <p:sldId id="274" r:id="rId29"/>
+    <p:sldId id="270" r:id="rId30"/>
+    <p:sldId id="272" r:id="rId31"/>
+    <p:sldId id="273" r:id="rId32"/>
+    <p:sldId id="268" r:id="rId33"/>
   </p:sldIdLst>
   <p:sldSz cx="9144000" cy="6858000" type="screen4x3"/>
   <p:notesSz cx="6858000" cy="9144000"/>
@@ -3707,8 +3710,12 @@
               </a:lnSpc>
             </a:pPr>
             <a:r>
-              <a:rPr lang="en-US">
-                <a:latin typeface="Trebuchet MS" charset="0"/>
+              <a:rPr lang="en-US" dirty="0">
+                <a:solidFill>
+                  <a:schemeClr val="tx1"/>
+                </a:solidFill>
+                <a:latin typeface="American Typewriter"/>
+                <a:cs typeface="American Typewriter"/>
               </a:rPr>
               <a:t>// increment along the surface (x axis) </a:t>
             </a:r>
@@ -3720,20 +3727,32 @@
               </a:lnSpc>
             </a:pPr>
             <a:r>
-              <a:rPr lang="en-US">
-                <a:latin typeface="Trebuchet MS" charset="0"/>
+              <a:rPr lang="en-US" dirty="0">
+                <a:solidFill>
+                  <a:schemeClr val="tx1"/>
+                </a:solidFill>
+                <a:latin typeface="American Typewriter"/>
+                <a:cs typeface="American Typewriter"/>
               </a:rPr>
               <a:t>// summing each point</a:t>
             </a:r>
             <a:r>
-              <a:rPr lang="ja-JP" altLang="en-US">
-                <a:latin typeface="Arial"/>
+              <a:rPr lang="ja-JP" altLang="en-US" dirty="0">
+                <a:solidFill>
+                  <a:schemeClr val="tx1"/>
+                </a:solidFill>
+                <a:latin typeface="American Typewriter"/>
+                <a:cs typeface="American Typewriter"/>
               </a:rPr>
               <a:t>’</a:t>
             </a:r>
             <a:r>
-              <a:rPr lang="en-US">
-                <a:latin typeface="Trebuchet MS" charset="0"/>
+              <a:rPr lang="en-US" dirty="0">
+                <a:solidFill>
+                  <a:schemeClr val="tx1"/>
+                </a:solidFill>
+                <a:latin typeface="American Typewriter"/>
+                <a:cs typeface="American Typewriter"/>
               </a:rPr>
               <a:t>s contribution</a:t>
             </a:r>
@@ -3745,53 +3764,72 @@
               </a:lnSpc>
             </a:pPr>
             <a:r>
-              <a:rPr lang="en-US">
-                <a:latin typeface="Trebuchet MS" charset="0"/>
+              <a:rPr lang="en-US" dirty="0">
+                <a:solidFill>
+                  <a:schemeClr val="tx1"/>
+                </a:solidFill>
+                <a:latin typeface="American Typewriter"/>
+                <a:cs typeface="American Typewriter"/>
               </a:rPr>
               <a:t>for (</a:t>
             </a:r>
             <a:r>
-              <a:rPr lang="en-US">
-                <a:solidFill>
-                  <a:srgbClr val="FFFF00"/>
-                </a:solidFill>
-                <a:latin typeface="Trebuchet MS" charset="0"/>
+              <a:rPr lang="en-US" dirty="0" err="1">
+                <a:solidFill>
+                  <a:schemeClr val="tx1"/>
+                </a:solidFill>
+                <a:latin typeface="American Typewriter"/>
+                <a:cs typeface="American Typewriter"/>
               </a:rPr>
               <a:t>iLength</a:t>
             </a:r>
             <a:r>
-              <a:rPr lang="en-US">
-                <a:latin typeface="Trebuchet MS" charset="0"/>
+              <a:rPr lang="en-US" dirty="0">
+                <a:solidFill>
+                  <a:schemeClr val="tx1"/>
+                </a:solidFill>
+                <a:latin typeface="American Typewriter"/>
+                <a:cs typeface="American Typewriter"/>
               </a:rPr>
               <a:t> = 1; </a:t>
             </a:r>
             <a:r>
-              <a:rPr lang="en-US">
-                <a:solidFill>
-                  <a:srgbClr val="FFFF00"/>
-                </a:solidFill>
-                <a:latin typeface="Trebuchet MS" charset="0"/>
+              <a:rPr lang="en-US" dirty="0" err="1">
+                <a:solidFill>
+                  <a:schemeClr val="tx1"/>
+                </a:solidFill>
+                <a:latin typeface="American Typewriter"/>
+                <a:cs typeface="American Typewriter"/>
               </a:rPr>
               <a:t>iLength</a:t>
             </a:r>
             <a:r>
-              <a:rPr lang="en-US">
-                <a:latin typeface="Trebuchet MS" charset="0"/>
+              <a:rPr lang="en-US" dirty="0">
+                <a:solidFill>
+                  <a:schemeClr val="tx1"/>
+                </a:solidFill>
+                <a:latin typeface="American Typewriter"/>
+                <a:cs typeface="American Typewriter"/>
               </a:rPr>
               <a:t> &lt;= 100; </a:t>
             </a:r>
             <a:r>
-              <a:rPr lang="en-US">
-                <a:solidFill>
-                  <a:srgbClr val="FFFF00"/>
-                </a:solidFill>
-                <a:latin typeface="Trebuchet MS" charset="0"/>
+              <a:rPr lang="en-US" dirty="0" err="1">
+                <a:solidFill>
+                  <a:schemeClr val="tx1"/>
+                </a:solidFill>
+                <a:latin typeface="American Typewriter"/>
+                <a:cs typeface="American Typewriter"/>
               </a:rPr>
               <a:t>iLength</a:t>
             </a:r>
             <a:r>
-              <a:rPr lang="en-US">
-                <a:latin typeface="Trebuchet MS" charset="0"/>
+              <a:rPr lang="en-US" dirty="0">
+                <a:solidFill>
+                  <a:schemeClr val="tx1"/>
+                </a:solidFill>
+                <a:latin typeface="American Typewriter"/>
+                <a:cs typeface="American Typewriter"/>
               </a:rPr>
               <a:t>++)</a:t>
             </a:r>
@@ -3803,8 +3841,12 @@
               </a:lnSpc>
             </a:pPr>
             <a:r>
-              <a:rPr lang="en-US">
-                <a:latin typeface="Trebuchet MS" charset="0"/>
+              <a:rPr lang="en-US" dirty="0">
+                <a:solidFill>
+                  <a:schemeClr val="tx1"/>
+                </a:solidFill>
+                <a:latin typeface="American Typewriter"/>
+                <a:cs typeface="American Typewriter"/>
               </a:rPr>
               <a:t>	{</a:t>
             </a:r>
@@ -3816,8 +3858,12 @@
               </a:lnSpc>
             </a:pPr>
             <a:r>
-              <a:rPr lang="en-US">
-                <a:latin typeface="Trebuchet MS" charset="0"/>
+              <a:rPr lang="en-US" dirty="0">
+                <a:solidFill>
+                  <a:schemeClr val="tx1"/>
+                </a:solidFill>
+                <a:latin typeface="American Typewriter"/>
+                <a:cs typeface="American Typewriter"/>
               </a:rPr>
               <a:t>	…</a:t>
             </a:r>
@@ -3829,8 +3875,12 @@
               </a:lnSpc>
             </a:pPr>
             <a:r>
-              <a:rPr lang="en-US">
-                <a:latin typeface="Trebuchet MS" charset="0"/>
+              <a:rPr lang="en-US" dirty="0">
+                <a:solidFill>
+                  <a:schemeClr val="tx1"/>
+                </a:solidFill>
+                <a:latin typeface="American Typewriter"/>
+                <a:cs typeface="American Typewriter"/>
               </a:rPr>
               <a:t>	…</a:t>
             </a:r>
@@ -3842,8 +3892,12 @@
               </a:lnSpc>
             </a:pPr>
             <a:r>
-              <a:rPr lang="en-US">
-                <a:latin typeface="Trebuchet MS" charset="0"/>
+              <a:rPr lang="en-US" dirty="0">
+                <a:solidFill>
+                  <a:schemeClr val="tx1"/>
+                </a:solidFill>
+                <a:latin typeface="American Typewriter"/>
+                <a:cs typeface="American Typewriter"/>
               </a:rPr>
               <a:t>	…</a:t>
             </a:r>
@@ -3855,64 +3909,15 @@
               </a:lnSpc>
             </a:pPr>
             <a:r>
-              <a:rPr lang="en-US">
-                <a:latin typeface="Trebuchet MS" charset="0"/>
+              <a:rPr lang="en-US" dirty="0">
+                <a:solidFill>
+                  <a:schemeClr val="tx1"/>
+                </a:solidFill>
+                <a:latin typeface="American Typewriter"/>
+                <a:cs typeface="American Typewriter"/>
               </a:rPr>
               <a:t>	}</a:t>
             </a:r>
-          </a:p>
-        </p:txBody>
-      </p:sp>
-      <p:sp>
-        <p:nvSpPr>
-          <p:cNvPr id="52228" name="Line 4"/>
-          <p:cNvSpPr>
-            <a:spLocks noChangeShapeType="1"/>
-          </p:cNvSpPr>
-          <p:nvPr/>
-        </p:nvSpPr>
-        <p:spPr bwMode="auto">
-          <a:xfrm>
-            <a:off x="457200" y="533400"/>
-            <a:ext cx="8305800" cy="0"/>
-          </a:xfrm>
-          <a:prstGeom prst="line">
-            <a:avLst/>
-          </a:prstGeom>
-          <a:noFill/>
-          <a:ln w="28575">
-            <a:solidFill>
-              <a:srgbClr val="FFFF00"/>
-            </a:solidFill>
-            <a:round/>
-            <a:headEnd type="diamond" w="med" len="sm"/>
-            <a:tailEnd type="diamond" w="med" len="sm"/>
-          </a:ln>
-          <a:effectLst/>
-          <a:extLst>
-            <a:ext uri="{909E8E84-426E-40dd-AFC4-6F175D3DCCD1}">
-              <a14:hiddenFill xmlns:a14="http://schemas.microsoft.com/office/drawing/2010/main">
-                <a:noFill/>
-              </a14:hiddenFill>
-            </a:ext>
-            <a:ext uri="{AF507438-7753-43e0-B8FC-AC1667EBCBE1}">
-              <a14:hiddenEffects xmlns:a14="http://schemas.microsoft.com/office/drawing/2010/main">
-                <a:effectLst>
-                  <a:outerShdw blurRad="63500" dist="38099" dir="2700000" algn="ctr" rotWithShape="0">
-                    <a:schemeClr val="bg2">
-                      <a:alpha val="74998"/>
-                    </a:schemeClr>
-                  </a:outerShdw>
-                </a:effectLst>
-              </a14:hiddenEffects>
-            </a:ext>
-          </a:extLst>
-        </p:spPr>
-        <p:txBody>
-          <a:bodyPr/>
-          <a:lstStyle/>
-          <a:p>
-            <a:endParaRPr lang="en-US"/>
           </a:p>
         </p:txBody>
       </p:sp>
@@ -3971,28 +3976,19 @@
         </p:spPr>
         <p:txBody>
           <a:bodyPr>
-            <a:normAutofit fontScale="90000"/>
+            <a:normAutofit/>
           </a:bodyPr>
           <a:lstStyle/>
           <a:p>
             <a:r>
-              <a:rPr lang="en-US" sz="4800">
+              <a:rPr lang="en-US" sz="4800" dirty="0" smtClean="0">
                 <a:latin typeface="Trebuchet MS" charset="0"/>
               </a:rPr>
-              <a:t>Don</a:t>
-            </a:r>
-            <a:r>
-              <a:rPr lang="ja-JP" altLang="en-US" sz="4800">
-                <a:latin typeface="Arial"/>
-              </a:rPr>
-              <a:t>’</a:t>
-            </a:r>
-            <a:r>
-              <a:rPr lang="en-US" sz="4800">
-                <a:latin typeface="Trebuchet MS" charset="0"/>
-              </a:rPr>
-              <a:t>t Hardcode Values in your Code</a:t>
-            </a:r>
+              <a:t>No magic (numbers)</a:t>
+            </a:r>
+            <a:endParaRPr lang="en-US" sz="4800" dirty="0">
+              <a:latin typeface="Trebuchet MS" charset="0"/>
+            </a:endParaRPr>
           </a:p>
         </p:txBody>
       </p:sp>
@@ -4008,12 +4004,14 @@
         </p:nvSpPr>
         <p:spPr>
           <a:xfrm>
-            <a:off x="304800" y="2286000"/>
-            <a:ext cx="8610600" cy="4419600"/>
+            <a:off x="139858" y="2067022"/>
+            <a:ext cx="8839200" cy="4419600"/>
           </a:xfrm>
         </p:spPr>
         <p:txBody>
-          <a:bodyPr/>
+          <a:bodyPr>
+            <a:normAutofit/>
+          </a:bodyPr>
           <a:lstStyle/>
           <a:p>
             <a:pPr algn="l">
@@ -4022,8 +4020,12 @@
               </a:lnSpc>
             </a:pPr>
             <a:r>
-              <a:rPr lang="en-US">
-                <a:latin typeface="Trebuchet MS" charset="0"/>
+              <a:rPr lang="en-US" dirty="0">
+                <a:solidFill>
+                  <a:schemeClr val="tx1"/>
+                </a:solidFill>
+                <a:latin typeface="American Typewriter"/>
+                <a:cs typeface="American Typewriter"/>
               </a:rPr>
               <a:t>// increment along the surface (x axis) </a:t>
             </a:r>
@@ -4035,20 +4037,32 @@
               </a:lnSpc>
             </a:pPr>
             <a:r>
-              <a:rPr lang="en-US">
-                <a:latin typeface="Trebuchet MS" charset="0"/>
+              <a:rPr lang="en-US" dirty="0">
+                <a:solidFill>
+                  <a:schemeClr val="tx1"/>
+                </a:solidFill>
+                <a:latin typeface="American Typewriter"/>
+                <a:cs typeface="American Typewriter"/>
               </a:rPr>
               <a:t>// summing each point</a:t>
             </a:r>
             <a:r>
-              <a:rPr lang="ja-JP" altLang="en-US">
-                <a:latin typeface="Arial"/>
+              <a:rPr lang="ja-JP" altLang="en-US" dirty="0">
+                <a:solidFill>
+                  <a:schemeClr val="tx1"/>
+                </a:solidFill>
+                <a:latin typeface="American Typewriter"/>
+                <a:cs typeface="American Typewriter"/>
               </a:rPr>
               <a:t>’</a:t>
             </a:r>
             <a:r>
-              <a:rPr lang="en-US">
-                <a:latin typeface="Trebuchet MS" charset="0"/>
+              <a:rPr lang="en-US" dirty="0">
+                <a:solidFill>
+                  <a:schemeClr val="tx1"/>
+                </a:solidFill>
+                <a:latin typeface="American Typewriter"/>
+                <a:cs typeface="American Typewriter"/>
               </a:rPr>
               <a:t>s contribution</a:t>
             </a:r>
@@ -4060,25 +4074,94 @@
               </a:lnSpc>
             </a:pPr>
             <a:r>
-              <a:rPr lang="en-US">
-                <a:latin typeface="Trebuchet MS" charset="0"/>
-              </a:rPr>
-              <a:t>for (iLength = 1; iLength &lt;= </a:t>
-            </a:r>
-            <a:r>
-              <a:rPr lang="en-US">
-                <a:solidFill>
-                  <a:srgbClr val="FFFF00"/>
-                </a:solidFill>
-                <a:latin typeface="Trebuchet MS" charset="0"/>
+              <a:rPr lang="en-US" dirty="0">
+                <a:solidFill>
+                  <a:schemeClr val="tx1"/>
+                </a:solidFill>
+                <a:latin typeface="American Typewriter"/>
+                <a:cs typeface="American Typewriter"/>
+              </a:rPr>
+              <a:t>for (</a:t>
+            </a:r>
+            <a:r>
+              <a:rPr lang="en-US" dirty="0" err="1">
+                <a:solidFill>
+                  <a:schemeClr val="tx1"/>
+                </a:solidFill>
+                <a:latin typeface="American Typewriter"/>
+                <a:cs typeface="American Typewriter"/>
+              </a:rPr>
+              <a:t>iLength</a:t>
+            </a:r>
+            <a:r>
+              <a:rPr lang="en-US" dirty="0">
+                <a:solidFill>
+                  <a:schemeClr val="tx1"/>
+                </a:solidFill>
+                <a:latin typeface="American Typewriter"/>
+                <a:cs typeface="American Typewriter"/>
+              </a:rPr>
+              <a:t> = 1; </a:t>
+            </a:r>
+            <a:r>
+              <a:rPr lang="en-US" dirty="0" err="1">
+                <a:solidFill>
+                  <a:schemeClr val="tx1"/>
+                </a:solidFill>
+                <a:latin typeface="American Typewriter"/>
+                <a:cs typeface="American Typewriter"/>
+              </a:rPr>
+              <a:t>iLength</a:t>
+            </a:r>
+            <a:r>
+              <a:rPr lang="en-US" dirty="0">
+                <a:solidFill>
+                  <a:schemeClr val="tx1"/>
+                </a:solidFill>
+                <a:latin typeface="American Typewriter"/>
+                <a:cs typeface="American Typewriter"/>
+              </a:rPr>
+              <a:t> &lt;= </a:t>
+            </a:r>
+            <a:r>
+              <a:rPr lang="en-US" dirty="0" err="1">
+                <a:solidFill>
+                  <a:schemeClr val="tx1"/>
+                </a:solidFill>
+                <a:latin typeface="American Typewriter"/>
+                <a:cs typeface="American Typewriter"/>
               </a:rPr>
               <a:t>iMax</a:t>
             </a:r>
             <a:r>
-              <a:rPr lang="en-US">
-                <a:latin typeface="Trebuchet MS" charset="0"/>
-              </a:rPr>
-              <a:t>; iLength++)</a:t>
+              <a:rPr lang="en-US" dirty="0">
+                <a:solidFill>
+                  <a:schemeClr val="tx1"/>
+                </a:solidFill>
+                <a:latin typeface="American Typewriter"/>
+                <a:cs typeface="American Typewriter"/>
+              </a:rPr>
+              <a:t>; </a:t>
+            </a:r>
+            <a:r>
+              <a:rPr lang="en-US" dirty="0" err="1">
+                <a:solidFill>
+                  <a:schemeClr val="tx1"/>
+                </a:solidFill>
+                <a:latin typeface="American Typewriter"/>
+                <a:cs typeface="American Typewriter"/>
+              </a:rPr>
+              <a:t>iLength</a:t>
+            </a:r>
+            <a:r>
+              <a:rPr lang="en-US" dirty="0">
+                <a:solidFill>
+                  <a:schemeClr val="tx1"/>
+                </a:solidFill>
+                <a:latin typeface="American Typewriter"/>
+                <a:cs typeface="American Typewriter"/>
+              </a:rPr>
+              <a:t>++)</a:t>
             </a:r>
           </a:p>
           <a:p>
@@ -4088,8 +4171,12 @@
               </a:lnSpc>
             </a:pPr>
             <a:r>
-              <a:rPr lang="en-US">
-                <a:latin typeface="Trebuchet MS" charset="0"/>
+              <a:rPr lang="en-US" dirty="0">
+                <a:solidFill>
+                  <a:schemeClr val="tx1"/>
+                </a:solidFill>
+                <a:latin typeface="American Typewriter"/>
+                <a:cs typeface="American Typewriter"/>
               </a:rPr>
               <a:t>	{</a:t>
             </a:r>
@@ -4101,8 +4188,12 @@
               </a:lnSpc>
             </a:pPr>
             <a:r>
-              <a:rPr lang="en-US">
-                <a:latin typeface="Trebuchet MS" charset="0"/>
+              <a:rPr lang="en-US" dirty="0">
+                <a:solidFill>
+                  <a:schemeClr val="tx1"/>
+                </a:solidFill>
+                <a:latin typeface="American Typewriter"/>
+                <a:cs typeface="American Typewriter"/>
               </a:rPr>
               <a:t>	…</a:t>
             </a:r>
@@ -4114,8 +4205,12 @@
               </a:lnSpc>
             </a:pPr>
             <a:r>
-              <a:rPr lang="en-US">
-                <a:latin typeface="Trebuchet MS" charset="0"/>
+              <a:rPr lang="en-US" dirty="0">
+                <a:solidFill>
+                  <a:schemeClr val="tx1"/>
+                </a:solidFill>
+                <a:latin typeface="American Typewriter"/>
+                <a:cs typeface="American Typewriter"/>
               </a:rPr>
               <a:t>	…</a:t>
             </a:r>
@@ -4127,8 +4222,12 @@
               </a:lnSpc>
             </a:pPr>
             <a:r>
-              <a:rPr lang="en-US">
-                <a:latin typeface="Trebuchet MS" charset="0"/>
+              <a:rPr lang="en-US" dirty="0">
+                <a:solidFill>
+                  <a:schemeClr val="tx1"/>
+                </a:solidFill>
+                <a:latin typeface="American Typewriter"/>
+                <a:cs typeface="American Typewriter"/>
               </a:rPr>
               <a:t>	…</a:t>
             </a:r>
@@ -4140,64 +4239,15 @@
               </a:lnSpc>
             </a:pPr>
             <a:r>
-              <a:rPr lang="en-US">
-                <a:latin typeface="Trebuchet MS" charset="0"/>
+              <a:rPr lang="en-US" dirty="0">
+                <a:solidFill>
+                  <a:schemeClr val="tx1"/>
+                </a:solidFill>
+                <a:latin typeface="American Typewriter"/>
+                <a:cs typeface="American Typewriter"/>
               </a:rPr>
               <a:t>	}</a:t>
             </a:r>
-          </a:p>
-        </p:txBody>
-      </p:sp>
-      <p:sp>
-        <p:nvSpPr>
-          <p:cNvPr id="54276" name="Line 4"/>
-          <p:cNvSpPr>
-            <a:spLocks noChangeShapeType="1"/>
-          </p:cNvSpPr>
-          <p:nvPr/>
-        </p:nvSpPr>
-        <p:spPr bwMode="auto">
-          <a:xfrm>
-            <a:off x="457200" y="533400"/>
-            <a:ext cx="8305800" cy="0"/>
-          </a:xfrm>
-          <a:prstGeom prst="line">
-            <a:avLst/>
-          </a:prstGeom>
-          <a:noFill/>
-          <a:ln w="28575">
-            <a:solidFill>
-              <a:srgbClr val="FFFF00"/>
-            </a:solidFill>
-            <a:round/>
-            <a:headEnd type="diamond" w="med" len="sm"/>
-            <a:tailEnd type="diamond" w="med" len="sm"/>
-          </a:ln>
-          <a:effectLst/>
-          <a:extLst>
-            <a:ext uri="{909E8E84-426E-40dd-AFC4-6F175D3DCCD1}">
-              <a14:hiddenFill xmlns:a14="http://schemas.microsoft.com/office/drawing/2010/main">
-                <a:noFill/>
-              </a14:hiddenFill>
-            </a:ext>
-            <a:ext uri="{AF507438-7753-43e0-B8FC-AC1667EBCBE1}">
-              <a14:hiddenEffects xmlns:a14="http://schemas.microsoft.com/office/drawing/2010/main">
-                <a:effectLst>
-                  <a:outerShdw blurRad="63500" dist="38099" dir="2700000" algn="ctr" rotWithShape="0">
-                    <a:schemeClr val="bg2">
-                      <a:alpha val="74998"/>
-                    </a:schemeClr>
-                  </a:outerShdw>
-                </a:effectLst>
-              </a14:hiddenEffects>
-            </a:ext>
-          </a:extLst>
-        </p:spPr>
-        <p:txBody>
-          <a:bodyPr/>
-          <a:lstStyle/>
-          <a:p>
-            <a:endParaRPr lang="en-US"/>
           </a:p>
         </p:txBody>
       </p:sp>
@@ -4259,7 +4309,7 @@
           <a:lstStyle/>
           <a:p>
             <a:r>
-              <a:rPr lang="en-US" sz="4800">
+              <a:rPr lang="en-US" sz="4800" dirty="0">
                 <a:latin typeface="Trebuchet MS" charset="0"/>
               </a:rPr>
               <a:t>Or, use an external file</a:t>
@@ -4289,8 +4339,12 @@
           <a:p>
             <a:pPr algn="l"/>
             <a:r>
-              <a:rPr lang="en-US" sz="2800">
-                <a:latin typeface="Trebuchet MS" charset="0"/>
+              <a:rPr lang="en-US" sz="2800" dirty="0">
+                <a:solidFill>
+                  <a:schemeClr val="tx1"/>
+                </a:solidFill>
+                <a:latin typeface="American Typewriter"/>
+                <a:cs typeface="American Typewriter"/>
               </a:rPr>
               <a:t>// Declarations</a:t>
             </a:r>
@@ -4298,35 +4352,131 @@
           <a:p>
             <a:pPr algn="l"/>
             <a:r>
-              <a:rPr lang="en-US" sz="2800">
-                <a:latin typeface="Trebuchet MS" charset="0"/>
-              </a:rPr>
-              <a:t>int		iLength;		// x-axis increment</a:t>
+              <a:rPr lang="en-US" sz="2800" dirty="0" err="1">
+                <a:solidFill>
+                  <a:schemeClr val="tx1"/>
+                </a:solidFill>
+                <a:latin typeface="American Typewriter"/>
+                <a:cs typeface="American Typewriter"/>
+              </a:rPr>
+              <a:t>int</a:t>
+            </a:r>
+            <a:r>
+              <a:rPr lang="en-US" sz="2800" dirty="0">
+                <a:solidFill>
+                  <a:schemeClr val="tx1"/>
+                </a:solidFill>
+                <a:latin typeface="American Typewriter"/>
+                <a:cs typeface="American Typewriter"/>
+              </a:rPr>
+              <a:t>		</a:t>
+            </a:r>
+            <a:r>
+              <a:rPr lang="en-US" sz="2800" dirty="0" err="1">
+                <a:solidFill>
+                  <a:schemeClr val="tx1"/>
+                </a:solidFill>
+                <a:latin typeface="American Typewriter"/>
+                <a:cs typeface="American Typewriter"/>
+              </a:rPr>
+              <a:t>iLength</a:t>
+            </a:r>
+            <a:r>
+              <a:rPr lang="en-US" sz="2800" dirty="0">
+                <a:solidFill>
+                  <a:schemeClr val="tx1"/>
+                </a:solidFill>
+                <a:latin typeface="American Typewriter"/>
+                <a:cs typeface="American Typewriter"/>
+              </a:rPr>
+              <a:t>;		// x-axis increment</a:t>
             </a:r>
           </a:p>
           <a:p>
             <a:pPr algn="l"/>
             <a:r>
-              <a:rPr lang="en-US" sz="2800">
-                <a:latin typeface="Trebuchet MS" charset="0"/>
-              </a:rPr>
-              <a:t>int		iMax;			// total increments</a:t>
+              <a:rPr lang="en-US" sz="2800" dirty="0" err="1">
+                <a:solidFill>
+                  <a:schemeClr val="tx1"/>
+                </a:solidFill>
+                <a:latin typeface="American Typewriter"/>
+                <a:cs typeface="American Typewriter"/>
+              </a:rPr>
+              <a:t>int</a:t>
+            </a:r>
+            <a:r>
+              <a:rPr lang="en-US" sz="2800" dirty="0">
+                <a:solidFill>
+                  <a:schemeClr val="tx1"/>
+                </a:solidFill>
+                <a:latin typeface="American Typewriter"/>
+                <a:cs typeface="American Typewriter"/>
+              </a:rPr>
+              <a:t>		</a:t>
+            </a:r>
+            <a:r>
+              <a:rPr lang="en-US" sz="2800" dirty="0" err="1">
+                <a:solidFill>
+                  <a:schemeClr val="tx1"/>
+                </a:solidFill>
+                <a:latin typeface="American Typewriter"/>
+                <a:cs typeface="American Typewriter"/>
+              </a:rPr>
+              <a:t>iMax</a:t>
+            </a:r>
+            <a:r>
+              <a:rPr lang="en-US" sz="2800" dirty="0">
+                <a:solidFill>
+                  <a:schemeClr val="tx1"/>
+                </a:solidFill>
+                <a:latin typeface="American Typewriter"/>
+                <a:cs typeface="American Typewriter"/>
+              </a:rPr>
+              <a:t>;			// total increments</a:t>
             </a:r>
           </a:p>
           <a:p>
             <a:pPr algn="l"/>
             <a:r>
-              <a:rPr lang="en-US" sz="2800">
-                <a:latin typeface="Trebuchet MS" charset="0"/>
-              </a:rPr>
-              <a:t>double	dVelocity[5001]; // array of velocities</a:t>
+              <a:rPr lang="en-US" sz="2800" dirty="0">
+                <a:solidFill>
+                  <a:schemeClr val="tx1"/>
+                </a:solidFill>
+                <a:latin typeface="American Typewriter"/>
+                <a:cs typeface="American Typewriter"/>
+              </a:rPr>
+              <a:t>double	</a:t>
+            </a:r>
+            <a:r>
+              <a:rPr lang="en-US" sz="2800" dirty="0" err="1">
+                <a:solidFill>
+                  <a:schemeClr val="tx1"/>
+                </a:solidFill>
+                <a:latin typeface="American Typewriter"/>
+                <a:cs typeface="American Typewriter"/>
+              </a:rPr>
+              <a:t>dVelocity</a:t>
+            </a:r>
+            <a:r>
+              <a:rPr lang="en-US" sz="2800" dirty="0">
+                <a:solidFill>
+                  <a:schemeClr val="tx1"/>
+                </a:solidFill>
+                <a:latin typeface="American Typewriter"/>
+                <a:cs typeface="American Typewriter"/>
+              </a:rPr>
+              <a:t>[5001]; // array of velocities</a:t>
             </a:r>
           </a:p>
           <a:p>
             <a:pPr algn="l"/>
             <a:r>
-              <a:rPr lang="en-US" sz="2800">
-                <a:latin typeface="Trebuchet MS" charset="0"/>
+              <a:rPr lang="en-US" sz="2800" dirty="0">
+                <a:solidFill>
+                  <a:schemeClr val="tx1"/>
+                </a:solidFill>
+                <a:latin typeface="American Typewriter"/>
+                <a:cs typeface="American Typewriter"/>
               </a:rPr>
               <a:t>…</a:t>
             </a:r>
@@ -4334,11 +4484,12 @@
           <a:p>
             <a:pPr algn="l"/>
             <a:r>
-              <a:rPr lang="en-US" sz="2800">
-                <a:solidFill>
-                  <a:srgbClr val="FFFF00"/>
-                </a:solidFill>
-                <a:latin typeface="Trebuchet MS" charset="0"/>
+              <a:rPr lang="en-US" sz="2800" dirty="0">
+                <a:solidFill>
+                  <a:schemeClr val="tx1"/>
+                </a:solidFill>
+                <a:latin typeface="American Typewriter"/>
+                <a:cs typeface="American Typewriter"/>
               </a:rPr>
               <a:t>// Read and set Initial Values from a file</a:t>
             </a:r>
@@ -4346,8 +4497,12 @@
           <a:p>
             <a:pPr algn="l"/>
             <a:r>
-              <a:rPr lang="en-US" sz="2800">
-                <a:latin typeface="Trebuchet MS" charset="0"/>
+              <a:rPr lang="en-US" sz="2800" dirty="0">
+                <a:solidFill>
+                  <a:schemeClr val="tx1"/>
+                </a:solidFill>
+                <a:latin typeface="American Typewriter"/>
+                <a:cs typeface="American Typewriter"/>
               </a:rPr>
               <a:t>…</a:t>
             </a:r>
@@ -4355,64 +4510,15 @@
           <a:p>
             <a:pPr algn="l"/>
             <a:r>
-              <a:rPr lang="en-US" sz="2800">
-                <a:latin typeface="Trebuchet MS" charset="0"/>
+              <a:rPr lang="en-US" sz="2800" dirty="0">
+                <a:solidFill>
+                  <a:schemeClr val="tx1"/>
+                </a:solidFill>
+                <a:latin typeface="American Typewriter"/>
+                <a:cs typeface="American Typewriter"/>
               </a:rPr>
               <a:t>…</a:t>
             </a:r>
-          </a:p>
-        </p:txBody>
-      </p:sp>
-      <p:sp>
-        <p:nvSpPr>
-          <p:cNvPr id="93188" name="Line 4"/>
-          <p:cNvSpPr>
-            <a:spLocks noChangeShapeType="1"/>
-          </p:cNvSpPr>
-          <p:nvPr/>
-        </p:nvSpPr>
-        <p:spPr bwMode="auto">
-          <a:xfrm>
-            <a:off x="457200" y="533400"/>
-            <a:ext cx="8305800" cy="0"/>
-          </a:xfrm>
-          <a:prstGeom prst="line">
-            <a:avLst/>
-          </a:prstGeom>
-          <a:noFill/>
-          <a:ln w="28575">
-            <a:solidFill>
-              <a:srgbClr val="FFFF00"/>
-            </a:solidFill>
-            <a:round/>
-            <a:headEnd type="diamond" w="med" len="sm"/>
-            <a:tailEnd type="diamond" w="med" len="sm"/>
-          </a:ln>
-          <a:effectLst/>
-          <a:extLst>
-            <a:ext uri="{909E8E84-426E-40dd-AFC4-6F175D3DCCD1}">
-              <a14:hiddenFill xmlns:a14="http://schemas.microsoft.com/office/drawing/2010/main">
-                <a:noFill/>
-              </a14:hiddenFill>
-            </a:ext>
-            <a:ext uri="{AF507438-7753-43e0-B8FC-AC1667EBCBE1}">
-              <a14:hiddenEffects xmlns:a14="http://schemas.microsoft.com/office/drawing/2010/main">
-                <a:effectLst>
-                  <a:outerShdw blurRad="63500" dist="38099" dir="2700000" algn="ctr" rotWithShape="0">
-                    <a:schemeClr val="bg2">
-                      <a:alpha val="74998"/>
-                    </a:schemeClr>
-                  </a:outerShdw>
-                </a:effectLst>
-              </a14:hiddenEffects>
-            </a:ext>
-          </a:extLst>
-        </p:spPr>
-        <p:txBody>
-          <a:bodyPr/>
-          <a:lstStyle/>
-          <a:p>
-            <a:endParaRPr lang="en-US"/>
           </a:p>
         </p:txBody>
       </p:sp>
@@ -4474,7 +4580,7 @@
           <a:lstStyle/>
           <a:p>
             <a:r>
-              <a:rPr lang="en-US" sz="4800">
+              <a:rPr lang="en-US" sz="4800" dirty="0">
                 <a:latin typeface="Trebuchet MS" charset="0"/>
               </a:rPr>
               <a:t>Use descriptive file names</a:t>
@@ -4503,45 +4609,65 @@
           <a:lstStyle/>
           <a:p>
             <a:pPr algn="l"/>
-            <a:endParaRPr lang="en-US">
+            <a:endParaRPr lang="en-US" dirty="0">
               <a:latin typeface="Trebuchet MS" charset="0"/>
             </a:endParaRPr>
           </a:p>
           <a:p>
             <a:pPr algn="l"/>
-            <a:endParaRPr lang="en-US">
+            <a:endParaRPr lang="en-US" dirty="0">
               <a:latin typeface="Trebuchet MS" charset="0"/>
             </a:endParaRPr>
           </a:p>
           <a:p>
             <a:pPr algn="l"/>
             <a:r>
-              <a:rPr lang="en-US">
-                <a:latin typeface="Trebuchet MS" charset="0"/>
+              <a:rPr lang="en-US" dirty="0">
+                <a:solidFill>
+                  <a:schemeClr val="tx1"/>
+                </a:solidFill>
+                <a:latin typeface="American Typewriter"/>
+                <a:cs typeface="American Typewriter"/>
               </a:rPr>
               <a:t>Naming your script </a:t>
             </a:r>
             <a:r>
-              <a:rPr lang="ja-JP" altLang="en-US">
-                <a:latin typeface="Arial"/>
+              <a:rPr lang="ja-JP" altLang="en-US" dirty="0">
+                <a:solidFill>
+                  <a:schemeClr val="tx1"/>
+                </a:solidFill>
+                <a:latin typeface="American Typewriter"/>
+                <a:cs typeface="American Typewriter"/>
               </a:rPr>
               <a:t>“</a:t>
             </a:r>
             <a:r>
-              <a:rPr lang="en-US">
-                <a:latin typeface="Trebuchet MS" charset="0"/>
+              <a:rPr lang="en-US" dirty="0" err="1">
+                <a:solidFill>
+                  <a:schemeClr val="tx1"/>
+                </a:solidFill>
+                <a:latin typeface="American Typewriter"/>
+                <a:cs typeface="American Typewriter"/>
               </a:rPr>
               <a:t>test.csh</a:t>
             </a:r>
             <a:r>
-              <a:rPr lang="ja-JP" altLang="en-US">
-                <a:latin typeface="Arial"/>
+              <a:rPr lang="ja-JP" altLang="en-US" dirty="0">
+                <a:solidFill>
+                  <a:schemeClr val="tx1"/>
+                </a:solidFill>
+                <a:latin typeface="American Typewriter"/>
+                <a:cs typeface="American Typewriter"/>
               </a:rPr>
               <a:t>”</a:t>
             </a:r>
             <a:r>
-              <a:rPr lang="en-US">
-                <a:latin typeface="Trebuchet MS" charset="0"/>
+              <a:rPr lang="en-US" dirty="0">
+                <a:solidFill>
+                  <a:schemeClr val="tx1"/>
+                </a:solidFill>
+                <a:latin typeface="American Typewriter"/>
+                <a:cs typeface="American Typewriter"/>
               </a:rPr>
               <a:t> means</a:t>
             </a:r>
@@ -4549,91 +4675,42 @@
           <a:p>
             <a:pPr algn="l"/>
             <a:r>
-              <a:rPr lang="ja-JP" altLang="en-US">
-                <a:solidFill>
-                  <a:srgbClr val="FFFF00"/>
-                </a:solidFill>
-                <a:latin typeface="Arial"/>
+              <a:rPr lang="ja-JP" altLang="en-US" dirty="0">
+                <a:solidFill>
+                  <a:schemeClr val="tx1"/>
+                </a:solidFill>
+                <a:latin typeface="American Typewriter"/>
+                <a:cs typeface="American Typewriter"/>
               </a:rPr>
               <a:t>“</a:t>
             </a:r>
             <a:r>
-              <a:rPr lang="en-US">
-                <a:solidFill>
-                  <a:srgbClr val="FFFF00"/>
-                </a:solidFill>
-                <a:latin typeface="Trebuchet MS" charset="0"/>
+              <a:rPr lang="en-US" dirty="0">
+                <a:solidFill>
+                  <a:schemeClr val="tx1"/>
+                </a:solidFill>
+                <a:latin typeface="American Typewriter"/>
+                <a:cs typeface="American Typewriter"/>
               </a:rPr>
               <a:t>I will never be able to reuse this code.</a:t>
             </a:r>
             <a:r>
-              <a:rPr lang="ja-JP" altLang="en-US">
-                <a:solidFill>
-                  <a:srgbClr val="FFFF00"/>
-                </a:solidFill>
-                <a:latin typeface="Arial"/>
+              <a:rPr lang="ja-JP" altLang="en-US" dirty="0">
+                <a:solidFill>
+                  <a:schemeClr val="tx1"/>
+                </a:solidFill>
+                <a:latin typeface="American Typewriter"/>
+                <a:cs typeface="American Typewriter"/>
               </a:rPr>
               <a:t>”</a:t>
             </a:r>
-            <a:endParaRPr lang="en-US">
+            <a:endParaRPr lang="en-US" dirty="0">
               <a:solidFill>
-                <a:srgbClr val="FFFF00"/>
+                <a:schemeClr val="tx1"/>
               </a:solidFill>
-              <a:latin typeface="Trebuchet MS" charset="0"/>
+              <a:latin typeface="American Typewriter"/>
+              <a:cs typeface="American Typewriter"/>
             </a:endParaRPr>
-          </a:p>
-        </p:txBody>
-      </p:sp>
-      <p:sp>
-        <p:nvSpPr>
-          <p:cNvPr id="112644" name="Line 4"/>
-          <p:cNvSpPr>
-            <a:spLocks noChangeShapeType="1"/>
-          </p:cNvSpPr>
-          <p:nvPr/>
-        </p:nvSpPr>
-        <p:spPr bwMode="auto">
-          <a:xfrm>
-            <a:off x="457200" y="533400"/>
-            <a:ext cx="8305800" cy="0"/>
-          </a:xfrm>
-          <a:prstGeom prst="line">
-            <a:avLst/>
-          </a:prstGeom>
-          <a:noFill/>
-          <a:ln w="28575">
-            <a:solidFill>
-              <a:srgbClr val="FFFF00"/>
-            </a:solidFill>
-            <a:round/>
-            <a:headEnd type="diamond" w="med" len="sm"/>
-            <a:tailEnd type="diamond" w="med" len="sm"/>
-          </a:ln>
-          <a:effectLst/>
-          <a:extLst>
-            <a:ext uri="{909E8E84-426E-40dd-AFC4-6F175D3DCCD1}">
-              <a14:hiddenFill xmlns:a14="http://schemas.microsoft.com/office/drawing/2010/main">
-                <a:noFill/>
-              </a14:hiddenFill>
-            </a:ext>
-            <a:ext uri="{AF507438-7753-43e0-B8FC-AC1667EBCBE1}">
-              <a14:hiddenEffects xmlns:a14="http://schemas.microsoft.com/office/drawing/2010/main">
-                <a:effectLst>
-                  <a:outerShdw blurRad="63500" dist="38099" dir="2700000" algn="ctr" rotWithShape="0">
-                    <a:schemeClr val="bg2">
-                      <a:alpha val="74998"/>
-                    </a:schemeClr>
-                  </a:outerShdw>
-                </a:effectLst>
-              </a14:hiddenEffects>
-            </a:ext>
-          </a:extLst>
-        </p:spPr>
-        <p:txBody>
-          <a:bodyPr/>
-          <a:lstStyle/>
-          <a:p>
-            <a:endParaRPr lang="en-US"/>
           </a:p>
         </p:txBody>
       </p:sp>
@@ -4735,71 +4812,18 @@
           <a:lstStyle/>
           <a:p>
             <a:pPr algn="l"/>
-            <a:endParaRPr lang="en-US">
+            <a:endParaRPr lang="en-US" dirty="0">
               <a:latin typeface="Trebuchet MS" charset="0"/>
             </a:endParaRPr>
           </a:p>
           <a:p>
             <a:pPr algn="l"/>
             <a:r>
-              <a:rPr lang="en-US">
+              <a:rPr lang="en-US" dirty="0">
                 <a:latin typeface="Trebuchet MS" charset="0"/>
               </a:rPr>
               <a:t>Write your code as if someone else will have to understand and modify it</a:t>
             </a:r>
-          </a:p>
-        </p:txBody>
-      </p:sp>
-      <p:sp>
-        <p:nvSpPr>
-          <p:cNvPr id="108548" name="Line 4"/>
-          <p:cNvSpPr>
-            <a:spLocks noChangeShapeType="1"/>
-          </p:cNvSpPr>
-          <p:nvPr/>
-        </p:nvSpPr>
-        <p:spPr bwMode="auto">
-          <a:xfrm>
-            <a:off x="457200" y="533400"/>
-            <a:ext cx="8305800" cy="0"/>
-          </a:xfrm>
-          <a:prstGeom prst="line">
-            <a:avLst/>
-          </a:prstGeom>
-          <a:noFill/>
-          <a:ln w="28575">
-            <a:solidFill>
-              <a:srgbClr val="FFFF00"/>
-            </a:solidFill>
-            <a:round/>
-            <a:headEnd type="diamond" w="med" len="sm"/>
-            <a:tailEnd type="diamond" w="med" len="sm"/>
-          </a:ln>
-          <a:effectLst/>
-          <a:extLst>
-            <a:ext uri="{909E8E84-426E-40dd-AFC4-6F175D3DCCD1}">
-              <a14:hiddenFill xmlns:a14="http://schemas.microsoft.com/office/drawing/2010/main">
-                <a:noFill/>
-              </a14:hiddenFill>
-            </a:ext>
-            <a:ext uri="{AF507438-7753-43e0-B8FC-AC1667EBCBE1}">
-              <a14:hiddenEffects xmlns:a14="http://schemas.microsoft.com/office/drawing/2010/main">
-                <a:effectLst>
-                  <a:outerShdw blurRad="63500" dist="38099" dir="2700000" algn="ctr" rotWithShape="0">
-                    <a:schemeClr val="bg2">
-                      <a:alpha val="74998"/>
-                    </a:schemeClr>
-                  </a:outerShdw>
-                </a:effectLst>
-              </a14:hiddenEffects>
-            </a:ext>
-          </a:extLst>
-        </p:spPr>
-        <p:txBody>
-          <a:bodyPr/>
-          <a:lstStyle/>
-          <a:p>
-            <a:endParaRPr lang="en-US"/>
           </a:p>
         </p:txBody>
       </p:sp>
@@ -4842,148 +4866,72 @@
       </p:grpSpPr>
       <p:sp>
         <p:nvSpPr>
-          <p:cNvPr id="74754" name="Rectangle 2"/>
-          <p:cNvSpPr>
-            <a:spLocks noGrp="1" noChangeArrowheads="1"/>
-          </p:cNvSpPr>
-          <p:nvPr>
-            <p:ph type="ctrTitle"/>
-          </p:nvPr>
-        </p:nvSpPr>
-        <p:spPr>
-          <a:xfrm>
-            <a:off x="609600" y="762000"/>
-            <a:ext cx="7848600" cy="1219200"/>
-          </a:xfrm>
-        </p:spPr>
+          <p:cNvPr id="2" name="Title 1"/>
+          <p:cNvSpPr>
+            <a:spLocks noGrp="1"/>
+          </p:cNvSpPr>
+          <p:nvPr>
+            <p:ph type="title"/>
+          </p:nvPr>
+        </p:nvSpPr>
+        <p:spPr/>
         <p:txBody>
           <a:bodyPr/>
           <a:lstStyle/>
           <a:p>
             <a:r>
-              <a:rPr lang="en-US" sz="4800">
-                <a:solidFill>
-                  <a:schemeClr val="bg1"/>
-                </a:solidFill>
-                <a:latin typeface="Trebuchet MS" charset="0"/>
-              </a:rPr>
-              <a:t>Final Thought</a:t>
-            </a:r>
-            <a:endParaRPr lang="en-US" sz="3600">
-              <a:solidFill>
-                <a:schemeClr val="bg1"/>
-              </a:solidFill>
-              <a:latin typeface="Trebuchet MS" charset="0"/>
-            </a:endParaRPr>
-          </a:p>
-        </p:txBody>
-      </p:sp>
-      <p:sp>
-        <p:nvSpPr>
-          <p:cNvPr id="74755" name="Rectangle 3"/>
-          <p:cNvSpPr>
-            <a:spLocks noGrp="1" noChangeArrowheads="1"/>
-          </p:cNvSpPr>
-          <p:nvPr>
-            <p:ph type="subTitle" idx="1"/>
-          </p:nvPr>
-        </p:nvSpPr>
-        <p:spPr>
-          <a:xfrm>
-            <a:off x="609600" y="2743200"/>
-            <a:ext cx="8153400" cy="2895600"/>
-          </a:xfrm>
-        </p:spPr>
+              <a:rPr lang="en-US" dirty="0" smtClean="0"/>
+              <a:t>Working with someone else</a:t>
+            </a:r>
+            <a:endParaRPr lang="en-US" dirty="0"/>
+          </a:p>
+        </p:txBody>
+      </p:sp>
+      <p:sp>
+        <p:nvSpPr>
+          <p:cNvPr id="3" name="Content Placeholder 2"/>
+          <p:cNvSpPr>
+            <a:spLocks noGrp="1"/>
+          </p:cNvSpPr>
+          <p:nvPr>
+            <p:ph idx="1"/>
+          </p:nvPr>
+        </p:nvSpPr>
+        <p:spPr/>
         <p:txBody>
           <a:bodyPr/>
           <a:lstStyle/>
           <a:p>
-            <a:pPr marL="609600" indent="-609600" algn="l"/>
-            <a:r>
-              <a:rPr lang="en-US">
-                <a:solidFill>
-                  <a:srgbClr val="FFFF00"/>
-                </a:solidFill>
-                <a:latin typeface="Trebuchet MS" charset="0"/>
-              </a:rPr>
-              <a:t>Apply these rules consistently!  There is nothing so permanent as a temporary fix</a:t>
-            </a:r>
-            <a:endParaRPr lang="en-US">
-              <a:latin typeface="Trebuchet MS" charset="0"/>
-            </a:endParaRPr>
-          </a:p>
-        </p:txBody>
-      </p:sp>
-      <p:sp>
-        <p:nvSpPr>
-          <p:cNvPr id="74756" name="Line 4"/>
-          <p:cNvSpPr>
-            <a:spLocks noChangeShapeType="1"/>
-          </p:cNvSpPr>
-          <p:nvPr/>
-        </p:nvSpPr>
-        <p:spPr bwMode="auto">
-          <a:xfrm>
-            <a:off x="457200" y="533400"/>
-            <a:ext cx="8305800" cy="0"/>
-          </a:xfrm>
-          <a:prstGeom prst="line">
-            <a:avLst/>
-          </a:prstGeom>
-          <a:noFill/>
-          <a:ln w="28575">
-            <a:solidFill>
-              <a:srgbClr val="FFFF00"/>
-            </a:solidFill>
-            <a:round/>
-            <a:headEnd type="diamond" w="med" len="sm"/>
-            <a:tailEnd type="diamond" w="med" len="sm"/>
-          </a:ln>
-          <a:effectLst/>
-          <a:extLst>
-            <a:ext uri="{909E8E84-426E-40dd-AFC4-6F175D3DCCD1}">
-              <a14:hiddenFill xmlns:a14="http://schemas.microsoft.com/office/drawing/2010/main">
-                <a:noFill/>
-              </a14:hiddenFill>
-            </a:ext>
-            <a:ext uri="{AF507438-7753-43e0-B8FC-AC1667EBCBE1}">
-              <a14:hiddenEffects xmlns:a14="http://schemas.microsoft.com/office/drawing/2010/main">
-                <a:effectLst>
-                  <a:outerShdw blurRad="63500" dist="38099" dir="2700000" algn="ctr" rotWithShape="0">
-                    <a:schemeClr val="bg2">
-                      <a:alpha val="74998"/>
-                    </a:schemeClr>
-                  </a:outerShdw>
-                </a:effectLst>
-              </a14:hiddenEffects>
-            </a:ext>
-          </a:extLst>
-        </p:spPr>
-        <p:txBody>
-          <a:bodyPr/>
-          <a:lstStyle/>
-          <a:p>
-            <a:endParaRPr lang="en-US"/>
+            <a:r>
+              <a:rPr lang="en-US" dirty="0" smtClean="0"/>
+              <a:t>Don’t try to understand everything in one go</a:t>
+            </a:r>
+          </a:p>
+          <a:p>
+            <a:r>
+              <a:rPr lang="en-US" dirty="0" smtClean="0"/>
+              <a:t>Identify one place you need to begin work on</a:t>
+            </a:r>
+          </a:p>
+          <a:p>
+            <a:r>
+              <a:rPr lang="en-US" dirty="0" smtClean="0"/>
+              <a:t>Ask the person who worked on it to explain what was going on in that part, then start!  </a:t>
+            </a:r>
+            <a:endParaRPr lang="en-US" dirty="0"/>
           </a:p>
         </p:txBody>
       </p:sp>
     </p:spTree>
     <p:extLst>
       <p:ext uri="{BB962C8B-B14F-4D97-AF65-F5344CB8AC3E}">
-        <p14:creationId xmlns:p14="http://schemas.microsoft.com/office/powerpoint/2010/main" val="762229172"/>
+        <p14:creationId xmlns:p14="http://schemas.microsoft.com/office/powerpoint/2010/main" val="32140555"/>
       </p:ext>
     </p:extLst>
   </p:cSld>
   <p:clrMapOvr>
     <a:masterClrMapping/>
   </p:clrMapOvr>
-  <p:timing>
-    <p:tnLst>
-      <p:par>
-        <p:cTn xmlns:p14="http://schemas.microsoft.com/office/powerpoint/2010/main" id="1" dur="indefinite" restart="never" nodeType="tmRoot"/>
-      </p:par>
-    </p:tnLst>
-  </p:timing>
 </p:sld>
 </file>
 
@@ -5014,28 +4962,16 @@
             <p:ph type="title"/>
           </p:nvPr>
         </p:nvSpPr>
-        <p:spPr>
-          <a:solidFill>
-            <a:schemeClr val="tx1"/>
-          </a:solidFill>
-        </p:spPr>
+        <p:spPr/>
         <p:txBody>
           <a:bodyPr/>
           <a:lstStyle/>
           <a:p>
             <a:r>
-              <a:rPr lang="en-US" dirty="0" smtClean="0">
-                <a:solidFill>
-                  <a:srgbClr val="FFFFFF"/>
-                </a:solidFill>
-              </a:rPr>
-              <a:t>Contents</a:t>
-            </a:r>
-            <a:endParaRPr lang="en-US" dirty="0">
-              <a:solidFill>
-                <a:srgbClr val="FFFFFF"/>
-              </a:solidFill>
-            </a:endParaRPr>
+              <a:rPr lang="en-US" dirty="0" smtClean="0"/>
+              <a:t>Taking over someone’s project </a:t>
+            </a:r>
+            <a:endParaRPr lang="en-US" dirty="0"/>
           </a:p>
         </p:txBody>
       </p:sp>
@@ -5049,250 +4985,21 @@
             <p:ph idx="1"/>
           </p:nvPr>
         </p:nvSpPr>
-        <p:spPr>
-          <a:xfrm>
-            <a:off x="457200" y="1600200"/>
-            <a:ext cx="8229600" cy="5257800"/>
-          </a:xfrm>
-        </p:spPr>
-        <p:txBody>
-          <a:bodyPr>
-            <a:normAutofit fontScale="62500" lnSpcReduction="20000"/>
-          </a:bodyPr>
-          <a:lstStyle/>
-          <a:p>
-            <a:r>
-              <a:rPr lang="en-US" dirty="0" smtClean="0">
-                <a:solidFill>
-                  <a:schemeClr val="bg1">
-                    <a:lumMod val="65000"/>
-                  </a:schemeClr>
-                </a:solidFill>
-              </a:rPr>
-              <a:t>Admin</a:t>
-            </a:r>
-          </a:p>
-          <a:p>
-            <a:pPr lvl="1"/>
-            <a:r>
-              <a:rPr lang="en-US" dirty="0" smtClean="0">
-                <a:solidFill>
-                  <a:schemeClr val="bg1">
-                    <a:lumMod val="65000"/>
-                  </a:schemeClr>
-                </a:solidFill>
-              </a:rPr>
-              <a:t>My background</a:t>
-            </a:r>
-          </a:p>
-          <a:p>
-            <a:pPr lvl="1"/>
-            <a:r>
-              <a:rPr lang="en-US" dirty="0" smtClean="0">
-                <a:solidFill>
-                  <a:schemeClr val="bg1">
-                    <a:lumMod val="65000"/>
-                  </a:schemeClr>
-                </a:solidFill>
-              </a:rPr>
-              <a:t>Goals of this session</a:t>
-            </a:r>
-          </a:p>
-          <a:p>
-            <a:r>
-              <a:rPr lang="en-US" dirty="0" smtClean="0">
-                <a:solidFill>
-                  <a:schemeClr val="bg1">
-                    <a:lumMod val="65000"/>
-                  </a:schemeClr>
-                </a:solidFill>
-              </a:rPr>
-              <a:t>Writing code </a:t>
-            </a:r>
-          </a:p>
-          <a:p>
-            <a:pPr lvl="1"/>
-            <a:r>
-              <a:rPr lang="en-US" dirty="0" smtClean="0">
-                <a:solidFill>
-                  <a:schemeClr val="bg1">
-                    <a:lumMod val="65000"/>
-                  </a:schemeClr>
-                </a:solidFill>
-              </a:rPr>
-              <a:t>Writing your own code</a:t>
-            </a:r>
-          </a:p>
-          <a:p>
-            <a:pPr lvl="1"/>
-            <a:r>
-              <a:rPr lang="en-US" dirty="0" smtClean="0">
-                <a:solidFill>
-                  <a:schemeClr val="bg1">
-                    <a:lumMod val="65000"/>
-                  </a:schemeClr>
-                </a:solidFill>
-              </a:rPr>
-              <a:t>Working on code with collaborators </a:t>
-            </a:r>
-          </a:p>
-          <a:p>
-            <a:pPr lvl="1"/>
-            <a:r>
-              <a:rPr lang="en-US" dirty="0" smtClean="0">
-                <a:solidFill>
-                  <a:schemeClr val="bg1">
-                    <a:lumMod val="65000"/>
-                  </a:schemeClr>
-                </a:solidFill>
-              </a:rPr>
-              <a:t>Joining a project where someone left off </a:t>
-            </a:r>
-          </a:p>
-          <a:p>
-            <a:r>
-              <a:rPr lang="en-US" dirty="0" smtClean="0"/>
-              <a:t>Find out how to do something</a:t>
-            </a:r>
-          </a:p>
-          <a:p>
-            <a:pPr lvl="1"/>
-            <a:r>
-              <a:rPr lang="en-US" dirty="0" smtClean="0"/>
-              <a:t>Looking for information you need</a:t>
-            </a:r>
-          </a:p>
-          <a:p>
-            <a:pPr lvl="1"/>
-            <a:r>
-              <a:rPr lang="en-US" dirty="0" smtClean="0"/>
-              <a:t>Using the fruits of other peoples’ labor</a:t>
-            </a:r>
-          </a:p>
-          <a:p>
-            <a:r>
-              <a:rPr lang="en-US" dirty="0" smtClean="0">
-                <a:solidFill>
-                  <a:schemeClr val="bg1">
-                    <a:lumMod val="65000"/>
-                  </a:schemeClr>
-                </a:solidFill>
-              </a:rPr>
-              <a:t>Developing your own tool</a:t>
-            </a:r>
-          </a:p>
-          <a:p>
-            <a:pPr lvl="1"/>
-            <a:r>
-              <a:rPr lang="en-US" dirty="0" smtClean="0">
-                <a:solidFill>
-                  <a:schemeClr val="bg1">
-                    <a:lumMod val="65000"/>
-                  </a:schemeClr>
-                </a:solidFill>
-              </a:rPr>
-              <a:t>When to do it</a:t>
-            </a:r>
-          </a:p>
-          <a:p>
-            <a:pPr lvl="1"/>
-            <a:r>
-              <a:rPr lang="en-US" dirty="0" smtClean="0">
-                <a:solidFill>
-                  <a:schemeClr val="bg1">
-                    <a:lumMod val="65000"/>
-                  </a:schemeClr>
-                </a:solidFill>
-              </a:rPr>
-              <a:t>What to keep in mind </a:t>
-            </a:r>
-          </a:p>
-          <a:p>
-            <a:r>
-              <a:rPr lang="en-US" dirty="0" smtClean="0">
-                <a:solidFill>
-                  <a:schemeClr val="bg1">
-                    <a:lumMod val="65000"/>
-                  </a:schemeClr>
-                </a:solidFill>
-              </a:rPr>
-              <a:t>Version control </a:t>
-            </a:r>
-          </a:p>
-          <a:p>
-            <a:pPr lvl="1"/>
-            <a:r>
-              <a:rPr lang="en-US" dirty="0" err="1" smtClean="0">
-                <a:solidFill>
-                  <a:schemeClr val="bg1">
-                    <a:lumMod val="65000"/>
-                  </a:schemeClr>
-                </a:solidFill>
-              </a:rPr>
-              <a:t>Github</a:t>
-            </a:r>
-            <a:r>
-              <a:rPr lang="en-US" dirty="0" smtClean="0">
-                <a:solidFill>
-                  <a:schemeClr val="bg1">
-                    <a:lumMod val="65000"/>
-                  </a:schemeClr>
-                </a:solidFill>
-              </a:rPr>
-              <a:t> </a:t>
-            </a:r>
-          </a:p>
-          <a:p>
-            <a:pPr lvl="1"/>
-            <a:r>
-              <a:rPr lang="en-US" dirty="0" err="1" smtClean="0">
-                <a:solidFill>
-                  <a:schemeClr val="bg1">
-                    <a:lumMod val="65000"/>
-                  </a:schemeClr>
-                </a:solidFill>
-              </a:rPr>
-              <a:t>Dropbox</a:t>
-            </a:r>
-            <a:r>
-              <a:rPr lang="en-US" dirty="0" smtClean="0">
-                <a:solidFill>
-                  <a:schemeClr val="bg1">
-                    <a:lumMod val="65000"/>
-                  </a:schemeClr>
-                </a:solidFill>
-              </a:rPr>
-              <a:t> </a:t>
-            </a:r>
-          </a:p>
-          <a:p>
-            <a:pPr lvl="1"/>
-            <a:r>
-              <a:rPr lang="en-US" dirty="0" smtClean="0">
-                <a:solidFill>
-                  <a:schemeClr val="bg1">
-                    <a:lumMod val="65000"/>
-                  </a:schemeClr>
-                </a:solidFill>
-              </a:rPr>
-              <a:t>Hard drives</a:t>
-            </a:r>
-            <a:r>
-              <a:rPr lang="en-US" dirty="0" smtClean="0"/>
-              <a:t> </a:t>
-            </a:r>
-          </a:p>
-          <a:p>
-            <a:endParaRPr lang="en-US" dirty="0"/>
-          </a:p>
-          <a:p>
-            <a:pPr lvl="1"/>
-            <a:endParaRPr lang="en-US" dirty="0" smtClean="0"/>
-          </a:p>
-          <a:p>
-            <a:endParaRPr lang="en-US" dirty="0" smtClean="0"/>
-          </a:p>
-          <a:p>
+        <p:spPr/>
+        <p:txBody>
+          <a:bodyPr/>
+          <a:lstStyle/>
+          <a:p>
+            <a:r>
+              <a:rPr lang="en-US" dirty="0" smtClean="0"/>
+              <a:t>Comment/uncomment out bits of their code</a:t>
+            </a:r>
+          </a:p>
+          <a:p>
+            <a:r>
+              <a:rPr lang="en-US" dirty="0" smtClean="0"/>
+              <a:t>See what part of the code controls the functionality </a:t>
+            </a:r>
             <a:endParaRPr lang="en-US" dirty="0"/>
           </a:p>
         </p:txBody>
@@ -5300,7 +5007,7 @@
     </p:spTree>
     <p:extLst>
       <p:ext uri="{BB962C8B-B14F-4D97-AF65-F5344CB8AC3E}">
-        <p14:creationId xmlns:p14="http://schemas.microsoft.com/office/powerpoint/2010/main" val="849704915"/>
+        <p14:creationId xmlns:p14="http://schemas.microsoft.com/office/powerpoint/2010/main" val="3486859430"/>
       </p:ext>
     </p:extLst>
   </p:cSld>
@@ -5337,91 +5044,285 @@
             <p:ph type="title"/>
           </p:nvPr>
         </p:nvSpPr>
-        <p:spPr/>
+        <p:spPr>
+          <a:solidFill>
+            <a:schemeClr val="tx1"/>
+          </a:solidFill>
+        </p:spPr>
         <p:txBody>
           <a:bodyPr/>
           <a:lstStyle/>
           <a:p>
             <a:r>
-              <a:rPr lang="en-US" dirty="0" smtClean="0"/>
-              <a:t>What if you hit a problem?</a:t>
-            </a:r>
+              <a:rPr lang="en-US" dirty="0" smtClean="0">
+                <a:solidFill>
+                  <a:srgbClr val="FFFFFF"/>
+                </a:solidFill>
+              </a:rPr>
+              <a:t>Contents</a:t>
+            </a:r>
+            <a:endParaRPr lang="en-US" dirty="0">
+              <a:solidFill>
+                <a:srgbClr val="FFFFFF"/>
+              </a:solidFill>
+            </a:endParaRPr>
+          </a:p>
+        </p:txBody>
+      </p:sp>
+      <p:sp>
+        <p:nvSpPr>
+          <p:cNvPr id="3" name="Content Placeholder 2"/>
+          <p:cNvSpPr>
+            <a:spLocks noGrp="1"/>
+          </p:cNvSpPr>
+          <p:nvPr>
+            <p:ph idx="1"/>
+          </p:nvPr>
+        </p:nvSpPr>
+        <p:spPr>
+          <a:xfrm>
+            <a:off x="457200" y="1600200"/>
+            <a:ext cx="8229600" cy="5257800"/>
+          </a:xfrm>
+        </p:spPr>
+        <p:txBody>
+          <a:bodyPr>
+            <a:normAutofit fontScale="62500" lnSpcReduction="20000"/>
+          </a:bodyPr>
+          <a:lstStyle/>
+          <a:p>
+            <a:r>
+              <a:rPr lang="en-US" dirty="0" smtClean="0">
+                <a:solidFill>
+                  <a:schemeClr val="bg1">
+                    <a:lumMod val="65000"/>
+                  </a:schemeClr>
+                </a:solidFill>
+              </a:rPr>
+              <a:t>Admin</a:t>
+            </a:r>
+          </a:p>
+          <a:p>
+            <a:pPr lvl="1"/>
+            <a:r>
+              <a:rPr lang="en-US" dirty="0" smtClean="0">
+                <a:solidFill>
+                  <a:schemeClr val="bg1">
+                    <a:lumMod val="65000"/>
+                  </a:schemeClr>
+                </a:solidFill>
+              </a:rPr>
+              <a:t>My background</a:t>
+            </a:r>
+          </a:p>
+          <a:p>
+            <a:pPr lvl="1"/>
+            <a:r>
+              <a:rPr lang="en-US" dirty="0" smtClean="0">
+                <a:solidFill>
+                  <a:schemeClr val="bg1">
+                    <a:lumMod val="65000"/>
+                  </a:schemeClr>
+                </a:solidFill>
+              </a:rPr>
+              <a:t>Goals of this session</a:t>
+            </a:r>
+          </a:p>
+          <a:p>
+            <a:r>
+              <a:rPr lang="en-US" dirty="0" smtClean="0">
+                <a:solidFill>
+                  <a:schemeClr val="bg1">
+                    <a:lumMod val="65000"/>
+                  </a:schemeClr>
+                </a:solidFill>
+              </a:rPr>
+              <a:t>Writing code </a:t>
+            </a:r>
+          </a:p>
+          <a:p>
+            <a:pPr lvl="1"/>
+            <a:r>
+              <a:rPr lang="en-US" dirty="0" smtClean="0">
+                <a:solidFill>
+                  <a:schemeClr val="bg1">
+                    <a:lumMod val="65000"/>
+                  </a:schemeClr>
+                </a:solidFill>
+              </a:rPr>
+              <a:t>Writing your own code</a:t>
+            </a:r>
+          </a:p>
+          <a:p>
+            <a:pPr lvl="1"/>
+            <a:r>
+              <a:rPr lang="en-US" dirty="0" smtClean="0">
+                <a:solidFill>
+                  <a:schemeClr val="bg1">
+                    <a:lumMod val="65000"/>
+                  </a:schemeClr>
+                </a:solidFill>
+              </a:rPr>
+              <a:t>Working on code with collaborators </a:t>
+            </a:r>
+          </a:p>
+          <a:p>
+            <a:pPr lvl="1"/>
+            <a:r>
+              <a:rPr lang="en-US" dirty="0" smtClean="0">
+                <a:solidFill>
+                  <a:schemeClr val="bg1">
+                    <a:lumMod val="65000"/>
+                  </a:schemeClr>
+                </a:solidFill>
+              </a:rPr>
+              <a:t>Joining a project where someone left off </a:t>
+            </a:r>
+          </a:p>
+          <a:p>
+            <a:r>
+              <a:rPr lang="en-US" dirty="0" smtClean="0"/>
+              <a:t>Find out how to do something</a:t>
+            </a:r>
+          </a:p>
+          <a:p>
+            <a:pPr lvl="1"/>
+            <a:r>
+              <a:rPr lang="en-US" dirty="0" smtClean="0"/>
+              <a:t>Looking for information you need</a:t>
+            </a:r>
+          </a:p>
+          <a:p>
+            <a:pPr lvl="1"/>
+            <a:r>
+              <a:rPr lang="en-US" dirty="0" smtClean="0"/>
+              <a:t>Using the fruits of other peoples’ labor</a:t>
+            </a:r>
+          </a:p>
+          <a:p>
+            <a:r>
+              <a:rPr lang="en-US" dirty="0" smtClean="0">
+                <a:solidFill>
+                  <a:schemeClr val="bg1">
+                    <a:lumMod val="65000"/>
+                  </a:schemeClr>
+                </a:solidFill>
+              </a:rPr>
+              <a:t>Developing your own tool</a:t>
+            </a:r>
+          </a:p>
+          <a:p>
+            <a:pPr lvl="1"/>
+            <a:r>
+              <a:rPr lang="en-US" dirty="0" smtClean="0">
+                <a:solidFill>
+                  <a:schemeClr val="bg1">
+                    <a:lumMod val="65000"/>
+                  </a:schemeClr>
+                </a:solidFill>
+              </a:rPr>
+              <a:t>When to do it</a:t>
+            </a:r>
+          </a:p>
+          <a:p>
+            <a:pPr lvl="1"/>
+            <a:r>
+              <a:rPr lang="en-US" dirty="0" smtClean="0">
+                <a:solidFill>
+                  <a:schemeClr val="bg1">
+                    <a:lumMod val="65000"/>
+                  </a:schemeClr>
+                </a:solidFill>
+              </a:rPr>
+              <a:t>What to keep in mind </a:t>
+            </a:r>
+          </a:p>
+          <a:p>
+            <a:r>
+              <a:rPr lang="en-US" dirty="0" smtClean="0">
+                <a:solidFill>
+                  <a:schemeClr val="bg1">
+                    <a:lumMod val="65000"/>
+                  </a:schemeClr>
+                </a:solidFill>
+              </a:rPr>
+              <a:t>Version control </a:t>
+            </a:r>
+          </a:p>
+          <a:p>
+            <a:pPr lvl="1"/>
+            <a:r>
+              <a:rPr lang="en-US" dirty="0" err="1" smtClean="0">
+                <a:solidFill>
+                  <a:schemeClr val="bg1">
+                    <a:lumMod val="65000"/>
+                  </a:schemeClr>
+                </a:solidFill>
+              </a:rPr>
+              <a:t>Github</a:t>
+            </a:r>
+            <a:r>
+              <a:rPr lang="en-US" dirty="0" smtClean="0">
+                <a:solidFill>
+                  <a:schemeClr val="bg1">
+                    <a:lumMod val="65000"/>
+                  </a:schemeClr>
+                </a:solidFill>
+              </a:rPr>
+              <a:t> </a:t>
+            </a:r>
+          </a:p>
+          <a:p>
+            <a:pPr lvl="1"/>
+            <a:r>
+              <a:rPr lang="en-US" dirty="0" err="1" smtClean="0">
+                <a:solidFill>
+                  <a:schemeClr val="bg1">
+                    <a:lumMod val="65000"/>
+                  </a:schemeClr>
+                </a:solidFill>
+              </a:rPr>
+              <a:t>Dropbox</a:t>
+            </a:r>
+            <a:r>
+              <a:rPr lang="en-US" dirty="0" smtClean="0">
+                <a:solidFill>
+                  <a:schemeClr val="bg1">
+                    <a:lumMod val="65000"/>
+                  </a:schemeClr>
+                </a:solidFill>
+              </a:rPr>
+              <a:t> </a:t>
+            </a:r>
+          </a:p>
+          <a:p>
+            <a:pPr lvl="1"/>
+            <a:r>
+              <a:rPr lang="en-US" dirty="0" smtClean="0">
+                <a:solidFill>
+                  <a:schemeClr val="bg1">
+                    <a:lumMod val="65000"/>
+                  </a:schemeClr>
+                </a:solidFill>
+              </a:rPr>
+              <a:t>Hard drives</a:t>
+            </a:r>
+            <a:r>
+              <a:rPr lang="en-US" dirty="0" smtClean="0"/>
+              <a:t> </a:t>
+            </a:r>
+          </a:p>
+          <a:p>
             <a:endParaRPr lang="en-US" dirty="0"/>
           </a:p>
-        </p:txBody>
-      </p:sp>
-      <p:sp>
-        <p:nvSpPr>
-          <p:cNvPr id="3" name="Content Placeholder 2"/>
-          <p:cNvSpPr>
-            <a:spLocks noGrp="1"/>
-          </p:cNvSpPr>
-          <p:nvPr>
-            <p:ph idx="1"/>
-          </p:nvPr>
-        </p:nvSpPr>
-        <p:spPr/>
-        <p:txBody>
-          <a:bodyPr>
-            <a:normAutofit fontScale="92500" lnSpcReduction="10000"/>
-          </a:bodyPr>
-          <a:lstStyle/>
-          <a:p>
-            <a:r>
-              <a:rPr lang="en-US" dirty="0" smtClean="0"/>
-              <a:t>Coding problem</a:t>
-            </a:r>
-          </a:p>
-          <a:p>
-            <a:pPr lvl="1"/>
-            <a:r>
-              <a:rPr lang="en-US" dirty="0"/>
-              <a:t>c</a:t>
-            </a:r>
-            <a:r>
-              <a:rPr lang="en-US" dirty="0" smtClean="0"/>
-              <a:t>hances are someone else has a similar problem, and a solution exists</a:t>
-            </a:r>
-          </a:p>
-          <a:p>
-            <a:pPr lvl="1"/>
-            <a:r>
-              <a:rPr lang="en-US" dirty="0" smtClean="0"/>
-              <a:t>Google it. How would you phrase that question to a human?</a:t>
-            </a:r>
-          </a:p>
-          <a:p>
-            <a:r>
-              <a:rPr lang="en-US" dirty="0" smtClean="0"/>
-              <a:t>Who does research in that general area?  </a:t>
-            </a:r>
-          </a:p>
-          <a:p>
-            <a:pPr lvl="1"/>
-            <a:r>
-              <a:rPr lang="en-US" dirty="0" smtClean="0"/>
-              <a:t>Look at their papers for something similar you can adapt </a:t>
-            </a:r>
-          </a:p>
-          <a:p>
-            <a:r>
-              <a:rPr lang="en-US" dirty="0" smtClean="0"/>
-              <a:t>How would you do it manually?</a:t>
-            </a:r>
-          </a:p>
-          <a:p>
-            <a:pPr lvl="1"/>
-            <a:r>
-              <a:rPr lang="en-US" dirty="0" smtClean="0"/>
-              <a:t>Describe the steps, then code it up </a:t>
-            </a:r>
-          </a:p>
-          <a:p>
-            <a:pPr lvl="1"/>
-            <a:endParaRPr lang="en-US" dirty="0"/>
-          </a:p>
-          <a:p>
-            <a:pPr lvl="1"/>
+          <a:p>
+            <a:pPr lvl="1"/>
+            <a:endParaRPr lang="en-US" dirty="0" smtClean="0"/>
+          </a:p>
+          <a:p>
+            <a:endParaRPr lang="en-US" dirty="0" smtClean="0"/>
+          </a:p>
+          <a:p>
             <a:endParaRPr lang="en-US" dirty="0"/>
           </a:p>
         </p:txBody>
@@ -5429,7 +5330,7 @@
     </p:spTree>
     <p:extLst>
       <p:ext uri="{BB962C8B-B14F-4D97-AF65-F5344CB8AC3E}">
-        <p14:creationId xmlns:p14="http://schemas.microsoft.com/office/powerpoint/2010/main" val="3071680531"/>
+        <p14:creationId xmlns:p14="http://schemas.microsoft.com/office/powerpoint/2010/main" val="849704915"/>
       </p:ext>
     </p:extLst>
   </p:cSld>
@@ -5473,7 +5374,7 @@
           <a:p>
             <a:r>
               <a:rPr lang="en-US" dirty="0" smtClean="0"/>
-              <a:t>Do not reinvent the wheel </a:t>
+              <a:t>What if you hit a problem?</a:t>
             </a:r>
             <a:endParaRPr lang="en-US" dirty="0"/>
           </a:p>
@@ -5491,27 +5392,66 @@
         </p:nvSpPr>
         <p:spPr/>
         <p:txBody>
-          <a:bodyPr/>
-          <a:lstStyle/>
-          <a:p>
-            <a:r>
-              <a:rPr lang="en-US" dirty="0" smtClean="0"/>
-              <a:t>Do not write your own code for a function, unless there is absolutely no choice</a:t>
-            </a:r>
-          </a:p>
-          <a:p>
-            <a:r>
-              <a:rPr lang="en-US" dirty="0" smtClean="0"/>
-              <a:t>If a solution is available on the internet, use it. If it popped up in </a:t>
-            </a:r>
+          <a:bodyPr>
+            <a:normAutofit fontScale="92500" lnSpcReduction="10000"/>
+          </a:bodyPr>
+          <a:lstStyle/>
+          <a:p>
+            <a:r>
+              <a:rPr lang="en-US" dirty="0" smtClean="0"/>
+              <a:t>Coding problem</a:t>
+            </a:r>
+          </a:p>
+          <a:p>
+            <a:pPr lvl="1"/>
             <a:r>
               <a:rPr lang="en-US" dirty="0"/>
-              <a:t>G</a:t>
-            </a:r>
-            <a:r>
-              <a:rPr lang="en-US" dirty="0" smtClean="0"/>
-              <a:t>oogle, its probably been rigorously tested by many more people than code you would write yourself </a:t>
-            </a:r>
+              <a:t>c</a:t>
+            </a:r>
+            <a:r>
+              <a:rPr lang="en-US" dirty="0" smtClean="0"/>
+              <a:t>hances are someone else has a similar problem, and a solution exists</a:t>
+            </a:r>
+          </a:p>
+          <a:p>
+            <a:pPr lvl="1"/>
+            <a:r>
+              <a:rPr lang="en-US" dirty="0" smtClean="0"/>
+              <a:t>Google it. How would you phrase that question to a human?</a:t>
+            </a:r>
+          </a:p>
+          <a:p>
+            <a:r>
+              <a:rPr lang="en-US" dirty="0" smtClean="0"/>
+              <a:t>Who does research in that general area?  </a:t>
+            </a:r>
+          </a:p>
+          <a:p>
+            <a:pPr lvl="1"/>
+            <a:r>
+              <a:rPr lang="en-US" dirty="0" smtClean="0"/>
+              <a:t>Look at their papers for something similar you can adapt </a:t>
+            </a:r>
+          </a:p>
+          <a:p>
+            <a:r>
+              <a:rPr lang="en-US" dirty="0" smtClean="0"/>
+              <a:t>How would you do it manually?</a:t>
+            </a:r>
+          </a:p>
+          <a:p>
+            <a:pPr lvl="1"/>
+            <a:r>
+              <a:rPr lang="en-US" dirty="0" smtClean="0"/>
+              <a:t>Describe the steps, then code it up </a:t>
+            </a:r>
+          </a:p>
+          <a:p>
+            <a:pPr lvl="1"/>
+            <a:endParaRPr lang="en-US" dirty="0"/>
+          </a:p>
+          <a:p>
+            <a:pPr lvl="1"/>
             <a:endParaRPr lang="en-US" dirty="0"/>
           </a:p>
         </p:txBody>
@@ -5519,7 +5459,7 @@
     </p:spTree>
     <p:extLst>
       <p:ext uri="{BB962C8B-B14F-4D97-AF65-F5344CB8AC3E}">
-        <p14:creationId xmlns:p14="http://schemas.microsoft.com/office/powerpoint/2010/main" val="2296045984"/>
+        <p14:creationId xmlns:p14="http://schemas.microsoft.com/office/powerpoint/2010/main" val="3071680531"/>
       </p:ext>
     </p:extLst>
   </p:cSld>
@@ -5556,28 +5496,16 @@
             <p:ph type="title"/>
           </p:nvPr>
         </p:nvSpPr>
-        <p:spPr>
-          <a:solidFill>
-            <a:schemeClr val="tx1"/>
-          </a:solidFill>
-        </p:spPr>
+        <p:spPr/>
         <p:txBody>
           <a:bodyPr/>
           <a:lstStyle/>
           <a:p>
             <a:r>
-              <a:rPr lang="en-US" dirty="0" smtClean="0">
-                <a:solidFill>
-                  <a:srgbClr val="FFFFFF"/>
-                </a:solidFill>
-              </a:rPr>
-              <a:t>Contents</a:t>
-            </a:r>
-            <a:endParaRPr lang="en-US" dirty="0">
-              <a:solidFill>
-                <a:srgbClr val="FFFFFF"/>
-              </a:solidFill>
-            </a:endParaRPr>
+              <a:rPr lang="en-US" dirty="0" smtClean="0"/>
+              <a:t>Do not reinvent the wheel </a:t>
+            </a:r>
+            <a:endParaRPr lang="en-US" dirty="0"/>
           </a:p>
         </p:txBody>
       </p:sp>
@@ -5591,250 +5519,29 @@
             <p:ph idx="1"/>
           </p:nvPr>
         </p:nvSpPr>
-        <p:spPr>
-          <a:xfrm>
-            <a:off x="457200" y="1600200"/>
-            <a:ext cx="8229600" cy="5257800"/>
-          </a:xfrm>
-        </p:spPr>
-        <p:txBody>
-          <a:bodyPr>
-            <a:normAutofit fontScale="62500" lnSpcReduction="20000"/>
-          </a:bodyPr>
-          <a:lstStyle/>
-          <a:p>
-            <a:r>
-              <a:rPr lang="en-US" dirty="0" smtClean="0">
-                <a:solidFill>
-                  <a:schemeClr val="bg1">
-                    <a:lumMod val="65000"/>
-                  </a:schemeClr>
-                </a:solidFill>
-              </a:rPr>
-              <a:t>Admin</a:t>
-            </a:r>
-          </a:p>
-          <a:p>
-            <a:pPr lvl="1"/>
-            <a:r>
-              <a:rPr lang="en-US" dirty="0" smtClean="0">
-                <a:solidFill>
-                  <a:schemeClr val="bg1">
-                    <a:lumMod val="65000"/>
-                  </a:schemeClr>
-                </a:solidFill>
-              </a:rPr>
-              <a:t>My background</a:t>
-            </a:r>
-          </a:p>
-          <a:p>
-            <a:pPr lvl="1"/>
-            <a:r>
-              <a:rPr lang="en-US" dirty="0" smtClean="0">
-                <a:solidFill>
-                  <a:schemeClr val="bg1">
-                    <a:lumMod val="65000"/>
-                  </a:schemeClr>
-                </a:solidFill>
-              </a:rPr>
-              <a:t>Goals of this session</a:t>
-            </a:r>
-          </a:p>
-          <a:p>
-            <a:r>
-              <a:rPr lang="en-US" dirty="0" smtClean="0">
-                <a:solidFill>
-                  <a:schemeClr val="bg1">
-                    <a:lumMod val="65000"/>
-                  </a:schemeClr>
-                </a:solidFill>
-              </a:rPr>
-              <a:t>Writing code </a:t>
-            </a:r>
-          </a:p>
-          <a:p>
-            <a:pPr lvl="1"/>
-            <a:r>
-              <a:rPr lang="en-US" dirty="0" smtClean="0">
-                <a:solidFill>
-                  <a:schemeClr val="bg1">
-                    <a:lumMod val="65000"/>
-                  </a:schemeClr>
-                </a:solidFill>
-              </a:rPr>
-              <a:t>Writing your own code</a:t>
-            </a:r>
-          </a:p>
-          <a:p>
-            <a:pPr lvl="1"/>
-            <a:r>
-              <a:rPr lang="en-US" dirty="0" smtClean="0">
-                <a:solidFill>
-                  <a:schemeClr val="bg1">
-                    <a:lumMod val="65000"/>
-                  </a:schemeClr>
-                </a:solidFill>
-              </a:rPr>
-              <a:t>Working on code with collaborators </a:t>
-            </a:r>
-          </a:p>
-          <a:p>
-            <a:pPr lvl="1"/>
-            <a:r>
-              <a:rPr lang="en-US" dirty="0" smtClean="0">
-                <a:solidFill>
-                  <a:schemeClr val="bg1">
-                    <a:lumMod val="65000"/>
-                  </a:schemeClr>
-                </a:solidFill>
-              </a:rPr>
-              <a:t>Joining a project where someone left off </a:t>
-            </a:r>
-          </a:p>
-          <a:p>
-            <a:r>
-              <a:rPr lang="en-US" dirty="0" smtClean="0">
-                <a:solidFill>
-                  <a:schemeClr val="bg1">
-                    <a:lumMod val="65000"/>
-                  </a:schemeClr>
-                </a:solidFill>
-              </a:rPr>
-              <a:t>Find out how to do something</a:t>
-            </a:r>
-          </a:p>
-          <a:p>
-            <a:pPr lvl="1"/>
-            <a:r>
-              <a:rPr lang="en-US" dirty="0" smtClean="0">
-                <a:solidFill>
-                  <a:schemeClr val="bg1">
-                    <a:lumMod val="65000"/>
-                  </a:schemeClr>
-                </a:solidFill>
-              </a:rPr>
-              <a:t>Looking for information you need</a:t>
-            </a:r>
-          </a:p>
-          <a:p>
-            <a:pPr lvl="1"/>
-            <a:r>
-              <a:rPr lang="en-US" dirty="0" smtClean="0">
-                <a:solidFill>
-                  <a:schemeClr val="bg1">
-                    <a:lumMod val="65000"/>
-                  </a:schemeClr>
-                </a:solidFill>
-              </a:rPr>
-              <a:t>Using the fruits of other peoples’ labor</a:t>
-            </a:r>
-          </a:p>
-          <a:p>
-            <a:r>
-              <a:rPr lang="en-US" dirty="0" smtClean="0"/>
-              <a:t>Developing your own tool</a:t>
-            </a:r>
-          </a:p>
-          <a:p>
-            <a:pPr lvl="1"/>
-            <a:r>
-              <a:rPr lang="en-US" dirty="0" smtClean="0"/>
-              <a:t>When to do it</a:t>
-            </a:r>
-          </a:p>
-          <a:p>
-            <a:pPr lvl="1"/>
-            <a:r>
-              <a:rPr lang="en-US" dirty="0" smtClean="0"/>
-              <a:t>What to keep in mind </a:t>
-            </a:r>
-          </a:p>
-          <a:p>
-            <a:r>
-              <a:rPr lang="en-US" dirty="0" smtClean="0">
-                <a:solidFill>
-                  <a:schemeClr val="bg1">
-                    <a:lumMod val="65000"/>
-                  </a:schemeClr>
-                </a:solidFill>
-              </a:rPr>
-              <a:t>Version control </a:t>
-            </a:r>
-          </a:p>
-          <a:p>
-            <a:pPr lvl="1"/>
-            <a:r>
-              <a:rPr lang="en-US" dirty="0" err="1" smtClean="0">
-                <a:solidFill>
-                  <a:schemeClr val="bg1">
-                    <a:lumMod val="65000"/>
-                  </a:schemeClr>
-                </a:solidFill>
-              </a:rPr>
-              <a:t>Github</a:t>
-            </a:r>
-            <a:r>
-              <a:rPr lang="en-US" dirty="0" smtClean="0">
-                <a:solidFill>
-                  <a:schemeClr val="bg1">
-                    <a:lumMod val="65000"/>
-                  </a:schemeClr>
-                </a:solidFill>
-              </a:rPr>
-              <a:t> </a:t>
-            </a:r>
-          </a:p>
-          <a:p>
-            <a:pPr lvl="1"/>
-            <a:r>
-              <a:rPr lang="en-US" dirty="0" err="1" smtClean="0">
-                <a:solidFill>
-                  <a:schemeClr val="bg1">
-                    <a:lumMod val="65000"/>
-                  </a:schemeClr>
-                </a:solidFill>
-              </a:rPr>
-              <a:t>Dropbox</a:t>
-            </a:r>
-            <a:r>
-              <a:rPr lang="en-US" dirty="0" smtClean="0">
-                <a:solidFill>
-                  <a:schemeClr val="bg1">
-                    <a:lumMod val="65000"/>
-                  </a:schemeClr>
-                </a:solidFill>
-              </a:rPr>
-              <a:t> </a:t>
-            </a:r>
-          </a:p>
-          <a:p>
-            <a:pPr lvl="1"/>
-            <a:r>
-              <a:rPr lang="en-US" dirty="0" smtClean="0">
-                <a:solidFill>
-                  <a:schemeClr val="bg1">
-                    <a:lumMod val="65000"/>
-                  </a:schemeClr>
-                </a:solidFill>
-              </a:rPr>
-              <a:t>Hard drives</a:t>
-            </a:r>
-            <a:r>
-              <a:rPr lang="en-US" dirty="0" smtClean="0"/>
-              <a:t> </a:t>
-            </a:r>
-          </a:p>
-          <a:p>
-            <a:endParaRPr lang="en-US" dirty="0"/>
-          </a:p>
-          <a:p>
-            <a:pPr lvl="1"/>
-            <a:endParaRPr lang="en-US" dirty="0" smtClean="0"/>
-          </a:p>
-          <a:p>
-            <a:endParaRPr lang="en-US" dirty="0" smtClean="0"/>
-          </a:p>
-          <a:p>
+        <p:spPr/>
+        <p:txBody>
+          <a:bodyPr/>
+          <a:lstStyle/>
+          <a:p>
+            <a:r>
+              <a:rPr lang="en-US" dirty="0" smtClean="0"/>
+              <a:t>Do not write your own code for a function, unless there is absolutely no choice</a:t>
+            </a:r>
+          </a:p>
+          <a:p>
+            <a:r>
+              <a:rPr lang="en-US" dirty="0" smtClean="0"/>
+              <a:t>If a solution is available on the internet, use it. If it popped up in </a:t>
+            </a:r>
+            <a:r>
+              <a:rPr lang="en-US" dirty="0"/>
+              <a:t>G</a:t>
+            </a:r>
+            <a:r>
+              <a:rPr lang="en-US" dirty="0" smtClean="0"/>
+              <a:t>oogle, its probably been rigorously tested by many more people than code you would write yourself </a:t>
+            </a:r>
             <a:endParaRPr lang="en-US" dirty="0"/>
           </a:p>
         </p:txBody>
@@ -5842,7 +5549,7 @@
     </p:spTree>
     <p:extLst>
       <p:ext uri="{BB962C8B-B14F-4D97-AF65-F5344CB8AC3E}">
-        <p14:creationId xmlns:p14="http://schemas.microsoft.com/office/powerpoint/2010/main" val="849704915"/>
+        <p14:creationId xmlns:p14="http://schemas.microsoft.com/office/powerpoint/2010/main" val="2296045984"/>
       </p:ext>
     </p:extLst>
   </p:cSld>
@@ -6202,38 +5909,285 @@
             <p:ph type="title"/>
           </p:nvPr>
         </p:nvSpPr>
-        <p:spPr/>
+        <p:spPr>
+          <a:solidFill>
+            <a:schemeClr val="tx1"/>
+          </a:solidFill>
+        </p:spPr>
         <p:txBody>
           <a:bodyPr/>
           <a:lstStyle/>
           <a:p>
             <a:r>
-              <a:rPr lang="en-US" dirty="0" smtClean="0"/>
-              <a:t>When to develop your own tool</a:t>
-            </a:r>
+              <a:rPr lang="en-US" dirty="0" smtClean="0">
+                <a:solidFill>
+                  <a:srgbClr val="FFFFFF"/>
+                </a:solidFill>
+              </a:rPr>
+              <a:t>Contents</a:t>
+            </a:r>
+            <a:endParaRPr lang="en-US" dirty="0">
+              <a:solidFill>
+                <a:srgbClr val="FFFFFF"/>
+              </a:solidFill>
+            </a:endParaRPr>
+          </a:p>
+        </p:txBody>
+      </p:sp>
+      <p:sp>
+        <p:nvSpPr>
+          <p:cNvPr id="3" name="Content Placeholder 2"/>
+          <p:cNvSpPr>
+            <a:spLocks noGrp="1"/>
+          </p:cNvSpPr>
+          <p:nvPr>
+            <p:ph idx="1"/>
+          </p:nvPr>
+        </p:nvSpPr>
+        <p:spPr>
+          <a:xfrm>
+            <a:off x="457200" y="1600200"/>
+            <a:ext cx="8229600" cy="5257800"/>
+          </a:xfrm>
+        </p:spPr>
+        <p:txBody>
+          <a:bodyPr>
+            <a:normAutofit fontScale="62500" lnSpcReduction="20000"/>
+          </a:bodyPr>
+          <a:lstStyle/>
+          <a:p>
+            <a:r>
+              <a:rPr lang="en-US" dirty="0" smtClean="0">
+                <a:solidFill>
+                  <a:schemeClr val="bg1">
+                    <a:lumMod val="65000"/>
+                  </a:schemeClr>
+                </a:solidFill>
+              </a:rPr>
+              <a:t>Admin</a:t>
+            </a:r>
+          </a:p>
+          <a:p>
+            <a:pPr lvl="1"/>
+            <a:r>
+              <a:rPr lang="en-US" dirty="0" smtClean="0">
+                <a:solidFill>
+                  <a:schemeClr val="bg1">
+                    <a:lumMod val="65000"/>
+                  </a:schemeClr>
+                </a:solidFill>
+              </a:rPr>
+              <a:t>My background</a:t>
+            </a:r>
+          </a:p>
+          <a:p>
+            <a:pPr lvl="1"/>
+            <a:r>
+              <a:rPr lang="en-US" dirty="0" smtClean="0">
+                <a:solidFill>
+                  <a:schemeClr val="bg1">
+                    <a:lumMod val="65000"/>
+                  </a:schemeClr>
+                </a:solidFill>
+              </a:rPr>
+              <a:t>Goals of this session</a:t>
+            </a:r>
+          </a:p>
+          <a:p>
+            <a:r>
+              <a:rPr lang="en-US" dirty="0" smtClean="0">
+                <a:solidFill>
+                  <a:schemeClr val="bg1">
+                    <a:lumMod val="65000"/>
+                  </a:schemeClr>
+                </a:solidFill>
+              </a:rPr>
+              <a:t>Writing code </a:t>
+            </a:r>
+          </a:p>
+          <a:p>
+            <a:pPr lvl="1"/>
+            <a:r>
+              <a:rPr lang="en-US" dirty="0" smtClean="0">
+                <a:solidFill>
+                  <a:schemeClr val="bg1">
+                    <a:lumMod val="65000"/>
+                  </a:schemeClr>
+                </a:solidFill>
+              </a:rPr>
+              <a:t>Writing your own code</a:t>
+            </a:r>
+          </a:p>
+          <a:p>
+            <a:pPr lvl="1"/>
+            <a:r>
+              <a:rPr lang="en-US" dirty="0" smtClean="0">
+                <a:solidFill>
+                  <a:schemeClr val="bg1">
+                    <a:lumMod val="65000"/>
+                  </a:schemeClr>
+                </a:solidFill>
+              </a:rPr>
+              <a:t>Working on code with collaborators </a:t>
+            </a:r>
+          </a:p>
+          <a:p>
+            <a:pPr lvl="1"/>
+            <a:r>
+              <a:rPr lang="en-US" dirty="0" smtClean="0">
+                <a:solidFill>
+                  <a:schemeClr val="bg1">
+                    <a:lumMod val="65000"/>
+                  </a:schemeClr>
+                </a:solidFill>
+              </a:rPr>
+              <a:t>Joining a project where someone left off </a:t>
+            </a:r>
+          </a:p>
+          <a:p>
+            <a:r>
+              <a:rPr lang="en-US" dirty="0" smtClean="0">
+                <a:solidFill>
+                  <a:schemeClr val="bg1">
+                    <a:lumMod val="65000"/>
+                  </a:schemeClr>
+                </a:solidFill>
+              </a:rPr>
+              <a:t>Find out how to do something</a:t>
+            </a:r>
+          </a:p>
+          <a:p>
+            <a:pPr lvl="1"/>
+            <a:r>
+              <a:rPr lang="en-US" dirty="0" smtClean="0">
+                <a:solidFill>
+                  <a:schemeClr val="bg1">
+                    <a:lumMod val="65000"/>
+                  </a:schemeClr>
+                </a:solidFill>
+              </a:rPr>
+              <a:t>Looking for information you need</a:t>
+            </a:r>
+          </a:p>
+          <a:p>
+            <a:pPr lvl="1"/>
+            <a:r>
+              <a:rPr lang="en-US" dirty="0" smtClean="0">
+                <a:solidFill>
+                  <a:schemeClr val="bg1">
+                    <a:lumMod val="65000"/>
+                  </a:schemeClr>
+                </a:solidFill>
+              </a:rPr>
+              <a:t>Using the fruits of other peoples’ labor</a:t>
+            </a:r>
+          </a:p>
+          <a:p>
+            <a:r>
+              <a:rPr lang="en-US" dirty="0" smtClean="0"/>
+              <a:t>Developing your own tool</a:t>
+            </a:r>
+          </a:p>
+          <a:p>
+            <a:pPr lvl="1"/>
+            <a:r>
+              <a:rPr lang="en-US" dirty="0" smtClean="0"/>
+              <a:t>When to do it</a:t>
+            </a:r>
+          </a:p>
+          <a:p>
+            <a:pPr lvl="1"/>
+            <a:r>
+              <a:rPr lang="en-US" dirty="0" smtClean="0"/>
+              <a:t>What to keep in mind </a:t>
+            </a:r>
+          </a:p>
+          <a:p>
+            <a:r>
+              <a:rPr lang="en-US" dirty="0" smtClean="0">
+                <a:solidFill>
+                  <a:schemeClr val="bg1">
+                    <a:lumMod val="65000"/>
+                  </a:schemeClr>
+                </a:solidFill>
+              </a:rPr>
+              <a:t>Version control </a:t>
+            </a:r>
+          </a:p>
+          <a:p>
+            <a:pPr lvl="1"/>
+            <a:r>
+              <a:rPr lang="en-US" dirty="0" err="1" smtClean="0">
+                <a:solidFill>
+                  <a:schemeClr val="bg1">
+                    <a:lumMod val="65000"/>
+                  </a:schemeClr>
+                </a:solidFill>
+              </a:rPr>
+              <a:t>Github</a:t>
+            </a:r>
+            <a:r>
+              <a:rPr lang="en-US" dirty="0" smtClean="0">
+                <a:solidFill>
+                  <a:schemeClr val="bg1">
+                    <a:lumMod val="65000"/>
+                  </a:schemeClr>
+                </a:solidFill>
+              </a:rPr>
+              <a:t> </a:t>
+            </a:r>
+          </a:p>
+          <a:p>
+            <a:pPr lvl="1"/>
+            <a:r>
+              <a:rPr lang="en-US" dirty="0" err="1" smtClean="0">
+                <a:solidFill>
+                  <a:schemeClr val="bg1">
+                    <a:lumMod val="65000"/>
+                  </a:schemeClr>
+                </a:solidFill>
+              </a:rPr>
+              <a:t>Dropbox</a:t>
+            </a:r>
+            <a:r>
+              <a:rPr lang="en-US" dirty="0" smtClean="0">
+                <a:solidFill>
+                  <a:schemeClr val="bg1">
+                    <a:lumMod val="65000"/>
+                  </a:schemeClr>
+                </a:solidFill>
+              </a:rPr>
+              <a:t> </a:t>
+            </a:r>
+          </a:p>
+          <a:p>
+            <a:pPr lvl="1"/>
+            <a:r>
+              <a:rPr lang="en-US" dirty="0" smtClean="0">
+                <a:solidFill>
+                  <a:schemeClr val="bg1">
+                    <a:lumMod val="65000"/>
+                  </a:schemeClr>
+                </a:solidFill>
+              </a:rPr>
+              <a:t>Hard drives</a:t>
+            </a:r>
+            <a:r>
+              <a:rPr lang="en-US" dirty="0" smtClean="0"/>
+              <a:t> </a:t>
+            </a:r>
+          </a:p>
+          <a:p>
             <a:endParaRPr lang="en-US" dirty="0"/>
           </a:p>
-        </p:txBody>
-      </p:sp>
-      <p:sp>
-        <p:nvSpPr>
-          <p:cNvPr id="3" name="Content Placeholder 2"/>
-          <p:cNvSpPr>
-            <a:spLocks noGrp="1"/>
-          </p:cNvSpPr>
-          <p:nvPr>
-            <p:ph idx="1"/>
-          </p:nvPr>
-        </p:nvSpPr>
-        <p:spPr/>
-        <p:txBody>
-          <a:bodyPr/>
-          <a:lstStyle/>
-          <a:p>
-            <a:r>
-              <a:rPr lang="en-US" dirty="0" smtClean="0"/>
-              <a:t>When you really need it, and no one else has done anything remotely similar you can adapt </a:t>
-            </a:r>
+          <a:p>
+            <a:pPr lvl="1"/>
+            <a:endParaRPr lang="en-US" dirty="0" smtClean="0"/>
+          </a:p>
+          <a:p>
+            <a:endParaRPr lang="en-US" dirty="0" smtClean="0"/>
+          </a:p>
+          <a:p>
             <a:endParaRPr lang="en-US" dirty="0"/>
           </a:p>
         </p:txBody>
@@ -6241,7 +6195,7 @@
     </p:spTree>
     <p:extLst>
       <p:ext uri="{BB962C8B-B14F-4D97-AF65-F5344CB8AC3E}">
-        <p14:creationId xmlns:p14="http://schemas.microsoft.com/office/powerpoint/2010/main" val="892411971"/>
+        <p14:creationId xmlns:p14="http://schemas.microsoft.com/office/powerpoint/2010/main" val="849704915"/>
       </p:ext>
     </p:extLst>
   </p:cSld>
@@ -6285,7 +6239,7 @@
           <a:p>
             <a:r>
               <a:rPr lang="en-US" dirty="0" smtClean="0"/>
-              <a:t>Things to keep in mind</a:t>
+              <a:t>When to develop your own tool</a:t>
             </a:r>
             <a:endParaRPr lang="en-US" dirty="0"/>
           </a:p>
@@ -6303,97 +6257,12 @@
         </p:nvSpPr>
         <p:spPr/>
         <p:txBody>
-          <a:bodyPr>
-            <a:normAutofit fontScale="85000" lnSpcReduction="10000"/>
-          </a:bodyPr>
-          <a:lstStyle/>
-          <a:p>
-            <a:r>
-              <a:rPr lang="en-US" dirty="0" smtClean="0"/>
-              <a:t>Operating System compatibility</a:t>
-            </a:r>
-          </a:p>
-          <a:p>
-            <a:pPr lvl="1"/>
-            <a:r>
-              <a:rPr lang="en-US" dirty="0" smtClean="0"/>
-              <a:t>Who are your users?</a:t>
-            </a:r>
-          </a:p>
-          <a:p>
-            <a:pPr lvl="1"/>
-            <a:r>
-              <a:rPr lang="en-US" dirty="0" smtClean="0"/>
-              <a:t>What OS do they mainly use?</a:t>
-            </a:r>
-          </a:p>
-          <a:p>
-            <a:r>
-              <a:rPr lang="en-US" dirty="0" smtClean="0"/>
-              <a:t>Beta Testing</a:t>
-            </a:r>
-          </a:p>
-          <a:p>
-            <a:pPr lvl="1"/>
-            <a:r>
-              <a:rPr lang="en-US" dirty="0" smtClean="0"/>
-              <a:t>People in your department, who haven’t used it yet</a:t>
-            </a:r>
-          </a:p>
-          <a:p>
-            <a:pPr lvl="1"/>
-            <a:r>
-              <a:rPr lang="en-US" dirty="0" smtClean="0"/>
-              <a:t>People with only a basic knowledge of computer science  </a:t>
-            </a:r>
-          </a:p>
-          <a:p>
-            <a:r>
-              <a:rPr lang="en-US" dirty="0" smtClean="0"/>
-              <a:t>Documentation</a:t>
-            </a:r>
-          </a:p>
-          <a:p>
-            <a:pPr lvl="1"/>
-            <a:r>
-              <a:rPr lang="en-US" dirty="0" smtClean="0"/>
-              <a:t>Write good documentation if you want other people to use your program</a:t>
-            </a:r>
-          </a:p>
-          <a:p>
-            <a:pPr lvl="1"/>
-            <a:r>
-              <a:rPr lang="en-US" dirty="0" smtClean="0"/>
-              <a:t>If its hard for them to understand what your code does, it would be easier for them to write it themselves </a:t>
-            </a:r>
-          </a:p>
-        </p:txBody>
-      </p:sp>
-      <p:sp>
-        <p:nvSpPr>
-          <p:cNvPr id="4" name="TextBox 3"/>
-          <p:cNvSpPr txBox="1"/>
-          <p:nvPr/>
-        </p:nvSpPr>
-        <p:spPr>
-          <a:xfrm>
-            <a:off x="457200" y="6317773"/>
-            <a:ext cx="6503374" cy="369332"/>
-          </a:xfrm>
-          <a:prstGeom prst="rect">
-            <a:avLst/>
-          </a:prstGeom>
-          <a:noFill/>
-        </p:spPr>
-        <p:txBody>
-          <a:bodyPr wrap="square" rtlCol="0">
-            <a:spAutoFit/>
-          </a:bodyPr>
-          <a:lstStyle/>
-          <a:p>
-            <a:r>
-              <a:rPr lang="hu-HU" dirty="0"/>
-              <a:t>http://lukeplant.me.uk/blog/posts/docs-or-it-doesnt-exist/</a:t>
+          <a:bodyPr/>
+          <a:lstStyle/>
+          <a:p>
+            <a:r>
+              <a:rPr lang="en-US" dirty="0" smtClean="0"/>
+              <a:t>When you really need it, and no one else has done anything remotely similar you can adapt </a:t>
             </a:r>
             <a:endParaRPr lang="en-US" dirty="0"/>
           </a:p>
@@ -6402,7 +6271,7 @@
     </p:spTree>
     <p:extLst>
       <p:ext uri="{BB962C8B-B14F-4D97-AF65-F5344CB8AC3E}">
-        <p14:creationId xmlns:p14="http://schemas.microsoft.com/office/powerpoint/2010/main" val="1657130435"/>
+        <p14:creationId xmlns:p14="http://schemas.microsoft.com/office/powerpoint/2010/main" val="892411971"/>
       </p:ext>
     </p:extLst>
   </p:cSld>
@@ -6439,6 +6308,323 @@
             <p:ph type="title"/>
           </p:nvPr>
         </p:nvSpPr>
+        <p:spPr/>
+        <p:txBody>
+          <a:bodyPr/>
+          <a:lstStyle/>
+          <a:p>
+            <a:r>
+              <a:rPr lang="en-US" dirty="0" smtClean="0"/>
+              <a:t>Things to keep in mind</a:t>
+            </a:r>
+            <a:endParaRPr lang="en-US" dirty="0"/>
+          </a:p>
+        </p:txBody>
+      </p:sp>
+      <p:sp>
+        <p:nvSpPr>
+          <p:cNvPr id="3" name="Content Placeholder 2"/>
+          <p:cNvSpPr>
+            <a:spLocks noGrp="1"/>
+          </p:cNvSpPr>
+          <p:nvPr>
+            <p:ph idx="1"/>
+          </p:nvPr>
+        </p:nvSpPr>
+        <p:spPr/>
+        <p:txBody>
+          <a:bodyPr>
+            <a:normAutofit fontScale="85000" lnSpcReduction="10000"/>
+          </a:bodyPr>
+          <a:lstStyle/>
+          <a:p>
+            <a:r>
+              <a:rPr lang="en-US" dirty="0" smtClean="0"/>
+              <a:t>Operating System compatibility</a:t>
+            </a:r>
+          </a:p>
+          <a:p>
+            <a:pPr lvl="1"/>
+            <a:r>
+              <a:rPr lang="en-US" dirty="0" smtClean="0"/>
+              <a:t>Who are your users?</a:t>
+            </a:r>
+          </a:p>
+          <a:p>
+            <a:pPr lvl="1"/>
+            <a:r>
+              <a:rPr lang="en-US" dirty="0" smtClean="0"/>
+              <a:t>What OS do they mainly use?</a:t>
+            </a:r>
+          </a:p>
+          <a:p>
+            <a:r>
+              <a:rPr lang="en-US" dirty="0" smtClean="0"/>
+              <a:t>Beta Testing</a:t>
+            </a:r>
+          </a:p>
+          <a:p>
+            <a:pPr lvl="1"/>
+            <a:r>
+              <a:rPr lang="en-US" dirty="0" smtClean="0"/>
+              <a:t>People in your department, who haven’t used it yet</a:t>
+            </a:r>
+          </a:p>
+          <a:p>
+            <a:pPr lvl="1"/>
+            <a:r>
+              <a:rPr lang="en-US" dirty="0" smtClean="0"/>
+              <a:t>People with only a basic knowledge of computer science  </a:t>
+            </a:r>
+          </a:p>
+          <a:p>
+            <a:r>
+              <a:rPr lang="en-US" dirty="0" smtClean="0"/>
+              <a:t>Documentation</a:t>
+            </a:r>
+          </a:p>
+          <a:p>
+            <a:pPr lvl="1"/>
+            <a:r>
+              <a:rPr lang="en-US" dirty="0" smtClean="0"/>
+              <a:t>Write good documentation if you want other people to use your program</a:t>
+            </a:r>
+          </a:p>
+          <a:p>
+            <a:pPr lvl="1"/>
+            <a:r>
+              <a:rPr lang="en-US" dirty="0" smtClean="0"/>
+              <a:t>If its hard for them to understand what your code does, it would be easier for them to write it themselves </a:t>
+            </a:r>
+          </a:p>
+        </p:txBody>
+      </p:sp>
+      <p:sp>
+        <p:nvSpPr>
+          <p:cNvPr id="4" name="TextBox 3"/>
+          <p:cNvSpPr txBox="1"/>
+          <p:nvPr/>
+        </p:nvSpPr>
+        <p:spPr>
+          <a:xfrm>
+            <a:off x="457200" y="6317773"/>
+            <a:ext cx="6503374" cy="369332"/>
+          </a:xfrm>
+          <a:prstGeom prst="rect">
+            <a:avLst/>
+          </a:prstGeom>
+          <a:noFill/>
+        </p:spPr>
+        <p:txBody>
+          <a:bodyPr wrap="square" rtlCol="0">
+            <a:spAutoFit/>
+          </a:bodyPr>
+          <a:lstStyle/>
+          <a:p>
+            <a:r>
+              <a:rPr lang="hu-HU" dirty="0"/>
+              <a:t>http://lukeplant.me.uk/blog/posts/docs-or-it-doesnt-exist/</a:t>
+            </a:r>
+            <a:endParaRPr lang="en-US" dirty="0"/>
+          </a:p>
+        </p:txBody>
+      </p:sp>
+    </p:spTree>
+    <p:extLst>
+      <p:ext uri="{BB962C8B-B14F-4D97-AF65-F5344CB8AC3E}">
+        <p14:creationId xmlns:p14="http://schemas.microsoft.com/office/powerpoint/2010/main" val="1657130435"/>
+      </p:ext>
+    </p:extLst>
+  </p:cSld>
+  <p:clrMapOvr>
+    <a:masterClrMapping/>
+  </p:clrMapOvr>
+</p:sld>
+</file>
+
+<file path=ppt/slides/slide23.xml><?xml version="1.0" encoding="utf-8"?>
+<p:sld xmlns:a="http://schemas.openxmlformats.org/drawingml/2006/main" xmlns:r="http://schemas.openxmlformats.org/officeDocument/2006/relationships" xmlns:p="http://schemas.openxmlformats.org/presentationml/2006/main">
+  <p:cSld>
+    <p:spTree>
+      <p:nvGrpSpPr>
+        <p:cNvPr id="1" name=""/>
+        <p:cNvGrpSpPr/>
+        <p:nvPr/>
+      </p:nvGrpSpPr>
+      <p:grpSpPr>
+        <a:xfrm>
+          <a:off x="0" y="0"/>
+          <a:ext cx="0" cy="0"/>
+          <a:chOff x="0" y="0"/>
+          <a:chExt cx="0" cy="0"/>
+        </a:xfrm>
+      </p:grpSpPr>
+      <p:sp>
+        <p:nvSpPr>
+          <p:cNvPr id="2" name="Title 1"/>
+          <p:cNvSpPr>
+            <a:spLocks noGrp="1"/>
+          </p:cNvSpPr>
+          <p:nvPr>
+            <p:ph type="title"/>
+          </p:nvPr>
+        </p:nvSpPr>
+        <p:spPr/>
+        <p:txBody>
+          <a:bodyPr/>
+          <a:lstStyle/>
+          <a:p>
+            <a:r>
+              <a:rPr lang="en-US" dirty="0" smtClean="0"/>
+              <a:t>Unit Testing</a:t>
+            </a:r>
+            <a:endParaRPr lang="en-US" dirty="0"/>
+          </a:p>
+        </p:txBody>
+      </p:sp>
+      <p:sp>
+        <p:nvSpPr>
+          <p:cNvPr id="3" name="Content Placeholder 2"/>
+          <p:cNvSpPr>
+            <a:spLocks noGrp="1"/>
+          </p:cNvSpPr>
+          <p:nvPr>
+            <p:ph idx="1"/>
+          </p:nvPr>
+        </p:nvSpPr>
+        <p:spPr/>
+        <p:txBody>
+          <a:bodyPr/>
+          <a:lstStyle/>
+          <a:p>
+            <a:r>
+              <a:rPr lang="en-US" dirty="0" smtClean="0"/>
+              <a:t>Test cases to ensure functionality of a program</a:t>
+            </a:r>
+          </a:p>
+          <a:p>
+            <a:r>
+              <a:rPr lang="en-US" dirty="0" smtClean="0"/>
+              <a:t>Especially important for software meant for a large user base/multiple collaborators</a:t>
+            </a:r>
+          </a:p>
+          <a:p>
+            <a:endParaRPr lang="en-US" dirty="0"/>
+          </a:p>
+        </p:txBody>
+      </p:sp>
+    </p:spTree>
+    <p:extLst>
+      <p:ext uri="{BB962C8B-B14F-4D97-AF65-F5344CB8AC3E}">
+        <p14:creationId xmlns:p14="http://schemas.microsoft.com/office/powerpoint/2010/main" val="3707379498"/>
+      </p:ext>
+    </p:extLst>
+  </p:cSld>
+  <p:clrMapOvr>
+    <a:masterClrMapping/>
+  </p:clrMapOvr>
+</p:sld>
+</file>
+
+<file path=ppt/slides/slide24.xml><?xml version="1.0" encoding="utf-8"?>
+<p:sld xmlns:a="http://schemas.openxmlformats.org/drawingml/2006/main" xmlns:r="http://schemas.openxmlformats.org/officeDocument/2006/relationships" xmlns:p="http://schemas.openxmlformats.org/presentationml/2006/main">
+  <p:cSld>
+    <p:spTree>
+      <p:nvGrpSpPr>
+        <p:cNvPr id="1" name=""/>
+        <p:cNvGrpSpPr/>
+        <p:nvPr/>
+      </p:nvGrpSpPr>
+      <p:grpSpPr>
+        <a:xfrm>
+          <a:off x="0" y="0"/>
+          <a:ext cx="0" cy="0"/>
+          <a:chOff x="0" y="0"/>
+          <a:chExt cx="0" cy="0"/>
+        </a:xfrm>
+      </p:grpSpPr>
+      <p:sp>
+        <p:nvSpPr>
+          <p:cNvPr id="2" name="Title 1"/>
+          <p:cNvSpPr>
+            <a:spLocks noGrp="1"/>
+          </p:cNvSpPr>
+          <p:nvPr>
+            <p:ph type="title"/>
+          </p:nvPr>
+        </p:nvSpPr>
+        <p:spPr/>
+        <p:txBody>
+          <a:bodyPr/>
+          <a:lstStyle/>
+          <a:p>
+            <a:r>
+              <a:rPr lang="en-US" dirty="0" smtClean="0"/>
+              <a:t>Unit Testing Demo</a:t>
+            </a:r>
+            <a:endParaRPr lang="en-US" dirty="0"/>
+          </a:p>
+        </p:txBody>
+      </p:sp>
+      <p:sp>
+        <p:nvSpPr>
+          <p:cNvPr id="3" name="Content Placeholder 2"/>
+          <p:cNvSpPr>
+            <a:spLocks noGrp="1"/>
+          </p:cNvSpPr>
+          <p:nvPr>
+            <p:ph idx="1"/>
+          </p:nvPr>
+        </p:nvSpPr>
+        <p:spPr/>
+        <p:txBody>
+          <a:bodyPr/>
+          <a:lstStyle/>
+          <a:p>
+            <a:endParaRPr lang="en-US"/>
+          </a:p>
+        </p:txBody>
+      </p:sp>
+    </p:spTree>
+    <p:extLst>
+      <p:ext uri="{BB962C8B-B14F-4D97-AF65-F5344CB8AC3E}">
+        <p14:creationId xmlns:p14="http://schemas.microsoft.com/office/powerpoint/2010/main" val="3829521175"/>
+      </p:ext>
+    </p:extLst>
+  </p:cSld>
+  <p:clrMapOvr>
+    <a:masterClrMapping/>
+  </p:clrMapOvr>
+</p:sld>
+</file>
+
+<file path=ppt/slides/slide25.xml><?xml version="1.0" encoding="utf-8"?>
+<p:sld xmlns:a="http://schemas.openxmlformats.org/drawingml/2006/main" xmlns:r="http://schemas.openxmlformats.org/officeDocument/2006/relationships" xmlns:p="http://schemas.openxmlformats.org/presentationml/2006/main">
+  <p:cSld>
+    <p:spTree>
+      <p:nvGrpSpPr>
+        <p:cNvPr id="1" name=""/>
+        <p:cNvGrpSpPr/>
+        <p:nvPr/>
+      </p:nvGrpSpPr>
+      <p:grpSpPr>
+        <a:xfrm>
+          <a:off x="0" y="0"/>
+          <a:ext cx="0" cy="0"/>
+          <a:chOff x="0" y="0"/>
+          <a:chExt cx="0" cy="0"/>
+        </a:xfrm>
+      </p:grpSpPr>
+      <p:sp>
+        <p:nvSpPr>
+          <p:cNvPr id="2" name="Title 1"/>
+          <p:cNvSpPr>
+            <a:spLocks noGrp="1"/>
+          </p:cNvSpPr>
+          <p:nvPr>
+            <p:ph type="title"/>
+          </p:nvPr>
+        </p:nvSpPr>
         <p:spPr>
           <a:solidFill>
             <a:schemeClr val="tx1"/>
@@ -6713,7 +6899,7 @@
 </p:sld>
 </file>
 
-<file path=ppt/slides/slide23.xml><?xml version="1.0" encoding="utf-8"?>
+<file path=ppt/slides/slide26.xml><?xml version="1.0" encoding="utf-8"?>
 <p:sld xmlns:a="http://schemas.openxmlformats.org/drawingml/2006/main" xmlns:r="http://schemas.openxmlformats.org/officeDocument/2006/relationships" xmlns:p="http://schemas.openxmlformats.org/presentationml/2006/main">
   <p:cSld>
     <p:spTree>
@@ -6773,7 +6959,7 @@
 </p:sld>
 </file>
 
-<file path=ppt/slides/slide24.xml><?xml version="1.0" encoding="utf-8"?>
+<file path=ppt/slides/slide27.xml><?xml version="1.0" encoding="utf-8"?>
 <p:sld xmlns:a="http://schemas.openxmlformats.org/drawingml/2006/main" xmlns:r="http://schemas.openxmlformats.org/officeDocument/2006/relationships" xmlns:p="http://schemas.openxmlformats.org/presentationml/2006/main">
   <p:cSld>
     <p:spTree>
@@ -6976,7 +7162,7 @@
 </p:sld>
 </file>
 
-<file path=ppt/slides/slide25.xml><?xml version="1.0" encoding="utf-8"?>
+<file path=ppt/slides/slide28.xml><?xml version="1.0" encoding="utf-8"?>
 <p:sld xmlns:a="http://schemas.openxmlformats.org/drawingml/2006/main" xmlns:r="http://schemas.openxmlformats.org/officeDocument/2006/relationships" xmlns:p="http://schemas.openxmlformats.org/presentationml/2006/main">
   <p:cSld>
     <p:spTree>
@@ -7106,7 +7292,7 @@
 </p:sld>
 </file>
 
-<file path=ppt/slides/slide26.xml><?xml version="1.0" encoding="utf-8"?>
+<file path=ppt/slides/slide29.xml><?xml version="1.0" encoding="utf-8"?>
 <p:sld xmlns:a="http://schemas.openxmlformats.org/drawingml/2006/main" xmlns:r="http://schemas.openxmlformats.org/officeDocument/2006/relationships" xmlns:p="http://schemas.openxmlformats.org/presentationml/2006/main">
   <p:cSld>
     <p:spTree>
@@ -7166,7 +7352,7 @@
 </p:sld>
 </file>
 
-<file path=ppt/slides/slide27.xml><?xml version="1.0" encoding="utf-8"?>
+<file path=ppt/slides/slide3.xml><?xml version="1.0" encoding="utf-8"?>
 <p:sld xmlns:a="http://schemas.openxmlformats.org/drawingml/2006/main" xmlns:r="http://schemas.openxmlformats.org/officeDocument/2006/relationships" xmlns:p="http://schemas.openxmlformats.org/presentationml/2006/main">
   <p:cSld>
     <p:spTree>
@@ -7185,6 +7371,167 @@
       </p:grpSpPr>
       <p:sp>
         <p:nvSpPr>
+          <p:cNvPr id="2" name="Title 1"/>
+          <p:cNvSpPr>
+            <a:spLocks noGrp="1"/>
+          </p:cNvSpPr>
+          <p:nvPr>
+            <p:ph type="title"/>
+          </p:nvPr>
+        </p:nvSpPr>
+        <p:spPr/>
+        <p:txBody>
+          <a:bodyPr/>
+          <a:lstStyle/>
+          <a:p>
+            <a:r>
+              <a:rPr lang="en-US" dirty="0" smtClean="0"/>
+              <a:t>Where I’m coming from</a:t>
+            </a:r>
+            <a:endParaRPr lang="en-US" dirty="0"/>
+          </a:p>
+        </p:txBody>
+      </p:sp>
+      <p:sp>
+        <p:nvSpPr>
+          <p:cNvPr id="3" name="Content Placeholder 2"/>
+          <p:cNvSpPr>
+            <a:spLocks noGrp="1"/>
+          </p:cNvSpPr>
+          <p:nvPr>
+            <p:ph idx="1"/>
+          </p:nvPr>
+        </p:nvSpPr>
+        <p:spPr/>
+        <p:txBody>
+          <a:bodyPr>
+            <a:normAutofit fontScale="77500" lnSpcReduction="20000"/>
+          </a:bodyPr>
+          <a:lstStyle/>
+          <a:p>
+            <a:r>
+              <a:rPr lang="en-US" dirty="0" smtClean="0"/>
+              <a:t>Undergraduate </a:t>
+            </a:r>
+          </a:p>
+          <a:p>
+            <a:pPr lvl="1"/>
+            <a:r>
+              <a:rPr lang="en-US" dirty="0" smtClean="0"/>
+              <a:t>Major in Math</a:t>
+            </a:r>
+          </a:p>
+          <a:p>
+            <a:pPr lvl="1"/>
+            <a:r>
+              <a:rPr lang="en-US" dirty="0" smtClean="0"/>
+              <a:t>Minor in Computer Science</a:t>
+            </a:r>
+          </a:p>
+          <a:p>
+            <a:pPr lvl="1"/>
+            <a:r>
+              <a:rPr lang="en-US" dirty="0" smtClean="0"/>
+              <a:t>No exposure to coding before undergrad </a:t>
+            </a:r>
+          </a:p>
+          <a:p>
+            <a:r>
+              <a:rPr lang="en-US" dirty="0" smtClean="0"/>
+              <a:t>Research </a:t>
+            </a:r>
+          </a:p>
+          <a:p>
+            <a:pPr lvl="1"/>
+            <a:r>
+              <a:rPr lang="en-US" dirty="0" smtClean="0"/>
+              <a:t>Undergraduate research in computational geophysics</a:t>
+            </a:r>
+          </a:p>
+          <a:p>
+            <a:pPr lvl="1"/>
+            <a:r>
+              <a:rPr lang="en-US" dirty="0" smtClean="0"/>
+              <a:t>Internship at Northwestern EPS department</a:t>
+            </a:r>
+          </a:p>
+          <a:p>
+            <a:r>
+              <a:rPr lang="en-US" dirty="0" smtClean="0"/>
+              <a:t>Industry</a:t>
+            </a:r>
+          </a:p>
+          <a:p>
+            <a:pPr lvl="1"/>
+            <a:r>
+              <a:rPr lang="en-US" dirty="0" smtClean="0"/>
+              <a:t>9 months as a software engineer at a Silicon Valley startup </a:t>
+            </a:r>
+          </a:p>
+          <a:p>
+            <a:r>
+              <a:rPr lang="en-US" dirty="0" smtClean="0"/>
+              <a:t>Current</a:t>
+            </a:r>
+          </a:p>
+          <a:p>
+            <a:pPr lvl="1"/>
+            <a:r>
+              <a:rPr lang="en-US" dirty="0"/>
+              <a:t>G</a:t>
+            </a:r>
+            <a:r>
+              <a:rPr lang="en-US" dirty="0" smtClean="0"/>
+              <a:t>raduate student (started Jun 30, 2014) </a:t>
+            </a:r>
+          </a:p>
+          <a:p>
+            <a:pPr lvl="1"/>
+            <a:r>
+              <a:rPr lang="en-US" dirty="0" smtClean="0"/>
+              <a:t>Electrical and Computer Engineering, Carnegie Mellon</a:t>
+            </a:r>
+          </a:p>
+          <a:p>
+            <a:endParaRPr lang="en-US" dirty="0" smtClean="0"/>
+          </a:p>
+          <a:p>
+            <a:endParaRPr lang="en-US" dirty="0"/>
+          </a:p>
+        </p:txBody>
+      </p:sp>
+    </p:spTree>
+    <p:extLst>
+      <p:ext uri="{BB962C8B-B14F-4D97-AF65-F5344CB8AC3E}">
+        <p14:creationId xmlns:p14="http://schemas.microsoft.com/office/powerpoint/2010/main" val="1092556029"/>
+      </p:ext>
+    </p:extLst>
+  </p:cSld>
+  <p:clrMapOvr>
+    <a:masterClrMapping/>
+  </p:clrMapOvr>
+</p:sld>
+</file>
+
+<file path=ppt/slides/slide30.xml><?xml version="1.0" encoding="utf-8"?>
+<p:sld xmlns:a="http://schemas.openxmlformats.org/drawingml/2006/main" xmlns:r="http://schemas.openxmlformats.org/officeDocument/2006/relationships" xmlns:p="http://schemas.openxmlformats.org/presentationml/2006/main">
+  <p:cSld>
+    <p:spTree>
+      <p:nvGrpSpPr>
+        <p:cNvPr id="1" name=""/>
+        <p:cNvGrpSpPr/>
+        <p:nvPr/>
+      </p:nvGrpSpPr>
+      <p:grpSpPr>
+        <a:xfrm>
+          <a:off x="0" y="0"/>
+          <a:ext cx="0" cy="0"/>
+          <a:chOff x="0" y="0"/>
+          <a:chExt cx="0" cy="0"/>
+        </a:xfrm>
+      </p:grpSpPr>
+      <p:sp>
+        <p:nvSpPr>
           <p:cNvPr id="7" name="Title 6"/>
           <p:cNvSpPr>
             <a:spLocks noGrp="1"/>
@@ -7312,7 +7659,7 @@
 </p:sld>
 </file>
 
-<file path=ppt/slides/slide28.xml><?xml version="1.0" encoding="utf-8"?>
+<file path=ppt/slides/slide31.xml><?xml version="1.0" encoding="utf-8"?>
 <p:sld xmlns:a="http://schemas.openxmlformats.org/drawingml/2006/main" xmlns:r="http://schemas.openxmlformats.org/officeDocument/2006/relationships" xmlns:p="http://schemas.openxmlformats.org/presentationml/2006/main">
   <p:cSld>
     <p:spTree>
@@ -7473,7 +7820,7 @@
 </p:sld>
 </file>
 
-<file path=ppt/slides/slide29.xml><?xml version="1.0" encoding="utf-8"?>
+<file path=ppt/slides/slide32.xml><?xml version="1.0" encoding="utf-8"?>
 <p:sld xmlns:a="http://schemas.openxmlformats.org/drawingml/2006/main" xmlns:r="http://schemas.openxmlformats.org/officeDocument/2006/relationships" xmlns:p="http://schemas.openxmlformats.org/presentationml/2006/main">
   <p:cSld>
     <p:spTree>
@@ -7574,167 +7921,6 @@
     <p:extLst>
       <p:ext uri="{BB962C8B-B14F-4D97-AF65-F5344CB8AC3E}">
         <p14:creationId xmlns:p14="http://schemas.microsoft.com/office/powerpoint/2010/main" val="2066637437"/>
-      </p:ext>
-    </p:extLst>
-  </p:cSld>
-  <p:clrMapOvr>
-    <a:masterClrMapping/>
-  </p:clrMapOvr>
-</p:sld>
-</file>
-
-<file path=ppt/slides/slide3.xml><?xml version="1.0" encoding="utf-8"?>
-<p:sld xmlns:a="http://schemas.openxmlformats.org/drawingml/2006/main" xmlns:r="http://schemas.openxmlformats.org/officeDocument/2006/relationships" xmlns:p="http://schemas.openxmlformats.org/presentationml/2006/main">
-  <p:cSld>
-    <p:spTree>
-      <p:nvGrpSpPr>
-        <p:cNvPr id="1" name=""/>
-        <p:cNvGrpSpPr/>
-        <p:nvPr/>
-      </p:nvGrpSpPr>
-      <p:grpSpPr>
-        <a:xfrm>
-          <a:off x="0" y="0"/>
-          <a:ext cx="0" cy="0"/>
-          <a:chOff x="0" y="0"/>
-          <a:chExt cx="0" cy="0"/>
-        </a:xfrm>
-      </p:grpSpPr>
-      <p:sp>
-        <p:nvSpPr>
-          <p:cNvPr id="2" name="Title 1"/>
-          <p:cNvSpPr>
-            <a:spLocks noGrp="1"/>
-          </p:cNvSpPr>
-          <p:nvPr>
-            <p:ph type="title"/>
-          </p:nvPr>
-        </p:nvSpPr>
-        <p:spPr/>
-        <p:txBody>
-          <a:bodyPr/>
-          <a:lstStyle/>
-          <a:p>
-            <a:r>
-              <a:rPr lang="en-US" dirty="0" smtClean="0"/>
-              <a:t>Where I’m coming from</a:t>
-            </a:r>
-            <a:endParaRPr lang="en-US" dirty="0"/>
-          </a:p>
-        </p:txBody>
-      </p:sp>
-      <p:sp>
-        <p:nvSpPr>
-          <p:cNvPr id="3" name="Content Placeholder 2"/>
-          <p:cNvSpPr>
-            <a:spLocks noGrp="1"/>
-          </p:cNvSpPr>
-          <p:nvPr>
-            <p:ph idx="1"/>
-          </p:nvPr>
-        </p:nvSpPr>
-        <p:spPr/>
-        <p:txBody>
-          <a:bodyPr>
-            <a:normAutofit fontScale="77500" lnSpcReduction="20000"/>
-          </a:bodyPr>
-          <a:lstStyle/>
-          <a:p>
-            <a:r>
-              <a:rPr lang="en-US" dirty="0" smtClean="0"/>
-              <a:t>Undergraduate </a:t>
-            </a:r>
-          </a:p>
-          <a:p>
-            <a:pPr lvl="1"/>
-            <a:r>
-              <a:rPr lang="en-US" dirty="0" smtClean="0"/>
-              <a:t>Major in Math</a:t>
-            </a:r>
-          </a:p>
-          <a:p>
-            <a:pPr lvl="1"/>
-            <a:r>
-              <a:rPr lang="en-US" dirty="0" smtClean="0"/>
-              <a:t>Minor in Computer Science</a:t>
-            </a:r>
-          </a:p>
-          <a:p>
-            <a:pPr lvl="1"/>
-            <a:r>
-              <a:rPr lang="en-US" dirty="0" smtClean="0"/>
-              <a:t>No exposure to coding before undergrad </a:t>
-            </a:r>
-          </a:p>
-          <a:p>
-            <a:r>
-              <a:rPr lang="en-US" dirty="0" smtClean="0"/>
-              <a:t>Research </a:t>
-            </a:r>
-          </a:p>
-          <a:p>
-            <a:pPr lvl="1"/>
-            <a:r>
-              <a:rPr lang="en-US" dirty="0" smtClean="0"/>
-              <a:t>Undergraduate research in computational geophysics</a:t>
-            </a:r>
-          </a:p>
-          <a:p>
-            <a:pPr lvl="1"/>
-            <a:r>
-              <a:rPr lang="en-US" dirty="0" smtClean="0"/>
-              <a:t>Internship at Northwestern EPS department</a:t>
-            </a:r>
-          </a:p>
-          <a:p>
-            <a:r>
-              <a:rPr lang="en-US" dirty="0" smtClean="0"/>
-              <a:t>Industry</a:t>
-            </a:r>
-          </a:p>
-          <a:p>
-            <a:pPr lvl="1"/>
-            <a:r>
-              <a:rPr lang="en-US" dirty="0" smtClean="0"/>
-              <a:t>9 months as a software engineer at a Silicon Valley startup </a:t>
-            </a:r>
-          </a:p>
-          <a:p>
-            <a:r>
-              <a:rPr lang="en-US" dirty="0" smtClean="0"/>
-              <a:t>Current</a:t>
-            </a:r>
-          </a:p>
-          <a:p>
-            <a:pPr lvl="1"/>
-            <a:r>
-              <a:rPr lang="en-US" dirty="0"/>
-              <a:t>G</a:t>
-            </a:r>
-            <a:r>
-              <a:rPr lang="en-US" dirty="0" smtClean="0"/>
-              <a:t>raduate student (started Jun 30, 2014) </a:t>
-            </a:r>
-          </a:p>
-          <a:p>
-            <a:pPr lvl="1"/>
-            <a:r>
-              <a:rPr lang="en-US" dirty="0" smtClean="0"/>
-              <a:t>Electrical and Computer Engineering, Carnegie Mellon</a:t>
-            </a:r>
-          </a:p>
-          <a:p>
-            <a:endParaRPr lang="en-US" dirty="0" smtClean="0"/>
-          </a:p>
-          <a:p>
-            <a:endParaRPr lang="en-US" dirty="0"/>
-          </a:p>
-        </p:txBody>
-      </p:sp>
-    </p:spTree>
-    <p:extLst>
-      <p:ext uri="{BB962C8B-B14F-4D97-AF65-F5344CB8AC3E}">
-        <p14:creationId xmlns:p14="http://schemas.microsoft.com/office/powerpoint/2010/main" val="1092556029"/>
       </p:ext>
     </p:extLst>
   </p:cSld>
@@ -8474,32 +8660,6 @@
               <a:latin typeface="American Typewriter"/>
               <a:cs typeface="American Typewriter"/>
             </a:endParaRPr>
-          </a:p>
-        </p:txBody>
-      </p:sp>
-      <p:sp>
-        <p:nvSpPr>
-          <p:cNvPr id="2" name="TextBox 1"/>
-          <p:cNvSpPr txBox="1"/>
-          <p:nvPr/>
-        </p:nvSpPr>
-        <p:spPr>
-          <a:xfrm>
-            <a:off x="1517471" y="6928106"/>
-            <a:ext cx="184666" cy="369332"/>
-          </a:xfrm>
-          <a:prstGeom prst="rect">
-            <a:avLst/>
-          </a:prstGeom>
-          <a:noFill/>
-        </p:spPr>
-        <p:txBody>
-          <a:bodyPr wrap="none" rtlCol="0">
-            <a:spAutoFit/>
-          </a:bodyPr>
-          <a:lstStyle/>
-          <a:p>
-            <a:endParaRPr lang="en-US" dirty="0"/>
           </a:p>
         </p:txBody>
       </p:sp>
@@ -8562,11 +8722,12 @@
           <a:p>
             <a:pPr algn="l"/>
             <a:r>
-              <a:rPr lang="en-US">
-                <a:solidFill>
-                  <a:srgbClr val="FFFF00"/>
-                </a:solidFill>
-                <a:latin typeface="Trebuchet MS" charset="0"/>
+              <a:rPr lang="en-US" dirty="0">
+                <a:solidFill>
+                  <a:schemeClr val="tx1"/>
+                </a:solidFill>
+                <a:latin typeface="American Typewriter"/>
+                <a:cs typeface="American Typewriter"/>
               </a:rPr>
               <a:t>// increment along the surface (x axis) </a:t>
             </a:r>
@@ -8574,29 +8735,32 @@
           <a:p>
             <a:pPr algn="l"/>
             <a:r>
-              <a:rPr lang="en-US">
-                <a:solidFill>
-                  <a:srgbClr val="FFFF00"/>
-                </a:solidFill>
-                <a:latin typeface="Trebuchet MS" charset="0"/>
+              <a:rPr lang="en-US" dirty="0">
+                <a:solidFill>
+                  <a:schemeClr val="tx1"/>
+                </a:solidFill>
+                <a:latin typeface="American Typewriter"/>
+                <a:cs typeface="American Typewriter"/>
               </a:rPr>
               <a:t>// summing each point</a:t>
             </a:r>
             <a:r>
-              <a:rPr lang="ja-JP" altLang="en-US">
-                <a:solidFill>
-                  <a:srgbClr val="FFFF00"/>
-                </a:solidFill>
-                <a:latin typeface="Arial"/>
+              <a:rPr lang="ja-JP" altLang="en-US" dirty="0">
+                <a:solidFill>
+                  <a:schemeClr val="tx1"/>
+                </a:solidFill>
+                <a:latin typeface="American Typewriter"/>
+                <a:cs typeface="American Typewriter"/>
               </a:rPr>
               <a:t>’</a:t>
             </a:r>
             <a:r>
-              <a:rPr lang="en-US">
-                <a:solidFill>
-                  <a:srgbClr val="FFFF00"/>
-                </a:solidFill>
-                <a:latin typeface="Trebuchet MS" charset="0"/>
+              <a:rPr lang="en-US" dirty="0">
+                <a:solidFill>
+                  <a:schemeClr val="tx1"/>
+                </a:solidFill>
+                <a:latin typeface="American Typewriter"/>
+                <a:cs typeface="American Typewriter"/>
               </a:rPr>
               <a:t>s contribution</a:t>
             </a:r>
@@ -8604,17 +8768,85 @@
           <a:p>
             <a:pPr algn="l"/>
             <a:r>
-              <a:rPr lang="en-US">
-                <a:latin typeface="Trebuchet MS" charset="0"/>
-              </a:rPr>
-              <a:t>for (i = 1; i &lt;= 100; i++)</a:t>
+              <a:rPr lang="en-US" dirty="0">
+                <a:solidFill>
+                  <a:schemeClr val="tx1"/>
+                </a:solidFill>
+                <a:latin typeface="American Typewriter"/>
+                <a:cs typeface="American Typewriter"/>
+              </a:rPr>
+              <a:t>for (</a:t>
+            </a:r>
+            <a:r>
+              <a:rPr lang="en-US" dirty="0" err="1">
+                <a:solidFill>
+                  <a:schemeClr val="tx1"/>
+                </a:solidFill>
+                <a:latin typeface="American Typewriter"/>
+                <a:cs typeface="American Typewriter"/>
+              </a:rPr>
+              <a:t>i</a:t>
+            </a:r>
+            <a:r>
+              <a:rPr lang="en-US" dirty="0">
+                <a:solidFill>
+                  <a:schemeClr val="tx1"/>
+                </a:solidFill>
+                <a:latin typeface="American Typewriter"/>
+                <a:cs typeface="American Typewriter"/>
+              </a:rPr>
+              <a:t> = 1; </a:t>
+            </a:r>
+            <a:r>
+              <a:rPr lang="en-US" dirty="0" err="1">
+                <a:solidFill>
+                  <a:schemeClr val="tx1"/>
+                </a:solidFill>
+                <a:latin typeface="American Typewriter"/>
+                <a:cs typeface="American Typewriter"/>
+              </a:rPr>
+              <a:t>i</a:t>
+            </a:r>
+            <a:r>
+              <a:rPr lang="en-US" dirty="0">
+                <a:solidFill>
+                  <a:schemeClr val="tx1"/>
+                </a:solidFill>
+                <a:latin typeface="American Typewriter"/>
+                <a:cs typeface="American Typewriter"/>
+              </a:rPr>
+              <a:t> &lt;= 100; </a:t>
+            </a:r>
+            <a:r>
+              <a:rPr lang="en-US" dirty="0" err="1">
+                <a:solidFill>
+                  <a:schemeClr val="tx1"/>
+                </a:solidFill>
+                <a:latin typeface="American Typewriter"/>
+                <a:cs typeface="American Typewriter"/>
+              </a:rPr>
+              <a:t>i</a:t>
+            </a:r>
+            <a:r>
+              <a:rPr lang="en-US" dirty="0">
+                <a:solidFill>
+                  <a:schemeClr val="tx1"/>
+                </a:solidFill>
+                <a:latin typeface="American Typewriter"/>
+                <a:cs typeface="American Typewriter"/>
+              </a:rPr>
+              <a:t>++)</a:t>
             </a:r>
           </a:p>
           <a:p>
             <a:pPr algn="l"/>
             <a:r>
-              <a:rPr lang="en-US">
-                <a:latin typeface="Trebuchet MS" charset="0"/>
+              <a:rPr lang="en-US" dirty="0">
+                <a:solidFill>
+                  <a:schemeClr val="tx1"/>
+                </a:solidFill>
+                <a:latin typeface="American Typewriter"/>
+                <a:cs typeface="American Typewriter"/>
               </a:rPr>
               <a:t>	{</a:t>
             </a:r>
@@ -8622,8 +8854,12 @@
           <a:p>
             <a:pPr algn="l"/>
             <a:r>
-              <a:rPr lang="en-US">
-                <a:latin typeface="Trebuchet MS" charset="0"/>
+              <a:rPr lang="en-US" dirty="0">
+                <a:solidFill>
+                  <a:schemeClr val="tx1"/>
+                </a:solidFill>
+                <a:latin typeface="American Typewriter"/>
+                <a:cs typeface="American Typewriter"/>
               </a:rPr>
               <a:t>	…</a:t>
             </a:r>
@@ -8631,8 +8867,12 @@
           <a:p>
             <a:pPr algn="l"/>
             <a:r>
-              <a:rPr lang="en-US">
-                <a:latin typeface="Trebuchet MS" charset="0"/>
+              <a:rPr lang="en-US" dirty="0">
+                <a:solidFill>
+                  <a:schemeClr val="tx1"/>
+                </a:solidFill>
+                <a:latin typeface="American Typewriter"/>
+                <a:cs typeface="American Typewriter"/>
               </a:rPr>
               <a:t>	…</a:t>
             </a:r>
@@ -8640,8 +8880,12 @@
           <a:p>
             <a:pPr algn="l"/>
             <a:r>
-              <a:rPr lang="en-US">
-                <a:latin typeface="Trebuchet MS" charset="0"/>
+              <a:rPr lang="en-US" dirty="0">
+                <a:solidFill>
+                  <a:schemeClr val="tx1"/>
+                </a:solidFill>
+                <a:latin typeface="American Typewriter"/>
+                <a:cs typeface="American Typewriter"/>
               </a:rPr>
               <a:t>	…</a:t>
             </a:r>
@@ -8649,64 +8893,15 @@
           <a:p>
             <a:pPr algn="l"/>
             <a:r>
-              <a:rPr lang="en-US">
-                <a:latin typeface="Trebuchet MS" charset="0"/>
+              <a:rPr lang="en-US" dirty="0">
+                <a:solidFill>
+                  <a:schemeClr val="tx1"/>
+                </a:solidFill>
+                <a:latin typeface="American Typewriter"/>
+                <a:cs typeface="American Typewriter"/>
               </a:rPr>
               <a:t>	}</a:t>
             </a:r>
-          </a:p>
-        </p:txBody>
-      </p:sp>
-      <p:sp>
-        <p:nvSpPr>
-          <p:cNvPr id="35844" name="Line 4"/>
-          <p:cNvSpPr>
-            <a:spLocks noChangeShapeType="1"/>
-          </p:cNvSpPr>
-          <p:nvPr/>
-        </p:nvSpPr>
-        <p:spPr bwMode="auto">
-          <a:xfrm>
-            <a:off x="457200" y="533400"/>
-            <a:ext cx="8305800" cy="0"/>
-          </a:xfrm>
-          <a:prstGeom prst="line">
-            <a:avLst/>
-          </a:prstGeom>
-          <a:noFill/>
-          <a:ln w="28575">
-            <a:solidFill>
-              <a:srgbClr val="FFFF00"/>
-            </a:solidFill>
-            <a:round/>
-            <a:headEnd type="diamond" w="med" len="sm"/>
-            <a:tailEnd type="diamond" w="med" len="sm"/>
-          </a:ln>
-          <a:effectLst/>
-          <a:extLst>
-            <a:ext uri="{909E8E84-426E-40dd-AFC4-6F175D3DCCD1}">
-              <a14:hiddenFill xmlns:a14="http://schemas.microsoft.com/office/drawing/2010/main">
-                <a:noFill/>
-              </a14:hiddenFill>
-            </a:ext>
-            <a:ext uri="{AF507438-7753-43e0-B8FC-AC1667EBCBE1}">
-              <a14:hiddenEffects xmlns:a14="http://schemas.microsoft.com/office/drawing/2010/main">
-                <a:effectLst>
-                  <a:outerShdw blurRad="63500" dist="38099" dir="2700000" algn="ctr" rotWithShape="0">
-                    <a:schemeClr val="bg2">
-                      <a:alpha val="74998"/>
-                    </a:schemeClr>
-                  </a:outerShdw>
-                </a:effectLst>
-              </a14:hiddenEffects>
-            </a:ext>
-          </a:extLst>
-        </p:spPr>
-        <p:txBody>
-          <a:bodyPr/>
-          <a:lstStyle/>
-          <a:p>
-            <a:endParaRPr lang="en-US"/>
           </a:p>
         </p:txBody>
       </p:sp>
@@ -8768,64 +8963,11 @@
           <a:lstStyle/>
           <a:p>
             <a:r>
-              <a:rPr lang="en-US" sz="4800">
+              <a:rPr lang="en-US" sz="4800" dirty="0">
                 <a:latin typeface="Trebuchet MS" charset="0"/>
               </a:rPr>
               <a:t>Write a header block</a:t>
             </a:r>
-          </a:p>
-        </p:txBody>
-      </p:sp>
-      <p:sp>
-        <p:nvSpPr>
-          <p:cNvPr id="46083" name="Line 3"/>
-          <p:cNvSpPr>
-            <a:spLocks noChangeShapeType="1"/>
-          </p:cNvSpPr>
-          <p:nvPr/>
-        </p:nvSpPr>
-        <p:spPr bwMode="auto">
-          <a:xfrm>
-            <a:off x="457200" y="533400"/>
-            <a:ext cx="8305800" cy="0"/>
-          </a:xfrm>
-          <a:prstGeom prst="line">
-            <a:avLst/>
-          </a:prstGeom>
-          <a:noFill/>
-          <a:ln w="28575">
-            <a:solidFill>
-              <a:srgbClr val="FFFF00"/>
-            </a:solidFill>
-            <a:round/>
-            <a:headEnd type="diamond" w="med" len="sm"/>
-            <a:tailEnd type="diamond" w="med" len="sm"/>
-          </a:ln>
-          <a:effectLst/>
-          <a:extLst>
-            <a:ext uri="{909E8E84-426E-40dd-AFC4-6F175D3DCCD1}">
-              <a14:hiddenFill xmlns:a14="http://schemas.microsoft.com/office/drawing/2010/main">
-                <a:noFill/>
-              </a14:hiddenFill>
-            </a:ext>
-            <a:ext uri="{AF507438-7753-43e0-B8FC-AC1667EBCBE1}">
-              <a14:hiddenEffects xmlns:a14="http://schemas.microsoft.com/office/drawing/2010/main">
-                <a:effectLst>
-                  <a:outerShdw blurRad="63500" dist="38099" dir="2700000" algn="ctr" rotWithShape="0">
-                    <a:schemeClr val="bg2">
-                      <a:alpha val="74998"/>
-                    </a:schemeClr>
-                  </a:outerShdw>
-                </a:effectLst>
-              </a14:hiddenEffects>
-            </a:ext>
-          </a:extLst>
-        </p:spPr>
-        <p:txBody>
-          <a:bodyPr/>
-          <a:lstStyle/>
-          <a:p>
-            <a:endParaRPr lang="en-US"/>
           </a:p>
         </p:txBody>
       </p:sp>
@@ -8846,19 +8988,25 @@
           </a:xfrm>
         </p:spPr>
         <p:txBody>
-          <a:bodyPr/>
+          <a:bodyPr>
+            <a:normAutofit fontScale="92500" lnSpcReduction="20000"/>
+          </a:bodyPr>
           <a:lstStyle/>
           <a:p>
             <a:pPr algn="l"/>
-            <a:endParaRPr lang="en-US" sz="2400">
+            <a:endParaRPr lang="en-US" sz="2400" dirty="0">
               <a:latin typeface="Trebuchet MS" charset="0"/>
             </a:endParaRPr>
           </a:p>
           <a:p>
             <a:pPr algn="l"/>
             <a:r>
-              <a:rPr lang="en-US" sz="2400">
-                <a:latin typeface="Trebuchet MS" charset="0"/>
+              <a:rPr lang="en-US" sz="2400" dirty="0">
+                <a:solidFill>
+                  <a:schemeClr val="tx1"/>
+                </a:solidFill>
+                <a:latin typeface="American Typewriter"/>
+                <a:cs typeface="American Typewriter"/>
               </a:rPr>
               <a:t>/******************************************************************/</a:t>
             </a:r>
@@ -8866,8 +9014,12 @@
           <a:p>
             <a:pPr algn="l"/>
             <a:r>
-              <a:rPr lang="en-US" sz="2400">
-                <a:latin typeface="Trebuchet MS" charset="0"/>
+              <a:rPr lang="en-US" sz="2400" dirty="0">
+                <a:solidFill>
+                  <a:schemeClr val="tx1"/>
+                </a:solidFill>
+                <a:latin typeface="American Typewriter"/>
+                <a:cs typeface="American Typewriter"/>
               </a:rPr>
               <a:t>/* 2-dimensional channel flow program                       */</a:t>
             </a:r>
@@ -8875,8 +9027,12 @@
           <a:p>
             <a:pPr algn="l"/>
             <a:r>
-              <a:rPr lang="en-US" sz="2400">
-                <a:latin typeface="Trebuchet MS" charset="0"/>
+              <a:rPr lang="en-US" sz="2400" dirty="0">
+                <a:solidFill>
+                  <a:schemeClr val="tx1"/>
+                </a:solidFill>
+                <a:latin typeface="American Typewriter"/>
+                <a:cs typeface="American Typewriter"/>
               </a:rPr>
               <a:t>/*   for channels with free upper surface                     */</a:t>
             </a:r>
@@ -8884,8 +9040,12 @@
           <a:p>
             <a:pPr algn="l"/>
             <a:r>
-              <a:rPr lang="en-US" sz="2400">
-                <a:latin typeface="Trebuchet MS" charset="0"/>
+              <a:rPr lang="en-US" sz="2400" dirty="0">
+                <a:solidFill>
+                  <a:schemeClr val="tx1"/>
+                </a:solidFill>
+                <a:latin typeface="American Typewriter"/>
+                <a:cs typeface="American Typewriter"/>
               </a:rPr>
               <a:t>/*                                                                              */</a:t>
             </a:r>
@@ -8893,8 +9053,12 @@
           <a:p>
             <a:pPr algn="l"/>
             <a:r>
-              <a:rPr lang="en-US" sz="2400">
-                <a:latin typeface="Trebuchet MS" charset="0"/>
+              <a:rPr lang="en-US" sz="2400" dirty="0">
+                <a:solidFill>
+                  <a:schemeClr val="tx1"/>
+                </a:solidFill>
+                <a:latin typeface="American Typewriter"/>
+                <a:cs typeface="American Typewriter"/>
               </a:rPr>
               <a:t>/* Original by JD West, 01/08/2006                            */</a:t>
             </a:r>
@@ -8902,8 +9066,12 @@
           <a:p>
             <a:pPr algn="l"/>
             <a:r>
-              <a:rPr lang="en-US" sz="2400">
-                <a:latin typeface="Trebuchet MS" charset="0"/>
+              <a:rPr lang="en-US" sz="2400" dirty="0">
+                <a:solidFill>
+                  <a:schemeClr val="tx1"/>
+                </a:solidFill>
+                <a:latin typeface="American Typewriter"/>
+                <a:cs typeface="American Typewriter"/>
               </a:rPr>
               <a:t>/* Modified 02/11/2007 to increase resolution            */</a:t>
             </a:r>
@@ -8911,8 +9079,12 @@
           <a:p>
             <a:pPr algn="l"/>
             <a:r>
-              <a:rPr lang="en-US" sz="2400">
-                <a:latin typeface="Trebuchet MS" charset="0"/>
+              <a:rPr lang="en-US" sz="2400" dirty="0">
+                <a:solidFill>
+                  <a:schemeClr val="tx1"/>
+                </a:solidFill>
+                <a:latin typeface="American Typewriter"/>
+                <a:cs typeface="American Typewriter"/>
               </a:rPr>
               <a:t>/******************************************************************/</a:t>
             </a:r>

--- a/BasicsOfCoding/BasicsOfCoding.pptx
+++ b/BasicsOfCoding/BasicsOfCoding.pptx
@@ -5,7 +5,7 @@
     <p:sldMasterId id="2147483648" r:id="rId1"/>
   </p:sldMasterIdLst>
   <p:notesMasterIdLst>
-    <p:notesMasterId r:id="rId34"/>
+    <p:notesMasterId r:id="rId35"/>
   </p:notesMasterIdLst>
   <p:sldIdLst>
     <p:sldId id="256" r:id="rId2"/>
@@ -18,28 +18,29 @@
     <p:sldId id="287" r:id="rId9"/>
     <p:sldId id="279" r:id="rId10"/>
     <p:sldId id="280" r:id="rId11"/>
-    <p:sldId id="281" r:id="rId12"/>
-    <p:sldId id="282" r:id="rId13"/>
-    <p:sldId id="283" r:id="rId14"/>
-    <p:sldId id="284" r:id="rId15"/>
-    <p:sldId id="288" r:id="rId16"/>
-    <p:sldId id="289" r:id="rId17"/>
-    <p:sldId id="263" r:id="rId18"/>
-    <p:sldId id="277" r:id="rId19"/>
-    <p:sldId id="278" r:id="rId20"/>
-    <p:sldId id="264" r:id="rId21"/>
-    <p:sldId id="275" r:id="rId22"/>
-    <p:sldId id="276" r:id="rId23"/>
-    <p:sldId id="290" r:id="rId24"/>
-    <p:sldId id="291" r:id="rId25"/>
-    <p:sldId id="265" r:id="rId26"/>
-    <p:sldId id="267" r:id="rId27"/>
-    <p:sldId id="269" r:id="rId28"/>
-    <p:sldId id="274" r:id="rId29"/>
-    <p:sldId id="270" r:id="rId30"/>
-    <p:sldId id="272" r:id="rId31"/>
-    <p:sldId id="273" r:id="rId32"/>
-    <p:sldId id="268" r:id="rId33"/>
+    <p:sldId id="292" r:id="rId12"/>
+    <p:sldId id="281" r:id="rId13"/>
+    <p:sldId id="282" r:id="rId14"/>
+    <p:sldId id="283" r:id="rId15"/>
+    <p:sldId id="284" r:id="rId16"/>
+    <p:sldId id="288" r:id="rId17"/>
+    <p:sldId id="289" r:id="rId18"/>
+    <p:sldId id="263" r:id="rId19"/>
+    <p:sldId id="277" r:id="rId20"/>
+    <p:sldId id="278" r:id="rId21"/>
+    <p:sldId id="264" r:id="rId22"/>
+    <p:sldId id="275" r:id="rId23"/>
+    <p:sldId id="276" r:id="rId24"/>
+    <p:sldId id="290" r:id="rId25"/>
+    <p:sldId id="291" r:id="rId26"/>
+    <p:sldId id="265" r:id="rId27"/>
+    <p:sldId id="267" r:id="rId28"/>
+    <p:sldId id="269" r:id="rId29"/>
+    <p:sldId id="274" r:id="rId30"/>
+    <p:sldId id="270" r:id="rId31"/>
+    <p:sldId id="272" r:id="rId32"/>
+    <p:sldId id="273" r:id="rId33"/>
+    <p:sldId id="268" r:id="rId34"/>
   </p:sldIdLst>
   <p:sldSz cx="9144000" cy="6858000" type="screen4x3"/>
   <p:notesSz cx="6858000" cy="9144000"/>
@@ -223,7 +224,7 @@
           <a:p>
             <a:fld id="{61D397DF-A733-5248-B82E-D2752A07DE73}" type="datetimeFigureOut">
               <a:rPr lang="en-US" smtClean="0"/>
-              <a:t>7/10/14</a:t>
+              <a:t>7/11/14</a:t>
             </a:fld>
             <a:endParaRPr lang="en-US"/>
           </a:p>
@@ -756,7 +757,7 @@
           <a:p>
             <a:fld id="{6EB5AF22-7E07-4B46-95AE-FB6A415E8F1F}" type="datetimeFigureOut">
               <a:rPr lang="en-US" smtClean="0"/>
-              <a:t>7/10/14</a:t>
+              <a:t>7/11/14</a:t>
             </a:fld>
             <a:endParaRPr lang="en-US"/>
           </a:p>
@@ -926,7 +927,7 @@
           <a:p>
             <a:fld id="{6EB5AF22-7E07-4B46-95AE-FB6A415E8F1F}" type="datetimeFigureOut">
               <a:rPr lang="en-US" smtClean="0"/>
-              <a:t>7/10/14</a:t>
+              <a:t>7/11/14</a:t>
             </a:fld>
             <a:endParaRPr lang="en-US"/>
           </a:p>
@@ -1106,7 +1107,7 @@
           <a:p>
             <a:fld id="{6EB5AF22-7E07-4B46-95AE-FB6A415E8F1F}" type="datetimeFigureOut">
               <a:rPr lang="en-US" smtClean="0"/>
-              <a:t>7/10/14</a:t>
+              <a:t>7/11/14</a:t>
             </a:fld>
             <a:endParaRPr lang="en-US"/>
           </a:p>
@@ -1276,7 +1277,7 @@
           <a:p>
             <a:fld id="{6EB5AF22-7E07-4B46-95AE-FB6A415E8F1F}" type="datetimeFigureOut">
               <a:rPr lang="en-US" smtClean="0"/>
-              <a:t>7/10/14</a:t>
+              <a:t>7/11/14</a:t>
             </a:fld>
             <a:endParaRPr lang="en-US"/>
           </a:p>
@@ -1522,7 +1523,7 @@
           <a:p>
             <a:fld id="{6EB5AF22-7E07-4B46-95AE-FB6A415E8F1F}" type="datetimeFigureOut">
               <a:rPr lang="en-US" smtClean="0"/>
-              <a:t>7/10/14</a:t>
+              <a:t>7/11/14</a:t>
             </a:fld>
             <a:endParaRPr lang="en-US"/>
           </a:p>
@@ -1810,7 +1811,7 @@
           <a:p>
             <a:fld id="{6EB5AF22-7E07-4B46-95AE-FB6A415E8F1F}" type="datetimeFigureOut">
               <a:rPr lang="en-US" smtClean="0"/>
-              <a:t>7/10/14</a:t>
+              <a:t>7/11/14</a:t>
             </a:fld>
             <a:endParaRPr lang="en-US"/>
           </a:p>
@@ -2232,7 +2233,7 @@
           <a:p>
             <a:fld id="{6EB5AF22-7E07-4B46-95AE-FB6A415E8F1F}" type="datetimeFigureOut">
               <a:rPr lang="en-US" smtClean="0"/>
-              <a:t>7/10/14</a:t>
+              <a:t>7/11/14</a:t>
             </a:fld>
             <a:endParaRPr lang="en-US"/>
           </a:p>
@@ -2350,7 +2351,7 @@
           <a:p>
             <a:fld id="{6EB5AF22-7E07-4B46-95AE-FB6A415E8F1F}" type="datetimeFigureOut">
               <a:rPr lang="en-US" smtClean="0"/>
-              <a:t>7/10/14</a:t>
+              <a:t>7/11/14</a:t>
             </a:fld>
             <a:endParaRPr lang="en-US"/>
           </a:p>
@@ -2445,7 +2446,7 @@
           <a:p>
             <a:fld id="{6EB5AF22-7E07-4B46-95AE-FB6A415E8F1F}" type="datetimeFigureOut">
               <a:rPr lang="en-US" smtClean="0"/>
-              <a:t>7/10/14</a:t>
+              <a:t>7/11/14</a:t>
             </a:fld>
             <a:endParaRPr lang="en-US"/>
           </a:p>
@@ -2722,7 +2723,7 @@
           <a:p>
             <a:fld id="{6EB5AF22-7E07-4B46-95AE-FB6A415E8F1F}" type="datetimeFigureOut">
               <a:rPr lang="en-US" smtClean="0"/>
-              <a:t>7/10/14</a:t>
+              <a:t>7/11/14</a:t>
             </a:fld>
             <a:endParaRPr lang="en-US"/>
           </a:p>
@@ -2975,7 +2976,7 @@
           <a:p>
             <a:fld id="{6EB5AF22-7E07-4B46-95AE-FB6A415E8F1F}" type="datetimeFigureOut">
               <a:rPr lang="en-US" smtClean="0"/>
-              <a:t>7/10/14</a:t>
+              <a:t>7/11/14</a:t>
             </a:fld>
             <a:endParaRPr lang="en-US"/>
           </a:p>
@@ -3188,7 +3189,7 @@
           <a:p>
             <a:fld id="{6EB5AF22-7E07-4B46-95AE-FB6A415E8F1F}" type="datetimeFigureOut">
               <a:rPr lang="en-US" smtClean="0"/>
-              <a:t>7/10/14</a:t>
+              <a:t>7/11/14</a:t>
             </a:fld>
             <a:endParaRPr lang="en-US"/>
           </a:p>
@@ -3573,16 +3574,36 @@
             <p:ph type="ctrTitle"/>
           </p:nvPr>
         </p:nvSpPr>
-        <p:spPr/>
+        <p:spPr>
+          <a:solidFill>
+            <a:schemeClr val="tx1"/>
+          </a:solidFill>
+        </p:spPr>
         <p:txBody>
           <a:bodyPr/>
           <a:lstStyle/>
           <a:p>
             <a:r>
-              <a:rPr lang="en-US" dirty="0" smtClean="0"/>
-              <a:t>Best Coding Practices</a:t>
-            </a:r>
-            <a:endParaRPr lang="en-US" dirty="0"/>
+              <a:rPr lang="en-US" dirty="0" smtClean="0">
+                <a:solidFill>
+                  <a:schemeClr val="bg1"/>
+                </a:solidFill>
+              </a:rPr>
+              <a:t>Good Coding </a:t>
+            </a:r>
+            <a:r>
+              <a:rPr lang="en-US" dirty="0" smtClean="0">
+                <a:solidFill>
+                  <a:schemeClr val="bg1"/>
+                </a:solidFill>
+              </a:rPr>
+              <a:t>Practices</a:t>
+            </a:r>
+            <a:endParaRPr lang="en-US" dirty="0">
+              <a:solidFill>
+                <a:schemeClr val="bg1"/>
+              </a:solidFill>
+            </a:endParaRPr>
           </a:p>
         </p:txBody>
       </p:sp>
@@ -3620,6 +3641,32 @@
               <a:t>August 4, 2014</a:t>
             </a:r>
             <a:endParaRPr lang="en-US" dirty="0"/>
+          </a:p>
+        </p:txBody>
+      </p:sp>
+      <p:sp>
+        <p:nvSpPr>
+          <p:cNvPr id="4" name="TextBox 3"/>
+          <p:cNvSpPr txBox="1"/>
+          <p:nvPr/>
+        </p:nvSpPr>
+        <p:spPr>
+          <a:xfrm>
+            <a:off x="2408161" y="1732026"/>
+            <a:ext cx="184666" cy="369332"/>
+          </a:xfrm>
+          <a:prstGeom prst="rect">
+            <a:avLst/>
+          </a:prstGeom>
+          <a:noFill/>
+        </p:spPr>
+        <p:txBody>
+          <a:bodyPr wrap="none" rtlCol="0">
+            <a:spAutoFit/>
+          </a:bodyPr>
+          <a:lstStyle/>
+          <a:p>
+            <a:endParaRPr lang="en-US"/>
           </a:p>
         </p:txBody>
       </p:sp>
@@ -3970,7 +4017,7 @@
         </p:nvSpPr>
         <p:spPr>
           <a:xfrm>
-            <a:off x="457200" y="762000"/>
+            <a:off x="457200" y="500119"/>
             <a:ext cx="8305800" cy="1295400"/>
           </a:xfrm>
         </p:spPr>
@@ -4081,17 +4128,37 @@
                 <a:latin typeface="American Typewriter"/>
                 <a:cs typeface="American Typewriter"/>
               </a:rPr>
-              <a:t>for (</a:t>
-            </a:r>
-            <a:r>
-              <a:rPr lang="en-US" dirty="0" err="1">
-                <a:solidFill>
-                  <a:schemeClr val="tx1"/>
-                </a:solidFill>
-                <a:latin typeface="American Typewriter"/>
-                <a:cs typeface="American Typewriter"/>
-              </a:rPr>
-              <a:t>iLength</a:t>
+              <a:t>for </a:t>
+            </a:r>
+            <a:r>
+              <a:rPr lang="en-US" dirty="0" smtClean="0">
+                <a:solidFill>
+                  <a:schemeClr val="tx1"/>
+                </a:solidFill>
+                <a:latin typeface="American Typewriter"/>
+                <a:cs typeface="American Typewriter"/>
+              </a:rPr>
+              <a:t>(</a:t>
+            </a:r>
+            <a:r>
+              <a:rPr lang="en-US" dirty="0" err="1" smtClean="0">
+                <a:solidFill>
+                  <a:schemeClr val="tx1"/>
+                </a:solidFill>
+                <a:latin typeface="American Typewriter"/>
+                <a:cs typeface="American Typewriter"/>
+              </a:rPr>
+              <a:t>i</a:t>
+            </a:r>
+            <a:r>
+              <a:rPr lang="en-US" dirty="0" smtClean="0">
+                <a:solidFill>
+                  <a:schemeClr val="tx1"/>
+                </a:solidFill>
+                <a:latin typeface="American Typewriter"/>
+                <a:cs typeface="American Typewriter"/>
+              </a:rPr>
+              <a:t> </a:t>
             </a:r>
             <a:r>
               <a:rPr lang="en-US" dirty="0">
@@ -4101,17 +4168,27 @@
                 <a:latin typeface="American Typewriter"/>
                 <a:cs typeface="American Typewriter"/>
               </a:rPr>
-              <a:t> = 1; </a:t>
-            </a:r>
-            <a:r>
-              <a:rPr lang="en-US" dirty="0" err="1">
-                <a:solidFill>
-                  <a:schemeClr val="tx1"/>
-                </a:solidFill>
-                <a:latin typeface="American Typewriter"/>
-                <a:cs typeface="American Typewriter"/>
-              </a:rPr>
-              <a:t>iLength</a:t>
+              <a:t>= 1; </a:t>
+            </a:r>
+            <a:r>
+              <a:rPr lang="en-US" dirty="0" err="1" smtClean="0">
+                <a:solidFill>
+                  <a:schemeClr val="tx1"/>
+                </a:solidFill>
+                <a:latin typeface="American Typewriter"/>
+                <a:cs typeface="American Typewriter"/>
+              </a:rPr>
+              <a:t>i</a:t>
+            </a:r>
+            <a:r>
+              <a:rPr lang="en-US" dirty="0" smtClean="0">
+                <a:solidFill>
+                  <a:schemeClr val="tx1"/>
+                </a:solidFill>
+                <a:latin typeface="American Typewriter"/>
+                <a:cs typeface="American Typewriter"/>
+              </a:rPr>
+              <a:t> </a:t>
             </a:r>
             <a:r>
               <a:rPr lang="en-US" dirty="0">
@@ -4121,17 +4198,37 @@
                 <a:latin typeface="American Typewriter"/>
                 <a:cs typeface="American Typewriter"/>
               </a:rPr>
-              <a:t> &lt;= </a:t>
-            </a:r>
-            <a:r>
-              <a:rPr lang="en-US" dirty="0" err="1">
-                <a:solidFill>
-                  <a:schemeClr val="tx1"/>
-                </a:solidFill>
-                <a:latin typeface="American Typewriter"/>
-                <a:cs typeface="American Typewriter"/>
-              </a:rPr>
-              <a:t>iMax</a:t>
+              <a:t>&lt;= </a:t>
+            </a:r>
+            <a:r>
+              <a:rPr lang="en-US" dirty="0" smtClean="0">
+                <a:solidFill>
+                  <a:schemeClr val="tx1"/>
+                </a:solidFill>
+                <a:latin typeface="American Typewriter"/>
+                <a:cs typeface="American Typewriter"/>
+              </a:rPr>
+              <a:t>27; </a:t>
+            </a:r>
+            <a:r>
+              <a:rPr lang="en-US" dirty="0" err="1" smtClean="0">
+                <a:solidFill>
+                  <a:schemeClr val="tx1"/>
+                </a:solidFill>
+                <a:latin typeface="American Typewriter"/>
+                <a:cs typeface="American Typewriter"/>
+              </a:rPr>
+              <a:t>i</a:t>
+            </a:r>
+            <a:r>
+              <a:rPr lang="en-US" dirty="0" smtClean="0">
+                <a:solidFill>
+                  <a:schemeClr val="tx1"/>
+                </a:solidFill>
+                <a:latin typeface="American Typewriter"/>
+                <a:cs typeface="American Typewriter"/>
+              </a:rPr>
+              <a:t>+</a:t>
             </a:r>
             <a:r>
               <a:rPr lang="en-US" dirty="0">
@@ -4141,27 +4238,7 @@
                 <a:latin typeface="American Typewriter"/>
                 <a:cs typeface="American Typewriter"/>
               </a:rPr>
-              <a:t>; </a:t>
-            </a:r>
-            <a:r>
-              <a:rPr lang="en-US" dirty="0" err="1">
-                <a:solidFill>
-                  <a:schemeClr val="tx1"/>
-                </a:solidFill>
-                <a:latin typeface="American Typewriter"/>
-                <a:cs typeface="American Typewriter"/>
-              </a:rPr>
-              <a:t>iLength</a:t>
-            </a:r>
-            <a:r>
-              <a:rPr lang="en-US" dirty="0">
-                <a:solidFill>
-                  <a:schemeClr val="tx1"/>
-                </a:solidFill>
-                <a:latin typeface="American Typewriter"/>
-                <a:cs typeface="American Typewriter"/>
-              </a:rPr>
-              <a:t>++)</a:t>
+              <a:t>+)</a:t>
             </a:r>
           </a:p>
           <a:p>
@@ -4254,7 +4331,7 @@
     </p:spTree>
     <p:extLst>
       <p:ext uri="{BB962C8B-B14F-4D97-AF65-F5344CB8AC3E}">
-        <p14:creationId xmlns:p14="http://schemas.microsoft.com/office/powerpoint/2010/main" val="2827953884"/>
+        <p14:creationId xmlns:p14="http://schemas.microsoft.com/office/powerpoint/2010/main" val="878237750"/>
       </p:ext>
     </p:extLst>
   </p:cSld>
@@ -4290,7 +4367,7 @@
       </p:grpSpPr>
       <p:sp>
         <p:nvSpPr>
-          <p:cNvPr id="93186" name="Rectangle 2"/>
+          <p:cNvPr id="54274" name="Rectangle 2"/>
           <p:cNvSpPr>
             <a:spLocks noGrp="1" noChangeArrowheads="1"/>
           </p:cNvSpPr>
@@ -4300,26 +4377,31 @@
         </p:nvSpPr>
         <p:spPr>
           <a:xfrm>
-            <a:off x="609600" y="685800"/>
-            <a:ext cx="7848600" cy="914400"/>
+            <a:off x="457200" y="500119"/>
+            <a:ext cx="8305800" cy="1295400"/>
           </a:xfrm>
         </p:spPr>
         <p:txBody>
-          <a:bodyPr/>
-          <a:lstStyle/>
-          <a:p>
-            <a:r>
-              <a:rPr lang="en-US" sz="4800" dirty="0">
+          <a:bodyPr>
+            <a:normAutofit/>
+          </a:bodyPr>
+          <a:lstStyle/>
+          <a:p>
+            <a:r>
+              <a:rPr lang="en-US" sz="4800" dirty="0" smtClean="0">
                 <a:latin typeface="Trebuchet MS" charset="0"/>
               </a:rPr>
-              <a:t>Or, use an external file</a:t>
-            </a:r>
-          </a:p>
-        </p:txBody>
-      </p:sp>
-      <p:sp>
-        <p:nvSpPr>
-          <p:cNvPr id="93187" name="Rectangle 3"/>
+              <a:t>No magic (numbers)</a:t>
+            </a:r>
+            <a:endParaRPr lang="en-US" sz="4800" dirty="0">
+              <a:latin typeface="Trebuchet MS" charset="0"/>
+            </a:endParaRPr>
+          </a:p>
+        </p:txBody>
+      </p:sp>
+      <p:sp>
+        <p:nvSpPr>
+          <p:cNvPr id="54275" name="Rectangle 3"/>
           <p:cNvSpPr>
             <a:spLocks noGrp="1" noChangeArrowheads="1"/>
           </p:cNvSpPr>
@@ -4329,50 +4411,87 @@
         </p:nvSpPr>
         <p:spPr>
           <a:xfrm>
-            <a:off x="609600" y="2057400"/>
-            <a:ext cx="8153400" cy="4495800"/>
+            <a:off x="139858" y="2067022"/>
+            <a:ext cx="8839200" cy="4419600"/>
           </a:xfrm>
         </p:spPr>
         <p:txBody>
-          <a:bodyPr/>
-          <a:lstStyle/>
-          <a:p>
-            <a:pPr algn="l"/>
-            <a:r>
-              <a:rPr lang="en-US" sz="2800" dirty="0">
-                <a:solidFill>
-                  <a:schemeClr val="tx1"/>
-                </a:solidFill>
-                <a:latin typeface="American Typewriter"/>
-                <a:cs typeface="American Typewriter"/>
-              </a:rPr>
-              <a:t>// Declarations</a:t>
-            </a:r>
-          </a:p>
-          <a:p>
-            <a:pPr algn="l"/>
-            <a:r>
-              <a:rPr lang="en-US" sz="2800" dirty="0" err="1">
-                <a:solidFill>
-                  <a:schemeClr val="tx1"/>
-                </a:solidFill>
-                <a:latin typeface="American Typewriter"/>
-                <a:cs typeface="American Typewriter"/>
-              </a:rPr>
-              <a:t>int</a:t>
-            </a:r>
-            <a:r>
-              <a:rPr lang="en-US" sz="2800" dirty="0">
-                <a:solidFill>
-                  <a:schemeClr val="tx1"/>
-                </a:solidFill>
-                <a:latin typeface="American Typewriter"/>
-                <a:cs typeface="American Typewriter"/>
-              </a:rPr>
-              <a:t>		</a:t>
-            </a:r>
-            <a:r>
-              <a:rPr lang="en-US" sz="2800" dirty="0" err="1">
+          <a:bodyPr>
+            <a:normAutofit/>
+          </a:bodyPr>
+          <a:lstStyle/>
+          <a:p>
+            <a:pPr algn="l">
+              <a:lnSpc>
+                <a:spcPct val="90000"/>
+              </a:lnSpc>
+            </a:pPr>
+            <a:r>
+              <a:rPr lang="en-US" dirty="0">
+                <a:solidFill>
+                  <a:schemeClr val="tx1"/>
+                </a:solidFill>
+                <a:latin typeface="American Typewriter"/>
+                <a:cs typeface="American Typewriter"/>
+              </a:rPr>
+              <a:t>// increment along the surface (x axis) </a:t>
+            </a:r>
+          </a:p>
+          <a:p>
+            <a:pPr algn="l">
+              <a:lnSpc>
+                <a:spcPct val="90000"/>
+              </a:lnSpc>
+            </a:pPr>
+            <a:r>
+              <a:rPr lang="en-US" dirty="0">
+                <a:solidFill>
+                  <a:schemeClr val="tx1"/>
+                </a:solidFill>
+                <a:latin typeface="American Typewriter"/>
+                <a:cs typeface="American Typewriter"/>
+              </a:rPr>
+              <a:t>// summing each point</a:t>
+            </a:r>
+            <a:r>
+              <a:rPr lang="ja-JP" altLang="en-US" dirty="0">
+                <a:solidFill>
+                  <a:schemeClr val="tx1"/>
+                </a:solidFill>
+                <a:latin typeface="American Typewriter"/>
+                <a:cs typeface="American Typewriter"/>
+              </a:rPr>
+              <a:t>’</a:t>
+            </a:r>
+            <a:r>
+              <a:rPr lang="en-US" dirty="0">
+                <a:solidFill>
+                  <a:schemeClr val="tx1"/>
+                </a:solidFill>
+                <a:latin typeface="American Typewriter"/>
+                <a:cs typeface="American Typewriter"/>
+              </a:rPr>
+              <a:t>s contribution</a:t>
+            </a:r>
+          </a:p>
+          <a:p>
+            <a:pPr algn="l">
+              <a:lnSpc>
+                <a:spcPct val="90000"/>
+              </a:lnSpc>
+            </a:pPr>
+            <a:r>
+              <a:rPr lang="en-US" dirty="0">
+                <a:solidFill>
+                  <a:schemeClr val="tx1"/>
+                </a:solidFill>
+                <a:latin typeface="American Typewriter"/>
+                <a:cs typeface="American Typewriter"/>
+              </a:rPr>
+              <a:t>for (</a:t>
+            </a:r>
+            <a:r>
+              <a:rPr lang="en-US" dirty="0" err="1">
                 <a:solidFill>
                   <a:schemeClr val="tx1"/>
                 </a:solidFill>
@@ -4382,40 +4501,37 @@
               <a:t>iLength</a:t>
             </a:r>
             <a:r>
-              <a:rPr lang="en-US" sz="2800" dirty="0">
-                <a:solidFill>
-                  <a:schemeClr val="tx1"/>
-                </a:solidFill>
-                <a:latin typeface="American Typewriter"/>
-                <a:cs typeface="American Typewriter"/>
-              </a:rPr>
-              <a:t>;		// x-axis increment</a:t>
-            </a:r>
-          </a:p>
-          <a:p>
-            <a:pPr algn="l"/>
-            <a:r>
-              <a:rPr lang="en-US" sz="2800" dirty="0" err="1">
-                <a:solidFill>
-                  <a:schemeClr val="tx1"/>
-                </a:solidFill>
-                <a:latin typeface="American Typewriter"/>
-                <a:cs typeface="American Typewriter"/>
-              </a:rPr>
-              <a:t>int</a:t>
-            </a:r>
-            <a:r>
-              <a:rPr lang="en-US" sz="2800" dirty="0">
-                <a:solidFill>
-                  <a:schemeClr val="tx1"/>
-                </a:solidFill>
-                <a:latin typeface="American Typewriter"/>
-                <a:cs typeface="American Typewriter"/>
-              </a:rPr>
-              <a:t>		</a:t>
-            </a:r>
-            <a:r>
-              <a:rPr lang="en-US" sz="2800" dirty="0" err="1">
+              <a:rPr lang="en-US" dirty="0">
+                <a:solidFill>
+                  <a:schemeClr val="tx1"/>
+                </a:solidFill>
+                <a:latin typeface="American Typewriter"/>
+                <a:cs typeface="American Typewriter"/>
+              </a:rPr>
+              <a:t> = 1; </a:t>
+            </a:r>
+            <a:r>
+              <a:rPr lang="en-US" dirty="0" err="1">
+                <a:solidFill>
+                  <a:schemeClr val="tx1"/>
+                </a:solidFill>
+                <a:latin typeface="American Typewriter"/>
+                <a:cs typeface="American Typewriter"/>
+              </a:rPr>
+              <a:t>iLength</a:t>
+            </a:r>
+            <a:r>
+              <a:rPr lang="en-US" dirty="0">
+                <a:solidFill>
+                  <a:schemeClr val="tx1"/>
+                </a:solidFill>
+                <a:latin typeface="American Typewriter"/>
+                <a:cs typeface="American Typewriter"/>
+              </a:rPr>
+              <a:t> &lt;= </a:t>
+            </a:r>
+            <a:r>
+              <a:rPr lang="en-US" dirty="0" err="1">
                 <a:solidFill>
                   <a:schemeClr val="tx1"/>
                 </a:solidFill>
@@ -4425,99 +4541,119 @@
               <a:t>iMax</a:t>
             </a:r>
             <a:r>
-              <a:rPr lang="en-US" sz="2800" dirty="0">
-                <a:solidFill>
-                  <a:schemeClr val="tx1"/>
-                </a:solidFill>
-                <a:latin typeface="American Typewriter"/>
-                <a:cs typeface="American Typewriter"/>
-              </a:rPr>
-              <a:t>;			// total increments</a:t>
-            </a:r>
-          </a:p>
-          <a:p>
-            <a:pPr algn="l"/>
-            <a:r>
-              <a:rPr lang="en-US" sz="2800" dirty="0">
-                <a:solidFill>
-                  <a:schemeClr val="tx1"/>
-                </a:solidFill>
-                <a:latin typeface="American Typewriter"/>
-                <a:cs typeface="American Typewriter"/>
-              </a:rPr>
-              <a:t>double	</a:t>
-            </a:r>
-            <a:r>
-              <a:rPr lang="en-US" sz="2800" dirty="0" err="1">
-                <a:solidFill>
-                  <a:schemeClr val="tx1"/>
-                </a:solidFill>
-                <a:latin typeface="American Typewriter"/>
-                <a:cs typeface="American Typewriter"/>
-              </a:rPr>
-              <a:t>dVelocity</a:t>
-            </a:r>
-            <a:r>
-              <a:rPr lang="en-US" sz="2800" dirty="0">
-                <a:solidFill>
-                  <a:schemeClr val="tx1"/>
-                </a:solidFill>
-                <a:latin typeface="American Typewriter"/>
-                <a:cs typeface="American Typewriter"/>
-              </a:rPr>
-              <a:t>[5001]; // array of velocities</a:t>
-            </a:r>
-          </a:p>
-          <a:p>
-            <a:pPr algn="l"/>
-            <a:r>
-              <a:rPr lang="en-US" sz="2800" dirty="0">
-                <a:solidFill>
-                  <a:schemeClr val="tx1"/>
-                </a:solidFill>
-                <a:latin typeface="American Typewriter"/>
-                <a:cs typeface="American Typewriter"/>
-              </a:rPr>
-              <a:t>…</a:t>
-            </a:r>
-          </a:p>
-          <a:p>
-            <a:pPr algn="l"/>
-            <a:r>
-              <a:rPr lang="en-US" sz="2800" dirty="0">
-                <a:solidFill>
-                  <a:schemeClr val="tx1"/>
-                </a:solidFill>
-                <a:latin typeface="American Typewriter"/>
-                <a:cs typeface="American Typewriter"/>
-              </a:rPr>
-              <a:t>// Read and set Initial Values from a file</a:t>
-            </a:r>
-          </a:p>
-          <a:p>
-            <a:pPr algn="l"/>
-            <a:r>
-              <a:rPr lang="en-US" sz="2800" dirty="0">
-                <a:solidFill>
-                  <a:schemeClr val="tx1"/>
-                </a:solidFill>
-                <a:latin typeface="American Typewriter"/>
-                <a:cs typeface="American Typewriter"/>
-              </a:rPr>
-              <a:t>…</a:t>
-            </a:r>
-          </a:p>
-          <a:p>
-            <a:pPr algn="l"/>
-            <a:r>
-              <a:rPr lang="en-US" sz="2800" dirty="0">
-                <a:solidFill>
-                  <a:schemeClr val="tx1"/>
-                </a:solidFill>
-                <a:latin typeface="American Typewriter"/>
-                <a:cs typeface="American Typewriter"/>
-              </a:rPr>
-              <a:t>…</a:t>
+              <a:rPr lang="en-US" dirty="0">
+                <a:solidFill>
+                  <a:schemeClr val="tx1"/>
+                </a:solidFill>
+                <a:latin typeface="American Typewriter"/>
+                <a:cs typeface="American Typewriter"/>
+              </a:rPr>
+              <a:t>; </a:t>
+            </a:r>
+            <a:r>
+              <a:rPr lang="en-US" dirty="0" err="1">
+                <a:solidFill>
+                  <a:schemeClr val="tx1"/>
+                </a:solidFill>
+                <a:latin typeface="American Typewriter"/>
+                <a:cs typeface="American Typewriter"/>
+              </a:rPr>
+              <a:t>iLength</a:t>
+            </a:r>
+            <a:r>
+              <a:rPr lang="en-US" dirty="0">
+                <a:solidFill>
+                  <a:schemeClr val="tx1"/>
+                </a:solidFill>
+                <a:latin typeface="American Typewriter"/>
+                <a:cs typeface="American Typewriter"/>
+              </a:rPr>
+              <a:t>++)</a:t>
+            </a:r>
+          </a:p>
+          <a:p>
+            <a:pPr algn="l">
+              <a:lnSpc>
+                <a:spcPct val="90000"/>
+              </a:lnSpc>
+            </a:pPr>
+            <a:r>
+              <a:rPr lang="en-US" dirty="0">
+                <a:solidFill>
+                  <a:schemeClr val="tx1"/>
+                </a:solidFill>
+                <a:latin typeface="American Typewriter"/>
+                <a:cs typeface="American Typewriter"/>
+              </a:rPr>
+              <a:t>	{</a:t>
+            </a:r>
+          </a:p>
+          <a:p>
+            <a:pPr algn="l">
+              <a:lnSpc>
+                <a:spcPct val="90000"/>
+              </a:lnSpc>
+            </a:pPr>
+            <a:r>
+              <a:rPr lang="en-US" dirty="0">
+                <a:solidFill>
+                  <a:schemeClr val="tx1"/>
+                </a:solidFill>
+                <a:latin typeface="American Typewriter"/>
+                <a:cs typeface="American Typewriter"/>
+              </a:rPr>
+              <a:t>	…</a:t>
+            </a:r>
+          </a:p>
+          <a:p>
+            <a:pPr algn="l">
+              <a:lnSpc>
+                <a:spcPct val="90000"/>
+              </a:lnSpc>
+            </a:pPr>
+            <a:r>
+              <a:rPr lang="en-US" dirty="0">
+                <a:solidFill>
+                  <a:schemeClr val="tx1"/>
+                </a:solidFill>
+                <a:latin typeface="American Typewriter"/>
+                <a:cs typeface="American Typewriter"/>
+              </a:rPr>
+              <a:t>	…</a:t>
+            </a:r>
+          </a:p>
+          <a:p>
+            <a:pPr algn="l">
+              <a:lnSpc>
+                <a:spcPct val="90000"/>
+              </a:lnSpc>
+            </a:pPr>
+            <a:r>
+              <a:rPr lang="en-US" dirty="0">
+                <a:solidFill>
+                  <a:schemeClr val="tx1"/>
+                </a:solidFill>
+                <a:latin typeface="American Typewriter"/>
+                <a:cs typeface="American Typewriter"/>
+              </a:rPr>
+              <a:t>	…</a:t>
+            </a:r>
+          </a:p>
+          <a:p>
+            <a:pPr algn="l">
+              <a:lnSpc>
+                <a:spcPct val="90000"/>
+              </a:lnSpc>
+            </a:pPr>
+            <a:r>
+              <a:rPr lang="en-US" dirty="0">
+                <a:solidFill>
+                  <a:schemeClr val="tx1"/>
+                </a:solidFill>
+                <a:latin typeface="American Typewriter"/>
+                <a:cs typeface="American Typewriter"/>
+              </a:rPr>
+              <a:t>	}</a:t>
             </a:r>
           </a:p>
         </p:txBody>
@@ -4525,7 +4661,7 @@
     </p:spTree>
     <p:extLst>
       <p:ext uri="{BB962C8B-B14F-4D97-AF65-F5344CB8AC3E}">
-        <p14:creationId xmlns:p14="http://schemas.microsoft.com/office/powerpoint/2010/main" val="2026744277"/>
+        <p14:creationId xmlns:p14="http://schemas.microsoft.com/office/powerpoint/2010/main" val="2827953884"/>
       </p:ext>
     </p:extLst>
   </p:cSld>
@@ -4561,7 +4697,7 @@
       </p:grpSpPr>
       <p:sp>
         <p:nvSpPr>
-          <p:cNvPr id="112642" name="Rectangle 2"/>
+          <p:cNvPr id="93186" name="Rectangle 2"/>
           <p:cNvSpPr>
             <a:spLocks noGrp="1" noChangeArrowheads="1"/>
           </p:cNvSpPr>
@@ -4571,8 +4707,8 @@
         </p:nvSpPr>
         <p:spPr>
           <a:xfrm>
-            <a:off x="457200" y="685800"/>
-            <a:ext cx="8305800" cy="1143000"/>
+            <a:off x="609600" y="685800"/>
+            <a:ext cx="7848600" cy="914400"/>
           </a:xfrm>
         </p:spPr>
         <p:txBody>
@@ -4583,14 +4719,14 @@
               <a:rPr lang="en-US" sz="4800" dirty="0">
                 <a:latin typeface="Trebuchet MS" charset="0"/>
               </a:rPr>
-              <a:t>Use descriptive file names</a:t>
-            </a:r>
-          </a:p>
-        </p:txBody>
-      </p:sp>
-      <p:sp>
-        <p:nvSpPr>
-          <p:cNvPr id="112643" name="Rectangle 3"/>
+              <a:t>Or, use an external file</a:t>
+            </a:r>
+          </a:p>
+        </p:txBody>
+      </p:sp>
+      <p:sp>
+        <p:nvSpPr>
+          <p:cNvPr id="93187" name="Rectangle 3"/>
           <p:cNvSpPr>
             <a:spLocks noGrp="1" noChangeArrowheads="1"/>
           </p:cNvSpPr>
@@ -4601,7 +4737,7 @@
         <p:spPr>
           <a:xfrm>
             <a:off x="609600" y="2057400"/>
-            <a:ext cx="7848600" cy="4495800"/>
+            <a:ext cx="8153400" cy="4495800"/>
           </a:xfrm>
         </p:spPr>
         <p:txBody>
@@ -4609,115 +4745,194 @@
           <a:lstStyle/>
           <a:p>
             <a:pPr algn="l"/>
-            <a:endParaRPr lang="en-US" dirty="0">
-              <a:latin typeface="Trebuchet MS" charset="0"/>
-            </a:endParaRPr>
+            <a:r>
+              <a:rPr lang="en-US" sz="2800" dirty="0">
+                <a:solidFill>
+                  <a:schemeClr val="tx1"/>
+                </a:solidFill>
+                <a:latin typeface="American Typewriter"/>
+                <a:cs typeface="American Typewriter"/>
+              </a:rPr>
+              <a:t>// Declarations</a:t>
+            </a:r>
           </a:p>
           <a:p>
             <a:pPr algn="l"/>
-            <a:endParaRPr lang="en-US" dirty="0">
-              <a:latin typeface="Trebuchet MS" charset="0"/>
-            </a:endParaRPr>
+            <a:r>
+              <a:rPr lang="en-US" sz="2800" dirty="0" err="1">
+                <a:solidFill>
+                  <a:schemeClr val="tx1"/>
+                </a:solidFill>
+                <a:latin typeface="American Typewriter"/>
+                <a:cs typeface="American Typewriter"/>
+              </a:rPr>
+              <a:t>int</a:t>
+            </a:r>
+            <a:r>
+              <a:rPr lang="en-US" sz="2800" dirty="0">
+                <a:solidFill>
+                  <a:schemeClr val="tx1"/>
+                </a:solidFill>
+                <a:latin typeface="American Typewriter"/>
+                <a:cs typeface="American Typewriter"/>
+              </a:rPr>
+              <a:t>		</a:t>
+            </a:r>
+            <a:r>
+              <a:rPr lang="en-US" sz="2800" dirty="0" err="1">
+                <a:solidFill>
+                  <a:schemeClr val="tx1"/>
+                </a:solidFill>
+                <a:latin typeface="American Typewriter"/>
+                <a:cs typeface="American Typewriter"/>
+              </a:rPr>
+              <a:t>iLength</a:t>
+            </a:r>
+            <a:r>
+              <a:rPr lang="en-US" sz="2800" dirty="0">
+                <a:solidFill>
+                  <a:schemeClr val="tx1"/>
+                </a:solidFill>
+                <a:latin typeface="American Typewriter"/>
+                <a:cs typeface="American Typewriter"/>
+              </a:rPr>
+              <a:t>;		// x-axis increment</a:t>
+            </a:r>
           </a:p>
           <a:p>
             <a:pPr algn="l"/>
             <a:r>
-              <a:rPr lang="en-US" dirty="0">
-                <a:solidFill>
-                  <a:schemeClr val="tx1"/>
-                </a:solidFill>
-                <a:latin typeface="American Typewriter"/>
-                <a:cs typeface="American Typewriter"/>
-              </a:rPr>
-              <a:t>Naming your script </a:t>
-            </a:r>
-            <a:r>
-              <a:rPr lang="ja-JP" altLang="en-US" dirty="0">
-                <a:solidFill>
-                  <a:schemeClr val="tx1"/>
-                </a:solidFill>
-                <a:latin typeface="American Typewriter"/>
-                <a:cs typeface="American Typewriter"/>
-              </a:rPr>
-              <a:t>“</a:t>
-            </a:r>
-            <a:r>
-              <a:rPr lang="en-US" dirty="0" err="1">
-                <a:solidFill>
-                  <a:schemeClr val="tx1"/>
-                </a:solidFill>
-                <a:latin typeface="American Typewriter"/>
-                <a:cs typeface="American Typewriter"/>
-              </a:rPr>
-              <a:t>test.csh</a:t>
-            </a:r>
-            <a:r>
-              <a:rPr lang="ja-JP" altLang="en-US" dirty="0">
-                <a:solidFill>
-                  <a:schemeClr val="tx1"/>
-                </a:solidFill>
-                <a:latin typeface="American Typewriter"/>
-                <a:cs typeface="American Typewriter"/>
-              </a:rPr>
-              <a:t>”</a:t>
-            </a:r>
-            <a:r>
-              <a:rPr lang="en-US" dirty="0">
-                <a:solidFill>
-                  <a:schemeClr val="tx1"/>
-                </a:solidFill>
-                <a:latin typeface="American Typewriter"/>
-                <a:cs typeface="American Typewriter"/>
-              </a:rPr>
-              <a:t> means</a:t>
+              <a:rPr lang="en-US" sz="2800" dirty="0" err="1">
+                <a:solidFill>
+                  <a:schemeClr val="tx1"/>
+                </a:solidFill>
+                <a:latin typeface="American Typewriter"/>
+                <a:cs typeface="American Typewriter"/>
+              </a:rPr>
+              <a:t>int</a:t>
+            </a:r>
+            <a:r>
+              <a:rPr lang="en-US" sz="2800" dirty="0">
+                <a:solidFill>
+                  <a:schemeClr val="tx1"/>
+                </a:solidFill>
+                <a:latin typeface="American Typewriter"/>
+                <a:cs typeface="American Typewriter"/>
+              </a:rPr>
+              <a:t>		</a:t>
+            </a:r>
+            <a:r>
+              <a:rPr lang="en-US" sz="2800" dirty="0" err="1">
+                <a:solidFill>
+                  <a:schemeClr val="tx1"/>
+                </a:solidFill>
+                <a:latin typeface="American Typewriter"/>
+                <a:cs typeface="American Typewriter"/>
+              </a:rPr>
+              <a:t>iMax</a:t>
+            </a:r>
+            <a:r>
+              <a:rPr lang="en-US" sz="2800" dirty="0">
+                <a:solidFill>
+                  <a:schemeClr val="tx1"/>
+                </a:solidFill>
+                <a:latin typeface="American Typewriter"/>
+                <a:cs typeface="American Typewriter"/>
+              </a:rPr>
+              <a:t>;			// total increments</a:t>
             </a:r>
           </a:p>
           <a:p>
             <a:pPr algn="l"/>
             <a:r>
-              <a:rPr lang="ja-JP" altLang="en-US" dirty="0">
-                <a:solidFill>
-                  <a:schemeClr val="tx1"/>
-                </a:solidFill>
-                <a:latin typeface="American Typewriter"/>
-                <a:cs typeface="American Typewriter"/>
-              </a:rPr>
-              <a:t>“</a:t>
-            </a:r>
-            <a:r>
-              <a:rPr lang="en-US" dirty="0">
-                <a:solidFill>
-                  <a:schemeClr val="tx1"/>
-                </a:solidFill>
-                <a:latin typeface="American Typewriter"/>
-                <a:cs typeface="American Typewriter"/>
-              </a:rPr>
-              <a:t>I will never be able to reuse this code.</a:t>
-            </a:r>
-            <a:r>
-              <a:rPr lang="ja-JP" altLang="en-US" dirty="0">
-                <a:solidFill>
-                  <a:schemeClr val="tx1"/>
-                </a:solidFill>
-                <a:latin typeface="American Typewriter"/>
-                <a:cs typeface="American Typewriter"/>
-              </a:rPr>
-              <a:t>”</a:t>
-            </a:r>
-            <a:endParaRPr lang="en-US" dirty="0">
-              <a:solidFill>
-                <a:schemeClr val="tx1"/>
-              </a:solidFill>
-              <a:latin typeface="American Typewriter"/>
-              <a:cs typeface="American Typewriter"/>
-            </a:endParaRPr>
+              <a:rPr lang="en-US" sz="2800" dirty="0">
+                <a:solidFill>
+                  <a:schemeClr val="tx1"/>
+                </a:solidFill>
+                <a:latin typeface="American Typewriter"/>
+                <a:cs typeface="American Typewriter"/>
+              </a:rPr>
+              <a:t>double	</a:t>
+            </a:r>
+            <a:r>
+              <a:rPr lang="en-US" sz="2800" dirty="0" err="1">
+                <a:solidFill>
+                  <a:schemeClr val="tx1"/>
+                </a:solidFill>
+                <a:latin typeface="American Typewriter"/>
+                <a:cs typeface="American Typewriter"/>
+              </a:rPr>
+              <a:t>dVelocity</a:t>
+            </a:r>
+            <a:r>
+              <a:rPr lang="en-US" sz="2800" dirty="0">
+                <a:solidFill>
+                  <a:schemeClr val="tx1"/>
+                </a:solidFill>
+                <a:latin typeface="American Typewriter"/>
+                <a:cs typeface="American Typewriter"/>
+              </a:rPr>
+              <a:t>[5001]; // array of velocities</a:t>
+            </a:r>
+          </a:p>
+          <a:p>
+            <a:pPr algn="l"/>
+            <a:r>
+              <a:rPr lang="en-US" sz="2800" dirty="0">
+                <a:solidFill>
+                  <a:schemeClr val="tx1"/>
+                </a:solidFill>
+                <a:latin typeface="American Typewriter"/>
+                <a:cs typeface="American Typewriter"/>
+              </a:rPr>
+              <a:t>…</a:t>
+            </a:r>
+          </a:p>
+          <a:p>
+            <a:pPr algn="l"/>
+            <a:r>
+              <a:rPr lang="en-US" sz="2800" dirty="0">
+                <a:solidFill>
+                  <a:schemeClr val="tx1"/>
+                </a:solidFill>
+                <a:latin typeface="American Typewriter"/>
+                <a:cs typeface="American Typewriter"/>
+              </a:rPr>
+              <a:t>// Read and set Initial Values from a file</a:t>
+            </a:r>
+          </a:p>
+          <a:p>
+            <a:pPr algn="l"/>
+            <a:r>
+              <a:rPr lang="en-US" sz="2800" dirty="0">
+                <a:solidFill>
+                  <a:schemeClr val="tx1"/>
+                </a:solidFill>
+                <a:latin typeface="American Typewriter"/>
+                <a:cs typeface="American Typewriter"/>
+              </a:rPr>
+              <a:t>…</a:t>
+            </a:r>
+          </a:p>
+          <a:p>
+            <a:pPr algn="l"/>
+            <a:r>
+              <a:rPr lang="en-US" sz="2800" dirty="0">
+                <a:solidFill>
+                  <a:schemeClr val="tx1"/>
+                </a:solidFill>
+                <a:latin typeface="American Typewriter"/>
+                <a:cs typeface="American Typewriter"/>
+              </a:rPr>
+              <a:t>…</a:t>
+            </a:r>
           </a:p>
         </p:txBody>
       </p:sp>
     </p:spTree>
     <p:extLst>
       <p:ext uri="{BB962C8B-B14F-4D97-AF65-F5344CB8AC3E}">
-        <p14:creationId xmlns:p14="http://schemas.microsoft.com/office/powerpoint/2010/main" val="1865039314"/>
+        <p14:creationId xmlns:p14="http://schemas.microsoft.com/office/powerpoint/2010/main" val="2026744277"/>
       </p:ext>
     </p:extLst>
   </p:cSld>
@@ -4753,7 +4968,7 @@
       </p:grpSpPr>
       <p:sp>
         <p:nvSpPr>
-          <p:cNvPr id="108546" name="Rectangle 2"/>
+          <p:cNvPr id="112642" name="Rectangle 2"/>
           <p:cNvSpPr>
             <a:spLocks noGrp="1" noChangeArrowheads="1"/>
           </p:cNvSpPr>
@@ -4763,8 +4978,8 @@
         </p:nvSpPr>
         <p:spPr>
           <a:xfrm>
-            <a:off x="457200" y="762000"/>
-            <a:ext cx="8229600" cy="1752600"/>
+            <a:off x="457200" y="685800"/>
+            <a:ext cx="8305800" cy="1143000"/>
           </a:xfrm>
         </p:spPr>
         <p:txBody>
@@ -4772,28 +4987,17 @@
           <a:lstStyle/>
           <a:p>
             <a:r>
-              <a:rPr lang="en-US" sz="4800">
+              <a:rPr lang="en-US" sz="4800" dirty="0">
                 <a:latin typeface="Trebuchet MS" charset="0"/>
               </a:rPr>
-              <a:t>Pretend you are</a:t>
-            </a:r>
-            <a:br>
-              <a:rPr lang="en-US" sz="4800">
-                <a:latin typeface="Trebuchet MS" charset="0"/>
-              </a:rPr>
-            </a:br>
-            <a:r>
-              <a:rPr lang="en-US" sz="4800">
-                <a:latin typeface="Trebuchet MS" charset="0"/>
-              </a:rPr>
-              <a:t>in a programming team</a:t>
-            </a:r>
-          </a:p>
-        </p:txBody>
-      </p:sp>
-      <p:sp>
-        <p:nvSpPr>
-          <p:cNvPr id="108547" name="Rectangle 3"/>
+              <a:t>Use descriptive file names</a:t>
+            </a:r>
+          </a:p>
+        </p:txBody>
+      </p:sp>
+      <p:sp>
+        <p:nvSpPr>
+          <p:cNvPr id="112643" name="Rectangle 3"/>
           <p:cNvSpPr>
             <a:spLocks noGrp="1" noChangeArrowheads="1"/>
           </p:cNvSpPr>
@@ -4803,8 +5007,8 @@
         </p:nvSpPr>
         <p:spPr>
           <a:xfrm>
-            <a:off x="609600" y="3124200"/>
-            <a:ext cx="8153400" cy="3429000"/>
+            <a:off x="609600" y="2057400"/>
+            <a:ext cx="7848600" cy="4495800"/>
           </a:xfrm>
         </p:spPr>
         <p:txBody>
@@ -4818,19 +5022,109 @@
           </a:p>
           <a:p>
             <a:pPr algn="l"/>
+            <a:endParaRPr lang="en-US" dirty="0">
+              <a:latin typeface="Trebuchet MS" charset="0"/>
+            </a:endParaRPr>
+          </a:p>
+          <a:p>
+            <a:pPr algn="l"/>
             <a:r>
               <a:rPr lang="en-US" dirty="0">
-                <a:latin typeface="Trebuchet MS" charset="0"/>
-              </a:rPr>
-              <a:t>Write your code as if someone else will have to understand and modify it</a:t>
-            </a:r>
+                <a:solidFill>
+                  <a:schemeClr val="tx1"/>
+                </a:solidFill>
+                <a:latin typeface="American Typewriter"/>
+                <a:cs typeface="American Typewriter"/>
+              </a:rPr>
+              <a:t>Naming your script </a:t>
+            </a:r>
+            <a:r>
+              <a:rPr lang="ja-JP" altLang="en-US" dirty="0">
+                <a:solidFill>
+                  <a:schemeClr val="tx1"/>
+                </a:solidFill>
+                <a:latin typeface="American Typewriter"/>
+                <a:cs typeface="American Typewriter"/>
+              </a:rPr>
+              <a:t>“</a:t>
+            </a:r>
+            <a:r>
+              <a:rPr lang="en-US" dirty="0" err="1">
+                <a:solidFill>
+                  <a:schemeClr val="tx1"/>
+                </a:solidFill>
+                <a:latin typeface="American Typewriter"/>
+                <a:cs typeface="American Typewriter"/>
+              </a:rPr>
+              <a:t>test.csh</a:t>
+            </a:r>
+            <a:r>
+              <a:rPr lang="ja-JP" altLang="en-US" dirty="0">
+                <a:solidFill>
+                  <a:schemeClr val="tx1"/>
+                </a:solidFill>
+                <a:latin typeface="American Typewriter"/>
+                <a:cs typeface="American Typewriter"/>
+              </a:rPr>
+              <a:t>”</a:t>
+            </a:r>
+            <a:r>
+              <a:rPr lang="en-US" dirty="0">
+                <a:solidFill>
+                  <a:schemeClr val="tx1"/>
+                </a:solidFill>
+                <a:latin typeface="American Typewriter"/>
+                <a:cs typeface="American Typewriter"/>
+              </a:rPr>
+              <a:t> means</a:t>
+            </a:r>
+          </a:p>
+          <a:p>
+            <a:pPr algn="l"/>
+            <a:r>
+              <a:rPr lang="ja-JP" altLang="en-US" dirty="0">
+                <a:solidFill>
+                  <a:schemeClr val="tx1"/>
+                </a:solidFill>
+                <a:latin typeface="American Typewriter"/>
+                <a:cs typeface="American Typewriter"/>
+              </a:rPr>
+              <a:t>“</a:t>
+            </a:r>
+            <a:r>
+              <a:rPr lang="en-US" dirty="0">
+                <a:solidFill>
+                  <a:schemeClr val="tx1"/>
+                </a:solidFill>
+                <a:latin typeface="American Typewriter"/>
+                <a:cs typeface="American Typewriter"/>
+              </a:rPr>
+              <a:t>I will never be able to reuse this code.</a:t>
+            </a:r>
+            <a:r>
+              <a:rPr lang="ja-JP" altLang="en-US" dirty="0">
+                <a:solidFill>
+                  <a:schemeClr val="tx1"/>
+                </a:solidFill>
+                <a:latin typeface="American Typewriter"/>
+                <a:cs typeface="American Typewriter"/>
+              </a:rPr>
+              <a:t>”</a:t>
+            </a:r>
+            <a:endParaRPr lang="en-US" dirty="0">
+              <a:solidFill>
+                <a:schemeClr val="tx1"/>
+              </a:solidFill>
+              <a:latin typeface="American Typewriter"/>
+              <a:cs typeface="American Typewriter"/>
+            </a:endParaRPr>
           </a:p>
         </p:txBody>
       </p:sp>
     </p:spTree>
     <p:extLst>
       <p:ext uri="{BB962C8B-B14F-4D97-AF65-F5344CB8AC3E}">
-        <p14:creationId xmlns:p14="http://schemas.microsoft.com/office/powerpoint/2010/main" val="4219313624"/>
+        <p14:creationId xmlns:p14="http://schemas.microsoft.com/office/powerpoint/2010/main" val="1865039314"/>
       </p:ext>
     </p:extLst>
   </p:cSld>
@@ -4866,72 +5160,97 @@
       </p:grpSpPr>
       <p:sp>
         <p:nvSpPr>
-          <p:cNvPr id="2" name="Title 1"/>
-          <p:cNvSpPr>
-            <a:spLocks noGrp="1"/>
-          </p:cNvSpPr>
-          <p:nvPr>
-            <p:ph type="title"/>
-          </p:nvPr>
-        </p:nvSpPr>
-        <p:spPr/>
+          <p:cNvPr id="108546" name="Rectangle 2"/>
+          <p:cNvSpPr>
+            <a:spLocks noGrp="1" noChangeArrowheads="1"/>
+          </p:cNvSpPr>
+          <p:nvPr>
+            <p:ph type="ctrTitle"/>
+          </p:nvPr>
+        </p:nvSpPr>
+        <p:spPr>
+          <a:xfrm>
+            <a:off x="457200" y="762000"/>
+            <a:ext cx="8229600" cy="1752600"/>
+          </a:xfrm>
+        </p:spPr>
         <p:txBody>
           <a:bodyPr/>
           <a:lstStyle/>
           <a:p>
             <a:r>
-              <a:rPr lang="en-US" dirty="0" smtClean="0"/>
-              <a:t>Working with someone else</a:t>
-            </a:r>
-            <a:endParaRPr lang="en-US" dirty="0"/>
-          </a:p>
-        </p:txBody>
-      </p:sp>
-      <p:sp>
-        <p:nvSpPr>
-          <p:cNvPr id="3" name="Content Placeholder 2"/>
-          <p:cNvSpPr>
-            <a:spLocks noGrp="1"/>
-          </p:cNvSpPr>
-          <p:nvPr>
-            <p:ph idx="1"/>
-          </p:nvPr>
-        </p:nvSpPr>
-        <p:spPr/>
+              <a:rPr lang="en-US" sz="4800">
+                <a:latin typeface="Trebuchet MS" charset="0"/>
+              </a:rPr>
+              <a:t>Pretend you are</a:t>
+            </a:r>
+            <a:br>
+              <a:rPr lang="en-US" sz="4800">
+                <a:latin typeface="Trebuchet MS" charset="0"/>
+              </a:rPr>
+            </a:br>
+            <a:r>
+              <a:rPr lang="en-US" sz="4800">
+                <a:latin typeface="Trebuchet MS" charset="0"/>
+              </a:rPr>
+              <a:t>in a programming team</a:t>
+            </a:r>
+          </a:p>
+        </p:txBody>
+      </p:sp>
+      <p:sp>
+        <p:nvSpPr>
+          <p:cNvPr id="108547" name="Rectangle 3"/>
+          <p:cNvSpPr>
+            <a:spLocks noGrp="1" noChangeArrowheads="1"/>
+          </p:cNvSpPr>
+          <p:nvPr>
+            <p:ph type="subTitle" idx="1"/>
+          </p:nvPr>
+        </p:nvSpPr>
+        <p:spPr>
+          <a:xfrm>
+            <a:off x="609600" y="3124200"/>
+            <a:ext cx="8153400" cy="3429000"/>
+          </a:xfrm>
+        </p:spPr>
         <p:txBody>
           <a:bodyPr/>
           <a:lstStyle/>
           <a:p>
-            <a:r>
-              <a:rPr lang="en-US" dirty="0" smtClean="0"/>
-              <a:t>Don’t try to understand everything in one go</a:t>
-            </a:r>
-          </a:p>
-          <a:p>
-            <a:r>
-              <a:rPr lang="en-US" dirty="0" smtClean="0"/>
-              <a:t>Identify one place you need to begin work on</a:t>
-            </a:r>
-          </a:p>
-          <a:p>
-            <a:r>
-              <a:rPr lang="en-US" dirty="0" smtClean="0"/>
-              <a:t>Ask the person who worked on it to explain what was going on in that part, then start!  </a:t>
-            </a:r>
-            <a:endParaRPr lang="en-US" dirty="0"/>
+            <a:pPr algn="l"/>
+            <a:endParaRPr lang="en-US" dirty="0">
+              <a:latin typeface="Trebuchet MS" charset="0"/>
+            </a:endParaRPr>
+          </a:p>
+          <a:p>
+            <a:pPr algn="l"/>
+            <a:r>
+              <a:rPr lang="en-US" dirty="0">
+                <a:latin typeface="Trebuchet MS" charset="0"/>
+              </a:rPr>
+              <a:t>Write your code as if someone else will have to understand and modify it</a:t>
+            </a:r>
           </a:p>
         </p:txBody>
       </p:sp>
     </p:spTree>
     <p:extLst>
       <p:ext uri="{BB962C8B-B14F-4D97-AF65-F5344CB8AC3E}">
-        <p14:creationId xmlns:p14="http://schemas.microsoft.com/office/powerpoint/2010/main" val="32140555"/>
+        <p14:creationId xmlns:p14="http://schemas.microsoft.com/office/powerpoint/2010/main" val="4219313624"/>
       </p:ext>
     </p:extLst>
   </p:cSld>
   <p:clrMapOvr>
     <a:masterClrMapping/>
   </p:clrMapOvr>
+  <p:timing>
+    <p:tnLst>
+      <p:par>
+        <p:cTn xmlns:p14="http://schemas.microsoft.com/office/powerpoint/2010/main" id="1" dur="indefinite" restart="never" nodeType="tmRoot"/>
+      </p:par>
+    </p:tnLst>
+  </p:timing>
 </p:sld>
 </file>
 
@@ -4969,7 +5288,7 @@
           <a:p>
             <a:r>
               <a:rPr lang="en-US" dirty="0" smtClean="0"/>
-              <a:t>Taking over someone’s project </a:t>
+              <a:t>Working with someone else</a:t>
             </a:r>
             <a:endParaRPr lang="en-US" dirty="0"/>
           </a:p>
@@ -4992,13 +5311,19 @@
           <a:p>
             <a:r>
               <a:rPr lang="en-US" dirty="0" smtClean="0"/>
-              <a:t>Comment/uncomment out bits of their code</a:t>
-            </a:r>
-          </a:p>
-          <a:p>
-            <a:r>
-              <a:rPr lang="en-US" dirty="0" smtClean="0"/>
-              <a:t>See what part of the code controls the functionality </a:t>
+              <a:t>Don’t try to understand everything in one go</a:t>
+            </a:r>
+          </a:p>
+          <a:p>
+            <a:r>
+              <a:rPr lang="en-US" dirty="0" smtClean="0"/>
+              <a:t>Identify one place you need to begin work on</a:t>
+            </a:r>
+          </a:p>
+          <a:p>
+            <a:r>
+              <a:rPr lang="en-US" dirty="0" smtClean="0"/>
+              <a:t>Ask the person who worked on it to explain what was going on in that part, then start!  </a:t>
             </a:r>
             <a:endParaRPr lang="en-US" dirty="0"/>
           </a:p>
@@ -5007,7 +5332,7 @@
     </p:spTree>
     <p:extLst>
       <p:ext uri="{BB962C8B-B14F-4D97-AF65-F5344CB8AC3E}">
-        <p14:creationId xmlns:p14="http://schemas.microsoft.com/office/powerpoint/2010/main" val="3486859430"/>
+        <p14:creationId xmlns:p14="http://schemas.microsoft.com/office/powerpoint/2010/main" val="32140555"/>
       </p:ext>
     </p:extLst>
   </p:cSld>
@@ -5044,28 +5369,16 @@
             <p:ph type="title"/>
           </p:nvPr>
         </p:nvSpPr>
-        <p:spPr>
-          <a:solidFill>
-            <a:schemeClr val="tx1"/>
-          </a:solidFill>
-        </p:spPr>
+        <p:spPr/>
         <p:txBody>
           <a:bodyPr/>
           <a:lstStyle/>
           <a:p>
             <a:r>
-              <a:rPr lang="en-US" dirty="0" smtClean="0">
-                <a:solidFill>
-                  <a:srgbClr val="FFFFFF"/>
-                </a:solidFill>
-              </a:rPr>
-              <a:t>Contents</a:t>
-            </a:r>
-            <a:endParaRPr lang="en-US" dirty="0">
-              <a:solidFill>
-                <a:srgbClr val="FFFFFF"/>
-              </a:solidFill>
-            </a:endParaRPr>
+              <a:rPr lang="en-US" dirty="0" smtClean="0"/>
+              <a:t>Taking over someone’s project </a:t>
+            </a:r>
+            <a:endParaRPr lang="en-US" dirty="0"/>
           </a:p>
         </p:txBody>
       </p:sp>
@@ -5079,250 +5392,21 @@
             <p:ph idx="1"/>
           </p:nvPr>
         </p:nvSpPr>
-        <p:spPr>
-          <a:xfrm>
-            <a:off x="457200" y="1600200"/>
-            <a:ext cx="8229600" cy="5257800"/>
-          </a:xfrm>
-        </p:spPr>
-        <p:txBody>
-          <a:bodyPr>
-            <a:normAutofit fontScale="62500" lnSpcReduction="20000"/>
-          </a:bodyPr>
-          <a:lstStyle/>
-          <a:p>
-            <a:r>
-              <a:rPr lang="en-US" dirty="0" smtClean="0">
-                <a:solidFill>
-                  <a:schemeClr val="bg1">
-                    <a:lumMod val="65000"/>
-                  </a:schemeClr>
-                </a:solidFill>
-              </a:rPr>
-              <a:t>Admin</a:t>
-            </a:r>
-          </a:p>
-          <a:p>
-            <a:pPr lvl="1"/>
-            <a:r>
-              <a:rPr lang="en-US" dirty="0" smtClean="0">
-                <a:solidFill>
-                  <a:schemeClr val="bg1">
-                    <a:lumMod val="65000"/>
-                  </a:schemeClr>
-                </a:solidFill>
-              </a:rPr>
-              <a:t>My background</a:t>
-            </a:r>
-          </a:p>
-          <a:p>
-            <a:pPr lvl="1"/>
-            <a:r>
-              <a:rPr lang="en-US" dirty="0" smtClean="0">
-                <a:solidFill>
-                  <a:schemeClr val="bg1">
-                    <a:lumMod val="65000"/>
-                  </a:schemeClr>
-                </a:solidFill>
-              </a:rPr>
-              <a:t>Goals of this session</a:t>
-            </a:r>
-          </a:p>
-          <a:p>
-            <a:r>
-              <a:rPr lang="en-US" dirty="0" smtClean="0">
-                <a:solidFill>
-                  <a:schemeClr val="bg1">
-                    <a:lumMod val="65000"/>
-                  </a:schemeClr>
-                </a:solidFill>
-              </a:rPr>
-              <a:t>Writing code </a:t>
-            </a:r>
-          </a:p>
-          <a:p>
-            <a:pPr lvl="1"/>
-            <a:r>
-              <a:rPr lang="en-US" dirty="0" smtClean="0">
-                <a:solidFill>
-                  <a:schemeClr val="bg1">
-                    <a:lumMod val="65000"/>
-                  </a:schemeClr>
-                </a:solidFill>
-              </a:rPr>
-              <a:t>Writing your own code</a:t>
-            </a:r>
-          </a:p>
-          <a:p>
-            <a:pPr lvl="1"/>
-            <a:r>
-              <a:rPr lang="en-US" dirty="0" smtClean="0">
-                <a:solidFill>
-                  <a:schemeClr val="bg1">
-                    <a:lumMod val="65000"/>
-                  </a:schemeClr>
-                </a:solidFill>
-              </a:rPr>
-              <a:t>Working on code with collaborators </a:t>
-            </a:r>
-          </a:p>
-          <a:p>
-            <a:pPr lvl="1"/>
-            <a:r>
-              <a:rPr lang="en-US" dirty="0" smtClean="0">
-                <a:solidFill>
-                  <a:schemeClr val="bg1">
-                    <a:lumMod val="65000"/>
-                  </a:schemeClr>
-                </a:solidFill>
-              </a:rPr>
-              <a:t>Joining a project where someone left off </a:t>
-            </a:r>
-          </a:p>
-          <a:p>
-            <a:r>
-              <a:rPr lang="en-US" dirty="0" smtClean="0"/>
-              <a:t>Find out how to do something</a:t>
-            </a:r>
-          </a:p>
-          <a:p>
-            <a:pPr lvl="1"/>
-            <a:r>
-              <a:rPr lang="en-US" dirty="0" smtClean="0"/>
-              <a:t>Looking for information you need</a:t>
-            </a:r>
-          </a:p>
-          <a:p>
-            <a:pPr lvl="1"/>
-            <a:r>
-              <a:rPr lang="en-US" dirty="0" smtClean="0"/>
-              <a:t>Using the fruits of other peoples’ labor</a:t>
-            </a:r>
-          </a:p>
-          <a:p>
-            <a:r>
-              <a:rPr lang="en-US" dirty="0" smtClean="0">
-                <a:solidFill>
-                  <a:schemeClr val="bg1">
-                    <a:lumMod val="65000"/>
-                  </a:schemeClr>
-                </a:solidFill>
-              </a:rPr>
-              <a:t>Developing your own tool</a:t>
-            </a:r>
-          </a:p>
-          <a:p>
-            <a:pPr lvl="1"/>
-            <a:r>
-              <a:rPr lang="en-US" dirty="0" smtClean="0">
-                <a:solidFill>
-                  <a:schemeClr val="bg1">
-                    <a:lumMod val="65000"/>
-                  </a:schemeClr>
-                </a:solidFill>
-              </a:rPr>
-              <a:t>When to do it</a:t>
-            </a:r>
-          </a:p>
-          <a:p>
-            <a:pPr lvl="1"/>
-            <a:r>
-              <a:rPr lang="en-US" dirty="0" smtClean="0">
-                <a:solidFill>
-                  <a:schemeClr val="bg1">
-                    <a:lumMod val="65000"/>
-                  </a:schemeClr>
-                </a:solidFill>
-              </a:rPr>
-              <a:t>What to keep in mind </a:t>
-            </a:r>
-          </a:p>
-          <a:p>
-            <a:r>
-              <a:rPr lang="en-US" dirty="0" smtClean="0">
-                <a:solidFill>
-                  <a:schemeClr val="bg1">
-                    <a:lumMod val="65000"/>
-                  </a:schemeClr>
-                </a:solidFill>
-              </a:rPr>
-              <a:t>Version control </a:t>
-            </a:r>
-          </a:p>
-          <a:p>
-            <a:pPr lvl="1"/>
-            <a:r>
-              <a:rPr lang="en-US" dirty="0" err="1" smtClean="0">
-                <a:solidFill>
-                  <a:schemeClr val="bg1">
-                    <a:lumMod val="65000"/>
-                  </a:schemeClr>
-                </a:solidFill>
-              </a:rPr>
-              <a:t>Github</a:t>
-            </a:r>
-            <a:r>
-              <a:rPr lang="en-US" dirty="0" smtClean="0">
-                <a:solidFill>
-                  <a:schemeClr val="bg1">
-                    <a:lumMod val="65000"/>
-                  </a:schemeClr>
-                </a:solidFill>
-              </a:rPr>
-              <a:t> </a:t>
-            </a:r>
-          </a:p>
-          <a:p>
-            <a:pPr lvl="1"/>
-            <a:r>
-              <a:rPr lang="en-US" dirty="0" err="1" smtClean="0">
-                <a:solidFill>
-                  <a:schemeClr val="bg1">
-                    <a:lumMod val="65000"/>
-                  </a:schemeClr>
-                </a:solidFill>
-              </a:rPr>
-              <a:t>Dropbox</a:t>
-            </a:r>
-            <a:r>
-              <a:rPr lang="en-US" dirty="0" smtClean="0">
-                <a:solidFill>
-                  <a:schemeClr val="bg1">
-                    <a:lumMod val="65000"/>
-                  </a:schemeClr>
-                </a:solidFill>
-              </a:rPr>
-              <a:t> </a:t>
-            </a:r>
-          </a:p>
-          <a:p>
-            <a:pPr lvl="1"/>
-            <a:r>
-              <a:rPr lang="en-US" dirty="0" smtClean="0">
-                <a:solidFill>
-                  <a:schemeClr val="bg1">
-                    <a:lumMod val="65000"/>
-                  </a:schemeClr>
-                </a:solidFill>
-              </a:rPr>
-              <a:t>Hard drives</a:t>
-            </a:r>
-            <a:r>
-              <a:rPr lang="en-US" dirty="0" smtClean="0"/>
-              <a:t> </a:t>
-            </a:r>
-          </a:p>
-          <a:p>
-            <a:endParaRPr lang="en-US" dirty="0"/>
-          </a:p>
-          <a:p>
-            <a:pPr lvl="1"/>
-            <a:endParaRPr lang="en-US" dirty="0" smtClean="0"/>
-          </a:p>
-          <a:p>
-            <a:endParaRPr lang="en-US" dirty="0" smtClean="0"/>
-          </a:p>
-          <a:p>
+        <p:spPr/>
+        <p:txBody>
+          <a:bodyPr/>
+          <a:lstStyle/>
+          <a:p>
+            <a:r>
+              <a:rPr lang="en-US" dirty="0" smtClean="0"/>
+              <a:t>Comment/uncomment out bits of their code</a:t>
+            </a:r>
+          </a:p>
+          <a:p>
+            <a:r>
+              <a:rPr lang="en-US" dirty="0" smtClean="0"/>
+              <a:t>See what part of the code controls the functionality </a:t>
+            </a:r>
             <a:endParaRPr lang="en-US" dirty="0"/>
           </a:p>
         </p:txBody>
@@ -5330,7 +5414,7 @@
     </p:spTree>
     <p:extLst>
       <p:ext uri="{BB962C8B-B14F-4D97-AF65-F5344CB8AC3E}">
-        <p14:creationId xmlns:p14="http://schemas.microsoft.com/office/powerpoint/2010/main" val="849704915"/>
+        <p14:creationId xmlns:p14="http://schemas.microsoft.com/office/powerpoint/2010/main" val="3486859430"/>
       </p:ext>
     </p:extLst>
   </p:cSld>
@@ -5367,91 +5451,285 @@
             <p:ph type="title"/>
           </p:nvPr>
         </p:nvSpPr>
-        <p:spPr/>
+        <p:spPr>
+          <a:solidFill>
+            <a:schemeClr val="tx1"/>
+          </a:solidFill>
+        </p:spPr>
         <p:txBody>
           <a:bodyPr/>
           <a:lstStyle/>
           <a:p>
             <a:r>
-              <a:rPr lang="en-US" dirty="0" smtClean="0"/>
-              <a:t>What if you hit a problem?</a:t>
-            </a:r>
+              <a:rPr lang="en-US" dirty="0" smtClean="0">
+                <a:solidFill>
+                  <a:srgbClr val="FFFFFF"/>
+                </a:solidFill>
+              </a:rPr>
+              <a:t>Contents</a:t>
+            </a:r>
+            <a:endParaRPr lang="en-US" dirty="0">
+              <a:solidFill>
+                <a:srgbClr val="FFFFFF"/>
+              </a:solidFill>
+            </a:endParaRPr>
+          </a:p>
+        </p:txBody>
+      </p:sp>
+      <p:sp>
+        <p:nvSpPr>
+          <p:cNvPr id="3" name="Content Placeholder 2"/>
+          <p:cNvSpPr>
+            <a:spLocks noGrp="1"/>
+          </p:cNvSpPr>
+          <p:nvPr>
+            <p:ph idx="1"/>
+          </p:nvPr>
+        </p:nvSpPr>
+        <p:spPr>
+          <a:xfrm>
+            <a:off x="457200" y="1600200"/>
+            <a:ext cx="8229600" cy="5257800"/>
+          </a:xfrm>
+        </p:spPr>
+        <p:txBody>
+          <a:bodyPr>
+            <a:normAutofit fontScale="62500" lnSpcReduction="20000"/>
+          </a:bodyPr>
+          <a:lstStyle/>
+          <a:p>
+            <a:r>
+              <a:rPr lang="en-US" dirty="0" smtClean="0">
+                <a:solidFill>
+                  <a:schemeClr val="bg1">
+                    <a:lumMod val="65000"/>
+                  </a:schemeClr>
+                </a:solidFill>
+              </a:rPr>
+              <a:t>Admin</a:t>
+            </a:r>
+          </a:p>
+          <a:p>
+            <a:pPr lvl="1"/>
+            <a:r>
+              <a:rPr lang="en-US" dirty="0" smtClean="0">
+                <a:solidFill>
+                  <a:schemeClr val="bg1">
+                    <a:lumMod val="65000"/>
+                  </a:schemeClr>
+                </a:solidFill>
+              </a:rPr>
+              <a:t>My background</a:t>
+            </a:r>
+          </a:p>
+          <a:p>
+            <a:pPr lvl="1"/>
+            <a:r>
+              <a:rPr lang="en-US" dirty="0" smtClean="0">
+                <a:solidFill>
+                  <a:schemeClr val="bg1">
+                    <a:lumMod val="65000"/>
+                  </a:schemeClr>
+                </a:solidFill>
+              </a:rPr>
+              <a:t>Goals of this session</a:t>
+            </a:r>
+          </a:p>
+          <a:p>
+            <a:r>
+              <a:rPr lang="en-US" dirty="0" smtClean="0">
+                <a:solidFill>
+                  <a:schemeClr val="bg1">
+                    <a:lumMod val="65000"/>
+                  </a:schemeClr>
+                </a:solidFill>
+              </a:rPr>
+              <a:t>Writing code </a:t>
+            </a:r>
+          </a:p>
+          <a:p>
+            <a:pPr lvl="1"/>
+            <a:r>
+              <a:rPr lang="en-US" dirty="0" smtClean="0">
+                <a:solidFill>
+                  <a:schemeClr val="bg1">
+                    <a:lumMod val="65000"/>
+                  </a:schemeClr>
+                </a:solidFill>
+              </a:rPr>
+              <a:t>Writing your own code</a:t>
+            </a:r>
+          </a:p>
+          <a:p>
+            <a:pPr lvl="1"/>
+            <a:r>
+              <a:rPr lang="en-US" dirty="0" smtClean="0">
+                <a:solidFill>
+                  <a:schemeClr val="bg1">
+                    <a:lumMod val="65000"/>
+                  </a:schemeClr>
+                </a:solidFill>
+              </a:rPr>
+              <a:t>Working on code with collaborators </a:t>
+            </a:r>
+          </a:p>
+          <a:p>
+            <a:pPr lvl="1"/>
+            <a:r>
+              <a:rPr lang="en-US" dirty="0" smtClean="0">
+                <a:solidFill>
+                  <a:schemeClr val="bg1">
+                    <a:lumMod val="65000"/>
+                  </a:schemeClr>
+                </a:solidFill>
+              </a:rPr>
+              <a:t>Joining a project where someone left off </a:t>
+            </a:r>
+          </a:p>
+          <a:p>
+            <a:r>
+              <a:rPr lang="en-US" dirty="0" smtClean="0"/>
+              <a:t>Find out how to do something</a:t>
+            </a:r>
+          </a:p>
+          <a:p>
+            <a:pPr lvl="1"/>
+            <a:r>
+              <a:rPr lang="en-US" dirty="0" smtClean="0"/>
+              <a:t>Looking for information you need</a:t>
+            </a:r>
+          </a:p>
+          <a:p>
+            <a:pPr lvl="1"/>
+            <a:r>
+              <a:rPr lang="en-US" dirty="0" smtClean="0"/>
+              <a:t>Using the fruits of other peoples’ labor</a:t>
+            </a:r>
+          </a:p>
+          <a:p>
+            <a:r>
+              <a:rPr lang="en-US" dirty="0" smtClean="0">
+                <a:solidFill>
+                  <a:schemeClr val="bg1">
+                    <a:lumMod val="65000"/>
+                  </a:schemeClr>
+                </a:solidFill>
+              </a:rPr>
+              <a:t>Developing your own tool</a:t>
+            </a:r>
+          </a:p>
+          <a:p>
+            <a:pPr lvl="1"/>
+            <a:r>
+              <a:rPr lang="en-US" dirty="0" smtClean="0">
+                <a:solidFill>
+                  <a:schemeClr val="bg1">
+                    <a:lumMod val="65000"/>
+                  </a:schemeClr>
+                </a:solidFill>
+              </a:rPr>
+              <a:t>When to do it</a:t>
+            </a:r>
+          </a:p>
+          <a:p>
+            <a:pPr lvl="1"/>
+            <a:r>
+              <a:rPr lang="en-US" dirty="0" smtClean="0">
+                <a:solidFill>
+                  <a:schemeClr val="bg1">
+                    <a:lumMod val="65000"/>
+                  </a:schemeClr>
+                </a:solidFill>
+              </a:rPr>
+              <a:t>What to keep in mind </a:t>
+            </a:r>
+          </a:p>
+          <a:p>
+            <a:r>
+              <a:rPr lang="en-US" dirty="0" smtClean="0">
+                <a:solidFill>
+                  <a:schemeClr val="bg1">
+                    <a:lumMod val="65000"/>
+                  </a:schemeClr>
+                </a:solidFill>
+              </a:rPr>
+              <a:t>Version control </a:t>
+            </a:r>
+          </a:p>
+          <a:p>
+            <a:pPr lvl="1"/>
+            <a:r>
+              <a:rPr lang="en-US" dirty="0" err="1" smtClean="0">
+                <a:solidFill>
+                  <a:schemeClr val="bg1">
+                    <a:lumMod val="65000"/>
+                  </a:schemeClr>
+                </a:solidFill>
+              </a:rPr>
+              <a:t>Github</a:t>
+            </a:r>
+            <a:r>
+              <a:rPr lang="en-US" dirty="0" smtClean="0">
+                <a:solidFill>
+                  <a:schemeClr val="bg1">
+                    <a:lumMod val="65000"/>
+                  </a:schemeClr>
+                </a:solidFill>
+              </a:rPr>
+              <a:t> </a:t>
+            </a:r>
+          </a:p>
+          <a:p>
+            <a:pPr lvl="1"/>
+            <a:r>
+              <a:rPr lang="en-US" dirty="0" err="1" smtClean="0">
+                <a:solidFill>
+                  <a:schemeClr val="bg1">
+                    <a:lumMod val="65000"/>
+                  </a:schemeClr>
+                </a:solidFill>
+              </a:rPr>
+              <a:t>Dropbox</a:t>
+            </a:r>
+            <a:r>
+              <a:rPr lang="en-US" dirty="0" smtClean="0">
+                <a:solidFill>
+                  <a:schemeClr val="bg1">
+                    <a:lumMod val="65000"/>
+                  </a:schemeClr>
+                </a:solidFill>
+              </a:rPr>
+              <a:t> </a:t>
+            </a:r>
+          </a:p>
+          <a:p>
+            <a:pPr lvl="1"/>
+            <a:r>
+              <a:rPr lang="en-US" dirty="0" smtClean="0">
+                <a:solidFill>
+                  <a:schemeClr val="bg1">
+                    <a:lumMod val="65000"/>
+                  </a:schemeClr>
+                </a:solidFill>
+              </a:rPr>
+              <a:t>Hard drives</a:t>
+            </a:r>
+            <a:r>
+              <a:rPr lang="en-US" dirty="0" smtClean="0"/>
+              <a:t> </a:t>
+            </a:r>
+          </a:p>
+          <a:p>
             <a:endParaRPr lang="en-US" dirty="0"/>
           </a:p>
-        </p:txBody>
-      </p:sp>
-      <p:sp>
-        <p:nvSpPr>
-          <p:cNvPr id="3" name="Content Placeholder 2"/>
-          <p:cNvSpPr>
-            <a:spLocks noGrp="1"/>
-          </p:cNvSpPr>
-          <p:nvPr>
-            <p:ph idx="1"/>
-          </p:nvPr>
-        </p:nvSpPr>
-        <p:spPr/>
-        <p:txBody>
-          <a:bodyPr>
-            <a:normAutofit fontScale="92500" lnSpcReduction="10000"/>
-          </a:bodyPr>
-          <a:lstStyle/>
-          <a:p>
-            <a:r>
-              <a:rPr lang="en-US" dirty="0" smtClean="0"/>
-              <a:t>Coding problem</a:t>
-            </a:r>
-          </a:p>
           <a:p>
             <a:pPr lvl="1"/>
-            <a:r>
-              <a:rPr lang="en-US" dirty="0"/>
-              <a:t>c</a:t>
-            </a:r>
-            <a:r>
-              <a:rPr lang="en-US" dirty="0" smtClean="0"/>
-              <a:t>hances are someone else has a similar problem, and a solution exists</a:t>
-            </a:r>
-          </a:p>
-          <a:p>
-            <a:pPr lvl="1"/>
-            <a:r>
-              <a:rPr lang="en-US" dirty="0" smtClean="0"/>
-              <a:t>Google it. How would you phrase that question to a human?</a:t>
-            </a:r>
-          </a:p>
-          <a:p>
-            <a:r>
-              <a:rPr lang="en-US" dirty="0" smtClean="0"/>
-              <a:t>Who does research in that general area?  </a:t>
-            </a:r>
-          </a:p>
-          <a:p>
-            <a:pPr lvl="1"/>
-            <a:r>
-              <a:rPr lang="en-US" dirty="0" smtClean="0"/>
-              <a:t>Look at their papers for something similar you can adapt </a:t>
-            </a:r>
-          </a:p>
-          <a:p>
-            <a:r>
-              <a:rPr lang="en-US" dirty="0" smtClean="0"/>
-              <a:t>How would you do it manually?</a:t>
-            </a:r>
-          </a:p>
-          <a:p>
-            <a:pPr lvl="1"/>
-            <a:r>
-              <a:rPr lang="en-US" dirty="0" smtClean="0"/>
-              <a:t>Describe the steps, then code it up </a:t>
-            </a:r>
-          </a:p>
-          <a:p>
-            <a:pPr lvl="1"/>
-            <a:endParaRPr lang="en-US" dirty="0"/>
-          </a:p>
-          <a:p>
-            <a:pPr lvl="1"/>
+            <a:endParaRPr lang="en-US" dirty="0" smtClean="0"/>
+          </a:p>
+          <a:p>
+            <a:endParaRPr lang="en-US" dirty="0" smtClean="0"/>
+          </a:p>
+          <a:p>
             <a:endParaRPr lang="en-US" dirty="0"/>
           </a:p>
         </p:txBody>
@@ -5459,7 +5737,7 @@
     </p:spTree>
     <p:extLst>
       <p:ext uri="{BB962C8B-B14F-4D97-AF65-F5344CB8AC3E}">
-        <p14:creationId xmlns:p14="http://schemas.microsoft.com/office/powerpoint/2010/main" val="3071680531"/>
+        <p14:creationId xmlns:p14="http://schemas.microsoft.com/office/powerpoint/2010/main" val="849704915"/>
       </p:ext>
     </p:extLst>
   </p:cSld>
@@ -5503,7 +5781,7 @@
           <a:p>
             <a:r>
               <a:rPr lang="en-US" dirty="0" smtClean="0"/>
-              <a:t>Do not reinvent the wheel </a:t>
+              <a:t>What if you hit a problem?</a:t>
             </a:r>
             <a:endParaRPr lang="en-US" dirty="0"/>
           </a:p>
@@ -5521,27 +5799,66 @@
         </p:nvSpPr>
         <p:spPr/>
         <p:txBody>
-          <a:bodyPr/>
-          <a:lstStyle/>
-          <a:p>
-            <a:r>
-              <a:rPr lang="en-US" dirty="0" smtClean="0"/>
-              <a:t>Do not write your own code for a function, unless there is absolutely no choice</a:t>
-            </a:r>
-          </a:p>
-          <a:p>
-            <a:r>
-              <a:rPr lang="en-US" dirty="0" smtClean="0"/>
-              <a:t>If a solution is available on the internet, use it. If it popped up in </a:t>
-            </a:r>
+          <a:bodyPr>
+            <a:normAutofit fontScale="92500" lnSpcReduction="10000"/>
+          </a:bodyPr>
+          <a:lstStyle/>
+          <a:p>
+            <a:r>
+              <a:rPr lang="en-US" dirty="0" smtClean="0"/>
+              <a:t>Coding problem</a:t>
+            </a:r>
+          </a:p>
+          <a:p>
+            <a:pPr lvl="1"/>
             <a:r>
               <a:rPr lang="en-US" dirty="0"/>
-              <a:t>G</a:t>
-            </a:r>
-            <a:r>
-              <a:rPr lang="en-US" dirty="0" smtClean="0"/>
-              <a:t>oogle, its probably been rigorously tested by many more people than code you would write yourself </a:t>
-            </a:r>
+              <a:t>c</a:t>
+            </a:r>
+            <a:r>
+              <a:rPr lang="en-US" dirty="0" smtClean="0"/>
+              <a:t>hances are someone else has a similar problem, and a solution exists</a:t>
+            </a:r>
+          </a:p>
+          <a:p>
+            <a:pPr lvl="1"/>
+            <a:r>
+              <a:rPr lang="en-US" dirty="0" smtClean="0"/>
+              <a:t>Google it. How would you phrase that question to a human?</a:t>
+            </a:r>
+          </a:p>
+          <a:p>
+            <a:r>
+              <a:rPr lang="en-US" dirty="0" smtClean="0"/>
+              <a:t>Who does research in that general area?  </a:t>
+            </a:r>
+          </a:p>
+          <a:p>
+            <a:pPr lvl="1"/>
+            <a:r>
+              <a:rPr lang="en-US" dirty="0" smtClean="0"/>
+              <a:t>Look at their papers for something similar you can adapt </a:t>
+            </a:r>
+          </a:p>
+          <a:p>
+            <a:r>
+              <a:rPr lang="en-US" dirty="0" smtClean="0"/>
+              <a:t>How would you do it manually?</a:t>
+            </a:r>
+          </a:p>
+          <a:p>
+            <a:pPr lvl="1"/>
+            <a:r>
+              <a:rPr lang="en-US" dirty="0" smtClean="0"/>
+              <a:t>Describe the steps, then code it up </a:t>
+            </a:r>
+          </a:p>
+          <a:p>
+            <a:pPr lvl="1"/>
+            <a:endParaRPr lang="en-US" dirty="0"/>
+          </a:p>
+          <a:p>
+            <a:pPr lvl="1"/>
             <a:endParaRPr lang="en-US" dirty="0"/>
           </a:p>
         </p:txBody>
@@ -5549,7 +5866,7 @@
     </p:spTree>
     <p:extLst>
       <p:ext uri="{BB962C8B-B14F-4D97-AF65-F5344CB8AC3E}">
-        <p14:creationId xmlns:p14="http://schemas.microsoft.com/office/powerpoint/2010/main" val="2296045984"/>
+        <p14:creationId xmlns:p14="http://schemas.microsoft.com/office/powerpoint/2010/main" val="3071680531"/>
       </p:ext>
     </p:extLst>
   </p:cSld>
@@ -5909,28 +6226,16 @@
             <p:ph type="title"/>
           </p:nvPr>
         </p:nvSpPr>
-        <p:spPr>
-          <a:solidFill>
-            <a:schemeClr val="tx1"/>
-          </a:solidFill>
-        </p:spPr>
+        <p:spPr/>
         <p:txBody>
           <a:bodyPr/>
           <a:lstStyle/>
           <a:p>
             <a:r>
-              <a:rPr lang="en-US" dirty="0" smtClean="0">
-                <a:solidFill>
-                  <a:srgbClr val="FFFFFF"/>
-                </a:solidFill>
-              </a:rPr>
-              <a:t>Contents</a:t>
-            </a:r>
-            <a:endParaRPr lang="en-US" dirty="0">
-              <a:solidFill>
-                <a:srgbClr val="FFFFFF"/>
-              </a:solidFill>
-            </a:endParaRPr>
+              <a:rPr lang="en-US" dirty="0" smtClean="0"/>
+              <a:t>Do not reinvent the wheel </a:t>
+            </a:r>
+            <a:endParaRPr lang="en-US" dirty="0"/>
           </a:p>
         </p:txBody>
       </p:sp>
@@ -5944,250 +6249,29 @@
             <p:ph idx="1"/>
           </p:nvPr>
         </p:nvSpPr>
-        <p:spPr>
-          <a:xfrm>
-            <a:off x="457200" y="1600200"/>
-            <a:ext cx="8229600" cy="5257800"/>
-          </a:xfrm>
-        </p:spPr>
-        <p:txBody>
-          <a:bodyPr>
-            <a:normAutofit fontScale="62500" lnSpcReduction="20000"/>
-          </a:bodyPr>
-          <a:lstStyle/>
-          <a:p>
-            <a:r>
-              <a:rPr lang="en-US" dirty="0" smtClean="0">
-                <a:solidFill>
-                  <a:schemeClr val="bg1">
-                    <a:lumMod val="65000"/>
-                  </a:schemeClr>
-                </a:solidFill>
-              </a:rPr>
-              <a:t>Admin</a:t>
-            </a:r>
-          </a:p>
-          <a:p>
-            <a:pPr lvl="1"/>
-            <a:r>
-              <a:rPr lang="en-US" dirty="0" smtClean="0">
-                <a:solidFill>
-                  <a:schemeClr val="bg1">
-                    <a:lumMod val="65000"/>
-                  </a:schemeClr>
-                </a:solidFill>
-              </a:rPr>
-              <a:t>My background</a:t>
-            </a:r>
-          </a:p>
-          <a:p>
-            <a:pPr lvl="1"/>
-            <a:r>
-              <a:rPr lang="en-US" dirty="0" smtClean="0">
-                <a:solidFill>
-                  <a:schemeClr val="bg1">
-                    <a:lumMod val="65000"/>
-                  </a:schemeClr>
-                </a:solidFill>
-              </a:rPr>
-              <a:t>Goals of this session</a:t>
-            </a:r>
-          </a:p>
-          <a:p>
-            <a:r>
-              <a:rPr lang="en-US" dirty="0" smtClean="0">
-                <a:solidFill>
-                  <a:schemeClr val="bg1">
-                    <a:lumMod val="65000"/>
-                  </a:schemeClr>
-                </a:solidFill>
-              </a:rPr>
-              <a:t>Writing code </a:t>
-            </a:r>
-          </a:p>
-          <a:p>
-            <a:pPr lvl="1"/>
-            <a:r>
-              <a:rPr lang="en-US" dirty="0" smtClean="0">
-                <a:solidFill>
-                  <a:schemeClr val="bg1">
-                    <a:lumMod val="65000"/>
-                  </a:schemeClr>
-                </a:solidFill>
-              </a:rPr>
-              <a:t>Writing your own code</a:t>
-            </a:r>
-          </a:p>
-          <a:p>
-            <a:pPr lvl="1"/>
-            <a:r>
-              <a:rPr lang="en-US" dirty="0" smtClean="0">
-                <a:solidFill>
-                  <a:schemeClr val="bg1">
-                    <a:lumMod val="65000"/>
-                  </a:schemeClr>
-                </a:solidFill>
-              </a:rPr>
-              <a:t>Working on code with collaborators </a:t>
-            </a:r>
-          </a:p>
-          <a:p>
-            <a:pPr lvl="1"/>
-            <a:r>
-              <a:rPr lang="en-US" dirty="0" smtClean="0">
-                <a:solidFill>
-                  <a:schemeClr val="bg1">
-                    <a:lumMod val="65000"/>
-                  </a:schemeClr>
-                </a:solidFill>
-              </a:rPr>
-              <a:t>Joining a project where someone left off </a:t>
-            </a:r>
-          </a:p>
-          <a:p>
-            <a:r>
-              <a:rPr lang="en-US" dirty="0" smtClean="0">
-                <a:solidFill>
-                  <a:schemeClr val="bg1">
-                    <a:lumMod val="65000"/>
-                  </a:schemeClr>
-                </a:solidFill>
-              </a:rPr>
-              <a:t>Find out how to do something</a:t>
-            </a:r>
-          </a:p>
-          <a:p>
-            <a:pPr lvl="1"/>
-            <a:r>
-              <a:rPr lang="en-US" dirty="0" smtClean="0">
-                <a:solidFill>
-                  <a:schemeClr val="bg1">
-                    <a:lumMod val="65000"/>
-                  </a:schemeClr>
-                </a:solidFill>
-              </a:rPr>
-              <a:t>Looking for information you need</a:t>
-            </a:r>
-          </a:p>
-          <a:p>
-            <a:pPr lvl="1"/>
-            <a:r>
-              <a:rPr lang="en-US" dirty="0" smtClean="0">
-                <a:solidFill>
-                  <a:schemeClr val="bg1">
-                    <a:lumMod val="65000"/>
-                  </a:schemeClr>
-                </a:solidFill>
-              </a:rPr>
-              <a:t>Using the fruits of other peoples’ labor</a:t>
-            </a:r>
-          </a:p>
-          <a:p>
-            <a:r>
-              <a:rPr lang="en-US" dirty="0" smtClean="0"/>
-              <a:t>Developing your own tool</a:t>
-            </a:r>
-          </a:p>
-          <a:p>
-            <a:pPr lvl="1"/>
-            <a:r>
-              <a:rPr lang="en-US" dirty="0" smtClean="0"/>
-              <a:t>When to do it</a:t>
-            </a:r>
-          </a:p>
-          <a:p>
-            <a:pPr lvl="1"/>
-            <a:r>
-              <a:rPr lang="en-US" dirty="0" smtClean="0"/>
-              <a:t>What to keep in mind </a:t>
-            </a:r>
-          </a:p>
-          <a:p>
-            <a:r>
-              <a:rPr lang="en-US" dirty="0" smtClean="0">
-                <a:solidFill>
-                  <a:schemeClr val="bg1">
-                    <a:lumMod val="65000"/>
-                  </a:schemeClr>
-                </a:solidFill>
-              </a:rPr>
-              <a:t>Version control </a:t>
-            </a:r>
-          </a:p>
-          <a:p>
-            <a:pPr lvl="1"/>
-            <a:r>
-              <a:rPr lang="en-US" dirty="0" err="1" smtClean="0">
-                <a:solidFill>
-                  <a:schemeClr val="bg1">
-                    <a:lumMod val="65000"/>
-                  </a:schemeClr>
-                </a:solidFill>
-              </a:rPr>
-              <a:t>Github</a:t>
-            </a:r>
-            <a:r>
-              <a:rPr lang="en-US" dirty="0" smtClean="0">
-                <a:solidFill>
-                  <a:schemeClr val="bg1">
-                    <a:lumMod val="65000"/>
-                  </a:schemeClr>
-                </a:solidFill>
-              </a:rPr>
-              <a:t> </a:t>
-            </a:r>
-          </a:p>
-          <a:p>
-            <a:pPr lvl="1"/>
-            <a:r>
-              <a:rPr lang="en-US" dirty="0" err="1" smtClean="0">
-                <a:solidFill>
-                  <a:schemeClr val="bg1">
-                    <a:lumMod val="65000"/>
-                  </a:schemeClr>
-                </a:solidFill>
-              </a:rPr>
-              <a:t>Dropbox</a:t>
-            </a:r>
-            <a:r>
-              <a:rPr lang="en-US" dirty="0" smtClean="0">
-                <a:solidFill>
-                  <a:schemeClr val="bg1">
-                    <a:lumMod val="65000"/>
-                  </a:schemeClr>
-                </a:solidFill>
-              </a:rPr>
-              <a:t> </a:t>
-            </a:r>
-          </a:p>
-          <a:p>
-            <a:pPr lvl="1"/>
-            <a:r>
-              <a:rPr lang="en-US" dirty="0" smtClean="0">
-                <a:solidFill>
-                  <a:schemeClr val="bg1">
-                    <a:lumMod val="65000"/>
-                  </a:schemeClr>
-                </a:solidFill>
-              </a:rPr>
-              <a:t>Hard drives</a:t>
-            </a:r>
-            <a:r>
-              <a:rPr lang="en-US" dirty="0" smtClean="0"/>
-              <a:t> </a:t>
-            </a:r>
-          </a:p>
-          <a:p>
-            <a:endParaRPr lang="en-US" dirty="0"/>
-          </a:p>
-          <a:p>
-            <a:pPr lvl="1"/>
-            <a:endParaRPr lang="en-US" dirty="0" smtClean="0"/>
-          </a:p>
-          <a:p>
-            <a:endParaRPr lang="en-US" dirty="0" smtClean="0"/>
-          </a:p>
-          <a:p>
+        <p:spPr/>
+        <p:txBody>
+          <a:bodyPr/>
+          <a:lstStyle/>
+          <a:p>
+            <a:r>
+              <a:rPr lang="en-US" dirty="0" smtClean="0"/>
+              <a:t>Do not write your own code for a function, unless there is absolutely no choice</a:t>
+            </a:r>
+          </a:p>
+          <a:p>
+            <a:r>
+              <a:rPr lang="en-US" dirty="0" smtClean="0"/>
+              <a:t>If a solution is available on the internet, use it. If it popped up in </a:t>
+            </a:r>
+            <a:r>
+              <a:rPr lang="en-US" dirty="0"/>
+              <a:t>G</a:t>
+            </a:r>
+            <a:r>
+              <a:rPr lang="en-US" dirty="0" smtClean="0"/>
+              <a:t>oogle, its probably been rigorously tested by many more people than code you would write yourself </a:t>
+            </a:r>
             <a:endParaRPr lang="en-US" dirty="0"/>
           </a:p>
         </p:txBody>
@@ -6195,7 +6279,7 @@
     </p:spTree>
     <p:extLst>
       <p:ext uri="{BB962C8B-B14F-4D97-AF65-F5344CB8AC3E}">
-        <p14:creationId xmlns:p14="http://schemas.microsoft.com/office/powerpoint/2010/main" val="849704915"/>
+        <p14:creationId xmlns:p14="http://schemas.microsoft.com/office/powerpoint/2010/main" val="2296045984"/>
       </p:ext>
     </p:extLst>
   </p:cSld>
@@ -6232,38 +6316,285 @@
             <p:ph type="title"/>
           </p:nvPr>
         </p:nvSpPr>
-        <p:spPr/>
+        <p:spPr>
+          <a:solidFill>
+            <a:schemeClr val="tx1"/>
+          </a:solidFill>
+        </p:spPr>
         <p:txBody>
           <a:bodyPr/>
           <a:lstStyle/>
           <a:p>
             <a:r>
-              <a:rPr lang="en-US" dirty="0" smtClean="0"/>
-              <a:t>When to develop your own tool</a:t>
-            </a:r>
+              <a:rPr lang="en-US" dirty="0" smtClean="0">
+                <a:solidFill>
+                  <a:srgbClr val="FFFFFF"/>
+                </a:solidFill>
+              </a:rPr>
+              <a:t>Contents</a:t>
+            </a:r>
+            <a:endParaRPr lang="en-US" dirty="0">
+              <a:solidFill>
+                <a:srgbClr val="FFFFFF"/>
+              </a:solidFill>
+            </a:endParaRPr>
+          </a:p>
+        </p:txBody>
+      </p:sp>
+      <p:sp>
+        <p:nvSpPr>
+          <p:cNvPr id="3" name="Content Placeholder 2"/>
+          <p:cNvSpPr>
+            <a:spLocks noGrp="1"/>
+          </p:cNvSpPr>
+          <p:nvPr>
+            <p:ph idx="1"/>
+          </p:nvPr>
+        </p:nvSpPr>
+        <p:spPr>
+          <a:xfrm>
+            <a:off x="457200" y="1600200"/>
+            <a:ext cx="8229600" cy="5257800"/>
+          </a:xfrm>
+        </p:spPr>
+        <p:txBody>
+          <a:bodyPr>
+            <a:normAutofit fontScale="62500" lnSpcReduction="20000"/>
+          </a:bodyPr>
+          <a:lstStyle/>
+          <a:p>
+            <a:r>
+              <a:rPr lang="en-US" dirty="0" smtClean="0">
+                <a:solidFill>
+                  <a:schemeClr val="bg1">
+                    <a:lumMod val="65000"/>
+                  </a:schemeClr>
+                </a:solidFill>
+              </a:rPr>
+              <a:t>Admin</a:t>
+            </a:r>
+          </a:p>
+          <a:p>
+            <a:pPr lvl="1"/>
+            <a:r>
+              <a:rPr lang="en-US" dirty="0" smtClean="0">
+                <a:solidFill>
+                  <a:schemeClr val="bg1">
+                    <a:lumMod val="65000"/>
+                  </a:schemeClr>
+                </a:solidFill>
+              </a:rPr>
+              <a:t>My background</a:t>
+            </a:r>
+          </a:p>
+          <a:p>
+            <a:pPr lvl="1"/>
+            <a:r>
+              <a:rPr lang="en-US" dirty="0" smtClean="0">
+                <a:solidFill>
+                  <a:schemeClr val="bg1">
+                    <a:lumMod val="65000"/>
+                  </a:schemeClr>
+                </a:solidFill>
+              </a:rPr>
+              <a:t>Goals of this session</a:t>
+            </a:r>
+          </a:p>
+          <a:p>
+            <a:r>
+              <a:rPr lang="en-US" dirty="0" smtClean="0">
+                <a:solidFill>
+                  <a:schemeClr val="bg1">
+                    <a:lumMod val="65000"/>
+                  </a:schemeClr>
+                </a:solidFill>
+              </a:rPr>
+              <a:t>Writing code </a:t>
+            </a:r>
+          </a:p>
+          <a:p>
+            <a:pPr lvl="1"/>
+            <a:r>
+              <a:rPr lang="en-US" dirty="0" smtClean="0">
+                <a:solidFill>
+                  <a:schemeClr val="bg1">
+                    <a:lumMod val="65000"/>
+                  </a:schemeClr>
+                </a:solidFill>
+              </a:rPr>
+              <a:t>Writing your own code</a:t>
+            </a:r>
+          </a:p>
+          <a:p>
+            <a:pPr lvl="1"/>
+            <a:r>
+              <a:rPr lang="en-US" dirty="0" smtClean="0">
+                <a:solidFill>
+                  <a:schemeClr val="bg1">
+                    <a:lumMod val="65000"/>
+                  </a:schemeClr>
+                </a:solidFill>
+              </a:rPr>
+              <a:t>Working on code with collaborators </a:t>
+            </a:r>
+          </a:p>
+          <a:p>
+            <a:pPr lvl="1"/>
+            <a:r>
+              <a:rPr lang="en-US" dirty="0" smtClean="0">
+                <a:solidFill>
+                  <a:schemeClr val="bg1">
+                    <a:lumMod val="65000"/>
+                  </a:schemeClr>
+                </a:solidFill>
+              </a:rPr>
+              <a:t>Joining a project where someone left off </a:t>
+            </a:r>
+          </a:p>
+          <a:p>
+            <a:r>
+              <a:rPr lang="en-US" dirty="0" smtClean="0">
+                <a:solidFill>
+                  <a:schemeClr val="bg1">
+                    <a:lumMod val="65000"/>
+                  </a:schemeClr>
+                </a:solidFill>
+              </a:rPr>
+              <a:t>Find out how to do something</a:t>
+            </a:r>
+          </a:p>
+          <a:p>
+            <a:pPr lvl="1"/>
+            <a:r>
+              <a:rPr lang="en-US" dirty="0" smtClean="0">
+                <a:solidFill>
+                  <a:schemeClr val="bg1">
+                    <a:lumMod val="65000"/>
+                  </a:schemeClr>
+                </a:solidFill>
+              </a:rPr>
+              <a:t>Looking for information you need</a:t>
+            </a:r>
+          </a:p>
+          <a:p>
+            <a:pPr lvl="1"/>
+            <a:r>
+              <a:rPr lang="en-US" dirty="0" smtClean="0">
+                <a:solidFill>
+                  <a:schemeClr val="bg1">
+                    <a:lumMod val="65000"/>
+                  </a:schemeClr>
+                </a:solidFill>
+              </a:rPr>
+              <a:t>Using the fruits of other peoples’ labor</a:t>
+            </a:r>
+          </a:p>
+          <a:p>
+            <a:r>
+              <a:rPr lang="en-US" dirty="0" smtClean="0"/>
+              <a:t>Developing your own tool</a:t>
+            </a:r>
+          </a:p>
+          <a:p>
+            <a:pPr lvl="1"/>
+            <a:r>
+              <a:rPr lang="en-US" dirty="0" smtClean="0"/>
+              <a:t>When to do it</a:t>
+            </a:r>
+          </a:p>
+          <a:p>
+            <a:pPr lvl="1"/>
+            <a:r>
+              <a:rPr lang="en-US" dirty="0" smtClean="0"/>
+              <a:t>What to keep in mind </a:t>
+            </a:r>
+          </a:p>
+          <a:p>
+            <a:r>
+              <a:rPr lang="en-US" dirty="0" smtClean="0">
+                <a:solidFill>
+                  <a:schemeClr val="bg1">
+                    <a:lumMod val="65000"/>
+                  </a:schemeClr>
+                </a:solidFill>
+              </a:rPr>
+              <a:t>Version control </a:t>
+            </a:r>
+          </a:p>
+          <a:p>
+            <a:pPr lvl="1"/>
+            <a:r>
+              <a:rPr lang="en-US" dirty="0" err="1" smtClean="0">
+                <a:solidFill>
+                  <a:schemeClr val="bg1">
+                    <a:lumMod val="65000"/>
+                  </a:schemeClr>
+                </a:solidFill>
+              </a:rPr>
+              <a:t>Github</a:t>
+            </a:r>
+            <a:r>
+              <a:rPr lang="en-US" dirty="0" smtClean="0">
+                <a:solidFill>
+                  <a:schemeClr val="bg1">
+                    <a:lumMod val="65000"/>
+                  </a:schemeClr>
+                </a:solidFill>
+              </a:rPr>
+              <a:t> </a:t>
+            </a:r>
+          </a:p>
+          <a:p>
+            <a:pPr lvl="1"/>
+            <a:r>
+              <a:rPr lang="en-US" dirty="0" err="1" smtClean="0">
+                <a:solidFill>
+                  <a:schemeClr val="bg1">
+                    <a:lumMod val="65000"/>
+                  </a:schemeClr>
+                </a:solidFill>
+              </a:rPr>
+              <a:t>Dropbox</a:t>
+            </a:r>
+            <a:r>
+              <a:rPr lang="en-US" dirty="0" smtClean="0">
+                <a:solidFill>
+                  <a:schemeClr val="bg1">
+                    <a:lumMod val="65000"/>
+                  </a:schemeClr>
+                </a:solidFill>
+              </a:rPr>
+              <a:t> </a:t>
+            </a:r>
+          </a:p>
+          <a:p>
+            <a:pPr lvl="1"/>
+            <a:r>
+              <a:rPr lang="en-US" dirty="0" smtClean="0">
+                <a:solidFill>
+                  <a:schemeClr val="bg1">
+                    <a:lumMod val="65000"/>
+                  </a:schemeClr>
+                </a:solidFill>
+              </a:rPr>
+              <a:t>Hard drives</a:t>
+            </a:r>
+            <a:r>
+              <a:rPr lang="en-US" dirty="0" smtClean="0"/>
+              <a:t> </a:t>
+            </a:r>
+          </a:p>
+          <a:p>
             <a:endParaRPr lang="en-US" dirty="0"/>
           </a:p>
-        </p:txBody>
-      </p:sp>
-      <p:sp>
-        <p:nvSpPr>
-          <p:cNvPr id="3" name="Content Placeholder 2"/>
-          <p:cNvSpPr>
-            <a:spLocks noGrp="1"/>
-          </p:cNvSpPr>
-          <p:nvPr>
-            <p:ph idx="1"/>
-          </p:nvPr>
-        </p:nvSpPr>
-        <p:spPr/>
-        <p:txBody>
-          <a:bodyPr/>
-          <a:lstStyle/>
-          <a:p>
-            <a:r>
-              <a:rPr lang="en-US" dirty="0" smtClean="0"/>
-              <a:t>When you really need it, and no one else has done anything remotely similar you can adapt </a:t>
-            </a:r>
+          <a:p>
+            <a:pPr lvl="1"/>
+            <a:endParaRPr lang="en-US" dirty="0" smtClean="0"/>
+          </a:p>
+          <a:p>
+            <a:endParaRPr lang="en-US" dirty="0" smtClean="0"/>
+          </a:p>
+          <a:p>
             <a:endParaRPr lang="en-US" dirty="0"/>
           </a:p>
         </p:txBody>
@@ -6271,7 +6602,7 @@
     </p:spTree>
     <p:extLst>
       <p:ext uri="{BB962C8B-B14F-4D97-AF65-F5344CB8AC3E}">
-        <p14:creationId xmlns:p14="http://schemas.microsoft.com/office/powerpoint/2010/main" val="892411971"/>
+        <p14:creationId xmlns:p14="http://schemas.microsoft.com/office/powerpoint/2010/main" val="849704915"/>
       </p:ext>
     </p:extLst>
   </p:cSld>
@@ -6315,7 +6646,7 @@
           <a:p>
             <a:r>
               <a:rPr lang="en-US" dirty="0" smtClean="0"/>
-              <a:t>Things to keep in mind</a:t>
+              <a:t>When to develop your own tool</a:t>
             </a:r>
             <a:endParaRPr lang="en-US" dirty="0"/>
           </a:p>
@@ -6333,106 +6664,65 @@
         </p:nvSpPr>
         <p:spPr/>
         <p:txBody>
-          <a:bodyPr>
-            <a:normAutofit fontScale="85000" lnSpcReduction="10000"/>
-          </a:bodyPr>
-          <a:lstStyle/>
-          <a:p>
-            <a:r>
-              <a:rPr lang="en-US" dirty="0" smtClean="0"/>
-              <a:t>Operating System compatibility</a:t>
-            </a:r>
-          </a:p>
-          <a:p>
-            <a:pPr lvl="1"/>
-            <a:r>
-              <a:rPr lang="en-US" dirty="0" smtClean="0"/>
-              <a:t>Who are your users?</a:t>
-            </a:r>
-          </a:p>
-          <a:p>
-            <a:pPr lvl="1"/>
-            <a:r>
-              <a:rPr lang="en-US" dirty="0" smtClean="0"/>
-              <a:t>What OS do they mainly use?</a:t>
-            </a:r>
-          </a:p>
-          <a:p>
-            <a:r>
-              <a:rPr lang="en-US" dirty="0" smtClean="0"/>
-              <a:t>Beta Testing</a:t>
-            </a:r>
-          </a:p>
-          <a:p>
-            <a:pPr lvl="1"/>
-            <a:r>
-              <a:rPr lang="en-US" dirty="0" smtClean="0"/>
-              <a:t>People in your department, who haven’t used it yet</a:t>
-            </a:r>
-          </a:p>
-          <a:p>
-            <a:pPr lvl="1"/>
-            <a:r>
-              <a:rPr lang="en-US" dirty="0" smtClean="0"/>
-              <a:t>People with only a basic knowledge of computer science  </a:t>
-            </a:r>
-          </a:p>
-          <a:p>
-            <a:r>
-              <a:rPr lang="en-US" dirty="0" smtClean="0"/>
-              <a:t>Documentation</a:t>
-            </a:r>
-          </a:p>
-          <a:p>
-            <a:pPr lvl="1"/>
-            <a:r>
-              <a:rPr lang="en-US" dirty="0" smtClean="0"/>
-              <a:t>Write good documentation if you want other people to use your program</a:t>
-            </a:r>
-          </a:p>
-          <a:p>
-            <a:pPr lvl="1"/>
-            <a:r>
-              <a:rPr lang="en-US" dirty="0" smtClean="0"/>
-              <a:t>If its hard for them to understand what your code does, it would be easier for them to write it themselves </a:t>
-            </a:r>
-          </a:p>
-        </p:txBody>
-      </p:sp>
-      <p:sp>
-        <p:nvSpPr>
-          <p:cNvPr id="4" name="TextBox 3"/>
-          <p:cNvSpPr txBox="1"/>
+          <a:bodyPr/>
+          <a:lstStyle/>
+          <a:p>
+            <a:r>
+              <a:rPr lang="en-US" dirty="0" smtClean="0"/>
+              <a:t>When you really need it, and no one else has done anything remotely similar you can </a:t>
+            </a:r>
+            <a:r>
+              <a:rPr lang="en-US" dirty="0" smtClean="0"/>
+              <a:t>adapt</a:t>
+            </a:r>
+          </a:p>
+          <a:p>
+            <a:r>
+              <a:rPr lang="en-US" dirty="0" smtClean="0"/>
+              <a:t>When there’s a clear need for it</a:t>
+            </a:r>
+            <a:r>
+              <a:rPr lang="en-US" dirty="0" smtClean="0"/>
+              <a:t> </a:t>
+            </a:r>
+            <a:endParaRPr lang="en-US" dirty="0"/>
+          </a:p>
+        </p:txBody>
+      </p:sp>
+      <p:pic>
+        <p:nvPicPr>
+          <p:cNvPr id="4" name="Picture 3" descr="Screen Shot 2014-07-11 at 5.23.40 PM.png"/>
+          <p:cNvPicPr>
+            <a:picLocks noChangeAspect="1"/>
+          </p:cNvPicPr>
           <p:nvPr/>
-        </p:nvSpPr>
+        </p:nvPicPr>
+        <p:blipFill>
+          <a:blip r:embed="rId2">
+            <a:extLst>
+              <a:ext uri="{28A0092B-C50C-407E-A947-70E740481C1C}">
+                <a14:useLocalDpi xmlns:a14="http://schemas.microsoft.com/office/drawing/2010/main" val="0"/>
+              </a:ext>
+            </a:extLst>
+          </a:blip>
+          <a:stretch>
+            <a:fillRect/>
+          </a:stretch>
+        </p:blipFill>
         <p:spPr>
           <a:xfrm>
-            <a:off x="457200" y="6317773"/>
-            <a:ext cx="6503374" cy="369332"/>
+            <a:off x="152400" y="4005137"/>
+            <a:ext cx="8534400" cy="2336800"/>
           </a:xfrm>
           <a:prstGeom prst="rect">
             <a:avLst/>
           </a:prstGeom>
-          <a:noFill/>
         </p:spPr>
-        <p:txBody>
-          <a:bodyPr wrap="square" rtlCol="0">
-            <a:spAutoFit/>
-          </a:bodyPr>
-          <a:lstStyle/>
-          <a:p>
-            <a:r>
-              <a:rPr lang="hu-HU" dirty="0"/>
-              <a:t>http://lukeplant.me.uk/blog/posts/docs-or-it-doesnt-exist/</a:t>
-            </a:r>
-            <a:endParaRPr lang="en-US" dirty="0"/>
-          </a:p>
-        </p:txBody>
-      </p:sp>
+      </p:pic>
     </p:spTree>
     <p:extLst>
       <p:ext uri="{BB962C8B-B14F-4D97-AF65-F5344CB8AC3E}">
-        <p14:creationId xmlns:p14="http://schemas.microsoft.com/office/powerpoint/2010/main" val="1657130435"/>
+        <p14:creationId xmlns:p14="http://schemas.microsoft.com/office/powerpoint/2010/main" val="892411971"/>
       </p:ext>
     </p:extLst>
   </p:cSld>
@@ -6476,7 +6766,7 @@
           <a:p>
             <a:r>
               <a:rPr lang="en-US" dirty="0" smtClean="0"/>
-              <a:t>Unit Testing</a:t>
+              <a:t>Things to keep in mind</a:t>
             </a:r>
             <a:endParaRPr lang="en-US" dirty="0"/>
           </a:p>
@@ -6494,21 +6784,98 @@
         </p:nvSpPr>
         <p:spPr/>
         <p:txBody>
-          <a:bodyPr/>
-          <a:lstStyle/>
-          <a:p>
-            <a:r>
-              <a:rPr lang="en-US" dirty="0" smtClean="0"/>
-              <a:t>Test cases to ensure functionality of a program</a:t>
-            </a:r>
-          </a:p>
-          <a:p>
-            <a:r>
-              <a:rPr lang="en-US" dirty="0" smtClean="0"/>
-              <a:t>Especially important for software meant for a large user base/multiple collaborators</a:t>
-            </a:r>
-          </a:p>
-          <a:p>
+          <a:bodyPr>
+            <a:normAutofit fontScale="85000" lnSpcReduction="10000"/>
+          </a:bodyPr>
+          <a:lstStyle/>
+          <a:p>
+            <a:r>
+              <a:rPr lang="en-US" dirty="0" smtClean="0"/>
+              <a:t>Operating System compatibility</a:t>
+            </a:r>
+          </a:p>
+          <a:p>
+            <a:pPr lvl="1"/>
+            <a:r>
+              <a:rPr lang="en-US" dirty="0" smtClean="0"/>
+              <a:t>Who are your users?</a:t>
+            </a:r>
+          </a:p>
+          <a:p>
+            <a:pPr lvl="1"/>
+            <a:r>
+              <a:rPr lang="en-US" dirty="0" smtClean="0"/>
+              <a:t>What OS do they mainly use?</a:t>
+            </a:r>
+          </a:p>
+          <a:p>
+            <a:r>
+              <a:rPr lang="en-US" dirty="0" smtClean="0"/>
+              <a:t>Beta Testing</a:t>
+            </a:r>
+          </a:p>
+          <a:p>
+            <a:pPr lvl="1"/>
+            <a:r>
+              <a:rPr lang="en-US" dirty="0" smtClean="0"/>
+              <a:t>People in your department, who haven’t used it yet</a:t>
+            </a:r>
+          </a:p>
+          <a:p>
+            <a:pPr lvl="1"/>
+            <a:r>
+              <a:rPr lang="en-US" dirty="0" smtClean="0"/>
+              <a:t>People with only a basic knowledge of computer science  </a:t>
+            </a:r>
+          </a:p>
+          <a:p>
+            <a:r>
+              <a:rPr lang="en-US" dirty="0" smtClean="0"/>
+              <a:t>Documentation</a:t>
+            </a:r>
+          </a:p>
+          <a:p>
+            <a:pPr lvl="1"/>
+            <a:r>
+              <a:rPr lang="en-US" dirty="0" smtClean="0"/>
+              <a:t>Write good documentation if you want other people to use your program</a:t>
+            </a:r>
+          </a:p>
+          <a:p>
+            <a:pPr lvl="1"/>
+            <a:r>
+              <a:rPr lang="en-US" dirty="0" smtClean="0"/>
+              <a:t>If its hard for them to understand what your code does, it would be easier for them to write it themselves </a:t>
+            </a:r>
+          </a:p>
+        </p:txBody>
+      </p:sp>
+      <p:sp>
+        <p:nvSpPr>
+          <p:cNvPr id="4" name="TextBox 3"/>
+          <p:cNvSpPr txBox="1"/>
+          <p:nvPr/>
+        </p:nvSpPr>
+        <p:spPr>
+          <a:xfrm>
+            <a:off x="457200" y="6317773"/>
+            <a:ext cx="6503374" cy="369332"/>
+          </a:xfrm>
+          <a:prstGeom prst="rect">
+            <a:avLst/>
+          </a:prstGeom>
+          <a:noFill/>
+        </p:spPr>
+        <p:txBody>
+          <a:bodyPr wrap="square" rtlCol="0">
+            <a:spAutoFit/>
+          </a:bodyPr>
+          <a:lstStyle/>
+          <a:p>
+            <a:r>
+              <a:rPr lang="hu-HU" dirty="0"/>
+              <a:t>http://lukeplant.me.uk/blog/posts/docs-or-it-doesnt-exist/</a:t>
+            </a:r>
             <a:endParaRPr lang="en-US" dirty="0"/>
           </a:p>
         </p:txBody>
@@ -6516,7 +6883,7 @@
     </p:spTree>
     <p:extLst>
       <p:ext uri="{BB962C8B-B14F-4D97-AF65-F5344CB8AC3E}">
-        <p14:creationId xmlns:p14="http://schemas.microsoft.com/office/powerpoint/2010/main" val="3707379498"/>
+        <p14:creationId xmlns:p14="http://schemas.microsoft.com/office/powerpoint/2010/main" val="1657130435"/>
       </p:ext>
     </p:extLst>
   </p:cSld>
@@ -6560,7 +6927,11 @@
           <a:p>
             <a:r>
               <a:rPr lang="en-US" dirty="0" smtClean="0"/>
-              <a:t>Unit Testing Demo</a:t>
+              <a:t>Why Unit </a:t>
+            </a:r>
+            <a:r>
+              <a:rPr lang="en-US" dirty="0" smtClean="0"/>
+              <a:t>Testing</a:t>
             </a:r>
             <a:endParaRPr lang="en-US" dirty="0"/>
           </a:p>
@@ -6581,14 +6952,49 @@
           <a:bodyPr/>
           <a:lstStyle/>
           <a:p>
-            <a:endParaRPr lang="en-US"/>
+            <a:r>
+              <a:rPr lang="en-US" dirty="0"/>
+              <a:t>E</a:t>
+            </a:r>
+            <a:r>
+              <a:rPr lang="en-US" dirty="0" smtClean="0"/>
+              <a:t>nsure </a:t>
+            </a:r>
+            <a:r>
+              <a:rPr lang="en-US" dirty="0" smtClean="0"/>
+              <a:t>functionality of a program</a:t>
+            </a:r>
+          </a:p>
+          <a:p>
+            <a:r>
+              <a:rPr lang="en-US" dirty="0" smtClean="0"/>
+              <a:t>Important </a:t>
+            </a:r>
+            <a:r>
+              <a:rPr lang="en-US" dirty="0" smtClean="0"/>
+              <a:t>for software meant for a large user base/multiple </a:t>
+            </a:r>
+            <a:r>
+              <a:rPr lang="en-US" dirty="0" smtClean="0"/>
+              <a:t>collaborators</a:t>
+            </a:r>
+          </a:p>
+          <a:p>
+            <a:r>
+              <a:rPr lang="en-US" dirty="0" smtClean="0"/>
+              <a:t>Defend your research results</a:t>
+            </a:r>
+            <a:endParaRPr lang="en-US" dirty="0" smtClean="0"/>
+          </a:p>
+          <a:p>
+            <a:endParaRPr lang="en-US" dirty="0"/>
           </a:p>
         </p:txBody>
       </p:sp>
     </p:spTree>
     <p:extLst>
       <p:ext uri="{BB962C8B-B14F-4D97-AF65-F5344CB8AC3E}">
-        <p14:creationId xmlns:p14="http://schemas.microsoft.com/office/powerpoint/2010/main" val="3829521175"/>
+        <p14:creationId xmlns:p14="http://schemas.microsoft.com/office/powerpoint/2010/main" val="3707379498"/>
       </p:ext>
     </p:extLst>
   </p:cSld>
@@ -6625,6 +7031,78 @@
             <p:ph type="title"/>
           </p:nvPr>
         </p:nvSpPr>
+        <p:spPr/>
+        <p:txBody>
+          <a:bodyPr/>
+          <a:lstStyle/>
+          <a:p>
+            <a:r>
+              <a:rPr lang="en-US" dirty="0" smtClean="0"/>
+              <a:t>Unit Testing Demo</a:t>
+            </a:r>
+            <a:endParaRPr lang="en-US" dirty="0"/>
+          </a:p>
+        </p:txBody>
+      </p:sp>
+      <p:sp>
+        <p:nvSpPr>
+          <p:cNvPr id="3" name="Content Placeholder 2"/>
+          <p:cNvSpPr>
+            <a:spLocks noGrp="1"/>
+          </p:cNvSpPr>
+          <p:nvPr>
+            <p:ph idx="1"/>
+          </p:nvPr>
+        </p:nvSpPr>
+        <p:spPr/>
+        <p:txBody>
+          <a:bodyPr/>
+          <a:lstStyle/>
+          <a:p>
+            <a:endParaRPr lang="en-US"/>
+          </a:p>
+        </p:txBody>
+      </p:sp>
+    </p:spTree>
+    <p:extLst>
+      <p:ext uri="{BB962C8B-B14F-4D97-AF65-F5344CB8AC3E}">
+        <p14:creationId xmlns:p14="http://schemas.microsoft.com/office/powerpoint/2010/main" val="3829521175"/>
+      </p:ext>
+    </p:extLst>
+  </p:cSld>
+  <p:clrMapOvr>
+    <a:masterClrMapping/>
+  </p:clrMapOvr>
+</p:sld>
+</file>
+
+<file path=ppt/slides/slide26.xml><?xml version="1.0" encoding="utf-8"?>
+<p:sld xmlns:a="http://schemas.openxmlformats.org/drawingml/2006/main" xmlns:r="http://schemas.openxmlformats.org/officeDocument/2006/relationships" xmlns:p="http://schemas.openxmlformats.org/presentationml/2006/main">
+  <p:cSld>
+    <p:spTree>
+      <p:nvGrpSpPr>
+        <p:cNvPr id="1" name=""/>
+        <p:cNvGrpSpPr/>
+        <p:nvPr/>
+      </p:nvGrpSpPr>
+      <p:grpSpPr>
+        <a:xfrm>
+          <a:off x="0" y="0"/>
+          <a:ext cx="0" cy="0"/>
+          <a:chOff x="0" y="0"/>
+          <a:chExt cx="0" cy="0"/>
+        </a:xfrm>
+      </p:grpSpPr>
+      <p:sp>
+        <p:nvSpPr>
+          <p:cNvPr id="2" name="Title 1"/>
+          <p:cNvSpPr>
+            <a:spLocks noGrp="1"/>
+          </p:cNvSpPr>
+          <p:nvPr>
+            <p:ph type="title"/>
+          </p:nvPr>
+        </p:nvSpPr>
         <p:spPr>
           <a:solidFill>
             <a:schemeClr val="tx1"/>
@@ -6899,7 +7377,7 @@
 </p:sld>
 </file>
 
-<file path=ppt/slides/slide26.xml><?xml version="1.0" encoding="utf-8"?>
+<file path=ppt/slides/slide27.xml><?xml version="1.0" encoding="utf-8"?>
 <p:sld xmlns:a="http://schemas.openxmlformats.org/drawingml/2006/main" xmlns:r="http://schemas.openxmlformats.org/officeDocument/2006/relationships" xmlns:p="http://schemas.openxmlformats.org/presentationml/2006/main">
   <p:cSld>
     <p:spTree>
@@ -6959,209 +7437,6 @@
 </p:sld>
 </file>
 
-<file path=ppt/slides/slide27.xml><?xml version="1.0" encoding="utf-8"?>
-<p:sld xmlns:a="http://schemas.openxmlformats.org/drawingml/2006/main" xmlns:r="http://schemas.openxmlformats.org/officeDocument/2006/relationships" xmlns:p="http://schemas.openxmlformats.org/presentationml/2006/main">
-  <p:cSld>
-    <p:spTree>
-      <p:nvGrpSpPr>
-        <p:cNvPr id="1" name=""/>
-        <p:cNvGrpSpPr/>
-        <p:nvPr/>
-      </p:nvGrpSpPr>
-      <p:grpSpPr>
-        <a:xfrm>
-          <a:off x="0" y="0"/>
-          <a:ext cx="0" cy="0"/>
-          <a:chOff x="0" y="0"/>
-          <a:chExt cx="0" cy="0"/>
-        </a:xfrm>
-      </p:grpSpPr>
-      <p:sp>
-        <p:nvSpPr>
-          <p:cNvPr id="2" name="Title 1"/>
-          <p:cNvSpPr>
-            <a:spLocks noGrp="1"/>
-          </p:cNvSpPr>
-          <p:nvPr>
-            <p:ph type="title"/>
-          </p:nvPr>
-        </p:nvSpPr>
-        <p:spPr/>
-        <p:txBody>
-          <a:bodyPr/>
-          <a:lstStyle/>
-          <a:p>
-            <a:r>
-              <a:rPr lang="en-US" dirty="0" err="1" smtClean="0"/>
-              <a:t>Github</a:t>
-            </a:r>
-            <a:endParaRPr lang="en-US" dirty="0"/>
-          </a:p>
-        </p:txBody>
-      </p:sp>
-      <p:sp>
-        <p:nvSpPr>
-          <p:cNvPr id="3" name="Content Placeholder 2"/>
-          <p:cNvSpPr>
-            <a:spLocks noGrp="1"/>
-          </p:cNvSpPr>
-          <p:nvPr>
-            <p:ph sz="half" idx="1"/>
-          </p:nvPr>
-        </p:nvSpPr>
-        <p:spPr/>
-        <p:txBody>
-          <a:bodyPr/>
-          <a:lstStyle/>
-          <a:p>
-            <a:pPr marL="0" indent="0">
-              <a:buNone/>
-            </a:pPr>
-            <a:r>
-              <a:rPr lang="en-US" dirty="0" smtClean="0"/>
-              <a:t>Good</a:t>
-            </a:r>
-          </a:p>
-          <a:p>
-            <a:r>
-              <a:rPr lang="en-US" dirty="0" smtClean="0"/>
-              <a:t>Useful for collaborators</a:t>
-            </a:r>
-          </a:p>
-          <a:p>
-            <a:r>
-              <a:rPr lang="en-US" dirty="0" smtClean="0"/>
-              <a:t>Showcase non-confidential work online</a:t>
-            </a:r>
-          </a:p>
-          <a:p>
-            <a:r>
-              <a:rPr lang="en-US" dirty="0" smtClean="0"/>
-              <a:t>Get it online, anywhere  </a:t>
-            </a:r>
-          </a:p>
-          <a:p>
-            <a:endParaRPr lang="en-US" dirty="0"/>
-          </a:p>
-        </p:txBody>
-      </p:sp>
-      <p:sp>
-        <p:nvSpPr>
-          <p:cNvPr id="4" name="Content Placeholder 3"/>
-          <p:cNvSpPr>
-            <a:spLocks noGrp="1"/>
-          </p:cNvSpPr>
-          <p:nvPr>
-            <p:ph sz="half" idx="2"/>
-          </p:nvPr>
-        </p:nvSpPr>
-        <p:spPr/>
-        <p:txBody>
-          <a:bodyPr/>
-          <a:lstStyle/>
-          <a:p>
-            <a:pPr marL="0" indent="0">
-              <a:buNone/>
-            </a:pPr>
-            <a:r>
-              <a:rPr lang="en-US" dirty="0" smtClean="0"/>
-              <a:t>Bad</a:t>
-            </a:r>
-          </a:p>
-          <a:p>
-            <a:r>
-              <a:rPr lang="en-US" dirty="0" smtClean="0"/>
-              <a:t>Limited allowance for privacy – free private account with .</a:t>
-            </a:r>
-            <a:r>
-              <a:rPr lang="en-US" dirty="0" err="1" smtClean="0"/>
-              <a:t>edu</a:t>
-            </a:r>
-            <a:r>
-              <a:rPr lang="en-US" dirty="0" smtClean="0"/>
-              <a:t> email for two years </a:t>
-            </a:r>
-          </a:p>
-          <a:p>
-            <a:r>
-              <a:rPr lang="en-US" dirty="0" smtClean="0"/>
-              <a:t>Steep learning curve</a:t>
-            </a:r>
-            <a:endParaRPr lang="en-US" dirty="0"/>
-          </a:p>
-        </p:txBody>
-      </p:sp>
-      <p:sp>
-        <p:nvSpPr>
-          <p:cNvPr id="5" name="TextBox 4"/>
-          <p:cNvSpPr txBox="1"/>
-          <p:nvPr/>
-        </p:nvSpPr>
-        <p:spPr>
-          <a:xfrm>
-            <a:off x="259269" y="6340699"/>
-            <a:ext cx="7377569" cy="369332"/>
-          </a:xfrm>
-          <a:prstGeom prst="rect">
-            <a:avLst/>
-          </a:prstGeom>
-          <a:noFill/>
-        </p:spPr>
-        <p:txBody>
-          <a:bodyPr wrap="square" rtlCol="0">
-            <a:spAutoFit/>
-          </a:bodyPr>
-          <a:lstStyle/>
-          <a:p>
-            <a:r>
-              <a:rPr lang="en-US" dirty="0"/>
-              <a:t>https://</a:t>
-            </a:r>
-            <a:r>
-              <a:rPr lang="en-US" dirty="0" err="1"/>
-              <a:t>github.com</a:t>
-            </a:r>
-            <a:r>
-              <a:rPr lang="en-US" dirty="0"/>
-              <a:t>/</a:t>
-            </a:r>
-            <a:r>
-              <a:rPr lang="en-US" dirty="0" err="1"/>
-              <a:t>pysmo</a:t>
-            </a:r>
-            <a:r>
-              <a:rPr lang="en-US" dirty="0"/>
-              <a:t>/</a:t>
-            </a:r>
-            <a:r>
-              <a:rPr lang="en-US" dirty="0" err="1"/>
-              <a:t>aimbat</a:t>
-            </a:r>
-            <a:r>
-              <a:rPr lang="en-US" dirty="0"/>
-              <a:t>-docs/wiki/Introduction-to-</a:t>
-            </a:r>
-            <a:r>
-              <a:rPr lang="en-US" dirty="0" err="1"/>
-              <a:t>Github</a:t>
-            </a:r>
-            <a:endParaRPr lang="en-US" dirty="0"/>
-          </a:p>
-        </p:txBody>
-      </p:sp>
-    </p:spTree>
-    <p:extLst>
-      <p:ext uri="{BB962C8B-B14F-4D97-AF65-F5344CB8AC3E}">
-        <p14:creationId xmlns:p14="http://schemas.microsoft.com/office/powerpoint/2010/main" val="1969338732"/>
-      </p:ext>
-    </p:extLst>
-  </p:cSld>
-  <p:clrMapOvr>
-    <a:masterClrMapping/>
-  </p:clrMapOvr>
-</p:sld>
-</file>
-
 <file path=ppt/slides/slide28.xml><?xml version="1.0" encoding="utf-8"?>
 <p:sld xmlns:a="http://schemas.openxmlformats.org/drawingml/2006/main" xmlns:r="http://schemas.openxmlformats.org/officeDocument/2006/relationships" xmlns:p="http://schemas.openxmlformats.org/presentationml/2006/main">
   <p:cSld>
@@ -7195,6 +7470,160 @@
           <a:lstStyle/>
           <a:p>
             <a:r>
+              <a:rPr lang="en-US" dirty="0" err="1" smtClean="0"/>
+              <a:t>Github</a:t>
+            </a:r>
+            <a:endParaRPr lang="en-US" dirty="0"/>
+          </a:p>
+        </p:txBody>
+      </p:sp>
+      <p:sp>
+        <p:nvSpPr>
+          <p:cNvPr id="3" name="Content Placeholder 2"/>
+          <p:cNvSpPr>
+            <a:spLocks noGrp="1"/>
+          </p:cNvSpPr>
+          <p:nvPr>
+            <p:ph sz="half" idx="1"/>
+          </p:nvPr>
+        </p:nvSpPr>
+        <p:spPr/>
+        <p:txBody>
+          <a:bodyPr>
+            <a:normAutofit/>
+          </a:bodyPr>
+          <a:lstStyle/>
+          <a:p>
+            <a:pPr marL="0" indent="0">
+              <a:buNone/>
+            </a:pPr>
+            <a:r>
+              <a:rPr lang="en-US" dirty="0" smtClean="0"/>
+              <a:t>Good</a:t>
+            </a:r>
+          </a:p>
+          <a:p>
+            <a:r>
+              <a:rPr lang="en-US" dirty="0" smtClean="0"/>
+              <a:t>Useful for collaborators</a:t>
+            </a:r>
+          </a:p>
+          <a:p>
+            <a:r>
+              <a:rPr lang="en-US" dirty="0" smtClean="0"/>
+              <a:t>Showcase non-confidential work online</a:t>
+            </a:r>
+          </a:p>
+          <a:p>
+            <a:r>
+              <a:rPr lang="en-US" dirty="0" smtClean="0"/>
+              <a:t>Get it online, anywhere  </a:t>
+            </a:r>
+          </a:p>
+          <a:p>
+            <a:endParaRPr lang="en-US" dirty="0"/>
+          </a:p>
+        </p:txBody>
+      </p:sp>
+      <p:sp>
+        <p:nvSpPr>
+          <p:cNvPr id="4" name="Content Placeholder 3"/>
+          <p:cNvSpPr>
+            <a:spLocks noGrp="1"/>
+          </p:cNvSpPr>
+          <p:nvPr>
+            <p:ph sz="half" idx="2"/>
+          </p:nvPr>
+        </p:nvSpPr>
+        <p:spPr/>
+        <p:txBody>
+          <a:bodyPr>
+            <a:normAutofit/>
+          </a:bodyPr>
+          <a:lstStyle/>
+          <a:p>
+            <a:pPr marL="0" indent="0">
+              <a:buNone/>
+            </a:pPr>
+            <a:r>
+              <a:rPr lang="en-US" dirty="0" smtClean="0"/>
+              <a:t>Bad</a:t>
+            </a:r>
+          </a:p>
+          <a:p>
+            <a:r>
+              <a:rPr lang="en-US" dirty="0" smtClean="0"/>
+              <a:t>Limited allowance for privacy – free private account with .</a:t>
+            </a:r>
+            <a:r>
+              <a:rPr lang="en-US" dirty="0" err="1" smtClean="0"/>
+              <a:t>edu</a:t>
+            </a:r>
+            <a:r>
+              <a:rPr lang="en-US" dirty="0" smtClean="0"/>
+              <a:t> email for two years </a:t>
+            </a:r>
+            <a:endParaRPr lang="en-US" dirty="0" smtClean="0"/>
+          </a:p>
+          <a:p>
+            <a:r>
+              <a:rPr lang="en-US" dirty="0" smtClean="0"/>
+              <a:t>Steep </a:t>
+            </a:r>
+            <a:r>
+              <a:rPr lang="en-US" dirty="0" smtClean="0"/>
+              <a:t>learning curve</a:t>
+            </a:r>
+            <a:endParaRPr lang="en-US" dirty="0"/>
+          </a:p>
+        </p:txBody>
+      </p:sp>
+    </p:spTree>
+    <p:extLst>
+      <p:ext uri="{BB962C8B-B14F-4D97-AF65-F5344CB8AC3E}">
+        <p14:creationId xmlns:p14="http://schemas.microsoft.com/office/powerpoint/2010/main" val="1969338732"/>
+      </p:ext>
+    </p:extLst>
+  </p:cSld>
+  <p:clrMapOvr>
+    <a:masterClrMapping/>
+  </p:clrMapOvr>
+</p:sld>
+</file>
+
+<file path=ppt/slides/slide29.xml><?xml version="1.0" encoding="utf-8"?>
+<p:sld xmlns:a="http://schemas.openxmlformats.org/drawingml/2006/main" xmlns:r="http://schemas.openxmlformats.org/officeDocument/2006/relationships" xmlns:p="http://schemas.openxmlformats.org/presentationml/2006/main">
+  <p:cSld>
+    <p:spTree>
+      <p:nvGrpSpPr>
+        <p:cNvPr id="1" name=""/>
+        <p:cNvGrpSpPr/>
+        <p:nvPr/>
+      </p:nvGrpSpPr>
+      <p:grpSpPr>
+        <a:xfrm>
+          <a:off x="0" y="0"/>
+          <a:ext cx="0" cy="0"/>
+          <a:chOff x="0" y="0"/>
+          <a:chExt cx="0" cy="0"/>
+        </a:xfrm>
+      </p:grpSpPr>
+      <p:sp>
+        <p:nvSpPr>
+          <p:cNvPr id="2" name="Title 1"/>
+          <p:cNvSpPr>
+            <a:spLocks noGrp="1"/>
+          </p:cNvSpPr>
+          <p:nvPr>
+            <p:ph type="title"/>
+          </p:nvPr>
+        </p:nvSpPr>
+        <p:spPr/>
+        <p:txBody>
+          <a:bodyPr/>
+          <a:lstStyle/>
+          <a:p>
+            <a:r>
               <a:rPr lang="en-US" dirty="0" smtClean="0"/>
               <a:t>Demo </a:t>
             </a:r>
@@ -7275,6 +7704,64 @@
             </a:r>
           </a:p>
           <a:p>
+            <a:endParaRPr lang="en-US" dirty="0"/>
+          </a:p>
+        </p:txBody>
+      </p:sp>
+      <p:sp>
+        <p:nvSpPr>
+          <p:cNvPr id="4" name="TextBox 3"/>
+          <p:cNvSpPr txBox="1"/>
+          <p:nvPr/>
+        </p:nvSpPr>
+        <p:spPr>
+          <a:xfrm>
+            <a:off x="259269" y="6340699"/>
+            <a:ext cx="7377569" cy="369332"/>
+          </a:xfrm>
+          <a:prstGeom prst="rect">
+            <a:avLst/>
+          </a:prstGeom>
+          <a:noFill/>
+        </p:spPr>
+        <p:txBody>
+          <a:bodyPr wrap="square" rtlCol="0">
+            <a:spAutoFit/>
+          </a:bodyPr>
+          <a:lstStyle/>
+          <a:p>
+            <a:r>
+              <a:rPr lang="en-US" dirty="0"/>
+              <a:t>https://</a:t>
+            </a:r>
+            <a:r>
+              <a:rPr lang="en-US" dirty="0" err="1"/>
+              <a:t>github.com</a:t>
+            </a:r>
+            <a:r>
+              <a:rPr lang="en-US" dirty="0"/>
+              <a:t>/</a:t>
+            </a:r>
+            <a:r>
+              <a:rPr lang="en-US" dirty="0" err="1"/>
+              <a:t>pysmo</a:t>
+            </a:r>
+            <a:r>
+              <a:rPr lang="en-US" dirty="0"/>
+              <a:t>/</a:t>
+            </a:r>
+            <a:r>
+              <a:rPr lang="en-US" dirty="0" err="1"/>
+              <a:t>aimbat</a:t>
+            </a:r>
+            <a:r>
+              <a:rPr lang="en-US" dirty="0"/>
+              <a:t>-docs/wiki/Introduction-to-</a:t>
+            </a:r>
+            <a:r>
+              <a:rPr lang="en-US" dirty="0" err="1"/>
+              <a:t>Github</a:t>
+            </a:r>
             <a:endParaRPr lang="en-US" dirty="0"/>
           </a:p>
         </p:txBody>
@@ -7292,7 +7779,216 @@
 </p:sld>
 </file>
 
-<file path=ppt/slides/slide29.xml><?xml version="1.0" encoding="utf-8"?>
+<file path=ppt/slides/slide3.xml><?xml version="1.0" encoding="utf-8"?>
+<p:sld xmlns:a="http://schemas.openxmlformats.org/drawingml/2006/main" xmlns:r="http://schemas.openxmlformats.org/officeDocument/2006/relationships" xmlns:p="http://schemas.openxmlformats.org/presentationml/2006/main">
+  <p:cSld>
+    <p:spTree>
+      <p:nvGrpSpPr>
+        <p:cNvPr id="1" name=""/>
+        <p:cNvGrpSpPr/>
+        <p:nvPr/>
+      </p:nvGrpSpPr>
+      <p:grpSpPr>
+        <a:xfrm>
+          <a:off x="0" y="0"/>
+          <a:ext cx="0" cy="0"/>
+          <a:chOff x="0" y="0"/>
+          <a:chExt cx="0" cy="0"/>
+        </a:xfrm>
+      </p:grpSpPr>
+      <p:sp>
+        <p:nvSpPr>
+          <p:cNvPr id="2" name="Title 1"/>
+          <p:cNvSpPr>
+            <a:spLocks noGrp="1"/>
+          </p:cNvSpPr>
+          <p:nvPr>
+            <p:ph type="title"/>
+          </p:nvPr>
+        </p:nvSpPr>
+        <p:spPr/>
+        <p:txBody>
+          <a:bodyPr/>
+          <a:lstStyle/>
+          <a:p>
+            <a:r>
+              <a:rPr lang="en-US" dirty="0" smtClean="0"/>
+              <a:t>Where I’m coming from</a:t>
+            </a:r>
+            <a:endParaRPr lang="en-US" dirty="0"/>
+          </a:p>
+        </p:txBody>
+      </p:sp>
+      <p:sp>
+        <p:nvSpPr>
+          <p:cNvPr id="3" name="Content Placeholder 2"/>
+          <p:cNvSpPr>
+            <a:spLocks noGrp="1"/>
+          </p:cNvSpPr>
+          <p:nvPr>
+            <p:ph idx="1"/>
+          </p:nvPr>
+        </p:nvSpPr>
+        <p:spPr/>
+        <p:txBody>
+          <a:bodyPr>
+            <a:normAutofit fontScale="70000" lnSpcReduction="20000"/>
+          </a:bodyPr>
+          <a:lstStyle/>
+          <a:p>
+            <a:r>
+              <a:rPr lang="en-US" dirty="0" smtClean="0"/>
+              <a:t>Undergraduate (Stanford) </a:t>
+            </a:r>
+            <a:endParaRPr lang="en-US" dirty="0" smtClean="0"/>
+          </a:p>
+          <a:p>
+            <a:pPr lvl="1"/>
+            <a:r>
+              <a:rPr lang="en-US" dirty="0" smtClean="0"/>
+              <a:t>Major in Math</a:t>
+            </a:r>
+          </a:p>
+          <a:p>
+            <a:pPr lvl="1"/>
+            <a:r>
+              <a:rPr lang="en-US" dirty="0" smtClean="0"/>
+              <a:t>Minor in Computer Science</a:t>
+            </a:r>
+          </a:p>
+          <a:p>
+            <a:pPr lvl="1"/>
+            <a:r>
+              <a:rPr lang="en-US" dirty="0" smtClean="0"/>
+              <a:t>No exposure to coding before undergrad </a:t>
+            </a:r>
+          </a:p>
+          <a:p>
+            <a:r>
+              <a:rPr lang="en-US" dirty="0" smtClean="0"/>
+              <a:t>Research </a:t>
+            </a:r>
+          </a:p>
+          <a:p>
+            <a:pPr lvl="1"/>
+            <a:r>
+              <a:rPr lang="en-US" dirty="0" smtClean="0"/>
+              <a:t>Undergraduate research in computational geophysics</a:t>
+            </a:r>
+          </a:p>
+          <a:p>
+            <a:pPr lvl="1"/>
+            <a:r>
+              <a:rPr lang="en-US" dirty="0" smtClean="0"/>
+              <a:t>Internship, Northwestern Earth and Planetary Sciences</a:t>
+            </a:r>
+          </a:p>
+          <a:p>
+            <a:r>
+              <a:rPr lang="en-US" dirty="0" smtClean="0"/>
+              <a:t>Industry</a:t>
+            </a:r>
+            <a:endParaRPr lang="en-US" dirty="0" smtClean="0"/>
+          </a:p>
+          <a:p>
+            <a:pPr lvl="1"/>
+            <a:r>
+              <a:rPr lang="en-US" dirty="0" smtClean="0"/>
+              <a:t>9 months as a software engineer at a Silicon Valley </a:t>
+            </a:r>
+            <a:r>
+              <a:rPr lang="en-US" dirty="0" smtClean="0"/>
+              <a:t>startup</a:t>
+            </a:r>
+          </a:p>
+          <a:p>
+            <a:pPr lvl="1"/>
+            <a:r>
+              <a:rPr lang="de-DE" dirty="0">
+                <a:hlinkClick r:id="rId2"/>
+              </a:rPr>
+              <a:t>http://www.dwellers.com</a:t>
+            </a:r>
+            <a:r>
+              <a:rPr lang="de-DE" dirty="0" smtClean="0">
+                <a:hlinkClick r:id="rId2"/>
+              </a:rPr>
+              <a:t>/</a:t>
+            </a:r>
+            <a:endParaRPr lang="de-DE" dirty="0" smtClean="0"/>
+          </a:p>
+          <a:p>
+            <a:pPr lvl="1"/>
+            <a:r>
+              <a:rPr lang="en-US" dirty="0">
+                <a:hlinkClick r:id="rId3"/>
+              </a:rPr>
+              <a:t>http://mathcrunch.com</a:t>
+            </a:r>
+            <a:r>
+              <a:rPr lang="en-US" dirty="0" smtClean="0">
+                <a:hlinkClick r:id="rId3"/>
+              </a:rPr>
+              <a:t>/</a:t>
+            </a:r>
+            <a:r>
+              <a:rPr lang="en-US" dirty="0" smtClean="0"/>
+              <a:t> </a:t>
+            </a:r>
+            <a:endParaRPr lang="de-DE" dirty="0" smtClean="0"/>
+          </a:p>
+          <a:p>
+            <a:r>
+              <a:rPr lang="en-US" dirty="0" smtClean="0"/>
+              <a:t>Current (Carnegie Mellon)</a:t>
+            </a:r>
+            <a:r>
+              <a:rPr lang="en-US" dirty="0" smtClean="0"/>
+              <a:t> </a:t>
+            </a:r>
+          </a:p>
+          <a:p>
+            <a:pPr lvl="1"/>
+            <a:r>
+              <a:rPr lang="en-US" dirty="0" smtClean="0"/>
+              <a:t>Graduate </a:t>
+            </a:r>
+            <a:r>
+              <a:rPr lang="en-US" dirty="0" smtClean="0"/>
+              <a:t>student (started Jun 30, 2014) </a:t>
+            </a:r>
+          </a:p>
+          <a:p>
+            <a:pPr lvl="1"/>
+            <a:r>
+              <a:rPr lang="en-US" dirty="0" smtClean="0"/>
+              <a:t>Electrical and Computer </a:t>
+            </a:r>
+            <a:r>
+              <a:rPr lang="en-US" dirty="0" smtClean="0"/>
+              <a:t>Engineering</a:t>
+            </a:r>
+            <a:endParaRPr lang="en-US" dirty="0" smtClean="0"/>
+          </a:p>
+          <a:p>
+            <a:endParaRPr lang="en-US" dirty="0"/>
+          </a:p>
+        </p:txBody>
+      </p:sp>
+    </p:spTree>
+    <p:extLst>
+      <p:ext uri="{BB962C8B-B14F-4D97-AF65-F5344CB8AC3E}">
+        <p14:creationId xmlns:p14="http://schemas.microsoft.com/office/powerpoint/2010/main" val="1092556029"/>
+      </p:ext>
+    </p:extLst>
+  </p:cSld>
+  <p:clrMapOvr>
+    <a:masterClrMapping/>
+  </p:clrMapOvr>
+</p:sld>
+</file>
+
+<file path=ppt/slides/slide30.xml><?xml version="1.0" encoding="utf-8"?>
 <p:sld xmlns:a="http://schemas.openxmlformats.org/drawingml/2006/main" xmlns:r="http://schemas.openxmlformats.org/officeDocument/2006/relationships" xmlns:p="http://schemas.openxmlformats.org/presentationml/2006/main">
   <p:cSld>
     <p:spTree>
@@ -7352,7 +8048,7 @@
 </p:sld>
 </file>
 
-<file path=ppt/slides/slide3.xml><?xml version="1.0" encoding="utf-8"?>
+<file path=ppt/slides/slide31.xml><?xml version="1.0" encoding="utf-8"?>
 <p:sld xmlns:a="http://schemas.openxmlformats.org/drawingml/2006/main" xmlns:r="http://schemas.openxmlformats.org/officeDocument/2006/relationships" xmlns:p="http://schemas.openxmlformats.org/presentationml/2006/main">
   <p:cSld>
     <p:spTree>
@@ -7371,167 +8067,6 @@
       </p:grpSpPr>
       <p:sp>
         <p:nvSpPr>
-          <p:cNvPr id="2" name="Title 1"/>
-          <p:cNvSpPr>
-            <a:spLocks noGrp="1"/>
-          </p:cNvSpPr>
-          <p:nvPr>
-            <p:ph type="title"/>
-          </p:nvPr>
-        </p:nvSpPr>
-        <p:spPr/>
-        <p:txBody>
-          <a:bodyPr/>
-          <a:lstStyle/>
-          <a:p>
-            <a:r>
-              <a:rPr lang="en-US" dirty="0" smtClean="0"/>
-              <a:t>Where I’m coming from</a:t>
-            </a:r>
-            <a:endParaRPr lang="en-US" dirty="0"/>
-          </a:p>
-        </p:txBody>
-      </p:sp>
-      <p:sp>
-        <p:nvSpPr>
-          <p:cNvPr id="3" name="Content Placeholder 2"/>
-          <p:cNvSpPr>
-            <a:spLocks noGrp="1"/>
-          </p:cNvSpPr>
-          <p:nvPr>
-            <p:ph idx="1"/>
-          </p:nvPr>
-        </p:nvSpPr>
-        <p:spPr/>
-        <p:txBody>
-          <a:bodyPr>
-            <a:normAutofit fontScale="77500" lnSpcReduction="20000"/>
-          </a:bodyPr>
-          <a:lstStyle/>
-          <a:p>
-            <a:r>
-              <a:rPr lang="en-US" dirty="0" smtClean="0"/>
-              <a:t>Undergraduate </a:t>
-            </a:r>
-          </a:p>
-          <a:p>
-            <a:pPr lvl="1"/>
-            <a:r>
-              <a:rPr lang="en-US" dirty="0" smtClean="0"/>
-              <a:t>Major in Math</a:t>
-            </a:r>
-          </a:p>
-          <a:p>
-            <a:pPr lvl="1"/>
-            <a:r>
-              <a:rPr lang="en-US" dirty="0" smtClean="0"/>
-              <a:t>Minor in Computer Science</a:t>
-            </a:r>
-          </a:p>
-          <a:p>
-            <a:pPr lvl="1"/>
-            <a:r>
-              <a:rPr lang="en-US" dirty="0" smtClean="0"/>
-              <a:t>No exposure to coding before undergrad </a:t>
-            </a:r>
-          </a:p>
-          <a:p>
-            <a:r>
-              <a:rPr lang="en-US" dirty="0" smtClean="0"/>
-              <a:t>Research </a:t>
-            </a:r>
-          </a:p>
-          <a:p>
-            <a:pPr lvl="1"/>
-            <a:r>
-              <a:rPr lang="en-US" dirty="0" smtClean="0"/>
-              <a:t>Undergraduate research in computational geophysics</a:t>
-            </a:r>
-          </a:p>
-          <a:p>
-            <a:pPr lvl="1"/>
-            <a:r>
-              <a:rPr lang="en-US" dirty="0" smtClean="0"/>
-              <a:t>Internship at Northwestern EPS department</a:t>
-            </a:r>
-          </a:p>
-          <a:p>
-            <a:r>
-              <a:rPr lang="en-US" dirty="0" smtClean="0"/>
-              <a:t>Industry</a:t>
-            </a:r>
-          </a:p>
-          <a:p>
-            <a:pPr lvl="1"/>
-            <a:r>
-              <a:rPr lang="en-US" dirty="0" smtClean="0"/>
-              <a:t>9 months as a software engineer at a Silicon Valley startup </a:t>
-            </a:r>
-          </a:p>
-          <a:p>
-            <a:r>
-              <a:rPr lang="en-US" dirty="0" smtClean="0"/>
-              <a:t>Current</a:t>
-            </a:r>
-          </a:p>
-          <a:p>
-            <a:pPr lvl="1"/>
-            <a:r>
-              <a:rPr lang="en-US" dirty="0"/>
-              <a:t>G</a:t>
-            </a:r>
-            <a:r>
-              <a:rPr lang="en-US" dirty="0" smtClean="0"/>
-              <a:t>raduate student (started Jun 30, 2014) </a:t>
-            </a:r>
-          </a:p>
-          <a:p>
-            <a:pPr lvl="1"/>
-            <a:r>
-              <a:rPr lang="en-US" dirty="0" smtClean="0"/>
-              <a:t>Electrical and Computer Engineering, Carnegie Mellon</a:t>
-            </a:r>
-          </a:p>
-          <a:p>
-            <a:endParaRPr lang="en-US" dirty="0" smtClean="0"/>
-          </a:p>
-          <a:p>
-            <a:endParaRPr lang="en-US" dirty="0"/>
-          </a:p>
-        </p:txBody>
-      </p:sp>
-    </p:spTree>
-    <p:extLst>
-      <p:ext uri="{BB962C8B-B14F-4D97-AF65-F5344CB8AC3E}">
-        <p14:creationId xmlns:p14="http://schemas.microsoft.com/office/powerpoint/2010/main" val="1092556029"/>
-      </p:ext>
-    </p:extLst>
-  </p:cSld>
-  <p:clrMapOvr>
-    <a:masterClrMapping/>
-  </p:clrMapOvr>
-</p:sld>
-</file>
-
-<file path=ppt/slides/slide30.xml><?xml version="1.0" encoding="utf-8"?>
-<p:sld xmlns:a="http://schemas.openxmlformats.org/drawingml/2006/main" xmlns:r="http://schemas.openxmlformats.org/officeDocument/2006/relationships" xmlns:p="http://schemas.openxmlformats.org/presentationml/2006/main">
-  <p:cSld>
-    <p:spTree>
-      <p:nvGrpSpPr>
-        <p:cNvPr id="1" name=""/>
-        <p:cNvGrpSpPr/>
-        <p:nvPr/>
-      </p:nvGrpSpPr>
-      <p:grpSpPr>
-        <a:xfrm>
-          <a:off x="0" y="0"/>
-          <a:ext cx="0" cy="0"/>
-          <a:chOff x="0" y="0"/>
-          <a:chExt cx="0" cy="0"/>
-        </a:xfrm>
-      </p:grpSpPr>
-      <p:sp>
-        <p:nvSpPr>
           <p:cNvPr id="7" name="Title 6"/>
           <p:cNvSpPr>
             <a:spLocks noGrp="1"/>
@@ -7566,7 +8101,7 @@
         <p:spPr/>
         <p:txBody>
           <a:bodyPr>
-            <a:normAutofit lnSpcReduction="10000"/>
+            <a:normAutofit fontScale="92500" lnSpcReduction="20000"/>
           </a:bodyPr>
           <a:lstStyle/>
           <a:p>
@@ -7605,8 +8140,27 @@
           <a:p>
             <a:r>
               <a:rPr lang="en-US" dirty="0" smtClean="0"/>
-              <a:t>Get it online, anywhere </a:t>
-            </a:r>
+              <a:t>Get it online, </a:t>
+            </a:r>
+            <a:r>
+              <a:rPr lang="en-US" dirty="0" smtClean="0"/>
+              <a:t>anywhere</a:t>
+            </a:r>
+          </a:p>
+          <a:p>
+            <a:r>
+              <a:rPr lang="en-US" dirty="0" smtClean="0"/>
+              <a:t>Recommended for papers, presentations, </a:t>
+            </a:r>
+            <a:r>
+              <a:rPr lang="en-US" dirty="0" err="1" smtClean="0"/>
+              <a:t>etc</a:t>
+            </a:r>
+            <a:r>
+              <a:rPr lang="en-US" dirty="0" smtClean="0"/>
+              <a:t> </a:t>
+            </a:r>
+            <a:endParaRPr lang="en-US" dirty="0" smtClean="0"/>
           </a:p>
           <a:p>
             <a:endParaRPr lang="en-US" dirty="0"/>
@@ -7626,7 +8180,7 @@
         <p:spPr/>
         <p:txBody>
           <a:bodyPr>
-            <a:normAutofit lnSpcReduction="10000"/>
+            <a:normAutofit fontScale="92500" lnSpcReduction="20000"/>
           </a:bodyPr>
           <a:lstStyle/>
           <a:p>
@@ -7659,7 +8213,7 @@
 </p:sld>
 </file>
 
-<file path=ppt/slides/slide31.xml><?xml version="1.0" encoding="utf-8"?>
+<file path=ppt/slides/slide32.xml><?xml version="1.0" encoding="utf-8"?>
 <p:sld xmlns:a="http://schemas.openxmlformats.org/drawingml/2006/main" xmlns:r="http://schemas.openxmlformats.org/officeDocument/2006/relationships" xmlns:p="http://schemas.openxmlformats.org/presentationml/2006/main">
   <p:cSld>
     <p:spTree>
@@ -7820,7 +8374,7 @@
 </p:sld>
 </file>
 
-<file path=ppt/slides/slide32.xml><?xml version="1.0" encoding="utf-8"?>
+<file path=ppt/slides/slide33.xml><?xml version="1.0" encoding="utf-8"?>
 <p:sld xmlns:a="http://schemas.openxmlformats.org/drawingml/2006/main" xmlns:r="http://schemas.openxmlformats.org/officeDocument/2006/relationships" xmlns:p="http://schemas.openxmlformats.org/presentationml/2006/main">
   <p:cSld>
     <p:spTree>
@@ -7964,7 +8518,7 @@
           <a:p>
             <a:r>
               <a:rPr lang="en-US" dirty="0" smtClean="0"/>
-              <a:t>Goals</a:t>
+              <a:t>Takeaway points</a:t>
             </a:r>
             <a:endParaRPr lang="en-US" dirty="0"/>
           </a:p>
@@ -7987,18 +8541,28 @@
           <a:p>
             <a:r>
               <a:rPr lang="en-US" dirty="0" smtClean="0"/>
-              <a:t>How to write easily maintained code</a:t>
+              <a:t>Writing </a:t>
+            </a:r>
+            <a:r>
+              <a:rPr lang="en-US" dirty="0" smtClean="0"/>
+              <a:t>easily maintained code</a:t>
             </a:r>
             <a:endParaRPr lang="en-US" dirty="0"/>
           </a:p>
           <a:p>
             <a:r>
               <a:rPr lang="en-US" dirty="0" smtClean="0"/>
-              <a:t>How to get unstuck in a problem </a:t>
-            </a:r>
-          </a:p>
-          <a:p>
-            <a:pPr lvl="1"/>
+              <a:t>Getting unstuck when you hit a </a:t>
+            </a:r>
+            <a:r>
+              <a:rPr lang="en-US" dirty="0" smtClean="0"/>
+              <a:t>problem </a:t>
+            </a:r>
+          </a:p>
+          <a:p>
+            <a:pPr marL="457200" lvl="1" indent="0">
+              <a:buNone/>
+            </a:pPr>
             <a:endParaRPr lang="en-US" dirty="0"/>
           </a:p>
         </p:txBody>
@@ -8983,13 +9547,13 @@
         </p:nvSpPr>
         <p:spPr>
           <a:xfrm>
-            <a:off x="457200" y="1981200"/>
-            <a:ext cx="8153400" cy="3962400"/>
+            <a:off x="142962" y="1981200"/>
+            <a:ext cx="8686800" cy="3962400"/>
           </a:xfrm>
         </p:spPr>
         <p:txBody>
           <a:bodyPr>
-            <a:normAutofit fontScale="92500" lnSpcReduction="20000"/>
+            <a:normAutofit/>
           </a:bodyPr>
           <a:lstStyle/>
           <a:p>
@@ -9008,8 +9572,65 @@
                 <a:latin typeface="American Typewriter"/>
                 <a:cs typeface="American Typewriter"/>
               </a:rPr>
-              <a:t>/******************************************************************/</a:t>
-            </a:r>
+              <a:t>/</a:t>
+            </a:r>
+            <a:r>
+              <a:rPr lang="en-US" sz="2400" dirty="0" smtClean="0">
+                <a:solidFill>
+                  <a:schemeClr val="tx1"/>
+                </a:solidFill>
+                <a:latin typeface="American Typewriter"/>
+                <a:cs typeface="American Typewriter"/>
+              </a:rPr>
+              <a:t>*</a:t>
+            </a:r>
+            <a:r>
+              <a:rPr lang="en-US" sz="2400" dirty="0">
+                <a:solidFill>
+                  <a:schemeClr val="tx1"/>
+                </a:solidFill>
+                <a:latin typeface="American Typewriter"/>
+                <a:cs typeface="American Typewriter"/>
+              </a:rPr>
+              <a:t>*************************************</a:t>
+            </a:r>
+            <a:r>
+              <a:rPr lang="en-US" sz="2400" dirty="0" smtClean="0">
+                <a:solidFill>
+                  <a:schemeClr val="tx1"/>
+                </a:solidFill>
+                <a:latin typeface="American Typewriter"/>
+                <a:cs typeface="American Typewriter"/>
+              </a:rPr>
+              <a:t>**</a:t>
+            </a:r>
+            <a:r>
+              <a:rPr lang="en-US" sz="2400" dirty="0">
+                <a:solidFill>
+                  <a:schemeClr val="tx1"/>
+                </a:solidFill>
+                <a:latin typeface="American Typewriter"/>
+                <a:cs typeface="American Typewriter"/>
+              </a:rPr>
+              <a:t>*</a:t>
+            </a:r>
+            <a:r>
+              <a:rPr lang="en-US" sz="2400" dirty="0" smtClean="0">
+                <a:solidFill>
+                  <a:schemeClr val="tx1"/>
+                </a:solidFill>
+                <a:latin typeface="American Typewriter"/>
+                <a:cs typeface="American Typewriter"/>
+              </a:rPr>
+              <a:t>*/</a:t>
+            </a:r>
+            <a:endParaRPr lang="en-US" sz="2400" dirty="0">
+              <a:solidFill>
+                <a:schemeClr val="tx1"/>
+              </a:solidFill>
+              <a:latin typeface="American Typewriter"/>
+              <a:cs typeface="American Typewriter"/>
+            </a:endParaRPr>
           </a:p>
           <a:p>
             <a:pPr algn="l"/>
@@ -9021,7 +9642,27 @@
                 <a:latin typeface="American Typewriter"/>
                 <a:cs typeface="American Typewriter"/>
               </a:rPr>
-              <a:t>/* 2-dimensional channel flow program                       */</a:t>
+              <a:t>/* 2-dimensional channel flow program                       </a:t>
+            </a:r>
+            <a:r>
+              <a:rPr lang="en-US" sz="2400" dirty="0" smtClean="0">
+                <a:solidFill>
+                  <a:schemeClr val="tx1"/>
+                </a:solidFill>
+                <a:latin typeface="American Typewriter"/>
+                <a:cs typeface="American Typewriter"/>
+              </a:rPr>
+              <a:t>        *</a:t>
+            </a:r>
+            <a:r>
+              <a:rPr lang="en-US" sz="2400" dirty="0">
+                <a:solidFill>
+                  <a:schemeClr val="tx1"/>
+                </a:solidFill>
+                <a:latin typeface="American Typewriter"/>
+                <a:cs typeface="American Typewriter"/>
+              </a:rPr>
+              <a:t>/</a:t>
             </a:r>
           </a:p>
           <a:p>
@@ -9034,7 +9675,27 @@
                 <a:latin typeface="American Typewriter"/>
                 <a:cs typeface="American Typewriter"/>
               </a:rPr>
-              <a:t>/*   for channels with free upper surface                     */</a:t>
+              <a:t>/*   for channels with free upper surface                    </a:t>
+            </a:r>
+            <a:r>
+              <a:rPr lang="en-US" sz="2400" dirty="0" smtClean="0">
+                <a:solidFill>
+                  <a:schemeClr val="tx1"/>
+                </a:solidFill>
+                <a:latin typeface="American Typewriter"/>
+                <a:cs typeface="American Typewriter"/>
+              </a:rPr>
+              <a:t>          *</a:t>
+            </a:r>
+            <a:r>
+              <a:rPr lang="en-US" sz="2400" dirty="0">
+                <a:solidFill>
+                  <a:schemeClr val="tx1"/>
+                </a:solidFill>
+                <a:latin typeface="American Typewriter"/>
+                <a:cs typeface="American Typewriter"/>
+              </a:rPr>
+              <a:t>/</a:t>
             </a:r>
           </a:p>
           <a:p>
@@ -9047,7 +9708,27 @@
                 <a:latin typeface="American Typewriter"/>
                 <a:cs typeface="American Typewriter"/>
               </a:rPr>
-              <a:t>/*                                                                              */</a:t>
+              <a:t>/*                                                                              </a:t>
+            </a:r>
+            <a:r>
+              <a:rPr lang="en-US" sz="2400" dirty="0" smtClean="0">
+                <a:solidFill>
+                  <a:schemeClr val="tx1"/>
+                </a:solidFill>
+                <a:latin typeface="American Typewriter"/>
+                <a:cs typeface="American Typewriter"/>
+              </a:rPr>
+              <a:t>                        *</a:t>
+            </a:r>
+            <a:r>
+              <a:rPr lang="en-US" sz="2400" dirty="0">
+                <a:solidFill>
+                  <a:schemeClr val="tx1"/>
+                </a:solidFill>
+                <a:latin typeface="American Typewriter"/>
+                <a:cs typeface="American Typewriter"/>
+              </a:rPr>
+              <a:t>/</a:t>
             </a:r>
           </a:p>
           <a:p>
@@ -9060,7 +9741,27 @@
                 <a:latin typeface="American Typewriter"/>
                 <a:cs typeface="American Typewriter"/>
               </a:rPr>
-              <a:t>/* Original by JD West, 01/08/2006                            */</a:t>
+              <a:t>/* Original by JD West, 01/08/2006                         </a:t>
+            </a:r>
+            <a:r>
+              <a:rPr lang="en-US" sz="2400" dirty="0" smtClean="0">
+                <a:solidFill>
+                  <a:schemeClr val="tx1"/>
+                </a:solidFill>
+                <a:latin typeface="American Typewriter"/>
+                <a:cs typeface="American Typewriter"/>
+              </a:rPr>
+              <a:t>             </a:t>
+            </a:r>
+            <a:r>
+              <a:rPr lang="en-US" sz="2400" dirty="0">
+                <a:solidFill>
+                  <a:schemeClr val="tx1"/>
+                </a:solidFill>
+                <a:latin typeface="American Typewriter"/>
+                <a:cs typeface="American Typewriter"/>
+              </a:rPr>
+              <a:t>*/</a:t>
             </a:r>
           </a:p>
           <a:p>
@@ -9073,7 +9774,27 @@
                 <a:latin typeface="American Typewriter"/>
                 <a:cs typeface="American Typewriter"/>
               </a:rPr>
-              <a:t>/* Modified 02/11/2007 to increase resolution            */</a:t>
+              <a:t>/* Modified 02/11/2007 to increase resolution          </a:t>
+            </a:r>
+            <a:r>
+              <a:rPr lang="en-US" sz="2400" dirty="0" smtClean="0">
+                <a:solidFill>
+                  <a:schemeClr val="tx1"/>
+                </a:solidFill>
+                <a:latin typeface="American Typewriter"/>
+                <a:cs typeface="American Typewriter"/>
+              </a:rPr>
+              <a:t>        </a:t>
+            </a:r>
+            <a:r>
+              <a:rPr lang="en-US" sz="2400" dirty="0">
+                <a:solidFill>
+                  <a:schemeClr val="tx1"/>
+                </a:solidFill>
+                <a:latin typeface="American Typewriter"/>
+                <a:cs typeface="American Typewriter"/>
+              </a:rPr>
+              <a:t>*/</a:t>
             </a:r>
           </a:p>
           <a:p>
@@ -9086,8 +9807,25 @@
                 <a:latin typeface="American Typewriter"/>
                 <a:cs typeface="American Typewriter"/>
               </a:rPr>
-              <a:t>/******************************************************************/</a:t>
-            </a:r>
+              <a:t>/*****************************************</a:t>
+            </a:r>
+            <a:r>
+              <a:rPr lang="en-US" sz="2400" dirty="0" smtClean="0">
+                <a:solidFill>
+                  <a:schemeClr val="tx1"/>
+                </a:solidFill>
+                <a:latin typeface="American Typewriter"/>
+                <a:cs typeface="American Typewriter"/>
+              </a:rPr>
+              <a:t>*/</a:t>
+            </a:r>
+            <a:endParaRPr lang="en-US" sz="2400" dirty="0">
+              <a:solidFill>
+                <a:schemeClr val="tx1"/>
+              </a:solidFill>
+              <a:latin typeface="American Typewriter"/>
+              <a:cs typeface="American Typewriter"/>
+            </a:endParaRPr>
           </a:p>
         </p:txBody>
       </p:sp>

--- a/BasicsOfCoding/BasicsOfCoding.pptx
+++ b/BasicsOfCoding/BasicsOfCoding.pptx
@@ -5,7 +5,7 @@
     <p:sldMasterId id="2147483648" r:id="rId1"/>
   </p:sldMasterIdLst>
   <p:notesMasterIdLst>
-    <p:notesMasterId r:id="rId35"/>
+    <p:notesMasterId r:id="rId32"/>
   </p:notesMasterIdLst>
   <p:sldIdLst>
     <p:sldId id="256" r:id="rId2"/>
@@ -32,15 +32,12 @@
     <p:sldId id="275" r:id="rId23"/>
     <p:sldId id="276" r:id="rId24"/>
     <p:sldId id="290" r:id="rId25"/>
-    <p:sldId id="291" r:id="rId26"/>
-    <p:sldId id="265" r:id="rId27"/>
-    <p:sldId id="267" r:id="rId28"/>
-    <p:sldId id="269" r:id="rId29"/>
-    <p:sldId id="274" r:id="rId30"/>
-    <p:sldId id="270" r:id="rId31"/>
-    <p:sldId id="272" r:id="rId32"/>
-    <p:sldId id="273" r:id="rId33"/>
-    <p:sldId id="268" r:id="rId34"/>
+    <p:sldId id="265" r:id="rId26"/>
+    <p:sldId id="267" r:id="rId27"/>
+    <p:sldId id="269" r:id="rId28"/>
+    <p:sldId id="274" r:id="rId29"/>
+    <p:sldId id="273" r:id="rId30"/>
+    <p:sldId id="268" r:id="rId31"/>
   </p:sldIdLst>
   <p:sldSz cx="9144000" cy="6858000" type="screen4x3"/>
   <p:notesSz cx="6858000" cy="9144000"/>
@@ -224,7 +221,7 @@
           <a:p>
             <a:fld id="{61D397DF-A733-5248-B82E-D2752A07DE73}" type="datetimeFigureOut">
               <a:rPr lang="en-US" smtClean="0"/>
-              <a:t>7/11/14</a:t>
+              <a:t>7/14/14</a:t>
             </a:fld>
             <a:endParaRPr lang="en-US"/>
           </a:p>
@@ -757,7 +754,7 @@
           <a:p>
             <a:fld id="{6EB5AF22-7E07-4B46-95AE-FB6A415E8F1F}" type="datetimeFigureOut">
               <a:rPr lang="en-US" smtClean="0"/>
-              <a:t>7/11/14</a:t>
+              <a:t>7/14/14</a:t>
             </a:fld>
             <a:endParaRPr lang="en-US"/>
           </a:p>
@@ -927,7 +924,7 @@
           <a:p>
             <a:fld id="{6EB5AF22-7E07-4B46-95AE-FB6A415E8F1F}" type="datetimeFigureOut">
               <a:rPr lang="en-US" smtClean="0"/>
-              <a:t>7/11/14</a:t>
+              <a:t>7/14/14</a:t>
             </a:fld>
             <a:endParaRPr lang="en-US"/>
           </a:p>
@@ -1107,7 +1104,7 @@
           <a:p>
             <a:fld id="{6EB5AF22-7E07-4B46-95AE-FB6A415E8F1F}" type="datetimeFigureOut">
               <a:rPr lang="en-US" smtClean="0"/>
-              <a:t>7/11/14</a:t>
+              <a:t>7/14/14</a:t>
             </a:fld>
             <a:endParaRPr lang="en-US"/>
           </a:p>
@@ -1277,7 +1274,7 @@
           <a:p>
             <a:fld id="{6EB5AF22-7E07-4B46-95AE-FB6A415E8F1F}" type="datetimeFigureOut">
               <a:rPr lang="en-US" smtClean="0"/>
-              <a:t>7/11/14</a:t>
+              <a:t>7/14/14</a:t>
             </a:fld>
             <a:endParaRPr lang="en-US"/>
           </a:p>
@@ -1523,7 +1520,7 @@
           <a:p>
             <a:fld id="{6EB5AF22-7E07-4B46-95AE-FB6A415E8F1F}" type="datetimeFigureOut">
               <a:rPr lang="en-US" smtClean="0"/>
-              <a:t>7/11/14</a:t>
+              <a:t>7/14/14</a:t>
             </a:fld>
             <a:endParaRPr lang="en-US"/>
           </a:p>
@@ -1811,7 +1808,7 @@
           <a:p>
             <a:fld id="{6EB5AF22-7E07-4B46-95AE-FB6A415E8F1F}" type="datetimeFigureOut">
               <a:rPr lang="en-US" smtClean="0"/>
-              <a:t>7/11/14</a:t>
+              <a:t>7/14/14</a:t>
             </a:fld>
             <a:endParaRPr lang="en-US"/>
           </a:p>
@@ -2233,7 +2230,7 @@
           <a:p>
             <a:fld id="{6EB5AF22-7E07-4B46-95AE-FB6A415E8F1F}" type="datetimeFigureOut">
               <a:rPr lang="en-US" smtClean="0"/>
-              <a:t>7/11/14</a:t>
+              <a:t>7/14/14</a:t>
             </a:fld>
             <a:endParaRPr lang="en-US"/>
           </a:p>
@@ -2351,7 +2348,7 @@
           <a:p>
             <a:fld id="{6EB5AF22-7E07-4B46-95AE-FB6A415E8F1F}" type="datetimeFigureOut">
               <a:rPr lang="en-US" smtClean="0"/>
-              <a:t>7/11/14</a:t>
+              <a:t>7/14/14</a:t>
             </a:fld>
             <a:endParaRPr lang="en-US"/>
           </a:p>
@@ -2446,7 +2443,7 @@
           <a:p>
             <a:fld id="{6EB5AF22-7E07-4B46-95AE-FB6A415E8F1F}" type="datetimeFigureOut">
               <a:rPr lang="en-US" smtClean="0"/>
-              <a:t>7/11/14</a:t>
+              <a:t>7/14/14</a:t>
             </a:fld>
             <a:endParaRPr lang="en-US"/>
           </a:p>
@@ -2723,7 +2720,7 @@
           <a:p>
             <a:fld id="{6EB5AF22-7E07-4B46-95AE-FB6A415E8F1F}" type="datetimeFigureOut">
               <a:rPr lang="en-US" smtClean="0"/>
-              <a:t>7/11/14</a:t>
+              <a:t>7/14/14</a:t>
             </a:fld>
             <a:endParaRPr lang="en-US"/>
           </a:p>
@@ -2976,7 +2973,7 @@
           <a:p>
             <a:fld id="{6EB5AF22-7E07-4B46-95AE-FB6A415E8F1F}" type="datetimeFigureOut">
               <a:rPr lang="en-US" smtClean="0"/>
-              <a:t>7/11/14</a:t>
+              <a:t>7/14/14</a:t>
             </a:fld>
             <a:endParaRPr lang="en-US"/>
           </a:p>
@@ -3189,7 +3186,7 @@
           <a:p>
             <a:fld id="{6EB5AF22-7E07-4B46-95AE-FB6A415E8F1F}" type="datetimeFigureOut">
               <a:rPr lang="en-US" smtClean="0"/>
-              <a:t>7/11/14</a:t>
+              <a:t>7/14/14</a:t>
             </a:fld>
             <a:endParaRPr lang="en-US"/>
           </a:p>
@@ -3589,15 +3586,7 @@
                   <a:schemeClr val="bg1"/>
                 </a:solidFill>
               </a:rPr>
-              <a:t>Good Coding </a:t>
-            </a:r>
-            <a:r>
-              <a:rPr lang="en-US" dirty="0" smtClean="0">
-                <a:solidFill>
-                  <a:schemeClr val="bg1"/>
-                </a:solidFill>
-              </a:rPr>
-              <a:t>Practices</a:t>
+              <a:t>Good Coding Practices</a:t>
             </a:r>
             <a:endParaRPr lang="en-US" dirty="0">
               <a:solidFill>
@@ -6669,21 +6658,13 @@
           <a:p>
             <a:r>
               <a:rPr lang="en-US" dirty="0" smtClean="0"/>
-              <a:t>When you really need it, and no one else has done anything remotely similar you can </a:t>
-            </a:r>
-            <a:r>
-              <a:rPr lang="en-US" dirty="0" smtClean="0"/>
-              <a:t>adapt</a:t>
-            </a:r>
-          </a:p>
-          <a:p>
-            <a:r>
-              <a:rPr lang="en-US" dirty="0" smtClean="0"/>
-              <a:t>When there’s a clear need for it</a:t>
-            </a:r>
-            <a:r>
-              <a:rPr lang="en-US" dirty="0" smtClean="0"/>
-              <a:t> </a:t>
+              <a:t>When you really need it, and no one else has done anything remotely similar you can adapt</a:t>
+            </a:r>
+          </a:p>
+          <a:p>
+            <a:r>
+              <a:rPr lang="en-US" dirty="0" smtClean="0"/>
+              <a:t>When there’s a clear need for it </a:t>
             </a:r>
             <a:endParaRPr lang="en-US" dirty="0"/>
           </a:p>
@@ -6927,11 +6908,7 @@
           <a:p>
             <a:r>
               <a:rPr lang="en-US" dirty="0" smtClean="0"/>
-              <a:t>Why Unit </a:t>
-            </a:r>
-            <a:r>
-              <a:rPr lang="en-US" dirty="0" smtClean="0"/>
-              <a:t>Testing</a:t>
+              <a:t>Why Unit Testing</a:t>
             </a:r>
             <a:endParaRPr lang="en-US" dirty="0"/>
           </a:p>
@@ -6958,25 +6935,13 @@
             </a:r>
             <a:r>
               <a:rPr lang="en-US" dirty="0" smtClean="0"/>
-              <a:t>nsure </a:t>
-            </a:r>
-            <a:r>
-              <a:rPr lang="en-US" dirty="0" smtClean="0"/>
-              <a:t>functionality of a program</a:t>
-            </a:r>
-          </a:p>
-          <a:p>
-            <a:r>
-              <a:rPr lang="en-US" dirty="0" smtClean="0"/>
-              <a:t>Important </a:t>
-            </a:r>
-            <a:r>
-              <a:rPr lang="en-US" dirty="0" smtClean="0"/>
-              <a:t>for software meant for a large user base/multiple </a:t>
-            </a:r>
-            <a:r>
-              <a:rPr lang="en-US" dirty="0" smtClean="0"/>
-              <a:t>collaborators</a:t>
+              <a:t>nsure functionality of a program</a:t>
+            </a:r>
+          </a:p>
+          <a:p>
+            <a:r>
+              <a:rPr lang="en-US" dirty="0" smtClean="0"/>
+              <a:t>Important for software meant for a large user base/multiple collaborators</a:t>
             </a:r>
           </a:p>
           <a:p>
@@ -6984,7 +6949,6 @@
               <a:rPr lang="en-US" dirty="0" smtClean="0"/>
               <a:t>Defend your research results</a:t>
             </a:r>
-            <a:endParaRPr lang="en-US" dirty="0" smtClean="0"/>
           </a:p>
           <a:p>
             <a:endParaRPr lang="en-US" dirty="0"/>
@@ -7031,78 +6995,6 @@
             <p:ph type="title"/>
           </p:nvPr>
         </p:nvSpPr>
-        <p:spPr/>
-        <p:txBody>
-          <a:bodyPr/>
-          <a:lstStyle/>
-          <a:p>
-            <a:r>
-              <a:rPr lang="en-US" dirty="0" smtClean="0"/>
-              <a:t>Unit Testing Demo</a:t>
-            </a:r>
-            <a:endParaRPr lang="en-US" dirty="0"/>
-          </a:p>
-        </p:txBody>
-      </p:sp>
-      <p:sp>
-        <p:nvSpPr>
-          <p:cNvPr id="3" name="Content Placeholder 2"/>
-          <p:cNvSpPr>
-            <a:spLocks noGrp="1"/>
-          </p:cNvSpPr>
-          <p:nvPr>
-            <p:ph idx="1"/>
-          </p:nvPr>
-        </p:nvSpPr>
-        <p:spPr/>
-        <p:txBody>
-          <a:bodyPr/>
-          <a:lstStyle/>
-          <a:p>
-            <a:endParaRPr lang="en-US"/>
-          </a:p>
-        </p:txBody>
-      </p:sp>
-    </p:spTree>
-    <p:extLst>
-      <p:ext uri="{BB962C8B-B14F-4D97-AF65-F5344CB8AC3E}">
-        <p14:creationId xmlns:p14="http://schemas.microsoft.com/office/powerpoint/2010/main" val="3829521175"/>
-      </p:ext>
-    </p:extLst>
-  </p:cSld>
-  <p:clrMapOvr>
-    <a:masterClrMapping/>
-  </p:clrMapOvr>
-</p:sld>
-</file>
-
-<file path=ppt/slides/slide26.xml><?xml version="1.0" encoding="utf-8"?>
-<p:sld xmlns:a="http://schemas.openxmlformats.org/drawingml/2006/main" xmlns:r="http://schemas.openxmlformats.org/officeDocument/2006/relationships" xmlns:p="http://schemas.openxmlformats.org/presentationml/2006/main">
-  <p:cSld>
-    <p:spTree>
-      <p:nvGrpSpPr>
-        <p:cNvPr id="1" name=""/>
-        <p:cNvGrpSpPr/>
-        <p:nvPr/>
-      </p:nvGrpSpPr>
-      <p:grpSpPr>
-        <a:xfrm>
-          <a:off x="0" y="0"/>
-          <a:ext cx="0" cy="0"/>
-          <a:chOff x="0" y="0"/>
-          <a:chExt cx="0" cy="0"/>
-        </a:xfrm>
-      </p:grpSpPr>
-      <p:sp>
-        <p:nvSpPr>
-          <p:cNvPr id="2" name="Title 1"/>
-          <p:cNvSpPr>
-            <a:spLocks noGrp="1"/>
-          </p:cNvSpPr>
-          <p:nvPr>
-            <p:ph type="title"/>
-          </p:nvPr>
-        </p:nvSpPr>
         <p:spPr>
           <a:solidFill>
             <a:schemeClr val="tx1"/>
@@ -7377,7 +7269,7 @@
 </p:sld>
 </file>
 
-<file path=ppt/slides/slide27.xml><?xml version="1.0" encoding="utf-8"?>
+<file path=ppt/slides/slide26.xml><?xml version="1.0" encoding="utf-8"?>
 <p:sld xmlns:a="http://schemas.openxmlformats.org/drawingml/2006/main" xmlns:r="http://schemas.openxmlformats.org/officeDocument/2006/relationships" xmlns:p="http://schemas.openxmlformats.org/presentationml/2006/main">
   <p:cSld>
     <p:spTree>
@@ -7437,6 +7329,155 @@
 </p:sld>
 </file>
 
+<file path=ppt/slides/slide27.xml><?xml version="1.0" encoding="utf-8"?>
+<p:sld xmlns:a="http://schemas.openxmlformats.org/drawingml/2006/main" xmlns:r="http://schemas.openxmlformats.org/officeDocument/2006/relationships" xmlns:p="http://schemas.openxmlformats.org/presentationml/2006/main">
+  <p:cSld>
+    <p:spTree>
+      <p:nvGrpSpPr>
+        <p:cNvPr id="1" name=""/>
+        <p:cNvGrpSpPr/>
+        <p:nvPr/>
+      </p:nvGrpSpPr>
+      <p:grpSpPr>
+        <a:xfrm>
+          <a:off x="0" y="0"/>
+          <a:ext cx="0" cy="0"/>
+          <a:chOff x="0" y="0"/>
+          <a:chExt cx="0" cy="0"/>
+        </a:xfrm>
+      </p:grpSpPr>
+      <p:sp>
+        <p:nvSpPr>
+          <p:cNvPr id="2" name="Title 1"/>
+          <p:cNvSpPr>
+            <a:spLocks noGrp="1"/>
+          </p:cNvSpPr>
+          <p:nvPr>
+            <p:ph type="title"/>
+          </p:nvPr>
+        </p:nvSpPr>
+        <p:spPr/>
+        <p:txBody>
+          <a:bodyPr/>
+          <a:lstStyle/>
+          <a:p>
+            <a:r>
+              <a:rPr lang="en-US" dirty="0" err="1" smtClean="0"/>
+              <a:t>Github</a:t>
+            </a:r>
+            <a:endParaRPr lang="en-US" dirty="0"/>
+          </a:p>
+        </p:txBody>
+      </p:sp>
+      <p:sp>
+        <p:nvSpPr>
+          <p:cNvPr id="3" name="Content Placeholder 2"/>
+          <p:cNvSpPr>
+            <a:spLocks noGrp="1"/>
+          </p:cNvSpPr>
+          <p:nvPr>
+            <p:ph sz="half" idx="1"/>
+          </p:nvPr>
+        </p:nvSpPr>
+        <p:spPr/>
+        <p:txBody>
+          <a:bodyPr>
+            <a:normAutofit/>
+          </a:bodyPr>
+          <a:lstStyle/>
+          <a:p>
+            <a:pPr marL="0" indent="0">
+              <a:buNone/>
+            </a:pPr>
+            <a:r>
+              <a:rPr lang="en-US" dirty="0" smtClean="0"/>
+              <a:t>Good</a:t>
+            </a:r>
+          </a:p>
+          <a:p>
+            <a:r>
+              <a:rPr lang="en-US" dirty="0" smtClean="0"/>
+              <a:t>Useful for collaborators</a:t>
+            </a:r>
+          </a:p>
+          <a:p>
+            <a:r>
+              <a:rPr lang="en-US" dirty="0" smtClean="0"/>
+              <a:t>Showcase non-confidential work online</a:t>
+            </a:r>
+          </a:p>
+          <a:p>
+            <a:r>
+              <a:rPr lang="en-US" dirty="0" smtClean="0"/>
+              <a:t>Get it online, anywhere  </a:t>
+            </a:r>
+          </a:p>
+          <a:p>
+            <a:endParaRPr lang="en-US" dirty="0"/>
+          </a:p>
+        </p:txBody>
+      </p:sp>
+      <p:sp>
+        <p:nvSpPr>
+          <p:cNvPr id="4" name="Content Placeholder 3"/>
+          <p:cNvSpPr>
+            <a:spLocks noGrp="1"/>
+          </p:cNvSpPr>
+          <p:nvPr>
+            <p:ph sz="half" idx="2"/>
+          </p:nvPr>
+        </p:nvSpPr>
+        <p:spPr/>
+        <p:txBody>
+          <a:bodyPr>
+            <a:normAutofit/>
+          </a:bodyPr>
+          <a:lstStyle/>
+          <a:p>
+            <a:pPr marL="0" indent="0">
+              <a:buNone/>
+            </a:pPr>
+            <a:r>
+              <a:rPr lang="en-US" dirty="0" smtClean="0"/>
+              <a:t>Bad</a:t>
+            </a:r>
+          </a:p>
+          <a:p>
+            <a:r>
+              <a:rPr lang="en-US" dirty="0" smtClean="0"/>
+              <a:t>Limited allowance for privacy – free private account with .</a:t>
+            </a:r>
+            <a:r>
+              <a:rPr lang="en-US" dirty="0" err="1" smtClean="0"/>
+              <a:t>edu</a:t>
+            </a:r>
+            <a:r>
+              <a:rPr lang="en-US" dirty="0" smtClean="0"/>
+              <a:t> email for two years </a:t>
+            </a:r>
+          </a:p>
+          <a:p>
+            <a:r>
+              <a:rPr lang="en-US" dirty="0" smtClean="0"/>
+              <a:t>Steep learning curve</a:t>
+            </a:r>
+            <a:endParaRPr lang="en-US" dirty="0"/>
+          </a:p>
+        </p:txBody>
+      </p:sp>
+    </p:spTree>
+    <p:extLst>
+      <p:ext uri="{BB962C8B-B14F-4D97-AF65-F5344CB8AC3E}">
+        <p14:creationId xmlns:p14="http://schemas.microsoft.com/office/powerpoint/2010/main" val="1969338732"/>
+      </p:ext>
+    </p:extLst>
+  </p:cSld>
+  <p:clrMapOvr>
+    <a:masterClrMapping/>
+  </p:clrMapOvr>
+</p:sld>
+</file>
+
 <file path=ppt/slides/slide28.xml><?xml version="1.0" encoding="utf-8"?>
 <p:sld xmlns:a="http://schemas.openxmlformats.org/drawingml/2006/main" xmlns:r="http://schemas.openxmlformats.org/officeDocument/2006/relationships" xmlns:p="http://schemas.openxmlformats.org/presentationml/2006/main">
   <p:cSld>
@@ -7470,160 +7511,6 @@
           <a:lstStyle/>
           <a:p>
             <a:r>
-              <a:rPr lang="en-US" dirty="0" err="1" smtClean="0"/>
-              <a:t>Github</a:t>
-            </a:r>
-            <a:endParaRPr lang="en-US" dirty="0"/>
-          </a:p>
-        </p:txBody>
-      </p:sp>
-      <p:sp>
-        <p:nvSpPr>
-          <p:cNvPr id="3" name="Content Placeholder 2"/>
-          <p:cNvSpPr>
-            <a:spLocks noGrp="1"/>
-          </p:cNvSpPr>
-          <p:nvPr>
-            <p:ph sz="half" idx="1"/>
-          </p:nvPr>
-        </p:nvSpPr>
-        <p:spPr/>
-        <p:txBody>
-          <a:bodyPr>
-            <a:normAutofit/>
-          </a:bodyPr>
-          <a:lstStyle/>
-          <a:p>
-            <a:pPr marL="0" indent="0">
-              <a:buNone/>
-            </a:pPr>
-            <a:r>
-              <a:rPr lang="en-US" dirty="0" smtClean="0"/>
-              <a:t>Good</a:t>
-            </a:r>
-          </a:p>
-          <a:p>
-            <a:r>
-              <a:rPr lang="en-US" dirty="0" smtClean="0"/>
-              <a:t>Useful for collaborators</a:t>
-            </a:r>
-          </a:p>
-          <a:p>
-            <a:r>
-              <a:rPr lang="en-US" dirty="0" smtClean="0"/>
-              <a:t>Showcase non-confidential work online</a:t>
-            </a:r>
-          </a:p>
-          <a:p>
-            <a:r>
-              <a:rPr lang="en-US" dirty="0" smtClean="0"/>
-              <a:t>Get it online, anywhere  </a:t>
-            </a:r>
-          </a:p>
-          <a:p>
-            <a:endParaRPr lang="en-US" dirty="0"/>
-          </a:p>
-        </p:txBody>
-      </p:sp>
-      <p:sp>
-        <p:nvSpPr>
-          <p:cNvPr id="4" name="Content Placeholder 3"/>
-          <p:cNvSpPr>
-            <a:spLocks noGrp="1"/>
-          </p:cNvSpPr>
-          <p:nvPr>
-            <p:ph sz="half" idx="2"/>
-          </p:nvPr>
-        </p:nvSpPr>
-        <p:spPr/>
-        <p:txBody>
-          <a:bodyPr>
-            <a:normAutofit/>
-          </a:bodyPr>
-          <a:lstStyle/>
-          <a:p>
-            <a:pPr marL="0" indent="0">
-              <a:buNone/>
-            </a:pPr>
-            <a:r>
-              <a:rPr lang="en-US" dirty="0" smtClean="0"/>
-              <a:t>Bad</a:t>
-            </a:r>
-          </a:p>
-          <a:p>
-            <a:r>
-              <a:rPr lang="en-US" dirty="0" smtClean="0"/>
-              <a:t>Limited allowance for privacy – free private account with .</a:t>
-            </a:r>
-            <a:r>
-              <a:rPr lang="en-US" dirty="0" err="1" smtClean="0"/>
-              <a:t>edu</a:t>
-            </a:r>
-            <a:r>
-              <a:rPr lang="en-US" dirty="0" smtClean="0"/>
-              <a:t> email for two years </a:t>
-            </a:r>
-            <a:endParaRPr lang="en-US" dirty="0" smtClean="0"/>
-          </a:p>
-          <a:p>
-            <a:r>
-              <a:rPr lang="en-US" dirty="0" smtClean="0"/>
-              <a:t>Steep </a:t>
-            </a:r>
-            <a:r>
-              <a:rPr lang="en-US" dirty="0" smtClean="0"/>
-              <a:t>learning curve</a:t>
-            </a:r>
-            <a:endParaRPr lang="en-US" dirty="0"/>
-          </a:p>
-        </p:txBody>
-      </p:sp>
-    </p:spTree>
-    <p:extLst>
-      <p:ext uri="{BB962C8B-B14F-4D97-AF65-F5344CB8AC3E}">
-        <p14:creationId xmlns:p14="http://schemas.microsoft.com/office/powerpoint/2010/main" val="1969338732"/>
-      </p:ext>
-    </p:extLst>
-  </p:cSld>
-  <p:clrMapOvr>
-    <a:masterClrMapping/>
-  </p:clrMapOvr>
-</p:sld>
-</file>
-
-<file path=ppt/slides/slide29.xml><?xml version="1.0" encoding="utf-8"?>
-<p:sld xmlns:a="http://schemas.openxmlformats.org/drawingml/2006/main" xmlns:r="http://schemas.openxmlformats.org/officeDocument/2006/relationships" xmlns:p="http://schemas.openxmlformats.org/presentationml/2006/main">
-  <p:cSld>
-    <p:spTree>
-      <p:nvGrpSpPr>
-        <p:cNvPr id="1" name=""/>
-        <p:cNvGrpSpPr/>
-        <p:nvPr/>
-      </p:nvGrpSpPr>
-      <p:grpSpPr>
-        <a:xfrm>
-          <a:off x="0" y="0"/>
-          <a:ext cx="0" cy="0"/>
-          <a:chOff x="0" y="0"/>
-          <a:chExt cx="0" cy="0"/>
-        </a:xfrm>
-      </p:grpSpPr>
-      <p:sp>
-        <p:nvSpPr>
-          <p:cNvPr id="2" name="Title 1"/>
-          <p:cNvSpPr>
-            <a:spLocks noGrp="1"/>
-          </p:cNvSpPr>
-          <p:nvPr>
-            <p:ph type="title"/>
-          </p:nvPr>
-        </p:nvSpPr>
-        <p:spPr/>
-        <p:txBody>
-          <a:bodyPr/>
-          <a:lstStyle/>
-          <a:p>
-            <a:r>
               <a:rPr lang="en-US" dirty="0" smtClean="0"/>
               <a:t>Demo </a:t>
             </a:r>
@@ -7779,441 +7666,7 @@
 </p:sld>
 </file>
 
-<file path=ppt/slides/slide3.xml><?xml version="1.0" encoding="utf-8"?>
-<p:sld xmlns:a="http://schemas.openxmlformats.org/drawingml/2006/main" xmlns:r="http://schemas.openxmlformats.org/officeDocument/2006/relationships" xmlns:p="http://schemas.openxmlformats.org/presentationml/2006/main">
-  <p:cSld>
-    <p:spTree>
-      <p:nvGrpSpPr>
-        <p:cNvPr id="1" name=""/>
-        <p:cNvGrpSpPr/>
-        <p:nvPr/>
-      </p:nvGrpSpPr>
-      <p:grpSpPr>
-        <a:xfrm>
-          <a:off x="0" y="0"/>
-          <a:ext cx="0" cy="0"/>
-          <a:chOff x="0" y="0"/>
-          <a:chExt cx="0" cy="0"/>
-        </a:xfrm>
-      </p:grpSpPr>
-      <p:sp>
-        <p:nvSpPr>
-          <p:cNvPr id="2" name="Title 1"/>
-          <p:cNvSpPr>
-            <a:spLocks noGrp="1"/>
-          </p:cNvSpPr>
-          <p:nvPr>
-            <p:ph type="title"/>
-          </p:nvPr>
-        </p:nvSpPr>
-        <p:spPr/>
-        <p:txBody>
-          <a:bodyPr/>
-          <a:lstStyle/>
-          <a:p>
-            <a:r>
-              <a:rPr lang="en-US" dirty="0" smtClean="0"/>
-              <a:t>Where I’m coming from</a:t>
-            </a:r>
-            <a:endParaRPr lang="en-US" dirty="0"/>
-          </a:p>
-        </p:txBody>
-      </p:sp>
-      <p:sp>
-        <p:nvSpPr>
-          <p:cNvPr id="3" name="Content Placeholder 2"/>
-          <p:cNvSpPr>
-            <a:spLocks noGrp="1"/>
-          </p:cNvSpPr>
-          <p:nvPr>
-            <p:ph idx="1"/>
-          </p:nvPr>
-        </p:nvSpPr>
-        <p:spPr/>
-        <p:txBody>
-          <a:bodyPr>
-            <a:normAutofit fontScale="70000" lnSpcReduction="20000"/>
-          </a:bodyPr>
-          <a:lstStyle/>
-          <a:p>
-            <a:r>
-              <a:rPr lang="en-US" dirty="0" smtClean="0"/>
-              <a:t>Undergraduate (Stanford) </a:t>
-            </a:r>
-            <a:endParaRPr lang="en-US" dirty="0" smtClean="0"/>
-          </a:p>
-          <a:p>
-            <a:pPr lvl="1"/>
-            <a:r>
-              <a:rPr lang="en-US" dirty="0" smtClean="0"/>
-              <a:t>Major in Math</a:t>
-            </a:r>
-          </a:p>
-          <a:p>
-            <a:pPr lvl="1"/>
-            <a:r>
-              <a:rPr lang="en-US" dirty="0" smtClean="0"/>
-              <a:t>Minor in Computer Science</a:t>
-            </a:r>
-          </a:p>
-          <a:p>
-            <a:pPr lvl="1"/>
-            <a:r>
-              <a:rPr lang="en-US" dirty="0" smtClean="0"/>
-              <a:t>No exposure to coding before undergrad </a:t>
-            </a:r>
-          </a:p>
-          <a:p>
-            <a:r>
-              <a:rPr lang="en-US" dirty="0" smtClean="0"/>
-              <a:t>Research </a:t>
-            </a:r>
-          </a:p>
-          <a:p>
-            <a:pPr lvl="1"/>
-            <a:r>
-              <a:rPr lang="en-US" dirty="0" smtClean="0"/>
-              <a:t>Undergraduate research in computational geophysics</a:t>
-            </a:r>
-          </a:p>
-          <a:p>
-            <a:pPr lvl="1"/>
-            <a:r>
-              <a:rPr lang="en-US" dirty="0" smtClean="0"/>
-              <a:t>Internship, Northwestern Earth and Planetary Sciences</a:t>
-            </a:r>
-          </a:p>
-          <a:p>
-            <a:r>
-              <a:rPr lang="en-US" dirty="0" smtClean="0"/>
-              <a:t>Industry</a:t>
-            </a:r>
-            <a:endParaRPr lang="en-US" dirty="0" smtClean="0"/>
-          </a:p>
-          <a:p>
-            <a:pPr lvl="1"/>
-            <a:r>
-              <a:rPr lang="en-US" dirty="0" smtClean="0"/>
-              <a:t>9 months as a software engineer at a Silicon Valley </a:t>
-            </a:r>
-            <a:r>
-              <a:rPr lang="en-US" dirty="0" smtClean="0"/>
-              <a:t>startup</a:t>
-            </a:r>
-          </a:p>
-          <a:p>
-            <a:pPr lvl="1"/>
-            <a:r>
-              <a:rPr lang="de-DE" dirty="0">
-                <a:hlinkClick r:id="rId2"/>
-              </a:rPr>
-              <a:t>http://www.dwellers.com</a:t>
-            </a:r>
-            <a:r>
-              <a:rPr lang="de-DE" dirty="0" smtClean="0">
-                <a:hlinkClick r:id="rId2"/>
-              </a:rPr>
-              <a:t>/</a:t>
-            </a:r>
-            <a:endParaRPr lang="de-DE" dirty="0" smtClean="0"/>
-          </a:p>
-          <a:p>
-            <a:pPr lvl="1"/>
-            <a:r>
-              <a:rPr lang="en-US" dirty="0">
-                <a:hlinkClick r:id="rId3"/>
-              </a:rPr>
-              <a:t>http://mathcrunch.com</a:t>
-            </a:r>
-            <a:r>
-              <a:rPr lang="en-US" dirty="0" smtClean="0">
-                <a:hlinkClick r:id="rId3"/>
-              </a:rPr>
-              <a:t>/</a:t>
-            </a:r>
-            <a:r>
-              <a:rPr lang="en-US" dirty="0" smtClean="0"/>
-              <a:t> </a:t>
-            </a:r>
-            <a:endParaRPr lang="de-DE" dirty="0" smtClean="0"/>
-          </a:p>
-          <a:p>
-            <a:r>
-              <a:rPr lang="en-US" dirty="0" smtClean="0"/>
-              <a:t>Current (Carnegie Mellon)</a:t>
-            </a:r>
-            <a:r>
-              <a:rPr lang="en-US" dirty="0" smtClean="0"/>
-              <a:t> </a:t>
-            </a:r>
-          </a:p>
-          <a:p>
-            <a:pPr lvl="1"/>
-            <a:r>
-              <a:rPr lang="en-US" dirty="0" smtClean="0"/>
-              <a:t>Graduate </a:t>
-            </a:r>
-            <a:r>
-              <a:rPr lang="en-US" dirty="0" smtClean="0"/>
-              <a:t>student (started Jun 30, 2014) </a:t>
-            </a:r>
-          </a:p>
-          <a:p>
-            <a:pPr lvl="1"/>
-            <a:r>
-              <a:rPr lang="en-US" dirty="0" smtClean="0"/>
-              <a:t>Electrical and Computer </a:t>
-            </a:r>
-            <a:r>
-              <a:rPr lang="en-US" dirty="0" smtClean="0"/>
-              <a:t>Engineering</a:t>
-            </a:r>
-            <a:endParaRPr lang="en-US" dirty="0" smtClean="0"/>
-          </a:p>
-          <a:p>
-            <a:endParaRPr lang="en-US" dirty="0"/>
-          </a:p>
-        </p:txBody>
-      </p:sp>
-    </p:spTree>
-    <p:extLst>
-      <p:ext uri="{BB962C8B-B14F-4D97-AF65-F5344CB8AC3E}">
-        <p14:creationId xmlns:p14="http://schemas.microsoft.com/office/powerpoint/2010/main" val="1092556029"/>
-      </p:ext>
-    </p:extLst>
-  </p:cSld>
-  <p:clrMapOvr>
-    <a:masterClrMapping/>
-  </p:clrMapOvr>
-</p:sld>
-</file>
-
-<file path=ppt/slides/slide30.xml><?xml version="1.0" encoding="utf-8"?>
-<p:sld xmlns:a="http://schemas.openxmlformats.org/drawingml/2006/main" xmlns:r="http://schemas.openxmlformats.org/officeDocument/2006/relationships" xmlns:p="http://schemas.openxmlformats.org/presentationml/2006/main">
-  <p:cSld>
-    <p:spTree>
-      <p:nvGrpSpPr>
-        <p:cNvPr id="1" name=""/>
-        <p:cNvGrpSpPr/>
-        <p:nvPr/>
-      </p:nvGrpSpPr>
-      <p:grpSpPr>
-        <a:xfrm>
-          <a:off x="0" y="0"/>
-          <a:ext cx="0" cy="0"/>
-          <a:chOff x="0" y="0"/>
-          <a:chExt cx="0" cy="0"/>
-        </a:xfrm>
-      </p:grpSpPr>
-      <p:pic>
-        <p:nvPicPr>
-          <p:cNvPr id="4" name="Picture 3" descr="Screen Shot 2014-07-10 at 9.47.44 PM.png"/>
-          <p:cNvPicPr>
-            <a:picLocks noChangeAspect="1"/>
-          </p:cNvPicPr>
-          <p:nvPr/>
-        </p:nvPicPr>
-        <p:blipFill>
-          <a:blip r:embed="rId2">
-            <a:extLst>
-              <a:ext uri="{28A0092B-C50C-407E-A947-70E740481C1C}">
-                <a14:useLocalDpi xmlns:a14="http://schemas.microsoft.com/office/drawing/2010/main" val="0"/>
-              </a:ext>
-            </a:extLst>
-          </a:blip>
-          <a:stretch>
-            <a:fillRect/>
-          </a:stretch>
-        </p:blipFill>
-        <p:spPr>
-          <a:xfrm>
-            <a:off x="925725" y="362893"/>
-            <a:ext cx="7436859" cy="6113020"/>
-          </a:xfrm>
-          <a:prstGeom prst="rect">
-            <a:avLst/>
-          </a:prstGeom>
-        </p:spPr>
-      </p:pic>
-    </p:spTree>
-    <p:extLst>
-      <p:ext uri="{BB962C8B-B14F-4D97-AF65-F5344CB8AC3E}">
-        <p14:creationId xmlns:p14="http://schemas.microsoft.com/office/powerpoint/2010/main" val="3302957659"/>
-      </p:ext>
-    </p:extLst>
-  </p:cSld>
-  <p:clrMapOvr>
-    <a:masterClrMapping/>
-  </p:clrMapOvr>
-</p:sld>
-</file>
-
-<file path=ppt/slides/slide31.xml><?xml version="1.0" encoding="utf-8"?>
-<p:sld xmlns:a="http://schemas.openxmlformats.org/drawingml/2006/main" xmlns:r="http://schemas.openxmlformats.org/officeDocument/2006/relationships" xmlns:p="http://schemas.openxmlformats.org/presentationml/2006/main">
-  <p:cSld>
-    <p:spTree>
-      <p:nvGrpSpPr>
-        <p:cNvPr id="1" name=""/>
-        <p:cNvGrpSpPr/>
-        <p:nvPr/>
-      </p:nvGrpSpPr>
-      <p:grpSpPr>
-        <a:xfrm>
-          <a:off x="0" y="0"/>
-          <a:ext cx="0" cy="0"/>
-          <a:chOff x="0" y="0"/>
-          <a:chExt cx="0" cy="0"/>
-        </a:xfrm>
-      </p:grpSpPr>
-      <p:sp>
-        <p:nvSpPr>
-          <p:cNvPr id="7" name="Title 6"/>
-          <p:cNvSpPr>
-            <a:spLocks noGrp="1"/>
-          </p:cNvSpPr>
-          <p:nvPr>
-            <p:ph type="title"/>
-          </p:nvPr>
-        </p:nvSpPr>
-        <p:spPr/>
-        <p:txBody>
-          <a:bodyPr/>
-          <a:lstStyle/>
-          <a:p>
-            <a:r>
-              <a:rPr lang="en-US" dirty="0" err="1" smtClean="0"/>
-              <a:t>Dropbox</a:t>
-            </a:r>
-            <a:endParaRPr lang="en-US" dirty="0"/>
-          </a:p>
-        </p:txBody>
-      </p:sp>
-      <p:sp>
-        <p:nvSpPr>
-          <p:cNvPr id="8" name="Content Placeholder 7"/>
-          <p:cNvSpPr>
-            <a:spLocks noGrp="1"/>
-          </p:cNvSpPr>
-          <p:nvPr>
-            <p:ph sz="half" idx="1"/>
-          </p:nvPr>
-        </p:nvSpPr>
-        <p:spPr/>
-        <p:txBody>
-          <a:bodyPr>
-            <a:normAutofit fontScale="92500" lnSpcReduction="20000"/>
-          </a:bodyPr>
-          <a:lstStyle/>
-          <a:p>
-            <a:pPr marL="0" indent="0">
-              <a:buNone/>
-            </a:pPr>
-            <a:r>
-              <a:rPr lang="en-US" dirty="0" smtClean="0"/>
-              <a:t>Good</a:t>
-            </a:r>
-          </a:p>
-          <a:p>
-            <a:r>
-              <a:rPr lang="en-US" dirty="0" smtClean="0"/>
-              <a:t>Link any number of computers you want.</a:t>
-            </a:r>
-          </a:p>
-          <a:p>
-            <a:r>
-              <a:rPr lang="en-US" dirty="0" smtClean="0"/>
-              <a:t>(Almost) unlimited space, lots of ways to get more free space</a:t>
-            </a:r>
-          </a:p>
-          <a:p>
-            <a:r>
-              <a:rPr lang="en-US" dirty="0" smtClean="0"/>
-              <a:t>Private to you </a:t>
-            </a:r>
-          </a:p>
-          <a:p>
-            <a:r>
-              <a:rPr lang="en-US" dirty="0" smtClean="0"/>
-              <a:t>Can share files with others </a:t>
-            </a:r>
-          </a:p>
-          <a:p>
-            <a:r>
-              <a:rPr lang="en-US" dirty="0" smtClean="0"/>
-              <a:t>Get it online, </a:t>
-            </a:r>
-            <a:r>
-              <a:rPr lang="en-US" dirty="0" smtClean="0"/>
-              <a:t>anywhere</a:t>
-            </a:r>
-          </a:p>
-          <a:p>
-            <a:r>
-              <a:rPr lang="en-US" dirty="0" smtClean="0"/>
-              <a:t>Recommended for papers, presentations, </a:t>
-            </a:r>
-            <a:r>
-              <a:rPr lang="en-US" dirty="0" err="1" smtClean="0"/>
-              <a:t>etc</a:t>
-            </a:r>
-            <a:r>
-              <a:rPr lang="en-US" dirty="0" smtClean="0"/>
-              <a:t> </a:t>
-            </a:r>
-            <a:endParaRPr lang="en-US" dirty="0" smtClean="0"/>
-          </a:p>
-          <a:p>
-            <a:endParaRPr lang="en-US" dirty="0"/>
-          </a:p>
-        </p:txBody>
-      </p:sp>
-      <p:sp>
-        <p:nvSpPr>
-          <p:cNvPr id="9" name="Content Placeholder 8"/>
-          <p:cNvSpPr>
-            <a:spLocks noGrp="1"/>
-          </p:cNvSpPr>
-          <p:nvPr>
-            <p:ph sz="half" idx="2"/>
-          </p:nvPr>
-        </p:nvSpPr>
-        <p:spPr/>
-        <p:txBody>
-          <a:bodyPr>
-            <a:normAutofit fontScale="92500" lnSpcReduction="20000"/>
-          </a:bodyPr>
-          <a:lstStyle/>
-          <a:p>
-            <a:pPr marL="0" indent="0">
-              <a:buNone/>
-            </a:pPr>
-            <a:r>
-              <a:rPr lang="en-US" dirty="0" smtClean="0"/>
-              <a:t>Bad</a:t>
-            </a:r>
-          </a:p>
-          <a:p>
-            <a:r>
-              <a:rPr lang="en-US" dirty="0" smtClean="0"/>
-              <a:t>No version control. Delete something by accident and you may be in trouble.</a:t>
-            </a:r>
-          </a:p>
-        </p:txBody>
-      </p:sp>
-    </p:spTree>
-    <p:extLst>
-      <p:ext uri="{BB962C8B-B14F-4D97-AF65-F5344CB8AC3E}">
-        <p14:creationId xmlns:p14="http://schemas.microsoft.com/office/powerpoint/2010/main" val="3042570120"/>
-      </p:ext>
-    </p:extLst>
-  </p:cSld>
-  <p:clrMapOvr>
-    <a:masterClrMapping/>
-  </p:clrMapOvr>
-</p:sld>
-</file>
-
-<file path=ppt/slides/slide32.xml><?xml version="1.0" encoding="utf-8"?>
+<file path=ppt/slides/slide29.xml><?xml version="1.0" encoding="utf-8"?>
 <p:sld xmlns:a="http://schemas.openxmlformats.org/drawingml/2006/main" xmlns:r="http://schemas.openxmlformats.org/officeDocument/2006/relationships" xmlns:p="http://schemas.openxmlformats.org/presentationml/2006/main">
   <p:cSld>
     <p:spTree>
@@ -8374,7 +7827,7 @@
 </p:sld>
 </file>
 
-<file path=ppt/slides/slide33.xml><?xml version="1.0" encoding="utf-8"?>
+<file path=ppt/slides/slide3.xml><?xml version="1.0" encoding="utf-8"?>
 <p:sld xmlns:a="http://schemas.openxmlformats.org/drawingml/2006/main" xmlns:r="http://schemas.openxmlformats.org/officeDocument/2006/relationships" xmlns:p="http://schemas.openxmlformats.org/presentationml/2006/main">
   <p:cSld>
     <p:spTree>
@@ -8393,6 +7846,196 @@
       </p:grpSpPr>
       <p:sp>
         <p:nvSpPr>
+          <p:cNvPr id="2" name="Title 1"/>
+          <p:cNvSpPr>
+            <a:spLocks noGrp="1"/>
+          </p:cNvSpPr>
+          <p:nvPr>
+            <p:ph type="title"/>
+          </p:nvPr>
+        </p:nvSpPr>
+        <p:spPr/>
+        <p:txBody>
+          <a:bodyPr/>
+          <a:lstStyle/>
+          <a:p>
+            <a:r>
+              <a:rPr lang="en-US" dirty="0" smtClean="0"/>
+              <a:t>Where I’m coming from</a:t>
+            </a:r>
+            <a:endParaRPr lang="en-US" dirty="0"/>
+          </a:p>
+        </p:txBody>
+      </p:sp>
+      <p:sp>
+        <p:nvSpPr>
+          <p:cNvPr id="3" name="Content Placeholder 2"/>
+          <p:cNvSpPr>
+            <a:spLocks noGrp="1"/>
+          </p:cNvSpPr>
+          <p:nvPr>
+            <p:ph idx="1"/>
+          </p:nvPr>
+        </p:nvSpPr>
+        <p:spPr/>
+        <p:txBody>
+          <a:bodyPr>
+            <a:normAutofit fontScale="70000" lnSpcReduction="20000"/>
+          </a:bodyPr>
+          <a:lstStyle/>
+          <a:p>
+            <a:r>
+              <a:rPr lang="en-US" dirty="0" smtClean="0"/>
+              <a:t>Undergraduate (Stanford) </a:t>
+            </a:r>
+          </a:p>
+          <a:p>
+            <a:pPr lvl="1"/>
+            <a:r>
+              <a:rPr lang="en-US" dirty="0" smtClean="0"/>
+              <a:t>Major in Math</a:t>
+            </a:r>
+          </a:p>
+          <a:p>
+            <a:pPr lvl="1"/>
+            <a:r>
+              <a:rPr lang="en-US" dirty="0" smtClean="0"/>
+              <a:t>Minor in Computer Science</a:t>
+            </a:r>
+          </a:p>
+          <a:p>
+            <a:pPr lvl="1"/>
+            <a:r>
+              <a:rPr lang="en-US" dirty="0" smtClean="0"/>
+              <a:t>No exposure to coding before undergrad </a:t>
+            </a:r>
+          </a:p>
+          <a:p>
+            <a:r>
+              <a:rPr lang="en-US" dirty="0" smtClean="0"/>
+              <a:t>Research </a:t>
+            </a:r>
+          </a:p>
+          <a:p>
+            <a:pPr lvl="1"/>
+            <a:r>
+              <a:rPr lang="en-US" dirty="0" smtClean="0"/>
+              <a:t>Undergraduate research in computational geophysics</a:t>
+            </a:r>
+          </a:p>
+          <a:p>
+            <a:pPr lvl="1"/>
+            <a:r>
+              <a:rPr lang="en-US" dirty="0" smtClean="0"/>
+              <a:t>Internship, Northwestern Earth and Planetary Sciences</a:t>
+            </a:r>
+          </a:p>
+          <a:p>
+            <a:r>
+              <a:rPr lang="en-US" dirty="0" smtClean="0"/>
+              <a:t>Industry</a:t>
+            </a:r>
+          </a:p>
+          <a:p>
+            <a:pPr lvl="1"/>
+            <a:r>
+              <a:rPr lang="en-US" dirty="0" smtClean="0"/>
+              <a:t>9 months as a software engineer at a Silicon Valley startup</a:t>
+            </a:r>
+          </a:p>
+          <a:p>
+            <a:pPr lvl="1"/>
+            <a:r>
+              <a:rPr lang="de-DE" dirty="0">
+                <a:hlinkClick r:id="rId2"/>
+              </a:rPr>
+              <a:t>http://www.dwellers.com</a:t>
+            </a:r>
+            <a:r>
+              <a:rPr lang="de-DE" dirty="0" smtClean="0">
+                <a:hlinkClick r:id="rId2"/>
+              </a:rPr>
+              <a:t>/</a:t>
+            </a:r>
+            <a:endParaRPr lang="de-DE" dirty="0" smtClean="0"/>
+          </a:p>
+          <a:p>
+            <a:pPr lvl="1"/>
+            <a:r>
+              <a:rPr lang="en-US" dirty="0">
+                <a:hlinkClick r:id="rId3"/>
+              </a:rPr>
+              <a:t>http://mathcrunch.com</a:t>
+            </a:r>
+            <a:r>
+              <a:rPr lang="en-US" dirty="0" smtClean="0">
+                <a:hlinkClick r:id="rId3"/>
+              </a:rPr>
+              <a:t>/</a:t>
+            </a:r>
+            <a:r>
+              <a:rPr lang="en-US" dirty="0" smtClean="0"/>
+              <a:t> </a:t>
+            </a:r>
+            <a:endParaRPr lang="de-DE" dirty="0" smtClean="0"/>
+          </a:p>
+          <a:p>
+            <a:r>
+              <a:rPr lang="en-US" dirty="0" smtClean="0"/>
+              <a:t>Current (Carnegie Mellon) </a:t>
+            </a:r>
+          </a:p>
+          <a:p>
+            <a:pPr lvl="1"/>
+            <a:r>
+              <a:rPr lang="en-US" dirty="0" smtClean="0"/>
+              <a:t>Graduate student (started Jun 30, 2014) </a:t>
+            </a:r>
+          </a:p>
+          <a:p>
+            <a:pPr lvl="1"/>
+            <a:r>
+              <a:rPr lang="en-US" dirty="0" smtClean="0"/>
+              <a:t>Electrical and Computer Engineering</a:t>
+            </a:r>
+          </a:p>
+          <a:p>
+            <a:endParaRPr lang="en-US" dirty="0"/>
+          </a:p>
+        </p:txBody>
+      </p:sp>
+    </p:spTree>
+    <p:extLst>
+      <p:ext uri="{BB962C8B-B14F-4D97-AF65-F5344CB8AC3E}">
+        <p14:creationId xmlns:p14="http://schemas.microsoft.com/office/powerpoint/2010/main" val="1092556029"/>
+      </p:ext>
+    </p:extLst>
+  </p:cSld>
+  <p:clrMapOvr>
+    <a:masterClrMapping/>
+  </p:clrMapOvr>
+</p:sld>
+</file>
+
+<file path=ppt/slides/slide30.xml><?xml version="1.0" encoding="utf-8"?>
+<p:sld xmlns:a="http://schemas.openxmlformats.org/drawingml/2006/main" xmlns:r="http://schemas.openxmlformats.org/officeDocument/2006/relationships" xmlns:p="http://schemas.openxmlformats.org/presentationml/2006/main">
+  <p:cSld>
+    <p:spTree>
+      <p:nvGrpSpPr>
+        <p:cNvPr id="1" name=""/>
+        <p:cNvGrpSpPr/>
+        <p:nvPr/>
+      </p:nvGrpSpPr>
+      <p:grpSpPr>
+        <a:xfrm>
+          <a:off x="0" y="0"/>
+          <a:ext cx="0" cy="0"/>
+          <a:chOff x="0" y="0"/>
+          <a:chExt cx="0" cy="0"/>
+        </a:xfrm>
+      </p:grpSpPr>
+      <p:sp>
+        <p:nvSpPr>
           <p:cNvPr id="4" name="Title 3"/>
           <p:cNvSpPr>
             <a:spLocks noGrp="1"/>
@@ -8426,7 +8069,9 @@
         </p:nvSpPr>
         <p:spPr/>
         <p:txBody>
-          <a:bodyPr/>
+          <a:bodyPr>
+            <a:normAutofit fontScale="92500" lnSpcReduction="10000"/>
+          </a:bodyPr>
           <a:lstStyle/>
           <a:p>
             <a:r>
@@ -8456,6 +8101,108 @@
               </a:rPr>
               <a:t>html</a:t>
             </a:r>
+            <a:endParaRPr lang="fr-FR" dirty="0" smtClean="0"/>
+          </a:p>
+          <a:p>
+            <a:r>
+              <a:rPr lang="fr-FR" dirty="0" smtClean="0"/>
+              <a:t>Lay </a:t>
+            </a:r>
+            <a:r>
+              <a:rPr lang="fr-FR" dirty="0" err="1" smtClean="0"/>
+              <a:t>Kuan</a:t>
+            </a:r>
+            <a:r>
+              <a:rPr lang="fr-FR" dirty="0" smtClean="0"/>
+              <a:t> Loh. </a:t>
+            </a:r>
+            <a:r>
+              <a:rPr lang="fr-FR" dirty="0" err="1" smtClean="0"/>
+              <a:t>Demo</a:t>
+            </a:r>
+            <a:r>
+              <a:rPr lang="fr-FR" dirty="0" smtClean="0"/>
+              <a:t> code + </a:t>
+            </a:r>
+            <a:r>
+              <a:rPr lang="fr-FR" dirty="0" err="1" smtClean="0"/>
+              <a:t>Slides</a:t>
+            </a:r>
+            <a:r>
+              <a:rPr lang="fr-FR" dirty="0" smtClean="0"/>
+              <a:t> for session. </a:t>
+            </a:r>
+            <a:r>
+              <a:rPr lang="en-US" dirty="0" smtClean="0">
+                <a:hlinkClick r:id="rId3"/>
+              </a:rPr>
+              <a:t>https</a:t>
+            </a:r>
+            <a:r>
+              <a:rPr lang="en-US" dirty="0">
+                <a:hlinkClick r:id="rId3"/>
+              </a:rPr>
+              <a:t>://github.com/lkloh/</a:t>
+            </a:r>
+            <a:r>
+              <a:rPr lang="en-US" dirty="0" smtClean="0">
+                <a:hlinkClick r:id="rId3"/>
+              </a:rPr>
+              <a:t>USArray</a:t>
+            </a:r>
+            <a:endParaRPr lang="en-US" dirty="0" smtClean="0"/>
+          </a:p>
+          <a:p>
+            <a:r>
+              <a:rPr lang="en-US" dirty="0" smtClean="0"/>
+              <a:t>Lay </a:t>
+            </a:r>
+            <a:r>
+              <a:rPr lang="en-US" dirty="0" err="1" smtClean="0"/>
+              <a:t>Kuan</a:t>
+            </a:r>
+            <a:r>
+              <a:rPr lang="en-US" dirty="0" smtClean="0"/>
+              <a:t> Loh. Introduction to </a:t>
+            </a:r>
+            <a:r>
+              <a:rPr lang="en-US" dirty="0" err="1" smtClean="0"/>
+              <a:t>Github</a:t>
+            </a:r>
+            <a:r>
+              <a:rPr lang="en-US" dirty="0"/>
+              <a:t>. </a:t>
+            </a:r>
+            <a:r>
+              <a:rPr lang="en-US" dirty="0">
+                <a:hlinkClick r:id="rId4"/>
+              </a:rPr>
+              <a:t>https://github.com/pysmo/aimbat-docs/wiki/Introduction-to-</a:t>
+            </a:r>
+            <a:r>
+              <a:rPr lang="en-US" dirty="0" smtClean="0">
+                <a:hlinkClick r:id="rId4"/>
+              </a:rPr>
+              <a:t>Github</a:t>
+            </a:r>
+            <a:r>
+              <a:rPr lang="en-US" dirty="0" smtClean="0"/>
+              <a:t> </a:t>
+            </a:r>
+            <a:endParaRPr lang="en-US" dirty="0"/>
+          </a:p>
+          <a:p>
+            <a:r>
+              <a:rPr lang="fr-FR" dirty="0" smtClean="0"/>
+              <a:t> </a:t>
+            </a:r>
+          </a:p>
+          <a:p>
+            <a:pPr lvl="1"/>
+            <a:endParaRPr lang="fr-FR" dirty="0"/>
+          </a:p>
+          <a:p>
+            <a:pPr lvl="1"/>
             <a:endParaRPr lang="fr-FR" dirty="0" smtClean="0"/>
           </a:p>
           <a:p>
@@ -8541,22 +8288,14 @@
           <a:p>
             <a:r>
               <a:rPr lang="en-US" dirty="0" smtClean="0"/>
-              <a:t>Writing </a:t>
-            </a:r>
-            <a:r>
-              <a:rPr lang="en-US" dirty="0" smtClean="0"/>
-              <a:t>easily maintained code</a:t>
+              <a:t>Writing easily maintained code</a:t>
             </a:r>
             <a:endParaRPr lang="en-US" dirty="0"/>
           </a:p>
           <a:p>
             <a:r>
               <a:rPr lang="en-US" dirty="0" smtClean="0"/>
-              <a:t>Getting unstuck when you hit a </a:t>
-            </a:r>
-            <a:r>
-              <a:rPr lang="en-US" dirty="0" smtClean="0"/>
-              <a:t>problem </a:t>
+              <a:t>Getting unstuck when you hit a problem </a:t>
             </a:r>
           </a:p>
           <a:p>

--- a/BasicsOfCoding/BasicsOfCoding.pptx
+++ b/BasicsOfCoding/BasicsOfCoding.pptx
@@ -5935,7 +5935,7 @@
         </p:spPr>
         <p:txBody>
           <a:bodyPr>
-            <a:normAutofit fontScale="62500" lnSpcReduction="20000"/>
+            <a:normAutofit fontScale="70000" lnSpcReduction="20000"/>
           </a:bodyPr>
           <a:lstStyle/>
           <a:p>
@@ -6110,7 +6110,7 @@
               <a:t>Github</a:t>
             </a:r>
             <a:r>
-              <a:rPr lang="en-US" dirty="0" smtClean="0">
+              <a:rPr lang="en-US" smtClean="0">
                 <a:solidFill>
                   <a:schemeClr val="bg1">
                     <a:lumMod val="65000"/>
@@ -6119,48 +6119,6 @@
               </a:rPr>
               <a:t> </a:t>
             </a:r>
-          </a:p>
-          <a:p>
-            <a:pPr lvl="1"/>
-            <a:r>
-              <a:rPr lang="en-US" dirty="0" err="1" smtClean="0">
-                <a:solidFill>
-                  <a:schemeClr val="bg1">
-                    <a:lumMod val="65000"/>
-                  </a:schemeClr>
-                </a:solidFill>
-              </a:rPr>
-              <a:t>Dropbox</a:t>
-            </a:r>
-            <a:r>
-              <a:rPr lang="en-US" dirty="0" smtClean="0">
-                <a:solidFill>
-                  <a:schemeClr val="bg1">
-                    <a:lumMod val="65000"/>
-                  </a:schemeClr>
-                </a:solidFill>
-              </a:rPr>
-              <a:t> </a:t>
-            </a:r>
-          </a:p>
-          <a:p>
-            <a:pPr lvl="1"/>
-            <a:r>
-              <a:rPr lang="en-US" dirty="0" smtClean="0">
-                <a:solidFill>
-                  <a:schemeClr val="bg1">
-                    <a:lumMod val="65000"/>
-                  </a:schemeClr>
-                </a:solidFill>
-              </a:rPr>
-              <a:t>Hard drives</a:t>
-            </a:r>
-            <a:r>
-              <a:rPr lang="en-US" dirty="0" smtClean="0"/>
-              <a:t> </a:t>
-            </a:r>
-          </a:p>
-          <a:p>
             <a:endParaRPr lang="en-US" dirty="0"/>
           </a:p>
           <a:p>

--- a/BasicsOfCoding/BasicsOfCoding.pptx
+++ b/BasicsOfCoding/BasicsOfCoding.pptx
@@ -5,39 +5,47 @@
     <p:sldMasterId id="2147483648" r:id="rId1"/>
   </p:sldMasterIdLst>
   <p:notesMasterIdLst>
-    <p:notesMasterId r:id="rId32"/>
+    <p:notesMasterId r:id="rId40"/>
   </p:notesMasterIdLst>
   <p:sldIdLst>
     <p:sldId id="256" r:id="rId2"/>
     <p:sldId id="260" r:id="rId3"/>
-    <p:sldId id="257" r:id="rId4"/>
-    <p:sldId id="259" r:id="rId5"/>
-    <p:sldId id="261" r:id="rId6"/>
-    <p:sldId id="266" r:id="rId7"/>
-    <p:sldId id="286" r:id="rId8"/>
-    <p:sldId id="287" r:id="rId9"/>
-    <p:sldId id="279" r:id="rId10"/>
-    <p:sldId id="280" r:id="rId11"/>
-    <p:sldId id="292" r:id="rId12"/>
-    <p:sldId id="281" r:id="rId13"/>
-    <p:sldId id="282" r:id="rId14"/>
-    <p:sldId id="283" r:id="rId15"/>
-    <p:sldId id="284" r:id="rId16"/>
-    <p:sldId id="288" r:id="rId17"/>
-    <p:sldId id="289" r:id="rId18"/>
-    <p:sldId id="263" r:id="rId19"/>
-    <p:sldId id="277" r:id="rId20"/>
-    <p:sldId id="278" r:id="rId21"/>
-    <p:sldId id="264" r:id="rId22"/>
-    <p:sldId id="275" r:id="rId23"/>
-    <p:sldId id="276" r:id="rId24"/>
-    <p:sldId id="290" r:id="rId25"/>
-    <p:sldId id="265" r:id="rId26"/>
-    <p:sldId id="267" r:id="rId27"/>
-    <p:sldId id="269" r:id="rId28"/>
-    <p:sldId id="274" r:id="rId29"/>
-    <p:sldId id="273" r:id="rId30"/>
-    <p:sldId id="268" r:id="rId31"/>
+    <p:sldId id="300" r:id="rId4"/>
+    <p:sldId id="257" r:id="rId5"/>
+    <p:sldId id="259" r:id="rId6"/>
+    <p:sldId id="297" r:id="rId7"/>
+    <p:sldId id="267" r:id="rId8"/>
+    <p:sldId id="269" r:id="rId9"/>
+    <p:sldId id="274" r:id="rId10"/>
+    <p:sldId id="302" r:id="rId11"/>
+    <p:sldId id="273" r:id="rId12"/>
+    <p:sldId id="301" r:id="rId13"/>
+    <p:sldId id="266" r:id="rId14"/>
+    <p:sldId id="286" r:id="rId15"/>
+    <p:sldId id="287" r:id="rId16"/>
+    <p:sldId id="279" r:id="rId17"/>
+    <p:sldId id="280" r:id="rId18"/>
+    <p:sldId id="292" r:id="rId19"/>
+    <p:sldId id="281" r:id="rId20"/>
+    <p:sldId id="282" r:id="rId21"/>
+    <p:sldId id="283" r:id="rId22"/>
+    <p:sldId id="284" r:id="rId23"/>
+    <p:sldId id="288" r:id="rId24"/>
+    <p:sldId id="289" r:id="rId25"/>
+    <p:sldId id="299" r:id="rId26"/>
+    <p:sldId id="277" r:id="rId27"/>
+    <p:sldId id="305" r:id="rId28"/>
+    <p:sldId id="303" r:id="rId29"/>
+    <p:sldId id="304" r:id="rId30"/>
+    <p:sldId id="278" r:id="rId31"/>
+    <p:sldId id="298" r:id="rId32"/>
+    <p:sldId id="275" r:id="rId33"/>
+    <p:sldId id="276" r:id="rId34"/>
+    <p:sldId id="290" r:id="rId35"/>
+    <p:sldId id="296" r:id="rId36"/>
+    <p:sldId id="295" r:id="rId37"/>
+    <p:sldId id="294" r:id="rId38"/>
+    <p:sldId id="293" r:id="rId39"/>
   </p:sldIdLst>
   <p:sldSz cx="9144000" cy="6858000" type="screen4x3"/>
   <p:notesSz cx="6858000" cy="9144000"/>
@@ -221,7 +229,7 @@
           <a:p>
             <a:fld id="{61D397DF-A733-5248-B82E-D2752A07DE73}" type="datetimeFigureOut">
               <a:rPr lang="en-US" smtClean="0"/>
-              <a:t>7/14/14</a:t>
+              <a:t>7/21/14</a:t>
             </a:fld>
             <a:endParaRPr lang="en-US"/>
           </a:p>
@@ -754,7 +762,7 @@
           <a:p>
             <a:fld id="{6EB5AF22-7E07-4B46-95AE-FB6A415E8F1F}" type="datetimeFigureOut">
               <a:rPr lang="en-US" smtClean="0"/>
-              <a:t>7/14/14</a:t>
+              <a:t>7/21/14</a:t>
             </a:fld>
             <a:endParaRPr lang="en-US"/>
           </a:p>
@@ -924,7 +932,7 @@
           <a:p>
             <a:fld id="{6EB5AF22-7E07-4B46-95AE-FB6A415E8F1F}" type="datetimeFigureOut">
               <a:rPr lang="en-US" smtClean="0"/>
-              <a:t>7/14/14</a:t>
+              <a:t>7/21/14</a:t>
             </a:fld>
             <a:endParaRPr lang="en-US"/>
           </a:p>
@@ -1104,7 +1112,7 @@
           <a:p>
             <a:fld id="{6EB5AF22-7E07-4B46-95AE-FB6A415E8F1F}" type="datetimeFigureOut">
               <a:rPr lang="en-US" smtClean="0"/>
-              <a:t>7/14/14</a:t>
+              <a:t>7/21/14</a:t>
             </a:fld>
             <a:endParaRPr lang="en-US"/>
           </a:p>
@@ -1274,7 +1282,7 @@
           <a:p>
             <a:fld id="{6EB5AF22-7E07-4B46-95AE-FB6A415E8F1F}" type="datetimeFigureOut">
               <a:rPr lang="en-US" smtClean="0"/>
-              <a:t>7/14/14</a:t>
+              <a:t>7/21/14</a:t>
             </a:fld>
             <a:endParaRPr lang="en-US"/>
           </a:p>
@@ -1520,7 +1528,7 @@
           <a:p>
             <a:fld id="{6EB5AF22-7E07-4B46-95AE-FB6A415E8F1F}" type="datetimeFigureOut">
               <a:rPr lang="en-US" smtClean="0"/>
-              <a:t>7/14/14</a:t>
+              <a:t>7/21/14</a:t>
             </a:fld>
             <a:endParaRPr lang="en-US"/>
           </a:p>
@@ -1808,7 +1816,7 @@
           <a:p>
             <a:fld id="{6EB5AF22-7E07-4B46-95AE-FB6A415E8F1F}" type="datetimeFigureOut">
               <a:rPr lang="en-US" smtClean="0"/>
-              <a:t>7/14/14</a:t>
+              <a:t>7/21/14</a:t>
             </a:fld>
             <a:endParaRPr lang="en-US"/>
           </a:p>
@@ -2230,7 +2238,7 @@
           <a:p>
             <a:fld id="{6EB5AF22-7E07-4B46-95AE-FB6A415E8F1F}" type="datetimeFigureOut">
               <a:rPr lang="en-US" smtClean="0"/>
-              <a:t>7/14/14</a:t>
+              <a:t>7/21/14</a:t>
             </a:fld>
             <a:endParaRPr lang="en-US"/>
           </a:p>
@@ -2348,7 +2356,7 @@
           <a:p>
             <a:fld id="{6EB5AF22-7E07-4B46-95AE-FB6A415E8F1F}" type="datetimeFigureOut">
               <a:rPr lang="en-US" smtClean="0"/>
-              <a:t>7/14/14</a:t>
+              <a:t>7/21/14</a:t>
             </a:fld>
             <a:endParaRPr lang="en-US"/>
           </a:p>
@@ -2443,7 +2451,7 @@
           <a:p>
             <a:fld id="{6EB5AF22-7E07-4B46-95AE-FB6A415E8F1F}" type="datetimeFigureOut">
               <a:rPr lang="en-US" smtClean="0"/>
-              <a:t>7/14/14</a:t>
+              <a:t>7/21/14</a:t>
             </a:fld>
             <a:endParaRPr lang="en-US"/>
           </a:p>
@@ -2720,7 +2728,7 @@
           <a:p>
             <a:fld id="{6EB5AF22-7E07-4B46-95AE-FB6A415E8F1F}" type="datetimeFigureOut">
               <a:rPr lang="en-US" smtClean="0"/>
-              <a:t>7/14/14</a:t>
+              <a:t>7/21/14</a:t>
             </a:fld>
             <a:endParaRPr lang="en-US"/>
           </a:p>
@@ -2973,7 +2981,7 @@
           <a:p>
             <a:fld id="{6EB5AF22-7E07-4B46-95AE-FB6A415E8F1F}" type="datetimeFigureOut">
               <a:rPr lang="en-US" smtClean="0"/>
-              <a:t>7/14/14</a:t>
+              <a:t>7/21/14</a:t>
             </a:fld>
             <a:endParaRPr lang="en-US"/>
           </a:p>
@@ -3186,7 +3194,7 @@
           <a:p>
             <a:fld id="{6EB5AF22-7E07-4B46-95AE-FB6A415E8F1F}" type="datetimeFigureOut">
               <a:rPr lang="en-US" smtClean="0"/>
-              <a:t>7/14/14</a:t>
+              <a:t>7/21/14</a:t>
             </a:fld>
             <a:endParaRPr lang="en-US"/>
           </a:p>
@@ -3691,289 +3699,67 @@
       </p:grpSpPr>
       <p:sp>
         <p:nvSpPr>
-          <p:cNvPr id="52226" name="Rectangle 2"/>
-          <p:cNvSpPr>
-            <a:spLocks noGrp="1" noChangeArrowheads="1"/>
-          </p:cNvSpPr>
-          <p:nvPr>
-            <p:ph type="ctrTitle"/>
-          </p:nvPr>
-        </p:nvSpPr>
+          <p:cNvPr id="2" name="Title 1"/>
+          <p:cNvSpPr>
+            <a:spLocks noGrp="1"/>
+          </p:cNvSpPr>
+          <p:nvPr>
+            <p:ph type="title"/>
+          </p:nvPr>
+        </p:nvSpPr>
+        <p:spPr/>
+        <p:txBody>
+          <a:bodyPr/>
+          <a:lstStyle/>
+          <a:p>
+            <a:r>
+              <a:rPr lang="en-US" dirty="0" err="1" smtClean="0"/>
+              <a:t>Dropbox</a:t>
+            </a:r>
+            <a:endParaRPr lang="en-US" dirty="0"/>
+          </a:p>
+        </p:txBody>
+      </p:sp>
+      <p:pic>
+        <p:nvPicPr>
+          <p:cNvPr id="4" name="Picture 3" descr="Screen Shot 2014-07-21 at 10.03.04 PM.png"/>
+          <p:cNvPicPr>
+            <a:picLocks noChangeAspect="1"/>
+          </p:cNvPicPr>
+          <p:nvPr/>
+        </p:nvPicPr>
+        <p:blipFill>
+          <a:blip r:embed="rId2">
+            <a:extLst>
+              <a:ext uri="{28A0092B-C50C-407E-A947-70E740481C1C}">
+                <a14:useLocalDpi xmlns:a14="http://schemas.microsoft.com/office/drawing/2010/main" val="0"/>
+              </a:ext>
+            </a:extLst>
+          </a:blip>
+          <a:stretch>
+            <a:fillRect/>
+          </a:stretch>
+        </p:blipFill>
         <p:spPr>
           <a:xfrm>
-            <a:off x="533400" y="685800"/>
-            <a:ext cx="8153400" cy="1524000"/>
+            <a:off x="890051" y="1417638"/>
+            <a:ext cx="7796749" cy="4607580"/>
           </a:xfrm>
+          <a:prstGeom prst="rect">
+            <a:avLst/>
+          </a:prstGeom>
         </p:spPr>
-        <p:txBody>
-          <a:bodyPr>
-            <a:normAutofit fontScale="90000"/>
-          </a:bodyPr>
-          <a:lstStyle/>
-          <a:p>
-            <a:r>
-              <a:rPr lang="en-US" sz="4800">
-                <a:latin typeface="Trebuchet MS" charset="0"/>
-              </a:rPr>
-              <a:t>Use Descriptive Variable Names</a:t>
-            </a:r>
-          </a:p>
-        </p:txBody>
-      </p:sp>
-      <p:sp>
-        <p:nvSpPr>
-          <p:cNvPr id="52227" name="Rectangle 3"/>
-          <p:cNvSpPr>
-            <a:spLocks noGrp="1" noChangeArrowheads="1"/>
-          </p:cNvSpPr>
-          <p:nvPr>
-            <p:ph type="subTitle" idx="1"/>
-          </p:nvPr>
-        </p:nvSpPr>
-        <p:spPr>
-          <a:xfrm>
-            <a:off x="304800" y="2286000"/>
-            <a:ext cx="8610600" cy="4343400"/>
-          </a:xfrm>
-        </p:spPr>
-        <p:txBody>
-          <a:bodyPr/>
-          <a:lstStyle/>
-          <a:p>
-            <a:pPr algn="l">
-              <a:lnSpc>
-                <a:spcPct val="90000"/>
-              </a:lnSpc>
-            </a:pPr>
-            <a:r>
-              <a:rPr lang="en-US" dirty="0">
-                <a:solidFill>
-                  <a:schemeClr val="tx1"/>
-                </a:solidFill>
-                <a:latin typeface="American Typewriter"/>
-                <a:cs typeface="American Typewriter"/>
-              </a:rPr>
-              <a:t>// increment along the surface (x axis) </a:t>
-            </a:r>
-          </a:p>
-          <a:p>
-            <a:pPr algn="l">
-              <a:lnSpc>
-                <a:spcPct val="90000"/>
-              </a:lnSpc>
-            </a:pPr>
-            <a:r>
-              <a:rPr lang="en-US" dirty="0">
-                <a:solidFill>
-                  <a:schemeClr val="tx1"/>
-                </a:solidFill>
-                <a:latin typeface="American Typewriter"/>
-                <a:cs typeface="American Typewriter"/>
-              </a:rPr>
-              <a:t>// summing each point</a:t>
-            </a:r>
-            <a:r>
-              <a:rPr lang="ja-JP" altLang="en-US" dirty="0">
-                <a:solidFill>
-                  <a:schemeClr val="tx1"/>
-                </a:solidFill>
-                <a:latin typeface="American Typewriter"/>
-                <a:cs typeface="American Typewriter"/>
-              </a:rPr>
-              <a:t>’</a:t>
-            </a:r>
-            <a:r>
-              <a:rPr lang="en-US" dirty="0">
-                <a:solidFill>
-                  <a:schemeClr val="tx1"/>
-                </a:solidFill>
-                <a:latin typeface="American Typewriter"/>
-                <a:cs typeface="American Typewriter"/>
-              </a:rPr>
-              <a:t>s contribution</a:t>
-            </a:r>
-          </a:p>
-          <a:p>
-            <a:pPr algn="l">
-              <a:lnSpc>
-                <a:spcPct val="90000"/>
-              </a:lnSpc>
-            </a:pPr>
-            <a:r>
-              <a:rPr lang="en-US" dirty="0">
-                <a:solidFill>
-                  <a:schemeClr val="tx1"/>
-                </a:solidFill>
-                <a:latin typeface="American Typewriter"/>
-                <a:cs typeface="American Typewriter"/>
-              </a:rPr>
-              <a:t>for (</a:t>
-            </a:r>
-            <a:r>
-              <a:rPr lang="en-US" dirty="0" err="1">
-                <a:solidFill>
-                  <a:schemeClr val="tx1"/>
-                </a:solidFill>
-                <a:latin typeface="American Typewriter"/>
-                <a:cs typeface="American Typewriter"/>
-              </a:rPr>
-              <a:t>iLength</a:t>
-            </a:r>
-            <a:r>
-              <a:rPr lang="en-US" dirty="0">
-                <a:solidFill>
-                  <a:schemeClr val="tx1"/>
-                </a:solidFill>
-                <a:latin typeface="American Typewriter"/>
-                <a:cs typeface="American Typewriter"/>
-              </a:rPr>
-              <a:t> = 1; </a:t>
-            </a:r>
-            <a:r>
-              <a:rPr lang="en-US" dirty="0" err="1">
-                <a:solidFill>
-                  <a:schemeClr val="tx1"/>
-                </a:solidFill>
-                <a:latin typeface="American Typewriter"/>
-                <a:cs typeface="American Typewriter"/>
-              </a:rPr>
-              <a:t>iLength</a:t>
-            </a:r>
-            <a:r>
-              <a:rPr lang="en-US" dirty="0">
-                <a:solidFill>
-                  <a:schemeClr val="tx1"/>
-                </a:solidFill>
-                <a:latin typeface="American Typewriter"/>
-                <a:cs typeface="American Typewriter"/>
-              </a:rPr>
-              <a:t> &lt;= 100; </a:t>
-            </a:r>
-            <a:r>
-              <a:rPr lang="en-US" dirty="0" err="1">
-                <a:solidFill>
-                  <a:schemeClr val="tx1"/>
-                </a:solidFill>
-                <a:latin typeface="American Typewriter"/>
-                <a:cs typeface="American Typewriter"/>
-              </a:rPr>
-              <a:t>iLength</a:t>
-            </a:r>
-            <a:r>
-              <a:rPr lang="en-US" dirty="0">
-                <a:solidFill>
-                  <a:schemeClr val="tx1"/>
-                </a:solidFill>
-                <a:latin typeface="American Typewriter"/>
-                <a:cs typeface="American Typewriter"/>
-              </a:rPr>
-              <a:t>++)</a:t>
-            </a:r>
-          </a:p>
-          <a:p>
-            <a:pPr algn="l">
-              <a:lnSpc>
-                <a:spcPct val="90000"/>
-              </a:lnSpc>
-            </a:pPr>
-            <a:r>
-              <a:rPr lang="en-US" dirty="0">
-                <a:solidFill>
-                  <a:schemeClr val="tx1"/>
-                </a:solidFill>
-                <a:latin typeface="American Typewriter"/>
-                <a:cs typeface="American Typewriter"/>
-              </a:rPr>
-              <a:t>	{</a:t>
-            </a:r>
-          </a:p>
-          <a:p>
-            <a:pPr algn="l">
-              <a:lnSpc>
-                <a:spcPct val="90000"/>
-              </a:lnSpc>
-            </a:pPr>
-            <a:r>
-              <a:rPr lang="en-US" dirty="0">
-                <a:solidFill>
-                  <a:schemeClr val="tx1"/>
-                </a:solidFill>
-                <a:latin typeface="American Typewriter"/>
-                <a:cs typeface="American Typewriter"/>
-              </a:rPr>
-              <a:t>	…</a:t>
-            </a:r>
-          </a:p>
-          <a:p>
-            <a:pPr algn="l">
-              <a:lnSpc>
-                <a:spcPct val="90000"/>
-              </a:lnSpc>
-            </a:pPr>
-            <a:r>
-              <a:rPr lang="en-US" dirty="0">
-                <a:solidFill>
-                  <a:schemeClr val="tx1"/>
-                </a:solidFill>
-                <a:latin typeface="American Typewriter"/>
-                <a:cs typeface="American Typewriter"/>
-              </a:rPr>
-              <a:t>	…</a:t>
-            </a:r>
-          </a:p>
-          <a:p>
-            <a:pPr algn="l">
-              <a:lnSpc>
-                <a:spcPct val="90000"/>
-              </a:lnSpc>
-            </a:pPr>
-            <a:r>
-              <a:rPr lang="en-US" dirty="0">
-                <a:solidFill>
-                  <a:schemeClr val="tx1"/>
-                </a:solidFill>
-                <a:latin typeface="American Typewriter"/>
-                <a:cs typeface="American Typewriter"/>
-              </a:rPr>
-              <a:t>	…</a:t>
-            </a:r>
-          </a:p>
-          <a:p>
-            <a:pPr algn="l">
-              <a:lnSpc>
-                <a:spcPct val="90000"/>
-              </a:lnSpc>
-            </a:pPr>
-            <a:r>
-              <a:rPr lang="en-US" dirty="0">
-                <a:solidFill>
-                  <a:schemeClr val="tx1"/>
-                </a:solidFill>
-                <a:latin typeface="American Typewriter"/>
-                <a:cs typeface="American Typewriter"/>
-              </a:rPr>
-              <a:t>	}</a:t>
-            </a:r>
-          </a:p>
-        </p:txBody>
-      </p:sp>
+      </p:pic>
     </p:spTree>
     <p:extLst>
       <p:ext uri="{BB962C8B-B14F-4D97-AF65-F5344CB8AC3E}">
-        <p14:creationId xmlns:p14="http://schemas.microsoft.com/office/powerpoint/2010/main" val="987521526"/>
+        <p14:creationId xmlns:p14="http://schemas.microsoft.com/office/powerpoint/2010/main" val="1137259717"/>
       </p:ext>
     </p:extLst>
   </p:cSld>
   <p:clrMapOvr>
     <a:masterClrMapping/>
   </p:clrMapOvr>
-  <p:timing>
-    <p:tnLst>
-      <p:par>
-        <p:cTn xmlns:p14="http://schemas.microsoft.com/office/powerpoint/2010/main" id="1" dur="indefinite" restart="never" nodeType="tmRoot"/>
-      </p:par>
-    </p:tnLst>
-  </p:timing>
 </p:sld>
 </file>
 
@@ -3996,344 +3782,145 @@
       </p:grpSpPr>
       <p:sp>
         <p:nvSpPr>
-          <p:cNvPr id="54274" name="Rectangle 2"/>
-          <p:cNvSpPr>
-            <a:spLocks noGrp="1" noChangeArrowheads="1"/>
-          </p:cNvSpPr>
-          <p:nvPr>
-            <p:ph type="ctrTitle"/>
-          </p:nvPr>
-        </p:nvSpPr>
+          <p:cNvPr id="2" name="Title 1"/>
+          <p:cNvSpPr>
+            <a:spLocks noGrp="1"/>
+          </p:cNvSpPr>
+          <p:nvPr>
+            <p:ph type="title"/>
+          </p:nvPr>
+        </p:nvSpPr>
+        <p:spPr/>
+        <p:txBody>
+          <a:bodyPr/>
+          <a:lstStyle/>
+          <a:p>
+            <a:r>
+              <a:rPr lang="en-US" dirty="0" smtClean="0"/>
+              <a:t>Hard drives</a:t>
+            </a:r>
+            <a:endParaRPr lang="en-US" dirty="0"/>
+          </a:p>
+        </p:txBody>
+      </p:sp>
+      <p:sp>
+        <p:nvSpPr>
+          <p:cNvPr id="3" name="Content Placeholder 2"/>
+          <p:cNvSpPr>
+            <a:spLocks noGrp="1"/>
+          </p:cNvSpPr>
+          <p:nvPr>
+            <p:ph sz="half" idx="1"/>
+          </p:nvPr>
+        </p:nvSpPr>
+        <p:spPr/>
+        <p:txBody>
+          <a:bodyPr/>
+          <a:lstStyle/>
+          <a:p>
+            <a:pPr marL="0" indent="0">
+              <a:buNone/>
+            </a:pPr>
+            <a:r>
+              <a:rPr lang="en-US" dirty="0" smtClean="0"/>
+              <a:t>Good</a:t>
+            </a:r>
+          </a:p>
+          <a:p>
+            <a:r>
+              <a:rPr lang="en-US" dirty="0" smtClean="0"/>
+              <a:t>Very cheap storage</a:t>
+            </a:r>
+          </a:p>
+          <a:p>
+            <a:endParaRPr lang="en-US" dirty="0"/>
+          </a:p>
+        </p:txBody>
+      </p:sp>
+      <p:sp>
+        <p:nvSpPr>
+          <p:cNvPr id="4" name="Content Placeholder 3"/>
+          <p:cNvSpPr>
+            <a:spLocks noGrp="1"/>
+          </p:cNvSpPr>
+          <p:nvPr>
+            <p:ph sz="half" idx="2"/>
+          </p:nvPr>
+        </p:nvSpPr>
+        <p:spPr/>
+        <p:txBody>
+          <a:bodyPr/>
+          <a:lstStyle/>
+          <a:p>
+            <a:pPr marL="0" indent="0">
+              <a:buNone/>
+            </a:pPr>
+            <a:r>
+              <a:rPr lang="en-US" dirty="0" smtClean="0"/>
+              <a:t>Bad</a:t>
+            </a:r>
+          </a:p>
+          <a:p>
+            <a:r>
+              <a:rPr lang="en-US" dirty="0" smtClean="0"/>
+              <a:t>Inconvenient to backup</a:t>
+            </a:r>
+          </a:p>
+          <a:p>
+            <a:r>
+              <a:rPr lang="en-US" dirty="0" smtClean="0"/>
+              <a:t>Better for archived projects, not projects actively being developed </a:t>
+            </a:r>
+          </a:p>
+          <a:p>
+            <a:r>
+              <a:rPr lang="en-US" dirty="0" smtClean="0"/>
+              <a:t>Not on a cloud, but a physical device </a:t>
+            </a:r>
+            <a:endParaRPr lang="en-US" dirty="0"/>
+          </a:p>
+        </p:txBody>
+      </p:sp>
+      <p:pic>
+        <p:nvPicPr>
+          <p:cNvPr id="5" name="Picture 4" descr="Screen Shot 2014-07-10 at 10.11.23 PM.png"/>
+          <p:cNvPicPr>
+            <a:picLocks noChangeAspect="1"/>
+          </p:cNvPicPr>
+          <p:nvPr/>
+        </p:nvPicPr>
+        <p:blipFill>
+          <a:blip r:embed="rId2">
+            <a:extLst>
+              <a:ext uri="{28A0092B-C50C-407E-A947-70E740481C1C}">
+                <a14:useLocalDpi xmlns:a14="http://schemas.microsoft.com/office/drawing/2010/main" val="0"/>
+              </a:ext>
+            </a:extLst>
+          </a:blip>
+          <a:stretch>
+            <a:fillRect/>
+          </a:stretch>
+        </p:blipFill>
         <p:spPr>
           <a:xfrm>
-            <a:off x="457200" y="500119"/>
-            <a:ext cx="8305800" cy="1295400"/>
+            <a:off x="175207" y="3603157"/>
+            <a:ext cx="4209985" cy="2523005"/>
           </a:xfrm>
+          <a:prstGeom prst="rect">
+            <a:avLst/>
+          </a:prstGeom>
         </p:spPr>
-        <p:txBody>
-          <a:bodyPr>
-            <a:normAutofit/>
-          </a:bodyPr>
-          <a:lstStyle/>
-          <a:p>
-            <a:r>
-              <a:rPr lang="en-US" sz="4800" dirty="0" smtClean="0">
-                <a:latin typeface="Trebuchet MS" charset="0"/>
-              </a:rPr>
-              <a:t>No magic (numbers)</a:t>
-            </a:r>
-            <a:endParaRPr lang="en-US" sz="4800" dirty="0">
-              <a:latin typeface="Trebuchet MS" charset="0"/>
-            </a:endParaRPr>
-          </a:p>
-        </p:txBody>
-      </p:sp>
-      <p:sp>
-        <p:nvSpPr>
-          <p:cNvPr id="54275" name="Rectangle 3"/>
-          <p:cNvSpPr>
-            <a:spLocks noGrp="1" noChangeArrowheads="1"/>
-          </p:cNvSpPr>
-          <p:nvPr>
-            <p:ph type="subTitle" idx="1"/>
-          </p:nvPr>
-        </p:nvSpPr>
-        <p:spPr>
-          <a:xfrm>
-            <a:off x="139858" y="2067022"/>
-            <a:ext cx="8839200" cy="4419600"/>
-          </a:xfrm>
-        </p:spPr>
-        <p:txBody>
-          <a:bodyPr>
-            <a:normAutofit/>
-          </a:bodyPr>
-          <a:lstStyle/>
-          <a:p>
-            <a:pPr algn="l">
-              <a:lnSpc>
-                <a:spcPct val="90000"/>
-              </a:lnSpc>
-            </a:pPr>
-            <a:r>
-              <a:rPr lang="en-US" dirty="0">
-                <a:solidFill>
-                  <a:schemeClr val="tx1"/>
-                </a:solidFill>
-                <a:latin typeface="American Typewriter"/>
-                <a:cs typeface="American Typewriter"/>
-              </a:rPr>
-              <a:t>// increment along the surface (x axis) </a:t>
-            </a:r>
-          </a:p>
-          <a:p>
-            <a:pPr algn="l">
-              <a:lnSpc>
-                <a:spcPct val="90000"/>
-              </a:lnSpc>
-            </a:pPr>
-            <a:r>
-              <a:rPr lang="en-US" dirty="0">
-                <a:solidFill>
-                  <a:schemeClr val="tx1"/>
-                </a:solidFill>
-                <a:latin typeface="American Typewriter"/>
-                <a:cs typeface="American Typewriter"/>
-              </a:rPr>
-              <a:t>// summing each point</a:t>
-            </a:r>
-            <a:r>
-              <a:rPr lang="ja-JP" altLang="en-US" dirty="0">
-                <a:solidFill>
-                  <a:schemeClr val="tx1"/>
-                </a:solidFill>
-                <a:latin typeface="American Typewriter"/>
-                <a:cs typeface="American Typewriter"/>
-              </a:rPr>
-              <a:t>’</a:t>
-            </a:r>
-            <a:r>
-              <a:rPr lang="en-US" dirty="0">
-                <a:solidFill>
-                  <a:schemeClr val="tx1"/>
-                </a:solidFill>
-                <a:latin typeface="American Typewriter"/>
-                <a:cs typeface="American Typewriter"/>
-              </a:rPr>
-              <a:t>s contribution</a:t>
-            </a:r>
-          </a:p>
-          <a:p>
-            <a:pPr algn="l">
-              <a:lnSpc>
-                <a:spcPct val="90000"/>
-              </a:lnSpc>
-            </a:pPr>
-            <a:r>
-              <a:rPr lang="en-US" dirty="0">
-                <a:solidFill>
-                  <a:schemeClr val="tx1"/>
-                </a:solidFill>
-                <a:latin typeface="American Typewriter"/>
-                <a:cs typeface="American Typewriter"/>
-              </a:rPr>
-              <a:t>for </a:t>
-            </a:r>
-            <a:r>
-              <a:rPr lang="en-US" dirty="0" smtClean="0">
-                <a:solidFill>
-                  <a:schemeClr val="tx1"/>
-                </a:solidFill>
-                <a:latin typeface="American Typewriter"/>
-                <a:cs typeface="American Typewriter"/>
-              </a:rPr>
-              <a:t>(</a:t>
-            </a:r>
-            <a:r>
-              <a:rPr lang="en-US" dirty="0" err="1" smtClean="0">
-                <a:solidFill>
-                  <a:schemeClr val="tx1"/>
-                </a:solidFill>
-                <a:latin typeface="American Typewriter"/>
-                <a:cs typeface="American Typewriter"/>
-              </a:rPr>
-              <a:t>i</a:t>
-            </a:r>
-            <a:r>
-              <a:rPr lang="en-US" dirty="0" smtClean="0">
-                <a:solidFill>
-                  <a:schemeClr val="tx1"/>
-                </a:solidFill>
-                <a:latin typeface="American Typewriter"/>
-                <a:cs typeface="American Typewriter"/>
-              </a:rPr>
-              <a:t> </a:t>
-            </a:r>
-            <a:r>
-              <a:rPr lang="en-US" dirty="0">
-                <a:solidFill>
-                  <a:schemeClr val="tx1"/>
-                </a:solidFill>
-                <a:latin typeface="American Typewriter"/>
-                <a:cs typeface="American Typewriter"/>
-              </a:rPr>
-              <a:t>= 1; </a:t>
-            </a:r>
-            <a:r>
-              <a:rPr lang="en-US" dirty="0" err="1" smtClean="0">
-                <a:solidFill>
-                  <a:schemeClr val="tx1"/>
-                </a:solidFill>
-                <a:latin typeface="American Typewriter"/>
-                <a:cs typeface="American Typewriter"/>
-              </a:rPr>
-              <a:t>i</a:t>
-            </a:r>
-            <a:r>
-              <a:rPr lang="en-US" dirty="0" smtClean="0">
-                <a:solidFill>
-                  <a:schemeClr val="tx1"/>
-                </a:solidFill>
-                <a:latin typeface="American Typewriter"/>
-                <a:cs typeface="American Typewriter"/>
-              </a:rPr>
-              <a:t> </a:t>
-            </a:r>
-            <a:r>
-              <a:rPr lang="en-US" dirty="0">
-                <a:solidFill>
-                  <a:schemeClr val="tx1"/>
-                </a:solidFill>
-                <a:latin typeface="American Typewriter"/>
-                <a:cs typeface="American Typewriter"/>
-              </a:rPr>
-              <a:t>&lt;= </a:t>
-            </a:r>
-            <a:r>
-              <a:rPr lang="en-US" dirty="0" smtClean="0">
-                <a:solidFill>
-                  <a:schemeClr val="tx1"/>
-                </a:solidFill>
-                <a:latin typeface="American Typewriter"/>
-                <a:cs typeface="American Typewriter"/>
-              </a:rPr>
-              <a:t>27; </a:t>
-            </a:r>
-            <a:r>
-              <a:rPr lang="en-US" dirty="0" err="1" smtClean="0">
-                <a:solidFill>
-                  <a:schemeClr val="tx1"/>
-                </a:solidFill>
-                <a:latin typeface="American Typewriter"/>
-                <a:cs typeface="American Typewriter"/>
-              </a:rPr>
-              <a:t>i</a:t>
-            </a:r>
-            <a:r>
-              <a:rPr lang="en-US" dirty="0" smtClean="0">
-                <a:solidFill>
-                  <a:schemeClr val="tx1"/>
-                </a:solidFill>
-                <a:latin typeface="American Typewriter"/>
-                <a:cs typeface="American Typewriter"/>
-              </a:rPr>
-              <a:t>+</a:t>
-            </a:r>
-            <a:r>
-              <a:rPr lang="en-US" dirty="0">
-                <a:solidFill>
-                  <a:schemeClr val="tx1"/>
-                </a:solidFill>
-                <a:latin typeface="American Typewriter"/>
-                <a:cs typeface="American Typewriter"/>
-              </a:rPr>
-              <a:t>+)</a:t>
-            </a:r>
-          </a:p>
-          <a:p>
-            <a:pPr algn="l">
-              <a:lnSpc>
-                <a:spcPct val="90000"/>
-              </a:lnSpc>
-            </a:pPr>
-            <a:r>
-              <a:rPr lang="en-US" dirty="0">
-                <a:solidFill>
-                  <a:schemeClr val="tx1"/>
-                </a:solidFill>
-                <a:latin typeface="American Typewriter"/>
-                <a:cs typeface="American Typewriter"/>
-              </a:rPr>
-              <a:t>	{</a:t>
-            </a:r>
-          </a:p>
-          <a:p>
-            <a:pPr algn="l">
-              <a:lnSpc>
-                <a:spcPct val="90000"/>
-              </a:lnSpc>
-            </a:pPr>
-            <a:r>
-              <a:rPr lang="en-US" dirty="0">
-                <a:solidFill>
-                  <a:schemeClr val="tx1"/>
-                </a:solidFill>
-                <a:latin typeface="American Typewriter"/>
-                <a:cs typeface="American Typewriter"/>
-              </a:rPr>
-              <a:t>	…</a:t>
-            </a:r>
-          </a:p>
-          <a:p>
-            <a:pPr algn="l">
-              <a:lnSpc>
-                <a:spcPct val="90000"/>
-              </a:lnSpc>
-            </a:pPr>
-            <a:r>
-              <a:rPr lang="en-US" dirty="0">
-                <a:solidFill>
-                  <a:schemeClr val="tx1"/>
-                </a:solidFill>
-                <a:latin typeface="American Typewriter"/>
-                <a:cs typeface="American Typewriter"/>
-              </a:rPr>
-              <a:t>	…</a:t>
-            </a:r>
-          </a:p>
-          <a:p>
-            <a:pPr algn="l">
-              <a:lnSpc>
-                <a:spcPct val="90000"/>
-              </a:lnSpc>
-            </a:pPr>
-            <a:r>
-              <a:rPr lang="en-US" dirty="0">
-                <a:solidFill>
-                  <a:schemeClr val="tx1"/>
-                </a:solidFill>
-                <a:latin typeface="American Typewriter"/>
-                <a:cs typeface="American Typewriter"/>
-              </a:rPr>
-              <a:t>	…</a:t>
-            </a:r>
-          </a:p>
-          <a:p>
-            <a:pPr algn="l">
-              <a:lnSpc>
-                <a:spcPct val="90000"/>
-              </a:lnSpc>
-            </a:pPr>
-            <a:r>
-              <a:rPr lang="en-US" dirty="0">
-                <a:solidFill>
-                  <a:schemeClr val="tx1"/>
-                </a:solidFill>
-                <a:latin typeface="American Typewriter"/>
-                <a:cs typeface="American Typewriter"/>
-              </a:rPr>
-              <a:t>	}</a:t>
-            </a:r>
-          </a:p>
-        </p:txBody>
-      </p:sp>
+      </p:pic>
     </p:spTree>
     <p:extLst>
       <p:ext uri="{BB962C8B-B14F-4D97-AF65-F5344CB8AC3E}">
-        <p14:creationId xmlns:p14="http://schemas.microsoft.com/office/powerpoint/2010/main" val="878237750"/>
+        <p14:creationId xmlns:p14="http://schemas.microsoft.com/office/powerpoint/2010/main" val="542090644"/>
       </p:ext>
     </p:extLst>
   </p:cSld>
   <p:clrMapOvr>
     <a:masterClrMapping/>
   </p:clrMapOvr>
-  <p:timing>
-    <p:tnLst>
-      <p:par>
-        <p:cTn xmlns:p14="http://schemas.microsoft.com/office/powerpoint/2010/main" id="1" dur="indefinite" restart="never" nodeType="tmRoot"/>
-      </p:par>
-    </p:tnLst>
-  </p:timing>
 </p:sld>
 </file>
 
@@ -4356,314 +3943,68 @@
       </p:grpSpPr>
       <p:sp>
         <p:nvSpPr>
-          <p:cNvPr id="54274" name="Rectangle 2"/>
-          <p:cNvSpPr>
-            <a:spLocks noGrp="1" noChangeArrowheads="1"/>
+          <p:cNvPr id="3" name="Title 2"/>
+          <p:cNvSpPr>
+            <a:spLocks noGrp="1"/>
           </p:cNvSpPr>
           <p:nvPr>
             <p:ph type="ctrTitle"/>
           </p:nvPr>
         </p:nvSpPr>
         <p:spPr>
-          <a:xfrm>
-            <a:off x="457200" y="500119"/>
-            <a:ext cx="8305800" cy="1295400"/>
-          </a:xfrm>
+          <a:solidFill>
+            <a:schemeClr val="tx1"/>
+          </a:solidFill>
         </p:spPr>
         <p:txBody>
-          <a:bodyPr>
-            <a:normAutofit/>
-          </a:bodyPr>
-          <a:lstStyle/>
-          <a:p>
-            <a:r>
-              <a:rPr lang="en-US" sz="4800" dirty="0" smtClean="0">
-                <a:latin typeface="Trebuchet MS" charset="0"/>
-              </a:rPr>
-              <a:t>No magic (numbers)</a:t>
-            </a:r>
-            <a:endParaRPr lang="en-US" sz="4800" dirty="0">
-              <a:latin typeface="Trebuchet MS" charset="0"/>
+          <a:bodyPr/>
+          <a:lstStyle/>
+          <a:p>
+            <a:r>
+              <a:rPr lang="en-US" dirty="0" smtClean="0">
+                <a:solidFill>
+                  <a:srgbClr val="FFFFFF"/>
+                </a:solidFill>
+              </a:rPr>
+              <a:t>Coding Practices</a:t>
+            </a:r>
+            <a:endParaRPr lang="en-US" dirty="0">
+              <a:solidFill>
+                <a:srgbClr val="FFFFFF"/>
+              </a:solidFill>
             </a:endParaRPr>
           </a:p>
         </p:txBody>
       </p:sp>
       <p:sp>
         <p:nvSpPr>
-          <p:cNvPr id="54275" name="Rectangle 3"/>
-          <p:cNvSpPr>
-            <a:spLocks noGrp="1" noChangeArrowheads="1"/>
+          <p:cNvPr id="4" name="Subtitle 3"/>
+          <p:cNvSpPr>
+            <a:spLocks noGrp="1"/>
           </p:cNvSpPr>
           <p:nvPr>
             <p:ph type="subTitle" idx="1"/>
           </p:nvPr>
         </p:nvSpPr>
-        <p:spPr>
-          <a:xfrm>
-            <a:off x="139858" y="2067022"/>
-            <a:ext cx="8839200" cy="4419600"/>
-          </a:xfrm>
-        </p:spPr>
-        <p:txBody>
-          <a:bodyPr>
-            <a:normAutofit/>
-          </a:bodyPr>
-          <a:lstStyle/>
-          <a:p>
-            <a:pPr algn="l">
-              <a:lnSpc>
-                <a:spcPct val="90000"/>
-              </a:lnSpc>
-            </a:pPr>
-            <a:r>
-              <a:rPr lang="en-US" dirty="0">
-                <a:solidFill>
-                  <a:schemeClr val="tx1"/>
-                </a:solidFill>
-                <a:latin typeface="American Typewriter"/>
-                <a:cs typeface="American Typewriter"/>
-              </a:rPr>
-              <a:t>// increment along the surface (x axis) </a:t>
-            </a:r>
-          </a:p>
-          <a:p>
-            <a:pPr algn="l">
-              <a:lnSpc>
-                <a:spcPct val="90000"/>
-              </a:lnSpc>
-            </a:pPr>
-            <a:r>
-              <a:rPr lang="en-US" dirty="0">
-                <a:solidFill>
-                  <a:schemeClr val="tx1"/>
-                </a:solidFill>
-                <a:latin typeface="American Typewriter"/>
-                <a:cs typeface="American Typewriter"/>
-              </a:rPr>
-              <a:t>// summing each point</a:t>
-            </a:r>
-            <a:r>
-              <a:rPr lang="ja-JP" altLang="en-US" dirty="0">
-                <a:solidFill>
-                  <a:schemeClr val="tx1"/>
-                </a:solidFill>
-                <a:latin typeface="American Typewriter"/>
-                <a:cs typeface="American Typewriter"/>
-              </a:rPr>
-              <a:t>’</a:t>
-            </a:r>
-            <a:r>
-              <a:rPr lang="en-US" dirty="0">
-                <a:solidFill>
-                  <a:schemeClr val="tx1"/>
-                </a:solidFill>
-                <a:latin typeface="American Typewriter"/>
-                <a:cs typeface="American Typewriter"/>
-              </a:rPr>
-              <a:t>s contribution</a:t>
-            </a:r>
-          </a:p>
-          <a:p>
-            <a:pPr algn="l">
-              <a:lnSpc>
-                <a:spcPct val="90000"/>
-              </a:lnSpc>
-            </a:pPr>
-            <a:r>
-              <a:rPr lang="en-US" dirty="0">
-                <a:solidFill>
-                  <a:schemeClr val="tx1"/>
-                </a:solidFill>
-                <a:latin typeface="American Typewriter"/>
-                <a:cs typeface="American Typewriter"/>
-              </a:rPr>
-              <a:t>for (</a:t>
-            </a:r>
-            <a:r>
-              <a:rPr lang="en-US" dirty="0" err="1">
-                <a:solidFill>
-                  <a:schemeClr val="tx1"/>
-                </a:solidFill>
-                <a:latin typeface="American Typewriter"/>
-                <a:cs typeface="American Typewriter"/>
-              </a:rPr>
-              <a:t>iLength</a:t>
-            </a:r>
-            <a:r>
-              <a:rPr lang="en-US" dirty="0">
-                <a:solidFill>
-                  <a:schemeClr val="tx1"/>
-                </a:solidFill>
-                <a:latin typeface="American Typewriter"/>
-                <a:cs typeface="American Typewriter"/>
-              </a:rPr>
-              <a:t> = 1; </a:t>
-            </a:r>
-            <a:r>
-              <a:rPr lang="en-US" dirty="0" err="1">
-                <a:solidFill>
-                  <a:schemeClr val="tx1"/>
-                </a:solidFill>
-                <a:latin typeface="American Typewriter"/>
-                <a:cs typeface="American Typewriter"/>
-              </a:rPr>
-              <a:t>iLength</a:t>
-            </a:r>
-            <a:r>
-              <a:rPr lang="en-US" dirty="0">
-                <a:solidFill>
-                  <a:schemeClr val="tx1"/>
-                </a:solidFill>
-                <a:latin typeface="American Typewriter"/>
-                <a:cs typeface="American Typewriter"/>
-              </a:rPr>
-              <a:t> &lt;= </a:t>
-            </a:r>
-            <a:r>
-              <a:rPr lang="en-US" dirty="0" err="1">
-                <a:solidFill>
-                  <a:schemeClr val="tx1"/>
-                </a:solidFill>
-                <a:latin typeface="American Typewriter"/>
-                <a:cs typeface="American Typewriter"/>
-              </a:rPr>
-              <a:t>iMax</a:t>
-            </a:r>
-            <a:r>
-              <a:rPr lang="en-US" dirty="0">
-                <a:solidFill>
-                  <a:schemeClr val="tx1"/>
-                </a:solidFill>
-                <a:latin typeface="American Typewriter"/>
-                <a:cs typeface="American Typewriter"/>
-              </a:rPr>
-              <a:t>; </a:t>
-            </a:r>
-            <a:r>
-              <a:rPr lang="en-US" dirty="0" err="1">
-                <a:solidFill>
-                  <a:schemeClr val="tx1"/>
-                </a:solidFill>
-                <a:latin typeface="American Typewriter"/>
-                <a:cs typeface="American Typewriter"/>
-              </a:rPr>
-              <a:t>iLength</a:t>
-            </a:r>
-            <a:r>
-              <a:rPr lang="en-US" dirty="0">
-                <a:solidFill>
-                  <a:schemeClr val="tx1"/>
-                </a:solidFill>
-                <a:latin typeface="American Typewriter"/>
-                <a:cs typeface="American Typewriter"/>
-              </a:rPr>
-              <a:t>++)</a:t>
-            </a:r>
-          </a:p>
-          <a:p>
-            <a:pPr algn="l">
-              <a:lnSpc>
-                <a:spcPct val="90000"/>
-              </a:lnSpc>
-            </a:pPr>
-            <a:r>
-              <a:rPr lang="en-US" dirty="0">
-                <a:solidFill>
-                  <a:schemeClr val="tx1"/>
-                </a:solidFill>
-                <a:latin typeface="American Typewriter"/>
-                <a:cs typeface="American Typewriter"/>
-              </a:rPr>
-              <a:t>	{</a:t>
-            </a:r>
-          </a:p>
-          <a:p>
-            <a:pPr algn="l">
-              <a:lnSpc>
-                <a:spcPct val="90000"/>
-              </a:lnSpc>
-            </a:pPr>
-            <a:r>
-              <a:rPr lang="en-US" dirty="0">
-                <a:solidFill>
-                  <a:schemeClr val="tx1"/>
-                </a:solidFill>
-                <a:latin typeface="American Typewriter"/>
-                <a:cs typeface="American Typewriter"/>
-              </a:rPr>
-              <a:t>	…</a:t>
-            </a:r>
-          </a:p>
-          <a:p>
-            <a:pPr algn="l">
-              <a:lnSpc>
-                <a:spcPct val="90000"/>
-              </a:lnSpc>
-            </a:pPr>
-            <a:r>
-              <a:rPr lang="en-US" dirty="0">
-                <a:solidFill>
-                  <a:schemeClr val="tx1"/>
-                </a:solidFill>
-                <a:latin typeface="American Typewriter"/>
-                <a:cs typeface="American Typewriter"/>
-              </a:rPr>
-              <a:t>	…</a:t>
-            </a:r>
-          </a:p>
-          <a:p>
-            <a:pPr algn="l">
-              <a:lnSpc>
-                <a:spcPct val="90000"/>
-              </a:lnSpc>
-            </a:pPr>
-            <a:r>
-              <a:rPr lang="en-US" dirty="0">
-                <a:solidFill>
-                  <a:schemeClr val="tx1"/>
-                </a:solidFill>
-                <a:latin typeface="American Typewriter"/>
-                <a:cs typeface="American Typewriter"/>
-              </a:rPr>
-              <a:t>	…</a:t>
-            </a:r>
-          </a:p>
-          <a:p>
-            <a:pPr algn="l">
-              <a:lnSpc>
-                <a:spcPct val="90000"/>
-              </a:lnSpc>
-            </a:pPr>
-            <a:r>
-              <a:rPr lang="en-US" dirty="0">
-                <a:solidFill>
-                  <a:schemeClr val="tx1"/>
-                </a:solidFill>
-                <a:latin typeface="American Typewriter"/>
-                <a:cs typeface="American Typewriter"/>
-              </a:rPr>
-              <a:t>	}</a:t>
-            </a:r>
+        <p:spPr/>
+        <p:txBody>
+          <a:bodyPr/>
+          <a:lstStyle/>
+          <a:p>
+            <a:endParaRPr lang="en-US"/>
           </a:p>
         </p:txBody>
       </p:sp>
     </p:spTree>
     <p:extLst>
       <p:ext uri="{BB962C8B-B14F-4D97-AF65-F5344CB8AC3E}">
-        <p14:creationId xmlns:p14="http://schemas.microsoft.com/office/powerpoint/2010/main" val="2827953884"/>
+        <p14:creationId xmlns:p14="http://schemas.microsoft.com/office/powerpoint/2010/main" val="2196298696"/>
       </p:ext>
     </p:extLst>
   </p:cSld>
   <p:clrMapOvr>
     <a:masterClrMapping/>
   </p:clrMapOvr>
-  <p:timing>
-    <p:tnLst>
-      <p:par>
-        <p:cTn xmlns:p14="http://schemas.microsoft.com/office/powerpoint/2010/main" id="1" dur="indefinite" restart="never" nodeType="tmRoot"/>
-      </p:par>
-    </p:tnLst>
-  </p:timing>
 </p:sld>
 </file>
 
@@ -4686,255 +4027,69 @@
       </p:grpSpPr>
       <p:sp>
         <p:nvSpPr>
-          <p:cNvPr id="93186" name="Rectangle 2"/>
-          <p:cNvSpPr>
-            <a:spLocks noGrp="1" noChangeArrowheads="1"/>
-          </p:cNvSpPr>
-          <p:nvPr>
-            <p:ph type="ctrTitle"/>
-          </p:nvPr>
-        </p:nvSpPr>
-        <p:spPr>
-          <a:xfrm>
-            <a:off x="609600" y="685800"/>
-            <a:ext cx="7848600" cy="914400"/>
-          </a:xfrm>
-        </p:spPr>
-        <p:txBody>
-          <a:bodyPr/>
-          <a:lstStyle/>
-          <a:p>
-            <a:r>
-              <a:rPr lang="en-US" sz="4800" dirty="0">
-                <a:latin typeface="Trebuchet MS" charset="0"/>
-              </a:rPr>
-              <a:t>Or, use an external file</a:t>
-            </a:r>
-          </a:p>
-        </p:txBody>
-      </p:sp>
-      <p:sp>
-        <p:nvSpPr>
-          <p:cNvPr id="93187" name="Rectangle 3"/>
-          <p:cNvSpPr>
-            <a:spLocks noGrp="1" noChangeArrowheads="1"/>
-          </p:cNvSpPr>
-          <p:nvPr>
-            <p:ph type="subTitle" idx="1"/>
-          </p:nvPr>
-        </p:nvSpPr>
-        <p:spPr>
-          <a:xfrm>
-            <a:off x="609600" y="2057400"/>
-            <a:ext cx="8153400" cy="4495800"/>
-          </a:xfrm>
-        </p:spPr>
-        <p:txBody>
-          <a:bodyPr/>
-          <a:lstStyle/>
-          <a:p>
-            <a:pPr algn="l"/>
-            <a:r>
-              <a:rPr lang="en-US" sz="2800" dirty="0">
-                <a:solidFill>
-                  <a:schemeClr val="tx1"/>
-                </a:solidFill>
-                <a:latin typeface="American Typewriter"/>
-                <a:cs typeface="American Typewriter"/>
-              </a:rPr>
-              <a:t>// Declarations</a:t>
-            </a:r>
-          </a:p>
-          <a:p>
-            <a:pPr algn="l"/>
-            <a:r>
-              <a:rPr lang="en-US" sz="2800" dirty="0" err="1">
-                <a:solidFill>
-                  <a:schemeClr val="tx1"/>
-                </a:solidFill>
-                <a:latin typeface="American Typewriter"/>
-                <a:cs typeface="American Typewriter"/>
-              </a:rPr>
-              <a:t>int</a:t>
-            </a:r>
-            <a:r>
-              <a:rPr lang="en-US" sz="2800" dirty="0">
-                <a:solidFill>
-                  <a:schemeClr val="tx1"/>
-                </a:solidFill>
-                <a:latin typeface="American Typewriter"/>
-                <a:cs typeface="American Typewriter"/>
-              </a:rPr>
-              <a:t>		</a:t>
-            </a:r>
-            <a:r>
-              <a:rPr lang="en-US" sz="2800" dirty="0" err="1">
-                <a:solidFill>
-                  <a:schemeClr val="tx1"/>
-                </a:solidFill>
-                <a:latin typeface="American Typewriter"/>
-                <a:cs typeface="American Typewriter"/>
-              </a:rPr>
-              <a:t>iLength</a:t>
-            </a:r>
-            <a:r>
-              <a:rPr lang="en-US" sz="2800" dirty="0">
-                <a:solidFill>
-                  <a:schemeClr val="tx1"/>
-                </a:solidFill>
-                <a:latin typeface="American Typewriter"/>
-                <a:cs typeface="American Typewriter"/>
-              </a:rPr>
-              <a:t>;		// x-axis increment</a:t>
-            </a:r>
-          </a:p>
-          <a:p>
-            <a:pPr algn="l"/>
-            <a:r>
-              <a:rPr lang="en-US" sz="2800" dirty="0" err="1">
-                <a:solidFill>
-                  <a:schemeClr val="tx1"/>
-                </a:solidFill>
-                <a:latin typeface="American Typewriter"/>
-                <a:cs typeface="American Typewriter"/>
-              </a:rPr>
-              <a:t>int</a:t>
-            </a:r>
-            <a:r>
-              <a:rPr lang="en-US" sz="2800" dirty="0">
-                <a:solidFill>
-                  <a:schemeClr val="tx1"/>
-                </a:solidFill>
-                <a:latin typeface="American Typewriter"/>
-                <a:cs typeface="American Typewriter"/>
-              </a:rPr>
-              <a:t>		</a:t>
-            </a:r>
-            <a:r>
-              <a:rPr lang="en-US" sz="2800" dirty="0" err="1">
-                <a:solidFill>
-                  <a:schemeClr val="tx1"/>
-                </a:solidFill>
-                <a:latin typeface="American Typewriter"/>
-                <a:cs typeface="American Typewriter"/>
-              </a:rPr>
-              <a:t>iMax</a:t>
-            </a:r>
-            <a:r>
-              <a:rPr lang="en-US" sz="2800" dirty="0">
-                <a:solidFill>
-                  <a:schemeClr val="tx1"/>
-                </a:solidFill>
-                <a:latin typeface="American Typewriter"/>
-                <a:cs typeface="American Typewriter"/>
-              </a:rPr>
-              <a:t>;			// total increments</a:t>
-            </a:r>
-          </a:p>
-          <a:p>
-            <a:pPr algn="l"/>
-            <a:r>
-              <a:rPr lang="en-US" sz="2800" dirty="0">
-                <a:solidFill>
-                  <a:schemeClr val="tx1"/>
-                </a:solidFill>
-                <a:latin typeface="American Typewriter"/>
-                <a:cs typeface="American Typewriter"/>
-              </a:rPr>
-              <a:t>double	</a:t>
-            </a:r>
-            <a:r>
-              <a:rPr lang="en-US" sz="2800" dirty="0" err="1">
-                <a:solidFill>
-                  <a:schemeClr val="tx1"/>
-                </a:solidFill>
-                <a:latin typeface="American Typewriter"/>
-                <a:cs typeface="American Typewriter"/>
-              </a:rPr>
-              <a:t>dVelocity</a:t>
-            </a:r>
-            <a:r>
-              <a:rPr lang="en-US" sz="2800" dirty="0">
-                <a:solidFill>
-                  <a:schemeClr val="tx1"/>
-                </a:solidFill>
-                <a:latin typeface="American Typewriter"/>
-                <a:cs typeface="American Typewriter"/>
-              </a:rPr>
-              <a:t>[5001]; // array of velocities</a:t>
-            </a:r>
-          </a:p>
-          <a:p>
-            <a:pPr algn="l"/>
-            <a:r>
-              <a:rPr lang="en-US" sz="2800" dirty="0">
-                <a:solidFill>
-                  <a:schemeClr val="tx1"/>
-                </a:solidFill>
-                <a:latin typeface="American Typewriter"/>
-                <a:cs typeface="American Typewriter"/>
-              </a:rPr>
-              <a:t>…</a:t>
-            </a:r>
-          </a:p>
-          <a:p>
-            <a:pPr algn="l"/>
-            <a:r>
-              <a:rPr lang="en-US" sz="2800" dirty="0">
-                <a:solidFill>
-                  <a:schemeClr val="tx1"/>
-                </a:solidFill>
-                <a:latin typeface="American Typewriter"/>
-                <a:cs typeface="American Typewriter"/>
-              </a:rPr>
-              <a:t>// Read and set Initial Values from a file</a:t>
-            </a:r>
-          </a:p>
-          <a:p>
-            <a:pPr algn="l"/>
-            <a:r>
-              <a:rPr lang="en-US" sz="2800" dirty="0">
-                <a:solidFill>
-                  <a:schemeClr val="tx1"/>
-                </a:solidFill>
-                <a:latin typeface="American Typewriter"/>
-                <a:cs typeface="American Typewriter"/>
-              </a:rPr>
-              <a:t>…</a:t>
-            </a:r>
-          </a:p>
-          <a:p>
-            <a:pPr algn="l"/>
-            <a:r>
-              <a:rPr lang="en-US" sz="2800" dirty="0">
-                <a:solidFill>
-                  <a:schemeClr val="tx1"/>
-                </a:solidFill>
-                <a:latin typeface="American Typewriter"/>
-                <a:cs typeface="American Typewriter"/>
-              </a:rPr>
-              <a:t>…</a:t>
-            </a:r>
+          <p:cNvPr id="2" name="Title 1"/>
+          <p:cNvSpPr>
+            <a:spLocks noGrp="1"/>
+          </p:cNvSpPr>
+          <p:nvPr>
+            <p:ph type="title"/>
+          </p:nvPr>
+        </p:nvSpPr>
+        <p:spPr/>
+        <p:txBody>
+          <a:bodyPr>
+            <a:normAutofit fontScale="90000"/>
+          </a:bodyPr>
+          <a:lstStyle/>
+          <a:p>
+            <a:r>
+              <a:rPr lang="en-US" dirty="0" smtClean="0"/>
+              <a:t>Writing your own code … </a:t>
+            </a:r>
+            <a:br>
+              <a:rPr lang="en-US" dirty="0" smtClean="0"/>
+            </a:br>
+            <a:r>
+              <a:rPr lang="en-US" dirty="0" smtClean="0"/>
+              <a:t>Comments</a:t>
+            </a:r>
+            <a:endParaRPr lang="en-US" dirty="0"/>
+          </a:p>
+        </p:txBody>
+      </p:sp>
+      <p:sp>
+        <p:nvSpPr>
+          <p:cNvPr id="3" name="Content Placeholder 2"/>
+          <p:cNvSpPr>
+            <a:spLocks noGrp="1"/>
+          </p:cNvSpPr>
+          <p:nvPr>
+            <p:ph idx="1"/>
+          </p:nvPr>
+        </p:nvSpPr>
+        <p:spPr/>
+        <p:txBody>
+          <a:bodyPr/>
+          <a:lstStyle/>
+          <a:p>
+            <a:r>
+              <a:rPr lang="en-US" dirty="0" smtClean="0"/>
+              <a:t>Describe the process, not the code</a:t>
+            </a:r>
+            <a:endParaRPr lang="en-US" dirty="0"/>
           </a:p>
         </p:txBody>
       </p:sp>
     </p:spTree>
     <p:extLst>
       <p:ext uri="{BB962C8B-B14F-4D97-AF65-F5344CB8AC3E}">
-        <p14:creationId xmlns:p14="http://schemas.microsoft.com/office/powerpoint/2010/main" val="2026744277"/>
+        <p14:creationId xmlns:p14="http://schemas.microsoft.com/office/powerpoint/2010/main" val="1963443038"/>
       </p:ext>
     </p:extLst>
   </p:cSld>
   <p:clrMapOvr>
     <a:masterClrMapping/>
   </p:clrMapOvr>
-  <p:timing>
-    <p:tnLst>
-      <p:par>
-        <p:cTn xmlns:p14="http://schemas.microsoft.com/office/powerpoint/2010/main" id="1" dur="indefinite" restart="never" nodeType="tmRoot"/>
-      </p:par>
-    </p:tnLst>
-  </p:timing>
 </p:sld>
 </file>
 
@@ -4957,63 +4112,48 @@
       </p:grpSpPr>
       <p:sp>
         <p:nvSpPr>
-          <p:cNvPr id="112642" name="Rectangle 2"/>
+          <p:cNvPr id="33795" name="Rectangle 3"/>
           <p:cNvSpPr>
             <a:spLocks noGrp="1" noChangeArrowheads="1"/>
           </p:cNvSpPr>
           <p:nvPr>
-            <p:ph type="ctrTitle"/>
+            <p:ph type="subTitle" idx="1"/>
           </p:nvPr>
         </p:nvSpPr>
         <p:spPr>
           <a:xfrm>
-            <a:off x="457200" y="685800"/>
-            <a:ext cx="8305800" cy="1143000"/>
+            <a:off x="609600" y="990600"/>
+            <a:ext cx="8153400" cy="4953000"/>
           </a:xfrm>
         </p:spPr>
         <p:txBody>
           <a:bodyPr/>
           <a:lstStyle/>
           <a:p>
-            <a:r>
-              <a:rPr lang="en-US" sz="4800" dirty="0">
-                <a:latin typeface="Trebuchet MS" charset="0"/>
-              </a:rPr>
-              <a:t>Use descriptive file names</a:t>
-            </a:r>
-          </a:p>
-        </p:txBody>
-      </p:sp>
-      <p:sp>
-        <p:nvSpPr>
-          <p:cNvPr id="112643" name="Rectangle 3"/>
-          <p:cNvSpPr>
-            <a:spLocks noGrp="1" noChangeArrowheads="1"/>
-          </p:cNvSpPr>
-          <p:nvPr>
-            <p:ph type="subTitle" idx="1"/>
-          </p:nvPr>
-        </p:nvSpPr>
-        <p:spPr>
-          <a:xfrm>
-            <a:off x="609600" y="2057400"/>
-            <a:ext cx="7848600" cy="4495800"/>
-          </a:xfrm>
-        </p:spPr>
-        <p:txBody>
-          <a:bodyPr/>
-          <a:lstStyle/>
-          <a:p>
             <a:pPr algn="l"/>
-            <a:endParaRPr lang="en-US" dirty="0">
-              <a:latin typeface="Trebuchet MS" charset="0"/>
-            </a:endParaRPr>
+            <a:r>
+              <a:rPr lang="en-US" dirty="0">
+                <a:solidFill>
+                  <a:schemeClr val="tx1"/>
+                </a:solidFill>
+                <a:latin typeface="American Typewriter"/>
+                <a:cs typeface="American Typewriter"/>
+              </a:rPr>
+              <a:t>// step through the loop 100 times</a:t>
+            </a:r>
           </a:p>
           <a:p>
             <a:pPr algn="l"/>
-            <a:endParaRPr lang="en-US" dirty="0">
-              <a:latin typeface="Trebuchet MS" charset="0"/>
-            </a:endParaRPr>
+            <a:r>
+              <a:rPr lang="en-US" dirty="0">
+                <a:solidFill>
+                  <a:schemeClr val="tx1"/>
+                </a:solidFill>
+                <a:latin typeface="American Typewriter"/>
+                <a:cs typeface="American Typewriter"/>
+              </a:rPr>
+              <a:t>// duh!</a:t>
+            </a:r>
           </a:p>
           <a:p>
             <a:pPr algn="l"/>
@@ -5025,17 +4165,7 @@
                 <a:latin typeface="American Typewriter"/>
                 <a:cs typeface="American Typewriter"/>
               </a:rPr>
-              <a:t>Naming your script </a:t>
-            </a:r>
-            <a:r>
-              <a:rPr lang="ja-JP" altLang="en-US" dirty="0">
-                <a:solidFill>
-                  <a:schemeClr val="tx1"/>
-                </a:solidFill>
-                <a:latin typeface="American Typewriter"/>
-                <a:cs typeface="American Typewriter"/>
-              </a:rPr>
-              <a:t>“</a:t>
+              <a:t>for (</a:t>
             </a:r>
             <a:r>
               <a:rPr lang="en-US" dirty="0" err="1">
@@ -5045,17 +4175,7 @@
                 <a:latin typeface="American Typewriter"/>
                 <a:cs typeface="American Typewriter"/>
               </a:rPr>
-              <a:t>test.csh</a:t>
-            </a:r>
-            <a:r>
-              <a:rPr lang="ja-JP" altLang="en-US" dirty="0">
-                <a:solidFill>
-                  <a:schemeClr val="tx1"/>
-                </a:solidFill>
-                <a:latin typeface="American Typewriter"/>
-                <a:cs typeface="American Typewriter"/>
-              </a:rPr>
-              <a:t>”</a:t>
+              <a:t>i</a:t>
             </a:r>
             <a:r>
               <a:rPr lang="en-US" dirty="0">
@@ -5065,20 +4185,17 @@
                 <a:latin typeface="American Typewriter"/>
                 <a:cs typeface="American Typewriter"/>
               </a:rPr>
-              <a:t> means</a:t>
-            </a:r>
-          </a:p>
-          <a:p>
-            <a:pPr algn="l"/>
-            <a:r>
-              <a:rPr lang="ja-JP" altLang="en-US" dirty="0">
-                <a:solidFill>
-                  <a:schemeClr val="tx1"/>
-                </a:solidFill>
-                <a:latin typeface="American Typewriter"/>
-                <a:cs typeface="American Typewriter"/>
-              </a:rPr>
-              <a:t>“</a:t>
+              <a:t> = 1; </a:t>
+            </a:r>
+            <a:r>
+              <a:rPr lang="en-US" dirty="0" err="1">
+                <a:solidFill>
+                  <a:schemeClr val="tx1"/>
+                </a:solidFill>
+                <a:latin typeface="American Typewriter"/>
+                <a:cs typeface="American Typewriter"/>
+              </a:rPr>
+              <a:t>i</a:t>
             </a:r>
             <a:r>
               <a:rPr lang="en-US" dirty="0">
@@ -5088,17 +4205,37 @@
                 <a:latin typeface="American Typewriter"/>
                 <a:cs typeface="American Typewriter"/>
               </a:rPr>
-              <a:t>I will never be able to reuse this code.</a:t>
-            </a:r>
-            <a:r>
-              <a:rPr lang="ja-JP" altLang="en-US" dirty="0">
-                <a:solidFill>
-                  <a:schemeClr val="tx1"/>
-                </a:solidFill>
-                <a:latin typeface="American Typewriter"/>
-                <a:cs typeface="American Typewriter"/>
-              </a:rPr>
-              <a:t>”</a:t>
+              <a:t> &lt;= 100; </a:t>
+            </a:r>
+            <a:r>
+              <a:rPr lang="en-US" dirty="0" err="1">
+                <a:solidFill>
+                  <a:schemeClr val="tx1"/>
+                </a:solidFill>
+                <a:latin typeface="American Typewriter"/>
+                <a:cs typeface="American Typewriter"/>
+              </a:rPr>
+              <a:t>i</a:t>
+            </a:r>
+            <a:r>
+              <a:rPr lang="en-US" dirty="0">
+                <a:solidFill>
+                  <a:schemeClr val="tx1"/>
+                </a:solidFill>
+                <a:latin typeface="American Typewriter"/>
+                <a:cs typeface="American Typewriter"/>
+              </a:rPr>
+              <a:t>++</a:t>
+            </a:r>
+            <a:r>
+              <a:rPr lang="en-US" dirty="0" smtClean="0">
+                <a:solidFill>
+                  <a:schemeClr val="tx1"/>
+                </a:solidFill>
+                <a:latin typeface="American Typewriter"/>
+                <a:cs typeface="American Typewriter"/>
+              </a:rPr>
+              <a:t>) {</a:t>
             </a:r>
             <a:endParaRPr lang="en-US" dirty="0">
               <a:solidFill>
@@ -5108,12 +4245,81 @@
               <a:cs typeface="American Typewriter"/>
             </a:endParaRPr>
           </a:p>
+          <a:p>
+            <a:pPr algn="l"/>
+            <a:r>
+              <a:rPr lang="en-US" dirty="0">
+                <a:solidFill>
+                  <a:schemeClr val="tx1"/>
+                </a:solidFill>
+                <a:latin typeface="American Typewriter"/>
+                <a:cs typeface="American Typewriter"/>
+              </a:rPr>
+              <a:t>	…</a:t>
+            </a:r>
+          </a:p>
+          <a:p>
+            <a:pPr algn="l"/>
+            <a:r>
+              <a:rPr lang="en-US" dirty="0">
+                <a:solidFill>
+                  <a:schemeClr val="tx1"/>
+                </a:solidFill>
+                <a:latin typeface="American Typewriter"/>
+                <a:cs typeface="American Typewriter"/>
+              </a:rPr>
+              <a:t>	…</a:t>
+            </a:r>
+          </a:p>
+          <a:p>
+            <a:pPr algn="l"/>
+            <a:r>
+              <a:rPr lang="en-US" dirty="0">
+                <a:solidFill>
+                  <a:schemeClr val="tx1"/>
+                </a:solidFill>
+                <a:latin typeface="American Typewriter"/>
+                <a:cs typeface="American Typewriter"/>
+              </a:rPr>
+              <a:t>	</a:t>
+            </a:r>
+            <a:r>
+              <a:rPr lang="en-US" dirty="0" smtClean="0">
+                <a:solidFill>
+                  <a:schemeClr val="tx1"/>
+                </a:solidFill>
+                <a:latin typeface="American Typewriter"/>
+                <a:cs typeface="American Typewriter"/>
+              </a:rPr>
+              <a:t>…</a:t>
+            </a:r>
+          </a:p>
+          <a:p>
+            <a:pPr algn="l"/>
+            <a:r>
+              <a:rPr lang="en-US" dirty="0" smtClean="0">
+                <a:solidFill>
+                  <a:schemeClr val="tx1"/>
+                </a:solidFill>
+                <a:latin typeface="American Typewriter"/>
+                <a:cs typeface="American Typewriter"/>
+              </a:rPr>
+              <a:t>}</a:t>
+            </a:r>
+            <a:endParaRPr lang="en-US" dirty="0">
+              <a:solidFill>
+                <a:schemeClr val="tx1"/>
+              </a:solidFill>
+              <a:latin typeface="American Typewriter"/>
+              <a:cs typeface="American Typewriter"/>
+            </a:endParaRPr>
+          </a:p>
         </p:txBody>
       </p:sp>
     </p:spTree>
     <p:extLst>
       <p:ext uri="{BB962C8B-B14F-4D97-AF65-F5344CB8AC3E}">
-        <p14:creationId xmlns:p14="http://schemas.microsoft.com/office/powerpoint/2010/main" val="1865039314"/>
+        <p14:creationId xmlns:p14="http://schemas.microsoft.com/office/powerpoint/2010/main" val="984595479"/>
       </p:ext>
     </p:extLst>
   </p:cSld>
@@ -5149,76 +4355,205 @@
       </p:grpSpPr>
       <p:sp>
         <p:nvSpPr>
-          <p:cNvPr id="108546" name="Rectangle 2"/>
+          <p:cNvPr id="35843" name="Rectangle 3"/>
           <p:cNvSpPr>
             <a:spLocks noGrp="1" noChangeArrowheads="1"/>
           </p:cNvSpPr>
           <p:nvPr>
-            <p:ph type="ctrTitle"/>
+            <p:ph type="subTitle" idx="1"/>
           </p:nvPr>
         </p:nvSpPr>
         <p:spPr>
           <a:xfrm>
-            <a:off x="457200" y="762000"/>
-            <a:ext cx="8229600" cy="1752600"/>
+            <a:off x="609600" y="990600"/>
+            <a:ext cx="8153400" cy="4953000"/>
           </a:xfrm>
         </p:spPr>
         <p:txBody>
           <a:bodyPr/>
           <a:lstStyle/>
           <a:p>
-            <a:r>
-              <a:rPr lang="en-US" sz="4800">
-                <a:latin typeface="Trebuchet MS" charset="0"/>
-              </a:rPr>
-              <a:t>Pretend you are</a:t>
-            </a:r>
-            <a:br>
-              <a:rPr lang="en-US" sz="4800">
-                <a:latin typeface="Trebuchet MS" charset="0"/>
-              </a:rPr>
-            </a:br>
-            <a:r>
-              <a:rPr lang="en-US" sz="4800">
-                <a:latin typeface="Trebuchet MS" charset="0"/>
-              </a:rPr>
-              <a:t>in a programming team</a:t>
-            </a:r>
-          </a:p>
-        </p:txBody>
-      </p:sp>
-      <p:sp>
-        <p:nvSpPr>
-          <p:cNvPr id="108547" name="Rectangle 3"/>
-          <p:cNvSpPr>
-            <a:spLocks noGrp="1" noChangeArrowheads="1"/>
-          </p:cNvSpPr>
-          <p:nvPr>
-            <p:ph type="subTitle" idx="1"/>
-          </p:nvPr>
-        </p:nvSpPr>
-        <p:spPr>
-          <a:xfrm>
-            <a:off x="609600" y="3124200"/>
-            <a:ext cx="8153400" cy="3429000"/>
-          </a:xfrm>
-        </p:spPr>
-        <p:txBody>
-          <a:bodyPr/>
-          <a:lstStyle/>
-          <a:p>
             <a:pPr algn="l"/>
-            <a:endParaRPr lang="en-US" dirty="0">
-              <a:latin typeface="Trebuchet MS" charset="0"/>
-            </a:endParaRPr>
+            <a:r>
+              <a:rPr lang="en-US" dirty="0">
+                <a:solidFill>
+                  <a:schemeClr val="tx1"/>
+                </a:solidFill>
+                <a:latin typeface="American Typewriter"/>
+                <a:cs typeface="American Typewriter"/>
+              </a:rPr>
+              <a:t>// increment along the surface (x axis) </a:t>
+            </a:r>
           </a:p>
           <a:p>
             <a:pPr algn="l"/>
             <a:r>
               <a:rPr lang="en-US" dirty="0">
-                <a:latin typeface="Trebuchet MS" charset="0"/>
-              </a:rPr>
-              <a:t>Write your code as if someone else will have to understand and modify it</a:t>
+                <a:solidFill>
+                  <a:schemeClr val="tx1"/>
+                </a:solidFill>
+                <a:latin typeface="American Typewriter"/>
+                <a:cs typeface="American Typewriter"/>
+              </a:rPr>
+              <a:t>// summing each point</a:t>
+            </a:r>
+            <a:r>
+              <a:rPr lang="ja-JP" altLang="en-US" dirty="0">
+                <a:solidFill>
+                  <a:schemeClr val="tx1"/>
+                </a:solidFill>
+                <a:latin typeface="American Typewriter"/>
+                <a:cs typeface="American Typewriter"/>
+              </a:rPr>
+              <a:t>’</a:t>
+            </a:r>
+            <a:r>
+              <a:rPr lang="en-US" dirty="0">
+                <a:solidFill>
+                  <a:schemeClr val="tx1"/>
+                </a:solidFill>
+                <a:latin typeface="American Typewriter"/>
+                <a:cs typeface="American Typewriter"/>
+              </a:rPr>
+              <a:t>s contribution</a:t>
+            </a:r>
+          </a:p>
+          <a:p>
+            <a:pPr algn="l"/>
+            <a:r>
+              <a:rPr lang="en-US" dirty="0">
+                <a:solidFill>
+                  <a:schemeClr val="tx1"/>
+                </a:solidFill>
+                <a:latin typeface="American Typewriter"/>
+                <a:cs typeface="American Typewriter"/>
+              </a:rPr>
+              <a:t>for (</a:t>
+            </a:r>
+            <a:r>
+              <a:rPr lang="en-US" dirty="0" err="1">
+                <a:solidFill>
+                  <a:schemeClr val="tx1"/>
+                </a:solidFill>
+                <a:latin typeface="American Typewriter"/>
+                <a:cs typeface="American Typewriter"/>
+              </a:rPr>
+              <a:t>i</a:t>
+            </a:r>
+            <a:r>
+              <a:rPr lang="en-US" dirty="0">
+                <a:solidFill>
+                  <a:schemeClr val="tx1"/>
+                </a:solidFill>
+                <a:latin typeface="American Typewriter"/>
+                <a:cs typeface="American Typewriter"/>
+              </a:rPr>
+              <a:t> = 1; </a:t>
+            </a:r>
+            <a:r>
+              <a:rPr lang="en-US" dirty="0" err="1">
+                <a:solidFill>
+                  <a:schemeClr val="tx1"/>
+                </a:solidFill>
+                <a:latin typeface="American Typewriter"/>
+                <a:cs typeface="American Typewriter"/>
+              </a:rPr>
+              <a:t>i</a:t>
+            </a:r>
+            <a:r>
+              <a:rPr lang="en-US" dirty="0">
+                <a:solidFill>
+                  <a:schemeClr val="tx1"/>
+                </a:solidFill>
+                <a:latin typeface="American Typewriter"/>
+                <a:cs typeface="American Typewriter"/>
+              </a:rPr>
+              <a:t> &lt;= 100; </a:t>
+            </a:r>
+            <a:r>
+              <a:rPr lang="en-US" dirty="0" err="1">
+                <a:solidFill>
+                  <a:schemeClr val="tx1"/>
+                </a:solidFill>
+                <a:latin typeface="American Typewriter"/>
+                <a:cs typeface="American Typewriter"/>
+              </a:rPr>
+              <a:t>i</a:t>
+            </a:r>
+            <a:r>
+              <a:rPr lang="en-US" dirty="0">
+                <a:solidFill>
+                  <a:schemeClr val="tx1"/>
+                </a:solidFill>
+                <a:latin typeface="American Typewriter"/>
+                <a:cs typeface="American Typewriter"/>
+              </a:rPr>
+              <a:t>++)</a:t>
+            </a:r>
+          </a:p>
+          <a:p>
+            <a:pPr algn="l"/>
+            <a:r>
+              <a:rPr lang="en-US" dirty="0">
+                <a:solidFill>
+                  <a:schemeClr val="tx1"/>
+                </a:solidFill>
+                <a:latin typeface="American Typewriter"/>
+                <a:cs typeface="American Typewriter"/>
+              </a:rPr>
+              <a:t>	{</a:t>
+            </a:r>
+          </a:p>
+          <a:p>
+            <a:pPr algn="l"/>
+            <a:r>
+              <a:rPr lang="en-US" dirty="0">
+                <a:solidFill>
+                  <a:schemeClr val="tx1"/>
+                </a:solidFill>
+                <a:latin typeface="American Typewriter"/>
+                <a:cs typeface="American Typewriter"/>
+              </a:rPr>
+              <a:t>	…</a:t>
+            </a:r>
+          </a:p>
+          <a:p>
+            <a:pPr algn="l"/>
+            <a:r>
+              <a:rPr lang="en-US" dirty="0">
+                <a:solidFill>
+                  <a:schemeClr val="tx1"/>
+                </a:solidFill>
+                <a:latin typeface="American Typewriter"/>
+                <a:cs typeface="American Typewriter"/>
+              </a:rPr>
+              <a:t>	…</a:t>
+            </a:r>
+          </a:p>
+          <a:p>
+            <a:pPr algn="l"/>
+            <a:r>
+              <a:rPr lang="en-US" dirty="0">
+                <a:solidFill>
+                  <a:schemeClr val="tx1"/>
+                </a:solidFill>
+                <a:latin typeface="American Typewriter"/>
+                <a:cs typeface="American Typewriter"/>
+              </a:rPr>
+              <a:t>	…</a:t>
+            </a:r>
+          </a:p>
+          <a:p>
+            <a:pPr algn="l"/>
+            <a:r>
+              <a:rPr lang="en-US" dirty="0">
+                <a:solidFill>
+                  <a:schemeClr val="tx1"/>
+                </a:solidFill>
+                <a:latin typeface="American Typewriter"/>
+                <a:cs typeface="American Typewriter"/>
+              </a:rPr>
+              <a:t>	}</a:t>
             </a:r>
           </a:p>
         </p:txBody>
@@ -5226,7 +4561,7 @@
     </p:spTree>
     <p:extLst>
       <p:ext uri="{BB962C8B-B14F-4D97-AF65-F5344CB8AC3E}">
-        <p14:creationId xmlns:p14="http://schemas.microsoft.com/office/powerpoint/2010/main" val="4219313624"/>
+        <p14:creationId xmlns:p14="http://schemas.microsoft.com/office/powerpoint/2010/main" val="3736762492"/>
       </p:ext>
     </p:extLst>
   </p:cSld>
@@ -5262,72 +4597,344 @@
       </p:grpSpPr>
       <p:sp>
         <p:nvSpPr>
-          <p:cNvPr id="2" name="Title 1"/>
-          <p:cNvSpPr>
-            <a:spLocks noGrp="1"/>
-          </p:cNvSpPr>
-          <p:nvPr>
-            <p:ph type="title"/>
-          </p:nvPr>
-        </p:nvSpPr>
-        <p:spPr/>
-        <p:txBody>
-          <a:bodyPr/>
-          <a:lstStyle/>
-          <a:p>
-            <a:r>
-              <a:rPr lang="en-US" dirty="0" smtClean="0"/>
-              <a:t>Working with someone else</a:t>
-            </a:r>
-            <a:endParaRPr lang="en-US" dirty="0"/>
-          </a:p>
-        </p:txBody>
-      </p:sp>
-      <p:sp>
-        <p:nvSpPr>
-          <p:cNvPr id="3" name="Content Placeholder 2"/>
-          <p:cNvSpPr>
-            <a:spLocks noGrp="1"/>
-          </p:cNvSpPr>
-          <p:nvPr>
-            <p:ph idx="1"/>
-          </p:nvPr>
-        </p:nvSpPr>
-        <p:spPr/>
-        <p:txBody>
-          <a:bodyPr/>
-          <a:lstStyle/>
-          <a:p>
-            <a:r>
-              <a:rPr lang="en-US" dirty="0" smtClean="0"/>
-              <a:t>Don’t try to understand everything in one go</a:t>
-            </a:r>
-          </a:p>
-          <a:p>
-            <a:r>
-              <a:rPr lang="en-US" dirty="0" smtClean="0"/>
-              <a:t>Identify one place you need to begin work on</a:t>
-            </a:r>
-          </a:p>
-          <a:p>
-            <a:r>
-              <a:rPr lang="en-US" dirty="0" smtClean="0"/>
-              <a:t>Ask the person who worked on it to explain what was going on in that part, then start!  </a:t>
-            </a:r>
-            <a:endParaRPr lang="en-US" dirty="0"/>
+          <p:cNvPr id="46082" name="Rectangle 2"/>
+          <p:cNvSpPr>
+            <a:spLocks noGrp="1" noChangeArrowheads="1"/>
+          </p:cNvSpPr>
+          <p:nvPr>
+            <p:ph type="ctrTitle"/>
+          </p:nvPr>
+        </p:nvSpPr>
+        <p:spPr>
+          <a:xfrm>
+            <a:off x="609600" y="685800"/>
+            <a:ext cx="7848600" cy="1143000"/>
+          </a:xfrm>
+        </p:spPr>
+        <p:txBody>
+          <a:bodyPr/>
+          <a:lstStyle/>
+          <a:p>
+            <a:r>
+              <a:rPr lang="en-US" sz="4800" dirty="0">
+                <a:latin typeface="Trebuchet MS" charset="0"/>
+              </a:rPr>
+              <a:t>Write a header block</a:t>
+            </a:r>
+          </a:p>
+        </p:txBody>
+      </p:sp>
+      <p:sp>
+        <p:nvSpPr>
+          <p:cNvPr id="46084" name="Rectangle 4"/>
+          <p:cNvSpPr>
+            <a:spLocks noGrp="1" noChangeArrowheads="1"/>
+          </p:cNvSpPr>
+          <p:nvPr>
+            <p:ph type="subTitle" idx="1"/>
+          </p:nvPr>
+        </p:nvSpPr>
+        <p:spPr>
+          <a:xfrm>
+            <a:off x="142962" y="1981200"/>
+            <a:ext cx="8686800" cy="3962400"/>
+          </a:xfrm>
+        </p:spPr>
+        <p:txBody>
+          <a:bodyPr>
+            <a:normAutofit/>
+          </a:bodyPr>
+          <a:lstStyle/>
+          <a:p>
+            <a:pPr algn="l"/>
+            <a:endParaRPr lang="en-US" sz="2400" dirty="0">
+              <a:latin typeface="Trebuchet MS" charset="0"/>
+            </a:endParaRPr>
+          </a:p>
+          <a:p>
+            <a:pPr algn="l"/>
+            <a:r>
+              <a:rPr lang="en-US" sz="2400" dirty="0">
+                <a:solidFill>
+                  <a:schemeClr val="tx1"/>
+                </a:solidFill>
+                <a:latin typeface="American Typewriter"/>
+                <a:cs typeface="American Typewriter"/>
+              </a:rPr>
+              <a:t>/</a:t>
+            </a:r>
+            <a:r>
+              <a:rPr lang="en-US" sz="2400" dirty="0" smtClean="0">
+                <a:solidFill>
+                  <a:schemeClr val="tx1"/>
+                </a:solidFill>
+                <a:latin typeface="American Typewriter"/>
+                <a:cs typeface="American Typewriter"/>
+              </a:rPr>
+              <a:t>*</a:t>
+            </a:r>
+            <a:r>
+              <a:rPr lang="en-US" sz="2400" dirty="0">
+                <a:solidFill>
+                  <a:schemeClr val="tx1"/>
+                </a:solidFill>
+                <a:latin typeface="American Typewriter"/>
+                <a:cs typeface="American Typewriter"/>
+              </a:rPr>
+              <a:t>*************************************</a:t>
+            </a:r>
+            <a:r>
+              <a:rPr lang="en-US" sz="2400" dirty="0" smtClean="0">
+                <a:solidFill>
+                  <a:schemeClr val="tx1"/>
+                </a:solidFill>
+                <a:latin typeface="American Typewriter"/>
+                <a:cs typeface="American Typewriter"/>
+              </a:rPr>
+              <a:t>**</a:t>
+            </a:r>
+            <a:r>
+              <a:rPr lang="en-US" sz="2400" dirty="0">
+                <a:solidFill>
+                  <a:schemeClr val="tx1"/>
+                </a:solidFill>
+                <a:latin typeface="American Typewriter"/>
+                <a:cs typeface="American Typewriter"/>
+              </a:rPr>
+              <a:t>*</a:t>
+            </a:r>
+            <a:r>
+              <a:rPr lang="en-US" sz="2400" dirty="0" smtClean="0">
+                <a:solidFill>
+                  <a:schemeClr val="tx1"/>
+                </a:solidFill>
+                <a:latin typeface="American Typewriter"/>
+                <a:cs typeface="American Typewriter"/>
+              </a:rPr>
+              <a:t>*/</a:t>
+            </a:r>
+            <a:endParaRPr lang="en-US" sz="2400" dirty="0">
+              <a:solidFill>
+                <a:schemeClr val="tx1"/>
+              </a:solidFill>
+              <a:latin typeface="American Typewriter"/>
+              <a:cs typeface="American Typewriter"/>
+            </a:endParaRPr>
+          </a:p>
+          <a:p>
+            <a:pPr algn="l"/>
+            <a:r>
+              <a:rPr lang="en-US" sz="2400" dirty="0">
+                <a:solidFill>
+                  <a:schemeClr val="tx1"/>
+                </a:solidFill>
+                <a:latin typeface="American Typewriter"/>
+                <a:cs typeface="American Typewriter"/>
+              </a:rPr>
+              <a:t>/* 2-dimensional channel flow program                       </a:t>
+            </a:r>
+            <a:r>
+              <a:rPr lang="en-US" sz="2400" dirty="0" smtClean="0">
+                <a:solidFill>
+                  <a:schemeClr val="tx1"/>
+                </a:solidFill>
+                <a:latin typeface="American Typewriter"/>
+                <a:cs typeface="American Typewriter"/>
+              </a:rPr>
+              <a:t>        *</a:t>
+            </a:r>
+            <a:r>
+              <a:rPr lang="en-US" sz="2400" dirty="0">
+                <a:solidFill>
+                  <a:schemeClr val="tx1"/>
+                </a:solidFill>
+                <a:latin typeface="American Typewriter"/>
+                <a:cs typeface="American Typewriter"/>
+              </a:rPr>
+              <a:t>/</a:t>
+            </a:r>
+          </a:p>
+          <a:p>
+            <a:pPr algn="l"/>
+            <a:r>
+              <a:rPr lang="en-US" sz="2400" dirty="0">
+                <a:solidFill>
+                  <a:schemeClr val="tx1"/>
+                </a:solidFill>
+                <a:latin typeface="American Typewriter"/>
+                <a:cs typeface="American Typewriter"/>
+              </a:rPr>
+              <a:t>/*   for channels with free upper surface                    </a:t>
+            </a:r>
+            <a:r>
+              <a:rPr lang="en-US" sz="2400" dirty="0" smtClean="0">
+                <a:solidFill>
+                  <a:schemeClr val="tx1"/>
+                </a:solidFill>
+                <a:latin typeface="American Typewriter"/>
+                <a:cs typeface="American Typewriter"/>
+              </a:rPr>
+              <a:t>          *</a:t>
+            </a:r>
+            <a:r>
+              <a:rPr lang="en-US" sz="2400" dirty="0">
+                <a:solidFill>
+                  <a:schemeClr val="tx1"/>
+                </a:solidFill>
+                <a:latin typeface="American Typewriter"/>
+                <a:cs typeface="American Typewriter"/>
+              </a:rPr>
+              <a:t>/</a:t>
+            </a:r>
+          </a:p>
+          <a:p>
+            <a:pPr algn="l"/>
+            <a:r>
+              <a:rPr lang="en-US" sz="2400" dirty="0">
+                <a:solidFill>
+                  <a:schemeClr val="tx1"/>
+                </a:solidFill>
+                <a:latin typeface="American Typewriter"/>
+                <a:cs typeface="American Typewriter"/>
+              </a:rPr>
+              <a:t>/*                                                                              </a:t>
+            </a:r>
+            <a:r>
+              <a:rPr lang="en-US" sz="2400" dirty="0" smtClean="0">
+                <a:solidFill>
+                  <a:schemeClr val="tx1"/>
+                </a:solidFill>
+                <a:latin typeface="American Typewriter"/>
+                <a:cs typeface="American Typewriter"/>
+              </a:rPr>
+              <a:t>                        *</a:t>
+            </a:r>
+            <a:r>
+              <a:rPr lang="en-US" sz="2400" dirty="0">
+                <a:solidFill>
+                  <a:schemeClr val="tx1"/>
+                </a:solidFill>
+                <a:latin typeface="American Typewriter"/>
+                <a:cs typeface="American Typewriter"/>
+              </a:rPr>
+              <a:t>/</a:t>
+            </a:r>
+          </a:p>
+          <a:p>
+            <a:pPr algn="l"/>
+            <a:r>
+              <a:rPr lang="en-US" sz="2400" dirty="0">
+                <a:solidFill>
+                  <a:schemeClr val="tx1"/>
+                </a:solidFill>
+                <a:latin typeface="American Typewriter"/>
+                <a:cs typeface="American Typewriter"/>
+              </a:rPr>
+              <a:t>/* Original by JD West, 01/08/2006                         </a:t>
+            </a:r>
+            <a:r>
+              <a:rPr lang="en-US" sz="2400" dirty="0" smtClean="0">
+                <a:solidFill>
+                  <a:schemeClr val="tx1"/>
+                </a:solidFill>
+                <a:latin typeface="American Typewriter"/>
+                <a:cs typeface="American Typewriter"/>
+              </a:rPr>
+              <a:t>             </a:t>
+            </a:r>
+            <a:r>
+              <a:rPr lang="en-US" sz="2400" dirty="0">
+                <a:solidFill>
+                  <a:schemeClr val="tx1"/>
+                </a:solidFill>
+                <a:latin typeface="American Typewriter"/>
+                <a:cs typeface="American Typewriter"/>
+              </a:rPr>
+              <a:t>*/</a:t>
+            </a:r>
+          </a:p>
+          <a:p>
+            <a:pPr algn="l"/>
+            <a:r>
+              <a:rPr lang="en-US" sz="2400" dirty="0">
+                <a:solidFill>
+                  <a:schemeClr val="tx1"/>
+                </a:solidFill>
+                <a:latin typeface="American Typewriter"/>
+                <a:cs typeface="American Typewriter"/>
+              </a:rPr>
+              <a:t>/* Modified 02/11/2007 to increase resolution          </a:t>
+            </a:r>
+            <a:r>
+              <a:rPr lang="en-US" sz="2400" dirty="0" smtClean="0">
+                <a:solidFill>
+                  <a:schemeClr val="tx1"/>
+                </a:solidFill>
+                <a:latin typeface="American Typewriter"/>
+                <a:cs typeface="American Typewriter"/>
+              </a:rPr>
+              <a:t>        </a:t>
+            </a:r>
+            <a:r>
+              <a:rPr lang="en-US" sz="2400" dirty="0">
+                <a:solidFill>
+                  <a:schemeClr val="tx1"/>
+                </a:solidFill>
+                <a:latin typeface="American Typewriter"/>
+                <a:cs typeface="American Typewriter"/>
+              </a:rPr>
+              <a:t>*/</a:t>
+            </a:r>
+          </a:p>
+          <a:p>
+            <a:pPr algn="l"/>
+            <a:r>
+              <a:rPr lang="en-US" sz="2400" dirty="0">
+                <a:solidFill>
+                  <a:schemeClr val="tx1"/>
+                </a:solidFill>
+                <a:latin typeface="American Typewriter"/>
+                <a:cs typeface="American Typewriter"/>
+              </a:rPr>
+              <a:t>/*****************************************</a:t>
+            </a:r>
+            <a:r>
+              <a:rPr lang="en-US" sz="2400" dirty="0" smtClean="0">
+                <a:solidFill>
+                  <a:schemeClr val="tx1"/>
+                </a:solidFill>
+                <a:latin typeface="American Typewriter"/>
+                <a:cs typeface="American Typewriter"/>
+              </a:rPr>
+              <a:t>*/</a:t>
+            </a:r>
+            <a:endParaRPr lang="en-US" sz="2400" dirty="0">
+              <a:solidFill>
+                <a:schemeClr val="tx1"/>
+              </a:solidFill>
+              <a:latin typeface="American Typewriter"/>
+              <a:cs typeface="American Typewriter"/>
+            </a:endParaRPr>
           </a:p>
         </p:txBody>
       </p:sp>
     </p:spTree>
     <p:extLst>
       <p:ext uri="{BB962C8B-B14F-4D97-AF65-F5344CB8AC3E}">
-        <p14:creationId xmlns:p14="http://schemas.microsoft.com/office/powerpoint/2010/main" val="32140555"/>
+        <p14:creationId xmlns:p14="http://schemas.microsoft.com/office/powerpoint/2010/main" val="2842108130"/>
       </p:ext>
     </p:extLst>
   </p:cSld>
   <p:clrMapOvr>
     <a:masterClrMapping/>
   </p:clrMapOvr>
+  <p:timing>
+    <p:tnLst>
+      <p:par>
+        <p:cTn xmlns:p14="http://schemas.microsoft.com/office/powerpoint/2010/main" id="1" dur="indefinite" restart="never" nodeType="tmRoot"/>
+      </p:par>
+    </p:tnLst>
+  </p:timing>
 </p:sld>
 </file>
 
@@ -5350,66 +4957,289 @@
       </p:grpSpPr>
       <p:sp>
         <p:nvSpPr>
-          <p:cNvPr id="2" name="Title 1"/>
-          <p:cNvSpPr>
-            <a:spLocks noGrp="1"/>
-          </p:cNvSpPr>
-          <p:nvPr>
-            <p:ph type="title"/>
-          </p:nvPr>
-        </p:nvSpPr>
-        <p:spPr/>
-        <p:txBody>
-          <a:bodyPr/>
-          <a:lstStyle/>
-          <a:p>
-            <a:r>
-              <a:rPr lang="en-US" dirty="0" smtClean="0"/>
-              <a:t>Taking over someone’s project </a:t>
-            </a:r>
-            <a:endParaRPr lang="en-US" dirty="0"/>
-          </a:p>
-        </p:txBody>
-      </p:sp>
-      <p:sp>
-        <p:nvSpPr>
-          <p:cNvPr id="3" name="Content Placeholder 2"/>
-          <p:cNvSpPr>
-            <a:spLocks noGrp="1"/>
-          </p:cNvSpPr>
-          <p:nvPr>
-            <p:ph idx="1"/>
-          </p:nvPr>
-        </p:nvSpPr>
-        <p:spPr/>
-        <p:txBody>
-          <a:bodyPr/>
-          <a:lstStyle/>
-          <a:p>
-            <a:r>
-              <a:rPr lang="en-US" dirty="0" smtClean="0"/>
-              <a:t>Comment/uncomment out bits of their code</a:t>
-            </a:r>
-          </a:p>
-          <a:p>
-            <a:r>
-              <a:rPr lang="en-US" dirty="0" smtClean="0"/>
-              <a:t>See what part of the code controls the functionality </a:t>
-            </a:r>
-            <a:endParaRPr lang="en-US" dirty="0"/>
+          <p:cNvPr id="52226" name="Rectangle 2"/>
+          <p:cNvSpPr>
+            <a:spLocks noGrp="1" noChangeArrowheads="1"/>
+          </p:cNvSpPr>
+          <p:nvPr>
+            <p:ph type="ctrTitle"/>
+          </p:nvPr>
+        </p:nvSpPr>
+        <p:spPr>
+          <a:xfrm>
+            <a:off x="533400" y="685800"/>
+            <a:ext cx="8153400" cy="1524000"/>
+          </a:xfrm>
+        </p:spPr>
+        <p:txBody>
+          <a:bodyPr>
+            <a:normAutofit fontScale="90000"/>
+          </a:bodyPr>
+          <a:lstStyle/>
+          <a:p>
+            <a:r>
+              <a:rPr lang="en-US" sz="4800">
+                <a:latin typeface="Trebuchet MS" charset="0"/>
+              </a:rPr>
+              <a:t>Use Descriptive Variable Names</a:t>
+            </a:r>
+          </a:p>
+        </p:txBody>
+      </p:sp>
+      <p:sp>
+        <p:nvSpPr>
+          <p:cNvPr id="52227" name="Rectangle 3"/>
+          <p:cNvSpPr>
+            <a:spLocks noGrp="1" noChangeArrowheads="1"/>
+          </p:cNvSpPr>
+          <p:nvPr>
+            <p:ph type="subTitle" idx="1"/>
+          </p:nvPr>
+        </p:nvSpPr>
+        <p:spPr>
+          <a:xfrm>
+            <a:off x="304800" y="2286000"/>
+            <a:ext cx="8610600" cy="4343400"/>
+          </a:xfrm>
+        </p:spPr>
+        <p:txBody>
+          <a:bodyPr/>
+          <a:lstStyle/>
+          <a:p>
+            <a:pPr algn="l">
+              <a:lnSpc>
+                <a:spcPct val="90000"/>
+              </a:lnSpc>
+            </a:pPr>
+            <a:r>
+              <a:rPr lang="en-US" dirty="0">
+                <a:solidFill>
+                  <a:schemeClr val="tx1"/>
+                </a:solidFill>
+                <a:latin typeface="American Typewriter"/>
+                <a:cs typeface="American Typewriter"/>
+              </a:rPr>
+              <a:t>// increment along the surface (x axis) </a:t>
+            </a:r>
+          </a:p>
+          <a:p>
+            <a:pPr algn="l">
+              <a:lnSpc>
+                <a:spcPct val="90000"/>
+              </a:lnSpc>
+            </a:pPr>
+            <a:r>
+              <a:rPr lang="en-US" dirty="0">
+                <a:solidFill>
+                  <a:schemeClr val="tx1"/>
+                </a:solidFill>
+                <a:latin typeface="American Typewriter"/>
+                <a:cs typeface="American Typewriter"/>
+              </a:rPr>
+              <a:t>// summing each point</a:t>
+            </a:r>
+            <a:r>
+              <a:rPr lang="ja-JP" altLang="en-US" dirty="0">
+                <a:solidFill>
+                  <a:schemeClr val="tx1"/>
+                </a:solidFill>
+                <a:latin typeface="American Typewriter"/>
+                <a:cs typeface="American Typewriter"/>
+              </a:rPr>
+              <a:t>’</a:t>
+            </a:r>
+            <a:r>
+              <a:rPr lang="en-US" dirty="0">
+                <a:solidFill>
+                  <a:schemeClr val="tx1"/>
+                </a:solidFill>
+                <a:latin typeface="American Typewriter"/>
+                <a:cs typeface="American Typewriter"/>
+              </a:rPr>
+              <a:t>s contribution</a:t>
+            </a:r>
+          </a:p>
+          <a:p>
+            <a:pPr algn="l">
+              <a:lnSpc>
+                <a:spcPct val="90000"/>
+              </a:lnSpc>
+            </a:pPr>
+            <a:r>
+              <a:rPr lang="en-US" dirty="0">
+                <a:solidFill>
+                  <a:schemeClr val="tx1"/>
+                </a:solidFill>
+                <a:latin typeface="American Typewriter"/>
+                <a:cs typeface="American Typewriter"/>
+              </a:rPr>
+              <a:t>for (</a:t>
+            </a:r>
+            <a:r>
+              <a:rPr lang="en-US" dirty="0" err="1">
+                <a:solidFill>
+                  <a:schemeClr val="tx1"/>
+                </a:solidFill>
+                <a:latin typeface="American Typewriter"/>
+                <a:cs typeface="American Typewriter"/>
+              </a:rPr>
+              <a:t>iLength</a:t>
+            </a:r>
+            <a:r>
+              <a:rPr lang="en-US" dirty="0">
+                <a:solidFill>
+                  <a:schemeClr val="tx1"/>
+                </a:solidFill>
+                <a:latin typeface="American Typewriter"/>
+                <a:cs typeface="American Typewriter"/>
+              </a:rPr>
+              <a:t> = 1; </a:t>
+            </a:r>
+            <a:r>
+              <a:rPr lang="en-US" dirty="0" err="1">
+                <a:solidFill>
+                  <a:schemeClr val="tx1"/>
+                </a:solidFill>
+                <a:latin typeface="American Typewriter"/>
+                <a:cs typeface="American Typewriter"/>
+              </a:rPr>
+              <a:t>iLength</a:t>
+            </a:r>
+            <a:r>
+              <a:rPr lang="en-US" dirty="0">
+                <a:solidFill>
+                  <a:schemeClr val="tx1"/>
+                </a:solidFill>
+                <a:latin typeface="American Typewriter"/>
+                <a:cs typeface="American Typewriter"/>
+              </a:rPr>
+              <a:t> &lt;= 100; </a:t>
+            </a:r>
+            <a:r>
+              <a:rPr lang="en-US" dirty="0" err="1">
+                <a:solidFill>
+                  <a:schemeClr val="tx1"/>
+                </a:solidFill>
+                <a:latin typeface="American Typewriter"/>
+                <a:cs typeface="American Typewriter"/>
+              </a:rPr>
+              <a:t>iLength</a:t>
+            </a:r>
+            <a:r>
+              <a:rPr lang="en-US" dirty="0">
+                <a:solidFill>
+                  <a:schemeClr val="tx1"/>
+                </a:solidFill>
+                <a:latin typeface="American Typewriter"/>
+                <a:cs typeface="American Typewriter"/>
+              </a:rPr>
+              <a:t>++)</a:t>
+            </a:r>
+          </a:p>
+          <a:p>
+            <a:pPr algn="l">
+              <a:lnSpc>
+                <a:spcPct val="90000"/>
+              </a:lnSpc>
+            </a:pPr>
+            <a:r>
+              <a:rPr lang="en-US" dirty="0">
+                <a:solidFill>
+                  <a:schemeClr val="tx1"/>
+                </a:solidFill>
+                <a:latin typeface="American Typewriter"/>
+                <a:cs typeface="American Typewriter"/>
+              </a:rPr>
+              <a:t>	{</a:t>
+            </a:r>
+          </a:p>
+          <a:p>
+            <a:pPr algn="l">
+              <a:lnSpc>
+                <a:spcPct val="90000"/>
+              </a:lnSpc>
+            </a:pPr>
+            <a:r>
+              <a:rPr lang="en-US" dirty="0">
+                <a:solidFill>
+                  <a:schemeClr val="tx1"/>
+                </a:solidFill>
+                <a:latin typeface="American Typewriter"/>
+                <a:cs typeface="American Typewriter"/>
+              </a:rPr>
+              <a:t>	…</a:t>
+            </a:r>
+          </a:p>
+          <a:p>
+            <a:pPr algn="l">
+              <a:lnSpc>
+                <a:spcPct val="90000"/>
+              </a:lnSpc>
+            </a:pPr>
+            <a:r>
+              <a:rPr lang="en-US" dirty="0">
+                <a:solidFill>
+                  <a:schemeClr val="tx1"/>
+                </a:solidFill>
+                <a:latin typeface="American Typewriter"/>
+                <a:cs typeface="American Typewriter"/>
+              </a:rPr>
+              <a:t>	…</a:t>
+            </a:r>
+          </a:p>
+          <a:p>
+            <a:pPr algn="l">
+              <a:lnSpc>
+                <a:spcPct val="90000"/>
+              </a:lnSpc>
+            </a:pPr>
+            <a:r>
+              <a:rPr lang="en-US" dirty="0">
+                <a:solidFill>
+                  <a:schemeClr val="tx1"/>
+                </a:solidFill>
+                <a:latin typeface="American Typewriter"/>
+                <a:cs typeface="American Typewriter"/>
+              </a:rPr>
+              <a:t>	…</a:t>
+            </a:r>
+          </a:p>
+          <a:p>
+            <a:pPr algn="l">
+              <a:lnSpc>
+                <a:spcPct val="90000"/>
+              </a:lnSpc>
+            </a:pPr>
+            <a:r>
+              <a:rPr lang="en-US" dirty="0">
+                <a:solidFill>
+                  <a:schemeClr val="tx1"/>
+                </a:solidFill>
+                <a:latin typeface="American Typewriter"/>
+                <a:cs typeface="American Typewriter"/>
+              </a:rPr>
+              <a:t>	}</a:t>
+            </a:r>
           </a:p>
         </p:txBody>
       </p:sp>
     </p:spTree>
     <p:extLst>
       <p:ext uri="{BB962C8B-B14F-4D97-AF65-F5344CB8AC3E}">
-        <p14:creationId xmlns:p14="http://schemas.microsoft.com/office/powerpoint/2010/main" val="3486859430"/>
+        <p14:creationId xmlns:p14="http://schemas.microsoft.com/office/powerpoint/2010/main" val="987521526"/>
       </p:ext>
     </p:extLst>
   </p:cSld>
   <p:clrMapOvr>
     <a:masterClrMapping/>
   </p:clrMapOvr>
+  <p:timing>
+    <p:tnLst>
+      <p:par>
+        <p:cTn xmlns:p14="http://schemas.microsoft.com/office/powerpoint/2010/main" id="1" dur="indefinite" restart="never" nodeType="tmRoot"/>
+      </p:par>
+    </p:tnLst>
+  </p:timing>
 </p:sld>
 </file>
 
@@ -5432,307 +5262,344 @@
       </p:grpSpPr>
       <p:sp>
         <p:nvSpPr>
-          <p:cNvPr id="2" name="Title 1"/>
-          <p:cNvSpPr>
-            <a:spLocks noGrp="1"/>
-          </p:cNvSpPr>
-          <p:nvPr>
-            <p:ph type="title"/>
-          </p:nvPr>
-        </p:nvSpPr>
-        <p:spPr>
-          <a:solidFill>
-            <a:schemeClr val="tx1"/>
-          </a:solidFill>
-        </p:spPr>
-        <p:txBody>
-          <a:bodyPr/>
-          <a:lstStyle/>
-          <a:p>
-            <a:r>
-              <a:rPr lang="en-US" dirty="0" smtClean="0">
-                <a:solidFill>
-                  <a:srgbClr val="FFFFFF"/>
-                </a:solidFill>
-              </a:rPr>
-              <a:t>Contents</a:t>
-            </a:r>
-            <a:endParaRPr lang="en-US" dirty="0">
-              <a:solidFill>
-                <a:srgbClr val="FFFFFF"/>
-              </a:solidFill>
-            </a:endParaRPr>
-          </a:p>
-        </p:txBody>
-      </p:sp>
-      <p:sp>
-        <p:nvSpPr>
-          <p:cNvPr id="3" name="Content Placeholder 2"/>
-          <p:cNvSpPr>
-            <a:spLocks noGrp="1"/>
-          </p:cNvSpPr>
-          <p:nvPr>
-            <p:ph idx="1"/>
+          <p:cNvPr id="54274" name="Rectangle 2"/>
+          <p:cNvSpPr>
+            <a:spLocks noGrp="1" noChangeArrowheads="1"/>
+          </p:cNvSpPr>
+          <p:nvPr>
+            <p:ph type="ctrTitle"/>
           </p:nvPr>
         </p:nvSpPr>
         <p:spPr>
           <a:xfrm>
-            <a:off x="457200" y="1600200"/>
-            <a:ext cx="8229600" cy="5257800"/>
+            <a:off x="457200" y="500119"/>
+            <a:ext cx="8305800" cy="1295400"/>
           </a:xfrm>
         </p:spPr>
         <p:txBody>
           <a:bodyPr>
-            <a:normAutofit fontScale="62500" lnSpcReduction="20000"/>
+            <a:normAutofit/>
           </a:bodyPr>
           <a:lstStyle/>
           <a:p>
             <a:r>
+              <a:rPr lang="en-US" sz="4800" dirty="0" smtClean="0">
+                <a:latin typeface="Trebuchet MS" charset="0"/>
+              </a:rPr>
+              <a:t>No magic (numbers)</a:t>
+            </a:r>
+            <a:endParaRPr lang="en-US" sz="4800" dirty="0">
+              <a:latin typeface="Trebuchet MS" charset="0"/>
+            </a:endParaRPr>
+          </a:p>
+        </p:txBody>
+      </p:sp>
+      <p:sp>
+        <p:nvSpPr>
+          <p:cNvPr id="54275" name="Rectangle 3"/>
+          <p:cNvSpPr>
+            <a:spLocks noGrp="1" noChangeArrowheads="1"/>
+          </p:cNvSpPr>
+          <p:nvPr>
+            <p:ph type="subTitle" idx="1"/>
+          </p:nvPr>
+        </p:nvSpPr>
+        <p:spPr>
+          <a:xfrm>
+            <a:off x="139858" y="2067022"/>
+            <a:ext cx="8839200" cy="4419600"/>
+          </a:xfrm>
+        </p:spPr>
+        <p:txBody>
+          <a:bodyPr>
+            <a:normAutofit/>
+          </a:bodyPr>
+          <a:lstStyle/>
+          <a:p>
+            <a:pPr algn="l">
+              <a:lnSpc>
+                <a:spcPct val="90000"/>
+              </a:lnSpc>
+            </a:pPr>
+            <a:r>
+              <a:rPr lang="en-US" dirty="0">
+                <a:solidFill>
+                  <a:schemeClr val="tx1"/>
+                </a:solidFill>
+                <a:latin typeface="American Typewriter"/>
+                <a:cs typeface="American Typewriter"/>
+              </a:rPr>
+              <a:t>// increment along the surface (x axis) </a:t>
+            </a:r>
+          </a:p>
+          <a:p>
+            <a:pPr algn="l">
+              <a:lnSpc>
+                <a:spcPct val="90000"/>
+              </a:lnSpc>
+            </a:pPr>
+            <a:r>
+              <a:rPr lang="en-US" dirty="0">
+                <a:solidFill>
+                  <a:schemeClr val="tx1"/>
+                </a:solidFill>
+                <a:latin typeface="American Typewriter"/>
+                <a:cs typeface="American Typewriter"/>
+              </a:rPr>
+              <a:t>// summing each point</a:t>
+            </a:r>
+            <a:r>
+              <a:rPr lang="ja-JP" altLang="en-US" dirty="0">
+                <a:solidFill>
+                  <a:schemeClr val="tx1"/>
+                </a:solidFill>
+                <a:latin typeface="American Typewriter"/>
+                <a:cs typeface="American Typewriter"/>
+              </a:rPr>
+              <a:t>’</a:t>
+            </a:r>
+            <a:r>
+              <a:rPr lang="en-US" dirty="0">
+                <a:solidFill>
+                  <a:schemeClr val="tx1"/>
+                </a:solidFill>
+                <a:latin typeface="American Typewriter"/>
+                <a:cs typeface="American Typewriter"/>
+              </a:rPr>
+              <a:t>s contribution</a:t>
+            </a:r>
+          </a:p>
+          <a:p>
+            <a:pPr algn="l">
+              <a:lnSpc>
+                <a:spcPct val="90000"/>
+              </a:lnSpc>
+            </a:pPr>
+            <a:r>
+              <a:rPr lang="en-US" dirty="0">
+                <a:solidFill>
+                  <a:schemeClr val="tx1"/>
+                </a:solidFill>
+                <a:latin typeface="American Typewriter"/>
+                <a:cs typeface="American Typewriter"/>
+              </a:rPr>
+              <a:t>for </a:t>
+            </a:r>
+            <a:r>
               <a:rPr lang="en-US" dirty="0" smtClean="0">
                 <a:solidFill>
-                  <a:schemeClr val="bg1">
-                    <a:lumMod val="65000"/>
-                  </a:schemeClr>
-                </a:solidFill>
-              </a:rPr>
-              <a:t>Admin</a:t>
-            </a:r>
-          </a:p>
-          <a:p>
-            <a:pPr lvl="1"/>
+                  <a:schemeClr val="tx1"/>
+                </a:solidFill>
+                <a:latin typeface="American Typewriter"/>
+                <a:cs typeface="American Typewriter"/>
+              </a:rPr>
+              <a:t>(</a:t>
+            </a:r>
+            <a:r>
+              <a:rPr lang="en-US" dirty="0" err="1" smtClean="0">
+                <a:solidFill>
+                  <a:schemeClr val="tx1"/>
+                </a:solidFill>
+                <a:latin typeface="American Typewriter"/>
+                <a:cs typeface="American Typewriter"/>
+              </a:rPr>
+              <a:t>i</a:t>
+            </a:r>
             <a:r>
               <a:rPr lang="en-US" dirty="0" smtClean="0">
                 <a:solidFill>
-                  <a:schemeClr val="bg1">
-                    <a:lumMod val="65000"/>
-                  </a:schemeClr>
-                </a:solidFill>
-              </a:rPr>
-              <a:t>My background</a:t>
-            </a:r>
-          </a:p>
-          <a:p>
-            <a:pPr lvl="1"/>
+                  <a:schemeClr val="tx1"/>
+                </a:solidFill>
+                <a:latin typeface="American Typewriter"/>
+                <a:cs typeface="American Typewriter"/>
+              </a:rPr>
+              <a:t> </a:t>
+            </a:r>
+            <a:r>
+              <a:rPr lang="en-US" dirty="0">
+                <a:solidFill>
+                  <a:schemeClr val="tx1"/>
+                </a:solidFill>
+                <a:latin typeface="American Typewriter"/>
+                <a:cs typeface="American Typewriter"/>
+              </a:rPr>
+              <a:t>= 1; </a:t>
+            </a:r>
+            <a:r>
+              <a:rPr lang="en-US" dirty="0" err="1" smtClean="0">
+                <a:solidFill>
+                  <a:schemeClr val="tx1"/>
+                </a:solidFill>
+                <a:latin typeface="American Typewriter"/>
+                <a:cs typeface="American Typewriter"/>
+              </a:rPr>
+              <a:t>i</a:t>
+            </a:r>
             <a:r>
               <a:rPr lang="en-US" dirty="0" smtClean="0">
                 <a:solidFill>
-                  <a:schemeClr val="bg1">
-                    <a:lumMod val="65000"/>
-                  </a:schemeClr>
-                </a:solidFill>
-              </a:rPr>
-              <a:t>Goals of this session</a:t>
-            </a:r>
-          </a:p>
-          <a:p>
+                  <a:schemeClr val="tx1"/>
+                </a:solidFill>
+                <a:latin typeface="American Typewriter"/>
+                <a:cs typeface="American Typewriter"/>
+              </a:rPr>
+              <a:t> </a:t>
+            </a:r>
+            <a:r>
+              <a:rPr lang="en-US" dirty="0">
+                <a:solidFill>
+                  <a:schemeClr val="tx1"/>
+                </a:solidFill>
+                <a:latin typeface="American Typewriter"/>
+                <a:cs typeface="American Typewriter"/>
+              </a:rPr>
+              <a:t>&lt;= </a:t>
+            </a:r>
             <a:r>
               <a:rPr lang="en-US" dirty="0" smtClean="0">
                 <a:solidFill>
-                  <a:schemeClr val="bg1">
-                    <a:lumMod val="65000"/>
-                  </a:schemeClr>
-                </a:solidFill>
-              </a:rPr>
-              <a:t>Writing code </a:t>
-            </a:r>
-          </a:p>
-          <a:p>
-            <a:pPr lvl="1"/>
+                  <a:schemeClr val="tx1"/>
+                </a:solidFill>
+                <a:latin typeface="American Typewriter"/>
+                <a:cs typeface="American Typewriter"/>
+              </a:rPr>
+              <a:t>27; </a:t>
+            </a:r>
+            <a:r>
+              <a:rPr lang="en-US" dirty="0" err="1" smtClean="0">
+                <a:solidFill>
+                  <a:schemeClr val="tx1"/>
+                </a:solidFill>
+                <a:latin typeface="American Typewriter"/>
+                <a:cs typeface="American Typewriter"/>
+              </a:rPr>
+              <a:t>i</a:t>
+            </a:r>
             <a:r>
               <a:rPr lang="en-US" dirty="0" smtClean="0">
                 <a:solidFill>
-                  <a:schemeClr val="bg1">
-                    <a:lumMod val="65000"/>
-                  </a:schemeClr>
-                </a:solidFill>
-              </a:rPr>
-              <a:t>Writing your own code</a:t>
-            </a:r>
-          </a:p>
-          <a:p>
-            <a:pPr lvl="1"/>
-            <a:r>
-              <a:rPr lang="en-US" dirty="0" smtClean="0">
-                <a:solidFill>
-                  <a:schemeClr val="bg1">
-                    <a:lumMod val="65000"/>
-                  </a:schemeClr>
-                </a:solidFill>
-              </a:rPr>
-              <a:t>Working on code with collaborators </a:t>
-            </a:r>
-          </a:p>
-          <a:p>
-            <a:pPr lvl="1"/>
-            <a:r>
-              <a:rPr lang="en-US" dirty="0" smtClean="0">
-                <a:solidFill>
-                  <a:schemeClr val="bg1">
-                    <a:lumMod val="65000"/>
-                  </a:schemeClr>
-                </a:solidFill>
-              </a:rPr>
-              <a:t>Joining a project where someone left off </a:t>
-            </a:r>
-          </a:p>
-          <a:p>
-            <a:r>
-              <a:rPr lang="en-US" dirty="0" smtClean="0"/>
-              <a:t>Find out how to do something</a:t>
-            </a:r>
-          </a:p>
-          <a:p>
-            <a:pPr lvl="1"/>
-            <a:r>
-              <a:rPr lang="en-US" dirty="0" smtClean="0"/>
-              <a:t>Looking for information you need</a:t>
-            </a:r>
-          </a:p>
-          <a:p>
-            <a:pPr lvl="1"/>
-            <a:r>
-              <a:rPr lang="en-US" dirty="0" smtClean="0"/>
-              <a:t>Using the fruits of other peoples’ labor</a:t>
-            </a:r>
-          </a:p>
-          <a:p>
-            <a:r>
-              <a:rPr lang="en-US" dirty="0" smtClean="0">
-                <a:solidFill>
-                  <a:schemeClr val="bg1">
-                    <a:lumMod val="65000"/>
-                  </a:schemeClr>
-                </a:solidFill>
-              </a:rPr>
-              <a:t>Developing your own tool</a:t>
-            </a:r>
-          </a:p>
-          <a:p>
-            <a:pPr lvl="1"/>
-            <a:r>
-              <a:rPr lang="en-US" dirty="0" smtClean="0">
-                <a:solidFill>
-                  <a:schemeClr val="bg1">
-                    <a:lumMod val="65000"/>
-                  </a:schemeClr>
-                </a:solidFill>
-              </a:rPr>
-              <a:t>When to do it</a:t>
-            </a:r>
-          </a:p>
-          <a:p>
-            <a:pPr lvl="1"/>
-            <a:r>
-              <a:rPr lang="en-US" dirty="0" smtClean="0">
-                <a:solidFill>
-                  <a:schemeClr val="bg1">
-                    <a:lumMod val="65000"/>
-                  </a:schemeClr>
-                </a:solidFill>
-              </a:rPr>
-              <a:t>What to keep in mind </a:t>
-            </a:r>
-          </a:p>
-          <a:p>
-            <a:r>
-              <a:rPr lang="en-US" dirty="0" smtClean="0">
-                <a:solidFill>
-                  <a:schemeClr val="bg1">
-                    <a:lumMod val="65000"/>
-                  </a:schemeClr>
-                </a:solidFill>
-              </a:rPr>
-              <a:t>Version control </a:t>
-            </a:r>
-          </a:p>
-          <a:p>
-            <a:pPr lvl="1"/>
-            <a:r>
-              <a:rPr lang="en-US" dirty="0" err="1" smtClean="0">
-                <a:solidFill>
-                  <a:schemeClr val="bg1">
-                    <a:lumMod val="65000"/>
-                  </a:schemeClr>
-                </a:solidFill>
-              </a:rPr>
-              <a:t>Github</a:t>
-            </a:r>
-            <a:r>
-              <a:rPr lang="en-US" dirty="0" smtClean="0">
-                <a:solidFill>
-                  <a:schemeClr val="bg1">
-                    <a:lumMod val="65000"/>
-                  </a:schemeClr>
-                </a:solidFill>
-              </a:rPr>
-              <a:t> </a:t>
-            </a:r>
-          </a:p>
-          <a:p>
-            <a:pPr lvl="1"/>
-            <a:r>
-              <a:rPr lang="en-US" dirty="0" err="1" smtClean="0">
-                <a:solidFill>
-                  <a:schemeClr val="bg1">
-                    <a:lumMod val="65000"/>
-                  </a:schemeClr>
-                </a:solidFill>
-              </a:rPr>
-              <a:t>Dropbox</a:t>
-            </a:r>
-            <a:r>
-              <a:rPr lang="en-US" dirty="0" smtClean="0">
-                <a:solidFill>
-                  <a:schemeClr val="bg1">
-                    <a:lumMod val="65000"/>
-                  </a:schemeClr>
-                </a:solidFill>
-              </a:rPr>
-              <a:t> </a:t>
-            </a:r>
-          </a:p>
-          <a:p>
-            <a:pPr lvl="1"/>
-            <a:r>
-              <a:rPr lang="en-US" dirty="0" smtClean="0">
-                <a:solidFill>
-                  <a:schemeClr val="bg1">
-                    <a:lumMod val="65000"/>
-                  </a:schemeClr>
-                </a:solidFill>
-              </a:rPr>
-              <a:t>Hard drives</a:t>
-            </a:r>
-            <a:r>
-              <a:rPr lang="en-US" dirty="0" smtClean="0"/>
-              <a:t> </a:t>
-            </a:r>
-          </a:p>
-          <a:p>
-            <a:endParaRPr lang="en-US" dirty="0"/>
-          </a:p>
-          <a:p>
-            <a:pPr lvl="1"/>
-            <a:endParaRPr lang="en-US" dirty="0" smtClean="0"/>
-          </a:p>
-          <a:p>
-            <a:endParaRPr lang="en-US" dirty="0" smtClean="0"/>
-          </a:p>
-          <a:p>
-            <a:endParaRPr lang="en-US" dirty="0"/>
+                  <a:schemeClr val="tx1"/>
+                </a:solidFill>
+                <a:latin typeface="American Typewriter"/>
+                <a:cs typeface="American Typewriter"/>
+              </a:rPr>
+              <a:t>+</a:t>
+            </a:r>
+            <a:r>
+              <a:rPr lang="en-US" dirty="0">
+                <a:solidFill>
+                  <a:schemeClr val="tx1"/>
+                </a:solidFill>
+                <a:latin typeface="American Typewriter"/>
+                <a:cs typeface="American Typewriter"/>
+              </a:rPr>
+              <a:t>+)</a:t>
+            </a:r>
+          </a:p>
+          <a:p>
+            <a:pPr algn="l">
+              <a:lnSpc>
+                <a:spcPct val="90000"/>
+              </a:lnSpc>
+            </a:pPr>
+            <a:r>
+              <a:rPr lang="en-US" dirty="0">
+                <a:solidFill>
+                  <a:schemeClr val="tx1"/>
+                </a:solidFill>
+                <a:latin typeface="American Typewriter"/>
+                <a:cs typeface="American Typewriter"/>
+              </a:rPr>
+              <a:t>	{</a:t>
+            </a:r>
+          </a:p>
+          <a:p>
+            <a:pPr algn="l">
+              <a:lnSpc>
+                <a:spcPct val="90000"/>
+              </a:lnSpc>
+            </a:pPr>
+            <a:r>
+              <a:rPr lang="en-US" dirty="0">
+                <a:solidFill>
+                  <a:schemeClr val="tx1"/>
+                </a:solidFill>
+                <a:latin typeface="American Typewriter"/>
+                <a:cs typeface="American Typewriter"/>
+              </a:rPr>
+              <a:t>	…</a:t>
+            </a:r>
+          </a:p>
+          <a:p>
+            <a:pPr algn="l">
+              <a:lnSpc>
+                <a:spcPct val="90000"/>
+              </a:lnSpc>
+            </a:pPr>
+            <a:r>
+              <a:rPr lang="en-US" dirty="0">
+                <a:solidFill>
+                  <a:schemeClr val="tx1"/>
+                </a:solidFill>
+                <a:latin typeface="American Typewriter"/>
+                <a:cs typeface="American Typewriter"/>
+              </a:rPr>
+              <a:t>	…</a:t>
+            </a:r>
+          </a:p>
+          <a:p>
+            <a:pPr algn="l">
+              <a:lnSpc>
+                <a:spcPct val="90000"/>
+              </a:lnSpc>
+            </a:pPr>
+            <a:r>
+              <a:rPr lang="en-US" dirty="0">
+                <a:solidFill>
+                  <a:schemeClr val="tx1"/>
+                </a:solidFill>
+                <a:latin typeface="American Typewriter"/>
+                <a:cs typeface="American Typewriter"/>
+              </a:rPr>
+              <a:t>	…</a:t>
+            </a:r>
+          </a:p>
+          <a:p>
+            <a:pPr algn="l">
+              <a:lnSpc>
+                <a:spcPct val="90000"/>
+              </a:lnSpc>
+            </a:pPr>
+            <a:r>
+              <a:rPr lang="en-US" dirty="0">
+                <a:solidFill>
+                  <a:schemeClr val="tx1"/>
+                </a:solidFill>
+                <a:latin typeface="American Typewriter"/>
+                <a:cs typeface="American Typewriter"/>
+              </a:rPr>
+              <a:t>	}</a:t>
+            </a:r>
           </a:p>
         </p:txBody>
       </p:sp>
     </p:spTree>
     <p:extLst>
       <p:ext uri="{BB962C8B-B14F-4D97-AF65-F5344CB8AC3E}">
-        <p14:creationId xmlns:p14="http://schemas.microsoft.com/office/powerpoint/2010/main" val="849704915"/>
+        <p14:creationId xmlns:p14="http://schemas.microsoft.com/office/powerpoint/2010/main" val="878237750"/>
       </p:ext>
     </p:extLst>
   </p:cSld>
   <p:clrMapOvr>
     <a:masterClrMapping/>
   </p:clrMapOvr>
+  <p:timing>
+    <p:tnLst>
+      <p:par>
+        <p:cTn xmlns:p14="http://schemas.microsoft.com/office/powerpoint/2010/main" id="1" dur="indefinite" restart="never" nodeType="tmRoot"/>
+      </p:par>
+    </p:tnLst>
+  </p:timing>
 </p:sld>
 </file>
 
@@ -5755,113 +5622,314 @@
       </p:grpSpPr>
       <p:sp>
         <p:nvSpPr>
-          <p:cNvPr id="2" name="Title 1"/>
-          <p:cNvSpPr>
-            <a:spLocks noGrp="1"/>
-          </p:cNvSpPr>
-          <p:nvPr>
-            <p:ph type="title"/>
-          </p:nvPr>
-        </p:nvSpPr>
-        <p:spPr/>
-        <p:txBody>
-          <a:bodyPr/>
-          <a:lstStyle/>
-          <a:p>
-            <a:r>
-              <a:rPr lang="en-US" dirty="0" smtClean="0"/>
-              <a:t>What if you hit a problem?</a:t>
-            </a:r>
-            <a:endParaRPr lang="en-US" dirty="0"/>
-          </a:p>
-        </p:txBody>
-      </p:sp>
-      <p:sp>
-        <p:nvSpPr>
-          <p:cNvPr id="3" name="Content Placeholder 2"/>
-          <p:cNvSpPr>
-            <a:spLocks noGrp="1"/>
-          </p:cNvSpPr>
-          <p:nvPr>
-            <p:ph idx="1"/>
-          </p:nvPr>
-        </p:nvSpPr>
-        <p:spPr/>
+          <p:cNvPr id="54274" name="Rectangle 2"/>
+          <p:cNvSpPr>
+            <a:spLocks noGrp="1" noChangeArrowheads="1"/>
+          </p:cNvSpPr>
+          <p:nvPr>
+            <p:ph type="ctrTitle"/>
+          </p:nvPr>
+        </p:nvSpPr>
+        <p:spPr>
+          <a:xfrm>
+            <a:off x="457200" y="500119"/>
+            <a:ext cx="8305800" cy="1295400"/>
+          </a:xfrm>
+        </p:spPr>
         <p:txBody>
           <a:bodyPr>
-            <a:normAutofit fontScale="92500" lnSpcReduction="10000"/>
+            <a:normAutofit/>
           </a:bodyPr>
           <a:lstStyle/>
           <a:p>
             <a:r>
-              <a:rPr lang="en-US" dirty="0" smtClean="0"/>
-              <a:t>Coding problem</a:t>
-            </a:r>
-          </a:p>
-          <a:p>
-            <a:pPr lvl="1"/>
-            <a:r>
-              <a:rPr lang="en-US" dirty="0"/>
-              <a:t>c</a:t>
-            </a:r>
-            <a:r>
-              <a:rPr lang="en-US" dirty="0" smtClean="0"/>
-              <a:t>hances are someone else has a similar problem, and a solution exists</a:t>
-            </a:r>
-          </a:p>
-          <a:p>
-            <a:pPr lvl="1"/>
-            <a:r>
-              <a:rPr lang="en-US" dirty="0" smtClean="0"/>
-              <a:t>Google it. How would you phrase that question to a human?</a:t>
-            </a:r>
-          </a:p>
-          <a:p>
-            <a:r>
-              <a:rPr lang="en-US" dirty="0" smtClean="0"/>
-              <a:t>Who does research in that general area?  </a:t>
-            </a:r>
-          </a:p>
-          <a:p>
-            <a:pPr lvl="1"/>
-            <a:r>
-              <a:rPr lang="en-US" dirty="0" smtClean="0"/>
-              <a:t>Look at their papers for something similar you can adapt </a:t>
-            </a:r>
-          </a:p>
-          <a:p>
-            <a:r>
-              <a:rPr lang="en-US" dirty="0" smtClean="0"/>
-              <a:t>How would you do it manually?</a:t>
-            </a:r>
-          </a:p>
-          <a:p>
-            <a:pPr lvl="1"/>
-            <a:r>
-              <a:rPr lang="en-US" dirty="0" smtClean="0"/>
-              <a:t>Describe the steps, then code it up </a:t>
-            </a:r>
-          </a:p>
-          <a:p>
-            <a:pPr lvl="1"/>
-            <a:endParaRPr lang="en-US" dirty="0"/>
-          </a:p>
-          <a:p>
-            <a:pPr lvl="1"/>
-            <a:endParaRPr lang="en-US" dirty="0"/>
+              <a:rPr lang="en-US" sz="4800" dirty="0" smtClean="0">
+                <a:latin typeface="Trebuchet MS" charset="0"/>
+              </a:rPr>
+              <a:t>No magic (numbers)</a:t>
+            </a:r>
+            <a:endParaRPr lang="en-US" sz="4800" dirty="0">
+              <a:latin typeface="Trebuchet MS" charset="0"/>
+            </a:endParaRPr>
+          </a:p>
+        </p:txBody>
+      </p:sp>
+      <p:sp>
+        <p:nvSpPr>
+          <p:cNvPr id="54275" name="Rectangle 3"/>
+          <p:cNvSpPr>
+            <a:spLocks noGrp="1" noChangeArrowheads="1"/>
+          </p:cNvSpPr>
+          <p:nvPr>
+            <p:ph type="subTitle" idx="1"/>
+          </p:nvPr>
+        </p:nvSpPr>
+        <p:spPr>
+          <a:xfrm>
+            <a:off x="139858" y="2067022"/>
+            <a:ext cx="8839200" cy="4419600"/>
+          </a:xfrm>
+        </p:spPr>
+        <p:txBody>
+          <a:bodyPr>
+            <a:normAutofit/>
+          </a:bodyPr>
+          <a:lstStyle/>
+          <a:p>
+            <a:pPr algn="l">
+              <a:lnSpc>
+                <a:spcPct val="90000"/>
+              </a:lnSpc>
+            </a:pPr>
+            <a:r>
+              <a:rPr lang="en-US" dirty="0">
+                <a:solidFill>
+                  <a:schemeClr val="tx1"/>
+                </a:solidFill>
+                <a:latin typeface="American Typewriter"/>
+                <a:cs typeface="American Typewriter"/>
+              </a:rPr>
+              <a:t>// increment along the surface (x axis) </a:t>
+            </a:r>
+          </a:p>
+          <a:p>
+            <a:pPr algn="l">
+              <a:lnSpc>
+                <a:spcPct val="90000"/>
+              </a:lnSpc>
+            </a:pPr>
+            <a:r>
+              <a:rPr lang="en-US" dirty="0">
+                <a:solidFill>
+                  <a:schemeClr val="tx1"/>
+                </a:solidFill>
+                <a:latin typeface="American Typewriter"/>
+                <a:cs typeface="American Typewriter"/>
+              </a:rPr>
+              <a:t>// summing each point</a:t>
+            </a:r>
+            <a:r>
+              <a:rPr lang="ja-JP" altLang="en-US" dirty="0">
+                <a:solidFill>
+                  <a:schemeClr val="tx1"/>
+                </a:solidFill>
+                <a:latin typeface="American Typewriter"/>
+                <a:cs typeface="American Typewriter"/>
+              </a:rPr>
+              <a:t>’</a:t>
+            </a:r>
+            <a:r>
+              <a:rPr lang="en-US" dirty="0">
+                <a:solidFill>
+                  <a:schemeClr val="tx1"/>
+                </a:solidFill>
+                <a:latin typeface="American Typewriter"/>
+                <a:cs typeface="American Typewriter"/>
+              </a:rPr>
+              <a:t>s contribution</a:t>
+            </a:r>
+          </a:p>
+          <a:p>
+            <a:pPr algn="l">
+              <a:lnSpc>
+                <a:spcPct val="90000"/>
+              </a:lnSpc>
+            </a:pPr>
+            <a:r>
+              <a:rPr lang="en-US" dirty="0">
+                <a:solidFill>
+                  <a:schemeClr val="tx1"/>
+                </a:solidFill>
+                <a:latin typeface="American Typewriter"/>
+                <a:cs typeface="American Typewriter"/>
+              </a:rPr>
+              <a:t>for (</a:t>
+            </a:r>
+            <a:r>
+              <a:rPr lang="en-US" dirty="0" err="1">
+                <a:solidFill>
+                  <a:schemeClr val="tx1"/>
+                </a:solidFill>
+                <a:latin typeface="American Typewriter"/>
+                <a:cs typeface="American Typewriter"/>
+              </a:rPr>
+              <a:t>iLength</a:t>
+            </a:r>
+            <a:r>
+              <a:rPr lang="en-US" dirty="0">
+                <a:solidFill>
+                  <a:schemeClr val="tx1"/>
+                </a:solidFill>
+                <a:latin typeface="American Typewriter"/>
+                <a:cs typeface="American Typewriter"/>
+              </a:rPr>
+              <a:t> = 1; </a:t>
+            </a:r>
+            <a:r>
+              <a:rPr lang="en-US" dirty="0" err="1">
+                <a:solidFill>
+                  <a:schemeClr val="tx1"/>
+                </a:solidFill>
+                <a:latin typeface="American Typewriter"/>
+                <a:cs typeface="American Typewriter"/>
+              </a:rPr>
+              <a:t>iLength</a:t>
+            </a:r>
+            <a:r>
+              <a:rPr lang="en-US" dirty="0">
+                <a:solidFill>
+                  <a:schemeClr val="tx1"/>
+                </a:solidFill>
+                <a:latin typeface="American Typewriter"/>
+                <a:cs typeface="American Typewriter"/>
+              </a:rPr>
+              <a:t> &lt;= </a:t>
+            </a:r>
+            <a:r>
+              <a:rPr lang="en-US" dirty="0" err="1">
+                <a:solidFill>
+                  <a:schemeClr val="tx1"/>
+                </a:solidFill>
+                <a:latin typeface="American Typewriter"/>
+                <a:cs typeface="American Typewriter"/>
+              </a:rPr>
+              <a:t>iMax</a:t>
+            </a:r>
+            <a:r>
+              <a:rPr lang="en-US" dirty="0">
+                <a:solidFill>
+                  <a:schemeClr val="tx1"/>
+                </a:solidFill>
+                <a:latin typeface="American Typewriter"/>
+                <a:cs typeface="American Typewriter"/>
+              </a:rPr>
+              <a:t>; </a:t>
+            </a:r>
+            <a:r>
+              <a:rPr lang="en-US" dirty="0" err="1">
+                <a:solidFill>
+                  <a:schemeClr val="tx1"/>
+                </a:solidFill>
+                <a:latin typeface="American Typewriter"/>
+                <a:cs typeface="American Typewriter"/>
+              </a:rPr>
+              <a:t>iLength</a:t>
+            </a:r>
+            <a:r>
+              <a:rPr lang="en-US" dirty="0">
+                <a:solidFill>
+                  <a:schemeClr val="tx1"/>
+                </a:solidFill>
+                <a:latin typeface="American Typewriter"/>
+                <a:cs typeface="American Typewriter"/>
+              </a:rPr>
+              <a:t>++)</a:t>
+            </a:r>
+          </a:p>
+          <a:p>
+            <a:pPr algn="l">
+              <a:lnSpc>
+                <a:spcPct val="90000"/>
+              </a:lnSpc>
+            </a:pPr>
+            <a:r>
+              <a:rPr lang="en-US" dirty="0">
+                <a:solidFill>
+                  <a:schemeClr val="tx1"/>
+                </a:solidFill>
+                <a:latin typeface="American Typewriter"/>
+                <a:cs typeface="American Typewriter"/>
+              </a:rPr>
+              <a:t>	{</a:t>
+            </a:r>
+          </a:p>
+          <a:p>
+            <a:pPr algn="l">
+              <a:lnSpc>
+                <a:spcPct val="90000"/>
+              </a:lnSpc>
+            </a:pPr>
+            <a:r>
+              <a:rPr lang="en-US" dirty="0">
+                <a:solidFill>
+                  <a:schemeClr val="tx1"/>
+                </a:solidFill>
+                <a:latin typeface="American Typewriter"/>
+                <a:cs typeface="American Typewriter"/>
+              </a:rPr>
+              <a:t>	…</a:t>
+            </a:r>
+          </a:p>
+          <a:p>
+            <a:pPr algn="l">
+              <a:lnSpc>
+                <a:spcPct val="90000"/>
+              </a:lnSpc>
+            </a:pPr>
+            <a:r>
+              <a:rPr lang="en-US" dirty="0">
+                <a:solidFill>
+                  <a:schemeClr val="tx1"/>
+                </a:solidFill>
+                <a:latin typeface="American Typewriter"/>
+                <a:cs typeface="American Typewriter"/>
+              </a:rPr>
+              <a:t>	…</a:t>
+            </a:r>
+          </a:p>
+          <a:p>
+            <a:pPr algn="l">
+              <a:lnSpc>
+                <a:spcPct val="90000"/>
+              </a:lnSpc>
+            </a:pPr>
+            <a:r>
+              <a:rPr lang="en-US" dirty="0">
+                <a:solidFill>
+                  <a:schemeClr val="tx1"/>
+                </a:solidFill>
+                <a:latin typeface="American Typewriter"/>
+                <a:cs typeface="American Typewriter"/>
+              </a:rPr>
+              <a:t>	…</a:t>
+            </a:r>
+          </a:p>
+          <a:p>
+            <a:pPr algn="l">
+              <a:lnSpc>
+                <a:spcPct val="90000"/>
+              </a:lnSpc>
+            </a:pPr>
+            <a:r>
+              <a:rPr lang="en-US" dirty="0">
+                <a:solidFill>
+                  <a:schemeClr val="tx1"/>
+                </a:solidFill>
+                <a:latin typeface="American Typewriter"/>
+                <a:cs typeface="American Typewriter"/>
+              </a:rPr>
+              <a:t>	}</a:t>
+            </a:r>
           </a:p>
         </p:txBody>
       </p:sp>
     </p:spTree>
     <p:extLst>
       <p:ext uri="{BB962C8B-B14F-4D97-AF65-F5344CB8AC3E}">
-        <p14:creationId xmlns:p14="http://schemas.microsoft.com/office/powerpoint/2010/main" val="3071680531"/>
+        <p14:creationId xmlns:p14="http://schemas.microsoft.com/office/powerpoint/2010/main" val="2827953884"/>
       </p:ext>
     </p:extLst>
   </p:cSld>
   <p:clrMapOvr>
     <a:masterClrMapping/>
   </p:clrMapOvr>
+  <p:timing>
+    <p:tnLst>
+      <p:par>
+        <p:cTn xmlns:p14="http://schemas.microsoft.com/office/powerpoint/2010/main" id="1" dur="indefinite" restart="never" nodeType="tmRoot"/>
+      </p:par>
+    </p:tnLst>
+  </p:timing>
 </p:sld>
 </file>
 
@@ -5935,7 +6003,7 @@
         </p:spPr>
         <p:txBody>
           <a:bodyPr>
-            <a:normAutofit fontScale="70000" lnSpcReduction="20000"/>
+            <a:normAutofit fontScale="62500" lnSpcReduction="20000"/>
           </a:bodyPr>
           <a:lstStyle/>
           <a:p>
@@ -5955,175 +6023,109 @@
             <a:pPr lvl="1"/>
             <a:r>
               <a:rPr lang="en-US" dirty="0" smtClean="0"/>
-              <a:t>Goals of this session</a:t>
-            </a:r>
-          </a:p>
-          <a:p>
-            <a:r>
-              <a:rPr lang="en-US" dirty="0" smtClean="0">
-                <a:solidFill>
-                  <a:schemeClr val="bg1">
-                    <a:lumMod val="65000"/>
-                  </a:schemeClr>
-                </a:solidFill>
-              </a:rPr>
+              <a:t>Goals of this </a:t>
+            </a:r>
+            <a:r>
+              <a:rPr lang="en-US" dirty="0" smtClean="0"/>
+              <a:t>session</a:t>
+            </a:r>
+          </a:p>
+          <a:p>
+            <a:r>
+              <a:rPr lang="en-US" dirty="0" smtClean="0"/>
+              <a:t>Version Control</a:t>
+            </a:r>
+          </a:p>
+          <a:p>
+            <a:pPr lvl="1"/>
+            <a:r>
+              <a:rPr lang="en-US" dirty="0" err="1" smtClean="0"/>
+              <a:t>Github</a:t>
+            </a:r>
+            <a:endParaRPr lang="en-US" dirty="0" smtClean="0"/>
+          </a:p>
+          <a:p>
+            <a:pPr lvl="1"/>
+            <a:r>
+              <a:rPr lang="en-US" dirty="0" err="1" smtClean="0"/>
+              <a:t>Dropbox</a:t>
+            </a:r>
+            <a:endParaRPr lang="en-US" dirty="0" smtClean="0"/>
+          </a:p>
+          <a:p>
+            <a:pPr lvl="1"/>
+            <a:r>
+              <a:rPr lang="en-US" dirty="0" err="1" smtClean="0"/>
+              <a:t>Harddrives</a:t>
+            </a:r>
+            <a:endParaRPr lang="en-US" dirty="0" smtClean="0"/>
+          </a:p>
+          <a:p>
+            <a:r>
+              <a:rPr lang="en-US" dirty="0" smtClean="0"/>
               <a:t>Writing code </a:t>
             </a:r>
           </a:p>
           <a:p>
             <a:pPr lvl="1"/>
             <a:r>
-              <a:rPr lang="en-US" dirty="0" smtClean="0">
-                <a:solidFill>
-                  <a:schemeClr val="bg1">
-                    <a:lumMod val="65000"/>
-                  </a:schemeClr>
-                </a:solidFill>
-              </a:rPr>
+              <a:rPr lang="en-US" dirty="0" smtClean="0"/>
               <a:t>Writing your own code</a:t>
             </a:r>
           </a:p>
           <a:p>
             <a:pPr lvl="1"/>
             <a:r>
-              <a:rPr lang="en-US" dirty="0" smtClean="0">
-                <a:solidFill>
-                  <a:schemeClr val="bg1">
-                    <a:lumMod val="65000"/>
-                  </a:schemeClr>
-                </a:solidFill>
-              </a:rPr>
+              <a:rPr lang="en-US" dirty="0" smtClean="0"/>
               <a:t>Working on code with collaborators </a:t>
             </a:r>
           </a:p>
           <a:p>
             <a:pPr lvl="1"/>
             <a:r>
-              <a:rPr lang="en-US" dirty="0" smtClean="0">
-                <a:solidFill>
-                  <a:schemeClr val="bg1">
-                    <a:lumMod val="65000"/>
-                  </a:schemeClr>
-                </a:solidFill>
-              </a:rPr>
+              <a:rPr lang="en-US" dirty="0" smtClean="0"/>
               <a:t>Joining a project where someone left off </a:t>
             </a:r>
           </a:p>
           <a:p>
             <a:r>
-              <a:rPr lang="en-US" dirty="0" smtClean="0">
-                <a:solidFill>
-                  <a:schemeClr val="bg1">
-                    <a:lumMod val="65000"/>
-                  </a:schemeClr>
-                </a:solidFill>
-              </a:rPr>
+              <a:rPr lang="en-US" dirty="0" smtClean="0"/>
               <a:t>Find out how to do something</a:t>
             </a:r>
           </a:p>
           <a:p>
             <a:pPr lvl="1"/>
             <a:r>
-              <a:rPr lang="en-US" dirty="0" smtClean="0">
-                <a:solidFill>
-                  <a:schemeClr val="bg1">
-                    <a:lumMod val="65000"/>
-                  </a:schemeClr>
-                </a:solidFill>
-              </a:rPr>
+              <a:rPr lang="en-US" dirty="0" smtClean="0"/>
               <a:t>Looking for information you need</a:t>
             </a:r>
           </a:p>
           <a:p>
             <a:pPr lvl="1"/>
             <a:r>
-              <a:rPr lang="en-US" dirty="0" smtClean="0">
-                <a:solidFill>
-                  <a:schemeClr val="bg1">
-                    <a:lumMod val="65000"/>
-                  </a:schemeClr>
-                </a:solidFill>
-              </a:rPr>
+              <a:rPr lang="en-US" dirty="0" smtClean="0"/>
               <a:t>Using the fruits of other peoples’ labor</a:t>
             </a:r>
           </a:p>
           <a:p>
             <a:r>
-              <a:rPr lang="en-US" dirty="0" smtClean="0">
-                <a:solidFill>
-                  <a:schemeClr val="bg1">
-                    <a:lumMod val="65000"/>
-                  </a:schemeClr>
-                </a:solidFill>
-              </a:rPr>
+              <a:rPr lang="en-US" dirty="0" smtClean="0"/>
               <a:t>Developing your own tool</a:t>
             </a:r>
           </a:p>
           <a:p>
             <a:pPr lvl="1"/>
             <a:r>
-              <a:rPr lang="en-US" dirty="0" smtClean="0">
-                <a:solidFill>
-                  <a:schemeClr val="bg1">
-                    <a:lumMod val="65000"/>
-                  </a:schemeClr>
-                </a:solidFill>
-              </a:rPr>
+              <a:rPr lang="en-US" dirty="0" smtClean="0"/>
               <a:t>When to do it</a:t>
             </a:r>
           </a:p>
           <a:p>
             <a:pPr lvl="1"/>
             <a:r>
-              <a:rPr lang="en-US" dirty="0" smtClean="0">
-                <a:solidFill>
-                  <a:schemeClr val="bg1">
-                    <a:lumMod val="65000"/>
-                  </a:schemeClr>
-                </a:solidFill>
-              </a:rPr>
+              <a:rPr lang="en-US" dirty="0" smtClean="0"/>
               <a:t>What to keep in mind </a:t>
             </a:r>
-          </a:p>
-          <a:p>
-            <a:r>
-              <a:rPr lang="en-US" dirty="0" smtClean="0">
-                <a:solidFill>
-                  <a:schemeClr val="bg1">
-                    <a:lumMod val="65000"/>
-                  </a:schemeClr>
-                </a:solidFill>
-              </a:rPr>
-              <a:t>Version control </a:t>
-            </a:r>
-          </a:p>
-          <a:p>
-            <a:pPr lvl="1"/>
-            <a:r>
-              <a:rPr lang="en-US" dirty="0" err="1" smtClean="0">
-                <a:solidFill>
-                  <a:schemeClr val="bg1">
-                    <a:lumMod val="65000"/>
-                  </a:schemeClr>
-                </a:solidFill>
-              </a:rPr>
-              <a:t>Github</a:t>
-            </a:r>
-            <a:r>
-              <a:rPr lang="en-US" smtClean="0">
-                <a:solidFill>
-                  <a:schemeClr val="bg1">
-                    <a:lumMod val="65000"/>
-                  </a:schemeClr>
-                </a:solidFill>
-              </a:rPr>
-              <a:t> </a:t>
-            </a:r>
-            <a:endParaRPr lang="en-US" dirty="0"/>
-          </a:p>
-          <a:p>
-            <a:pPr lvl="1"/>
-            <a:endParaRPr lang="en-US" dirty="0" smtClean="0"/>
           </a:p>
           <a:p>
             <a:endParaRPr lang="en-US" dirty="0" smtClean="0"/>
@@ -6165,74 +6167,255 @@
       </p:grpSpPr>
       <p:sp>
         <p:nvSpPr>
-          <p:cNvPr id="2" name="Title 1"/>
-          <p:cNvSpPr>
-            <a:spLocks noGrp="1"/>
-          </p:cNvSpPr>
-          <p:nvPr>
-            <p:ph type="title"/>
-          </p:nvPr>
-        </p:nvSpPr>
-        <p:spPr/>
-        <p:txBody>
-          <a:bodyPr/>
-          <a:lstStyle/>
-          <a:p>
-            <a:r>
-              <a:rPr lang="en-US" dirty="0" smtClean="0"/>
-              <a:t>Do not reinvent the wheel </a:t>
-            </a:r>
-            <a:endParaRPr lang="en-US" dirty="0"/>
-          </a:p>
-        </p:txBody>
-      </p:sp>
-      <p:sp>
-        <p:nvSpPr>
-          <p:cNvPr id="3" name="Content Placeholder 2"/>
-          <p:cNvSpPr>
-            <a:spLocks noGrp="1"/>
-          </p:cNvSpPr>
-          <p:nvPr>
-            <p:ph idx="1"/>
-          </p:nvPr>
-        </p:nvSpPr>
-        <p:spPr/>
-        <p:txBody>
-          <a:bodyPr/>
-          <a:lstStyle/>
-          <a:p>
-            <a:r>
-              <a:rPr lang="en-US" dirty="0" smtClean="0"/>
-              <a:t>Do not write your own code for a function, unless there is absolutely no choice</a:t>
-            </a:r>
-          </a:p>
-          <a:p>
-            <a:r>
-              <a:rPr lang="en-US" dirty="0" smtClean="0"/>
-              <a:t>If a solution is available on the internet, use it. If it popped up in </a:t>
-            </a:r>
-            <a:r>
-              <a:rPr lang="en-US" dirty="0"/>
-              <a:t>G</a:t>
-            </a:r>
-            <a:r>
-              <a:rPr lang="en-US" dirty="0" smtClean="0"/>
-              <a:t>oogle, its probably been rigorously tested by many more people than code you would write yourself </a:t>
-            </a:r>
-            <a:endParaRPr lang="en-US" dirty="0"/>
+          <p:cNvPr id="93186" name="Rectangle 2"/>
+          <p:cNvSpPr>
+            <a:spLocks noGrp="1" noChangeArrowheads="1"/>
+          </p:cNvSpPr>
+          <p:nvPr>
+            <p:ph type="ctrTitle"/>
+          </p:nvPr>
+        </p:nvSpPr>
+        <p:spPr>
+          <a:xfrm>
+            <a:off x="609600" y="685800"/>
+            <a:ext cx="7848600" cy="914400"/>
+          </a:xfrm>
+        </p:spPr>
+        <p:txBody>
+          <a:bodyPr/>
+          <a:lstStyle/>
+          <a:p>
+            <a:r>
+              <a:rPr lang="en-US" sz="4800" dirty="0">
+                <a:latin typeface="Trebuchet MS" charset="0"/>
+              </a:rPr>
+              <a:t>Or, use an external file</a:t>
+            </a:r>
+          </a:p>
+        </p:txBody>
+      </p:sp>
+      <p:sp>
+        <p:nvSpPr>
+          <p:cNvPr id="93187" name="Rectangle 3"/>
+          <p:cNvSpPr>
+            <a:spLocks noGrp="1" noChangeArrowheads="1"/>
+          </p:cNvSpPr>
+          <p:nvPr>
+            <p:ph type="subTitle" idx="1"/>
+          </p:nvPr>
+        </p:nvSpPr>
+        <p:spPr>
+          <a:xfrm>
+            <a:off x="609600" y="2057400"/>
+            <a:ext cx="8153400" cy="4495800"/>
+          </a:xfrm>
+        </p:spPr>
+        <p:txBody>
+          <a:bodyPr/>
+          <a:lstStyle/>
+          <a:p>
+            <a:pPr algn="l"/>
+            <a:r>
+              <a:rPr lang="en-US" sz="2800" dirty="0">
+                <a:solidFill>
+                  <a:schemeClr val="tx1"/>
+                </a:solidFill>
+                <a:latin typeface="American Typewriter"/>
+                <a:cs typeface="American Typewriter"/>
+              </a:rPr>
+              <a:t>// Declarations</a:t>
+            </a:r>
+          </a:p>
+          <a:p>
+            <a:pPr algn="l"/>
+            <a:r>
+              <a:rPr lang="en-US" sz="2800" dirty="0" err="1">
+                <a:solidFill>
+                  <a:schemeClr val="tx1"/>
+                </a:solidFill>
+                <a:latin typeface="American Typewriter"/>
+                <a:cs typeface="American Typewriter"/>
+              </a:rPr>
+              <a:t>int</a:t>
+            </a:r>
+            <a:r>
+              <a:rPr lang="en-US" sz="2800" dirty="0">
+                <a:solidFill>
+                  <a:schemeClr val="tx1"/>
+                </a:solidFill>
+                <a:latin typeface="American Typewriter"/>
+                <a:cs typeface="American Typewriter"/>
+              </a:rPr>
+              <a:t>		</a:t>
+            </a:r>
+            <a:r>
+              <a:rPr lang="en-US" sz="2800" dirty="0" err="1">
+                <a:solidFill>
+                  <a:schemeClr val="tx1"/>
+                </a:solidFill>
+                <a:latin typeface="American Typewriter"/>
+                <a:cs typeface="American Typewriter"/>
+              </a:rPr>
+              <a:t>iLength</a:t>
+            </a:r>
+            <a:r>
+              <a:rPr lang="en-US" sz="2800" dirty="0">
+                <a:solidFill>
+                  <a:schemeClr val="tx1"/>
+                </a:solidFill>
+                <a:latin typeface="American Typewriter"/>
+                <a:cs typeface="American Typewriter"/>
+              </a:rPr>
+              <a:t>;		// x-axis increment</a:t>
+            </a:r>
+          </a:p>
+          <a:p>
+            <a:pPr algn="l"/>
+            <a:r>
+              <a:rPr lang="en-US" sz="2800" dirty="0" err="1">
+                <a:solidFill>
+                  <a:schemeClr val="tx1"/>
+                </a:solidFill>
+                <a:latin typeface="American Typewriter"/>
+                <a:cs typeface="American Typewriter"/>
+              </a:rPr>
+              <a:t>int</a:t>
+            </a:r>
+            <a:r>
+              <a:rPr lang="en-US" sz="2800" dirty="0">
+                <a:solidFill>
+                  <a:schemeClr val="tx1"/>
+                </a:solidFill>
+                <a:latin typeface="American Typewriter"/>
+                <a:cs typeface="American Typewriter"/>
+              </a:rPr>
+              <a:t>		</a:t>
+            </a:r>
+            <a:r>
+              <a:rPr lang="en-US" sz="2800" dirty="0" err="1">
+                <a:solidFill>
+                  <a:schemeClr val="tx1"/>
+                </a:solidFill>
+                <a:latin typeface="American Typewriter"/>
+                <a:cs typeface="American Typewriter"/>
+              </a:rPr>
+              <a:t>iMax</a:t>
+            </a:r>
+            <a:r>
+              <a:rPr lang="en-US" sz="2800" dirty="0">
+                <a:solidFill>
+                  <a:schemeClr val="tx1"/>
+                </a:solidFill>
+                <a:latin typeface="American Typewriter"/>
+                <a:cs typeface="American Typewriter"/>
+              </a:rPr>
+              <a:t>;			// total increments</a:t>
+            </a:r>
+          </a:p>
+          <a:p>
+            <a:pPr algn="l"/>
+            <a:r>
+              <a:rPr lang="en-US" sz="2800" dirty="0">
+                <a:solidFill>
+                  <a:schemeClr val="tx1"/>
+                </a:solidFill>
+                <a:latin typeface="American Typewriter"/>
+                <a:cs typeface="American Typewriter"/>
+              </a:rPr>
+              <a:t>double	</a:t>
+            </a:r>
+            <a:r>
+              <a:rPr lang="en-US" sz="2800" dirty="0" err="1">
+                <a:solidFill>
+                  <a:schemeClr val="tx1"/>
+                </a:solidFill>
+                <a:latin typeface="American Typewriter"/>
+                <a:cs typeface="American Typewriter"/>
+              </a:rPr>
+              <a:t>dVelocity</a:t>
+            </a:r>
+            <a:r>
+              <a:rPr lang="en-US" sz="2800" dirty="0">
+                <a:solidFill>
+                  <a:schemeClr val="tx1"/>
+                </a:solidFill>
+                <a:latin typeface="American Typewriter"/>
+                <a:cs typeface="American Typewriter"/>
+              </a:rPr>
+              <a:t>[5001]; // array of velocities</a:t>
+            </a:r>
+          </a:p>
+          <a:p>
+            <a:pPr algn="l"/>
+            <a:r>
+              <a:rPr lang="en-US" sz="2800" dirty="0">
+                <a:solidFill>
+                  <a:schemeClr val="tx1"/>
+                </a:solidFill>
+                <a:latin typeface="American Typewriter"/>
+                <a:cs typeface="American Typewriter"/>
+              </a:rPr>
+              <a:t>…</a:t>
+            </a:r>
+          </a:p>
+          <a:p>
+            <a:pPr algn="l"/>
+            <a:r>
+              <a:rPr lang="en-US" sz="2800" dirty="0">
+                <a:solidFill>
+                  <a:schemeClr val="tx1"/>
+                </a:solidFill>
+                <a:latin typeface="American Typewriter"/>
+                <a:cs typeface="American Typewriter"/>
+              </a:rPr>
+              <a:t>// Read and set Initial Values from a file</a:t>
+            </a:r>
+          </a:p>
+          <a:p>
+            <a:pPr algn="l"/>
+            <a:r>
+              <a:rPr lang="en-US" sz="2800" dirty="0">
+                <a:solidFill>
+                  <a:schemeClr val="tx1"/>
+                </a:solidFill>
+                <a:latin typeface="American Typewriter"/>
+                <a:cs typeface="American Typewriter"/>
+              </a:rPr>
+              <a:t>…</a:t>
+            </a:r>
+          </a:p>
+          <a:p>
+            <a:pPr algn="l"/>
+            <a:r>
+              <a:rPr lang="en-US" sz="2800" dirty="0">
+                <a:solidFill>
+                  <a:schemeClr val="tx1"/>
+                </a:solidFill>
+                <a:latin typeface="American Typewriter"/>
+                <a:cs typeface="American Typewriter"/>
+              </a:rPr>
+              <a:t>…</a:t>
+            </a:r>
           </a:p>
         </p:txBody>
       </p:sp>
     </p:spTree>
     <p:extLst>
       <p:ext uri="{BB962C8B-B14F-4D97-AF65-F5344CB8AC3E}">
-        <p14:creationId xmlns:p14="http://schemas.microsoft.com/office/powerpoint/2010/main" val="2296045984"/>
+        <p14:creationId xmlns:p14="http://schemas.microsoft.com/office/powerpoint/2010/main" val="2026744277"/>
       </p:ext>
     </p:extLst>
   </p:cSld>
   <p:clrMapOvr>
     <a:masterClrMapping/>
   </p:clrMapOvr>
+  <p:timing>
+    <p:tnLst>
+      <p:par>
+        <p:cTn xmlns:p14="http://schemas.microsoft.com/office/powerpoint/2010/main" id="1" dur="indefinite" restart="never" nodeType="tmRoot"/>
+      </p:par>
+    </p:tnLst>
+  </p:timing>
 </p:sld>
 </file>
 
@@ -6255,301 +6438,371 @@
       </p:grpSpPr>
       <p:sp>
         <p:nvSpPr>
-          <p:cNvPr id="2" name="Title 1"/>
-          <p:cNvSpPr>
-            <a:spLocks noGrp="1"/>
-          </p:cNvSpPr>
-          <p:nvPr>
-            <p:ph type="title"/>
+          <p:cNvPr id="112642" name="Rectangle 2"/>
+          <p:cNvSpPr>
+            <a:spLocks noGrp="1" noChangeArrowheads="1"/>
+          </p:cNvSpPr>
+          <p:nvPr>
+            <p:ph type="ctrTitle"/>
           </p:nvPr>
         </p:nvSpPr>
         <p:spPr>
-          <a:solidFill>
-            <a:schemeClr val="tx1"/>
-          </a:solidFill>
+          <a:xfrm>
+            <a:off x="457200" y="685800"/>
+            <a:ext cx="8305800" cy="1143000"/>
+          </a:xfrm>
         </p:spPr>
         <p:txBody>
           <a:bodyPr/>
           <a:lstStyle/>
           <a:p>
             <a:r>
-              <a:rPr lang="en-US" dirty="0" smtClean="0">
-                <a:solidFill>
-                  <a:srgbClr val="FFFFFF"/>
-                </a:solidFill>
-              </a:rPr>
-              <a:t>Contents</a:t>
+              <a:rPr lang="en-US" sz="4800" dirty="0">
+                <a:latin typeface="Trebuchet MS" charset="0"/>
+              </a:rPr>
+              <a:t>Use descriptive file names</a:t>
+            </a:r>
+          </a:p>
+        </p:txBody>
+      </p:sp>
+      <p:sp>
+        <p:nvSpPr>
+          <p:cNvPr id="112643" name="Rectangle 3"/>
+          <p:cNvSpPr>
+            <a:spLocks noGrp="1" noChangeArrowheads="1"/>
+          </p:cNvSpPr>
+          <p:nvPr>
+            <p:ph type="subTitle" idx="1"/>
+          </p:nvPr>
+        </p:nvSpPr>
+        <p:spPr>
+          <a:xfrm>
+            <a:off x="609600" y="2057400"/>
+            <a:ext cx="7848600" cy="4495800"/>
+          </a:xfrm>
+        </p:spPr>
+        <p:txBody>
+          <a:bodyPr/>
+          <a:lstStyle/>
+          <a:p>
+            <a:pPr algn="l"/>
+            <a:endParaRPr lang="en-US" dirty="0">
+              <a:latin typeface="Trebuchet MS" charset="0"/>
+            </a:endParaRPr>
+          </a:p>
+          <a:p>
+            <a:pPr algn="l"/>
+            <a:endParaRPr lang="en-US" dirty="0">
+              <a:latin typeface="Trebuchet MS" charset="0"/>
+            </a:endParaRPr>
+          </a:p>
+          <a:p>
+            <a:pPr algn="l"/>
+            <a:r>
+              <a:rPr lang="en-US" dirty="0">
+                <a:solidFill>
+                  <a:schemeClr val="tx1"/>
+                </a:solidFill>
+                <a:latin typeface="American Typewriter"/>
+                <a:cs typeface="American Typewriter"/>
+              </a:rPr>
+              <a:t>Naming your script </a:t>
+            </a:r>
+            <a:r>
+              <a:rPr lang="ja-JP" altLang="en-US" dirty="0">
+                <a:solidFill>
+                  <a:schemeClr val="tx1"/>
+                </a:solidFill>
+                <a:latin typeface="American Typewriter"/>
+                <a:cs typeface="American Typewriter"/>
+              </a:rPr>
+              <a:t>“</a:t>
+            </a:r>
+            <a:r>
+              <a:rPr lang="en-US" dirty="0" err="1">
+                <a:solidFill>
+                  <a:schemeClr val="tx1"/>
+                </a:solidFill>
+                <a:latin typeface="American Typewriter"/>
+                <a:cs typeface="American Typewriter"/>
+              </a:rPr>
+              <a:t>test.csh</a:t>
+            </a:r>
+            <a:r>
+              <a:rPr lang="ja-JP" altLang="en-US" dirty="0">
+                <a:solidFill>
+                  <a:schemeClr val="tx1"/>
+                </a:solidFill>
+                <a:latin typeface="American Typewriter"/>
+                <a:cs typeface="American Typewriter"/>
+              </a:rPr>
+              <a:t>”</a:t>
+            </a:r>
+            <a:r>
+              <a:rPr lang="en-US" dirty="0">
+                <a:solidFill>
+                  <a:schemeClr val="tx1"/>
+                </a:solidFill>
+                <a:latin typeface="American Typewriter"/>
+                <a:cs typeface="American Typewriter"/>
+              </a:rPr>
+              <a:t> means</a:t>
+            </a:r>
+          </a:p>
+          <a:p>
+            <a:pPr algn="l"/>
+            <a:r>
+              <a:rPr lang="ja-JP" altLang="en-US" dirty="0">
+                <a:solidFill>
+                  <a:schemeClr val="tx1"/>
+                </a:solidFill>
+                <a:latin typeface="American Typewriter"/>
+                <a:cs typeface="American Typewriter"/>
+              </a:rPr>
+              <a:t>“</a:t>
+            </a:r>
+            <a:r>
+              <a:rPr lang="en-US" dirty="0">
+                <a:solidFill>
+                  <a:schemeClr val="tx1"/>
+                </a:solidFill>
+                <a:latin typeface="American Typewriter"/>
+                <a:cs typeface="American Typewriter"/>
+              </a:rPr>
+              <a:t>I will never be able to reuse this code.</a:t>
+            </a:r>
+            <a:r>
+              <a:rPr lang="ja-JP" altLang="en-US" dirty="0">
+                <a:solidFill>
+                  <a:schemeClr val="tx1"/>
+                </a:solidFill>
+                <a:latin typeface="American Typewriter"/>
+                <a:cs typeface="American Typewriter"/>
+              </a:rPr>
+              <a:t>”</a:t>
             </a:r>
             <a:endParaRPr lang="en-US" dirty="0">
               <a:solidFill>
-                <a:srgbClr val="FFFFFF"/>
+                <a:schemeClr val="tx1"/>
               </a:solidFill>
+              <a:latin typeface="American Typewriter"/>
+              <a:cs typeface="American Typewriter"/>
             </a:endParaRPr>
-          </a:p>
-        </p:txBody>
-      </p:sp>
-      <p:sp>
-        <p:nvSpPr>
-          <p:cNvPr id="3" name="Content Placeholder 2"/>
-          <p:cNvSpPr>
-            <a:spLocks noGrp="1"/>
-          </p:cNvSpPr>
-          <p:nvPr>
-            <p:ph idx="1"/>
-          </p:nvPr>
-        </p:nvSpPr>
-        <p:spPr>
-          <a:xfrm>
-            <a:off x="457200" y="1600200"/>
-            <a:ext cx="8229600" cy="5257800"/>
-          </a:xfrm>
-        </p:spPr>
-        <p:txBody>
-          <a:bodyPr>
-            <a:normAutofit fontScale="62500" lnSpcReduction="20000"/>
-          </a:bodyPr>
-          <a:lstStyle/>
-          <a:p>
-            <a:r>
-              <a:rPr lang="en-US" dirty="0" smtClean="0">
-                <a:solidFill>
-                  <a:schemeClr val="bg1">
-                    <a:lumMod val="65000"/>
-                  </a:schemeClr>
-                </a:solidFill>
-              </a:rPr>
-              <a:t>Admin</a:t>
-            </a:r>
-          </a:p>
-          <a:p>
-            <a:pPr lvl="1"/>
-            <a:r>
-              <a:rPr lang="en-US" dirty="0" smtClean="0">
-                <a:solidFill>
-                  <a:schemeClr val="bg1">
-                    <a:lumMod val="65000"/>
-                  </a:schemeClr>
-                </a:solidFill>
-              </a:rPr>
-              <a:t>My background</a:t>
-            </a:r>
-          </a:p>
-          <a:p>
-            <a:pPr lvl="1"/>
-            <a:r>
-              <a:rPr lang="en-US" dirty="0" smtClean="0">
-                <a:solidFill>
-                  <a:schemeClr val="bg1">
-                    <a:lumMod val="65000"/>
-                  </a:schemeClr>
-                </a:solidFill>
-              </a:rPr>
-              <a:t>Goals of this session</a:t>
-            </a:r>
-          </a:p>
-          <a:p>
-            <a:r>
-              <a:rPr lang="en-US" dirty="0" smtClean="0">
-                <a:solidFill>
-                  <a:schemeClr val="bg1">
-                    <a:lumMod val="65000"/>
-                  </a:schemeClr>
-                </a:solidFill>
-              </a:rPr>
-              <a:t>Writing code </a:t>
-            </a:r>
-          </a:p>
-          <a:p>
-            <a:pPr lvl="1"/>
-            <a:r>
-              <a:rPr lang="en-US" dirty="0" smtClean="0">
-                <a:solidFill>
-                  <a:schemeClr val="bg1">
-                    <a:lumMod val="65000"/>
-                  </a:schemeClr>
-                </a:solidFill>
-              </a:rPr>
-              <a:t>Writing your own code</a:t>
-            </a:r>
-          </a:p>
-          <a:p>
-            <a:pPr lvl="1"/>
-            <a:r>
-              <a:rPr lang="en-US" dirty="0" smtClean="0">
-                <a:solidFill>
-                  <a:schemeClr val="bg1">
-                    <a:lumMod val="65000"/>
-                  </a:schemeClr>
-                </a:solidFill>
-              </a:rPr>
-              <a:t>Working on code with collaborators </a:t>
-            </a:r>
-          </a:p>
-          <a:p>
-            <a:pPr lvl="1"/>
-            <a:r>
-              <a:rPr lang="en-US" dirty="0" smtClean="0">
-                <a:solidFill>
-                  <a:schemeClr val="bg1">
-                    <a:lumMod val="65000"/>
-                  </a:schemeClr>
-                </a:solidFill>
-              </a:rPr>
-              <a:t>Joining a project where someone left off </a:t>
-            </a:r>
-          </a:p>
-          <a:p>
-            <a:r>
-              <a:rPr lang="en-US" dirty="0" smtClean="0">
-                <a:solidFill>
-                  <a:schemeClr val="bg1">
-                    <a:lumMod val="65000"/>
-                  </a:schemeClr>
-                </a:solidFill>
-              </a:rPr>
-              <a:t>Find out how to do something</a:t>
-            </a:r>
-          </a:p>
-          <a:p>
-            <a:pPr lvl="1"/>
-            <a:r>
-              <a:rPr lang="en-US" dirty="0" smtClean="0">
-                <a:solidFill>
-                  <a:schemeClr val="bg1">
-                    <a:lumMod val="65000"/>
-                  </a:schemeClr>
-                </a:solidFill>
-              </a:rPr>
-              <a:t>Looking for information you need</a:t>
-            </a:r>
-          </a:p>
-          <a:p>
-            <a:pPr lvl="1"/>
-            <a:r>
-              <a:rPr lang="en-US" dirty="0" smtClean="0">
-                <a:solidFill>
-                  <a:schemeClr val="bg1">
-                    <a:lumMod val="65000"/>
-                  </a:schemeClr>
-                </a:solidFill>
-              </a:rPr>
-              <a:t>Using the fruits of other peoples’ labor</a:t>
-            </a:r>
-          </a:p>
-          <a:p>
-            <a:r>
-              <a:rPr lang="en-US" dirty="0" smtClean="0"/>
-              <a:t>Developing your own tool</a:t>
-            </a:r>
-          </a:p>
-          <a:p>
-            <a:pPr lvl="1"/>
-            <a:r>
-              <a:rPr lang="en-US" dirty="0" smtClean="0"/>
-              <a:t>When to do it</a:t>
-            </a:r>
-          </a:p>
-          <a:p>
-            <a:pPr lvl="1"/>
-            <a:r>
-              <a:rPr lang="en-US" dirty="0" smtClean="0"/>
-              <a:t>What to keep in mind </a:t>
-            </a:r>
-          </a:p>
-          <a:p>
-            <a:r>
-              <a:rPr lang="en-US" dirty="0" smtClean="0">
-                <a:solidFill>
-                  <a:schemeClr val="bg1">
-                    <a:lumMod val="65000"/>
-                  </a:schemeClr>
-                </a:solidFill>
-              </a:rPr>
-              <a:t>Version control </a:t>
-            </a:r>
-          </a:p>
-          <a:p>
-            <a:pPr lvl="1"/>
-            <a:r>
-              <a:rPr lang="en-US" dirty="0" err="1" smtClean="0">
-                <a:solidFill>
-                  <a:schemeClr val="bg1">
-                    <a:lumMod val="65000"/>
-                  </a:schemeClr>
-                </a:solidFill>
-              </a:rPr>
-              <a:t>Github</a:t>
-            </a:r>
-            <a:r>
-              <a:rPr lang="en-US" dirty="0" smtClean="0">
-                <a:solidFill>
-                  <a:schemeClr val="bg1">
-                    <a:lumMod val="65000"/>
-                  </a:schemeClr>
-                </a:solidFill>
-              </a:rPr>
-              <a:t> </a:t>
-            </a:r>
-          </a:p>
-          <a:p>
-            <a:pPr lvl="1"/>
-            <a:r>
-              <a:rPr lang="en-US" dirty="0" err="1" smtClean="0">
-                <a:solidFill>
-                  <a:schemeClr val="bg1">
-                    <a:lumMod val="65000"/>
-                  </a:schemeClr>
-                </a:solidFill>
-              </a:rPr>
-              <a:t>Dropbox</a:t>
-            </a:r>
-            <a:r>
-              <a:rPr lang="en-US" dirty="0" smtClean="0">
-                <a:solidFill>
-                  <a:schemeClr val="bg1">
-                    <a:lumMod val="65000"/>
-                  </a:schemeClr>
-                </a:solidFill>
-              </a:rPr>
-              <a:t> </a:t>
-            </a:r>
-          </a:p>
-          <a:p>
-            <a:pPr lvl="1"/>
-            <a:r>
-              <a:rPr lang="en-US" dirty="0" smtClean="0">
-                <a:solidFill>
-                  <a:schemeClr val="bg1">
-                    <a:lumMod val="65000"/>
-                  </a:schemeClr>
-                </a:solidFill>
-              </a:rPr>
-              <a:t>Hard drives</a:t>
-            </a:r>
-            <a:r>
-              <a:rPr lang="en-US" dirty="0" smtClean="0"/>
-              <a:t> </a:t>
-            </a:r>
-          </a:p>
-          <a:p>
-            <a:endParaRPr lang="en-US" dirty="0"/>
-          </a:p>
-          <a:p>
-            <a:pPr lvl="1"/>
-            <a:endParaRPr lang="en-US" dirty="0" smtClean="0"/>
-          </a:p>
-          <a:p>
-            <a:endParaRPr lang="en-US" dirty="0" smtClean="0"/>
-          </a:p>
-          <a:p>
-            <a:endParaRPr lang="en-US" dirty="0"/>
           </a:p>
         </p:txBody>
       </p:sp>
     </p:spTree>
     <p:extLst>
       <p:ext uri="{BB962C8B-B14F-4D97-AF65-F5344CB8AC3E}">
-        <p14:creationId xmlns:p14="http://schemas.microsoft.com/office/powerpoint/2010/main" val="849704915"/>
+        <p14:creationId xmlns:p14="http://schemas.microsoft.com/office/powerpoint/2010/main" val="1865039314"/>
+      </p:ext>
+    </p:extLst>
+  </p:cSld>
+  <p:clrMapOvr>
+    <a:masterClrMapping/>
+  </p:clrMapOvr>
+  <p:timing>
+    <p:tnLst>
+      <p:par>
+        <p:cTn xmlns:p14="http://schemas.microsoft.com/office/powerpoint/2010/main" id="1" dur="indefinite" restart="never" nodeType="tmRoot"/>
+      </p:par>
+    </p:tnLst>
+  </p:timing>
+</p:sld>
+</file>
+
+<file path=ppt/slides/slide22.xml><?xml version="1.0" encoding="utf-8"?>
+<p:sld xmlns:a="http://schemas.openxmlformats.org/drawingml/2006/main" xmlns:r="http://schemas.openxmlformats.org/officeDocument/2006/relationships" xmlns:p="http://schemas.openxmlformats.org/presentationml/2006/main">
+  <p:cSld>
+    <p:spTree>
+      <p:nvGrpSpPr>
+        <p:cNvPr id="1" name=""/>
+        <p:cNvGrpSpPr/>
+        <p:nvPr/>
+      </p:nvGrpSpPr>
+      <p:grpSpPr>
+        <a:xfrm>
+          <a:off x="0" y="0"/>
+          <a:ext cx="0" cy="0"/>
+          <a:chOff x="0" y="0"/>
+          <a:chExt cx="0" cy="0"/>
+        </a:xfrm>
+      </p:grpSpPr>
+      <p:sp>
+        <p:nvSpPr>
+          <p:cNvPr id="108546" name="Rectangle 2"/>
+          <p:cNvSpPr>
+            <a:spLocks noGrp="1" noChangeArrowheads="1"/>
+          </p:cNvSpPr>
+          <p:nvPr>
+            <p:ph type="ctrTitle"/>
+          </p:nvPr>
+        </p:nvSpPr>
+        <p:spPr>
+          <a:xfrm>
+            <a:off x="457200" y="762000"/>
+            <a:ext cx="8229600" cy="1752600"/>
+          </a:xfrm>
+        </p:spPr>
+        <p:txBody>
+          <a:bodyPr/>
+          <a:lstStyle/>
+          <a:p>
+            <a:r>
+              <a:rPr lang="en-US" sz="4800">
+                <a:latin typeface="Trebuchet MS" charset="0"/>
+              </a:rPr>
+              <a:t>Pretend you are</a:t>
+            </a:r>
+            <a:br>
+              <a:rPr lang="en-US" sz="4800">
+                <a:latin typeface="Trebuchet MS" charset="0"/>
+              </a:rPr>
+            </a:br>
+            <a:r>
+              <a:rPr lang="en-US" sz="4800">
+                <a:latin typeface="Trebuchet MS" charset="0"/>
+              </a:rPr>
+              <a:t>in a programming team</a:t>
+            </a:r>
+          </a:p>
+        </p:txBody>
+      </p:sp>
+      <p:sp>
+        <p:nvSpPr>
+          <p:cNvPr id="108547" name="Rectangle 3"/>
+          <p:cNvSpPr>
+            <a:spLocks noGrp="1" noChangeArrowheads="1"/>
+          </p:cNvSpPr>
+          <p:nvPr>
+            <p:ph type="subTitle" idx="1"/>
+          </p:nvPr>
+        </p:nvSpPr>
+        <p:spPr>
+          <a:xfrm>
+            <a:off x="609600" y="3124200"/>
+            <a:ext cx="8153400" cy="3429000"/>
+          </a:xfrm>
+        </p:spPr>
+        <p:txBody>
+          <a:bodyPr/>
+          <a:lstStyle/>
+          <a:p>
+            <a:pPr algn="l"/>
+            <a:endParaRPr lang="en-US" dirty="0">
+              <a:latin typeface="Trebuchet MS" charset="0"/>
+            </a:endParaRPr>
+          </a:p>
+          <a:p>
+            <a:pPr algn="l"/>
+            <a:r>
+              <a:rPr lang="en-US" dirty="0">
+                <a:latin typeface="Trebuchet MS" charset="0"/>
+              </a:rPr>
+              <a:t>Write your code as if someone else will have to understand and modify it</a:t>
+            </a:r>
+          </a:p>
+        </p:txBody>
+      </p:sp>
+    </p:spTree>
+    <p:extLst>
+      <p:ext uri="{BB962C8B-B14F-4D97-AF65-F5344CB8AC3E}">
+        <p14:creationId xmlns:p14="http://schemas.microsoft.com/office/powerpoint/2010/main" val="4219313624"/>
+      </p:ext>
+    </p:extLst>
+  </p:cSld>
+  <p:clrMapOvr>
+    <a:masterClrMapping/>
+  </p:clrMapOvr>
+  <p:timing>
+    <p:tnLst>
+      <p:par>
+        <p:cTn xmlns:p14="http://schemas.microsoft.com/office/powerpoint/2010/main" id="1" dur="indefinite" restart="never" nodeType="tmRoot"/>
+      </p:par>
+    </p:tnLst>
+  </p:timing>
+</p:sld>
+</file>
+
+<file path=ppt/slides/slide23.xml><?xml version="1.0" encoding="utf-8"?>
+<p:sld xmlns:a="http://schemas.openxmlformats.org/drawingml/2006/main" xmlns:r="http://schemas.openxmlformats.org/officeDocument/2006/relationships" xmlns:p="http://schemas.openxmlformats.org/presentationml/2006/main">
+  <p:cSld>
+    <p:spTree>
+      <p:nvGrpSpPr>
+        <p:cNvPr id="1" name=""/>
+        <p:cNvGrpSpPr/>
+        <p:nvPr/>
+      </p:nvGrpSpPr>
+      <p:grpSpPr>
+        <a:xfrm>
+          <a:off x="0" y="0"/>
+          <a:ext cx="0" cy="0"/>
+          <a:chOff x="0" y="0"/>
+          <a:chExt cx="0" cy="0"/>
+        </a:xfrm>
+      </p:grpSpPr>
+      <p:sp>
+        <p:nvSpPr>
+          <p:cNvPr id="2" name="Title 1"/>
+          <p:cNvSpPr>
+            <a:spLocks noGrp="1"/>
+          </p:cNvSpPr>
+          <p:nvPr>
+            <p:ph type="title"/>
+          </p:nvPr>
+        </p:nvSpPr>
+        <p:spPr/>
+        <p:txBody>
+          <a:bodyPr/>
+          <a:lstStyle/>
+          <a:p>
+            <a:r>
+              <a:rPr lang="en-US" dirty="0" smtClean="0"/>
+              <a:t>Working with someone else</a:t>
+            </a:r>
+            <a:endParaRPr lang="en-US" dirty="0"/>
+          </a:p>
+        </p:txBody>
+      </p:sp>
+      <p:sp>
+        <p:nvSpPr>
+          <p:cNvPr id="3" name="Content Placeholder 2"/>
+          <p:cNvSpPr>
+            <a:spLocks noGrp="1"/>
+          </p:cNvSpPr>
+          <p:nvPr>
+            <p:ph idx="1"/>
+          </p:nvPr>
+        </p:nvSpPr>
+        <p:spPr/>
+        <p:txBody>
+          <a:bodyPr/>
+          <a:lstStyle/>
+          <a:p>
+            <a:r>
+              <a:rPr lang="en-US" dirty="0" smtClean="0"/>
+              <a:t>Don’t try to understand everything in one go</a:t>
+            </a:r>
+          </a:p>
+          <a:p>
+            <a:r>
+              <a:rPr lang="en-US" dirty="0" smtClean="0"/>
+              <a:t>Identify one place you need to begin work on</a:t>
+            </a:r>
+          </a:p>
+          <a:p>
+            <a:r>
+              <a:rPr lang="en-US" dirty="0" smtClean="0"/>
+              <a:t>Ask the person who worked on it to explain what was going on in that part, then start!  </a:t>
+            </a:r>
+            <a:endParaRPr lang="en-US" dirty="0"/>
+          </a:p>
+        </p:txBody>
+      </p:sp>
+    </p:spTree>
+    <p:extLst>
+      <p:ext uri="{BB962C8B-B14F-4D97-AF65-F5344CB8AC3E}">
+        <p14:creationId xmlns:p14="http://schemas.microsoft.com/office/powerpoint/2010/main" val="32140555"/>
       </p:ext>
     </p:extLst>
   </p:cSld>
@@ -6559,7 +6812,859 @@
 </p:sld>
 </file>
 
-<file path=ppt/slides/slide22.xml><?xml version="1.0" encoding="utf-8"?>
+<file path=ppt/slides/slide24.xml><?xml version="1.0" encoding="utf-8"?>
+<p:sld xmlns:a="http://schemas.openxmlformats.org/drawingml/2006/main" xmlns:r="http://schemas.openxmlformats.org/officeDocument/2006/relationships" xmlns:p="http://schemas.openxmlformats.org/presentationml/2006/main">
+  <p:cSld>
+    <p:spTree>
+      <p:nvGrpSpPr>
+        <p:cNvPr id="1" name=""/>
+        <p:cNvGrpSpPr/>
+        <p:nvPr/>
+      </p:nvGrpSpPr>
+      <p:grpSpPr>
+        <a:xfrm>
+          <a:off x="0" y="0"/>
+          <a:ext cx="0" cy="0"/>
+          <a:chOff x="0" y="0"/>
+          <a:chExt cx="0" cy="0"/>
+        </a:xfrm>
+      </p:grpSpPr>
+      <p:sp>
+        <p:nvSpPr>
+          <p:cNvPr id="2" name="Title 1"/>
+          <p:cNvSpPr>
+            <a:spLocks noGrp="1"/>
+          </p:cNvSpPr>
+          <p:nvPr>
+            <p:ph type="title"/>
+          </p:nvPr>
+        </p:nvSpPr>
+        <p:spPr/>
+        <p:txBody>
+          <a:bodyPr/>
+          <a:lstStyle/>
+          <a:p>
+            <a:r>
+              <a:rPr lang="en-US" dirty="0" smtClean="0"/>
+              <a:t>Taking over someone’s project </a:t>
+            </a:r>
+            <a:endParaRPr lang="en-US" dirty="0"/>
+          </a:p>
+        </p:txBody>
+      </p:sp>
+      <p:sp>
+        <p:nvSpPr>
+          <p:cNvPr id="3" name="Content Placeholder 2"/>
+          <p:cNvSpPr>
+            <a:spLocks noGrp="1"/>
+          </p:cNvSpPr>
+          <p:nvPr>
+            <p:ph idx="1"/>
+          </p:nvPr>
+        </p:nvSpPr>
+        <p:spPr/>
+        <p:txBody>
+          <a:bodyPr/>
+          <a:lstStyle/>
+          <a:p>
+            <a:r>
+              <a:rPr lang="en-US" dirty="0" smtClean="0"/>
+              <a:t>Comment/uncomment out bits of their code</a:t>
+            </a:r>
+          </a:p>
+          <a:p>
+            <a:r>
+              <a:rPr lang="en-US" dirty="0" smtClean="0"/>
+              <a:t>See what part of the code controls the functionality </a:t>
+            </a:r>
+            <a:endParaRPr lang="en-US" dirty="0"/>
+          </a:p>
+        </p:txBody>
+      </p:sp>
+    </p:spTree>
+    <p:extLst>
+      <p:ext uri="{BB962C8B-B14F-4D97-AF65-F5344CB8AC3E}">
+        <p14:creationId xmlns:p14="http://schemas.microsoft.com/office/powerpoint/2010/main" val="3486859430"/>
+      </p:ext>
+    </p:extLst>
+  </p:cSld>
+  <p:clrMapOvr>
+    <a:masterClrMapping/>
+  </p:clrMapOvr>
+</p:sld>
+</file>
+
+<file path=ppt/slides/slide25.xml><?xml version="1.0" encoding="utf-8"?>
+<p:sld xmlns:a="http://schemas.openxmlformats.org/drawingml/2006/main" xmlns:r="http://schemas.openxmlformats.org/officeDocument/2006/relationships" xmlns:p="http://schemas.openxmlformats.org/presentationml/2006/main">
+  <p:cSld>
+    <p:spTree>
+      <p:nvGrpSpPr>
+        <p:cNvPr id="1" name=""/>
+        <p:cNvGrpSpPr/>
+        <p:nvPr/>
+      </p:nvGrpSpPr>
+      <p:grpSpPr>
+        <a:xfrm>
+          <a:off x="0" y="0"/>
+          <a:ext cx="0" cy="0"/>
+          <a:chOff x="0" y="0"/>
+          <a:chExt cx="0" cy="0"/>
+        </a:xfrm>
+      </p:grpSpPr>
+      <p:sp>
+        <p:nvSpPr>
+          <p:cNvPr id="3" name="Title 2"/>
+          <p:cNvSpPr>
+            <a:spLocks noGrp="1"/>
+          </p:cNvSpPr>
+          <p:nvPr>
+            <p:ph type="ctrTitle"/>
+          </p:nvPr>
+        </p:nvSpPr>
+        <p:spPr>
+          <a:solidFill>
+            <a:schemeClr val="tx1"/>
+          </a:solidFill>
+        </p:spPr>
+        <p:txBody>
+          <a:bodyPr/>
+          <a:lstStyle/>
+          <a:p>
+            <a:r>
+              <a:rPr lang="en-US" dirty="0" smtClean="0">
+                <a:solidFill>
+                  <a:srgbClr val="FFFFFF"/>
+                </a:solidFill>
+              </a:rPr>
+              <a:t>Solving Problems</a:t>
+            </a:r>
+            <a:endParaRPr lang="en-US" dirty="0">
+              <a:solidFill>
+                <a:srgbClr val="FFFFFF"/>
+              </a:solidFill>
+            </a:endParaRPr>
+          </a:p>
+        </p:txBody>
+      </p:sp>
+      <p:sp>
+        <p:nvSpPr>
+          <p:cNvPr id="4" name="Subtitle 3"/>
+          <p:cNvSpPr>
+            <a:spLocks noGrp="1"/>
+          </p:cNvSpPr>
+          <p:nvPr>
+            <p:ph type="subTitle" idx="1"/>
+          </p:nvPr>
+        </p:nvSpPr>
+        <p:spPr/>
+        <p:txBody>
+          <a:bodyPr/>
+          <a:lstStyle/>
+          <a:p>
+            <a:endParaRPr lang="en-US"/>
+          </a:p>
+        </p:txBody>
+      </p:sp>
+    </p:spTree>
+    <p:extLst>
+      <p:ext uri="{BB962C8B-B14F-4D97-AF65-F5344CB8AC3E}">
+        <p14:creationId xmlns:p14="http://schemas.microsoft.com/office/powerpoint/2010/main" val="2196298696"/>
+      </p:ext>
+    </p:extLst>
+  </p:cSld>
+  <p:clrMapOvr>
+    <a:masterClrMapping/>
+  </p:clrMapOvr>
+</p:sld>
+</file>
+
+<file path=ppt/slides/slide26.xml><?xml version="1.0" encoding="utf-8"?>
+<p:sld xmlns:a="http://schemas.openxmlformats.org/drawingml/2006/main" xmlns:r="http://schemas.openxmlformats.org/officeDocument/2006/relationships" xmlns:p="http://schemas.openxmlformats.org/presentationml/2006/main">
+  <p:cSld>
+    <p:spTree>
+      <p:nvGrpSpPr>
+        <p:cNvPr id="1" name=""/>
+        <p:cNvGrpSpPr/>
+        <p:nvPr/>
+      </p:nvGrpSpPr>
+      <p:grpSpPr>
+        <a:xfrm>
+          <a:off x="0" y="0"/>
+          <a:ext cx="0" cy="0"/>
+          <a:chOff x="0" y="0"/>
+          <a:chExt cx="0" cy="0"/>
+        </a:xfrm>
+      </p:grpSpPr>
+      <p:sp>
+        <p:nvSpPr>
+          <p:cNvPr id="2" name="Title 1"/>
+          <p:cNvSpPr>
+            <a:spLocks noGrp="1"/>
+          </p:cNvSpPr>
+          <p:nvPr>
+            <p:ph type="title"/>
+          </p:nvPr>
+        </p:nvSpPr>
+        <p:spPr/>
+        <p:txBody>
+          <a:bodyPr/>
+          <a:lstStyle/>
+          <a:p>
+            <a:r>
+              <a:rPr lang="en-US" dirty="0" smtClean="0"/>
+              <a:t>What if you hit a problem?</a:t>
+            </a:r>
+            <a:endParaRPr lang="en-US" dirty="0"/>
+          </a:p>
+        </p:txBody>
+      </p:sp>
+      <p:sp>
+        <p:nvSpPr>
+          <p:cNvPr id="3" name="Content Placeholder 2"/>
+          <p:cNvSpPr>
+            <a:spLocks noGrp="1"/>
+          </p:cNvSpPr>
+          <p:nvPr>
+            <p:ph idx="1"/>
+          </p:nvPr>
+        </p:nvSpPr>
+        <p:spPr/>
+        <p:txBody>
+          <a:bodyPr>
+            <a:normAutofit fontScale="92500" lnSpcReduction="10000"/>
+          </a:bodyPr>
+          <a:lstStyle/>
+          <a:p>
+            <a:r>
+              <a:rPr lang="en-US" dirty="0" smtClean="0"/>
+              <a:t>Coding problem</a:t>
+            </a:r>
+          </a:p>
+          <a:p>
+            <a:pPr lvl="1"/>
+            <a:r>
+              <a:rPr lang="en-US" dirty="0"/>
+              <a:t>c</a:t>
+            </a:r>
+            <a:r>
+              <a:rPr lang="en-US" dirty="0" smtClean="0"/>
+              <a:t>hances are someone else has a similar problem, and a solution exists</a:t>
+            </a:r>
+          </a:p>
+          <a:p>
+            <a:pPr lvl="1"/>
+            <a:r>
+              <a:rPr lang="en-US" dirty="0" smtClean="0"/>
+              <a:t>Google it. How would you phrase that question to a human?</a:t>
+            </a:r>
+          </a:p>
+          <a:p>
+            <a:r>
+              <a:rPr lang="en-US" dirty="0" smtClean="0"/>
+              <a:t>Who does research in that general area?  </a:t>
+            </a:r>
+          </a:p>
+          <a:p>
+            <a:pPr lvl="1"/>
+            <a:r>
+              <a:rPr lang="en-US" dirty="0" smtClean="0"/>
+              <a:t>Look at their papers for something similar you can adapt </a:t>
+            </a:r>
+          </a:p>
+          <a:p>
+            <a:r>
+              <a:rPr lang="en-US" dirty="0" smtClean="0"/>
+              <a:t>How would you do it manually?</a:t>
+            </a:r>
+          </a:p>
+          <a:p>
+            <a:pPr lvl="1"/>
+            <a:r>
+              <a:rPr lang="en-US" dirty="0" smtClean="0"/>
+              <a:t>Describe the steps, then code it up </a:t>
+            </a:r>
+          </a:p>
+          <a:p>
+            <a:pPr lvl="1"/>
+            <a:endParaRPr lang="en-US" dirty="0"/>
+          </a:p>
+          <a:p>
+            <a:pPr lvl="1"/>
+            <a:endParaRPr lang="en-US" dirty="0"/>
+          </a:p>
+        </p:txBody>
+      </p:sp>
+    </p:spTree>
+    <p:extLst>
+      <p:ext uri="{BB962C8B-B14F-4D97-AF65-F5344CB8AC3E}">
+        <p14:creationId xmlns:p14="http://schemas.microsoft.com/office/powerpoint/2010/main" val="3071680531"/>
+      </p:ext>
+    </p:extLst>
+  </p:cSld>
+  <p:clrMapOvr>
+    <a:masterClrMapping/>
+  </p:clrMapOvr>
+</p:sld>
+</file>
+
+<file path=ppt/slides/slide27.xml><?xml version="1.0" encoding="utf-8"?>
+<p:sld xmlns:a="http://schemas.openxmlformats.org/drawingml/2006/main" xmlns:r="http://schemas.openxmlformats.org/officeDocument/2006/relationships" xmlns:p="http://schemas.openxmlformats.org/presentationml/2006/main">
+  <p:cSld>
+    <p:spTree>
+      <p:nvGrpSpPr>
+        <p:cNvPr id="1" name=""/>
+        <p:cNvGrpSpPr/>
+        <p:nvPr/>
+      </p:nvGrpSpPr>
+      <p:grpSpPr>
+        <a:xfrm>
+          <a:off x="0" y="0"/>
+          <a:ext cx="0" cy="0"/>
+          <a:chOff x="0" y="0"/>
+          <a:chExt cx="0" cy="0"/>
+        </a:xfrm>
+      </p:grpSpPr>
+      <p:sp>
+        <p:nvSpPr>
+          <p:cNvPr id="2" name="Title 1"/>
+          <p:cNvSpPr>
+            <a:spLocks noGrp="1"/>
+          </p:cNvSpPr>
+          <p:nvPr>
+            <p:ph type="title"/>
+          </p:nvPr>
+        </p:nvSpPr>
+        <p:spPr/>
+        <p:txBody>
+          <a:bodyPr/>
+          <a:lstStyle/>
+          <a:p>
+            <a:r>
+              <a:rPr lang="en-US" dirty="0" smtClean="0"/>
+              <a:t>How to ask good questions online</a:t>
+            </a:r>
+            <a:endParaRPr lang="en-US" dirty="0"/>
+          </a:p>
+        </p:txBody>
+      </p:sp>
+      <p:sp>
+        <p:nvSpPr>
+          <p:cNvPr id="3" name="Content Placeholder 2"/>
+          <p:cNvSpPr>
+            <a:spLocks noGrp="1"/>
+          </p:cNvSpPr>
+          <p:nvPr>
+            <p:ph idx="1"/>
+          </p:nvPr>
+        </p:nvSpPr>
+        <p:spPr/>
+        <p:txBody>
+          <a:bodyPr/>
+          <a:lstStyle/>
+          <a:p>
+            <a:r>
+              <a:rPr lang="en-US" dirty="0" smtClean="0"/>
+              <a:t>Choose where to ask</a:t>
+            </a:r>
+          </a:p>
+          <a:p>
+            <a:pPr lvl="1"/>
+            <a:r>
+              <a:rPr lang="en-US" dirty="0" smtClean="0"/>
+              <a:t>Stack </a:t>
+            </a:r>
+            <a:r>
+              <a:rPr lang="en-US" dirty="0" err="1" smtClean="0"/>
+              <a:t>Oveflow</a:t>
+            </a:r>
+            <a:r>
+              <a:rPr lang="en-US" dirty="0" smtClean="0"/>
+              <a:t> </a:t>
+            </a:r>
+            <a:r>
+              <a:rPr lang="en-US" dirty="0" err="1" smtClean="0"/>
+              <a:t>vs</a:t>
+            </a:r>
+            <a:r>
+              <a:rPr lang="en-US" dirty="0" smtClean="0"/>
+              <a:t> Stack Exchange</a:t>
+            </a:r>
+          </a:p>
+          <a:p>
+            <a:r>
+              <a:rPr lang="en-US" dirty="0" smtClean="0"/>
+              <a:t>Search the web</a:t>
+            </a:r>
+          </a:p>
+          <a:p>
+            <a:r>
+              <a:rPr lang="en-US" dirty="0" smtClean="0"/>
+              <a:t>Project mailing lists</a:t>
+            </a:r>
+          </a:p>
+          <a:p>
+            <a:r>
+              <a:rPr lang="en-US" dirty="0" smtClean="0"/>
+              <a:t>Meaningful specific subject headers</a:t>
+            </a:r>
+          </a:p>
+          <a:p>
+            <a:r>
+              <a:rPr lang="en-US" dirty="0"/>
+              <a:t>Questions in readable data formats</a:t>
+            </a:r>
+          </a:p>
+          <a:p>
+            <a:r>
+              <a:rPr lang="en-US" dirty="0"/>
+              <a:t>Have your contact info readily </a:t>
+            </a:r>
+            <a:r>
+              <a:rPr lang="en-US" dirty="0" err="1" smtClean="0"/>
+              <a:t>availabl</a:t>
+            </a:r>
+            <a:endParaRPr lang="en-US" dirty="0"/>
+          </a:p>
+        </p:txBody>
+      </p:sp>
+    </p:spTree>
+    <p:extLst>
+      <p:ext uri="{BB962C8B-B14F-4D97-AF65-F5344CB8AC3E}">
+        <p14:creationId xmlns:p14="http://schemas.microsoft.com/office/powerpoint/2010/main" val="2509113974"/>
+      </p:ext>
+    </p:extLst>
+  </p:cSld>
+  <p:clrMapOvr>
+    <a:masterClrMapping/>
+  </p:clrMapOvr>
+</p:sld>
+</file>
+
+<file path=ppt/slides/slide28.xml><?xml version="1.0" encoding="utf-8"?>
+<p:sld xmlns:a="http://schemas.openxmlformats.org/drawingml/2006/main" xmlns:r="http://schemas.openxmlformats.org/officeDocument/2006/relationships" xmlns:p="http://schemas.openxmlformats.org/presentationml/2006/main">
+  <p:cSld>
+    <p:spTree>
+      <p:nvGrpSpPr>
+        <p:cNvPr id="1" name=""/>
+        <p:cNvGrpSpPr/>
+        <p:nvPr/>
+      </p:nvGrpSpPr>
+      <p:grpSpPr>
+        <a:xfrm>
+          <a:off x="0" y="0"/>
+          <a:ext cx="0" cy="0"/>
+          <a:chOff x="0" y="0"/>
+          <a:chExt cx="0" cy="0"/>
+        </a:xfrm>
+      </p:grpSpPr>
+      <p:sp>
+        <p:nvSpPr>
+          <p:cNvPr id="2" name="Title 1"/>
+          <p:cNvSpPr>
+            <a:spLocks noGrp="1"/>
+          </p:cNvSpPr>
+          <p:nvPr>
+            <p:ph type="title"/>
+          </p:nvPr>
+        </p:nvSpPr>
+        <p:spPr/>
+        <p:txBody>
+          <a:bodyPr/>
+          <a:lstStyle/>
+          <a:p>
+            <a:r>
+              <a:rPr lang="en-US" dirty="0" smtClean="0"/>
+              <a:t>Stack Overflow</a:t>
+            </a:r>
+            <a:endParaRPr lang="en-US" dirty="0"/>
+          </a:p>
+        </p:txBody>
+      </p:sp>
+      <p:pic>
+        <p:nvPicPr>
+          <p:cNvPr id="4" name="Picture 3" descr="Screen Shot 2014-07-21 at 10.04.39 PM.png"/>
+          <p:cNvPicPr>
+            <a:picLocks noChangeAspect="1"/>
+          </p:cNvPicPr>
+          <p:nvPr/>
+        </p:nvPicPr>
+        <p:blipFill>
+          <a:blip r:embed="rId2">
+            <a:extLst>
+              <a:ext uri="{28A0092B-C50C-407E-A947-70E740481C1C}">
+                <a14:useLocalDpi xmlns:a14="http://schemas.microsoft.com/office/drawing/2010/main" val="0"/>
+              </a:ext>
+            </a:extLst>
+          </a:blip>
+          <a:stretch>
+            <a:fillRect/>
+          </a:stretch>
+        </p:blipFill>
+        <p:spPr>
+          <a:xfrm>
+            <a:off x="0" y="1597289"/>
+            <a:ext cx="9144000" cy="4433455"/>
+          </a:xfrm>
+          <a:prstGeom prst="rect">
+            <a:avLst/>
+          </a:prstGeom>
+        </p:spPr>
+      </p:pic>
+    </p:spTree>
+    <p:extLst>
+      <p:ext uri="{BB962C8B-B14F-4D97-AF65-F5344CB8AC3E}">
+        <p14:creationId xmlns:p14="http://schemas.microsoft.com/office/powerpoint/2010/main" val="3316542573"/>
+      </p:ext>
+    </p:extLst>
+  </p:cSld>
+  <p:clrMapOvr>
+    <a:masterClrMapping/>
+  </p:clrMapOvr>
+</p:sld>
+</file>
+
+<file path=ppt/slides/slide29.xml><?xml version="1.0" encoding="utf-8"?>
+<p:sld xmlns:a="http://schemas.openxmlformats.org/drawingml/2006/main" xmlns:r="http://schemas.openxmlformats.org/officeDocument/2006/relationships" xmlns:p="http://schemas.openxmlformats.org/presentationml/2006/main">
+  <p:cSld>
+    <p:spTree>
+      <p:nvGrpSpPr>
+        <p:cNvPr id="1" name=""/>
+        <p:cNvGrpSpPr/>
+        <p:nvPr/>
+      </p:nvGrpSpPr>
+      <p:grpSpPr>
+        <a:xfrm>
+          <a:off x="0" y="0"/>
+          <a:ext cx="0" cy="0"/>
+          <a:chOff x="0" y="0"/>
+          <a:chExt cx="0" cy="0"/>
+        </a:xfrm>
+      </p:grpSpPr>
+      <p:sp>
+        <p:nvSpPr>
+          <p:cNvPr id="2" name="Title 1"/>
+          <p:cNvSpPr>
+            <a:spLocks noGrp="1"/>
+          </p:cNvSpPr>
+          <p:nvPr>
+            <p:ph type="title"/>
+          </p:nvPr>
+        </p:nvSpPr>
+        <p:spPr/>
+        <p:txBody>
+          <a:bodyPr/>
+          <a:lstStyle/>
+          <a:p>
+            <a:r>
+              <a:rPr lang="en-US" dirty="0" smtClean="0"/>
+              <a:t>Stack Exchange</a:t>
+            </a:r>
+            <a:endParaRPr lang="en-US" dirty="0"/>
+          </a:p>
+        </p:txBody>
+      </p:sp>
+      <p:pic>
+        <p:nvPicPr>
+          <p:cNvPr id="4" name="Picture 3" descr="Screen Shot 2014-07-21 at 10.05.14 PM.png"/>
+          <p:cNvPicPr>
+            <a:picLocks noChangeAspect="1"/>
+          </p:cNvPicPr>
+          <p:nvPr/>
+        </p:nvPicPr>
+        <p:blipFill>
+          <a:blip r:embed="rId2">
+            <a:extLst>
+              <a:ext uri="{28A0092B-C50C-407E-A947-70E740481C1C}">
+                <a14:useLocalDpi xmlns:a14="http://schemas.microsoft.com/office/drawing/2010/main" val="0"/>
+              </a:ext>
+            </a:extLst>
+          </a:blip>
+          <a:stretch>
+            <a:fillRect/>
+          </a:stretch>
+        </p:blipFill>
+        <p:spPr>
+          <a:xfrm>
+            <a:off x="0" y="1580686"/>
+            <a:ext cx="9144000" cy="4665828"/>
+          </a:xfrm>
+          <a:prstGeom prst="rect">
+            <a:avLst/>
+          </a:prstGeom>
+        </p:spPr>
+      </p:pic>
+    </p:spTree>
+    <p:extLst>
+      <p:ext uri="{BB962C8B-B14F-4D97-AF65-F5344CB8AC3E}">
+        <p14:creationId xmlns:p14="http://schemas.microsoft.com/office/powerpoint/2010/main" val="1453602261"/>
+      </p:ext>
+    </p:extLst>
+  </p:cSld>
+  <p:clrMapOvr>
+    <a:masterClrMapping/>
+  </p:clrMapOvr>
+</p:sld>
+</file>
+
+<file path=ppt/slides/slide3.xml><?xml version="1.0" encoding="utf-8"?>
+<p:sld xmlns:a="http://schemas.openxmlformats.org/drawingml/2006/main" xmlns:r="http://schemas.openxmlformats.org/officeDocument/2006/relationships" xmlns:p="http://schemas.openxmlformats.org/presentationml/2006/main">
+  <p:cSld>
+    <p:spTree>
+      <p:nvGrpSpPr>
+        <p:cNvPr id="1" name=""/>
+        <p:cNvGrpSpPr/>
+        <p:nvPr/>
+      </p:nvGrpSpPr>
+      <p:grpSpPr>
+        <a:xfrm>
+          <a:off x="0" y="0"/>
+          <a:ext cx="0" cy="0"/>
+          <a:chOff x="0" y="0"/>
+          <a:chExt cx="0" cy="0"/>
+        </a:xfrm>
+      </p:grpSpPr>
+      <p:sp>
+        <p:nvSpPr>
+          <p:cNvPr id="3" name="Title 2"/>
+          <p:cNvSpPr>
+            <a:spLocks noGrp="1"/>
+          </p:cNvSpPr>
+          <p:nvPr>
+            <p:ph type="ctrTitle"/>
+          </p:nvPr>
+        </p:nvSpPr>
+        <p:spPr>
+          <a:solidFill>
+            <a:schemeClr val="tx1"/>
+          </a:solidFill>
+        </p:spPr>
+        <p:txBody>
+          <a:bodyPr/>
+          <a:lstStyle/>
+          <a:p>
+            <a:r>
+              <a:rPr lang="en-US" dirty="0" smtClean="0">
+                <a:solidFill>
+                  <a:srgbClr val="FFFFFF"/>
+                </a:solidFill>
+              </a:rPr>
+              <a:t>Admin</a:t>
+            </a:r>
+            <a:endParaRPr lang="en-US" dirty="0">
+              <a:solidFill>
+                <a:srgbClr val="FFFFFF"/>
+              </a:solidFill>
+            </a:endParaRPr>
+          </a:p>
+        </p:txBody>
+      </p:sp>
+      <p:sp>
+        <p:nvSpPr>
+          <p:cNvPr id="4" name="Subtitle 3"/>
+          <p:cNvSpPr>
+            <a:spLocks noGrp="1"/>
+          </p:cNvSpPr>
+          <p:nvPr>
+            <p:ph type="subTitle" idx="1"/>
+          </p:nvPr>
+        </p:nvSpPr>
+        <p:spPr/>
+        <p:txBody>
+          <a:bodyPr/>
+          <a:lstStyle/>
+          <a:p>
+            <a:endParaRPr lang="en-US"/>
+          </a:p>
+        </p:txBody>
+      </p:sp>
+    </p:spTree>
+    <p:extLst>
+      <p:ext uri="{BB962C8B-B14F-4D97-AF65-F5344CB8AC3E}">
+        <p14:creationId xmlns:p14="http://schemas.microsoft.com/office/powerpoint/2010/main" val="2196298696"/>
+      </p:ext>
+    </p:extLst>
+  </p:cSld>
+  <p:clrMapOvr>
+    <a:masterClrMapping/>
+  </p:clrMapOvr>
+</p:sld>
+</file>
+
+<file path=ppt/slides/slide30.xml><?xml version="1.0" encoding="utf-8"?>
+<p:sld xmlns:a="http://schemas.openxmlformats.org/drawingml/2006/main" xmlns:r="http://schemas.openxmlformats.org/officeDocument/2006/relationships" xmlns:p="http://schemas.openxmlformats.org/presentationml/2006/main">
+  <p:cSld>
+    <p:spTree>
+      <p:nvGrpSpPr>
+        <p:cNvPr id="1" name=""/>
+        <p:cNvGrpSpPr/>
+        <p:nvPr/>
+      </p:nvGrpSpPr>
+      <p:grpSpPr>
+        <a:xfrm>
+          <a:off x="0" y="0"/>
+          <a:ext cx="0" cy="0"/>
+          <a:chOff x="0" y="0"/>
+          <a:chExt cx="0" cy="0"/>
+        </a:xfrm>
+      </p:grpSpPr>
+      <p:sp>
+        <p:nvSpPr>
+          <p:cNvPr id="2" name="Title 1"/>
+          <p:cNvSpPr>
+            <a:spLocks noGrp="1"/>
+          </p:cNvSpPr>
+          <p:nvPr>
+            <p:ph type="title"/>
+          </p:nvPr>
+        </p:nvSpPr>
+        <p:spPr/>
+        <p:txBody>
+          <a:bodyPr/>
+          <a:lstStyle/>
+          <a:p>
+            <a:r>
+              <a:rPr lang="en-US" dirty="0" smtClean="0"/>
+              <a:t>Do not reinvent the wheel </a:t>
+            </a:r>
+            <a:endParaRPr lang="en-US" dirty="0"/>
+          </a:p>
+        </p:txBody>
+      </p:sp>
+      <p:sp>
+        <p:nvSpPr>
+          <p:cNvPr id="3" name="Content Placeholder 2"/>
+          <p:cNvSpPr>
+            <a:spLocks noGrp="1"/>
+          </p:cNvSpPr>
+          <p:nvPr>
+            <p:ph idx="1"/>
+          </p:nvPr>
+        </p:nvSpPr>
+        <p:spPr/>
+        <p:txBody>
+          <a:bodyPr/>
+          <a:lstStyle/>
+          <a:p>
+            <a:r>
+              <a:rPr lang="en-US" dirty="0" smtClean="0"/>
+              <a:t>Do not write your own code for a function, unless there is absolutely no choice</a:t>
+            </a:r>
+          </a:p>
+          <a:p>
+            <a:r>
+              <a:rPr lang="en-US" dirty="0" smtClean="0"/>
+              <a:t>If a solution is available on the internet, use it. If it popped up in </a:t>
+            </a:r>
+            <a:r>
+              <a:rPr lang="en-US" dirty="0"/>
+              <a:t>G</a:t>
+            </a:r>
+            <a:r>
+              <a:rPr lang="en-US" dirty="0" smtClean="0"/>
+              <a:t>oogle, its probably been rigorously tested by many more people than code you would write yourself </a:t>
+            </a:r>
+            <a:endParaRPr lang="en-US" dirty="0"/>
+          </a:p>
+        </p:txBody>
+      </p:sp>
+    </p:spTree>
+    <p:extLst>
+      <p:ext uri="{BB962C8B-B14F-4D97-AF65-F5344CB8AC3E}">
+        <p14:creationId xmlns:p14="http://schemas.microsoft.com/office/powerpoint/2010/main" val="2296045984"/>
+      </p:ext>
+    </p:extLst>
+  </p:cSld>
+  <p:clrMapOvr>
+    <a:masterClrMapping/>
+  </p:clrMapOvr>
+</p:sld>
+</file>
+
+<file path=ppt/slides/slide31.xml><?xml version="1.0" encoding="utf-8"?>
+<p:sld xmlns:a="http://schemas.openxmlformats.org/drawingml/2006/main" xmlns:r="http://schemas.openxmlformats.org/officeDocument/2006/relationships" xmlns:p="http://schemas.openxmlformats.org/presentationml/2006/main">
+  <p:cSld>
+    <p:spTree>
+      <p:nvGrpSpPr>
+        <p:cNvPr id="1" name=""/>
+        <p:cNvGrpSpPr/>
+        <p:nvPr/>
+      </p:nvGrpSpPr>
+      <p:grpSpPr>
+        <a:xfrm>
+          <a:off x="0" y="0"/>
+          <a:ext cx="0" cy="0"/>
+          <a:chOff x="0" y="0"/>
+          <a:chExt cx="0" cy="0"/>
+        </a:xfrm>
+      </p:grpSpPr>
+      <p:sp>
+        <p:nvSpPr>
+          <p:cNvPr id="3" name="Title 2"/>
+          <p:cNvSpPr>
+            <a:spLocks noGrp="1"/>
+          </p:cNvSpPr>
+          <p:nvPr>
+            <p:ph type="ctrTitle"/>
+          </p:nvPr>
+        </p:nvSpPr>
+        <p:spPr>
+          <a:solidFill>
+            <a:schemeClr val="tx1"/>
+          </a:solidFill>
+        </p:spPr>
+        <p:txBody>
+          <a:bodyPr/>
+          <a:lstStyle/>
+          <a:p>
+            <a:r>
+              <a:rPr lang="en-US" dirty="0" smtClean="0">
+                <a:solidFill>
+                  <a:srgbClr val="FFFFFF"/>
+                </a:solidFill>
+              </a:rPr>
+              <a:t>Developing Your Own Tool</a:t>
+            </a:r>
+            <a:endParaRPr lang="en-US" dirty="0">
+              <a:solidFill>
+                <a:srgbClr val="FFFFFF"/>
+              </a:solidFill>
+            </a:endParaRPr>
+          </a:p>
+        </p:txBody>
+      </p:sp>
+      <p:sp>
+        <p:nvSpPr>
+          <p:cNvPr id="4" name="Subtitle 3"/>
+          <p:cNvSpPr>
+            <a:spLocks noGrp="1"/>
+          </p:cNvSpPr>
+          <p:nvPr>
+            <p:ph type="subTitle" idx="1"/>
+          </p:nvPr>
+        </p:nvSpPr>
+        <p:spPr/>
+        <p:txBody>
+          <a:bodyPr/>
+          <a:lstStyle/>
+          <a:p>
+            <a:endParaRPr lang="en-US"/>
+          </a:p>
+        </p:txBody>
+      </p:sp>
+    </p:spTree>
+    <p:extLst>
+      <p:ext uri="{BB962C8B-B14F-4D97-AF65-F5344CB8AC3E}">
+        <p14:creationId xmlns:p14="http://schemas.microsoft.com/office/powerpoint/2010/main" val="2196298696"/>
+      </p:ext>
+    </p:extLst>
+  </p:cSld>
+  <p:clrMapOvr>
+    <a:masterClrMapping/>
+  </p:clrMapOvr>
+</p:sld>
+</file>
+
+<file path=ppt/slides/slide32.xml><?xml version="1.0" encoding="utf-8"?>
 <p:sld xmlns:a="http://schemas.openxmlformats.org/drawingml/2006/main" xmlns:r="http://schemas.openxmlformats.org/officeDocument/2006/relationships" xmlns:p="http://schemas.openxmlformats.org/presentationml/2006/main">
   <p:cSld>
     <p:spTree>
@@ -6671,7 +7776,7 @@
 </p:sld>
 </file>
 
-<file path=ppt/slides/slide23.xml><?xml version="1.0" encoding="utf-8"?>
+<file path=ppt/slides/slide33.xml><?xml version="1.0" encoding="utf-8"?>
 <p:sld xmlns:a="http://schemas.openxmlformats.org/drawingml/2006/main" xmlns:r="http://schemas.openxmlformats.org/officeDocument/2006/relationships" xmlns:p="http://schemas.openxmlformats.org/presentationml/2006/main">
   <p:cSld>
     <p:spTree>
@@ -6789,36 +7894,6 @@
           </a:p>
         </p:txBody>
       </p:sp>
-      <p:sp>
-        <p:nvSpPr>
-          <p:cNvPr id="4" name="TextBox 3"/>
-          <p:cNvSpPr txBox="1"/>
-          <p:nvPr/>
-        </p:nvSpPr>
-        <p:spPr>
-          <a:xfrm>
-            <a:off x="457200" y="6317773"/>
-            <a:ext cx="6503374" cy="369332"/>
-          </a:xfrm>
-          <a:prstGeom prst="rect">
-            <a:avLst/>
-          </a:prstGeom>
-          <a:noFill/>
-        </p:spPr>
-        <p:txBody>
-          <a:bodyPr wrap="square" rtlCol="0">
-            <a:spAutoFit/>
-          </a:bodyPr>
-          <a:lstStyle/>
-          <a:p>
-            <a:r>
-              <a:rPr lang="hu-HU" dirty="0"/>
-              <a:t>http://lukeplant.me.uk/blog/posts/docs-or-it-doesnt-exist/</a:t>
-            </a:r>
-            <a:endParaRPr lang="en-US" dirty="0"/>
-          </a:p>
-        </p:txBody>
-      </p:sp>
     </p:spTree>
     <p:extLst>
       <p:ext uri="{BB962C8B-B14F-4D97-AF65-F5344CB8AC3E}">
@@ -6832,7 +7907,7 @@
 </p:sld>
 </file>
 
-<file path=ppt/slides/slide24.xml><?xml version="1.0" encoding="utf-8"?>
+<file path=ppt/slides/slide34.xml><?xml version="1.0" encoding="utf-8"?>
 <p:sld xmlns:a="http://schemas.openxmlformats.org/drawingml/2006/main" xmlns:r="http://schemas.openxmlformats.org/officeDocument/2006/relationships" xmlns:p="http://schemas.openxmlformats.org/presentationml/2006/main">
   <p:cSld>
     <p:spTree>
@@ -6926,7 +8001,7 @@
 </p:sld>
 </file>
 
-<file path=ppt/slides/slide25.xml><?xml version="1.0" encoding="utf-8"?>
+<file path=ppt/slides/slide35.xml><?xml version="1.0" encoding="utf-8"?>
 <p:sld xmlns:a="http://schemas.openxmlformats.org/drawingml/2006/main" xmlns:r="http://schemas.openxmlformats.org/officeDocument/2006/relationships" xmlns:p="http://schemas.openxmlformats.org/presentationml/2006/main">
   <p:cSld>
     <p:spTree>
@@ -6945,279 +8020,66 @@
       </p:grpSpPr>
       <p:sp>
         <p:nvSpPr>
-          <p:cNvPr id="2" name="Title 1"/>
+          <p:cNvPr id="4" name="Title 3"/>
           <p:cNvSpPr>
             <a:spLocks noGrp="1"/>
           </p:cNvSpPr>
           <p:nvPr>
             <p:ph type="title"/>
-          </p:nvPr>
-        </p:nvSpPr>
-        <p:spPr>
-          <a:solidFill>
-            <a:schemeClr val="tx1"/>
-          </a:solidFill>
-        </p:spPr>
-        <p:txBody>
-          <a:bodyPr/>
-          <a:lstStyle/>
-          <a:p>
-            <a:r>
-              <a:rPr lang="en-US" dirty="0" smtClean="0">
-                <a:solidFill>
-                  <a:schemeClr val="bg1"/>
-                </a:solidFill>
-              </a:rPr>
-              <a:t>Contents</a:t>
-            </a:r>
-            <a:endParaRPr lang="en-US" dirty="0">
-              <a:solidFill>
-                <a:schemeClr val="bg1"/>
-              </a:solidFill>
-            </a:endParaRPr>
-          </a:p>
-        </p:txBody>
-      </p:sp>
-      <p:sp>
-        <p:nvSpPr>
-          <p:cNvPr id="3" name="Content Placeholder 2"/>
-          <p:cNvSpPr>
-            <a:spLocks noGrp="1"/>
-          </p:cNvSpPr>
-          <p:nvPr>
-            <p:ph idx="1"/>
           </p:nvPr>
         </p:nvSpPr>
         <p:spPr>
           <a:xfrm>
-            <a:off x="457200" y="1600200"/>
-            <a:ext cx="8229600" cy="5257800"/>
+            <a:off x="0" y="37373"/>
+            <a:ext cx="2124471" cy="1143000"/>
           </a:xfrm>
         </p:spPr>
         <p:txBody>
-          <a:bodyPr>
-            <a:normAutofit fontScale="62500" lnSpcReduction="20000"/>
-          </a:bodyPr>
-          <a:lstStyle/>
-          <a:p>
-            <a:r>
-              <a:rPr lang="en-US" dirty="0" smtClean="0">
-                <a:solidFill>
-                  <a:schemeClr val="bg1">
-                    <a:lumMod val="65000"/>
-                  </a:schemeClr>
-                </a:solidFill>
-              </a:rPr>
-              <a:t>Admin</a:t>
-            </a:r>
-          </a:p>
-          <a:p>
-            <a:pPr lvl="1"/>
-            <a:r>
-              <a:rPr lang="en-US" dirty="0" smtClean="0">
-                <a:solidFill>
-                  <a:schemeClr val="bg1">
-                    <a:lumMod val="65000"/>
-                  </a:schemeClr>
-                </a:solidFill>
-              </a:rPr>
-              <a:t>My background</a:t>
-            </a:r>
-          </a:p>
-          <a:p>
-            <a:pPr lvl="1"/>
-            <a:r>
-              <a:rPr lang="en-US" dirty="0" smtClean="0">
-                <a:solidFill>
-                  <a:schemeClr val="bg1">
-                    <a:lumMod val="65000"/>
-                  </a:schemeClr>
-                </a:solidFill>
-              </a:rPr>
-              <a:t>Goals of this session</a:t>
-            </a:r>
-          </a:p>
-          <a:p>
-            <a:r>
-              <a:rPr lang="en-US" dirty="0" smtClean="0">
-                <a:solidFill>
-                  <a:schemeClr val="bg1">
-                    <a:lumMod val="65000"/>
-                  </a:schemeClr>
-                </a:solidFill>
-              </a:rPr>
-              <a:t>Writing code </a:t>
-            </a:r>
-          </a:p>
-          <a:p>
-            <a:pPr lvl="1"/>
-            <a:r>
-              <a:rPr lang="en-US" dirty="0" smtClean="0">
-                <a:solidFill>
-                  <a:schemeClr val="bg1">
-                    <a:lumMod val="65000"/>
-                  </a:schemeClr>
-                </a:solidFill>
-              </a:rPr>
-              <a:t>Writing your own code</a:t>
-            </a:r>
-          </a:p>
-          <a:p>
-            <a:pPr lvl="1"/>
-            <a:r>
-              <a:rPr lang="en-US" dirty="0" smtClean="0">
-                <a:solidFill>
-                  <a:schemeClr val="bg1">
-                    <a:lumMod val="65000"/>
-                  </a:schemeClr>
-                </a:solidFill>
-              </a:rPr>
-              <a:t>Working on code with collaborators </a:t>
-            </a:r>
-          </a:p>
-          <a:p>
-            <a:pPr lvl="1"/>
-            <a:r>
-              <a:rPr lang="en-US" dirty="0" smtClean="0">
-                <a:solidFill>
-                  <a:schemeClr val="bg1">
-                    <a:lumMod val="65000"/>
-                  </a:schemeClr>
-                </a:solidFill>
-              </a:rPr>
-              <a:t>Joining a project where someone left off </a:t>
-            </a:r>
-          </a:p>
-          <a:p>
-            <a:r>
-              <a:rPr lang="en-US" dirty="0" smtClean="0">
-                <a:solidFill>
-                  <a:schemeClr val="bg1">
-                    <a:lumMod val="65000"/>
-                  </a:schemeClr>
-                </a:solidFill>
-              </a:rPr>
-              <a:t>Find out how to do something</a:t>
-            </a:r>
-          </a:p>
-          <a:p>
-            <a:pPr lvl="1"/>
-            <a:r>
-              <a:rPr lang="en-US" dirty="0" smtClean="0">
-                <a:solidFill>
-                  <a:schemeClr val="bg1">
-                    <a:lumMod val="65000"/>
-                  </a:schemeClr>
-                </a:solidFill>
-              </a:rPr>
-              <a:t>Looking for information you need</a:t>
-            </a:r>
-          </a:p>
-          <a:p>
-            <a:pPr lvl="1"/>
-            <a:r>
-              <a:rPr lang="en-US" dirty="0" smtClean="0">
-                <a:solidFill>
-                  <a:schemeClr val="bg1">
-                    <a:lumMod val="65000"/>
-                  </a:schemeClr>
-                </a:solidFill>
-              </a:rPr>
-              <a:t>Using the fruits of other peoples’ labor</a:t>
-            </a:r>
-          </a:p>
-          <a:p>
-            <a:r>
-              <a:rPr lang="en-US" dirty="0" smtClean="0">
-                <a:solidFill>
-                  <a:schemeClr val="bg1">
-                    <a:lumMod val="65000"/>
-                  </a:schemeClr>
-                </a:solidFill>
-              </a:rPr>
-              <a:t>Developing your own tool</a:t>
-            </a:r>
-          </a:p>
-          <a:p>
-            <a:pPr lvl="1"/>
-            <a:r>
-              <a:rPr lang="en-US" dirty="0" smtClean="0">
-                <a:solidFill>
-                  <a:schemeClr val="bg1">
-                    <a:lumMod val="65000"/>
-                  </a:schemeClr>
-                </a:solidFill>
-              </a:rPr>
-              <a:t>When to do it</a:t>
-            </a:r>
-          </a:p>
-          <a:p>
-            <a:pPr lvl="1"/>
-            <a:r>
-              <a:rPr lang="en-US" dirty="0" smtClean="0">
-                <a:solidFill>
-                  <a:schemeClr val="bg1">
-                    <a:lumMod val="65000"/>
-                  </a:schemeClr>
-                </a:solidFill>
-              </a:rPr>
-              <a:t>What to keep in mind </a:t>
-            </a:r>
-          </a:p>
-          <a:p>
-            <a:r>
-              <a:rPr lang="en-US" dirty="0" smtClean="0"/>
-              <a:t>Version control </a:t>
-            </a:r>
-          </a:p>
-          <a:p>
-            <a:pPr lvl="1"/>
-            <a:r>
-              <a:rPr lang="en-US" dirty="0" err="1" smtClean="0"/>
-              <a:t>Github</a:t>
-            </a:r>
-            <a:r>
-              <a:rPr lang="en-US" dirty="0" smtClean="0"/>
-              <a:t> </a:t>
-            </a:r>
-          </a:p>
-          <a:p>
-            <a:pPr lvl="1"/>
-            <a:r>
-              <a:rPr lang="en-US" dirty="0" err="1" smtClean="0"/>
-              <a:t>Dropbox</a:t>
-            </a:r>
-            <a:r>
-              <a:rPr lang="en-US" dirty="0" smtClean="0"/>
-              <a:t> </a:t>
-            </a:r>
-          </a:p>
-          <a:p>
-            <a:pPr lvl="1"/>
-            <a:r>
-              <a:rPr lang="en-US" dirty="0" smtClean="0"/>
-              <a:t>Hard drives </a:t>
-            </a:r>
-          </a:p>
-          <a:p>
+          <a:bodyPr/>
+          <a:lstStyle/>
+          <a:p>
+            <a:r>
+              <a:rPr lang="en-US" dirty="0" smtClean="0"/>
+              <a:t>GUI</a:t>
+            </a:r>
             <a:endParaRPr lang="en-US" dirty="0"/>
           </a:p>
-          <a:p>
-            <a:pPr lvl="1"/>
-            <a:endParaRPr lang="en-US" dirty="0" smtClean="0"/>
-          </a:p>
-          <a:p>
-            <a:endParaRPr lang="en-US" dirty="0" smtClean="0"/>
-          </a:p>
-          <a:p>
-            <a:endParaRPr lang="en-US" dirty="0"/>
-          </a:p>
-        </p:txBody>
-      </p:sp>
+        </p:txBody>
+      </p:sp>
+      <p:pic>
+        <p:nvPicPr>
+          <p:cNvPr id="5" name="Picture 4" descr="Screen Shot 2014-07-21 at 9.56.22 PM.png"/>
+          <p:cNvPicPr>
+            <a:picLocks noChangeAspect="1"/>
+          </p:cNvPicPr>
+          <p:nvPr/>
+        </p:nvPicPr>
+        <p:blipFill>
+          <a:blip r:embed="rId2">
+            <a:extLst>
+              <a:ext uri="{28A0092B-C50C-407E-A947-70E740481C1C}">
+                <a14:useLocalDpi xmlns:a14="http://schemas.microsoft.com/office/drawing/2010/main" val="0"/>
+              </a:ext>
+            </a:extLst>
+          </a:blip>
+          <a:stretch>
+            <a:fillRect/>
+          </a:stretch>
+        </p:blipFill>
+        <p:spPr>
+          <a:xfrm>
+            <a:off x="544244" y="1180373"/>
+            <a:ext cx="7753372" cy="5640859"/>
+          </a:xfrm>
+          <a:prstGeom prst="rect">
+            <a:avLst/>
+          </a:prstGeom>
+        </p:spPr>
+      </p:pic>
     </p:spTree>
     <p:extLst>
       <p:ext uri="{BB962C8B-B14F-4D97-AF65-F5344CB8AC3E}">
-        <p14:creationId xmlns:p14="http://schemas.microsoft.com/office/powerpoint/2010/main" val="1674219173"/>
+        <p14:creationId xmlns:p14="http://schemas.microsoft.com/office/powerpoint/2010/main" val="1100505045"/>
       </p:ext>
     </p:extLst>
   </p:cSld>
@@ -7227,7 +8089,625 @@
 </p:sld>
 </file>
 
-<file path=ppt/slides/slide26.xml><?xml version="1.0" encoding="utf-8"?>
+<file path=ppt/slides/slide36.xml><?xml version="1.0" encoding="utf-8"?>
+<p:sld xmlns:a="http://schemas.openxmlformats.org/drawingml/2006/main" xmlns:r="http://schemas.openxmlformats.org/officeDocument/2006/relationships" xmlns:p="http://schemas.openxmlformats.org/presentationml/2006/main">
+  <p:cSld>
+    <p:spTree>
+      <p:nvGrpSpPr>
+        <p:cNvPr id="1" name=""/>
+        <p:cNvGrpSpPr/>
+        <p:nvPr/>
+      </p:nvGrpSpPr>
+      <p:grpSpPr>
+        <a:xfrm>
+          <a:off x="0" y="0"/>
+          <a:ext cx="0" cy="0"/>
+          <a:chOff x="0" y="0"/>
+          <a:chExt cx="0" cy="0"/>
+        </a:xfrm>
+      </p:grpSpPr>
+      <p:sp>
+        <p:nvSpPr>
+          <p:cNvPr id="4" name="Title 3"/>
+          <p:cNvSpPr>
+            <a:spLocks noGrp="1"/>
+          </p:cNvSpPr>
+          <p:nvPr>
+            <p:ph type="title"/>
+          </p:nvPr>
+        </p:nvSpPr>
+        <p:spPr/>
+        <p:txBody>
+          <a:bodyPr/>
+          <a:lstStyle/>
+          <a:p>
+            <a:r>
+              <a:rPr lang="en-US" dirty="0" smtClean="0"/>
+              <a:t>Model</a:t>
+            </a:r>
+            <a:endParaRPr lang="en-US" dirty="0"/>
+          </a:p>
+        </p:txBody>
+      </p:sp>
+      <p:pic>
+        <p:nvPicPr>
+          <p:cNvPr id="5" name="Picture 4" descr="Screen Shot 2014-07-21 at 9.55.05 PM.png"/>
+          <p:cNvPicPr>
+            <a:picLocks noChangeAspect="1"/>
+          </p:cNvPicPr>
+          <p:nvPr/>
+        </p:nvPicPr>
+        <p:blipFill>
+          <a:blip r:embed="rId2">
+            <a:extLst>
+              <a:ext uri="{28A0092B-C50C-407E-A947-70E740481C1C}">
+                <a14:useLocalDpi xmlns:a14="http://schemas.microsoft.com/office/drawing/2010/main" val="0"/>
+              </a:ext>
+            </a:extLst>
+          </a:blip>
+          <a:stretch>
+            <a:fillRect/>
+          </a:stretch>
+        </p:blipFill>
+        <p:spPr>
+          <a:xfrm>
+            <a:off x="2120546" y="1294539"/>
+            <a:ext cx="5068909" cy="5390745"/>
+          </a:xfrm>
+          <a:prstGeom prst="rect">
+            <a:avLst/>
+          </a:prstGeom>
+        </p:spPr>
+      </p:pic>
+    </p:spTree>
+    <p:extLst>
+      <p:ext uri="{BB962C8B-B14F-4D97-AF65-F5344CB8AC3E}">
+        <p14:creationId xmlns:p14="http://schemas.microsoft.com/office/powerpoint/2010/main" val="3992713591"/>
+      </p:ext>
+    </p:extLst>
+  </p:cSld>
+  <p:clrMapOvr>
+    <a:masterClrMapping/>
+  </p:clrMapOvr>
+</p:sld>
+</file>
+
+<file path=ppt/slides/slide37.xml><?xml version="1.0" encoding="utf-8"?>
+<p:sld xmlns:a="http://schemas.openxmlformats.org/drawingml/2006/main" xmlns:r="http://schemas.openxmlformats.org/officeDocument/2006/relationships" xmlns:p="http://schemas.openxmlformats.org/presentationml/2006/main">
+  <p:cSld>
+    <p:spTree>
+      <p:nvGrpSpPr>
+        <p:cNvPr id="1" name=""/>
+        <p:cNvGrpSpPr/>
+        <p:nvPr/>
+      </p:nvGrpSpPr>
+      <p:grpSpPr>
+        <a:xfrm>
+          <a:off x="0" y="0"/>
+          <a:ext cx="0" cy="0"/>
+          <a:chOff x="0" y="0"/>
+          <a:chExt cx="0" cy="0"/>
+        </a:xfrm>
+      </p:grpSpPr>
+      <p:pic>
+        <p:nvPicPr>
+          <p:cNvPr id="2" name="Picture 1" descr="Screen Shot 2014-07-21 at 9.54.08 PM.png"/>
+          <p:cNvPicPr>
+            <a:picLocks noChangeAspect="1"/>
+          </p:cNvPicPr>
+          <p:nvPr/>
+        </p:nvPicPr>
+        <p:blipFill>
+          <a:blip r:embed="rId2">
+            <a:extLst>
+              <a:ext uri="{28A0092B-C50C-407E-A947-70E740481C1C}">
+                <a14:useLocalDpi xmlns:a14="http://schemas.microsoft.com/office/drawing/2010/main" val="0"/>
+              </a:ext>
+            </a:extLst>
+          </a:blip>
+          <a:stretch>
+            <a:fillRect/>
+          </a:stretch>
+        </p:blipFill>
+        <p:spPr>
+          <a:xfrm>
+            <a:off x="1018714" y="934982"/>
+            <a:ext cx="7214723" cy="5727631"/>
+          </a:xfrm>
+          <a:prstGeom prst="rect">
+            <a:avLst/>
+          </a:prstGeom>
+        </p:spPr>
+      </p:pic>
+      <p:sp>
+        <p:nvSpPr>
+          <p:cNvPr id="3" name="Title 2"/>
+          <p:cNvSpPr>
+            <a:spLocks noGrp="1"/>
+          </p:cNvSpPr>
+          <p:nvPr>
+            <p:ph type="title"/>
+          </p:nvPr>
+        </p:nvSpPr>
+        <p:spPr/>
+        <p:txBody>
+          <a:bodyPr/>
+          <a:lstStyle/>
+          <a:p>
+            <a:r>
+              <a:rPr lang="en-US" dirty="0" smtClean="0"/>
+              <a:t>Unit tests</a:t>
+            </a:r>
+            <a:endParaRPr lang="en-US" dirty="0"/>
+          </a:p>
+        </p:txBody>
+      </p:sp>
+    </p:spTree>
+    <p:extLst>
+      <p:ext uri="{BB962C8B-B14F-4D97-AF65-F5344CB8AC3E}">
+        <p14:creationId xmlns:p14="http://schemas.microsoft.com/office/powerpoint/2010/main" val="3191192038"/>
+      </p:ext>
+    </p:extLst>
+  </p:cSld>
+  <p:clrMapOvr>
+    <a:masterClrMapping/>
+  </p:clrMapOvr>
+</p:sld>
+</file>
+
+<file path=ppt/slides/slide38.xml><?xml version="1.0" encoding="utf-8"?>
+<p:sld xmlns:a="http://schemas.openxmlformats.org/drawingml/2006/main" xmlns:r="http://schemas.openxmlformats.org/officeDocument/2006/relationships" xmlns:p="http://schemas.openxmlformats.org/presentationml/2006/main">
+  <p:cSld>
+    <p:spTree>
+      <p:nvGrpSpPr>
+        <p:cNvPr id="1" name=""/>
+        <p:cNvGrpSpPr/>
+        <p:nvPr/>
+      </p:nvGrpSpPr>
+      <p:grpSpPr>
+        <a:xfrm>
+          <a:off x="0" y="0"/>
+          <a:ext cx="0" cy="0"/>
+          <a:chOff x="0" y="0"/>
+          <a:chExt cx="0" cy="0"/>
+        </a:xfrm>
+      </p:grpSpPr>
+      <p:pic>
+        <p:nvPicPr>
+          <p:cNvPr id="4" name="Picture 3" descr="Screen Shot 2014-07-21 at 9.53.33 PM.png"/>
+          <p:cNvPicPr>
+            <a:picLocks noChangeAspect="1"/>
+          </p:cNvPicPr>
+          <p:nvPr/>
+        </p:nvPicPr>
+        <p:blipFill>
+          <a:blip r:embed="rId2">
+            <a:extLst>
+              <a:ext uri="{28A0092B-C50C-407E-A947-70E740481C1C}">
+                <a14:useLocalDpi xmlns:a14="http://schemas.microsoft.com/office/drawing/2010/main" val="0"/>
+              </a:ext>
+            </a:extLst>
+          </a:blip>
+          <a:stretch>
+            <a:fillRect/>
+          </a:stretch>
+        </p:blipFill>
+        <p:spPr>
+          <a:xfrm>
+            <a:off x="0" y="2457118"/>
+            <a:ext cx="9086158" cy="3237237"/>
+          </a:xfrm>
+          <a:prstGeom prst="rect">
+            <a:avLst/>
+          </a:prstGeom>
+        </p:spPr>
+      </p:pic>
+      <p:sp>
+        <p:nvSpPr>
+          <p:cNvPr id="5" name="Title 4"/>
+          <p:cNvSpPr>
+            <a:spLocks noGrp="1"/>
+          </p:cNvSpPr>
+          <p:nvPr>
+            <p:ph type="title"/>
+          </p:nvPr>
+        </p:nvSpPr>
+        <p:spPr/>
+        <p:txBody>
+          <a:bodyPr/>
+          <a:lstStyle/>
+          <a:p>
+            <a:r>
+              <a:rPr lang="en-US" dirty="0" smtClean="0"/>
+              <a:t>Running unit tests</a:t>
+            </a:r>
+            <a:endParaRPr lang="en-US" dirty="0"/>
+          </a:p>
+        </p:txBody>
+      </p:sp>
+    </p:spTree>
+    <p:extLst>
+      <p:ext uri="{BB962C8B-B14F-4D97-AF65-F5344CB8AC3E}">
+        <p14:creationId xmlns:p14="http://schemas.microsoft.com/office/powerpoint/2010/main" val="1345228039"/>
+      </p:ext>
+    </p:extLst>
+  </p:cSld>
+  <p:clrMapOvr>
+    <a:masterClrMapping/>
+  </p:clrMapOvr>
+</p:sld>
+</file>
+
+<file path=ppt/slides/slide4.xml><?xml version="1.0" encoding="utf-8"?>
+<p:sld xmlns:a="http://schemas.openxmlformats.org/drawingml/2006/main" xmlns:r="http://schemas.openxmlformats.org/officeDocument/2006/relationships" xmlns:p="http://schemas.openxmlformats.org/presentationml/2006/main">
+  <p:cSld>
+    <p:spTree>
+      <p:nvGrpSpPr>
+        <p:cNvPr id="1" name=""/>
+        <p:cNvGrpSpPr/>
+        <p:nvPr/>
+      </p:nvGrpSpPr>
+      <p:grpSpPr>
+        <a:xfrm>
+          <a:off x="0" y="0"/>
+          <a:ext cx="0" cy="0"/>
+          <a:chOff x="0" y="0"/>
+          <a:chExt cx="0" cy="0"/>
+        </a:xfrm>
+      </p:grpSpPr>
+      <p:sp>
+        <p:nvSpPr>
+          <p:cNvPr id="2" name="Title 1"/>
+          <p:cNvSpPr>
+            <a:spLocks noGrp="1"/>
+          </p:cNvSpPr>
+          <p:nvPr>
+            <p:ph type="title"/>
+          </p:nvPr>
+        </p:nvSpPr>
+        <p:spPr/>
+        <p:txBody>
+          <a:bodyPr/>
+          <a:lstStyle/>
+          <a:p>
+            <a:r>
+              <a:rPr lang="en-US" dirty="0" smtClean="0"/>
+              <a:t>Where I’m coming from</a:t>
+            </a:r>
+            <a:endParaRPr lang="en-US" dirty="0"/>
+          </a:p>
+        </p:txBody>
+      </p:sp>
+      <p:sp>
+        <p:nvSpPr>
+          <p:cNvPr id="3" name="Content Placeholder 2"/>
+          <p:cNvSpPr>
+            <a:spLocks noGrp="1"/>
+          </p:cNvSpPr>
+          <p:nvPr>
+            <p:ph idx="1"/>
+          </p:nvPr>
+        </p:nvSpPr>
+        <p:spPr/>
+        <p:txBody>
+          <a:bodyPr>
+            <a:normAutofit fontScale="70000" lnSpcReduction="20000"/>
+          </a:bodyPr>
+          <a:lstStyle/>
+          <a:p>
+            <a:r>
+              <a:rPr lang="en-US" dirty="0" smtClean="0"/>
+              <a:t>Undergraduate (Stanford) </a:t>
+            </a:r>
+          </a:p>
+          <a:p>
+            <a:pPr lvl="1"/>
+            <a:r>
+              <a:rPr lang="en-US" dirty="0" smtClean="0"/>
+              <a:t>Major in Math</a:t>
+            </a:r>
+          </a:p>
+          <a:p>
+            <a:pPr lvl="1"/>
+            <a:r>
+              <a:rPr lang="en-US" dirty="0" smtClean="0"/>
+              <a:t>Minor in Computer Science</a:t>
+            </a:r>
+          </a:p>
+          <a:p>
+            <a:pPr lvl="1"/>
+            <a:r>
+              <a:rPr lang="en-US" dirty="0" smtClean="0"/>
+              <a:t>No exposure to coding before undergrad </a:t>
+            </a:r>
+          </a:p>
+          <a:p>
+            <a:r>
+              <a:rPr lang="en-US" dirty="0" smtClean="0"/>
+              <a:t>Research </a:t>
+            </a:r>
+          </a:p>
+          <a:p>
+            <a:pPr lvl="1"/>
+            <a:r>
+              <a:rPr lang="en-US" dirty="0" smtClean="0"/>
+              <a:t>Undergraduate research in computational geophysics</a:t>
+            </a:r>
+          </a:p>
+          <a:p>
+            <a:pPr lvl="1"/>
+            <a:r>
+              <a:rPr lang="en-US" dirty="0" smtClean="0"/>
+              <a:t>Internship, Northwestern Earth and Planetary Sciences</a:t>
+            </a:r>
+          </a:p>
+          <a:p>
+            <a:r>
+              <a:rPr lang="en-US" dirty="0" smtClean="0"/>
+              <a:t>Industry</a:t>
+            </a:r>
+          </a:p>
+          <a:p>
+            <a:pPr lvl="1"/>
+            <a:r>
+              <a:rPr lang="en-US" dirty="0" smtClean="0"/>
+              <a:t>9 months as a software engineer at a Silicon Valley startup</a:t>
+            </a:r>
+          </a:p>
+          <a:p>
+            <a:pPr lvl="1"/>
+            <a:r>
+              <a:rPr lang="de-DE" dirty="0">
+                <a:hlinkClick r:id="rId2"/>
+              </a:rPr>
+              <a:t>http://www.dwellers.com</a:t>
+            </a:r>
+            <a:r>
+              <a:rPr lang="de-DE" dirty="0" smtClean="0">
+                <a:hlinkClick r:id="rId2"/>
+              </a:rPr>
+              <a:t>/</a:t>
+            </a:r>
+            <a:endParaRPr lang="de-DE" dirty="0" smtClean="0"/>
+          </a:p>
+          <a:p>
+            <a:pPr lvl="1"/>
+            <a:r>
+              <a:rPr lang="en-US" dirty="0">
+                <a:hlinkClick r:id="rId3"/>
+              </a:rPr>
+              <a:t>http://mathcrunch.com</a:t>
+            </a:r>
+            <a:r>
+              <a:rPr lang="en-US" dirty="0" smtClean="0">
+                <a:hlinkClick r:id="rId3"/>
+              </a:rPr>
+              <a:t>/</a:t>
+            </a:r>
+            <a:r>
+              <a:rPr lang="en-US" dirty="0" smtClean="0"/>
+              <a:t> </a:t>
+            </a:r>
+            <a:endParaRPr lang="de-DE" dirty="0" smtClean="0"/>
+          </a:p>
+          <a:p>
+            <a:r>
+              <a:rPr lang="en-US" dirty="0" smtClean="0"/>
+              <a:t>Current (Carnegie Mellon) </a:t>
+            </a:r>
+          </a:p>
+          <a:p>
+            <a:pPr lvl="1"/>
+            <a:r>
+              <a:rPr lang="en-US" dirty="0" smtClean="0"/>
+              <a:t>Graduate student (started Jun 30, 2014) </a:t>
+            </a:r>
+          </a:p>
+          <a:p>
+            <a:pPr lvl="1"/>
+            <a:r>
+              <a:rPr lang="en-US" dirty="0" smtClean="0"/>
+              <a:t>Electrical and Computer Engineering</a:t>
+            </a:r>
+          </a:p>
+          <a:p>
+            <a:endParaRPr lang="en-US" dirty="0"/>
+          </a:p>
+        </p:txBody>
+      </p:sp>
+    </p:spTree>
+    <p:extLst>
+      <p:ext uri="{BB962C8B-B14F-4D97-AF65-F5344CB8AC3E}">
+        <p14:creationId xmlns:p14="http://schemas.microsoft.com/office/powerpoint/2010/main" val="1092556029"/>
+      </p:ext>
+    </p:extLst>
+  </p:cSld>
+  <p:clrMapOvr>
+    <a:masterClrMapping/>
+  </p:clrMapOvr>
+</p:sld>
+</file>
+
+<file path=ppt/slides/slide5.xml><?xml version="1.0" encoding="utf-8"?>
+<p:sld xmlns:a="http://schemas.openxmlformats.org/drawingml/2006/main" xmlns:r="http://schemas.openxmlformats.org/officeDocument/2006/relationships" xmlns:p="http://schemas.openxmlformats.org/presentationml/2006/main">
+  <p:cSld>
+    <p:spTree>
+      <p:nvGrpSpPr>
+        <p:cNvPr id="1" name=""/>
+        <p:cNvGrpSpPr/>
+        <p:nvPr/>
+      </p:nvGrpSpPr>
+      <p:grpSpPr>
+        <a:xfrm>
+          <a:off x="0" y="0"/>
+          <a:ext cx="0" cy="0"/>
+          <a:chOff x="0" y="0"/>
+          <a:chExt cx="0" cy="0"/>
+        </a:xfrm>
+      </p:grpSpPr>
+      <p:sp>
+        <p:nvSpPr>
+          <p:cNvPr id="2" name="Title 1"/>
+          <p:cNvSpPr>
+            <a:spLocks noGrp="1"/>
+          </p:cNvSpPr>
+          <p:nvPr>
+            <p:ph type="title"/>
+          </p:nvPr>
+        </p:nvSpPr>
+        <p:spPr/>
+        <p:txBody>
+          <a:bodyPr/>
+          <a:lstStyle/>
+          <a:p>
+            <a:r>
+              <a:rPr lang="en-US" dirty="0" smtClean="0"/>
+              <a:t>Takeaway points</a:t>
+            </a:r>
+            <a:endParaRPr lang="en-US" dirty="0"/>
+          </a:p>
+        </p:txBody>
+      </p:sp>
+      <p:sp>
+        <p:nvSpPr>
+          <p:cNvPr id="3" name="Content Placeholder 2"/>
+          <p:cNvSpPr>
+            <a:spLocks noGrp="1"/>
+          </p:cNvSpPr>
+          <p:nvPr>
+            <p:ph idx="1"/>
+          </p:nvPr>
+        </p:nvSpPr>
+        <p:spPr/>
+        <p:txBody>
+          <a:bodyPr/>
+          <a:lstStyle/>
+          <a:p>
+            <a:r>
+              <a:rPr lang="en-US" dirty="0" smtClean="0"/>
+              <a:t>Writing easily maintained code</a:t>
+            </a:r>
+            <a:endParaRPr lang="en-US" dirty="0"/>
+          </a:p>
+          <a:p>
+            <a:r>
+              <a:rPr lang="en-US" dirty="0" smtClean="0"/>
+              <a:t>Getting unstuck when you hit a problem </a:t>
+            </a:r>
+          </a:p>
+          <a:p>
+            <a:pPr marL="457200" lvl="1" indent="0">
+              <a:buNone/>
+            </a:pPr>
+            <a:endParaRPr lang="en-US" dirty="0"/>
+          </a:p>
+        </p:txBody>
+      </p:sp>
+    </p:spTree>
+    <p:extLst>
+      <p:ext uri="{BB962C8B-B14F-4D97-AF65-F5344CB8AC3E}">
+        <p14:creationId xmlns:p14="http://schemas.microsoft.com/office/powerpoint/2010/main" val="3366251998"/>
+      </p:ext>
+    </p:extLst>
+  </p:cSld>
+  <p:clrMapOvr>
+    <a:masterClrMapping/>
+  </p:clrMapOvr>
+</p:sld>
+</file>
+
+<file path=ppt/slides/slide6.xml><?xml version="1.0" encoding="utf-8"?>
+<p:sld xmlns:a="http://schemas.openxmlformats.org/drawingml/2006/main" xmlns:r="http://schemas.openxmlformats.org/officeDocument/2006/relationships" xmlns:p="http://schemas.openxmlformats.org/presentationml/2006/main">
+  <p:cSld>
+    <p:spTree>
+      <p:nvGrpSpPr>
+        <p:cNvPr id="1" name=""/>
+        <p:cNvGrpSpPr/>
+        <p:nvPr/>
+      </p:nvGrpSpPr>
+      <p:grpSpPr>
+        <a:xfrm>
+          <a:off x="0" y="0"/>
+          <a:ext cx="0" cy="0"/>
+          <a:chOff x="0" y="0"/>
+          <a:chExt cx="0" cy="0"/>
+        </a:xfrm>
+      </p:grpSpPr>
+      <p:sp>
+        <p:nvSpPr>
+          <p:cNvPr id="3" name="Title 2"/>
+          <p:cNvSpPr>
+            <a:spLocks noGrp="1"/>
+          </p:cNvSpPr>
+          <p:nvPr>
+            <p:ph type="ctrTitle"/>
+          </p:nvPr>
+        </p:nvSpPr>
+        <p:spPr>
+          <a:solidFill>
+            <a:schemeClr val="tx1"/>
+          </a:solidFill>
+        </p:spPr>
+        <p:txBody>
+          <a:bodyPr/>
+          <a:lstStyle/>
+          <a:p>
+            <a:r>
+              <a:rPr lang="en-US" dirty="0" smtClean="0">
+                <a:solidFill>
+                  <a:srgbClr val="FFFFFF"/>
+                </a:solidFill>
+              </a:rPr>
+              <a:t>Version Control</a:t>
+            </a:r>
+            <a:endParaRPr lang="en-US" dirty="0">
+              <a:solidFill>
+                <a:srgbClr val="FFFFFF"/>
+              </a:solidFill>
+            </a:endParaRPr>
+          </a:p>
+        </p:txBody>
+      </p:sp>
+      <p:sp>
+        <p:nvSpPr>
+          <p:cNvPr id="4" name="Subtitle 3"/>
+          <p:cNvSpPr>
+            <a:spLocks noGrp="1"/>
+          </p:cNvSpPr>
+          <p:nvPr>
+            <p:ph type="subTitle" idx="1"/>
+          </p:nvPr>
+        </p:nvSpPr>
+        <p:spPr/>
+        <p:txBody>
+          <a:bodyPr/>
+          <a:lstStyle/>
+          <a:p>
+            <a:endParaRPr lang="en-US"/>
+          </a:p>
+        </p:txBody>
+      </p:sp>
+    </p:spTree>
+    <p:extLst>
+      <p:ext uri="{BB962C8B-B14F-4D97-AF65-F5344CB8AC3E}">
+        <p14:creationId xmlns:p14="http://schemas.microsoft.com/office/powerpoint/2010/main" val="2923259584"/>
+      </p:ext>
+    </p:extLst>
+  </p:cSld>
+  <p:clrMapOvr>
+    <a:masterClrMapping/>
+  </p:clrMapOvr>
+  <p:timing>
+    <p:tnLst>
+      <p:par>
+        <p:cTn xmlns:p14="http://schemas.microsoft.com/office/powerpoint/2010/main" id="1" dur="indefinite" restart="never" nodeType="tmRoot"/>
+      </p:par>
+    </p:tnLst>
+  </p:timing>
+</p:sld>
+</file>
+
+<file path=ppt/slides/slide7.xml><?xml version="1.0" encoding="utf-8"?>
 <p:sld xmlns:a="http://schemas.openxmlformats.org/drawingml/2006/main" xmlns:r="http://schemas.openxmlformats.org/officeDocument/2006/relationships" xmlns:p="http://schemas.openxmlformats.org/presentationml/2006/main">
   <p:cSld>
     <p:spTree>
@@ -7287,1663 +8767,6 @@
 </p:sld>
 </file>
 
-<file path=ppt/slides/slide27.xml><?xml version="1.0" encoding="utf-8"?>
-<p:sld xmlns:a="http://schemas.openxmlformats.org/drawingml/2006/main" xmlns:r="http://schemas.openxmlformats.org/officeDocument/2006/relationships" xmlns:p="http://schemas.openxmlformats.org/presentationml/2006/main">
-  <p:cSld>
-    <p:spTree>
-      <p:nvGrpSpPr>
-        <p:cNvPr id="1" name=""/>
-        <p:cNvGrpSpPr/>
-        <p:nvPr/>
-      </p:nvGrpSpPr>
-      <p:grpSpPr>
-        <a:xfrm>
-          <a:off x="0" y="0"/>
-          <a:ext cx="0" cy="0"/>
-          <a:chOff x="0" y="0"/>
-          <a:chExt cx="0" cy="0"/>
-        </a:xfrm>
-      </p:grpSpPr>
-      <p:sp>
-        <p:nvSpPr>
-          <p:cNvPr id="2" name="Title 1"/>
-          <p:cNvSpPr>
-            <a:spLocks noGrp="1"/>
-          </p:cNvSpPr>
-          <p:nvPr>
-            <p:ph type="title"/>
-          </p:nvPr>
-        </p:nvSpPr>
-        <p:spPr/>
-        <p:txBody>
-          <a:bodyPr/>
-          <a:lstStyle/>
-          <a:p>
-            <a:r>
-              <a:rPr lang="en-US" dirty="0" err="1" smtClean="0"/>
-              <a:t>Github</a:t>
-            </a:r>
-            <a:endParaRPr lang="en-US" dirty="0"/>
-          </a:p>
-        </p:txBody>
-      </p:sp>
-      <p:sp>
-        <p:nvSpPr>
-          <p:cNvPr id="3" name="Content Placeholder 2"/>
-          <p:cNvSpPr>
-            <a:spLocks noGrp="1"/>
-          </p:cNvSpPr>
-          <p:nvPr>
-            <p:ph sz="half" idx="1"/>
-          </p:nvPr>
-        </p:nvSpPr>
-        <p:spPr/>
-        <p:txBody>
-          <a:bodyPr>
-            <a:normAutofit/>
-          </a:bodyPr>
-          <a:lstStyle/>
-          <a:p>
-            <a:pPr marL="0" indent="0">
-              <a:buNone/>
-            </a:pPr>
-            <a:r>
-              <a:rPr lang="en-US" dirty="0" smtClean="0"/>
-              <a:t>Good</a:t>
-            </a:r>
-          </a:p>
-          <a:p>
-            <a:r>
-              <a:rPr lang="en-US" dirty="0" smtClean="0"/>
-              <a:t>Useful for collaborators</a:t>
-            </a:r>
-          </a:p>
-          <a:p>
-            <a:r>
-              <a:rPr lang="en-US" dirty="0" smtClean="0"/>
-              <a:t>Showcase non-confidential work online</a:t>
-            </a:r>
-          </a:p>
-          <a:p>
-            <a:r>
-              <a:rPr lang="en-US" dirty="0" smtClean="0"/>
-              <a:t>Get it online, anywhere  </a:t>
-            </a:r>
-          </a:p>
-          <a:p>
-            <a:endParaRPr lang="en-US" dirty="0"/>
-          </a:p>
-        </p:txBody>
-      </p:sp>
-      <p:sp>
-        <p:nvSpPr>
-          <p:cNvPr id="4" name="Content Placeholder 3"/>
-          <p:cNvSpPr>
-            <a:spLocks noGrp="1"/>
-          </p:cNvSpPr>
-          <p:nvPr>
-            <p:ph sz="half" idx="2"/>
-          </p:nvPr>
-        </p:nvSpPr>
-        <p:spPr/>
-        <p:txBody>
-          <a:bodyPr>
-            <a:normAutofit/>
-          </a:bodyPr>
-          <a:lstStyle/>
-          <a:p>
-            <a:pPr marL="0" indent="0">
-              <a:buNone/>
-            </a:pPr>
-            <a:r>
-              <a:rPr lang="en-US" dirty="0" smtClean="0"/>
-              <a:t>Bad</a:t>
-            </a:r>
-          </a:p>
-          <a:p>
-            <a:r>
-              <a:rPr lang="en-US" dirty="0" smtClean="0"/>
-              <a:t>Limited allowance for privacy – free private account with .</a:t>
-            </a:r>
-            <a:r>
-              <a:rPr lang="en-US" dirty="0" err="1" smtClean="0"/>
-              <a:t>edu</a:t>
-            </a:r>
-            <a:r>
-              <a:rPr lang="en-US" dirty="0" smtClean="0"/>
-              <a:t> email for two years </a:t>
-            </a:r>
-          </a:p>
-          <a:p>
-            <a:r>
-              <a:rPr lang="en-US" dirty="0" smtClean="0"/>
-              <a:t>Steep learning curve</a:t>
-            </a:r>
-            <a:endParaRPr lang="en-US" dirty="0"/>
-          </a:p>
-        </p:txBody>
-      </p:sp>
-    </p:spTree>
-    <p:extLst>
-      <p:ext uri="{BB962C8B-B14F-4D97-AF65-F5344CB8AC3E}">
-        <p14:creationId xmlns:p14="http://schemas.microsoft.com/office/powerpoint/2010/main" val="1969338732"/>
-      </p:ext>
-    </p:extLst>
-  </p:cSld>
-  <p:clrMapOvr>
-    <a:masterClrMapping/>
-  </p:clrMapOvr>
-</p:sld>
-</file>
-
-<file path=ppt/slides/slide28.xml><?xml version="1.0" encoding="utf-8"?>
-<p:sld xmlns:a="http://schemas.openxmlformats.org/drawingml/2006/main" xmlns:r="http://schemas.openxmlformats.org/officeDocument/2006/relationships" xmlns:p="http://schemas.openxmlformats.org/presentationml/2006/main">
-  <p:cSld>
-    <p:spTree>
-      <p:nvGrpSpPr>
-        <p:cNvPr id="1" name=""/>
-        <p:cNvGrpSpPr/>
-        <p:nvPr/>
-      </p:nvGrpSpPr>
-      <p:grpSpPr>
-        <a:xfrm>
-          <a:off x="0" y="0"/>
-          <a:ext cx="0" cy="0"/>
-          <a:chOff x="0" y="0"/>
-          <a:chExt cx="0" cy="0"/>
-        </a:xfrm>
-      </p:grpSpPr>
-      <p:sp>
-        <p:nvSpPr>
-          <p:cNvPr id="2" name="Title 1"/>
-          <p:cNvSpPr>
-            <a:spLocks noGrp="1"/>
-          </p:cNvSpPr>
-          <p:nvPr>
-            <p:ph type="title"/>
-          </p:nvPr>
-        </p:nvSpPr>
-        <p:spPr/>
-        <p:txBody>
-          <a:bodyPr/>
-          <a:lstStyle/>
-          <a:p>
-            <a:r>
-              <a:rPr lang="en-US" dirty="0" smtClean="0"/>
-              <a:t>Demo </a:t>
-            </a:r>
-            <a:endParaRPr lang="en-US" dirty="0"/>
-          </a:p>
-        </p:txBody>
-      </p:sp>
-      <p:sp>
-        <p:nvSpPr>
-          <p:cNvPr id="3" name="Content Placeholder 2"/>
-          <p:cNvSpPr>
-            <a:spLocks noGrp="1"/>
-          </p:cNvSpPr>
-          <p:nvPr>
-            <p:ph idx="1"/>
-          </p:nvPr>
-        </p:nvSpPr>
-        <p:spPr/>
-        <p:txBody>
-          <a:bodyPr>
-            <a:normAutofit lnSpcReduction="10000"/>
-          </a:bodyPr>
-          <a:lstStyle/>
-          <a:p>
-            <a:r>
-              <a:rPr lang="en-US" dirty="0" smtClean="0"/>
-              <a:t>Downloading and installing </a:t>
-            </a:r>
-            <a:r>
-              <a:rPr lang="en-US" dirty="0" err="1" smtClean="0"/>
-              <a:t>Git</a:t>
-            </a:r>
-            <a:r>
-              <a:rPr lang="en-US" dirty="0" smtClean="0"/>
-              <a:t> </a:t>
-            </a:r>
-          </a:p>
-          <a:p>
-            <a:r>
-              <a:rPr lang="en-US" dirty="0" smtClean="0"/>
-              <a:t>Creating a repository </a:t>
-            </a:r>
-          </a:p>
-          <a:p>
-            <a:r>
-              <a:rPr lang="en-US" dirty="0" smtClean="0"/>
-              <a:t>Cloning a repository</a:t>
-            </a:r>
-          </a:p>
-          <a:p>
-            <a:r>
-              <a:rPr lang="en-US" dirty="0" smtClean="0"/>
-              <a:t>Making commits </a:t>
-            </a:r>
-          </a:p>
-          <a:p>
-            <a:r>
-              <a:rPr lang="en-US" dirty="0" smtClean="0"/>
-              <a:t>Reverting a commit </a:t>
-            </a:r>
-          </a:p>
-          <a:p>
-            <a:r>
-              <a:rPr lang="en-US" dirty="0" smtClean="0"/>
-              <a:t>Making and pushing a branch</a:t>
-            </a:r>
-          </a:p>
-          <a:p>
-            <a:r>
-              <a:rPr lang="en-US" dirty="0" smtClean="0"/>
-              <a:t>Merging a branch with master </a:t>
-            </a:r>
-          </a:p>
-          <a:p>
-            <a:r>
-              <a:rPr lang="en-US" dirty="0" smtClean="0"/>
-              <a:t>Dealing with merge conflicts </a:t>
-            </a:r>
-          </a:p>
-          <a:p>
-            <a:endParaRPr lang="en-US" dirty="0"/>
-          </a:p>
-        </p:txBody>
-      </p:sp>
-      <p:sp>
-        <p:nvSpPr>
-          <p:cNvPr id="4" name="TextBox 3"/>
-          <p:cNvSpPr txBox="1"/>
-          <p:nvPr/>
-        </p:nvSpPr>
-        <p:spPr>
-          <a:xfrm>
-            <a:off x="259269" y="6340699"/>
-            <a:ext cx="7377569" cy="369332"/>
-          </a:xfrm>
-          <a:prstGeom prst="rect">
-            <a:avLst/>
-          </a:prstGeom>
-          <a:noFill/>
-        </p:spPr>
-        <p:txBody>
-          <a:bodyPr wrap="square" rtlCol="0">
-            <a:spAutoFit/>
-          </a:bodyPr>
-          <a:lstStyle/>
-          <a:p>
-            <a:r>
-              <a:rPr lang="en-US" dirty="0"/>
-              <a:t>https://</a:t>
-            </a:r>
-            <a:r>
-              <a:rPr lang="en-US" dirty="0" err="1"/>
-              <a:t>github.com</a:t>
-            </a:r>
-            <a:r>
-              <a:rPr lang="en-US" dirty="0"/>
-              <a:t>/</a:t>
-            </a:r>
-            <a:r>
-              <a:rPr lang="en-US" dirty="0" err="1"/>
-              <a:t>pysmo</a:t>
-            </a:r>
-            <a:r>
-              <a:rPr lang="en-US" dirty="0"/>
-              <a:t>/</a:t>
-            </a:r>
-            <a:r>
-              <a:rPr lang="en-US" dirty="0" err="1"/>
-              <a:t>aimbat</a:t>
-            </a:r>
-            <a:r>
-              <a:rPr lang="en-US" dirty="0"/>
-              <a:t>-docs/wiki/Introduction-to-</a:t>
-            </a:r>
-            <a:r>
-              <a:rPr lang="en-US" dirty="0" err="1"/>
-              <a:t>Github</a:t>
-            </a:r>
-            <a:endParaRPr lang="en-US" dirty="0"/>
-          </a:p>
-        </p:txBody>
-      </p:sp>
-    </p:spTree>
-    <p:extLst>
-      <p:ext uri="{BB962C8B-B14F-4D97-AF65-F5344CB8AC3E}">
-        <p14:creationId xmlns:p14="http://schemas.microsoft.com/office/powerpoint/2010/main" val="1715454273"/>
-      </p:ext>
-    </p:extLst>
-  </p:cSld>
-  <p:clrMapOvr>
-    <a:masterClrMapping/>
-  </p:clrMapOvr>
-</p:sld>
-</file>
-
-<file path=ppt/slides/slide29.xml><?xml version="1.0" encoding="utf-8"?>
-<p:sld xmlns:a="http://schemas.openxmlformats.org/drawingml/2006/main" xmlns:r="http://schemas.openxmlformats.org/officeDocument/2006/relationships" xmlns:p="http://schemas.openxmlformats.org/presentationml/2006/main">
-  <p:cSld>
-    <p:spTree>
-      <p:nvGrpSpPr>
-        <p:cNvPr id="1" name=""/>
-        <p:cNvGrpSpPr/>
-        <p:nvPr/>
-      </p:nvGrpSpPr>
-      <p:grpSpPr>
-        <a:xfrm>
-          <a:off x="0" y="0"/>
-          <a:ext cx="0" cy="0"/>
-          <a:chOff x="0" y="0"/>
-          <a:chExt cx="0" cy="0"/>
-        </a:xfrm>
-      </p:grpSpPr>
-      <p:sp>
-        <p:nvSpPr>
-          <p:cNvPr id="2" name="Title 1"/>
-          <p:cNvSpPr>
-            <a:spLocks noGrp="1"/>
-          </p:cNvSpPr>
-          <p:nvPr>
-            <p:ph type="title"/>
-          </p:nvPr>
-        </p:nvSpPr>
-        <p:spPr/>
-        <p:txBody>
-          <a:bodyPr/>
-          <a:lstStyle/>
-          <a:p>
-            <a:r>
-              <a:rPr lang="en-US" dirty="0" smtClean="0"/>
-              <a:t>Hard drives</a:t>
-            </a:r>
-            <a:endParaRPr lang="en-US" dirty="0"/>
-          </a:p>
-        </p:txBody>
-      </p:sp>
-      <p:sp>
-        <p:nvSpPr>
-          <p:cNvPr id="3" name="Content Placeholder 2"/>
-          <p:cNvSpPr>
-            <a:spLocks noGrp="1"/>
-          </p:cNvSpPr>
-          <p:nvPr>
-            <p:ph sz="half" idx="1"/>
-          </p:nvPr>
-        </p:nvSpPr>
-        <p:spPr/>
-        <p:txBody>
-          <a:bodyPr/>
-          <a:lstStyle/>
-          <a:p>
-            <a:pPr marL="0" indent="0">
-              <a:buNone/>
-            </a:pPr>
-            <a:r>
-              <a:rPr lang="en-US" dirty="0" smtClean="0"/>
-              <a:t>Good</a:t>
-            </a:r>
-          </a:p>
-          <a:p>
-            <a:r>
-              <a:rPr lang="en-US" dirty="0" smtClean="0"/>
-              <a:t>Very cheap storage</a:t>
-            </a:r>
-          </a:p>
-          <a:p>
-            <a:endParaRPr lang="en-US" dirty="0"/>
-          </a:p>
-        </p:txBody>
-      </p:sp>
-      <p:sp>
-        <p:nvSpPr>
-          <p:cNvPr id="4" name="Content Placeholder 3"/>
-          <p:cNvSpPr>
-            <a:spLocks noGrp="1"/>
-          </p:cNvSpPr>
-          <p:nvPr>
-            <p:ph sz="half" idx="2"/>
-          </p:nvPr>
-        </p:nvSpPr>
-        <p:spPr/>
-        <p:txBody>
-          <a:bodyPr/>
-          <a:lstStyle/>
-          <a:p>
-            <a:pPr marL="0" indent="0">
-              <a:buNone/>
-            </a:pPr>
-            <a:r>
-              <a:rPr lang="en-US" dirty="0" smtClean="0"/>
-              <a:t>Bad</a:t>
-            </a:r>
-          </a:p>
-          <a:p>
-            <a:r>
-              <a:rPr lang="en-US" dirty="0" smtClean="0"/>
-              <a:t>Inconvenient to backup</a:t>
-            </a:r>
-          </a:p>
-          <a:p>
-            <a:r>
-              <a:rPr lang="en-US" dirty="0" smtClean="0"/>
-              <a:t>Better for archived projects, not projects actively being developed </a:t>
-            </a:r>
-          </a:p>
-          <a:p>
-            <a:r>
-              <a:rPr lang="en-US" dirty="0" smtClean="0"/>
-              <a:t>Not on a cloud, but a physical device </a:t>
-            </a:r>
-            <a:endParaRPr lang="en-US" dirty="0"/>
-          </a:p>
-        </p:txBody>
-      </p:sp>
-      <p:pic>
-        <p:nvPicPr>
-          <p:cNvPr id="5" name="Picture 4" descr="Screen Shot 2014-07-10 at 10.11.23 PM.png"/>
-          <p:cNvPicPr>
-            <a:picLocks noChangeAspect="1"/>
-          </p:cNvPicPr>
-          <p:nvPr/>
-        </p:nvPicPr>
-        <p:blipFill>
-          <a:blip r:embed="rId2">
-            <a:extLst>
-              <a:ext uri="{28A0092B-C50C-407E-A947-70E740481C1C}">
-                <a14:useLocalDpi xmlns:a14="http://schemas.microsoft.com/office/drawing/2010/main" val="0"/>
-              </a:ext>
-            </a:extLst>
-          </a:blip>
-          <a:stretch>
-            <a:fillRect/>
-          </a:stretch>
-        </p:blipFill>
-        <p:spPr>
-          <a:xfrm>
-            <a:off x="175207" y="3603157"/>
-            <a:ext cx="4209985" cy="2523005"/>
-          </a:xfrm>
-          <a:prstGeom prst="rect">
-            <a:avLst/>
-          </a:prstGeom>
-        </p:spPr>
-      </p:pic>
-    </p:spTree>
-    <p:extLst>
-      <p:ext uri="{BB962C8B-B14F-4D97-AF65-F5344CB8AC3E}">
-        <p14:creationId xmlns:p14="http://schemas.microsoft.com/office/powerpoint/2010/main" val="542090644"/>
-      </p:ext>
-    </p:extLst>
-  </p:cSld>
-  <p:clrMapOvr>
-    <a:masterClrMapping/>
-  </p:clrMapOvr>
-</p:sld>
-</file>
-
-<file path=ppt/slides/slide3.xml><?xml version="1.0" encoding="utf-8"?>
-<p:sld xmlns:a="http://schemas.openxmlformats.org/drawingml/2006/main" xmlns:r="http://schemas.openxmlformats.org/officeDocument/2006/relationships" xmlns:p="http://schemas.openxmlformats.org/presentationml/2006/main">
-  <p:cSld>
-    <p:spTree>
-      <p:nvGrpSpPr>
-        <p:cNvPr id="1" name=""/>
-        <p:cNvGrpSpPr/>
-        <p:nvPr/>
-      </p:nvGrpSpPr>
-      <p:grpSpPr>
-        <a:xfrm>
-          <a:off x="0" y="0"/>
-          <a:ext cx="0" cy="0"/>
-          <a:chOff x="0" y="0"/>
-          <a:chExt cx="0" cy="0"/>
-        </a:xfrm>
-      </p:grpSpPr>
-      <p:sp>
-        <p:nvSpPr>
-          <p:cNvPr id="2" name="Title 1"/>
-          <p:cNvSpPr>
-            <a:spLocks noGrp="1"/>
-          </p:cNvSpPr>
-          <p:nvPr>
-            <p:ph type="title"/>
-          </p:nvPr>
-        </p:nvSpPr>
-        <p:spPr/>
-        <p:txBody>
-          <a:bodyPr/>
-          <a:lstStyle/>
-          <a:p>
-            <a:r>
-              <a:rPr lang="en-US" dirty="0" smtClean="0"/>
-              <a:t>Where I’m coming from</a:t>
-            </a:r>
-            <a:endParaRPr lang="en-US" dirty="0"/>
-          </a:p>
-        </p:txBody>
-      </p:sp>
-      <p:sp>
-        <p:nvSpPr>
-          <p:cNvPr id="3" name="Content Placeholder 2"/>
-          <p:cNvSpPr>
-            <a:spLocks noGrp="1"/>
-          </p:cNvSpPr>
-          <p:nvPr>
-            <p:ph idx="1"/>
-          </p:nvPr>
-        </p:nvSpPr>
-        <p:spPr/>
-        <p:txBody>
-          <a:bodyPr>
-            <a:normAutofit fontScale="70000" lnSpcReduction="20000"/>
-          </a:bodyPr>
-          <a:lstStyle/>
-          <a:p>
-            <a:r>
-              <a:rPr lang="en-US" dirty="0" smtClean="0"/>
-              <a:t>Undergraduate (Stanford) </a:t>
-            </a:r>
-          </a:p>
-          <a:p>
-            <a:pPr lvl="1"/>
-            <a:r>
-              <a:rPr lang="en-US" dirty="0" smtClean="0"/>
-              <a:t>Major in Math</a:t>
-            </a:r>
-          </a:p>
-          <a:p>
-            <a:pPr lvl="1"/>
-            <a:r>
-              <a:rPr lang="en-US" dirty="0" smtClean="0"/>
-              <a:t>Minor in Computer Science</a:t>
-            </a:r>
-          </a:p>
-          <a:p>
-            <a:pPr lvl="1"/>
-            <a:r>
-              <a:rPr lang="en-US" dirty="0" smtClean="0"/>
-              <a:t>No exposure to coding before undergrad </a:t>
-            </a:r>
-          </a:p>
-          <a:p>
-            <a:r>
-              <a:rPr lang="en-US" dirty="0" smtClean="0"/>
-              <a:t>Research </a:t>
-            </a:r>
-          </a:p>
-          <a:p>
-            <a:pPr lvl="1"/>
-            <a:r>
-              <a:rPr lang="en-US" dirty="0" smtClean="0"/>
-              <a:t>Undergraduate research in computational geophysics</a:t>
-            </a:r>
-          </a:p>
-          <a:p>
-            <a:pPr lvl="1"/>
-            <a:r>
-              <a:rPr lang="en-US" dirty="0" smtClean="0"/>
-              <a:t>Internship, Northwestern Earth and Planetary Sciences</a:t>
-            </a:r>
-          </a:p>
-          <a:p>
-            <a:r>
-              <a:rPr lang="en-US" dirty="0" smtClean="0"/>
-              <a:t>Industry</a:t>
-            </a:r>
-          </a:p>
-          <a:p>
-            <a:pPr lvl="1"/>
-            <a:r>
-              <a:rPr lang="en-US" dirty="0" smtClean="0"/>
-              <a:t>9 months as a software engineer at a Silicon Valley startup</a:t>
-            </a:r>
-          </a:p>
-          <a:p>
-            <a:pPr lvl="1"/>
-            <a:r>
-              <a:rPr lang="de-DE" dirty="0">
-                <a:hlinkClick r:id="rId2"/>
-              </a:rPr>
-              <a:t>http://www.dwellers.com</a:t>
-            </a:r>
-            <a:r>
-              <a:rPr lang="de-DE" dirty="0" smtClean="0">
-                <a:hlinkClick r:id="rId2"/>
-              </a:rPr>
-              <a:t>/</a:t>
-            </a:r>
-            <a:endParaRPr lang="de-DE" dirty="0" smtClean="0"/>
-          </a:p>
-          <a:p>
-            <a:pPr lvl="1"/>
-            <a:r>
-              <a:rPr lang="en-US" dirty="0">
-                <a:hlinkClick r:id="rId3"/>
-              </a:rPr>
-              <a:t>http://mathcrunch.com</a:t>
-            </a:r>
-            <a:r>
-              <a:rPr lang="en-US" dirty="0" smtClean="0">
-                <a:hlinkClick r:id="rId3"/>
-              </a:rPr>
-              <a:t>/</a:t>
-            </a:r>
-            <a:r>
-              <a:rPr lang="en-US" dirty="0" smtClean="0"/>
-              <a:t> </a:t>
-            </a:r>
-            <a:endParaRPr lang="de-DE" dirty="0" smtClean="0"/>
-          </a:p>
-          <a:p>
-            <a:r>
-              <a:rPr lang="en-US" dirty="0" smtClean="0"/>
-              <a:t>Current (Carnegie Mellon) </a:t>
-            </a:r>
-          </a:p>
-          <a:p>
-            <a:pPr lvl="1"/>
-            <a:r>
-              <a:rPr lang="en-US" dirty="0" smtClean="0"/>
-              <a:t>Graduate student (started Jun 30, 2014) </a:t>
-            </a:r>
-          </a:p>
-          <a:p>
-            <a:pPr lvl="1"/>
-            <a:r>
-              <a:rPr lang="en-US" dirty="0" smtClean="0"/>
-              <a:t>Electrical and Computer Engineering</a:t>
-            </a:r>
-          </a:p>
-          <a:p>
-            <a:endParaRPr lang="en-US" dirty="0"/>
-          </a:p>
-        </p:txBody>
-      </p:sp>
-    </p:spTree>
-    <p:extLst>
-      <p:ext uri="{BB962C8B-B14F-4D97-AF65-F5344CB8AC3E}">
-        <p14:creationId xmlns:p14="http://schemas.microsoft.com/office/powerpoint/2010/main" val="1092556029"/>
-      </p:ext>
-    </p:extLst>
-  </p:cSld>
-  <p:clrMapOvr>
-    <a:masterClrMapping/>
-  </p:clrMapOvr>
-</p:sld>
-</file>
-
-<file path=ppt/slides/slide30.xml><?xml version="1.0" encoding="utf-8"?>
-<p:sld xmlns:a="http://schemas.openxmlformats.org/drawingml/2006/main" xmlns:r="http://schemas.openxmlformats.org/officeDocument/2006/relationships" xmlns:p="http://schemas.openxmlformats.org/presentationml/2006/main">
-  <p:cSld>
-    <p:spTree>
-      <p:nvGrpSpPr>
-        <p:cNvPr id="1" name=""/>
-        <p:cNvGrpSpPr/>
-        <p:nvPr/>
-      </p:nvGrpSpPr>
-      <p:grpSpPr>
-        <a:xfrm>
-          <a:off x="0" y="0"/>
-          <a:ext cx="0" cy="0"/>
-          <a:chOff x="0" y="0"/>
-          <a:chExt cx="0" cy="0"/>
-        </a:xfrm>
-      </p:grpSpPr>
-      <p:sp>
-        <p:nvSpPr>
-          <p:cNvPr id="4" name="Title 3"/>
-          <p:cNvSpPr>
-            <a:spLocks noGrp="1"/>
-          </p:cNvSpPr>
-          <p:nvPr>
-            <p:ph type="title"/>
-          </p:nvPr>
-        </p:nvSpPr>
-        <p:spPr/>
-        <p:txBody>
-          <a:bodyPr/>
-          <a:lstStyle/>
-          <a:p>
-            <a:r>
-              <a:rPr lang="en-US" dirty="0" smtClean="0"/>
-              <a:t>References</a:t>
-            </a:r>
-            <a:endParaRPr lang="en-US" dirty="0"/>
-          </a:p>
-        </p:txBody>
-      </p:sp>
-      <p:sp>
-        <p:nvSpPr>
-          <p:cNvPr id="5" name="Content Placeholder 4"/>
-          <p:cNvSpPr>
-            <a:spLocks noGrp="1"/>
-          </p:cNvSpPr>
-          <p:nvPr>
-            <p:ph idx="1"/>
-          </p:nvPr>
-        </p:nvSpPr>
-        <p:spPr/>
-        <p:txBody>
-          <a:bodyPr>
-            <a:normAutofit fontScale="92500" lnSpcReduction="10000"/>
-          </a:bodyPr>
-          <a:lstStyle/>
-          <a:p>
-            <a:r>
-              <a:rPr lang="en-US" dirty="0" smtClean="0"/>
-              <a:t>John West. The Lazy Programmer. </a:t>
-            </a:r>
-            <a:r>
-              <a:rPr lang="en-US" dirty="0" err="1" smtClean="0"/>
-              <a:t>EarthScope</a:t>
-            </a:r>
-            <a:r>
-              <a:rPr lang="en-US" dirty="0" smtClean="0"/>
-              <a:t> US Array. August 16, 2011 </a:t>
-            </a:r>
-          </a:p>
-          <a:p>
-            <a:pPr lvl="1"/>
-            <a:r>
-              <a:rPr lang="fr-FR" dirty="0">
-                <a:hlinkClick r:id="rId2"/>
-              </a:rPr>
-              <a:t>http://www.iris.edu/hq/es_course/content/2011.</a:t>
-            </a:r>
-            <a:r>
-              <a:rPr lang="fr-FR" dirty="0" smtClean="0">
-                <a:hlinkClick r:id="rId2"/>
-              </a:rPr>
-              <a:t>html</a:t>
-            </a:r>
-            <a:endParaRPr lang="fr-FR" dirty="0" smtClean="0"/>
-          </a:p>
-          <a:p>
-            <a:r>
-              <a:rPr lang="fr-FR" dirty="0" smtClean="0"/>
-              <a:t>Lay </a:t>
-            </a:r>
-            <a:r>
-              <a:rPr lang="fr-FR" dirty="0" err="1" smtClean="0"/>
-              <a:t>Kuan</a:t>
-            </a:r>
-            <a:r>
-              <a:rPr lang="fr-FR" dirty="0" smtClean="0"/>
-              <a:t> Loh. </a:t>
-            </a:r>
-            <a:r>
-              <a:rPr lang="fr-FR" dirty="0" err="1" smtClean="0"/>
-              <a:t>Demo</a:t>
-            </a:r>
-            <a:r>
-              <a:rPr lang="fr-FR" dirty="0" smtClean="0"/>
-              <a:t> code + </a:t>
-            </a:r>
-            <a:r>
-              <a:rPr lang="fr-FR" dirty="0" err="1" smtClean="0"/>
-              <a:t>Slides</a:t>
-            </a:r>
-            <a:r>
-              <a:rPr lang="fr-FR" dirty="0" smtClean="0"/>
-              <a:t> for session. </a:t>
-            </a:r>
-            <a:r>
-              <a:rPr lang="en-US" dirty="0" smtClean="0">
-                <a:hlinkClick r:id="rId3"/>
-              </a:rPr>
-              <a:t>https</a:t>
-            </a:r>
-            <a:r>
-              <a:rPr lang="en-US" dirty="0">
-                <a:hlinkClick r:id="rId3"/>
-              </a:rPr>
-              <a:t>://github.com/lkloh/</a:t>
-            </a:r>
-            <a:r>
-              <a:rPr lang="en-US" dirty="0" smtClean="0">
-                <a:hlinkClick r:id="rId3"/>
-              </a:rPr>
-              <a:t>USArray</a:t>
-            </a:r>
-            <a:endParaRPr lang="en-US" dirty="0" smtClean="0"/>
-          </a:p>
-          <a:p>
-            <a:r>
-              <a:rPr lang="en-US" dirty="0" smtClean="0"/>
-              <a:t>Lay </a:t>
-            </a:r>
-            <a:r>
-              <a:rPr lang="en-US" dirty="0" err="1" smtClean="0"/>
-              <a:t>Kuan</a:t>
-            </a:r>
-            <a:r>
-              <a:rPr lang="en-US" dirty="0" smtClean="0"/>
-              <a:t> Loh. Introduction to </a:t>
-            </a:r>
-            <a:r>
-              <a:rPr lang="en-US" dirty="0" err="1" smtClean="0"/>
-              <a:t>Github</a:t>
-            </a:r>
-            <a:r>
-              <a:rPr lang="en-US" dirty="0"/>
-              <a:t>. </a:t>
-            </a:r>
-            <a:r>
-              <a:rPr lang="en-US" dirty="0">
-                <a:hlinkClick r:id="rId4"/>
-              </a:rPr>
-              <a:t>https://github.com/pysmo/aimbat-docs/wiki/Introduction-to-</a:t>
-            </a:r>
-            <a:r>
-              <a:rPr lang="en-US" dirty="0" smtClean="0">
-                <a:hlinkClick r:id="rId4"/>
-              </a:rPr>
-              <a:t>Github</a:t>
-            </a:r>
-            <a:r>
-              <a:rPr lang="en-US" dirty="0" smtClean="0"/>
-              <a:t> </a:t>
-            </a:r>
-            <a:endParaRPr lang="en-US" dirty="0"/>
-          </a:p>
-          <a:p>
-            <a:r>
-              <a:rPr lang="fr-FR" dirty="0" smtClean="0"/>
-              <a:t> </a:t>
-            </a:r>
-          </a:p>
-          <a:p>
-            <a:pPr lvl="1"/>
-            <a:endParaRPr lang="fr-FR" dirty="0"/>
-          </a:p>
-          <a:p>
-            <a:pPr lvl="1"/>
-            <a:endParaRPr lang="fr-FR" dirty="0" smtClean="0"/>
-          </a:p>
-          <a:p>
-            <a:pPr lvl="1"/>
-            <a:endParaRPr lang="fr-FR" dirty="0"/>
-          </a:p>
-          <a:p>
-            <a:pPr lvl="1"/>
-            <a:endParaRPr lang="en-US" dirty="0" smtClean="0"/>
-          </a:p>
-          <a:p>
-            <a:endParaRPr lang="en-US" dirty="0"/>
-          </a:p>
-        </p:txBody>
-      </p:sp>
-    </p:spTree>
-    <p:extLst>
-      <p:ext uri="{BB962C8B-B14F-4D97-AF65-F5344CB8AC3E}">
-        <p14:creationId xmlns:p14="http://schemas.microsoft.com/office/powerpoint/2010/main" val="2066637437"/>
-      </p:ext>
-    </p:extLst>
-  </p:cSld>
-  <p:clrMapOvr>
-    <a:masterClrMapping/>
-  </p:clrMapOvr>
-</p:sld>
-</file>
-
-<file path=ppt/slides/slide4.xml><?xml version="1.0" encoding="utf-8"?>
-<p:sld xmlns:a="http://schemas.openxmlformats.org/drawingml/2006/main" xmlns:r="http://schemas.openxmlformats.org/officeDocument/2006/relationships" xmlns:p="http://schemas.openxmlformats.org/presentationml/2006/main">
-  <p:cSld>
-    <p:spTree>
-      <p:nvGrpSpPr>
-        <p:cNvPr id="1" name=""/>
-        <p:cNvGrpSpPr/>
-        <p:nvPr/>
-      </p:nvGrpSpPr>
-      <p:grpSpPr>
-        <a:xfrm>
-          <a:off x="0" y="0"/>
-          <a:ext cx="0" cy="0"/>
-          <a:chOff x="0" y="0"/>
-          <a:chExt cx="0" cy="0"/>
-        </a:xfrm>
-      </p:grpSpPr>
-      <p:sp>
-        <p:nvSpPr>
-          <p:cNvPr id="2" name="Title 1"/>
-          <p:cNvSpPr>
-            <a:spLocks noGrp="1"/>
-          </p:cNvSpPr>
-          <p:nvPr>
-            <p:ph type="title"/>
-          </p:nvPr>
-        </p:nvSpPr>
-        <p:spPr/>
-        <p:txBody>
-          <a:bodyPr/>
-          <a:lstStyle/>
-          <a:p>
-            <a:r>
-              <a:rPr lang="en-US" dirty="0" smtClean="0"/>
-              <a:t>Takeaway points</a:t>
-            </a:r>
-            <a:endParaRPr lang="en-US" dirty="0"/>
-          </a:p>
-        </p:txBody>
-      </p:sp>
-      <p:sp>
-        <p:nvSpPr>
-          <p:cNvPr id="3" name="Content Placeholder 2"/>
-          <p:cNvSpPr>
-            <a:spLocks noGrp="1"/>
-          </p:cNvSpPr>
-          <p:nvPr>
-            <p:ph idx="1"/>
-          </p:nvPr>
-        </p:nvSpPr>
-        <p:spPr/>
-        <p:txBody>
-          <a:bodyPr/>
-          <a:lstStyle/>
-          <a:p>
-            <a:r>
-              <a:rPr lang="en-US" dirty="0" smtClean="0"/>
-              <a:t>Writing easily maintained code</a:t>
-            </a:r>
-            <a:endParaRPr lang="en-US" dirty="0"/>
-          </a:p>
-          <a:p>
-            <a:r>
-              <a:rPr lang="en-US" dirty="0" smtClean="0"/>
-              <a:t>Getting unstuck when you hit a problem </a:t>
-            </a:r>
-          </a:p>
-          <a:p>
-            <a:pPr marL="457200" lvl="1" indent="0">
-              <a:buNone/>
-            </a:pPr>
-            <a:endParaRPr lang="en-US" dirty="0"/>
-          </a:p>
-        </p:txBody>
-      </p:sp>
-    </p:spTree>
-    <p:extLst>
-      <p:ext uri="{BB962C8B-B14F-4D97-AF65-F5344CB8AC3E}">
-        <p14:creationId xmlns:p14="http://schemas.microsoft.com/office/powerpoint/2010/main" val="3366251998"/>
-      </p:ext>
-    </p:extLst>
-  </p:cSld>
-  <p:clrMapOvr>
-    <a:masterClrMapping/>
-  </p:clrMapOvr>
-</p:sld>
-</file>
-
-<file path=ppt/slides/slide5.xml><?xml version="1.0" encoding="utf-8"?>
-<p:sld xmlns:a="http://schemas.openxmlformats.org/drawingml/2006/main" xmlns:r="http://schemas.openxmlformats.org/officeDocument/2006/relationships" xmlns:p="http://schemas.openxmlformats.org/presentationml/2006/main">
-  <p:cSld>
-    <p:spTree>
-      <p:nvGrpSpPr>
-        <p:cNvPr id="1" name=""/>
-        <p:cNvGrpSpPr/>
-        <p:nvPr/>
-      </p:nvGrpSpPr>
-      <p:grpSpPr>
-        <a:xfrm>
-          <a:off x="0" y="0"/>
-          <a:ext cx="0" cy="0"/>
-          <a:chOff x="0" y="0"/>
-          <a:chExt cx="0" cy="0"/>
-        </a:xfrm>
-      </p:grpSpPr>
-      <p:sp>
-        <p:nvSpPr>
-          <p:cNvPr id="3" name="Content Placeholder 2"/>
-          <p:cNvSpPr>
-            <a:spLocks noGrp="1"/>
-          </p:cNvSpPr>
-          <p:nvPr>
-            <p:ph idx="1"/>
-          </p:nvPr>
-        </p:nvSpPr>
-        <p:spPr>
-          <a:xfrm>
-            <a:off x="457200" y="1600200"/>
-            <a:ext cx="8229600" cy="5257800"/>
-          </a:xfrm>
-        </p:spPr>
-        <p:txBody>
-          <a:bodyPr>
-            <a:normAutofit fontScale="62500" lnSpcReduction="20000"/>
-          </a:bodyPr>
-          <a:lstStyle/>
-          <a:p>
-            <a:r>
-              <a:rPr lang="en-US" dirty="0" smtClean="0">
-                <a:solidFill>
-                  <a:schemeClr val="bg1">
-                    <a:lumMod val="65000"/>
-                  </a:schemeClr>
-                </a:solidFill>
-              </a:rPr>
-              <a:t>Admin</a:t>
-            </a:r>
-          </a:p>
-          <a:p>
-            <a:pPr lvl="1"/>
-            <a:r>
-              <a:rPr lang="en-US" dirty="0" smtClean="0">
-                <a:solidFill>
-                  <a:schemeClr val="bg1">
-                    <a:lumMod val="65000"/>
-                  </a:schemeClr>
-                </a:solidFill>
-              </a:rPr>
-              <a:t>My background</a:t>
-            </a:r>
-          </a:p>
-          <a:p>
-            <a:pPr lvl="1"/>
-            <a:r>
-              <a:rPr lang="en-US" dirty="0" smtClean="0">
-                <a:solidFill>
-                  <a:schemeClr val="bg1">
-                    <a:lumMod val="65000"/>
-                  </a:schemeClr>
-                </a:solidFill>
-              </a:rPr>
-              <a:t>Goals of this session</a:t>
-            </a:r>
-          </a:p>
-          <a:p>
-            <a:r>
-              <a:rPr lang="en-US" dirty="0" smtClean="0"/>
-              <a:t>Writing code </a:t>
-            </a:r>
-          </a:p>
-          <a:p>
-            <a:pPr lvl="1"/>
-            <a:r>
-              <a:rPr lang="en-US" dirty="0" smtClean="0"/>
-              <a:t>Writing your own code</a:t>
-            </a:r>
-          </a:p>
-          <a:p>
-            <a:pPr lvl="1"/>
-            <a:r>
-              <a:rPr lang="en-US" dirty="0" smtClean="0"/>
-              <a:t>Working on code with collaborators </a:t>
-            </a:r>
-          </a:p>
-          <a:p>
-            <a:pPr lvl="1"/>
-            <a:r>
-              <a:rPr lang="en-US" dirty="0" smtClean="0"/>
-              <a:t>Joining a project where someone left off </a:t>
-            </a:r>
-          </a:p>
-          <a:p>
-            <a:r>
-              <a:rPr lang="en-US" dirty="0" smtClean="0">
-                <a:solidFill>
-                  <a:schemeClr val="bg1">
-                    <a:lumMod val="65000"/>
-                  </a:schemeClr>
-                </a:solidFill>
-              </a:rPr>
-              <a:t>Find out how to do something</a:t>
-            </a:r>
-          </a:p>
-          <a:p>
-            <a:pPr lvl="1"/>
-            <a:r>
-              <a:rPr lang="en-US" dirty="0" smtClean="0">
-                <a:solidFill>
-                  <a:schemeClr val="bg1">
-                    <a:lumMod val="65000"/>
-                  </a:schemeClr>
-                </a:solidFill>
-              </a:rPr>
-              <a:t>Looking for information you need</a:t>
-            </a:r>
-          </a:p>
-          <a:p>
-            <a:pPr lvl="1"/>
-            <a:r>
-              <a:rPr lang="en-US" dirty="0" smtClean="0">
-                <a:solidFill>
-                  <a:schemeClr val="bg1">
-                    <a:lumMod val="65000"/>
-                  </a:schemeClr>
-                </a:solidFill>
-              </a:rPr>
-              <a:t>Using the fruits of other peoples’ labor</a:t>
-            </a:r>
-          </a:p>
-          <a:p>
-            <a:r>
-              <a:rPr lang="en-US" dirty="0" smtClean="0">
-                <a:solidFill>
-                  <a:schemeClr val="bg1">
-                    <a:lumMod val="65000"/>
-                  </a:schemeClr>
-                </a:solidFill>
-              </a:rPr>
-              <a:t>Developing your own tool</a:t>
-            </a:r>
-          </a:p>
-          <a:p>
-            <a:pPr lvl="1"/>
-            <a:r>
-              <a:rPr lang="en-US" dirty="0" smtClean="0">
-                <a:solidFill>
-                  <a:schemeClr val="bg1">
-                    <a:lumMod val="65000"/>
-                  </a:schemeClr>
-                </a:solidFill>
-              </a:rPr>
-              <a:t>When to do it</a:t>
-            </a:r>
-          </a:p>
-          <a:p>
-            <a:pPr lvl="1"/>
-            <a:r>
-              <a:rPr lang="en-US" dirty="0" smtClean="0">
-                <a:solidFill>
-                  <a:schemeClr val="bg1">
-                    <a:lumMod val="65000"/>
-                  </a:schemeClr>
-                </a:solidFill>
-              </a:rPr>
-              <a:t>What to keep in mind </a:t>
-            </a:r>
-          </a:p>
-          <a:p>
-            <a:r>
-              <a:rPr lang="en-US" dirty="0" smtClean="0">
-                <a:solidFill>
-                  <a:schemeClr val="bg1">
-                    <a:lumMod val="65000"/>
-                  </a:schemeClr>
-                </a:solidFill>
-              </a:rPr>
-              <a:t>Version control </a:t>
-            </a:r>
-          </a:p>
-          <a:p>
-            <a:pPr lvl="1"/>
-            <a:r>
-              <a:rPr lang="en-US" dirty="0" err="1" smtClean="0">
-                <a:solidFill>
-                  <a:schemeClr val="bg1">
-                    <a:lumMod val="65000"/>
-                  </a:schemeClr>
-                </a:solidFill>
-              </a:rPr>
-              <a:t>Github</a:t>
-            </a:r>
-            <a:r>
-              <a:rPr lang="en-US" dirty="0" smtClean="0">
-                <a:solidFill>
-                  <a:schemeClr val="bg1">
-                    <a:lumMod val="65000"/>
-                  </a:schemeClr>
-                </a:solidFill>
-              </a:rPr>
-              <a:t> </a:t>
-            </a:r>
-          </a:p>
-          <a:p>
-            <a:pPr lvl="1"/>
-            <a:r>
-              <a:rPr lang="en-US" dirty="0" err="1" smtClean="0">
-                <a:solidFill>
-                  <a:schemeClr val="bg1">
-                    <a:lumMod val="65000"/>
-                  </a:schemeClr>
-                </a:solidFill>
-              </a:rPr>
-              <a:t>Dropbox</a:t>
-            </a:r>
-            <a:r>
-              <a:rPr lang="en-US" dirty="0" smtClean="0">
-                <a:solidFill>
-                  <a:schemeClr val="bg1">
-                    <a:lumMod val="65000"/>
-                  </a:schemeClr>
-                </a:solidFill>
-              </a:rPr>
-              <a:t> </a:t>
-            </a:r>
-          </a:p>
-          <a:p>
-            <a:pPr lvl="1"/>
-            <a:r>
-              <a:rPr lang="en-US" dirty="0" smtClean="0">
-                <a:solidFill>
-                  <a:schemeClr val="bg1">
-                    <a:lumMod val="65000"/>
-                  </a:schemeClr>
-                </a:solidFill>
-              </a:rPr>
-              <a:t>Hard drives</a:t>
-            </a:r>
-            <a:r>
-              <a:rPr lang="en-US" dirty="0" smtClean="0"/>
-              <a:t> </a:t>
-            </a:r>
-          </a:p>
-          <a:p>
-            <a:endParaRPr lang="en-US" dirty="0"/>
-          </a:p>
-          <a:p>
-            <a:pPr lvl="1"/>
-            <a:endParaRPr lang="en-US" dirty="0" smtClean="0"/>
-          </a:p>
-          <a:p>
-            <a:endParaRPr lang="en-US" dirty="0" smtClean="0"/>
-          </a:p>
-          <a:p>
-            <a:endParaRPr lang="en-US" dirty="0"/>
-          </a:p>
-        </p:txBody>
-      </p:sp>
-      <p:sp>
-        <p:nvSpPr>
-          <p:cNvPr id="5" name="Title 1"/>
-          <p:cNvSpPr txBox="1">
-            <a:spLocks/>
-          </p:cNvSpPr>
-          <p:nvPr/>
-        </p:nvSpPr>
-        <p:spPr>
-          <a:xfrm>
-            <a:off x="457200" y="229092"/>
-            <a:ext cx="8229600" cy="1143000"/>
-          </a:xfrm>
-          <a:prstGeom prst="rect">
-            <a:avLst/>
-          </a:prstGeom>
-          <a:solidFill>
-            <a:schemeClr val="tx1"/>
-          </a:solidFill>
-        </p:spPr>
-        <p:txBody>
-          <a:bodyPr vert="horz" lIns="91440" tIns="45720" rIns="91440" bIns="45720" rtlCol="0" anchor="ctr">
-            <a:normAutofit/>
-          </a:bodyPr>
-          <a:lstStyle>
-            <a:lvl1pPr algn="ctr" defTabSz="457200" rtl="0" eaLnBrk="1" latinLnBrk="0" hangingPunct="1">
-              <a:spcBef>
-                <a:spcPct val="0"/>
-              </a:spcBef>
-              <a:buNone/>
-              <a:defRPr sz="4400" kern="1200">
-                <a:solidFill>
-                  <a:schemeClr val="tx1"/>
-                </a:solidFill>
-                <a:latin typeface="+mj-lt"/>
-                <a:ea typeface="+mj-ea"/>
-                <a:cs typeface="+mj-cs"/>
-              </a:defRPr>
-            </a:lvl1pPr>
-          </a:lstStyle>
-          <a:p>
-            <a:r>
-              <a:rPr lang="en-US" smtClean="0">
-                <a:solidFill>
-                  <a:srgbClr val="FFFFFF"/>
-                </a:solidFill>
-              </a:rPr>
-              <a:t>Contents</a:t>
-            </a:r>
-            <a:endParaRPr lang="en-US" dirty="0">
-              <a:solidFill>
-                <a:srgbClr val="FFFFFF"/>
-              </a:solidFill>
-            </a:endParaRPr>
-          </a:p>
-        </p:txBody>
-      </p:sp>
-    </p:spTree>
-    <p:extLst>
-      <p:ext uri="{BB962C8B-B14F-4D97-AF65-F5344CB8AC3E}">
-        <p14:creationId xmlns:p14="http://schemas.microsoft.com/office/powerpoint/2010/main" val="849704915"/>
-      </p:ext>
-    </p:extLst>
-  </p:cSld>
-  <p:clrMapOvr>
-    <a:masterClrMapping/>
-  </p:clrMapOvr>
-</p:sld>
-</file>
-
-<file path=ppt/slides/slide6.xml><?xml version="1.0" encoding="utf-8"?>
-<p:sld xmlns:a="http://schemas.openxmlformats.org/drawingml/2006/main" xmlns:r="http://schemas.openxmlformats.org/officeDocument/2006/relationships" xmlns:p="http://schemas.openxmlformats.org/presentationml/2006/main">
-  <p:cSld>
-    <p:spTree>
-      <p:nvGrpSpPr>
-        <p:cNvPr id="1" name=""/>
-        <p:cNvGrpSpPr/>
-        <p:nvPr/>
-      </p:nvGrpSpPr>
-      <p:grpSpPr>
-        <a:xfrm>
-          <a:off x="0" y="0"/>
-          <a:ext cx="0" cy="0"/>
-          <a:chOff x="0" y="0"/>
-          <a:chExt cx="0" cy="0"/>
-        </a:xfrm>
-      </p:grpSpPr>
-      <p:sp>
-        <p:nvSpPr>
-          <p:cNvPr id="2" name="Title 1"/>
-          <p:cNvSpPr>
-            <a:spLocks noGrp="1"/>
-          </p:cNvSpPr>
-          <p:nvPr>
-            <p:ph type="title"/>
-          </p:nvPr>
-        </p:nvSpPr>
-        <p:spPr/>
-        <p:txBody>
-          <a:bodyPr>
-            <a:normAutofit fontScale="90000"/>
-          </a:bodyPr>
-          <a:lstStyle/>
-          <a:p>
-            <a:r>
-              <a:rPr lang="en-US" dirty="0" smtClean="0"/>
-              <a:t>Writing your own code … </a:t>
-            </a:r>
-            <a:br>
-              <a:rPr lang="en-US" dirty="0" smtClean="0"/>
-            </a:br>
-            <a:r>
-              <a:rPr lang="en-US" dirty="0" smtClean="0"/>
-              <a:t>Comments</a:t>
-            </a:r>
-            <a:endParaRPr lang="en-US" dirty="0"/>
-          </a:p>
-        </p:txBody>
-      </p:sp>
-      <p:sp>
-        <p:nvSpPr>
-          <p:cNvPr id="3" name="Content Placeholder 2"/>
-          <p:cNvSpPr>
-            <a:spLocks noGrp="1"/>
-          </p:cNvSpPr>
-          <p:nvPr>
-            <p:ph idx="1"/>
-          </p:nvPr>
-        </p:nvSpPr>
-        <p:spPr/>
-        <p:txBody>
-          <a:bodyPr/>
-          <a:lstStyle/>
-          <a:p>
-            <a:r>
-              <a:rPr lang="en-US" dirty="0" smtClean="0"/>
-              <a:t>Describe the process, not the code</a:t>
-            </a:r>
-            <a:endParaRPr lang="en-US" dirty="0"/>
-          </a:p>
-        </p:txBody>
-      </p:sp>
-    </p:spTree>
-    <p:extLst>
-      <p:ext uri="{BB962C8B-B14F-4D97-AF65-F5344CB8AC3E}">
-        <p14:creationId xmlns:p14="http://schemas.microsoft.com/office/powerpoint/2010/main" val="1963443038"/>
-      </p:ext>
-    </p:extLst>
-  </p:cSld>
-  <p:clrMapOvr>
-    <a:masterClrMapping/>
-  </p:clrMapOvr>
-</p:sld>
-</file>
-
-<file path=ppt/slides/slide7.xml><?xml version="1.0" encoding="utf-8"?>
-<p:sld xmlns:a="http://schemas.openxmlformats.org/drawingml/2006/main" xmlns:r="http://schemas.openxmlformats.org/officeDocument/2006/relationships" xmlns:p="http://schemas.openxmlformats.org/presentationml/2006/main">
-  <p:cSld>
-    <p:spTree>
-      <p:nvGrpSpPr>
-        <p:cNvPr id="1" name=""/>
-        <p:cNvGrpSpPr/>
-        <p:nvPr/>
-      </p:nvGrpSpPr>
-      <p:grpSpPr>
-        <a:xfrm>
-          <a:off x="0" y="0"/>
-          <a:ext cx="0" cy="0"/>
-          <a:chOff x="0" y="0"/>
-          <a:chExt cx="0" cy="0"/>
-        </a:xfrm>
-      </p:grpSpPr>
-      <p:sp>
-        <p:nvSpPr>
-          <p:cNvPr id="33795" name="Rectangle 3"/>
-          <p:cNvSpPr>
-            <a:spLocks noGrp="1" noChangeArrowheads="1"/>
-          </p:cNvSpPr>
-          <p:nvPr>
-            <p:ph type="subTitle" idx="1"/>
-          </p:nvPr>
-        </p:nvSpPr>
-        <p:spPr>
-          <a:xfrm>
-            <a:off x="609600" y="990600"/>
-            <a:ext cx="8153400" cy="4953000"/>
-          </a:xfrm>
-        </p:spPr>
-        <p:txBody>
-          <a:bodyPr/>
-          <a:lstStyle/>
-          <a:p>
-            <a:pPr algn="l"/>
-            <a:r>
-              <a:rPr lang="en-US" dirty="0">
-                <a:solidFill>
-                  <a:schemeClr val="tx1"/>
-                </a:solidFill>
-                <a:latin typeface="American Typewriter"/>
-                <a:cs typeface="American Typewriter"/>
-              </a:rPr>
-              <a:t>// step through the loop 100 times</a:t>
-            </a:r>
-          </a:p>
-          <a:p>
-            <a:pPr algn="l"/>
-            <a:r>
-              <a:rPr lang="en-US" dirty="0">
-                <a:solidFill>
-                  <a:schemeClr val="tx1"/>
-                </a:solidFill>
-                <a:latin typeface="American Typewriter"/>
-                <a:cs typeface="American Typewriter"/>
-              </a:rPr>
-              <a:t>// duh!</a:t>
-            </a:r>
-          </a:p>
-          <a:p>
-            <a:pPr algn="l"/>
-            <a:r>
-              <a:rPr lang="en-US" dirty="0">
-                <a:solidFill>
-                  <a:schemeClr val="tx1"/>
-                </a:solidFill>
-                <a:latin typeface="American Typewriter"/>
-                <a:cs typeface="American Typewriter"/>
-              </a:rPr>
-              <a:t>for (</a:t>
-            </a:r>
-            <a:r>
-              <a:rPr lang="en-US" dirty="0" err="1">
-                <a:solidFill>
-                  <a:schemeClr val="tx1"/>
-                </a:solidFill>
-                <a:latin typeface="American Typewriter"/>
-                <a:cs typeface="American Typewriter"/>
-              </a:rPr>
-              <a:t>i</a:t>
-            </a:r>
-            <a:r>
-              <a:rPr lang="en-US" dirty="0">
-                <a:solidFill>
-                  <a:schemeClr val="tx1"/>
-                </a:solidFill>
-                <a:latin typeface="American Typewriter"/>
-                <a:cs typeface="American Typewriter"/>
-              </a:rPr>
-              <a:t> = 1; </a:t>
-            </a:r>
-            <a:r>
-              <a:rPr lang="en-US" dirty="0" err="1">
-                <a:solidFill>
-                  <a:schemeClr val="tx1"/>
-                </a:solidFill>
-                <a:latin typeface="American Typewriter"/>
-                <a:cs typeface="American Typewriter"/>
-              </a:rPr>
-              <a:t>i</a:t>
-            </a:r>
-            <a:r>
-              <a:rPr lang="en-US" dirty="0">
-                <a:solidFill>
-                  <a:schemeClr val="tx1"/>
-                </a:solidFill>
-                <a:latin typeface="American Typewriter"/>
-                <a:cs typeface="American Typewriter"/>
-              </a:rPr>
-              <a:t> &lt;= 100; </a:t>
-            </a:r>
-            <a:r>
-              <a:rPr lang="en-US" dirty="0" err="1">
-                <a:solidFill>
-                  <a:schemeClr val="tx1"/>
-                </a:solidFill>
-                <a:latin typeface="American Typewriter"/>
-                <a:cs typeface="American Typewriter"/>
-              </a:rPr>
-              <a:t>i</a:t>
-            </a:r>
-            <a:r>
-              <a:rPr lang="en-US" dirty="0">
-                <a:solidFill>
-                  <a:schemeClr val="tx1"/>
-                </a:solidFill>
-                <a:latin typeface="American Typewriter"/>
-                <a:cs typeface="American Typewriter"/>
-              </a:rPr>
-              <a:t>++</a:t>
-            </a:r>
-            <a:r>
-              <a:rPr lang="en-US" dirty="0" smtClean="0">
-                <a:solidFill>
-                  <a:schemeClr val="tx1"/>
-                </a:solidFill>
-                <a:latin typeface="American Typewriter"/>
-                <a:cs typeface="American Typewriter"/>
-              </a:rPr>
-              <a:t>) {</a:t>
-            </a:r>
-            <a:endParaRPr lang="en-US" dirty="0">
-              <a:solidFill>
-                <a:schemeClr val="tx1"/>
-              </a:solidFill>
-              <a:latin typeface="American Typewriter"/>
-              <a:cs typeface="American Typewriter"/>
-            </a:endParaRPr>
-          </a:p>
-          <a:p>
-            <a:pPr algn="l"/>
-            <a:r>
-              <a:rPr lang="en-US" dirty="0">
-                <a:solidFill>
-                  <a:schemeClr val="tx1"/>
-                </a:solidFill>
-                <a:latin typeface="American Typewriter"/>
-                <a:cs typeface="American Typewriter"/>
-              </a:rPr>
-              <a:t>	…</a:t>
-            </a:r>
-          </a:p>
-          <a:p>
-            <a:pPr algn="l"/>
-            <a:r>
-              <a:rPr lang="en-US" dirty="0">
-                <a:solidFill>
-                  <a:schemeClr val="tx1"/>
-                </a:solidFill>
-                <a:latin typeface="American Typewriter"/>
-                <a:cs typeface="American Typewriter"/>
-              </a:rPr>
-              <a:t>	…</a:t>
-            </a:r>
-          </a:p>
-          <a:p>
-            <a:pPr algn="l"/>
-            <a:r>
-              <a:rPr lang="en-US" dirty="0">
-                <a:solidFill>
-                  <a:schemeClr val="tx1"/>
-                </a:solidFill>
-                <a:latin typeface="American Typewriter"/>
-                <a:cs typeface="American Typewriter"/>
-              </a:rPr>
-              <a:t>	</a:t>
-            </a:r>
-            <a:r>
-              <a:rPr lang="en-US" dirty="0" smtClean="0">
-                <a:solidFill>
-                  <a:schemeClr val="tx1"/>
-                </a:solidFill>
-                <a:latin typeface="American Typewriter"/>
-                <a:cs typeface="American Typewriter"/>
-              </a:rPr>
-              <a:t>…</a:t>
-            </a:r>
-          </a:p>
-          <a:p>
-            <a:pPr algn="l"/>
-            <a:r>
-              <a:rPr lang="en-US" dirty="0" smtClean="0">
-                <a:solidFill>
-                  <a:schemeClr val="tx1"/>
-                </a:solidFill>
-                <a:latin typeface="American Typewriter"/>
-                <a:cs typeface="American Typewriter"/>
-              </a:rPr>
-              <a:t>}</a:t>
-            </a:r>
-            <a:endParaRPr lang="en-US" dirty="0">
-              <a:solidFill>
-                <a:schemeClr val="tx1"/>
-              </a:solidFill>
-              <a:latin typeface="American Typewriter"/>
-              <a:cs typeface="American Typewriter"/>
-            </a:endParaRPr>
-          </a:p>
-        </p:txBody>
-      </p:sp>
-    </p:spTree>
-    <p:extLst>
-      <p:ext uri="{BB962C8B-B14F-4D97-AF65-F5344CB8AC3E}">
-        <p14:creationId xmlns:p14="http://schemas.microsoft.com/office/powerpoint/2010/main" val="984595479"/>
-      </p:ext>
-    </p:extLst>
-  </p:cSld>
-  <p:clrMapOvr>
-    <a:masterClrMapping/>
-  </p:clrMapOvr>
-  <p:timing>
-    <p:tnLst>
-      <p:par>
-        <p:cTn xmlns:p14="http://schemas.microsoft.com/office/powerpoint/2010/main" id="1" dur="indefinite" restart="never" nodeType="tmRoot"/>
-      </p:par>
-    </p:tnLst>
-  </p:timing>
-</p:sld>
-</file>
-
 <file path=ppt/slides/slide8.xml><?xml version="1.0" encoding="utf-8"?>
 <p:sld xmlns:a="http://schemas.openxmlformats.org/drawingml/2006/main" xmlns:r="http://schemas.openxmlformats.org/officeDocument/2006/relationships" xmlns:p="http://schemas.openxmlformats.org/presentationml/2006/main">
   <p:cSld>
@@ -8963,226 +8786,133 @@
       </p:grpSpPr>
       <p:sp>
         <p:nvSpPr>
-          <p:cNvPr id="35843" name="Rectangle 3"/>
-          <p:cNvSpPr>
-            <a:spLocks noGrp="1" noChangeArrowheads="1"/>
-          </p:cNvSpPr>
-          <p:nvPr>
-            <p:ph type="subTitle" idx="1"/>
-          </p:nvPr>
-        </p:nvSpPr>
-        <p:spPr>
-          <a:xfrm>
-            <a:off x="609600" y="990600"/>
-            <a:ext cx="8153400" cy="4953000"/>
-          </a:xfrm>
-        </p:spPr>
-        <p:txBody>
-          <a:bodyPr/>
-          <a:lstStyle/>
-          <a:p>
-            <a:pPr algn="l"/>
-            <a:r>
-              <a:rPr lang="en-US" dirty="0">
-                <a:solidFill>
-                  <a:schemeClr val="tx1"/>
-                </a:solidFill>
-                <a:latin typeface="American Typewriter"/>
-                <a:cs typeface="American Typewriter"/>
-              </a:rPr>
-              <a:t>// increment along the surface (x axis) </a:t>
-            </a:r>
-          </a:p>
-          <a:p>
-            <a:pPr algn="l"/>
-            <a:r>
-              <a:rPr lang="en-US" dirty="0">
-                <a:solidFill>
-                  <a:schemeClr val="tx1"/>
-                </a:solidFill>
-                <a:latin typeface="American Typewriter"/>
-                <a:cs typeface="American Typewriter"/>
-              </a:rPr>
-              <a:t>// summing each point</a:t>
-            </a:r>
-            <a:r>
-              <a:rPr lang="ja-JP" altLang="en-US" dirty="0">
-                <a:solidFill>
-                  <a:schemeClr val="tx1"/>
-                </a:solidFill>
-                <a:latin typeface="American Typewriter"/>
-                <a:cs typeface="American Typewriter"/>
-              </a:rPr>
-              <a:t>’</a:t>
-            </a:r>
-            <a:r>
-              <a:rPr lang="en-US" dirty="0">
-                <a:solidFill>
-                  <a:schemeClr val="tx1"/>
-                </a:solidFill>
-                <a:latin typeface="American Typewriter"/>
-                <a:cs typeface="American Typewriter"/>
-              </a:rPr>
-              <a:t>s contribution</a:t>
-            </a:r>
-          </a:p>
-          <a:p>
-            <a:pPr algn="l"/>
-            <a:r>
-              <a:rPr lang="en-US" dirty="0">
-                <a:solidFill>
-                  <a:schemeClr val="tx1"/>
-                </a:solidFill>
-                <a:latin typeface="American Typewriter"/>
-                <a:cs typeface="American Typewriter"/>
-              </a:rPr>
-              <a:t>for (</a:t>
-            </a:r>
-            <a:r>
-              <a:rPr lang="en-US" dirty="0" err="1">
-                <a:solidFill>
-                  <a:schemeClr val="tx1"/>
-                </a:solidFill>
-                <a:latin typeface="American Typewriter"/>
-                <a:cs typeface="American Typewriter"/>
-              </a:rPr>
-              <a:t>i</a:t>
-            </a:r>
-            <a:r>
-              <a:rPr lang="en-US" dirty="0">
-                <a:solidFill>
-                  <a:schemeClr val="tx1"/>
-                </a:solidFill>
-                <a:latin typeface="American Typewriter"/>
-                <a:cs typeface="American Typewriter"/>
-              </a:rPr>
-              <a:t> = 1; </a:t>
-            </a:r>
-            <a:r>
-              <a:rPr lang="en-US" dirty="0" err="1">
-                <a:solidFill>
-                  <a:schemeClr val="tx1"/>
-                </a:solidFill>
-                <a:latin typeface="American Typewriter"/>
-                <a:cs typeface="American Typewriter"/>
-              </a:rPr>
-              <a:t>i</a:t>
-            </a:r>
-            <a:r>
-              <a:rPr lang="en-US" dirty="0">
-                <a:solidFill>
-                  <a:schemeClr val="tx1"/>
-                </a:solidFill>
-                <a:latin typeface="American Typewriter"/>
-                <a:cs typeface="American Typewriter"/>
-              </a:rPr>
-              <a:t> &lt;= 100; </a:t>
-            </a:r>
-            <a:r>
-              <a:rPr lang="en-US" dirty="0" err="1">
-                <a:solidFill>
-                  <a:schemeClr val="tx1"/>
-                </a:solidFill>
-                <a:latin typeface="American Typewriter"/>
-                <a:cs typeface="American Typewriter"/>
-              </a:rPr>
-              <a:t>i</a:t>
-            </a:r>
-            <a:r>
-              <a:rPr lang="en-US" dirty="0">
-                <a:solidFill>
-                  <a:schemeClr val="tx1"/>
-                </a:solidFill>
-                <a:latin typeface="American Typewriter"/>
-                <a:cs typeface="American Typewriter"/>
-              </a:rPr>
-              <a:t>++)</a:t>
-            </a:r>
-          </a:p>
-          <a:p>
-            <a:pPr algn="l"/>
-            <a:r>
-              <a:rPr lang="en-US" dirty="0">
-                <a:solidFill>
-                  <a:schemeClr val="tx1"/>
-                </a:solidFill>
-                <a:latin typeface="American Typewriter"/>
-                <a:cs typeface="American Typewriter"/>
-              </a:rPr>
-              <a:t>	{</a:t>
-            </a:r>
-          </a:p>
-          <a:p>
-            <a:pPr algn="l"/>
-            <a:r>
-              <a:rPr lang="en-US" dirty="0">
-                <a:solidFill>
-                  <a:schemeClr val="tx1"/>
-                </a:solidFill>
-                <a:latin typeface="American Typewriter"/>
-                <a:cs typeface="American Typewriter"/>
-              </a:rPr>
-              <a:t>	…</a:t>
-            </a:r>
-          </a:p>
-          <a:p>
-            <a:pPr algn="l"/>
-            <a:r>
-              <a:rPr lang="en-US" dirty="0">
-                <a:solidFill>
-                  <a:schemeClr val="tx1"/>
-                </a:solidFill>
-                <a:latin typeface="American Typewriter"/>
-                <a:cs typeface="American Typewriter"/>
-              </a:rPr>
-              <a:t>	…</a:t>
-            </a:r>
-          </a:p>
-          <a:p>
-            <a:pPr algn="l"/>
-            <a:r>
-              <a:rPr lang="en-US" dirty="0">
-                <a:solidFill>
-                  <a:schemeClr val="tx1"/>
-                </a:solidFill>
-                <a:latin typeface="American Typewriter"/>
-                <a:cs typeface="American Typewriter"/>
-              </a:rPr>
-              <a:t>	…</a:t>
-            </a:r>
-          </a:p>
-          <a:p>
-            <a:pPr algn="l"/>
-            <a:r>
-              <a:rPr lang="en-US" dirty="0">
-                <a:solidFill>
-                  <a:schemeClr val="tx1"/>
-                </a:solidFill>
-                <a:latin typeface="American Typewriter"/>
-                <a:cs typeface="American Typewriter"/>
-              </a:rPr>
-              <a:t>	}</a:t>
-            </a:r>
+          <p:cNvPr id="2" name="Title 1"/>
+          <p:cNvSpPr>
+            <a:spLocks noGrp="1"/>
+          </p:cNvSpPr>
+          <p:nvPr>
+            <p:ph type="title"/>
+          </p:nvPr>
+        </p:nvSpPr>
+        <p:spPr/>
+        <p:txBody>
+          <a:bodyPr/>
+          <a:lstStyle/>
+          <a:p>
+            <a:r>
+              <a:rPr lang="en-US" dirty="0" err="1" smtClean="0"/>
+              <a:t>Github</a:t>
+            </a:r>
+            <a:endParaRPr lang="en-US" dirty="0"/>
+          </a:p>
+        </p:txBody>
+      </p:sp>
+      <p:sp>
+        <p:nvSpPr>
+          <p:cNvPr id="3" name="Content Placeholder 2"/>
+          <p:cNvSpPr>
+            <a:spLocks noGrp="1"/>
+          </p:cNvSpPr>
+          <p:nvPr>
+            <p:ph sz="half" idx="1"/>
+          </p:nvPr>
+        </p:nvSpPr>
+        <p:spPr/>
+        <p:txBody>
+          <a:bodyPr>
+            <a:normAutofit/>
+          </a:bodyPr>
+          <a:lstStyle/>
+          <a:p>
+            <a:pPr marL="0" indent="0">
+              <a:buNone/>
+            </a:pPr>
+            <a:r>
+              <a:rPr lang="en-US" dirty="0" smtClean="0"/>
+              <a:t>Good</a:t>
+            </a:r>
+          </a:p>
+          <a:p>
+            <a:r>
+              <a:rPr lang="en-US" dirty="0" smtClean="0"/>
+              <a:t>Useful for collaborators</a:t>
+            </a:r>
+          </a:p>
+          <a:p>
+            <a:r>
+              <a:rPr lang="en-US" dirty="0" smtClean="0"/>
+              <a:t>Showcase non-confidential work online</a:t>
+            </a:r>
+          </a:p>
+          <a:p>
+            <a:r>
+              <a:rPr lang="en-US" dirty="0" smtClean="0"/>
+              <a:t>Get it online, anywhere  </a:t>
+            </a:r>
+          </a:p>
+          <a:p>
+            <a:endParaRPr lang="en-US" dirty="0"/>
+          </a:p>
+        </p:txBody>
+      </p:sp>
+      <p:sp>
+        <p:nvSpPr>
+          <p:cNvPr id="4" name="Content Placeholder 3"/>
+          <p:cNvSpPr>
+            <a:spLocks noGrp="1"/>
+          </p:cNvSpPr>
+          <p:nvPr>
+            <p:ph sz="half" idx="2"/>
+          </p:nvPr>
+        </p:nvSpPr>
+        <p:spPr/>
+        <p:txBody>
+          <a:bodyPr>
+            <a:normAutofit/>
+          </a:bodyPr>
+          <a:lstStyle/>
+          <a:p>
+            <a:pPr marL="0" indent="0">
+              <a:buNone/>
+            </a:pPr>
+            <a:r>
+              <a:rPr lang="en-US" dirty="0" smtClean="0"/>
+              <a:t>Bad</a:t>
+            </a:r>
+          </a:p>
+          <a:p>
+            <a:r>
+              <a:rPr lang="en-US" dirty="0" smtClean="0"/>
+              <a:t>Limited allowance for privacy – free private account with .</a:t>
+            </a:r>
+            <a:r>
+              <a:rPr lang="en-US" dirty="0" err="1" smtClean="0"/>
+              <a:t>edu</a:t>
+            </a:r>
+            <a:r>
+              <a:rPr lang="en-US" dirty="0" smtClean="0"/>
+              <a:t> email for two years </a:t>
+            </a:r>
+          </a:p>
+          <a:p>
+            <a:r>
+              <a:rPr lang="en-US" dirty="0" smtClean="0"/>
+              <a:t>Steep learning curve</a:t>
+            </a:r>
+            <a:endParaRPr lang="en-US" dirty="0"/>
           </a:p>
         </p:txBody>
       </p:sp>
     </p:spTree>
     <p:extLst>
       <p:ext uri="{BB962C8B-B14F-4D97-AF65-F5344CB8AC3E}">
-        <p14:creationId xmlns:p14="http://schemas.microsoft.com/office/powerpoint/2010/main" val="3736762492"/>
+        <p14:creationId xmlns:p14="http://schemas.microsoft.com/office/powerpoint/2010/main" val="1969338732"/>
       </p:ext>
     </p:extLst>
   </p:cSld>
   <p:clrMapOvr>
     <a:masterClrMapping/>
   </p:clrMapOvr>
-  <p:timing>
-    <p:tnLst>
-      <p:par>
-        <p:cTn xmlns:p14="http://schemas.microsoft.com/office/powerpoint/2010/main" id="1" dur="indefinite" restart="never" nodeType="tmRoot"/>
-      </p:par>
-    </p:tnLst>
-  </p:timing>
 </p:sld>
 </file>
 
@@ -9205,344 +8935,172 @@
       </p:grpSpPr>
       <p:sp>
         <p:nvSpPr>
-          <p:cNvPr id="46082" name="Rectangle 2"/>
-          <p:cNvSpPr>
-            <a:spLocks noGrp="1" noChangeArrowheads="1"/>
-          </p:cNvSpPr>
-          <p:nvPr>
-            <p:ph type="ctrTitle"/>
-          </p:nvPr>
+          <p:cNvPr id="2" name="Title 1"/>
+          <p:cNvSpPr>
+            <a:spLocks noGrp="1"/>
+          </p:cNvSpPr>
+          <p:nvPr>
+            <p:ph type="title"/>
+          </p:nvPr>
+        </p:nvSpPr>
+        <p:spPr/>
+        <p:txBody>
+          <a:bodyPr/>
+          <a:lstStyle/>
+          <a:p>
+            <a:r>
+              <a:rPr lang="en-US" dirty="0" smtClean="0"/>
+              <a:t>Demo </a:t>
+            </a:r>
+            <a:endParaRPr lang="en-US" dirty="0"/>
+          </a:p>
+        </p:txBody>
+      </p:sp>
+      <p:sp>
+        <p:nvSpPr>
+          <p:cNvPr id="3" name="Content Placeholder 2"/>
+          <p:cNvSpPr>
+            <a:spLocks noGrp="1"/>
+          </p:cNvSpPr>
+          <p:nvPr>
+            <p:ph idx="1"/>
+          </p:nvPr>
+        </p:nvSpPr>
+        <p:spPr/>
+        <p:txBody>
+          <a:bodyPr>
+            <a:normAutofit lnSpcReduction="10000"/>
+          </a:bodyPr>
+          <a:lstStyle/>
+          <a:p>
+            <a:r>
+              <a:rPr lang="en-US" dirty="0" smtClean="0"/>
+              <a:t>Downloading and installing </a:t>
+            </a:r>
+            <a:r>
+              <a:rPr lang="en-US" dirty="0" err="1" smtClean="0"/>
+              <a:t>Git</a:t>
+            </a:r>
+            <a:r>
+              <a:rPr lang="en-US" dirty="0" smtClean="0"/>
+              <a:t> </a:t>
+            </a:r>
+          </a:p>
+          <a:p>
+            <a:r>
+              <a:rPr lang="en-US" dirty="0" smtClean="0"/>
+              <a:t>Creating a repository </a:t>
+            </a:r>
+          </a:p>
+          <a:p>
+            <a:r>
+              <a:rPr lang="en-US" dirty="0" smtClean="0"/>
+              <a:t>Cloning a repository</a:t>
+            </a:r>
+          </a:p>
+          <a:p>
+            <a:r>
+              <a:rPr lang="en-US" dirty="0" smtClean="0"/>
+              <a:t>Making commits </a:t>
+            </a:r>
+          </a:p>
+          <a:p>
+            <a:r>
+              <a:rPr lang="en-US" dirty="0" smtClean="0"/>
+              <a:t>Reverting a commit </a:t>
+            </a:r>
+          </a:p>
+          <a:p>
+            <a:r>
+              <a:rPr lang="en-US" dirty="0" smtClean="0"/>
+              <a:t>Making and pushing a branch</a:t>
+            </a:r>
+          </a:p>
+          <a:p>
+            <a:r>
+              <a:rPr lang="en-US" dirty="0" smtClean="0"/>
+              <a:t>Merging a branch with master </a:t>
+            </a:r>
+          </a:p>
+          <a:p>
+            <a:r>
+              <a:rPr lang="en-US" dirty="0" smtClean="0"/>
+              <a:t>Dealing with merge conflicts </a:t>
+            </a:r>
+          </a:p>
+          <a:p>
+            <a:endParaRPr lang="en-US" dirty="0"/>
+          </a:p>
+        </p:txBody>
+      </p:sp>
+      <p:sp>
+        <p:nvSpPr>
+          <p:cNvPr id="4" name="TextBox 3"/>
+          <p:cNvSpPr txBox="1"/>
+          <p:nvPr/>
         </p:nvSpPr>
         <p:spPr>
           <a:xfrm>
-            <a:off x="609600" y="685800"/>
-            <a:ext cx="7848600" cy="1143000"/>
+            <a:off x="259269" y="6340699"/>
+            <a:ext cx="7377569" cy="369332"/>
           </a:xfrm>
+          <a:prstGeom prst="rect">
+            <a:avLst/>
+          </a:prstGeom>
+          <a:noFill/>
         </p:spPr>
         <p:txBody>
-          <a:bodyPr/>
-          <a:lstStyle/>
-          <a:p>
-            <a:r>
-              <a:rPr lang="en-US" sz="4800" dirty="0">
-                <a:latin typeface="Trebuchet MS" charset="0"/>
-              </a:rPr>
-              <a:t>Write a header block</a:t>
-            </a:r>
-          </a:p>
-        </p:txBody>
-      </p:sp>
-      <p:sp>
-        <p:nvSpPr>
-          <p:cNvPr id="46084" name="Rectangle 4"/>
-          <p:cNvSpPr>
-            <a:spLocks noGrp="1" noChangeArrowheads="1"/>
-          </p:cNvSpPr>
-          <p:nvPr>
-            <p:ph type="subTitle" idx="1"/>
-          </p:nvPr>
-        </p:nvSpPr>
-        <p:spPr>
-          <a:xfrm>
-            <a:off x="142962" y="1981200"/>
-            <a:ext cx="8686800" cy="3962400"/>
-          </a:xfrm>
-        </p:spPr>
-        <p:txBody>
-          <a:bodyPr>
-            <a:normAutofit/>
+          <a:bodyPr wrap="square" rtlCol="0">
+            <a:spAutoFit/>
           </a:bodyPr>
           <a:lstStyle/>
           <a:p>
-            <a:pPr algn="l"/>
-            <a:endParaRPr lang="en-US" sz="2400" dirty="0">
-              <a:latin typeface="Trebuchet MS" charset="0"/>
-            </a:endParaRPr>
-          </a:p>
-          <a:p>
-            <a:pPr algn="l"/>
-            <a:r>
-              <a:rPr lang="en-US" sz="2400" dirty="0">
-                <a:solidFill>
-                  <a:schemeClr val="tx1"/>
-                </a:solidFill>
-                <a:latin typeface="American Typewriter"/>
-                <a:cs typeface="American Typewriter"/>
-              </a:rPr>
+            <a:r>
+              <a:rPr lang="en-US" dirty="0"/>
+              <a:t>https://</a:t>
+            </a:r>
+            <a:r>
+              <a:rPr lang="en-US" dirty="0" err="1"/>
+              <a:t>github.com</a:t>
+            </a:r>
+            <a:r>
+              <a:rPr lang="en-US" dirty="0"/>
               <a:t>/</a:t>
             </a:r>
             <a:r>
-              <a:rPr lang="en-US" sz="2400" dirty="0" smtClean="0">
-                <a:solidFill>
-                  <a:schemeClr val="tx1"/>
-                </a:solidFill>
-                <a:latin typeface="American Typewriter"/>
-                <a:cs typeface="American Typewriter"/>
-              </a:rPr>
-              <a:t>*</a:t>
-            </a:r>
-            <a:r>
-              <a:rPr lang="en-US" sz="2400" dirty="0">
-                <a:solidFill>
-                  <a:schemeClr val="tx1"/>
-                </a:solidFill>
-                <a:latin typeface="American Typewriter"/>
-                <a:cs typeface="American Typewriter"/>
-              </a:rPr>
-              <a:t>*************************************</a:t>
-            </a:r>
-            <a:r>
-              <a:rPr lang="en-US" sz="2400" dirty="0" smtClean="0">
-                <a:solidFill>
-                  <a:schemeClr val="tx1"/>
-                </a:solidFill>
-                <a:latin typeface="American Typewriter"/>
-                <a:cs typeface="American Typewriter"/>
-              </a:rPr>
-              <a:t>**</a:t>
-            </a:r>
-            <a:r>
-              <a:rPr lang="en-US" sz="2400" dirty="0">
-                <a:solidFill>
-                  <a:schemeClr val="tx1"/>
-                </a:solidFill>
-                <a:latin typeface="American Typewriter"/>
-                <a:cs typeface="American Typewriter"/>
-              </a:rPr>
-              <a:t>*</a:t>
-            </a:r>
-            <a:r>
-              <a:rPr lang="en-US" sz="2400" dirty="0" smtClean="0">
-                <a:solidFill>
-                  <a:schemeClr val="tx1"/>
-                </a:solidFill>
-                <a:latin typeface="American Typewriter"/>
-                <a:cs typeface="American Typewriter"/>
-              </a:rPr>
-              <a:t>*/</a:t>
-            </a:r>
-            <a:endParaRPr lang="en-US" sz="2400" dirty="0">
-              <a:solidFill>
-                <a:schemeClr val="tx1"/>
-              </a:solidFill>
-              <a:latin typeface="American Typewriter"/>
-              <a:cs typeface="American Typewriter"/>
-            </a:endParaRPr>
-          </a:p>
-          <a:p>
-            <a:pPr algn="l"/>
-            <a:r>
-              <a:rPr lang="en-US" sz="2400" dirty="0">
-                <a:solidFill>
-                  <a:schemeClr val="tx1"/>
-                </a:solidFill>
-                <a:latin typeface="American Typewriter"/>
-                <a:cs typeface="American Typewriter"/>
-              </a:rPr>
-              <a:t>/* 2-dimensional channel flow program                       </a:t>
-            </a:r>
-            <a:r>
-              <a:rPr lang="en-US" sz="2400" dirty="0" smtClean="0">
-                <a:solidFill>
-                  <a:schemeClr val="tx1"/>
-                </a:solidFill>
-                <a:latin typeface="American Typewriter"/>
-                <a:cs typeface="American Typewriter"/>
-              </a:rPr>
-              <a:t>        *</a:t>
-            </a:r>
-            <a:r>
-              <a:rPr lang="en-US" sz="2400" dirty="0">
-                <a:solidFill>
-                  <a:schemeClr val="tx1"/>
-                </a:solidFill>
-                <a:latin typeface="American Typewriter"/>
-                <a:cs typeface="American Typewriter"/>
-              </a:rPr>
+              <a:rPr lang="en-US" dirty="0" err="1"/>
+              <a:t>pysmo</a:t>
+            </a:r>
+            <a:r>
+              <a:rPr lang="en-US" dirty="0"/>
               <a:t>/</a:t>
             </a:r>
-          </a:p>
-          <a:p>
-            <a:pPr algn="l"/>
-            <a:r>
-              <a:rPr lang="en-US" sz="2400" dirty="0">
-                <a:solidFill>
-                  <a:schemeClr val="tx1"/>
-                </a:solidFill>
-                <a:latin typeface="American Typewriter"/>
-                <a:cs typeface="American Typewriter"/>
-              </a:rPr>
-              <a:t>/*   for channels with free upper surface                    </a:t>
-            </a:r>
-            <a:r>
-              <a:rPr lang="en-US" sz="2400" dirty="0" smtClean="0">
-                <a:solidFill>
-                  <a:schemeClr val="tx1"/>
-                </a:solidFill>
-                <a:latin typeface="American Typewriter"/>
-                <a:cs typeface="American Typewriter"/>
-              </a:rPr>
-              <a:t>          *</a:t>
-            </a:r>
-            <a:r>
-              <a:rPr lang="en-US" sz="2400" dirty="0">
-                <a:solidFill>
-                  <a:schemeClr val="tx1"/>
-                </a:solidFill>
-                <a:latin typeface="American Typewriter"/>
-                <a:cs typeface="American Typewriter"/>
-              </a:rPr>
-              <a:t>/</a:t>
-            </a:r>
-          </a:p>
-          <a:p>
-            <a:pPr algn="l"/>
-            <a:r>
-              <a:rPr lang="en-US" sz="2400" dirty="0">
-                <a:solidFill>
-                  <a:schemeClr val="tx1"/>
-                </a:solidFill>
-                <a:latin typeface="American Typewriter"/>
-                <a:cs typeface="American Typewriter"/>
-              </a:rPr>
-              <a:t>/*                                                                              </a:t>
-            </a:r>
-            <a:r>
-              <a:rPr lang="en-US" sz="2400" dirty="0" smtClean="0">
-                <a:solidFill>
-                  <a:schemeClr val="tx1"/>
-                </a:solidFill>
-                <a:latin typeface="American Typewriter"/>
-                <a:cs typeface="American Typewriter"/>
-              </a:rPr>
-              <a:t>                        *</a:t>
-            </a:r>
-            <a:r>
-              <a:rPr lang="en-US" sz="2400" dirty="0">
-                <a:solidFill>
-                  <a:schemeClr val="tx1"/>
-                </a:solidFill>
-                <a:latin typeface="American Typewriter"/>
-                <a:cs typeface="American Typewriter"/>
-              </a:rPr>
-              <a:t>/</a:t>
-            </a:r>
-          </a:p>
-          <a:p>
-            <a:pPr algn="l"/>
-            <a:r>
-              <a:rPr lang="en-US" sz="2400" dirty="0">
-                <a:solidFill>
-                  <a:schemeClr val="tx1"/>
-                </a:solidFill>
-                <a:latin typeface="American Typewriter"/>
-                <a:cs typeface="American Typewriter"/>
-              </a:rPr>
-              <a:t>/* Original by JD West, 01/08/2006                         </a:t>
-            </a:r>
-            <a:r>
-              <a:rPr lang="en-US" sz="2400" dirty="0" smtClean="0">
-                <a:solidFill>
-                  <a:schemeClr val="tx1"/>
-                </a:solidFill>
-                <a:latin typeface="American Typewriter"/>
-                <a:cs typeface="American Typewriter"/>
-              </a:rPr>
-              <a:t>             </a:t>
-            </a:r>
-            <a:r>
-              <a:rPr lang="en-US" sz="2400" dirty="0">
-                <a:solidFill>
-                  <a:schemeClr val="tx1"/>
-                </a:solidFill>
-                <a:latin typeface="American Typewriter"/>
-                <a:cs typeface="American Typewriter"/>
-              </a:rPr>
-              <a:t>*/</a:t>
-            </a:r>
-          </a:p>
-          <a:p>
-            <a:pPr algn="l"/>
-            <a:r>
-              <a:rPr lang="en-US" sz="2400" dirty="0">
-                <a:solidFill>
-                  <a:schemeClr val="tx1"/>
-                </a:solidFill>
-                <a:latin typeface="American Typewriter"/>
-                <a:cs typeface="American Typewriter"/>
-              </a:rPr>
-              <a:t>/* Modified 02/11/2007 to increase resolution          </a:t>
-            </a:r>
-            <a:r>
-              <a:rPr lang="en-US" sz="2400" dirty="0" smtClean="0">
-                <a:solidFill>
-                  <a:schemeClr val="tx1"/>
-                </a:solidFill>
-                <a:latin typeface="American Typewriter"/>
-                <a:cs typeface="American Typewriter"/>
-              </a:rPr>
-              <a:t>        </a:t>
-            </a:r>
-            <a:r>
-              <a:rPr lang="en-US" sz="2400" dirty="0">
-                <a:solidFill>
-                  <a:schemeClr val="tx1"/>
-                </a:solidFill>
-                <a:latin typeface="American Typewriter"/>
-                <a:cs typeface="American Typewriter"/>
-              </a:rPr>
-              <a:t>*/</a:t>
-            </a:r>
-          </a:p>
-          <a:p>
-            <a:pPr algn="l"/>
-            <a:r>
-              <a:rPr lang="en-US" sz="2400" dirty="0">
-                <a:solidFill>
-                  <a:schemeClr val="tx1"/>
-                </a:solidFill>
-                <a:latin typeface="American Typewriter"/>
-                <a:cs typeface="American Typewriter"/>
-              </a:rPr>
-              <a:t>/*****************************************</a:t>
-            </a:r>
-            <a:r>
-              <a:rPr lang="en-US" sz="2400" dirty="0" smtClean="0">
-                <a:solidFill>
-                  <a:schemeClr val="tx1"/>
-                </a:solidFill>
-                <a:latin typeface="American Typewriter"/>
-                <a:cs typeface="American Typewriter"/>
-              </a:rPr>
-              <a:t>*/</a:t>
-            </a:r>
-            <a:endParaRPr lang="en-US" sz="2400" dirty="0">
-              <a:solidFill>
-                <a:schemeClr val="tx1"/>
-              </a:solidFill>
-              <a:latin typeface="American Typewriter"/>
-              <a:cs typeface="American Typewriter"/>
-            </a:endParaRPr>
+            <a:r>
+              <a:rPr lang="en-US" dirty="0" err="1"/>
+              <a:t>aimbat</a:t>
+            </a:r>
+            <a:r>
+              <a:rPr lang="en-US" dirty="0"/>
+              <a:t>-docs/wiki/Introduction-to-</a:t>
+            </a:r>
+            <a:r>
+              <a:rPr lang="en-US" dirty="0" err="1"/>
+              <a:t>Github</a:t>
+            </a:r>
+            <a:endParaRPr lang="en-US" dirty="0"/>
           </a:p>
         </p:txBody>
       </p:sp>
     </p:spTree>
     <p:extLst>
       <p:ext uri="{BB962C8B-B14F-4D97-AF65-F5344CB8AC3E}">
-        <p14:creationId xmlns:p14="http://schemas.microsoft.com/office/powerpoint/2010/main" val="2842108130"/>
+        <p14:creationId xmlns:p14="http://schemas.microsoft.com/office/powerpoint/2010/main" val="1715454273"/>
       </p:ext>
     </p:extLst>
   </p:cSld>
   <p:clrMapOvr>
     <a:masterClrMapping/>
   </p:clrMapOvr>
-  <p:timing>
-    <p:tnLst>
-      <p:par>
-        <p:cTn xmlns:p14="http://schemas.microsoft.com/office/powerpoint/2010/main" id="1" dur="indefinite" restart="never" nodeType="tmRoot"/>
-      </p:par>
-    </p:tnLst>
-  </p:timing>
 </p:sld>
 </file>
 

--- a/BasicsOfCoding/BasicsOfCoding.pptx
+++ b/BasicsOfCoding/BasicsOfCoding.pptx
@@ -5,7 +5,7 @@
     <p:sldMasterId id="2147483648" r:id="rId1"/>
   </p:sldMasterIdLst>
   <p:notesMasterIdLst>
-    <p:notesMasterId r:id="rId40"/>
+    <p:notesMasterId r:id="rId35"/>
   </p:notesMasterIdLst>
   <p:sldIdLst>
     <p:sldId id="256" r:id="rId2"/>
@@ -17,35 +17,30 @@
     <p:sldId id="267" r:id="rId8"/>
     <p:sldId id="269" r:id="rId9"/>
     <p:sldId id="274" r:id="rId10"/>
-    <p:sldId id="302" r:id="rId11"/>
-    <p:sldId id="273" r:id="rId12"/>
-    <p:sldId id="301" r:id="rId13"/>
-    <p:sldId id="266" r:id="rId14"/>
-    <p:sldId id="286" r:id="rId15"/>
-    <p:sldId id="287" r:id="rId16"/>
-    <p:sldId id="279" r:id="rId17"/>
-    <p:sldId id="280" r:id="rId18"/>
-    <p:sldId id="292" r:id="rId19"/>
-    <p:sldId id="281" r:id="rId20"/>
-    <p:sldId id="282" r:id="rId21"/>
-    <p:sldId id="283" r:id="rId22"/>
-    <p:sldId id="284" r:id="rId23"/>
-    <p:sldId id="288" r:id="rId24"/>
-    <p:sldId id="289" r:id="rId25"/>
-    <p:sldId id="299" r:id="rId26"/>
-    <p:sldId id="277" r:id="rId27"/>
-    <p:sldId id="305" r:id="rId28"/>
-    <p:sldId id="303" r:id="rId29"/>
-    <p:sldId id="304" r:id="rId30"/>
-    <p:sldId id="278" r:id="rId31"/>
-    <p:sldId id="298" r:id="rId32"/>
-    <p:sldId id="275" r:id="rId33"/>
-    <p:sldId id="276" r:id="rId34"/>
-    <p:sldId id="290" r:id="rId35"/>
-    <p:sldId id="296" r:id="rId36"/>
-    <p:sldId id="295" r:id="rId37"/>
-    <p:sldId id="294" r:id="rId38"/>
-    <p:sldId id="293" r:id="rId39"/>
+    <p:sldId id="301" r:id="rId11"/>
+    <p:sldId id="266" r:id="rId12"/>
+    <p:sldId id="286" r:id="rId13"/>
+    <p:sldId id="287" r:id="rId14"/>
+    <p:sldId id="279" r:id="rId15"/>
+    <p:sldId id="280" r:id="rId16"/>
+    <p:sldId id="292" r:id="rId17"/>
+    <p:sldId id="281" r:id="rId18"/>
+    <p:sldId id="282" r:id="rId19"/>
+    <p:sldId id="283" r:id="rId20"/>
+    <p:sldId id="284" r:id="rId21"/>
+    <p:sldId id="288" r:id="rId22"/>
+    <p:sldId id="289" r:id="rId23"/>
+    <p:sldId id="299" r:id="rId24"/>
+    <p:sldId id="277" r:id="rId25"/>
+    <p:sldId id="305" r:id="rId26"/>
+    <p:sldId id="303" r:id="rId27"/>
+    <p:sldId id="304" r:id="rId28"/>
+    <p:sldId id="278" r:id="rId29"/>
+    <p:sldId id="298" r:id="rId30"/>
+    <p:sldId id="275" r:id="rId31"/>
+    <p:sldId id="276" r:id="rId32"/>
+    <p:sldId id="306" r:id="rId33"/>
+    <p:sldId id="290" r:id="rId34"/>
   </p:sldIdLst>
   <p:sldSz cx="9144000" cy="6858000" type="screen4x3"/>
   <p:notesSz cx="6858000" cy="9144000"/>
@@ -229,7 +224,7 @@
           <a:p>
             <a:fld id="{61D397DF-A733-5248-B82E-D2752A07DE73}" type="datetimeFigureOut">
               <a:rPr lang="en-US" smtClean="0"/>
-              <a:t>7/21/14</a:t>
+              <a:t>8/3/14</a:t>
             </a:fld>
             <a:endParaRPr lang="en-US"/>
           </a:p>
@@ -581,6 +576,370 @@
 </p:notes>
 </file>
 
+<file path=ppt/notesSlides/notesSlide2.xml><?xml version="1.0" encoding="utf-8"?>
+<p:notes xmlns:a="http://schemas.openxmlformats.org/drawingml/2006/main" xmlns:r="http://schemas.openxmlformats.org/officeDocument/2006/relationships" xmlns:p="http://schemas.openxmlformats.org/presentationml/2006/main">
+  <p:cSld>
+    <p:spTree>
+      <p:nvGrpSpPr>
+        <p:cNvPr id="1" name=""/>
+        <p:cNvGrpSpPr/>
+        <p:nvPr/>
+      </p:nvGrpSpPr>
+      <p:grpSpPr>
+        <a:xfrm>
+          <a:off x="0" y="0"/>
+          <a:ext cx="0" cy="0"/>
+          <a:chOff x="0" y="0"/>
+          <a:chExt cx="0" cy="0"/>
+        </a:xfrm>
+      </p:grpSpPr>
+      <p:sp>
+        <p:nvSpPr>
+          <p:cNvPr id="2" name="Slide Image Placeholder 1"/>
+          <p:cNvSpPr>
+            <a:spLocks noGrp="1" noRot="1" noChangeAspect="1"/>
+          </p:cNvSpPr>
+          <p:nvPr>
+            <p:ph type="sldImg"/>
+          </p:nvPr>
+        </p:nvSpPr>
+        <p:spPr/>
+      </p:sp>
+      <p:sp>
+        <p:nvSpPr>
+          <p:cNvPr id="3" name="Notes Placeholder 2"/>
+          <p:cNvSpPr>
+            <a:spLocks noGrp="1"/>
+          </p:cNvSpPr>
+          <p:nvPr>
+            <p:ph type="body" idx="1"/>
+          </p:nvPr>
+        </p:nvSpPr>
+        <p:spPr/>
+        <p:txBody>
+          <a:bodyPr/>
+          <a:lstStyle/>
+          <a:p>
+            <a:r>
+              <a:rPr lang="en-US" dirty="0" smtClean="0"/>
+              <a:t>John West</a:t>
+            </a:r>
+            <a:endParaRPr lang="en-US" dirty="0"/>
+          </a:p>
+        </p:txBody>
+      </p:sp>
+      <p:sp>
+        <p:nvSpPr>
+          <p:cNvPr id="4" name="Slide Number Placeholder 3"/>
+          <p:cNvSpPr>
+            <a:spLocks noGrp="1"/>
+          </p:cNvSpPr>
+          <p:nvPr>
+            <p:ph type="sldNum" sz="quarter" idx="10"/>
+          </p:nvPr>
+        </p:nvSpPr>
+        <p:spPr/>
+        <p:txBody>
+          <a:bodyPr/>
+          <a:lstStyle/>
+          <a:p>
+            <a:fld id="{D2A84381-3185-C147-A825-3C7E66594F36}" type="slidenum">
+              <a:rPr lang="en-US" smtClean="0"/>
+              <a:t>10</a:t>
+            </a:fld>
+            <a:endParaRPr lang="en-US"/>
+          </a:p>
+        </p:txBody>
+      </p:sp>
+    </p:spTree>
+    <p:extLst>
+      <p:ext uri="{BB962C8B-B14F-4D97-AF65-F5344CB8AC3E}">
+        <p14:creationId xmlns:p14="http://schemas.microsoft.com/office/powerpoint/2010/main" val="1114351439"/>
+      </p:ext>
+    </p:extLst>
+  </p:cSld>
+  <p:clrMapOvr>
+    <a:masterClrMapping/>
+  </p:clrMapOvr>
+</p:notes>
+</file>
+
+<file path=ppt/notesSlides/notesSlide3.xml><?xml version="1.0" encoding="utf-8"?>
+<p:notes xmlns:a="http://schemas.openxmlformats.org/drawingml/2006/main" xmlns:r="http://schemas.openxmlformats.org/officeDocument/2006/relationships" xmlns:p="http://schemas.openxmlformats.org/presentationml/2006/main">
+  <p:cSld>
+    <p:spTree>
+      <p:nvGrpSpPr>
+        <p:cNvPr id="1" name=""/>
+        <p:cNvGrpSpPr/>
+        <p:nvPr/>
+      </p:nvGrpSpPr>
+      <p:grpSpPr>
+        <a:xfrm>
+          <a:off x="0" y="0"/>
+          <a:ext cx="0" cy="0"/>
+          <a:chOff x="0" y="0"/>
+          <a:chExt cx="0" cy="0"/>
+        </a:xfrm>
+      </p:grpSpPr>
+      <p:sp>
+        <p:nvSpPr>
+          <p:cNvPr id="2" name="Slide Image Placeholder 1"/>
+          <p:cNvSpPr>
+            <a:spLocks noGrp="1" noRot="1" noChangeAspect="1"/>
+          </p:cNvSpPr>
+          <p:nvPr>
+            <p:ph type="sldImg"/>
+          </p:nvPr>
+        </p:nvSpPr>
+        <p:spPr/>
+      </p:sp>
+      <p:sp>
+        <p:nvSpPr>
+          <p:cNvPr id="3" name="Notes Placeholder 2"/>
+          <p:cNvSpPr>
+            <a:spLocks noGrp="1"/>
+          </p:cNvSpPr>
+          <p:nvPr>
+            <p:ph type="body" idx="1"/>
+          </p:nvPr>
+        </p:nvSpPr>
+        <p:spPr/>
+        <p:txBody>
+          <a:bodyPr/>
+          <a:lstStyle/>
+          <a:p>
+            <a:r>
+              <a:rPr lang="en-US" dirty="0" smtClean="0"/>
+              <a:t>More explicit: for software bugs or your</a:t>
+            </a:r>
+            <a:r>
+              <a:rPr lang="en-US" baseline="0" dirty="0" smtClean="0"/>
+              <a:t> own programming bugs?</a:t>
+            </a:r>
+            <a:endParaRPr lang="en-US" dirty="0"/>
+          </a:p>
+        </p:txBody>
+      </p:sp>
+      <p:sp>
+        <p:nvSpPr>
+          <p:cNvPr id="4" name="Slide Number Placeholder 3"/>
+          <p:cNvSpPr>
+            <a:spLocks noGrp="1"/>
+          </p:cNvSpPr>
+          <p:nvPr>
+            <p:ph type="sldNum" sz="quarter" idx="10"/>
+          </p:nvPr>
+        </p:nvSpPr>
+        <p:spPr/>
+        <p:txBody>
+          <a:bodyPr/>
+          <a:lstStyle/>
+          <a:p>
+            <a:fld id="{D2A84381-3185-C147-A825-3C7E66594F36}" type="slidenum">
+              <a:rPr lang="en-US" smtClean="0"/>
+              <a:t>28</a:t>
+            </a:fld>
+            <a:endParaRPr lang="en-US"/>
+          </a:p>
+        </p:txBody>
+      </p:sp>
+    </p:spTree>
+    <p:extLst>
+      <p:ext uri="{BB962C8B-B14F-4D97-AF65-F5344CB8AC3E}">
+        <p14:creationId xmlns:p14="http://schemas.microsoft.com/office/powerpoint/2010/main" val="2198081469"/>
+      </p:ext>
+    </p:extLst>
+  </p:cSld>
+  <p:clrMapOvr>
+    <a:masterClrMapping/>
+  </p:clrMapOvr>
+</p:notes>
+</file>
+
+<file path=ppt/notesSlides/notesSlide4.xml><?xml version="1.0" encoding="utf-8"?>
+<p:notes xmlns:a="http://schemas.openxmlformats.org/drawingml/2006/main" xmlns:r="http://schemas.openxmlformats.org/officeDocument/2006/relationships" xmlns:p="http://schemas.openxmlformats.org/presentationml/2006/main">
+  <p:cSld>
+    <p:spTree>
+      <p:nvGrpSpPr>
+        <p:cNvPr id="1" name=""/>
+        <p:cNvGrpSpPr/>
+        <p:nvPr/>
+      </p:nvGrpSpPr>
+      <p:grpSpPr>
+        <a:xfrm>
+          <a:off x="0" y="0"/>
+          <a:ext cx="0" cy="0"/>
+          <a:chOff x="0" y="0"/>
+          <a:chExt cx="0" cy="0"/>
+        </a:xfrm>
+      </p:grpSpPr>
+      <p:sp>
+        <p:nvSpPr>
+          <p:cNvPr id="2" name="Slide Image Placeholder 1"/>
+          <p:cNvSpPr>
+            <a:spLocks noGrp="1" noRot="1" noChangeAspect="1"/>
+          </p:cNvSpPr>
+          <p:nvPr>
+            <p:ph type="sldImg"/>
+          </p:nvPr>
+        </p:nvSpPr>
+        <p:spPr/>
+      </p:sp>
+      <p:sp>
+        <p:nvSpPr>
+          <p:cNvPr id="3" name="Notes Placeholder 2"/>
+          <p:cNvSpPr>
+            <a:spLocks noGrp="1"/>
+          </p:cNvSpPr>
+          <p:nvPr>
+            <p:ph type="body" idx="1"/>
+          </p:nvPr>
+        </p:nvSpPr>
+        <p:spPr/>
+        <p:txBody>
+          <a:bodyPr/>
+          <a:lstStyle/>
+          <a:p>
+            <a:r>
+              <a:rPr lang="en-US" dirty="0" smtClean="0"/>
+              <a:t>Refer to Emily</a:t>
+            </a:r>
+            <a:r>
+              <a:rPr lang="en-US" baseline="0" dirty="0" smtClean="0"/>
+              <a:t>’s talk (introduced yesterday)</a:t>
+            </a:r>
+            <a:endParaRPr lang="en-US" dirty="0"/>
+          </a:p>
+        </p:txBody>
+      </p:sp>
+      <p:sp>
+        <p:nvSpPr>
+          <p:cNvPr id="4" name="Slide Number Placeholder 3"/>
+          <p:cNvSpPr>
+            <a:spLocks noGrp="1"/>
+          </p:cNvSpPr>
+          <p:nvPr>
+            <p:ph type="sldNum" sz="quarter" idx="10"/>
+          </p:nvPr>
+        </p:nvSpPr>
+        <p:spPr/>
+        <p:txBody>
+          <a:bodyPr/>
+          <a:lstStyle/>
+          <a:p>
+            <a:fld id="{D2A84381-3185-C147-A825-3C7E66594F36}" type="slidenum">
+              <a:rPr lang="en-US" smtClean="0"/>
+              <a:t>30</a:t>
+            </a:fld>
+            <a:endParaRPr lang="en-US"/>
+          </a:p>
+        </p:txBody>
+      </p:sp>
+    </p:spTree>
+    <p:extLst>
+      <p:ext uri="{BB962C8B-B14F-4D97-AF65-F5344CB8AC3E}">
+        <p14:creationId xmlns:p14="http://schemas.microsoft.com/office/powerpoint/2010/main" val="1476032193"/>
+      </p:ext>
+    </p:extLst>
+  </p:cSld>
+  <p:clrMapOvr>
+    <a:masterClrMapping/>
+  </p:clrMapOvr>
+</p:notes>
+</file>
+
+<file path=ppt/notesSlides/notesSlide5.xml><?xml version="1.0" encoding="utf-8"?>
+<p:notes xmlns:a="http://schemas.openxmlformats.org/drawingml/2006/main" xmlns:r="http://schemas.openxmlformats.org/officeDocument/2006/relationships" xmlns:p="http://schemas.openxmlformats.org/presentationml/2006/main">
+  <p:cSld>
+    <p:spTree>
+      <p:nvGrpSpPr>
+        <p:cNvPr id="1" name=""/>
+        <p:cNvGrpSpPr/>
+        <p:nvPr/>
+      </p:nvGrpSpPr>
+      <p:grpSpPr>
+        <a:xfrm>
+          <a:off x="0" y="0"/>
+          <a:ext cx="0" cy="0"/>
+          <a:chOff x="0" y="0"/>
+          <a:chExt cx="0" cy="0"/>
+        </a:xfrm>
+      </p:grpSpPr>
+      <p:sp>
+        <p:nvSpPr>
+          <p:cNvPr id="2" name="Slide Image Placeholder 1"/>
+          <p:cNvSpPr>
+            <a:spLocks noGrp="1" noRot="1" noChangeAspect="1"/>
+          </p:cNvSpPr>
+          <p:nvPr>
+            <p:ph type="sldImg"/>
+          </p:nvPr>
+        </p:nvSpPr>
+        <p:spPr/>
+      </p:sp>
+      <p:sp>
+        <p:nvSpPr>
+          <p:cNvPr id="3" name="Notes Placeholder 2"/>
+          <p:cNvSpPr>
+            <a:spLocks noGrp="1"/>
+          </p:cNvSpPr>
+          <p:nvPr>
+            <p:ph type="body" idx="1"/>
+          </p:nvPr>
+        </p:nvSpPr>
+        <p:spPr/>
+        <p:txBody>
+          <a:bodyPr/>
+          <a:lstStyle/>
+          <a:p>
+            <a:r>
+              <a:rPr lang="en-US" dirty="0" smtClean="0"/>
+              <a:t>Give</a:t>
+            </a:r>
+            <a:r>
+              <a:rPr lang="en-US" baseline="0" dirty="0" smtClean="0"/>
+              <a:t> example, go through the lines</a:t>
+            </a:r>
+            <a:endParaRPr lang="en-US" dirty="0"/>
+          </a:p>
+        </p:txBody>
+      </p:sp>
+      <p:sp>
+        <p:nvSpPr>
+          <p:cNvPr id="4" name="Slide Number Placeholder 3"/>
+          <p:cNvSpPr>
+            <a:spLocks noGrp="1"/>
+          </p:cNvSpPr>
+          <p:nvPr>
+            <p:ph type="sldNum" sz="quarter" idx="10"/>
+          </p:nvPr>
+        </p:nvSpPr>
+        <p:spPr/>
+        <p:txBody>
+          <a:bodyPr/>
+          <a:lstStyle/>
+          <a:p>
+            <a:fld id="{D2A84381-3185-C147-A825-3C7E66594F36}" type="slidenum">
+              <a:rPr lang="en-US" smtClean="0"/>
+              <a:t>32</a:t>
+            </a:fld>
+            <a:endParaRPr lang="en-US"/>
+          </a:p>
+        </p:txBody>
+      </p:sp>
+    </p:spTree>
+    <p:extLst>
+      <p:ext uri="{BB962C8B-B14F-4D97-AF65-F5344CB8AC3E}">
+        <p14:creationId xmlns:p14="http://schemas.microsoft.com/office/powerpoint/2010/main" val="1611986300"/>
+      </p:ext>
+    </p:extLst>
+  </p:cSld>
+  <p:clrMapOvr>
+    <a:masterClrMapping/>
+  </p:clrMapOvr>
+</p:notes>
+</file>
+
 <file path=ppt/slideLayouts/slideLayout1.xml><?xml version="1.0" encoding="utf-8"?>
 <p:sldLayout xmlns:a="http://schemas.openxmlformats.org/drawingml/2006/main" xmlns:r="http://schemas.openxmlformats.org/officeDocument/2006/relationships" xmlns:p="http://schemas.openxmlformats.org/presentationml/2006/main" type="title" preserve="1">
   <p:cSld name="Title Slide">
@@ -762,7 +1121,7 @@
           <a:p>
             <a:fld id="{6EB5AF22-7E07-4B46-95AE-FB6A415E8F1F}" type="datetimeFigureOut">
               <a:rPr lang="en-US" smtClean="0"/>
-              <a:t>7/21/14</a:t>
+              <a:t>8/3/14</a:t>
             </a:fld>
             <a:endParaRPr lang="en-US"/>
           </a:p>
@@ -932,7 +1291,7 @@
           <a:p>
             <a:fld id="{6EB5AF22-7E07-4B46-95AE-FB6A415E8F1F}" type="datetimeFigureOut">
               <a:rPr lang="en-US" smtClean="0"/>
-              <a:t>7/21/14</a:t>
+              <a:t>8/3/14</a:t>
             </a:fld>
             <a:endParaRPr lang="en-US"/>
           </a:p>
@@ -1112,7 +1471,7 @@
           <a:p>
             <a:fld id="{6EB5AF22-7E07-4B46-95AE-FB6A415E8F1F}" type="datetimeFigureOut">
               <a:rPr lang="en-US" smtClean="0"/>
-              <a:t>7/21/14</a:t>
+              <a:t>8/3/14</a:t>
             </a:fld>
             <a:endParaRPr lang="en-US"/>
           </a:p>
@@ -1282,7 +1641,7 @@
           <a:p>
             <a:fld id="{6EB5AF22-7E07-4B46-95AE-FB6A415E8F1F}" type="datetimeFigureOut">
               <a:rPr lang="en-US" smtClean="0"/>
-              <a:t>7/21/14</a:t>
+              <a:t>8/3/14</a:t>
             </a:fld>
             <a:endParaRPr lang="en-US"/>
           </a:p>
@@ -1528,7 +1887,7 @@
           <a:p>
             <a:fld id="{6EB5AF22-7E07-4B46-95AE-FB6A415E8F1F}" type="datetimeFigureOut">
               <a:rPr lang="en-US" smtClean="0"/>
-              <a:t>7/21/14</a:t>
+              <a:t>8/3/14</a:t>
             </a:fld>
             <a:endParaRPr lang="en-US"/>
           </a:p>
@@ -1816,7 +2175,7 @@
           <a:p>
             <a:fld id="{6EB5AF22-7E07-4B46-95AE-FB6A415E8F1F}" type="datetimeFigureOut">
               <a:rPr lang="en-US" smtClean="0"/>
-              <a:t>7/21/14</a:t>
+              <a:t>8/3/14</a:t>
             </a:fld>
             <a:endParaRPr lang="en-US"/>
           </a:p>
@@ -2238,7 +2597,7 @@
           <a:p>
             <a:fld id="{6EB5AF22-7E07-4B46-95AE-FB6A415E8F1F}" type="datetimeFigureOut">
               <a:rPr lang="en-US" smtClean="0"/>
-              <a:t>7/21/14</a:t>
+              <a:t>8/3/14</a:t>
             </a:fld>
             <a:endParaRPr lang="en-US"/>
           </a:p>
@@ -2356,7 +2715,7 @@
           <a:p>
             <a:fld id="{6EB5AF22-7E07-4B46-95AE-FB6A415E8F1F}" type="datetimeFigureOut">
               <a:rPr lang="en-US" smtClean="0"/>
-              <a:t>7/21/14</a:t>
+              <a:t>8/3/14</a:t>
             </a:fld>
             <a:endParaRPr lang="en-US"/>
           </a:p>
@@ -2451,7 +2810,7 @@
           <a:p>
             <a:fld id="{6EB5AF22-7E07-4B46-95AE-FB6A415E8F1F}" type="datetimeFigureOut">
               <a:rPr lang="en-US" smtClean="0"/>
-              <a:t>7/21/14</a:t>
+              <a:t>8/3/14</a:t>
             </a:fld>
             <a:endParaRPr lang="en-US"/>
           </a:p>
@@ -2728,7 +3087,7 @@
           <a:p>
             <a:fld id="{6EB5AF22-7E07-4B46-95AE-FB6A415E8F1F}" type="datetimeFigureOut">
               <a:rPr lang="en-US" smtClean="0"/>
-              <a:t>7/21/14</a:t>
+              <a:t>8/3/14</a:t>
             </a:fld>
             <a:endParaRPr lang="en-US"/>
           </a:p>
@@ -2981,7 +3340,7 @@
           <a:p>
             <a:fld id="{6EB5AF22-7E07-4B46-95AE-FB6A415E8F1F}" type="datetimeFigureOut">
               <a:rPr lang="en-US" smtClean="0"/>
-              <a:t>7/21/14</a:t>
+              <a:t>8/3/14</a:t>
             </a:fld>
             <a:endParaRPr lang="en-US"/>
           </a:p>
@@ -3194,7 +3553,7 @@
           <a:p>
             <a:fld id="{6EB5AF22-7E07-4B46-95AE-FB6A415E8F1F}" type="datetimeFigureOut">
               <a:rPr lang="en-US" smtClean="0"/>
-              <a:t>7/21/14</a:t>
+              <a:t>8/3/14</a:t>
             </a:fld>
             <a:endParaRPr lang="en-US"/>
           </a:p>
@@ -3699,12 +4058,47 @@
       </p:grpSpPr>
       <p:sp>
         <p:nvSpPr>
-          <p:cNvPr id="2" name="Title 1"/>
-          <p:cNvSpPr>
-            <a:spLocks noGrp="1"/>
-          </p:cNvSpPr>
-          <p:nvPr>
-            <p:ph type="title"/>
+          <p:cNvPr id="3" name="Title 2"/>
+          <p:cNvSpPr>
+            <a:spLocks noGrp="1"/>
+          </p:cNvSpPr>
+          <p:nvPr>
+            <p:ph type="ctrTitle"/>
+          </p:nvPr>
+        </p:nvSpPr>
+        <p:spPr>
+          <a:solidFill>
+            <a:schemeClr val="tx1"/>
+          </a:solidFill>
+        </p:spPr>
+        <p:txBody>
+          <a:bodyPr/>
+          <a:lstStyle/>
+          <a:p>
+            <a:r>
+              <a:rPr lang="en-US" dirty="0" smtClean="0">
+                <a:solidFill>
+                  <a:srgbClr val="FFFFFF"/>
+                </a:solidFill>
+              </a:rPr>
+              <a:t>Coding Practices</a:t>
+            </a:r>
+            <a:endParaRPr lang="en-US" dirty="0">
+              <a:solidFill>
+                <a:srgbClr val="FFFFFF"/>
+              </a:solidFill>
+            </a:endParaRPr>
+          </a:p>
+        </p:txBody>
+      </p:sp>
+      <p:sp>
+        <p:nvSpPr>
+          <p:cNvPr id="4" name="Subtitle 3"/>
+          <p:cNvSpPr>
+            <a:spLocks noGrp="1"/>
+          </p:cNvSpPr>
+          <p:nvPr>
+            <p:ph type="subTitle" idx="1"/>
           </p:nvPr>
         </p:nvSpPr>
         <p:spPr/>
@@ -3712,48 +4106,14 @@
           <a:bodyPr/>
           <a:lstStyle/>
           <a:p>
-            <a:r>
-              <a:rPr lang="en-US" dirty="0" err="1" smtClean="0"/>
-              <a:t>Dropbox</a:t>
-            </a:r>
-            <a:endParaRPr lang="en-US" dirty="0"/>
-          </a:p>
-        </p:txBody>
-      </p:sp>
-      <p:pic>
-        <p:nvPicPr>
-          <p:cNvPr id="4" name="Picture 3" descr="Screen Shot 2014-07-21 at 10.03.04 PM.png"/>
-          <p:cNvPicPr>
-            <a:picLocks noChangeAspect="1"/>
-          </p:cNvPicPr>
-          <p:nvPr/>
-        </p:nvPicPr>
-        <p:blipFill>
-          <a:blip r:embed="rId2">
-            <a:extLst>
-              <a:ext uri="{28A0092B-C50C-407E-A947-70E740481C1C}">
-                <a14:useLocalDpi xmlns:a14="http://schemas.microsoft.com/office/drawing/2010/main" val="0"/>
-              </a:ext>
-            </a:extLst>
-          </a:blip>
-          <a:stretch>
-            <a:fillRect/>
-          </a:stretch>
-        </p:blipFill>
-        <p:spPr>
-          <a:xfrm>
-            <a:off x="890051" y="1417638"/>
-            <a:ext cx="7796749" cy="4607580"/>
-          </a:xfrm>
-          <a:prstGeom prst="rect">
-            <a:avLst/>
-          </a:prstGeom>
-        </p:spPr>
-      </p:pic>
+            <a:endParaRPr lang="en-US"/>
+          </a:p>
+        </p:txBody>
+      </p:sp>
     </p:spTree>
     <p:extLst>
       <p:ext uri="{BB962C8B-B14F-4D97-AF65-F5344CB8AC3E}">
-        <p14:creationId xmlns:p14="http://schemas.microsoft.com/office/powerpoint/2010/main" val="1137259717"/>
+        <p14:creationId xmlns:p14="http://schemas.microsoft.com/office/powerpoint/2010/main" val="2196298696"/>
       </p:ext>
     </p:extLst>
   </p:cSld>
@@ -3792,12 +4152,21 @@
         </p:nvSpPr>
         <p:spPr/>
         <p:txBody>
-          <a:bodyPr/>
-          <a:lstStyle/>
-          <a:p>
-            <a:r>
-              <a:rPr lang="en-US" dirty="0" smtClean="0"/>
-              <a:t>Hard drives</a:t>
+          <a:bodyPr>
+            <a:normAutofit fontScale="90000"/>
+          </a:bodyPr>
+          <a:lstStyle/>
+          <a:p>
+            <a:r>
+              <a:rPr lang="en-US" dirty="0" smtClean="0"/>
+              <a:t>Writing your own code … </a:t>
+            </a:r>
+            <a:br>
+              <a:rPr lang="en-US" dirty="0" smtClean="0"/>
+            </a:br>
+            <a:r>
+              <a:rPr lang="en-US" dirty="0" smtClean="0"/>
+              <a:t>Comments</a:t>
             </a:r>
             <a:endParaRPr lang="en-US" dirty="0"/>
           </a:p>
@@ -3810,7 +4179,7 @@
             <a:spLocks noGrp="1"/>
           </p:cNvSpPr>
           <p:nvPr>
-            <p:ph sz="half" idx="1"/>
+            <p:ph idx="1"/>
           </p:nvPr>
         </p:nvSpPr>
         <p:spPr/>
@@ -3818,103 +4187,18 @@
           <a:bodyPr/>
           <a:lstStyle/>
           <a:p>
-            <a:pPr marL="0" indent="0">
-              <a:buNone/>
-            </a:pPr>
-            <a:r>
-              <a:rPr lang="en-US" dirty="0" smtClean="0"/>
-              <a:t>Good</a:t>
-            </a:r>
-          </a:p>
-          <a:p>
-            <a:r>
-              <a:rPr lang="en-US" dirty="0" smtClean="0"/>
-              <a:t>Very cheap storage</a:t>
-            </a:r>
-          </a:p>
-          <a:p>
+            <a:r>
+              <a:rPr lang="en-US" dirty="0" smtClean="0"/>
+              <a:t>Describe the process, not the code</a:t>
+            </a:r>
             <a:endParaRPr lang="en-US" dirty="0"/>
           </a:p>
         </p:txBody>
       </p:sp>
-      <p:sp>
-        <p:nvSpPr>
-          <p:cNvPr id="4" name="Content Placeholder 3"/>
-          <p:cNvSpPr>
-            <a:spLocks noGrp="1"/>
-          </p:cNvSpPr>
-          <p:nvPr>
-            <p:ph sz="half" idx="2"/>
-          </p:nvPr>
-        </p:nvSpPr>
-        <p:spPr/>
-        <p:txBody>
-          <a:bodyPr/>
-          <a:lstStyle/>
-          <a:p>
-            <a:pPr marL="0" indent="0">
-              <a:buNone/>
-            </a:pPr>
-            <a:r>
-              <a:rPr lang="en-US" dirty="0" smtClean="0"/>
-              <a:t>Bad</a:t>
-            </a:r>
-          </a:p>
-          <a:p>
-            <a:r>
-              <a:rPr lang="en-US" dirty="0" smtClean="0"/>
-              <a:t>Inconvenient to backup</a:t>
-            </a:r>
-          </a:p>
-          <a:p>
-            <a:r>
-              <a:rPr lang="en-US" dirty="0" smtClean="0"/>
-              <a:t>Better for archived projects, not projects actively being developed </a:t>
-            </a:r>
-          </a:p>
-          <a:p>
-            <a:r>
-              <a:rPr lang="en-US" dirty="0" smtClean="0"/>
-              <a:t>Not on a cloud, but a physical device </a:t>
-            </a:r>
-            <a:endParaRPr lang="en-US" dirty="0"/>
-          </a:p>
-        </p:txBody>
-      </p:sp>
-      <p:pic>
-        <p:nvPicPr>
-          <p:cNvPr id="5" name="Picture 4" descr="Screen Shot 2014-07-10 at 10.11.23 PM.png"/>
-          <p:cNvPicPr>
-            <a:picLocks noChangeAspect="1"/>
-          </p:cNvPicPr>
-          <p:nvPr/>
-        </p:nvPicPr>
-        <p:blipFill>
-          <a:blip r:embed="rId2">
-            <a:extLst>
-              <a:ext uri="{28A0092B-C50C-407E-A947-70E740481C1C}">
-                <a14:useLocalDpi xmlns:a14="http://schemas.microsoft.com/office/drawing/2010/main" val="0"/>
-              </a:ext>
-            </a:extLst>
-          </a:blip>
-          <a:stretch>
-            <a:fillRect/>
-          </a:stretch>
-        </p:blipFill>
-        <p:spPr>
-          <a:xfrm>
-            <a:off x="175207" y="3603157"/>
-            <a:ext cx="4209985" cy="2523005"/>
-          </a:xfrm>
-          <a:prstGeom prst="rect">
-            <a:avLst/>
-          </a:prstGeom>
-        </p:spPr>
-      </p:pic>
     </p:spTree>
     <p:extLst>
       <p:ext uri="{BB962C8B-B14F-4D97-AF65-F5344CB8AC3E}">
-        <p14:creationId xmlns:p14="http://schemas.microsoft.com/office/powerpoint/2010/main" val="542090644"/>
+        <p14:creationId xmlns:p14="http://schemas.microsoft.com/office/powerpoint/2010/main" val="1963443038"/>
       </p:ext>
     </p:extLst>
   </p:cSld>
@@ -3943,68 +4227,227 @@
       </p:grpSpPr>
       <p:sp>
         <p:nvSpPr>
-          <p:cNvPr id="3" name="Title 2"/>
-          <p:cNvSpPr>
-            <a:spLocks noGrp="1"/>
-          </p:cNvSpPr>
-          <p:nvPr>
-            <p:ph type="ctrTitle"/>
+          <p:cNvPr id="33795" name="Rectangle 3"/>
+          <p:cNvSpPr>
+            <a:spLocks noGrp="1" noChangeArrowheads="1"/>
+          </p:cNvSpPr>
+          <p:nvPr>
+            <p:ph type="subTitle" idx="1"/>
           </p:nvPr>
         </p:nvSpPr>
         <p:spPr>
-          <a:solidFill>
-            <a:schemeClr val="tx1"/>
-          </a:solidFill>
+          <a:xfrm>
+            <a:off x="609600" y="990600"/>
+            <a:ext cx="8153400" cy="4953000"/>
+          </a:xfrm>
         </p:spPr>
         <p:txBody>
           <a:bodyPr/>
           <a:lstStyle/>
           <a:p>
+            <a:pPr algn="l"/>
+            <a:r>
+              <a:rPr lang="en-US" dirty="0">
+                <a:solidFill>
+                  <a:schemeClr val="tx1"/>
+                </a:solidFill>
+                <a:latin typeface="American Typewriter"/>
+                <a:cs typeface="American Typewriter"/>
+              </a:rPr>
+              <a:t>// step through the loop 100 times</a:t>
+            </a:r>
+          </a:p>
+          <a:p>
+            <a:pPr algn="l"/>
+            <a:r>
+              <a:rPr lang="en-US" dirty="0">
+                <a:solidFill>
+                  <a:schemeClr val="tx1"/>
+                </a:solidFill>
+                <a:latin typeface="American Typewriter"/>
+                <a:cs typeface="American Typewriter"/>
+              </a:rPr>
+              <a:t>// duh!</a:t>
+            </a:r>
+          </a:p>
+          <a:p>
+            <a:pPr algn="l"/>
+            <a:r>
+              <a:rPr lang="en-US" dirty="0">
+                <a:solidFill>
+                  <a:schemeClr val="tx1"/>
+                </a:solidFill>
+                <a:latin typeface="American Typewriter"/>
+                <a:cs typeface="American Typewriter"/>
+              </a:rPr>
+              <a:t>for (</a:t>
+            </a:r>
+            <a:r>
+              <a:rPr lang="en-US" dirty="0" err="1">
+                <a:solidFill>
+                  <a:schemeClr val="tx1"/>
+                </a:solidFill>
+                <a:latin typeface="American Typewriter"/>
+                <a:cs typeface="American Typewriter"/>
+              </a:rPr>
+              <a:t>i</a:t>
+            </a:r>
+            <a:r>
+              <a:rPr lang="en-US" dirty="0">
+                <a:solidFill>
+                  <a:schemeClr val="tx1"/>
+                </a:solidFill>
+                <a:latin typeface="American Typewriter"/>
+                <a:cs typeface="American Typewriter"/>
+              </a:rPr>
+              <a:t> = 1; </a:t>
+            </a:r>
+            <a:r>
+              <a:rPr lang="en-US" dirty="0" err="1">
+                <a:solidFill>
+                  <a:schemeClr val="tx1"/>
+                </a:solidFill>
+                <a:latin typeface="American Typewriter"/>
+                <a:cs typeface="American Typewriter"/>
+              </a:rPr>
+              <a:t>i</a:t>
+            </a:r>
+            <a:r>
+              <a:rPr lang="en-US" dirty="0">
+                <a:solidFill>
+                  <a:schemeClr val="tx1"/>
+                </a:solidFill>
+                <a:latin typeface="American Typewriter"/>
+                <a:cs typeface="American Typewriter"/>
+              </a:rPr>
+              <a:t> &lt;= 100; </a:t>
+            </a:r>
+            <a:r>
+              <a:rPr lang="en-US" dirty="0" err="1">
+                <a:solidFill>
+                  <a:schemeClr val="tx1"/>
+                </a:solidFill>
+                <a:latin typeface="American Typewriter"/>
+                <a:cs typeface="American Typewriter"/>
+              </a:rPr>
+              <a:t>i</a:t>
+            </a:r>
+            <a:r>
+              <a:rPr lang="en-US" dirty="0">
+                <a:solidFill>
+                  <a:schemeClr val="tx1"/>
+                </a:solidFill>
+                <a:latin typeface="American Typewriter"/>
+                <a:cs typeface="American Typewriter"/>
+              </a:rPr>
+              <a:t>++</a:t>
+            </a:r>
             <a:r>
               <a:rPr lang="en-US" dirty="0" smtClean="0">
                 <a:solidFill>
-                  <a:srgbClr val="FFFFFF"/>
-                </a:solidFill>
-              </a:rPr>
-              <a:t>Coding Practices</a:t>
+                  <a:schemeClr val="tx1"/>
+                </a:solidFill>
+                <a:latin typeface="American Typewriter"/>
+                <a:cs typeface="American Typewriter"/>
+              </a:rPr>
+              <a:t>) {</a:t>
             </a:r>
             <a:endParaRPr lang="en-US" dirty="0">
               <a:solidFill>
-                <a:srgbClr val="FFFFFF"/>
+                <a:schemeClr val="tx1"/>
               </a:solidFill>
+              <a:latin typeface="American Typewriter"/>
+              <a:cs typeface="American Typewriter"/>
             </a:endParaRPr>
           </a:p>
-        </p:txBody>
-      </p:sp>
-      <p:sp>
-        <p:nvSpPr>
-          <p:cNvPr id="4" name="Subtitle 3"/>
-          <p:cNvSpPr>
-            <a:spLocks noGrp="1"/>
-          </p:cNvSpPr>
-          <p:nvPr>
-            <p:ph type="subTitle" idx="1"/>
-          </p:nvPr>
-        </p:nvSpPr>
-        <p:spPr/>
-        <p:txBody>
-          <a:bodyPr/>
-          <a:lstStyle/>
-          <a:p>
-            <a:endParaRPr lang="en-US"/>
+          <a:p>
+            <a:pPr algn="l"/>
+            <a:r>
+              <a:rPr lang="en-US" dirty="0">
+                <a:solidFill>
+                  <a:schemeClr val="tx1"/>
+                </a:solidFill>
+                <a:latin typeface="American Typewriter"/>
+                <a:cs typeface="American Typewriter"/>
+              </a:rPr>
+              <a:t>	…</a:t>
+            </a:r>
+          </a:p>
+          <a:p>
+            <a:pPr algn="l"/>
+            <a:r>
+              <a:rPr lang="en-US" dirty="0">
+                <a:solidFill>
+                  <a:schemeClr val="tx1"/>
+                </a:solidFill>
+                <a:latin typeface="American Typewriter"/>
+                <a:cs typeface="American Typewriter"/>
+              </a:rPr>
+              <a:t>	…</a:t>
+            </a:r>
+          </a:p>
+          <a:p>
+            <a:pPr algn="l"/>
+            <a:r>
+              <a:rPr lang="en-US" dirty="0">
+                <a:solidFill>
+                  <a:schemeClr val="tx1"/>
+                </a:solidFill>
+                <a:latin typeface="American Typewriter"/>
+                <a:cs typeface="American Typewriter"/>
+              </a:rPr>
+              <a:t>	</a:t>
+            </a:r>
+            <a:r>
+              <a:rPr lang="en-US" dirty="0" smtClean="0">
+                <a:solidFill>
+                  <a:schemeClr val="tx1"/>
+                </a:solidFill>
+                <a:latin typeface="American Typewriter"/>
+                <a:cs typeface="American Typewriter"/>
+              </a:rPr>
+              <a:t>…</a:t>
+            </a:r>
+          </a:p>
+          <a:p>
+            <a:pPr algn="l"/>
+            <a:r>
+              <a:rPr lang="en-US" dirty="0" smtClean="0">
+                <a:solidFill>
+                  <a:schemeClr val="tx1"/>
+                </a:solidFill>
+                <a:latin typeface="American Typewriter"/>
+                <a:cs typeface="American Typewriter"/>
+              </a:rPr>
+              <a:t>}</a:t>
+            </a:r>
+            <a:endParaRPr lang="en-US" dirty="0">
+              <a:solidFill>
+                <a:schemeClr val="tx1"/>
+              </a:solidFill>
+              <a:latin typeface="American Typewriter"/>
+              <a:cs typeface="American Typewriter"/>
+            </a:endParaRPr>
           </a:p>
         </p:txBody>
       </p:sp>
     </p:spTree>
     <p:extLst>
       <p:ext uri="{BB962C8B-B14F-4D97-AF65-F5344CB8AC3E}">
-        <p14:creationId xmlns:p14="http://schemas.microsoft.com/office/powerpoint/2010/main" val="2196298696"/>
+        <p14:creationId xmlns:p14="http://schemas.microsoft.com/office/powerpoint/2010/main" val="984595479"/>
       </p:ext>
     </p:extLst>
   </p:cSld>
   <p:clrMapOvr>
     <a:masterClrMapping/>
   </p:clrMapOvr>
+  <p:timing>
+    <p:tnLst>
+      <p:par>
+        <p:cTn xmlns:p14="http://schemas.microsoft.com/office/powerpoint/2010/main" id="1" dur="indefinite" restart="never" nodeType="tmRoot"/>
+      </p:par>
+    </p:tnLst>
+  </p:timing>
 </p:sld>
 </file>
 
@@ -4027,69 +4470,226 @@
       </p:grpSpPr>
       <p:sp>
         <p:nvSpPr>
-          <p:cNvPr id="2" name="Title 1"/>
-          <p:cNvSpPr>
-            <a:spLocks noGrp="1"/>
-          </p:cNvSpPr>
-          <p:nvPr>
-            <p:ph type="title"/>
-          </p:nvPr>
-        </p:nvSpPr>
-        <p:spPr/>
-        <p:txBody>
-          <a:bodyPr>
-            <a:normAutofit fontScale="90000"/>
-          </a:bodyPr>
-          <a:lstStyle/>
-          <a:p>
-            <a:r>
-              <a:rPr lang="en-US" dirty="0" smtClean="0"/>
-              <a:t>Writing your own code … </a:t>
-            </a:r>
-            <a:br>
-              <a:rPr lang="en-US" dirty="0" smtClean="0"/>
-            </a:br>
-            <a:r>
-              <a:rPr lang="en-US" dirty="0" smtClean="0"/>
-              <a:t>Comments</a:t>
-            </a:r>
-            <a:endParaRPr lang="en-US" dirty="0"/>
-          </a:p>
-        </p:txBody>
-      </p:sp>
-      <p:sp>
-        <p:nvSpPr>
-          <p:cNvPr id="3" name="Content Placeholder 2"/>
-          <p:cNvSpPr>
-            <a:spLocks noGrp="1"/>
-          </p:cNvSpPr>
-          <p:nvPr>
-            <p:ph idx="1"/>
-          </p:nvPr>
-        </p:nvSpPr>
-        <p:spPr/>
-        <p:txBody>
-          <a:bodyPr/>
-          <a:lstStyle/>
-          <a:p>
-            <a:r>
-              <a:rPr lang="en-US" dirty="0" smtClean="0"/>
-              <a:t>Describe the process, not the code</a:t>
-            </a:r>
-            <a:endParaRPr lang="en-US" dirty="0"/>
+          <p:cNvPr id="35843" name="Rectangle 3"/>
+          <p:cNvSpPr>
+            <a:spLocks noGrp="1" noChangeArrowheads="1"/>
+          </p:cNvSpPr>
+          <p:nvPr>
+            <p:ph type="subTitle" idx="1"/>
+          </p:nvPr>
+        </p:nvSpPr>
+        <p:spPr>
+          <a:xfrm>
+            <a:off x="609600" y="990600"/>
+            <a:ext cx="8153400" cy="4953000"/>
+          </a:xfrm>
+        </p:spPr>
+        <p:txBody>
+          <a:bodyPr/>
+          <a:lstStyle/>
+          <a:p>
+            <a:pPr algn="l"/>
+            <a:r>
+              <a:rPr lang="en-US" dirty="0">
+                <a:solidFill>
+                  <a:schemeClr val="tx1"/>
+                </a:solidFill>
+                <a:latin typeface="American Typewriter"/>
+                <a:cs typeface="American Typewriter"/>
+              </a:rPr>
+              <a:t>// increment along the surface (x axis) </a:t>
+            </a:r>
+          </a:p>
+          <a:p>
+            <a:pPr algn="l"/>
+            <a:r>
+              <a:rPr lang="en-US" dirty="0">
+                <a:solidFill>
+                  <a:schemeClr val="tx1"/>
+                </a:solidFill>
+                <a:latin typeface="American Typewriter"/>
+                <a:cs typeface="American Typewriter"/>
+              </a:rPr>
+              <a:t>// summing each point</a:t>
+            </a:r>
+            <a:r>
+              <a:rPr lang="ja-JP" altLang="en-US" dirty="0">
+                <a:solidFill>
+                  <a:schemeClr val="tx1"/>
+                </a:solidFill>
+                <a:latin typeface="American Typewriter"/>
+                <a:cs typeface="American Typewriter"/>
+              </a:rPr>
+              <a:t>’</a:t>
+            </a:r>
+            <a:r>
+              <a:rPr lang="en-US" dirty="0">
+                <a:solidFill>
+                  <a:schemeClr val="tx1"/>
+                </a:solidFill>
+                <a:latin typeface="American Typewriter"/>
+                <a:cs typeface="American Typewriter"/>
+              </a:rPr>
+              <a:t>s contribution</a:t>
+            </a:r>
+          </a:p>
+          <a:p>
+            <a:pPr algn="l"/>
+            <a:r>
+              <a:rPr lang="en-US" dirty="0">
+                <a:solidFill>
+                  <a:schemeClr val="tx1"/>
+                </a:solidFill>
+                <a:latin typeface="American Typewriter"/>
+                <a:cs typeface="American Typewriter"/>
+              </a:rPr>
+              <a:t>for (</a:t>
+            </a:r>
+            <a:r>
+              <a:rPr lang="en-US" dirty="0" err="1">
+                <a:solidFill>
+                  <a:schemeClr val="tx1"/>
+                </a:solidFill>
+                <a:latin typeface="American Typewriter"/>
+                <a:cs typeface="American Typewriter"/>
+              </a:rPr>
+              <a:t>i</a:t>
+            </a:r>
+            <a:r>
+              <a:rPr lang="en-US" dirty="0">
+                <a:solidFill>
+                  <a:schemeClr val="tx1"/>
+                </a:solidFill>
+                <a:latin typeface="American Typewriter"/>
+                <a:cs typeface="American Typewriter"/>
+              </a:rPr>
+              <a:t> = 1; </a:t>
+            </a:r>
+            <a:r>
+              <a:rPr lang="en-US" dirty="0" err="1">
+                <a:solidFill>
+                  <a:schemeClr val="tx1"/>
+                </a:solidFill>
+                <a:latin typeface="American Typewriter"/>
+                <a:cs typeface="American Typewriter"/>
+              </a:rPr>
+              <a:t>i</a:t>
+            </a:r>
+            <a:r>
+              <a:rPr lang="en-US" dirty="0">
+                <a:solidFill>
+                  <a:schemeClr val="tx1"/>
+                </a:solidFill>
+                <a:latin typeface="American Typewriter"/>
+                <a:cs typeface="American Typewriter"/>
+              </a:rPr>
+              <a:t> &lt;= 100; </a:t>
+            </a:r>
+            <a:r>
+              <a:rPr lang="en-US" dirty="0" err="1">
+                <a:solidFill>
+                  <a:schemeClr val="tx1"/>
+                </a:solidFill>
+                <a:latin typeface="American Typewriter"/>
+                <a:cs typeface="American Typewriter"/>
+              </a:rPr>
+              <a:t>i</a:t>
+            </a:r>
+            <a:r>
+              <a:rPr lang="en-US" dirty="0">
+                <a:solidFill>
+                  <a:schemeClr val="tx1"/>
+                </a:solidFill>
+                <a:latin typeface="American Typewriter"/>
+                <a:cs typeface="American Typewriter"/>
+              </a:rPr>
+              <a:t>++)</a:t>
+            </a:r>
+          </a:p>
+          <a:p>
+            <a:pPr algn="l"/>
+            <a:r>
+              <a:rPr lang="en-US" dirty="0">
+                <a:solidFill>
+                  <a:schemeClr val="tx1"/>
+                </a:solidFill>
+                <a:latin typeface="American Typewriter"/>
+                <a:cs typeface="American Typewriter"/>
+              </a:rPr>
+              <a:t>	{</a:t>
+            </a:r>
+          </a:p>
+          <a:p>
+            <a:pPr algn="l"/>
+            <a:r>
+              <a:rPr lang="en-US" dirty="0">
+                <a:solidFill>
+                  <a:schemeClr val="tx1"/>
+                </a:solidFill>
+                <a:latin typeface="American Typewriter"/>
+                <a:cs typeface="American Typewriter"/>
+              </a:rPr>
+              <a:t>	…</a:t>
+            </a:r>
+          </a:p>
+          <a:p>
+            <a:pPr algn="l"/>
+            <a:r>
+              <a:rPr lang="en-US" dirty="0">
+                <a:solidFill>
+                  <a:schemeClr val="tx1"/>
+                </a:solidFill>
+                <a:latin typeface="American Typewriter"/>
+                <a:cs typeface="American Typewriter"/>
+              </a:rPr>
+              <a:t>	…</a:t>
+            </a:r>
+          </a:p>
+          <a:p>
+            <a:pPr algn="l"/>
+            <a:r>
+              <a:rPr lang="en-US" dirty="0">
+                <a:solidFill>
+                  <a:schemeClr val="tx1"/>
+                </a:solidFill>
+                <a:latin typeface="American Typewriter"/>
+                <a:cs typeface="American Typewriter"/>
+              </a:rPr>
+              <a:t>	…</a:t>
+            </a:r>
+          </a:p>
+          <a:p>
+            <a:pPr algn="l"/>
+            <a:r>
+              <a:rPr lang="en-US" dirty="0">
+                <a:solidFill>
+                  <a:schemeClr val="tx1"/>
+                </a:solidFill>
+                <a:latin typeface="American Typewriter"/>
+                <a:cs typeface="American Typewriter"/>
+              </a:rPr>
+              <a:t>	}</a:t>
+            </a:r>
           </a:p>
         </p:txBody>
       </p:sp>
     </p:spTree>
     <p:extLst>
       <p:ext uri="{BB962C8B-B14F-4D97-AF65-F5344CB8AC3E}">
-        <p14:creationId xmlns:p14="http://schemas.microsoft.com/office/powerpoint/2010/main" val="1963443038"/>
+        <p14:creationId xmlns:p14="http://schemas.microsoft.com/office/powerpoint/2010/main" val="3736762492"/>
       </p:ext>
     </p:extLst>
   </p:cSld>
   <p:clrMapOvr>
     <a:masterClrMapping/>
   </p:clrMapOvr>
+  <p:timing>
+    <p:tnLst>
+      <p:par>
+        <p:cTn xmlns:p14="http://schemas.microsoft.com/office/powerpoint/2010/main" id="1" dur="indefinite" restart="never" nodeType="tmRoot"/>
+      </p:par>
+    </p:tnLst>
+  </p:timing>
 </p:sld>
 </file>
 
@@ -4112,132 +4712,123 @@
       </p:grpSpPr>
       <p:sp>
         <p:nvSpPr>
-          <p:cNvPr id="33795" name="Rectangle 3"/>
+          <p:cNvPr id="46082" name="Rectangle 2"/>
           <p:cNvSpPr>
             <a:spLocks noGrp="1" noChangeArrowheads="1"/>
           </p:cNvSpPr>
           <p:nvPr>
-            <p:ph type="subTitle" idx="1"/>
+            <p:ph type="ctrTitle"/>
           </p:nvPr>
         </p:nvSpPr>
         <p:spPr>
           <a:xfrm>
-            <a:off x="609600" y="990600"/>
-            <a:ext cx="8153400" cy="4953000"/>
+            <a:off x="609600" y="685800"/>
+            <a:ext cx="7848600" cy="1143000"/>
           </a:xfrm>
         </p:spPr>
         <p:txBody>
           <a:bodyPr/>
           <a:lstStyle/>
           <a:p>
+            <a:r>
+              <a:rPr lang="en-US" sz="4800" dirty="0">
+                <a:latin typeface="Trebuchet MS" charset="0"/>
+              </a:rPr>
+              <a:t>Write a header block</a:t>
+            </a:r>
+          </a:p>
+        </p:txBody>
+      </p:sp>
+      <p:sp>
+        <p:nvSpPr>
+          <p:cNvPr id="46084" name="Rectangle 4"/>
+          <p:cNvSpPr>
+            <a:spLocks noGrp="1" noChangeArrowheads="1"/>
+          </p:cNvSpPr>
+          <p:nvPr>
+            <p:ph type="subTitle" idx="1"/>
+          </p:nvPr>
+        </p:nvSpPr>
+        <p:spPr>
+          <a:xfrm>
+            <a:off x="142962" y="1981200"/>
+            <a:ext cx="8686800" cy="3962400"/>
+          </a:xfrm>
+        </p:spPr>
+        <p:txBody>
+          <a:bodyPr>
+            <a:normAutofit/>
+          </a:bodyPr>
+          <a:lstStyle/>
+          <a:p>
             <a:pPr algn="l"/>
-            <a:r>
-              <a:rPr lang="en-US" dirty="0">
-                <a:solidFill>
-                  <a:schemeClr val="tx1"/>
-                </a:solidFill>
-                <a:latin typeface="American Typewriter"/>
-                <a:cs typeface="American Typewriter"/>
-              </a:rPr>
-              <a:t>// step through the loop 100 times</a:t>
-            </a:r>
+            <a:endParaRPr lang="en-US" sz="2400" dirty="0">
+              <a:latin typeface="Trebuchet MS" charset="0"/>
+            </a:endParaRPr>
           </a:p>
           <a:p>
             <a:pPr algn="l"/>
             <a:r>
-              <a:rPr lang="en-US" dirty="0">
-                <a:solidFill>
-                  <a:schemeClr val="tx1"/>
-                </a:solidFill>
-                <a:latin typeface="American Typewriter"/>
-                <a:cs typeface="American Typewriter"/>
-              </a:rPr>
-              <a:t>// duh!</a:t>
-            </a:r>
-          </a:p>
-          <a:p>
-            <a:pPr algn="l"/>
-            <a:r>
-              <a:rPr lang="en-US" dirty="0">
-                <a:solidFill>
-                  <a:schemeClr val="tx1"/>
-                </a:solidFill>
-                <a:latin typeface="American Typewriter"/>
-                <a:cs typeface="American Typewriter"/>
-              </a:rPr>
-              <a:t>for (</a:t>
-            </a:r>
-            <a:r>
-              <a:rPr lang="en-US" dirty="0" err="1">
-                <a:solidFill>
-                  <a:schemeClr val="tx1"/>
-                </a:solidFill>
-                <a:latin typeface="American Typewriter"/>
-                <a:cs typeface="American Typewriter"/>
-              </a:rPr>
-              <a:t>i</a:t>
-            </a:r>
-            <a:r>
-              <a:rPr lang="en-US" dirty="0">
-                <a:solidFill>
-                  <a:schemeClr val="tx1"/>
-                </a:solidFill>
-                <a:latin typeface="American Typewriter"/>
-                <a:cs typeface="American Typewriter"/>
-              </a:rPr>
-              <a:t> = 1; </a:t>
-            </a:r>
-            <a:r>
-              <a:rPr lang="en-US" dirty="0" err="1">
-                <a:solidFill>
-                  <a:schemeClr val="tx1"/>
-                </a:solidFill>
-                <a:latin typeface="American Typewriter"/>
-                <a:cs typeface="American Typewriter"/>
-              </a:rPr>
-              <a:t>i</a:t>
-            </a:r>
-            <a:r>
-              <a:rPr lang="en-US" dirty="0">
-                <a:solidFill>
-                  <a:schemeClr val="tx1"/>
-                </a:solidFill>
-                <a:latin typeface="American Typewriter"/>
-                <a:cs typeface="American Typewriter"/>
-              </a:rPr>
-              <a:t> &lt;= 100; </a:t>
-            </a:r>
-            <a:r>
-              <a:rPr lang="en-US" dirty="0" err="1">
-                <a:solidFill>
-                  <a:schemeClr val="tx1"/>
-                </a:solidFill>
-                <a:latin typeface="American Typewriter"/>
-                <a:cs typeface="American Typewriter"/>
-              </a:rPr>
-              <a:t>i</a:t>
-            </a:r>
-            <a:r>
-              <a:rPr lang="en-US" dirty="0">
-                <a:solidFill>
-                  <a:schemeClr val="tx1"/>
-                </a:solidFill>
-                <a:latin typeface="American Typewriter"/>
-                <a:cs typeface="American Typewriter"/>
-              </a:rPr>
-              <a:t>++</a:t>
-            </a:r>
-            <a:r>
-              <a:rPr lang="en-US" dirty="0" smtClean="0">
-                <a:solidFill>
-                  <a:schemeClr val="tx1"/>
-                </a:solidFill>
-                <a:latin typeface="American Typewriter"/>
-                <a:cs typeface="American Typewriter"/>
-              </a:rPr>
-              <a:t>) {</a:t>
-            </a:r>
-            <a:endParaRPr lang="en-US" dirty="0">
+              <a:rPr lang="en-US" sz="2400" dirty="0">
+                <a:solidFill>
+                  <a:schemeClr val="tx1"/>
+                </a:solidFill>
+                <a:latin typeface="American Typewriter"/>
+                <a:cs typeface="American Typewriter"/>
+              </a:rPr>
+              <a:t>/</a:t>
+            </a:r>
+            <a:r>
+              <a:rPr lang="en-US" sz="2400" dirty="0" smtClean="0">
+                <a:solidFill>
+                  <a:schemeClr val="tx1"/>
+                </a:solidFill>
+                <a:latin typeface="American Typewriter"/>
+                <a:cs typeface="American Typewriter"/>
+              </a:rPr>
+              <a:t>*</a:t>
+            </a:r>
+            <a:r>
+              <a:rPr lang="en-US" sz="2400" dirty="0">
+                <a:solidFill>
+                  <a:schemeClr val="tx1"/>
+                </a:solidFill>
+                <a:latin typeface="American Typewriter"/>
+                <a:cs typeface="American Typewriter"/>
+              </a:rPr>
+              <a:t>*************************************</a:t>
+            </a:r>
+            <a:r>
+              <a:rPr lang="en-US" sz="2400" dirty="0" smtClean="0">
+                <a:solidFill>
+                  <a:schemeClr val="tx1"/>
+                </a:solidFill>
+                <a:latin typeface="American Typewriter"/>
+                <a:cs typeface="American Typewriter"/>
+              </a:rPr>
+              <a:t>**</a:t>
+            </a:r>
+            <a:r>
+              <a:rPr lang="en-US" sz="2400" dirty="0">
+                <a:solidFill>
+                  <a:schemeClr val="tx1"/>
+                </a:solidFill>
+                <a:latin typeface="American Typewriter"/>
+                <a:cs typeface="American Typewriter"/>
+              </a:rPr>
+              <a:t>*</a:t>
+            </a:r>
+            <a:r>
+              <a:rPr lang="en-US" sz="2400" dirty="0" smtClean="0">
+                <a:solidFill>
+                  <a:schemeClr val="tx1"/>
+                </a:solidFill>
+                <a:latin typeface="American Typewriter"/>
+                <a:cs typeface="American Typewriter"/>
+              </a:rPr>
+              <a:t>*/</a:t>
+            </a:r>
+            <a:endParaRPr lang="en-US" sz="2400" dirty="0">
               <a:solidFill>
                 <a:schemeClr val="tx1"/>
               </a:solidFill>
@@ -4248,65 +4839,191 @@
           <a:p>
             <a:pPr algn="l"/>
             <a:r>
-              <a:rPr lang="en-US" dirty="0">
-                <a:solidFill>
-                  <a:schemeClr val="tx1"/>
-                </a:solidFill>
-                <a:latin typeface="American Typewriter"/>
-                <a:cs typeface="American Typewriter"/>
-              </a:rPr>
-              <a:t>	…</a:t>
+              <a:rPr lang="en-US" sz="2400" dirty="0">
+                <a:solidFill>
+                  <a:schemeClr val="tx1"/>
+                </a:solidFill>
+                <a:latin typeface="American Typewriter"/>
+                <a:cs typeface="American Typewriter"/>
+              </a:rPr>
+              <a:t>/* 2-dimensional channel flow program                       </a:t>
+            </a:r>
+            <a:r>
+              <a:rPr lang="en-US" sz="2400" dirty="0" smtClean="0">
+                <a:solidFill>
+                  <a:schemeClr val="tx1"/>
+                </a:solidFill>
+                <a:latin typeface="American Typewriter"/>
+                <a:cs typeface="American Typewriter"/>
+              </a:rPr>
+              <a:t>        *</a:t>
+            </a:r>
+            <a:r>
+              <a:rPr lang="en-US" sz="2400" dirty="0">
+                <a:solidFill>
+                  <a:schemeClr val="tx1"/>
+                </a:solidFill>
+                <a:latin typeface="American Typewriter"/>
+                <a:cs typeface="American Typewriter"/>
+              </a:rPr>
+              <a:t>/</a:t>
             </a:r>
           </a:p>
           <a:p>
             <a:pPr algn="l"/>
             <a:r>
-              <a:rPr lang="en-US" dirty="0">
-                <a:solidFill>
-                  <a:schemeClr val="tx1"/>
-                </a:solidFill>
-                <a:latin typeface="American Typewriter"/>
-                <a:cs typeface="American Typewriter"/>
-              </a:rPr>
-              <a:t>	…</a:t>
+              <a:rPr lang="en-US" sz="2400" dirty="0">
+                <a:solidFill>
+                  <a:schemeClr val="tx1"/>
+                </a:solidFill>
+                <a:latin typeface="American Typewriter"/>
+                <a:cs typeface="American Typewriter"/>
+              </a:rPr>
+              <a:t>/*   for channels with free upper surface                    </a:t>
+            </a:r>
+            <a:r>
+              <a:rPr lang="en-US" sz="2400" dirty="0" smtClean="0">
+                <a:solidFill>
+                  <a:schemeClr val="tx1"/>
+                </a:solidFill>
+                <a:latin typeface="American Typewriter"/>
+                <a:cs typeface="American Typewriter"/>
+              </a:rPr>
+              <a:t>          *</a:t>
+            </a:r>
+            <a:r>
+              <a:rPr lang="en-US" sz="2400" dirty="0">
+                <a:solidFill>
+                  <a:schemeClr val="tx1"/>
+                </a:solidFill>
+                <a:latin typeface="American Typewriter"/>
+                <a:cs typeface="American Typewriter"/>
+              </a:rPr>
+              <a:t>/</a:t>
             </a:r>
           </a:p>
           <a:p>
             <a:pPr algn="l"/>
             <a:r>
-              <a:rPr lang="en-US" dirty="0">
-                <a:solidFill>
-                  <a:schemeClr val="tx1"/>
-                </a:solidFill>
-                <a:latin typeface="American Typewriter"/>
-                <a:cs typeface="American Typewriter"/>
-              </a:rPr>
-              <a:t>	</a:t>
-            </a:r>
-            <a:r>
-              <a:rPr lang="en-US" dirty="0" smtClean="0">
-                <a:solidFill>
-                  <a:schemeClr val="tx1"/>
-                </a:solidFill>
-                <a:latin typeface="American Typewriter"/>
-                <a:cs typeface="American Typewriter"/>
-              </a:rPr>
-              <a:t>…</a:t>
+              <a:rPr lang="en-US" sz="2400" dirty="0">
+                <a:solidFill>
+                  <a:schemeClr val="tx1"/>
+                </a:solidFill>
+                <a:latin typeface="American Typewriter"/>
+                <a:cs typeface="American Typewriter"/>
+              </a:rPr>
+              <a:t>/*                                                                              </a:t>
+            </a:r>
+            <a:r>
+              <a:rPr lang="en-US" sz="2400" dirty="0" smtClean="0">
+                <a:solidFill>
+                  <a:schemeClr val="tx1"/>
+                </a:solidFill>
+                <a:latin typeface="American Typewriter"/>
+                <a:cs typeface="American Typewriter"/>
+              </a:rPr>
+              <a:t>                        *</a:t>
+            </a:r>
+            <a:r>
+              <a:rPr lang="en-US" sz="2400" dirty="0">
+                <a:solidFill>
+                  <a:schemeClr val="tx1"/>
+                </a:solidFill>
+                <a:latin typeface="American Typewriter"/>
+                <a:cs typeface="American Typewriter"/>
+              </a:rPr>
+              <a:t>/</a:t>
             </a:r>
           </a:p>
           <a:p>
             <a:pPr algn="l"/>
             <a:r>
-              <a:rPr lang="en-US" dirty="0" smtClean="0">
-                <a:solidFill>
-                  <a:schemeClr val="tx1"/>
-                </a:solidFill>
-                <a:latin typeface="American Typewriter"/>
-                <a:cs typeface="American Typewriter"/>
-              </a:rPr>
-              <a:t>}</a:t>
-            </a:r>
-            <a:endParaRPr lang="en-US" dirty="0">
+              <a:rPr lang="en-US" sz="2400" dirty="0">
+                <a:solidFill>
+                  <a:schemeClr val="tx1"/>
+                </a:solidFill>
+                <a:latin typeface="American Typewriter"/>
+                <a:cs typeface="American Typewriter"/>
+              </a:rPr>
+              <a:t>/* Original by JD West, 01/08/2006                         </a:t>
+            </a:r>
+            <a:r>
+              <a:rPr lang="en-US" sz="2400" dirty="0" smtClean="0">
+                <a:solidFill>
+                  <a:schemeClr val="tx1"/>
+                </a:solidFill>
+                <a:latin typeface="American Typewriter"/>
+                <a:cs typeface="American Typewriter"/>
+              </a:rPr>
+              <a:t>             </a:t>
+            </a:r>
+            <a:r>
+              <a:rPr lang="en-US" sz="2400" dirty="0">
+                <a:solidFill>
+                  <a:schemeClr val="tx1"/>
+                </a:solidFill>
+                <a:latin typeface="American Typewriter"/>
+                <a:cs typeface="American Typewriter"/>
+              </a:rPr>
+              <a:t>*/</a:t>
+            </a:r>
+          </a:p>
+          <a:p>
+            <a:pPr algn="l"/>
+            <a:r>
+              <a:rPr lang="en-US" sz="2400" dirty="0">
+                <a:solidFill>
+                  <a:schemeClr val="tx1"/>
+                </a:solidFill>
+                <a:latin typeface="American Typewriter"/>
+                <a:cs typeface="American Typewriter"/>
+              </a:rPr>
+              <a:t>/* Modified 02/11/2007 to increase resolution          </a:t>
+            </a:r>
+            <a:r>
+              <a:rPr lang="en-US" sz="2400" dirty="0" smtClean="0">
+                <a:solidFill>
+                  <a:schemeClr val="tx1"/>
+                </a:solidFill>
+                <a:latin typeface="American Typewriter"/>
+                <a:cs typeface="American Typewriter"/>
+              </a:rPr>
+              <a:t>        </a:t>
+            </a:r>
+            <a:r>
+              <a:rPr lang="en-US" sz="2400" dirty="0">
+                <a:solidFill>
+                  <a:schemeClr val="tx1"/>
+                </a:solidFill>
+                <a:latin typeface="American Typewriter"/>
+                <a:cs typeface="American Typewriter"/>
+              </a:rPr>
+              <a:t>*/</a:t>
+            </a:r>
+          </a:p>
+          <a:p>
+            <a:pPr algn="l"/>
+            <a:r>
+              <a:rPr lang="en-US" sz="2400" dirty="0">
+                <a:solidFill>
+                  <a:schemeClr val="tx1"/>
+                </a:solidFill>
+                <a:latin typeface="American Typewriter"/>
+                <a:cs typeface="American Typewriter"/>
+              </a:rPr>
+              <a:t>/*****************************************</a:t>
+            </a:r>
+            <a:r>
+              <a:rPr lang="en-US" sz="2400" dirty="0" smtClean="0">
+                <a:solidFill>
+                  <a:schemeClr val="tx1"/>
+                </a:solidFill>
+                <a:latin typeface="American Typewriter"/>
+                <a:cs typeface="American Typewriter"/>
+              </a:rPr>
+              <a:t>*/</a:t>
+            </a:r>
+            <a:endParaRPr lang="en-US" sz="2400" dirty="0">
               <a:solidFill>
                 <a:schemeClr val="tx1"/>
               </a:solidFill>
@@ -4319,7 +5036,7 @@
     </p:spTree>
     <p:extLst>
       <p:ext uri="{BB962C8B-B14F-4D97-AF65-F5344CB8AC3E}">
-        <p14:creationId xmlns:p14="http://schemas.microsoft.com/office/powerpoint/2010/main" val="984595479"/>
+        <p14:creationId xmlns:p14="http://schemas.microsoft.com/office/powerpoint/2010/main" val="2842108130"/>
       </p:ext>
     </p:extLst>
   </p:cSld>
@@ -4355,25 +5072,60 @@
       </p:grpSpPr>
       <p:sp>
         <p:nvSpPr>
-          <p:cNvPr id="35843" name="Rectangle 3"/>
+          <p:cNvPr id="52226" name="Rectangle 2"/>
           <p:cNvSpPr>
             <a:spLocks noGrp="1" noChangeArrowheads="1"/>
           </p:cNvSpPr>
           <p:nvPr>
-            <p:ph type="subTitle" idx="1"/>
+            <p:ph type="ctrTitle"/>
           </p:nvPr>
         </p:nvSpPr>
         <p:spPr>
           <a:xfrm>
-            <a:off x="609600" y="990600"/>
-            <a:ext cx="8153400" cy="4953000"/>
+            <a:off x="533400" y="685800"/>
+            <a:ext cx="8153400" cy="1524000"/>
           </a:xfrm>
         </p:spPr>
         <p:txBody>
-          <a:bodyPr/>
-          <a:lstStyle/>
-          <a:p>
-            <a:pPr algn="l"/>
+          <a:bodyPr>
+            <a:normAutofit fontScale="90000"/>
+          </a:bodyPr>
+          <a:lstStyle/>
+          <a:p>
+            <a:r>
+              <a:rPr lang="en-US" sz="4800">
+                <a:latin typeface="Trebuchet MS" charset="0"/>
+              </a:rPr>
+              <a:t>Use Descriptive Variable Names</a:t>
+            </a:r>
+          </a:p>
+        </p:txBody>
+      </p:sp>
+      <p:sp>
+        <p:nvSpPr>
+          <p:cNvPr id="52227" name="Rectangle 3"/>
+          <p:cNvSpPr>
+            <a:spLocks noGrp="1" noChangeArrowheads="1"/>
+          </p:cNvSpPr>
+          <p:nvPr>
+            <p:ph type="subTitle" idx="1"/>
+          </p:nvPr>
+        </p:nvSpPr>
+        <p:spPr>
+          <a:xfrm>
+            <a:off x="304800" y="2286000"/>
+            <a:ext cx="8610600" cy="4343400"/>
+          </a:xfrm>
+        </p:spPr>
+        <p:txBody>
+          <a:bodyPr/>
+          <a:lstStyle/>
+          <a:p>
+            <a:pPr algn="l">
+              <a:lnSpc>
+                <a:spcPct val="90000"/>
+              </a:lnSpc>
+            </a:pPr>
             <a:r>
               <a:rPr lang="en-US" dirty="0">
                 <a:solidFill>
@@ -4386,7 +5138,11 @@
             </a:r>
           </a:p>
           <a:p>
-            <a:pPr algn="l"/>
+            <a:pPr algn="l">
+              <a:lnSpc>
+                <a:spcPct val="90000"/>
+              </a:lnSpc>
+            </a:pPr>
             <a:r>
               <a:rPr lang="en-US" dirty="0">
                 <a:solidFill>
@@ -4419,7 +5175,11 @@
             </a:r>
           </a:p>
           <a:p>
-            <a:pPr algn="l"/>
+            <a:pPr algn="l">
+              <a:lnSpc>
+                <a:spcPct val="90000"/>
+              </a:lnSpc>
+            </a:pPr>
             <a:r>
               <a:rPr lang="en-US" dirty="0">
                 <a:solidFill>
@@ -4438,7 +5198,7 @@
                 <a:latin typeface="American Typewriter"/>
                 <a:cs typeface="American Typewriter"/>
               </a:rPr>
-              <a:t>i</a:t>
+              <a:t>iLength</a:t>
             </a:r>
             <a:r>
               <a:rPr lang="en-US" dirty="0">
@@ -4458,7 +5218,7 @@
                 <a:latin typeface="American Typewriter"/>
                 <a:cs typeface="American Typewriter"/>
               </a:rPr>
-              <a:t>i</a:t>
+              <a:t>iLength</a:t>
             </a:r>
             <a:r>
               <a:rPr lang="en-US" dirty="0">
@@ -4478,7 +5238,7 @@
                 <a:latin typeface="American Typewriter"/>
                 <a:cs typeface="American Typewriter"/>
               </a:rPr>
-              <a:t>i</a:t>
+              <a:t>iLength</a:t>
             </a:r>
             <a:r>
               <a:rPr lang="en-US" dirty="0">
@@ -4492,7 +5252,11 @@
             </a:r>
           </a:p>
           <a:p>
-            <a:pPr algn="l"/>
+            <a:pPr algn="l">
+              <a:lnSpc>
+                <a:spcPct val="90000"/>
+              </a:lnSpc>
+            </a:pPr>
             <a:r>
               <a:rPr lang="en-US" dirty="0">
                 <a:solidFill>
@@ -4505,7 +5269,11 @@
             </a:r>
           </a:p>
           <a:p>
-            <a:pPr algn="l"/>
+            <a:pPr algn="l">
+              <a:lnSpc>
+                <a:spcPct val="90000"/>
+              </a:lnSpc>
+            </a:pPr>
             <a:r>
               <a:rPr lang="en-US" dirty="0">
                 <a:solidFill>
@@ -4518,7 +5286,11 @@
             </a:r>
           </a:p>
           <a:p>
-            <a:pPr algn="l"/>
+            <a:pPr algn="l">
+              <a:lnSpc>
+                <a:spcPct val="90000"/>
+              </a:lnSpc>
+            </a:pPr>
             <a:r>
               <a:rPr lang="en-US" dirty="0">
                 <a:solidFill>
@@ -4531,7 +5303,11 @@
             </a:r>
           </a:p>
           <a:p>
-            <a:pPr algn="l"/>
+            <a:pPr algn="l">
+              <a:lnSpc>
+                <a:spcPct val="90000"/>
+              </a:lnSpc>
+            </a:pPr>
             <a:r>
               <a:rPr lang="en-US" dirty="0">
                 <a:solidFill>
@@ -4544,7 +5320,11 @@
             </a:r>
           </a:p>
           <a:p>
-            <a:pPr algn="l"/>
+            <a:pPr algn="l">
+              <a:lnSpc>
+                <a:spcPct val="90000"/>
+              </a:lnSpc>
+            </a:pPr>
             <a:r>
               <a:rPr lang="en-US" dirty="0">
                 <a:solidFill>
@@ -4561,7 +5341,7 @@
     </p:spTree>
     <p:extLst>
       <p:ext uri="{BB962C8B-B14F-4D97-AF65-F5344CB8AC3E}">
-        <p14:creationId xmlns:p14="http://schemas.microsoft.com/office/powerpoint/2010/main" val="3736762492"/>
+        <p14:creationId xmlns:p14="http://schemas.microsoft.com/office/powerpoint/2010/main" val="987521526"/>
       </p:ext>
     </p:extLst>
   </p:cSld>
@@ -4597,7 +5377,7 @@
       </p:grpSpPr>
       <p:sp>
         <p:nvSpPr>
-          <p:cNvPr id="46082" name="Rectangle 2"/>
+          <p:cNvPr id="54274" name="Rectangle 2"/>
           <p:cNvSpPr>
             <a:spLocks noGrp="1" noChangeArrowheads="1"/>
           </p:cNvSpPr>
@@ -4607,37 +5387,8 @@
         </p:nvSpPr>
         <p:spPr>
           <a:xfrm>
-            <a:off x="609600" y="685800"/>
-            <a:ext cx="7848600" cy="1143000"/>
-          </a:xfrm>
-        </p:spPr>
-        <p:txBody>
-          <a:bodyPr/>
-          <a:lstStyle/>
-          <a:p>
-            <a:r>
-              <a:rPr lang="en-US" sz="4800" dirty="0">
-                <a:latin typeface="Trebuchet MS" charset="0"/>
-              </a:rPr>
-              <a:t>Write a header block</a:t>
-            </a:r>
-          </a:p>
-        </p:txBody>
-      </p:sp>
-      <p:sp>
-        <p:nvSpPr>
-          <p:cNvPr id="46084" name="Rectangle 4"/>
-          <p:cNvSpPr>
-            <a:spLocks noGrp="1" noChangeArrowheads="1"/>
-          </p:cNvSpPr>
-          <p:nvPr>
-            <p:ph type="subTitle" idx="1"/>
-          </p:nvPr>
-        </p:nvSpPr>
-        <p:spPr>
-          <a:xfrm>
-            <a:off x="142962" y="1981200"/>
-            <a:ext cx="8686800" cy="3962400"/>
+            <a:off x="457200" y="500119"/>
+            <a:ext cx="8305800" cy="1295400"/>
           </a:xfrm>
         </p:spPr>
         <p:txBody>
@@ -4646,282 +5397,311 @@
           </a:bodyPr>
           <a:lstStyle/>
           <a:p>
-            <a:pPr algn="l"/>
-            <a:endParaRPr lang="en-US" sz="2400" dirty="0">
+            <a:r>
+              <a:rPr lang="en-US" sz="4800" dirty="0" smtClean="0">
+                <a:latin typeface="Trebuchet MS" charset="0"/>
+              </a:rPr>
+              <a:t>No magic (numbers)</a:t>
+            </a:r>
+            <a:endParaRPr lang="en-US" sz="4800" dirty="0">
               <a:latin typeface="Trebuchet MS" charset="0"/>
             </a:endParaRPr>
           </a:p>
-          <a:p>
-            <a:pPr algn="l"/>
-            <a:r>
-              <a:rPr lang="en-US" sz="2400" dirty="0">
-                <a:solidFill>
-                  <a:schemeClr val="tx1"/>
-                </a:solidFill>
-                <a:latin typeface="American Typewriter"/>
-                <a:cs typeface="American Typewriter"/>
-              </a:rPr>
-              <a:t>/</a:t>
-            </a:r>
-            <a:r>
-              <a:rPr lang="en-US" sz="2400" dirty="0" smtClean="0">
-                <a:solidFill>
-                  <a:schemeClr val="tx1"/>
-                </a:solidFill>
-                <a:latin typeface="American Typewriter"/>
-                <a:cs typeface="American Typewriter"/>
-              </a:rPr>
-              <a:t>*</a:t>
-            </a:r>
-            <a:r>
-              <a:rPr lang="en-US" sz="2400" dirty="0">
-                <a:solidFill>
-                  <a:schemeClr val="tx1"/>
-                </a:solidFill>
-                <a:latin typeface="American Typewriter"/>
-                <a:cs typeface="American Typewriter"/>
-              </a:rPr>
-              <a:t>*************************************</a:t>
-            </a:r>
-            <a:r>
-              <a:rPr lang="en-US" sz="2400" dirty="0" smtClean="0">
-                <a:solidFill>
-                  <a:schemeClr val="tx1"/>
-                </a:solidFill>
-                <a:latin typeface="American Typewriter"/>
-                <a:cs typeface="American Typewriter"/>
-              </a:rPr>
-              <a:t>**</a:t>
-            </a:r>
-            <a:r>
-              <a:rPr lang="en-US" sz="2400" dirty="0">
-                <a:solidFill>
-                  <a:schemeClr val="tx1"/>
-                </a:solidFill>
-                <a:latin typeface="American Typewriter"/>
-                <a:cs typeface="American Typewriter"/>
-              </a:rPr>
-              <a:t>*</a:t>
-            </a:r>
-            <a:r>
-              <a:rPr lang="en-US" sz="2400" dirty="0" smtClean="0">
-                <a:solidFill>
-                  <a:schemeClr val="tx1"/>
-                </a:solidFill>
-                <a:latin typeface="American Typewriter"/>
-                <a:cs typeface="American Typewriter"/>
-              </a:rPr>
-              <a:t>*/</a:t>
-            </a:r>
-            <a:endParaRPr lang="en-US" sz="2400" dirty="0">
-              <a:solidFill>
-                <a:schemeClr val="tx1"/>
-              </a:solidFill>
-              <a:latin typeface="American Typewriter"/>
-              <a:cs typeface="American Typewriter"/>
-            </a:endParaRPr>
-          </a:p>
-          <a:p>
-            <a:pPr algn="l"/>
-            <a:r>
-              <a:rPr lang="en-US" sz="2400" dirty="0">
-                <a:solidFill>
-                  <a:schemeClr val="tx1"/>
-                </a:solidFill>
-                <a:latin typeface="American Typewriter"/>
-                <a:cs typeface="American Typewriter"/>
-              </a:rPr>
-              <a:t>/* 2-dimensional channel flow program                       </a:t>
-            </a:r>
-            <a:r>
-              <a:rPr lang="en-US" sz="2400" dirty="0" smtClean="0">
-                <a:solidFill>
-                  <a:schemeClr val="tx1"/>
-                </a:solidFill>
-                <a:latin typeface="American Typewriter"/>
-                <a:cs typeface="American Typewriter"/>
-              </a:rPr>
-              <a:t>        *</a:t>
-            </a:r>
-            <a:r>
-              <a:rPr lang="en-US" sz="2400" dirty="0">
-                <a:solidFill>
-                  <a:schemeClr val="tx1"/>
-                </a:solidFill>
-                <a:latin typeface="American Typewriter"/>
-                <a:cs typeface="American Typewriter"/>
-              </a:rPr>
-              <a:t>/</a:t>
-            </a:r>
-          </a:p>
-          <a:p>
-            <a:pPr algn="l"/>
-            <a:r>
-              <a:rPr lang="en-US" sz="2400" dirty="0">
-                <a:solidFill>
-                  <a:schemeClr val="tx1"/>
-                </a:solidFill>
-                <a:latin typeface="American Typewriter"/>
-                <a:cs typeface="American Typewriter"/>
-              </a:rPr>
-              <a:t>/*   for channels with free upper surface                    </a:t>
-            </a:r>
-            <a:r>
-              <a:rPr lang="en-US" sz="2400" dirty="0" smtClean="0">
-                <a:solidFill>
-                  <a:schemeClr val="tx1"/>
-                </a:solidFill>
-                <a:latin typeface="American Typewriter"/>
-                <a:cs typeface="American Typewriter"/>
-              </a:rPr>
-              <a:t>          *</a:t>
-            </a:r>
-            <a:r>
-              <a:rPr lang="en-US" sz="2400" dirty="0">
-                <a:solidFill>
-                  <a:schemeClr val="tx1"/>
-                </a:solidFill>
-                <a:latin typeface="American Typewriter"/>
-                <a:cs typeface="American Typewriter"/>
-              </a:rPr>
-              <a:t>/</a:t>
-            </a:r>
-          </a:p>
-          <a:p>
-            <a:pPr algn="l"/>
-            <a:r>
-              <a:rPr lang="en-US" sz="2400" dirty="0">
-                <a:solidFill>
-                  <a:schemeClr val="tx1"/>
-                </a:solidFill>
-                <a:latin typeface="American Typewriter"/>
-                <a:cs typeface="American Typewriter"/>
-              </a:rPr>
-              <a:t>/*                                                                              </a:t>
-            </a:r>
-            <a:r>
-              <a:rPr lang="en-US" sz="2400" dirty="0" smtClean="0">
-                <a:solidFill>
-                  <a:schemeClr val="tx1"/>
-                </a:solidFill>
-                <a:latin typeface="American Typewriter"/>
-                <a:cs typeface="American Typewriter"/>
-              </a:rPr>
-              <a:t>                        *</a:t>
-            </a:r>
-            <a:r>
-              <a:rPr lang="en-US" sz="2400" dirty="0">
-                <a:solidFill>
-                  <a:schemeClr val="tx1"/>
-                </a:solidFill>
-                <a:latin typeface="American Typewriter"/>
-                <a:cs typeface="American Typewriter"/>
-              </a:rPr>
-              <a:t>/</a:t>
-            </a:r>
-          </a:p>
-          <a:p>
-            <a:pPr algn="l"/>
-            <a:r>
-              <a:rPr lang="en-US" sz="2400" dirty="0">
-                <a:solidFill>
-                  <a:schemeClr val="tx1"/>
-                </a:solidFill>
-                <a:latin typeface="American Typewriter"/>
-                <a:cs typeface="American Typewriter"/>
-              </a:rPr>
-              <a:t>/* Original by JD West, 01/08/2006                         </a:t>
-            </a:r>
-            <a:r>
-              <a:rPr lang="en-US" sz="2400" dirty="0" smtClean="0">
-                <a:solidFill>
-                  <a:schemeClr val="tx1"/>
-                </a:solidFill>
-                <a:latin typeface="American Typewriter"/>
-                <a:cs typeface="American Typewriter"/>
-              </a:rPr>
-              <a:t>             </a:t>
-            </a:r>
-            <a:r>
-              <a:rPr lang="en-US" sz="2400" dirty="0">
-                <a:solidFill>
-                  <a:schemeClr val="tx1"/>
-                </a:solidFill>
-                <a:latin typeface="American Typewriter"/>
-                <a:cs typeface="American Typewriter"/>
-              </a:rPr>
-              <a:t>*/</a:t>
-            </a:r>
-          </a:p>
-          <a:p>
-            <a:pPr algn="l"/>
-            <a:r>
-              <a:rPr lang="en-US" sz="2400" dirty="0">
-                <a:solidFill>
-                  <a:schemeClr val="tx1"/>
-                </a:solidFill>
-                <a:latin typeface="American Typewriter"/>
-                <a:cs typeface="American Typewriter"/>
-              </a:rPr>
-              <a:t>/* Modified 02/11/2007 to increase resolution          </a:t>
-            </a:r>
-            <a:r>
-              <a:rPr lang="en-US" sz="2400" dirty="0" smtClean="0">
-                <a:solidFill>
-                  <a:schemeClr val="tx1"/>
-                </a:solidFill>
-                <a:latin typeface="American Typewriter"/>
-                <a:cs typeface="American Typewriter"/>
-              </a:rPr>
-              <a:t>        </a:t>
-            </a:r>
-            <a:r>
-              <a:rPr lang="en-US" sz="2400" dirty="0">
-                <a:solidFill>
-                  <a:schemeClr val="tx1"/>
-                </a:solidFill>
-                <a:latin typeface="American Typewriter"/>
-                <a:cs typeface="American Typewriter"/>
-              </a:rPr>
-              <a:t>*/</a:t>
-            </a:r>
-          </a:p>
-          <a:p>
-            <a:pPr algn="l"/>
-            <a:r>
-              <a:rPr lang="en-US" sz="2400" dirty="0">
-                <a:solidFill>
-                  <a:schemeClr val="tx1"/>
-                </a:solidFill>
-                <a:latin typeface="American Typewriter"/>
-                <a:cs typeface="American Typewriter"/>
-              </a:rPr>
-              <a:t>/*****************************************</a:t>
-            </a:r>
-            <a:r>
-              <a:rPr lang="en-US" sz="2400" dirty="0" smtClean="0">
-                <a:solidFill>
-                  <a:schemeClr val="tx1"/>
-                </a:solidFill>
-                <a:latin typeface="American Typewriter"/>
-                <a:cs typeface="American Typewriter"/>
-              </a:rPr>
-              <a:t>*/</a:t>
-            </a:r>
-            <a:endParaRPr lang="en-US" sz="2400" dirty="0">
-              <a:solidFill>
-                <a:schemeClr val="tx1"/>
-              </a:solidFill>
-              <a:latin typeface="American Typewriter"/>
-              <a:cs typeface="American Typewriter"/>
-            </a:endParaRPr>
+        </p:txBody>
+      </p:sp>
+      <p:sp>
+        <p:nvSpPr>
+          <p:cNvPr id="54275" name="Rectangle 3"/>
+          <p:cNvSpPr>
+            <a:spLocks noGrp="1" noChangeArrowheads="1"/>
+          </p:cNvSpPr>
+          <p:nvPr>
+            <p:ph type="subTitle" idx="1"/>
+          </p:nvPr>
+        </p:nvSpPr>
+        <p:spPr>
+          <a:xfrm>
+            <a:off x="139858" y="2067022"/>
+            <a:ext cx="8839200" cy="4419600"/>
+          </a:xfrm>
+        </p:spPr>
+        <p:txBody>
+          <a:bodyPr>
+            <a:normAutofit/>
+          </a:bodyPr>
+          <a:lstStyle/>
+          <a:p>
+            <a:pPr algn="l">
+              <a:lnSpc>
+                <a:spcPct val="90000"/>
+              </a:lnSpc>
+            </a:pPr>
+            <a:r>
+              <a:rPr lang="en-US" dirty="0">
+                <a:solidFill>
+                  <a:schemeClr val="tx1"/>
+                </a:solidFill>
+                <a:latin typeface="American Typewriter"/>
+                <a:cs typeface="American Typewriter"/>
+              </a:rPr>
+              <a:t>// increment along the surface (x axis) </a:t>
+            </a:r>
+          </a:p>
+          <a:p>
+            <a:pPr algn="l">
+              <a:lnSpc>
+                <a:spcPct val="90000"/>
+              </a:lnSpc>
+            </a:pPr>
+            <a:r>
+              <a:rPr lang="en-US" dirty="0">
+                <a:solidFill>
+                  <a:schemeClr val="tx1"/>
+                </a:solidFill>
+                <a:latin typeface="American Typewriter"/>
+                <a:cs typeface="American Typewriter"/>
+              </a:rPr>
+              <a:t>// summing each point</a:t>
+            </a:r>
+            <a:r>
+              <a:rPr lang="ja-JP" altLang="en-US" dirty="0">
+                <a:solidFill>
+                  <a:schemeClr val="tx1"/>
+                </a:solidFill>
+                <a:latin typeface="American Typewriter"/>
+                <a:cs typeface="American Typewriter"/>
+              </a:rPr>
+              <a:t>’</a:t>
+            </a:r>
+            <a:r>
+              <a:rPr lang="en-US" dirty="0">
+                <a:solidFill>
+                  <a:schemeClr val="tx1"/>
+                </a:solidFill>
+                <a:latin typeface="American Typewriter"/>
+                <a:cs typeface="American Typewriter"/>
+              </a:rPr>
+              <a:t>s contribution</a:t>
+            </a:r>
+          </a:p>
+          <a:p>
+            <a:pPr algn="l">
+              <a:lnSpc>
+                <a:spcPct val="90000"/>
+              </a:lnSpc>
+            </a:pPr>
+            <a:r>
+              <a:rPr lang="en-US" dirty="0">
+                <a:solidFill>
+                  <a:schemeClr val="tx1"/>
+                </a:solidFill>
+                <a:latin typeface="American Typewriter"/>
+                <a:cs typeface="American Typewriter"/>
+              </a:rPr>
+              <a:t>for </a:t>
+            </a:r>
+            <a:r>
+              <a:rPr lang="en-US" dirty="0" smtClean="0">
+                <a:solidFill>
+                  <a:schemeClr val="tx1"/>
+                </a:solidFill>
+                <a:latin typeface="American Typewriter"/>
+                <a:cs typeface="American Typewriter"/>
+              </a:rPr>
+              <a:t>(</a:t>
+            </a:r>
+            <a:r>
+              <a:rPr lang="en-US" dirty="0" err="1" smtClean="0">
+                <a:solidFill>
+                  <a:schemeClr val="tx1"/>
+                </a:solidFill>
+                <a:latin typeface="American Typewriter"/>
+                <a:cs typeface="American Typewriter"/>
+              </a:rPr>
+              <a:t>i</a:t>
+            </a:r>
+            <a:r>
+              <a:rPr lang="en-US" dirty="0" smtClean="0">
+                <a:solidFill>
+                  <a:schemeClr val="tx1"/>
+                </a:solidFill>
+                <a:latin typeface="American Typewriter"/>
+                <a:cs typeface="American Typewriter"/>
+              </a:rPr>
+              <a:t> </a:t>
+            </a:r>
+            <a:r>
+              <a:rPr lang="en-US" dirty="0">
+                <a:solidFill>
+                  <a:schemeClr val="tx1"/>
+                </a:solidFill>
+                <a:latin typeface="American Typewriter"/>
+                <a:cs typeface="American Typewriter"/>
+              </a:rPr>
+              <a:t>= 1; </a:t>
+            </a:r>
+            <a:r>
+              <a:rPr lang="en-US" dirty="0" err="1" smtClean="0">
+                <a:solidFill>
+                  <a:schemeClr val="tx1"/>
+                </a:solidFill>
+                <a:latin typeface="American Typewriter"/>
+                <a:cs typeface="American Typewriter"/>
+              </a:rPr>
+              <a:t>i</a:t>
+            </a:r>
+            <a:r>
+              <a:rPr lang="en-US" dirty="0" smtClean="0">
+                <a:solidFill>
+                  <a:schemeClr val="tx1"/>
+                </a:solidFill>
+                <a:latin typeface="American Typewriter"/>
+                <a:cs typeface="American Typewriter"/>
+              </a:rPr>
+              <a:t> </a:t>
+            </a:r>
+            <a:r>
+              <a:rPr lang="en-US" dirty="0">
+                <a:solidFill>
+                  <a:schemeClr val="tx1"/>
+                </a:solidFill>
+                <a:latin typeface="American Typewriter"/>
+                <a:cs typeface="American Typewriter"/>
+              </a:rPr>
+              <a:t>&lt;= </a:t>
+            </a:r>
+            <a:r>
+              <a:rPr lang="en-US" dirty="0" smtClean="0">
+                <a:solidFill>
+                  <a:schemeClr val="tx1"/>
+                </a:solidFill>
+                <a:latin typeface="American Typewriter"/>
+                <a:cs typeface="American Typewriter"/>
+              </a:rPr>
+              <a:t>27; </a:t>
+            </a:r>
+            <a:r>
+              <a:rPr lang="en-US" dirty="0" err="1" smtClean="0">
+                <a:solidFill>
+                  <a:schemeClr val="tx1"/>
+                </a:solidFill>
+                <a:latin typeface="American Typewriter"/>
+                <a:cs typeface="American Typewriter"/>
+              </a:rPr>
+              <a:t>i</a:t>
+            </a:r>
+            <a:r>
+              <a:rPr lang="en-US" dirty="0" smtClean="0">
+                <a:solidFill>
+                  <a:schemeClr val="tx1"/>
+                </a:solidFill>
+                <a:latin typeface="American Typewriter"/>
+                <a:cs typeface="American Typewriter"/>
+              </a:rPr>
+              <a:t>+</a:t>
+            </a:r>
+            <a:r>
+              <a:rPr lang="en-US" dirty="0">
+                <a:solidFill>
+                  <a:schemeClr val="tx1"/>
+                </a:solidFill>
+                <a:latin typeface="American Typewriter"/>
+                <a:cs typeface="American Typewriter"/>
+              </a:rPr>
+              <a:t>+)</a:t>
+            </a:r>
+          </a:p>
+          <a:p>
+            <a:pPr algn="l">
+              <a:lnSpc>
+                <a:spcPct val="90000"/>
+              </a:lnSpc>
+            </a:pPr>
+            <a:r>
+              <a:rPr lang="en-US" dirty="0">
+                <a:solidFill>
+                  <a:schemeClr val="tx1"/>
+                </a:solidFill>
+                <a:latin typeface="American Typewriter"/>
+                <a:cs typeface="American Typewriter"/>
+              </a:rPr>
+              <a:t>	{</a:t>
+            </a:r>
+          </a:p>
+          <a:p>
+            <a:pPr algn="l">
+              <a:lnSpc>
+                <a:spcPct val="90000"/>
+              </a:lnSpc>
+            </a:pPr>
+            <a:r>
+              <a:rPr lang="en-US" dirty="0">
+                <a:solidFill>
+                  <a:schemeClr val="tx1"/>
+                </a:solidFill>
+                <a:latin typeface="American Typewriter"/>
+                <a:cs typeface="American Typewriter"/>
+              </a:rPr>
+              <a:t>	…</a:t>
+            </a:r>
+          </a:p>
+          <a:p>
+            <a:pPr algn="l">
+              <a:lnSpc>
+                <a:spcPct val="90000"/>
+              </a:lnSpc>
+            </a:pPr>
+            <a:r>
+              <a:rPr lang="en-US" dirty="0">
+                <a:solidFill>
+                  <a:schemeClr val="tx1"/>
+                </a:solidFill>
+                <a:latin typeface="American Typewriter"/>
+                <a:cs typeface="American Typewriter"/>
+              </a:rPr>
+              <a:t>	…</a:t>
+            </a:r>
+          </a:p>
+          <a:p>
+            <a:pPr algn="l">
+              <a:lnSpc>
+                <a:spcPct val="90000"/>
+              </a:lnSpc>
+            </a:pPr>
+            <a:r>
+              <a:rPr lang="en-US" dirty="0">
+                <a:solidFill>
+                  <a:schemeClr val="tx1"/>
+                </a:solidFill>
+                <a:latin typeface="American Typewriter"/>
+                <a:cs typeface="American Typewriter"/>
+              </a:rPr>
+              <a:t>	…</a:t>
+            </a:r>
+          </a:p>
+          <a:p>
+            <a:pPr algn="l">
+              <a:lnSpc>
+                <a:spcPct val="90000"/>
+              </a:lnSpc>
+            </a:pPr>
+            <a:r>
+              <a:rPr lang="en-US" dirty="0">
+                <a:solidFill>
+                  <a:schemeClr val="tx1"/>
+                </a:solidFill>
+                <a:latin typeface="American Typewriter"/>
+                <a:cs typeface="American Typewriter"/>
+              </a:rPr>
+              <a:t>	}</a:t>
+            </a:r>
           </a:p>
         </p:txBody>
       </p:sp>
     </p:spTree>
     <p:extLst>
       <p:ext uri="{BB962C8B-B14F-4D97-AF65-F5344CB8AC3E}">
-        <p14:creationId xmlns:p14="http://schemas.microsoft.com/office/powerpoint/2010/main" val="2842108130"/>
+        <p14:creationId xmlns:p14="http://schemas.microsoft.com/office/powerpoint/2010/main" val="878237750"/>
       </p:ext>
     </p:extLst>
   </p:cSld>
@@ -4957,7 +5737,7 @@
       </p:grpSpPr>
       <p:sp>
         <p:nvSpPr>
-          <p:cNvPr id="52226" name="Rectangle 2"/>
+          <p:cNvPr id="54274" name="Rectangle 2"/>
           <p:cNvSpPr>
             <a:spLocks noGrp="1" noChangeArrowheads="1"/>
           </p:cNvSpPr>
@@ -4967,28 +5747,31 @@
         </p:nvSpPr>
         <p:spPr>
           <a:xfrm>
-            <a:off x="533400" y="685800"/>
-            <a:ext cx="8153400" cy="1524000"/>
+            <a:off x="457200" y="500119"/>
+            <a:ext cx="8305800" cy="1295400"/>
           </a:xfrm>
         </p:spPr>
         <p:txBody>
           <a:bodyPr>
-            <a:normAutofit fontScale="90000"/>
+            <a:normAutofit/>
           </a:bodyPr>
           <a:lstStyle/>
           <a:p>
             <a:r>
-              <a:rPr lang="en-US" sz="4800">
+              <a:rPr lang="en-US" sz="4800" dirty="0" smtClean="0">
                 <a:latin typeface="Trebuchet MS" charset="0"/>
               </a:rPr>
-              <a:t>Use Descriptive Variable Names</a:t>
-            </a:r>
-          </a:p>
-        </p:txBody>
-      </p:sp>
-      <p:sp>
-        <p:nvSpPr>
-          <p:cNvPr id="52227" name="Rectangle 3"/>
+              <a:t>No magic (numbers)</a:t>
+            </a:r>
+            <a:endParaRPr lang="en-US" sz="4800" dirty="0">
+              <a:latin typeface="Trebuchet MS" charset="0"/>
+            </a:endParaRPr>
+          </a:p>
+        </p:txBody>
+      </p:sp>
+      <p:sp>
+        <p:nvSpPr>
+          <p:cNvPr id="54275" name="Rectangle 3"/>
           <p:cNvSpPr>
             <a:spLocks noGrp="1" noChangeArrowheads="1"/>
           </p:cNvSpPr>
@@ -4998,12 +5781,14 @@
         </p:nvSpPr>
         <p:spPr>
           <a:xfrm>
-            <a:off x="304800" y="2286000"/>
-            <a:ext cx="8610600" cy="4343400"/>
+            <a:off x="139858" y="2067022"/>
+            <a:ext cx="8839200" cy="4419600"/>
           </a:xfrm>
         </p:spPr>
         <p:txBody>
-          <a:bodyPr/>
+          <a:bodyPr>
+            <a:normAutofit/>
+          </a:bodyPr>
           <a:lstStyle/>
           <a:p>
             <a:pPr algn="l">
@@ -5113,7 +5898,27 @@
                 <a:latin typeface="American Typewriter"/>
                 <a:cs typeface="American Typewriter"/>
               </a:rPr>
-              <a:t> &lt;= 100; </a:t>
+              <a:t> &lt;= </a:t>
+            </a:r>
+            <a:r>
+              <a:rPr lang="en-US" dirty="0" err="1">
+                <a:solidFill>
+                  <a:schemeClr val="tx1"/>
+                </a:solidFill>
+                <a:latin typeface="American Typewriter"/>
+                <a:cs typeface="American Typewriter"/>
+              </a:rPr>
+              <a:t>iMax</a:t>
+            </a:r>
+            <a:r>
+              <a:rPr lang="en-US" dirty="0">
+                <a:solidFill>
+                  <a:schemeClr val="tx1"/>
+                </a:solidFill>
+                <a:latin typeface="American Typewriter"/>
+                <a:cs typeface="American Typewriter"/>
+              </a:rPr>
+              <a:t>; </a:t>
             </a:r>
             <a:r>
               <a:rPr lang="en-US" dirty="0" err="1">
@@ -5226,7 +6031,7 @@
     </p:spTree>
     <p:extLst>
       <p:ext uri="{BB962C8B-B14F-4D97-AF65-F5344CB8AC3E}">
-        <p14:creationId xmlns:p14="http://schemas.microsoft.com/office/powerpoint/2010/main" val="987521526"/>
+        <p14:creationId xmlns:p14="http://schemas.microsoft.com/office/powerpoint/2010/main" val="2827953884"/>
       </p:ext>
     </p:extLst>
   </p:cSld>
@@ -5262,7 +6067,7 @@
       </p:grpSpPr>
       <p:sp>
         <p:nvSpPr>
-          <p:cNvPr id="54274" name="Rectangle 2"/>
+          <p:cNvPr id="93186" name="Rectangle 2"/>
           <p:cNvSpPr>
             <a:spLocks noGrp="1" noChangeArrowheads="1"/>
           </p:cNvSpPr>
@@ -5272,31 +6077,26 @@
         </p:nvSpPr>
         <p:spPr>
           <a:xfrm>
-            <a:off x="457200" y="500119"/>
-            <a:ext cx="8305800" cy="1295400"/>
+            <a:off x="609600" y="685800"/>
+            <a:ext cx="7848600" cy="914400"/>
           </a:xfrm>
         </p:spPr>
         <p:txBody>
-          <a:bodyPr>
-            <a:normAutofit/>
-          </a:bodyPr>
-          <a:lstStyle/>
-          <a:p>
-            <a:r>
-              <a:rPr lang="en-US" sz="4800" dirty="0" smtClean="0">
+          <a:bodyPr/>
+          <a:lstStyle/>
+          <a:p>
+            <a:r>
+              <a:rPr lang="en-US" sz="4800" dirty="0">
                 <a:latin typeface="Trebuchet MS" charset="0"/>
               </a:rPr>
-              <a:t>No magic (numbers)</a:t>
-            </a:r>
-            <a:endParaRPr lang="en-US" sz="4800" dirty="0">
-              <a:latin typeface="Trebuchet MS" charset="0"/>
-            </a:endParaRPr>
-          </a:p>
-        </p:txBody>
-      </p:sp>
-      <p:sp>
-        <p:nvSpPr>
-          <p:cNvPr id="54275" name="Rectangle 3"/>
+              <a:t>Or, use an external file</a:t>
+            </a:r>
+          </a:p>
+        </p:txBody>
+      </p:sp>
+      <p:sp>
+        <p:nvSpPr>
+          <p:cNvPr id="93187" name="Rectangle 3"/>
           <p:cNvSpPr>
             <a:spLocks noGrp="1" noChangeArrowheads="1"/>
           </p:cNvSpPr>
@@ -5306,279 +6106,195 @@
         </p:nvSpPr>
         <p:spPr>
           <a:xfrm>
-            <a:off x="139858" y="2067022"/>
-            <a:ext cx="8839200" cy="4419600"/>
+            <a:off x="609600" y="2057400"/>
+            <a:ext cx="8153400" cy="4495800"/>
           </a:xfrm>
         </p:spPr>
         <p:txBody>
-          <a:bodyPr>
-            <a:normAutofit/>
-          </a:bodyPr>
-          <a:lstStyle/>
-          <a:p>
-            <a:pPr algn="l">
-              <a:lnSpc>
-                <a:spcPct val="90000"/>
-              </a:lnSpc>
-            </a:pPr>
-            <a:r>
-              <a:rPr lang="en-US" dirty="0">
-                <a:solidFill>
-                  <a:schemeClr val="tx1"/>
-                </a:solidFill>
-                <a:latin typeface="American Typewriter"/>
-                <a:cs typeface="American Typewriter"/>
-              </a:rPr>
-              <a:t>// increment along the surface (x axis) </a:t>
-            </a:r>
-          </a:p>
-          <a:p>
-            <a:pPr algn="l">
-              <a:lnSpc>
-                <a:spcPct val="90000"/>
-              </a:lnSpc>
-            </a:pPr>
-            <a:r>
-              <a:rPr lang="en-US" dirty="0">
-                <a:solidFill>
-                  <a:schemeClr val="tx1"/>
-                </a:solidFill>
-                <a:latin typeface="American Typewriter"/>
-                <a:cs typeface="American Typewriter"/>
-              </a:rPr>
-              <a:t>// summing each point</a:t>
-            </a:r>
-            <a:r>
-              <a:rPr lang="ja-JP" altLang="en-US" dirty="0">
-                <a:solidFill>
-                  <a:schemeClr val="tx1"/>
-                </a:solidFill>
-                <a:latin typeface="American Typewriter"/>
-                <a:cs typeface="American Typewriter"/>
-              </a:rPr>
-              <a:t>’</a:t>
-            </a:r>
-            <a:r>
-              <a:rPr lang="en-US" dirty="0">
-                <a:solidFill>
-                  <a:schemeClr val="tx1"/>
-                </a:solidFill>
-                <a:latin typeface="American Typewriter"/>
-                <a:cs typeface="American Typewriter"/>
-              </a:rPr>
-              <a:t>s contribution</a:t>
-            </a:r>
-          </a:p>
-          <a:p>
-            <a:pPr algn="l">
-              <a:lnSpc>
-                <a:spcPct val="90000"/>
-              </a:lnSpc>
-            </a:pPr>
-            <a:r>
-              <a:rPr lang="en-US" dirty="0">
-                <a:solidFill>
-                  <a:schemeClr val="tx1"/>
-                </a:solidFill>
-                <a:latin typeface="American Typewriter"/>
-                <a:cs typeface="American Typewriter"/>
-              </a:rPr>
-              <a:t>for </a:t>
-            </a:r>
-            <a:r>
-              <a:rPr lang="en-US" dirty="0" smtClean="0">
-                <a:solidFill>
-                  <a:schemeClr val="tx1"/>
-                </a:solidFill>
-                <a:latin typeface="American Typewriter"/>
-                <a:cs typeface="American Typewriter"/>
-              </a:rPr>
-              <a:t>(</a:t>
-            </a:r>
-            <a:r>
-              <a:rPr lang="en-US" dirty="0" err="1" smtClean="0">
-                <a:solidFill>
-                  <a:schemeClr val="tx1"/>
-                </a:solidFill>
-                <a:latin typeface="American Typewriter"/>
-                <a:cs typeface="American Typewriter"/>
-              </a:rPr>
-              <a:t>i</a:t>
-            </a:r>
-            <a:r>
-              <a:rPr lang="en-US" dirty="0" smtClean="0">
-                <a:solidFill>
-                  <a:schemeClr val="tx1"/>
-                </a:solidFill>
-                <a:latin typeface="American Typewriter"/>
-                <a:cs typeface="American Typewriter"/>
-              </a:rPr>
-              <a:t> </a:t>
-            </a:r>
-            <a:r>
-              <a:rPr lang="en-US" dirty="0">
-                <a:solidFill>
-                  <a:schemeClr val="tx1"/>
-                </a:solidFill>
-                <a:latin typeface="American Typewriter"/>
-                <a:cs typeface="American Typewriter"/>
-              </a:rPr>
-              <a:t>= 1; </a:t>
-            </a:r>
-            <a:r>
-              <a:rPr lang="en-US" dirty="0" err="1" smtClean="0">
-                <a:solidFill>
-                  <a:schemeClr val="tx1"/>
-                </a:solidFill>
-                <a:latin typeface="American Typewriter"/>
-                <a:cs typeface="American Typewriter"/>
-              </a:rPr>
-              <a:t>i</a:t>
-            </a:r>
-            <a:r>
-              <a:rPr lang="en-US" dirty="0" smtClean="0">
-                <a:solidFill>
-                  <a:schemeClr val="tx1"/>
-                </a:solidFill>
-                <a:latin typeface="American Typewriter"/>
-                <a:cs typeface="American Typewriter"/>
-              </a:rPr>
-              <a:t> </a:t>
-            </a:r>
-            <a:r>
-              <a:rPr lang="en-US" dirty="0">
-                <a:solidFill>
-                  <a:schemeClr val="tx1"/>
-                </a:solidFill>
-                <a:latin typeface="American Typewriter"/>
-                <a:cs typeface="American Typewriter"/>
-              </a:rPr>
-              <a:t>&lt;= </a:t>
-            </a:r>
-            <a:r>
-              <a:rPr lang="en-US" dirty="0" smtClean="0">
-                <a:solidFill>
-                  <a:schemeClr val="tx1"/>
-                </a:solidFill>
-                <a:latin typeface="American Typewriter"/>
-                <a:cs typeface="American Typewriter"/>
-              </a:rPr>
-              <a:t>27; </a:t>
-            </a:r>
-            <a:r>
-              <a:rPr lang="en-US" dirty="0" err="1" smtClean="0">
-                <a:solidFill>
-                  <a:schemeClr val="tx1"/>
-                </a:solidFill>
-                <a:latin typeface="American Typewriter"/>
-                <a:cs typeface="American Typewriter"/>
-              </a:rPr>
-              <a:t>i</a:t>
-            </a:r>
-            <a:r>
-              <a:rPr lang="en-US" dirty="0" smtClean="0">
-                <a:solidFill>
-                  <a:schemeClr val="tx1"/>
-                </a:solidFill>
-                <a:latin typeface="American Typewriter"/>
-                <a:cs typeface="American Typewriter"/>
-              </a:rPr>
-              <a:t>+</a:t>
-            </a:r>
-            <a:r>
-              <a:rPr lang="en-US" dirty="0">
-                <a:solidFill>
-                  <a:schemeClr val="tx1"/>
-                </a:solidFill>
-                <a:latin typeface="American Typewriter"/>
-                <a:cs typeface="American Typewriter"/>
-              </a:rPr>
-              <a:t>+)</a:t>
-            </a:r>
-          </a:p>
-          <a:p>
-            <a:pPr algn="l">
-              <a:lnSpc>
-                <a:spcPct val="90000"/>
-              </a:lnSpc>
-            </a:pPr>
-            <a:r>
-              <a:rPr lang="en-US" dirty="0">
-                <a:solidFill>
-                  <a:schemeClr val="tx1"/>
-                </a:solidFill>
-                <a:latin typeface="American Typewriter"/>
-                <a:cs typeface="American Typewriter"/>
-              </a:rPr>
-              <a:t>	{</a:t>
-            </a:r>
-          </a:p>
-          <a:p>
-            <a:pPr algn="l">
-              <a:lnSpc>
-                <a:spcPct val="90000"/>
-              </a:lnSpc>
-            </a:pPr>
-            <a:r>
-              <a:rPr lang="en-US" dirty="0">
-                <a:solidFill>
-                  <a:schemeClr val="tx1"/>
-                </a:solidFill>
-                <a:latin typeface="American Typewriter"/>
-                <a:cs typeface="American Typewriter"/>
-              </a:rPr>
-              <a:t>	…</a:t>
-            </a:r>
-          </a:p>
-          <a:p>
-            <a:pPr algn="l">
-              <a:lnSpc>
-                <a:spcPct val="90000"/>
-              </a:lnSpc>
-            </a:pPr>
-            <a:r>
-              <a:rPr lang="en-US" dirty="0">
-                <a:solidFill>
-                  <a:schemeClr val="tx1"/>
-                </a:solidFill>
-                <a:latin typeface="American Typewriter"/>
-                <a:cs typeface="American Typewriter"/>
-              </a:rPr>
-              <a:t>	…</a:t>
-            </a:r>
-          </a:p>
-          <a:p>
-            <a:pPr algn="l">
-              <a:lnSpc>
-                <a:spcPct val="90000"/>
-              </a:lnSpc>
-            </a:pPr>
-            <a:r>
-              <a:rPr lang="en-US" dirty="0">
-                <a:solidFill>
-                  <a:schemeClr val="tx1"/>
-                </a:solidFill>
-                <a:latin typeface="American Typewriter"/>
-                <a:cs typeface="American Typewriter"/>
-              </a:rPr>
-              <a:t>	…</a:t>
-            </a:r>
-          </a:p>
-          <a:p>
-            <a:pPr algn="l">
-              <a:lnSpc>
-                <a:spcPct val="90000"/>
-              </a:lnSpc>
-            </a:pPr>
-            <a:r>
-              <a:rPr lang="en-US" dirty="0">
-                <a:solidFill>
-                  <a:schemeClr val="tx1"/>
-                </a:solidFill>
-                <a:latin typeface="American Typewriter"/>
-                <a:cs typeface="American Typewriter"/>
-              </a:rPr>
-              <a:t>	}</a:t>
+          <a:bodyPr/>
+          <a:lstStyle/>
+          <a:p>
+            <a:pPr algn="l"/>
+            <a:r>
+              <a:rPr lang="en-US" sz="2800" dirty="0">
+                <a:solidFill>
+                  <a:schemeClr val="tx1"/>
+                </a:solidFill>
+                <a:latin typeface="American Typewriter"/>
+                <a:cs typeface="American Typewriter"/>
+              </a:rPr>
+              <a:t>// Declarations</a:t>
+            </a:r>
+          </a:p>
+          <a:p>
+            <a:pPr algn="l"/>
+            <a:r>
+              <a:rPr lang="en-US" sz="2800" dirty="0" err="1">
+                <a:solidFill>
+                  <a:schemeClr val="tx1"/>
+                </a:solidFill>
+                <a:latin typeface="American Typewriter"/>
+                <a:cs typeface="American Typewriter"/>
+              </a:rPr>
+              <a:t>int</a:t>
+            </a:r>
+            <a:r>
+              <a:rPr lang="en-US" sz="2800" dirty="0">
+                <a:solidFill>
+                  <a:schemeClr val="tx1"/>
+                </a:solidFill>
+                <a:latin typeface="American Typewriter"/>
+                <a:cs typeface="American Typewriter"/>
+              </a:rPr>
+              <a:t>		</a:t>
+            </a:r>
+            <a:r>
+              <a:rPr lang="en-US" sz="2800" dirty="0" err="1">
+                <a:solidFill>
+                  <a:schemeClr val="tx1"/>
+                </a:solidFill>
+                <a:latin typeface="American Typewriter"/>
+                <a:cs typeface="American Typewriter"/>
+              </a:rPr>
+              <a:t>iLength</a:t>
+            </a:r>
+            <a:r>
+              <a:rPr lang="en-US" sz="2800" dirty="0">
+                <a:solidFill>
+                  <a:schemeClr val="tx1"/>
+                </a:solidFill>
+                <a:latin typeface="American Typewriter"/>
+                <a:cs typeface="American Typewriter"/>
+              </a:rPr>
+              <a:t>;		// x-axis increment</a:t>
+            </a:r>
+          </a:p>
+          <a:p>
+            <a:pPr algn="l"/>
+            <a:r>
+              <a:rPr lang="en-US" sz="2800" dirty="0" err="1">
+                <a:solidFill>
+                  <a:schemeClr val="tx1"/>
+                </a:solidFill>
+                <a:latin typeface="American Typewriter"/>
+                <a:cs typeface="American Typewriter"/>
+              </a:rPr>
+              <a:t>int</a:t>
+            </a:r>
+            <a:r>
+              <a:rPr lang="en-US" sz="2800" dirty="0">
+                <a:solidFill>
+                  <a:schemeClr val="tx1"/>
+                </a:solidFill>
+                <a:latin typeface="American Typewriter"/>
+                <a:cs typeface="American Typewriter"/>
+              </a:rPr>
+              <a:t>		</a:t>
+            </a:r>
+            <a:r>
+              <a:rPr lang="en-US" sz="2800" dirty="0" err="1">
+                <a:solidFill>
+                  <a:schemeClr val="tx1"/>
+                </a:solidFill>
+                <a:latin typeface="American Typewriter"/>
+                <a:cs typeface="American Typewriter"/>
+              </a:rPr>
+              <a:t>iMax</a:t>
+            </a:r>
+            <a:r>
+              <a:rPr lang="en-US" sz="2800" dirty="0">
+                <a:solidFill>
+                  <a:schemeClr val="tx1"/>
+                </a:solidFill>
+                <a:latin typeface="American Typewriter"/>
+                <a:cs typeface="American Typewriter"/>
+              </a:rPr>
+              <a:t>;			// total increments</a:t>
+            </a:r>
+          </a:p>
+          <a:p>
+            <a:pPr algn="l"/>
+            <a:r>
+              <a:rPr lang="en-US" sz="2800" dirty="0">
+                <a:solidFill>
+                  <a:schemeClr val="tx1"/>
+                </a:solidFill>
+                <a:latin typeface="American Typewriter"/>
+                <a:cs typeface="American Typewriter"/>
+              </a:rPr>
+              <a:t>double	</a:t>
+            </a:r>
+            <a:r>
+              <a:rPr lang="en-US" sz="2800" dirty="0" err="1">
+                <a:solidFill>
+                  <a:schemeClr val="tx1"/>
+                </a:solidFill>
+                <a:latin typeface="American Typewriter"/>
+                <a:cs typeface="American Typewriter"/>
+              </a:rPr>
+              <a:t>dVelocity</a:t>
+            </a:r>
+            <a:r>
+              <a:rPr lang="en-US" sz="2800" dirty="0">
+                <a:solidFill>
+                  <a:schemeClr val="tx1"/>
+                </a:solidFill>
+                <a:latin typeface="American Typewriter"/>
+                <a:cs typeface="American Typewriter"/>
+              </a:rPr>
+              <a:t>[5001]; // array of velocities</a:t>
+            </a:r>
+          </a:p>
+          <a:p>
+            <a:pPr algn="l"/>
+            <a:r>
+              <a:rPr lang="en-US" sz="2800" dirty="0">
+                <a:solidFill>
+                  <a:schemeClr val="tx1"/>
+                </a:solidFill>
+                <a:latin typeface="American Typewriter"/>
+                <a:cs typeface="American Typewriter"/>
+              </a:rPr>
+              <a:t>…</a:t>
+            </a:r>
+          </a:p>
+          <a:p>
+            <a:pPr algn="l"/>
+            <a:r>
+              <a:rPr lang="en-US" sz="2800" dirty="0">
+                <a:solidFill>
+                  <a:schemeClr val="tx1"/>
+                </a:solidFill>
+                <a:latin typeface="American Typewriter"/>
+                <a:cs typeface="American Typewriter"/>
+              </a:rPr>
+              <a:t>// Read and set Initial Values from a file</a:t>
+            </a:r>
+          </a:p>
+          <a:p>
+            <a:pPr algn="l"/>
+            <a:r>
+              <a:rPr lang="en-US" sz="2800" dirty="0">
+                <a:solidFill>
+                  <a:schemeClr val="tx1"/>
+                </a:solidFill>
+                <a:latin typeface="American Typewriter"/>
+                <a:cs typeface="American Typewriter"/>
+              </a:rPr>
+              <a:t>…</a:t>
+            </a:r>
+          </a:p>
+          <a:p>
+            <a:pPr algn="l"/>
+            <a:r>
+              <a:rPr lang="en-US" sz="2800" dirty="0">
+                <a:solidFill>
+                  <a:schemeClr val="tx1"/>
+                </a:solidFill>
+                <a:latin typeface="American Typewriter"/>
+                <a:cs typeface="American Typewriter"/>
+              </a:rPr>
+              <a:t>…</a:t>
             </a:r>
           </a:p>
         </p:txBody>
@@ -5586,7 +6302,7 @@
     </p:spTree>
     <p:extLst>
       <p:ext uri="{BB962C8B-B14F-4D97-AF65-F5344CB8AC3E}">
-        <p14:creationId xmlns:p14="http://schemas.microsoft.com/office/powerpoint/2010/main" val="878237750"/>
+        <p14:creationId xmlns:p14="http://schemas.microsoft.com/office/powerpoint/2010/main" val="2026744277"/>
       </p:ext>
     </p:extLst>
   </p:cSld>
@@ -5622,7 +6338,7 @@
       </p:grpSpPr>
       <p:sp>
         <p:nvSpPr>
-          <p:cNvPr id="54274" name="Rectangle 2"/>
+          <p:cNvPr id="112642" name="Rectangle 2"/>
           <p:cNvSpPr>
             <a:spLocks noGrp="1" noChangeArrowheads="1"/>
           </p:cNvSpPr>
@@ -5632,55 +6348,56 @@
         </p:nvSpPr>
         <p:spPr>
           <a:xfrm>
-            <a:off x="457200" y="500119"/>
-            <a:ext cx="8305800" cy="1295400"/>
+            <a:off x="457200" y="685800"/>
+            <a:ext cx="8305800" cy="1143000"/>
           </a:xfrm>
         </p:spPr>
         <p:txBody>
-          <a:bodyPr>
-            <a:normAutofit/>
-          </a:bodyPr>
-          <a:lstStyle/>
-          <a:p>
-            <a:r>
-              <a:rPr lang="en-US" sz="4800" dirty="0" smtClean="0">
+          <a:bodyPr/>
+          <a:lstStyle/>
+          <a:p>
+            <a:r>
+              <a:rPr lang="en-US" sz="4800" dirty="0">
                 <a:latin typeface="Trebuchet MS" charset="0"/>
               </a:rPr>
-              <a:t>No magic (numbers)</a:t>
-            </a:r>
-            <a:endParaRPr lang="en-US" sz="4800" dirty="0">
+              <a:t>Use descriptive file names</a:t>
+            </a:r>
+          </a:p>
+        </p:txBody>
+      </p:sp>
+      <p:sp>
+        <p:nvSpPr>
+          <p:cNvPr id="112643" name="Rectangle 3"/>
+          <p:cNvSpPr>
+            <a:spLocks noGrp="1" noChangeArrowheads="1"/>
+          </p:cNvSpPr>
+          <p:nvPr>
+            <p:ph type="subTitle" idx="1"/>
+          </p:nvPr>
+        </p:nvSpPr>
+        <p:spPr>
+          <a:xfrm>
+            <a:off x="609600" y="2057400"/>
+            <a:ext cx="7848600" cy="4495800"/>
+          </a:xfrm>
+        </p:spPr>
+        <p:txBody>
+          <a:bodyPr/>
+          <a:lstStyle/>
+          <a:p>
+            <a:pPr algn="l"/>
+            <a:endParaRPr lang="en-US" dirty="0">
               <a:latin typeface="Trebuchet MS" charset="0"/>
             </a:endParaRPr>
           </a:p>
-        </p:txBody>
-      </p:sp>
-      <p:sp>
-        <p:nvSpPr>
-          <p:cNvPr id="54275" name="Rectangle 3"/>
-          <p:cNvSpPr>
-            <a:spLocks noGrp="1" noChangeArrowheads="1"/>
-          </p:cNvSpPr>
-          <p:nvPr>
-            <p:ph type="subTitle" idx="1"/>
-          </p:nvPr>
-        </p:nvSpPr>
-        <p:spPr>
-          <a:xfrm>
-            <a:off x="139858" y="2067022"/>
-            <a:ext cx="8839200" cy="4419600"/>
-          </a:xfrm>
-        </p:spPr>
-        <p:txBody>
-          <a:bodyPr>
-            <a:normAutofit/>
-          </a:bodyPr>
-          <a:lstStyle/>
-          <a:p>
-            <a:pPr algn="l">
-              <a:lnSpc>
-                <a:spcPct val="90000"/>
-              </a:lnSpc>
-            </a:pPr>
+          <a:p>
+            <a:pPr algn="l"/>
+            <a:endParaRPr lang="en-US" dirty="0">
+              <a:latin typeface="Trebuchet MS" charset="0"/>
+            </a:endParaRPr>
+          </a:p>
+          <a:p>
+            <a:pPr algn="l"/>
             <a:r>
               <a:rPr lang="en-US" dirty="0">
                 <a:solidFill>
@@ -5689,15 +6406,38 @@
                 <a:latin typeface="American Typewriter"/>
                 <a:cs typeface="American Typewriter"/>
               </a:rPr>
-              <a:t>// increment along the surface (x axis) </a:t>
-            </a:r>
-          </a:p>
-          <a:p>
-            <a:pPr algn="l">
-              <a:lnSpc>
-                <a:spcPct val="90000"/>
-              </a:lnSpc>
-            </a:pPr>
+              <a:t>Naming your script </a:t>
+            </a:r>
+            <a:r>
+              <a:rPr lang="ja-JP" altLang="en-US" dirty="0">
+                <a:solidFill>
+                  <a:schemeClr val="tx1"/>
+                </a:solidFill>
+                <a:latin typeface="American Typewriter"/>
+                <a:cs typeface="American Typewriter"/>
+              </a:rPr>
+              <a:t>“</a:t>
+            </a:r>
+            <a:r>
+              <a:rPr lang="en-US" dirty="0" err="1">
+                <a:solidFill>
+                  <a:schemeClr val="tx1"/>
+                </a:solidFill>
+                <a:latin typeface="American Typewriter"/>
+                <a:cs typeface="American Typewriter"/>
+              </a:rPr>
+              <a:t>test.csh</a:t>
+            </a:r>
+            <a:r>
+              <a:rPr lang="ja-JP" altLang="en-US" dirty="0">
+                <a:solidFill>
+                  <a:schemeClr val="tx1"/>
+                </a:solidFill>
+                <a:latin typeface="American Typewriter"/>
+                <a:cs typeface="American Typewriter"/>
+              </a:rPr>
+              <a:t>”</a:t>
+            </a:r>
             <a:r>
               <a:rPr lang="en-US" dirty="0">
                 <a:solidFill>
@@ -5706,8 +6446,11 @@
                 <a:latin typeface="American Typewriter"/>
                 <a:cs typeface="American Typewriter"/>
               </a:rPr>
-              <a:t>// summing each point</a:t>
-            </a:r>
+              <a:t> means</a:t>
+            </a:r>
+          </a:p>
+          <a:p>
+            <a:pPr algn="l"/>
             <a:r>
               <a:rPr lang="ja-JP" altLang="en-US" dirty="0">
                 <a:solidFill>
@@ -5716,7 +6459,7 @@
                 <a:latin typeface="American Typewriter"/>
                 <a:cs typeface="American Typewriter"/>
               </a:rPr>
-              <a:t>’</a:t>
+              <a:t>“</a:t>
             </a:r>
             <a:r>
               <a:rPr lang="en-US" dirty="0">
@@ -5726,197 +6469,32 @@
                 <a:latin typeface="American Typewriter"/>
                 <a:cs typeface="American Typewriter"/>
               </a:rPr>
-              <a:t>s contribution</a:t>
-            </a:r>
-          </a:p>
-          <a:p>
-            <a:pPr algn="l">
-              <a:lnSpc>
-                <a:spcPct val="90000"/>
-              </a:lnSpc>
-            </a:pPr>
-            <a:r>
-              <a:rPr lang="en-US" dirty="0">
-                <a:solidFill>
-                  <a:schemeClr val="tx1"/>
-                </a:solidFill>
-                <a:latin typeface="American Typewriter"/>
-                <a:cs typeface="American Typewriter"/>
-              </a:rPr>
-              <a:t>for (</a:t>
-            </a:r>
-            <a:r>
-              <a:rPr lang="en-US" dirty="0" err="1">
-                <a:solidFill>
-                  <a:schemeClr val="tx1"/>
-                </a:solidFill>
-                <a:latin typeface="American Typewriter"/>
-                <a:cs typeface="American Typewriter"/>
-              </a:rPr>
-              <a:t>iLength</a:t>
-            </a:r>
-            <a:r>
-              <a:rPr lang="en-US" dirty="0">
-                <a:solidFill>
-                  <a:schemeClr val="tx1"/>
-                </a:solidFill>
-                <a:latin typeface="American Typewriter"/>
-                <a:cs typeface="American Typewriter"/>
-              </a:rPr>
-              <a:t> = 1; </a:t>
-            </a:r>
-            <a:r>
-              <a:rPr lang="en-US" dirty="0" err="1">
-                <a:solidFill>
-                  <a:schemeClr val="tx1"/>
-                </a:solidFill>
-                <a:latin typeface="American Typewriter"/>
-                <a:cs typeface="American Typewriter"/>
-              </a:rPr>
-              <a:t>iLength</a:t>
-            </a:r>
-            <a:r>
-              <a:rPr lang="en-US" dirty="0">
-                <a:solidFill>
-                  <a:schemeClr val="tx1"/>
-                </a:solidFill>
-                <a:latin typeface="American Typewriter"/>
-                <a:cs typeface="American Typewriter"/>
-              </a:rPr>
-              <a:t> &lt;= </a:t>
-            </a:r>
-            <a:r>
-              <a:rPr lang="en-US" dirty="0" err="1">
-                <a:solidFill>
-                  <a:schemeClr val="tx1"/>
-                </a:solidFill>
-                <a:latin typeface="American Typewriter"/>
-                <a:cs typeface="American Typewriter"/>
-              </a:rPr>
-              <a:t>iMax</a:t>
-            </a:r>
-            <a:r>
-              <a:rPr lang="en-US" dirty="0">
-                <a:solidFill>
-                  <a:schemeClr val="tx1"/>
-                </a:solidFill>
-                <a:latin typeface="American Typewriter"/>
-                <a:cs typeface="American Typewriter"/>
-              </a:rPr>
-              <a:t>; </a:t>
-            </a:r>
-            <a:r>
-              <a:rPr lang="en-US" dirty="0" err="1">
-                <a:solidFill>
-                  <a:schemeClr val="tx1"/>
-                </a:solidFill>
-                <a:latin typeface="American Typewriter"/>
-                <a:cs typeface="American Typewriter"/>
-              </a:rPr>
-              <a:t>iLength</a:t>
-            </a:r>
-            <a:r>
-              <a:rPr lang="en-US" dirty="0">
-                <a:solidFill>
-                  <a:schemeClr val="tx1"/>
-                </a:solidFill>
-                <a:latin typeface="American Typewriter"/>
-                <a:cs typeface="American Typewriter"/>
-              </a:rPr>
-              <a:t>++)</a:t>
-            </a:r>
-          </a:p>
-          <a:p>
-            <a:pPr algn="l">
-              <a:lnSpc>
-                <a:spcPct val="90000"/>
-              </a:lnSpc>
-            </a:pPr>
-            <a:r>
-              <a:rPr lang="en-US" dirty="0">
-                <a:solidFill>
-                  <a:schemeClr val="tx1"/>
-                </a:solidFill>
-                <a:latin typeface="American Typewriter"/>
-                <a:cs typeface="American Typewriter"/>
-              </a:rPr>
-              <a:t>	{</a:t>
-            </a:r>
-          </a:p>
-          <a:p>
-            <a:pPr algn="l">
-              <a:lnSpc>
-                <a:spcPct val="90000"/>
-              </a:lnSpc>
-            </a:pPr>
-            <a:r>
-              <a:rPr lang="en-US" dirty="0">
-                <a:solidFill>
-                  <a:schemeClr val="tx1"/>
-                </a:solidFill>
-                <a:latin typeface="American Typewriter"/>
-                <a:cs typeface="American Typewriter"/>
-              </a:rPr>
-              <a:t>	…</a:t>
-            </a:r>
-          </a:p>
-          <a:p>
-            <a:pPr algn="l">
-              <a:lnSpc>
-                <a:spcPct val="90000"/>
-              </a:lnSpc>
-            </a:pPr>
-            <a:r>
-              <a:rPr lang="en-US" dirty="0">
-                <a:solidFill>
-                  <a:schemeClr val="tx1"/>
-                </a:solidFill>
-                <a:latin typeface="American Typewriter"/>
-                <a:cs typeface="American Typewriter"/>
-              </a:rPr>
-              <a:t>	…</a:t>
-            </a:r>
-          </a:p>
-          <a:p>
-            <a:pPr algn="l">
-              <a:lnSpc>
-                <a:spcPct val="90000"/>
-              </a:lnSpc>
-            </a:pPr>
-            <a:r>
-              <a:rPr lang="en-US" dirty="0">
-                <a:solidFill>
-                  <a:schemeClr val="tx1"/>
-                </a:solidFill>
-                <a:latin typeface="American Typewriter"/>
-                <a:cs typeface="American Typewriter"/>
-              </a:rPr>
-              <a:t>	…</a:t>
-            </a:r>
-          </a:p>
-          <a:p>
-            <a:pPr algn="l">
-              <a:lnSpc>
-                <a:spcPct val="90000"/>
-              </a:lnSpc>
-            </a:pPr>
-            <a:r>
-              <a:rPr lang="en-US" dirty="0">
-                <a:solidFill>
-                  <a:schemeClr val="tx1"/>
-                </a:solidFill>
-                <a:latin typeface="American Typewriter"/>
-                <a:cs typeface="American Typewriter"/>
-              </a:rPr>
-              <a:t>	}</a:t>
-            </a:r>
+              <a:t>I will never be able to reuse this code.</a:t>
+            </a:r>
+            <a:r>
+              <a:rPr lang="ja-JP" altLang="en-US" dirty="0">
+                <a:solidFill>
+                  <a:schemeClr val="tx1"/>
+                </a:solidFill>
+                <a:latin typeface="American Typewriter"/>
+                <a:cs typeface="American Typewriter"/>
+              </a:rPr>
+              <a:t>”</a:t>
+            </a:r>
+            <a:endParaRPr lang="en-US" dirty="0">
+              <a:solidFill>
+                <a:schemeClr val="tx1"/>
+              </a:solidFill>
+              <a:latin typeface="American Typewriter"/>
+              <a:cs typeface="American Typewriter"/>
+            </a:endParaRPr>
           </a:p>
         </p:txBody>
       </p:sp>
     </p:spTree>
     <p:extLst>
       <p:ext uri="{BB962C8B-B14F-4D97-AF65-F5344CB8AC3E}">
-        <p14:creationId xmlns:p14="http://schemas.microsoft.com/office/powerpoint/2010/main" val="2827953884"/>
+        <p14:creationId xmlns:p14="http://schemas.microsoft.com/office/powerpoint/2010/main" val="1865039314"/>
       </p:ext>
     </p:extLst>
   </p:cSld>
@@ -6003,7 +6581,7 @@
         </p:spPr>
         <p:txBody>
           <a:bodyPr>
-            <a:normAutofit fontScale="62500" lnSpcReduction="20000"/>
+            <a:normAutofit fontScale="70000" lnSpcReduction="20000"/>
           </a:bodyPr>
           <a:lstStyle/>
           <a:p>
@@ -6023,11 +6601,7 @@
             <a:pPr lvl="1"/>
             <a:r>
               <a:rPr lang="en-US" dirty="0" smtClean="0"/>
-              <a:t>Goals of this </a:t>
-            </a:r>
-            <a:r>
-              <a:rPr lang="en-US" dirty="0" smtClean="0"/>
-              <a:t>session</a:t>
+              <a:t>Goals of this session</a:t>
             </a:r>
           </a:p>
           <a:p>
@@ -6045,67 +6619,64 @@
             <a:endParaRPr lang="en-US" dirty="0" smtClean="0"/>
           </a:p>
           <a:p>
+            <a:r>
+              <a:rPr lang="en-US" dirty="0" smtClean="0"/>
+              <a:t>Writing </a:t>
+            </a:r>
+            <a:r>
+              <a:rPr lang="en-US" dirty="0" smtClean="0"/>
+              <a:t>code </a:t>
+            </a:r>
+          </a:p>
+          <a:p>
             <a:pPr lvl="1"/>
             <a:r>
-              <a:rPr lang="en-US" dirty="0" err="1" smtClean="0"/>
-              <a:t>Dropbox</a:t>
+              <a:rPr lang="en-US" dirty="0" smtClean="0"/>
+              <a:t>Writing your own code</a:t>
+            </a:r>
+          </a:p>
+          <a:p>
+            <a:pPr lvl="1"/>
+            <a:r>
+              <a:rPr lang="en-US" dirty="0" smtClean="0"/>
+              <a:t>Working on </a:t>
+            </a:r>
+            <a:r>
+              <a:rPr lang="en-US" dirty="0" smtClean="0"/>
+              <a:t>code </a:t>
+            </a:r>
+            <a:r>
+              <a:rPr lang="en-US" dirty="0" smtClean="0"/>
+              <a:t>with collaborators </a:t>
+            </a:r>
+          </a:p>
+          <a:p>
+            <a:pPr lvl="1"/>
+            <a:r>
+              <a:rPr lang="en-US" dirty="0" smtClean="0"/>
+              <a:t>Joining a project where someone left off </a:t>
+            </a:r>
+          </a:p>
+          <a:p>
+            <a:r>
+              <a:rPr lang="en-US" dirty="0"/>
+              <a:t>Find out how to do something</a:t>
+            </a:r>
+          </a:p>
+          <a:p>
+            <a:pPr lvl="1"/>
+            <a:r>
+              <a:rPr lang="en-US" dirty="0"/>
+              <a:t>Looking for information you need</a:t>
+            </a:r>
+          </a:p>
+          <a:p>
+            <a:pPr lvl="1"/>
+            <a:r>
+              <a:rPr lang="en-US" dirty="0"/>
+              <a:t>Using the fruits of other peoples’ labor</a:t>
             </a:r>
             <a:endParaRPr lang="en-US" dirty="0" smtClean="0"/>
-          </a:p>
-          <a:p>
-            <a:pPr lvl="1"/>
-            <a:r>
-              <a:rPr lang="en-US" dirty="0" err="1" smtClean="0"/>
-              <a:t>Harddrives</a:t>
-            </a:r>
-            <a:endParaRPr lang="en-US" dirty="0" smtClean="0"/>
-          </a:p>
-          <a:p>
-            <a:r>
-              <a:rPr lang="en-US" dirty="0" smtClean="0"/>
-              <a:t>Writing code </a:t>
-            </a:r>
-          </a:p>
-          <a:p>
-            <a:pPr lvl="1"/>
-            <a:r>
-              <a:rPr lang="en-US" dirty="0" smtClean="0"/>
-              <a:t>Writing your own code</a:t>
-            </a:r>
-          </a:p>
-          <a:p>
-            <a:pPr lvl="1"/>
-            <a:r>
-              <a:rPr lang="en-US" dirty="0" smtClean="0"/>
-              <a:t>Working on code with collaborators </a:t>
-            </a:r>
-          </a:p>
-          <a:p>
-            <a:pPr lvl="1"/>
-            <a:r>
-              <a:rPr lang="en-US" dirty="0" smtClean="0"/>
-              <a:t>Joining a project where someone left off </a:t>
-            </a:r>
-          </a:p>
-          <a:p>
-            <a:r>
-              <a:rPr lang="en-US" dirty="0" smtClean="0"/>
-              <a:t>Find out how to do something</a:t>
-            </a:r>
-          </a:p>
-          <a:p>
-            <a:pPr lvl="1"/>
-            <a:r>
-              <a:rPr lang="en-US" dirty="0" smtClean="0"/>
-              <a:t>Looking for information you need</a:t>
-            </a:r>
-          </a:p>
-          <a:p>
-            <a:pPr lvl="1"/>
-            <a:r>
-              <a:rPr lang="en-US" dirty="0" smtClean="0"/>
-              <a:t>Using the fruits of other peoples’ labor</a:t>
-            </a:r>
           </a:p>
           <a:p>
             <a:r>
@@ -6167,7 +6738,7 @@
       </p:grpSpPr>
       <p:sp>
         <p:nvSpPr>
-          <p:cNvPr id="93186" name="Rectangle 2"/>
+          <p:cNvPr id="108546" name="Rectangle 2"/>
           <p:cNvSpPr>
             <a:spLocks noGrp="1" noChangeArrowheads="1"/>
           </p:cNvSpPr>
@@ -6177,8 +6748,8 @@
         </p:nvSpPr>
         <p:spPr>
           <a:xfrm>
-            <a:off x="609600" y="685800"/>
-            <a:ext cx="7848600" cy="914400"/>
+            <a:off x="457200" y="762000"/>
+            <a:ext cx="8229600" cy="1752600"/>
           </a:xfrm>
         </p:spPr>
         <p:txBody>
@@ -6186,17 +6757,28 @@
           <a:lstStyle/>
           <a:p>
             <a:r>
-              <a:rPr lang="en-US" sz="4800" dirty="0">
+              <a:rPr lang="en-US" sz="4800">
                 <a:latin typeface="Trebuchet MS" charset="0"/>
               </a:rPr>
-              <a:t>Or, use an external file</a:t>
-            </a:r>
-          </a:p>
-        </p:txBody>
-      </p:sp>
-      <p:sp>
-        <p:nvSpPr>
-          <p:cNvPr id="93187" name="Rectangle 3"/>
+              <a:t>Pretend you are</a:t>
+            </a:r>
+            <a:br>
+              <a:rPr lang="en-US" sz="4800">
+                <a:latin typeface="Trebuchet MS" charset="0"/>
+              </a:rPr>
+            </a:br>
+            <a:r>
+              <a:rPr lang="en-US" sz="4800">
+                <a:latin typeface="Trebuchet MS" charset="0"/>
+              </a:rPr>
+              <a:t>in a programming team</a:t>
+            </a:r>
+          </a:p>
+        </p:txBody>
+      </p:sp>
+      <p:sp>
+        <p:nvSpPr>
+          <p:cNvPr id="108547" name="Rectangle 3"/>
           <p:cNvSpPr>
             <a:spLocks noGrp="1" noChangeArrowheads="1"/>
           </p:cNvSpPr>
@@ -6206,8 +6788,8 @@
         </p:nvSpPr>
         <p:spPr>
           <a:xfrm>
-            <a:off x="609600" y="2057400"/>
-            <a:ext cx="8153400" cy="4495800"/>
+            <a:off x="609600" y="3124200"/>
+            <a:ext cx="8153400" cy="3429000"/>
           </a:xfrm>
         </p:spPr>
         <p:txBody>
@@ -6215,186 +6797,17 @@
           <a:lstStyle/>
           <a:p>
             <a:pPr algn="l"/>
-            <a:r>
-              <a:rPr lang="en-US" sz="2800" dirty="0">
-                <a:solidFill>
-                  <a:schemeClr val="tx1"/>
-                </a:solidFill>
-                <a:latin typeface="American Typewriter"/>
-                <a:cs typeface="American Typewriter"/>
-              </a:rPr>
-              <a:t>// Declarations</a:t>
-            </a:r>
+            <a:endParaRPr lang="en-US" dirty="0">
+              <a:latin typeface="Trebuchet MS" charset="0"/>
+            </a:endParaRPr>
           </a:p>
           <a:p>
             <a:pPr algn="l"/>
             <a:r>
-              <a:rPr lang="en-US" sz="2800" dirty="0" err="1">
-                <a:solidFill>
-                  <a:schemeClr val="tx1"/>
-                </a:solidFill>
-                <a:latin typeface="American Typewriter"/>
-                <a:cs typeface="American Typewriter"/>
-              </a:rPr>
-              <a:t>int</a:t>
-            </a:r>
-            <a:r>
-              <a:rPr lang="en-US" sz="2800" dirty="0">
-                <a:solidFill>
-                  <a:schemeClr val="tx1"/>
-                </a:solidFill>
-                <a:latin typeface="American Typewriter"/>
-                <a:cs typeface="American Typewriter"/>
-              </a:rPr>
-              <a:t>		</a:t>
-            </a:r>
-            <a:r>
-              <a:rPr lang="en-US" sz="2800" dirty="0" err="1">
-                <a:solidFill>
-                  <a:schemeClr val="tx1"/>
-                </a:solidFill>
-                <a:latin typeface="American Typewriter"/>
-                <a:cs typeface="American Typewriter"/>
-              </a:rPr>
-              <a:t>iLength</a:t>
-            </a:r>
-            <a:r>
-              <a:rPr lang="en-US" sz="2800" dirty="0">
-                <a:solidFill>
-                  <a:schemeClr val="tx1"/>
-                </a:solidFill>
-                <a:latin typeface="American Typewriter"/>
-                <a:cs typeface="American Typewriter"/>
-              </a:rPr>
-              <a:t>;		// x-axis increment</a:t>
-            </a:r>
-          </a:p>
-          <a:p>
-            <a:pPr algn="l"/>
-            <a:r>
-              <a:rPr lang="en-US" sz="2800" dirty="0" err="1">
-                <a:solidFill>
-                  <a:schemeClr val="tx1"/>
-                </a:solidFill>
-                <a:latin typeface="American Typewriter"/>
-                <a:cs typeface="American Typewriter"/>
-              </a:rPr>
-              <a:t>int</a:t>
-            </a:r>
-            <a:r>
-              <a:rPr lang="en-US" sz="2800" dirty="0">
-                <a:solidFill>
-                  <a:schemeClr val="tx1"/>
-                </a:solidFill>
-                <a:latin typeface="American Typewriter"/>
-                <a:cs typeface="American Typewriter"/>
-              </a:rPr>
-              <a:t>		</a:t>
-            </a:r>
-            <a:r>
-              <a:rPr lang="en-US" sz="2800" dirty="0" err="1">
-                <a:solidFill>
-                  <a:schemeClr val="tx1"/>
-                </a:solidFill>
-                <a:latin typeface="American Typewriter"/>
-                <a:cs typeface="American Typewriter"/>
-              </a:rPr>
-              <a:t>iMax</a:t>
-            </a:r>
-            <a:r>
-              <a:rPr lang="en-US" sz="2800" dirty="0">
-                <a:solidFill>
-                  <a:schemeClr val="tx1"/>
-                </a:solidFill>
-                <a:latin typeface="American Typewriter"/>
-                <a:cs typeface="American Typewriter"/>
-              </a:rPr>
-              <a:t>;			// total increments</a:t>
-            </a:r>
-          </a:p>
-          <a:p>
-            <a:pPr algn="l"/>
-            <a:r>
-              <a:rPr lang="en-US" sz="2800" dirty="0">
-                <a:solidFill>
-                  <a:schemeClr val="tx1"/>
-                </a:solidFill>
-                <a:latin typeface="American Typewriter"/>
-                <a:cs typeface="American Typewriter"/>
-              </a:rPr>
-              <a:t>double	</a:t>
-            </a:r>
-            <a:r>
-              <a:rPr lang="en-US" sz="2800" dirty="0" err="1">
-                <a:solidFill>
-                  <a:schemeClr val="tx1"/>
-                </a:solidFill>
-                <a:latin typeface="American Typewriter"/>
-                <a:cs typeface="American Typewriter"/>
-              </a:rPr>
-              <a:t>dVelocity</a:t>
-            </a:r>
-            <a:r>
-              <a:rPr lang="en-US" sz="2800" dirty="0">
-                <a:solidFill>
-                  <a:schemeClr val="tx1"/>
-                </a:solidFill>
-                <a:latin typeface="American Typewriter"/>
-                <a:cs typeface="American Typewriter"/>
-              </a:rPr>
-              <a:t>[5001]; // array of velocities</a:t>
-            </a:r>
-          </a:p>
-          <a:p>
-            <a:pPr algn="l"/>
-            <a:r>
-              <a:rPr lang="en-US" sz="2800" dirty="0">
-                <a:solidFill>
-                  <a:schemeClr val="tx1"/>
-                </a:solidFill>
-                <a:latin typeface="American Typewriter"/>
-                <a:cs typeface="American Typewriter"/>
-              </a:rPr>
-              <a:t>…</a:t>
-            </a:r>
-          </a:p>
-          <a:p>
-            <a:pPr algn="l"/>
-            <a:r>
-              <a:rPr lang="en-US" sz="2800" dirty="0">
-                <a:solidFill>
-                  <a:schemeClr val="tx1"/>
-                </a:solidFill>
-                <a:latin typeface="American Typewriter"/>
-                <a:cs typeface="American Typewriter"/>
-              </a:rPr>
-              <a:t>// Read and set Initial Values from a file</a:t>
-            </a:r>
-          </a:p>
-          <a:p>
-            <a:pPr algn="l"/>
-            <a:r>
-              <a:rPr lang="en-US" sz="2800" dirty="0">
-                <a:solidFill>
-                  <a:schemeClr val="tx1"/>
-                </a:solidFill>
-                <a:latin typeface="American Typewriter"/>
-                <a:cs typeface="American Typewriter"/>
-              </a:rPr>
-              <a:t>…</a:t>
-            </a:r>
-          </a:p>
-          <a:p>
-            <a:pPr algn="l"/>
-            <a:r>
-              <a:rPr lang="en-US" sz="2800" dirty="0">
-                <a:solidFill>
-                  <a:schemeClr val="tx1"/>
-                </a:solidFill>
-                <a:latin typeface="American Typewriter"/>
-                <a:cs typeface="American Typewriter"/>
-              </a:rPr>
-              <a:t>…</a:t>
+              <a:rPr lang="en-US" dirty="0">
+                <a:latin typeface="Trebuchet MS" charset="0"/>
+              </a:rPr>
+              <a:t>Write your code as if someone else will have to understand and modify it</a:t>
             </a:r>
           </a:p>
         </p:txBody>
@@ -6402,7 +6815,7 @@
     </p:spTree>
     <p:extLst>
       <p:ext uri="{BB962C8B-B14F-4D97-AF65-F5344CB8AC3E}">
-        <p14:creationId xmlns:p14="http://schemas.microsoft.com/office/powerpoint/2010/main" val="2026744277"/>
+        <p14:creationId xmlns:p14="http://schemas.microsoft.com/office/powerpoint/2010/main" val="4219313624"/>
       </p:ext>
     </p:extLst>
   </p:cSld>
@@ -6438,176 +6851,72 @@
       </p:grpSpPr>
       <p:sp>
         <p:nvSpPr>
-          <p:cNvPr id="112642" name="Rectangle 2"/>
-          <p:cNvSpPr>
-            <a:spLocks noGrp="1" noChangeArrowheads="1"/>
-          </p:cNvSpPr>
-          <p:nvPr>
-            <p:ph type="ctrTitle"/>
-          </p:nvPr>
-        </p:nvSpPr>
-        <p:spPr>
-          <a:xfrm>
-            <a:off x="457200" y="685800"/>
-            <a:ext cx="8305800" cy="1143000"/>
-          </a:xfrm>
-        </p:spPr>
-        <p:txBody>
-          <a:bodyPr/>
-          <a:lstStyle/>
-          <a:p>
-            <a:r>
-              <a:rPr lang="en-US" sz="4800" dirty="0">
-                <a:latin typeface="Trebuchet MS" charset="0"/>
-              </a:rPr>
-              <a:t>Use descriptive file names</a:t>
-            </a:r>
-          </a:p>
-        </p:txBody>
-      </p:sp>
-      <p:sp>
-        <p:nvSpPr>
-          <p:cNvPr id="112643" name="Rectangle 3"/>
-          <p:cNvSpPr>
-            <a:spLocks noGrp="1" noChangeArrowheads="1"/>
-          </p:cNvSpPr>
-          <p:nvPr>
-            <p:ph type="subTitle" idx="1"/>
-          </p:nvPr>
-        </p:nvSpPr>
-        <p:spPr>
-          <a:xfrm>
-            <a:off x="609600" y="2057400"/>
-            <a:ext cx="7848600" cy="4495800"/>
-          </a:xfrm>
-        </p:spPr>
-        <p:txBody>
-          <a:bodyPr/>
-          <a:lstStyle/>
-          <a:p>
-            <a:pPr algn="l"/>
-            <a:endParaRPr lang="en-US" dirty="0">
-              <a:latin typeface="Trebuchet MS" charset="0"/>
-            </a:endParaRPr>
-          </a:p>
-          <a:p>
-            <a:pPr algn="l"/>
-            <a:endParaRPr lang="en-US" dirty="0">
-              <a:latin typeface="Trebuchet MS" charset="0"/>
-            </a:endParaRPr>
-          </a:p>
-          <a:p>
-            <a:pPr algn="l"/>
-            <a:r>
-              <a:rPr lang="en-US" dirty="0">
-                <a:solidFill>
-                  <a:schemeClr val="tx1"/>
-                </a:solidFill>
-                <a:latin typeface="American Typewriter"/>
-                <a:cs typeface="American Typewriter"/>
-              </a:rPr>
-              <a:t>Naming your script </a:t>
-            </a:r>
-            <a:r>
-              <a:rPr lang="ja-JP" altLang="en-US" dirty="0">
-                <a:solidFill>
-                  <a:schemeClr val="tx1"/>
-                </a:solidFill>
-                <a:latin typeface="American Typewriter"/>
-                <a:cs typeface="American Typewriter"/>
-              </a:rPr>
-              <a:t>“</a:t>
-            </a:r>
-            <a:r>
-              <a:rPr lang="en-US" dirty="0" err="1">
-                <a:solidFill>
-                  <a:schemeClr val="tx1"/>
-                </a:solidFill>
-                <a:latin typeface="American Typewriter"/>
-                <a:cs typeface="American Typewriter"/>
-              </a:rPr>
-              <a:t>test.csh</a:t>
-            </a:r>
-            <a:r>
-              <a:rPr lang="ja-JP" altLang="en-US" dirty="0">
-                <a:solidFill>
-                  <a:schemeClr val="tx1"/>
-                </a:solidFill>
-                <a:latin typeface="American Typewriter"/>
-                <a:cs typeface="American Typewriter"/>
-              </a:rPr>
-              <a:t>”</a:t>
-            </a:r>
-            <a:r>
-              <a:rPr lang="en-US" dirty="0">
-                <a:solidFill>
-                  <a:schemeClr val="tx1"/>
-                </a:solidFill>
-                <a:latin typeface="American Typewriter"/>
-                <a:cs typeface="American Typewriter"/>
-              </a:rPr>
-              <a:t> means</a:t>
-            </a:r>
-          </a:p>
-          <a:p>
-            <a:pPr algn="l"/>
-            <a:r>
-              <a:rPr lang="ja-JP" altLang="en-US" dirty="0">
-                <a:solidFill>
-                  <a:schemeClr val="tx1"/>
-                </a:solidFill>
-                <a:latin typeface="American Typewriter"/>
-                <a:cs typeface="American Typewriter"/>
-              </a:rPr>
-              <a:t>“</a:t>
-            </a:r>
-            <a:r>
-              <a:rPr lang="en-US" dirty="0">
-                <a:solidFill>
-                  <a:schemeClr val="tx1"/>
-                </a:solidFill>
-                <a:latin typeface="American Typewriter"/>
-                <a:cs typeface="American Typewriter"/>
-              </a:rPr>
-              <a:t>I will never be able to reuse this code.</a:t>
-            </a:r>
-            <a:r>
-              <a:rPr lang="ja-JP" altLang="en-US" dirty="0">
-                <a:solidFill>
-                  <a:schemeClr val="tx1"/>
-                </a:solidFill>
-                <a:latin typeface="American Typewriter"/>
-                <a:cs typeface="American Typewriter"/>
-              </a:rPr>
-              <a:t>”</a:t>
-            </a:r>
-            <a:endParaRPr lang="en-US" dirty="0">
-              <a:solidFill>
-                <a:schemeClr val="tx1"/>
-              </a:solidFill>
-              <a:latin typeface="American Typewriter"/>
-              <a:cs typeface="American Typewriter"/>
-            </a:endParaRPr>
+          <p:cNvPr id="2" name="Title 1"/>
+          <p:cNvSpPr>
+            <a:spLocks noGrp="1"/>
+          </p:cNvSpPr>
+          <p:nvPr>
+            <p:ph type="title"/>
+          </p:nvPr>
+        </p:nvSpPr>
+        <p:spPr/>
+        <p:txBody>
+          <a:bodyPr/>
+          <a:lstStyle/>
+          <a:p>
+            <a:r>
+              <a:rPr lang="en-US" dirty="0" smtClean="0"/>
+              <a:t>Working with someone else</a:t>
+            </a:r>
+            <a:endParaRPr lang="en-US" dirty="0"/>
+          </a:p>
+        </p:txBody>
+      </p:sp>
+      <p:sp>
+        <p:nvSpPr>
+          <p:cNvPr id="3" name="Content Placeholder 2"/>
+          <p:cNvSpPr>
+            <a:spLocks noGrp="1"/>
+          </p:cNvSpPr>
+          <p:nvPr>
+            <p:ph idx="1"/>
+          </p:nvPr>
+        </p:nvSpPr>
+        <p:spPr/>
+        <p:txBody>
+          <a:bodyPr/>
+          <a:lstStyle/>
+          <a:p>
+            <a:r>
+              <a:rPr lang="en-US" dirty="0" smtClean="0"/>
+              <a:t>Don’t try to understand everything in one go</a:t>
+            </a:r>
+          </a:p>
+          <a:p>
+            <a:r>
+              <a:rPr lang="en-US" dirty="0" smtClean="0"/>
+              <a:t>Identify one place you need to begin work on</a:t>
+            </a:r>
+          </a:p>
+          <a:p>
+            <a:r>
+              <a:rPr lang="en-US" dirty="0" smtClean="0"/>
+              <a:t>Ask the person who worked on it to explain what was going on in that part, then start!  </a:t>
+            </a:r>
+            <a:endParaRPr lang="en-US" dirty="0"/>
           </a:p>
         </p:txBody>
       </p:sp>
     </p:spTree>
     <p:extLst>
       <p:ext uri="{BB962C8B-B14F-4D97-AF65-F5344CB8AC3E}">
-        <p14:creationId xmlns:p14="http://schemas.microsoft.com/office/powerpoint/2010/main" val="1865039314"/>
+        <p14:creationId xmlns:p14="http://schemas.microsoft.com/office/powerpoint/2010/main" val="32140555"/>
       </p:ext>
     </p:extLst>
   </p:cSld>
   <p:clrMapOvr>
     <a:masterClrMapping/>
   </p:clrMapOvr>
-  <p:timing>
-    <p:tnLst>
-      <p:par>
-        <p:cTn xmlns:p14="http://schemas.microsoft.com/office/powerpoint/2010/main" id="1" dur="indefinite" restart="never" nodeType="tmRoot"/>
-      </p:par>
-    </p:tnLst>
-  </p:timing>
 </p:sld>
 </file>
 
@@ -6630,97 +6939,66 @@
       </p:grpSpPr>
       <p:sp>
         <p:nvSpPr>
-          <p:cNvPr id="108546" name="Rectangle 2"/>
-          <p:cNvSpPr>
-            <a:spLocks noGrp="1" noChangeArrowheads="1"/>
-          </p:cNvSpPr>
-          <p:nvPr>
-            <p:ph type="ctrTitle"/>
-          </p:nvPr>
-        </p:nvSpPr>
-        <p:spPr>
-          <a:xfrm>
-            <a:off x="457200" y="762000"/>
-            <a:ext cx="8229600" cy="1752600"/>
-          </a:xfrm>
-        </p:spPr>
-        <p:txBody>
-          <a:bodyPr/>
-          <a:lstStyle/>
-          <a:p>
-            <a:r>
-              <a:rPr lang="en-US" sz="4800">
-                <a:latin typeface="Trebuchet MS" charset="0"/>
-              </a:rPr>
-              <a:t>Pretend you are</a:t>
-            </a:r>
-            <a:br>
-              <a:rPr lang="en-US" sz="4800">
-                <a:latin typeface="Trebuchet MS" charset="0"/>
-              </a:rPr>
-            </a:br>
-            <a:r>
-              <a:rPr lang="en-US" sz="4800">
-                <a:latin typeface="Trebuchet MS" charset="0"/>
-              </a:rPr>
-              <a:t>in a programming team</a:t>
-            </a:r>
-          </a:p>
-        </p:txBody>
-      </p:sp>
-      <p:sp>
-        <p:nvSpPr>
-          <p:cNvPr id="108547" name="Rectangle 3"/>
-          <p:cNvSpPr>
-            <a:spLocks noGrp="1" noChangeArrowheads="1"/>
-          </p:cNvSpPr>
-          <p:nvPr>
-            <p:ph type="subTitle" idx="1"/>
-          </p:nvPr>
-        </p:nvSpPr>
-        <p:spPr>
-          <a:xfrm>
-            <a:off x="609600" y="3124200"/>
-            <a:ext cx="8153400" cy="3429000"/>
-          </a:xfrm>
-        </p:spPr>
-        <p:txBody>
-          <a:bodyPr/>
-          <a:lstStyle/>
-          <a:p>
-            <a:pPr algn="l"/>
-            <a:endParaRPr lang="en-US" dirty="0">
-              <a:latin typeface="Trebuchet MS" charset="0"/>
-            </a:endParaRPr>
-          </a:p>
-          <a:p>
-            <a:pPr algn="l"/>
-            <a:r>
-              <a:rPr lang="en-US" dirty="0">
-                <a:latin typeface="Trebuchet MS" charset="0"/>
-              </a:rPr>
-              <a:t>Write your code as if someone else will have to understand and modify it</a:t>
-            </a:r>
+          <p:cNvPr id="2" name="Title 1"/>
+          <p:cNvSpPr>
+            <a:spLocks noGrp="1"/>
+          </p:cNvSpPr>
+          <p:nvPr>
+            <p:ph type="title"/>
+          </p:nvPr>
+        </p:nvSpPr>
+        <p:spPr/>
+        <p:txBody>
+          <a:bodyPr/>
+          <a:lstStyle/>
+          <a:p>
+            <a:r>
+              <a:rPr lang="en-US" dirty="0" smtClean="0"/>
+              <a:t>Taking over someone’s project </a:t>
+            </a:r>
+            <a:endParaRPr lang="en-US" dirty="0"/>
+          </a:p>
+        </p:txBody>
+      </p:sp>
+      <p:sp>
+        <p:nvSpPr>
+          <p:cNvPr id="3" name="Content Placeholder 2"/>
+          <p:cNvSpPr>
+            <a:spLocks noGrp="1"/>
+          </p:cNvSpPr>
+          <p:nvPr>
+            <p:ph idx="1"/>
+          </p:nvPr>
+        </p:nvSpPr>
+        <p:spPr/>
+        <p:txBody>
+          <a:bodyPr/>
+          <a:lstStyle/>
+          <a:p>
+            <a:r>
+              <a:rPr lang="en-US" dirty="0" smtClean="0"/>
+              <a:t>Comment/uncomment out bits of their code</a:t>
+            </a:r>
+          </a:p>
+          <a:p>
+            <a:r>
+              <a:rPr lang="en-US" dirty="0" smtClean="0"/>
+              <a:t>See what part of the code controls the functionality </a:t>
+            </a:r>
+            <a:endParaRPr lang="en-US" dirty="0"/>
           </a:p>
         </p:txBody>
       </p:sp>
     </p:spTree>
     <p:extLst>
       <p:ext uri="{BB962C8B-B14F-4D97-AF65-F5344CB8AC3E}">
-        <p14:creationId xmlns:p14="http://schemas.microsoft.com/office/powerpoint/2010/main" val="4219313624"/>
+        <p14:creationId xmlns:p14="http://schemas.microsoft.com/office/powerpoint/2010/main" val="3486859430"/>
       </p:ext>
     </p:extLst>
   </p:cSld>
   <p:clrMapOvr>
     <a:masterClrMapping/>
   </p:clrMapOvr>
-  <p:timing>
-    <p:tnLst>
-      <p:par>
-        <p:cTn xmlns:p14="http://schemas.microsoft.com/office/powerpoint/2010/main" id="1" dur="indefinite" restart="never" nodeType="tmRoot"/>
-      </p:par>
-    </p:tnLst>
-  </p:timing>
 </p:sld>
 </file>
 
@@ -6743,12 +7021,47 @@
       </p:grpSpPr>
       <p:sp>
         <p:nvSpPr>
-          <p:cNvPr id="2" name="Title 1"/>
-          <p:cNvSpPr>
-            <a:spLocks noGrp="1"/>
-          </p:cNvSpPr>
-          <p:nvPr>
-            <p:ph type="title"/>
+          <p:cNvPr id="3" name="Title 2"/>
+          <p:cNvSpPr>
+            <a:spLocks noGrp="1"/>
+          </p:cNvSpPr>
+          <p:nvPr>
+            <p:ph type="ctrTitle"/>
+          </p:nvPr>
+        </p:nvSpPr>
+        <p:spPr>
+          <a:solidFill>
+            <a:schemeClr val="tx1"/>
+          </a:solidFill>
+        </p:spPr>
+        <p:txBody>
+          <a:bodyPr/>
+          <a:lstStyle/>
+          <a:p>
+            <a:r>
+              <a:rPr lang="en-US" dirty="0" smtClean="0">
+                <a:solidFill>
+                  <a:srgbClr val="FFFFFF"/>
+                </a:solidFill>
+              </a:rPr>
+              <a:t>Solving Problems</a:t>
+            </a:r>
+            <a:endParaRPr lang="en-US" dirty="0">
+              <a:solidFill>
+                <a:srgbClr val="FFFFFF"/>
+              </a:solidFill>
+            </a:endParaRPr>
+          </a:p>
+        </p:txBody>
+      </p:sp>
+      <p:sp>
+        <p:nvSpPr>
+          <p:cNvPr id="4" name="Subtitle 3"/>
+          <p:cNvSpPr>
+            <a:spLocks noGrp="1"/>
+          </p:cNvSpPr>
+          <p:nvPr>
+            <p:ph type="subTitle" idx="1"/>
           </p:nvPr>
         </p:nvSpPr>
         <p:spPr/>
@@ -6756,53 +7069,14 @@
           <a:bodyPr/>
           <a:lstStyle/>
           <a:p>
-            <a:r>
-              <a:rPr lang="en-US" dirty="0" smtClean="0"/>
-              <a:t>Working with someone else</a:t>
-            </a:r>
-            <a:endParaRPr lang="en-US" dirty="0"/>
-          </a:p>
-        </p:txBody>
-      </p:sp>
-      <p:sp>
-        <p:nvSpPr>
-          <p:cNvPr id="3" name="Content Placeholder 2"/>
-          <p:cNvSpPr>
-            <a:spLocks noGrp="1"/>
-          </p:cNvSpPr>
-          <p:nvPr>
-            <p:ph idx="1"/>
-          </p:nvPr>
-        </p:nvSpPr>
-        <p:spPr/>
-        <p:txBody>
-          <a:bodyPr/>
-          <a:lstStyle/>
-          <a:p>
-            <a:r>
-              <a:rPr lang="en-US" dirty="0" smtClean="0"/>
-              <a:t>Don’t try to understand everything in one go</a:t>
-            </a:r>
-          </a:p>
-          <a:p>
-            <a:r>
-              <a:rPr lang="en-US" dirty="0" smtClean="0"/>
-              <a:t>Identify one place you need to begin work on</a:t>
-            </a:r>
-          </a:p>
-          <a:p>
-            <a:r>
-              <a:rPr lang="en-US" dirty="0" smtClean="0"/>
-              <a:t>Ask the person who worked on it to explain what was going on in that part, then start!  </a:t>
-            </a:r>
-            <a:endParaRPr lang="en-US" dirty="0"/>
+            <a:endParaRPr lang="en-US"/>
           </a:p>
         </p:txBody>
       </p:sp>
     </p:spTree>
     <p:extLst>
       <p:ext uri="{BB962C8B-B14F-4D97-AF65-F5344CB8AC3E}">
-        <p14:creationId xmlns:p14="http://schemas.microsoft.com/office/powerpoint/2010/main" val="32140555"/>
+        <p14:creationId xmlns:p14="http://schemas.microsoft.com/office/powerpoint/2010/main" val="2196298696"/>
       </p:ext>
     </p:extLst>
   </p:cSld>
@@ -6846,7 +7120,7 @@
           <a:p>
             <a:r>
               <a:rPr lang="en-US" dirty="0" smtClean="0"/>
-              <a:t>Taking over someone’s project </a:t>
+              <a:t>What if you hit a problem?</a:t>
             </a:r>
             <a:endParaRPr lang="en-US" dirty="0"/>
           </a:p>
@@ -6864,19 +7138,66 @@
         </p:nvSpPr>
         <p:spPr/>
         <p:txBody>
-          <a:bodyPr/>
-          <a:lstStyle/>
-          <a:p>
-            <a:r>
-              <a:rPr lang="en-US" dirty="0" smtClean="0"/>
-              <a:t>Comment/uncomment out bits of their code</a:t>
-            </a:r>
-          </a:p>
-          <a:p>
-            <a:r>
-              <a:rPr lang="en-US" dirty="0" smtClean="0"/>
-              <a:t>See what part of the code controls the functionality </a:t>
-            </a:r>
+          <a:bodyPr>
+            <a:normAutofit fontScale="92500" lnSpcReduction="10000"/>
+          </a:bodyPr>
+          <a:lstStyle/>
+          <a:p>
+            <a:r>
+              <a:rPr lang="en-US" dirty="0" smtClean="0"/>
+              <a:t>Coding problem</a:t>
+            </a:r>
+          </a:p>
+          <a:p>
+            <a:pPr lvl="1"/>
+            <a:r>
+              <a:rPr lang="en-US" dirty="0"/>
+              <a:t>c</a:t>
+            </a:r>
+            <a:r>
+              <a:rPr lang="en-US" dirty="0" smtClean="0"/>
+              <a:t>hances are someone else has a similar problem, and a solution exists</a:t>
+            </a:r>
+          </a:p>
+          <a:p>
+            <a:pPr lvl="1"/>
+            <a:r>
+              <a:rPr lang="en-US" dirty="0" smtClean="0"/>
+              <a:t>Google it. How would you phrase that question to a human?</a:t>
+            </a:r>
+          </a:p>
+          <a:p>
+            <a:r>
+              <a:rPr lang="en-US" dirty="0" smtClean="0"/>
+              <a:t>Who does research in that general area?  </a:t>
+            </a:r>
+          </a:p>
+          <a:p>
+            <a:pPr lvl="1"/>
+            <a:r>
+              <a:rPr lang="en-US" dirty="0" smtClean="0"/>
+              <a:t>Look at their papers for something similar you can adapt </a:t>
+            </a:r>
+          </a:p>
+          <a:p>
+            <a:r>
+              <a:rPr lang="en-US" dirty="0" smtClean="0"/>
+              <a:t>How would you do it manually?</a:t>
+            </a:r>
+          </a:p>
+          <a:p>
+            <a:pPr lvl="1"/>
+            <a:r>
+              <a:rPr lang="en-US" dirty="0" smtClean="0"/>
+              <a:t>Describe the steps, then code it up </a:t>
+            </a:r>
+          </a:p>
+          <a:p>
+            <a:pPr lvl="1"/>
+            <a:endParaRPr lang="en-US" dirty="0"/>
+          </a:p>
+          <a:p>
+            <a:pPr lvl="1"/>
             <a:endParaRPr lang="en-US" dirty="0"/>
           </a:p>
         </p:txBody>
@@ -6884,7 +7205,7 @@
     </p:spTree>
     <p:extLst>
       <p:ext uri="{BB962C8B-B14F-4D97-AF65-F5344CB8AC3E}">
-        <p14:creationId xmlns:p14="http://schemas.microsoft.com/office/powerpoint/2010/main" val="3486859430"/>
+        <p14:creationId xmlns:p14="http://schemas.microsoft.com/office/powerpoint/2010/main" val="3071680531"/>
       </p:ext>
     </p:extLst>
   </p:cSld>
@@ -6913,219 +7234,6 @@
       </p:grpSpPr>
       <p:sp>
         <p:nvSpPr>
-          <p:cNvPr id="3" name="Title 2"/>
-          <p:cNvSpPr>
-            <a:spLocks noGrp="1"/>
-          </p:cNvSpPr>
-          <p:nvPr>
-            <p:ph type="ctrTitle"/>
-          </p:nvPr>
-        </p:nvSpPr>
-        <p:spPr>
-          <a:solidFill>
-            <a:schemeClr val="tx1"/>
-          </a:solidFill>
-        </p:spPr>
-        <p:txBody>
-          <a:bodyPr/>
-          <a:lstStyle/>
-          <a:p>
-            <a:r>
-              <a:rPr lang="en-US" dirty="0" smtClean="0">
-                <a:solidFill>
-                  <a:srgbClr val="FFFFFF"/>
-                </a:solidFill>
-              </a:rPr>
-              <a:t>Solving Problems</a:t>
-            </a:r>
-            <a:endParaRPr lang="en-US" dirty="0">
-              <a:solidFill>
-                <a:srgbClr val="FFFFFF"/>
-              </a:solidFill>
-            </a:endParaRPr>
-          </a:p>
-        </p:txBody>
-      </p:sp>
-      <p:sp>
-        <p:nvSpPr>
-          <p:cNvPr id="4" name="Subtitle 3"/>
-          <p:cNvSpPr>
-            <a:spLocks noGrp="1"/>
-          </p:cNvSpPr>
-          <p:nvPr>
-            <p:ph type="subTitle" idx="1"/>
-          </p:nvPr>
-        </p:nvSpPr>
-        <p:spPr/>
-        <p:txBody>
-          <a:bodyPr/>
-          <a:lstStyle/>
-          <a:p>
-            <a:endParaRPr lang="en-US"/>
-          </a:p>
-        </p:txBody>
-      </p:sp>
-    </p:spTree>
-    <p:extLst>
-      <p:ext uri="{BB962C8B-B14F-4D97-AF65-F5344CB8AC3E}">
-        <p14:creationId xmlns:p14="http://schemas.microsoft.com/office/powerpoint/2010/main" val="2196298696"/>
-      </p:ext>
-    </p:extLst>
-  </p:cSld>
-  <p:clrMapOvr>
-    <a:masterClrMapping/>
-  </p:clrMapOvr>
-</p:sld>
-</file>
-
-<file path=ppt/slides/slide26.xml><?xml version="1.0" encoding="utf-8"?>
-<p:sld xmlns:a="http://schemas.openxmlformats.org/drawingml/2006/main" xmlns:r="http://schemas.openxmlformats.org/officeDocument/2006/relationships" xmlns:p="http://schemas.openxmlformats.org/presentationml/2006/main">
-  <p:cSld>
-    <p:spTree>
-      <p:nvGrpSpPr>
-        <p:cNvPr id="1" name=""/>
-        <p:cNvGrpSpPr/>
-        <p:nvPr/>
-      </p:nvGrpSpPr>
-      <p:grpSpPr>
-        <a:xfrm>
-          <a:off x="0" y="0"/>
-          <a:ext cx="0" cy="0"/>
-          <a:chOff x="0" y="0"/>
-          <a:chExt cx="0" cy="0"/>
-        </a:xfrm>
-      </p:grpSpPr>
-      <p:sp>
-        <p:nvSpPr>
-          <p:cNvPr id="2" name="Title 1"/>
-          <p:cNvSpPr>
-            <a:spLocks noGrp="1"/>
-          </p:cNvSpPr>
-          <p:nvPr>
-            <p:ph type="title"/>
-          </p:nvPr>
-        </p:nvSpPr>
-        <p:spPr/>
-        <p:txBody>
-          <a:bodyPr/>
-          <a:lstStyle/>
-          <a:p>
-            <a:r>
-              <a:rPr lang="en-US" dirty="0" smtClean="0"/>
-              <a:t>What if you hit a problem?</a:t>
-            </a:r>
-            <a:endParaRPr lang="en-US" dirty="0"/>
-          </a:p>
-        </p:txBody>
-      </p:sp>
-      <p:sp>
-        <p:nvSpPr>
-          <p:cNvPr id="3" name="Content Placeholder 2"/>
-          <p:cNvSpPr>
-            <a:spLocks noGrp="1"/>
-          </p:cNvSpPr>
-          <p:nvPr>
-            <p:ph idx="1"/>
-          </p:nvPr>
-        </p:nvSpPr>
-        <p:spPr/>
-        <p:txBody>
-          <a:bodyPr>
-            <a:normAutofit fontScale="92500" lnSpcReduction="10000"/>
-          </a:bodyPr>
-          <a:lstStyle/>
-          <a:p>
-            <a:r>
-              <a:rPr lang="en-US" dirty="0" smtClean="0"/>
-              <a:t>Coding problem</a:t>
-            </a:r>
-          </a:p>
-          <a:p>
-            <a:pPr lvl="1"/>
-            <a:r>
-              <a:rPr lang="en-US" dirty="0"/>
-              <a:t>c</a:t>
-            </a:r>
-            <a:r>
-              <a:rPr lang="en-US" dirty="0" smtClean="0"/>
-              <a:t>hances are someone else has a similar problem, and a solution exists</a:t>
-            </a:r>
-          </a:p>
-          <a:p>
-            <a:pPr lvl="1"/>
-            <a:r>
-              <a:rPr lang="en-US" dirty="0" smtClean="0"/>
-              <a:t>Google it. How would you phrase that question to a human?</a:t>
-            </a:r>
-          </a:p>
-          <a:p>
-            <a:r>
-              <a:rPr lang="en-US" dirty="0" smtClean="0"/>
-              <a:t>Who does research in that general area?  </a:t>
-            </a:r>
-          </a:p>
-          <a:p>
-            <a:pPr lvl="1"/>
-            <a:r>
-              <a:rPr lang="en-US" dirty="0" smtClean="0"/>
-              <a:t>Look at their papers for something similar you can adapt </a:t>
-            </a:r>
-          </a:p>
-          <a:p>
-            <a:r>
-              <a:rPr lang="en-US" dirty="0" smtClean="0"/>
-              <a:t>How would you do it manually?</a:t>
-            </a:r>
-          </a:p>
-          <a:p>
-            <a:pPr lvl="1"/>
-            <a:r>
-              <a:rPr lang="en-US" dirty="0" smtClean="0"/>
-              <a:t>Describe the steps, then code it up </a:t>
-            </a:r>
-          </a:p>
-          <a:p>
-            <a:pPr lvl="1"/>
-            <a:endParaRPr lang="en-US" dirty="0"/>
-          </a:p>
-          <a:p>
-            <a:pPr lvl="1"/>
-            <a:endParaRPr lang="en-US" dirty="0"/>
-          </a:p>
-        </p:txBody>
-      </p:sp>
-    </p:spTree>
-    <p:extLst>
-      <p:ext uri="{BB962C8B-B14F-4D97-AF65-F5344CB8AC3E}">
-        <p14:creationId xmlns:p14="http://schemas.microsoft.com/office/powerpoint/2010/main" val="3071680531"/>
-      </p:ext>
-    </p:extLst>
-  </p:cSld>
-  <p:clrMapOvr>
-    <a:masterClrMapping/>
-  </p:clrMapOvr>
-</p:sld>
-</file>
-
-<file path=ppt/slides/slide27.xml><?xml version="1.0" encoding="utf-8"?>
-<p:sld xmlns:a="http://schemas.openxmlformats.org/drawingml/2006/main" xmlns:r="http://schemas.openxmlformats.org/officeDocument/2006/relationships" xmlns:p="http://schemas.openxmlformats.org/presentationml/2006/main">
-  <p:cSld>
-    <p:spTree>
-      <p:nvGrpSpPr>
-        <p:cNvPr id="1" name=""/>
-        <p:cNvGrpSpPr/>
-        <p:nvPr/>
-      </p:nvGrpSpPr>
-      <p:grpSpPr>
-        <a:xfrm>
-          <a:off x="0" y="0"/>
-          <a:ext cx="0" cy="0"/>
-          <a:chOff x="0" y="0"/>
-          <a:chExt cx="0" cy="0"/>
-        </a:xfrm>
-      </p:grpSpPr>
-      <p:sp>
-        <p:nvSpPr>
           <p:cNvPr id="2" name="Title 1"/>
           <p:cNvSpPr>
             <a:spLocks noGrp="1"/>
@@ -7240,7 +7348,7 @@
 </p:sld>
 </file>
 
-<file path=ppt/slides/slide28.xml><?xml version="1.0" encoding="utf-8"?>
+<file path=ppt/slides/slide26.xml><?xml version="1.0" encoding="utf-8"?>
 <p:sld xmlns:a="http://schemas.openxmlformats.org/drawingml/2006/main" xmlns:r="http://schemas.openxmlformats.org/officeDocument/2006/relationships" xmlns:p="http://schemas.openxmlformats.org/presentationml/2006/main">
   <p:cSld>
     <p:spTree>
@@ -7323,7 +7431,7 @@
 </p:sld>
 </file>
 
-<file path=ppt/slides/slide29.xml><?xml version="1.0" encoding="utf-8"?>
+<file path=ppt/slides/slide27.xml><?xml version="1.0" encoding="utf-8"?>
 <p:sld xmlns:a="http://schemas.openxmlformats.org/drawingml/2006/main" xmlns:r="http://schemas.openxmlformats.org/officeDocument/2006/relationships" xmlns:p="http://schemas.openxmlformats.org/presentationml/2006/main">
   <p:cSld>
     <p:spTree>
@@ -7406,6 +7514,180 @@
 </p:sld>
 </file>
 
+<file path=ppt/slides/slide28.xml><?xml version="1.0" encoding="utf-8"?>
+<p:sld xmlns:a="http://schemas.openxmlformats.org/drawingml/2006/main" xmlns:r="http://schemas.openxmlformats.org/officeDocument/2006/relationships" xmlns:p="http://schemas.openxmlformats.org/presentationml/2006/main">
+  <p:cSld>
+    <p:spTree>
+      <p:nvGrpSpPr>
+        <p:cNvPr id="1" name=""/>
+        <p:cNvGrpSpPr/>
+        <p:nvPr/>
+      </p:nvGrpSpPr>
+      <p:grpSpPr>
+        <a:xfrm>
+          <a:off x="0" y="0"/>
+          <a:ext cx="0" cy="0"/>
+          <a:chOff x="0" y="0"/>
+          <a:chExt cx="0" cy="0"/>
+        </a:xfrm>
+      </p:grpSpPr>
+      <p:sp>
+        <p:nvSpPr>
+          <p:cNvPr id="2" name="Title 1"/>
+          <p:cNvSpPr>
+            <a:spLocks noGrp="1"/>
+          </p:cNvSpPr>
+          <p:nvPr>
+            <p:ph type="title"/>
+          </p:nvPr>
+        </p:nvSpPr>
+        <p:spPr/>
+        <p:txBody>
+          <a:bodyPr/>
+          <a:lstStyle/>
+          <a:p>
+            <a:r>
+              <a:rPr lang="en-US" dirty="0" smtClean="0"/>
+              <a:t>Do not reinvent the wheel </a:t>
+            </a:r>
+            <a:endParaRPr lang="en-US" dirty="0"/>
+          </a:p>
+        </p:txBody>
+      </p:sp>
+      <p:sp>
+        <p:nvSpPr>
+          <p:cNvPr id="3" name="Content Placeholder 2"/>
+          <p:cNvSpPr>
+            <a:spLocks noGrp="1"/>
+          </p:cNvSpPr>
+          <p:nvPr>
+            <p:ph idx="1"/>
+          </p:nvPr>
+        </p:nvSpPr>
+        <p:spPr/>
+        <p:txBody>
+          <a:bodyPr/>
+          <a:lstStyle/>
+          <a:p>
+            <a:r>
+              <a:rPr lang="en-US" dirty="0" smtClean="0"/>
+              <a:t>Do not write your own code for a function, unless there is absolutely no choice</a:t>
+            </a:r>
+          </a:p>
+          <a:p>
+            <a:r>
+              <a:rPr lang="en-US" dirty="0" smtClean="0"/>
+              <a:t>If a solution is available on the internet, use it. If it popped up in </a:t>
+            </a:r>
+            <a:r>
+              <a:rPr lang="en-US" dirty="0"/>
+              <a:t>G</a:t>
+            </a:r>
+            <a:r>
+              <a:rPr lang="en-US" dirty="0" smtClean="0"/>
+              <a:t>oogle, its probably been rigorously tested by many more people than code you would write yourself </a:t>
+            </a:r>
+            <a:endParaRPr lang="en-US" dirty="0"/>
+          </a:p>
+        </p:txBody>
+      </p:sp>
+    </p:spTree>
+    <p:extLst>
+      <p:ext uri="{BB962C8B-B14F-4D97-AF65-F5344CB8AC3E}">
+        <p14:creationId xmlns:p14="http://schemas.microsoft.com/office/powerpoint/2010/main" val="2296045984"/>
+      </p:ext>
+    </p:extLst>
+  </p:cSld>
+  <p:clrMapOvr>
+    <a:masterClrMapping/>
+  </p:clrMapOvr>
+</p:sld>
+</file>
+
+<file path=ppt/slides/slide29.xml><?xml version="1.0" encoding="utf-8"?>
+<p:sld xmlns:a="http://schemas.openxmlformats.org/drawingml/2006/main" xmlns:r="http://schemas.openxmlformats.org/officeDocument/2006/relationships" xmlns:p="http://schemas.openxmlformats.org/presentationml/2006/main">
+  <p:cSld>
+    <p:spTree>
+      <p:nvGrpSpPr>
+        <p:cNvPr id="1" name=""/>
+        <p:cNvGrpSpPr/>
+        <p:nvPr/>
+      </p:nvGrpSpPr>
+      <p:grpSpPr>
+        <a:xfrm>
+          <a:off x="0" y="0"/>
+          <a:ext cx="0" cy="0"/>
+          <a:chOff x="0" y="0"/>
+          <a:chExt cx="0" cy="0"/>
+        </a:xfrm>
+      </p:grpSpPr>
+      <p:sp>
+        <p:nvSpPr>
+          <p:cNvPr id="3" name="Title 2"/>
+          <p:cNvSpPr>
+            <a:spLocks noGrp="1"/>
+          </p:cNvSpPr>
+          <p:nvPr>
+            <p:ph type="ctrTitle"/>
+          </p:nvPr>
+        </p:nvSpPr>
+        <p:spPr>
+          <a:solidFill>
+            <a:schemeClr val="tx1"/>
+          </a:solidFill>
+        </p:spPr>
+        <p:txBody>
+          <a:bodyPr/>
+          <a:lstStyle/>
+          <a:p>
+            <a:r>
+              <a:rPr lang="en-US" dirty="0" smtClean="0">
+                <a:solidFill>
+                  <a:srgbClr val="FFFFFF"/>
+                </a:solidFill>
+              </a:rPr>
+              <a:t>Developing Your Own Tool</a:t>
+            </a:r>
+            <a:endParaRPr lang="en-US" dirty="0">
+              <a:solidFill>
+                <a:srgbClr val="FFFFFF"/>
+              </a:solidFill>
+            </a:endParaRPr>
+          </a:p>
+        </p:txBody>
+      </p:sp>
+      <p:sp>
+        <p:nvSpPr>
+          <p:cNvPr id="4" name="Subtitle 3"/>
+          <p:cNvSpPr>
+            <a:spLocks noGrp="1"/>
+          </p:cNvSpPr>
+          <p:nvPr>
+            <p:ph type="subTitle" idx="1"/>
+          </p:nvPr>
+        </p:nvSpPr>
+        <p:spPr/>
+        <p:txBody>
+          <a:bodyPr/>
+          <a:lstStyle/>
+          <a:p>
+            <a:endParaRPr lang="en-US"/>
+          </a:p>
+        </p:txBody>
+      </p:sp>
+    </p:spTree>
+    <p:extLst>
+      <p:ext uri="{BB962C8B-B14F-4D97-AF65-F5344CB8AC3E}">
+        <p14:creationId xmlns:p14="http://schemas.microsoft.com/office/powerpoint/2010/main" val="2196298696"/>
+      </p:ext>
+    </p:extLst>
+  </p:cSld>
+  <p:clrMapOvr>
+    <a:masterClrMapping/>
+  </p:clrMapOvr>
+</p:sld>
+</file>
+
 <file path=ppt/slides/slide3.xml><?xml version="1.0" encoding="utf-8"?>
 <p:sld xmlns:a="http://schemas.openxmlformats.org/drawingml/2006/main" xmlns:r="http://schemas.openxmlformats.org/officeDocument/2006/relationships" xmlns:p="http://schemas.openxmlformats.org/presentationml/2006/main">
   <p:cSld>
@@ -7524,180 +7806,6 @@
           <a:p>
             <a:r>
               <a:rPr lang="en-US" dirty="0" smtClean="0"/>
-              <a:t>Do not reinvent the wheel </a:t>
-            </a:r>
-            <a:endParaRPr lang="en-US" dirty="0"/>
-          </a:p>
-        </p:txBody>
-      </p:sp>
-      <p:sp>
-        <p:nvSpPr>
-          <p:cNvPr id="3" name="Content Placeholder 2"/>
-          <p:cNvSpPr>
-            <a:spLocks noGrp="1"/>
-          </p:cNvSpPr>
-          <p:nvPr>
-            <p:ph idx="1"/>
-          </p:nvPr>
-        </p:nvSpPr>
-        <p:spPr/>
-        <p:txBody>
-          <a:bodyPr/>
-          <a:lstStyle/>
-          <a:p>
-            <a:r>
-              <a:rPr lang="en-US" dirty="0" smtClean="0"/>
-              <a:t>Do not write your own code for a function, unless there is absolutely no choice</a:t>
-            </a:r>
-          </a:p>
-          <a:p>
-            <a:r>
-              <a:rPr lang="en-US" dirty="0" smtClean="0"/>
-              <a:t>If a solution is available on the internet, use it. If it popped up in </a:t>
-            </a:r>
-            <a:r>
-              <a:rPr lang="en-US" dirty="0"/>
-              <a:t>G</a:t>
-            </a:r>
-            <a:r>
-              <a:rPr lang="en-US" dirty="0" smtClean="0"/>
-              <a:t>oogle, its probably been rigorously tested by many more people than code you would write yourself </a:t>
-            </a:r>
-            <a:endParaRPr lang="en-US" dirty="0"/>
-          </a:p>
-        </p:txBody>
-      </p:sp>
-    </p:spTree>
-    <p:extLst>
-      <p:ext uri="{BB962C8B-B14F-4D97-AF65-F5344CB8AC3E}">
-        <p14:creationId xmlns:p14="http://schemas.microsoft.com/office/powerpoint/2010/main" val="2296045984"/>
-      </p:ext>
-    </p:extLst>
-  </p:cSld>
-  <p:clrMapOvr>
-    <a:masterClrMapping/>
-  </p:clrMapOvr>
-</p:sld>
-</file>
-
-<file path=ppt/slides/slide31.xml><?xml version="1.0" encoding="utf-8"?>
-<p:sld xmlns:a="http://schemas.openxmlformats.org/drawingml/2006/main" xmlns:r="http://schemas.openxmlformats.org/officeDocument/2006/relationships" xmlns:p="http://schemas.openxmlformats.org/presentationml/2006/main">
-  <p:cSld>
-    <p:spTree>
-      <p:nvGrpSpPr>
-        <p:cNvPr id="1" name=""/>
-        <p:cNvGrpSpPr/>
-        <p:nvPr/>
-      </p:nvGrpSpPr>
-      <p:grpSpPr>
-        <a:xfrm>
-          <a:off x="0" y="0"/>
-          <a:ext cx="0" cy="0"/>
-          <a:chOff x="0" y="0"/>
-          <a:chExt cx="0" cy="0"/>
-        </a:xfrm>
-      </p:grpSpPr>
-      <p:sp>
-        <p:nvSpPr>
-          <p:cNvPr id="3" name="Title 2"/>
-          <p:cNvSpPr>
-            <a:spLocks noGrp="1"/>
-          </p:cNvSpPr>
-          <p:nvPr>
-            <p:ph type="ctrTitle"/>
-          </p:nvPr>
-        </p:nvSpPr>
-        <p:spPr>
-          <a:solidFill>
-            <a:schemeClr val="tx1"/>
-          </a:solidFill>
-        </p:spPr>
-        <p:txBody>
-          <a:bodyPr/>
-          <a:lstStyle/>
-          <a:p>
-            <a:r>
-              <a:rPr lang="en-US" dirty="0" smtClean="0">
-                <a:solidFill>
-                  <a:srgbClr val="FFFFFF"/>
-                </a:solidFill>
-              </a:rPr>
-              <a:t>Developing Your Own Tool</a:t>
-            </a:r>
-            <a:endParaRPr lang="en-US" dirty="0">
-              <a:solidFill>
-                <a:srgbClr val="FFFFFF"/>
-              </a:solidFill>
-            </a:endParaRPr>
-          </a:p>
-        </p:txBody>
-      </p:sp>
-      <p:sp>
-        <p:nvSpPr>
-          <p:cNvPr id="4" name="Subtitle 3"/>
-          <p:cNvSpPr>
-            <a:spLocks noGrp="1"/>
-          </p:cNvSpPr>
-          <p:nvPr>
-            <p:ph type="subTitle" idx="1"/>
-          </p:nvPr>
-        </p:nvSpPr>
-        <p:spPr/>
-        <p:txBody>
-          <a:bodyPr/>
-          <a:lstStyle/>
-          <a:p>
-            <a:endParaRPr lang="en-US"/>
-          </a:p>
-        </p:txBody>
-      </p:sp>
-    </p:spTree>
-    <p:extLst>
-      <p:ext uri="{BB962C8B-B14F-4D97-AF65-F5344CB8AC3E}">
-        <p14:creationId xmlns:p14="http://schemas.microsoft.com/office/powerpoint/2010/main" val="2196298696"/>
-      </p:ext>
-    </p:extLst>
-  </p:cSld>
-  <p:clrMapOvr>
-    <a:masterClrMapping/>
-  </p:clrMapOvr>
-</p:sld>
-</file>
-
-<file path=ppt/slides/slide32.xml><?xml version="1.0" encoding="utf-8"?>
-<p:sld xmlns:a="http://schemas.openxmlformats.org/drawingml/2006/main" xmlns:r="http://schemas.openxmlformats.org/officeDocument/2006/relationships" xmlns:p="http://schemas.openxmlformats.org/presentationml/2006/main">
-  <p:cSld>
-    <p:spTree>
-      <p:nvGrpSpPr>
-        <p:cNvPr id="1" name=""/>
-        <p:cNvGrpSpPr/>
-        <p:nvPr/>
-      </p:nvGrpSpPr>
-      <p:grpSpPr>
-        <a:xfrm>
-          <a:off x="0" y="0"/>
-          <a:ext cx="0" cy="0"/>
-          <a:chOff x="0" y="0"/>
-          <a:chExt cx="0" cy="0"/>
-        </a:xfrm>
-      </p:grpSpPr>
-      <p:sp>
-        <p:nvSpPr>
-          <p:cNvPr id="2" name="Title 1"/>
-          <p:cNvSpPr>
-            <a:spLocks noGrp="1"/>
-          </p:cNvSpPr>
-          <p:nvPr>
-            <p:ph type="title"/>
-          </p:nvPr>
-        </p:nvSpPr>
-        <p:spPr/>
-        <p:txBody>
-          <a:bodyPr/>
-          <a:lstStyle/>
-          <a:p>
-            <a:r>
-              <a:rPr lang="en-US" dirty="0" smtClean="0"/>
               <a:t>When to develop your own tool</a:t>
             </a:r>
             <a:endParaRPr lang="en-US" dirty="0"/>
@@ -7742,7 +7850,7 @@
           <p:nvPr/>
         </p:nvPicPr>
         <p:blipFill>
-          <a:blip r:embed="rId2">
+          <a:blip r:embed="rId3">
             <a:extLst>
               <a:ext uri="{28A0092B-C50C-407E-A947-70E740481C1C}">
                 <a14:useLocalDpi xmlns:a14="http://schemas.microsoft.com/office/drawing/2010/main" val="0"/>
@@ -7776,6 +7884,209 @@
 </p:sld>
 </file>
 
+<file path=ppt/slides/slide31.xml><?xml version="1.0" encoding="utf-8"?>
+<p:sld xmlns:a="http://schemas.openxmlformats.org/drawingml/2006/main" xmlns:r="http://schemas.openxmlformats.org/officeDocument/2006/relationships" xmlns:p="http://schemas.openxmlformats.org/presentationml/2006/main">
+  <p:cSld>
+    <p:spTree>
+      <p:nvGrpSpPr>
+        <p:cNvPr id="1" name=""/>
+        <p:cNvGrpSpPr/>
+        <p:nvPr/>
+      </p:nvGrpSpPr>
+      <p:grpSpPr>
+        <a:xfrm>
+          <a:off x="0" y="0"/>
+          <a:ext cx="0" cy="0"/>
+          <a:chOff x="0" y="0"/>
+          <a:chExt cx="0" cy="0"/>
+        </a:xfrm>
+      </p:grpSpPr>
+      <p:sp>
+        <p:nvSpPr>
+          <p:cNvPr id="2" name="Title 1"/>
+          <p:cNvSpPr>
+            <a:spLocks noGrp="1"/>
+          </p:cNvSpPr>
+          <p:nvPr>
+            <p:ph type="title"/>
+          </p:nvPr>
+        </p:nvSpPr>
+        <p:spPr/>
+        <p:txBody>
+          <a:bodyPr/>
+          <a:lstStyle/>
+          <a:p>
+            <a:r>
+              <a:rPr lang="en-US" dirty="0" smtClean="0"/>
+              <a:t>Things to keep in mind</a:t>
+            </a:r>
+            <a:endParaRPr lang="en-US" dirty="0"/>
+          </a:p>
+        </p:txBody>
+      </p:sp>
+      <p:sp>
+        <p:nvSpPr>
+          <p:cNvPr id="3" name="Content Placeholder 2"/>
+          <p:cNvSpPr>
+            <a:spLocks noGrp="1"/>
+          </p:cNvSpPr>
+          <p:nvPr>
+            <p:ph idx="1"/>
+          </p:nvPr>
+        </p:nvSpPr>
+        <p:spPr/>
+        <p:txBody>
+          <a:bodyPr>
+            <a:normAutofit fontScale="85000" lnSpcReduction="10000"/>
+          </a:bodyPr>
+          <a:lstStyle/>
+          <a:p>
+            <a:r>
+              <a:rPr lang="en-US" dirty="0" smtClean="0"/>
+              <a:t>Operating System compatibility</a:t>
+            </a:r>
+          </a:p>
+          <a:p>
+            <a:pPr lvl="1"/>
+            <a:r>
+              <a:rPr lang="en-US" dirty="0" smtClean="0"/>
+              <a:t>Who are your users?</a:t>
+            </a:r>
+          </a:p>
+          <a:p>
+            <a:pPr lvl="1"/>
+            <a:r>
+              <a:rPr lang="en-US" dirty="0" smtClean="0"/>
+              <a:t>What OS do they mainly use?</a:t>
+            </a:r>
+          </a:p>
+          <a:p>
+            <a:r>
+              <a:rPr lang="en-US" dirty="0" smtClean="0"/>
+              <a:t>Beta Testing</a:t>
+            </a:r>
+          </a:p>
+          <a:p>
+            <a:pPr lvl="1"/>
+            <a:r>
+              <a:rPr lang="en-US" dirty="0" smtClean="0"/>
+              <a:t>People in your department, who haven’t used it yet</a:t>
+            </a:r>
+          </a:p>
+          <a:p>
+            <a:pPr lvl="1"/>
+            <a:r>
+              <a:rPr lang="en-US" dirty="0" smtClean="0"/>
+              <a:t>People with only a basic knowledge of computer science  </a:t>
+            </a:r>
+          </a:p>
+          <a:p>
+            <a:r>
+              <a:rPr lang="en-US" dirty="0" smtClean="0"/>
+              <a:t>Documentation</a:t>
+            </a:r>
+          </a:p>
+          <a:p>
+            <a:pPr lvl="1"/>
+            <a:r>
+              <a:rPr lang="en-US" dirty="0" smtClean="0"/>
+              <a:t>Write good documentation if you want other people to use your program</a:t>
+            </a:r>
+          </a:p>
+          <a:p>
+            <a:pPr lvl="1"/>
+            <a:r>
+              <a:rPr lang="en-US" dirty="0" smtClean="0"/>
+              <a:t>If its hard for them to understand what your code does, it would be easier for them to write it themselves </a:t>
+            </a:r>
+          </a:p>
+        </p:txBody>
+      </p:sp>
+    </p:spTree>
+    <p:extLst>
+      <p:ext uri="{BB962C8B-B14F-4D97-AF65-F5344CB8AC3E}">
+        <p14:creationId xmlns:p14="http://schemas.microsoft.com/office/powerpoint/2010/main" val="1657130435"/>
+      </p:ext>
+    </p:extLst>
+  </p:cSld>
+  <p:clrMapOvr>
+    <a:masterClrMapping/>
+  </p:clrMapOvr>
+</p:sld>
+</file>
+
+<file path=ppt/slides/slide32.xml><?xml version="1.0" encoding="utf-8"?>
+<p:sld xmlns:a="http://schemas.openxmlformats.org/drawingml/2006/main" xmlns:r="http://schemas.openxmlformats.org/officeDocument/2006/relationships" xmlns:p="http://schemas.openxmlformats.org/presentationml/2006/main">
+  <p:cSld>
+    <p:spTree>
+      <p:nvGrpSpPr>
+        <p:cNvPr id="1" name=""/>
+        <p:cNvGrpSpPr/>
+        <p:nvPr/>
+      </p:nvGrpSpPr>
+      <p:grpSpPr>
+        <a:xfrm>
+          <a:off x="0" y="0"/>
+          <a:ext cx="0" cy="0"/>
+          <a:chOff x="0" y="0"/>
+          <a:chExt cx="0" cy="0"/>
+        </a:xfrm>
+      </p:grpSpPr>
+      <p:sp>
+        <p:nvSpPr>
+          <p:cNvPr id="2" name="Title 1"/>
+          <p:cNvSpPr>
+            <a:spLocks noGrp="1"/>
+          </p:cNvSpPr>
+          <p:nvPr>
+            <p:ph type="title"/>
+          </p:nvPr>
+        </p:nvSpPr>
+        <p:spPr/>
+        <p:txBody>
+          <a:bodyPr/>
+          <a:lstStyle/>
+          <a:p>
+            <a:r>
+              <a:rPr lang="en-US" dirty="0" smtClean="0"/>
+              <a:t>What is unit testing?</a:t>
+            </a:r>
+            <a:endParaRPr lang="en-US" dirty="0"/>
+          </a:p>
+        </p:txBody>
+      </p:sp>
+      <p:sp>
+        <p:nvSpPr>
+          <p:cNvPr id="3" name="Content Placeholder 2"/>
+          <p:cNvSpPr>
+            <a:spLocks noGrp="1"/>
+          </p:cNvSpPr>
+          <p:nvPr>
+            <p:ph idx="1"/>
+          </p:nvPr>
+        </p:nvSpPr>
+        <p:spPr/>
+        <p:txBody>
+          <a:bodyPr/>
+          <a:lstStyle/>
+          <a:p>
+            <a:endParaRPr lang="en-US"/>
+          </a:p>
+        </p:txBody>
+      </p:sp>
+    </p:spTree>
+    <p:extLst>
+      <p:ext uri="{BB962C8B-B14F-4D97-AF65-F5344CB8AC3E}">
+        <p14:creationId xmlns:p14="http://schemas.microsoft.com/office/powerpoint/2010/main" val="1700080837"/>
+      </p:ext>
+    </p:extLst>
+  </p:cSld>
+  <p:clrMapOvr>
+    <a:masterClrMapping/>
+  </p:clrMapOvr>
+</p:sld>
+</file>
+
 <file path=ppt/slides/slide33.xml><?xml version="1.0" encoding="utf-8"?>
 <p:sld xmlns:a="http://schemas.openxmlformats.org/drawingml/2006/main" xmlns:r="http://schemas.openxmlformats.org/officeDocument/2006/relationships" xmlns:p="http://schemas.openxmlformats.org/presentationml/2006/main">
   <p:cSld>
@@ -7810,137 +8121,6 @@
           <a:p>
             <a:r>
               <a:rPr lang="en-US" dirty="0" smtClean="0"/>
-              <a:t>Things to keep in mind</a:t>
-            </a:r>
-            <a:endParaRPr lang="en-US" dirty="0"/>
-          </a:p>
-        </p:txBody>
-      </p:sp>
-      <p:sp>
-        <p:nvSpPr>
-          <p:cNvPr id="3" name="Content Placeholder 2"/>
-          <p:cNvSpPr>
-            <a:spLocks noGrp="1"/>
-          </p:cNvSpPr>
-          <p:nvPr>
-            <p:ph idx="1"/>
-          </p:nvPr>
-        </p:nvSpPr>
-        <p:spPr/>
-        <p:txBody>
-          <a:bodyPr>
-            <a:normAutofit fontScale="85000" lnSpcReduction="10000"/>
-          </a:bodyPr>
-          <a:lstStyle/>
-          <a:p>
-            <a:r>
-              <a:rPr lang="en-US" dirty="0" smtClean="0"/>
-              <a:t>Operating System compatibility</a:t>
-            </a:r>
-          </a:p>
-          <a:p>
-            <a:pPr lvl="1"/>
-            <a:r>
-              <a:rPr lang="en-US" dirty="0" smtClean="0"/>
-              <a:t>Who are your users?</a:t>
-            </a:r>
-          </a:p>
-          <a:p>
-            <a:pPr lvl="1"/>
-            <a:r>
-              <a:rPr lang="en-US" dirty="0" smtClean="0"/>
-              <a:t>What OS do they mainly use?</a:t>
-            </a:r>
-          </a:p>
-          <a:p>
-            <a:r>
-              <a:rPr lang="en-US" dirty="0" smtClean="0"/>
-              <a:t>Beta Testing</a:t>
-            </a:r>
-          </a:p>
-          <a:p>
-            <a:pPr lvl="1"/>
-            <a:r>
-              <a:rPr lang="en-US" dirty="0" smtClean="0"/>
-              <a:t>People in your department, who haven’t used it yet</a:t>
-            </a:r>
-          </a:p>
-          <a:p>
-            <a:pPr lvl="1"/>
-            <a:r>
-              <a:rPr lang="en-US" dirty="0" smtClean="0"/>
-              <a:t>People with only a basic knowledge of computer science  </a:t>
-            </a:r>
-          </a:p>
-          <a:p>
-            <a:r>
-              <a:rPr lang="en-US" dirty="0" smtClean="0"/>
-              <a:t>Documentation</a:t>
-            </a:r>
-          </a:p>
-          <a:p>
-            <a:pPr lvl="1"/>
-            <a:r>
-              <a:rPr lang="en-US" dirty="0" smtClean="0"/>
-              <a:t>Write good documentation if you want other people to use your program</a:t>
-            </a:r>
-          </a:p>
-          <a:p>
-            <a:pPr lvl="1"/>
-            <a:r>
-              <a:rPr lang="en-US" dirty="0" smtClean="0"/>
-              <a:t>If its hard for them to understand what your code does, it would be easier for them to write it themselves </a:t>
-            </a:r>
-          </a:p>
-        </p:txBody>
-      </p:sp>
-    </p:spTree>
-    <p:extLst>
-      <p:ext uri="{BB962C8B-B14F-4D97-AF65-F5344CB8AC3E}">
-        <p14:creationId xmlns:p14="http://schemas.microsoft.com/office/powerpoint/2010/main" val="1657130435"/>
-      </p:ext>
-    </p:extLst>
-  </p:cSld>
-  <p:clrMapOvr>
-    <a:masterClrMapping/>
-  </p:clrMapOvr>
-</p:sld>
-</file>
-
-<file path=ppt/slides/slide34.xml><?xml version="1.0" encoding="utf-8"?>
-<p:sld xmlns:a="http://schemas.openxmlformats.org/drawingml/2006/main" xmlns:r="http://schemas.openxmlformats.org/officeDocument/2006/relationships" xmlns:p="http://schemas.openxmlformats.org/presentationml/2006/main">
-  <p:cSld>
-    <p:spTree>
-      <p:nvGrpSpPr>
-        <p:cNvPr id="1" name=""/>
-        <p:cNvGrpSpPr/>
-        <p:nvPr/>
-      </p:nvGrpSpPr>
-      <p:grpSpPr>
-        <a:xfrm>
-          <a:off x="0" y="0"/>
-          <a:ext cx="0" cy="0"/>
-          <a:chOff x="0" y="0"/>
-          <a:chExt cx="0" cy="0"/>
-        </a:xfrm>
-      </p:grpSpPr>
-      <p:sp>
-        <p:nvSpPr>
-          <p:cNvPr id="2" name="Title 1"/>
-          <p:cNvSpPr>
-            <a:spLocks noGrp="1"/>
-          </p:cNvSpPr>
-          <p:nvPr>
-            <p:ph type="title"/>
-          </p:nvPr>
-        </p:nvSpPr>
-        <p:spPr/>
-        <p:txBody>
-          <a:bodyPr/>
-          <a:lstStyle/>
-          <a:p>
-            <a:r>
-              <a:rPr lang="en-US" dirty="0" smtClean="0"/>
               <a:t>Why Unit Testing</a:t>
             </a:r>
             <a:endParaRPr lang="en-US" dirty="0"/>
@@ -7992,343 +8172,6 @@
     <p:extLst>
       <p:ext uri="{BB962C8B-B14F-4D97-AF65-F5344CB8AC3E}">
         <p14:creationId xmlns:p14="http://schemas.microsoft.com/office/powerpoint/2010/main" val="3707379498"/>
-      </p:ext>
-    </p:extLst>
-  </p:cSld>
-  <p:clrMapOvr>
-    <a:masterClrMapping/>
-  </p:clrMapOvr>
-</p:sld>
-</file>
-
-<file path=ppt/slides/slide35.xml><?xml version="1.0" encoding="utf-8"?>
-<p:sld xmlns:a="http://schemas.openxmlformats.org/drawingml/2006/main" xmlns:r="http://schemas.openxmlformats.org/officeDocument/2006/relationships" xmlns:p="http://schemas.openxmlformats.org/presentationml/2006/main">
-  <p:cSld>
-    <p:spTree>
-      <p:nvGrpSpPr>
-        <p:cNvPr id="1" name=""/>
-        <p:cNvGrpSpPr/>
-        <p:nvPr/>
-      </p:nvGrpSpPr>
-      <p:grpSpPr>
-        <a:xfrm>
-          <a:off x="0" y="0"/>
-          <a:ext cx="0" cy="0"/>
-          <a:chOff x="0" y="0"/>
-          <a:chExt cx="0" cy="0"/>
-        </a:xfrm>
-      </p:grpSpPr>
-      <p:sp>
-        <p:nvSpPr>
-          <p:cNvPr id="4" name="Title 3"/>
-          <p:cNvSpPr>
-            <a:spLocks noGrp="1"/>
-          </p:cNvSpPr>
-          <p:nvPr>
-            <p:ph type="title"/>
-          </p:nvPr>
-        </p:nvSpPr>
-        <p:spPr>
-          <a:xfrm>
-            <a:off x="0" y="37373"/>
-            <a:ext cx="2124471" cy="1143000"/>
-          </a:xfrm>
-        </p:spPr>
-        <p:txBody>
-          <a:bodyPr/>
-          <a:lstStyle/>
-          <a:p>
-            <a:r>
-              <a:rPr lang="en-US" dirty="0" smtClean="0"/>
-              <a:t>GUI</a:t>
-            </a:r>
-            <a:endParaRPr lang="en-US" dirty="0"/>
-          </a:p>
-        </p:txBody>
-      </p:sp>
-      <p:pic>
-        <p:nvPicPr>
-          <p:cNvPr id="5" name="Picture 4" descr="Screen Shot 2014-07-21 at 9.56.22 PM.png"/>
-          <p:cNvPicPr>
-            <a:picLocks noChangeAspect="1"/>
-          </p:cNvPicPr>
-          <p:nvPr/>
-        </p:nvPicPr>
-        <p:blipFill>
-          <a:blip r:embed="rId2">
-            <a:extLst>
-              <a:ext uri="{28A0092B-C50C-407E-A947-70E740481C1C}">
-                <a14:useLocalDpi xmlns:a14="http://schemas.microsoft.com/office/drawing/2010/main" val="0"/>
-              </a:ext>
-            </a:extLst>
-          </a:blip>
-          <a:stretch>
-            <a:fillRect/>
-          </a:stretch>
-        </p:blipFill>
-        <p:spPr>
-          <a:xfrm>
-            <a:off x="544244" y="1180373"/>
-            <a:ext cx="7753372" cy="5640859"/>
-          </a:xfrm>
-          <a:prstGeom prst="rect">
-            <a:avLst/>
-          </a:prstGeom>
-        </p:spPr>
-      </p:pic>
-    </p:spTree>
-    <p:extLst>
-      <p:ext uri="{BB962C8B-B14F-4D97-AF65-F5344CB8AC3E}">
-        <p14:creationId xmlns:p14="http://schemas.microsoft.com/office/powerpoint/2010/main" val="1100505045"/>
-      </p:ext>
-    </p:extLst>
-  </p:cSld>
-  <p:clrMapOvr>
-    <a:masterClrMapping/>
-  </p:clrMapOvr>
-</p:sld>
-</file>
-
-<file path=ppt/slides/slide36.xml><?xml version="1.0" encoding="utf-8"?>
-<p:sld xmlns:a="http://schemas.openxmlformats.org/drawingml/2006/main" xmlns:r="http://schemas.openxmlformats.org/officeDocument/2006/relationships" xmlns:p="http://schemas.openxmlformats.org/presentationml/2006/main">
-  <p:cSld>
-    <p:spTree>
-      <p:nvGrpSpPr>
-        <p:cNvPr id="1" name=""/>
-        <p:cNvGrpSpPr/>
-        <p:nvPr/>
-      </p:nvGrpSpPr>
-      <p:grpSpPr>
-        <a:xfrm>
-          <a:off x="0" y="0"/>
-          <a:ext cx="0" cy="0"/>
-          <a:chOff x="0" y="0"/>
-          <a:chExt cx="0" cy="0"/>
-        </a:xfrm>
-      </p:grpSpPr>
-      <p:sp>
-        <p:nvSpPr>
-          <p:cNvPr id="4" name="Title 3"/>
-          <p:cNvSpPr>
-            <a:spLocks noGrp="1"/>
-          </p:cNvSpPr>
-          <p:nvPr>
-            <p:ph type="title"/>
-          </p:nvPr>
-        </p:nvSpPr>
-        <p:spPr/>
-        <p:txBody>
-          <a:bodyPr/>
-          <a:lstStyle/>
-          <a:p>
-            <a:r>
-              <a:rPr lang="en-US" dirty="0" smtClean="0"/>
-              <a:t>Model</a:t>
-            </a:r>
-            <a:endParaRPr lang="en-US" dirty="0"/>
-          </a:p>
-        </p:txBody>
-      </p:sp>
-      <p:pic>
-        <p:nvPicPr>
-          <p:cNvPr id="5" name="Picture 4" descr="Screen Shot 2014-07-21 at 9.55.05 PM.png"/>
-          <p:cNvPicPr>
-            <a:picLocks noChangeAspect="1"/>
-          </p:cNvPicPr>
-          <p:nvPr/>
-        </p:nvPicPr>
-        <p:blipFill>
-          <a:blip r:embed="rId2">
-            <a:extLst>
-              <a:ext uri="{28A0092B-C50C-407E-A947-70E740481C1C}">
-                <a14:useLocalDpi xmlns:a14="http://schemas.microsoft.com/office/drawing/2010/main" val="0"/>
-              </a:ext>
-            </a:extLst>
-          </a:blip>
-          <a:stretch>
-            <a:fillRect/>
-          </a:stretch>
-        </p:blipFill>
-        <p:spPr>
-          <a:xfrm>
-            <a:off x="2120546" y="1294539"/>
-            <a:ext cx="5068909" cy="5390745"/>
-          </a:xfrm>
-          <a:prstGeom prst="rect">
-            <a:avLst/>
-          </a:prstGeom>
-        </p:spPr>
-      </p:pic>
-    </p:spTree>
-    <p:extLst>
-      <p:ext uri="{BB962C8B-B14F-4D97-AF65-F5344CB8AC3E}">
-        <p14:creationId xmlns:p14="http://schemas.microsoft.com/office/powerpoint/2010/main" val="3992713591"/>
-      </p:ext>
-    </p:extLst>
-  </p:cSld>
-  <p:clrMapOvr>
-    <a:masterClrMapping/>
-  </p:clrMapOvr>
-</p:sld>
-</file>
-
-<file path=ppt/slides/slide37.xml><?xml version="1.0" encoding="utf-8"?>
-<p:sld xmlns:a="http://schemas.openxmlformats.org/drawingml/2006/main" xmlns:r="http://schemas.openxmlformats.org/officeDocument/2006/relationships" xmlns:p="http://schemas.openxmlformats.org/presentationml/2006/main">
-  <p:cSld>
-    <p:spTree>
-      <p:nvGrpSpPr>
-        <p:cNvPr id="1" name=""/>
-        <p:cNvGrpSpPr/>
-        <p:nvPr/>
-      </p:nvGrpSpPr>
-      <p:grpSpPr>
-        <a:xfrm>
-          <a:off x="0" y="0"/>
-          <a:ext cx="0" cy="0"/>
-          <a:chOff x="0" y="0"/>
-          <a:chExt cx="0" cy="0"/>
-        </a:xfrm>
-      </p:grpSpPr>
-      <p:pic>
-        <p:nvPicPr>
-          <p:cNvPr id="2" name="Picture 1" descr="Screen Shot 2014-07-21 at 9.54.08 PM.png"/>
-          <p:cNvPicPr>
-            <a:picLocks noChangeAspect="1"/>
-          </p:cNvPicPr>
-          <p:nvPr/>
-        </p:nvPicPr>
-        <p:blipFill>
-          <a:blip r:embed="rId2">
-            <a:extLst>
-              <a:ext uri="{28A0092B-C50C-407E-A947-70E740481C1C}">
-                <a14:useLocalDpi xmlns:a14="http://schemas.microsoft.com/office/drawing/2010/main" val="0"/>
-              </a:ext>
-            </a:extLst>
-          </a:blip>
-          <a:stretch>
-            <a:fillRect/>
-          </a:stretch>
-        </p:blipFill>
-        <p:spPr>
-          <a:xfrm>
-            <a:off x="1018714" y="934982"/>
-            <a:ext cx="7214723" cy="5727631"/>
-          </a:xfrm>
-          <a:prstGeom prst="rect">
-            <a:avLst/>
-          </a:prstGeom>
-        </p:spPr>
-      </p:pic>
-      <p:sp>
-        <p:nvSpPr>
-          <p:cNvPr id="3" name="Title 2"/>
-          <p:cNvSpPr>
-            <a:spLocks noGrp="1"/>
-          </p:cNvSpPr>
-          <p:nvPr>
-            <p:ph type="title"/>
-          </p:nvPr>
-        </p:nvSpPr>
-        <p:spPr/>
-        <p:txBody>
-          <a:bodyPr/>
-          <a:lstStyle/>
-          <a:p>
-            <a:r>
-              <a:rPr lang="en-US" dirty="0" smtClean="0"/>
-              <a:t>Unit tests</a:t>
-            </a:r>
-            <a:endParaRPr lang="en-US" dirty="0"/>
-          </a:p>
-        </p:txBody>
-      </p:sp>
-    </p:spTree>
-    <p:extLst>
-      <p:ext uri="{BB962C8B-B14F-4D97-AF65-F5344CB8AC3E}">
-        <p14:creationId xmlns:p14="http://schemas.microsoft.com/office/powerpoint/2010/main" val="3191192038"/>
-      </p:ext>
-    </p:extLst>
-  </p:cSld>
-  <p:clrMapOvr>
-    <a:masterClrMapping/>
-  </p:clrMapOvr>
-</p:sld>
-</file>
-
-<file path=ppt/slides/slide38.xml><?xml version="1.0" encoding="utf-8"?>
-<p:sld xmlns:a="http://schemas.openxmlformats.org/drawingml/2006/main" xmlns:r="http://schemas.openxmlformats.org/officeDocument/2006/relationships" xmlns:p="http://schemas.openxmlformats.org/presentationml/2006/main">
-  <p:cSld>
-    <p:spTree>
-      <p:nvGrpSpPr>
-        <p:cNvPr id="1" name=""/>
-        <p:cNvGrpSpPr/>
-        <p:nvPr/>
-      </p:nvGrpSpPr>
-      <p:grpSpPr>
-        <a:xfrm>
-          <a:off x="0" y="0"/>
-          <a:ext cx="0" cy="0"/>
-          <a:chOff x="0" y="0"/>
-          <a:chExt cx="0" cy="0"/>
-        </a:xfrm>
-      </p:grpSpPr>
-      <p:pic>
-        <p:nvPicPr>
-          <p:cNvPr id="4" name="Picture 3" descr="Screen Shot 2014-07-21 at 9.53.33 PM.png"/>
-          <p:cNvPicPr>
-            <a:picLocks noChangeAspect="1"/>
-          </p:cNvPicPr>
-          <p:nvPr/>
-        </p:nvPicPr>
-        <p:blipFill>
-          <a:blip r:embed="rId2">
-            <a:extLst>
-              <a:ext uri="{28A0092B-C50C-407E-A947-70E740481C1C}">
-                <a14:useLocalDpi xmlns:a14="http://schemas.microsoft.com/office/drawing/2010/main" val="0"/>
-              </a:ext>
-            </a:extLst>
-          </a:blip>
-          <a:stretch>
-            <a:fillRect/>
-          </a:stretch>
-        </p:blipFill>
-        <p:spPr>
-          <a:xfrm>
-            <a:off x="0" y="2457118"/>
-            <a:ext cx="9086158" cy="3237237"/>
-          </a:xfrm>
-          <a:prstGeom prst="rect">
-            <a:avLst/>
-          </a:prstGeom>
-        </p:spPr>
-      </p:pic>
-      <p:sp>
-        <p:nvSpPr>
-          <p:cNvPr id="5" name="Title 4"/>
-          <p:cNvSpPr>
-            <a:spLocks noGrp="1"/>
-          </p:cNvSpPr>
-          <p:nvPr>
-            <p:ph type="title"/>
-          </p:nvPr>
-        </p:nvSpPr>
-        <p:spPr/>
-        <p:txBody>
-          <a:bodyPr/>
-          <a:lstStyle/>
-          <a:p>
-            <a:r>
-              <a:rPr lang="en-US" dirty="0" smtClean="0"/>
-              <a:t>Running unit tests</a:t>
-            </a:r>
-            <a:endParaRPr lang="en-US" dirty="0"/>
-          </a:p>
-        </p:txBody>
-      </p:sp>
-    </p:spTree>
-    <p:extLst>
-      <p:ext uri="{BB962C8B-B14F-4D97-AF65-F5344CB8AC3E}">
-        <p14:creationId xmlns:p14="http://schemas.microsoft.com/office/powerpoint/2010/main" val="1345228039"/>
       </p:ext>
     </p:extLst>
   </p:cSld>

--- a/BasicsOfCoding/BasicsOfCoding.pptx
+++ b/BasicsOfCoding/BasicsOfCoding.pptx
@@ -5,7 +5,7 @@
     <p:sldMasterId id="2147483648" r:id="rId1"/>
   </p:sldMasterIdLst>
   <p:notesMasterIdLst>
-    <p:notesMasterId r:id="rId35"/>
+    <p:notesMasterId r:id="rId38"/>
   </p:notesMasterIdLst>
   <p:sldIdLst>
     <p:sldId id="256" r:id="rId2"/>
@@ -41,6 +41,9 @@
     <p:sldId id="276" r:id="rId32"/>
     <p:sldId id="306" r:id="rId33"/>
     <p:sldId id="290" r:id="rId34"/>
+    <p:sldId id="307" r:id="rId35"/>
+    <p:sldId id="308" r:id="rId36"/>
+    <p:sldId id="309" r:id="rId37"/>
   </p:sldIdLst>
   <p:sldSz cx="9144000" cy="6858000" type="screen4x3"/>
   <p:notesSz cx="6858000" cy="9144000"/>
@@ -224,7 +227,7 @@
           <a:p>
             <a:fld id="{61D397DF-A733-5248-B82E-D2752A07DE73}" type="datetimeFigureOut">
               <a:rPr lang="en-US" smtClean="0"/>
-              <a:t>8/3/14</a:t>
+              <a:t>8/4/14</a:t>
             </a:fld>
             <a:endParaRPr lang="en-US"/>
           </a:p>
@@ -1121,7 +1124,7 @@
           <a:p>
             <a:fld id="{6EB5AF22-7E07-4B46-95AE-FB6A415E8F1F}" type="datetimeFigureOut">
               <a:rPr lang="en-US" smtClean="0"/>
-              <a:t>8/3/14</a:t>
+              <a:t>8/4/14</a:t>
             </a:fld>
             <a:endParaRPr lang="en-US"/>
           </a:p>
@@ -1291,7 +1294,7 @@
           <a:p>
             <a:fld id="{6EB5AF22-7E07-4B46-95AE-FB6A415E8F1F}" type="datetimeFigureOut">
               <a:rPr lang="en-US" smtClean="0"/>
-              <a:t>8/3/14</a:t>
+              <a:t>8/4/14</a:t>
             </a:fld>
             <a:endParaRPr lang="en-US"/>
           </a:p>
@@ -1471,7 +1474,7 @@
           <a:p>
             <a:fld id="{6EB5AF22-7E07-4B46-95AE-FB6A415E8F1F}" type="datetimeFigureOut">
               <a:rPr lang="en-US" smtClean="0"/>
-              <a:t>8/3/14</a:t>
+              <a:t>8/4/14</a:t>
             </a:fld>
             <a:endParaRPr lang="en-US"/>
           </a:p>
@@ -1641,7 +1644,7 @@
           <a:p>
             <a:fld id="{6EB5AF22-7E07-4B46-95AE-FB6A415E8F1F}" type="datetimeFigureOut">
               <a:rPr lang="en-US" smtClean="0"/>
-              <a:t>8/3/14</a:t>
+              <a:t>8/4/14</a:t>
             </a:fld>
             <a:endParaRPr lang="en-US"/>
           </a:p>
@@ -1887,7 +1890,7 @@
           <a:p>
             <a:fld id="{6EB5AF22-7E07-4B46-95AE-FB6A415E8F1F}" type="datetimeFigureOut">
               <a:rPr lang="en-US" smtClean="0"/>
-              <a:t>8/3/14</a:t>
+              <a:t>8/4/14</a:t>
             </a:fld>
             <a:endParaRPr lang="en-US"/>
           </a:p>
@@ -2175,7 +2178,7 @@
           <a:p>
             <a:fld id="{6EB5AF22-7E07-4B46-95AE-FB6A415E8F1F}" type="datetimeFigureOut">
               <a:rPr lang="en-US" smtClean="0"/>
-              <a:t>8/3/14</a:t>
+              <a:t>8/4/14</a:t>
             </a:fld>
             <a:endParaRPr lang="en-US"/>
           </a:p>
@@ -2597,7 +2600,7 @@
           <a:p>
             <a:fld id="{6EB5AF22-7E07-4B46-95AE-FB6A415E8F1F}" type="datetimeFigureOut">
               <a:rPr lang="en-US" smtClean="0"/>
-              <a:t>8/3/14</a:t>
+              <a:t>8/4/14</a:t>
             </a:fld>
             <a:endParaRPr lang="en-US"/>
           </a:p>
@@ -2715,7 +2718,7 @@
           <a:p>
             <a:fld id="{6EB5AF22-7E07-4B46-95AE-FB6A415E8F1F}" type="datetimeFigureOut">
               <a:rPr lang="en-US" smtClean="0"/>
-              <a:t>8/3/14</a:t>
+              <a:t>8/4/14</a:t>
             </a:fld>
             <a:endParaRPr lang="en-US"/>
           </a:p>
@@ -2810,7 +2813,7 @@
           <a:p>
             <a:fld id="{6EB5AF22-7E07-4B46-95AE-FB6A415E8F1F}" type="datetimeFigureOut">
               <a:rPr lang="en-US" smtClean="0"/>
-              <a:t>8/3/14</a:t>
+              <a:t>8/4/14</a:t>
             </a:fld>
             <a:endParaRPr lang="en-US"/>
           </a:p>
@@ -3087,7 +3090,7 @@
           <a:p>
             <a:fld id="{6EB5AF22-7E07-4B46-95AE-FB6A415E8F1F}" type="datetimeFigureOut">
               <a:rPr lang="en-US" smtClean="0"/>
-              <a:t>8/3/14</a:t>
+              <a:t>8/4/14</a:t>
             </a:fld>
             <a:endParaRPr lang="en-US"/>
           </a:p>
@@ -3340,7 +3343,7 @@
           <a:p>
             <a:fld id="{6EB5AF22-7E07-4B46-95AE-FB6A415E8F1F}" type="datetimeFigureOut">
               <a:rPr lang="en-US" smtClean="0"/>
-              <a:t>8/3/14</a:t>
+              <a:t>8/4/14</a:t>
             </a:fld>
             <a:endParaRPr lang="en-US"/>
           </a:p>
@@ -3553,7 +3556,7 @@
           <a:p>
             <a:fld id="{6EB5AF22-7E07-4B46-95AE-FB6A415E8F1F}" type="datetimeFigureOut">
               <a:rPr lang="en-US" smtClean="0"/>
-              <a:t>8/3/14</a:t>
+              <a:t>8/4/14</a:t>
             </a:fld>
             <a:endParaRPr lang="en-US"/>
           </a:p>
@@ -6581,7 +6584,7 @@
         </p:spPr>
         <p:txBody>
           <a:bodyPr>
-            <a:normAutofit fontScale="70000" lnSpcReduction="20000"/>
+            <a:normAutofit fontScale="62500" lnSpcReduction="20000"/>
           </a:bodyPr>
           <a:lstStyle/>
           <a:p>
@@ -6621,11 +6624,7 @@
           <a:p>
             <a:r>
               <a:rPr lang="en-US" dirty="0" smtClean="0"/>
-              <a:t>Writing </a:t>
-            </a:r>
-            <a:r>
-              <a:rPr lang="en-US" dirty="0" smtClean="0"/>
-              <a:t>code </a:t>
+              <a:t>Writing code </a:t>
             </a:r>
           </a:p>
           <a:p>
@@ -6639,15 +6638,7 @@
             <a:pPr lvl="1"/>
             <a:r>
               <a:rPr lang="en-US" dirty="0" smtClean="0"/>
-              <a:t>Working on </a:t>
-            </a:r>
-            <a:r>
-              <a:rPr lang="en-US" dirty="0" smtClean="0"/>
-              <a:t>code </a:t>
-            </a:r>
-            <a:r>
-              <a:rPr lang="en-US" dirty="0" smtClean="0"/>
-              <a:t>with collaborators </a:t>
+              <a:t>Working on code with collaborators </a:t>
             </a:r>
           </a:p>
           <a:p>
@@ -6697,6 +6688,28 @@
               <a:rPr lang="en-US" dirty="0" smtClean="0"/>
               <a:t>What to keep in mind </a:t>
             </a:r>
+            <a:endParaRPr lang="en-US" dirty="0" smtClean="0"/>
+          </a:p>
+          <a:p>
+            <a:r>
+              <a:rPr lang="en-US" dirty="0" smtClean="0"/>
+              <a:t>Writing Documentation</a:t>
+            </a:r>
+          </a:p>
+          <a:p>
+            <a:pPr lvl="1"/>
+            <a:r>
+              <a:rPr lang="en-US" dirty="0" smtClean="0"/>
+              <a:t>Sphinx</a:t>
+            </a:r>
+          </a:p>
+          <a:p>
+            <a:pPr lvl="1"/>
+            <a:r>
+              <a:rPr lang="en-US" smtClean="0"/>
+              <a:t>LaTeX</a:t>
+            </a:r>
+            <a:endParaRPr lang="en-US" dirty="0" smtClean="0"/>
           </a:p>
           <a:p>
             <a:endParaRPr lang="en-US" dirty="0" smtClean="0"/>
@@ -7937,7 +7950,7 @@
         <p:spPr/>
         <p:txBody>
           <a:bodyPr>
-            <a:normAutofit fontScale="85000" lnSpcReduction="10000"/>
+            <a:normAutofit fontScale="70000" lnSpcReduction="20000"/>
           </a:bodyPr>
           <a:lstStyle/>
           <a:p>
@@ -7999,6 +8012,28 @@
               <a:rPr lang="en-US" dirty="0" smtClean="0"/>
               <a:t>If its hard for them to understand what your code does, it would be easier for them to write it themselves </a:t>
             </a:r>
+            <a:endParaRPr lang="en-US" dirty="0" smtClean="0"/>
+          </a:p>
+          <a:p>
+            <a:r>
+              <a:rPr lang="en-US" dirty="0" smtClean="0"/>
+              <a:t>Versions of software dependencies</a:t>
+            </a:r>
+          </a:p>
+          <a:p>
+            <a:pPr lvl="1"/>
+            <a:r>
+              <a:rPr lang="en-US" dirty="0" smtClean="0"/>
+              <a:t>What works on a higher version may be broken on a previous version</a:t>
+            </a:r>
+          </a:p>
+          <a:p>
+            <a:pPr lvl="1"/>
+            <a:r>
+              <a:rPr lang="en-US" dirty="0" smtClean="0"/>
+              <a:t>Features in a lower version may be deprecated in a higher version</a:t>
+            </a:r>
+            <a:endParaRPr lang="en-US" dirty="0" smtClean="0"/>
           </a:p>
         </p:txBody>
       </p:sp>
@@ -8067,10 +8102,52 @@
         </p:nvSpPr>
         <p:spPr/>
         <p:txBody>
-          <a:bodyPr/>
-          <a:lstStyle/>
-          <a:p>
-            <a:endParaRPr lang="en-US"/>
+          <a:bodyPr>
+            <a:normAutofit lnSpcReduction="10000"/>
+          </a:bodyPr>
+          <a:lstStyle/>
+          <a:p>
+            <a:r>
+              <a:rPr lang="en-US" dirty="0"/>
+              <a:t>T</a:t>
+            </a:r>
+            <a:r>
+              <a:rPr lang="en-US" dirty="0" smtClean="0"/>
+              <a:t>est cases for a program you wrote to check that it works as expected</a:t>
+            </a:r>
+          </a:p>
+          <a:p>
+            <a:r>
+              <a:rPr lang="en-US" dirty="0" smtClean="0"/>
+              <a:t>Needed since sometimes while working on something else/fixing it, you break another feature</a:t>
+            </a:r>
+          </a:p>
+          <a:p>
+            <a:r>
+              <a:rPr lang="en-US" dirty="0" smtClean="0"/>
+              <a:t>Test MVC</a:t>
+            </a:r>
+          </a:p>
+          <a:p>
+            <a:pPr lvl="1"/>
+            <a:r>
+              <a:rPr lang="en-US" dirty="0" smtClean="0"/>
+              <a:t>Model</a:t>
+            </a:r>
+          </a:p>
+          <a:p>
+            <a:pPr lvl="1"/>
+            <a:r>
+              <a:rPr lang="en-US" dirty="0" smtClean="0"/>
+              <a:t>View</a:t>
+            </a:r>
+          </a:p>
+          <a:p>
+            <a:pPr lvl="1"/>
+            <a:r>
+              <a:rPr lang="en-US" dirty="0" smtClean="0"/>
+              <a:t>Controller </a:t>
+            </a:r>
           </a:p>
         </p:txBody>
       </p:sp>
@@ -8160,8 +8237,33 @@
           <a:p>
             <a:r>
               <a:rPr lang="en-US" dirty="0" smtClean="0"/>
-              <a:t>Defend your research results</a:t>
-            </a:r>
+              <a:t>Defend your research </a:t>
+            </a:r>
+            <a:r>
+              <a:rPr lang="en-US" dirty="0" smtClean="0"/>
+              <a:t>results</a:t>
+            </a:r>
+          </a:p>
+          <a:p>
+            <a:r>
+              <a:rPr lang="en-US" dirty="0"/>
+              <a:t>Can be used to defend your results </a:t>
+            </a:r>
+          </a:p>
+          <a:p>
+            <a:r>
+              <a:rPr lang="en-US" dirty="0"/>
+              <a:t>Finds problems early</a:t>
+            </a:r>
+          </a:p>
+          <a:p>
+            <a:r>
+              <a:rPr lang="en-US" dirty="0"/>
+              <a:t>Reduces uncertainty</a:t>
+            </a:r>
+          </a:p>
+          <a:p>
+            <a:endParaRPr lang="en-US" dirty="0" smtClean="0"/>
           </a:p>
           <a:p>
             <a:endParaRPr lang="en-US" dirty="0"/>
@@ -8172,6 +8274,210 @@
     <p:extLst>
       <p:ext uri="{BB962C8B-B14F-4D97-AF65-F5344CB8AC3E}">
         <p14:creationId xmlns:p14="http://schemas.microsoft.com/office/powerpoint/2010/main" val="3707379498"/>
+      </p:ext>
+    </p:extLst>
+  </p:cSld>
+  <p:clrMapOvr>
+    <a:masterClrMapping/>
+  </p:clrMapOvr>
+</p:sld>
+</file>
+
+<file path=ppt/slides/slide34.xml><?xml version="1.0" encoding="utf-8"?>
+<p:sld xmlns:a="http://schemas.openxmlformats.org/drawingml/2006/main" xmlns:r="http://schemas.openxmlformats.org/officeDocument/2006/relationships" xmlns:p="http://schemas.openxmlformats.org/presentationml/2006/main">
+  <p:cSld>
+    <p:spTree>
+      <p:nvGrpSpPr>
+        <p:cNvPr id="1" name=""/>
+        <p:cNvGrpSpPr/>
+        <p:nvPr/>
+      </p:nvGrpSpPr>
+      <p:grpSpPr>
+        <a:xfrm>
+          <a:off x="0" y="0"/>
+          <a:ext cx="0" cy="0"/>
+          <a:chOff x="0" y="0"/>
+          <a:chExt cx="0" cy="0"/>
+        </a:xfrm>
+      </p:grpSpPr>
+      <p:sp>
+        <p:nvSpPr>
+          <p:cNvPr id="4" name="Title 3"/>
+          <p:cNvSpPr>
+            <a:spLocks noGrp="1"/>
+          </p:cNvSpPr>
+          <p:nvPr>
+            <p:ph type="ctrTitle"/>
+          </p:nvPr>
+        </p:nvSpPr>
+        <p:spPr>
+          <a:solidFill>
+            <a:schemeClr val="tx1"/>
+          </a:solidFill>
+        </p:spPr>
+        <p:txBody>
+          <a:bodyPr/>
+          <a:lstStyle/>
+          <a:p>
+            <a:r>
+              <a:rPr lang="en-US" dirty="0" smtClean="0">
+                <a:solidFill>
+                  <a:schemeClr val="bg1"/>
+                </a:solidFill>
+              </a:rPr>
+              <a:t>Documentation</a:t>
+            </a:r>
+            <a:endParaRPr lang="en-US" dirty="0">
+              <a:solidFill>
+                <a:schemeClr val="bg1"/>
+              </a:solidFill>
+            </a:endParaRPr>
+          </a:p>
+        </p:txBody>
+      </p:sp>
+      <p:sp>
+        <p:nvSpPr>
+          <p:cNvPr id="5" name="Subtitle 4"/>
+          <p:cNvSpPr>
+            <a:spLocks noGrp="1"/>
+          </p:cNvSpPr>
+          <p:nvPr>
+            <p:ph type="subTitle" idx="1"/>
+          </p:nvPr>
+        </p:nvSpPr>
+        <p:spPr/>
+        <p:txBody>
+          <a:bodyPr/>
+          <a:lstStyle/>
+          <a:p>
+            <a:endParaRPr lang="en-US"/>
+          </a:p>
+        </p:txBody>
+      </p:sp>
+    </p:spTree>
+    <p:extLst>
+      <p:ext uri="{BB962C8B-B14F-4D97-AF65-F5344CB8AC3E}">
+        <p14:creationId xmlns:p14="http://schemas.microsoft.com/office/powerpoint/2010/main" val="33353883"/>
+      </p:ext>
+    </p:extLst>
+  </p:cSld>
+  <p:clrMapOvr>
+    <a:masterClrMapping/>
+  </p:clrMapOvr>
+</p:sld>
+</file>
+
+<file path=ppt/slides/slide35.xml><?xml version="1.0" encoding="utf-8"?>
+<p:sld xmlns:a="http://schemas.openxmlformats.org/drawingml/2006/main" xmlns:r="http://schemas.openxmlformats.org/officeDocument/2006/relationships" xmlns:p="http://schemas.openxmlformats.org/presentationml/2006/main">
+  <p:cSld>
+    <p:spTree>
+      <p:nvGrpSpPr>
+        <p:cNvPr id="1" name=""/>
+        <p:cNvGrpSpPr/>
+        <p:nvPr/>
+      </p:nvGrpSpPr>
+      <p:grpSpPr>
+        <a:xfrm>
+          <a:off x="0" y="0"/>
+          <a:ext cx="0" cy="0"/>
+          <a:chOff x="0" y="0"/>
+          <a:chExt cx="0" cy="0"/>
+        </a:xfrm>
+      </p:grpSpPr>
+      <p:pic>
+        <p:nvPicPr>
+          <p:cNvPr id="4" name="Picture 3" descr="Screen Shot 2014-07-21 at 9.34.19 PM.png"/>
+          <p:cNvPicPr>
+            <a:picLocks noChangeAspect="1"/>
+          </p:cNvPicPr>
+          <p:nvPr/>
+        </p:nvPicPr>
+        <p:blipFill>
+          <a:blip r:embed="rId2">
+            <a:extLst>
+              <a:ext uri="{28A0092B-C50C-407E-A947-70E740481C1C}">
+                <a14:useLocalDpi xmlns:a14="http://schemas.microsoft.com/office/drawing/2010/main" val="0"/>
+              </a:ext>
+            </a:extLst>
+          </a:blip>
+          <a:stretch>
+            <a:fillRect/>
+          </a:stretch>
+        </p:blipFill>
+        <p:spPr>
+          <a:xfrm>
+            <a:off x="0" y="0"/>
+            <a:ext cx="8931600" cy="6858000"/>
+          </a:xfrm>
+          <a:prstGeom prst="rect">
+            <a:avLst/>
+          </a:prstGeom>
+        </p:spPr>
+      </p:pic>
+    </p:spTree>
+    <p:extLst>
+      <p:ext uri="{BB962C8B-B14F-4D97-AF65-F5344CB8AC3E}">
+        <p14:creationId xmlns:p14="http://schemas.microsoft.com/office/powerpoint/2010/main" val="2607220333"/>
+      </p:ext>
+    </p:extLst>
+  </p:cSld>
+  <p:clrMapOvr>
+    <a:masterClrMapping/>
+  </p:clrMapOvr>
+</p:sld>
+</file>
+
+<file path=ppt/slides/slide36.xml><?xml version="1.0" encoding="utf-8"?>
+<p:sld xmlns:a="http://schemas.openxmlformats.org/drawingml/2006/main" xmlns:r="http://schemas.openxmlformats.org/officeDocument/2006/relationships" xmlns:p="http://schemas.openxmlformats.org/presentationml/2006/main">
+  <p:cSld>
+    <p:spTree>
+      <p:nvGrpSpPr>
+        <p:cNvPr id="1" name=""/>
+        <p:cNvGrpSpPr/>
+        <p:nvPr/>
+      </p:nvGrpSpPr>
+      <p:grpSpPr>
+        <a:xfrm>
+          <a:off x="0" y="0"/>
+          <a:ext cx="0" cy="0"/>
+          <a:chOff x="0" y="0"/>
+          <a:chExt cx="0" cy="0"/>
+        </a:xfrm>
+      </p:grpSpPr>
+      <p:pic>
+        <p:nvPicPr>
+          <p:cNvPr id="4" name="Picture 3" descr="Screen Shot 2014-07-21 at 9.34.59 PM.png"/>
+          <p:cNvPicPr>
+            <a:picLocks noChangeAspect="1"/>
+          </p:cNvPicPr>
+          <p:nvPr/>
+        </p:nvPicPr>
+        <p:blipFill>
+          <a:blip r:embed="rId2">
+            <a:extLst>
+              <a:ext uri="{28A0092B-C50C-407E-A947-70E740481C1C}">
+                <a14:useLocalDpi xmlns:a14="http://schemas.microsoft.com/office/drawing/2010/main" val="0"/>
+              </a:ext>
+            </a:extLst>
+          </a:blip>
+          <a:stretch>
+            <a:fillRect/>
+          </a:stretch>
+        </p:blipFill>
+        <p:spPr>
+          <a:xfrm>
+            <a:off x="0" y="2286000"/>
+            <a:ext cx="9144000" cy="2273200"/>
+          </a:xfrm>
+          <a:prstGeom prst="rect">
+            <a:avLst/>
+          </a:prstGeom>
+        </p:spPr>
+      </p:pic>
+    </p:spTree>
+    <p:extLst>
+      <p:ext uri="{BB962C8B-B14F-4D97-AF65-F5344CB8AC3E}">
+        <p14:creationId xmlns:p14="http://schemas.microsoft.com/office/powerpoint/2010/main" val="3464141080"/>
       </p:ext>
     </p:extLst>
   </p:cSld>

--- a/BasicsOfCoding/BasicsOfCoding.pptx
+++ b/BasicsOfCoding/BasicsOfCoding.pptx
@@ -5,7 +5,7 @@
     <p:sldMasterId id="2147483648" r:id="rId1"/>
   </p:sldMasterIdLst>
   <p:notesMasterIdLst>
-    <p:notesMasterId r:id="rId38"/>
+    <p:notesMasterId r:id="rId37"/>
   </p:notesMasterIdLst>
   <p:sldIdLst>
     <p:sldId id="256" r:id="rId2"/>
@@ -14,36 +14,35 @@
     <p:sldId id="257" r:id="rId5"/>
     <p:sldId id="259" r:id="rId6"/>
     <p:sldId id="297" r:id="rId7"/>
-    <p:sldId id="267" r:id="rId8"/>
-    <p:sldId id="269" r:id="rId9"/>
-    <p:sldId id="274" r:id="rId10"/>
-    <p:sldId id="301" r:id="rId11"/>
-    <p:sldId id="266" r:id="rId12"/>
-    <p:sldId id="286" r:id="rId13"/>
-    <p:sldId id="287" r:id="rId14"/>
-    <p:sldId id="279" r:id="rId15"/>
-    <p:sldId id="280" r:id="rId16"/>
-    <p:sldId id="292" r:id="rId17"/>
-    <p:sldId id="281" r:id="rId18"/>
-    <p:sldId id="282" r:id="rId19"/>
-    <p:sldId id="283" r:id="rId20"/>
-    <p:sldId id="284" r:id="rId21"/>
-    <p:sldId id="288" r:id="rId22"/>
-    <p:sldId id="289" r:id="rId23"/>
-    <p:sldId id="299" r:id="rId24"/>
-    <p:sldId id="277" r:id="rId25"/>
-    <p:sldId id="305" r:id="rId26"/>
-    <p:sldId id="303" r:id="rId27"/>
-    <p:sldId id="304" r:id="rId28"/>
-    <p:sldId id="278" r:id="rId29"/>
-    <p:sldId id="298" r:id="rId30"/>
-    <p:sldId id="275" r:id="rId31"/>
-    <p:sldId id="276" r:id="rId32"/>
-    <p:sldId id="306" r:id="rId33"/>
-    <p:sldId id="290" r:id="rId34"/>
-    <p:sldId id="307" r:id="rId35"/>
-    <p:sldId id="308" r:id="rId36"/>
-    <p:sldId id="309" r:id="rId37"/>
+    <p:sldId id="269" r:id="rId8"/>
+    <p:sldId id="274" r:id="rId9"/>
+    <p:sldId id="301" r:id="rId10"/>
+    <p:sldId id="266" r:id="rId11"/>
+    <p:sldId id="286" r:id="rId12"/>
+    <p:sldId id="287" r:id="rId13"/>
+    <p:sldId id="279" r:id="rId14"/>
+    <p:sldId id="280" r:id="rId15"/>
+    <p:sldId id="292" r:id="rId16"/>
+    <p:sldId id="281" r:id="rId17"/>
+    <p:sldId id="282" r:id="rId18"/>
+    <p:sldId id="283" r:id="rId19"/>
+    <p:sldId id="284" r:id="rId20"/>
+    <p:sldId id="288" r:id="rId21"/>
+    <p:sldId id="289" r:id="rId22"/>
+    <p:sldId id="299" r:id="rId23"/>
+    <p:sldId id="277" r:id="rId24"/>
+    <p:sldId id="305" r:id="rId25"/>
+    <p:sldId id="303" r:id="rId26"/>
+    <p:sldId id="304" r:id="rId27"/>
+    <p:sldId id="278" r:id="rId28"/>
+    <p:sldId id="298" r:id="rId29"/>
+    <p:sldId id="275" r:id="rId30"/>
+    <p:sldId id="276" r:id="rId31"/>
+    <p:sldId id="306" r:id="rId32"/>
+    <p:sldId id="290" r:id="rId33"/>
+    <p:sldId id="307" r:id="rId34"/>
+    <p:sldId id="308" r:id="rId35"/>
+    <p:sldId id="309" r:id="rId36"/>
   </p:sldIdLst>
   <p:sldSz cx="9144000" cy="6858000" type="screen4x3"/>
   <p:notesSz cx="6858000" cy="9144000"/>
@@ -227,7 +226,7 @@
           <a:p>
             <a:fld id="{61D397DF-A733-5248-B82E-D2752A07DE73}" type="datetimeFigureOut">
               <a:rPr lang="en-US" smtClean="0"/>
-              <a:t>8/4/14</a:t>
+              <a:t>8/5/14</a:t>
             </a:fld>
             <a:endParaRPr lang="en-US"/>
           </a:p>
@@ -539,6 +538,14 @@
           <a:bodyPr/>
           <a:lstStyle/>
           <a:p>
+            <a:r>
+              <a:rPr lang="en-US" dirty="0" smtClean="0"/>
+              <a:t>Talking about what to watch out for when coding, especially in the context of writing</a:t>
+            </a:r>
+            <a:r>
+              <a:rPr lang="en-US" baseline="0" dirty="0" smtClean="0"/>
+              <a:t> software meant for other users</a:t>
+            </a:r>
             <a:endParaRPr lang="en-US" dirty="0"/>
           </a:p>
         </p:txBody>
@@ -570,6 +577,190 @@
     <p:extLst>
       <p:ext uri="{BB962C8B-B14F-4D97-AF65-F5344CB8AC3E}">
         <p14:creationId xmlns:p14="http://schemas.microsoft.com/office/powerpoint/2010/main" val="653783919"/>
+      </p:ext>
+    </p:extLst>
+  </p:cSld>
+  <p:clrMapOvr>
+    <a:masterClrMapping/>
+  </p:clrMapOvr>
+</p:notes>
+</file>
+
+<file path=ppt/notesSlides/notesSlide10.xml><?xml version="1.0" encoding="utf-8"?>
+<p:notes xmlns:a="http://schemas.openxmlformats.org/drawingml/2006/main" xmlns:r="http://schemas.openxmlformats.org/officeDocument/2006/relationships" xmlns:p="http://schemas.openxmlformats.org/presentationml/2006/main">
+  <p:cSld>
+    <p:spTree>
+      <p:nvGrpSpPr>
+        <p:cNvPr id="1" name=""/>
+        <p:cNvGrpSpPr/>
+        <p:nvPr/>
+      </p:nvGrpSpPr>
+      <p:grpSpPr>
+        <a:xfrm>
+          <a:off x="0" y="0"/>
+          <a:ext cx="0" cy="0"/>
+          <a:chOff x="0" y="0"/>
+          <a:chExt cx="0" cy="0"/>
+        </a:xfrm>
+      </p:grpSpPr>
+      <p:sp>
+        <p:nvSpPr>
+          <p:cNvPr id="2" name="Slide Image Placeholder 1"/>
+          <p:cNvSpPr>
+            <a:spLocks noGrp="1" noRot="1" noChangeAspect="1"/>
+          </p:cNvSpPr>
+          <p:nvPr>
+            <p:ph type="sldImg"/>
+          </p:nvPr>
+        </p:nvSpPr>
+        <p:spPr/>
+      </p:sp>
+      <p:sp>
+        <p:nvSpPr>
+          <p:cNvPr id="3" name="Notes Placeholder 2"/>
+          <p:cNvSpPr>
+            <a:spLocks noGrp="1"/>
+          </p:cNvSpPr>
+          <p:nvPr>
+            <p:ph type="body" idx="1"/>
+          </p:nvPr>
+        </p:nvSpPr>
+        <p:spPr/>
+        <p:txBody>
+          <a:bodyPr/>
+          <a:lstStyle/>
+          <a:p>
+            <a:r>
+              <a:rPr lang="en-US" dirty="0" smtClean="0"/>
+              <a:t>Refer to Emily</a:t>
+            </a:r>
+            <a:r>
+              <a:rPr lang="en-US" baseline="0" dirty="0" smtClean="0"/>
+              <a:t>’s talk (introduced yesterday)</a:t>
+            </a:r>
+            <a:endParaRPr lang="en-US" dirty="0"/>
+          </a:p>
+        </p:txBody>
+      </p:sp>
+      <p:sp>
+        <p:nvSpPr>
+          <p:cNvPr id="4" name="Slide Number Placeholder 3"/>
+          <p:cNvSpPr>
+            <a:spLocks noGrp="1"/>
+          </p:cNvSpPr>
+          <p:nvPr>
+            <p:ph type="sldNum" sz="quarter" idx="10"/>
+          </p:nvPr>
+        </p:nvSpPr>
+        <p:spPr/>
+        <p:txBody>
+          <a:bodyPr/>
+          <a:lstStyle/>
+          <a:p>
+            <a:fld id="{D2A84381-3185-C147-A825-3C7E66594F36}" type="slidenum">
+              <a:rPr lang="en-US" smtClean="0"/>
+              <a:t>29</a:t>
+            </a:fld>
+            <a:endParaRPr lang="en-US"/>
+          </a:p>
+        </p:txBody>
+      </p:sp>
+    </p:spTree>
+    <p:extLst>
+      <p:ext uri="{BB962C8B-B14F-4D97-AF65-F5344CB8AC3E}">
+        <p14:creationId xmlns:p14="http://schemas.microsoft.com/office/powerpoint/2010/main" val="1476032193"/>
+      </p:ext>
+    </p:extLst>
+  </p:cSld>
+  <p:clrMapOvr>
+    <a:masterClrMapping/>
+  </p:clrMapOvr>
+</p:notes>
+</file>
+
+<file path=ppt/notesSlides/notesSlide11.xml><?xml version="1.0" encoding="utf-8"?>
+<p:notes xmlns:a="http://schemas.openxmlformats.org/drawingml/2006/main" xmlns:r="http://schemas.openxmlformats.org/officeDocument/2006/relationships" xmlns:p="http://schemas.openxmlformats.org/presentationml/2006/main">
+  <p:cSld>
+    <p:spTree>
+      <p:nvGrpSpPr>
+        <p:cNvPr id="1" name=""/>
+        <p:cNvGrpSpPr/>
+        <p:nvPr/>
+      </p:nvGrpSpPr>
+      <p:grpSpPr>
+        <a:xfrm>
+          <a:off x="0" y="0"/>
+          <a:ext cx="0" cy="0"/>
+          <a:chOff x="0" y="0"/>
+          <a:chExt cx="0" cy="0"/>
+        </a:xfrm>
+      </p:grpSpPr>
+      <p:sp>
+        <p:nvSpPr>
+          <p:cNvPr id="2" name="Slide Image Placeholder 1"/>
+          <p:cNvSpPr>
+            <a:spLocks noGrp="1" noRot="1" noChangeAspect="1"/>
+          </p:cNvSpPr>
+          <p:nvPr>
+            <p:ph type="sldImg"/>
+          </p:nvPr>
+        </p:nvSpPr>
+        <p:spPr/>
+      </p:sp>
+      <p:sp>
+        <p:nvSpPr>
+          <p:cNvPr id="3" name="Notes Placeholder 2"/>
+          <p:cNvSpPr>
+            <a:spLocks noGrp="1"/>
+          </p:cNvSpPr>
+          <p:nvPr>
+            <p:ph type="body" idx="1"/>
+          </p:nvPr>
+        </p:nvSpPr>
+        <p:spPr/>
+        <p:txBody>
+          <a:bodyPr/>
+          <a:lstStyle/>
+          <a:p>
+            <a:r>
+              <a:rPr lang="en-US" dirty="0" smtClean="0"/>
+              <a:t>Give</a:t>
+            </a:r>
+            <a:r>
+              <a:rPr lang="en-US" baseline="0" dirty="0" smtClean="0"/>
+              <a:t> example, go through the lines</a:t>
+            </a:r>
+            <a:endParaRPr lang="en-US" dirty="0"/>
+          </a:p>
+        </p:txBody>
+      </p:sp>
+      <p:sp>
+        <p:nvSpPr>
+          <p:cNvPr id="4" name="Slide Number Placeholder 3"/>
+          <p:cNvSpPr>
+            <a:spLocks noGrp="1"/>
+          </p:cNvSpPr>
+          <p:nvPr>
+            <p:ph type="sldNum" sz="quarter" idx="10"/>
+          </p:nvPr>
+        </p:nvSpPr>
+        <p:spPr/>
+        <p:txBody>
+          <a:bodyPr/>
+          <a:lstStyle/>
+          <a:p>
+            <a:fld id="{D2A84381-3185-C147-A825-3C7E66594F36}" type="slidenum">
+              <a:rPr lang="en-US" smtClean="0"/>
+              <a:t>31</a:t>
+            </a:fld>
+            <a:endParaRPr lang="en-US"/>
+          </a:p>
+        </p:txBody>
+      </p:sp>
+    </p:spTree>
+    <p:extLst>
+      <p:ext uri="{BB962C8B-B14F-4D97-AF65-F5344CB8AC3E}">
+        <p14:creationId xmlns:p14="http://schemas.microsoft.com/office/powerpoint/2010/main" val="1611986300"/>
       </p:ext>
     </p:extLst>
   </p:cSld>
@@ -625,7 +816,35 @@
           <a:p>
             <a:r>
               <a:rPr lang="en-US" dirty="0" smtClean="0"/>
-              <a:t>John West</a:t>
+              <a:t>Version</a:t>
+            </a:r>
+            <a:r>
+              <a:rPr lang="en-US" baseline="0" dirty="0" smtClean="0"/>
+              <a:t> control, so if something stops working you can go back and revert to the last working state</a:t>
+            </a:r>
+          </a:p>
+          <a:p>
+            <a:r>
+              <a:rPr lang="en-US" baseline="0" dirty="0" smtClean="0"/>
+              <a:t>What to look out for when writing code</a:t>
+            </a:r>
+          </a:p>
+          <a:p>
+            <a:r>
+              <a:rPr lang="en-US" baseline="0" dirty="0" smtClean="0"/>
+              <a:t>How to ask the right questions (when programming), extended to other areas</a:t>
+            </a:r>
+          </a:p>
+          <a:p>
+            <a:r>
+              <a:rPr lang="en-US" baseline="0" dirty="0" smtClean="0"/>
+              <a:t> good practices for writing software</a:t>
+            </a:r>
+          </a:p>
+          <a:p>
+            <a:r>
+              <a:rPr lang="en-US" baseline="0" dirty="0" smtClean="0"/>
+              <a:t>Documentation and how to write it. Try and put it online if possible. Make sure it can be updated easily</a:t>
             </a:r>
             <a:endParaRPr lang="en-US" dirty="0"/>
           </a:p>
@@ -648,7 +867,7 @@
           <a:p>
             <a:fld id="{D2A84381-3185-C147-A825-3C7E66594F36}" type="slidenum">
               <a:rPr lang="en-US" smtClean="0"/>
-              <a:t>10</a:t>
+              <a:t>2</a:t>
             </a:fld>
             <a:endParaRPr lang="en-US"/>
           </a:p>
@@ -657,7 +876,7 @@
     </p:spTree>
     <p:extLst>
       <p:ext uri="{BB962C8B-B14F-4D97-AF65-F5344CB8AC3E}">
-        <p14:creationId xmlns:p14="http://schemas.microsoft.com/office/powerpoint/2010/main" val="1114351439"/>
+        <p14:creationId xmlns:p14="http://schemas.microsoft.com/office/powerpoint/2010/main" val="1763805188"/>
       </p:ext>
     </p:extLst>
   </p:cSld>
@@ -713,11 +932,37 @@
           <a:p>
             <a:r>
               <a:rPr lang="en-US" dirty="0" smtClean="0"/>
-              <a:t>More explicit: for software bugs or your</a:t>
+              <a:t>Did</a:t>
             </a:r>
             <a:r>
               <a:rPr lang="en-US" baseline="0" dirty="0" smtClean="0"/>
-              <a:t> own programming bugs?</a:t>
+              <a:t> not have much formal schooling in coding, mainly learnt by looking at other people’s code, </a:t>
+            </a:r>
+            <a:r>
+              <a:rPr lang="en-US" baseline="0" dirty="0" err="1" smtClean="0"/>
+              <a:t>googling</a:t>
+            </a:r>
+            <a:r>
+              <a:rPr lang="en-US" baseline="0" dirty="0" smtClean="0"/>
+              <a:t>, and asking people</a:t>
+            </a:r>
+          </a:p>
+          <a:p>
+            <a:r>
+              <a:rPr lang="en-US" baseline="0" dirty="0" smtClean="0"/>
+              <a:t>Done research in earth science needing computational tools</a:t>
+            </a:r>
+          </a:p>
+          <a:p>
+            <a:r>
+              <a:rPr lang="en-US" baseline="0" dirty="0" smtClean="0"/>
+              <a:t>Worked on several large collaborative coding projects as a software engineer while on a gap year between undergrad and grad school</a:t>
+            </a:r>
+          </a:p>
+          <a:p>
+            <a:r>
+              <a:rPr lang="en-US" baseline="0" dirty="0" smtClean="0"/>
+              <a:t>Now graduate student in electrical and computer engineering. </a:t>
             </a:r>
             <a:endParaRPr lang="en-US" dirty="0"/>
           </a:p>
@@ -740,7 +985,7 @@
           <a:p>
             <a:fld id="{D2A84381-3185-C147-A825-3C7E66594F36}" type="slidenum">
               <a:rPr lang="en-US" smtClean="0"/>
-              <a:t>28</a:t>
+              <a:t>4</a:t>
             </a:fld>
             <a:endParaRPr lang="en-US"/>
           </a:p>
@@ -749,7 +994,7 @@
     </p:spTree>
     <p:extLst>
       <p:ext uri="{BB962C8B-B14F-4D97-AF65-F5344CB8AC3E}">
-        <p14:creationId xmlns:p14="http://schemas.microsoft.com/office/powerpoint/2010/main" val="2198081469"/>
+        <p14:creationId xmlns:p14="http://schemas.microsoft.com/office/powerpoint/2010/main" val="1829074614"/>
       </p:ext>
     </p:extLst>
   </p:cSld>
@@ -805,11 +1050,11 @@
           <a:p>
             <a:r>
               <a:rPr lang="en-US" dirty="0" smtClean="0"/>
-              <a:t>Refer to Emily</a:t>
+              <a:t>What to try</a:t>
             </a:r>
             <a:r>
               <a:rPr lang="en-US" baseline="0" dirty="0" smtClean="0"/>
-              <a:t>’s talk (introduced yesterday)</a:t>
+              <a:t> and remember from this session</a:t>
             </a:r>
             <a:endParaRPr lang="en-US" dirty="0"/>
           </a:p>
@@ -832,7 +1077,7 @@
           <a:p>
             <a:fld id="{D2A84381-3185-C147-A825-3C7E66594F36}" type="slidenum">
               <a:rPr lang="en-US" smtClean="0"/>
-              <a:t>30</a:t>
+              <a:t>5</a:t>
             </a:fld>
             <a:endParaRPr lang="en-US"/>
           </a:p>
@@ -841,7 +1086,7 @@
     </p:spTree>
     <p:extLst>
       <p:ext uri="{BB962C8B-B14F-4D97-AF65-F5344CB8AC3E}">
-        <p14:creationId xmlns:p14="http://schemas.microsoft.com/office/powerpoint/2010/main" val="1476032193"/>
+        <p14:creationId xmlns:p14="http://schemas.microsoft.com/office/powerpoint/2010/main" val="1437722014"/>
       </p:ext>
     </p:extLst>
   </p:cSld>
@@ -897,11 +1142,38 @@
           <a:p>
             <a:r>
               <a:rPr lang="en-US" dirty="0" smtClean="0"/>
-              <a:t>Give</a:t>
+              <a:t>Good for sharing code and building a portfolio.</a:t>
+            </a:r>
+          </a:p>
+          <a:p>
+            <a:r>
+              <a:rPr lang="en-US" dirty="0" err="1" smtClean="0"/>
+              <a:t>Conveniet</a:t>
             </a:r>
             <a:r>
               <a:rPr lang="en-US" baseline="0" dirty="0" smtClean="0"/>
-              <a:t> example, go through the lines</a:t>
+              <a:t> as it is hosted on a cloud, can get it anyway just by logging into your account</a:t>
+            </a:r>
+          </a:p>
+          <a:p>
+            <a:endParaRPr lang="en-US" baseline="0" dirty="0" smtClean="0"/>
+          </a:p>
+          <a:p>
+            <a:r>
+              <a:rPr lang="en-US" baseline="0" dirty="0" smtClean="0"/>
+              <a:t>Bad: troublesome to learn, </a:t>
+            </a:r>
+          </a:p>
+          <a:p>
+            <a:r>
+              <a:rPr lang="en-US" baseline="0" dirty="0" smtClean="0"/>
+              <a:t>Problematic if code needs to be private – need to pay</a:t>
+            </a:r>
+          </a:p>
+          <a:p>
+            <a:r>
+              <a:rPr lang="en-US" baseline="0" dirty="0" smtClean="0"/>
+              <a:t>Code is so hard to read, if you make it public but add no documentation, may be ok</a:t>
             </a:r>
             <a:endParaRPr lang="en-US" dirty="0"/>
           </a:p>
@@ -924,7 +1196,7 @@
           <a:p>
             <a:fld id="{D2A84381-3185-C147-A825-3C7E66594F36}" type="slidenum">
               <a:rPr lang="en-US" smtClean="0"/>
-              <a:t>32</a:t>
+              <a:t>7</a:t>
             </a:fld>
             <a:endParaRPr lang="en-US"/>
           </a:p>
@@ -933,7 +1205,409 @@
     </p:spTree>
     <p:extLst>
       <p:ext uri="{BB962C8B-B14F-4D97-AF65-F5344CB8AC3E}">
-        <p14:creationId xmlns:p14="http://schemas.microsoft.com/office/powerpoint/2010/main" val="1611986300"/>
+        <p14:creationId xmlns:p14="http://schemas.microsoft.com/office/powerpoint/2010/main" val="2492883722"/>
+      </p:ext>
+    </p:extLst>
+  </p:cSld>
+  <p:clrMapOvr>
+    <a:masterClrMapping/>
+  </p:clrMapOvr>
+</p:notes>
+</file>
+
+<file path=ppt/notesSlides/notesSlide6.xml><?xml version="1.0" encoding="utf-8"?>
+<p:notes xmlns:a="http://schemas.openxmlformats.org/drawingml/2006/main" xmlns:r="http://schemas.openxmlformats.org/officeDocument/2006/relationships" xmlns:p="http://schemas.openxmlformats.org/presentationml/2006/main">
+  <p:cSld>
+    <p:spTree>
+      <p:nvGrpSpPr>
+        <p:cNvPr id="1" name=""/>
+        <p:cNvGrpSpPr/>
+        <p:nvPr/>
+      </p:nvGrpSpPr>
+      <p:grpSpPr>
+        <a:xfrm>
+          <a:off x="0" y="0"/>
+          <a:ext cx="0" cy="0"/>
+          <a:chOff x="0" y="0"/>
+          <a:chExt cx="0" cy="0"/>
+        </a:xfrm>
+      </p:grpSpPr>
+      <p:sp>
+        <p:nvSpPr>
+          <p:cNvPr id="2" name="Slide Image Placeholder 1"/>
+          <p:cNvSpPr>
+            <a:spLocks noGrp="1" noRot="1" noChangeAspect="1"/>
+          </p:cNvSpPr>
+          <p:nvPr>
+            <p:ph type="sldImg"/>
+          </p:nvPr>
+        </p:nvSpPr>
+        <p:spPr/>
+      </p:sp>
+      <p:sp>
+        <p:nvSpPr>
+          <p:cNvPr id="3" name="Notes Placeholder 2"/>
+          <p:cNvSpPr>
+            <a:spLocks noGrp="1"/>
+          </p:cNvSpPr>
+          <p:nvPr>
+            <p:ph type="body" idx="1"/>
+          </p:nvPr>
+        </p:nvSpPr>
+        <p:spPr/>
+        <p:txBody>
+          <a:bodyPr/>
+          <a:lstStyle/>
+          <a:p>
+            <a:r>
+              <a:rPr lang="en-US" dirty="0" smtClean="0"/>
+              <a:t>Demonstration</a:t>
+            </a:r>
+          </a:p>
+          <a:p>
+            <a:r>
+              <a:rPr lang="en-US" dirty="0" smtClean="0"/>
+              <a:t>Make</a:t>
+            </a:r>
+            <a:r>
+              <a:rPr lang="en-US" baseline="0" dirty="0" smtClean="0"/>
+              <a:t> a </a:t>
+            </a:r>
+            <a:r>
+              <a:rPr lang="en-US" baseline="0" dirty="0" err="1" smtClean="0"/>
+              <a:t>github</a:t>
+            </a:r>
+            <a:r>
+              <a:rPr lang="en-US" baseline="0" dirty="0" smtClean="0"/>
+              <a:t> account and follow along </a:t>
+            </a:r>
+          </a:p>
+          <a:p>
+            <a:r>
+              <a:rPr lang="en-US" baseline="0" dirty="0" smtClean="0"/>
+              <a:t>Wrote up important points covered in the link </a:t>
+            </a:r>
+            <a:endParaRPr lang="en-US" dirty="0" smtClean="0"/>
+          </a:p>
+        </p:txBody>
+      </p:sp>
+      <p:sp>
+        <p:nvSpPr>
+          <p:cNvPr id="4" name="Slide Number Placeholder 3"/>
+          <p:cNvSpPr>
+            <a:spLocks noGrp="1"/>
+          </p:cNvSpPr>
+          <p:nvPr>
+            <p:ph type="sldNum" sz="quarter" idx="10"/>
+          </p:nvPr>
+        </p:nvSpPr>
+        <p:spPr/>
+        <p:txBody>
+          <a:bodyPr/>
+          <a:lstStyle/>
+          <a:p>
+            <a:fld id="{D2A84381-3185-C147-A825-3C7E66594F36}" type="slidenum">
+              <a:rPr lang="en-US" smtClean="0"/>
+              <a:t>8</a:t>
+            </a:fld>
+            <a:endParaRPr lang="en-US"/>
+          </a:p>
+        </p:txBody>
+      </p:sp>
+    </p:spTree>
+    <p:extLst>
+      <p:ext uri="{BB962C8B-B14F-4D97-AF65-F5344CB8AC3E}">
+        <p14:creationId xmlns:p14="http://schemas.microsoft.com/office/powerpoint/2010/main" val="88957200"/>
+      </p:ext>
+    </p:extLst>
+  </p:cSld>
+  <p:clrMapOvr>
+    <a:masterClrMapping/>
+  </p:clrMapOvr>
+</p:notes>
+</file>
+
+<file path=ppt/notesSlides/notesSlide7.xml><?xml version="1.0" encoding="utf-8"?>
+<p:notes xmlns:a="http://schemas.openxmlformats.org/drawingml/2006/main" xmlns:r="http://schemas.openxmlformats.org/officeDocument/2006/relationships" xmlns:p="http://schemas.openxmlformats.org/presentationml/2006/main">
+  <p:cSld>
+    <p:spTree>
+      <p:nvGrpSpPr>
+        <p:cNvPr id="1" name=""/>
+        <p:cNvGrpSpPr/>
+        <p:nvPr/>
+      </p:nvGrpSpPr>
+      <p:grpSpPr>
+        <a:xfrm>
+          <a:off x="0" y="0"/>
+          <a:ext cx="0" cy="0"/>
+          <a:chOff x="0" y="0"/>
+          <a:chExt cx="0" cy="0"/>
+        </a:xfrm>
+      </p:grpSpPr>
+      <p:sp>
+        <p:nvSpPr>
+          <p:cNvPr id="2" name="Slide Image Placeholder 1"/>
+          <p:cNvSpPr>
+            <a:spLocks noGrp="1" noRot="1" noChangeAspect="1"/>
+          </p:cNvSpPr>
+          <p:nvPr>
+            <p:ph type="sldImg"/>
+          </p:nvPr>
+        </p:nvSpPr>
+        <p:spPr/>
+      </p:sp>
+      <p:sp>
+        <p:nvSpPr>
+          <p:cNvPr id="3" name="Notes Placeholder 2"/>
+          <p:cNvSpPr>
+            <a:spLocks noGrp="1"/>
+          </p:cNvSpPr>
+          <p:nvPr>
+            <p:ph type="body" idx="1"/>
+          </p:nvPr>
+        </p:nvSpPr>
+        <p:spPr/>
+        <p:txBody>
+          <a:bodyPr/>
+          <a:lstStyle/>
+          <a:p>
+            <a:r>
+              <a:rPr lang="en-US" dirty="0" smtClean="0"/>
+              <a:t>John </a:t>
+            </a:r>
+            <a:r>
+              <a:rPr lang="en-US" dirty="0" smtClean="0"/>
+              <a:t>West’s slides used for this</a:t>
+            </a:r>
+            <a:r>
+              <a:rPr lang="en-US" baseline="0" dirty="0" smtClean="0"/>
+              <a:t> part </a:t>
+            </a:r>
+          </a:p>
+          <a:p>
+            <a:r>
+              <a:rPr lang="en-US" baseline="0" dirty="0" smtClean="0"/>
+              <a:t>He was an engineer for a while too </a:t>
+            </a:r>
+            <a:endParaRPr lang="en-US" dirty="0"/>
+          </a:p>
+        </p:txBody>
+      </p:sp>
+      <p:sp>
+        <p:nvSpPr>
+          <p:cNvPr id="4" name="Slide Number Placeholder 3"/>
+          <p:cNvSpPr>
+            <a:spLocks noGrp="1"/>
+          </p:cNvSpPr>
+          <p:nvPr>
+            <p:ph type="sldNum" sz="quarter" idx="10"/>
+          </p:nvPr>
+        </p:nvSpPr>
+        <p:spPr/>
+        <p:txBody>
+          <a:bodyPr/>
+          <a:lstStyle/>
+          <a:p>
+            <a:fld id="{D2A84381-3185-C147-A825-3C7E66594F36}" type="slidenum">
+              <a:rPr lang="en-US" smtClean="0"/>
+              <a:t>9</a:t>
+            </a:fld>
+            <a:endParaRPr lang="en-US"/>
+          </a:p>
+        </p:txBody>
+      </p:sp>
+    </p:spTree>
+    <p:extLst>
+      <p:ext uri="{BB962C8B-B14F-4D97-AF65-F5344CB8AC3E}">
+        <p14:creationId xmlns:p14="http://schemas.microsoft.com/office/powerpoint/2010/main" val="1114351439"/>
+      </p:ext>
+    </p:extLst>
+  </p:cSld>
+  <p:clrMapOvr>
+    <a:masterClrMapping/>
+  </p:clrMapOvr>
+</p:notes>
+</file>
+
+<file path=ppt/notesSlides/notesSlide8.xml><?xml version="1.0" encoding="utf-8"?>
+<p:notes xmlns:a="http://schemas.openxmlformats.org/drawingml/2006/main" xmlns:r="http://schemas.openxmlformats.org/officeDocument/2006/relationships" xmlns:p="http://schemas.openxmlformats.org/presentationml/2006/main">
+  <p:cSld>
+    <p:spTree>
+      <p:nvGrpSpPr>
+        <p:cNvPr id="1" name=""/>
+        <p:cNvGrpSpPr/>
+        <p:nvPr/>
+      </p:nvGrpSpPr>
+      <p:grpSpPr>
+        <a:xfrm>
+          <a:off x="0" y="0"/>
+          <a:ext cx="0" cy="0"/>
+          <a:chOff x="0" y="0"/>
+          <a:chExt cx="0" cy="0"/>
+        </a:xfrm>
+      </p:grpSpPr>
+      <p:sp>
+        <p:nvSpPr>
+          <p:cNvPr id="2" name="Slide Image Placeholder 1"/>
+          <p:cNvSpPr>
+            <a:spLocks noGrp="1" noRot="1" noChangeAspect="1"/>
+          </p:cNvSpPr>
+          <p:nvPr>
+            <p:ph type="sldImg"/>
+          </p:nvPr>
+        </p:nvSpPr>
+        <p:spPr/>
+      </p:sp>
+      <p:sp>
+        <p:nvSpPr>
+          <p:cNvPr id="3" name="Notes Placeholder 2"/>
+          <p:cNvSpPr>
+            <a:spLocks noGrp="1"/>
+          </p:cNvSpPr>
+          <p:nvPr>
+            <p:ph type="body" idx="1"/>
+          </p:nvPr>
+        </p:nvSpPr>
+        <p:spPr/>
+        <p:txBody>
+          <a:bodyPr/>
+          <a:lstStyle/>
+          <a:p>
+            <a:r>
+              <a:rPr lang="en-US" dirty="0" smtClean="0"/>
+              <a:t>What </a:t>
+            </a:r>
+            <a:r>
+              <a:rPr lang="en-US" smtClean="0"/>
+              <a:t>does</a:t>
+            </a:r>
+            <a:r>
+              <a:rPr lang="en-US" baseline="0" smtClean="0"/>
+              <a:t> that bit of code do? </a:t>
+            </a:r>
+            <a:endParaRPr lang="en-US"/>
+          </a:p>
+        </p:txBody>
+      </p:sp>
+      <p:sp>
+        <p:nvSpPr>
+          <p:cNvPr id="4" name="Slide Number Placeholder 3"/>
+          <p:cNvSpPr>
+            <a:spLocks noGrp="1"/>
+          </p:cNvSpPr>
+          <p:nvPr>
+            <p:ph type="sldNum" sz="quarter" idx="10"/>
+          </p:nvPr>
+        </p:nvSpPr>
+        <p:spPr/>
+        <p:txBody>
+          <a:bodyPr/>
+          <a:lstStyle/>
+          <a:p>
+            <a:fld id="{D2A84381-3185-C147-A825-3C7E66594F36}" type="slidenum">
+              <a:rPr lang="en-US" smtClean="0"/>
+              <a:t>10</a:t>
+            </a:fld>
+            <a:endParaRPr lang="en-US"/>
+          </a:p>
+        </p:txBody>
+      </p:sp>
+    </p:spTree>
+    <p:extLst>
+      <p:ext uri="{BB962C8B-B14F-4D97-AF65-F5344CB8AC3E}">
+        <p14:creationId xmlns:p14="http://schemas.microsoft.com/office/powerpoint/2010/main" val="3700500175"/>
+      </p:ext>
+    </p:extLst>
+  </p:cSld>
+  <p:clrMapOvr>
+    <a:masterClrMapping/>
+  </p:clrMapOvr>
+</p:notes>
+</file>
+
+<file path=ppt/notesSlides/notesSlide9.xml><?xml version="1.0" encoding="utf-8"?>
+<p:notes xmlns:a="http://schemas.openxmlformats.org/drawingml/2006/main" xmlns:r="http://schemas.openxmlformats.org/officeDocument/2006/relationships" xmlns:p="http://schemas.openxmlformats.org/presentationml/2006/main">
+  <p:cSld>
+    <p:spTree>
+      <p:nvGrpSpPr>
+        <p:cNvPr id="1" name=""/>
+        <p:cNvGrpSpPr/>
+        <p:nvPr/>
+      </p:nvGrpSpPr>
+      <p:grpSpPr>
+        <a:xfrm>
+          <a:off x="0" y="0"/>
+          <a:ext cx="0" cy="0"/>
+          <a:chOff x="0" y="0"/>
+          <a:chExt cx="0" cy="0"/>
+        </a:xfrm>
+      </p:grpSpPr>
+      <p:sp>
+        <p:nvSpPr>
+          <p:cNvPr id="2" name="Slide Image Placeholder 1"/>
+          <p:cNvSpPr>
+            <a:spLocks noGrp="1" noRot="1" noChangeAspect="1"/>
+          </p:cNvSpPr>
+          <p:nvPr>
+            <p:ph type="sldImg"/>
+          </p:nvPr>
+        </p:nvSpPr>
+        <p:spPr/>
+      </p:sp>
+      <p:sp>
+        <p:nvSpPr>
+          <p:cNvPr id="3" name="Notes Placeholder 2"/>
+          <p:cNvSpPr>
+            <a:spLocks noGrp="1"/>
+          </p:cNvSpPr>
+          <p:nvPr>
+            <p:ph type="body" idx="1"/>
+          </p:nvPr>
+        </p:nvSpPr>
+        <p:spPr/>
+        <p:txBody>
+          <a:bodyPr/>
+          <a:lstStyle/>
+          <a:p>
+            <a:r>
+              <a:rPr lang="en-US" dirty="0" smtClean="0"/>
+              <a:t>More explicit: for software bugs or your</a:t>
+            </a:r>
+            <a:r>
+              <a:rPr lang="en-US" baseline="0" dirty="0" smtClean="0"/>
+              <a:t> own programming bugs?</a:t>
+            </a:r>
+            <a:endParaRPr lang="en-US" dirty="0"/>
+          </a:p>
+        </p:txBody>
+      </p:sp>
+      <p:sp>
+        <p:nvSpPr>
+          <p:cNvPr id="4" name="Slide Number Placeholder 3"/>
+          <p:cNvSpPr>
+            <a:spLocks noGrp="1"/>
+          </p:cNvSpPr>
+          <p:nvPr>
+            <p:ph type="sldNum" sz="quarter" idx="10"/>
+          </p:nvPr>
+        </p:nvSpPr>
+        <p:spPr/>
+        <p:txBody>
+          <a:bodyPr/>
+          <a:lstStyle/>
+          <a:p>
+            <a:fld id="{D2A84381-3185-C147-A825-3C7E66594F36}" type="slidenum">
+              <a:rPr lang="en-US" smtClean="0"/>
+              <a:t>27</a:t>
+            </a:fld>
+            <a:endParaRPr lang="en-US"/>
+          </a:p>
+        </p:txBody>
+      </p:sp>
+    </p:spTree>
+    <p:extLst>
+      <p:ext uri="{BB962C8B-B14F-4D97-AF65-F5344CB8AC3E}">
+        <p14:creationId xmlns:p14="http://schemas.microsoft.com/office/powerpoint/2010/main" val="2198081469"/>
       </p:ext>
     </p:extLst>
   </p:cSld>
@@ -1124,7 +1798,7 @@
           <a:p>
             <a:fld id="{6EB5AF22-7E07-4B46-95AE-FB6A415E8F1F}" type="datetimeFigureOut">
               <a:rPr lang="en-US" smtClean="0"/>
-              <a:t>8/4/14</a:t>
+              <a:t>8/5/14</a:t>
             </a:fld>
             <a:endParaRPr lang="en-US"/>
           </a:p>
@@ -1294,7 +1968,7 @@
           <a:p>
             <a:fld id="{6EB5AF22-7E07-4B46-95AE-FB6A415E8F1F}" type="datetimeFigureOut">
               <a:rPr lang="en-US" smtClean="0"/>
-              <a:t>8/4/14</a:t>
+              <a:t>8/5/14</a:t>
             </a:fld>
             <a:endParaRPr lang="en-US"/>
           </a:p>
@@ -1474,7 +2148,7 @@
           <a:p>
             <a:fld id="{6EB5AF22-7E07-4B46-95AE-FB6A415E8F1F}" type="datetimeFigureOut">
               <a:rPr lang="en-US" smtClean="0"/>
-              <a:t>8/4/14</a:t>
+              <a:t>8/5/14</a:t>
             </a:fld>
             <a:endParaRPr lang="en-US"/>
           </a:p>
@@ -1644,7 +2318,7 @@
           <a:p>
             <a:fld id="{6EB5AF22-7E07-4B46-95AE-FB6A415E8F1F}" type="datetimeFigureOut">
               <a:rPr lang="en-US" smtClean="0"/>
-              <a:t>8/4/14</a:t>
+              <a:t>8/5/14</a:t>
             </a:fld>
             <a:endParaRPr lang="en-US"/>
           </a:p>
@@ -1890,7 +2564,7 @@
           <a:p>
             <a:fld id="{6EB5AF22-7E07-4B46-95AE-FB6A415E8F1F}" type="datetimeFigureOut">
               <a:rPr lang="en-US" smtClean="0"/>
-              <a:t>8/4/14</a:t>
+              <a:t>8/5/14</a:t>
             </a:fld>
             <a:endParaRPr lang="en-US"/>
           </a:p>
@@ -2178,7 +2852,7 @@
           <a:p>
             <a:fld id="{6EB5AF22-7E07-4B46-95AE-FB6A415E8F1F}" type="datetimeFigureOut">
               <a:rPr lang="en-US" smtClean="0"/>
-              <a:t>8/4/14</a:t>
+              <a:t>8/5/14</a:t>
             </a:fld>
             <a:endParaRPr lang="en-US"/>
           </a:p>
@@ -2600,7 +3274,7 @@
           <a:p>
             <a:fld id="{6EB5AF22-7E07-4B46-95AE-FB6A415E8F1F}" type="datetimeFigureOut">
               <a:rPr lang="en-US" smtClean="0"/>
-              <a:t>8/4/14</a:t>
+              <a:t>8/5/14</a:t>
             </a:fld>
             <a:endParaRPr lang="en-US"/>
           </a:p>
@@ -2718,7 +3392,7 @@
           <a:p>
             <a:fld id="{6EB5AF22-7E07-4B46-95AE-FB6A415E8F1F}" type="datetimeFigureOut">
               <a:rPr lang="en-US" smtClean="0"/>
-              <a:t>8/4/14</a:t>
+              <a:t>8/5/14</a:t>
             </a:fld>
             <a:endParaRPr lang="en-US"/>
           </a:p>
@@ -2813,7 +3487,7 @@
           <a:p>
             <a:fld id="{6EB5AF22-7E07-4B46-95AE-FB6A415E8F1F}" type="datetimeFigureOut">
               <a:rPr lang="en-US" smtClean="0"/>
-              <a:t>8/4/14</a:t>
+              <a:t>8/5/14</a:t>
             </a:fld>
             <a:endParaRPr lang="en-US"/>
           </a:p>
@@ -3090,7 +3764,7 @@
           <a:p>
             <a:fld id="{6EB5AF22-7E07-4B46-95AE-FB6A415E8F1F}" type="datetimeFigureOut">
               <a:rPr lang="en-US" smtClean="0"/>
-              <a:t>8/4/14</a:t>
+              <a:t>8/5/14</a:t>
             </a:fld>
             <a:endParaRPr lang="en-US"/>
           </a:p>
@@ -3343,7 +4017,7 @@
           <a:p>
             <a:fld id="{6EB5AF22-7E07-4B46-95AE-FB6A415E8F1F}" type="datetimeFigureOut">
               <a:rPr lang="en-US" smtClean="0"/>
-              <a:t>8/4/14</a:t>
+              <a:t>8/5/14</a:t>
             </a:fld>
             <a:endParaRPr lang="en-US"/>
           </a:p>
@@ -3556,7 +4230,7 @@
           <a:p>
             <a:fld id="{6EB5AF22-7E07-4B46-95AE-FB6A415E8F1F}" type="datetimeFigureOut">
               <a:rPr lang="en-US" smtClean="0"/>
-              <a:t>8/4/14</a:t>
+              <a:t>8/5/14</a:t>
             </a:fld>
             <a:endParaRPr lang="en-US"/>
           </a:p>
@@ -4061,62 +4735,63 @@
       </p:grpSpPr>
       <p:sp>
         <p:nvSpPr>
-          <p:cNvPr id="3" name="Title 2"/>
-          <p:cNvSpPr>
-            <a:spLocks noGrp="1"/>
-          </p:cNvSpPr>
-          <p:nvPr>
-            <p:ph type="ctrTitle"/>
-          </p:nvPr>
-        </p:nvSpPr>
-        <p:spPr>
-          <a:solidFill>
-            <a:schemeClr val="tx1"/>
-          </a:solidFill>
-        </p:spPr>
-        <p:txBody>
-          <a:bodyPr/>
-          <a:lstStyle/>
-          <a:p>
-            <a:r>
-              <a:rPr lang="en-US" dirty="0" smtClean="0">
-                <a:solidFill>
-                  <a:srgbClr val="FFFFFF"/>
-                </a:solidFill>
-              </a:rPr>
-              <a:t>Coding Practices</a:t>
-            </a:r>
-            <a:endParaRPr lang="en-US" dirty="0">
-              <a:solidFill>
-                <a:srgbClr val="FFFFFF"/>
-              </a:solidFill>
-            </a:endParaRPr>
-          </a:p>
-        </p:txBody>
-      </p:sp>
-      <p:sp>
-        <p:nvSpPr>
-          <p:cNvPr id="4" name="Subtitle 3"/>
-          <p:cNvSpPr>
-            <a:spLocks noGrp="1"/>
-          </p:cNvSpPr>
-          <p:nvPr>
-            <p:ph type="subTitle" idx="1"/>
-          </p:nvPr>
-        </p:nvSpPr>
-        <p:spPr/>
-        <p:txBody>
-          <a:bodyPr/>
-          <a:lstStyle/>
-          <a:p>
-            <a:endParaRPr lang="en-US"/>
+          <p:cNvPr id="2" name="Title 1"/>
+          <p:cNvSpPr>
+            <a:spLocks noGrp="1"/>
+          </p:cNvSpPr>
+          <p:nvPr>
+            <p:ph type="title"/>
+          </p:nvPr>
+        </p:nvSpPr>
+        <p:spPr/>
+        <p:txBody>
+          <a:bodyPr>
+            <a:normAutofit fontScale="90000"/>
+          </a:bodyPr>
+          <a:lstStyle/>
+          <a:p>
+            <a:r>
+              <a:rPr lang="en-US" dirty="0" smtClean="0"/>
+              <a:t>Writing your own code … </a:t>
+            </a:r>
+            <a:br>
+              <a:rPr lang="en-US" dirty="0" smtClean="0"/>
+            </a:br>
+            <a:r>
+              <a:rPr lang="en-US" dirty="0" smtClean="0"/>
+              <a:t>Comments</a:t>
+            </a:r>
+            <a:endParaRPr lang="en-US" dirty="0"/>
+          </a:p>
+        </p:txBody>
+      </p:sp>
+      <p:sp>
+        <p:nvSpPr>
+          <p:cNvPr id="3" name="Content Placeholder 2"/>
+          <p:cNvSpPr>
+            <a:spLocks noGrp="1"/>
+          </p:cNvSpPr>
+          <p:nvPr>
+            <p:ph idx="1"/>
+          </p:nvPr>
+        </p:nvSpPr>
+        <p:spPr/>
+        <p:txBody>
+          <a:bodyPr/>
+          <a:lstStyle/>
+          <a:p>
+            <a:r>
+              <a:rPr lang="en-US" dirty="0" smtClean="0"/>
+              <a:t>Describe the process, not the code</a:t>
+            </a:r>
+            <a:endParaRPr lang="en-US" dirty="0"/>
           </a:p>
         </p:txBody>
       </p:sp>
     </p:spTree>
     <p:extLst>
       <p:ext uri="{BB962C8B-B14F-4D97-AF65-F5344CB8AC3E}">
-        <p14:creationId xmlns:p14="http://schemas.microsoft.com/office/powerpoint/2010/main" val="2196298696"/>
+        <p14:creationId xmlns:p14="http://schemas.microsoft.com/office/powerpoint/2010/main" val="1963443038"/>
       </p:ext>
     </p:extLst>
   </p:cSld>
@@ -4145,69 +4820,227 @@
       </p:grpSpPr>
       <p:sp>
         <p:nvSpPr>
-          <p:cNvPr id="2" name="Title 1"/>
-          <p:cNvSpPr>
-            <a:spLocks noGrp="1"/>
-          </p:cNvSpPr>
-          <p:nvPr>
-            <p:ph type="title"/>
-          </p:nvPr>
-        </p:nvSpPr>
-        <p:spPr/>
-        <p:txBody>
-          <a:bodyPr>
-            <a:normAutofit fontScale="90000"/>
-          </a:bodyPr>
-          <a:lstStyle/>
-          <a:p>
-            <a:r>
-              <a:rPr lang="en-US" dirty="0" smtClean="0"/>
-              <a:t>Writing your own code … </a:t>
-            </a:r>
-            <a:br>
-              <a:rPr lang="en-US" dirty="0" smtClean="0"/>
-            </a:br>
-            <a:r>
-              <a:rPr lang="en-US" dirty="0" smtClean="0"/>
-              <a:t>Comments</a:t>
-            </a:r>
-            <a:endParaRPr lang="en-US" dirty="0"/>
-          </a:p>
-        </p:txBody>
-      </p:sp>
-      <p:sp>
-        <p:nvSpPr>
-          <p:cNvPr id="3" name="Content Placeholder 2"/>
-          <p:cNvSpPr>
-            <a:spLocks noGrp="1"/>
-          </p:cNvSpPr>
-          <p:nvPr>
-            <p:ph idx="1"/>
-          </p:nvPr>
-        </p:nvSpPr>
-        <p:spPr/>
-        <p:txBody>
-          <a:bodyPr/>
-          <a:lstStyle/>
-          <a:p>
-            <a:r>
-              <a:rPr lang="en-US" dirty="0" smtClean="0"/>
-              <a:t>Describe the process, not the code</a:t>
-            </a:r>
-            <a:endParaRPr lang="en-US" dirty="0"/>
+          <p:cNvPr id="33795" name="Rectangle 3"/>
+          <p:cNvSpPr>
+            <a:spLocks noGrp="1" noChangeArrowheads="1"/>
+          </p:cNvSpPr>
+          <p:nvPr>
+            <p:ph type="subTitle" idx="1"/>
+          </p:nvPr>
+        </p:nvSpPr>
+        <p:spPr>
+          <a:xfrm>
+            <a:off x="609600" y="990600"/>
+            <a:ext cx="8153400" cy="4953000"/>
+          </a:xfrm>
+        </p:spPr>
+        <p:txBody>
+          <a:bodyPr/>
+          <a:lstStyle/>
+          <a:p>
+            <a:pPr algn="l"/>
+            <a:r>
+              <a:rPr lang="en-US" dirty="0">
+                <a:solidFill>
+                  <a:schemeClr val="tx1"/>
+                </a:solidFill>
+                <a:latin typeface="American Typewriter"/>
+                <a:cs typeface="American Typewriter"/>
+              </a:rPr>
+              <a:t>// step through the loop 100 times</a:t>
+            </a:r>
+          </a:p>
+          <a:p>
+            <a:pPr algn="l"/>
+            <a:r>
+              <a:rPr lang="en-US" dirty="0">
+                <a:solidFill>
+                  <a:schemeClr val="tx1"/>
+                </a:solidFill>
+                <a:latin typeface="American Typewriter"/>
+                <a:cs typeface="American Typewriter"/>
+              </a:rPr>
+              <a:t>// duh!</a:t>
+            </a:r>
+          </a:p>
+          <a:p>
+            <a:pPr algn="l"/>
+            <a:r>
+              <a:rPr lang="en-US" dirty="0">
+                <a:solidFill>
+                  <a:schemeClr val="tx1"/>
+                </a:solidFill>
+                <a:latin typeface="American Typewriter"/>
+                <a:cs typeface="American Typewriter"/>
+              </a:rPr>
+              <a:t>for (</a:t>
+            </a:r>
+            <a:r>
+              <a:rPr lang="en-US" dirty="0" err="1">
+                <a:solidFill>
+                  <a:schemeClr val="tx1"/>
+                </a:solidFill>
+                <a:latin typeface="American Typewriter"/>
+                <a:cs typeface="American Typewriter"/>
+              </a:rPr>
+              <a:t>i</a:t>
+            </a:r>
+            <a:r>
+              <a:rPr lang="en-US" dirty="0">
+                <a:solidFill>
+                  <a:schemeClr val="tx1"/>
+                </a:solidFill>
+                <a:latin typeface="American Typewriter"/>
+                <a:cs typeface="American Typewriter"/>
+              </a:rPr>
+              <a:t> = 1; </a:t>
+            </a:r>
+            <a:r>
+              <a:rPr lang="en-US" dirty="0" err="1">
+                <a:solidFill>
+                  <a:schemeClr val="tx1"/>
+                </a:solidFill>
+                <a:latin typeface="American Typewriter"/>
+                <a:cs typeface="American Typewriter"/>
+              </a:rPr>
+              <a:t>i</a:t>
+            </a:r>
+            <a:r>
+              <a:rPr lang="en-US" dirty="0">
+                <a:solidFill>
+                  <a:schemeClr val="tx1"/>
+                </a:solidFill>
+                <a:latin typeface="American Typewriter"/>
+                <a:cs typeface="American Typewriter"/>
+              </a:rPr>
+              <a:t> &lt;= 100; </a:t>
+            </a:r>
+            <a:r>
+              <a:rPr lang="en-US" dirty="0" err="1">
+                <a:solidFill>
+                  <a:schemeClr val="tx1"/>
+                </a:solidFill>
+                <a:latin typeface="American Typewriter"/>
+                <a:cs typeface="American Typewriter"/>
+              </a:rPr>
+              <a:t>i</a:t>
+            </a:r>
+            <a:r>
+              <a:rPr lang="en-US" dirty="0">
+                <a:solidFill>
+                  <a:schemeClr val="tx1"/>
+                </a:solidFill>
+                <a:latin typeface="American Typewriter"/>
+                <a:cs typeface="American Typewriter"/>
+              </a:rPr>
+              <a:t>++</a:t>
+            </a:r>
+            <a:r>
+              <a:rPr lang="en-US" dirty="0" smtClean="0">
+                <a:solidFill>
+                  <a:schemeClr val="tx1"/>
+                </a:solidFill>
+                <a:latin typeface="American Typewriter"/>
+                <a:cs typeface="American Typewriter"/>
+              </a:rPr>
+              <a:t>) {</a:t>
+            </a:r>
+            <a:endParaRPr lang="en-US" dirty="0">
+              <a:solidFill>
+                <a:schemeClr val="tx1"/>
+              </a:solidFill>
+              <a:latin typeface="American Typewriter"/>
+              <a:cs typeface="American Typewriter"/>
+            </a:endParaRPr>
+          </a:p>
+          <a:p>
+            <a:pPr algn="l"/>
+            <a:r>
+              <a:rPr lang="en-US" dirty="0">
+                <a:solidFill>
+                  <a:schemeClr val="tx1"/>
+                </a:solidFill>
+                <a:latin typeface="American Typewriter"/>
+                <a:cs typeface="American Typewriter"/>
+              </a:rPr>
+              <a:t>	…</a:t>
+            </a:r>
+          </a:p>
+          <a:p>
+            <a:pPr algn="l"/>
+            <a:r>
+              <a:rPr lang="en-US" dirty="0">
+                <a:solidFill>
+                  <a:schemeClr val="tx1"/>
+                </a:solidFill>
+                <a:latin typeface="American Typewriter"/>
+                <a:cs typeface="American Typewriter"/>
+              </a:rPr>
+              <a:t>	…</a:t>
+            </a:r>
+          </a:p>
+          <a:p>
+            <a:pPr algn="l"/>
+            <a:r>
+              <a:rPr lang="en-US" dirty="0">
+                <a:solidFill>
+                  <a:schemeClr val="tx1"/>
+                </a:solidFill>
+                <a:latin typeface="American Typewriter"/>
+                <a:cs typeface="American Typewriter"/>
+              </a:rPr>
+              <a:t>	</a:t>
+            </a:r>
+            <a:r>
+              <a:rPr lang="en-US" dirty="0" smtClean="0">
+                <a:solidFill>
+                  <a:schemeClr val="tx1"/>
+                </a:solidFill>
+                <a:latin typeface="American Typewriter"/>
+                <a:cs typeface="American Typewriter"/>
+              </a:rPr>
+              <a:t>…</a:t>
+            </a:r>
+          </a:p>
+          <a:p>
+            <a:pPr algn="l"/>
+            <a:r>
+              <a:rPr lang="en-US" dirty="0" smtClean="0">
+                <a:solidFill>
+                  <a:schemeClr val="tx1"/>
+                </a:solidFill>
+                <a:latin typeface="American Typewriter"/>
+                <a:cs typeface="American Typewriter"/>
+              </a:rPr>
+              <a:t>}</a:t>
+            </a:r>
+            <a:endParaRPr lang="en-US" dirty="0">
+              <a:solidFill>
+                <a:schemeClr val="tx1"/>
+              </a:solidFill>
+              <a:latin typeface="American Typewriter"/>
+              <a:cs typeface="American Typewriter"/>
+            </a:endParaRPr>
           </a:p>
         </p:txBody>
       </p:sp>
     </p:spTree>
     <p:extLst>
       <p:ext uri="{BB962C8B-B14F-4D97-AF65-F5344CB8AC3E}">
-        <p14:creationId xmlns:p14="http://schemas.microsoft.com/office/powerpoint/2010/main" val="1963443038"/>
+        <p14:creationId xmlns:p14="http://schemas.microsoft.com/office/powerpoint/2010/main" val="984595479"/>
       </p:ext>
     </p:extLst>
   </p:cSld>
   <p:clrMapOvr>
     <a:masterClrMapping/>
   </p:clrMapOvr>
+  <p:timing>
+    <p:tnLst>
+      <p:par>
+        <p:cTn xmlns:p14="http://schemas.microsoft.com/office/powerpoint/2010/main" id="1" dur="indefinite" restart="never" nodeType="tmRoot"/>
+      </p:par>
+    </p:tnLst>
+  </p:timing>
 </p:sld>
 </file>
 
@@ -4230,7 +5063,7 @@
       </p:grpSpPr>
       <p:sp>
         <p:nvSpPr>
-          <p:cNvPr id="33795" name="Rectangle 3"/>
+          <p:cNvPr id="35843" name="Rectangle 3"/>
           <p:cNvSpPr>
             <a:spLocks noGrp="1" noChangeArrowheads="1"/>
           </p:cNvSpPr>
@@ -4257,7 +5090,7 @@
                 <a:latin typeface="American Typewriter"/>
                 <a:cs typeface="American Typewriter"/>
               </a:rPr>
-              <a:t>// step through the loop 100 times</a:t>
+              <a:t>// increment along the surface (x axis) </a:t>
             </a:r>
           </a:p>
           <a:p>
@@ -4270,7 +5103,27 @@
                 <a:latin typeface="American Typewriter"/>
                 <a:cs typeface="American Typewriter"/>
               </a:rPr>
-              <a:t>// duh!</a:t>
+              <a:t>// summing each point</a:t>
+            </a:r>
+            <a:r>
+              <a:rPr lang="ja-JP" altLang="en-US" dirty="0">
+                <a:solidFill>
+                  <a:schemeClr val="tx1"/>
+                </a:solidFill>
+                <a:latin typeface="American Typewriter"/>
+                <a:cs typeface="American Typewriter"/>
+              </a:rPr>
+              <a:t>’</a:t>
+            </a:r>
+            <a:r>
+              <a:rPr lang="en-US" dirty="0">
+                <a:solidFill>
+                  <a:schemeClr val="tx1"/>
+                </a:solidFill>
+                <a:latin typeface="American Typewriter"/>
+                <a:cs typeface="American Typewriter"/>
+              </a:rPr>
+              <a:t>s contribution</a:t>
             </a:r>
           </a:p>
           <a:p>
@@ -4343,25 +5196,8 @@
                 <a:latin typeface="American Typewriter"/>
                 <a:cs typeface="American Typewriter"/>
               </a:rPr>
-              <a:t>++</a:t>
-            </a:r>
-            <a:r>
-              <a:rPr lang="en-US" dirty="0" smtClean="0">
-                <a:solidFill>
-                  <a:schemeClr val="tx1"/>
-                </a:solidFill>
-                <a:latin typeface="American Typewriter"/>
-                <a:cs typeface="American Typewriter"/>
-              </a:rPr>
-              <a:t>) {</a:t>
-            </a:r>
-            <a:endParaRPr lang="en-US" dirty="0">
-              <a:solidFill>
-                <a:schemeClr val="tx1"/>
-              </a:solidFill>
-              <a:latin typeface="American Typewriter"/>
-              <a:cs typeface="American Typewriter"/>
-            </a:endParaRPr>
+              <a:t>++)</a:t>
+            </a:r>
           </a:p>
           <a:p>
             <a:pPr algn="l"/>
@@ -4373,6 +5209,19 @@
                 <a:latin typeface="American Typewriter"/>
                 <a:cs typeface="American Typewriter"/>
               </a:rPr>
+              <a:t>	{</a:t>
+            </a:r>
+          </a:p>
+          <a:p>
+            <a:pPr algn="l"/>
+            <a:r>
+              <a:rPr lang="en-US" dirty="0">
+                <a:solidFill>
+                  <a:schemeClr val="tx1"/>
+                </a:solidFill>
+                <a:latin typeface="American Typewriter"/>
+                <a:cs typeface="American Typewriter"/>
+              </a:rPr>
               <a:t>	…</a:t>
             </a:r>
           </a:p>
@@ -4399,45 +5248,28 @@
                 <a:latin typeface="American Typewriter"/>
                 <a:cs typeface="American Typewriter"/>
               </a:rPr>
-              <a:t>	</a:t>
-            </a:r>
-            <a:r>
-              <a:rPr lang="en-US" dirty="0" smtClean="0">
-                <a:solidFill>
-                  <a:schemeClr val="tx1"/>
-                </a:solidFill>
-                <a:latin typeface="American Typewriter"/>
-                <a:cs typeface="American Typewriter"/>
-              </a:rPr>
-              <a:t>…</a:t>
+              <a:t>	…</a:t>
             </a:r>
           </a:p>
           <a:p>
             <a:pPr algn="l"/>
             <a:r>
-              <a:rPr lang="en-US" dirty="0" smtClean="0">
-                <a:solidFill>
-                  <a:schemeClr val="tx1"/>
-                </a:solidFill>
-                <a:latin typeface="American Typewriter"/>
-                <a:cs typeface="American Typewriter"/>
-              </a:rPr>
-              <a:t>}</a:t>
-            </a:r>
-            <a:endParaRPr lang="en-US" dirty="0">
-              <a:solidFill>
-                <a:schemeClr val="tx1"/>
-              </a:solidFill>
-              <a:latin typeface="American Typewriter"/>
-              <a:cs typeface="American Typewriter"/>
-            </a:endParaRPr>
+              <a:rPr lang="en-US" dirty="0">
+                <a:solidFill>
+                  <a:schemeClr val="tx1"/>
+                </a:solidFill>
+                <a:latin typeface="American Typewriter"/>
+                <a:cs typeface="American Typewriter"/>
+              </a:rPr>
+              <a:t>	}</a:t>
+            </a:r>
           </a:p>
         </p:txBody>
       </p:sp>
     </p:spTree>
     <p:extLst>
       <p:ext uri="{BB962C8B-B14F-4D97-AF65-F5344CB8AC3E}">
-        <p14:creationId xmlns:p14="http://schemas.microsoft.com/office/powerpoint/2010/main" val="984595479"/>
+        <p14:creationId xmlns:p14="http://schemas.microsoft.com/office/powerpoint/2010/main" val="3736762492"/>
       </p:ext>
     </p:extLst>
   </p:cSld>
@@ -4473,213 +5305,331 @@
       </p:grpSpPr>
       <p:sp>
         <p:nvSpPr>
-          <p:cNvPr id="35843" name="Rectangle 3"/>
+          <p:cNvPr id="46082" name="Rectangle 2"/>
           <p:cNvSpPr>
             <a:spLocks noGrp="1" noChangeArrowheads="1"/>
           </p:cNvSpPr>
           <p:nvPr>
-            <p:ph type="subTitle" idx="1"/>
+            <p:ph type="ctrTitle"/>
           </p:nvPr>
         </p:nvSpPr>
         <p:spPr>
           <a:xfrm>
-            <a:off x="609600" y="990600"/>
-            <a:ext cx="8153400" cy="4953000"/>
+            <a:off x="609600" y="685800"/>
+            <a:ext cx="7848600" cy="1143000"/>
           </a:xfrm>
         </p:spPr>
         <p:txBody>
           <a:bodyPr/>
           <a:lstStyle/>
           <a:p>
+            <a:r>
+              <a:rPr lang="en-US" sz="4800" dirty="0">
+                <a:latin typeface="Trebuchet MS" charset="0"/>
+              </a:rPr>
+              <a:t>Write a header block</a:t>
+            </a:r>
+          </a:p>
+        </p:txBody>
+      </p:sp>
+      <p:sp>
+        <p:nvSpPr>
+          <p:cNvPr id="46084" name="Rectangle 4"/>
+          <p:cNvSpPr>
+            <a:spLocks noGrp="1" noChangeArrowheads="1"/>
+          </p:cNvSpPr>
+          <p:nvPr>
+            <p:ph type="subTitle" idx="1"/>
+          </p:nvPr>
+        </p:nvSpPr>
+        <p:spPr>
+          <a:xfrm>
+            <a:off x="142962" y="1981200"/>
+            <a:ext cx="8686800" cy="3962400"/>
+          </a:xfrm>
+        </p:spPr>
+        <p:txBody>
+          <a:bodyPr>
+            <a:normAutofit/>
+          </a:bodyPr>
+          <a:lstStyle/>
+          <a:p>
             <a:pPr algn="l"/>
-            <a:r>
-              <a:rPr lang="en-US" dirty="0">
-                <a:solidFill>
-                  <a:schemeClr val="tx1"/>
-                </a:solidFill>
-                <a:latin typeface="American Typewriter"/>
-                <a:cs typeface="American Typewriter"/>
-              </a:rPr>
-              <a:t>// increment along the surface (x axis) </a:t>
-            </a:r>
+            <a:endParaRPr lang="en-US" sz="2400" dirty="0">
+              <a:latin typeface="Trebuchet MS" charset="0"/>
+            </a:endParaRPr>
           </a:p>
           <a:p>
             <a:pPr algn="l"/>
             <a:r>
-              <a:rPr lang="en-US" dirty="0">
-                <a:solidFill>
-                  <a:schemeClr val="tx1"/>
-                </a:solidFill>
-                <a:latin typeface="American Typewriter"/>
-                <a:cs typeface="American Typewriter"/>
-              </a:rPr>
-              <a:t>// summing each point</a:t>
-            </a:r>
-            <a:r>
-              <a:rPr lang="ja-JP" altLang="en-US" dirty="0">
-                <a:solidFill>
-                  <a:schemeClr val="tx1"/>
-                </a:solidFill>
-                <a:latin typeface="American Typewriter"/>
-                <a:cs typeface="American Typewriter"/>
-              </a:rPr>
-              <a:t>’</a:t>
-            </a:r>
-            <a:r>
-              <a:rPr lang="en-US" dirty="0">
-                <a:solidFill>
-                  <a:schemeClr val="tx1"/>
-                </a:solidFill>
-                <a:latin typeface="American Typewriter"/>
-                <a:cs typeface="American Typewriter"/>
-              </a:rPr>
-              <a:t>s contribution</a:t>
-            </a:r>
+              <a:rPr lang="en-US" sz="2400" dirty="0">
+                <a:solidFill>
+                  <a:schemeClr val="tx1"/>
+                </a:solidFill>
+                <a:latin typeface="American Typewriter"/>
+                <a:cs typeface="American Typewriter"/>
+              </a:rPr>
+              <a:t>/</a:t>
+            </a:r>
+            <a:r>
+              <a:rPr lang="en-US" sz="2400" dirty="0" smtClean="0">
+                <a:solidFill>
+                  <a:schemeClr val="tx1"/>
+                </a:solidFill>
+                <a:latin typeface="American Typewriter"/>
+                <a:cs typeface="American Typewriter"/>
+              </a:rPr>
+              <a:t>*</a:t>
+            </a:r>
+            <a:r>
+              <a:rPr lang="en-US" sz="2400" dirty="0">
+                <a:solidFill>
+                  <a:schemeClr val="tx1"/>
+                </a:solidFill>
+                <a:latin typeface="American Typewriter"/>
+                <a:cs typeface="American Typewriter"/>
+              </a:rPr>
+              <a:t>*************************************</a:t>
+            </a:r>
+            <a:r>
+              <a:rPr lang="en-US" sz="2400" dirty="0" smtClean="0">
+                <a:solidFill>
+                  <a:schemeClr val="tx1"/>
+                </a:solidFill>
+                <a:latin typeface="American Typewriter"/>
+                <a:cs typeface="American Typewriter"/>
+              </a:rPr>
+              <a:t>**</a:t>
+            </a:r>
+            <a:r>
+              <a:rPr lang="en-US" sz="2400" dirty="0">
+                <a:solidFill>
+                  <a:schemeClr val="tx1"/>
+                </a:solidFill>
+                <a:latin typeface="American Typewriter"/>
+                <a:cs typeface="American Typewriter"/>
+              </a:rPr>
+              <a:t>*</a:t>
+            </a:r>
+            <a:r>
+              <a:rPr lang="en-US" sz="2400" dirty="0" smtClean="0">
+                <a:solidFill>
+                  <a:schemeClr val="tx1"/>
+                </a:solidFill>
+                <a:latin typeface="American Typewriter"/>
+                <a:cs typeface="American Typewriter"/>
+              </a:rPr>
+              <a:t>*/</a:t>
+            </a:r>
+            <a:endParaRPr lang="en-US" sz="2400" dirty="0">
+              <a:solidFill>
+                <a:schemeClr val="tx1"/>
+              </a:solidFill>
+              <a:latin typeface="American Typewriter"/>
+              <a:cs typeface="American Typewriter"/>
+            </a:endParaRPr>
           </a:p>
           <a:p>
             <a:pPr algn="l"/>
             <a:r>
-              <a:rPr lang="en-US" dirty="0">
-                <a:solidFill>
-                  <a:schemeClr val="tx1"/>
-                </a:solidFill>
-                <a:latin typeface="American Typewriter"/>
-                <a:cs typeface="American Typewriter"/>
-              </a:rPr>
-              <a:t>for (</a:t>
-            </a:r>
-            <a:r>
-              <a:rPr lang="en-US" dirty="0" err="1">
-                <a:solidFill>
-                  <a:schemeClr val="tx1"/>
-                </a:solidFill>
-                <a:latin typeface="American Typewriter"/>
-                <a:cs typeface="American Typewriter"/>
-              </a:rPr>
-              <a:t>i</a:t>
-            </a:r>
-            <a:r>
-              <a:rPr lang="en-US" dirty="0">
-                <a:solidFill>
-                  <a:schemeClr val="tx1"/>
-                </a:solidFill>
-                <a:latin typeface="American Typewriter"/>
-                <a:cs typeface="American Typewriter"/>
-              </a:rPr>
-              <a:t> = 1; </a:t>
-            </a:r>
-            <a:r>
-              <a:rPr lang="en-US" dirty="0" err="1">
-                <a:solidFill>
-                  <a:schemeClr val="tx1"/>
-                </a:solidFill>
-                <a:latin typeface="American Typewriter"/>
-                <a:cs typeface="American Typewriter"/>
-              </a:rPr>
-              <a:t>i</a:t>
-            </a:r>
-            <a:r>
-              <a:rPr lang="en-US" dirty="0">
-                <a:solidFill>
-                  <a:schemeClr val="tx1"/>
-                </a:solidFill>
-                <a:latin typeface="American Typewriter"/>
-                <a:cs typeface="American Typewriter"/>
-              </a:rPr>
-              <a:t> &lt;= 100; </a:t>
-            </a:r>
-            <a:r>
-              <a:rPr lang="en-US" dirty="0" err="1">
-                <a:solidFill>
-                  <a:schemeClr val="tx1"/>
-                </a:solidFill>
-                <a:latin typeface="American Typewriter"/>
-                <a:cs typeface="American Typewriter"/>
-              </a:rPr>
-              <a:t>i</a:t>
-            </a:r>
-            <a:r>
-              <a:rPr lang="en-US" dirty="0">
-                <a:solidFill>
-                  <a:schemeClr val="tx1"/>
-                </a:solidFill>
-                <a:latin typeface="American Typewriter"/>
-                <a:cs typeface="American Typewriter"/>
-              </a:rPr>
-              <a:t>++)</a:t>
+              <a:rPr lang="en-US" sz="2400" dirty="0">
+                <a:solidFill>
+                  <a:schemeClr val="tx1"/>
+                </a:solidFill>
+                <a:latin typeface="American Typewriter"/>
+                <a:cs typeface="American Typewriter"/>
+              </a:rPr>
+              <a:t>/* 2-dimensional channel flow program                       </a:t>
+            </a:r>
+            <a:r>
+              <a:rPr lang="en-US" sz="2400" dirty="0" smtClean="0">
+                <a:solidFill>
+                  <a:schemeClr val="tx1"/>
+                </a:solidFill>
+                <a:latin typeface="American Typewriter"/>
+                <a:cs typeface="American Typewriter"/>
+              </a:rPr>
+              <a:t>        *</a:t>
+            </a:r>
+            <a:r>
+              <a:rPr lang="en-US" sz="2400" dirty="0">
+                <a:solidFill>
+                  <a:schemeClr val="tx1"/>
+                </a:solidFill>
+                <a:latin typeface="American Typewriter"/>
+                <a:cs typeface="American Typewriter"/>
+              </a:rPr>
+              <a:t>/</a:t>
             </a:r>
           </a:p>
           <a:p>
             <a:pPr algn="l"/>
             <a:r>
-              <a:rPr lang="en-US" dirty="0">
-                <a:solidFill>
-                  <a:schemeClr val="tx1"/>
-                </a:solidFill>
-                <a:latin typeface="American Typewriter"/>
-                <a:cs typeface="American Typewriter"/>
-              </a:rPr>
-              <a:t>	{</a:t>
+              <a:rPr lang="en-US" sz="2400" dirty="0">
+                <a:solidFill>
+                  <a:schemeClr val="tx1"/>
+                </a:solidFill>
+                <a:latin typeface="American Typewriter"/>
+                <a:cs typeface="American Typewriter"/>
+              </a:rPr>
+              <a:t>/*   for channels with free upper surface                    </a:t>
+            </a:r>
+            <a:r>
+              <a:rPr lang="en-US" sz="2400" dirty="0" smtClean="0">
+                <a:solidFill>
+                  <a:schemeClr val="tx1"/>
+                </a:solidFill>
+                <a:latin typeface="American Typewriter"/>
+                <a:cs typeface="American Typewriter"/>
+              </a:rPr>
+              <a:t>          *</a:t>
+            </a:r>
+            <a:r>
+              <a:rPr lang="en-US" sz="2400" dirty="0">
+                <a:solidFill>
+                  <a:schemeClr val="tx1"/>
+                </a:solidFill>
+                <a:latin typeface="American Typewriter"/>
+                <a:cs typeface="American Typewriter"/>
+              </a:rPr>
+              <a:t>/</a:t>
             </a:r>
           </a:p>
           <a:p>
             <a:pPr algn="l"/>
             <a:r>
-              <a:rPr lang="en-US" dirty="0">
-                <a:solidFill>
-                  <a:schemeClr val="tx1"/>
-                </a:solidFill>
-                <a:latin typeface="American Typewriter"/>
-                <a:cs typeface="American Typewriter"/>
-              </a:rPr>
-              <a:t>	…</a:t>
+              <a:rPr lang="en-US" sz="2400" dirty="0">
+                <a:solidFill>
+                  <a:schemeClr val="tx1"/>
+                </a:solidFill>
+                <a:latin typeface="American Typewriter"/>
+                <a:cs typeface="American Typewriter"/>
+              </a:rPr>
+              <a:t>/*                                                                              </a:t>
+            </a:r>
+            <a:r>
+              <a:rPr lang="en-US" sz="2400" dirty="0" smtClean="0">
+                <a:solidFill>
+                  <a:schemeClr val="tx1"/>
+                </a:solidFill>
+                <a:latin typeface="American Typewriter"/>
+                <a:cs typeface="American Typewriter"/>
+              </a:rPr>
+              <a:t>                        *</a:t>
+            </a:r>
+            <a:r>
+              <a:rPr lang="en-US" sz="2400" dirty="0">
+                <a:solidFill>
+                  <a:schemeClr val="tx1"/>
+                </a:solidFill>
+                <a:latin typeface="American Typewriter"/>
+                <a:cs typeface="American Typewriter"/>
+              </a:rPr>
+              <a:t>/</a:t>
             </a:r>
           </a:p>
           <a:p>
             <a:pPr algn="l"/>
             <a:r>
-              <a:rPr lang="en-US" dirty="0">
-                <a:solidFill>
-                  <a:schemeClr val="tx1"/>
-                </a:solidFill>
-                <a:latin typeface="American Typewriter"/>
-                <a:cs typeface="American Typewriter"/>
-              </a:rPr>
-              <a:t>	…</a:t>
+              <a:rPr lang="en-US" sz="2400" dirty="0">
+                <a:solidFill>
+                  <a:schemeClr val="tx1"/>
+                </a:solidFill>
+                <a:latin typeface="American Typewriter"/>
+                <a:cs typeface="American Typewriter"/>
+              </a:rPr>
+              <a:t>/* Original by JD West, 01/08/2006                         </a:t>
+            </a:r>
+            <a:r>
+              <a:rPr lang="en-US" sz="2400" dirty="0" smtClean="0">
+                <a:solidFill>
+                  <a:schemeClr val="tx1"/>
+                </a:solidFill>
+                <a:latin typeface="American Typewriter"/>
+                <a:cs typeface="American Typewriter"/>
+              </a:rPr>
+              <a:t>             </a:t>
+            </a:r>
+            <a:r>
+              <a:rPr lang="en-US" sz="2400" dirty="0">
+                <a:solidFill>
+                  <a:schemeClr val="tx1"/>
+                </a:solidFill>
+                <a:latin typeface="American Typewriter"/>
+                <a:cs typeface="American Typewriter"/>
+              </a:rPr>
+              <a:t>*/</a:t>
             </a:r>
           </a:p>
           <a:p>
             <a:pPr algn="l"/>
             <a:r>
-              <a:rPr lang="en-US" dirty="0">
-                <a:solidFill>
-                  <a:schemeClr val="tx1"/>
-                </a:solidFill>
-                <a:latin typeface="American Typewriter"/>
-                <a:cs typeface="American Typewriter"/>
-              </a:rPr>
-              <a:t>	…</a:t>
+              <a:rPr lang="en-US" sz="2400" dirty="0">
+                <a:solidFill>
+                  <a:schemeClr val="tx1"/>
+                </a:solidFill>
+                <a:latin typeface="American Typewriter"/>
+                <a:cs typeface="American Typewriter"/>
+              </a:rPr>
+              <a:t>/* Modified 02/11/2007 to increase resolution          </a:t>
+            </a:r>
+            <a:r>
+              <a:rPr lang="en-US" sz="2400" dirty="0" smtClean="0">
+                <a:solidFill>
+                  <a:schemeClr val="tx1"/>
+                </a:solidFill>
+                <a:latin typeface="American Typewriter"/>
+                <a:cs typeface="American Typewriter"/>
+              </a:rPr>
+              <a:t>        </a:t>
+            </a:r>
+            <a:r>
+              <a:rPr lang="en-US" sz="2400" dirty="0">
+                <a:solidFill>
+                  <a:schemeClr val="tx1"/>
+                </a:solidFill>
+                <a:latin typeface="American Typewriter"/>
+                <a:cs typeface="American Typewriter"/>
+              </a:rPr>
+              <a:t>*/</a:t>
             </a:r>
           </a:p>
           <a:p>
             <a:pPr algn="l"/>
             <a:r>
-              <a:rPr lang="en-US" dirty="0">
-                <a:solidFill>
-                  <a:schemeClr val="tx1"/>
-                </a:solidFill>
-                <a:latin typeface="American Typewriter"/>
-                <a:cs typeface="American Typewriter"/>
-              </a:rPr>
-              <a:t>	}</a:t>
-            </a:r>
+              <a:rPr lang="en-US" sz="2400" dirty="0">
+                <a:solidFill>
+                  <a:schemeClr val="tx1"/>
+                </a:solidFill>
+                <a:latin typeface="American Typewriter"/>
+                <a:cs typeface="American Typewriter"/>
+              </a:rPr>
+              <a:t>/*****************************************</a:t>
+            </a:r>
+            <a:r>
+              <a:rPr lang="en-US" sz="2400" dirty="0" smtClean="0">
+                <a:solidFill>
+                  <a:schemeClr val="tx1"/>
+                </a:solidFill>
+                <a:latin typeface="American Typewriter"/>
+                <a:cs typeface="American Typewriter"/>
+              </a:rPr>
+              <a:t>*/</a:t>
+            </a:r>
+            <a:endParaRPr lang="en-US" sz="2400" dirty="0">
+              <a:solidFill>
+                <a:schemeClr val="tx1"/>
+              </a:solidFill>
+              <a:latin typeface="American Typewriter"/>
+              <a:cs typeface="American Typewriter"/>
+            </a:endParaRPr>
           </a:p>
         </p:txBody>
       </p:sp>
     </p:spTree>
     <p:extLst>
       <p:ext uri="{BB962C8B-B14F-4D97-AF65-F5344CB8AC3E}">
-        <p14:creationId xmlns:p14="http://schemas.microsoft.com/office/powerpoint/2010/main" val="3736762492"/>
+        <p14:creationId xmlns:p14="http://schemas.microsoft.com/office/powerpoint/2010/main" val="2842108130"/>
       </p:ext>
     </p:extLst>
   </p:cSld>
@@ -4715,7 +5665,7 @@
       </p:grpSpPr>
       <p:sp>
         <p:nvSpPr>
-          <p:cNvPr id="46082" name="Rectangle 2"/>
+          <p:cNvPr id="52226" name="Rectangle 2"/>
           <p:cNvSpPr>
             <a:spLocks noGrp="1" noChangeArrowheads="1"/>
           </p:cNvSpPr>
@@ -4725,26 +5675,28 @@
         </p:nvSpPr>
         <p:spPr>
           <a:xfrm>
-            <a:off x="609600" y="685800"/>
-            <a:ext cx="7848600" cy="1143000"/>
+            <a:off x="533400" y="685800"/>
+            <a:ext cx="8153400" cy="1524000"/>
           </a:xfrm>
         </p:spPr>
         <p:txBody>
-          <a:bodyPr/>
-          <a:lstStyle/>
-          <a:p>
-            <a:r>
-              <a:rPr lang="en-US" sz="4800" dirty="0">
+          <a:bodyPr>
+            <a:normAutofit fontScale="90000"/>
+          </a:bodyPr>
+          <a:lstStyle/>
+          <a:p>
+            <a:r>
+              <a:rPr lang="en-US" sz="4800">
                 <a:latin typeface="Trebuchet MS" charset="0"/>
               </a:rPr>
-              <a:t>Write a header block</a:t>
-            </a:r>
-          </a:p>
-        </p:txBody>
-      </p:sp>
-      <p:sp>
-        <p:nvSpPr>
-          <p:cNvPr id="46084" name="Rectangle 4"/>
+              <a:t>Use Descriptive Variable Names</a:t>
+            </a:r>
+          </a:p>
+        </p:txBody>
+      </p:sp>
+      <p:sp>
+        <p:nvSpPr>
+          <p:cNvPr id="52227" name="Rectangle 3"/>
           <p:cNvSpPr>
             <a:spLocks noGrp="1" noChangeArrowheads="1"/>
           </p:cNvSpPr>
@@ -4754,292 +5706,235 @@
         </p:nvSpPr>
         <p:spPr>
           <a:xfrm>
-            <a:off x="142962" y="1981200"/>
-            <a:ext cx="8686800" cy="3962400"/>
+            <a:off x="304800" y="2286000"/>
+            <a:ext cx="8610600" cy="4343400"/>
           </a:xfrm>
         </p:spPr>
         <p:txBody>
-          <a:bodyPr>
-            <a:normAutofit/>
-          </a:bodyPr>
-          <a:lstStyle/>
-          <a:p>
-            <a:pPr algn="l"/>
-            <a:endParaRPr lang="en-US" sz="2400" dirty="0">
-              <a:latin typeface="Trebuchet MS" charset="0"/>
-            </a:endParaRPr>
-          </a:p>
-          <a:p>
-            <a:pPr algn="l"/>
-            <a:r>
-              <a:rPr lang="en-US" sz="2400" dirty="0">
-                <a:solidFill>
-                  <a:schemeClr val="tx1"/>
-                </a:solidFill>
-                <a:latin typeface="American Typewriter"/>
-                <a:cs typeface="American Typewriter"/>
-              </a:rPr>
-              <a:t>/</a:t>
-            </a:r>
-            <a:r>
-              <a:rPr lang="en-US" sz="2400" dirty="0" smtClean="0">
-                <a:solidFill>
-                  <a:schemeClr val="tx1"/>
-                </a:solidFill>
-                <a:latin typeface="American Typewriter"/>
-                <a:cs typeface="American Typewriter"/>
-              </a:rPr>
-              <a:t>*</a:t>
-            </a:r>
-            <a:r>
-              <a:rPr lang="en-US" sz="2400" dirty="0">
-                <a:solidFill>
-                  <a:schemeClr val="tx1"/>
-                </a:solidFill>
-                <a:latin typeface="American Typewriter"/>
-                <a:cs typeface="American Typewriter"/>
-              </a:rPr>
-              <a:t>*************************************</a:t>
-            </a:r>
-            <a:r>
-              <a:rPr lang="en-US" sz="2400" dirty="0" smtClean="0">
-                <a:solidFill>
-                  <a:schemeClr val="tx1"/>
-                </a:solidFill>
-                <a:latin typeface="American Typewriter"/>
-                <a:cs typeface="American Typewriter"/>
-              </a:rPr>
-              <a:t>**</a:t>
-            </a:r>
-            <a:r>
-              <a:rPr lang="en-US" sz="2400" dirty="0">
-                <a:solidFill>
-                  <a:schemeClr val="tx1"/>
-                </a:solidFill>
-                <a:latin typeface="American Typewriter"/>
-                <a:cs typeface="American Typewriter"/>
-              </a:rPr>
-              <a:t>*</a:t>
-            </a:r>
-            <a:r>
-              <a:rPr lang="en-US" sz="2400" dirty="0" smtClean="0">
-                <a:solidFill>
-                  <a:schemeClr val="tx1"/>
-                </a:solidFill>
-                <a:latin typeface="American Typewriter"/>
-                <a:cs typeface="American Typewriter"/>
-              </a:rPr>
-              <a:t>*/</a:t>
-            </a:r>
-            <a:endParaRPr lang="en-US" sz="2400" dirty="0">
-              <a:solidFill>
-                <a:schemeClr val="tx1"/>
-              </a:solidFill>
-              <a:latin typeface="American Typewriter"/>
-              <a:cs typeface="American Typewriter"/>
-            </a:endParaRPr>
-          </a:p>
-          <a:p>
-            <a:pPr algn="l"/>
-            <a:r>
-              <a:rPr lang="en-US" sz="2400" dirty="0">
-                <a:solidFill>
-                  <a:schemeClr val="tx1"/>
-                </a:solidFill>
-                <a:latin typeface="American Typewriter"/>
-                <a:cs typeface="American Typewriter"/>
-              </a:rPr>
-              <a:t>/* 2-dimensional channel flow program                       </a:t>
-            </a:r>
-            <a:r>
-              <a:rPr lang="en-US" sz="2400" dirty="0" smtClean="0">
-                <a:solidFill>
-                  <a:schemeClr val="tx1"/>
-                </a:solidFill>
-                <a:latin typeface="American Typewriter"/>
-                <a:cs typeface="American Typewriter"/>
-              </a:rPr>
-              <a:t>        *</a:t>
-            </a:r>
-            <a:r>
-              <a:rPr lang="en-US" sz="2400" dirty="0">
-                <a:solidFill>
-                  <a:schemeClr val="tx1"/>
-                </a:solidFill>
-                <a:latin typeface="American Typewriter"/>
-                <a:cs typeface="American Typewriter"/>
-              </a:rPr>
-              <a:t>/</a:t>
-            </a:r>
-          </a:p>
-          <a:p>
-            <a:pPr algn="l"/>
-            <a:r>
-              <a:rPr lang="en-US" sz="2400" dirty="0">
-                <a:solidFill>
-                  <a:schemeClr val="tx1"/>
-                </a:solidFill>
-                <a:latin typeface="American Typewriter"/>
-                <a:cs typeface="American Typewriter"/>
-              </a:rPr>
-              <a:t>/*   for channels with free upper surface                    </a:t>
-            </a:r>
-            <a:r>
-              <a:rPr lang="en-US" sz="2400" dirty="0" smtClean="0">
-                <a:solidFill>
-                  <a:schemeClr val="tx1"/>
-                </a:solidFill>
-                <a:latin typeface="American Typewriter"/>
-                <a:cs typeface="American Typewriter"/>
-              </a:rPr>
-              <a:t>          *</a:t>
-            </a:r>
-            <a:r>
-              <a:rPr lang="en-US" sz="2400" dirty="0">
-                <a:solidFill>
-                  <a:schemeClr val="tx1"/>
-                </a:solidFill>
-                <a:latin typeface="American Typewriter"/>
-                <a:cs typeface="American Typewriter"/>
-              </a:rPr>
-              <a:t>/</a:t>
-            </a:r>
-          </a:p>
-          <a:p>
-            <a:pPr algn="l"/>
-            <a:r>
-              <a:rPr lang="en-US" sz="2400" dirty="0">
-                <a:solidFill>
-                  <a:schemeClr val="tx1"/>
-                </a:solidFill>
-                <a:latin typeface="American Typewriter"/>
-                <a:cs typeface="American Typewriter"/>
-              </a:rPr>
-              <a:t>/*                                                                              </a:t>
-            </a:r>
-            <a:r>
-              <a:rPr lang="en-US" sz="2400" dirty="0" smtClean="0">
-                <a:solidFill>
-                  <a:schemeClr val="tx1"/>
-                </a:solidFill>
-                <a:latin typeface="American Typewriter"/>
-                <a:cs typeface="American Typewriter"/>
-              </a:rPr>
-              <a:t>                        *</a:t>
-            </a:r>
-            <a:r>
-              <a:rPr lang="en-US" sz="2400" dirty="0">
-                <a:solidFill>
-                  <a:schemeClr val="tx1"/>
-                </a:solidFill>
-                <a:latin typeface="American Typewriter"/>
-                <a:cs typeface="American Typewriter"/>
-              </a:rPr>
-              <a:t>/</a:t>
-            </a:r>
-          </a:p>
-          <a:p>
-            <a:pPr algn="l"/>
-            <a:r>
-              <a:rPr lang="en-US" sz="2400" dirty="0">
-                <a:solidFill>
-                  <a:schemeClr val="tx1"/>
-                </a:solidFill>
-                <a:latin typeface="American Typewriter"/>
-                <a:cs typeface="American Typewriter"/>
-              </a:rPr>
-              <a:t>/* Original by JD West, 01/08/2006                         </a:t>
-            </a:r>
-            <a:r>
-              <a:rPr lang="en-US" sz="2400" dirty="0" smtClean="0">
-                <a:solidFill>
-                  <a:schemeClr val="tx1"/>
-                </a:solidFill>
-                <a:latin typeface="American Typewriter"/>
-                <a:cs typeface="American Typewriter"/>
-              </a:rPr>
-              <a:t>             </a:t>
-            </a:r>
-            <a:r>
-              <a:rPr lang="en-US" sz="2400" dirty="0">
-                <a:solidFill>
-                  <a:schemeClr val="tx1"/>
-                </a:solidFill>
-                <a:latin typeface="American Typewriter"/>
-                <a:cs typeface="American Typewriter"/>
-              </a:rPr>
-              <a:t>*/</a:t>
-            </a:r>
-          </a:p>
-          <a:p>
-            <a:pPr algn="l"/>
-            <a:r>
-              <a:rPr lang="en-US" sz="2400" dirty="0">
-                <a:solidFill>
-                  <a:schemeClr val="tx1"/>
-                </a:solidFill>
-                <a:latin typeface="American Typewriter"/>
-                <a:cs typeface="American Typewriter"/>
-              </a:rPr>
-              <a:t>/* Modified 02/11/2007 to increase resolution          </a:t>
-            </a:r>
-            <a:r>
-              <a:rPr lang="en-US" sz="2400" dirty="0" smtClean="0">
-                <a:solidFill>
-                  <a:schemeClr val="tx1"/>
-                </a:solidFill>
-                <a:latin typeface="American Typewriter"/>
-                <a:cs typeface="American Typewriter"/>
-              </a:rPr>
-              <a:t>        </a:t>
-            </a:r>
-            <a:r>
-              <a:rPr lang="en-US" sz="2400" dirty="0">
-                <a:solidFill>
-                  <a:schemeClr val="tx1"/>
-                </a:solidFill>
-                <a:latin typeface="American Typewriter"/>
-                <a:cs typeface="American Typewriter"/>
-              </a:rPr>
-              <a:t>*/</a:t>
-            </a:r>
-          </a:p>
-          <a:p>
-            <a:pPr algn="l"/>
-            <a:r>
-              <a:rPr lang="en-US" sz="2400" dirty="0">
-                <a:solidFill>
-                  <a:schemeClr val="tx1"/>
-                </a:solidFill>
-                <a:latin typeface="American Typewriter"/>
-                <a:cs typeface="American Typewriter"/>
-              </a:rPr>
-              <a:t>/*****************************************</a:t>
-            </a:r>
-            <a:r>
-              <a:rPr lang="en-US" sz="2400" dirty="0" smtClean="0">
-                <a:solidFill>
-                  <a:schemeClr val="tx1"/>
-                </a:solidFill>
-                <a:latin typeface="American Typewriter"/>
-                <a:cs typeface="American Typewriter"/>
-              </a:rPr>
-              <a:t>*/</a:t>
-            </a:r>
-            <a:endParaRPr lang="en-US" sz="2400" dirty="0">
-              <a:solidFill>
-                <a:schemeClr val="tx1"/>
-              </a:solidFill>
-              <a:latin typeface="American Typewriter"/>
-              <a:cs typeface="American Typewriter"/>
-            </a:endParaRPr>
+          <a:bodyPr/>
+          <a:lstStyle/>
+          <a:p>
+            <a:pPr algn="l">
+              <a:lnSpc>
+                <a:spcPct val="90000"/>
+              </a:lnSpc>
+            </a:pPr>
+            <a:r>
+              <a:rPr lang="en-US" dirty="0">
+                <a:solidFill>
+                  <a:schemeClr val="tx1"/>
+                </a:solidFill>
+                <a:latin typeface="American Typewriter"/>
+                <a:cs typeface="American Typewriter"/>
+              </a:rPr>
+              <a:t>// increment along the surface (x axis) </a:t>
+            </a:r>
+          </a:p>
+          <a:p>
+            <a:pPr algn="l">
+              <a:lnSpc>
+                <a:spcPct val="90000"/>
+              </a:lnSpc>
+            </a:pPr>
+            <a:r>
+              <a:rPr lang="en-US" dirty="0">
+                <a:solidFill>
+                  <a:schemeClr val="tx1"/>
+                </a:solidFill>
+                <a:latin typeface="American Typewriter"/>
+                <a:cs typeface="American Typewriter"/>
+              </a:rPr>
+              <a:t>// summing each point</a:t>
+            </a:r>
+            <a:r>
+              <a:rPr lang="ja-JP" altLang="en-US" dirty="0">
+                <a:solidFill>
+                  <a:schemeClr val="tx1"/>
+                </a:solidFill>
+                <a:latin typeface="American Typewriter"/>
+                <a:cs typeface="American Typewriter"/>
+              </a:rPr>
+              <a:t>’</a:t>
+            </a:r>
+            <a:r>
+              <a:rPr lang="en-US" dirty="0">
+                <a:solidFill>
+                  <a:schemeClr val="tx1"/>
+                </a:solidFill>
+                <a:latin typeface="American Typewriter"/>
+                <a:cs typeface="American Typewriter"/>
+              </a:rPr>
+              <a:t>s contribution</a:t>
+            </a:r>
+          </a:p>
+          <a:p>
+            <a:pPr algn="l">
+              <a:lnSpc>
+                <a:spcPct val="90000"/>
+              </a:lnSpc>
+            </a:pPr>
+            <a:r>
+              <a:rPr lang="en-US" dirty="0">
+                <a:solidFill>
+                  <a:schemeClr val="tx1"/>
+                </a:solidFill>
+                <a:latin typeface="American Typewriter"/>
+                <a:cs typeface="American Typewriter"/>
+              </a:rPr>
+              <a:t>for (</a:t>
+            </a:r>
+            <a:r>
+              <a:rPr lang="en-US" dirty="0" err="1">
+                <a:solidFill>
+                  <a:schemeClr val="tx1"/>
+                </a:solidFill>
+                <a:latin typeface="American Typewriter"/>
+                <a:cs typeface="American Typewriter"/>
+              </a:rPr>
+              <a:t>iLength</a:t>
+            </a:r>
+            <a:r>
+              <a:rPr lang="en-US" dirty="0">
+                <a:solidFill>
+                  <a:schemeClr val="tx1"/>
+                </a:solidFill>
+                <a:latin typeface="American Typewriter"/>
+                <a:cs typeface="American Typewriter"/>
+              </a:rPr>
+              <a:t> = 1; </a:t>
+            </a:r>
+            <a:r>
+              <a:rPr lang="en-US" dirty="0" err="1">
+                <a:solidFill>
+                  <a:schemeClr val="tx1"/>
+                </a:solidFill>
+                <a:latin typeface="American Typewriter"/>
+                <a:cs typeface="American Typewriter"/>
+              </a:rPr>
+              <a:t>iLength</a:t>
+            </a:r>
+            <a:r>
+              <a:rPr lang="en-US" dirty="0">
+                <a:solidFill>
+                  <a:schemeClr val="tx1"/>
+                </a:solidFill>
+                <a:latin typeface="American Typewriter"/>
+                <a:cs typeface="American Typewriter"/>
+              </a:rPr>
+              <a:t> &lt;= 100; </a:t>
+            </a:r>
+            <a:r>
+              <a:rPr lang="en-US" dirty="0" err="1">
+                <a:solidFill>
+                  <a:schemeClr val="tx1"/>
+                </a:solidFill>
+                <a:latin typeface="American Typewriter"/>
+                <a:cs typeface="American Typewriter"/>
+              </a:rPr>
+              <a:t>iLength</a:t>
+            </a:r>
+            <a:r>
+              <a:rPr lang="en-US" dirty="0">
+                <a:solidFill>
+                  <a:schemeClr val="tx1"/>
+                </a:solidFill>
+                <a:latin typeface="American Typewriter"/>
+                <a:cs typeface="American Typewriter"/>
+              </a:rPr>
+              <a:t>++)</a:t>
+            </a:r>
+          </a:p>
+          <a:p>
+            <a:pPr algn="l">
+              <a:lnSpc>
+                <a:spcPct val="90000"/>
+              </a:lnSpc>
+            </a:pPr>
+            <a:r>
+              <a:rPr lang="en-US" dirty="0">
+                <a:solidFill>
+                  <a:schemeClr val="tx1"/>
+                </a:solidFill>
+                <a:latin typeface="American Typewriter"/>
+                <a:cs typeface="American Typewriter"/>
+              </a:rPr>
+              <a:t>	{</a:t>
+            </a:r>
+          </a:p>
+          <a:p>
+            <a:pPr algn="l">
+              <a:lnSpc>
+                <a:spcPct val="90000"/>
+              </a:lnSpc>
+            </a:pPr>
+            <a:r>
+              <a:rPr lang="en-US" dirty="0">
+                <a:solidFill>
+                  <a:schemeClr val="tx1"/>
+                </a:solidFill>
+                <a:latin typeface="American Typewriter"/>
+                <a:cs typeface="American Typewriter"/>
+              </a:rPr>
+              <a:t>	…</a:t>
+            </a:r>
+          </a:p>
+          <a:p>
+            <a:pPr algn="l">
+              <a:lnSpc>
+                <a:spcPct val="90000"/>
+              </a:lnSpc>
+            </a:pPr>
+            <a:r>
+              <a:rPr lang="en-US" dirty="0">
+                <a:solidFill>
+                  <a:schemeClr val="tx1"/>
+                </a:solidFill>
+                <a:latin typeface="American Typewriter"/>
+                <a:cs typeface="American Typewriter"/>
+              </a:rPr>
+              <a:t>	…</a:t>
+            </a:r>
+          </a:p>
+          <a:p>
+            <a:pPr algn="l">
+              <a:lnSpc>
+                <a:spcPct val="90000"/>
+              </a:lnSpc>
+            </a:pPr>
+            <a:r>
+              <a:rPr lang="en-US" dirty="0">
+                <a:solidFill>
+                  <a:schemeClr val="tx1"/>
+                </a:solidFill>
+                <a:latin typeface="American Typewriter"/>
+                <a:cs typeface="American Typewriter"/>
+              </a:rPr>
+              <a:t>	…</a:t>
+            </a:r>
+          </a:p>
+          <a:p>
+            <a:pPr algn="l">
+              <a:lnSpc>
+                <a:spcPct val="90000"/>
+              </a:lnSpc>
+            </a:pPr>
+            <a:r>
+              <a:rPr lang="en-US" dirty="0">
+                <a:solidFill>
+                  <a:schemeClr val="tx1"/>
+                </a:solidFill>
+                <a:latin typeface="American Typewriter"/>
+                <a:cs typeface="American Typewriter"/>
+              </a:rPr>
+              <a:t>	}</a:t>
+            </a:r>
           </a:p>
         </p:txBody>
       </p:sp>
     </p:spTree>
     <p:extLst>
       <p:ext uri="{BB962C8B-B14F-4D97-AF65-F5344CB8AC3E}">
-        <p14:creationId xmlns:p14="http://schemas.microsoft.com/office/powerpoint/2010/main" val="2842108130"/>
+        <p14:creationId xmlns:p14="http://schemas.microsoft.com/office/powerpoint/2010/main" val="987521526"/>
       </p:ext>
     </p:extLst>
   </p:cSld>
@@ -5075,7 +5970,7 @@
       </p:grpSpPr>
       <p:sp>
         <p:nvSpPr>
-          <p:cNvPr id="52226" name="Rectangle 2"/>
+          <p:cNvPr id="54274" name="Rectangle 2"/>
           <p:cNvSpPr>
             <a:spLocks noGrp="1" noChangeArrowheads="1"/>
           </p:cNvSpPr>
@@ -5085,28 +5980,31 @@
         </p:nvSpPr>
         <p:spPr>
           <a:xfrm>
-            <a:off x="533400" y="685800"/>
-            <a:ext cx="8153400" cy="1524000"/>
+            <a:off x="457200" y="500119"/>
+            <a:ext cx="8305800" cy="1295400"/>
           </a:xfrm>
         </p:spPr>
         <p:txBody>
           <a:bodyPr>
-            <a:normAutofit fontScale="90000"/>
+            <a:normAutofit/>
           </a:bodyPr>
           <a:lstStyle/>
           <a:p>
             <a:r>
-              <a:rPr lang="en-US" sz="4800">
+              <a:rPr lang="en-US" sz="4800" dirty="0" smtClean="0">
                 <a:latin typeface="Trebuchet MS" charset="0"/>
               </a:rPr>
-              <a:t>Use Descriptive Variable Names</a:t>
-            </a:r>
-          </a:p>
-        </p:txBody>
-      </p:sp>
-      <p:sp>
-        <p:nvSpPr>
-          <p:cNvPr id="52227" name="Rectangle 3"/>
+              <a:t>No magic (numbers)</a:t>
+            </a:r>
+            <a:endParaRPr lang="en-US" sz="4800" dirty="0">
+              <a:latin typeface="Trebuchet MS" charset="0"/>
+            </a:endParaRPr>
+          </a:p>
+        </p:txBody>
+      </p:sp>
+      <p:sp>
+        <p:nvSpPr>
+          <p:cNvPr id="54275" name="Rectangle 3"/>
           <p:cNvSpPr>
             <a:spLocks noGrp="1" noChangeArrowheads="1"/>
           </p:cNvSpPr>
@@ -5116,12 +6014,14 @@
         </p:nvSpPr>
         <p:spPr>
           <a:xfrm>
-            <a:off x="304800" y="2286000"/>
-            <a:ext cx="8610600" cy="4343400"/>
+            <a:off x="139858" y="2067022"/>
+            <a:ext cx="8839200" cy="4419600"/>
           </a:xfrm>
         </p:spPr>
         <p:txBody>
-          <a:bodyPr/>
+          <a:bodyPr>
+            <a:normAutofit/>
+          </a:bodyPr>
           <a:lstStyle/>
           <a:p>
             <a:pPr algn="l">
@@ -5191,17 +6091,37 @@
                 <a:latin typeface="American Typewriter"/>
                 <a:cs typeface="American Typewriter"/>
               </a:rPr>
-              <a:t>for (</a:t>
-            </a:r>
-            <a:r>
-              <a:rPr lang="en-US" dirty="0" err="1">
-                <a:solidFill>
-                  <a:schemeClr val="tx1"/>
-                </a:solidFill>
-                <a:latin typeface="American Typewriter"/>
-                <a:cs typeface="American Typewriter"/>
-              </a:rPr>
-              <a:t>iLength</a:t>
+              <a:t>for </a:t>
+            </a:r>
+            <a:r>
+              <a:rPr lang="en-US" dirty="0" smtClean="0">
+                <a:solidFill>
+                  <a:schemeClr val="tx1"/>
+                </a:solidFill>
+                <a:latin typeface="American Typewriter"/>
+                <a:cs typeface="American Typewriter"/>
+              </a:rPr>
+              <a:t>(</a:t>
+            </a:r>
+            <a:r>
+              <a:rPr lang="en-US" dirty="0" err="1" smtClean="0">
+                <a:solidFill>
+                  <a:schemeClr val="tx1"/>
+                </a:solidFill>
+                <a:latin typeface="American Typewriter"/>
+                <a:cs typeface="American Typewriter"/>
+              </a:rPr>
+              <a:t>i</a:t>
+            </a:r>
+            <a:r>
+              <a:rPr lang="en-US" dirty="0" smtClean="0">
+                <a:solidFill>
+                  <a:schemeClr val="tx1"/>
+                </a:solidFill>
+                <a:latin typeface="American Typewriter"/>
+                <a:cs typeface="American Typewriter"/>
+              </a:rPr>
+              <a:t> </a:t>
             </a:r>
             <a:r>
               <a:rPr lang="en-US" dirty="0">
@@ -5211,17 +6131,27 @@
                 <a:latin typeface="American Typewriter"/>
                 <a:cs typeface="American Typewriter"/>
               </a:rPr>
-              <a:t> = 1; </a:t>
-            </a:r>
-            <a:r>
-              <a:rPr lang="en-US" dirty="0" err="1">
-                <a:solidFill>
-                  <a:schemeClr val="tx1"/>
-                </a:solidFill>
-                <a:latin typeface="American Typewriter"/>
-                <a:cs typeface="American Typewriter"/>
-              </a:rPr>
-              <a:t>iLength</a:t>
+              <a:t>= 1; </a:t>
+            </a:r>
+            <a:r>
+              <a:rPr lang="en-US" dirty="0" err="1" smtClean="0">
+                <a:solidFill>
+                  <a:schemeClr val="tx1"/>
+                </a:solidFill>
+                <a:latin typeface="American Typewriter"/>
+                <a:cs typeface="American Typewriter"/>
+              </a:rPr>
+              <a:t>i</a:t>
+            </a:r>
+            <a:r>
+              <a:rPr lang="en-US" dirty="0" smtClean="0">
+                <a:solidFill>
+                  <a:schemeClr val="tx1"/>
+                </a:solidFill>
+                <a:latin typeface="American Typewriter"/>
+                <a:cs typeface="American Typewriter"/>
+              </a:rPr>
+              <a:t> </a:t>
             </a:r>
             <a:r>
               <a:rPr lang="en-US" dirty="0">
@@ -5231,17 +6161,37 @@
                 <a:latin typeface="American Typewriter"/>
                 <a:cs typeface="American Typewriter"/>
               </a:rPr>
-              <a:t> &lt;= 100; </a:t>
-            </a:r>
-            <a:r>
-              <a:rPr lang="en-US" dirty="0" err="1">
-                <a:solidFill>
-                  <a:schemeClr val="tx1"/>
-                </a:solidFill>
-                <a:latin typeface="American Typewriter"/>
-                <a:cs typeface="American Typewriter"/>
-              </a:rPr>
-              <a:t>iLength</a:t>
+              <a:t>&lt;= </a:t>
+            </a:r>
+            <a:r>
+              <a:rPr lang="en-US" dirty="0" smtClean="0">
+                <a:solidFill>
+                  <a:schemeClr val="tx1"/>
+                </a:solidFill>
+                <a:latin typeface="American Typewriter"/>
+                <a:cs typeface="American Typewriter"/>
+              </a:rPr>
+              <a:t>27; </a:t>
+            </a:r>
+            <a:r>
+              <a:rPr lang="en-US" dirty="0" err="1" smtClean="0">
+                <a:solidFill>
+                  <a:schemeClr val="tx1"/>
+                </a:solidFill>
+                <a:latin typeface="American Typewriter"/>
+                <a:cs typeface="American Typewriter"/>
+              </a:rPr>
+              <a:t>i</a:t>
+            </a:r>
+            <a:r>
+              <a:rPr lang="en-US" dirty="0" smtClean="0">
+                <a:solidFill>
+                  <a:schemeClr val="tx1"/>
+                </a:solidFill>
+                <a:latin typeface="American Typewriter"/>
+                <a:cs typeface="American Typewriter"/>
+              </a:rPr>
+              <a:t>+</a:t>
             </a:r>
             <a:r>
               <a:rPr lang="en-US" dirty="0">
@@ -5251,7 +6201,7 @@
                 <a:latin typeface="American Typewriter"/>
                 <a:cs typeface="American Typewriter"/>
               </a:rPr>
-              <a:t>++)</a:t>
+              <a:t>+)</a:t>
             </a:r>
           </a:p>
           <a:p>
@@ -5344,7 +6294,7 @@
     </p:spTree>
     <p:extLst>
       <p:ext uri="{BB962C8B-B14F-4D97-AF65-F5344CB8AC3E}">
-        <p14:creationId xmlns:p14="http://schemas.microsoft.com/office/powerpoint/2010/main" val="987521526"/>
+        <p14:creationId xmlns:p14="http://schemas.microsoft.com/office/powerpoint/2010/main" val="878237750"/>
       </p:ext>
     </p:extLst>
   </p:cSld>
@@ -5501,37 +6451,17 @@
                 <a:latin typeface="American Typewriter"/>
                 <a:cs typeface="American Typewriter"/>
               </a:rPr>
-              <a:t>for </a:t>
-            </a:r>
-            <a:r>
-              <a:rPr lang="en-US" dirty="0" smtClean="0">
-                <a:solidFill>
-                  <a:schemeClr val="tx1"/>
-                </a:solidFill>
-                <a:latin typeface="American Typewriter"/>
-                <a:cs typeface="American Typewriter"/>
-              </a:rPr>
-              <a:t>(</a:t>
-            </a:r>
-            <a:r>
-              <a:rPr lang="en-US" dirty="0" err="1" smtClean="0">
-                <a:solidFill>
-                  <a:schemeClr val="tx1"/>
-                </a:solidFill>
-                <a:latin typeface="American Typewriter"/>
-                <a:cs typeface="American Typewriter"/>
-              </a:rPr>
-              <a:t>i</a:t>
-            </a:r>
-            <a:r>
-              <a:rPr lang="en-US" dirty="0" smtClean="0">
-                <a:solidFill>
-                  <a:schemeClr val="tx1"/>
-                </a:solidFill>
-                <a:latin typeface="American Typewriter"/>
-                <a:cs typeface="American Typewriter"/>
-              </a:rPr>
-              <a:t> </a:t>
+              <a:t>for (</a:t>
+            </a:r>
+            <a:r>
+              <a:rPr lang="en-US" dirty="0" err="1">
+                <a:solidFill>
+                  <a:schemeClr val="tx1"/>
+                </a:solidFill>
+                <a:latin typeface="American Typewriter"/>
+                <a:cs typeface="American Typewriter"/>
+              </a:rPr>
+              <a:t>iLength</a:t>
             </a:r>
             <a:r>
               <a:rPr lang="en-US" dirty="0">
@@ -5541,27 +6471,17 @@
                 <a:latin typeface="American Typewriter"/>
                 <a:cs typeface="American Typewriter"/>
               </a:rPr>
-              <a:t>= 1; </a:t>
-            </a:r>
-            <a:r>
-              <a:rPr lang="en-US" dirty="0" err="1" smtClean="0">
-                <a:solidFill>
-                  <a:schemeClr val="tx1"/>
-                </a:solidFill>
-                <a:latin typeface="American Typewriter"/>
-                <a:cs typeface="American Typewriter"/>
-              </a:rPr>
-              <a:t>i</a:t>
-            </a:r>
-            <a:r>
-              <a:rPr lang="en-US" dirty="0" smtClean="0">
-                <a:solidFill>
-                  <a:schemeClr val="tx1"/>
-                </a:solidFill>
-                <a:latin typeface="American Typewriter"/>
-                <a:cs typeface="American Typewriter"/>
-              </a:rPr>
-              <a:t> </a:t>
+              <a:t> = 1; </a:t>
+            </a:r>
+            <a:r>
+              <a:rPr lang="en-US" dirty="0" err="1">
+                <a:solidFill>
+                  <a:schemeClr val="tx1"/>
+                </a:solidFill>
+                <a:latin typeface="American Typewriter"/>
+                <a:cs typeface="American Typewriter"/>
+              </a:rPr>
+              <a:t>iLength</a:t>
             </a:r>
             <a:r>
               <a:rPr lang="en-US" dirty="0">
@@ -5571,37 +6491,17 @@
                 <a:latin typeface="American Typewriter"/>
                 <a:cs typeface="American Typewriter"/>
               </a:rPr>
-              <a:t>&lt;= </a:t>
-            </a:r>
-            <a:r>
-              <a:rPr lang="en-US" dirty="0" smtClean="0">
-                <a:solidFill>
-                  <a:schemeClr val="tx1"/>
-                </a:solidFill>
-                <a:latin typeface="American Typewriter"/>
-                <a:cs typeface="American Typewriter"/>
-              </a:rPr>
-              <a:t>27; </a:t>
-            </a:r>
-            <a:r>
-              <a:rPr lang="en-US" dirty="0" err="1" smtClean="0">
-                <a:solidFill>
-                  <a:schemeClr val="tx1"/>
-                </a:solidFill>
-                <a:latin typeface="American Typewriter"/>
-                <a:cs typeface="American Typewriter"/>
-              </a:rPr>
-              <a:t>i</a:t>
-            </a:r>
-            <a:r>
-              <a:rPr lang="en-US" dirty="0" smtClean="0">
-                <a:solidFill>
-                  <a:schemeClr val="tx1"/>
-                </a:solidFill>
-                <a:latin typeface="American Typewriter"/>
-                <a:cs typeface="American Typewriter"/>
-              </a:rPr>
-              <a:t>+</a:t>
+              <a:t> &lt;= </a:t>
+            </a:r>
+            <a:r>
+              <a:rPr lang="en-US" dirty="0" err="1">
+                <a:solidFill>
+                  <a:schemeClr val="tx1"/>
+                </a:solidFill>
+                <a:latin typeface="American Typewriter"/>
+                <a:cs typeface="American Typewriter"/>
+              </a:rPr>
+              <a:t>iMax</a:t>
             </a:r>
             <a:r>
               <a:rPr lang="en-US" dirty="0">
@@ -5611,7 +6511,27 @@
                 <a:latin typeface="American Typewriter"/>
                 <a:cs typeface="American Typewriter"/>
               </a:rPr>
-              <a:t>+)</a:t>
+              <a:t>; </a:t>
+            </a:r>
+            <a:r>
+              <a:rPr lang="en-US" dirty="0" err="1">
+                <a:solidFill>
+                  <a:schemeClr val="tx1"/>
+                </a:solidFill>
+                <a:latin typeface="American Typewriter"/>
+                <a:cs typeface="American Typewriter"/>
+              </a:rPr>
+              <a:t>iLength</a:t>
+            </a:r>
+            <a:r>
+              <a:rPr lang="en-US" dirty="0">
+                <a:solidFill>
+                  <a:schemeClr val="tx1"/>
+                </a:solidFill>
+                <a:latin typeface="American Typewriter"/>
+                <a:cs typeface="American Typewriter"/>
+              </a:rPr>
+              <a:t>++)</a:t>
             </a:r>
           </a:p>
           <a:p>
@@ -5704,7 +6624,7 @@
     </p:spTree>
     <p:extLst>
       <p:ext uri="{BB962C8B-B14F-4D97-AF65-F5344CB8AC3E}">
-        <p14:creationId xmlns:p14="http://schemas.microsoft.com/office/powerpoint/2010/main" val="878237750"/>
+        <p14:creationId xmlns:p14="http://schemas.microsoft.com/office/powerpoint/2010/main" val="2827953884"/>
       </p:ext>
     </p:extLst>
   </p:cSld>
@@ -5740,7 +6660,7 @@
       </p:grpSpPr>
       <p:sp>
         <p:nvSpPr>
-          <p:cNvPr id="54274" name="Rectangle 2"/>
+          <p:cNvPr id="93186" name="Rectangle 2"/>
           <p:cNvSpPr>
             <a:spLocks noGrp="1" noChangeArrowheads="1"/>
           </p:cNvSpPr>
@@ -5750,31 +6670,26 @@
         </p:nvSpPr>
         <p:spPr>
           <a:xfrm>
-            <a:off x="457200" y="500119"/>
-            <a:ext cx="8305800" cy="1295400"/>
+            <a:off x="609600" y="685800"/>
+            <a:ext cx="7848600" cy="914400"/>
           </a:xfrm>
         </p:spPr>
         <p:txBody>
-          <a:bodyPr>
-            <a:normAutofit/>
-          </a:bodyPr>
-          <a:lstStyle/>
-          <a:p>
-            <a:r>
-              <a:rPr lang="en-US" sz="4800" dirty="0" smtClean="0">
+          <a:bodyPr/>
+          <a:lstStyle/>
+          <a:p>
+            <a:r>
+              <a:rPr lang="en-US" sz="4800" dirty="0">
                 <a:latin typeface="Trebuchet MS" charset="0"/>
               </a:rPr>
-              <a:t>No magic (numbers)</a:t>
-            </a:r>
-            <a:endParaRPr lang="en-US" sz="4800" dirty="0">
-              <a:latin typeface="Trebuchet MS" charset="0"/>
-            </a:endParaRPr>
-          </a:p>
-        </p:txBody>
-      </p:sp>
-      <p:sp>
-        <p:nvSpPr>
-          <p:cNvPr id="54275" name="Rectangle 3"/>
+              <a:t>Or, use an external file</a:t>
+            </a:r>
+          </a:p>
+        </p:txBody>
+      </p:sp>
+      <p:sp>
+        <p:nvSpPr>
+          <p:cNvPr id="93187" name="Rectangle 3"/>
           <p:cNvSpPr>
             <a:spLocks noGrp="1" noChangeArrowheads="1"/>
           </p:cNvSpPr>
@@ -5784,87 +6699,50 @@
         </p:nvSpPr>
         <p:spPr>
           <a:xfrm>
-            <a:off x="139858" y="2067022"/>
-            <a:ext cx="8839200" cy="4419600"/>
+            <a:off x="609600" y="2057400"/>
+            <a:ext cx="8153400" cy="4495800"/>
           </a:xfrm>
         </p:spPr>
         <p:txBody>
-          <a:bodyPr>
-            <a:normAutofit/>
-          </a:bodyPr>
-          <a:lstStyle/>
-          <a:p>
-            <a:pPr algn="l">
-              <a:lnSpc>
-                <a:spcPct val="90000"/>
-              </a:lnSpc>
-            </a:pPr>
-            <a:r>
-              <a:rPr lang="en-US" dirty="0">
-                <a:solidFill>
-                  <a:schemeClr val="tx1"/>
-                </a:solidFill>
-                <a:latin typeface="American Typewriter"/>
-                <a:cs typeface="American Typewriter"/>
-              </a:rPr>
-              <a:t>// increment along the surface (x axis) </a:t>
-            </a:r>
-          </a:p>
-          <a:p>
-            <a:pPr algn="l">
-              <a:lnSpc>
-                <a:spcPct val="90000"/>
-              </a:lnSpc>
-            </a:pPr>
-            <a:r>
-              <a:rPr lang="en-US" dirty="0">
-                <a:solidFill>
-                  <a:schemeClr val="tx1"/>
-                </a:solidFill>
-                <a:latin typeface="American Typewriter"/>
-                <a:cs typeface="American Typewriter"/>
-              </a:rPr>
-              <a:t>// summing each point</a:t>
-            </a:r>
-            <a:r>
-              <a:rPr lang="ja-JP" altLang="en-US" dirty="0">
-                <a:solidFill>
-                  <a:schemeClr val="tx1"/>
-                </a:solidFill>
-                <a:latin typeface="American Typewriter"/>
-                <a:cs typeface="American Typewriter"/>
-              </a:rPr>
-              <a:t>’</a:t>
-            </a:r>
-            <a:r>
-              <a:rPr lang="en-US" dirty="0">
-                <a:solidFill>
-                  <a:schemeClr val="tx1"/>
-                </a:solidFill>
-                <a:latin typeface="American Typewriter"/>
-                <a:cs typeface="American Typewriter"/>
-              </a:rPr>
-              <a:t>s contribution</a:t>
-            </a:r>
-          </a:p>
-          <a:p>
-            <a:pPr algn="l">
-              <a:lnSpc>
-                <a:spcPct val="90000"/>
-              </a:lnSpc>
-            </a:pPr>
-            <a:r>
-              <a:rPr lang="en-US" dirty="0">
-                <a:solidFill>
-                  <a:schemeClr val="tx1"/>
-                </a:solidFill>
-                <a:latin typeface="American Typewriter"/>
-                <a:cs typeface="American Typewriter"/>
-              </a:rPr>
-              <a:t>for (</a:t>
-            </a:r>
-            <a:r>
-              <a:rPr lang="en-US" dirty="0" err="1">
+          <a:bodyPr/>
+          <a:lstStyle/>
+          <a:p>
+            <a:pPr algn="l"/>
+            <a:r>
+              <a:rPr lang="en-US" sz="2800" dirty="0">
+                <a:solidFill>
+                  <a:schemeClr val="tx1"/>
+                </a:solidFill>
+                <a:latin typeface="American Typewriter"/>
+                <a:cs typeface="American Typewriter"/>
+              </a:rPr>
+              <a:t>// Declarations</a:t>
+            </a:r>
+          </a:p>
+          <a:p>
+            <a:pPr algn="l"/>
+            <a:r>
+              <a:rPr lang="en-US" sz="2800" dirty="0" err="1">
+                <a:solidFill>
+                  <a:schemeClr val="tx1"/>
+                </a:solidFill>
+                <a:latin typeface="American Typewriter"/>
+                <a:cs typeface="American Typewriter"/>
+              </a:rPr>
+              <a:t>int</a:t>
+            </a:r>
+            <a:r>
+              <a:rPr lang="en-US" sz="2800" dirty="0">
+                <a:solidFill>
+                  <a:schemeClr val="tx1"/>
+                </a:solidFill>
+                <a:latin typeface="American Typewriter"/>
+                <a:cs typeface="American Typewriter"/>
+              </a:rPr>
+              <a:t>		</a:t>
+            </a:r>
+            <a:r>
+              <a:rPr lang="en-US" sz="2800" dirty="0" err="1">
                 <a:solidFill>
                   <a:schemeClr val="tx1"/>
                 </a:solidFill>
@@ -5874,37 +6752,40 @@
               <a:t>iLength</a:t>
             </a:r>
             <a:r>
-              <a:rPr lang="en-US" dirty="0">
-                <a:solidFill>
-                  <a:schemeClr val="tx1"/>
-                </a:solidFill>
-                <a:latin typeface="American Typewriter"/>
-                <a:cs typeface="American Typewriter"/>
-              </a:rPr>
-              <a:t> = 1; </a:t>
-            </a:r>
-            <a:r>
-              <a:rPr lang="en-US" dirty="0" err="1">
-                <a:solidFill>
-                  <a:schemeClr val="tx1"/>
-                </a:solidFill>
-                <a:latin typeface="American Typewriter"/>
-                <a:cs typeface="American Typewriter"/>
-              </a:rPr>
-              <a:t>iLength</a:t>
-            </a:r>
-            <a:r>
-              <a:rPr lang="en-US" dirty="0">
-                <a:solidFill>
-                  <a:schemeClr val="tx1"/>
-                </a:solidFill>
-                <a:latin typeface="American Typewriter"/>
-                <a:cs typeface="American Typewriter"/>
-              </a:rPr>
-              <a:t> &lt;= </a:t>
-            </a:r>
-            <a:r>
-              <a:rPr lang="en-US" dirty="0" err="1">
+              <a:rPr lang="en-US" sz="2800" dirty="0">
+                <a:solidFill>
+                  <a:schemeClr val="tx1"/>
+                </a:solidFill>
+                <a:latin typeface="American Typewriter"/>
+                <a:cs typeface="American Typewriter"/>
+              </a:rPr>
+              <a:t>;		// x-axis increment</a:t>
+            </a:r>
+          </a:p>
+          <a:p>
+            <a:pPr algn="l"/>
+            <a:r>
+              <a:rPr lang="en-US" sz="2800" dirty="0" err="1">
+                <a:solidFill>
+                  <a:schemeClr val="tx1"/>
+                </a:solidFill>
+                <a:latin typeface="American Typewriter"/>
+                <a:cs typeface="American Typewriter"/>
+              </a:rPr>
+              <a:t>int</a:t>
+            </a:r>
+            <a:r>
+              <a:rPr lang="en-US" sz="2800" dirty="0">
+                <a:solidFill>
+                  <a:schemeClr val="tx1"/>
+                </a:solidFill>
+                <a:latin typeface="American Typewriter"/>
+                <a:cs typeface="American Typewriter"/>
+              </a:rPr>
+              <a:t>		</a:t>
+            </a:r>
+            <a:r>
+              <a:rPr lang="en-US" sz="2800" dirty="0" err="1">
                 <a:solidFill>
                   <a:schemeClr val="tx1"/>
                 </a:solidFill>
@@ -5914,119 +6795,99 @@
               <a:t>iMax</a:t>
             </a:r>
             <a:r>
-              <a:rPr lang="en-US" dirty="0">
-                <a:solidFill>
-                  <a:schemeClr val="tx1"/>
-                </a:solidFill>
-                <a:latin typeface="American Typewriter"/>
-                <a:cs typeface="American Typewriter"/>
-              </a:rPr>
-              <a:t>; </a:t>
-            </a:r>
-            <a:r>
-              <a:rPr lang="en-US" dirty="0" err="1">
-                <a:solidFill>
-                  <a:schemeClr val="tx1"/>
-                </a:solidFill>
-                <a:latin typeface="American Typewriter"/>
-                <a:cs typeface="American Typewriter"/>
-              </a:rPr>
-              <a:t>iLength</a:t>
-            </a:r>
-            <a:r>
-              <a:rPr lang="en-US" dirty="0">
-                <a:solidFill>
-                  <a:schemeClr val="tx1"/>
-                </a:solidFill>
-                <a:latin typeface="American Typewriter"/>
-                <a:cs typeface="American Typewriter"/>
-              </a:rPr>
-              <a:t>++)</a:t>
-            </a:r>
-          </a:p>
-          <a:p>
-            <a:pPr algn="l">
-              <a:lnSpc>
-                <a:spcPct val="90000"/>
-              </a:lnSpc>
-            </a:pPr>
-            <a:r>
-              <a:rPr lang="en-US" dirty="0">
-                <a:solidFill>
-                  <a:schemeClr val="tx1"/>
-                </a:solidFill>
-                <a:latin typeface="American Typewriter"/>
-                <a:cs typeface="American Typewriter"/>
-              </a:rPr>
-              <a:t>	{</a:t>
-            </a:r>
-          </a:p>
-          <a:p>
-            <a:pPr algn="l">
-              <a:lnSpc>
-                <a:spcPct val="90000"/>
-              </a:lnSpc>
-            </a:pPr>
-            <a:r>
-              <a:rPr lang="en-US" dirty="0">
-                <a:solidFill>
-                  <a:schemeClr val="tx1"/>
-                </a:solidFill>
-                <a:latin typeface="American Typewriter"/>
-                <a:cs typeface="American Typewriter"/>
-              </a:rPr>
-              <a:t>	…</a:t>
-            </a:r>
-          </a:p>
-          <a:p>
-            <a:pPr algn="l">
-              <a:lnSpc>
-                <a:spcPct val="90000"/>
-              </a:lnSpc>
-            </a:pPr>
-            <a:r>
-              <a:rPr lang="en-US" dirty="0">
-                <a:solidFill>
-                  <a:schemeClr val="tx1"/>
-                </a:solidFill>
-                <a:latin typeface="American Typewriter"/>
-                <a:cs typeface="American Typewriter"/>
-              </a:rPr>
-              <a:t>	…</a:t>
-            </a:r>
-          </a:p>
-          <a:p>
-            <a:pPr algn="l">
-              <a:lnSpc>
-                <a:spcPct val="90000"/>
-              </a:lnSpc>
-            </a:pPr>
-            <a:r>
-              <a:rPr lang="en-US" dirty="0">
-                <a:solidFill>
-                  <a:schemeClr val="tx1"/>
-                </a:solidFill>
-                <a:latin typeface="American Typewriter"/>
-                <a:cs typeface="American Typewriter"/>
-              </a:rPr>
-              <a:t>	…</a:t>
-            </a:r>
-          </a:p>
-          <a:p>
-            <a:pPr algn="l">
-              <a:lnSpc>
-                <a:spcPct val="90000"/>
-              </a:lnSpc>
-            </a:pPr>
-            <a:r>
-              <a:rPr lang="en-US" dirty="0">
-                <a:solidFill>
-                  <a:schemeClr val="tx1"/>
-                </a:solidFill>
-                <a:latin typeface="American Typewriter"/>
-                <a:cs typeface="American Typewriter"/>
-              </a:rPr>
-              <a:t>	}</a:t>
+              <a:rPr lang="en-US" sz="2800" dirty="0">
+                <a:solidFill>
+                  <a:schemeClr val="tx1"/>
+                </a:solidFill>
+                <a:latin typeface="American Typewriter"/>
+                <a:cs typeface="American Typewriter"/>
+              </a:rPr>
+              <a:t>;			// total increments</a:t>
+            </a:r>
+          </a:p>
+          <a:p>
+            <a:pPr algn="l"/>
+            <a:r>
+              <a:rPr lang="en-US" sz="2800" dirty="0">
+                <a:solidFill>
+                  <a:schemeClr val="tx1"/>
+                </a:solidFill>
+                <a:latin typeface="American Typewriter"/>
+                <a:cs typeface="American Typewriter"/>
+              </a:rPr>
+              <a:t>double	</a:t>
+            </a:r>
+            <a:r>
+              <a:rPr lang="en-US" sz="2800" dirty="0" err="1">
+                <a:solidFill>
+                  <a:schemeClr val="tx1"/>
+                </a:solidFill>
+                <a:latin typeface="American Typewriter"/>
+                <a:cs typeface="American Typewriter"/>
+              </a:rPr>
+              <a:t>dVelocity</a:t>
+            </a:r>
+            <a:r>
+              <a:rPr lang="en-US" sz="2800" dirty="0">
+                <a:solidFill>
+                  <a:schemeClr val="tx1"/>
+                </a:solidFill>
+                <a:latin typeface="American Typewriter"/>
+                <a:cs typeface="American Typewriter"/>
+              </a:rPr>
+              <a:t>[5001]; // array of velocities</a:t>
+            </a:r>
+          </a:p>
+          <a:p>
+            <a:pPr algn="l"/>
+            <a:r>
+              <a:rPr lang="en-US" sz="2800" dirty="0">
+                <a:solidFill>
+                  <a:schemeClr val="tx1"/>
+                </a:solidFill>
+                <a:latin typeface="American Typewriter"/>
+                <a:cs typeface="American Typewriter"/>
+              </a:rPr>
+              <a:t>…</a:t>
+            </a:r>
+          </a:p>
+          <a:p>
+            <a:pPr algn="l"/>
+            <a:r>
+              <a:rPr lang="en-US" sz="2800" dirty="0">
+                <a:solidFill>
+                  <a:schemeClr val="tx1"/>
+                </a:solidFill>
+                <a:latin typeface="American Typewriter"/>
+                <a:cs typeface="American Typewriter"/>
+              </a:rPr>
+              <a:t>// Read and set Initial Values from a file</a:t>
+            </a:r>
+          </a:p>
+          <a:p>
+            <a:pPr algn="l"/>
+            <a:r>
+              <a:rPr lang="en-US" sz="2800" dirty="0">
+                <a:solidFill>
+                  <a:schemeClr val="tx1"/>
+                </a:solidFill>
+                <a:latin typeface="American Typewriter"/>
+                <a:cs typeface="American Typewriter"/>
+              </a:rPr>
+              <a:t>…</a:t>
+            </a:r>
+          </a:p>
+          <a:p>
+            <a:pPr algn="l"/>
+            <a:r>
+              <a:rPr lang="en-US" sz="2800" dirty="0">
+                <a:solidFill>
+                  <a:schemeClr val="tx1"/>
+                </a:solidFill>
+                <a:latin typeface="American Typewriter"/>
+                <a:cs typeface="American Typewriter"/>
+              </a:rPr>
+              <a:t>…</a:t>
             </a:r>
           </a:p>
         </p:txBody>
@@ -6034,7 +6895,7 @@
     </p:spTree>
     <p:extLst>
       <p:ext uri="{BB962C8B-B14F-4D97-AF65-F5344CB8AC3E}">
-        <p14:creationId xmlns:p14="http://schemas.microsoft.com/office/powerpoint/2010/main" val="2827953884"/>
+        <p14:creationId xmlns:p14="http://schemas.microsoft.com/office/powerpoint/2010/main" val="2026744277"/>
       </p:ext>
     </p:extLst>
   </p:cSld>
@@ -6070,7 +6931,7 @@
       </p:grpSpPr>
       <p:sp>
         <p:nvSpPr>
-          <p:cNvPr id="93186" name="Rectangle 2"/>
+          <p:cNvPr id="112642" name="Rectangle 2"/>
           <p:cNvSpPr>
             <a:spLocks noGrp="1" noChangeArrowheads="1"/>
           </p:cNvSpPr>
@@ -6080,8 +6941,8 @@
         </p:nvSpPr>
         <p:spPr>
           <a:xfrm>
-            <a:off x="609600" y="685800"/>
-            <a:ext cx="7848600" cy="914400"/>
+            <a:off x="457200" y="685800"/>
+            <a:ext cx="8305800" cy="1143000"/>
           </a:xfrm>
         </p:spPr>
         <p:txBody>
@@ -6092,14 +6953,14 @@
               <a:rPr lang="en-US" sz="4800" dirty="0">
                 <a:latin typeface="Trebuchet MS" charset="0"/>
               </a:rPr>
-              <a:t>Or, use an external file</a:t>
-            </a:r>
-          </a:p>
-        </p:txBody>
-      </p:sp>
-      <p:sp>
-        <p:nvSpPr>
-          <p:cNvPr id="93187" name="Rectangle 3"/>
+              <a:t>Use descriptive file names</a:t>
+            </a:r>
+          </a:p>
+        </p:txBody>
+      </p:sp>
+      <p:sp>
+        <p:nvSpPr>
+          <p:cNvPr id="112643" name="Rectangle 3"/>
           <p:cNvSpPr>
             <a:spLocks noGrp="1" noChangeArrowheads="1"/>
           </p:cNvSpPr>
@@ -6110,7 +6971,7 @@
         <p:spPr>
           <a:xfrm>
             <a:off x="609600" y="2057400"/>
-            <a:ext cx="8153400" cy="4495800"/>
+            <a:ext cx="7848600" cy="4495800"/>
           </a:xfrm>
         </p:spPr>
         <p:txBody>
@@ -6118,194 +6979,115 @@
           <a:lstStyle/>
           <a:p>
             <a:pPr algn="l"/>
-            <a:r>
-              <a:rPr lang="en-US" sz="2800" dirty="0">
-                <a:solidFill>
-                  <a:schemeClr val="tx1"/>
-                </a:solidFill>
-                <a:latin typeface="American Typewriter"/>
-                <a:cs typeface="American Typewriter"/>
-              </a:rPr>
-              <a:t>// Declarations</a:t>
-            </a:r>
+            <a:endParaRPr lang="en-US" dirty="0">
+              <a:latin typeface="Trebuchet MS" charset="0"/>
+            </a:endParaRPr>
           </a:p>
           <a:p>
             <a:pPr algn="l"/>
-            <a:r>
-              <a:rPr lang="en-US" sz="2800" dirty="0" err="1">
-                <a:solidFill>
-                  <a:schemeClr val="tx1"/>
-                </a:solidFill>
-                <a:latin typeface="American Typewriter"/>
-                <a:cs typeface="American Typewriter"/>
-              </a:rPr>
-              <a:t>int</a:t>
-            </a:r>
-            <a:r>
-              <a:rPr lang="en-US" sz="2800" dirty="0">
-                <a:solidFill>
-                  <a:schemeClr val="tx1"/>
-                </a:solidFill>
-                <a:latin typeface="American Typewriter"/>
-                <a:cs typeface="American Typewriter"/>
-              </a:rPr>
-              <a:t>		</a:t>
-            </a:r>
-            <a:r>
-              <a:rPr lang="en-US" sz="2800" dirty="0" err="1">
-                <a:solidFill>
-                  <a:schemeClr val="tx1"/>
-                </a:solidFill>
-                <a:latin typeface="American Typewriter"/>
-                <a:cs typeface="American Typewriter"/>
-              </a:rPr>
-              <a:t>iLength</a:t>
-            </a:r>
-            <a:r>
-              <a:rPr lang="en-US" sz="2800" dirty="0">
-                <a:solidFill>
-                  <a:schemeClr val="tx1"/>
-                </a:solidFill>
-                <a:latin typeface="American Typewriter"/>
-                <a:cs typeface="American Typewriter"/>
-              </a:rPr>
-              <a:t>;		// x-axis increment</a:t>
-            </a:r>
+            <a:endParaRPr lang="en-US" dirty="0">
+              <a:latin typeface="Trebuchet MS" charset="0"/>
+            </a:endParaRPr>
           </a:p>
           <a:p>
             <a:pPr algn="l"/>
             <a:r>
-              <a:rPr lang="en-US" sz="2800" dirty="0" err="1">
-                <a:solidFill>
-                  <a:schemeClr val="tx1"/>
-                </a:solidFill>
-                <a:latin typeface="American Typewriter"/>
-                <a:cs typeface="American Typewriter"/>
-              </a:rPr>
-              <a:t>int</a:t>
-            </a:r>
-            <a:r>
-              <a:rPr lang="en-US" sz="2800" dirty="0">
-                <a:solidFill>
-                  <a:schemeClr val="tx1"/>
-                </a:solidFill>
-                <a:latin typeface="American Typewriter"/>
-                <a:cs typeface="American Typewriter"/>
-              </a:rPr>
-              <a:t>		</a:t>
-            </a:r>
-            <a:r>
-              <a:rPr lang="en-US" sz="2800" dirty="0" err="1">
-                <a:solidFill>
-                  <a:schemeClr val="tx1"/>
-                </a:solidFill>
-                <a:latin typeface="American Typewriter"/>
-                <a:cs typeface="American Typewriter"/>
-              </a:rPr>
-              <a:t>iMax</a:t>
-            </a:r>
-            <a:r>
-              <a:rPr lang="en-US" sz="2800" dirty="0">
-                <a:solidFill>
-                  <a:schemeClr val="tx1"/>
-                </a:solidFill>
-                <a:latin typeface="American Typewriter"/>
-                <a:cs typeface="American Typewriter"/>
-              </a:rPr>
-              <a:t>;			// total increments</a:t>
+              <a:rPr lang="en-US" dirty="0">
+                <a:solidFill>
+                  <a:schemeClr val="tx1"/>
+                </a:solidFill>
+                <a:latin typeface="American Typewriter"/>
+                <a:cs typeface="American Typewriter"/>
+              </a:rPr>
+              <a:t>Naming your script </a:t>
+            </a:r>
+            <a:r>
+              <a:rPr lang="ja-JP" altLang="en-US" dirty="0">
+                <a:solidFill>
+                  <a:schemeClr val="tx1"/>
+                </a:solidFill>
+                <a:latin typeface="American Typewriter"/>
+                <a:cs typeface="American Typewriter"/>
+              </a:rPr>
+              <a:t>“</a:t>
+            </a:r>
+            <a:r>
+              <a:rPr lang="en-US" dirty="0" err="1">
+                <a:solidFill>
+                  <a:schemeClr val="tx1"/>
+                </a:solidFill>
+                <a:latin typeface="American Typewriter"/>
+                <a:cs typeface="American Typewriter"/>
+              </a:rPr>
+              <a:t>test.csh</a:t>
+            </a:r>
+            <a:r>
+              <a:rPr lang="ja-JP" altLang="en-US" dirty="0">
+                <a:solidFill>
+                  <a:schemeClr val="tx1"/>
+                </a:solidFill>
+                <a:latin typeface="American Typewriter"/>
+                <a:cs typeface="American Typewriter"/>
+              </a:rPr>
+              <a:t>”</a:t>
+            </a:r>
+            <a:r>
+              <a:rPr lang="en-US" dirty="0">
+                <a:solidFill>
+                  <a:schemeClr val="tx1"/>
+                </a:solidFill>
+                <a:latin typeface="American Typewriter"/>
+                <a:cs typeface="American Typewriter"/>
+              </a:rPr>
+              <a:t> means</a:t>
             </a:r>
           </a:p>
           <a:p>
             <a:pPr algn="l"/>
             <a:r>
-              <a:rPr lang="en-US" sz="2800" dirty="0">
-                <a:solidFill>
-                  <a:schemeClr val="tx1"/>
-                </a:solidFill>
-                <a:latin typeface="American Typewriter"/>
-                <a:cs typeface="American Typewriter"/>
-              </a:rPr>
-              <a:t>double	</a:t>
-            </a:r>
-            <a:r>
-              <a:rPr lang="en-US" sz="2800" dirty="0" err="1">
-                <a:solidFill>
-                  <a:schemeClr val="tx1"/>
-                </a:solidFill>
-                <a:latin typeface="American Typewriter"/>
-                <a:cs typeface="American Typewriter"/>
-              </a:rPr>
-              <a:t>dVelocity</a:t>
-            </a:r>
-            <a:r>
-              <a:rPr lang="en-US" sz="2800" dirty="0">
-                <a:solidFill>
-                  <a:schemeClr val="tx1"/>
-                </a:solidFill>
-                <a:latin typeface="American Typewriter"/>
-                <a:cs typeface="American Typewriter"/>
-              </a:rPr>
-              <a:t>[5001]; // array of velocities</a:t>
-            </a:r>
-          </a:p>
-          <a:p>
-            <a:pPr algn="l"/>
-            <a:r>
-              <a:rPr lang="en-US" sz="2800" dirty="0">
-                <a:solidFill>
-                  <a:schemeClr val="tx1"/>
-                </a:solidFill>
-                <a:latin typeface="American Typewriter"/>
-                <a:cs typeface="American Typewriter"/>
-              </a:rPr>
-              <a:t>…</a:t>
-            </a:r>
-          </a:p>
-          <a:p>
-            <a:pPr algn="l"/>
-            <a:r>
-              <a:rPr lang="en-US" sz="2800" dirty="0">
-                <a:solidFill>
-                  <a:schemeClr val="tx1"/>
-                </a:solidFill>
-                <a:latin typeface="American Typewriter"/>
-                <a:cs typeface="American Typewriter"/>
-              </a:rPr>
-              <a:t>// Read and set Initial Values from a file</a:t>
-            </a:r>
-          </a:p>
-          <a:p>
-            <a:pPr algn="l"/>
-            <a:r>
-              <a:rPr lang="en-US" sz="2800" dirty="0">
-                <a:solidFill>
-                  <a:schemeClr val="tx1"/>
-                </a:solidFill>
-                <a:latin typeface="American Typewriter"/>
-                <a:cs typeface="American Typewriter"/>
-              </a:rPr>
-              <a:t>…</a:t>
-            </a:r>
-          </a:p>
-          <a:p>
-            <a:pPr algn="l"/>
-            <a:r>
-              <a:rPr lang="en-US" sz="2800" dirty="0">
-                <a:solidFill>
-                  <a:schemeClr val="tx1"/>
-                </a:solidFill>
-                <a:latin typeface="American Typewriter"/>
-                <a:cs typeface="American Typewriter"/>
-              </a:rPr>
-              <a:t>…</a:t>
-            </a:r>
+              <a:rPr lang="ja-JP" altLang="en-US" dirty="0">
+                <a:solidFill>
+                  <a:schemeClr val="tx1"/>
+                </a:solidFill>
+                <a:latin typeface="American Typewriter"/>
+                <a:cs typeface="American Typewriter"/>
+              </a:rPr>
+              <a:t>“</a:t>
+            </a:r>
+            <a:r>
+              <a:rPr lang="en-US" dirty="0">
+                <a:solidFill>
+                  <a:schemeClr val="tx1"/>
+                </a:solidFill>
+                <a:latin typeface="American Typewriter"/>
+                <a:cs typeface="American Typewriter"/>
+              </a:rPr>
+              <a:t>I will never be able to reuse this code.</a:t>
+            </a:r>
+            <a:r>
+              <a:rPr lang="ja-JP" altLang="en-US" dirty="0">
+                <a:solidFill>
+                  <a:schemeClr val="tx1"/>
+                </a:solidFill>
+                <a:latin typeface="American Typewriter"/>
+                <a:cs typeface="American Typewriter"/>
+              </a:rPr>
+              <a:t>”</a:t>
+            </a:r>
+            <a:endParaRPr lang="en-US" dirty="0">
+              <a:solidFill>
+                <a:schemeClr val="tx1"/>
+              </a:solidFill>
+              <a:latin typeface="American Typewriter"/>
+              <a:cs typeface="American Typewriter"/>
+            </a:endParaRPr>
           </a:p>
         </p:txBody>
       </p:sp>
     </p:spTree>
     <p:extLst>
       <p:ext uri="{BB962C8B-B14F-4D97-AF65-F5344CB8AC3E}">
-        <p14:creationId xmlns:p14="http://schemas.microsoft.com/office/powerpoint/2010/main" val="2026744277"/>
+        <p14:creationId xmlns:p14="http://schemas.microsoft.com/office/powerpoint/2010/main" val="1865039314"/>
       </p:ext>
     </p:extLst>
   </p:cSld>
@@ -6341,7 +7123,7 @@
       </p:grpSpPr>
       <p:sp>
         <p:nvSpPr>
-          <p:cNvPr id="112642" name="Rectangle 2"/>
+          <p:cNvPr id="108546" name="Rectangle 2"/>
           <p:cNvSpPr>
             <a:spLocks noGrp="1" noChangeArrowheads="1"/>
           </p:cNvSpPr>
@@ -6351,8 +7133,8 @@
         </p:nvSpPr>
         <p:spPr>
           <a:xfrm>
-            <a:off x="457200" y="685800"/>
-            <a:ext cx="8305800" cy="1143000"/>
+            <a:off x="457200" y="762000"/>
+            <a:ext cx="8229600" cy="1752600"/>
           </a:xfrm>
         </p:spPr>
         <p:txBody>
@@ -6360,17 +7142,28 @@
           <a:lstStyle/>
           <a:p>
             <a:r>
-              <a:rPr lang="en-US" sz="4800" dirty="0">
+              <a:rPr lang="en-US" sz="4800">
                 <a:latin typeface="Trebuchet MS" charset="0"/>
               </a:rPr>
-              <a:t>Use descriptive file names</a:t>
-            </a:r>
-          </a:p>
-        </p:txBody>
-      </p:sp>
-      <p:sp>
-        <p:nvSpPr>
-          <p:cNvPr id="112643" name="Rectangle 3"/>
+              <a:t>Pretend you are</a:t>
+            </a:r>
+            <a:br>
+              <a:rPr lang="en-US" sz="4800">
+                <a:latin typeface="Trebuchet MS" charset="0"/>
+              </a:rPr>
+            </a:br>
+            <a:r>
+              <a:rPr lang="en-US" sz="4800">
+                <a:latin typeface="Trebuchet MS" charset="0"/>
+              </a:rPr>
+              <a:t>in a programming team</a:t>
+            </a:r>
+          </a:p>
+        </p:txBody>
+      </p:sp>
+      <p:sp>
+        <p:nvSpPr>
+          <p:cNvPr id="108547" name="Rectangle 3"/>
           <p:cNvSpPr>
             <a:spLocks noGrp="1" noChangeArrowheads="1"/>
           </p:cNvSpPr>
@@ -6380,8 +7173,8 @@
         </p:nvSpPr>
         <p:spPr>
           <a:xfrm>
-            <a:off x="609600" y="2057400"/>
-            <a:ext cx="7848600" cy="4495800"/>
+            <a:off x="609600" y="3124200"/>
+            <a:ext cx="8153400" cy="3429000"/>
           </a:xfrm>
         </p:spPr>
         <p:txBody>
@@ -6395,109 +7188,19 @@
           </a:p>
           <a:p>
             <a:pPr algn="l"/>
-            <a:endParaRPr lang="en-US" dirty="0">
-              <a:latin typeface="Trebuchet MS" charset="0"/>
-            </a:endParaRPr>
-          </a:p>
-          <a:p>
-            <a:pPr algn="l"/>
             <a:r>
               <a:rPr lang="en-US" dirty="0">
-                <a:solidFill>
-                  <a:schemeClr val="tx1"/>
-                </a:solidFill>
-                <a:latin typeface="American Typewriter"/>
-                <a:cs typeface="American Typewriter"/>
-              </a:rPr>
-              <a:t>Naming your script </a:t>
-            </a:r>
-            <a:r>
-              <a:rPr lang="ja-JP" altLang="en-US" dirty="0">
-                <a:solidFill>
-                  <a:schemeClr val="tx1"/>
-                </a:solidFill>
-                <a:latin typeface="American Typewriter"/>
-                <a:cs typeface="American Typewriter"/>
-              </a:rPr>
-              <a:t>“</a:t>
-            </a:r>
-            <a:r>
-              <a:rPr lang="en-US" dirty="0" err="1">
-                <a:solidFill>
-                  <a:schemeClr val="tx1"/>
-                </a:solidFill>
-                <a:latin typeface="American Typewriter"/>
-                <a:cs typeface="American Typewriter"/>
-              </a:rPr>
-              <a:t>test.csh</a:t>
-            </a:r>
-            <a:r>
-              <a:rPr lang="ja-JP" altLang="en-US" dirty="0">
-                <a:solidFill>
-                  <a:schemeClr val="tx1"/>
-                </a:solidFill>
-                <a:latin typeface="American Typewriter"/>
-                <a:cs typeface="American Typewriter"/>
-              </a:rPr>
-              <a:t>”</a:t>
-            </a:r>
-            <a:r>
-              <a:rPr lang="en-US" dirty="0">
-                <a:solidFill>
-                  <a:schemeClr val="tx1"/>
-                </a:solidFill>
-                <a:latin typeface="American Typewriter"/>
-                <a:cs typeface="American Typewriter"/>
-              </a:rPr>
-              <a:t> means</a:t>
-            </a:r>
-          </a:p>
-          <a:p>
-            <a:pPr algn="l"/>
-            <a:r>
-              <a:rPr lang="ja-JP" altLang="en-US" dirty="0">
-                <a:solidFill>
-                  <a:schemeClr val="tx1"/>
-                </a:solidFill>
-                <a:latin typeface="American Typewriter"/>
-                <a:cs typeface="American Typewriter"/>
-              </a:rPr>
-              <a:t>“</a:t>
-            </a:r>
-            <a:r>
-              <a:rPr lang="en-US" dirty="0">
-                <a:solidFill>
-                  <a:schemeClr val="tx1"/>
-                </a:solidFill>
-                <a:latin typeface="American Typewriter"/>
-                <a:cs typeface="American Typewriter"/>
-              </a:rPr>
-              <a:t>I will never be able to reuse this code.</a:t>
-            </a:r>
-            <a:r>
-              <a:rPr lang="ja-JP" altLang="en-US" dirty="0">
-                <a:solidFill>
-                  <a:schemeClr val="tx1"/>
-                </a:solidFill>
-                <a:latin typeface="American Typewriter"/>
-                <a:cs typeface="American Typewriter"/>
-              </a:rPr>
-              <a:t>”</a:t>
-            </a:r>
-            <a:endParaRPr lang="en-US" dirty="0">
-              <a:solidFill>
-                <a:schemeClr val="tx1"/>
-              </a:solidFill>
-              <a:latin typeface="American Typewriter"/>
-              <a:cs typeface="American Typewriter"/>
-            </a:endParaRPr>
+                <a:latin typeface="Trebuchet MS" charset="0"/>
+              </a:rPr>
+              <a:t>Write your code as if someone else will have to understand and modify it</a:t>
+            </a:r>
           </a:p>
         </p:txBody>
       </p:sp>
     </p:spTree>
     <p:extLst>
       <p:ext uri="{BB962C8B-B14F-4D97-AF65-F5344CB8AC3E}">
-        <p14:creationId xmlns:p14="http://schemas.microsoft.com/office/powerpoint/2010/main" val="1865039314"/>
+        <p14:creationId xmlns:p14="http://schemas.microsoft.com/office/powerpoint/2010/main" val="4219313624"/>
       </p:ext>
     </p:extLst>
   </p:cSld>
@@ -6688,7 +7391,6 @@
               <a:rPr lang="en-US" dirty="0" smtClean="0"/>
               <a:t>What to keep in mind </a:t>
             </a:r>
-            <a:endParaRPr lang="en-US" dirty="0" smtClean="0"/>
           </a:p>
           <a:p>
             <a:r>
@@ -6751,97 +7453,72 @@
       </p:grpSpPr>
       <p:sp>
         <p:nvSpPr>
-          <p:cNvPr id="108546" name="Rectangle 2"/>
-          <p:cNvSpPr>
-            <a:spLocks noGrp="1" noChangeArrowheads="1"/>
-          </p:cNvSpPr>
-          <p:nvPr>
-            <p:ph type="ctrTitle"/>
-          </p:nvPr>
-        </p:nvSpPr>
-        <p:spPr>
-          <a:xfrm>
-            <a:off x="457200" y="762000"/>
-            <a:ext cx="8229600" cy="1752600"/>
-          </a:xfrm>
-        </p:spPr>
-        <p:txBody>
-          <a:bodyPr/>
-          <a:lstStyle/>
-          <a:p>
-            <a:r>
-              <a:rPr lang="en-US" sz="4800">
-                <a:latin typeface="Trebuchet MS" charset="0"/>
-              </a:rPr>
-              <a:t>Pretend you are</a:t>
-            </a:r>
-            <a:br>
-              <a:rPr lang="en-US" sz="4800">
-                <a:latin typeface="Trebuchet MS" charset="0"/>
-              </a:rPr>
-            </a:br>
-            <a:r>
-              <a:rPr lang="en-US" sz="4800">
-                <a:latin typeface="Trebuchet MS" charset="0"/>
-              </a:rPr>
-              <a:t>in a programming team</a:t>
-            </a:r>
-          </a:p>
-        </p:txBody>
-      </p:sp>
-      <p:sp>
-        <p:nvSpPr>
-          <p:cNvPr id="108547" name="Rectangle 3"/>
-          <p:cNvSpPr>
-            <a:spLocks noGrp="1" noChangeArrowheads="1"/>
-          </p:cNvSpPr>
-          <p:nvPr>
-            <p:ph type="subTitle" idx="1"/>
-          </p:nvPr>
-        </p:nvSpPr>
-        <p:spPr>
-          <a:xfrm>
-            <a:off x="609600" y="3124200"/>
-            <a:ext cx="8153400" cy="3429000"/>
-          </a:xfrm>
-        </p:spPr>
-        <p:txBody>
-          <a:bodyPr/>
-          <a:lstStyle/>
-          <a:p>
-            <a:pPr algn="l"/>
-            <a:endParaRPr lang="en-US" dirty="0">
-              <a:latin typeface="Trebuchet MS" charset="0"/>
-            </a:endParaRPr>
-          </a:p>
-          <a:p>
-            <a:pPr algn="l"/>
-            <a:r>
-              <a:rPr lang="en-US" dirty="0">
-                <a:latin typeface="Trebuchet MS" charset="0"/>
-              </a:rPr>
-              <a:t>Write your code as if someone else will have to understand and modify it</a:t>
-            </a:r>
+          <p:cNvPr id="2" name="Title 1"/>
+          <p:cNvSpPr>
+            <a:spLocks noGrp="1"/>
+          </p:cNvSpPr>
+          <p:nvPr>
+            <p:ph type="title"/>
+          </p:nvPr>
+        </p:nvSpPr>
+        <p:spPr/>
+        <p:txBody>
+          <a:bodyPr/>
+          <a:lstStyle/>
+          <a:p>
+            <a:r>
+              <a:rPr lang="en-US" dirty="0" smtClean="0"/>
+              <a:t>Working with someone else</a:t>
+            </a:r>
+            <a:endParaRPr lang="en-US" dirty="0"/>
+          </a:p>
+        </p:txBody>
+      </p:sp>
+      <p:sp>
+        <p:nvSpPr>
+          <p:cNvPr id="3" name="Content Placeholder 2"/>
+          <p:cNvSpPr>
+            <a:spLocks noGrp="1"/>
+          </p:cNvSpPr>
+          <p:nvPr>
+            <p:ph idx="1"/>
+          </p:nvPr>
+        </p:nvSpPr>
+        <p:spPr/>
+        <p:txBody>
+          <a:bodyPr/>
+          <a:lstStyle/>
+          <a:p>
+            <a:r>
+              <a:rPr lang="en-US" dirty="0" smtClean="0"/>
+              <a:t>Don’t try to understand everything in one go</a:t>
+            </a:r>
+          </a:p>
+          <a:p>
+            <a:r>
+              <a:rPr lang="en-US" dirty="0" smtClean="0"/>
+              <a:t>Identify one place you need to begin work on</a:t>
+            </a:r>
+          </a:p>
+          <a:p>
+            <a:r>
+              <a:rPr lang="en-US" dirty="0" smtClean="0"/>
+              <a:t>Ask the person who worked on it to explain what was going on in that part, then start!  </a:t>
+            </a:r>
+            <a:endParaRPr lang="en-US" dirty="0"/>
           </a:p>
         </p:txBody>
       </p:sp>
     </p:spTree>
     <p:extLst>
       <p:ext uri="{BB962C8B-B14F-4D97-AF65-F5344CB8AC3E}">
-        <p14:creationId xmlns:p14="http://schemas.microsoft.com/office/powerpoint/2010/main" val="4219313624"/>
+        <p14:creationId xmlns:p14="http://schemas.microsoft.com/office/powerpoint/2010/main" val="32140555"/>
       </p:ext>
     </p:extLst>
   </p:cSld>
   <p:clrMapOvr>
     <a:masterClrMapping/>
   </p:clrMapOvr>
-  <p:timing>
-    <p:tnLst>
-      <p:par>
-        <p:cTn xmlns:p14="http://schemas.microsoft.com/office/powerpoint/2010/main" id="1" dur="indefinite" restart="never" nodeType="tmRoot"/>
-      </p:par>
-    </p:tnLst>
-  </p:timing>
 </p:sld>
 </file>
 
@@ -6879,7 +7556,7 @@
           <a:p>
             <a:r>
               <a:rPr lang="en-US" dirty="0" smtClean="0"/>
-              <a:t>Working with someone else</a:t>
+              <a:t>Taking over someone’s project </a:t>
             </a:r>
             <a:endParaRPr lang="en-US" dirty="0"/>
           </a:p>
@@ -6902,19 +7579,13 @@
           <a:p>
             <a:r>
               <a:rPr lang="en-US" dirty="0" smtClean="0"/>
-              <a:t>Don’t try to understand everything in one go</a:t>
-            </a:r>
-          </a:p>
-          <a:p>
-            <a:r>
-              <a:rPr lang="en-US" dirty="0" smtClean="0"/>
-              <a:t>Identify one place you need to begin work on</a:t>
-            </a:r>
-          </a:p>
-          <a:p>
-            <a:r>
-              <a:rPr lang="en-US" dirty="0" smtClean="0"/>
-              <a:t>Ask the person who worked on it to explain what was going on in that part, then start!  </a:t>
+              <a:t>Comment/uncomment out bits of their code</a:t>
+            </a:r>
+          </a:p>
+          <a:p>
+            <a:r>
+              <a:rPr lang="en-US" dirty="0" smtClean="0"/>
+              <a:t>See what part of the code controls the functionality </a:t>
             </a:r>
             <a:endParaRPr lang="en-US" dirty="0"/>
           </a:p>
@@ -6923,7 +7594,7 @@
     </p:spTree>
     <p:extLst>
       <p:ext uri="{BB962C8B-B14F-4D97-AF65-F5344CB8AC3E}">
-        <p14:creationId xmlns:p14="http://schemas.microsoft.com/office/powerpoint/2010/main" val="32140555"/>
+        <p14:creationId xmlns:p14="http://schemas.microsoft.com/office/powerpoint/2010/main" val="3486859430"/>
       </p:ext>
     </p:extLst>
   </p:cSld>
@@ -6952,60 +7623,62 @@
       </p:grpSpPr>
       <p:sp>
         <p:nvSpPr>
-          <p:cNvPr id="2" name="Title 1"/>
-          <p:cNvSpPr>
-            <a:spLocks noGrp="1"/>
-          </p:cNvSpPr>
-          <p:nvPr>
-            <p:ph type="title"/>
-          </p:nvPr>
-        </p:nvSpPr>
-        <p:spPr/>
-        <p:txBody>
-          <a:bodyPr/>
-          <a:lstStyle/>
-          <a:p>
-            <a:r>
-              <a:rPr lang="en-US" dirty="0" smtClean="0"/>
-              <a:t>Taking over someone’s project </a:t>
-            </a:r>
-            <a:endParaRPr lang="en-US" dirty="0"/>
-          </a:p>
-        </p:txBody>
-      </p:sp>
-      <p:sp>
-        <p:nvSpPr>
-          <p:cNvPr id="3" name="Content Placeholder 2"/>
-          <p:cNvSpPr>
-            <a:spLocks noGrp="1"/>
-          </p:cNvSpPr>
-          <p:nvPr>
-            <p:ph idx="1"/>
-          </p:nvPr>
-        </p:nvSpPr>
-        <p:spPr/>
-        <p:txBody>
-          <a:bodyPr/>
-          <a:lstStyle/>
-          <a:p>
-            <a:r>
-              <a:rPr lang="en-US" dirty="0" smtClean="0"/>
-              <a:t>Comment/uncomment out bits of their code</a:t>
-            </a:r>
-          </a:p>
-          <a:p>
-            <a:r>
-              <a:rPr lang="en-US" dirty="0" smtClean="0"/>
-              <a:t>See what part of the code controls the functionality </a:t>
-            </a:r>
-            <a:endParaRPr lang="en-US" dirty="0"/>
+          <p:cNvPr id="3" name="Title 2"/>
+          <p:cNvSpPr>
+            <a:spLocks noGrp="1"/>
+          </p:cNvSpPr>
+          <p:nvPr>
+            <p:ph type="ctrTitle"/>
+          </p:nvPr>
+        </p:nvSpPr>
+        <p:spPr>
+          <a:solidFill>
+            <a:schemeClr val="tx1"/>
+          </a:solidFill>
+        </p:spPr>
+        <p:txBody>
+          <a:bodyPr/>
+          <a:lstStyle/>
+          <a:p>
+            <a:r>
+              <a:rPr lang="en-US" dirty="0" smtClean="0">
+                <a:solidFill>
+                  <a:srgbClr val="FFFFFF"/>
+                </a:solidFill>
+              </a:rPr>
+              <a:t>Solving Problems</a:t>
+            </a:r>
+            <a:endParaRPr lang="en-US" dirty="0">
+              <a:solidFill>
+                <a:srgbClr val="FFFFFF"/>
+              </a:solidFill>
+            </a:endParaRPr>
+          </a:p>
+        </p:txBody>
+      </p:sp>
+      <p:sp>
+        <p:nvSpPr>
+          <p:cNvPr id="4" name="Subtitle 3"/>
+          <p:cNvSpPr>
+            <a:spLocks noGrp="1"/>
+          </p:cNvSpPr>
+          <p:nvPr>
+            <p:ph type="subTitle" idx="1"/>
+          </p:nvPr>
+        </p:nvSpPr>
+        <p:spPr/>
+        <p:txBody>
+          <a:bodyPr/>
+          <a:lstStyle/>
+          <a:p>
+            <a:endParaRPr lang="en-US"/>
           </a:p>
         </p:txBody>
       </p:sp>
     </p:spTree>
     <p:extLst>
       <p:ext uri="{BB962C8B-B14F-4D97-AF65-F5344CB8AC3E}">
-        <p14:creationId xmlns:p14="http://schemas.microsoft.com/office/powerpoint/2010/main" val="3486859430"/>
+        <p14:creationId xmlns:p14="http://schemas.microsoft.com/office/powerpoint/2010/main" val="2196298696"/>
       </p:ext>
     </p:extLst>
   </p:cSld>
@@ -7034,62 +7707,107 @@
       </p:grpSpPr>
       <p:sp>
         <p:nvSpPr>
-          <p:cNvPr id="3" name="Title 2"/>
-          <p:cNvSpPr>
-            <a:spLocks noGrp="1"/>
-          </p:cNvSpPr>
-          <p:nvPr>
-            <p:ph type="ctrTitle"/>
-          </p:nvPr>
-        </p:nvSpPr>
-        <p:spPr>
-          <a:solidFill>
-            <a:schemeClr val="tx1"/>
-          </a:solidFill>
-        </p:spPr>
-        <p:txBody>
-          <a:bodyPr/>
-          <a:lstStyle/>
-          <a:p>
-            <a:r>
-              <a:rPr lang="en-US" dirty="0" smtClean="0">
-                <a:solidFill>
-                  <a:srgbClr val="FFFFFF"/>
-                </a:solidFill>
-              </a:rPr>
-              <a:t>Solving Problems</a:t>
-            </a:r>
-            <a:endParaRPr lang="en-US" dirty="0">
-              <a:solidFill>
-                <a:srgbClr val="FFFFFF"/>
-              </a:solidFill>
-            </a:endParaRPr>
-          </a:p>
-        </p:txBody>
-      </p:sp>
-      <p:sp>
-        <p:nvSpPr>
-          <p:cNvPr id="4" name="Subtitle 3"/>
-          <p:cNvSpPr>
-            <a:spLocks noGrp="1"/>
-          </p:cNvSpPr>
-          <p:nvPr>
-            <p:ph type="subTitle" idx="1"/>
-          </p:nvPr>
-        </p:nvSpPr>
-        <p:spPr/>
-        <p:txBody>
-          <a:bodyPr/>
-          <a:lstStyle/>
-          <a:p>
-            <a:endParaRPr lang="en-US"/>
+          <p:cNvPr id="2" name="Title 1"/>
+          <p:cNvSpPr>
+            <a:spLocks noGrp="1"/>
+          </p:cNvSpPr>
+          <p:nvPr>
+            <p:ph type="title"/>
+          </p:nvPr>
+        </p:nvSpPr>
+        <p:spPr/>
+        <p:txBody>
+          <a:bodyPr/>
+          <a:lstStyle/>
+          <a:p>
+            <a:r>
+              <a:rPr lang="en-US" dirty="0" smtClean="0"/>
+              <a:t>What if you hit a problem?</a:t>
+            </a:r>
+            <a:endParaRPr lang="en-US" dirty="0"/>
+          </a:p>
+        </p:txBody>
+      </p:sp>
+      <p:sp>
+        <p:nvSpPr>
+          <p:cNvPr id="3" name="Content Placeholder 2"/>
+          <p:cNvSpPr>
+            <a:spLocks noGrp="1"/>
+          </p:cNvSpPr>
+          <p:nvPr>
+            <p:ph idx="1"/>
+          </p:nvPr>
+        </p:nvSpPr>
+        <p:spPr/>
+        <p:txBody>
+          <a:bodyPr>
+            <a:normAutofit fontScale="92500" lnSpcReduction="10000"/>
+          </a:bodyPr>
+          <a:lstStyle/>
+          <a:p>
+            <a:r>
+              <a:rPr lang="en-US" dirty="0" smtClean="0"/>
+              <a:t>Coding problem</a:t>
+            </a:r>
+          </a:p>
+          <a:p>
+            <a:pPr lvl="1"/>
+            <a:r>
+              <a:rPr lang="en-US" dirty="0"/>
+              <a:t>c</a:t>
+            </a:r>
+            <a:r>
+              <a:rPr lang="en-US" dirty="0" smtClean="0"/>
+              <a:t>hances are someone else has a similar problem, and a solution exists</a:t>
+            </a:r>
+          </a:p>
+          <a:p>
+            <a:pPr lvl="1"/>
+            <a:r>
+              <a:rPr lang="en-US" dirty="0" smtClean="0"/>
+              <a:t>Google it. How would you phrase that question to a human?</a:t>
+            </a:r>
+          </a:p>
+          <a:p>
+            <a:r>
+              <a:rPr lang="en-US" dirty="0" smtClean="0"/>
+              <a:t>Who does research in that general area?  </a:t>
+            </a:r>
+          </a:p>
+          <a:p>
+            <a:pPr lvl="1"/>
+            <a:r>
+              <a:rPr lang="en-US" dirty="0" smtClean="0"/>
+              <a:t>Look at their papers for something similar you can adapt </a:t>
+            </a:r>
+          </a:p>
+          <a:p>
+            <a:r>
+              <a:rPr lang="en-US" dirty="0" smtClean="0"/>
+              <a:t>How would you do it manually?</a:t>
+            </a:r>
+          </a:p>
+          <a:p>
+            <a:pPr lvl="1"/>
+            <a:r>
+              <a:rPr lang="en-US" dirty="0" smtClean="0"/>
+              <a:t>Describe the steps, then code it up </a:t>
+            </a:r>
+          </a:p>
+          <a:p>
+            <a:pPr lvl="1"/>
+            <a:endParaRPr lang="en-US" dirty="0"/>
+          </a:p>
+          <a:p>
+            <a:pPr lvl="1"/>
+            <a:endParaRPr lang="en-US" dirty="0"/>
           </a:p>
         </p:txBody>
       </p:sp>
     </p:spTree>
     <p:extLst>
       <p:ext uri="{BB962C8B-B14F-4D97-AF65-F5344CB8AC3E}">
-        <p14:creationId xmlns:p14="http://schemas.microsoft.com/office/powerpoint/2010/main" val="2196298696"/>
+        <p14:creationId xmlns:p14="http://schemas.microsoft.com/office/powerpoint/2010/main" val="3071680531"/>
       </p:ext>
     </p:extLst>
   </p:cSld>
@@ -7133,135 +7851,6 @@
           <a:p>
             <a:r>
               <a:rPr lang="en-US" dirty="0" smtClean="0"/>
-              <a:t>What if you hit a problem?</a:t>
-            </a:r>
-            <a:endParaRPr lang="en-US" dirty="0"/>
-          </a:p>
-        </p:txBody>
-      </p:sp>
-      <p:sp>
-        <p:nvSpPr>
-          <p:cNvPr id="3" name="Content Placeholder 2"/>
-          <p:cNvSpPr>
-            <a:spLocks noGrp="1"/>
-          </p:cNvSpPr>
-          <p:nvPr>
-            <p:ph idx="1"/>
-          </p:nvPr>
-        </p:nvSpPr>
-        <p:spPr/>
-        <p:txBody>
-          <a:bodyPr>
-            <a:normAutofit fontScale="92500" lnSpcReduction="10000"/>
-          </a:bodyPr>
-          <a:lstStyle/>
-          <a:p>
-            <a:r>
-              <a:rPr lang="en-US" dirty="0" smtClean="0"/>
-              <a:t>Coding problem</a:t>
-            </a:r>
-          </a:p>
-          <a:p>
-            <a:pPr lvl="1"/>
-            <a:r>
-              <a:rPr lang="en-US" dirty="0"/>
-              <a:t>c</a:t>
-            </a:r>
-            <a:r>
-              <a:rPr lang="en-US" dirty="0" smtClean="0"/>
-              <a:t>hances are someone else has a similar problem, and a solution exists</a:t>
-            </a:r>
-          </a:p>
-          <a:p>
-            <a:pPr lvl="1"/>
-            <a:r>
-              <a:rPr lang="en-US" dirty="0" smtClean="0"/>
-              <a:t>Google it. How would you phrase that question to a human?</a:t>
-            </a:r>
-          </a:p>
-          <a:p>
-            <a:r>
-              <a:rPr lang="en-US" dirty="0" smtClean="0"/>
-              <a:t>Who does research in that general area?  </a:t>
-            </a:r>
-          </a:p>
-          <a:p>
-            <a:pPr lvl="1"/>
-            <a:r>
-              <a:rPr lang="en-US" dirty="0" smtClean="0"/>
-              <a:t>Look at their papers for something similar you can adapt </a:t>
-            </a:r>
-          </a:p>
-          <a:p>
-            <a:r>
-              <a:rPr lang="en-US" dirty="0" smtClean="0"/>
-              <a:t>How would you do it manually?</a:t>
-            </a:r>
-          </a:p>
-          <a:p>
-            <a:pPr lvl="1"/>
-            <a:r>
-              <a:rPr lang="en-US" dirty="0" smtClean="0"/>
-              <a:t>Describe the steps, then code it up </a:t>
-            </a:r>
-          </a:p>
-          <a:p>
-            <a:pPr lvl="1"/>
-            <a:endParaRPr lang="en-US" dirty="0"/>
-          </a:p>
-          <a:p>
-            <a:pPr lvl="1"/>
-            <a:endParaRPr lang="en-US" dirty="0"/>
-          </a:p>
-        </p:txBody>
-      </p:sp>
-    </p:spTree>
-    <p:extLst>
-      <p:ext uri="{BB962C8B-B14F-4D97-AF65-F5344CB8AC3E}">
-        <p14:creationId xmlns:p14="http://schemas.microsoft.com/office/powerpoint/2010/main" val="3071680531"/>
-      </p:ext>
-    </p:extLst>
-  </p:cSld>
-  <p:clrMapOvr>
-    <a:masterClrMapping/>
-  </p:clrMapOvr>
-</p:sld>
-</file>
-
-<file path=ppt/slides/slide25.xml><?xml version="1.0" encoding="utf-8"?>
-<p:sld xmlns:a="http://schemas.openxmlformats.org/drawingml/2006/main" xmlns:r="http://schemas.openxmlformats.org/officeDocument/2006/relationships" xmlns:p="http://schemas.openxmlformats.org/presentationml/2006/main">
-  <p:cSld>
-    <p:spTree>
-      <p:nvGrpSpPr>
-        <p:cNvPr id="1" name=""/>
-        <p:cNvGrpSpPr/>
-        <p:nvPr/>
-      </p:nvGrpSpPr>
-      <p:grpSpPr>
-        <a:xfrm>
-          <a:off x="0" y="0"/>
-          <a:ext cx="0" cy="0"/>
-          <a:chOff x="0" y="0"/>
-          <a:chExt cx="0" cy="0"/>
-        </a:xfrm>
-      </p:grpSpPr>
-      <p:sp>
-        <p:nvSpPr>
-          <p:cNvPr id="2" name="Title 1"/>
-          <p:cNvSpPr>
-            <a:spLocks noGrp="1"/>
-          </p:cNvSpPr>
-          <p:nvPr>
-            <p:ph type="title"/>
-          </p:nvPr>
-        </p:nvSpPr>
-        <p:spPr/>
-        <p:txBody>
-          <a:bodyPr/>
-          <a:lstStyle/>
-          <a:p>
-            <a:r>
-              <a:rPr lang="en-US" dirty="0" smtClean="0"/>
               <a:t>How to ask good questions online</a:t>
             </a:r>
             <a:endParaRPr lang="en-US" dirty="0"/>
@@ -7361,7 +7950,7 @@
 </p:sld>
 </file>
 
-<file path=ppt/slides/slide26.xml><?xml version="1.0" encoding="utf-8"?>
+<file path=ppt/slides/slide25.xml><?xml version="1.0" encoding="utf-8"?>
 <p:sld xmlns:a="http://schemas.openxmlformats.org/drawingml/2006/main" xmlns:r="http://schemas.openxmlformats.org/officeDocument/2006/relationships" xmlns:p="http://schemas.openxmlformats.org/presentationml/2006/main">
   <p:cSld>
     <p:spTree>
@@ -7444,7 +8033,7 @@
 </p:sld>
 </file>
 
-<file path=ppt/slides/slide27.xml><?xml version="1.0" encoding="utf-8"?>
+<file path=ppt/slides/slide26.xml><?xml version="1.0" encoding="utf-8"?>
 <p:sld xmlns:a="http://schemas.openxmlformats.org/drawingml/2006/main" xmlns:r="http://schemas.openxmlformats.org/officeDocument/2006/relationships" xmlns:p="http://schemas.openxmlformats.org/presentationml/2006/main">
   <p:cSld>
     <p:spTree>
@@ -7527,6 +8116,96 @@
 </p:sld>
 </file>
 
+<file path=ppt/slides/slide27.xml><?xml version="1.0" encoding="utf-8"?>
+<p:sld xmlns:a="http://schemas.openxmlformats.org/drawingml/2006/main" xmlns:r="http://schemas.openxmlformats.org/officeDocument/2006/relationships" xmlns:p="http://schemas.openxmlformats.org/presentationml/2006/main">
+  <p:cSld>
+    <p:spTree>
+      <p:nvGrpSpPr>
+        <p:cNvPr id="1" name=""/>
+        <p:cNvGrpSpPr/>
+        <p:nvPr/>
+      </p:nvGrpSpPr>
+      <p:grpSpPr>
+        <a:xfrm>
+          <a:off x="0" y="0"/>
+          <a:ext cx="0" cy="0"/>
+          <a:chOff x="0" y="0"/>
+          <a:chExt cx="0" cy="0"/>
+        </a:xfrm>
+      </p:grpSpPr>
+      <p:sp>
+        <p:nvSpPr>
+          <p:cNvPr id="2" name="Title 1"/>
+          <p:cNvSpPr>
+            <a:spLocks noGrp="1"/>
+          </p:cNvSpPr>
+          <p:nvPr>
+            <p:ph type="title"/>
+          </p:nvPr>
+        </p:nvSpPr>
+        <p:spPr/>
+        <p:txBody>
+          <a:bodyPr/>
+          <a:lstStyle/>
+          <a:p>
+            <a:r>
+              <a:rPr lang="en-US" dirty="0" smtClean="0"/>
+              <a:t>Do not reinvent the wheel </a:t>
+            </a:r>
+            <a:endParaRPr lang="en-US" dirty="0"/>
+          </a:p>
+        </p:txBody>
+      </p:sp>
+      <p:sp>
+        <p:nvSpPr>
+          <p:cNvPr id="3" name="Content Placeholder 2"/>
+          <p:cNvSpPr>
+            <a:spLocks noGrp="1"/>
+          </p:cNvSpPr>
+          <p:nvPr>
+            <p:ph idx="1"/>
+          </p:nvPr>
+        </p:nvSpPr>
+        <p:spPr/>
+        <p:txBody>
+          <a:bodyPr/>
+          <a:lstStyle/>
+          <a:p>
+            <a:r>
+              <a:rPr lang="en-US" dirty="0" smtClean="0"/>
+              <a:t>Do not write your own code for a function, unless there is absolutely no choice</a:t>
+            </a:r>
+          </a:p>
+          <a:p>
+            <a:r>
+              <a:rPr lang="en-US" dirty="0" smtClean="0"/>
+              <a:t>If a solution is available on the internet, use it. If it popped up in </a:t>
+            </a:r>
+            <a:r>
+              <a:rPr lang="en-US" dirty="0"/>
+              <a:t>G</a:t>
+            </a:r>
+            <a:r>
+              <a:rPr lang="en-US" dirty="0" smtClean="0"/>
+              <a:t>oogle, its probably been rigorously tested by many more people than code you would write yourself </a:t>
+            </a:r>
+            <a:endParaRPr lang="en-US" dirty="0"/>
+          </a:p>
+        </p:txBody>
+      </p:sp>
+    </p:spTree>
+    <p:extLst>
+      <p:ext uri="{BB962C8B-B14F-4D97-AF65-F5344CB8AC3E}">
+        <p14:creationId xmlns:p14="http://schemas.microsoft.com/office/powerpoint/2010/main" val="2296045984"/>
+      </p:ext>
+    </p:extLst>
+  </p:cSld>
+  <p:clrMapOvr>
+    <a:masterClrMapping/>
+  </p:clrMapOvr>
+</p:sld>
+</file>
+
 <file path=ppt/slides/slide28.xml><?xml version="1.0" encoding="utf-8"?>
 <p:sld xmlns:a="http://schemas.openxmlformats.org/drawingml/2006/main" xmlns:r="http://schemas.openxmlformats.org/officeDocument/2006/relationships" xmlns:p="http://schemas.openxmlformats.org/presentationml/2006/main">
   <p:cSld>
@@ -7546,96 +8225,6 @@
       </p:grpSpPr>
       <p:sp>
         <p:nvSpPr>
-          <p:cNvPr id="2" name="Title 1"/>
-          <p:cNvSpPr>
-            <a:spLocks noGrp="1"/>
-          </p:cNvSpPr>
-          <p:nvPr>
-            <p:ph type="title"/>
-          </p:nvPr>
-        </p:nvSpPr>
-        <p:spPr/>
-        <p:txBody>
-          <a:bodyPr/>
-          <a:lstStyle/>
-          <a:p>
-            <a:r>
-              <a:rPr lang="en-US" dirty="0" smtClean="0"/>
-              <a:t>Do not reinvent the wheel </a:t>
-            </a:r>
-            <a:endParaRPr lang="en-US" dirty="0"/>
-          </a:p>
-        </p:txBody>
-      </p:sp>
-      <p:sp>
-        <p:nvSpPr>
-          <p:cNvPr id="3" name="Content Placeholder 2"/>
-          <p:cNvSpPr>
-            <a:spLocks noGrp="1"/>
-          </p:cNvSpPr>
-          <p:nvPr>
-            <p:ph idx="1"/>
-          </p:nvPr>
-        </p:nvSpPr>
-        <p:spPr/>
-        <p:txBody>
-          <a:bodyPr/>
-          <a:lstStyle/>
-          <a:p>
-            <a:r>
-              <a:rPr lang="en-US" dirty="0" smtClean="0"/>
-              <a:t>Do not write your own code for a function, unless there is absolutely no choice</a:t>
-            </a:r>
-          </a:p>
-          <a:p>
-            <a:r>
-              <a:rPr lang="en-US" dirty="0" smtClean="0"/>
-              <a:t>If a solution is available on the internet, use it. If it popped up in </a:t>
-            </a:r>
-            <a:r>
-              <a:rPr lang="en-US" dirty="0"/>
-              <a:t>G</a:t>
-            </a:r>
-            <a:r>
-              <a:rPr lang="en-US" dirty="0" smtClean="0"/>
-              <a:t>oogle, its probably been rigorously tested by many more people than code you would write yourself </a:t>
-            </a:r>
-            <a:endParaRPr lang="en-US" dirty="0"/>
-          </a:p>
-        </p:txBody>
-      </p:sp>
-    </p:spTree>
-    <p:extLst>
-      <p:ext uri="{BB962C8B-B14F-4D97-AF65-F5344CB8AC3E}">
-        <p14:creationId xmlns:p14="http://schemas.microsoft.com/office/powerpoint/2010/main" val="2296045984"/>
-      </p:ext>
-    </p:extLst>
-  </p:cSld>
-  <p:clrMapOvr>
-    <a:masterClrMapping/>
-  </p:clrMapOvr>
-</p:sld>
-</file>
-
-<file path=ppt/slides/slide29.xml><?xml version="1.0" encoding="utf-8"?>
-<p:sld xmlns:a="http://schemas.openxmlformats.org/drawingml/2006/main" xmlns:r="http://schemas.openxmlformats.org/officeDocument/2006/relationships" xmlns:p="http://schemas.openxmlformats.org/presentationml/2006/main">
-  <p:cSld>
-    <p:spTree>
-      <p:nvGrpSpPr>
-        <p:cNvPr id="1" name=""/>
-        <p:cNvGrpSpPr/>
-        <p:nvPr/>
-      </p:nvGrpSpPr>
-      <p:grpSpPr>
-        <a:xfrm>
-          <a:off x="0" y="0"/>
-          <a:ext cx="0" cy="0"/>
-          <a:chOff x="0" y="0"/>
-          <a:chExt cx="0" cy="0"/>
-        </a:xfrm>
-      </p:grpSpPr>
-      <p:sp>
-        <p:nvSpPr>
           <p:cNvPr id="3" name="Title 2"/>
           <p:cNvSpPr>
             <a:spLocks noGrp="1"/>
@@ -7701,91 +8290,7 @@
 </p:sld>
 </file>
 
-<file path=ppt/slides/slide3.xml><?xml version="1.0" encoding="utf-8"?>
-<p:sld xmlns:a="http://schemas.openxmlformats.org/drawingml/2006/main" xmlns:r="http://schemas.openxmlformats.org/officeDocument/2006/relationships" xmlns:p="http://schemas.openxmlformats.org/presentationml/2006/main">
-  <p:cSld>
-    <p:spTree>
-      <p:nvGrpSpPr>
-        <p:cNvPr id="1" name=""/>
-        <p:cNvGrpSpPr/>
-        <p:nvPr/>
-      </p:nvGrpSpPr>
-      <p:grpSpPr>
-        <a:xfrm>
-          <a:off x="0" y="0"/>
-          <a:ext cx="0" cy="0"/>
-          <a:chOff x="0" y="0"/>
-          <a:chExt cx="0" cy="0"/>
-        </a:xfrm>
-      </p:grpSpPr>
-      <p:sp>
-        <p:nvSpPr>
-          <p:cNvPr id="3" name="Title 2"/>
-          <p:cNvSpPr>
-            <a:spLocks noGrp="1"/>
-          </p:cNvSpPr>
-          <p:nvPr>
-            <p:ph type="ctrTitle"/>
-          </p:nvPr>
-        </p:nvSpPr>
-        <p:spPr>
-          <a:solidFill>
-            <a:schemeClr val="tx1"/>
-          </a:solidFill>
-        </p:spPr>
-        <p:txBody>
-          <a:bodyPr/>
-          <a:lstStyle/>
-          <a:p>
-            <a:r>
-              <a:rPr lang="en-US" dirty="0" smtClean="0">
-                <a:solidFill>
-                  <a:srgbClr val="FFFFFF"/>
-                </a:solidFill>
-              </a:rPr>
-              <a:t>Admin</a:t>
-            </a:r>
-            <a:endParaRPr lang="en-US" dirty="0">
-              <a:solidFill>
-                <a:srgbClr val="FFFFFF"/>
-              </a:solidFill>
-            </a:endParaRPr>
-          </a:p>
-        </p:txBody>
-      </p:sp>
-      <p:sp>
-        <p:nvSpPr>
-          <p:cNvPr id="4" name="Subtitle 3"/>
-          <p:cNvSpPr>
-            <a:spLocks noGrp="1"/>
-          </p:cNvSpPr>
-          <p:nvPr>
-            <p:ph type="subTitle" idx="1"/>
-          </p:nvPr>
-        </p:nvSpPr>
-        <p:spPr/>
-        <p:txBody>
-          <a:bodyPr/>
-          <a:lstStyle/>
-          <a:p>
-            <a:endParaRPr lang="en-US"/>
-          </a:p>
-        </p:txBody>
-      </p:sp>
-    </p:spTree>
-    <p:extLst>
-      <p:ext uri="{BB962C8B-B14F-4D97-AF65-F5344CB8AC3E}">
-        <p14:creationId xmlns:p14="http://schemas.microsoft.com/office/powerpoint/2010/main" val="2196298696"/>
-      </p:ext>
-    </p:extLst>
-  </p:cSld>
-  <p:clrMapOvr>
-    <a:masterClrMapping/>
-  </p:clrMapOvr>
-</p:sld>
-</file>
-
-<file path=ppt/slides/slide30.xml><?xml version="1.0" encoding="utf-8"?>
+<file path=ppt/slides/slide29.xml><?xml version="1.0" encoding="utf-8"?>
 <p:sld xmlns:a="http://schemas.openxmlformats.org/drawingml/2006/main" xmlns:r="http://schemas.openxmlformats.org/officeDocument/2006/relationships" xmlns:p="http://schemas.openxmlformats.org/presentationml/2006/main">
   <p:cSld>
     <p:spTree>
@@ -7897,6 +8402,241 @@
 </p:sld>
 </file>
 
+<file path=ppt/slides/slide3.xml><?xml version="1.0" encoding="utf-8"?>
+<p:sld xmlns:a="http://schemas.openxmlformats.org/drawingml/2006/main" xmlns:r="http://schemas.openxmlformats.org/officeDocument/2006/relationships" xmlns:p="http://schemas.openxmlformats.org/presentationml/2006/main">
+  <p:cSld>
+    <p:spTree>
+      <p:nvGrpSpPr>
+        <p:cNvPr id="1" name=""/>
+        <p:cNvGrpSpPr/>
+        <p:nvPr/>
+      </p:nvGrpSpPr>
+      <p:grpSpPr>
+        <a:xfrm>
+          <a:off x="0" y="0"/>
+          <a:ext cx="0" cy="0"/>
+          <a:chOff x="0" y="0"/>
+          <a:chExt cx="0" cy="0"/>
+        </a:xfrm>
+      </p:grpSpPr>
+      <p:sp>
+        <p:nvSpPr>
+          <p:cNvPr id="3" name="Title 2"/>
+          <p:cNvSpPr>
+            <a:spLocks noGrp="1"/>
+          </p:cNvSpPr>
+          <p:nvPr>
+            <p:ph type="ctrTitle"/>
+          </p:nvPr>
+        </p:nvSpPr>
+        <p:spPr>
+          <a:solidFill>
+            <a:schemeClr val="tx1"/>
+          </a:solidFill>
+        </p:spPr>
+        <p:txBody>
+          <a:bodyPr/>
+          <a:lstStyle/>
+          <a:p>
+            <a:r>
+              <a:rPr lang="en-US" dirty="0" smtClean="0">
+                <a:solidFill>
+                  <a:srgbClr val="FFFFFF"/>
+                </a:solidFill>
+              </a:rPr>
+              <a:t>Admin</a:t>
+            </a:r>
+            <a:endParaRPr lang="en-US" dirty="0">
+              <a:solidFill>
+                <a:srgbClr val="FFFFFF"/>
+              </a:solidFill>
+            </a:endParaRPr>
+          </a:p>
+        </p:txBody>
+      </p:sp>
+      <p:sp>
+        <p:nvSpPr>
+          <p:cNvPr id="4" name="Subtitle 3"/>
+          <p:cNvSpPr>
+            <a:spLocks noGrp="1"/>
+          </p:cNvSpPr>
+          <p:nvPr>
+            <p:ph type="subTitle" idx="1"/>
+          </p:nvPr>
+        </p:nvSpPr>
+        <p:spPr/>
+        <p:txBody>
+          <a:bodyPr/>
+          <a:lstStyle/>
+          <a:p>
+            <a:endParaRPr lang="en-US"/>
+          </a:p>
+        </p:txBody>
+      </p:sp>
+    </p:spTree>
+    <p:extLst>
+      <p:ext uri="{BB962C8B-B14F-4D97-AF65-F5344CB8AC3E}">
+        <p14:creationId xmlns:p14="http://schemas.microsoft.com/office/powerpoint/2010/main" val="2196298696"/>
+      </p:ext>
+    </p:extLst>
+  </p:cSld>
+  <p:clrMapOvr>
+    <a:masterClrMapping/>
+  </p:clrMapOvr>
+</p:sld>
+</file>
+
+<file path=ppt/slides/slide30.xml><?xml version="1.0" encoding="utf-8"?>
+<p:sld xmlns:a="http://schemas.openxmlformats.org/drawingml/2006/main" xmlns:r="http://schemas.openxmlformats.org/officeDocument/2006/relationships" xmlns:p="http://schemas.openxmlformats.org/presentationml/2006/main">
+  <p:cSld>
+    <p:spTree>
+      <p:nvGrpSpPr>
+        <p:cNvPr id="1" name=""/>
+        <p:cNvGrpSpPr/>
+        <p:nvPr/>
+      </p:nvGrpSpPr>
+      <p:grpSpPr>
+        <a:xfrm>
+          <a:off x="0" y="0"/>
+          <a:ext cx="0" cy="0"/>
+          <a:chOff x="0" y="0"/>
+          <a:chExt cx="0" cy="0"/>
+        </a:xfrm>
+      </p:grpSpPr>
+      <p:sp>
+        <p:nvSpPr>
+          <p:cNvPr id="2" name="Title 1"/>
+          <p:cNvSpPr>
+            <a:spLocks noGrp="1"/>
+          </p:cNvSpPr>
+          <p:nvPr>
+            <p:ph type="title"/>
+          </p:nvPr>
+        </p:nvSpPr>
+        <p:spPr/>
+        <p:txBody>
+          <a:bodyPr/>
+          <a:lstStyle/>
+          <a:p>
+            <a:r>
+              <a:rPr lang="en-US" dirty="0" smtClean="0"/>
+              <a:t>Things to keep in mind</a:t>
+            </a:r>
+            <a:endParaRPr lang="en-US" dirty="0"/>
+          </a:p>
+        </p:txBody>
+      </p:sp>
+      <p:sp>
+        <p:nvSpPr>
+          <p:cNvPr id="3" name="Content Placeholder 2"/>
+          <p:cNvSpPr>
+            <a:spLocks noGrp="1"/>
+          </p:cNvSpPr>
+          <p:nvPr>
+            <p:ph idx="1"/>
+          </p:nvPr>
+        </p:nvSpPr>
+        <p:spPr/>
+        <p:txBody>
+          <a:bodyPr>
+            <a:normAutofit fontScale="70000" lnSpcReduction="20000"/>
+          </a:bodyPr>
+          <a:lstStyle/>
+          <a:p>
+            <a:r>
+              <a:rPr lang="en-US" dirty="0" smtClean="0"/>
+              <a:t>Operating System compatibility</a:t>
+            </a:r>
+          </a:p>
+          <a:p>
+            <a:pPr lvl="1"/>
+            <a:r>
+              <a:rPr lang="en-US" dirty="0" smtClean="0"/>
+              <a:t>Who are your users?</a:t>
+            </a:r>
+          </a:p>
+          <a:p>
+            <a:pPr lvl="1"/>
+            <a:r>
+              <a:rPr lang="en-US" dirty="0" smtClean="0"/>
+              <a:t>What OS do they mainly use?</a:t>
+            </a:r>
+          </a:p>
+          <a:p>
+            <a:r>
+              <a:rPr lang="en-US" dirty="0" smtClean="0"/>
+              <a:t>Beta Testing</a:t>
+            </a:r>
+          </a:p>
+          <a:p>
+            <a:pPr lvl="1"/>
+            <a:r>
+              <a:rPr lang="en-US" dirty="0" smtClean="0"/>
+              <a:t>People in your department, who haven’t used it yet</a:t>
+            </a:r>
+          </a:p>
+          <a:p>
+            <a:pPr lvl="1"/>
+            <a:r>
+              <a:rPr lang="en-US" dirty="0" smtClean="0"/>
+              <a:t>People with only a basic knowledge of computer science  </a:t>
+            </a:r>
+          </a:p>
+          <a:p>
+            <a:r>
+              <a:rPr lang="en-US" dirty="0" smtClean="0"/>
+              <a:t>Documentation</a:t>
+            </a:r>
+          </a:p>
+          <a:p>
+            <a:pPr lvl="1"/>
+            <a:r>
+              <a:rPr lang="en-US" dirty="0" smtClean="0"/>
+              <a:t>Write good documentation if you want other people to use your program</a:t>
+            </a:r>
+          </a:p>
+          <a:p>
+            <a:pPr lvl="1"/>
+            <a:r>
+              <a:rPr lang="en-US" dirty="0" smtClean="0"/>
+              <a:t>If its hard for them to understand what your code does, it would be easier for them to write it themselves </a:t>
+            </a:r>
+          </a:p>
+          <a:p>
+            <a:r>
+              <a:rPr lang="en-US" dirty="0" smtClean="0"/>
+              <a:t>Versions of software dependencies</a:t>
+            </a:r>
+          </a:p>
+          <a:p>
+            <a:pPr lvl="1"/>
+            <a:r>
+              <a:rPr lang="en-US" dirty="0" smtClean="0"/>
+              <a:t>What works on a higher version may be broken on a previous version</a:t>
+            </a:r>
+          </a:p>
+          <a:p>
+            <a:pPr lvl="1"/>
+            <a:r>
+              <a:rPr lang="en-US" dirty="0" smtClean="0"/>
+              <a:t>Features in a lower version may be deprecated in a higher version</a:t>
+            </a:r>
+          </a:p>
+        </p:txBody>
+      </p:sp>
+    </p:spTree>
+    <p:extLst>
+      <p:ext uri="{BB962C8B-B14F-4D97-AF65-F5344CB8AC3E}">
+        <p14:creationId xmlns:p14="http://schemas.microsoft.com/office/powerpoint/2010/main" val="1657130435"/>
+      </p:ext>
+    </p:extLst>
+  </p:cSld>
+  <p:clrMapOvr>
+    <a:masterClrMapping/>
+  </p:clrMapOvr>
+</p:sld>
+</file>
+
 <file path=ppt/slides/slide31.xml><?xml version="1.0" encoding="utf-8"?>
 <p:sld xmlns:a="http://schemas.openxmlformats.org/drawingml/2006/main" xmlns:r="http://schemas.openxmlformats.org/officeDocument/2006/relationships" xmlns:p="http://schemas.openxmlformats.org/presentationml/2006/main">
   <p:cSld>
@@ -7931,7 +8671,7 @@
           <a:p>
             <a:r>
               <a:rPr lang="en-US" dirty="0" smtClean="0"/>
-              <a:t>Things to keep in mind</a:t>
+              <a:t>What is unit testing?</a:t>
             </a:r>
             <a:endParaRPr lang="en-US" dirty="0"/>
           </a:p>
@@ -7950,97 +8690,58 @@
         <p:spPr/>
         <p:txBody>
           <a:bodyPr>
-            <a:normAutofit fontScale="70000" lnSpcReduction="20000"/>
+            <a:normAutofit lnSpcReduction="10000"/>
           </a:bodyPr>
           <a:lstStyle/>
           <a:p>
             <a:r>
-              <a:rPr lang="en-US" dirty="0" smtClean="0"/>
-              <a:t>Operating System compatibility</a:t>
+              <a:rPr lang="en-US" dirty="0"/>
+              <a:t>T</a:t>
+            </a:r>
+            <a:r>
+              <a:rPr lang="en-US" dirty="0" smtClean="0"/>
+              <a:t>est cases for a program you wrote to check that it works as expected</a:t>
+            </a:r>
+          </a:p>
+          <a:p>
+            <a:r>
+              <a:rPr lang="en-US" dirty="0" smtClean="0"/>
+              <a:t>Needed since sometimes while working on something else/fixing it, you break another feature</a:t>
+            </a:r>
+          </a:p>
+          <a:p>
+            <a:r>
+              <a:rPr lang="en-US" dirty="0" smtClean="0"/>
+              <a:t>Test MVC</a:t>
             </a:r>
           </a:p>
           <a:p>
             <a:pPr lvl="1"/>
             <a:r>
               <a:rPr lang="en-US" dirty="0" smtClean="0"/>
-              <a:t>Who are your users?</a:t>
+              <a:t>Model</a:t>
             </a:r>
           </a:p>
           <a:p>
             <a:pPr lvl="1"/>
             <a:r>
               <a:rPr lang="en-US" dirty="0" smtClean="0"/>
-              <a:t>What OS do they mainly use?</a:t>
-            </a:r>
-          </a:p>
-          <a:p>
-            <a:r>
-              <a:rPr lang="en-US" dirty="0" smtClean="0"/>
-              <a:t>Beta Testing</a:t>
+              <a:t>View</a:t>
             </a:r>
           </a:p>
           <a:p>
             <a:pPr lvl="1"/>
             <a:r>
               <a:rPr lang="en-US" dirty="0" smtClean="0"/>
-              <a:t>People in your department, who haven’t used it yet</a:t>
-            </a:r>
-          </a:p>
-          <a:p>
-            <a:pPr lvl="1"/>
-            <a:r>
-              <a:rPr lang="en-US" dirty="0" smtClean="0"/>
-              <a:t>People with only a basic knowledge of computer science  </a:t>
-            </a:r>
-          </a:p>
-          <a:p>
-            <a:r>
-              <a:rPr lang="en-US" dirty="0" smtClean="0"/>
-              <a:t>Documentation</a:t>
-            </a:r>
-          </a:p>
-          <a:p>
-            <a:pPr lvl="1"/>
-            <a:r>
-              <a:rPr lang="en-US" dirty="0" smtClean="0"/>
-              <a:t>Write good documentation if you want other people to use your program</a:t>
-            </a:r>
-          </a:p>
-          <a:p>
-            <a:pPr lvl="1"/>
-            <a:r>
-              <a:rPr lang="en-US" dirty="0" smtClean="0"/>
-              <a:t>If its hard for them to understand what your code does, it would be easier for them to write it themselves </a:t>
-            </a:r>
-            <a:endParaRPr lang="en-US" dirty="0" smtClean="0"/>
-          </a:p>
-          <a:p>
-            <a:r>
-              <a:rPr lang="en-US" dirty="0" smtClean="0"/>
-              <a:t>Versions of software dependencies</a:t>
-            </a:r>
-          </a:p>
-          <a:p>
-            <a:pPr lvl="1"/>
-            <a:r>
-              <a:rPr lang="en-US" dirty="0" smtClean="0"/>
-              <a:t>What works on a higher version may be broken on a previous version</a:t>
-            </a:r>
-          </a:p>
-          <a:p>
-            <a:pPr lvl="1"/>
-            <a:r>
-              <a:rPr lang="en-US" dirty="0" smtClean="0"/>
-              <a:t>Features in a lower version may be deprecated in a higher version</a:t>
-            </a:r>
-            <a:endParaRPr lang="en-US" dirty="0" smtClean="0"/>
+              <a:t>Controller </a:t>
+            </a:r>
           </a:p>
         </p:txBody>
       </p:sp>
     </p:spTree>
     <p:extLst>
       <p:ext uri="{BB962C8B-B14F-4D97-AF65-F5344CB8AC3E}">
-        <p14:creationId xmlns:p14="http://schemas.microsoft.com/office/powerpoint/2010/main" val="1657130435"/>
+        <p14:creationId xmlns:p14="http://schemas.microsoft.com/office/powerpoint/2010/main" val="1700080837"/>
       </p:ext>
     </p:extLst>
   </p:cSld>
@@ -8084,7 +8785,7 @@
           <a:p>
             <a:r>
               <a:rPr lang="en-US" dirty="0" smtClean="0"/>
-              <a:t>What is unit testing?</a:t>
+              <a:t>Why Unit Testing</a:t>
             </a:r>
             <a:endParaRPr lang="en-US" dirty="0"/>
           </a:p>
@@ -8102,59 +8803,60 @@
         </p:nvSpPr>
         <p:spPr/>
         <p:txBody>
-          <a:bodyPr>
-            <a:normAutofit lnSpcReduction="10000"/>
-          </a:bodyPr>
+          <a:bodyPr/>
           <a:lstStyle/>
           <a:p>
             <a:r>
               <a:rPr lang="en-US" dirty="0"/>
-              <a:t>T</a:t>
-            </a:r>
-            <a:r>
-              <a:rPr lang="en-US" dirty="0" smtClean="0"/>
-              <a:t>est cases for a program you wrote to check that it works as expected</a:t>
-            </a:r>
-          </a:p>
-          <a:p>
-            <a:r>
-              <a:rPr lang="en-US" dirty="0" smtClean="0"/>
-              <a:t>Needed since sometimes while working on something else/fixing it, you break another feature</a:t>
-            </a:r>
-          </a:p>
-          <a:p>
-            <a:r>
-              <a:rPr lang="en-US" dirty="0" smtClean="0"/>
-              <a:t>Test MVC</a:t>
-            </a:r>
-          </a:p>
-          <a:p>
-            <a:pPr lvl="1"/>
-            <a:r>
-              <a:rPr lang="en-US" dirty="0" smtClean="0"/>
-              <a:t>Model</a:t>
-            </a:r>
-          </a:p>
-          <a:p>
-            <a:pPr lvl="1"/>
-            <a:r>
-              <a:rPr lang="en-US" dirty="0" smtClean="0"/>
-              <a:t>View</a:t>
-            </a:r>
-          </a:p>
-          <a:p>
-            <a:pPr lvl="1"/>
-            <a:r>
-              <a:rPr lang="en-US" dirty="0" smtClean="0"/>
-              <a:t>Controller </a:t>
-            </a:r>
+              <a:t>E</a:t>
+            </a:r>
+            <a:r>
+              <a:rPr lang="en-US" dirty="0" smtClean="0"/>
+              <a:t>nsure functionality of a program</a:t>
+            </a:r>
+          </a:p>
+          <a:p>
+            <a:r>
+              <a:rPr lang="en-US" dirty="0" smtClean="0"/>
+              <a:t>Important for software meant for a large user base/multiple collaborators</a:t>
+            </a:r>
+          </a:p>
+          <a:p>
+            <a:r>
+              <a:rPr lang="en-US" dirty="0" smtClean="0"/>
+              <a:t>Defend your research results</a:t>
+            </a:r>
+          </a:p>
+          <a:p>
+            <a:r>
+              <a:rPr lang="en-US" dirty="0"/>
+              <a:t>Can be used to defend your results </a:t>
+            </a:r>
+          </a:p>
+          <a:p>
+            <a:r>
+              <a:rPr lang="en-US" dirty="0"/>
+              <a:t>Finds problems early</a:t>
+            </a:r>
+          </a:p>
+          <a:p>
+            <a:r>
+              <a:rPr lang="en-US" dirty="0"/>
+              <a:t>Reduces uncertainty</a:t>
+            </a:r>
+          </a:p>
+          <a:p>
+            <a:endParaRPr lang="en-US" dirty="0" smtClean="0"/>
+          </a:p>
+          <a:p>
+            <a:endParaRPr lang="en-US" dirty="0"/>
           </a:p>
         </p:txBody>
       </p:sp>
     </p:spTree>
     <p:extLst>
       <p:ext uri="{BB962C8B-B14F-4D97-AF65-F5344CB8AC3E}">
-        <p14:creationId xmlns:p14="http://schemas.microsoft.com/office/powerpoint/2010/main" val="1700080837"/>
+        <p14:creationId xmlns:p14="http://schemas.microsoft.com/office/powerpoint/2010/main" val="3707379498"/>
       </p:ext>
     </p:extLst>
   </p:cSld>
@@ -8183,125 +8885,6 @@
       </p:grpSpPr>
       <p:sp>
         <p:nvSpPr>
-          <p:cNvPr id="2" name="Title 1"/>
-          <p:cNvSpPr>
-            <a:spLocks noGrp="1"/>
-          </p:cNvSpPr>
-          <p:nvPr>
-            <p:ph type="title"/>
-          </p:nvPr>
-        </p:nvSpPr>
-        <p:spPr/>
-        <p:txBody>
-          <a:bodyPr/>
-          <a:lstStyle/>
-          <a:p>
-            <a:r>
-              <a:rPr lang="en-US" dirty="0" smtClean="0"/>
-              <a:t>Why Unit Testing</a:t>
-            </a:r>
-            <a:endParaRPr lang="en-US" dirty="0"/>
-          </a:p>
-        </p:txBody>
-      </p:sp>
-      <p:sp>
-        <p:nvSpPr>
-          <p:cNvPr id="3" name="Content Placeholder 2"/>
-          <p:cNvSpPr>
-            <a:spLocks noGrp="1"/>
-          </p:cNvSpPr>
-          <p:nvPr>
-            <p:ph idx="1"/>
-          </p:nvPr>
-        </p:nvSpPr>
-        <p:spPr/>
-        <p:txBody>
-          <a:bodyPr/>
-          <a:lstStyle/>
-          <a:p>
-            <a:r>
-              <a:rPr lang="en-US" dirty="0"/>
-              <a:t>E</a:t>
-            </a:r>
-            <a:r>
-              <a:rPr lang="en-US" dirty="0" smtClean="0"/>
-              <a:t>nsure functionality of a program</a:t>
-            </a:r>
-          </a:p>
-          <a:p>
-            <a:r>
-              <a:rPr lang="en-US" dirty="0" smtClean="0"/>
-              <a:t>Important for software meant for a large user base/multiple collaborators</a:t>
-            </a:r>
-          </a:p>
-          <a:p>
-            <a:r>
-              <a:rPr lang="en-US" dirty="0" smtClean="0"/>
-              <a:t>Defend your research </a:t>
-            </a:r>
-            <a:r>
-              <a:rPr lang="en-US" dirty="0" smtClean="0"/>
-              <a:t>results</a:t>
-            </a:r>
-          </a:p>
-          <a:p>
-            <a:r>
-              <a:rPr lang="en-US" dirty="0"/>
-              <a:t>Can be used to defend your results </a:t>
-            </a:r>
-          </a:p>
-          <a:p>
-            <a:r>
-              <a:rPr lang="en-US" dirty="0"/>
-              <a:t>Finds problems early</a:t>
-            </a:r>
-          </a:p>
-          <a:p>
-            <a:r>
-              <a:rPr lang="en-US" dirty="0"/>
-              <a:t>Reduces uncertainty</a:t>
-            </a:r>
-          </a:p>
-          <a:p>
-            <a:endParaRPr lang="en-US" dirty="0" smtClean="0"/>
-          </a:p>
-          <a:p>
-            <a:endParaRPr lang="en-US" dirty="0"/>
-          </a:p>
-        </p:txBody>
-      </p:sp>
-    </p:spTree>
-    <p:extLst>
-      <p:ext uri="{BB962C8B-B14F-4D97-AF65-F5344CB8AC3E}">
-        <p14:creationId xmlns:p14="http://schemas.microsoft.com/office/powerpoint/2010/main" val="3707379498"/>
-      </p:ext>
-    </p:extLst>
-  </p:cSld>
-  <p:clrMapOvr>
-    <a:masterClrMapping/>
-  </p:clrMapOvr>
-</p:sld>
-</file>
-
-<file path=ppt/slides/slide34.xml><?xml version="1.0" encoding="utf-8"?>
-<p:sld xmlns:a="http://schemas.openxmlformats.org/drawingml/2006/main" xmlns:r="http://schemas.openxmlformats.org/officeDocument/2006/relationships" xmlns:p="http://schemas.openxmlformats.org/presentationml/2006/main">
-  <p:cSld>
-    <p:spTree>
-      <p:nvGrpSpPr>
-        <p:cNvPr id="1" name=""/>
-        <p:cNvGrpSpPr/>
-        <p:nvPr/>
-      </p:nvGrpSpPr>
-      <p:grpSpPr>
-        <a:xfrm>
-          <a:off x="0" y="0"/>
-          <a:ext cx="0" cy="0"/>
-          <a:chOff x="0" y="0"/>
-          <a:chExt cx="0" cy="0"/>
-        </a:xfrm>
-      </p:grpSpPr>
-      <p:sp>
-        <p:nvSpPr>
           <p:cNvPr id="4" name="Title 3"/>
           <p:cNvSpPr>
             <a:spLocks noGrp="1"/>
@@ -8367,7 +8950,7 @@
 </p:sld>
 </file>
 
-<file path=ppt/slides/slide35.xml><?xml version="1.0" encoding="utf-8"?>
+<file path=ppt/slides/slide34.xml><?xml version="1.0" encoding="utf-8"?>
 <p:sld xmlns:a="http://schemas.openxmlformats.org/drawingml/2006/main" xmlns:r="http://schemas.openxmlformats.org/officeDocument/2006/relationships" xmlns:p="http://schemas.openxmlformats.org/presentationml/2006/main">
   <p:cSld>
     <p:spTree>
@@ -8427,7 +9010,7 @@
 </p:sld>
 </file>
 
-<file path=ppt/slides/slide36.xml><?xml version="1.0" encoding="utf-8"?>
+<file path=ppt/slides/slide35.xml><?xml version="1.0" encoding="utf-8"?>
 <p:sld xmlns:a="http://schemas.openxmlformats.org/drawingml/2006/main" xmlns:r="http://schemas.openxmlformats.org/officeDocument/2006/relationships" xmlns:p="http://schemas.openxmlformats.org/presentationml/2006/main">
   <p:cSld>
     <p:spTree>
@@ -8607,13 +9190,13 @@
             <a:pPr lvl="1"/>
             <a:r>
               <a:rPr lang="de-DE" dirty="0">
-                <a:hlinkClick r:id="rId2"/>
+                <a:hlinkClick r:id="rId3"/>
               </a:rPr>
               <a:t>http://www.dwellers.com</a:t>
             </a:r>
             <a:r>
               <a:rPr lang="de-DE" dirty="0" smtClean="0">
-                <a:hlinkClick r:id="rId2"/>
+                <a:hlinkClick r:id="rId3"/>
               </a:rPr>
               <a:t>/</a:t>
             </a:r>
@@ -8623,13 +9206,13 @@
             <a:pPr lvl="1"/>
             <a:r>
               <a:rPr lang="en-US" dirty="0">
-                <a:hlinkClick r:id="rId3"/>
+                <a:hlinkClick r:id="rId4"/>
               </a:rPr>
               <a:t>http://mathcrunch.com</a:t>
             </a:r>
             <a:r>
               <a:rPr lang="en-US" dirty="0" smtClean="0">
-                <a:hlinkClick r:id="rId3"/>
+                <a:hlinkClick r:id="rId4"/>
               </a:rPr>
               <a:t>/</a:t>
             </a:r>
@@ -8873,6 +9456,135 @@
           <a:chExt cx="0" cy="0"/>
         </a:xfrm>
       </p:grpSpPr>
+      <p:sp>
+        <p:nvSpPr>
+          <p:cNvPr id="2" name="Title 1"/>
+          <p:cNvSpPr>
+            <a:spLocks noGrp="1"/>
+          </p:cNvSpPr>
+          <p:nvPr>
+            <p:ph type="title"/>
+          </p:nvPr>
+        </p:nvSpPr>
+        <p:spPr/>
+        <p:txBody>
+          <a:bodyPr/>
+          <a:lstStyle/>
+          <a:p>
+            <a:r>
+              <a:rPr lang="en-US" dirty="0" err="1" smtClean="0"/>
+              <a:t>Github</a:t>
+            </a:r>
+            <a:endParaRPr lang="en-US" dirty="0"/>
+          </a:p>
+        </p:txBody>
+      </p:sp>
+      <p:sp>
+        <p:nvSpPr>
+          <p:cNvPr id="3" name="Content Placeholder 2"/>
+          <p:cNvSpPr>
+            <a:spLocks noGrp="1"/>
+          </p:cNvSpPr>
+          <p:nvPr>
+            <p:ph sz="half" idx="1"/>
+          </p:nvPr>
+        </p:nvSpPr>
+        <p:spPr>
+          <a:xfrm>
+            <a:off x="457200" y="1243308"/>
+            <a:ext cx="4038600" cy="4525963"/>
+          </a:xfrm>
+        </p:spPr>
+        <p:txBody>
+          <a:bodyPr>
+            <a:normAutofit/>
+          </a:bodyPr>
+          <a:lstStyle/>
+          <a:p>
+            <a:pPr marL="0" indent="0">
+              <a:buNone/>
+            </a:pPr>
+            <a:r>
+              <a:rPr lang="en-US" dirty="0" smtClean="0"/>
+              <a:t>Good</a:t>
+            </a:r>
+          </a:p>
+          <a:p>
+            <a:r>
+              <a:rPr lang="en-US" dirty="0" smtClean="0"/>
+              <a:t>Useful for collaborators</a:t>
+            </a:r>
+          </a:p>
+          <a:p>
+            <a:r>
+              <a:rPr lang="en-US" dirty="0" smtClean="0"/>
+              <a:t>Showcase non-confidential work online</a:t>
+            </a:r>
+          </a:p>
+          <a:p>
+            <a:r>
+              <a:rPr lang="en-US" dirty="0" smtClean="0"/>
+              <a:t>Get it online, anywhere  </a:t>
+            </a:r>
+          </a:p>
+          <a:p>
+            <a:endParaRPr lang="en-US" dirty="0"/>
+          </a:p>
+        </p:txBody>
+      </p:sp>
+      <p:sp>
+        <p:nvSpPr>
+          <p:cNvPr id="4" name="Content Placeholder 3"/>
+          <p:cNvSpPr>
+            <a:spLocks noGrp="1"/>
+          </p:cNvSpPr>
+          <p:nvPr>
+            <p:ph sz="half" idx="2"/>
+          </p:nvPr>
+        </p:nvSpPr>
+        <p:spPr>
+          <a:xfrm>
+            <a:off x="4648200" y="1417638"/>
+            <a:ext cx="4038600" cy="4525963"/>
+          </a:xfrm>
+        </p:spPr>
+        <p:txBody>
+          <a:bodyPr>
+            <a:normAutofit/>
+          </a:bodyPr>
+          <a:lstStyle/>
+          <a:p>
+            <a:pPr marL="0" indent="0">
+              <a:buNone/>
+            </a:pPr>
+            <a:r>
+              <a:rPr lang="en-US" dirty="0" smtClean="0"/>
+              <a:t>Bad</a:t>
+            </a:r>
+          </a:p>
+          <a:p>
+            <a:r>
+              <a:rPr lang="en-US" dirty="0" smtClean="0"/>
+              <a:t>Limited allowance for privacy – free private account with .</a:t>
+            </a:r>
+            <a:r>
+              <a:rPr lang="en-US" dirty="0" err="1" smtClean="0"/>
+              <a:t>edu</a:t>
+            </a:r>
+            <a:r>
+              <a:rPr lang="en-US" dirty="0" smtClean="0"/>
+              <a:t> email for two years </a:t>
+            </a:r>
+          </a:p>
+          <a:p>
+            <a:r>
+              <a:rPr lang="en-US" dirty="0" smtClean="0"/>
+              <a:t>Steep learning curve</a:t>
+            </a:r>
+            <a:endParaRPr lang="en-US" dirty="0"/>
+          </a:p>
+        </p:txBody>
+      </p:sp>
       <p:pic>
         <p:nvPicPr>
           <p:cNvPr id="5" name="Picture 4" descr="Octocat.png"/>
@@ -8882,7 +9594,7 @@
           <p:nvPr/>
         </p:nvPicPr>
         <p:blipFill>
-          <a:blip r:embed="rId2">
+          <a:blip r:embed="rId3">
             <a:extLst>
               <a:ext uri="{28A0092B-C50C-407E-A947-70E740481C1C}">
                 <a14:useLocalDpi xmlns:a14="http://schemas.microsoft.com/office/drawing/2010/main" val="0"/>
@@ -8895,8 +9607,8 @@
         </p:blipFill>
         <p:spPr>
           <a:xfrm>
-            <a:off x="444500" y="0"/>
-            <a:ext cx="8250226" cy="6858000"/>
+            <a:off x="805780" y="3909961"/>
+            <a:ext cx="3325557" cy="2764369"/>
           </a:xfrm>
           <a:prstGeom prst="rect">
             <a:avLst/>
@@ -8906,7 +9618,7 @@
     </p:spTree>
     <p:extLst>
       <p:ext uri="{BB962C8B-B14F-4D97-AF65-F5344CB8AC3E}">
-        <p14:creationId xmlns:p14="http://schemas.microsoft.com/office/powerpoint/2010/main" val="3160605387"/>
+        <p14:creationId xmlns:p14="http://schemas.microsoft.com/office/powerpoint/2010/main" val="1969338732"/>
       </p:ext>
     </p:extLst>
   </p:cSld>
@@ -8949,104 +9661,143 @@
           <a:lstStyle/>
           <a:p>
             <a:r>
+              <a:rPr lang="en-US" dirty="0" smtClean="0"/>
+              <a:t>Demo </a:t>
+            </a:r>
+            <a:endParaRPr lang="en-US" dirty="0"/>
+          </a:p>
+        </p:txBody>
+      </p:sp>
+      <p:sp>
+        <p:nvSpPr>
+          <p:cNvPr id="3" name="Content Placeholder 2"/>
+          <p:cNvSpPr>
+            <a:spLocks noGrp="1"/>
+          </p:cNvSpPr>
+          <p:nvPr>
+            <p:ph idx="1"/>
+          </p:nvPr>
+        </p:nvSpPr>
+        <p:spPr/>
+        <p:txBody>
+          <a:bodyPr>
+            <a:normAutofit lnSpcReduction="10000"/>
+          </a:bodyPr>
+          <a:lstStyle/>
+          <a:p>
+            <a:r>
+              <a:rPr lang="en-US" dirty="0" smtClean="0"/>
+              <a:t>Downloading and installing </a:t>
+            </a:r>
+            <a:r>
               <a:rPr lang="en-US" dirty="0" err="1" smtClean="0"/>
+              <a:t>Git</a:t>
+            </a:r>
+            <a:r>
+              <a:rPr lang="en-US" dirty="0" smtClean="0"/>
+              <a:t> </a:t>
+            </a:r>
+          </a:p>
+          <a:p>
+            <a:r>
+              <a:rPr lang="en-US" dirty="0" smtClean="0"/>
+              <a:t>Creating a repository </a:t>
+            </a:r>
+          </a:p>
+          <a:p>
+            <a:r>
+              <a:rPr lang="en-US" dirty="0" smtClean="0"/>
+              <a:t>Cloning a repository</a:t>
+            </a:r>
+          </a:p>
+          <a:p>
+            <a:r>
+              <a:rPr lang="en-US" dirty="0" smtClean="0"/>
+              <a:t>Making commits </a:t>
+            </a:r>
+          </a:p>
+          <a:p>
+            <a:r>
+              <a:rPr lang="en-US" dirty="0" smtClean="0"/>
+              <a:t>Reverting a commit </a:t>
+            </a:r>
+          </a:p>
+          <a:p>
+            <a:r>
+              <a:rPr lang="en-US" dirty="0" smtClean="0"/>
+              <a:t>Making and pushing a branch</a:t>
+            </a:r>
+          </a:p>
+          <a:p>
+            <a:r>
+              <a:rPr lang="en-US" dirty="0" smtClean="0"/>
+              <a:t>Merging a branch with master </a:t>
+            </a:r>
+          </a:p>
+          <a:p>
+            <a:r>
+              <a:rPr lang="en-US" dirty="0" smtClean="0"/>
+              <a:t>Dealing with merge conflicts </a:t>
+            </a:r>
+          </a:p>
+          <a:p>
+            <a:endParaRPr lang="en-US" dirty="0"/>
+          </a:p>
+        </p:txBody>
+      </p:sp>
+      <p:sp>
+        <p:nvSpPr>
+          <p:cNvPr id="4" name="TextBox 3"/>
+          <p:cNvSpPr txBox="1"/>
+          <p:nvPr/>
+        </p:nvSpPr>
+        <p:spPr>
+          <a:xfrm>
+            <a:off x="259269" y="6340699"/>
+            <a:ext cx="7377569" cy="369332"/>
+          </a:xfrm>
+          <a:prstGeom prst="rect">
+            <a:avLst/>
+          </a:prstGeom>
+          <a:noFill/>
+        </p:spPr>
+        <p:txBody>
+          <a:bodyPr wrap="square" rtlCol="0">
+            <a:spAutoFit/>
+          </a:bodyPr>
+          <a:lstStyle/>
+          <a:p>
+            <a:r>
+              <a:rPr lang="en-US" dirty="0"/>
+              <a:t>https://</a:t>
+            </a:r>
+            <a:r>
+              <a:rPr lang="en-US" dirty="0" err="1"/>
+              <a:t>github.com</a:t>
+            </a:r>
+            <a:r>
+              <a:rPr lang="en-US" dirty="0"/>
+              <a:t>/</a:t>
+            </a:r>
+            <a:r>
+              <a:rPr lang="en-US" dirty="0" err="1"/>
+              <a:t>pysmo</a:t>
+            </a:r>
+            <a:r>
+              <a:rPr lang="en-US" dirty="0"/>
+              <a:t>/</a:t>
+            </a:r>
+            <a:r>
+              <a:rPr lang="en-US" dirty="0" err="1"/>
+              <a:t>aimbat</a:t>
+            </a:r>
+            <a:r>
+              <a:rPr lang="en-US" dirty="0"/>
+              <a:t>-docs/wiki/Introduction-to-</a:t>
+            </a:r>
+            <a:r>
+              <a:rPr lang="en-US" dirty="0" err="1"/>
               <a:t>Github</a:t>
-            </a:r>
-            <a:endParaRPr lang="en-US" dirty="0"/>
-          </a:p>
-        </p:txBody>
-      </p:sp>
-      <p:sp>
-        <p:nvSpPr>
-          <p:cNvPr id="3" name="Content Placeholder 2"/>
-          <p:cNvSpPr>
-            <a:spLocks noGrp="1"/>
-          </p:cNvSpPr>
-          <p:nvPr>
-            <p:ph sz="half" idx="1"/>
-          </p:nvPr>
-        </p:nvSpPr>
-        <p:spPr/>
-        <p:txBody>
-          <a:bodyPr>
-            <a:normAutofit/>
-          </a:bodyPr>
-          <a:lstStyle/>
-          <a:p>
-            <a:pPr marL="0" indent="0">
-              <a:buNone/>
-            </a:pPr>
-            <a:r>
-              <a:rPr lang="en-US" dirty="0" smtClean="0"/>
-              <a:t>Good</a:t>
-            </a:r>
-          </a:p>
-          <a:p>
-            <a:r>
-              <a:rPr lang="en-US" dirty="0" smtClean="0"/>
-              <a:t>Useful for collaborators</a:t>
-            </a:r>
-          </a:p>
-          <a:p>
-            <a:r>
-              <a:rPr lang="en-US" dirty="0" smtClean="0"/>
-              <a:t>Showcase non-confidential work online</a:t>
-            </a:r>
-          </a:p>
-          <a:p>
-            <a:r>
-              <a:rPr lang="en-US" dirty="0" smtClean="0"/>
-              <a:t>Get it online, anywhere  </a:t>
-            </a:r>
-          </a:p>
-          <a:p>
-            <a:endParaRPr lang="en-US" dirty="0"/>
-          </a:p>
-        </p:txBody>
-      </p:sp>
-      <p:sp>
-        <p:nvSpPr>
-          <p:cNvPr id="4" name="Content Placeholder 3"/>
-          <p:cNvSpPr>
-            <a:spLocks noGrp="1"/>
-          </p:cNvSpPr>
-          <p:nvPr>
-            <p:ph sz="half" idx="2"/>
-          </p:nvPr>
-        </p:nvSpPr>
-        <p:spPr/>
-        <p:txBody>
-          <a:bodyPr>
-            <a:normAutofit/>
-          </a:bodyPr>
-          <a:lstStyle/>
-          <a:p>
-            <a:pPr marL="0" indent="0">
-              <a:buNone/>
-            </a:pPr>
-            <a:r>
-              <a:rPr lang="en-US" dirty="0" smtClean="0"/>
-              <a:t>Bad</a:t>
-            </a:r>
-          </a:p>
-          <a:p>
-            <a:r>
-              <a:rPr lang="en-US" dirty="0" smtClean="0"/>
-              <a:t>Limited allowance for privacy – free private account with .</a:t>
-            </a:r>
-            <a:r>
-              <a:rPr lang="en-US" dirty="0" err="1" smtClean="0"/>
-              <a:t>edu</a:t>
-            </a:r>
-            <a:r>
-              <a:rPr lang="en-US" dirty="0" smtClean="0"/>
-              <a:t> email for two years </a:t>
-            </a:r>
-          </a:p>
-          <a:p>
-            <a:r>
-              <a:rPr lang="en-US" dirty="0" smtClean="0"/>
-              <a:t>Steep learning curve</a:t>
             </a:r>
             <a:endParaRPr lang="en-US" dirty="0"/>
           </a:p>
@@ -9055,7 +9806,7 @@
     </p:spTree>
     <p:extLst>
       <p:ext uri="{BB962C8B-B14F-4D97-AF65-F5344CB8AC3E}">
-        <p14:creationId xmlns:p14="http://schemas.microsoft.com/office/powerpoint/2010/main" val="1969338732"/>
+        <p14:creationId xmlns:p14="http://schemas.microsoft.com/office/powerpoint/2010/main" val="1715454273"/>
       </p:ext>
     </p:extLst>
   </p:cSld>
@@ -9084,166 +9835,62 @@
       </p:grpSpPr>
       <p:sp>
         <p:nvSpPr>
-          <p:cNvPr id="2" name="Title 1"/>
-          <p:cNvSpPr>
-            <a:spLocks noGrp="1"/>
-          </p:cNvSpPr>
-          <p:nvPr>
-            <p:ph type="title"/>
-          </p:nvPr>
-        </p:nvSpPr>
-        <p:spPr/>
-        <p:txBody>
-          <a:bodyPr/>
-          <a:lstStyle/>
-          <a:p>
-            <a:r>
-              <a:rPr lang="en-US" dirty="0" smtClean="0"/>
-              <a:t>Demo </a:t>
-            </a:r>
-            <a:endParaRPr lang="en-US" dirty="0"/>
-          </a:p>
-        </p:txBody>
-      </p:sp>
-      <p:sp>
-        <p:nvSpPr>
-          <p:cNvPr id="3" name="Content Placeholder 2"/>
-          <p:cNvSpPr>
-            <a:spLocks noGrp="1"/>
-          </p:cNvSpPr>
-          <p:nvPr>
-            <p:ph idx="1"/>
-          </p:nvPr>
-        </p:nvSpPr>
-        <p:spPr/>
-        <p:txBody>
-          <a:bodyPr>
-            <a:normAutofit lnSpcReduction="10000"/>
-          </a:bodyPr>
-          <a:lstStyle/>
-          <a:p>
-            <a:r>
-              <a:rPr lang="en-US" dirty="0" smtClean="0"/>
-              <a:t>Downloading and installing </a:t>
-            </a:r>
-            <a:r>
-              <a:rPr lang="en-US" dirty="0" err="1" smtClean="0"/>
-              <a:t>Git</a:t>
-            </a:r>
-            <a:r>
-              <a:rPr lang="en-US" dirty="0" smtClean="0"/>
-              <a:t> </a:t>
-            </a:r>
-          </a:p>
-          <a:p>
-            <a:r>
-              <a:rPr lang="en-US" dirty="0" smtClean="0"/>
-              <a:t>Creating a repository </a:t>
-            </a:r>
-          </a:p>
-          <a:p>
-            <a:r>
-              <a:rPr lang="en-US" dirty="0" smtClean="0"/>
-              <a:t>Cloning a repository</a:t>
-            </a:r>
-          </a:p>
-          <a:p>
-            <a:r>
-              <a:rPr lang="en-US" dirty="0" smtClean="0"/>
-              <a:t>Making commits </a:t>
-            </a:r>
-          </a:p>
-          <a:p>
-            <a:r>
-              <a:rPr lang="en-US" dirty="0" smtClean="0"/>
-              <a:t>Reverting a commit </a:t>
-            </a:r>
-          </a:p>
-          <a:p>
-            <a:r>
-              <a:rPr lang="en-US" dirty="0" smtClean="0"/>
-              <a:t>Making and pushing a branch</a:t>
-            </a:r>
-          </a:p>
-          <a:p>
-            <a:r>
-              <a:rPr lang="en-US" dirty="0" smtClean="0"/>
-              <a:t>Merging a branch with master </a:t>
-            </a:r>
-          </a:p>
-          <a:p>
-            <a:r>
-              <a:rPr lang="en-US" dirty="0" smtClean="0"/>
-              <a:t>Dealing with merge conflicts </a:t>
-            </a:r>
-          </a:p>
-          <a:p>
-            <a:endParaRPr lang="en-US" dirty="0"/>
-          </a:p>
-        </p:txBody>
-      </p:sp>
-      <p:sp>
-        <p:nvSpPr>
-          <p:cNvPr id="4" name="TextBox 3"/>
-          <p:cNvSpPr txBox="1"/>
-          <p:nvPr/>
+          <p:cNvPr id="3" name="Title 2"/>
+          <p:cNvSpPr>
+            <a:spLocks noGrp="1"/>
+          </p:cNvSpPr>
+          <p:nvPr>
+            <p:ph type="ctrTitle"/>
+          </p:nvPr>
         </p:nvSpPr>
         <p:spPr>
-          <a:xfrm>
-            <a:off x="259269" y="6340699"/>
-            <a:ext cx="7377569" cy="369332"/>
-          </a:xfrm>
-          <a:prstGeom prst="rect">
-            <a:avLst/>
-          </a:prstGeom>
-          <a:noFill/>
+          <a:solidFill>
+            <a:schemeClr val="tx1"/>
+          </a:solidFill>
         </p:spPr>
         <p:txBody>
-          <a:bodyPr wrap="square" rtlCol="0">
-            <a:spAutoFit/>
-          </a:bodyPr>
-          <a:lstStyle/>
-          <a:p>
-            <a:r>
-              <a:rPr lang="en-US" dirty="0"/>
-              <a:t>https://</a:t>
-            </a:r>
-            <a:r>
-              <a:rPr lang="en-US" dirty="0" err="1"/>
-              <a:t>github.com</a:t>
-            </a:r>
-            <a:r>
-              <a:rPr lang="en-US" dirty="0"/>
-              <a:t>/</a:t>
-            </a:r>
-            <a:r>
-              <a:rPr lang="en-US" dirty="0" err="1"/>
-              <a:t>pysmo</a:t>
-            </a:r>
-            <a:r>
-              <a:rPr lang="en-US" dirty="0"/>
-              <a:t>/</a:t>
-            </a:r>
-            <a:r>
-              <a:rPr lang="en-US" dirty="0" err="1"/>
-              <a:t>aimbat</a:t>
-            </a:r>
-            <a:r>
-              <a:rPr lang="en-US" dirty="0"/>
-              <a:t>-docs/wiki/Introduction-to-</a:t>
-            </a:r>
-            <a:r>
-              <a:rPr lang="en-US" dirty="0" err="1"/>
-              <a:t>Github</a:t>
-            </a:r>
-            <a:endParaRPr lang="en-US" dirty="0"/>
+          <a:bodyPr/>
+          <a:lstStyle/>
+          <a:p>
+            <a:r>
+              <a:rPr lang="en-US" dirty="0" smtClean="0">
+                <a:solidFill>
+                  <a:srgbClr val="FFFFFF"/>
+                </a:solidFill>
+              </a:rPr>
+              <a:t>Coding Practices</a:t>
+            </a:r>
+            <a:endParaRPr lang="en-US" dirty="0">
+              <a:solidFill>
+                <a:srgbClr val="FFFFFF"/>
+              </a:solidFill>
+            </a:endParaRPr>
+          </a:p>
+        </p:txBody>
+      </p:sp>
+      <p:sp>
+        <p:nvSpPr>
+          <p:cNvPr id="4" name="Subtitle 3"/>
+          <p:cNvSpPr>
+            <a:spLocks noGrp="1"/>
+          </p:cNvSpPr>
+          <p:nvPr>
+            <p:ph type="subTitle" idx="1"/>
+          </p:nvPr>
+        </p:nvSpPr>
+        <p:spPr/>
+        <p:txBody>
+          <a:bodyPr/>
+          <a:lstStyle/>
+          <a:p>
+            <a:endParaRPr lang="en-US"/>
           </a:p>
         </p:txBody>
       </p:sp>
     </p:spTree>
     <p:extLst>
       <p:ext uri="{BB962C8B-B14F-4D97-AF65-F5344CB8AC3E}">
-        <p14:creationId xmlns:p14="http://schemas.microsoft.com/office/powerpoint/2010/main" val="1715454273"/>
+        <p14:creationId xmlns:p14="http://schemas.microsoft.com/office/powerpoint/2010/main" val="2196298696"/>
       </p:ext>
     </p:extLst>
   </p:cSld>

--- a/BasicsOfCoding/BasicsOfCoding.pptx
+++ b/BasicsOfCoding/BasicsOfCoding.pptx
@@ -5,7 +5,7 @@
     <p:sldMasterId id="2147483648" r:id="rId1"/>
   </p:sldMasterIdLst>
   <p:notesMasterIdLst>
-    <p:notesMasterId r:id="rId37"/>
+    <p:notesMasterId r:id="rId36"/>
   </p:notesMasterIdLst>
   <p:sldIdLst>
     <p:sldId id="256" r:id="rId2"/>
@@ -28,21 +28,20 @@
     <p:sldId id="283" r:id="rId19"/>
     <p:sldId id="284" r:id="rId20"/>
     <p:sldId id="288" r:id="rId21"/>
-    <p:sldId id="289" r:id="rId22"/>
-    <p:sldId id="299" r:id="rId23"/>
-    <p:sldId id="277" r:id="rId24"/>
-    <p:sldId id="305" r:id="rId25"/>
-    <p:sldId id="303" r:id="rId26"/>
-    <p:sldId id="304" r:id="rId27"/>
-    <p:sldId id="278" r:id="rId28"/>
-    <p:sldId id="298" r:id="rId29"/>
-    <p:sldId id="275" r:id="rId30"/>
-    <p:sldId id="276" r:id="rId31"/>
-    <p:sldId id="306" r:id="rId32"/>
-    <p:sldId id="290" r:id="rId33"/>
-    <p:sldId id="307" r:id="rId34"/>
-    <p:sldId id="308" r:id="rId35"/>
-    <p:sldId id="309" r:id="rId36"/>
+    <p:sldId id="299" r:id="rId22"/>
+    <p:sldId id="277" r:id="rId23"/>
+    <p:sldId id="305" r:id="rId24"/>
+    <p:sldId id="303" r:id="rId25"/>
+    <p:sldId id="304" r:id="rId26"/>
+    <p:sldId id="278" r:id="rId27"/>
+    <p:sldId id="298" r:id="rId28"/>
+    <p:sldId id="275" r:id="rId29"/>
+    <p:sldId id="276" r:id="rId30"/>
+    <p:sldId id="306" r:id="rId31"/>
+    <p:sldId id="290" r:id="rId32"/>
+    <p:sldId id="307" r:id="rId33"/>
+    <p:sldId id="308" r:id="rId34"/>
+    <p:sldId id="309" r:id="rId35"/>
   </p:sldIdLst>
   <p:sldSz cx="9144000" cy="6858000" type="screen4x3"/>
   <p:notesSz cx="6858000" cy="9144000"/>
@@ -632,11 +631,17 @@
           <a:p>
             <a:r>
               <a:rPr lang="en-US" dirty="0" smtClean="0"/>
-              <a:t>Refer to Emily</a:t>
+              <a:t>Describe what is it doing, so someone later looking through the</a:t>
             </a:r>
             <a:r>
               <a:rPr lang="en-US" baseline="0" dirty="0" smtClean="0"/>
-              <a:t>’s talk (introduced yesterday)</a:t>
+              <a:t> code can understand what its doing</a:t>
+            </a:r>
+          </a:p>
+          <a:p>
+            <a:r>
+              <a:rPr lang="en-US" baseline="0" dirty="0" smtClean="0"/>
+              <a:t>Don’t need to describe the mechanics of the code unless its unusually complicated </a:t>
             </a:r>
             <a:endParaRPr lang="en-US" dirty="0"/>
           </a:p>
@@ -659,7 +664,7 @@
           <a:p>
             <a:fld id="{D2A84381-3185-C147-A825-3C7E66594F36}" type="slidenum">
               <a:rPr lang="en-US" smtClean="0"/>
-              <a:t>29</a:t>
+              <a:t>12</a:t>
             </a:fld>
             <a:endParaRPr lang="en-US"/>
           </a:p>
@@ -668,7 +673,7 @@
     </p:spTree>
     <p:extLst>
       <p:ext uri="{BB962C8B-B14F-4D97-AF65-F5344CB8AC3E}">
-        <p14:creationId xmlns:p14="http://schemas.microsoft.com/office/powerpoint/2010/main" val="1476032193"/>
+        <p14:creationId xmlns:p14="http://schemas.microsoft.com/office/powerpoint/2010/main" val="804291361"/>
       </p:ext>
     </p:extLst>
   </p:cSld>
@@ -724,11 +729,11 @@
           <a:p>
             <a:r>
               <a:rPr lang="en-US" dirty="0" smtClean="0"/>
-              <a:t>Give</a:t>
+              <a:t>Breaks up the code</a:t>
             </a:r>
             <a:r>
               <a:rPr lang="en-US" baseline="0" dirty="0" smtClean="0"/>
-              <a:t> example, go through the lines</a:t>
+              <a:t> nicely </a:t>
             </a:r>
             <a:endParaRPr lang="en-US" dirty="0"/>
           </a:p>
@@ -751,7 +756,7 @@
           <a:p>
             <a:fld id="{D2A84381-3185-C147-A825-3C7E66594F36}" type="slidenum">
               <a:rPr lang="en-US" smtClean="0"/>
-              <a:t>31</a:t>
+              <a:t>13</a:t>
             </a:fld>
             <a:endParaRPr lang="en-US"/>
           </a:p>
@@ -760,7 +765,766 @@
     </p:spTree>
     <p:extLst>
       <p:ext uri="{BB962C8B-B14F-4D97-AF65-F5344CB8AC3E}">
-        <p14:creationId xmlns:p14="http://schemas.microsoft.com/office/powerpoint/2010/main" val="1611986300"/>
+        <p14:creationId xmlns:p14="http://schemas.microsoft.com/office/powerpoint/2010/main" val="2261241808"/>
+      </p:ext>
+    </p:extLst>
+  </p:cSld>
+  <p:clrMapOvr>
+    <a:masterClrMapping/>
+  </p:clrMapOvr>
+</p:notes>
+</file>
+
+<file path=ppt/notesSlides/notesSlide12.xml><?xml version="1.0" encoding="utf-8"?>
+<p:notes xmlns:a="http://schemas.openxmlformats.org/drawingml/2006/main" xmlns:r="http://schemas.openxmlformats.org/officeDocument/2006/relationships" xmlns:p="http://schemas.openxmlformats.org/presentationml/2006/main">
+  <p:cSld>
+    <p:spTree>
+      <p:nvGrpSpPr>
+        <p:cNvPr id="1" name=""/>
+        <p:cNvGrpSpPr/>
+        <p:nvPr/>
+      </p:nvGrpSpPr>
+      <p:grpSpPr>
+        <a:xfrm>
+          <a:off x="0" y="0"/>
+          <a:ext cx="0" cy="0"/>
+          <a:chOff x="0" y="0"/>
+          <a:chExt cx="0" cy="0"/>
+        </a:xfrm>
+      </p:grpSpPr>
+      <p:sp>
+        <p:nvSpPr>
+          <p:cNvPr id="2" name="Slide Image Placeholder 1"/>
+          <p:cNvSpPr>
+            <a:spLocks noGrp="1" noRot="1" noChangeAspect="1"/>
+          </p:cNvSpPr>
+          <p:nvPr>
+            <p:ph type="sldImg"/>
+          </p:nvPr>
+        </p:nvSpPr>
+        <p:spPr/>
+      </p:sp>
+      <p:sp>
+        <p:nvSpPr>
+          <p:cNvPr id="3" name="Notes Placeholder 2"/>
+          <p:cNvSpPr>
+            <a:spLocks noGrp="1"/>
+          </p:cNvSpPr>
+          <p:nvPr>
+            <p:ph type="body" idx="1"/>
+          </p:nvPr>
+        </p:nvSpPr>
+        <p:spPr/>
+        <p:txBody>
+          <a:bodyPr/>
+          <a:lstStyle/>
+          <a:p>
+            <a:endParaRPr lang="en-US" dirty="0"/>
+          </a:p>
+        </p:txBody>
+      </p:sp>
+      <p:sp>
+        <p:nvSpPr>
+          <p:cNvPr id="4" name="Slide Number Placeholder 3"/>
+          <p:cNvSpPr>
+            <a:spLocks noGrp="1"/>
+          </p:cNvSpPr>
+          <p:nvPr>
+            <p:ph type="sldNum" sz="quarter" idx="10"/>
+          </p:nvPr>
+        </p:nvSpPr>
+        <p:spPr/>
+        <p:txBody>
+          <a:bodyPr/>
+          <a:lstStyle/>
+          <a:p>
+            <a:fld id="{D2A84381-3185-C147-A825-3C7E66594F36}" type="slidenum">
+              <a:rPr lang="en-US" smtClean="0"/>
+              <a:t>14</a:t>
+            </a:fld>
+            <a:endParaRPr lang="en-US"/>
+          </a:p>
+        </p:txBody>
+      </p:sp>
+    </p:spTree>
+    <p:extLst>
+      <p:ext uri="{BB962C8B-B14F-4D97-AF65-F5344CB8AC3E}">
+        <p14:creationId xmlns:p14="http://schemas.microsoft.com/office/powerpoint/2010/main" val="221861326"/>
+      </p:ext>
+    </p:extLst>
+  </p:cSld>
+  <p:clrMapOvr>
+    <a:masterClrMapping/>
+  </p:clrMapOvr>
+</p:notes>
+</file>
+
+<file path=ppt/notesSlides/notesSlide13.xml><?xml version="1.0" encoding="utf-8"?>
+<p:notes xmlns:a="http://schemas.openxmlformats.org/drawingml/2006/main" xmlns:r="http://schemas.openxmlformats.org/officeDocument/2006/relationships" xmlns:p="http://schemas.openxmlformats.org/presentationml/2006/main">
+  <p:cSld>
+    <p:spTree>
+      <p:nvGrpSpPr>
+        <p:cNvPr id="1" name=""/>
+        <p:cNvGrpSpPr/>
+        <p:nvPr/>
+      </p:nvGrpSpPr>
+      <p:grpSpPr>
+        <a:xfrm>
+          <a:off x="0" y="0"/>
+          <a:ext cx="0" cy="0"/>
+          <a:chOff x="0" y="0"/>
+          <a:chExt cx="0" cy="0"/>
+        </a:xfrm>
+      </p:grpSpPr>
+      <p:sp>
+        <p:nvSpPr>
+          <p:cNvPr id="2" name="Slide Image Placeholder 1"/>
+          <p:cNvSpPr>
+            <a:spLocks noGrp="1" noRot="1" noChangeAspect="1"/>
+          </p:cNvSpPr>
+          <p:nvPr>
+            <p:ph type="sldImg"/>
+          </p:nvPr>
+        </p:nvSpPr>
+        <p:spPr/>
+      </p:sp>
+      <p:sp>
+        <p:nvSpPr>
+          <p:cNvPr id="3" name="Notes Placeholder 2"/>
+          <p:cNvSpPr>
+            <a:spLocks noGrp="1"/>
+          </p:cNvSpPr>
+          <p:nvPr>
+            <p:ph type="body" idx="1"/>
+          </p:nvPr>
+        </p:nvSpPr>
+        <p:spPr/>
+        <p:txBody>
+          <a:bodyPr/>
+          <a:lstStyle/>
+          <a:p>
+            <a:r>
+              <a:rPr lang="en-US" dirty="0" smtClean="0"/>
+              <a:t>What is 27? what if you use</a:t>
+            </a:r>
+            <a:r>
+              <a:rPr lang="en-US" baseline="0" dirty="0" smtClean="0"/>
+              <a:t> it in lots of other places and need to change it later? Hard to catch everything you used it</a:t>
+            </a:r>
+          </a:p>
+          <a:p>
+            <a:r>
+              <a:rPr lang="en-US" baseline="0" dirty="0" smtClean="0"/>
+              <a:t>May forget what 27 represented </a:t>
+            </a:r>
+            <a:endParaRPr lang="en-US" dirty="0"/>
+          </a:p>
+        </p:txBody>
+      </p:sp>
+      <p:sp>
+        <p:nvSpPr>
+          <p:cNvPr id="4" name="Slide Number Placeholder 3"/>
+          <p:cNvSpPr>
+            <a:spLocks noGrp="1"/>
+          </p:cNvSpPr>
+          <p:nvPr>
+            <p:ph type="sldNum" sz="quarter" idx="10"/>
+          </p:nvPr>
+        </p:nvSpPr>
+        <p:spPr/>
+        <p:txBody>
+          <a:bodyPr/>
+          <a:lstStyle/>
+          <a:p>
+            <a:fld id="{D2A84381-3185-C147-A825-3C7E66594F36}" type="slidenum">
+              <a:rPr lang="en-US" smtClean="0"/>
+              <a:t>15</a:t>
+            </a:fld>
+            <a:endParaRPr lang="en-US"/>
+          </a:p>
+        </p:txBody>
+      </p:sp>
+    </p:spTree>
+    <p:extLst>
+      <p:ext uri="{BB962C8B-B14F-4D97-AF65-F5344CB8AC3E}">
+        <p14:creationId xmlns:p14="http://schemas.microsoft.com/office/powerpoint/2010/main" val="10732671"/>
+      </p:ext>
+    </p:extLst>
+  </p:cSld>
+  <p:clrMapOvr>
+    <a:masterClrMapping/>
+  </p:clrMapOvr>
+</p:notes>
+</file>
+
+<file path=ppt/notesSlides/notesSlide14.xml><?xml version="1.0" encoding="utf-8"?>
+<p:notes xmlns:a="http://schemas.openxmlformats.org/drawingml/2006/main" xmlns:r="http://schemas.openxmlformats.org/officeDocument/2006/relationships" xmlns:p="http://schemas.openxmlformats.org/presentationml/2006/main">
+  <p:cSld>
+    <p:spTree>
+      <p:nvGrpSpPr>
+        <p:cNvPr id="1" name=""/>
+        <p:cNvGrpSpPr/>
+        <p:nvPr/>
+      </p:nvGrpSpPr>
+      <p:grpSpPr>
+        <a:xfrm>
+          <a:off x="0" y="0"/>
+          <a:ext cx="0" cy="0"/>
+          <a:chOff x="0" y="0"/>
+          <a:chExt cx="0" cy="0"/>
+        </a:xfrm>
+      </p:grpSpPr>
+      <p:sp>
+        <p:nvSpPr>
+          <p:cNvPr id="2" name="Slide Image Placeholder 1"/>
+          <p:cNvSpPr>
+            <a:spLocks noGrp="1" noRot="1" noChangeAspect="1"/>
+          </p:cNvSpPr>
+          <p:nvPr>
+            <p:ph type="sldImg"/>
+          </p:nvPr>
+        </p:nvSpPr>
+        <p:spPr/>
+      </p:sp>
+      <p:sp>
+        <p:nvSpPr>
+          <p:cNvPr id="3" name="Notes Placeholder 2"/>
+          <p:cNvSpPr>
+            <a:spLocks noGrp="1"/>
+          </p:cNvSpPr>
+          <p:nvPr>
+            <p:ph type="body" idx="1"/>
+          </p:nvPr>
+        </p:nvSpPr>
+        <p:spPr/>
+        <p:txBody>
+          <a:bodyPr/>
+          <a:lstStyle/>
+          <a:p>
+            <a:r>
+              <a:rPr lang="en-US" dirty="0" smtClean="0"/>
+              <a:t>Declare</a:t>
+            </a:r>
+            <a:r>
+              <a:rPr lang="en-US" baseline="0" dirty="0" smtClean="0"/>
+              <a:t> constants in one file and source the file </a:t>
+            </a:r>
+            <a:endParaRPr lang="en-US" dirty="0"/>
+          </a:p>
+        </p:txBody>
+      </p:sp>
+      <p:sp>
+        <p:nvSpPr>
+          <p:cNvPr id="4" name="Slide Number Placeholder 3"/>
+          <p:cNvSpPr>
+            <a:spLocks noGrp="1"/>
+          </p:cNvSpPr>
+          <p:nvPr>
+            <p:ph type="sldNum" sz="quarter" idx="10"/>
+          </p:nvPr>
+        </p:nvSpPr>
+        <p:spPr/>
+        <p:txBody>
+          <a:bodyPr/>
+          <a:lstStyle/>
+          <a:p>
+            <a:fld id="{D2A84381-3185-C147-A825-3C7E66594F36}" type="slidenum">
+              <a:rPr lang="en-US" smtClean="0"/>
+              <a:t>17</a:t>
+            </a:fld>
+            <a:endParaRPr lang="en-US"/>
+          </a:p>
+        </p:txBody>
+      </p:sp>
+    </p:spTree>
+    <p:extLst>
+      <p:ext uri="{BB962C8B-B14F-4D97-AF65-F5344CB8AC3E}">
+        <p14:creationId xmlns:p14="http://schemas.microsoft.com/office/powerpoint/2010/main" val="1145716732"/>
+      </p:ext>
+    </p:extLst>
+  </p:cSld>
+  <p:clrMapOvr>
+    <a:masterClrMapping/>
+  </p:clrMapOvr>
+</p:notes>
+</file>
+
+<file path=ppt/notesSlides/notesSlide15.xml><?xml version="1.0" encoding="utf-8"?>
+<p:notes xmlns:a="http://schemas.openxmlformats.org/drawingml/2006/main" xmlns:r="http://schemas.openxmlformats.org/officeDocument/2006/relationships" xmlns:p="http://schemas.openxmlformats.org/presentationml/2006/main">
+  <p:cSld>
+    <p:spTree>
+      <p:nvGrpSpPr>
+        <p:cNvPr id="1" name=""/>
+        <p:cNvGrpSpPr/>
+        <p:nvPr/>
+      </p:nvGrpSpPr>
+      <p:grpSpPr>
+        <a:xfrm>
+          <a:off x="0" y="0"/>
+          <a:ext cx="0" cy="0"/>
+          <a:chOff x="0" y="0"/>
+          <a:chExt cx="0" cy="0"/>
+        </a:xfrm>
+      </p:grpSpPr>
+      <p:sp>
+        <p:nvSpPr>
+          <p:cNvPr id="2" name="Slide Image Placeholder 1"/>
+          <p:cNvSpPr>
+            <a:spLocks noGrp="1" noRot="1" noChangeAspect="1"/>
+          </p:cNvSpPr>
+          <p:nvPr>
+            <p:ph type="sldImg"/>
+          </p:nvPr>
+        </p:nvSpPr>
+        <p:spPr/>
+      </p:sp>
+      <p:sp>
+        <p:nvSpPr>
+          <p:cNvPr id="3" name="Notes Placeholder 2"/>
+          <p:cNvSpPr>
+            <a:spLocks noGrp="1"/>
+          </p:cNvSpPr>
+          <p:nvPr>
+            <p:ph type="body" idx="1"/>
+          </p:nvPr>
+        </p:nvSpPr>
+        <p:spPr/>
+        <p:txBody>
+          <a:bodyPr/>
+          <a:lstStyle/>
+          <a:p>
+            <a:r>
+              <a:rPr lang="en-US" dirty="0" smtClean="0"/>
+              <a:t>Name the file what</a:t>
+            </a:r>
+            <a:r>
+              <a:rPr lang="en-US" baseline="0" dirty="0" smtClean="0"/>
+              <a:t> it is used for </a:t>
+            </a:r>
+            <a:endParaRPr lang="en-US" dirty="0"/>
+          </a:p>
+        </p:txBody>
+      </p:sp>
+      <p:sp>
+        <p:nvSpPr>
+          <p:cNvPr id="4" name="Slide Number Placeholder 3"/>
+          <p:cNvSpPr>
+            <a:spLocks noGrp="1"/>
+          </p:cNvSpPr>
+          <p:nvPr>
+            <p:ph type="sldNum" sz="quarter" idx="10"/>
+          </p:nvPr>
+        </p:nvSpPr>
+        <p:spPr/>
+        <p:txBody>
+          <a:bodyPr/>
+          <a:lstStyle/>
+          <a:p>
+            <a:fld id="{D2A84381-3185-C147-A825-3C7E66594F36}" type="slidenum">
+              <a:rPr lang="en-US" smtClean="0"/>
+              <a:t>18</a:t>
+            </a:fld>
+            <a:endParaRPr lang="en-US"/>
+          </a:p>
+        </p:txBody>
+      </p:sp>
+    </p:spTree>
+    <p:extLst>
+      <p:ext uri="{BB962C8B-B14F-4D97-AF65-F5344CB8AC3E}">
+        <p14:creationId xmlns:p14="http://schemas.microsoft.com/office/powerpoint/2010/main" val="1334849788"/>
+      </p:ext>
+    </p:extLst>
+  </p:cSld>
+  <p:clrMapOvr>
+    <a:masterClrMapping/>
+  </p:clrMapOvr>
+</p:notes>
+</file>
+
+<file path=ppt/notesSlides/notesSlide16.xml><?xml version="1.0" encoding="utf-8"?>
+<p:notes xmlns:a="http://schemas.openxmlformats.org/drawingml/2006/main" xmlns:r="http://schemas.openxmlformats.org/officeDocument/2006/relationships" xmlns:p="http://schemas.openxmlformats.org/presentationml/2006/main">
+  <p:cSld>
+    <p:spTree>
+      <p:nvGrpSpPr>
+        <p:cNvPr id="1" name=""/>
+        <p:cNvGrpSpPr/>
+        <p:nvPr/>
+      </p:nvGrpSpPr>
+      <p:grpSpPr>
+        <a:xfrm>
+          <a:off x="0" y="0"/>
+          <a:ext cx="0" cy="0"/>
+          <a:chOff x="0" y="0"/>
+          <a:chExt cx="0" cy="0"/>
+        </a:xfrm>
+      </p:grpSpPr>
+      <p:sp>
+        <p:nvSpPr>
+          <p:cNvPr id="2" name="Slide Image Placeholder 1"/>
+          <p:cNvSpPr>
+            <a:spLocks noGrp="1" noRot="1" noChangeAspect="1"/>
+          </p:cNvSpPr>
+          <p:nvPr>
+            <p:ph type="sldImg"/>
+          </p:nvPr>
+        </p:nvSpPr>
+        <p:spPr/>
+      </p:sp>
+      <p:sp>
+        <p:nvSpPr>
+          <p:cNvPr id="3" name="Notes Placeholder 2"/>
+          <p:cNvSpPr>
+            <a:spLocks noGrp="1"/>
+          </p:cNvSpPr>
+          <p:nvPr>
+            <p:ph type="body" idx="1"/>
+          </p:nvPr>
+        </p:nvSpPr>
+        <p:spPr/>
+        <p:txBody>
+          <a:bodyPr/>
+          <a:lstStyle/>
+          <a:p>
+            <a:r>
+              <a:rPr lang="en-US" dirty="0" smtClean="0"/>
+              <a:t>“Someone else” may be you in 6 months or 6</a:t>
+            </a:r>
+            <a:r>
+              <a:rPr lang="en-US" baseline="0" dirty="0" smtClean="0"/>
+              <a:t> years </a:t>
+            </a:r>
+            <a:endParaRPr lang="en-US" dirty="0"/>
+          </a:p>
+        </p:txBody>
+      </p:sp>
+      <p:sp>
+        <p:nvSpPr>
+          <p:cNvPr id="4" name="Slide Number Placeholder 3"/>
+          <p:cNvSpPr>
+            <a:spLocks noGrp="1"/>
+          </p:cNvSpPr>
+          <p:nvPr>
+            <p:ph type="sldNum" sz="quarter" idx="10"/>
+          </p:nvPr>
+        </p:nvSpPr>
+        <p:spPr/>
+        <p:txBody>
+          <a:bodyPr/>
+          <a:lstStyle/>
+          <a:p>
+            <a:fld id="{D2A84381-3185-C147-A825-3C7E66594F36}" type="slidenum">
+              <a:rPr lang="en-US" smtClean="0"/>
+              <a:t>19</a:t>
+            </a:fld>
+            <a:endParaRPr lang="en-US"/>
+          </a:p>
+        </p:txBody>
+      </p:sp>
+    </p:spTree>
+    <p:extLst>
+      <p:ext uri="{BB962C8B-B14F-4D97-AF65-F5344CB8AC3E}">
+        <p14:creationId xmlns:p14="http://schemas.microsoft.com/office/powerpoint/2010/main" val="1472637825"/>
+      </p:ext>
+    </p:extLst>
+  </p:cSld>
+  <p:clrMapOvr>
+    <a:masterClrMapping/>
+  </p:clrMapOvr>
+</p:notes>
+</file>
+
+<file path=ppt/notesSlides/notesSlide17.xml><?xml version="1.0" encoding="utf-8"?>
+<p:notes xmlns:a="http://schemas.openxmlformats.org/drawingml/2006/main" xmlns:r="http://schemas.openxmlformats.org/officeDocument/2006/relationships" xmlns:p="http://schemas.openxmlformats.org/presentationml/2006/main">
+  <p:cSld>
+    <p:spTree>
+      <p:nvGrpSpPr>
+        <p:cNvPr id="1" name=""/>
+        <p:cNvGrpSpPr/>
+        <p:nvPr/>
+      </p:nvGrpSpPr>
+      <p:grpSpPr>
+        <a:xfrm>
+          <a:off x="0" y="0"/>
+          <a:ext cx="0" cy="0"/>
+          <a:chOff x="0" y="0"/>
+          <a:chExt cx="0" cy="0"/>
+        </a:xfrm>
+      </p:grpSpPr>
+      <p:sp>
+        <p:nvSpPr>
+          <p:cNvPr id="2" name="Slide Image Placeholder 1"/>
+          <p:cNvSpPr>
+            <a:spLocks noGrp="1" noRot="1" noChangeAspect="1"/>
+          </p:cNvSpPr>
+          <p:nvPr>
+            <p:ph type="sldImg"/>
+          </p:nvPr>
+        </p:nvSpPr>
+        <p:spPr/>
+      </p:sp>
+      <p:sp>
+        <p:nvSpPr>
+          <p:cNvPr id="3" name="Notes Placeholder 2"/>
+          <p:cNvSpPr>
+            <a:spLocks noGrp="1"/>
+          </p:cNvSpPr>
+          <p:nvPr>
+            <p:ph type="body" idx="1"/>
+          </p:nvPr>
+        </p:nvSpPr>
+        <p:spPr/>
+        <p:txBody>
+          <a:bodyPr/>
+          <a:lstStyle/>
+          <a:p>
+            <a:r>
+              <a:rPr lang="en-US" dirty="0" smtClean="0"/>
+              <a:t>No point trying to understand all of</a:t>
+            </a:r>
+            <a:r>
+              <a:rPr lang="en-US" baseline="0" dirty="0" smtClean="0"/>
+              <a:t> the code, will probably just confuse you</a:t>
+            </a:r>
+          </a:p>
+          <a:p>
+            <a:r>
+              <a:rPr lang="en-US" baseline="0" dirty="0" smtClean="0"/>
+              <a:t>Programmers should try to ensure modularity in code – isolate different parts from each other as much as possible </a:t>
+            </a:r>
+          </a:p>
+        </p:txBody>
+      </p:sp>
+      <p:sp>
+        <p:nvSpPr>
+          <p:cNvPr id="4" name="Slide Number Placeholder 3"/>
+          <p:cNvSpPr>
+            <a:spLocks noGrp="1"/>
+          </p:cNvSpPr>
+          <p:nvPr>
+            <p:ph type="sldNum" sz="quarter" idx="10"/>
+          </p:nvPr>
+        </p:nvSpPr>
+        <p:spPr/>
+        <p:txBody>
+          <a:bodyPr/>
+          <a:lstStyle/>
+          <a:p>
+            <a:fld id="{D2A84381-3185-C147-A825-3C7E66594F36}" type="slidenum">
+              <a:rPr lang="en-US" smtClean="0"/>
+              <a:t>20</a:t>
+            </a:fld>
+            <a:endParaRPr lang="en-US"/>
+          </a:p>
+        </p:txBody>
+      </p:sp>
+    </p:spTree>
+    <p:extLst>
+      <p:ext uri="{BB962C8B-B14F-4D97-AF65-F5344CB8AC3E}">
+        <p14:creationId xmlns:p14="http://schemas.microsoft.com/office/powerpoint/2010/main" val="162773711"/>
+      </p:ext>
+    </p:extLst>
+  </p:cSld>
+  <p:clrMapOvr>
+    <a:masterClrMapping/>
+  </p:clrMapOvr>
+</p:notes>
+</file>
+
+<file path=ppt/notesSlides/notesSlide18.xml><?xml version="1.0" encoding="utf-8"?>
+<p:notes xmlns:a="http://schemas.openxmlformats.org/drawingml/2006/main" xmlns:r="http://schemas.openxmlformats.org/officeDocument/2006/relationships" xmlns:p="http://schemas.openxmlformats.org/presentationml/2006/main">
+  <p:cSld>
+    <p:spTree>
+      <p:nvGrpSpPr>
+        <p:cNvPr id="1" name=""/>
+        <p:cNvGrpSpPr/>
+        <p:nvPr/>
+      </p:nvGrpSpPr>
+      <p:grpSpPr>
+        <a:xfrm>
+          <a:off x="0" y="0"/>
+          <a:ext cx="0" cy="0"/>
+          <a:chOff x="0" y="0"/>
+          <a:chExt cx="0" cy="0"/>
+        </a:xfrm>
+      </p:grpSpPr>
+      <p:sp>
+        <p:nvSpPr>
+          <p:cNvPr id="2" name="Slide Image Placeholder 1"/>
+          <p:cNvSpPr>
+            <a:spLocks noGrp="1" noRot="1" noChangeAspect="1"/>
+          </p:cNvSpPr>
+          <p:nvPr>
+            <p:ph type="sldImg"/>
+          </p:nvPr>
+        </p:nvSpPr>
+        <p:spPr/>
+      </p:sp>
+      <p:sp>
+        <p:nvSpPr>
+          <p:cNvPr id="3" name="Notes Placeholder 2"/>
+          <p:cNvSpPr>
+            <a:spLocks noGrp="1"/>
+          </p:cNvSpPr>
+          <p:nvPr>
+            <p:ph type="body" idx="1"/>
+          </p:nvPr>
+        </p:nvSpPr>
+        <p:spPr/>
+        <p:txBody>
+          <a:bodyPr/>
+          <a:lstStyle/>
+          <a:p>
+            <a:r>
+              <a:rPr lang="en-US" dirty="0" smtClean="0"/>
+              <a:t>Some things</a:t>
+            </a:r>
+            <a:r>
+              <a:rPr lang="en-US" baseline="0" dirty="0" smtClean="0"/>
+              <a:t> to think about </a:t>
+            </a:r>
+            <a:endParaRPr lang="en-US" dirty="0"/>
+          </a:p>
+        </p:txBody>
+      </p:sp>
+      <p:sp>
+        <p:nvSpPr>
+          <p:cNvPr id="4" name="Slide Number Placeholder 3"/>
+          <p:cNvSpPr>
+            <a:spLocks noGrp="1"/>
+          </p:cNvSpPr>
+          <p:nvPr>
+            <p:ph type="sldNum" sz="quarter" idx="10"/>
+          </p:nvPr>
+        </p:nvSpPr>
+        <p:spPr/>
+        <p:txBody>
+          <a:bodyPr/>
+          <a:lstStyle/>
+          <a:p>
+            <a:fld id="{D2A84381-3185-C147-A825-3C7E66594F36}" type="slidenum">
+              <a:rPr lang="en-US" smtClean="0"/>
+              <a:t>22</a:t>
+            </a:fld>
+            <a:endParaRPr lang="en-US"/>
+          </a:p>
+        </p:txBody>
+      </p:sp>
+    </p:spTree>
+    <p:extLst>
+      <p:ext uri="{BB962C8B-B14F-4D97-AF65-F5344CB8AC3E}">
+        <p14:creationId xmlns:p14="http://schemas.microsoft.com/office/powerpoint/2010/main" val="805718849"/>
+      </p:ext>
+    </p:extLst>
+  </p:cSld>
+  <p:clrMapOvr>
+    <a:masterClrMapping/>
+  </p:clrMapOvr>
+</p:notes>
+</file>
+
+<file path=ppt/notesSlides/notesSlide19.xml><?xml version="1.0" encoding="utf-8"?>
+<p:notes xmlns:a="http://schemas.openxmlformats.org/drawingml/2006/main" xmlns:r="http://schemas.openxmlformats.org/officeDocument/2006/relationships" xmlns:p="http://schemas.openxmlformats.org/presentationml/2006/main">
+  <p:cSld>
+    <p:spTree>
+      <p:nvGrpSpPr>
+        <p:cNvPr id="1" name=""/>
+        <p:cNvGrpSpPr/>
+        <p:nvPr/>
+      </p:nvGrpSpPr>
+      <p:grpSpPr>
+        <a:xfrm>
+          <a:off x="0" y="0"/>
+          <a:ext cx="0" cy="0"/>
+          <a:chOff x="0" y="0"/>
+          <a:chExt cx="0" cy="0"/>
+        </a:xfrm>
+      </p:grpSpPr>
+      <p:sp>
+        <p:nvSpPr>
+          <p:cNvPr id="2" name="Slide Image Placeholder 1"/>
+          <p:cNvSpPr>
+            <a:spLocks noGrp="1" noRot="1" noChangeAspect="1"/>
+          </p:cNvSpPr>
+          <p:nvPr>
+            <p:ph type="sldImg"/>
+          </p:nvPr>
+        </p:nvSpPr>
+        <p:spPr/>
+      </p:sp>
+      <p:sp>
+        <p:nvSpPr>
+          <p:cNvPr id="3" name="Notes Placeholder 2"/>
+          <p:cNvSpPr>
+            <a:spLocks noGrp="1"/>
+          </p:cNvSpPr>
+          <p:nvPr>
+            <p:ph type="body" idx="1"/>
+          </p:nvPr>
+        </p:nvSpPr>
+        <p:spPr/>
+        <p:txBody>
+          <a:bodyPr/>
+          <a:lstStyle/>
+          <a:p>
+            <a:r>
+              <a:rPr lang="en-US" dirty="0" smtClean="0"/>
+              <a:t>Stack overflow: community for programmers to ask each other questions</a:t>
+            </a:r>
+          </a:p>
+          <a:p>
+            <a:r>
+              <a:rPr lang="en-US" dirty="0" smtClean="0"/>
+              <a:t>Stack exchange for other types of fields like geology/math/physics,</a:t>
+            </a:r>
+            <a:r>
+              <a:rPr lang="en-US" baseline="0" dirty="0" smtClean="0"/>
+              <a:t> </a:t>
+            </a:r>
+            <a:r>
+              <a:rPr lang="en-US" baseline="0" dirty="0" err="1" smtClean="0"/>
+              <a:t>etc</a:t>
+            </a:r>
+            <a:r>
+              <a:rPr lang="en-US" baseline="0" dirty="0" smtClean="0"/>
+              <a:t> </a:t>
+            </a:r>
+          </a:p>
+          <a:p>
+            <a:r>
+              <a:rPr lang="en-US" baseline="0" dirty="0" smtClean="0"/>
+              <a:t>Started by the same group of people who began with stack overflow and expanded into stack exchange </a:t>
+            </a:r>
+            <a:endParaRPr lang="en-US" dirty="0"/>
+          </a:p>
+        </p:txBody>
+      </p:sp>
+      <p:sp>
+        <p:nvSpPr>
+          <p:cNvPr id="4" name="Slide Number Placeholder 3"/>
+          <p:cNvSpPr>
+            <a:spLocks noGrp="1"/>
+          </p:cNvSpPr>
+          <p:nvPr>
+            <p:ph type="sldNum" sz="quarter" idx="10"/>
+          </p:nvPr>
+        </p:nvSpPr>
+        <p:spPr/>
+        <p:txBody>
+          <a:bodyPr/>
+          <a:lstStyle/>
+          <a:p>
+            <a:fld id="{D2A84381-3185-C147-A825-3C7E66594F36}" type="slidenum">
+              <a:rPr lang="en-US" smtClean="0"/>
+              <a:t>23</a:t>
+            </a:fld>
+            <a:endParaRPr lang="en-US"/>
+          </a:p>
+        </p:txBody>
+      </p:sp>
+    </p:spTree>
+    <p:extLst>
+      <p:ext uri="{BB962C8B-B14F-4D97-AF65-F5344CB8AC3E}">
+        <p14:creationId xmlns:p14="http://schemas.microsoft.com/office/powerpoint/2010/main" val="3808129478"/>
       </p:ext>
     </p:extLst>
   </p:cSld>
@@ -877,6 +1641,810 @@
     <p:extLst>
       <p:ext uri="{BB962C8B-B14F-4D97-AF65-F5344CB8AC3E}">
         <p14:creationId xmlns:p14="http://schemas.microsoft.com/office/powerpoint/2010/main" val="1763805188"/>
+      </p:ext>
+    </p:extLst>
+  </p:cSld>
+  <p:clrMapOvr>
+    <a:masterClrMapping/>
+  </p:clrMapOvr>
+</p:notes>
+</file>
+
+<file path=ppt/notesSlides/notesSlide20.xml><?xml version="1.0" encoding="utf-8"?>
+<p:notes xmlns:a="http://schemas.openxmlformats.org/drawingml/2006/main" xmlns:r="http://schemas.openxmlformats.org/officeDocument/2006/relationships" xmlns:p="http://schemas.openxmlformats.org/presentationml/2006/main">
+  <p:cSld>
+    <p:spTree>
+      <p:nvGrpSpPr>
+        <p:cNvPr id="1" name=""/>
+        <p:cNvGrpSpPr/>
+        <p:nvPr/>
+      </p:nvGrpSpPr>
+      <p:grpSpPr>
+        <a:xfrm>
+          <a:off x="0" y="0"/>
+          <a:ext cx="0" cy="0"/>
+          <a:chOff x="0" y="0"/>
+          <a:chExt cx="0" cy="0"/>
+        </a:xfrm>
+      </p:grpSpPr>
+      <p:sp>
+        <p:nvSpPr>
+          <p:cNvPr id="2" name="Slide Image Placeholder 1"/>
+          <p:cNvSpPr>
+            <a:spLocks noGrp="1" noRot="1" noChangeAspect="1"/>
+          </p:cNvSpPr>
+          <p:nvPr>
+            <p:ph type="sldImg"/>
+          </p:nvPr>
+        </p:nvSpPr>
+        <p:spPr/>
+      </p:sp>
+      <p:sp>
+        <p:nvSpPr>
+          <p:cNvPr id="3" name="Notes Placeholder 2"/>
+          <p:cNvSpPr>
+            <a:spLocks noGrp="1"/>
+          </p:cNvSpPr>
+          <p:nvPr>
+            <p:ph type="body" idx="1"/>
+          </p:nvPr>
+        </p:nvSpPr>
+        <p:spPr/>
+        <p:txBody>
+          <a:bodyPr/>
+          <a:lstStyle/>
+          <a:p>
+            <a:r>
+              <a:rPr lang="en-US" dirty="0" smtClean="0"/>
+              <a:t>Quality control by allowing</a:t>
+            </a:r>
+            <a:r>
+              <a:rPr lang="en-US" baseline="0" dirty="0" smtClean="0"/>
+              <a:t> users to rate the quality of an answer/question</a:t>
+            </a:r>
+          </a:p>
+          <a:p>
+            <a:r>
+              <a:rPr lang="en-US" baseline="0" dirty="0" smtClean="0"/>
+              <a:t>Deters internet trolls </a:t>
+            </a:r>
+            <a:endParaRPr lang="en-US" dirty="0"/>
+          </a:p>
+        </p:txBody>
+      </p:sp>
+      <p:sp>
+        <p:nvSpPr>
+          <p:cNvPr id="4" name="Slide Number Placeholder 3"/>
+          <p:cNvSpPr>
+            <a:spLocks noGrp="1"/>
+          </p:cNvSpPr>
+          <p:nvPr>
+            <p:ph type="sldNum" sz="quarter" idx="10"/>
+          </p:nvPr>
+        </p:nvSpPr>
+        <p:spPr/>
+        <p:txBody>
+          <a:bodyPr/>
+          <a:lstStyle/>
+          <a:p>
+            <a:fld id="{D2A84381-3185-C147-A825-3C7E66594F36}" type="slidenum">
+              <a:rPr lang="en-US" smtClean="0"/>
+              <a:t>24</a:t>
+            </a:fld>
+            <a:endParaRPr lang="en-US"/>
+          </a:p>
+        </p:txBody>
+      </p:sp>
+    </p:spTree>
+    <p:extLst>
+      <p:ext uri="{BB962C8B-B14F-4D97-AF65-F5344CB8AC3E}">
+        <p14:creationId xmlns:p14="http://schemas.microsoft.com/office/powerpoint/2010/main" val="1924588400"/>
+      </p:ext>
+    </p:extLst>
+  </p:cSld>
+  <p:clrMapOvr>
+    <a:masterClrMapping/>
+  </p:clrMapOvr>
+</p:notes>
+</file>
+
+<file path=ppt/notesSlides/notesSlide21.xml><?xml version="1.0" encoding="utf-8"?>
+<p:notes xmlns:a="http://schemas.openxmlformats.org/drawingml/2006/main" xmlns:r="http://schemas.openxmlformats.org/officeDocument/2006/relationships" xmlns:p="http://schemas.openxmlformats.org/presentationml/2006/main">
+  <p:cSld>
+    <p:spTree>
+      <p:nvGrpSpPr>
+        <p:cNvPr id="1" name=""/>
+        <p:cNvGrpSpPr/>
+        <p:nvPr/>
+      </p:nvGrpSpPr>
+      <p:grpSpPr>
+        <a:xfrm>
+          <a:off x="0" y="0"/>
+          <a:ext cx="0" cy="0"/>
+          <a:chOff x="0" y="0"/>
+          <a:chExt cx="0" cy="0"/>
+        </a:xfrm>
+      </p:grpSpPr>
+      <p:sp>
+        <p:nvSpPr>
+          <p:cNvPr id="2" name="Slide Image Placeholder 1"/>
+          <p:cNvSpPr>
+            <a:spLocks noGrp="1" noRot="1" noChangeAspect="1"/>
+          </p:cNvSpPr>
+          <p:nvPr>
+            <p:ph type="sldImg"/>
+          </p:nvPr>
+        </p:nvSpPr>
+        <p:spPr/>
+      </p:sp>
+      <p:sp>
+        <p:nvSpPr>
+          <p:cNvPr id="3" name="Notes Placeholder 2"/>
+          <p:cNvSpPr>
+            <a:spLocks noGrp="1"/>
+          </p:cNvSpPr>
+          <p:nvPr>
+            <p:ph type="body" idx="1"/>
+          </p:nvPr>
+        </p:nvSpPr>
+        <p:spPr/>
+        <p:txBody>
+          <a:bodyPr/>
+          <a:lstStyle/>
+          <a:p>
+            <a:r>
+              <a:rPr lang="en-US" dirty="0" smtClean="0"/>
+              <a:t>Find your</a:t>
+            </a:r>
+            <a:r>
+              <a:rPr lang="en-US" baseline="0" dirty="0" smtClean="0"/>
+              <a:t> relevant community!</a:t>
+            </a:r>
+          </a:p>
+          <a:p>
+            <a:r>
+              <a:rPr lang="en-US" baseline="0" dirty="0" smtClean="0"/>
+              <a:t>Problems with seismology; email the authors directly, since this is a small field and only a few people are producing the programs </a:t>
+            </a:r>
+            <a:endParaRPr lang="en-US" dirty="0"/>
+          </a:p>
+        </p:txBody>
+      </p:sp>
+      <p:sp>
+        <p:nvSpPr>
+          <p:cNvPr id="4" name="Slide Number Placeholder 3"/>
+          <p:cNvSpPr>
+            <a:spLocks noGrp="1"/>
+          </p:cNvSpPr>
+          <p:nvPr>
+            <p:ph type="sldNum" sz="quarter" idx="10"/>
+          </p:nvPr>
+        </p:nvSpPr>
+        <p:spPr/>
+        <p:txBody>
+          <a:bodyPr/>
+          <a:lstStyle/>
+          <a:p>
+            <a:fld id="{D2A84381-3185-C147-A825-3C7E66594F36}" type="slidenum">
+              <a:rPr lang="en-US" smtClean="0"/>
+              <a:t>25</a:t>
+            </a:fld>
+            <a:endParaRPr lang="en-US"/>
+          </a:p>
+        </p:txBody>
+      </p:sp>
+    </p:spTree>
+    <p:extLst>
+      <p:ext uri="{BB962C8B-B14F-4D97-AF65-F5344CB8AC3E}">
+        <p14:creationId xmlns:p14="http://schemas.microsoft.com/office/powerpoint/2010/main" val="2172608929"/>
+      </p:ext>
+    </p:extLst>
+  </p:cSld>
+  <p:clrMapOvr>
+    <a:masterClrMapping/>
+  </p:clrMapOvr>
+</p:notes>
+</file>
+
+<file path=ppt/notesSlides/notesSlide22.xml><?xml version="1.0" encoding="utf-8"?>
+<p:notes xmlns:a="http://schemas.openxmlformats.org/drawingml/2006/main" xmlns:r="http://schemas.openxmlformats.org/officeDocument/2006/relationships" xmlns:p="http://schemas.openxmlformats.org/presentationml/2006/main">
+  <p:cSld>
+    <p:spTree>
+      <p:nvGrpSpPr>
+        <p:cNvPr id="1" name=""/>
+        <p:cNvGrpSpPr/>
+        <p:nvPr/>
+      </p:nvGrpSpPr>
+      <p:grpSpPr>
+        <a:xfrm>
+          <a:off x="0" y="0"/>
+          <a:ext cx="0" cy="0"/>
+          <a:chOff x="0" y="0"/>
+          <a:chExt cx="0" cy="0"/>
+        </a:xfrm>
+      </p:grpSpPr>
+      <p:sp>
+        <p:nvSpPr>
+          <p:cNvPr id="2" name="Slide Image Placeholder 1"/>
+          <p:cNvSpPr>
+            <a:spLocks noGrp="1" noRot="1" noChangeAspect="1"/>
+          </p:cNvSpPr>
+          <p:nvPr>
+            <p:ph type="sldImg"/>
+          </p:nvPr>
+        </p:nvSpPr>
+        <p:spPr/>
+      </p:sp>
+      <p:sp>
+        <p:nvSpPr>
+          <p:cNvPr id="3" name="Notes Placeholder 2"/>
+          <p:cNvSpPr>
+            <a:spLocks noGrp="1"/>
+          </p:cNvSpPr>
+          <p:nvPr>
+            <p:ph type="body" idx="1"/>
+          </p:nvPr>
+        </p:nvSpPr>
+        <p:spPr/>
+        <p:txBody>
+          <a:bodyPr/>
+          <a:lstStyle/>
+          <a:p>
+            <a:r>
+              <a:rPr lang="en-US" dirty="0" smtClean="0"/>
+              <a:t>More explicit: for software bugs or your</a:t>
+            </a:r>
+            <a:r>
+              <a:rPr lang="en-US" baseline="0" dirty="0" smtClean="0"/>
+              <a:t> own programming bugs</a:t>
+            </a:r>
+            <a:r>
+              <a:rPr lang="en-US" baseline="0" dirty="0" smtClean="0"/>
+              <a:t>?</a:t>
+            </a:r>
+          </a:p>
+          <a:p>
+            <a:pPr marL="0" marR="0" indent="0" algn="l" defTabSz="457200" rtl="0" eaLnBrk="1" fontAlgn="auto" latinLnBrk="0" hangingPunct="1">
+              <a:lnSpc>
+                <a:spcPct val="100000"/>
+              </a:lnSpc>
+              <a:spcBef>
+                <a:spcPts val="0"/>
+              </a:spcBef>
+              <a:spcAft>
+                <a:spcPts val="0"/>
+              </a:spcAft>
+              <a:buClrTx/>
+              <a:buSzTx/>
+              <a:buFontTx/>
+              <a:buNone/>
+              <a:tabLst/>
+              <a:defRPr/>
+            </a:pPr>
+            <a:r>
+              <a:rPr lang="en-US" dirty="0" smtClean="0"/>
+              <a:t>There are always bugs in other peoples’ codes, so</a:t>
+            </a:r>
+            <a:r>
+              <a:rPr lang="en-US" baseline="0" dirty="0" smtClean="0"/>
+              <a:t> report it if you find them! Makes it better for everyone else also </a:t>
+            </a:r>
+            <a:endParaRPr lang="en-US" dirty="0" smtClean="0"/>
+          </a:p>
+          <a:p>
+            <a:endParaRPr lang="en-US" dirty="0"/>
+          </a:p>
+        </p:txBody>
+      </p:sp>
+      <p:sp>
+        <p:nvSpPr>
+          <p:cNvPr id="4" name="Slide Number Placeholder 3"/>
+          <p:cNvSpPr>
+            <a:spLocks noGrp="1"/>
+          </p:cNvSpPr>
+          <p:nvPr>
+            <p:ph type="sldNum" sz="quarter" idx="10"/>
+          </p:nvPr>
+        </p:nvSpPr>
+        <p:spPr/>
+        <p:txBody>
+          <a:bodyPr/>
+          <a:lstStyle/>
+          <a:p>
+            <a:fld id="{D2A84381-3185-C147-A825-3C7E66594F36}" type="slidenum">
+              <a:rPr lang="en-US" smtClean="0"/>
+              <a:t>26</a:t>
+            </a:fld>
+            <a:endParaRPr lang="en-US"/>
+          </a:p>
+        </p:txBody>
+      </p:sp>
+    </p:spTree>
+    <p:extLst>
+      <p:ext uri="{BB962C8B-B14F-4D97-AF65-F5344CB8AC3E}">
+        <p14:creationId xmlns:p14="http://schemas.microsoft.com/office/powerpoint/2010/main" val="2198081469"/>
+      </p:ext>
+    </p:extLst>
+  </p:cSld>
+  <p:clrMapOvr>
+    <a:masterClrMapping/>
+  </p:clrMapOvr>
+</p:notes>
+</file>
+
+<file path=ppt/notesSlides/notesSlide23.xml><?xml version="1.0" encoding="utf-8"?>
+<p:notes xmlns:a="http://schemas.openxmlformats.org/drawingml/2006/main" xmlns:r="http://schemas.openxmlformats.org/officeDocument/2006/relationships" xmlns:p="http://schemas.openxmlformats.org/presentationml/2006/main">
+  <p:cSld>
+    <p:spTree>
+      <p:nvGrpSpPr>
+        <p:cNvPr id="1" name=""/>
+        <p:cNvGrpSpPr/>
+        <p:nvPr/>
+      </p:nvGrpSpPr>
+      <p:grpSpPr>
+        <a:xfrm>
+          <a:off x="0" y="0"/>
+          <a:ext cx="0" cy="0"/>
+          <a:chOff x="0" y="0"/>
+          <a:chExt cx="0" cy="0"/>
+        </a:xfrm>
+      </p:grpSpPr>
+      <p:sp>
+        <p:nvSpPr>
+          <p:cNvPr id="2" name="Slide Image Placeholder 1"/>
+          <p:cNvSpPr>
+            <a:spLocks noGrp="1" noRot="1" noChangeAspect="1"/>
+          </p:cNvSpPr>
+          <p:nvPr>
+            <p:ph type="sldImg"/>
+          </p:nvPr>
+        </p:nvSpPr>
+        <p:spPr/>
+      </p:sp>
+      <p:sp>
+        <p:nvSpPr>
+          <p:cNvPr id="3" name="Notes Placeholder 2"/>
+          <p:cNvSpPr>
+            <a:spLocks noGrp="1"/>
+          </p:cNvSpPr>
+          <p:nvPr>
+            <p:ph type="body" idx="1"/>
+          </p:nvPr>
+        </p:nvSpPr>
+        <p:spPr/>
+        <p:txBody>
+          <a:bodyPr/>
+          <a:lstStyle/>
+          <a:p>
+            <a:r>
+              <a:rPr lang="en-US" dirty="0" smtClean="0"/>
+              <a:t>Refer to Emily</a:t>
+            </a:r>
+            <a:r>
+              <a:rPr lang="en-US" baseline="0" dirty="0" smtClean="0"/>
+              <a:t>’s talk (introduced yesterday)</a:t>
+            </a:r>
+            <a:endParaRPr lang="en-US" dirty="0"/>
+          </a:p>
+        </p:txBody>
+      </p:sp>
+      <p:sp>
+        <p:nvSpPr>
+          <p:cNvPr id="4" name="Slide Number Placeholder 3"/>
+          <p:cNvSpPr>
+            <a:spLocks noGrp="1"/>
+          </p:cNvSpPr>
+          <p:nvPr>
+            <p:ph type="sldNum" sz="quarter" idx="10"/>
+          </p:nvPr>
+        </p:nvSpPr>
+        <p:spPr/>
+        <p:txBody>
+          <a:bodyPr/>
+          <a:lstStyle/>
+          <a:p>
+            <a:fld id="{D2A84381-3185-C147-A825-3C7E66594F36}" type="slidenum">
+              <a:rPr lang="en-US" smtClean="0"/>
+              <a:t>28</a:t>
+            </a:fld>
+            <a:endParaRPr lang="en-US"/>
+          </a:p>
+        </p:txBody>
+      </p:sp>
+    </p:spTree>
+    <p:extLst>
+      <p:ext uri="{BB962C8B-B14F-4D97-AF65-F5344CB8AC3E}">
+        <p14:creationId xmlns:p14="http://schemas.microsoft.com/office/powerpoint/2010/main" val="1476032193"/>
+      </p:ext>
+    </p:extLst>
+  </p:cSld>
+  <p:clrMapOvr>
+    <a:masterClrMapping/>
+  </p:clrMapOvr>
+</p:notes>
+</file>
+
+<file path=ppt/notesSlides/notesSlide24.xml><?xml version="1.0" encoding="utf-8"?>
+<p:notes xmlns:a="http://schemas.openxmlformats.org/drawingml/2006/main" xmlns:r="http://schemas.openxmlformats.org/officeDocument/2006/relationships" xmlns:p="http://schemas.openxmlformats.org/presentationml/2006/main">
+  <p:cSld>
+    <p:spTree>
+      <p:nvGrpSpPr>
+        <p:cNvPr id="1" name=""/>
+        <p:cNvGrpSpPr/>
+        <p:nvPr/>
+      </p:nvGrpSpPr>
+      <p:grpSpPr>
+        <a:xfrm>
+          <a:off x="0" y="0"/>
+          <a:ext cx="0" cy="0"/>
+          <a:chOff x="0" y="0"/>
+          <a:chExt cx="0" cy="0"/>
+        </a:xfrm>
+      </p:grpSpPr>
+      <p:sp>
+        <p:nvSpPr>
+          <p:cNvPr id="2" name="Slide Image Placeholder 1"/>
+          <p:cNvSpPr>
+            <a:spLocks noGrp="1" noRot="1" noChangeAspect="1"/>
+          </p:cNvSpPr>
+          <p:nvPr>
+            <p:ph type="sldImg"/>
+          </p:nvPr>
+        </p:nvSpPr>
+        <p:spPr/>
+      </p:sp>
+      <p:sp>
+        <p:nvSpPr>
+          <p:cNvPr id="3" name="Notes Placeholder 2"/>
+          <p:cNvSpPr>
+            <a:spLocks noGrp="1"/>
+          </p:cNvSpPr>
+          <p:nvPr>
+            <p:ph type="body" idx="1"/>
+          </p:nvPr>
+        </p:nvSpPr>
+        <p:spPr/>
+        <p:txBody>
+          <a:bodyPr/>
+          <a:lstStyle/>
+          <a:p>
+            <a:r>
+              <a:rPr lang="en-US" dirty="0" smtClean="0"/>
+              <a:t>Seismologists</a:t>
+            </a:r>
+            <a:r>
+              <a:rPr lang="en-US" baseline="0" dirty="0" smtClean="0"/>
+              <a:t> tend to use macs/</a:t>
+            </a:r>
+            <a:r>
+              <a:rPr lang="en-US" baseline="0" dirty="0" err="1" smtClean="0"/>
+              <a:t>linux</a:t>
+            </a:r>
+            <a:r>
+              <a:rPr lang="en-US" baseline="0" dirty="0" smtClean="0"/>
+              <a:t>, so test on these two rigorously </a:t>
+            </a:r>
+          </a:p>
+          <a:p>
+            <a:r>
+              <a:rPr lang="en-US" baseline="0" dirty="0" smtClean="0"/>
+              <a:t>Make sure its intuitive to use .</a:t>
+            </a:r>
+          </a:p>
+          <a:p>
+            <a:r>
+              <a:rPr lang="en-US" baseline="0" dirty="0" smtClean="0"/>
+              <a:t>Write good documentation. Later will introduce you to Sphinx for documentation </a:t>
+            </a:r>
+          </a:p>
+          <a:p>
+            <a:r>
+              <a:rPr lang="en-US" baseline="0" dirty="0" smtClean="0"/>
+              <a:t>Software shipped out is always evolving. If something is popular enough, best to keep upgrading it/testing it when its dependencies get an upgrade too </a:t>
+            </a:r>
+            <a:endParaRPr lang="en-US" dirty="0"/>
+          </a:p>
+        </p:txBody>
+      </p:sp>
+      <p:sp>
+        <p:nvSpPr>
+          <p:cNvPr id="4" name="Slide Number Placeholder 3"/>
+          <p:cNvSpPr>
+            <a:spLocks noGrp="1"/>
+          </p:cNvSpPr>
+          <p:nvPr>
+            <p:ph type="sldNum" sz="quarter" idx="10"/>
+          </p:nvPr>
+        </p:nvSpPr>
+        <p:spPr/>
+        <p:txBody>
+          <a:bodyPr/>
+          <a:lstStyle/>
+          <a:p>
+            <a:fld id="{D2A84381-3185-C147-A825-3C7E66594F36}" type="slidenum">
+              <a:rPr lang="en-US" smtClean="0"/>
+              <a:t>29</a:t>
+            </a:fld>
+            <a:endParaRPr lang="en-US"/>
+          </a:p>
+        </p:txBody>
+      </p:sp>
+    </p:spTree>
+    <p:extLst>
+      <p:ext uri="{BB962C8B-B14F-4D97-AF65-F5344CB8AC3E}">
+        <p14:creationId xmlns:p14="http://schemas.microsoft.com/office/powerpoint/2010/main" val="1874646554"/>
+      </p:ext>
+    </p:extLst>
+  </p:cSld>
+  <p:clrMapOvr>
+    <a:masterClrMapping/>
+  </p:clrMapOvr>
+</p:notes>
+</file>
+
+<file path=ppt/notesSlides/notesSlide25.xml><?xml version="1.0" encoding="utf-8"?>
+<p:notes xmlns:a="http://schemas.openxmlformats.org/drawingml/2006/main" xmlns:r="http://schemas.openxmlformats.org/officeDocument/2006/relationships" xmlns:p="http://schemas.openxmlformats.org/presentationml/2006/main">
+  <p:cSld>
+    <p:spTree>
+      <p:nvGrpSpPr>
+        <p:cNvPr id="1" name=""/>
+        <p:cNvGrpSpPr/>
+        <p:nvPr/>
+      </p:nvGrpSpPr>
+      <p:grpSpPr>
+        <a:xfrm>
+          <a:off x="0" y="0"/>
+          <a:ext cx="0" cy="0"/>
+          <a:chOff x="0" y="0"/>
+          <a:chExt cx="0" cy="0"/>
+        </a:xfrm>
+      </p:grpSpPr>
+      <p:sp>
+        <p:nvSpPr>
+          <p:cNvPr id="2" name="Slide Image Placeholder 1"/>
+          <p:cNvSpPr>
+            <a:spLocks noGrp="1" noRot="1" noChangeAspect="1"/>
+          </p:cNvSpPr>
+          <p:nvPr>
+            <p:ph type="sldImg"/>
+          </p:nvPr>
+        </p:nvSpPr>
+        <p:spPr/>
+      </p:sp>
+      <p:sp>
+        <p:nvSpPr>
+          <p:cNvPr id="3" name="Notes Placeholder 2"/>
+          <p:cNvSpPr>
+            <a:spLocks noGrp="1"/>
+          </p:cNvSpPr>
+          <p:nvPr>
+            <p:ph type="body" idx="1"/>
+          </p:nvPr>
+        </p:nvSpPr>
+        <p:spPr/>
+        <p:txBody>
+          <a:bodyPr/>
+          <a:lstStyle/>
+          <a:p>
+            <a:r>
+              <a:rPr lang="en-US" dirty="0" smtClean="0"/>
+              <a:t>Give</a:t>
+            </a:r>
+            <a:r>
+              <a:rPr lang="en-US" baseline="0" dirty="0" smtClean="0"/>
+              <a:t> example, go through the lines</a:t>
+            </a:r>
+            <a:endParaRPr lang="en-US" dirty="0"/>
+          </a:p>
+        </p:txBody>
+      </p:sp>
+      <p:sp>
+        <p:nvSpPr>
+          <p:cNvPr id="4" name="Slide Number Placeholder 3"/>
+          <p:cNvSpPr>
+            <a:spLocks noGrp="1"/>
+          </p:cNvSpPr>
+          <p:nvPr>
+            <p:ph type="sldNum" sz="quarter" idx="10"/>
+          </p:nvPr>
+        </p:nvSpPr>
+        <p:spPr/>
+        <p:txBody>
+          <a:bodyPr/>
+          <a:lstStyle/>
+          <a:p>
+            <a:fld id="{D2A84381-3185-C147-A825-3C7E66594F36}" type="slidenum">
+              <a:rPr lang="en-US" smtClean="0"/>
+              <a:t>30</a:t>
+            </a:fld>
+            <a:endParaRPr lang="en-US"/>
+          </a:p>
+        </p:txBody>
+      </p:sp>
+    </p:spTree>
+    <p:extLst>
+      <p:ext uri="{BB962C8B-B14F-4D97-AF65-F5344CB8AC3E}">
+        <p14:creationId xmlns:p14="http://schemas.microsoft.com/office/powerpoint/2010/main" val="1611986300"/>
+      </p:ext>
+    </p:extLst>
+  </p:cSld>
+  <p:clrMapOvr>
+    <a:masterClrMapping/>
+  </p:clrMapOvr>
+</p:notes>
+</file>
+
+<file path=ppt/notesSlides/notesSlide26.xml><?xml version="1.0" encoding="utf-8"?>
+<p:notes xmlns:a="http://schemas.openxmlformats.org/drawingml/2006/main" xmlns:r="http://schemas.openxmlformats.org/officeDocument/2006/relationships" xmlns:p="http://schemas.openxmlformats.org/presentationml/2006/main">
+  <p:cSld>
+    <p:spTree>
+      <p:nvGrpSpPr>
+        <p:cNvPr id="1" name=""/>
+        <p:cNvGrpSpPr/>
+        <p:nvPr/>
+      </p:nvGrpSpPr>
+      <p:grpSpPr>
+        <a:xfrm>
+          <a:off x="0" y="0"/>
+          <a:ext cx="0" cy="0"/>
+          <a:chOff x="0" y="0"/>
+          <a:chExt cx="0" cy="0"/>
+        </a:xfrm>
+      </p:grpSpPr>
+      <p:sp>
+        <p:nvSpPr>
+          <p:cNvPr id="2" name="Slide Image Placeholder 1"/>
+          <p:cNvSpPr>
+            <a:spLocks noGrp="1" noRot="1" noChangeAspect="1"/>
+          </p:cNvSpPr>
+          <p:nvPr>
+            <p:ph type="sldImg"/>
+          </p:nvPr>
+        </p:nvSpPr>
+        <p:spPr/>
+      </p:sp>
+      <p:sp>
+        <p:nvSpPr>
+          <p:cNvPr id="3" name="Notes Placeholder 2"/>
+          <p:cNvSpPr>
+            <a:spLocks noGrp="1"/>
+          </p:cNvSpPr>
+          <p:nvPr>
+            <p:ph type="body" idx="1"/>
+          </p:nvPr>
+        </p:nvSpPr>
+        <p:spPr/>
+        <p:txBody>
+          <a:bodyPr/>
+          <a:lstStyle/>
+          <a:p>
+            <a:r>
+              <a:rPr lang="en-US" dirty="0" smtClean="0"/>
+              <a:t>How </a:t>
+            </a:r>
+            <a:r>
+              <a:rPr lang="en-US" smtClean="0"/>
+              <a:t>to install </a:t>
+            </a:r>
+            <a:endParaRPr lang="en-US" dirty="0"/>
+          </a:p>
+        </p:txBody>
+      </p:sp>
+      <p:sp>
+        <p:nvSpPr>
+          <p:cNvPr id="4" name="Slide Number Placeholder 3"/>
+          <p:cNvSpPr>
+            <a:spLocks noGrp="1"/>
+          </p:cNvSpPr>
+          <p:nvPr>
+            <p:ph type="sldNum" sz="quarter" idx="10"/>
+          </p:nvPr>
+        </p:nvSpPr>
+        <p:spPr/>
+        <p:txBody>
+          <a:bodyPr/>
+          <a:lstStyle/>
+          <a:p>
+            <a:fld id="{D2A84381-3185-C147-A825-3C7E66594F36}" type="slidenum">
+              <a:rPr lang="en-US" smtClean="0"/>
+              <a:t>33</a:t>
+            </a:fld>
+            <a:endParaRPr lang="en-US"/>
+          </a:p>
+        </p:txBody>
+      </p:sp>
+    </p:spTree>
+    <p:extLst>
+      <p:ext uri="{BB962C8B-B14F-4D97-AF65-F5344CB8AC3E}">
+        <p14:creationId xmlns:p14="http://schemas.microsoft.com/office/powerpoint/2010/main" val="1794073775"/>
+      </p:ext>
+    </p:extLst>
+  </p:cSld>
+  <p:clrMapOvr>
+    <a:masterClrMapping/>
+  </p:clrMapOvr>
+</p:notes>
+</file>
+
+<file path=ppt/notesSlides/notesSlide27.xml><?xml version="1.0" encoding="utf-8"?>
+<p:notes xmlns:a="http://schemas.openxmlformats.org/drawingml/2006/main" xmlns:r="http://schemas.openxmlformats.org/officeDocument/2006/relationships" xmlns:p="http://schemas.openxmlformats.org/presentationml/2006/main">
+  <p:cSld>
+    <p:spTree>
+      <p:nvGrpSpPr>
+        <p:cNvPr id="1" name=""/>
+        <p:cNvGrpSpPr/>
+        <p:nvPr/>
+      </p:nvGrpSpPr>
+      <p:grpSpPr>
+        <a:xfrm>
+          <a:off x="0" y="0"/>
+          <a:ext cx="0" cy="0"/>
+          <a:chOff x="0" y="0"/>
+          <a:chExt cx="0" cy="0"/>
+        </a:xfrm>
+      </p:grpSpPr>
+      <p:sp>
+        <p:nvSpPr>
+          <p:cNvPr id="2" name="Slide Image Placeholder 1"/>
+          <p:cNvSpPr>
+            <a:spLocks noGrp="1" noRot="1" noChangeAspect="1"/>
+          </p:cNvSpPr>
+          <p:nvPr>
+            <p:ph type="sldImg"/>
+          </p:nvPr>
+        </p:nvSpPr>
+        <p:spPr/>
+      </p:sp>
+      <p:sp>
+        <p:nvSpPr>
+          <p:cNvPr id="3" name="Notes Placeholder 2"/>
+          <p:cNvSpPr>
+            <a:spLocks noGrp="1"/>
+          </p:cNvSpPr>
+          <p:nvPr>
+            <p:ph type="body" idx="1"/>
+          </p:nvPr>
+        </p:nvSpPr>
+        <p:spPr/>
+        <p:txBody>
+          <a:bodyPr/>
+          <a:lstStyle/>
+          <a:p>
+            <a:r>
+              <a:rPr lang="en-US" dirty="0" smtClean="0"/>
+              <a:t>Don’t really need full version </a:t>
+            </a:r>
+            <a:endParaRPr lang="en-US" dirty="0"/>
+          </a:p>
+        </p:txBody>
+      </p:sp>
+      <p:sp>
+        <p:nvSpPr>
+          <p:cNvPr id="4" name="Slide Number Placeholder 3"/>
+          <p:cNvSpPr>
+            <a:spLocks noGrp="1"/>
+          </p:cNvSpPr>
+          <p:nvPr>
+            <p:ph type="sldNum" sz="quarter" idx="10"/>
+          </p:nvPr>
+        </p:nvSpPr>
+        <p:spPr/>
+        <p:txBody>
+          <a:bodyPr/>
+          <a:lstStyle/>
+          <a:p>
+            <a:fld id="{D2A84381-3185-C147-A825-3C7E66594F36}" type="slidenum">
+              <a:rPr lang="en-US" smtClean="0"/>
+              <a:t>34</a:t>
+            </a:fld>
+            <a:endParaRPr lang="en-US"/>
+          </a:p>
+        </p:txBody>
+      </p:sp>
+    </p:spTree>
+    <p:extLst>
+      <p:ext uri="{BB962C8B-B14F-4D97-AF65-F5344CB8AC3E}">
+        <p14:creationId xmlns:p14="http://schemas.microsoft.com/office/powerpoint/2010/main" val="3089537811"/>
       </p:ext>
     </p:extLst>
   </p:cSld>
@@ -1147,12 +2715,16 @@
           </a:p>
           <a:p>
             <a:r>
-              <a:rPr lang="en-US" dirty="0" err="1" smtClean="0"/>
-              <a:t>Conveniet</a:t>
+              <a:rPr lang="en-US" dirty="0" smtClean="0"/>
+              <a:t>Convenient</a:t>
             </a:r>
             <a:r>
               <a:rPr lang="en-US" baseline="0" dirty="0" smtClean="0"/>
-              <a:t> as it is hosted on a cloud, can get it anyway just by logging into your account</a:t>
+              <a:t> </a:t>
+            </a:r>
+            <a:r>
+              <a:rPr lang="en-US" baseline="0" dirty="0" smtClean="0"/>
+              <a:t>as it is hosted on a cloud, can get it anyway just by logging into your account</a:t>
             </a:r>
           </a:p>
           <a:p>
@@ -1373,11 +2945,7 @@
           <a:p>
             <a:r>
               <a:rPr lang="en-US" dirty="0" smtClean="0"/>
-              <a:t>John </a:t>
-            </a:r>
-            <a:r>
-              <a:rPr lang="en-US" dirty="0" smtClean="0"/>
-              <a:t>West’s slides used for this</a:t>
+              <a:t>John West’s slides used for this</a:t>
             </a:r>
             <a:r>
               <a:rPr lang="en-US" baseline="0" dirty="0" smtClean="0"/>
@@ -1388,6 +2956,24 @@
             <a:r>
               <a:rPr lang="en-US" baseline="0" dirty="0" smtClean="0"/>
               <a:t>He was an engineer for a while too </a:t>
+            </a:r>
+            <a:endParaRPr lang="en-US" baseline="0" dirty="0" smtClean="0"/>
+          </a:p>
+          <a:p>
+            <a:endParaRPr lang="en-US" baseline="0" dirty="0" smtClean="0"/>
+          </a:p>
+          <a:p>
+            <a:r>
+              <a:rPr lang="en-US" baseline="0" dirty="0" smtClean="0"/>
+              <a:t>Pull up the code in </a:t>
+            </a:r>
+            <a:r>
+              <a:rPr lang="en-US" baseline="0" dirty="0" err="1" smtClean="0"/>
+              <a:t>unit_test_demo</a:t>
+            </a:r>
+            <a:r>
+              <a:rPr lang="en-US" baseline="0" dirty="0" smtClean="0"/>
+              <a:t> (can be opened with plain text editor) </a:t>
             </a:r>
             <a:endParaRPr lang="en-US" dirty="0"/>
           </a:p>
@@ -1569,14 +3155,6 @@
           <a:bodyPr/>
           <a:lstStyle/>
           <a:p>
-            <a:r>
-              <a:rPr lang="en-US" dirty="0" smtClean="0"/>
-              <a:t>More explicit: for software bugs or your</a:t>
-            </a:r>
-            <a:r>
-              <a:rPr lang="en-US" baseline="0" dirty="0" smtClean="0"/>
-              <a:t> own programming bugs?</a:t>
-            </a:r>
             <a:endParaRPr lang="en-US" dirty="0"/>
           </a:p>
         </p:txBody>
@@ -1598,7 +3176,7 @@
           <a:p>
             <a:fld id="{D2A84381-3185-C147-A825-3C7E66594F36}" type="slidenum">
               <a:rPr lang="en-US" smtClean="0"/>
-              <a:t>27</a:t>
+              <a:t>11</a:t>
             </a:fld>
             <a:endParaRPr lang="en-US"/>
           </a:p>
@@ -1607,7 +3185,7 @@
     </p:spTree>
     <p:extLst>
       <p:ext uri="{BB962C8B-B14F-4D97-AF65-F5344CB8AC3E}">
-        <p14:creationId xmlns:p14="http://schemas.microsoft.com/office/powerpoint/2010/main" val="2198081469"/>
+        <p14:creationId xmlns:p14="http://schemas.microsoft.com/office/powerpoint/2010/main" val="2252299267"/>
       </p:ext>
     </p:extLst>
   </p:cSld>
@@ -7491,21 +9069,46 @@
           <a:p>
             <a:r>
               <a:rPr lang="en-US" dirty="0" smtClean="0"/>
-              <a:t>Don’t try to understand everything in one go</a:t>
-            </a:r>
-          </a:p>
-          <a:p>
-            <a:r>
-              <a:rPr lang="en-US" dirty="0" smtClean="0"/>
-              <a:t>Identify one place you need to begin work on</a:t>
-            </a:r>
-          </a:p>
-          <a:p>
-            <a:r>
-              <a:rPr lang="en-US" dirty="0" smtClean="0"/>
-              <a:t>Ask the person who worked on it to explain what was going on in that part, then start!  </a:t>
-            </a:r>
-            <a:endParaRPr lang="en-US" dirty="0"/>
+              <a:t>Don’t try to understand everything in one </a:t>
+            </a:r>
+            <a:r>
+              <a:rPr lang="en-US" dirty="0" smtClean="0"/>
+              <a:t>go</a:t>
+            </a:r>
+          </a:p>
+          <a:p>
+            <a:r>
+              <a:rPr lang="en-US" dirty="0" smtClean="0"/>
+              <a:t>Ask them to explain the important parts affecting the functionality you will work on </a:t>
+            </a:r>
+            <a:endParaRPr lang="en-US" dirty="0" smtClean="0"/>
+          </a:p>
+          <a:p>
+            <a:r>
+              <a:rPr lang="en-US" dirty="0" smtClean="0"/>
+              <a:t>Identify one place you need to begin work </a:t>
+            </a:r>
+            <a:r>
+              <a:rPr lang="en-US" dirty="0" smtClean="0"/>
+              <a:t>on</a:t>
+            </a:r>
+          </a:p>
+          <a:p>
+            <a:pPr lvl="1"/>
+            <a:r>
+              <a:rPr lang="en-US" dirty="0" smtClean="0"/>
+              <a:t>Play with the code a bit</a:t>
+            </a:r>
+          </a:p>
+          <a:p>
+            <a:pPr lvl="1"/>
+            <a:r>
+              <a:rPr lang="en-US" dirty="0" smtClean="0"/>
+              <a:t>Comment out things to see what part of the code controls which bit of functionality </a:t>
+            </a:r>
+          </a:p>
+          <a:p>
+            <a:endParaRPr lang="en-US" dirty="0" smtClean="0"/>
           </a:p>
         </p:txBody>
       </p:sp>
@@ -7541,60 +9144,62 @@
       </p:grpSpPr>
       <p:sp>
         <p:nvSpPr>
-          <p:cNvPr id="2" name="Title 1"/>
-          <p:cNvSpPr>
-            <a:spLocks noGrp="1"/>
-          </p:cNvSpPr>
-          <p:nvPr>
-            <p:ph type="title"/>
-          </p:nvPr>
-        </p:nvSpPr>
-        <p:spPr/>
-        <p:txBody>
-          <a:bodyPr/>
-          <a:lstStyle/>
-          <a:p>
-            <a:r>
-              <a:rPr lang="en-US" dirty="0" smtClean="0"/>
-              <a:t>Taking over someone’s project </a:t>
-            </a:r>
-            <a:endParaRPr lang="en-US" dirty="0"/>
-          </a:p>
-        </p:txBody>
-      </p:sp>
-      <p:sp>
-        <p:nvSpPr>
-          <p:cNvPr id="3" name="Content Placeholder 2"/>
-          <p:cNvSpPr>
-            <a:spLocks noGrp="1"/>
-          </p:cNvSpPr>
-          <p:nvPr>
-            <p:ph idx="1"/>
-          </p:nvPr>
-        </p:nvSpPr>
-        <p:spPr/>
-        <p:txBody>
-          <a:bodyPr/>
-          <a:lstStyle/>
-          <a:p>
-            <a:r>
-              <a:rPr lang="en-US" dirty="0" smtClean="0"/>
-              <a:t>Comment/uncomment out bits of their code</a:t>
-            </a:r>
-          </a:p>
-          <a:p>
-            <a:r>
-              <a:rPr lang="en-US" dirty="0" smtClean="0"/>
-              <a:t>See what part of the code controls the functionality </a:t>
-            </a:r>
-            <a:endParaRPr lang="en-US" dirty="0"/>
+          <p:cNvPr id="3" name="Title 2"/>
+          <p:cNvSpPr>
+            <a:spLocks noGrp="1"/>
+          </p:cNvSpPr>
+          <p:nvPr>
+            <p:ph type="ctrTitle"/>
+          </p:nvPr>
+        </p:nvSpPr>
+        <p:spPr>
+          <a:solidFill>
+            <a:schemeClr val="tx1"/>
+          </a:solidFill>
+        </p:spPr>
+        <p:txBody>
+          <a:bodyPr/>
+          <a:lstStyle/>
+          <a:p>
+            <a:r>
+              <a:rPr lang="en-US" dirty="0" smtClean="0">
+                <a:solidFill>
+                  <a:srgbClr val="FFFFFF"/>
+                </a:solidFill>
+              </a:rPr>
+              <a:t>Solving Problems</a:t>
+            </a:r>
+            <a:endParaRPr lang="en-US" dirty="0">
+              <a:solidFill>
+                <a:srgbClr val="FFFFFF"/>
+              </a:solidFill>
+            </a:endParaRPr>
+          </a:p>
+        </p:txBody>
+      </p:sp>
+      <p:sp>
+        <p:nvSpPr>
+          <p:cNvPr id="4" name="Subtitle 3"/>
+          <p:cNvSpPr>
+            <a:spLocks noGrp="1"/>
+          </p:cNvSpPr>
+          <p:nvPr>
+            <p:ph type="subTitle" idx="1"/>
+          </p:nvPr>
+        </p:nvSpPr>
+        <p:spPr/>
+        <p:txBody>
+          <a:bodyPr/>
+          <a:lstStyle/>
+          <a:p>
+            <a:endParaRPr lang="en-US"/>
           </a:p>
         </p:txBody>
       </p:sp>
     </p:spTree>
     <p:extLst>
       <p:ext uri="{BB962C8B-B14F-4D97-AF65-F5344CB8AC3E}">
-        <p14:creationId xmlns:p14="http://schemas.microsoft.com/office/powerpoint/2010/main" val="3486859430"/>
+        <p14:creationId xmlns:p14="http://schemas.microsoft.com/office/powerpoint/2010/main" val="2196298696"/>
       </p:ext>
     </p:extLst>
   </p:cSld>
@@ -7623,62 +9228,111 @@
       </p:grpSpPr>
       <p:sp>
         <p:nvSpPr>
-          <p:cNvPr id="3" name="Title 2"/>
-          <p:cNvSpPr>
-            <a:spLocks noGrp="1"/>
-          </p:cNvSpPr>
-          <p:nvPr>
-            <p:ph type="ctrTitle"/>
-          </p:nvPr>
-        </p:nvSpPr>
-        <p:spPr>
-          <a:solidFill>
-            <a:schemeClr val="tx1"/>
-          </a:solidFill>
-        </p:spPr>
-        <p:txBody>
-          <a:bodyPr/>
-          <a:lstStyle/>
-          <a:p>
-            <a:r>
-              <a:rPr lang="en-US" dirty="0" smtClean="0">
-                <a:solidFill>
-                  <a:srgbClr val="FFFFFF"/>
-                </a:solidFill>
-              </a:rPr>
-              <a:t>Solving Problems</a:t>
-            </a:r>
-            <a:endParaRPr lang="en-US" dirty="0">
-              <a:solidFill>
-                <a:srgbClr val="FFFFFF"/>
-              </a:solidFill>
-            </a:endParaRPr>
-          </a:p>
-        </p:txBody>
-      </p:sp>
-      <p:sp>
-        <p:nvSpPr>
-          <p:cNvPr id="4" name="Subtitle 3"/>
-          <p:cNvSpPr>
-            <a:spLocks noGrp="1"/>
-          </p:cNvSpPr>
-          <p:nvPr>
-            <p:ph type="subTitle" idx="1"/>
-          </p:nvPr>
-        </p:nvSpPr>
-        <p:spPr/>
-        <p:txBody>
-          <a:bodyPr/>
-          <a:lstStyle/>
-          <a:p>
-            <a:endParaRPr lang="en-US"/>
+          <p:cNvPr id="2" name="Title 1"/>
+          <p:cNvSpPr>
+            <a:spLocks noGrp="1"/>
+          </p:cNvSpPr>
+          <p:nvPr>
+            <p:ph type="title"/>
+          </p:nvPr>
+        </p:nvSpPr>
+        <p:spPr/>
+        <p:txBody>
+          <a:bodyPr/>
+          <a:lstStyle/>
+          <a:p>
+            <a:r>
+              <a:rPr lang="en-US" dirty="0" smtClean="0"/>
+              <a:t>What if you hit a problem?</a:t>
+            </a:r>
+            <a:endParaRPr lang="en-US" dirty="0"/>
+          </a:p>
+        </p:txBody>
+      </p:sp>
+      <p:sp>
+        <p:nvSpPr>
+          <p:cNvPr id="3" name="Content Placeholder 2"/>
+          <p:cNvSpPr>
+            <a:spLocks noGrp="1"/>
+          </p:cNvSpPr>
+          <p:nvPr>
+            <p:ph idx="1"/>
+          </p:nvPr>
+        </p:nvSpPr>
+        <p:spPr/>
+        <p:txBody>
+          <a:bodyPr>
+            <a:normAutofit fontScale="92500" lnSpcReduction="10000"/>
+          </a:bodyPr>
+          <a:lstStyle/>
+          <a:p>
+            <a:r>
+              <a:rPr lang="en-US" dirty="0" smtClean="0"/>
+              <a:t>Coding problem</a:t>
+            </a:r>
+          </a:p>
+          <a:p>
+            <a:pPr lvl="1"/>
+            <a:r>
+              <a:rPr lang="en-US" dirty="0"/>
+              <a:t>C</a:t>
+            </a:r>
+            <a:r>
+              <a:rPr lang="en-US" dirty="0" smtClean="0"/>
+              <a:t>hances </a:t>
+            </a:r>
+            <a:r>
+              <a:rPr lang="en-US" dirty="0" smtClean="0"/>
+              <a:t>are someone else has a similar problem, and a solution exists</a:t>
+            </a:r>
+          </a:p>
+          <a:p>
+            <a:pPr lvl="1"/>
+            <a:r>
+              <a:rPr lang="en-US" dirty="0" smtClean="0"/>
+              <a:t>Google it. How would you phrase that question to a human?</a:t>
+            </a:r>
+          </a:p>
+          <a:p>
+            <a:r>
+              <a:rPr lang="en-US" dirty="0" smtClean="0"/>
+              <a:t>Who does research in that general area?  </a:t>
+            </a:r>
+          </a:p>
+          <a:p>
+            <a:pPr lvl="1"/>
+            <a:r>
+              <a:rPr lang="en-US" dirty="0" smtClean="0"/>
+              <a:t>Look at their papers for something similar you can adapt </a:t>
+            </a:r>
+          </a:p>
+          <a:p>
+            <a:r>
+              <a:rPr lang="en-US" dirty="0" smtClean="0"/>
+              <a:t>How would you do it manually?</a:t>
+            </a:r>
+          </a:p>
+          <a:p>
+            <a:pPr lvl="1"/>
+            <a:r>
+              <a:rPr lang="en-US" dirty="0" smtClean="0"/>
+              <a:t>Describe the steps, then code it up </a:t>
+            </a:r>
+          </a:p>
+          <a:p>
+            <a:pPr lvl="1"/>
+            <a:endParaRPr lang="en-US" dirty="0"/>
+          </a:p>
+          <a:p>
+            <a:pPr lvl="1"/>
+            <a:endParaRPr lang="en-US" dirty="0"/>
           </a:p>
         </p:txBody>
       </p:sp>
     </p:spTree>
     <p:extLst>
       <p:ext uri="{BB962C8B-B14F-4D97-AF65-F5344CB8AC3E}">
-        <p14:creationId xmlns:p14="http://schemas.microsoft.com/office/powerpoint/2010/main" val="2196298696"/>
+        <p14:creationId xmlns:p14="http://schemas.microsoft.com/office/powerpoint/2010/main" val="3071680531"/>
       </p:ext>
     </p:extLst>
   </p:cSld>
@@ -7722,7 +9376,7 @@
           <a:p>
             <a:r>
               <a:rPr lang="en-US" dirty="0" smtClean="0"/>
-              <a:t>What if you hit a problem?</a:t>
+              <a:t>How to ask good questions online</a:t>
             </a:r>
             <a:endParaRPr lang="en-US" dirty="0"/>
           </a:p>
@@ -7740,66 +9394,66 @@
         </p:nvSpPr>
         <p:spPr/>
         <p:txBody>
-          <a:bodyPr>
-            <a:normAutofit fontScale="92500" lnSpcReduction="10000"/>
-          </a:bodyPr>
-          <a:lstStyle/>
-          <a:p>
-            <a:r>
-              <a:rPr lang="en-US" dirty="0" smtClean="0"/>
-              <a:t>Coding problem</a:t>
+          <a:bodyPr/>
+          <a:lstStyle/>
+          <a:p>
+            <a:r>
+              <a:rPr lang="en-US" dirty="0" smtClean="0"/>
+              <a:t>Choose where to ask</a:t>
             </a:r>
           </a:p>
           <a:p>
             <a:pPr lvl="1"/>
             <a:r>
+              <a:rPr lang="en-US" dirty="0" smtClean="0"/>
+              <a:t>Stack </a:t>
+            </a:r>
+            <a:r>
+              <a:rPr lang="en-US" dirty="0" smtClean="0"/>
+              <a:t>Overflow </a:t>
+            </a:r>
+            <a:r>
+              <a:rPr lang="en-US" dirty="0" err="1" smtClean="0"/>
+              <a:t>vs</a:t>
+            </a:r>
+            <a:r>
+              <a:rPr lang="en-US" dirty="0" smtClean="0"/>
+              <a:t> Stack Exchange</a:t>
+            </a:r>
+          </a:p>
+          <a:p>
+            <a:r>
+              <a:rPr lang="en-US" dirty="0" smtClean="0"/>
+              <a:t>Search the web</a:t>
+            </a:r>
+          </a:p>
+          <a:p>
+            <a:r>
+              <a:rPr lang="en-US" dirty="0" smtClean="0"/>
+              <a:t>Project mailing lists</a:t>
+            </a:r>
+          </a:p>
+          <a:p>
+            <a:r>
+              <a:rPr lang="en-US" dirty="0" smtClean="0"/>
+              <a:t>Meaningful specific subject headers</a:t>
+            </a:r>
+          </a:p>
+          <a:p>
+            <a:r>
               <a:rPr lang="en-US" dirty="0"/>
-              <a:t>c</a:t>
-            </a:r>
-            <a:r>
-              <a:rPr lang="en-US" dirty="0" smtClean="0"/>
-              <a:t>hances are someone else has a similar problem, and a solution exists</a:t>
-            </a:r>
-          </a:p>
-          <a:p>
-            <a:pPr lvl="1"/>
-            <a:r>
-              <a:rPr lang="en-US" dirty="0" smtClean="0"/>
-              <a:t>Google it. How would you phrase that question to a human?</a:t>
-            </a:r>
-          </a:p>
-          <a:p>
-            <a:r>
-              <a:rPr lang="en-US" dirty="0" smtClean="0"/>
-              <a:t>Who does research in that general area?  </a:t>
-            </a:r>
-          </a:p>
-          <a:p>
-            <a:pPr lvl="1"/>
-            <a:r>
-              <a:rPr lang="en-US" dirty="0" smtClean="0"/>
-              <a:t>Look at their papers for something similar you can adapt </a:t>
-            </a:r>
-          </a:p>
-          <a:p>
-            <a:r>
-              <a:rPr lang="en-US" dirty="0" smtClean="0"/>
-              <a:t>How would you do it manually?</a:t>
-            </a:r>
-          </a:p>
-          <a:p>
-            <a:pPr lvl="1"/>
-            <a:r>
-              <a:rPr lang="en-US" dirty="0" smtClean="0"/>
-              <a:t>Describe the steps, then code it up </a:t>
-            </a:r>
-          </a:p>
-          <a:p>
-            <a:pPr lvl="1"/>
-            <a:endParaRPr lang="en-US" dirty="0"/>
-          </a:p>
-          <a:p>
-            <a:pPr lvl="1"/>
+              <a:t>Questions in readable data formats</a:t>
+            </a:r>
+          </a:p>
+          <a:p>
+            <a:r>
+              <a:rPr lang="en-US" dirty="0"/>
+              <a:t>Have your contact info readily </a:t>
+            </a:r>
+            <a:r>
+              <a:rPr lang="en-US" dirty="0" smtClean="0"/>
+              <a:t>available </a:t>
+            </a:r>
             <a:endParaRPr lang="en-US" dirty="0"/>
           </a:p>
         </p:txBody>
@@ -7807,7 +9461,7 @@
     </p:spTree>
     <p:extLst>
       <p:ext uri="{BB962C8B-B14F-4D97-AF65-F5344CB8AC3E}">
-        <p14:creationId xmlns:p14="http://schemas.microsoft.com/office/powerpoint/2010/main" val="3071680531"/>
+        <p14:creationId xmlns:p14="http://schemas.microsoft.com/office/powerpoint/2010/main" val="2509113974"/>
       </p:ext>
     </p:extLst>
   </p:cSld>
@@ -7851,139 +9505,6 @@
           <a:p>
             <a:r>
               <a:rPr lang="en-US" dirty="0" smtClean="0"/>
-              <a:t>How to ask good questions online</a:t>
-            </a:r>
-            <a:endParaRPr lang="en-US" dirty="0"/>
-          </a:p>
-        </p:txBody>
-      </p:sp>
-      <p:sp>
-        <p:nvSpPr>
-          <p:cNvPr id="3" name="Content Placeholder 2"/>
-          <p:cNvSpPr>
-            <a:spLocks noGrp="1"/>
-          </p:cNvSpPr>
-          <p:nvPr>
-            <p:ph idx="1"/>
-          </p:nvPr>
-        </p:nvSpPr>
-        <p:spPr/>
-        <p:txBody>
-          <a:bodyPr/>
-          <a:lstStyle/>
-          <a:p>
-            <a:r>
-              <a:rPr lang="en-US" dirty="0" smtClean="0"/>
-              <a:t>Choose where to ask</a:t>
-            </a:r>
-          </a:p>
-          <a:p>
-            <a:pPr lvl="1"/>
-            <a:r>
-              <a:rPr lang="en-US" dirty="0" smtClean="0"/>
-              <a:t>Stack </a:t>
-            </a:r>
-            <a:r>
-              <a:rPr lang="en-US" dirty="0" err="1" smtClean="0"/>
-              <a:t>Oveflow</a:t>
-            </a:r>
-            <a:r>
-              <a:rPr lang="en-US" dirty="0" smtClean="0"/>
-              <a:t> </a:t>
-            </a:r>
-            <a:r>
-              <a:rPr lang="en-US" dirty="0" err="1" smtClean="0"/>
-              <a:t>vs</a:t>
-            </a:r>
-            <a:r>
-              <a:rPr lang="en-US" dirty="0" smtClean="0"/>
-              <a:t> Stack Exchange</a:t>
-            </a:r>
-          </a:p>
-          <a:p>
-            <a:r>
-              <a:rPr lang="en-US" dirty="0" smtClean="0"/>
-              <a:t>Search the web</a:t>
-            </a:r>
-          </a:p>
-          <a:p>
-            <a:r>
-              <a:rPr lang="en-US" dirty="0" smtClean="0"/>
-              <a:t>Project mailing lists</a:t>
-            </a:r>
-          </a:p>
-          <a:p>
-            <a:r>
-              <a:rPr lang="en-US" dirty="0" smtClean="0"/>
-              <a:t>Meaningful specific subject headers</a:t>
-            </a:r>
-          </a:p>
-          <a:p>
-            <a:r>
-              <a:rPr lang="en-US" dirty="0"/>
-              <a:t>Questions in readable data formats</a:t>
-            </a:r>
-          </a:p>
-          <a:p>
-            <a:r>
-              <a:rPr lang="en-US" dirty="0"/>
-              <a:t>Have your contact info readily </a:t>
-            </a:r>
-            <a:r>
-              <a:rPr lang="en-US" dirty="0" err="1" smtClean="0"/>
-              <a:t>availabl</a:t>
-            </a:r>
-            <a:endParaRPr lang="en-US" dirty="0"/>
-          </a:p>
-        </p:txBody>
-      </p:sp>
-    </p:spTree>
-    <p:extLst>
-      <p:ext uri="{BB962C8B-B14F-4D97-AF65-F5344CB8AC3E}">
-        <p14:creationId xmlns:p14="http://schemas.microsoft.com/office/powerpoint/2010/main" val="2509113974"/>
-      </p:ext>
-    </p:extLst>
-  </p:cSld>
-  <p:clrMapOvr>
-    <a:masterClrMapping/>
-  </p:clrMapOvr>
-</p:sld>
-</file>
-
-<file path=ppt/slides/slide25.xml><?xml version="1.0" encoding="utf-8"?>
-<p:sld xmlns:a="http://schemas.openxmlformats.org/drawingml/2006/main" xmlns:r="http://schemas.openxmlformats.org/officeDocument/2006/relationships" xmlns:p="http://schemas.openxmlformats.org/presentationml/2006/main">
-  <p:cSld>
-    <p:spTree>
-      <p:nvGrpSpPr>
-        <p:cNvPr id="1" name=""/>
-        <p:cNvGrpSpPr/>
-        <p:nvPr/>
-      </p:nvGrpSpPr>
-      <p:grpSpPr>
-        <a:xfrm>
-          <a:off x="0" y="0"/>
-          <a:ext cx="0" cy="0"/>
-          <a:chOff x="0" y="0"/>
-          <a:chExt cx="0" cy="0"/>
-        </a:xfrm>
-      </p:grpSpPr>
-      <p:sp>
-        <p:nvSpPr>
-          <p:cNvPr id="2" name="Title 1"/>
-          <p:cNvSpPr>
-            <a:spLocks noGrp="1"/>
-          </p:cNvSpPr>
-          <p:nvPr>
-            <p:ph type="title"/>
-          </p:nvPr>
-        </p:nvSpPr>
-        <p:spPr/>
-        <p:txBody>
-          <a:bodyPr/>
-          <a:lstStyle/>
-          <a:p>
-            <a:r>
-              <a:rPr lang="en-US" dirty="0" smtClean="0"/>
               <a:t>Stack Overflow</a:t>
             </a:r>
             <a:endParaRPr lang="en-US" dirty="0"/>
@@ -7999,7 +9520,7 @@
           <p:nvPr/>
         </p:nvPicPr>
         <p:blipFill>
-          <a:blip r:embed="rId2">
+          <a:blip r:embed="rId3">
             <a:extLst>
               <a:ext uri="{28A0092B-C50C-407E-A947-70E740481C1C}">
                 <a14:useLocalDpi xmlns:a14="http://schemas.microsoft.com/office/drawing/2010/main" val="0"/>
@@ -8033,7 +9554,7 @@
 </p:sld>
 </file>
 
-<file path=ppt/slides/slide26.xml><?xml version="1.0" encoding="utf-8"?>
+<file path=ppt/slides/slide25.xml><?xml version="1.0" encoding="utf-8"?>
 <p:sld xmlns:a="http://schemas.openxmlformats.org/drawingml/2006/main" xmlns:r="http://schemas.openxmlformats.org/officeDocument/2006/relationships" xmlns:p="http://schemas.openxmlformats.org/presentationml/2006/main">
   <p:cSld>
     <p:spTree>
@@ -8082,7 +9603,7 @@
           <p:nvPr/>
         </p:nvPicPr>
         <p:blipFill>
-          <a:blip r:embed="rId2">
+          <a:blip r:embed="rId3">
             <a:extLst>
               <a:ext uri="{28A0092B-C50C-407E-A947-70E740481C1C}">
                 <a14:useLocalDpi xmlns:a14="http://schemas.microsoft.com/office/drawing/2010/main" val="0"/>
@@ -8116,6 +9637,106 @@
 </p:sld>
 </file>
 
+<file path=ppt/slides/slide26.xml><?xml version="1.0" encoding="utf-8"?>
+<p:sld xmlns:a="http://schemas.openxmlformats.org/drawingml/2006/main" xmlns:r="http://schemas.openxmlformats.org/officeDocument/2006/relationships" xmlns:p="http://schemas.openxmlformats.org/presentationml/2006/main">
+  <p:cSld>
+    <p:spTree>
+      <p:nvGrpSpPr>
+        <p:cNvPr id="1" name=""/>
+        <p:cNvGrpSpPr/>
+        <p:nvPr/>
+      </p:nvGrpSpPr>
+      <p:grpSpPr>
+        <a:xfrm>
+          <a:off x="0" y="0"/>
+          <a:ext cx="0" cy="0"/>
+          <a:chOff x="0" y="0"/>
+          <a:chExt cx="0" cy="0"/>
+        </a:xfrm>
+      </p:grpSpPr>
+      <p:sp>
+        <p:nvSpPr>
+          <p:cNvPr id="2" name="Title 1"/>
+          <p:cNvSpPr>
+            <a:spLocks noGrp="1"/>
+          </p:cNvSpPr>
+          <p:nvPr>
+            <p:ph type="title"/>
+          </p:nvPr>
+        </p:nvSpPr>
+        <p:spPr/>
+        <p:txBody>
+          <a:bodyPr/>
+          <a:lstStyle/>
+          <a:p>
+            <a:r>
+              <a:rPr lang="en-US" dirty="0" smtClean="0"/>
+              <a:t>Do not reinvent the wheel </a:t>
+            </a:r>
+            <a:endParaRPr lang="en-US" dirty="0"/>
+          </a:p>
+        </p:txBody>
+      </p:sp>
+      <p:sp>
+        <p:nvSpPr>
+          <p:cNvPr id="3" name="Content Placeholder 2"/>
+          <p:cNvSpPr>
+            <a:spLocks noGrp="1"/>
+          </p:cNvSpPr>
+          <p:nvPr>
+            <p:ph idx="1"/>
+          </p:nvPr>
+        </p:nvSpPr>
+        <p:spPr/>
+        <p:txBody>
+          <a:bodyPr/>
+          <a:lstStyle/>
+          <a:p>
+            <a:r>
+              <a:rPr lang="en-US" dirty="0" smtClean="0"/>
+              <a:t>Do not write your own code for a function, unless there is absolutely no choice</a:t>
+            </a:r>
+          </a:p>
+          <a:p>
+            <a:r>
+              <a:rPr lang="en-US" dirty="0" smtClean="0"/>
+              <a:t>If a solution is </a:t>
+            </a:r>
+            <a:r>
+              <a:rPr lang="en-US" dirty="0" smtClean="0"/>
+              <a:t>available, written by someone else </a:t>
+            </a:r>
+          </a:p>
+          <a:p>
+            <a:pPr lvl="1"/>
+            <a:r>
+              <a:rPr lang="en-US" dirty="0" smtClean="0"/>
+              <a:t>Probably </a:t>
+            </a:r>
+            <a:r>
+              <a:rPr lang="en-US" dirty="0" smtClean="0"/>
+              <a:t>been rigorously tested by many more </a:t>
+            </a:r>
+            <a:r>
+              <a:rPr lang="en-US" dirty="0" smtClean="0"/>
+              <a:t>people</a:t>
+            </a:r>
+          </a:p>
+        </p:txBody>
+      </p:sp>
+    </p:spTree>
+    <p:extLst>
+      <p:ext uri="{BB962C8B-B14F-4D97-AF65-F5344CB8AC3E}">
+        <p14:creationId xmlns:p14="http://schemas.microsoft.com/office/powerpoint/2010/main" val="2296045984"/>
+      </p:ext>
+    </p:extLst>
+  </p:cSld>
+  <p:clrMapOvr>
+    <a:masterClrMapping/>
+  </p:clrMapOvr>
+</p:sld>
+</file>
+
 <file path=ppt/slides/slide27.xml><?xml version="1.0" encoding="utf-8"?>
 <p:sld xmlns:a="http://schemas.openxmlformats.org/drawingml/2006/main" xmlns:r="http://schemas.openxmlformats.org/officeDocument/2006/relationships" xmlns:p="http://schemas.openxmlformats.org/presentationml/2006/main">
   <p:cSld>
@@ -8135,68 +9756,62 @@
       </p:grpSpPr>
       <p:sp>
         <p:nvSpPr>
-          <p:cNvPr id="2" name="Title 1"/>
-          <p:cNvSpPr>
-            <a:spLocks noGrp="1"/>
-          </p:cNvSpPr>
-          <p:nvPr>
-            <p:ph type="title"/>
-          </p:nvPr>
-        </p:nvSpPr>
-        <p:spPr/>
-        <p:txBody>
-          <a:bodyPr/>
-          <a:lstStyle/>
-          <a:p>
-            <a:r>
-              <a:rPr lang="en-US" dirty="0" smtClean="0"/>
-              <a:t>Do not reinvent the wheel </a:t>
-            </a:r>
-            <a:endParaRPr lang="en-US" dirty="0"/>
-          </a:p>
-        </p:txBody>
-      </p:sp>
-      <p:sp>
-        <p:nvSpPr>
-          <p:cNvPr id="3" name="Content Placeholder 2"/>
-          <p:cNvSpPr>
-            <a:spLocks noGrp="1"/>
-          </p:cNvSpPr>
-          <p:nvPr>
-            <p:ph idx="1"/>
-          </p:nvPr>
-        </p:nvSpPr>
-        <p:spPr/>
-        <p:txBody>
-          <a:bodyPr/>
-          <a:lstStyle/>
-          <a:p>
-            <a:r>
-              <a:rPr lang="en-US" dirty="0" smtClean="0"/>
-              <a:t>Do not write your own code for a function, unless there is absolutely no choice</a:t>
-            </a:r>
-          </a:p>
-          <a:p>
-            <a:r>
-              <a:rPr lang="en-US" dirty="0" smtClean="0"/>
-              <a:t>If a solution is available on the internet, use it. If it popped up in </a:t>
-            </a:r>
-            <a:r>
-              <a:rPr lang="en-US" dirty="0"/>
-              <a:t>G</a:t>
-            </a:r>
-            <a:r>
-              <a:rPr lang="en-US" dirty="0" smtClean="0"/>
-              <a:t>oogle, its probably been rigorously tested by many more people than code you would write yourself </a:t>
-            </a:r>
-            <a:endParaRPr lang="en-US" dirty="0"/>
+          <p:cNvPr id="3" name="Title 2"/>
+          <p:cNvSpPr>
+            <a:spLocks noGrp="1"/>
+          </p:cNvSpPr>
+          <p:nvPr>
+            <p:ph type="ctrTitle"/>
+          </p:nvPr>
+        </p:nvSpPr>
+        <p:spPr>
+          <a:solidFill>
+            <a:schemeClr val="tx1"/>
+          </a:solidFill>
+        </p:spPr>
+        <p:txBody>
+          <a:bodyPr/>
+          <a:lstStyle/>
+          <a:p>
+            <a:r>
+              <a:rPr lang="en-US" dirty="0" smtClean="0">
+                <a:solidFill>
+                  <a:srgbClr val="FFFFFF"/>
+                </a:solidFill>
+              </a:rPr>
+              <a:t>Developing Your Own Tool</a:t>
+            </a:r>
+            <a:endParaRPr lang="en-US" dirty="0">
+              <a:solidFill>
+                <a:srgbClr val="FFFFFF"/>
+              </a:solidFill>
+            </a:endParaRPr>
+          </a:p>
+        </p:txBody>
+      </p:sp>
+      <p:sp>
+        <p:nvSpPr>
+          <p:cNvPr id="4" name="Subtitle 3"/>
+          <p:cNvSpPr>
+            <a:spLocks noGrp="1"/>
+          </p:cNvSpPr>
+          <p:nvPr>
+            <p:ph type="subTitle" idx="1"/>
+          </p:nvPr>
+        </p:nvSpPr>
+        <p:spPr/>
+        <p:txBody>
+          <a:bodyPr/>
+          <a:lstStyle/>
+          <a:p>
+            <a:endParaRPr lang="en-US"/>
           </a:p>
         </p:txBody>
       </p:sp>
     </p:spTree>
     <p:extLst>
       <p:ext uri="{BB962C8B-B14F-4D97-AF65-F5344CB8AC3E}">
-        <p14:creationId xmlns:p14="http://schemas.microsoft.com/office/powerpoint/2010/main" val="2296045984"/>
+        <p14:creationId xmlns:p14="http://schemas.microsoft.com/office/powerpoint/2010/main" val="2196298696"/>
       </p:ext>
     </p:extLst>
   </p:cSld>
@@ -8225,90 +9840,6 @@
       </p:grpSpPr>
       <p:sp>
         <p:nvSpPr>
-          <p:cNvPr id="3" name="Title 2"/>
-          <p:cNvSpPr>
-            <a:spLocks noGrp="1"/>
-          </p:cNvSpPr>
-          <p:nvPr>
-            <p:ph type="ctrTitle"/>
-          </p:nvPr>
-        </p:nvSpPr>
-        <p:spPr>
-          <a:solidFill>
-            <a:schemeClr val="tx1"/>
-          </a:solidFill>
-        </p:spPr>
-        <p:txBody>
-          <a:bodyPr/>
-          <a:lstStyle/>
-          <a:p>
-            <a:r>
-              <a:rPr lang="en-US" dirty="0" smtClean="0">
-                <a:solidFill>
-                  <a:srgbClr val="FFFFFF"/>
-                </a:solidFill>
-              </a:rPr>
-              <a:t>Developing Your Own Tool</a:t>
-            </a:r>
-            <a:endParaRPr lang="en-US" dirty="0">
-              <a:solidFill>
-                <a:srgbClr val="FFFFFF"/>
-              </a:solidFill>
-            </a:endParaRPr>
-          </a:p>
-        </p:txBody>
-      </p:sp>
-      <p:sp>
-        <p:nvSpPr>
-          <p:cNvPr id="4" name="Subtitle 3"/>
-          <p:cNvSpPr>
-            <a:spLocks noGrp="1"/>
-          </p:cNvSpPr>
-          <p:nvPr>
-            <p:ph type="subTitle" idx="1"/>
-          </p:nvPr>
-        </p:nvSpPr>
-        <p:spPr/>
-        <p:txBody>
-          <a:bodyPr/>
-          <a:lstStyle/>
-          <a:p>
-            <a:endParaRPr lang="en-US"/>
-          </a:p>
-        </p:txBody>
-      </p:sp>
-    </p:spTree>
-    <p:extLst>
-      <p:ext uri="{BB962C8B-B14F-4D97-AF65-F5344CB8AC3E}">
-        <p14:creationId xmlns:p14="http://schemas.microsoft.com/office/powerpoint/2010/main" val="2196298696"/>
-      </p:ext>
-    </p:extLst>
-  </p:cSld>
-  <p:clrMapOvr>
-    <a:masterClrMapping/>
-  </p:clrMapOvr>
-</p:sld>
-</file>
-
-<file path=ppt/slides/slide29.xml><?xml version="1.0" encoding="utf-8"?>
-<p:sld xmlns:a="http://schemas.openxmlformats.org/drawingml/2006/main" xmlns:r="http://schemas.openxmlformats.org/officeDocument/2006/relationships" xmlns:p="http://schemas.openxmlformats.org/presentationml/2006/main">
-  <p:cSld>
-    <p:spTree>
-      <p:nvGrpSpPr>
-        <p:cNvPr id="1" name=""/>
-        <p:cNvGrpSpPr/>
-        <p:nvPr/>
-      </p:nvGrpSpPr>
-      <p:grpSpPr>
-        <a:xfrm>
-          <a:off x="0" y="0"/>
-          <a:ext cx="0" cy="0"/>
-          <a:chOff x="0" y="0"/>
-          <a:chExt cx="0" cy="0"/>
-        </a:xfrm>
-      </p:grpSpPr>
-      <p:sp>
-        <p:nvSpPr>
           <p:cNvPr id="2" name="Title 1"/>
           <p:cNvSpPr>
             <a:spLocks noGrp="1"/>
@@ -8347,13 +9878,39 @@
           <a:p>
             <a:r>
               <a:rPr lang="en-US" dirty="0" smtClean="0"/>
-              <a:t>When you really need it, and no one else has done anything remotely similar you can adapt</a:t>
-            </a:r>
-          </a:p>
-          <a:p>
-            <a:r>
-              <a:rPr lang="en-US" dirty="0" smtClean="0"/>
-              <a:t>When there’s a clear need for it </a:t>
+              <a:t>When you really need </a:t>
+            </a:r>
+            <a:r>
+              <a:rPr lang="en-US" dirty="0" smtClean="0"/>
+              <a:t>it</a:t>
+            </a:r>
+          </a:p>
+          <a:p>
+            <a:r>
+              <a:rPr lang="en-US" dirty="0"/>
+              <a:t>N</a:t>
+            </a:r>
+            <a:r>
+              <a:rPr lang="en-US" dirty="0" smtClean="0"/>
+              <a:t>o </a:t>
+            </a:r>
+            <a:r>
+              <a:rPr lang="en-US" dirty="0" smtClean="0"/>
+              <a:t>one else has done anything remotely similar you can adapt</a:t>
+            </a:r>
+          </a:p>
+          <a:p>
+            <a:r>
+              <a:rPr lang="en-US" dirty="0" smtClean="0"/>
+              <a:t>There’s </a:t>
+            </a:r>
+            <a:r>
+              <a:rPr lang="en-US" dirty="0" smtClean="0"/>
+              <a:t>a clear need for it </a:t>
+            </a:r>
+            <a:r>
+              <a:rPr lang="en-US" dirty="0" smtClean="0"/>
+              <a:t>by other people </a:t>
             </a:r>
             <a:endParaRPr lang="en-US" dirty="0"/>
           </a:p>
@@ -8402,6 +9959,157 @@
 </p:sld>
 </file>
 
+<file path=ppt/slides/slide29.xml><?xml version="1.0" encoding="utf-8"?>
+<p:sld xmlns:a="http://schemas.openxmlformats.org/drawingml/2006/main" xmlns:r="http://schemas.openxmlformats.org/officeDocument/2006/relationships" xmlns:p="http://schemas.openxmlformats.org/presentationml/2006/main">
+  <p:cSld>
+    <p:spTree>
+      <p:nvGrpSpPr>
+        <p:cNvPr id="1" name=""/>
+        <p:cNvGrpSpPr/>
+        <p:nvPr/>
+      </p:nvGrpSpPr>
+      <p:grpSpPr>
+        <a:xfrm>
+          <a:off x="0" y="0"/>
+          <a:ext cx="0" cy="0"/>
+          <a:chOff x="0" y="0"/>
+          <a:chExt cx="0" cy="0"/>
+        </a:xfrm>
+      </p:grpSpPr>
+      <p:sp>
+        <p:nvSpPr>
+          <p:cNvPr id="2" name="Title 1"/>
+          <p:cNvSpPr>
+            <a:spLocks noGrp="1"/>
+          </p:cNvSpPr>
+          <p:nvPr>
+            <p:ph type="title"/>
+          </p:nvPr>
+        </p:nvSpPr>
+        <p:spPr/>
+        <p:txBody>
+          <a:bodyPr/>
+          <a:lstStyle/>
+          <a:p>
+            <a:r>
+              <a:rPr lang="en-US" dirty="0" smtClean="0"/>
+              <a:t>Things to keep in mind</a:t>
+            </a:r>
+            <a:endParaRPr lang="en-US" dirty="0"/>
+          </a:p>
+        </p:txBody>
+      </p:sp>
+      <p:sp>
+        <p:nvSpPr>
+          <p:cNvPr id="3" name="Content Placeholder 2"/>
+          <p:cNvSpPr>
+            <a:spLocks noGrp="1"/>
+          </p:cNvSpPr>
+          <p:nvPr>
+            <p:ph idx="1"/>
+          </p:nvPr>
+        </p:nvSpPr>
+        <p:spPr/>
+        <p:txBody>
+          <a:bodyPr>
+            <a:normAutofit fontScale="70000" lnSpcReduction="20000"/>
+          </a:bodyPr>
+          <a:lstStyle/>
+          <a:p>
+            <a:r>
+              <a:rPr lang="en-US" dirty="0" smtClean="0"/>
+              <a:t>Operating System compatibility</a:t>
+            </a:r>
+          </a:p>
+          <a:p>
+            <a:pPr lvl="1"/>
+            <a:r>
+              <a:rPr lang="en-US" dirty="0" smtClean="0"/>
+              <a:t>Who are your users?</a:t>
+            </a:r>
+          </a:p>
+          <a:p>
+            <a:pPr lvl="1"/>
+            <a:r>
+              <a:rPr lang="en-US" dirty="0" smtClean="0"/>
+              <a:t>What OS do they mainly use?</a:t>
+            </a:r>
+          </a:p>
+          <a:p>
+            <a:r>
+              <a:rPr lang="en-US" dirty="0" smtClean="0"/>
+              <a:t>Beta Testing</a:t>
+            </a:r>
+          </a:p>
+          <a:p>
+            <a:pPr lvl="1"/>
+            <a:r>
+              <a:rPr lang="en-US" dirty="0" smtClean="0"/>
+              <a:t>People in your department, who haven’t used it yet</a:t>
+            </a:r>
+          </a:p>
+          <a:p>
+            <a:pPr lvl="1"/>
+            <a:r>
+              <a:rPr lang="en-US" dirty="0" smtClean="0"/>
+              <a:t>People with only a basic knowledge of computer science  </a:t>
+            </a:r>
+          </a:p>
+          <a:p>
+            <a:r>
+              <a:rPr lang="en-US" dirty="0" smtClean="0"/>
+              <a:t>Documentation</a:t>
+            </a:r>
+          </a:p>
+          <a:p>
+            <a:pPr lvl="1"/>
+            <a:r>
+              <a:rPr lang="en-US" dirty="0" smtClean="0"/>
+              <a:t>Write good documentation if you want other people to use your program</a:t>
+            </a:r>
+          </a:p>
+          <a:p>
+            <a:pPr lvl="1"/>
+            <a:r>
+              <a:rPr lang="en-US" dirty="0" smtClean="0"/>
+              <a:t>If its hard for them to understand what your code does, it would be easier for them to write it themselves </a:t>
+            </a:r>
+          </a:p>
+          <a:p>
+            <a:r>
+              <a:rPr lang="en-US" dirty="0" smtClean="0"/>
+              <a:t>Versions of software dependencies</a:t>
+            </a:r>
+          </a:p>
+          <a:p>
+            <a:pPr lvl="1"/>
+            <a:r>
+              <a:rPr lang="en-US" dirty="0" smtClean="0"/>
+              <a:t>What works on a higher version may be broken on a previous version</a:t>
+            </a:r>
+          </a:p>
+          <a:p>
+            <a:pPr lvl="1"/>
+            <a:r>
+              <a:rPr lang="en-US" dirty="0" smtClean="0"/>
+              <a:t>Features in a lower version may be deprecated in a higher version</a:t>
+            </a:r>
+          </a:p>
+        </p:txBody>
+      </p:sp>
+    </p:spTree>
+    <p:extLst>
+      <p:ext uri="{BB962C8B-B14F-4D97-AF65-F5344CB8AC3E}">
+        <p14:creationId xmlns:p14="http://schemas.microsoft.com/office/powerpoint/2010/main" val="1657130435"/>
+      </p:ext>
+    </p:extLst>
+  </p:cSld>
+  <p:clrMapOvr>
+    <a:masterClrMapping/>
+  </p:clrMapOvr>
+</p:sld>
+</file>
+
 <file path=ppt/slides/slide3.xml><?xml version="1.0" encoding="utf-8"?>
 <p:sld xmlns:a="http://schemas.openxmlformats.org/drawingml/2006/main" xmlns:r="http://schemas.openxmlformats.org/officeDocument/2006/relationships" xmlns:p="http://schemas.openxmlformats.org/presentationml/2006/main">
   <p:cSld>
@@ -8520,7 +10228,7 @@
           <a:p>
             <a:r>
               <a:rPr lang="en-US" dirty="0" smtClean="0"/>
-              <a:t>Things to keep in mind</a:t>
+              <a:t>What is unit testing?</a:t>
             </a:r>
             <a:endParaRPr lang="en-US" dirty="0"/>
           </a:p>
@@ -8539,87 +10247,66 @@
         <p:spPr/>
         <p:txBody>
           <a:bodyPr>
-            <a:normAutofit fontScale="70000" lnSpcReduction="20000"/>
+            <a:normAutofit lnSpcReduction="10000"/>
           </a:bodyPr>
           <a:lstStyle/>
           <a:p>
             <a:r>
-              <a:rPr lang="en-US" dirty="0" smtClean="0"/>
-              <a:t>Operating System compatibility</a:t>
+              <a:rPr lang="en-US" dirty="0"/>
+              <a:t>T</a:t>
+            </a:r>
+            <a:r>
+              <a:rPr lang="en-US" dirty="0" smtClean="0"/>
+              <a:t>est cases for a program you wrote to check that it works as expected</a:t>
+            </a:r>
+          </a:p>
+          <a:p>
+            <a:r>
+              <a:rPr lang="en-US" dirty="0" smtClean="0"/>
+              <a:t>Sometimes </a:t>
+            </a:r>
+            <a:r>
+              <a:rPr lang="en-US" dirty="0" smtClean="0"/>
+              <a:t>while working on something else/fixing it, you break another </a:t>
+            </a:r>
+            <a:r>
+              <a:rPr lang="en-US" dirty="0" smtClean="0"/>
+              <a:t>feature</a:t>
             </a:r>
           </a:p>
           <a:p>
             <a:pPr lvl="1"/>
             <a:r>
               <a:rPr lang="en-US" dirty="0" smtClean="0"/>
-              <a:t>Who are your users?</a:t>
+              <a:t>This defends against it! </a:t>
+            </a:r>
+            <a:endParaRPr lang="en-US" dirty="0" smtClean="0"/>
+          </a:p>
+          <a:p>
+            <a:r>
+              <a:rPr lang="en-US" dirty="0" smtClean="0"/>
+              <a:t>Test MVC</a:t>
             </a:r>
           </a:p>
           <a:p>
             <a:pPr lvl="1"/>
             <a:r>
               <a:rPr lang="en-US" dirty="0" smtClean="0"/>
-              <a:t>What OS do they mainly use?</a:t>
-            </a:r>
-          </a:p>
-          <a:p>
-            <a:r>
-              <a:rPr lang="en-US" dirty="0" smtClean="0"/>
-              <a:t>Beta Testing</a:t>
+              <a:t>Model</a:t>
             </a:r>
           </a:p>
           <a:p>
             <a:pPr lvl="1"/>
             <a:r>
               <a:rPr lang="en-US" dirty="0" smtClean="0"/>
-              <a:t>People in your department, who haven’t used it yet</a:t>
+              <a:t>View</a:t>
             </a:r>
           </a:p>
           <a:p>
             <a:pPr lvl="1"/>
             <a:r>
               <a:rPr lang="en-US" dirty="0" smtClean="0"/>
-              <a:t>People with only a basic knowledge of computer science  </a:t>
-            </a:r>
-          </a:p>
-          <a:p>
-            <a:r>
-              <a:rPr lang="en-US" dirty="0" smtClean="0"/>
-              <a:t>Documentation</a:t>
-            </a:r>
-          </a:p>
-          <a:p>
-            <a:pPr lvl="1"/>
-            <a:r>
-              <a:rPr lang="en-US" dirty="0" smtClean="0"/>
-              <a:t>Write good documentation if you want other people to use your program</a:t>
-            </a:r>
-          </a:p>
-          <a:p>
-            <a:pPr lvl="1"/>
-            <a:r>
-              <a:rPr lang="en-US" dirty="0" smtClean="0"/>
-              <a:t>If its hard for them to understand what your code does, it would be easier for them to write it themselves </a:t>
-            </a:r>
-          </a:p>
-          <a:p>
-            <a:r>
-              <a:rPr lang="en-US" dirty="0" smtClean="0"/>
-              <a:t>Versions of software dependencies</a:t>
-            </a:r>
-          </a:p>
-          <a:p>
-            <a:pPr lvl="1"/>
-            <a:r>
-              <a:rPr lang="en-US" dirty="0" smtClean="0"/>
-              <a:t>What works on a higher version may be broken on a previous version</a:t>
-            </a:r>
-          </a:p>
-          <a:p>
-            <a:pPr lvl="1"/>
-            <a:r>
-              <a:rPr lang="en-US" dirty="0" smtClean="0"/>
-              <a:t>Features in a lower version may be deprecated in a higher version</a:t>
+              <a:t>Controller </a:t>
             </a:r>
           </a:p>
         </p:txBody>
@@ -8627,7 +10314,7 @@
     </p:spTree>
     <p:extLst>
       <p:ext uri="{BB962C8B-B14F-4D97-AF65-F5344CB8AC3E}">
-        <p14:creationId xmlns:p14="http://schemas.microsoft.com/office/powerpoint/2010/main" val="1657130435"/>
+        <p14:creationId xmlns:p14="http://schemas.microsoft.com/office/powerpoint/2010/main" val="1700080837"/>
       </p:ext>
     </p:extLst>
   </p:cSld>
@@ -8671,7 +10358,7 @@
           <a:p>
             <a:r>
               <a:rPr lang="en-US" dirty="0" smtClean="0"/>
-              <a:t>What is unit testing?</a:t>
+              <a:t>Why Unit Testing</a:t>
             </a:r>
             <a:endParaRPr lang="en-US" dirty="0"/>
           </a:p>
@@ -8689,59 +10376,58 @@
         </p:nvSpPr>
         <p:spPr/>
         <p:txBody>
-          <a:bodyPr>
-            <a:normAutofit lnSpcReduction="10000"/>
-          </a:bodyPr>
+          <a:bodyPr/>
           <a:lstStyle/>
           <a:p>
             <a:r>
               <a:rPr lang="en-US" dirty="0"/>
-              <a:t>T</a:t>
-            </a:r>
-            <a:r>
-              <a:rPr lang="en-US" dirty="0" smtClean="0"/>
-              <a:t>est cases for a program you wrote to check that it works as expected</a:t>
-            </a:r>
-          </a:p>
-          <a:p>
-            <a:r>
-              <a:rPr lang="en-US" dirty="0" smtClean="0"/>
-              <a:t>Needed since sometimes while working on something else/fixing it, you break another feature</a:t>
-            </a:r>
-          </a:p>
-          <a:p>
-            <a:r>
-              <a:rPr lang="en-US" dirty="0" smtClean="0"/>
-              <a:t>Test MVC</a:t>
-            </a:r>
-          </a:p>
-          <a:p>
-            <a:pPr lvl="1"/>
-            <a:r>
-              <a:rPr lang="en-US" dirty="0" smtClean="0"/>
-              <a:t>Model</a:t>
-            </a:r>
-          </a:p>
-          <a:p>
-            <a:pPr lvl="1"/>
-            <a:r>
-              <a:rPr lang="en-US" dirty="0" smtClean="0"/>
-              <a:t>View</a:t>
-            </a:r>
-          </a:p>
-          <a:p>
-            <a:pPr lvl="1"/>
-            <a:r>
-              <a:rPr lang="en-US" dirty="0" smtClean="0"/>
-              <a:t>Controller </a:t>
-            </a:r>
+              <a:t>E</a:t>
+            </a:r>
+            <a:r>
+              <a:rPr lang="en-US" dirty="0" smtClean="0"/>
+              <a:t>nsure functionality of a program</a:t>
+            </a:r>
+          </a:p>
+          <a:p>
+            <a:r>
+              <a:rPr lang="en-US" dirty="0" smtClean="0"/>
+              <a:t>Important for software meant for a large user base/multiple collaborators</a:t>
+            </a:r>
+          </a:p>
+          <a:p>
+            <a:r>
+              <a:rPr lang="en-US" dirty="0" smtClean="0"/>
+              <a:t>Defend your research results</a:t>
+            </a:r>
+          </a:p>
+          <a:p>
+            <a:r>
+              <a:rPr lang="en-US" dirty="0" smtClean="0"/>
+              <a:t>Finds </a:t>
+            </a:r>
+            <a:r>
+              <a:rPr lang="en-US" dirty="0"/>
+              <a:t>problems early</a:t>
+            </a:r>
+          </a:p>
+          <a:p>
+            <a:r>
+              <a:rPr lang="en-US" dirty="0"/>
+              <a:t>Reduces uncertainty</a:t>
+            </a:r>
+          </a:p>
+          <a:p>
+            <a:endParaRPr lang="en-US" dirty="0" smtClean="0"/>
+          </a:p>
+          <a:p>
+            <a:endParaRPr lang="en-US" dirty="0"/>
           </a:p>
         </p:txBody>
       </p:sp>
     </p:spTree>
     <p:extLst>
       <p:ext uri="{BB962C8B-B14F-4D97-AF65-F5344CB8AC3E}">
-        <p14:creationId xmlns:p14="http://schemas.microsoft.com/office/powerpoint/2010/main" val="1700080837"/>
+        <p14:creationId xmlns:p14="http://schemas.microsoft.com/office/powerpoint/2010/main" val="3707379498"/>
       </p:ext>
     </p:extLst>
   </p:cSld>
@@ -8770,93 +10456,62 @@
       </p:grpSpPr>
       <p:sp>
         <p:nvSpPr>
-          <p:cNvPr id="2" name="Title 1"/>
-          <p:cNvSpPr>
-            <a:spLocks noGrp="1"/>
-          </p:cNvSpPr>
-          <p:nvPr>
-            <p:ph type="title"/>
-          </p:nvPr>
-        </p:nvSpPr>
-        <p:spPr/>
-        <p:txBody>
-          <a:bodyPr/>
-          <a:lstStyle/>
-          <a:p>
-            <a:r>
-              <a:rPr lang="en-US" dirty="0" smtClean="0"/>
-              <a:t>Why Unit Testing</a:t>
-            </a:r>
-            <a:endParaRPr lang="en-US" dirty="0"/>
-          </a:p>
-        </p:txBody>
-      </p:sp>
-      <p:sp>
-        <p:nvSpPr>
-          <p:cNvPr id="3" name="Content Placeholder 2"/>
-          <p:cNvSpPr>
-            <a:spLocks noGrp="1"/>
-          </p:cNvSpPr>
-          <p:nvPr>
-            <p:ph idx="1"/>
-          </p:nvPr>
-        </p:nvSpPr>
-        <p:spPr/>
-        <p:txBody>
-          <a:bodyPr/>
-          <a:lstStyle/>
-          <a:p>
-            <a:r>
-              <a:rPr lang="en-US" dirty="0"/>
-              <a:t>E</a:t>
-            </a:r>
-            <a:r>
-              <a:rPr lang="en-US" dirty="0" smtClean="0"/>
-              <a:t>nsure functionality of a program</a:t>
-            </a:r>
-          </a:p>
-          <a:p>
-            <a:r>
-              <a:rPr lang="en-US" dirty="0" smtClean="0"/>
-              <a:t>Important for software meant for a large user base/multiple collaborators</a:t>
-            </a:r>
-          </a:p>
-          <a:p>
-            <a:r>
-              <a:rPr lang="en-US" dirty="0" smtClean="0"/>
-              <a:t>Defend your research results</a:t>
-            </a:r>
-          </a:p>
-          <a:p>
-            <a:r>
-              <a:rPr lang="en-US" dirty="0"/>
-              <a:t>Can be used to defend your results </a:t>
-            </a:r>
-          </a:p>
-          <a:p>
-            <a:r>
-              <a:rPr lang="en-US" dirty="0"/>
-              <a:t>Finds problems early</a:t>
-            </a:r>
-          </a:p>
-          <a:p>
-            <a:r>
-              <a:rPr lang="en-US" dirty="0"/>
-              <a:t>Reduces uncertainty</a:t>
-            </a:r>
-          </a:p>
-          <a:p>
-            <a:endParaRPr lang="en-US" dirty="0" smtClean="0"/>
-          </a:p>
-          <a:p>
-            <a:endParaRPr lang="en-US" dirty="0"/>
+          <p:cNvPr id="4" name="Title 3"/>
+          <p:cNvSpPr>
+            <a:spLocks noGrp="1"/>
+          </p:cNvSpPr>
+          <p:nvPr>
+            <p:ph type="ctrTitle"/>
+          </p:nvPr>
+        </p:nvSpPr>
+        <p:spPr>
+          <a:solidFill>
+            <a:schemeClr val="tx1"/>
+          </a:solidFill>
+        </p:spPr>
+        <p:txBody>
+          <a:bodyPr/>
+          <a:lstStyle/>
+          <a:p>
+            <a:r>
+              <a:rPr lang="en-US" dirty="0" smtClean="0">
+                <a:solidFill>
+                  <a:schemeClr val="bg1"/>
+                </a:solidFill>
+              </a:rPr>
+              <a:t>Documentation</a:t>
+            </a:r>
+            <a:endParaRPr lang="en-US" dirty="0">
+              <a:solidFill>
+                <a:schemeClr val="bg1"/>
+              </a:solidFill>
+            </a:endParaRPr>
+          </a:p>
+        </p:txBody>
+      </p:sp>
+      <p:sp>
+        <p:nvSpPr>
+          <p:cNvPr id="5" name="Subtitle 4"/>
+          <p:cNvSpPr>
+            <a:spLocks noGrp="1"/>
+          </p:cNvSpPr>
+          <p:nvPr>
+            <p:ph type="subTitle" idx="1"/>
+          </p:nvPr>
+        </p:nvSpPr>
+        <p:spPr/>
+        <p:txBody>
+          <a:bodyPr/>
+          <a:lstStyle/>
+          <a:p>
+            <a:endParaRPr lang="en-US"/>
           </a:p>
         </p:txBody>
       </p:sp>
     </p:spTree>
     <p:extLst>
       <p:ext uri="{BB962C8B-B14F-4D97-AF65-F5344CB8AC3E}">
-        <p14:creationId xmlns:p14="http://schemas.microsoft.com/office/powerpoint/2010/main" val="3707379498"/>
+        <p14:creationId xmlns:p14="http://schemas.microsoft.com/office/powerpoint/2010/main" val="33353883"/>
       </p:ext>
     </p:extLst>
   </p:cSld>
@@ -8883,56 +10538,76 @@
           <a:chExt cx="0" cy="0"/>
         </a:xfrm>
       </p:grpSpPr>
-      <p:sp>
-        <p:nvSpPr>
-          <p:cNvPr id="4" name="Title 3"/>
-          <p:cNvSpPr>
-            <a:spLocks noGrp="1"/>
-          </p:cNvSpPr>
-          <p:nvPr>
-            <p:ph type="ctrTitle"/>
-          </p:nvPr>
-        </p:nvSpPr>
+      <p:pic>
+        <p:nvPicPr>
+          <p:cNvPr id="2" name="Picture 1" descr="Screen Shot 2014-08-05 at 9.15.20 AM.png"/>
+          <p:cNvPicPr>
+            <a:picLocks noChangeAspect="1"/>
+          </p:cNvPicPr>
+          <p:nvPr/>
+        </p:nvPicPr>
+        <p:blipFill>
+          <a:blip r:embed="rId3">
+            <a:extLst>
+              <a:ext uri="{28A0092B-C50C-407E-A947-70E740481C1C}">
+                <a14:useLocalDpi xmlns:a14="http://schemas.microsoft.com/office/drawing/2010/main" val="0"/>
+              </a:ext>
+            </a:extLst>
+          </a:blip>
+          <a:stretch>
+            <a:fillRect/>
+          </a:stretch>
+        </p:blipFill>
         <p:spPr>
-          <a:solidFill>
-            <a:schemeClr val="tx1"/>
-          </a:solidFill>
+          <a:xfrm>
+            <a:off x="0" y="457200"/>
+            <a:ext cx="9144000" cy="5931449"/>
+          </a:xfrm>
+          <a:prstGeom prst="rect">
+            <a:avLst/>
+          </a:prstGeom>
         </p:spPr>
-        <p:txBody>
-          <a:bodyPr/>
-          <a:lstStyle/>
-          <a:p>
-            <a:r>
-              <a:rPr lang="en-US" dirty="0" smtClean="0">
-                <a:solidFill>
-                  <a:schemeClr val="bg1"/>
-                </a:solidFill>
-              </a:rPr>
-              <a:t>Documentation</a:t>
-            </a:r>
-            <a:endParaRPr lang="en-US" dirty="0">
-              <a:solidFill>
-                <a:schemeClr val="bg1"/>
-              </a:solidFill>
-            </a:endParaRPr>
-          </a:p>
-        </p:txBody>
-      </p:sp>
-      <p:sp>
-        <p:nvSpPr>
-          <p:cNvPr id="5" name="Subtitle 4"/>
-          <p:cNvSpPr>
-            <a:spLocks noGrp="1"/>
-          </p:cNvSpPr>
-          <p:nvPr>
-            <p:ph type="subTitle" idx="1"/>
-          </p:nvPr>
-        </p:nvSpPr>
-        <p:spPr/>
-        <p:txBody>
-          <a:bodyPr/>
-          <a:lstStyle/>
-          <a:p>
+      </p:pic>
+      <p:sp>
+        <p:nvSpPr>
+          <p:cNvPr id="3" name="Oval 2"/>
+          <p:cNvSpPr/>
+          <p:nvPr/>
+        </p:nvSpPr>
+        <p:spPr>
+          <a:xfrm>
+            <a:off x="7050636" y="2249067"/>
+            <a:ext cx="1971003" cy="2328445"/>
+          </a:xfrm>
+          <a:prstGeom prst="ellipse">
+            <a:avLst/>
+          </a:prstGeom>
+          <a:noFill/>
+          <a:ln w="25400">
+            <a:solidFill>
+              <a:srgbClr val="FF0000"/>
+            </a:solidFill>
+          </a:ln>
+        </p:spPr>
+        <p:style>
+          <a:lnRef idx="1">
+            <a:schemeClr val="accent1"/>
+          </a:lnRef>
+          <a:fillRef idx="3">
+            <a:schemeClr val="accent1"/>
+          </a:fillRef>
+          <a:effectRef idx="2">
+            <a:schemeClr val="accent1"/>
+          </a:effectRef>
+          <a:fontRef idx="minor">
+            <a:schemeClr val="lt1"/>
+          </a:fontRef>
+        </p:style>
+        <p:txBody>
+          <a:bodyPr rtlCol="0" anchor="ctr"/>
+          <a:lstStyle/>
+          <a:p>
+            <a:pPr algn="ctr"/>
             <a:endParaRPr lang="en-US"/>
           </a:p>
         </p:txBody>
@@ -8940,7 +10615,7 @@
     </p:spTree>
     <p:extLst>
       <p:ext uri="{BB962C8B-B14F-4D97-AF65-F5344CB8AC3E}">
-        <p14:creationId xmlns:p14="http://schemas.microsoft.com/office/powerpoint/2010/main" val="33353883"/>
+        <p14:creationId xmlns:p14="http://schemas.microsoft.com/office/powerpoint/2010/main" val="2607220333"/>
       </p:ext>
     </p:extLst>
   </p:cSld>
@@ -8969,14 +10644,14 @@
       </p:grpSpPr>
       <p:pic>
         <p:nvPicPr>
-          <p:cNvPr id="4" name="Picture 3" descr="Screen Shot 2014-07-21 at 9.34.19 PM.png"/>
+          <p:cNvPr id="4" name="Picture 3" descr="Screen Shot 2014-07-21 at 9.34.59 PM.png"/>
           <p:cNvPicPr>
             <a:picLocks noChangeAspect="1"/>
           </p:cNvPicPr>
           <p:nvPr/>
         </p:nvPicPr>
         <p:blipFill>
-          <a:blip r:embed="rId2">
+          <a:blip r:embed="rId3">
             <a:extLst>
               <a:ext uri="{28A0092B-C50C-407E-A947-70E740481C1C}">
                 <a14:useLocalDpi xmlns:a14="http://schemas.microsoft.com/office/drawing/2010/main" val="0"/>
@@ -8989,67 +10664,7 @@
         </p:blipFill>
         <p:spPr>
           <a:xfrm>
-            <a:off x="0" y="0"/>
-            <a:ext cx="8931600" cy="6858000"/>
-          </a:xfrm>
-          <a:prstGeom prst="rect">
-            <a:avLst/>
-          </a:prstGeom>
-        </p:spPr>
-      </p:pic>
-    </p:spTree>
-    <p:extLst>
-      <p:ext uri="{BB962C8B-B14F-4D97-AF65-F5344CB8AC3E}">
-        <p14:creationId xmlns:p14="http://schemas.microsoft.com/office/powerpoint/2010/main" val="2607220333"/>
-      </p:ext>
-    </p:extLst>
-  </p:cSld>
-  <p:clrMapOvr>
-    <a:masterClrMapping/>
-  </p:clrMapOvr>
-</p:sld>
-</file>
-
-<file path=ppt/slides/slide35.xml><?xml version="1.0" encoding="utf-8"?>
-<p:sld xmlns:a="http://schemas.openxmlformats.org/drawingml/2006/main" xmlns:r="http://schemas.openxmlformats.org/officeDocument/2006/relationships" xmlns:p="http://schemas.openxmlformats.org/presentationml/2006/main">
-  <p:cSld>
-    <p:spTree>
-      <p:nvGrpSpPr>
-        <p:cNvPr id="1" name=""/>
-        <p:cNvGrpSpPr/>
-        <p:nvPr/>
-      </p:nvGrpSpPr>
-      <p:grpSpPr>
-        <a:xfrm>
-          <a:off x="0" y="0"/>
-          <a:ext cx="0" cy="0"/>
-          <a:chOff x="0" y="0"/>
-          <a:chExt cx="0" cy="0"/>
-        </a:xfrm>
-      </p:grpSpPr>
-      <p:pic>
-        <p:nvPicPr>
-          <p:cNvPr id="4" name="Picture 3" descr="Screen Shot 2014-07-21 at 9.34.59 PM.png"/>
-          <p:cNvPicPr>
-            <a:picLocks noChangeAspect="1"/>
-          </p:cNvPicPr>
-          <p:nvPr/>
-        </p:nvPicPr>
-        <p:blipFill>
-          <a:blip r:embed="rId2">
-            <a:extLst>
-              <a:ext uri="{28A0092B-C50C-407E-A947-70E740481C1C}">
-                <a14:useLocalDpi xmlns:a14="http://schemas.microsoft.com/office/drawing/2010/main" val="0"/>
-              </a:ext>
-            </a:extLst>
-          </a:blip>
-          <a:stretch>
-            <a:fillRect/>
-          </a:stretch>
-        </p:blipFill>
-        <p:spPr>
-          <a:xfrm>
-            <a:off x="0" y="2286000"/>
+            <a:off x="0" y="1465752"/>
             <a:ext cx="9144000" cy="2273200"/>
           </a:xfrm>
           <a:prstGeom prst="rect">
@@ -9057,6 +10672,75 @@
           </a:prstGeom>
         </p:spPr>
       </p:pic>
+      <p:sp>
+        <p:nvSpPr>
+          <p:cNvPr id="2" name="TextBox 1"/>
+          <p:cNvSpPr txBox="1"/>
+          <p:nvPr/>
+        </p:nvSpPr>
+        <p:spPr>
+          <a:xfrm>
+            <a:off x="1349276" y="4656891"/>
+            <a:ext cx="6455367" cy="646331"/>
+          </a:xfrm>
+          <a:prstGeom prst="rect">
+            <a:avLst/>
+          </a:prstGeom>
+          <a:noFill/>
+        </p:spPr>
+        <p:txBody>
+          <a:bodyPr wrap="square" rtlCol="0">
+            <a:spAutoFit/>
+          </a:bodyPr>
+          <a:lstStyle/>
+          <a:p>
+            <a:r>
+              <a:rPr lang="en-US" dirty="0" smtClean="0"/>
+              <a:t>Full version (</a:t>
+            </a:r>
+            <a:r>
+              <a:rPr lang="en-US" dirty="0"/>
+              <a:t>very large): </a:t>
+            </a:r>
+            <a:r>
+              <a:rPr lang="en-US" dirty="0">
+                <a:hlinkClick r:id="rId4"/>
+              </a:rPr>
+              <a:t>http://www.tug.org/mactex</a:t>
+            </a:r>
+            <a:r>
+              <a:rPr lang="en-US" dirty="0" smtClean="0">
+                <a:hlinkClick r:id="rId4"/>
+              </a:rPr>
+              <a:t>/</a:t>
+            </a:r>
+            <a:endParaRPr lang="en-US" dirty="0" smtClean="0"/>
+          </a:p>
+          <a:p>
+            <a:r>
+              <a:rPr lang="en-US" dirty="0"/>
+              <a:t>Smaller version: </a:t>
+            </a:r>
+            <a:r>
+              <a:rPr lang="en-US" dirty="0">
+                <a:hlinkClick r:id="rId5"/>
+              </a:rPr>
+              <a:t>http://www.tug.org/mactex/</a:t>
+            </a:r>
+            <a:r>
+              <a:rPr lang="en-US" dirty="0" smtClean="0">
+                <a:hlinkClick r:id="rId5"/>
+              </a:rPr>
+              <a:t>morepackages.html</a:t>
+            </a:r>
+            <a:r>
+              <a:rPr lang="en-US" dirty="0" smtClean="0"/>
+              <a:t>  </a:t>
+            </a:r>
+            <a:endParaRPr lang="en-US" dirty="0"/>
+          </a:p>
+        </p:txBody>
+      </p:sp>
     </p:spTree>
     <p:extLst>
       <p:ext uri="{BB962C8B-B14F-4D97-AF65-F5344CB8AC3E}">
@@ -9466,7 +11150,12 @@
             <p:ph type="title"/>
           </p:nvPr>
         </p:nvSpPr>
-        <p:spPr/>
+        <p:spPr>
+          <a:xfrm>
+            <a:off x="381000" y="39690"/>
+            <a:ext cx="8229600" cy="770517"/>
+          </a:xfrm>
+        </p:spPr>
         <p:txBody>
           <a:bodyPr/>
           <a:lstStyle/>
@@ -9491,7 +11180,7 @@
         </p:nvSpPr>
         <p:spPr>
           <a:xfrm>
-            <a:off x="457200" y="1243308"/>
+            <a:off x="457200" y="862833"/>
             <a:ext cx="4038600" cy="4525963"/>
           </a:xfrm>
         </p:spPr>
@@ -9544,7 +11233,7 @@
         </p:nvSpPr>
         <p:spPr>
           <a:xfrm>
-            <a:off x="4648200" y="1417638"/>
+            <a:off x="4572000" y="810207"/>
             <a:ext cx="4038600" cy="4525963"/>
           </a:xfrm>
         </p:spPr>
@@ -9607,8 +11296,8 @@
         </p:blipFill>
         <p:spPr>
           <a:xfrm>
-            <a:off x="805780" y="3909961"/>
-            <a:ext cx="3325557" cy="2764369"/>
+            <a:off x="457200" y="3433688"/>
+            <a:ext cx="3894881" cy="3237620"/>
           </a:xfrm>
           <a:prstGeom prst="rect">
             <a:avLst/>
